--- a/docs/TransformersIntroFigures.pptx
+++ b/docs/TransformersIntroFigures.pptx
@@ -3970,6 +3970,2596 @@
           </mc:Fallback>
         </mc:AlternateContent>
       </p:grpSp>
+      <p:sp>
+        <p:nvSpPr>
+          <p:cNvPr id="17" name="Oval 16">
+            <a:extLst>
+              <a:ext uri="{FF2B5EF4-FFF2-40B4-BE49-F238E27FC236}">
+                <a16:creationId xmlns:a16="http://schemas.microsoft.com/office/drawing/2014/main" id="{12E4C1CC-3C88-E147-8F87-D97DFBA1DBFD}"/>
+              </a:ext>
+            </a:extLst>
+          </p:cNvPr>
+          <p:cNvSpPr/>
+          <p:nvPr/>
+        </p:nvSpPr>
+        <p:spPr>
+          <a:xfrm>
+            <a:off x="1849348" y="2883230"/>
+            <a:ext cx="406259" cy="382624"/>
+          </a:xfrm>
+          <a:prstGeom prst="ellipse">
+            <a:avLst/>
+          </a:prstGeom>
+          <a:noFill/>
+        </p:spPr>
+        <p:style>
+          <a:lnRef idx="2">
+            <a:schemeClr val="accent1">
+              <a:shade val="50000"/>
+            </a:schemeClr>
+          </a:lnRef>
+          <a:fillRef idx="1">
+            <a:schemeClr val="accent1"/>
+          </a:fillRef>
+          <a:effectRef idx="0">
+            <a:schemeClr val="accent1"/>
+          </a:effectRef>
+          <a:fontRef idx="minor">
+            <a:schemeClr val="lt1"/>
+          </a:fontRef>
+        </p:style>
+        <p:txBody>
+          <a:bodyPr rtlCol="0" anchor="ctr"/>
+          <a:lstStyle/>
+          <a:p>
+            <a:pPr algn="ctr"/>
+            <a:endParaRPr lang="en-US">
+              <a:noFill/>
+            </a:endParaRPr>
+          </a:p>
+        </p:txBody>
+      </p:sp>
+      <p:sp>
+        <p:nvSpPr>
+          <p:cNvPr id="18" name="Oval 17">
+            <a:extLst>
+              <a:ext uri="{FF2B5EF4-FFF2-40B4-BE49-F238E27FC236}">
+                <a16:creationId xmlns:a16="http://schemas.microsoft.com/office/drawing/2014/main" id="{78723D70-B431-C649-BE9E-585B8D7307A8}"/>
+              </a:ext>
+            </a:extLst>
+          </p:cNvPr>
+          <p:cNvSpPr/>
+          <p:nvPr/>
+        </p:nvSpPr>
+        <p:spPr>
+          <a:xfrm>
+            <a:off x="1849348" y="3549337"/>
+            <a:ext cx="406259" cy="382624"/>
+          </a:xfrm>
+          <a:prstGeom prst="ellipse">
+            <a:avLst/>
+          </a:prstGeom>
+          <a:noFill/>
+        </p:spPr>
+        <p:style>
+          <a:lnRef idx="2">
+            <a:schemeClr val="accent1">
+              <a:shade val="50000"/>
+            </a:schemeClr>
+          </a:lnRef>
+          <a:fillRef idx="1">
+            <a:schemeClr val="accent1"/>
+          </a:fillRef>
+          <a:effectRef idx="0">
+            <a:schemeClr val="accent1"/>
+          </a:effectRef>
+          <a:fontRef idx="minor">
+            <a:schemeClr val="lt1"/>
+          </a:fontRef>
+        </p:style>
+        <p:txBody>
+          <a:bodyPr rtlCol="0" anchor="ctr"/>
+          <a:lstStyle/>
+          <a:p>
+            <a:pPr algn="ctr"/>
+            <a:endParaRPr lang="en-US">
+              <a:noFill/>
+            </a:endParaRPr>
+          </a:p>
+        </p:txBody>
+      </p:sp>
+      <mc:AlternateContent xmlns:mc="http://schemas.openxmlformats.org/markup-compatibility/2006">
+        <mc:Choice xmlns:a14="http://schemas.microsoft.com/office/drawing/2010/main" Requires="a14">
+          <p:sp>
+            <p:nvSpPr>
+              <p:cNvPr id="19" name="Oval 18">
+                <a:extLst>
+                  <a:ext uri="{FF2B5EF4-FFF2-40B4-BE49-F238E27FC236}">
+                    <a16:creationId xmlns:a16="http://schemas.microsoft.com/office/drawing/2014/main" id="{44B58C8C-7771-5047-82C5-F465E90DE7A8}"/>
+                  </a:ext>
+                </a:extLst>
+              </p:cNvPr>
+              <p:cNvSpPr/>
+              <p:nvPr/>
+            </p:nvSpPr>
+            <p:spPr>
+              <a:xfrm>
+                <a:off x="1849348" y="5060009"/>
+                <a:ext cx="406259" cy="382624"/>
+              </a:xfrm>
+              <a:prstGeom prst="ellipse">
+                <a:avLst/>
+              </a:prstGeom>
+              <a:noFill/>
+            </p:spPr>
+            <p:style>
+              <a:lnRef idx="2">
+                <a:schemeClr val="accent1">
+                  <a:shade val="50000"/>
+                </a:schemeClr>
+              </a:lnRef>
+              <a:fillRef idx="1">
+                <a:schemeClr val="accent1"/>
+              </a:fillRef>
+              <a:effectRef idx="0">
+                <a:schemeClr val="accent1"/>
+              </a:effectRef>
+              <a:fontRef idx="minor">
+                <a:schemeClr val="lt1"/>
+              </a:fontRef>
+            </p:style>
+            <p:txBody>
+              <a:bodyPr rtlCol="0" anchor="ctr"/>
+              <a:lstStyle/>
+              <a:p>
+                <a:pPr algn="ctr"/>
+                <a14:m>
+                  <m:oMathPara xmlns:m="http://schemas.openxmlformats.org/officeDocument/2006/math">
+                    <m:oMathParaPr>
+                      <m:jc m:val="centerGroup"/>
+                    </m:oMathParaPr>
+                    <m:oMath xmlns:m="http://schemas.openxmlformats.org/officeDocument/2006/math">
+                      <a:fld id="{825F15A7-03F4-43D7-82C5-3E23DA2F108C}" type="mathplaceholder">
+                        <a:rPr lang="en-US" i="1" smtClean="0">
+                          <a:noFill/>
+                          <a:latin typeface="Cambria Math" panose="02040503050406030204" pitchFamily="18" charset="0"/>
+                        </a:rPr>
+                        <a:t>Type equation here.</a:t>
+                      </a:fld>
+                    </m:oMath>
+                  </m:oMathPara>
+                </a14:m>
+                <a:endParaRPr lang="en-US" dirty="0">
+                  <a:noFill/>
+                </a:endParaRPr>
+              </a:p>
+            </p:txBody>
+          </p:sp>
+        </mc:Choice>
+        <mc:Fallback>
+          <p:sp>
+            <p:nvSpPr>
+              <p:cNvPr id="19" name="Oval 18">
+                <a:extLst>
+                  <a:ext uri="{FF2B5EF4-FFF2-40B4-BE49-F238E27FC236}">
+                    <a16:creationId xmlns:a16="http://schemas.microsoft.com/office/drawing/2014/main" id="{44B58C8C-7771-5047-82C5-F465E90DE7A8}"/>
+                  </a:ext>
+                </a:extLst>
+              </p:cNvPr>
+              <p:cNvSpPr>
+                <a:spLocks noRot="1" noChangeAspect="1" noMove="1" noResize="1" noEditPoints="1" noAdjustHandles="1" noChangeArrowheads="1" noChangeShapeType="1" noTextEdit="1"/>
+              </p:cNvSpPr>
+              <p:nvPr/>
+            </p:nvSpPr>
+            <p:spPr>
+              <a:xfrm>
+                <a:off x="1849348" y="5060009"/>
+                <a:ext cx="406259" cy="382624"/>
+              </a:xfrm>
+              <a:prstGeom prst="ellipse">
+                <a:avLst/>
+              </a:prstGeom>
+              <a:blipFill>
+                <a:blip r:embed="rId5"/>
+                <a:stretch>
+                  <a:fillRect/>
+                </a:stretch>
+              </a:blipFill>
+            </p:spPr>
+            <p:txBody>
+              <a:bodyPr/>
+              <a:lstStyle/>
+              <a:p>
+                <a:r>
+                  <a:rPr lang="en-US">
+                    <a:noFill/>
+                  </a:rPr>
+                  <a:t> </a:t>
+                </a:r>
+              </a:p>
+            </p:txBody>
+          </p:sp>
+        </mc:Fallback>
+      </mc:AlternateContent>
+      <p:sp>
+        <p:nvSpPr>
+          <p:cNvPr id="20" name="TextBox 19">
+            <a:extLst>
+              <a:ext uri="{FF2B5EF4-FFF2-40B4-BE49-F238E27FC236}">
+                <a16:creationId xmlns:a16="http://schemas.microsoft.com/office/drawing/2014/main" id="{DE21A9E0-9429-AB4D-B230-96E6B1EC26C0}"/>
+              </a:ext>
+            </a:extLst>
+          </p:cNvPr>
+          <p:cNvSpPr txBox="1"/>
+          <p:nvPr/>
+        </p:nvSpPr>
+        <p:spPr>
+          <a:xfrm rot="5400000">
+            <a:off x="1885777" y="4311319"/>
+            <a:ext cx="463588" cy="369332"/>
+          </a:xfrm>
+          <a:prstGeom prst="rect">
+            <a:avLst/>
+          </a:prstGeom>
+          <a:noFill/>
+        </p:spPr>
+        <p:txBody>
+          <a:bodyPr wrap="none" rtlCol="0">
+            <a:spAutoFit/>
+          </a:bodyPr>
+          <a:lstStyle/>
+          <a:p>
+            <a:r>
+              <a:rPr lang="en-US" dirty="0"/>
+              <a:t>. . .</a:t>
+            </a:r>
+          </a:p>
+        </p:txBody>
+      </p:sp>
+      <p:sp>
+        <p:nvSpPr>
+          <p:cNvPr id="21" name="Oval 20">
+            <a:extLst>
+              <a:ext uri="{FF2B5EF4-FFF2-40B4-BE49-F238E27FC236}">
+                <a16:creationId xmlns:a16="http://schemas.microsoft.com/office/drawing/2014/main" id="{2A6EC751-A79F-A343-808A-5D06745C5A1C}"/>
+              </a:ext>
+            </a:extLst>
+          </p:cNvPr>
+          <p:cNvSpPr/>
+          <p:nvPr/>
+        </p:nvSpPr>
+        <p:spPr>
+          <a:xfrm>
+            <a:off x="3354708" y="2883230"/>
+            <a:ext cx="406259" cy="382624"/>
+          </a:xfrm>
+          <a:prstGeom prst="ellipse">
+            <a:avLst/>
+          </a:prstGeom>
+          <a:noFill/>
+        </p:spPr>
+        <p:style>
+          <a:lnRef idx="2">
+            <a:schemeClr val="accent1">
+              <a:shade val="50000"/>
+            </a:schemeClr>
+          </a:lnRef>
+          <a:fillRef idx="1">
+            <a:schemeClr val="accent1"/>
+          </a:fillRef>
+          <a:effectRef idx="0">
+            <a:schemeClr val="accent1"/>
+          </a:effectRef>
+          <a:fontRef idx="minor">
+            <a:schemeClr val="lt1"/>
+          </a:fontRef>
+        </p:style>
+        <p:txBody>
+          <a:bodyPr rtlCol="0" anchor="ctr"/>
+          <a:lstStyle/>
+          <a:p>
+            <a:pPr algn="ctr"/>
+            <a:endParaRPr lang="en-US">
+              <a:noFill/>
+            </a:endParaRPr>
+          </a:p>
+        </p:txBody>
+      </p:sp>
+      <p:sp>
+        <p:nvSpPr>
+          <p:cNvPr id="22" name="Oval 21">
+            <a:extLst>
+              <a:ext uri="{FF2B5EF4-FFF2-40B4-BE49-F238E27FC236}">
+                <a16:creationId xmlns:a16="http://schemas.microsoft.com/office/drawing/2014/main" id="{CC80760B-CB22-1D41-A502-3DF6F0F674F2}"/>
+              </a:ext>
+            </a:extLst>
+          </p:cNvPr>
+          <p:cNvSpPr/>
+          <p:nvPr/>
+        </p:nvSpPr>
+        <p:spPr>
+          <a:xfrm>
+            <a:off x="3354708" y="3549337"/>
+            <a:ext cx="406259" cy="382624"/>
+          </a:xfrm>
+          <a:prstGeom prst="ellipse">
+            <a:avLst/>
+          </a:prstGeom>
+          <a:noFill/>
+        </p:spPr>
+        <p:style>
+          <a:lnRef idx="2">
+            <a:schemeClr val="accent1">
+              <a:shade val="50000"/>
+            </a:schemeClr>
+          </a:lnRef>
+          <a:fillRef idx="1">
+            <a:schemeClr val="accent1"/>
+          </a:fillRef>
+          <a:effectRef idx="0">
+            <a:schemeClr val="accent1"/>
+          </a:effectRef>
+          <a:fontRef idx="minor">
+            <a:schemeClr val="lt1"/>
+          </a:fontRef>
+        </p:style>
+        <p:txBody>
+          <a:bodyPr rtlCol="0" anchor="ctr"/>
+          <a:lstStyle/>
+          <a:p>
+            <a:pPr algn="ctr"/>
+            <a:endParaRPr lang="en-US">
+              <a:noFill/>
+            </a:endParaRPr>
+          </a:p>
+        </p:txBody>
+      </p:sp>
+      <mc:AlternateContent xmlns:mc="http://schemas.openxmlformats.org/markup-compatibility/2006">
+        <mc:Choice xmlns:a14="http://schemas.microsoft.com/office/drawing/2010/main" Requires="a14">
+          <p:sp>
+            <p:nvSpPr>
+              <p:cNvPr id="23" name="Oval 22">
+                <a:extLst>
+                  <a:ext uri="{FF2B5EF4-FFF2-40B4-BE49-F238E27FC236}">
+                    <a16:creationId xmlns:a16="http://schemas.microsoft.com/office/drawing/2014/main" id="{94D9CFB3-2CF5-D749-A69F-5C89218F76BF}"/>
+                  </a:ext>
+                </a:extLst>
+              </p:cNvPr>
+              <p:cNvSpPr/>
+              <p:nvPr/>
+            </p:nvSpPr>
+            <p:spPr>
+              <a:xfrm>
+                <a:off x="3354708" y="5060009"/>
+                <a:ext cx="406259" cy="382624"/>
+              </a:xfrm>
+              <a:prstGeom prst="ellipse">
+                <a:avLst/>
+              </a:prstGeom>
+              <a:noFill/>
+            </p:spPr>
+            <p:style>
+              <a:lnRef idx="2">
+                <a:schemeClr val="accent1">
+                  <a:shade val="50000"/>
+                </a:schemeClr>
+              </a:lnRef>
+              <a:fillRef idx="1">
+                <a:schemeClr val="accent1"/>
+              </a:fillRef>
+              <a:effectRef idx="0">
+                <a:schemeClr val="accent1"/>
+              </a:effectRef>
+              <a:fontRef idx="minor">
+                <a:schemeClr val="lt1"/>
+              </a:fontRef>
+            </p:style>
+            <p:txBody>
+              <a:bodyPr rtlCol="0" anchor="ctr"/>
+              <a:lstStyle/>
+              <a:p>
+                <a:pPr algn="ctr"/>
+                <a14:m>
+                  <m:oMathPara xmlns:m="http://schemas.openxmlformats.org/officeDocument/2006/math">
+                    <m:oMathParaPr>
+                      <m:jc m:val="centerGroup"/>
+                    </m:oMathParaPr>
+                    <m:oMath xmlns:m="http://schemas.openxmlformats.org/officeDocument/2006/math">
+                      <a:fld id="{825F15A7-03F4-43D7-82C5-3E23DA2F108C}" type="mathplaceholder">
+                        <a:rPr lang="en-US" i="1" smtClean="0">
+                          <a:noFill/>
+                          <a:latin typeface="Cambria Math" panose="02040503050406030204" pitchFamily="18" charset="0"/>
+                        </a:rPr>
+                        <a:t>Type equation here.</a:t>
+                      </a:fld>
+                    </m:oMath>
+                  </m:oMathPara>
+                </a14:m>
+                <a:endParaRPr lang="en-US" dirty="0">
+                  <a:noFill/>
+                </a:endParaRPr>
+              </a:p>
+            </p:txBody>
+          </p:sp>
+        </mc:Choice>
+        <mc:Fallback>
+          <p:sp>
+            <p:nvSpPr>
+              <p:cNvPr id="23" name="Oval 22">
+                <a:extLst>
+                  <a:ext uri="{FF2B5EF4-FFF2-40B4-BE49-F238E27FC236}">
+                    <a16:creationId xmlns:a16="http://schemas.microsoft.com/office/drawing/2014/main" id="{94D9CFB3-2CF5-D749-A69F-5C89218F76BF}"/>
+                  </a:ext>
+                </a:extLst>
+              </p:cNvPr>
+              <p:cNvSpPr>
+                <a:spLocks noRot="1" noChangeAspect="1" noMove="1" noResize="1" noEditPoints="1" noAdjustHandles="1" noChangeArrowheads="1" noChangeShapeType="1" noTextEdit="1"/>
+              </p:cNvSpPr>
+              <p:nvPr/>
+            </p:nvSpPr>
+            <p:spPr>
+              <a:xfrm>
+                <a:off x="3354708" y="5060009"/>
+                <a:ext cx="406259" cy="382624"/>
+              </a:xfrm>
+              <a:prstGeom prst="ellipse">
+                <a:avLst/>
+              </a:prstGeom>
+              <a:blipFill>
+                <a:blip r:embed="rId6"/>
+                <a:stretch>
+                  <a:fillRect/>
+                </a:stretch>
+              </a:blipFill>
+            </p:spPr>
+            <p:txBody>
+              <a:bodyPr/>
+              <a:lstStyle/>
+              <a:p>
+                <a:r>
+                  <a:rPr lang="en-US">
+                    <a:noFill/>
+                  </a:rPr>
+                  <a:t> </a:t>
+                </a:r>
+              </a:p>
+            </p:txBody>
+          </p:sp>
+        </mc:Fallback>
+      </mc:AlternateContent>
+      <p:sp>
+        <p:nvSpPr>
+          <p:cNvPr id="24" name="TextBox 23">
+            <a:extLst>
+              <a:ext uri="{FF2B5EF4-FFF2-40B4-BE49-F238E27FC236}">
+                <a16:creationId xmlns:a16="http://schemas.microsoft.com/office/drawing/2014/main" id="{286C878A-578D-8D4E-AE65-9A07063A5E87}"/>
+              </a:ext>
+            </a:extLst>
+          </p:cNvPr>
+          <p:cNvSpPr txBox="1"/>
+          <p:nvPr/>
+        </p:nvSpPr>
+        <p:spPr>
+          <a:xfrm rot="5400000">
+            <a:off x="3391137" y="4311319"/>
+            <a:ext cx="463588" cy="369332"/>
+          </a:xfrm>
+          <a:prstGeom prst="rect">
+            <a:avLst/>
+          </a:prstGeom>
+          <a:noFill/>
+        </p:spPr>
+        <p:txBody>
+          <a:bodyPr wrap="none" rtlCol="0">
+            <a:spAutoFit/>
+          </a:bodyPr>
+          <a:lstStyle/>
+          <a:p>
+            <a:r>
+              <a:rPr lang="en-US" dirty="0"/>
+              <a:t>. . .</a:t>
+            </a:r>
+          </a:p>
+        </p:txBody>
+      </p:sp>
+      <p:sp>
+        <p:nvSpPr>
+          <p:cNvPr id="25" name="Oval 24">
+            <a:extLst>
+              <a:ext uri="{FF2B5EF4-FFF2-40B4-BE49-F238E27FC236}">
+                <a16:creationId xmlns:a16="http://schemas.microsoft.com/office/drawing/2014/main" id="{C326CD7D-7710-D843-833C-C477ED27D5F3}"/>
+              </a:ext>
+            </a:extLst>
+          </p:cNvPr>
+          <p:cNvSpPr/>
+          <p:nvPr/>
+        </p:nvSpPr>
+        <p:spPr>
+          <a:xfrm>
+            <a:off x="4898017" y="2883230"/>
+            <a:ext cx="406259" cy="382624"/>
+          </a:xfrm>
+          <a:prstGeom prst="ellipse">
+            <a:avLst/>
+          </a:prstGeom>
+          <a:noFill/>
+        </p:spPr>
+        <p:style>
+          <a:lnRef idx="2">
+            <a:schemeClr val="accent1">
+              <a:shade val="50000"/>
+            </a:schemeClr>
+          </a:lnRef>
+          <a:fillRef idx="1">
+            <a:schemeClr val="accent1"/>
+          </a:fillRef>
+          <a:effectRef idx="0">
+            <a:schemeClr val="accent1"/>
+          </a:effectRef>
+          <a:fontRef idx="minor">
+            <a:schemeClr val="lt1"/>
+          </a:fontRef>
+        </p:style>
+        <p:txBody>
+          <a:bodyPr rtlCol="0" anchor="ctr"/>
+          <a:lstStyle/>
+          <a:p>
+            <a:pPr algn="ctr"/>
+            <a:endParaRPr lang="en-US">
+              <a:noFill/>
+            </a:endParaRPr>
+          </a:p>
+        </p:txBody>
+      </p:sp>
+      <p:sp>
+        <p:nvSpPr>
+          <p:cNvPr id="26" name="Oval 25">
+            <a:extLst>
+              <a:ext uri="{FF2B5EF4-FFF2-40B4-BE49-F238E27FC236}">
+                <a16:creationId xmlns:a16="http://schemas.microsoft.com/office/drawing/2014/main" id="{DEEC1F58-CFC7-4E47-8512-505C36456A13}"/>
+              </a:ext>
+            </a:extLst>
+          </p:cNvPr>
+          <p:cNvSpPr/>
+          <p:nvPr/>
+        </p:nvSpPr>
+        <p:spPr>
+          <a:xfrm>
+            <a:off x="4898017" y="3549337"/>
+            <a:ext cx="406259" cy="382624"/>
+          </a:xfrm>
+          <a:prstGeom prst="ellipse">
+            <a:avLst/>
+          </a:prstGeom>
+          <a:noFill/>
+        </p:spPr>
+        <p:style>
+          <a:lnRef idx="2">
+            <a:schemeClr val="accent1">
+              <a:shade val="50000"/>
+            </a:schemeClr>
+          </a:lnRef>
+          <a:fillRef idx="1">
+            <a:schemeClr val="accent1"/>
+          </a:fillRef>
+          <a:effectRef idx="0">
+            <a:schemeClr val="accent1"/>
+          </a:effectRef>
+          <a:fontRef idx="minor">
+            <a:schemeClr val="lt1"/>
+          </a:fontRef>
+        </p:style>
+        <p:txBody>
+          <a:bodyPr rtlCol="0" anchor="ctr"/>
+          <a:lstStyle/>
+          <a:p>
+            <a:pPr algn="ctr"/>
+            <a:endParaRPr lang="en-US">
+              <a:noFill/>
+            </a:endParaRPr>
+          </a:p>
+        </p:txBody>
+      </p:sp>
+      <mc:AlternateContent xmlns:mc="http://schemas.openxmlformats.org/markup-compatibility/2006">
+        <mc:Choice xmlns:a14="http://schemas.microsoft.com/office/drawing/2010/main" Requires="a14">
+          <p:sp>
+            <p:nvSpPr>
+              <p:cNvPr id="27" name="Oval 26">
+                <a:extLst>
+                  <a:ext uri="{FF2B5EF4-FFF2-40B4-BE49-F238E27FC236}">
+                    <a16:creationId xmlns:a16="http://schemas.microsoft.com/office/drawing/2014/main" id="{38B8541D-395E-2444-8494-55A311BB5251}"/>
+                  </a:ext>
+                </a:extLst>
+              </p:cNvPr>
+              <p:cNvSpPr/>
+              <p:nvPr/>
+            </p:nvSpPr>
+            <p:spPr>
+              <a:xfrm>
+                <a:off x="4898017" y="5060009"/>
+                <a:ext cx="406259" cy="382624"/>
+              </a:xfrm>
+              <a:prstGeom prst="ellipse">
+                <a:avLst/>
+              </a:prstGeom>
+              <a:noFill/>
+            </p:spPr>
+            <p:style>
+              <a:lnRef idx="2">
+                <a:schemeClr val="accent1">
+                  <a:shade val="50000"/>
+                </a:schemeClr>
+              </a:lnRef>
+              <a:fillRef idx="1">
+                <a:schemeClr val="accent1"/>
+              </a:fillRef>
+              <a:effectRef idx="0">
+                <a:schemeClr val="accent1"/>
+              </a:effectRef>
+              <a:fontRef idx="minor">
+                <a:schemeClr val="lt1"/>
+              </a:fontRef>
+            </p:style>
+            <p:txBody>
+              <a:bodyPr rtlCol="0" anchor="ctr"/>
+              <a:lstStyle/>
+              <a:p>
+                <a:pPr algn="ctr"/>
+                <a14:m>
+                  <m:oMathPara xmlns:m="http://schemas.openxmlformats.org/officeDocument/2006/math">
+                    <m:oMathParaPr>
+                      <m:jc m:val="centerGroup"/>
+                    </m:oMathParaPr>
+                    <m:oMath xmlns:m="http://schemas.openxmlformats.org/officeDocument/2006/math">
+                      <a:fld id="{825F15A7-03F4-43D7-82C5-3E23DA2F108C}" type="mathplaceholder">
+                        <a:rPr lang="en-US" i="1" smtClean="0">
+                          <a:noFill/>
+                          <a:latin typeface="Cambria Math" panose="02040503050406030204" pitchFamily="18" charset="0"/>
+                        </a:rPr>
+                        <a:t>Type equation here.</a:t>
+                      </a:fld>
+                    </m:oMath>
+                  </m:oMathPara>
+                </a14:m>
+                <a:endParaRPr lang="en-US" dirty="0">
+                  <a:noFill/>
+                </a:endParaRPr>
+              </a:p>
+            </p:txBody>
+          </p:sp>
+        </mc:Choice>
+        <mc:Fallback>
+          <p:sp>
+            <p:nvSpPr>
+              <p:cNvPr id="27" name="Oval 26">
+                <a:extLst>
+                  <a:ext uri="{FF2B5EF4-FFF2-40B4-BE49-F238E27FC236}">
+                    <a16:creationId xmlns:a16="http://schemas.microsoft.com/office/drawing/2014/main" id="{38B8541D-395E-2444-8494-55A311BB5251}"/>
+                  </a:ext>
+                </a:extLst>
+              </p:cNvPr>
+              <p:cNvSpPr>
+                <a:spLocks noRot="1" noChangeAspect="1" noMove="1" noResize="1" noEditPoints="1" noAdjustHandles="1" noChangeArrowheads="1" noChangeShapeType="1" noTextEdit="1"/>
+              </p:cNvSpPr>
+              <p:nvPr/>
+            </p:nvSpPr>
+            <p:spPr>
+              <a:xfrm>
+                <a:off x="4898017" y="5060009"/>
+                <a:ext cx="406259" cy="382624"/>
+              </a:xfrm>
+              <a:prstGeom prst="ellipse">
+                <a:avLst/>
+              </a:prstGeom>
+              <a:blipFill>
+                <a:blip r:embed="rId5"/>
+                <a:stretch>
+                  <a:fillRect/>
+                </a:stretch>
+              </a:blipFill>
+            </p:spPr>
+            <p:txBody>
+              <a:bodyPr/>
+              <a:lstStyle/>
+              <a:p>
+                <a:r>
+                  <a:rPr lang="en-US">
+                    <a:noFill/>
+                  </a:rPr>
+                  <a:t> </a:t>
+                </a:r>
+              </a:p>
+            </p:txBody>
+          </p:sp>
+        </mc:Fallback>
+      </mc:AlternateContent>
+      <p:sp>
+        <p:nvSpPr>
+          <p:cNvPr id="28" name="TextBox 27">
+            <a:extLst>
+              <a:ext uri="{FF2B5EF4-FFF2-40B4-BE49-F238E27FC236}">
+                <a16:creationId xmlns:a16="http://schemas.microsoft.com/office/drawing/2014/main" id="{13C11448-3238-FD41-A35C-928C96812198}"/>
+              </a:ext>
+            </a:extLst>
+          </p:cNvPr>
+          <p:cNvSpPr txBox="1"/>
+          <p:nvPr/>
+        </p:nvSpPr>
+        <p:spPr>
+          <a:xfrm rot="5400000">
+            <a:off x="4934446" y="4311319"/>
+            <a:ext cx="463588" cy="369332"/>
+          </a:xfrm>
+          <a:prstGeom prst="rect">
+            <a:avLst/>
+          </a:prstGeom>
+          <a:noFill/>
+        </p:spPr>
+        <p:txBody>
+          <a:bodyPr wrap="none" rtlCol="0">
+            <a:spAutoFit/>
+          </a:bodyPr>
+          <a:lstStyle/>
+          <a:p>
+            <a:r>
+              <a:rPr lang="en-US" dirty="0"/>
+              <a:t>. . .</a:t>
+            </a:r>
+          </a:p>
+        </p:txBody>
+      </p:sp>
+      <p:sp>
+        <p:nvSpPr>
+          <p:cNvPr id="29" name="Oval 28">
+            <a:extLst>
+              <a:ext uri="{FF2B5EF4-FFF2-40B4-BE49-F238E27FC236}">
+                <a16:creationId xmlns:a16="http://schemas.microsoft.com/office/drawing/2014/main" id="{E0083639-1C8C-6942-B8E2-442BEC5BA1BB}"/>
+              </a:ext>
+            </a:extLst>
+          </p:cNvPr>
+          <p:cNvSpPr/>
+          <p:nvPr/>
+        </p:nvSpPr>
+        <p:spPr>
+          <a:xfrm>
+            <a:off x="6524883" y="2883230"/>
+            <a:ext cx="406259" cy="382624"/>
+          </a:xfrm>
+          <a:prstGeom prst="ellipse">
+            <a:avLst/>
+          </a:prstGeom>
+          <a:noFill/>
+        </p:spPr>
+        <p:style>
+          <a:lnRef idx="2">
+            <a:schemeClr val="accent1">
+              <a:shade val="50000"/>
+            </a:schemeClr>
+          </a:lnRef>
+          <a:fillRef idx="1">
+            <a:schemeClr val="accent1"/>
+          </a:fillRef>
+          <a:effectRef idx="0">
+            <a:schemeClr val="accent1"/>
+          </a:effectRef>
+          <a:fontRef idx="minor">
+            <a:schemeClr val="lt1"/>
+          </a:fontRef>
+        </p:style>
+        <p:txBody>
+          <a:bodyPr rtlCol="0" anchor="ctr"/>
+          <a:lstStyle/>
+          <a:p>
+            <a:pPr algn="ctr"/>
+            <a:endParaRPr lang="en-US">
+              <a:noFill/>
+            </a:endParaRPr>
+          </a:p>
+        </p:txBody>
+      </p:sp>
+      <p:sp>
+        <p:nvSpPr>
+          <p:cNvPr id="30" name="Oval 29">
+            <a:extLst>
+              <a:ext uri="{FF2B5EF4-FFF2-40B4-BE49-F238E27FC236}">
+                <a16:creationId xmlns:a16="http://schemas.microsoft.com/office/drawing/2014/main" id="{A4F6F3B3-5038-4B40-8F75-11E8D4BA1C83}"/>
+              </a:ext>
+            </a:extLst>
+          </p:cNvPr>
+          <p:cNvSpPr/>
+          <p:nvPr/>
+        </p:nvSpPr>
+        <p:spPr>
+          <a:xfrm>
+            <a:off x="6524883" y="3549337"/>
+            <a:ext cx="406259" cy="382624"/>
+          </a:xfrm>
+          <a:prstGeom prst="ellipse">
+            <a:avLst/>
+          </a:prstGeom>
+          <a:noFill/>
+        </p:spPr>
+        <p:style>
+          <a:lnRef idx="2">
+            <a:schemeClr val="accent1">
+              <a:shade val="50000"/>
+            </a:schemeClr>
+          </a:lnRef>
+          <a:fillRef idx="1">
+            <a:schemeClr val="accent1"/>
+          </a:fillRef>
+          <a:effectRef idx="0">
+            <a:schemeClr val="accent1"/>
+          </a:effectRef>
+          <a:fontRef idx="minor">
+            <a:schemeClr val="lt1"/>
+          </a:fontRef>
+        </p:style>
+        <p:txBody>
+          <a:bodyPr rtlCol="0" anchor="ctr"/>
+          <a:lstStyle/>
+          <a:p>
+            <a:pPr algn="ctr"/>
+            <a:endParaRPr lang="en-US">
+              <a:noFill/>
+            </a:endParaRPr>
+          </a:p>
+        </p:txBody>
+      </p:sp>
+      <mc:AlternateContent xmlns:mc="http://schemas.openxmlformats.org/markup-compatibility/2006">
+        <mc:Choice xmlns:a14="http://schemas.microsoft.com/office/drawing/2010/main" Requires="a14">
+          <p:sp>
+            <p:nvSpPr>
+              <p:cNvPr id="31" name="Oval 30">
+                <a:extLst>
+                  <a:ext uri="{FF2B5EF4-FFF2-40B4-BE49-F238E27FC236}">
+                    <a16:creationId xmlns:a16="http://schemas.microsoft.com/office/drawing/2014/main" id="{08D2CD9B-8951-9440-863D-6DBEF8F49420}"/>
+                  </a:ext>
+                </a:extLst>
+              </p:cNvPr>
+              <p:cNvSpPr/>
+              <p:nvPr/>
+            </p:nvSpPr>
+            <p:spPr>
+              <a:xfrm>
+                <a:off x="6524883" y="5060009"/>
+                <a:ext cx="406259" cy="382624"/>
+              </a:xfrm>
+              <a:prstGeom prst="ellipse">
+                <a:avLst/>
+              </a:prstGeom>
+              <a:noFill/>
+            </p:spPr>
+            <p:style>
+              <a:lnRef idx="2">
+                <a:schemeClr val="accent1">
+                  <a:shade val="50000"/>
+                </a:schemeClr>
+              </a:lnRef>
+              <a:fillRef idx="1">
+                <a:schemeClr val="accent1"/>
+              </a:fillRef>
+              <a:effectRef idx="0">
+                <a:schemeClr val="accent1"/>
+              </a:effectRef>
+              <a:fontRef idx="minor">
+                <a:schemeClr val="lt1"/>
+              </a:fontRef>
+            </p:style>
+            <p:txBody>
+              <a:bodyPr rtlCol="0" anchor="ctr"/>
+              <a:lstStyle/>
+              <a:p>
+                <a:pPr algn="ctr"/>
+                <a14:m>
+                  <m:oMathPara xmlns:m="http://schemas.openxmlformats.org/officeDocument/2006/math">
+                    <m:oMathParaPr>
+                      <m:jc m:val="centerGroup"/>
+                    </m:oMathParaPr>
+                    <m:oMath xmlns:m="http://schemas.openxmlformats.org/officeDocument/2006/math">
+                      <a:fld id="{825F15A7-03F4-43D7-82C5-3E23DA2F108C}" type="mathplaceholder">
+                        <a:rPr lang="en-US" i="1" smtClean="0">
+                          <a:noFill/>
+                          <a:latin typeface="Cambria Math" panose="02040503050406030204" pitchFamily="18" charset="0"/>
+                        </a:rPr>
+                        <a:t>Type equation here.</a:t>
+                      </a:fld>
+                    </m:oMath>
+                  </m:oMathPara>
+                </a14:m>
+                <a:endParaRPr lang="en-US" dirty="0">
+                  <a:noFill/>
+                </a:endParaRPr>
+              </a:p>
+            </p:txBody>
+          </p:sp>
+        </mc:Choice>
+        <mc:Fallback>
+          <p:sp>
+            <p:nvSpPr>
+              <p:cNvPr id="31" name="Oval 30">
+                <a:extLst>
+                  <a:ext uri="{FF2B5EF4-FFF2-40B4-BE49-F238E27FC236}">
+                    <a16:creationId xmlns:a16="http://schemas.microsoft.com/office/drawing/2014/main" id="{08D2CD9B-8951-9440-863D-6DBEF8F49420}"/>
+                  </a:ext>
+                </a:extLst>
+              </p:cNvPr>
+              <p:cNvSpPr>
+                <a:spLocks noRot="1" noChangeAspect="1" noMove="1" noResize="1" noEditPoints="1" noAdjustHandles="1" noChangeArrowheads="1" noChangeShapeType="1" noTextEdit="1"/>
+              </p:cNvSpPr>
+              <p:nvPr/>
+            </p:nvSpPr>
+            <p:spPr>
+              <a:xfrm>
+                <a:off x="6524883" y="5060009"/>
+                <a:ext cx="406259" cy="382624"/>
+              </a:xfrm>
+              <a:prstGeom prst="ellipse">
+                <a:avLst/>
+              </a:prstGeom>
+              <a:blipFill>
+                <a:blip r:embed="rId7"/>
+                <a:stretch>
+                  <a:fillRect/>
+                </a:stretch>
+              </a:blipFill>
+            </p:spPr>
+            <p:txBody>
+              <a:bodyPr/>
+              <a:lstStyle/>
+              <a:p>
+                <a:r>
+                  <a:rPr lang="en-US">
+                    <a:noFill/>
+                  </a:rPr>
+                  <a:t> </a:t>
+                </a:r>
+              </a:p>
+            </p:txBody>
+          </p:sp>
+        </mc:Fallback>
+      </mc:AlternateContent>
+      <p:sp>
+        <p:nvSpPr>
+          <p:cNvPr id="32" name="TextBox 31">
+            <a:extLst>
+              <a:ext uri="{FF2B5EF4-FFF2-40B4-BE49-F238E27FC236}">
+                <a16:creationId xmlns:a16="http://schemas.microsoft.com/office/drawing/2014/main" id="{07E3EE8D-43EB-9740-B528-890628C8C884}"/>
+              </a:ext>
+            </a:extLst>
+          </p:cNvPr>
+          <p:cNvSpPr txBox="1"/>
+          <p:nvPr/>
+        </p:nvSpPr>
+        <p:spPr>
+          <a:xfrm rot="5400000">
+            <a:off x="6561312" y="4311319"/>
+            <a:ext cx="463588" cy="369332"/>
+          </a:xfrm>
+          <a:prstGeom prst="rect">
+            <a:avLst/>
+          </a:prstGeom>
+          <a:noFill/>
+        </p:spPr>
+        <p:txBody>
+          <a:bodyPr wrap="none" rtlCol="0">
+            <a:spAutoFit/>
+          </a:bodyPr>
+          <a:lstStyle/>
+          <a:p>
+            <a:r>
+              <a:rPr lang="en-US" dirty="0"/>
+              <a:t>. . .</a:t>
+            </a:r>
+          </a:p>
+        </p:txBody>
+      </p:sp>
+      <p:sp>
+        <p:nvSpPr>
+          <p:cNvPr id="33" name="Oval 32">
+            <a:extLst>
+              <a:ext uri="{FF2B5EF4-FFF2-40B4-BE49-F238E27FC236}">
+                <a16:creationId xmlns:a16="http://schemas.microsoft.com/office/drawing/2014/main" id="{710B9BAF-CF82-A542-A73D-D530BDE0E6C6}"/>
+              </a:ext>
+            </a:extLst>
+          </p:cNvPr>
+          <p:cNvSpPr/>
+          <p:nvPr/>
+        </p:nvSpPr>
+        <p:spPr>
+          <a:xfrm>
+            <a:off x="8242062" y="2883230"/>
+            <a:ext cx="406259" cy="382624"/>
+          </a:xfrm>
+          <a:prstGeom prst="ellipse">
+            <a:avLst/>
+          </a:prstGeom>
+          <a:noFill/>
+        </p:spPr>
+        <p:style>
+          <a:lnRef idx="2">
+            <a:schemeClr val="accent1">
+              <a:shade val="50000"/>
+            </a:schemeClr>
+          </a:lnRef>
+          <a:fillRef idx="1">
+            <a:schemeClr val="accent1"/>
+          </a:fillRef>
+          <a:effectRef idx="0">
+            <a:schemeClr val="accent1"/>
+          </a:effectRef>
+          <a:fontRef idx="minor">
+            <a:schemeClr val="lt1"/>
+          </a:fontRef>
+        </p:style>
+        <p:txBody>
+          <a:bodyPr rtlCol="0" anchor="ctr"/>
+          <a:lstStyle/>
+          <a:p>
+            <a:pPr algn="ctr"/>
+            <a:endParaRPr lang="en-US">
+              <a:noFill/>
+            </a:endParaRPr>
+          </a:p>
+        </p:txBody>
+      </p:sp>
+      <p:sp>
+        <p:nvSpPr>
+          <p:cNvPr id="34" name="Oval 33">
+            <a:extLst>
+              <a:ext uri="{FF2B5EF4-FFF2-40B4-BE49-F238E27FC236}">
+                <a16:creationId xmlns:a16="http://schemas.microsoft.com/office/drawing/2014/main" id="{C09C287F-8995-E548-8427-7969A4A9CA49}"/>
+              </a:ext>
+            </a:extLst>
+          </p:cNvPr>
+          <p:cNvSpPr/>
+          <p:nvPr/>
+        </p:nvSpPr>
+        <p:spPr>
+          <a:xfrm>
+            <a:off x="8242062" y="3549337"/>
+            <a:ext cx="406259" cy="382624"/>
+          </a:xfrm>
+          <a:prstGeom prst="ellipse">
+            <a:avLst/>
+          </a:prstGeom>
+          <a:noFill/>
+        </p:spPr>
+        <p:style>
+          <a:lnRef idx="2">
+            <a:schemeClr val="accent1">
+              <a:shade val="50000"/>
+            </a:schemeClr>
+          </a:lnRef>
+          <a:fillRef idx="1">
+            <a:schemeClr val="accent1"/>
+          </a:fillRef>
+          <a:effectRef idx="0">
+            <a:schemeClr val="accent1"/>
+          </a:effectRef>
+          <a:fontRef idx="minor">
+            <a:schemeClr val="lt1"/>
+          </a:fontRef>
+        </p:style>
+        <p:txBody>
+          <a:bodyPr rtlCol="0" anchor="ctr"/>
+          <a:lstStyle/>
+          <a:p>
+            <a:pPr algn="ctr"/>
+            <a:endParaRPr lang="en-US">
+              <a:noFill/>
+            </a:endParaRPr>
+          </a:p>
+        </p:txBody>
+      </p:sp>
+      <mc:AlternateContent xmlns:mc="http://schemas.openxmlformats.org/markup-compatibility/2006">
+        <mc:Choice xmlns:a14="http://schemas.microsoft.com/office/drawing/2010/main" Requires="a14">
+          <p:sp>
+            <p:nvSpPr>
+              <p:cNvPr id="35" name="Oval 34">
+                <a:extLst>
+                  <a:ext uri="{FF2B5EF4-FFF2-40B4-BE49-F238E27FC236}">
+                    <a16:creationId xmlns:a16="http://schemas.microsoft.com/office/drawing/2014/main" id="{D8BBC85A-8EBE-514E-9462-BBD6597B956F}"/>
+                  </a:ext>
+                </a:extLst>
+              </p:cNvPr>
+              <p:cNvSpPr/>
+              <p:nvPr/>
+            </p:nvSpPr>
+            <p:spPr>
+              <a:xfrm>
+                <a:off x="8242062" y="5060009"/>
+                <a:ext cx="406259" cy="382624"/>
+              </a:xfrm>
+              <a:prstGeom prst="ellipse">
+                <a:avLst/>
+              </a:prstGeom>
+              <a:noFill/>
+            </p:spPr>
+            <p:style>
+              <a:lnRef idx="2">
+                <a:schemeClr val="accent1">
+                  <a:shade val="50000"/>
+                </a:schemeClr>
+              </a:lnRef>
+              <a:fillRef idx="1">
+                <a:schemeClr val="accent1"/>
+              </a:fillRef>
+              <a:effectRef idx="0">
+                <a:schemeClr val="accent1"/>
+              </a:effectRef>
+              <a:fontRef idx="minor">
+                <a:schemeClr val="lt1"/>
+              </a:fontRef>
+            </p:style>
+            <p:txBody>
+              <a:bodyPr rtlCol="0" anchor="ctr"/>
+              <a:lstStyle/>
+              <a:p>
+                <a:pPr algn="ctr"/>
+                <a14:m>
+                  <m:oMathPara xmlns:m="http://schemas.openxmlformats.org/officeDocument/2006/math">
+                    <m:oMathParaPr>
+                      <m:jc m:val="centerGroup"/>
+                    </m:oMathParaPr>
+                    <m:oMath xmlns:m="http://schemas.openxmlformats.org/officeDocument/2006/math">
+                      <a:fld id="{825F15A7-03F4-43D7-82C5-3E23DA2F108C}" type="mathplaceholder">
+                        <a:rPr lang="en-US" i="1" smtClean="0">
+                          <a:noFill/>
+                          <a:latin typeface="Cambria Math" panose="02040503050406030204" pitchFamily="18" charset="0"/>
+                        </a:rPr>
+                        <a:t>Type equation here.</a:t>
+                      </a:fld>
+                    </m:oMath>
+                  </m:oMathPara>
+                </a14:m>
+                <a:endParaRPr lang="en-US" dirty="0">
+                  <a:noFill/>
+                </a:endParaRPr>
+              </a:p>
+            </p:txBody>
+          </p:sp>
+        </mc:Choice>
+        <mc:Fallback>
+          <p:sp>
+            <p:nvSpPr>
+              <p:cNvPr id="35" name="Oval 34">
+                <a:extLst>
+                  <a:ext uri="{FF2B5EF4-FFF2-40B4-BE49-F238E27FC236}">
+                    <a16:creationId xmlns:a16="http://schemas.microsoft.com/office/drawing/2014/main" id="{D8BBC85A-8EBE-514E-9462-BBD6597B956F}"/>
+                  </a:ext>
+                </a:extLst>
+              </p:cNvPr>
+              <p:cNvSpPr>
+                <a:spLocks noRot="1" noChangeAspect="1" noMove="1" noResize="1" noEditPoints="1" noAdjustHandles="1" noChangeArrowheads="1" noChangeShapeType="1" noTextEdit="1"/>
+              </p:cNvSpPr>
+              <p:nvPr/>
+            </p:nvSpPr>
+            <p:spPr>
+              <a:xfrm>
+                <a:off x="8242062" y="5060009"/>
+                <a:ext cx="406259" cy="382624"/>
+              </a:xfrm>
+              <a:prstGeom prst="ellipse">
+                <a:avLst/>
+              </a:prstGeom>
+              <a:blipFill>
+                <a:blip r:embed="rId8"/>
+                <a:stretch>
+                  <a:fillRect/>
+                </a:stretch>
+              </a:blipFill>
+            </p:spPr>
+            <p:txBody>
+              <a:bodyPr/>
+              <a:lstStyle/>
+              <a:p>
+                <a:r>
+                  <a:rPr lang="en-US">
+                    <a:noFill/>
+                  </a:rPr>
+                  <a:t> </a:t>
+                </a:r>
+              </a:p>
+            </p:txBody>
+          </p:sp>
+        </mc:Fallback>
+      </mc:AlternateContent>
+      <p:sp>
+        <p:nvSpPr>
+          <p:cNvPr id="36" name="TextBox 35">
+            <a:extLst>
+              <a:ext uri="{FF2B5EF4-FFF2-40B4-BE49-F238E27FC236}">
+                <a16:creationId xmlns:a16="http://schemas.microsoft.com/office/drawing/2014/main" id="{F215977A-074B-A449-84F6-F3613B43AEE0}"/>
+              </a:ext>
+            </a:extLst>
+          </p:cNvPr>
+          <p:cNvSpPr txBox="1"/>
+          <p:nvPr/>
+        </p:nvSpPr>
+        <p:spPr>
+          <a:xfrm rot="5400000">
+            <a:off x="8278491" y="4311319"/>
+            <a:ext cx="463588" cy="369332"/>
+          </a:xfrm>
+          <a:prstGeom prst="rect">
+            <a:avLst/>
+          </a:prstGeom>
+          <a:noFill/>
+        </p:spPr>
+        <p:txBody>
+          <a:bodyPr wrap="none" rtlCol="0">
+            <a:spAutoFit/>
+          </a:bodyPr>
+          <a:lstStyle/>
+          <a:p>
+            <a:r>
+              <a:rPr lang="en-US" dirty="0"/>
+              <a:t>. . .</a:t>
+            </a:r>
+          </a:p>
+        </p:txBody>
+      </p:sp>
+      <p:sp>
+        <p:nvSpPr>
+          <p:cNvPr id="37" name="TextBox 36">
+            <a:extLst>
+              <a:ext uri="{FF2B5EF4-FFF2-40B4-BE49-F238E27FC236}">
+                <a16:creationId xmlns:a16="http://schemas.microsoft.com/office/drawing/2014/main" id="{4BFCD9FA-E6DF-8741-9812-54A300533858}"/>
+              </a:ext>
+            </a:extLst>
+          </p:cNvPr>
+          <p:cNvSpPr txBox="1"/>
+          <p:nvPr/>
+        </p:nvSpPr>
+        <p:spPr>
+          <a:xfrm>
+            <a:off x="8966600" y="2836166"/>
+            <a:ext cx="463588" cy="369332"/>
+          </a:xfrm>
+          <a:prstGeom prst="rect">
+            <a:avLst/>
+          </a:prstGeom>
+          <a:noFill/>
+        </p:spPr>
+        <p:txBody>
+          <a:bodyPr wrap="none" rtlCol="0">
+            <a:spAutoFit/>
+          </a:bodyPr>
+          <a:lstStyle/>
+          <a:p>
+            <a:r>
+              <a:rPr lang="en-US" dirty="0"/>
+              <a:t>. . .</a:t>
+            </a:r>
+          </a:p>
+        </p:txBody>
+      </p:sp>
+      <p:sp>
+        <p:nvSpPr>
+          <p:cNvPr id="38" name="TextBox 37">
+            <a:extLst>
+              <a:ext uri="{FF2B5EF4-FFF2-40B4-BE49-F238E27FC236}">
+                <a16:creationId xmlns:a16="http://schemas.microsoft.com/office/drawing/2014/main" id="{A81D954D-18F1-C24B-BB1D-86FEC93D4A5C}"/>
+              </a:ext>
+            </a:extLst>
+          </p:cNvPr>
+          <p:cNvSpPr txBox="1"/>
+          <p:nvPr/>
+        </p:nvSpPr>
+        <p:spPr>
+          <a:xfrm>
+            <a:off x="8969748" y="3451927"/>
+            <a:ext cx="463588" cy="369332"/>
+          </a:xfrm>
+          <a:prstGeom prst="rect">
+            <a:avLst/>
+          </a:prstGeom>
+          <a:noFill/>
+        </p:spPr>
+        <p:txBody>
+          <a:bodyPr wrap="none" rtlCol="0">
+            <a:spAutoFit/>
+          </a:bodyPr>
+          <a:lstStyle/>
+          <a:p>
+            <a:r>
+              <a:rPr lang="en-US" dirty="0"/>
+              <a:t>. . .</a:t>
+            </a:r>
+          </a:p>
+        </p:txBody>
+      </p:sp>
+      <p:sp>
+        <p:nvSpPr>
+          <p:cNvPr id="39" name="TextBox 38">
+            <a:extLst>
+              <a:ext uri="{FF2B5EF4-FFF2-40B4-BE49-F238E27FC236}">
+                <a16:creationId xmlns:a16="http://schemas.microsoft.com/office/drawing/2014/main" id="{A6EEA0C9-961E-314E-B20A-6473FA67DA28}"/>
+              </a:ext>
+            </a:extLst>
+          </p:cNvPr>
+          <p:cNvSpPr txBox="1"/>
+          <p:nvPr/>
+        </p:nvSpPr>
+        <p:spPr>
+          <a:xfrm>
+            <a:off x="8990389" y="4985138"/>
+            <a:ext cx="463588" cy="369332"/>
+          </a:xfrm>
+          <a:prstGeom prst="rect">
+            <a:avLst/>
+          </a:prstGeom>
+          <a:noFill/>
+        </p:spPr>
+        <p:txBody>
+          <a:bodyPr wrap="none" rtlCol="0">
+            <a:spAutoFit/>
+          </a:bodyPr>
+          <a:lstStyle/>
+          <a:p>
+            <a:r>
+              <a:rPr lang="en-US" dirty="0"/>
+              <a:t>. . .</a:t>
+            </a:r>
+          </a:p>
+        </p:txBody>
+      </p:sp>
+      <p:sp>
+        <p:nvSpPr>
+          <p:cNvPr id="40" name="TextBox 39">
+            <a:extLst>
+              <a:ext uri="{FF2B5EF4-FFF2-40B4-BE49-F238E27FC236}">
+                <a16:creationId xmlns:a16="http://schemas.microsoft.com/office/drawing/2014/main" id="{A7656B52-78EF-4146-9DBC-6892FD8EB607}"/>
+              </a:ext>
+            </a:extLst>
+          </p:cNvPr>
+          <p:cNvSpPr txBox="1"/>
+          <p:nvPr/>
+        </p:nvSpPr>
+        <p:spPr>
+          <a:xfrm>
+            <a:off x="7354808" y="2836166"/>
+            <a:ext cx="463588" cy="369332"/>
+          </a:xfrm>
+          <a:prstGeom prst="rect">
+            <a:avLst/>
+          </a:prstGeom>
+          <a:noFill/>
+        </p:spPr>
+        <p:txBody>
+          <a:bodyPr wrap="none" rtlCol="0">
+            <a:spAutoFit/>
+          </a:bodyPr>
+          <a:lstStyle/>
+          <a:p>
+            <a:r>
+              <a:rPr lang="en-US" dirty="0"/>
+              <a:t>. . .</a:t>
+            </a:r>
+          </a:p>
+        </p:txBody>
+      </p:sp>
+      <p:sp>
+        <p:nvSpPr>
+          <p:cNvPr id="41" name="TextBox 40">
+            <a:extLst>
+              <a:ext uri="{FF2B5EF4-FFF2-40B4-BE49-F238E27FC236}">
+                <a16:creationId xmlns:a16="http://schemas.microsoft.com/office/drawing/2014/main" id="{7AAFDBD9-90B3-5649-8B53-36DA67563569}"/>
+              </a:ext>
+            </a:extLst>
+          </p:cNvPr>
+          <p:cNvSpPr txBox="1"/>
+          <p:nvPr/>
+        </p:nvSpPr>
+        <p:spPr>
+          <a:xfrm>
+            <a:off x="7354808" y="3460052"/>
+            <a:ext cx="463588" cy="369332"/>
+          </a:xfrm>
+          <a:prstGeom prst="rect">
+            <a:avLst/>
+          </a:prstGeom>
+          <a:noFill/>
+        </p:spPr>
+        <p:txBody>
+          <a:bodyPr wrap="none" rtlCol="0">
+            <a:spAutoFit/>
+          </a:bodyPr>
+          <a:lstStyle/>
+          <a:p>
+            <a:r>
+              <a:rPr lang="en-US" dirty="0"/>
+              <a:t>. . .</a:t>
+            </a:r>
+          </a:p>
+        </p:txBody>
+      </p:sp>
+      <p:sp>
+        <p:nvSpPr>
+          <p:cNvPr id="42" name="TextBox 41">
+            <a:extLst>
+              <a:ext uri="{FF2B5EF4-FFF2-40B4-BE49-F238E27FC236}">
+                <a16:creationId xmlns:a16="http://schemas.microsoft.com/office/drawing/2014/main" id="{5F51D717-5AE1-2048-8B10-9A774BA5259F}"/>
+              </a:ext>
+            </a:extLst>
+          </p:cNvPr>
+          <p:cNvSpPr txBox="1"/>
+          <p:nvPr/>
+        </p:nvSpPr>
+        <p:spPr>
+          <a:xfrm>
+            <a:off x="7366136" y="4985138"/>
+            <a:ext cx="463588" cy="369332"/>
+          </a:xfrm>
+          <a:prstGeom prst="rect">
+            <a:avLst/>
+          </a:prstGeom>
+          <a:noFill/>
+        </p:spPr>
+        <p:txBody>
+          <a:bodyPr wrap="none" rtlCol="0">
+            <a:spAutoFit/>
+          </a:bodyPr>
+          <a:lstStyle/>
+          <a:p>
+            <a:r>
+              <a:rPr lang="en-US" dirty="0"/>
+              <a:t>. . .</a:t>
+            </a:r>
+          </a:p>
+        </p:txBody>
+      </p:sp>
+      <p:cxnSp>
+        <p:nvCxnSpPr>
+          <p:cNvPr id="44" name="Straight Connector 43">
+            <a:extLst>
+              <a:ext uri="{FF2B5EF4-FFF2-40B4-BE49-F238E27FC236}">
+                <a16:creationId xmlns:a16="http://schemas.microsoft.com/office/drawing/2014/main" id="{41743130-5215-D243-9893-D9F73FFD0B98}"/>
+              </a:ext>
+            </a:extLst>
+          </p:cNvPr>
+          <p:cNvCxnSpPr>
+            <a:stCxn id="21" idx="6"/>
+            <a:endCxn id="25" idx="2"/>
+          </p:cNvCxnSpPr>
+          <p:nvPr/>
+        </p:nvCxnSpPr>
+        <p:spPr>
+          <a:xfrm>
+            <a:off x="3760967" y="3074542"/>
+            <a:ext cx="1137050" cy="0"/>
+          </a:xfrm>
+          <a:prstGeom prst="line">
+            <a:avLst/>
+          </a:prstGeom>
+          <a:ln w="9525"/>
+        </p:spPr>
+        <p:style>
+          <a:lnRef idx="1">
+            <a:schemeClr val="accent1"/>
+          </a:lnRef>
+          <a:fillRef idx="0">
+            <a:schemeClr val="accent1"/>
+          </a:fillRef>
+          <a:effectRef idx="0">
+            <a:schemeClr val="accent1"/>
+          </a:effectRef>
+          <a:fontRef idx="minor">
+            <a:schemeClr val="tx1"/>
+          </a:fontRef>
+        </p:style>
+      </p:cxnSp>
+      <p:cxnSp>
+        <p:nvCxnSpPr>
+          <p:cNvPr id="45" name="Straight Connector 44">
+            <a:extLst>
+              <a:ext uri="{FF2B5EF4-FFF2-40B4-BE49-F238E27FC236}">
+                <a16:creationId xmlns:a16="http://schemas.microsoft.com/office/drawing/2014/main" id="{3A9B3CAD-C66F-2044-A698-58A722A0E004}"/>
+              </a:ext>
+            </a:extLst>
+          </p:cNvPr>
+          <p:cNvCxnSpPr>
+            <a:cxnSpLocks/>
+            <a:endCxn id="25" idx="2"/>
+          </p:cNvCxnSpPr>
+          <p:nvPr/>
+        </p:nvCxnSpPr>
+        <p:spPr>
+          <a:xfrm flipV="1">
+            <a:off x="3760967" y="3074542"/>
+            <a:ext cx="1137050" cy="666108"/>
+          </a:xfrm>
+          <a:prstGeom prst="line">
+            <a:avLst/>
+          </a:prstGeom>
+          <a:ln w="9525"/>
+        </p:spPr>
+        <p:style>
+          <a:lnRef idx="1">
+            <a:schemeClr val="accent1"/>
+          </a:lnRef>
+          <a:fillRef idx="0">
+            <a:schemeClr val="accent1"/>
+          </a:fillRef>
+          <a:effectRef idx="0">
+            <a:schemeClr val="accent1"/>
+          </a:effectRef>
+          <a:fontRef idx="minor">
+            <a:schemeClr val="tx1"/>
+          </a:fontRef>
+        </p:style>
+      </p:cxnSp>
+      <p:cxnSp>
+        <p:nvCxnSpPr>
+          <p:cNvPr id="47" name="Straight Connector 46">
+            <a:extLst>
+              <a:ext uri="{FF2B5EF4-FFF2-40B4-BE49-F238E27FC236}">
+                <a16:creationId xmlns:a16="http://schemas.microsoft.com/office/drawing/2014/main" id="{9AC47262-B34D-2241-9D33-0A24E4A74964}"/>
+              </a:ext>
+            </a:extLst>
+          </p:cNvPr>
+          <p:cNvCxnSpPr/>
+          <p:nvPr/>
+        </p:nvCxnSpPr>
+        <p:spPr>
+          <a:xfrm>
+            <a:off x="3760967" y="3731231"/>
+            <a:ext cx="1137050" cy="0"/>
+          </a:xfrm>
+          <a:prstGeom prst="line">
+            <a:avLst/>
+          </a:prstGeom>
+          <a:ln w="9525"/>
+        </p:spPr>
+        <p:style>
+          <a:lnRef idx="1">
+            <a:schemeClr val="accent1"/>
+          </a:lnRef>
+          <a:fillRef idx="0">
+            <a:schemeClr val="accent1"/>
+          </a:fillRef>
+          <a:effectRef idx="0">
+            <a:schemeClr val="accent1"/>
+          </a:effectRef>
+          <a:fontRef idx="minor">
+            <a:schemeClr val="tx1"/>
+          </a:fontRef>
+        </p:style>
+      </p:cxnSp>
+      <p:cxnSp>
+        <p:nvCxnSpPr>
+          <p:cNvPr id="48" name="Straight Connector 47">
+            <a:extLst>
+              <a:ext uri="{FF2B5EF4-FFF2-40B4-BE49-F238E27FC236}">
+                <a16:creationId xmlns:a16="http://schemas.microsoft.com/office/drawing/2014/main" id="{DFD7AD21-5903-8C4D-9F74-777773888D51}"/>
+              </a:ext>
+            </a:extLst>
+          </p:cNvPr>
+          <p:cNvCxnSpPr/>
+          <p:nvPr/>
+        </p:nvCxnSpPr>
+        <p:spPr>
+          <a:xfrm>
+            <a:off x="3760967" y="5256458"/>
+            <a:ext cx="1137050" cy="0"/>
+          </a:xfrm>
+          <a:prstGeom prst="line">
+            <a:avLst/>
+          </a:prstGeom>
+          <a:ln w="9525"/>
+        </p:spPr>
+        <p:style>
+          <a:lnRef idx="1">
+            <a:schemeClr val="accent1"/>
+          </a:lnRef>
+          <a:fillRef idx="0">
+            <a:schemeClr val="accent1"/>
+          </a:fillRef>
+          <a:effectRef idx="0">
+            <a:schemeClr val="accent1"/>
+          </a:effectRef>
+          <a:fontRef idx="minor">
+            <a:schemeClr val="tx1"/>
+          </a:fontRef>
+        </p:style>
+      </p:cxnSp>
+      <p:cxnSp>
+        <p:nvCxnSpPr>
+          <p:cNvPr id="49" name="Straight Connector 48">
+            <a:extLst>
+              <a:ext uri="{FF2B5EF4-FFF2-40B4-BE49-F238E27FC236}">
+                <a16:creationId xmlns:a16="http://schemas.microsoft.com/office/drawing/2014/main" id="{98EB6F19-9E11-9346-B2EF-73332BB2DF28}"/>
+              </a:ext>
+            </a:extLst>
+          </p:cNvPr>
+          <p:cNvCxnSpPr>
+            <a:cxnSpLocks/>
+          </p:cNvCxnSpPr>
+          <p:nvPr/>
+        </p:nvCxnSpPr>
+        <p:spPr>
+          <a:xfrm>
+            <a:off x="8648321" y="3076288"/>
+            <a:ext cx="289478" cy="0"/>
+          </a:xfrm>
+          <a:prstGeom prst="line">
+            <a:avLst/>
+          </a:prstGeom>
+          <a:ln w="9525"/>
+        </p:spPr>
+        <p:style>
+          <a:lnRef idx="1">
+            <a:schemeClr val="accent1"/>
+          </a:lnRef>
+          <a:fillRef idx="0">
+            <a:schemeClr val="accent1"/>
+          </a:fillRef>
+          <a:effectRef idx="0">
+            <a:schemeClr val="accent1"/>
+          </a:effectRef>
+          <a:fontRef idx="minor">
+            <a:schemeClr val="tx1"/>
+          </a:fontRef>
+        </p:style>
+      </p:cxnSp>
+      <p:cxnSp>
+        <p:nvCxnSpPr>
+          <p:cNvPr id="51" name="Straight Connector 50">
+            <a:extLst>
+              <a:ext uri="{FF2B5EF4-FFF2-40B4-BE49-F238E27FC236}">
+                <a16:creationId xmlns:a16="http://schemas.microsoft.com/office/drawing/2014/main" id="{850A6509-5C70-2C46-8828-2537F591B581}"/>
+              </a:ext>
+            </a:extLst>
+          </p:cNvPr>
+          <p:cNvCxnSpPr>
+            <a:cxnSpLocks/>
+          </p:cNvCxnSpPr>
+          <p:nvPr/>
+        </p:nvCxnSpPr>
+        <p:spPr>
+          <a:xfrm>
+            <a:off x="8648321" y="3730408"/>
+            <a:ext cx="289478" cy="0"/>
+          </a:xfrm>
+          <a:prstGeom prst="line">
+            <a:avLst/>
+          </a:prstGeom>
+          <a:ln w="9525"/>
+        </p:spPr>
+        <p:style>
+          <a:lnRef idx="1">
+            <a:schemeClr val="accent1"/>
+          </a:lnRef>
+          <a:fillRef idx="0">
+            <a:schemeClr val="accent1"/>
+          </a:fillRef>
+          <a:effectRef idx="0">
+            <a:schemeClr val="accent1"/>
+          </a:effectRef>
+          <a:fontRef idx="minor">
+            <a:schemeClr val="tx1"/>
+          </a:fontRef>
+        </p:style>
+      </p:cxnSp>
+      <p:cxnSp>
+        <p:nvCxnSpPr>
+          <p:cNvPr id="52" name="Straight Connector 51">
+            <a:extLst>
+              <a:ext uri="{FF2B5EF4-FFF2-40B4-BE49-F238E27FC236}">
+                <a16:creationId xmlns:a16="http://schemas.microsoft.com/office/drawing/2014/main" id="{6A8B461E-E67E-9B4D-9495-88F5DC19B0EA}"/>
+              </a:ext>
+            </a:extLst>
+          </p:cNvPr>
+          <p:cNvCxnSpPr>
+            <a:cxnSpLocks/>
+          </p:cNvCxnSpPr>
+          <p:nvPr/>
+        </p:nvCxnSpPr>
+        <p:spPr>
+          <a:xfrm>
+            <a:off x="8648321" y="5243618"/>
+            <a:ext cx="289478" cy="0"/>
+          </a:xfrm>
+          <a:prstGeom prst="line">
+            <a:avLst/>
+          </a:prstGeom>
+          <a:ln w="9525"/>
+        </p:spPr>
+        <p:style>
+          <a:lnRef idx="1">
+            <a:schemeClr val="accent1"/>
+          </a:lnRef>
+          <a:fillRef idx="0">
+            <a:schemeClr val="accent1"/>
+          </a:fillRef>
+          <a:effectRef idx="0">
+            <a:schemeClr val="accent1"/>
+          </a:effectRef>
+          <a:fontRef idx="minor">
+            <a:schemeClr val="tx1"/>
+          </a:fontRef>
+        </p:style>
+      </p:cxnSp>
+      <p:cxnSp>
+        <p:nvCxnSpPr>
+          <p:cNvPr id="56" name="Straight Connector 55">
+            <a:extLst>
+              <a:ext uri="{FF2B5EF4-FFF2-40B4-BE49-F238E27FC236}">
+                <a16:creationId xmlns:a16="http://schemas.microsoft.com/office/drawing/2014/main" id="{015C89B9-B97C-3249-920A-6C94C06D2469}"/>
+              </a:ext>
+            </a:extLst>
+          </p:cNvPr>
+          <p:cNvCxnSpPr>
+            <a:cxnSpLocks/>
+          </p:cNvCxnSpPr>
+          <p:nvPr/>
+        </p:nvCxnSpPr>
+        <p:spPr>
+          <a:xfrm>
+            <a:off x="6931142" y="3074542"/>
+            <a:ext cx="289478" cy="0"/>
+          </a:xfrm>
+          <a:prstGeom prst="line">
+            <a:avLst/>
+          </a:prstGeom>
+          <a:ln w="9525"/>
+        </p:spPr>
+        <p:style>
+          <a:lnRef idx="1">
+            <a:schemeClr val="accent1"/>
+          </a:lnRef>
+          <a:fillRef idx="0">
+            <a:schemeClr val="accent1"/>
+          </a:fillRef>
+          <a:effectRef idx="0">
+            <a:schemeClr val="accent1"/>
+          </a:effectRef>
+          <a:fontRef idx="minor">
+            <a:schemeClr val="tx1"/>
+          </a:fontRef>
+        </p:style>
+      </p:cxnSp>
+      <p:cxnSp>
+        <p:nvCxnSpPr>
+          <p:cNvPr id="57" name="Straight Connector 56">
+            <a:extLst>
+              <a:ext uri="{FF2B5EF4-FFF2-40B4-BE49-F238E27FC236}">
+                <a16:creationId xmlns:a16="http://schemas.microsoft.com/office/drawing/2014/main" id="{F532888C-23C2-CE42-95B5-122AA02DC585}"/>
+              </a:ext>
+            </a:extLst>
+          </p:cNvPr>
+          <p:cNvCxnSpPr>
+            <a:cxnSpLocks/>
+          </p:cNvCxnSpPr>
+          <p:nvPr/>
+        </p:nvCxnSpPr>
+        <p:spPr>
+          <a:xfrm>
+            <a:off x="6931142" y="3731231"/>
+            <a:ext cx="289478" cy="0"/>
+          </a:xfrm>
+          <a:prstGeom prst="line">
+            <a:avLst/>
+          </a:prstGeom>
+          <a:ln w="9525"/>
+        </p:spPr>
+        <p:style>
+          <a:lnRef idx="1">
+            <a:schemeClr val="accent1"/>
+          </a:lnRef>
+          <a:fillRef idx="0">
+            <a:schemeClr val="accent1"/>
+          </a:fillRef>
+          <a:effectRef idx="0">
+            <a:schemeClr val="accent1"/>
+          </a:effectRef>
+          <a:fontRef idx="minor">
+            <a:schemeClr val="tx1"/>
+          </a:fontRef>
+        </p:style>
+      </p:cxnSp>
+      <p:cxnSp>
+        <p:nvCxnSpPr>
+          <p:cNvPr id="58" name="Straight Connector 57">
+            <a:extLst>
+              <a:ext uri="{FF2B5EF4-FFF2-40B4-BE49-F238E27FC236}">
+                <a16:creationId xmlns:a16="http://schemas.microsoft.com/office/drawing/2014/main" id="{A072F858-C23D-7B4E-BE7C-972A88B28194}"/>
+              </a:ext>
+            </a:extLst>
+          </p:cNvPr>
+          <p:cNvCxnSpPr>
+            <a:cxnSpLocks/>
+          </p:cNvCxnSpPr>
+          <p:nvPr/>
+        </p:nvCxnSpPr>
+        <p:spPr>
+          <a:xfrm>
+            <a:off x="7952584" y="3076256"/>
+            <a:ext cx="289478" cy="0"/>
+          </a:xfrm>
+          <a:prstGeom prst="line">
+            <a:avLst/>
+          </a:prstGeom>
+          <a:ln w="9525"/>
+        </p:spPr>
+        <p:style>
+          <a:lnRef idx="1">
+            <a:schemeClr val="accent1"/>
+          </a:lnRef>
+          <a:fillRef idx="0">
+            <a:schemeClr val="accent1"/>
+          </a:fillRef>
+          <a:effectRef idx="0">
+            <a:schemeClr val="accent1"/>
+          </a:effectRef>
+          <a:fontRef idx="minor">
+            <a:schemeClr val="tx1"/>
+          </a:fontRef>
+        </p:style>
+      </p:cxnSp>
+      <p:cxnSp>
+        <p:nvCxnSpPr>
+          <p:cNvPr id="59" name="Straight Connector 58">
+            <a:extLst>
+              <a:ext uri="{FF2B5EF4-FFF2-40B4-BE49-F238E27FC236}">
+                <a16:creationId xmlns:a16="http://schemas.microsoft.com/office/drawing/2014/main" id="{42D90603-C241-084F-9D93-D8F0E1C6A234}"/>
+              </a:ext>
+            </a:extLst>
+          </p:cNvPr>
+          <p:cNvCxnSpPr>
+            <a:cxnSpLocks/>
+          </p:cNvCxnSpPr>
+          <p:nvPr/>
+        </p:nvCxnSpPr>
+        <p:spPr>
+          <a:xfrm>
+            <a:off x="7952584" y="3731231"/>
+            <a:ext cx="289478" cy="0"/>
+          </a:xfrm>
+          <a:prstGeom prst="line">
+            <a:avLst/>
+          </a:prstGeom>
+          <a:ln w="9525"/>
+        </p:spPr>
+        <p:style>
+          <a:lnRef idx="1">
+            <a:schemeClr val="accent1"/>
+          </a:lnRef>
+          <a:fillRef idx="0">
+            <a:schemeClr val="accent1"/>
+          </a:fillRef>
+          <a:effectRef idx="0">
+            <a:schemeClr val="accent1"/>
+          </a:effectRef>
+          <a:fontRef idx="minor">
+            <a:schemeClr val="tx1"/>
+          </a:fontRef>
+        </p:style>
+      </p:cxnSp>
+      <p:cxnSp>
+        <p:nvCxnSpPr>
+          <p:cNvPr id="60" name="Straight Connector 59">
+            <a:extLst>
+              <a:ext uri="{FF2B5EF4-FFF2-40B4-BE49-F238E27FC236}">
+                <a16:creationId xmlns:a16="http://schemas.microsoft.com/office/drawing/2014/main" id="{BAB0854D-45A5-5F46-8D57-AE4EE7A4B2C6}"/>
+              </a:ext>
+            </a:extLst>
+          </p:cNvPr>
+          <p:cNvCxnSpPr>
+            <a:cxnSpLocks/>
+          </p:cNvCxnSpPr>
+          <p:nvPr/>
+        </p:nvCxnSpPr>
+        <p:spPr>
+          <a:xfrm>
+            <a:off x="6931142" y="5251321"/>
+            <a:ext cx="289478" cy="0"/>
+          </a:xfrm>
+          <a:prstGeom prst="line">
+            <a:avLst/>
+          </a:prstGeom>
+          <a:ln w="9525"/>
+        </p:spPr>
+        <p:style>
+          <a:lnRef idx="1">
+            <a:schemeClr val="accent1"/>
+          </a:lnRef>
+          <a:fillRef idx="0">
+            <a:schemeClr val="accent1"/>
+          </a:fillRef>
+          <a:effectRef idx="0">
+            <a:schemeClr val="accent1"/>
+          </a:effectRef>
+          <a:fontRef idx="minor">
+            <a:schemeClr val="tx1"/>
+          </a:fontRef>
+        </p:style>
+      </p:cxnSp>
+      <p:cxnSp>
+        <p:nvCxnSpPr>
+          <p:cNvPr id="61" name="Straight Connector 60">
+            <a:extLst>
+              <a:ext uri="{FF2B5EF4-FFF2-40B4-BE49-F238E27FC236}">
+                <a16:creationId xmlns:a16="http://schemas.microsoft.com/office/drawing/2014/main" id="{0F955B6F-1D0E-1047-8C89-CFF278E9AABE}"/>
+              </a:ext>
+            </a:extLst>
+          </p:cNvPr>
+          <p:cNvCxnSpPr>
+            <a:cxnSpLocks/>
+          </p:cNvCxnSpPr>
+          <p:nvPr/>
+        </p:nvCxnSpPr>
+        <p:spPr>
+          <a:xfrm>
+            <a:off x="7952584" y="5243618"/>
+            <a:ext cx="289478" cy="0"/>
+          </a:xfrm>
+          <a:prstGeom prst="line">
+            <a:avLst/>
+          </a:prstGeom>
+          <a:ln w="9525"/>
+        </p:spPr>
+        <p:style>
+          <a:lnRef idx="1">
+            <a:schemeClr val="accent1"/>
+          </a:lnRef>
+          <a:fillRef idx="0">
+            <a:schemeClr val="accent1"/>
+          </a:fillRef>
+          <a:effectRef idx="0">
+            <a:schemeClr val="accent1"/>
+          </a:effectRef>
+          <a:fontRef idx="minor">
+            <a:schemeClr val="tx1"/>
+          </a:fontRef>
+        </p:style>
+      </p:cxnSp>
+      <p:cxnSp>
+        <p:nvCxnSpPr>
+          <p:cNvPr id="62" name="Straight Connector 61">
+            <a:extLst>
+              <a:ext uri="{FF2B5EF4-FFF2-40B4-BE49-F238E27FC236}">
+                <a16:creationId xmlns:a16="http://schemas.microsoft.com/office/drawing/2014/main" id="{94EA2D8E-2497-754F-A944-94C88A8B0B95}"/>
+              </a:ext>
+            </a:extLst>
+          </p:cNvPr>
+          <p:cNvCxnSpPr>
+            <a:cxnSpLocks/>
+            <a:endCxn id="29" idx="2"/>
+          </p:cNvCxnSpPr>
+          <p:nvPr/>
+        </p:nvCxnSpPr>
+        <p:spPr>
+          <a:xfrm flipV="1">
+            <a:off x="5294405" y="3074542"/>
+            <a:ext cx="1230478" cy="667822"/>
+          </a:xfrm>
+          <a:prstGeom prst="line">
+            <a:avLst/>
+          </a:prstGeom>
+          <a:ln w="9525"/>
+        </p:spPr>
+        <p:style>
+          <a:lnRef idx="1">
+            <a:schemeClr val="accent1"/>
+          </a:lnRef>
+          <a:fillRef idx="0">
+            <a:schemeClr val="accent1"/>
+          </a:fillRef>
+          <a:effectRef idx="0">
+            <a:schemeClr val="accent1"/>
+          </a:effectRef>
+          <a:fontRef idx="minor">
+            <a:schemeClr val="tx1"/>
+          </a:fontRef>
+        </p:style>
+      </p:cxnSp>
+      <p:cxnSp>
+        <p:nvCxnSpPr>
+          <p:cNvPr id="64" name="Straight Connector 63">
+            <a:extLst>
+              <a:ext uri="{FF2B5EF4-FFF2-40B4-BE49-F238E27FC236}">
+                <a16:creationId xmlns:a16="http://schemas.microsoft.com/office/drawing/2014/main" id="{69194280-7DF5-2649-B1BF-131305012E6B}"/>
+              </a:ext>
+            </a:extLst>
+          </p:cNvPr>
+          <p:cNvCxnSpPr>
+            <a:cxnSpLocks/>
+            <a:stCxn id="21" idx="6"/>
+            <a:endCxn id="26" idx="2"/>
+          </p:cNvCxnSpPr>
+          <p:nvPr/>
+        </p:nvCxnSpPr>
+        <p:spPr>
+          <a:xfrm>
+            <a:off x="3760967" y="3074542"/>
+            <a:ext cx="1137050" cy="666107"/>
+          </a:xfrm>
+          <a:prstGeom prst="line">
+            <a:avLst/>
+          </a:prstGeom>
+          <a:ln w="9525"/>
+        </p:spPr>
+        <p:style>
+          <a:lnRef idx="1">
+            <a:schemeClr val="accent1"/>
+          </a:lnRef>
+          <a:fillRef idx="0">
+            <a:schemeClr val="accent1"/>
+          </a:fillRef>
+          <a:effectRef idx="0">
+            <a:schemeClr val="accent1"/>
+          </a:effectRef>
+          <a:fontRef idx="minor">
+            <a:schemeClr val="tx1"/>
+          </a:fontRef>
+        </p:style>
+      </p:cxnSp>
+      <p:cxnSp>
+        <p:nvCxnSpPr>
+          <p:cNvPr id="67" name="Straight Connector 66">
+            <a:extLst>
+              <a:ext uri="{FF2B5EF4-FFF2-40B4-BE49-F238E27FC236}">
+                <a16:creationId xmlns:a16="http://schemas.microsoft.com/office/drawing/2014/main" id="{58708871-1A0F-6F47-814F-B093C3B9C7DA}"/>
+              </a:ext>
+            </a:extLst>
+          </p:cNvPr>
+          <p:cNvCxnSpPr>
+            <a:cxnSpLocks/>
+            <a:stCxn id="21" idx="6"/>
+            <a:endCxn id="27" idx="2"/>
+          </p:cNvCxnSpPr>
+          <p:nvPr/>
+        </p:nvCxnSpPr>
+        <p:spPr>
+          <a:xfrm>
+            <a:off x="3760967" y="3074542"/>
+            <a:ext cx="1137050" cy="2176779"/>
+          </a:xfrm>
+          <a:prstGeom prst="line">
+            <a:avLst/>
+          </a:prstGeom>
+          <a:ln w="9525"/>
+        </p:spPr>
+        <p:style>
+          <a:lnRef idx="1">
+            <a:schemeClr val="accent1"/>
+          </a:lnRef>
+          <a:fillRef idx="0">
+            <a:schemeClr val="accent1"/>
+          </a:fillRef>
+          <a:effectRef idx="0">
+            <a:schemeClr val="accent1"/>
+          </a:effectRef>
+          <a:fontRef idx="minor">
+            <a:schemeClr val="tx1"/>
+          </a:fontRef>
+        </p:style>
+      </p:cxnSp>
+      <p:cxnSp>
+        <p:nvCxnSpPr>
+          <p:cNvPr id="70" name="Straight Connector 69">
+            <a:extLst>
+              <a:ext uri="{FF2B5EF4-FFF2-40B4-BE49-F238E27FC236}">
+                <a16:creationId xmlns:a16="http://schemas.microsoft.com/office/drawing/2014/main" id="{6C054A16-D07E-754E-993E-B3CA65BE926D}"/>
+              </a:ext>
+            </a:extLst>
+          </p:cNvPr>
+          <p:cNvCxnSpPr>
+            <a:cxnSpLocks/>
+            <a:endCxn id="25" idx="2"/>
+          </p:cNvCxnSpPr>
+          <p:nvPr/>
+        </p:nvCxnSpPr>
+        <p:spPr>
+          <a:xfrm flipV="1">
+            <a:off x="3766367" y="3074542"/>
+            <a:ext cx="1131650" cy="2169076"/>
+          </a:xfrm>
+          <a:prstGeom prst="line">
+            <a:avLst/>
+          </a:prstGeom>
+          <a:ln w="9525"/>
+        </p:spPr>
+        <p:style>
+          <a:lnRef idx="1">
+            <a:schemeClr val="accent1"/>
+          </a:lnRef>
+          <a:fillRef idx="0">
+            <a:schemeClr val="accent1"/>
+          </a:fillRef>
+          <a:effectRef idx="0">
+            <a:schemeClr val="accent1"/>
+          </a:effectRef>
+          <a:fontRef idx="minor">
+            <a:schemeClr val="tx1"/>
+          </a:fontRef>
+        </p:style>
+      </p:cxnSp>
+      <p:cxnSp>
+        <p:nvCxnSpPr>
+          <p:cNvPr id="72" name="Straight Connector 71">
+            <a:extLst>
+              <a:ext uri="{FF2B5EF4-FFF2-40B4-BE49-F238E27FC236}">
+                <a16:creationId xmlns:a16="http://schemas.microsoft.com/office/drawing/2014/main" id="{AB28A236-F77A-BB41-9869-E7548A6636A6}"/>
+              </a:ext>
+            </a:extLst>
+          </p:cNvPr>
+          <p:cNvCxnSpPr>
+            <a:cxnSpLocks/>
+            <a:endCxn id="26" idx="2"/>
+          </p:cNvCxnSpPr>
+          <p:nvPr/>
+        </p:nvCxnSpPr>
+        <p:spPr>
+          <a:xfrm flipV="1">
+            <a:off x="3763505" y="3740649"/>
+            <a:ext cx="1134512" cy="1508488"/>
+          </a:xfrm>
+          <a:prstGeom prst="line">
+            <a:avLst/>
+          </a:prstGeom>
+          <a:ln w="9525"/>
+        </p:spPr>
+        <p:style>
+          <a:lnRef idx="1">
+            <a:schemeClr val="accent1"/>
+          </a:lnRef>
+          <a:fillRef idx="0">
+            <a:schemeClr val="accent1"/>
+          </a:fillRef>
+          <a:effectRef idx="0">
+            <a:schemeClr val="accent1"/>
+          </a:effectRef>
+          <a:fontRef idx="minor">
+            <a:schemeClr val="tx1"/>
+          </a:fontRef>
+        </p:style>
+      </p:cxnSp>
+      <p:cxnSp>
+        <p:nvCxnSpPr>
+          <p:cNvPr id="74" name="Straight Connector 73">
+            <a:extLst>
+              <a:ext uri="{FF2B5EF4-FFF2-40B4-BE49-F238E27FC236}">
+                <a16:creationId xmlns:a16="http://schemas.microsoft.com/office/drawing/2014/main" id="{6C9D1E47-1FF7-C241-83AF-23C0349012D9}"/>
+              </a:ext>
+            </a:extLst>
+          </p:cNvPr>
+          <p:cNvCxnSpPr>
+            <a:cxnSpLocks/>
+            <a:endCxn id="27" idx="2"/>
+          </p:cNvCxnSpPr>
+          <p:nvPr/>
+        </p:nvCxnSpPr>
+        <p:spPr>
+          <a:xfrm>
+            <a:off x="3763505" y="3730408"/>
+            <a:ext cx="1134512" cy="1520913"/>
+          </a:xfrm>
+          <a:prstGeom prst="line">
+            <a:avLst/>
+          </a:prstGeom>
+          <a:ln w="9525"/>
+        </p:spPr>
+        <p:style>
+          <a:lnRef idx="1">
+            <a:schemeClr val="accent1"/>
+          </a:lnRef>
+          <a:fillRef idx="0">
+            <a:schemeClr val="accent1"/>
+          </a:fillRef>
+          <a:effectRef idx="0">
+            <a:schemeClr val="accent1"/>
+          </a:effectRef>
+          <a:fontRef idx="minor">
+            <a:schemeClr val="tx1"/>
+          </a:fontRef>
+        </p:style>
+      </p:cxnSp>
+      <p:cxnSp>
+        <p:nvCxnSpPr>
+          <p:cNvPr id="76" name="Straight Connector 75">
+            <a:extLst>
+              <a:ext uri="{FF2B5EF4-FFF2-40B4-BE49-F238E27FC236}">
+                <a16:creationId xmlns:a16="http://schemas.microsoft.com/office/drawing/2014/main" id="{09399A78-A4A8-4D40-9F57-AE2320F26643}"/>
+              </a:ext>
+            </a:extLst>
+          </p:cNvPr>
+          <p:cNvCxnSpPr>
+            <a:cxnSpLocks/>
+            <a:endCxn id="30" idx="2"/>
+          </p:cNvCxnSpPr>
+          <p:nvPr/>
+        </p:nvCxnSpPr>
+        <p:spPr>
+          <a:xfrm>
+            <a:off x="5307865" y="3073719"/>
+            <a:ext cx="1217018" cy="666930"/>
+          </a:xfrm>
+          <a:prstGeom prst="line">
+            <a:avLst/>
+          </a:prstGeom>
+          <a:ln w="9525"/>
+        </p:spPr>
+        <p:style>
+          <a:lnRef idx="1">
+            <a:schemeClr val="accent1"/>
+          </a:lnRef>
+          <a:fillRef idx="0">
+            <a:schemeClr val="accent1"/>
+          </a:fillRef>
+          <a:effectRef idx="0">
+            <a:schemeClr val="accent1"/>
+          </a:effectRef>
+          <a:fontRef idx="minor">
+            <a:schemeClr val="tx1"/>
+          </a:fontRef>
+        </p:style>
+      </p:cxnSp>
+      <p:sp>
+        <p:nvSpPr>
+          <p:cNvPr id="78" name="Oval 77">
+            <a:extLst>
+              <a:ext uri="{FF2B5EF4-FFF2-40B4-BE49-F238E27FC236}">
+                <a16:creationId xmlns:a16="http://schemas.microsoft.com/office/drawing/2014/main" id="{AD66F3C4-E694-3B4B-B80E-E57D1D9371D0}"/>
+              </a:ext>
+            </a:extLst>
+          </p:cNvPr>
+          <p:cNvSpPr/>
+          <p:nvPr/>
+        </p:nvSpPr>
+        <p:spPr>
+          <a:xfrm>
+            <a:off x="9839668" y="2883230"/>
+            <a:ext cx="406259" cy="382624"/>
+          </a:xfrm>
+          <a:prstGeom prst="ellipse">
+            <a:avLst/>
+          </a:prstGeom>
+          <a:noFill/>
+        </p:spPr>
+        <p:style>
+          <a:lnRef idx="2">
+            <a:schemeClr val="accent1">
+              <a:shade val="50000"/>
+            </a:schemeClr>
+          </a:lnRef>
+          <a:fillRef idx="1">
+            <a:schemeClr val="accent1"/>
+          </a:fillRef>
+          <a:effectRef idx="0">
+            <a:schemeClr val="accent1"/>
+          </a:effectRef>
+          <a:fontRef idx="minor">
+            <a:schemeClr val="lt1"/>
+          </a:fontRef>
+        </p:style>
+        <p:txBody>
+          <a:bodyPr rtlCol="0" anchor="ctr"/>
+          <a:lstStyle/>
+          <a:p>
+            <a:pPr algn="ctr"/>
+            <a:endParaRPr lang="en-US">
+              <a:noFill/>
+            </a:endParaRPr>
+          </a:p>
+        </p:txBody>
+      </p:sp>
+      <p:sp>
+        <p:nvSpPr>
+          <p:cNvPr id="79" name="Oval 78">
+            <a:extLst>
+              <a:ext uri="{FF2B5EF4-FFF2-40B4-BE49-F238E27FC236}">
+                <a16:creationId xmlns:a16="http://schemas.microsoft.com/office/drawing/2014/main" id="{18DFA084-0567-3F44-9033-D5ED3B686FE2}"/>
+              </a:ext>
+            </a:extLst>
+          </p:cNvPr>
+          <p:cNvSpPr/>
+          <p:nvPr/>
+        </p:nvSpPr>
+        <p:spPr>
+          <a:xfrm>
+            <a:off x="9839668" y="3549337"/>
+            <a:ext cx="406259" cy="382624"/>
+          </a:xfrm>
+          <a:prstGeom prst="ellipse">
+            <a:avLst/>
+          </a:prstGeom>
+          <a:noFill/>
+        </p:spPr>
+        <p:style>
+          <a:lnRef idx="2">
+            <a:schemeClr val="accent1">
+              <a:shade val="50000"/>
+            </a:schemeClr>
+          </a:lnRef>
+          <a:fillRef idx="1">
+            <a:schemeClr val="accent1"/>
+          </a:fillRef>
+          <a:effectRef idx="0">
+            <a:schemeClr val="accent1"/>
+          </a:effectRef>
+          <a:fontRef idx="minor">
+            <a:schemeClr val="lt1"/>
+          </a:fontRef>
+        </p:style>
+        <p:txBody>
+          <a:bodyPr rtlCol="0" anchor="ctr"/>
+          <a:lstStyle/>
+          <a:p>
+            <a:pPr algn="ctr"/>
+            <a:endParaRPr lang="en-US">
+              <a:noFill/>
+            </a:endParaRPr>
+          </a:p>
+        </p:txBody>
+      </p:sp>
+      <mc:AlternateContent xmlns:mc="http://schemas.openxmlformats.org/markup-compatibility/2006">
+        <mc:Choice xmlns:a14="http://schemas.microsoft.com/office/drawing/2010/main" Requires="a14">
+          <p:sp>
+            <p:nvSpPr>
+              <p:cNvPr id="80" name="Oval 79">
+                <a:extLst>
+                  <a:ext uri="{FF2B5EF4-FFF2-40B4-BE49-F238E27FC236}">
+                    <a16:creationId xmlns:a16="http://schemas.microsoft.com/office/drawing/2014/main" id="{53EF40EC-F711-E644-B1B5-5F3161F3C0AF}"/>
+                  </a:ext>
+                </a:extLst>
+              </p:cNvPr>
+              <p:cNvSpPr/>
+              <p:nvPr/>
+            </p:nvSpPr>
+            <p:spPr>
+              <a:xfrm>
+                <a:off x="9839668" y="5060009"/>
+                <a:ext cx="406259" cy="382624"/>
+              </a:xfrm>
+              <a:prstGeom prst="ellipse">
+                <a:avLst/>
+              </a:prstGeom>
+              <a:noFill/>
+            </p:spPr>
+            <p:style>
+              <a:lnRef idx="2">
+                <a:schemeClr val="accent1">
+                  <a:shade val="50000"/>
+                </a:schemeClr>
+              </a:lnRef>
+              <a:fillRef idx="1">
+                <a:schemeClr val="accent1"/>
+              </a:fillRef>
+              <a:effectRef idx="0">
+                <a:schemeClr val="accent1"/>
+              </a:effectRef>
+              <a:fontRef idx="minor">
+                <a:schemeClr val="lt1"/>
+              </a:fontRef>
+            </p:style>
+            <p:txBody>
+              <a:bodyPr rtlCol="0" anchor="ctr"/>
+              <a:lstStyle/>
+              <a:p>
+                <a:pPr algn="ctr"/>
+                <a14:m>
+                  <m:oMathPara xmlns:m="http://schemas.openxmlformats.org/officeDocument/2006/math">
+                    <m:oMathParaPr>
+                      <m:jc m:val="centerGroup"/>
+                    </m:oMathParaPr>
+                    <m:oMath xmlns:m="http://schemas.openxmlformats.org/officeDocument/2006/math">
+                      <a:fld id="{825F15A7-03F4-43D7-82C5-3E23DA2F108C}" type="mathplaceholder">
+                        <a:rPr lang="en-US" i="1" smtClean="0">
+                          <a:noFill/>
+                          <a:latin typeface="Cambria Math" panose="02040503050406030204" pitchFamily="18" charset="0"/>
+                        </a:rPr>
+                        <a:t>Type equation here.</a:t>
+                      </a:fld>
+                    </m:oMath>
+                  </m:oMathPara>
+                </a14:m>
+                <a:endParaRPr lang="en-US" dirty="0">
+                  <a:noFill/>
+                </a:endParaRPr>
+              </a:p>
+            </p:txBody>
+          </p:sp>
+        </mc:Choice>
+        <mc:Fallback>
+          <p:sp>
+            <p:nvSpPr>
+              <p:cNvPr id="80" name="Oval 79">
+                <a:extLst>
+                  <a:ext uri="{FF2B5EF4-FFF2-40B4-BE49-F238E27FC236}">
+                    <a16:creationId xmlns:a16="http://schemas.microsoft.com/office/drawing/2014/main" id="{53EF40EC-F711-E644-B1B5-5F3161F3C0AF}"/>
+                  </a:ext>
+                </a:extLst>
+              </p:cNvPr>
+              <p:cNvSpPr>
+                <a:spLocks noRot="1" noChangeAspect="1" noMove="1" noResize="1" noEditPoints="1" noAdjustHandles="1" noChangeArrowheads="1" noChangeShapeType="1" noTextEdit="1"/>
+              </p:cNvSpPr>
+              <p:nvPr/>
+            </p:nvSpPr>
+            <p:spPr>
+              <a:xfrm>
+                <a:off x="9839668" y="5060009"/>
+                <a:ext cx="406259" cy="382624"/>
+              </a:xfrm>
+              <a:prstGeom prst="ellipse">
+                <a:avLst/>
+              </a:prstGeom>
+              <a:blipFill>
+                <a:blip r:embed="rId9"/>
+                <a:stretch>
+                  <a:fillRect/>
+                </a:stretch>
+              </a:blipFill>
+            </p:spPr>
+            <p:txBody>
+              <a:bodyPr/>
+              <a:lstStyle/>
+              <a:p>
+                <a:r>
+                  <a:rPr lang="en-US">
+                    <a:noFill/>
+                  </a:rPr>
+                  <a:t> </a:t>
+                </a:r>
+              </a:p>
+            </p:txBody>
+          </p:sp>
+        </mc:Fallback>
+      </mc:AlternateContent>
+      <p:sp>
+        <p:nvSpPr>
+          <p:cNvPr id="81" name="TextBox 80">
+            <a:extLst>
+              <a:ext uri="{FF2B5EF4-FFF2-40B4-BE49-F238E27FC236}">
+                <a16:creationId xmlns:a16="http://schemas.microsoft.com/office/drawing/2014/main" id="{4B5A7269-F8A0-9546-8BA7-052589ACF209}"/>
+              </a:ext>
+            </a:extLst>
+          </p:cNvPr>
+          <p:cNvSpPr txBox="1"/>
+          <p:nvPr/>
+        </p:nvSpPr>
+        <p:spPr>
+          <a:xfrm rot="5400000">
+            <a:off x="9876097" y="4311319"/>
+            <a:ext cx="463588" cy="369332"/>
+          </a:xfrm>
+          <a:prstGeom prst="rect">
+            <a:avLst/>
+          </a:prstGeom>
+          <a:noFill/>
+        </p:spPr>
+        <p:txBody>
+          <a:bodyPr wrap="none" rtlCol="0">
+            <a:spAutoFit/>
+          </a:bodyPr>
+          <a:lstStyle/>
+          <a:p>
+            <a:r>
+              <a:rPr lang="en-US" dirty="0"/>
+              <a:t>. . .</a:t>
+            </a:r>
+          </a:p>
+        </p:txBody>
+      </p:sp>
+      <p:cxnSp>
+        <p:nvCxnSpPr>
+          <p:cNvPr id="85" name="Straight Connector 84">
+            <a:extLst>
+              <a:ext uri="{FF2B5EF4-FFF2-40B4-BE49-F238E27FC236}">
+                <a16:creationId xmlns:a16="http://schemas.microsoft.com/office/drawing/2014/main" id="{67985931-1A1A-014B-B791-0BEBCE5B92C6}"/>
+              </a:ext>
+            </a:extLst>
+          </p:cNvPr>
+          <p:cNvCxnSpPr>
+            <a:cxnSpLocks/>
+          </p:cNvCxnSpPr>
+          <p:nvPr/>
+        </p:nvCxnSpPr>
+        <p:spPr>
+          <a:xfrm>
+            <a:off x="9550190" y="3076256"/>
+            <a:ext cx="289478" cy="0"/>
+          </a:xfrm>
+          <a:prstGeom prst="line">
+            <a:avLst/>
+          </a:prstGeom>
+          <a:ln w="9525"/>
+        </p:spPr>
+        <p:style>
+          <a:lnRef idx="1">
+            <a:schemeClr val="accent1"/>
+          </a:lnRef>
+          <a:fillRef idx="0">
+            <a:schemeClr val="accent1"/>
+          </a:fillRef>
+          <a:effectRef idx="0">
+            <a:schemeClr val="accent1"/>
+          </a:effectRef>
+          <a:fontRef idx="minor">
+            <a:schemeClr val="tx1"/>
+          </a:fontRef>
+        </p:style>
+      </p:cxnSp>
+      <p:cxnSp>
+        <p:nvCxnSpPr>
+          <p:cNvPr id="86" name="Straight Connector 85">
+            <a:extLst>
+              <a:ext uri="{FF2B5EF4-FFF2-40B4-BE49-F238E27FC236}">
+                <a16:creationId xmlns:a16="http://schemas.microsoft.com/office/drawing/2014/main" id="{D308DB18-5248-4F40-8B3C-1438D83E29A8}"/>
+              </a:ext>
+            </a:extLst>
+          </p:cNvPr>
+          <p:cNvCxnSpPr>
+            <a:cxnSpLocks/>
+          </p:cNvCxnSpPr>
+          <p:nvPr/>
+        </p:nvCxnSpPr>
+        <p:spPr>
+          <a:xfrm>
+            <a:off x="9550190" y="3731231"/>
+            <a:ext cx="289478" cy="0"/>
+          </a:xfrm>
+          <a:prstGeom prst="line">
+            <a:avLst/>
+          </a:prstGeom>
+          <a:ln w="9525"/>
+        </p:spPr>
+        <p:style>
+          <a:lnRef idx="1">
+            <a:schemeClr val="accent1"/>
+          </a:lnRef>
+          <a:fillRef idx="0">
+            <a:schemeClr val="accent1"/>
+          </a:fillRef>
+          <a:effectRef idx="0">
+            <a:schemeClr val="accent1"/>
+          </a:effectRef>
+          <a:fontRef idx="minor">
+            <a:schemeClr val="tx1"/>
+          </a:fontRef>
+        </p:style>
+      </p:cxnSp>
+      <p:cxnSp>
+        <p:nvCxnSpPr>
+          <p:cNvPr id="87" name="Straight Connector 86">
+            <a:extLst>
+              <a:ext uri="{FF2B5EF4-FFF2-40B4-BE49-F238E27FC236}">
+                <a16:creationId xmlns:a16="http://schemas.microsoft.com/office/drawing/2014/main" id="{0428348C-1555-4647-B164-19D7F96F9C86}"/>
+              </a:ext>
+            </a:extLst>
+          </p:cNvPr>
+          <p:cNvCxnSpPr>
+            <a:cxnSpLocks/>
+          </p:cNvCxnSpPr>
+          <p:nvPr/>
+        </p:nvCxnSpPr>
+        <p:spPr>
+          <a:xfrm>
+            <a:off x="9550190" y="5243618"/>
+            <a:ext cx="289478" cy="0"/>
+          </a:xfrm>
+          <a:prstGeom prst="line">
+            <a:avLst/>
+          </a:prstGeom>
+          <a:ln w="9525"/>
+        </p:spPr>
+        <p:style>
+          <a:lnRef idx="1">
+            <a:schemeClr val="accent1"/>
+          </a:lnRef>
+          <a:fillRef idx="0">
+            <a:schemeClr val="accent1"/>
+          </a:fillRef>
+          <a:effectRef idx="0">
+            <a:schemeClr val="accent1"/>
+          </a:effectRef>
+          <a:fontRef idx="minor">
+            <a:schemeClr val="tx1"/>
+          </a:fontRef>
+        </p:style>
+      </p:cxnSp>
     </p:spTree>
     <p:extLst>
       <p:ext uri="{BB962C8B-B14F-4D97-AF65-F5344CB8AC3E}">

--- a/docs/TransformersIntroFigures.pptx
+++ b/docs/TransformersIntroFigures.pptx
@@ -6560,6 +6560,2376 @@
           </a:fontRef>
         </p:style>
       </p:cxnSp>
+      <p:cxnSp>
+        <p:nvCxnSpPr>
+          <p:cNvPr id="88" name="Straight Connector 87">
+            <a:extLst>
+              <a:ext uri="{FF2B5EF4-FFF2-40B4-BE49-F238E27FC236}">
+                <a16:creationId xmlns:a16="http://schemas.microsoft.com/office/drawing/2014/main" id="{44C8879D-FE7E-E045-B4D1-6BCBD2D2F8CA}"/>
+              </a:ext>
+            </a:extLst>
+          </p:cNvPr>
+          <p:cNvCxnSpPr>
+            <a:cxnSpLocks/>
+            <a:endCxn id="29" idx="2"/>
+          </p:cNvCxnSpPr>
+          <p:nvPr/>
+        </p:nvCxnSpPr>
+        <p:spPr>
+          <a:xfrm>
+            <a:off x="5304276" y="3073719"/>
+            <a:ext cx="1220607" cy="823"/>
+          </a:xfrm>
+          <a:prstGeom prst="line">
+            <a:avLst/>
+          </a:prstGeom>
+          <a:ln w="9525"/>
+        </p:spPr>
+        <p:style>
+          <a:lnRef idx="1">
+            <a:schemeClr val="accent1"/>
+          </a:lnRef>
+          <a:fillRef idx="0">
+            <a:schemeClr val="accent1"/>
+          </a:fillRef>
+          <a:effectRef idx="0">
+            <a:schemeClr val="accent1"/>
+          </a:effectRef>
+          <a:fontRef idx="minor">
+            <a:schemeClr val="tx1"/>
+          </a:fontRef>
+        </p:style>
+      </p:cxnSp>
+      <p:cxnSp>
+        <p:nvCxnSpPr>
+          <p:cNvPr id="90" name="Straight Connector 89">
+            <a:extLst>
+              <a:ext uri="{FF2B5EF4-FFF2-40B4-BE49-F238E27FC236}">
+                <a16:creationId xmlns:a16="http://schemas.microsoft.com/office/drawing/2014/main" id="{C143670F-99E2-5B4B-BD6D-452358235226}"/>
+              </a:ext>
+            </a:extLst>
+          </p:cNvPr>
+          <p:cNvCxnSpPr>
+            <a:cxnSpLocks/>
+          </p:cNvCxnSpPr>
+          <p:nvPr/>
+        </p:nvCxnSpPr>
+        <p:spPr>
+          <a:xfrm>
+            <a:off x="5307865" y="3740710"/>
+            <a:ext cx="1220607" cy="823"/>
+          </a:xfrm>
+          <a:prstGeom prst="line">
+            <a:avLst/>
+          </a:prstGeom>
+          <a:ln w="9525"/>
+        </p:spPr>
+        <p:style>
+          <a:lnRef idx="1">
+            <a:schemeClr val="accent1"/>
+          </a:lnRef>
+          <a:fillRef idx="0">
+            <a:schemeClr val="accent1"/>
+          </a:fillRef>
+          <a:effectRef idx="0">
+            <a:schemeClr val="accent1"/>
+          </a:effectRef>
+          <a:fontRef idx="minor">
+            <a:schemeClr val="tx1"/>
+          </a:fontRef>
+        </p:style>
+      </p:cxnSp>
+      <p:cxnSp>
+        <p:nvCxnSpPr>
+          <p:cNvPr id="91" name="Straight Connector 90">
+            <a:extLst>
+              <a:ext uri="{FF2B5EF4-FFF2-40B4-BE49-F238E27FC236}">
+                <a16:creationId xmlns:a16="http://schemas.microsoft.com/office/drawing/2014/main" id="{0B1B56FC-5E65-1345-B67F-494FD6C9A104}"/>
+              </a:ext>
+            </a:extLst>
+          </p:cNvPr>
+          <p:cNvCxnSpPr>
+            <a:cxnSpLocks/>
+          </p:cNvCxnSpPr>
+          <p:nvPr/>
+        </p:nvCxnSpPr>
+        <p:spPr>
+          <a:xfrm>
+            <a:off x="5303361" y="5237719"/>
+            <a:ext cx="1220607" cy="823"/>
+          </a:xfrm>
+          <a:prstGeom prst="line">
+            <a:avLst/>
+          </a:prstGeom>
+          <a:ln w="9525"/>
+        </p:spPr>
+        <p:style>
+          <a:lnRef idx="1">
+            <a:schemeClr val="accent1"/>
+          </a:lnRef>
+          <a:fillRef idx="0">
+            <a:schemeClr val="accent1"/>
+          </a:fillRef>
+          <a:effectRef idx="0">
+            <a:schemeClr val="accent1"/>
+          </a:effectRef>
+          <a:fontRef idx="minor">
+            <a:schemeClr val="tx1"/>
+          </a:fontRef>
+        </p:style>
+      </p:cxnSp>
+      <p:cxnSp>
+        <p:nvCxnSpPr>
+          <p:cNvPr id="92" name="Straight Connector 91">
+            <a:extLst>
+              <a:ext uri="{FF2B5EF4-FFF2-40B4-BE49-F238E27FC236}">
+                <a16:creationId xmlns:a16="http://schemas.microsoft.com/office/drawing/2014/main" id="{021E88E1-2F74-934D-A72A-AB5EF17D6902}"/>
+              </a:ext>
+            </a:extLst>
+          </p:cNvPr>
+          <p:cNvCxnSpPr>
+            <a:cxnSpLocks/>
+            <a:endCxn id="30" idx="2"/>
+          </p:cNvCxnSpPr>
+          <p:nvPr/>
+        </p:nvCxnSpPr>
+        <p:spPr>
+          <a:xfrm flipV="1">
+            <a:off x="5302201" y="3740649"/>
+            <a:ext cx="1222682" cy="1497070"/>
+          </a:xfrm>
+          <a:prstGeom prst="line">
+            <a:avLst/>
+          </a:prstGeom>
+          <a:ln w="9525"/>
+        </p:spPr>
+        <p:style>
+          <a:lnRef idx="1">
+            <a:schemeClr val="accent1"/>
+          </a:lnRef>
+          <a:fillRef idx="0">
+            <a:schemeClr val="accent1"/>
+          </a:fillRef>
+          <a:effectRef idx="0">
+            <a:schemeClr val="accent1"/>
+          </a:effectRef>
+          <a:fontRef idx="minor">
+            <a:schemeClr val="tx1"/>
+          </a:fontRef>
+        </p:style>
+      </p:cxnSp>
+      <p:cxnSp>
+        <p:nvCxnSpPr>
+          <p:cNvPr id="94" name="Straight Connector 93">
+            <a:extLst>
+              <a:ext uri="{FF2B5EF4-FFF2-40B4-BE49-F238E27FC236}">
+                <a16:creationId xmlns:a16="http://schemas.microsoft.com/office/drawing/2014/main" id="{0ADD8EDA-143A-6049-B66A-ECB1042E95AA}"/>
+              </a:ext>
+            </a:extLst>
+          </p:cNvPr>
+          <p:cNvCxnSpPr>
+            <a:cxnSpLocks/>
+            <a:endCxn id="31" idx="2"/>
+          </p:cNvCxnSpPr>
+          <p:nvPr/>
+        </p:nvCxnSpPr>
+        <p:spPr>
+          <a:xfrm>
+            <a:off x="5306396" y="3737642"/>
+            <a:ext cx="1218487" cy="1513679"/>
+          </a:xfrm>
+          <a:prstGeom prst="line">
+            <a:avLst/>
+          </a:prstGeom>
+          <a:ln w="9525"/>
+        </p:spPr>
+        <p:style>
+          <a:lnRef idx="1">
+            <a:schemeClr val="accent1"/>
+          </a:lnRef>
+          <a:fillRef idx="0">
+            <a:schemeClr val="accent1"/>
+          </a:fillRef>
+          <a:effectRef idx="0">
+            <a:schemeClr val="accent1"/>
+          </a:effectRef>
+          <a:fontRef idx="minor">
+            <a:schemeClr val="tx1"/>
+          </a:fontRef>
+        </p:style>
+      </p:cxnSp>
+      <p:cxnSp>
+        <p:nvCxnSpPr>
+          <p:cNvPr id="96" name="Straight Connector 95">
+            <a:extLst>
+              <a:ext uri="{FF2B5EF4-FFF2-40B4-BE49-F238E27FC236}">
+                <a16:creationId xmlns:a16="http://schemas.microsoft.com/office/drawing/2014/main" id="{C0A4FFC1-91FE-7240-8B6A-310E7038447B}"/>
+              </a:ext>
+            </a:extLst>
+          </p:cNvPr>
+          <p:cNvCxnSpPr>
+            <a:cxnSpLocks/>
+            <a:stCxn id="27" idx="6"/>
+            <a:endCxn id="29" idx="2"/>
+          </p:cNvCxnSpPr>
+          <p:nvPr/>
+        </p:nvCxnSpPr>
+        <p:spPr>
+          <a:xfrm flipV="1">
+            <a:off x="5304276" y="3074542"/>
+            <a:ext cx="1220607" cy="2176779"/>
+          </a:xfrm>
+          <a:prstGeom prst="line">
+            <a:avLst/>
+          </a:prstGeom>
+          <a:ln w="9525"/>
+        </p:spPr>
+        <p:style>
+          <a:lnRef idx="1">
+            <a:schemeClr val="accent1"/>
+          </a:lnRef>
+          <a:fillRef idx="0">
+            <a:schemeClr val="accent1"/>
+          </a:fillRef>
+          <a:effectRef idx="0">
+            <a:schemeClr val="accent1"/>
+          </a:effectRef>
+          <a:fontRef idx="minor">
+            <a:schemeClr val="tx1"/>
+          </a:fontRef>
+        </p:style>
+      </p:cxnSp>
+      <p:cxnSp>
+        <p:nvCxnSpPr>
+          <p:cNvPr id="99" name="Straight Connector 98">
+            <a:extLst>
+              <a:ext uri="{FF2B5EF4-FFF2-40B4-BE49-F238E27FC236}">
+                <a16:creationId xmlns:a16="http://schemas.microsoft.com/office/drawing/2014/main" id="{EAA91126-7871-C140-BAC6-3C69B98A0D1B}"/>
+              </a:ext>
+            </a:extLst>
+          </p:cNvPr>
+          <p:cNvCxnSpPr>
+            <a:cxnSpLocks/>
+            <a:endCxn id="31" idx="2"/>
+          </p:cNvCxnSpPr>
+          <p:nvPr/>
+        </p:nvCxnSpPr>
+        <p:spPr>
+          <a:xfrm>
+            <a:off x="5315149" y="3082848"/>
+            <a:ext cx="1209734" cy="2168473"/>
+          </a:xfrm>
+          <a:prstGeom prst="line">
+            <a:avLst/>
+          </a:prstGeom>
+          <a:ln w="9525"/>
+        </p:spPr>
+        <p:style>
+          <a:lnRef idx="1">
+            <a:schemeClr val="accent1"/>
+          </a:lnRef>
+          <a:fillRef idx="0">
+            <a:schemeClr val="accent1"/>
+          </a:fillRef>
+          <a:effectRef idx="0">
+            <a:schemeClr val="accent1"/>
+          </a:effectRef>
+          <a:fontRef idx="minor">
+            <a:schemeClr val="tx1"/>
+          </a:fontRef>
+        </p:style>
+      </p:cxnSp>
+      <p:cxnSp>
+        <p:nvCxnSpPr>
+          <p:cNvPr id="101" name="Straight Connector 100">
+            <a:extLst>
+              <a:ext uri="{FF2B5EF4-FFF2-40B4-BE49-F238E27FC236}">
+                <a16:creationId xmlns:a16="http://schemas.microsoft.com/office/drawing/2014/main" id="{E689FFD6-54BE-6D43-A660-EF527510107C}"/>
+              </a:ext>
+            </a:extLst>
+          </p:cNvPr>
+          <p:cNvCxnSpPr>
+            <a:cxnSpLocks/>
+          </p:cNvCxnSpPr>
+          <p:nvPr/>
+        </p:nvCxnSpPr>
+        <p:spPr>
+          <a:xfrm>
+            <a:off x="6937952" y="3077192"/>
+            <a:ext cx="337181" cy="173215"/>
+          </a:xfrm>
+          <a:prstGeom prst="line">
+            <a:avLst/>
+          </a:prstGeom>
+          <a:ln w="9525"/>
+        </p:spPr>
+        <p:style>
+          <a:lnRef idx="1">
+            <a:schemeClr val="accent1"/>
+          </a:lnRef>
+          <a:fillRef idx="0">
+            <a:schemeClr val="accent1"/>
+          </a:fillRef>
+          <a:effectRef idx="0">
+            <a:schemeClr val="accent1"/>
+          </a:effectRef>
+          <a:fontRef idx="minor">
+            <a:schemeClr val="tx1"/>
+          </a:fontRef>
+        </p:style>
+      </p:cxnSp>
+      <p:cxnSp>
+        <p:nvCxnSpPr>
+          <p:cNvPr id="103" name="Straight Connector 102">
+            <a:extLst>
+              <a:ext uri="{FF2B5EF4-FFF2-40B4-BE49-F238E27FC236}">
+                <a16:creationId xmlns:a16="http://schemas.microsoft.com/office/drawing/2014/main" id="{08FB2D1B-BADE-8244-8F5C-50090C2AC863}"/>
+              </a:ext>
+            </a:extLst>
+          </p:cNvPr>
+          <p:cNvCxnSpPr>
+            <a:cxnSpLocks/>
+          </p:cNvCxnSpPr>
+          <p:nvPr/>
+        </p:nvCxnSpPr>
+        <p:spPr>
+          <a:xfrm flipV="1">
+            <a:off x="6933654" y="3595007"/>
+            <a:ext cx="308135" cy="137070"/>
+          </a:xfrm>
+          <a:prstGeom prst="line">
+            <a:avLst/>
+          </a:prstGeom>
+          <a:ln w="9525"/>
+        </p:spPr>
+        <p:style>
+          <a:lnRef idx="1">
+            <a:schemeClr val="accent1"/>
+          </a:lnRef>
+          <a:fillRef idx="0">
+            <a:schemeClr val="accent1"/>
+          </a:fillRef>
+          <a:effectRef idx="0">
+            <a:schemeClr val="accent1"/>
+          </a:effectRef>
+          <a:fontRef idx="minor">
+            <a:schemeClr val="tx1"/>
+          </a:fontRef>
+        </p:style>
+      </p:cxnSp>
+      <p:cxnSp>
+        <p:nvCxnSpPr>
+          <p:cNvPr id="105" name="Straight Connector 104">
+            <a:extLst>
+              <a:ext uri="{FF2B5EF4-FFF2-40B4-BE49-F238E27FC236}">
+                <a16:creationId xmlns:a16="http://schemas.microsoft.com/office/drawing/2014/main" id="{43C422E5-E085-5F4C-A60A-E1D0A3B7703E}"/>
+              </a:ext>
+            </a:extLst>
+          </p:cNvPr>
+          <p:cNvCxnSpPr>
+            <a:cxnSpLocks/>
+          </p:cNvCxnSpPr>
+          <p:nvPr/>
+        </p:nvCxnSpPr>
+        <p:spPr>
+          <a:xfrm flipV="1">
+            <a:off x="6941286" y="5034950"/>
+            <a:ext cx="276898" cy="203389"/>
+          </a:xfrm>
+          <a:prstGeom prst="line">
+            <a:avLst/>
+          </a:prstGeom>
+          <a:ln w="9525"/>
+        </p:spPr>
+        <p:style>
+          <a:lnRef idx="1">
+            <a:schemeClr val="accent1"/>
+          </a:lnRef>
+          <a:fillRef idx="0">
+            <a:schemeClr val="accent1"/>
+          </a:fillRef>
+          <a:effectRef idx="0">
+            <a:schemeClr val="accent1"/>
+          </a:effectRef>
+          <a:fontRef idx="minor">
+            <a:schemeClr val="tx1"/>
+          </a:fontRef>
+        </p:style>
+      </p:cxnSp>
+      <p:cxnSp>
+        <p:nvCxnSpPr>
+          <p:cNvPr id="106" name="Straight Connector 105">
+            <a:extLst>
+              <a:ext uri="{FF2B5EF4-FFF2-40B4-BE49-F238E27FC236}">
+                <a16:creationId xmlns:a16="http://schemas.microsoft.com/office/drawing/2014/main" id="{123E3297-E7BF-7946-B5DC-A3D46DEE3D4C}"/>
+              </a:ext>
+            </a:extLst>
+          </p:cNvPr>
+          <p:cNvCxnSpPr>
+            <a:cxnSpLocks/>
+            <a:stCxn id="31" idx="6"/>
+          </p:cNvCxnSpPr>
+          <p:nvPr/>
+        </p:nvCxnSpPr>
+        <p:spPr>
+          <a:xfrm flipV="1">
+            <a:off x="6931142" y="4818580"/>
+            <a:ext cx="312134" cy="432741"/>
+          </a:xfrm>
+          <a:prstGeom prst="line">
+            <a:avLst/>
+          </a:prstGeom>
+          <a:ln w="9525"/>
+        </p:spPr>
+        <p:style>
+          <a:lnRef idx="1">
+            <a:schemeClr val="accent1"/>
+          </a:lnRef>
+          <a:fillRef idx="0">
+            <a:schemeClr val="accent1"/>
+          </a:fillRef>
+          <a:effectRef idx="0">
+            <a:schemeClr val="accent1"/>
+          </a:effectRef>
+          <a:fontRef idx="minor">
+            <a:schemeClr val="tx1"/>
+          </a:fontRef>
+        </p:style>
+      </p:cxnSp>
+      <p:cxnSp>
+        <p:nvCxnSpPr>
+          <p:cNvPr id="110" name="Straight Connector 109">
+            <a:extLst>
+              <a:ext uri="{FF2B5EF4-FFF2-40B4-BE49-F238E27FC236}">
+                <a16:creationId xmlns:a16="http://schemas.microsoft.com/office/drawing/2014/main" id="{E6D09F77-8235-CD4A-A1D2-3A3441FC2AC4}"/>
+              </a:ext>
+            </a:extLst>
+          </p:cNvPr>
+          <p:cNvCxnSpPr>
+            <a:cxnSpLocks/>
+            <a:stCxn id="29" idx="6"/>
+          </p:cNvCxnSpPr>
+          <p:nvPr/>
+        </p:nvCxnSpPr>
+        <p:spPr>
+          <a:xfrm>
+            <a:off x="6931142" y="3074542"/>
+            <a:ext cx="324907" cy="339325"/>
+          </a:xfrm>
+          <a:prstGeom prst="line">
+            <a:avLst/>
+          </a:prstGeom>
+          <a:ln w="9525"/>
+        </p:spPr>
+        <p:style>
+          <a:lnRef idx="1">
+            <a:schemeClr val="accent1"/>
+          </a:lnRef>
+          <a:fillRef idx="0">
+            <a:schemeClr val="accent1"/>
+          </a:fillRef>
+          <a:effectRef idx="0">
+            <a:schemeClr val="accent1"/>
+          </a:effectRef>
+          <a:fontRef idx="minor">
+            <a:schemeClr val="tx1"/>
+          </a:fontRef>
+        </p:style>
+      </p:cxnSp>
+      <p:cxnSp>
+        <p:nvCxnSpPr>
+          <p:cNvPr id="113" name="Straight Connector 112">
+            <a:extLst>
+              <a:ext uri="{FF2B5EF4-FFF2-40B4-BE49-F238E27FC236}">
+                <a16:creationId xmlns:a16="http://schemas.microsoft.com/office/drawing/2014/main" id="{47A85CEA-C122-8F45-9D70-FCC6FF17CA2D}"/>
+              </a:ext>
+            </a:extLst>
+          </p:cNvPr>
+          <p:cNvCxnSpPr>
+            <a:cxnSpLocks/>
+          </p:cNvCxnSpPr>
+          <p:nvPr/>
+        </p:nvCxnSpPr>
+        <p:spPr>
+          <a:xfrm flipV="1">
+            <a:off x="7933535" y="3083112"/>
+            <a:ext cx="308135" cy="137070"/>
+          </a:xfrm>
+          <a:prstGeom prst="line">
+            <a:avLst/>
+          </a:prstGeom>
+          <a:ln w="9525"/>
+        </p:spPr>
+        <p:style>
+          <a:lnRef idx="1">
+            <a:schemeClr val="accent1"/>
+          </a:lnRef>
+          <a:fillRef idx="0">
+            <a:schemeClr val="accent1"/>
+          </a:fillRef>
+          <a:effectRef idx="0">
+            <a:schemeClr val="accent1"/>
+          </a:effectRef>
+          <a:fontRef idx="minor">
+            <a:schemeClr val="tx1"/>
+          </a:fontRef>
+        </p:style>
+      </p:cxnSp>
+      <p:cxnSp>
+        <p:nvCxnSpPr>
+          <p:cNvPr id="114" name="Straight Connector 113">
+            <a:extLst>
+              <a:ext uri="{FF2B5EF4-FFF2-40B4-BE49-F238E27FC236}">
+                <a16:creationId xmlns:a16="http://schemas.microsoft.com/office/drawing/2014/main" id="{E6FB1E91-50F1-9F44-B85D-1911EB937129}"/>
+              </a:ext>
+            </a:extLst>
+          </p:cNvPr>
+          <p:cNvCxnSpPr>
+            <a:cxnSpLocks/>
+          </p:cNvCxnSpPr>
+          <p:nvPr/>
+        </p:nvCxnSpPr>
+        <p:spPr>
+          <a:xfrm flipV="1">
+            <a:off x="7937772" y="3078324"/>
+            <a:ext cx="312134" cy="432741"/>
+          </a:xfrm>
+          <a:prstGeom prst="line">
+            <a:avLst/>
+          </a:prstGeom>
+          <a:ln w="9525"/>
+        </p:spPr>
+        <p:style>
+          <a:lnRef idx="1">
+            <a:schemeClr val="accent1"/>
+          </a:lnRef>
+          <a:fillRef idx="0">
+            <a:schemeClr val="accent1"/>
+          </a:fillRef>
+          <a:effectRef idx="0">
+            <a:schemeClr val="accent1"/>
+          </a:effectRef>
+          <a:fontRef idx="minor">
+            <a:schemeClr val="tx1"/>
+          </a:fontRef>
+        </p:style>
+      </p:cxnSp>
+      <p:cxnSp>
+        <p:nvCxnSpPr>
+          <p:cNvPr id="115" name="Straight Connector 114">
+            <a:extLst>
+              <a:ext uri="{FF2B5EF4-FFF2-40B4-BE49-F238E27FC236}">
+                <a16:creationId xmlns:a16="http://schemas.microsoft.com/office/drawing/2014/main" id="{FDA90F94-D4BB-6C44-ACBF-6EFE54D229E8}"/>
+              </a:ext>
+            </a:extLst>
+          </p:cNvPr>
+          <p:cNvCxnSpPr>
+            <a:cxnSpLocks/>
+          </p:cNvCxnSpPr>
+          <p:nvPr/>
+        </p:nvCxnSpPr>
+        <p:spPr>
+          <a:xfrm flipV="1">
+            <a:off x="7935352" y="3726163"/>
+            <a:ext cx="312134" cy="432741"/>
+          </a:xfrm>
+          <a:prstGeom prst="line">
+            <a:avLst/>
+          </a:prstGeom>
+          <a:ln w="9525"/>
+        </p:spPr>
+        <p:style>
+          <a:lnRef idx="1">
+            <a:schemeClr val="accent1"/>
+          </a:lnRef>
+          <a:fillRef idx="0">
+            <a:schemeClr val="accent1"/>
+          </a:fillRef>
+          <a:effectRef idx="0">
+            <a:schemeClr val="accent1"/>
+          </a:effectRef>
+          <a:fontRef idx="minor">
+            <a:schemeClr val="tx1"/>
+          </a:fontRef>
+        </p:style>
+      </p:cxnSp>
+      <p:cxnSp>
+        <p:nvCxnSpPr>
+          <p:cNvPr id="116" name="Straight Connector 115">
+            <a:extLst>
+              <a:ext uri="{FF2B5EF4-FFF2-40B4-BE49-F238E27FC236}">
+                <a16:creationId xmlns:a16="http://schemas.microsoft.com/office/drawing/2014/main" id="{2375691D-C38B-E04A-94BA-28E7828F7A09}"/>
+              </a:ext>
+            </a:extLst>
+          </p:cNvPr>
+          <p:cNvCxnSpPr>
+            <a:cxnSpLocks/>
+          </p:cNvCxnSpPr>
+          <p:nvPr/>
+        </p:nvCxnSpPr>
+        <p:spPr>
+          <a:xfrm>
+            <a:off x="7912725" y="3558110"/>
+            <a:ext cx="337181" cy="173215"/>
+          </a:xfrm>
+          <a:prstGeom prst="line">
+            <a:avLst/>
+          </a:prstGeom>
+          <a:ln w="9525"/>
+        </p:spPr>
+        <p:style>
+          <a:lnRef idx="1">
+            <a:schemeClr val="accent1"/>
+          </a:lnRef>
+          <a:fillRef idx="0">
+            <a:schemeClr val="accent1"/>
+          </a:fillRef>
+          <a:effectRef idx="0">
+            <a:schemeClr val="accent1"/>
+          </a:effectRef>
+          <a:fontRef idx="minor">
+            <a:schemeClr val="tx1"/>
+          </a:fontRef>
+        </p:style>
+      </p:cxnSp>
+      <p:cxnSp>
+        <p:nvCxnSpPr>
+          <p:cNvPr id="117" name="Straight Connector 116">
+            <a:extLst>
+              <a:ext uri="{FF2B5EF4-FFF2-40B4-BE49-F238E27FC236}">
+                <a16:creationId xmlns:a16="http://schemas.microsoft.com/office/drawing/2014/main" id="{8EC31E42-4EC9-B543-8780-1B18E9504BD5}"/>
+              </a:ext>
+            </a:extLst>
+          </p:cNvPr>
+          <p:cNvCxnSpPr>
+            <a:cxnSpLocks/>
+          </p:cNvCxnSpPr>
+          <p:nvPr/>
+        </p:nvCxnSpPr>
+        <p:spPr>
+          <a:xfrm>
+            <a:off x="6937952" y="3735838"/>
+            <a:ext cx="324907" cy="339325"/>
+          </a:xfrm>
+          <a:prstGeom prst="line">
+            <a:avLst/>
+          </a:prstGeom>
+          <a:ln w="9525"/>
+        </p:spPr>
+        <p:style>
+          <a:lnRef idx="1">
+            <a:schemeClr val="accent1"/>
+          </a:lnRef>
+          <a:fillRef idx="0">
+            <a:schemeClr val="accent1"/>
+          </a:fillRef>
+          <a:effectRef idx="0">
+            <a:schemeClr val="accent1"/>
+          </a:effectRef>
+          <a:fontRef idx="minor">
+            <a:schemeClr val="tx1"/>
+          </a:fontRef>
+        </p:style>
+      </p:cxnSp>
+      <p:cxnSp>
+        <p:nvCxnSpPr>
+          <p:cNvPr id="118" name="Straight Connector 117">
+            <a:extLst>
+              <a:ext uri="{FF2B5EF4-FFF2-40B4-BE49-F238E27FC236}">
+                <a16:creationId xmlns:a16="http://schemas.microsoft.com/office/drawing/2014/main" id="{D43F0DDC-DC9B-2947-9D98-9A273621B219}"/>
+              </a:ext>
+            </a:extLst>
+          </p:cNvPr>
+          <p:cNvCxnSpPr>
+            <a:cxnSpLocks/>
+          </p:cNvCxnSpPr>
+          <p:nvPr/>
+        </p:nvCxnSpPr>
+        <p:spPr>
+          <a:xfrm>
+            <a:off x="7924284" y="4985138"/>
+            <a:ext cx="319484" cy="244533"/>
+          </a:xfrm>
+          <a:prstGeom prst="line">
+            <a:avLst/>
+          </a:prstGeom>
+          <a:ln w="9525"/>
+        </p:spPr>
+        <p:style>
+          <a:lnRef idx="1">
+            <a:schemeClr val="accent1"/>
+          </a:lnRef>
+          <a:fillRef idx="0">
+            <a:schemeClr val="accent1"/>
+          </a:fillRef>
+          <a:effectRef idx="0">
+            <a:schemeClr val="accent1"/>
+          </a:effectRef>
+          <a:fontRef idx="minor">
+            <a:schemeClr val="tx1"/>
+          </a:fontRef>
+        </p:style>
+      </p:cxnSp>
+      <p:cxnSp>
+        <p:nvCxnSpPr>
+          <p:cNvPr id="119" name="Straight Connector 118">
+            <a:extLst>
+              <a:ext uri="{FF2B5EF4-FFF2-40B4-BE49-F238E27FC236}">
+                <a16:creationId xmlns:a16="http://schemas.microsoft.com/office/drawing/2014/main" id="{26B1E2C6-3169-8A4E-8281-E638D59DD52A}"/>
+              </a:ext>
+            </a:extLst>
+          </p:cNvPr>
+          <p:cNvCxnSpPr>
+            <a:cxnSpLocks/>
+          </p:cNvCxnSpPr>
+          <p:nvPr/>
+        </p:nvCxnSpPr>
+        <p:spPr>
+          <a:xfrm>
+            <a:off x="7910239" y="4795507"/>
+            <a:ext cx="330275" cy="422101"/>
+          </a:xfrm>
+          <a:prstGeom prst="line">
+            <a:avLst/>
+          </a:prstGeom>
+          <a:ln w="9525"/>
+        </p:spPr>
+        <p:style>
+          <a:lnRef idx="1">
+            <a:schemeClr val="accent1"/>
+          </a:lnRef>
+          <a:fillRef idx="0">
+            <a:schemeClr val="accent1"/>
+          </a:fillRef>
+          <a:effectRef idx="0">
+            <a:schemeClr val="accent1"/>
+          </a:effectRef>
+          <a:fontRef idx="minor">
+            <a:schemeClr val="tx1"/>
+          </a:fontRef>
+        </p:style>
+      </p:cxnSp>
+      <p:cxnSp>
+        <p:nvCxnSpPr>
+          <p:cNvPr id="124" name="Straight Connector 123">
+            <a:extLst>
+              <a:ext uri="{FF2B5EF4-FFF2-40B4-BE49-F238E27FC236}">
+                <a16:creationId xmlns:a16="http://schemas.microsoft.com/office/drawing/2014/main" id="{F17200A9-A482-B245-82C5-E4D03D8C214B}"/>
+              </a:ext>
+            </a:extLst>
+          </p:cNvPr>
+          <p:cNvCxnSpPr>
+            <a:cxnSpLocks/>
+          </p:cNvCxnSpPr>
+          <p:nvPr/>
+        </p:nvCxnSpPr>
+        <p:spPr>
+          <a:xfrm flipV="1">
+            <a:off x="8654591" y="4813429"/>
+            <a:ext cx="312134" cy="432741"/>
+          </a:xfrm>
+          <a:prstGeom prst="line">
+            <a:avLst/>
+          </a:prstGeom>
+          <a:ln w="9525"/>
+        </p:spPr>
+        <p:style>
+          <a:lnRef idx="1">
+            <a:schemeClr val="accent1"/>
+          </a:lnRef>
+          <a:fillRef idx="0">
+            <a:schemeClr val="accent1"/>
+          </a:fillRef>
+          <a:effectRef idx="0">
+            <a:schemeClr val="accent1"/>
+          </a:effectRef>
+          <a:fontRef idx="minor">
+            <a:schemeClr val="tx1"/>
+          </a:fontRef>
+        </p:style>
+      </p:cxnSp>
+      <p:cxnSp>
+        <p:nvCxnSpPr>
+          <p:cNvPr id="125" name="Straight Connector 124">
+            <a:extLst>
+              <a:ext uri="{FF2B5EF4-FFF2-40B4-BE49-F238E27FC236}">
+                <a16:creationId xmlns:a16="http://schemas.microsoft.com/office/drawing/2014/main" id="{C2E8E7B4-1321-6347-98CD-82D2CB16CAF4}"/>
+              </a:ext>
+            </a:extLst>
+          </p:cNvPr>
+          <p:cNvCxnSpPr>
+            <a:cxnSpLocks/>
+          </p:cNvCxnSpPr>
+          <p:nvPr/>
+        </p:nvCxnSpPr>
+        <p:spPr>
+          <a:xfrm flipV="1">
+            <a:off x="8671679" y="5032229"/>
+            <a:ext cx="276898" cy="203389"/>
+          </a:xfrm>
+          <a:prstGeom prst="line">
+            <a:avLst/>
+          </a:prstGeom>
+          <a:ln w="9525"/>
+        </p:spPr>
+        <p:style>
+          <a:lnRef idx="1">
+            <a:schemeClr val="accent1"/>
+          </a:lnRef>
+          <a:fillRef idx="0">
+            <a:schemeClr val="accent1"/>
+          </a:fillRef>
+          <a:effectRef idx="0">
+            <a:schemeClr val="accent1"/>
+          </a:effectRef>
+          <a:fontRef idx="minor">
+            <a:schemeClr val="tx1"/>
+          </a:fontRef>
+        </p:style>
+      </p:cxnSp>
+      <p:cxnSp>
+        <p:nvCxnSpPr>
+          <p:cNvPr id="126" name="Straight Connector 125">
+            <a:extLst>
+              <a:ext uri="{FF2B5EF4-FFF2-40B4-BE49-F238E27FC236}">
+                <a16:creationId xmlns:a16="http://schemas.microsoft.com/office/drawing/2014/main" id="{524BDFBA-908B-994C-B636-FBCC211DCE12}"/>
+              </a:ext>
+            </a:extLst>
+          </p:cNvPr>
+          <p:cNvCxnSpPr>
+            <a:cxnSpLocks/>
+          </p:cNvCxnSpPr>
+          <p:nvPr/>
+        </p:nvCxnSpPr>
+        <p:spPr>
+          <a:xfrm>
+            <a:off x="8645636" y="3075108"/>
+            <a:ext cx="302941" cy="166388"/>
+          </a:xfrm>
+          <a:prstGeom prst="line">
+            <a:avLst/>
+          </a:prstGeom>
+          <a:ln w="9525"/>
+        </p:spPr>
+        <p:style>
+          <a:lnRef idx="1">
+            <a:schemeClr val="accent1"/>
+          </a:lnRef>
+          <a:fillRef idx="0">
+            <a:schemeClr val="accent1"/>
+          </a:fillRef>
+          <a:effectRef idx="0">
+            <a:schemeClr val="accent1"/>
+          </a:effectRef>
+          <a:fontRef idx="minor">
+            <a:schemeClr val="tx1"/>
+          </a:fontRef>
+        </p:style>
+      </p:cxnSp>
+      <p:cxnSp>
+        <p:nvCxnSpPr>
+          <p:cNvPr id="128" name="Straight Connector 127">
+            <a:extLst>
+              <a:ext uri="{FF2B5EF4-FFF2-40B4-BE49-F238E27FC236}">
+                <a16:creationId xmlns:a16="http://schemas.microsoft.com/office/drawing/2014/main" id="{D8FDC1DE-044C-304F-AFFC-7C27182DC1FA}"/>
+              </a:ext>
+            </a:extLst>
+          </p:cNvPr>
+          <p:cNvCxnSpPr>
+            <a:cxnSpLocks/>
+          </p:cNvCxnSpPr>
+          <p:nvPr/>
+        </p:nvCxnSpPr>
+        <p:spPr>
+          <a:xfrm>
+            <a:off x="8645007" y="3083242"/>
+            <a:ext cx="324907" cy="339325"/>
+          </a:xfrm>
+          <a:prstGeom prst="line">
+            <a:avLst/>
+          </a:prstGeom>
+          <a:ln w="9525"/>
+        </p:spPr>
+        <p:style>
+          <a:lnRef idx="1">
+            <a:schemeClr val="accent1"/>
+          </a:lnRef>
+          <a:fillRef idx="0">
+            <a:schemeClr val="accent1"/>
+          </a:fillRef>
+          <a:effectRef idx="0">
+            <a:schemeClr val="accent1"/>
+          </a:effectRef>
+          <a:fontRef idx="minor">
+            <a:schemeClr val="tx1"/>
+          </a:fontRef>
+        </p:style>
+      </p:cxnSp>
+      <p:cxnSp>
+        <p:nvCxnSpPr>
+          <p:cNvPr id="129" name="Straight Connector 128">
+            <a:extLst>
+              <a:ext uri="{FF2B5EF4-FFF2-40B4-BE49-F238E27FC236}">
+                <a16:creationId xmlns:a16="http://schemas.microsoft.com/office/drawing/2014/main" id="{696DEA98-BD79-2E44-AE3D-72570299A589}"/>
+              </a:ext>
+            </a:extLst>
+          </p:cNvPr>
+          <p:cNvCxnSpPr>
+            <a:cxnSpLocks/>
+          </p:cNvCxnSpPr>
+          <p:nvPr/>
+        </p:nvCxnSpPr>
+        <p:spPr>
+          <a:xfrm flipV="1">
+            <a:off x="8653392" y="3584267"/>
+            <a:ext cx="308135" cy="137070"/>
+          </a:xfrm>
+          <a:prstGeom prst="line">
+            <a:avLst/>
+          </a:prstGeom>
+          <a:ln w="9525"/>
+        </p:spPr>
+        <p:style>
+          <a:lnRef idx="1">
+            <a:schemeClr val="accent1"/>
+          </a:lnRef>
+          <a:fillRef idx="0">
+            <a:schemeClr val="accent1"/>
+          </a:fillRef>
+          <a:effectRef idx="0">
+            <a:schemeClr val="accent1"/>
+          </a:effectRef>
+          <a:fontRef idx="minor">
+            <a:schemeClr val="tx1"/>
+          </a:fontRef>
+        </p:style>
+      </p:cxnSp>
+      <p:cxnSp>
+        <p:nvCxnSpPr>
+          <p:cNvPr id="130" name="Straight Connector 129">
+            <a:extLst>
+              <a:ext uri="{FF2B5EF4-FFF2-40B4-BE49-F238E27FC236}">
+                <a16:creationId xmlns:a16="http://schemas.microsoft.com/office/drawing/2014/main" id="{7CF577BE-A419-BC4A-904A-10DFF8DA40AA}"/>
+              </a:ext>
+            </a:extLst>
+          </p:cNvPr>
+          <p:cNvCxnSpPr>
+            <a:cxnSpLocks/>
+          </p:cNvCxnSpPr>
+          <p:nvPr/>
+        </p:nvCxnSpPr>
+        <p:spPr>
+          <a:xfrm>
+            <a:off x="8647674" y="3735283"/>
+            <a:ext cx="307357" cy="302967"/>
+          </a:xfrm>
+          <a:prstGeom prst="line">
+            <a:avLst/>
+          </a:prstGeom>
+          <a:ln w="9525"/>
+        </p:spPr>
+        <p:style>
+          <a:lnRef idx="1">
+            <a:schemeClr val="accent1"/>
+          </a:lnRef>
+          <a:fillRef idx="0">
+            <a:schemeClr val="accent1"/>
+          </a:fillRef>
+          <a:effectRef idx="0">
+            <a:schemeClr val="accent1"/>
+          </a:effectRef>
+          <a:fontRef idx="minor">
+            <a:schemeClr val="tx1"/>
+          </a:fontRef>
+        </p:style>
+      </p:cxnSp>
+      <p:cxnSp>
+        <p:nvCxnSpPr>
+          <p:cNvPr id="132" name="Straight Connector 131">
+            <a:extLst>
+              <a:ext uri="{FF2B5EF4-FFF2-40B4-BE49-F238E27FC236}">
+                <a16:creationId xmlns:a16="http://schemas.microsoft.com/office/drawing/2014/main" id="{281C583C-EAAF-9049-BD93-8E004454588F}"/>
+              </a:ext>
+            </a:extLst>
+          </p:cNvPr>
+          <p:cNvCxnSpPr>
+            <a:cxnSpLocks/>
+          </p:cNvCxnSpPr>
+          <p:nvPr/>
+        </p:nvCxnSpPr>
+        <p:spPr>
+          <a:xfrm flipV="1">
+            <a:off x="9540861" y="3072774"/>
+            <a:ext cx="308135" cy="137070"/>
+          </a:xfrm>
+          <a:prstGeom prst="line">
+            <a:avLst/>
+          </a:prstGeom>
+          <a:ln w="9525"/>
+        </p:spPr>
+        <p:style>
+          <a:lnRef idx="1">
+            <a:schemeClr val="accent1"/>
+          </a:lnRef>
+          <a:fillRef idx="0">
+            <a:schemeClr val="accent1"/>
+          </a:fillRef>
+          <a:effectRef idx="0">
+            <a:schemeClr val="accent1"/>
+          </a:effectRef>
+          <a:fontRef idx="minor">
+            <a:schemeClr val="tx1"/>
+          </a:fontRef>
+        </p:style>
+      </p:cxnSp>
+      <p:cxnSp>
+        <p:nvCxnSpPr>
+          <p:cNvPr id="133" name="Straight Connector 132">
+            <a:extLst>
+              <a:ext uri="{FF2B5EF4-FFF2-40B4-BE49-F238E27FC236}">
+                <a16:creationId xmlns:a16="http://schemas.microsoft.com/office/drawing/2014/main" id="{FBBCE1EA-300F-0446-A91E-3E453C6A3552}"/>
+              </a:ext>
+            </a:extLst>
+          </p:cNvPr>
+          <p:cNvCxnSpPr>
+            <a:cxnSpLocks/>
+          </p:cNvCxnSpPr>
+          <p:nvPr/>
+        </p:nvCxnSpPr>
+        <p:spPr>
+          <a:xfrm flipV="1">
+            <a:off x="9550190" y="3078324"/>
+            <a:ext cx="284814" cy="377074"/>
+          </a:xfrm>
+          <a:prstGeom prst="line">
+            <a:avLst/>
+          </a:prstGeom>
+          <a:ln w="9525"/>
+        </p:spPr>
+        <p:style>
+          <a:lnRef idx="1">
+            <a:schemeClr val="accent1"/>
+          </a:lnRef>
+          <a:fillRef idx="0">
+            <a:schemeClr val="accent1"/>
+          </a:fillRef>
+          <a:effectRef idx="0">
+            <a:schemeClr val="accent1"/>
+          </a:effectRef>
+          <a:fontRef idx="minor">
+            <a:schemeClr val="tx1"/>
+          </a:fontRef>
+        </p:style>
+      </p:cxnSp>
+      <p:cxnSp>
+        <p:nvCxnSpPr>
+          <p:cNvPr id="135" name="Straight Connector 134">
+            <a:extLst>
+              <a:ext uri="{FF2B5EF4-FFF2-40B4-BE49-F238E27FC236}">
+                <a16:creationId xmlns:a16="http://schemas.microsoft.com/office/drawing/2014/main" id="{AA7A5FCD-EB53-7547-812A-EE5637E11B27}"/>
+              </a:ext>
+            </a:extLst>
+          </p:cNvPr>
+          <p:cNvCxnSpPr>
+            <a:cxnSpLocks/>
+          </p:cNvCxnSpPr>
+          <p:nvPr/>
+        </p:nvCxnSpPr>
+        <p:spPr>
+          <a:xfrm>
+            <a:off x="9550190" y="3558110"/>
+            <a:ext cx="284814" cy="162066"/>
+          </a:xfrm>
+          <a:prstGeom prst="line">
+            <a:avLst/>
+          </a:prstGeom>
+          <a:ln w="9525"/>
+        </p:spPr>
+        <p:style>
+          <a:lnRef idx="1">
+            <a:schemeClr val="accent1"/>
+          </a:lnRef>
+          <a:fillRef idx="0">
+            <a:schemeClr val="accent1"/>
+          </a:fillRef>
+          <a:effectRef idx="0">
+            <a:schemeClr val="accent1"/>
+          </a:effectRef>
+          <a:fontRef idx="minor">
+            <a:schemeClr val="tx1"/>
+          </a:fontRef>
+        </p:style>
+      </p:cxnSp>
+      <p:cxnSp>
+        <p:nvCxnSpPr>
+          <p:cNvPr id="137" name="Straight Connector 136">
+            <a:extLst>
+              <a:ext uri="{FF2B5EF4-FFF2-40B4-BE49-F238E27FC236}">
+                <a16:creationId xmlns:a16="http://schemas.microsoft.com/office/drawing/2014/main" id="{22AEADB8-4354-BE49-973B-A6EB789CC308}"/>
+              </a:ext>
+            </a:extLst>
+          </p:cNvPr>
+          <p:cNvCxnSpPr>
+            <a:cxnSpLocks/>
+          </p:cNvCxnSpPr>
+          <p:nvPr/>
+        </p:nvCxnSpPr>
+        <p:spPr>
+          <a:xfrm flipV="1">
+            <a:off x="9550190" y="3738611"/>
+            <a:ext cx="284814" cy="375244"/>
+          </a:xfrm>
+          <a:prstGeom prst="line">
+            <a:avLst/>
+          </a:prstGeom>
+          <a:ln w="9525"/>
+        </p:spPr>
+        <p:style>
+          <a:lnRef idx="1">
+            <a:schemeClr val="accent1"/>
+          </a:lnRef>
+          <a:fillRef idx="0">
+            <a:schemeClr val="accent1"/>
+          </a:fillRef>
+          <a:effectRef idx="0">
+            <a:schemeClr val="accent1"/>
+          </a:effectRef>
+          <a:fontRef idx="minor">
+            <a:schemeClr val="tx1"/>
+          </a:fontRef>
+        </p:style>
+      </p:cxnSp>
+      <p:cxnSp>
+        <p:nvCxnSpPr>
+          <p:cNvPr id="139" name="Straight Connector 138">
+            <a:extLst>
+              <a:ext uri="{FF2B5EF4-FFF2-40B4-BE49-F238E27FC236}">
+                <a16:creationId xmlns:a16="http://schemas.microsoft.com/office/drawing/2014/main" id="{C92DECAB-481D-5040-B449-7FABFFF59376}"/>
+              </a:ext>
+            </a:extLst>
+          </p:cNvPr>
+          <p:cNvCxnSpPr>
+            <a:cxnSpLocks/>
+          </p:cNvCxnSpPr>
+          <p:nvPr/>
+        </p:nvCxnSpPr>
+        <p:spPr>
+          <a:xfrm>
+            <a:off x="9540861" y="4848224"/>
+            <a:ext cx="295981" cy="389495"/>
+          </a:xfrm>
+          <a:prstGeom prst="line">
+            <a:avLst/>
+          </a:prstGeom>
+          <a:ln w="9525"/>
+        </p:spPr>
+        <p:style>
+          <a:lnRef idx="1">
+            <a:schemeClr val="accent1"/>
+          </a:lnRef>
+          <a:fillRef idx="0">
+            <a:schemeClr val="accent1"/>
+          </a:fillRef>
+          <a:effectRef idx="0">
+            <a:schemeClr val="accent1"/>
+          </a:effectRef>
+          <a:fontRef idx="minor">
+            <a:schemeClr val="tx1"/>
+          </a:fontRef>
+        </p:style>
+      </p:cxnSp>
+      <p:cxnSp>
+        <p:nvCxnSpPr>
+          <p:cNvPr id="141" name="Straight Connector 140">
+            <a:extLst>
+              <a:ext uri="{FF2B5EF4-FFF2-40B4-BE49-F238E27FC236}">
+                <a16:creationId xmlns:a16="http://schemas.microsoft.com/office/drawing/2014/main" id="{8C2751E4-6E37-924B-9D83-0BC23D552FBB}"/>
+              </a:ext>
+            </a:extLst>
+          </p:cNvPr>
+          <p:cNvCxnSpPr>
+            <a:cxnSpLocks/>
+          </p:cNvCxnSpPr>
+          <p:nvPr/>
+        </p:nvCxnSpPr>
+        <p:spPr>
+          <a:xfrm>
+            <a:off x="9550190" y="5015459"/>
+            <a:ext cx="284814" cy="222260"/>
+          </a:xfrm>
+          <a:prstGeom prst="line">
+            <a:avLst/>
+          </a:prstGeom>
+          <a:ln w="9525"/>
+        </p:spPr>
+        <p:style>
+          <a:lnRef idx="1">
+            <a:schemeClr val="accent1"/>
+          </a:lnRef>
+          <a:fillRef idx="0">
+            <a:schemeClr val="accent1"/>
+          </a:fillRef>
+          <a:effectRef idx="0">
+            <a:schemeClr val="accent1"/>
+          </a:effectRef>
+          <a:fontRef idx="minor">
+            <a:schemeClr val="tx1"/>
+          </a:fontRef>
+        </p:style>
+      </p:cxnSp>
+      <mc:AlternateContent xmlns:mc="http://schemas.openxmlformats.org/markup-compatibility/2006">
+        <mc:Choice xmlns:a14="http://schemas.microsoft.com/office/drawing/2010/main" Requires="a14">
+          <p:sp>
+            <p:nvSpPr>
+              <p:cNvPr id="143" name="TextBox 142">
+                <a:extLst>
+                  <a:ext uri="{FF2B5EF4-FFF2-40B4-BE49-F238E27FC236}">
+                    <a16:creationId xmlns:a16="http://schemas.microsoft.com/office/drawing/2014/main" id="{E72AE5A6-76B9-3F4E-99A6-CCC7AE9AD322}"/>
+                  </a:ext>
+                </a:extLst>
+              </p:cNvPr>
+              <p:cNvSpPr txBox="1"/>
+              <p:nvPr/>
+            </p:nvSpPr>
+            <p:spPr>
+              <a:xfrm>
+                <a:off x="2728268" y="2918562"/>
+                <a:ext cx="659027" cy="261610"/>
+              </a:xfrm>
+              <a:prstGeom prst="rect">
+                <a:avLst/>
+              </a:prstGeom>
+              <a:noFill/>
+            </p:spPr>
+            <p:txBody>
+              <a:bodyPr wrap="none" rtlCol="0">
+                <a:spAutoFit/>
+              </a:bodyPr>
+              <a:lstStyle/>
+              <a:p>
+                <a14:m>
+                  <m:oMathPara xmlns:m="http://schemas.openxmlformats.org/officeDocument/2006/math">
+                    <m:oMathParaPr>
+                      <m:jc m:val="centerGroup"/>
+                    </m:oMathParaPr>
+                    <m:oMath xmlns:m="http://schemas.openxmlformats.org/officeDocument/2006/math">
+                      <m:r>
+                        <a:rPr lang="en-US" sz="1100" i="1" dirty="0" smtClean="0">
+                          <a:latin typeface="Cambria Math" panose="02040503050406030204" pitchFamily="18" charset="0"/>
+                        </a:rPr>
+                        <m:t>𝑁𝑜𝑑𝑒</m:t>
+                      </m:r>
+                      <m:r>
+                        <a:rPr lang="en-US" sz="1100" i="1" dirty="0" smtClean="0">
+                          <a:latin typeface="Cambria Math" panose="02040503050406030204" pitchFamily="18" charset="0"/>
+                        </a:rPr>
+                        <m:t> 1</m:t>
+                      </m:r>
+                    </m:oMath>
+                  </m:oMathPara>
+                </a14:m>
+                <a:endParaRPr lang="en-US" sz="1100" dirty="0"/>
+              </a:p>
+            </p:txBody>
+          </p:sp>
+        </mc:Choice>
+        <mc:Fallback>
+          <p:sp>
+            <p:nvSpPr>
+              <p:cNvPr id="143" name="TextBox 142">
+                <a:extLst>
+                  <a:ext uri="{FF2B5EF4-FFF2-40B4-BE49-F238E27FC236}">
+                    <a16:creationId xmlns:a16="http://schemas.microsoft.com/office/drawing/2014/main" id="{E72AE5A6-76B9-3F4E-99A6-CCC7AE9AD322}"/>
+                  </a:ext>
+                </a:extLst>
+              </p:cNvPr>
+              <p:cNvSpPr txBox="1">
+                <a:spLocks noRot="1" noChangeAspect="1" noMove="1" noResize="1" noEditPoints="1" noAdjustHandles="1" noChangeArrowheads="1" noChangeShapeType="1" noTextEdit="1"/>
+              </p:cNvSpPr>
+              <p:nvPr/>
+            </p:nvSpPr>
+            <p:spPr>
+              <a:xfrm>
+                <a:off x="2728268" y="2918562"/>
+                <a:ext cx="659027" cy="261610"/>
+              </a:xfrm>
+              <a:prstGeom prst="rect">
+                <a:avLst/>
+              </a:prstGeom>
+              <a:blipFill>
+                <a:blip r:embed="rId10"/>
+                <a:stretch>
+                  <a:fillRect b="-4545"/>
+                </a:stretch>
+              </a:blipFill>
+            </p:spPr>
+            <p:txBody>
+              <a:bodyPr/>
+              <a:lstStyle/>
+              <a:p>
+                <a:r>
+                  <a:rPr lang="en-US">
+                    <a:noFill/>
+                  </a:rPr>
+                  <a:t> </a:t>
+                </a:r>
+              </a:p>
+            </p:txBody>
+          </p:sp>
+        </mc:Fallback>
+      </mc:AlternateContent>
+      <mc:AlternateContent xmlns:mc="http://schemas.openxmlformats.org/markup-compatibility/2006">
+        <mc:Choice xmlns:a14="http://schemas.microsoft.com/office/drawing/2010/main" Requires="a14">
+          <p:sp>
+            <p:nvSpPr>
+              <p:cNvPr id="144" name="TextBox 143">
+                <a:extLst>
+                  <a:ext uri="{FF2B5EF4-FFF2-40B4-BE49-F238E27FC236}">
+                    <a16:creationId xmlns:a16="http://schemas.microsoft.com/office/drawing/2014/main" id="{4BC45F27-A33C-3540-B0B2-B437517E719A}"/>
+                  </a:ext>
+                </a:extLst>
+              </p:cNvPr>
+              <p:cNvSpPr txBox="1"/>
+              <p:nvPr/>
+            </p:nvSpPr>
+            <p:spPr>
+              <a:xfrm>
+                <a:off x="2747932" y="3560579"/>
+                <a:ext cx="659027" cy="261610"/>
+              </a:xfrm>
+              <a:prstGeom prst="rect">
+                <a:avLst/>
+              </a:prstGeom>
+              <a:noFill/>
+            </p:spPr>
+            <p:txBody>
+              <a:bodyPr wrap="none" rtlCol="0">
+                <a:spAutoFit/>
+              </a:bodyPr>
+              <a:lstStyle/>
+              <a:p>
+                <a14:m>
+                  <m:oMathPara xmlns:m="http://schemas.openxmlformats.org/officeDocument/2006/math">
+                    <m:oMathParaPr>
+                      <m:jc m:val="centerGroup"/>
+                    </m:oMathParaPr>
+                    <m:oMath xmlns:m="http://schemas.openxmlformats.org/officeDocument/2006/math">
+                      <m:r>
+                        <a:rPr lang="en-US" sz="1100" i="1" dirty="0" smtClean="0">
+                          <a:latin typeface="Cambria Math" panose="02040503050406030204" pitchFamily="18" charset="0"/>
+                        </a:rPr>
+                        <m:t>𝑁𝑜𝑑𝑒</m:t>
+                      </m:r>
+                      <m:r>
+                        <a:rPr lang="en-US" sz="1100" i="1" dirty="0" smtClean="0">
+                          <a:latin typeface="Cambria Math" panose="02040503050406030204" pitchFamily="18" charset="0"/>
+                        </a:rPr>
+                        <m:t> 2</m:t>
+                      </m:r>
+                    </m:oMath>
+                  </m:oMathPara>
+                </a14:m>
+                <a:endParaRPr lang="en-US" sz="1100" dirty="0"/>
+              </a:p>
+            </p:txBody>
+          </p:sp>
+        </mc:Choice>
+        <mc:Fallback>
+          <p:sp>
+            <p:nvSpPr>
+              <p:cNvPr id="144" name="TextBox 143">
+                <a:extLst>
+                  <a:ext uri="{FF2B5EF4-FFF2-40B4-BE49-F238E27FC236}">
+                    <a16:creationId xmlns:a16="http://schemas.microsoft.com/office/drawing/2014/main" id="{4BC45F27-A33C-3540-B0B2-B437517E719A}"/>
+                  </a:ext>
+                </a:extLst>
+              </p:cNvPr>
+              <p:cNvSpPr txBox="1">
+                <a:spLocks noRot="1" noChangeAspect="1" noMove="1" noResize="1" noEditPoints="1" noAdjustHandles="1" noChangeArrowheads="1" noChangeShapeType="1" noTextEdit="1"/>
+              </p:cNvSpPr>
+              <p:nvPr/>
+            </p:nvSpPr>
+            <p:spPr>
+              <a:xfrm>
+                <a:off x="2747932" y="3560579"/>
+                <a:ext cx="659027" cy="261610"/>
+              </a:xfrm>
+              <a:prstGeom prst="rect">
+                <a:avLst/>
+              </a:prstGeom>
+              <a:blipFill>
+                <a:blip r:embed="rId11"/>
+                <a:stretch>
+                  <a:fillRect b="-4762"/>
+                </a:stretch>
+              </a:blipFill>
+            </p:spPr>
+            <p:txBody>
+              <a:bodyPr/>
+              <a:lstStyle/>
+              <a:p>
+                <a:r>
+                  <a:rPr lang="en-US">
+                    <a:noFill/>
+                  </a:rPr>
+                  <a:t> </a:t>
+                </a:r>
+              </a:p>
+            </p:txBody>
+          </p:sp>
+        </mc:Fallback>
+      </mc:AlternateContent>
+      <mc:AlternateContent xmlns:mc="http://schemas.openxmlformats.org/markup-compatibility/2006">
+        <mc:Choice xmlns:a14="http://schemas.microsoft.com/office/drawing/2010/main" Requires="a14">
+          <p:sp>
+            <p:nvSpPr>
+              <p:cNvPr id="145" name="TextBox 144">
+                <a:extLst>
+                  <a:ext uri="{FF2B5EF4-FFF2-40B4-BE49-F238E27FC236}">
+                    <a16:creationId xmlns:a16="http://schemas.microsoft.com/office/drawing/2014/main" id="{59173F6D-0A40-C84E-95EE-F58AEE7D143F}"/>
+                  </a:ext>
+                </a:extLst>
+              </p:cNvPr>
+              <p:cNvSpPr txBox="1"/>
+              <p:nvPr/>
+            </p:nvSpPr>
+            <p:spPr>
+              <a:xfrm>
+                <a:off x="2721649" y="5107404"/>
+                <a:ext cx="663067" cy="261610"/>
+              </a:xfrm>
+              <a:prstGeom prst="rect">
+                <a:avLst/>
+              </a:prstGeom>
+              <a:noFill/>
+            </p:spPr>
+            <p:txBody>
+              <a:bodyPr wrap="none" rtlCol="0">
+                <a:spAutoFit/>
+              </a:bodyPr>
+              <a:lstStyle/>
+              <a:p>
+                <a14:m>
+                  <m:oMathPara xmlns:m="http://schemas.openxmlformats.org/officeDocument/2006/math">
+                    <m:oMathParaPr>
+                      <m:jc m:val="centerGroup"/>
+                    </m:oMathParaPr>
+                    <m:oMath xmlns:m="http://schemas.openxmlformats.org/officeDocument/2006/math">
+                      <m:r>
+                        <a:rPr lang="en-US" sz="1100" i="1" dirty="0" smtClean="0">
+                          <a:latin typeface="Cambria Math" panose="02040503050406030204" pitchFamily="18" charset="0"/>
+                        </a:rPr>
+                        <m:t>𝑁𝑜𝑑𝑒</m:t>
+                      </m:r>
+                      <m:r>
+                        <a:rPr lang="en-US" sz="1100" i="1" dirty="0" smtClean="0">
+                          <a:latin typeface="Cambria Math" panose="02040503050406030204" pitchFamily="18" charset="0"/>
+                        </a:rPr>
+                        <m:t> </m:t>
+                      </m:r>
+                      <m:r>
+                        <a:rPr lang="en-US" sz="1100" b="0" i="1" dirty="0" smtClean="0">
+                          <a:latin typeface="Cambria Math" panose="02040503050406030204" pitchFamily="18" charset="0"/>
+                        </a:rPr>
+                        <m:t>𝑛</m:t>
+                      </m:r>
+                    </m:oMath>
+                  </m:oMathPara>
+                </a14:m>
+                <a:endParaRPr lang="en-US" sz="1100" dirty="0"/>
+              </a:p>
+            </p:txBody>
+          </p:sp>
+        </mc:Choice>
+        <mc:Fallback>
+          <p:sp>
+            <p:nvSpPr>
+              <p:cNvPr id="145" name="TextBox 144">
+                <a:extLst>
+                  <a:ext uri="{FF2B5EF4-FFF2-40B4-BE49-F238E27FC236}">
+                    <a16:creationId xmlns:a16="http://schemas.microsoft.com/office/drawing/2014/main" id="{59173F6D-0A40-C84E-95EE-F58AEE7D143F}"/>
+                  </a:ext>
+                </a:extLst>
+              </p:cNvPr>
+              <p:cNvSpPr txBox="1">
+                <a:spLocks noRot="1" noChangeAspect="1" noMove="1" noResize="1" noEditPoints="1" noAdjustHandles="1" noChangeArrowheads="1" noChangeShapeType="1" noTextEdit="1"/>
+              </p:cNvSpPr>
+              <p:nvPr/>
+            </p:nvSpPr>
+            <p:spPr>
+              <a:xfrm>
+                <a:off x="2721649" y="5107404"/>
+                <a:ext cx="663067" cy="261610"/>
+              </a:xfrm>
+              <a:prstGeom prst="rect">
+                <a:avLst/>
+              </a:prstGeom>
+              <a:blipFill>
+                <a:blip r:embed="rId12"/>
+                <a:stretch>
+                  <a:fillRect b="-4762"/>
+                </a:stretch>
+              </a:blipFill>
+            </p:spPr>
+            <p:txBody>
+              <a:bodyPr/>
+              <a:lstStyle/>
+              <a:p>
+                <a:r>
+                  <a:rPr lang="en-US">
+                    <a:noFill/>
+                  </a:rPr>
+                  <a:t> </a:t>
+                </a:r>
+              </a:p>
+            </p:txBody>
+          </p:sp>
+        </mc:Fallback>
+      </mc:AlternateContent>
+      <mc:AlternateContent xmlns:mc="http://schemas.openxmlformats.org/markup-compatibility/2006">
+        <mc:Choice xmlns:a14="http://schemas.microsoft.com/office/drawing/2010/main" Requires="a14">
+          <p:sp>
+            <p:nvSpPr>
+              <p:cNvPr id="146" name="TextBox 145">
+                <a:extLst>
+                  <a:ext uri="{FF2B5EF4-FFF2-40B4-BE49-F238E27FC236}">
+                    <a16:creationId xmlns:a16="http://schemas.microsoft.com/office/drawing/2014/main" id="{3916DA77-DD3E-2046-8359-C672A63FE216}"/>
+                  </a:ext>
+                </a:extLst>
+              </p:cNvPr>
+              <p:cNvSpPr txBox="1"/>
+              <p:nvPr/>
+            </p:nvSpPr>
+            <p:spPr>
+              <a:xfrm>
+                <a:off x="3268603" y="5477816"/>
+                <a:ext cx="538994" cy="261610"/>
+              </a:xfrm>
+              <a:prstGeom prst="rect">
+                <a:avLst/>
+              </a:prstGeom>
+              <a:noFill/>
+            </p:spPr>
+            <p:txBody>
+              <a:bodyPr wrap="none" rtlCol="0">
+                <a:spAutoFit/>
+              </a:bodyPr>
+              <a:lstStyle/>
+              <a:p>
+                <a14:m>
+                  <m:oMathPara xmlns:m="http://schemas.openxmlformats.org/officeDocument/2006/math">
+                    <m:oMathParaPr>
+                      <m:jc m:val="centerGroup"/>
+                    </m:oMathParaPr>
+                    <m:oMath xmlns:m="http://schemas.openxmlformats.org/officeDocument/2006/math">
+                      <m:r>
+                        <a:rPr lang="en-US" sz="1100" b="0" i="1" dirty="0" smtClean="0">
+                          <a:latin typeface="Cambria Math" panose="02040503050406030204" pitchFamily="18" charset="0"/>
+                        </a:rPr>
+                        <m:t>𝑡</m:t>
+                      </m:r>
+                      <m:r>
+                        <a:rPr lang="en-US" sz="1100" b="0" i="1" dirty="0" smtClean="0">
+                          <a:latin typeface="Cambria Math" panose="02040503050406030204" pitchFamily="18" charset="0"/>
+                        </a:rPr>
+                        <m:t>=0</m:t>
+                      </m:r>
+                    </m:oMath>
+                  </m:oMathPara>
+                </a14:m>
+                <a:endParaRPr lang="en-US" sz="1100" dirty="0"/>
+              </a:p>
+            </p:txBody>
+          </p:sp>
+        </mc:Choice>
+        <mc:Fallback>
+          <p:sp>
+            <p:nvSpPr>
+              <p:cNvPr id="146" name="TextBox 145">
+                <a:extLst>
+                  <a:ext uri="{FF2B5EF4-FFF2-40B4-BE49-F238E27FC236}">
+                    <a16:creationId xmlns:a16="http://schemas.microsoft.com/office/drawing/2014/main" id="{3916DA77-DD3E-2046-8359-C672A63FE216}"/>
+                  </a:ext>
+                </a:extLst>
+              </p:cNvPr>
+              <p:cNvSpPr txBox="1">
+                <a:spLocks noRot="1" noChangeAspect="1" noMove="1" noResize="1" noEditPoints="1" noAdjustHandles="1" noChangeArrowheads="1" noChangeShapeType="1" noTextEdit="1"/>
+              </p:cNvSpPr>
+              <p:nvPr/>
+            </p:nvSpPr>
+            <p:spPr>
+              <a:xfrm>
+                <a:off x="3268603" y="5477816"/>
+                <a:ext cx="538994" cy="261610"/>
+              </a:xfrm>
+              <a:prstGeom prst="rect">
+                <a:avLst/>
+              </a:prstGeom>
+              <a:blipFill>
+                <a:blip r:embed="rId13"/>
+                <a:stretch>
+                  <a:fillRect/>
+                </a:stretch>
+              </a:blipFill>
+            </p:spPr>
+            <p:txBody>
+              <a:bodyPr/>
+              <a:lstStyle/>
+              <a:p>
+                <a:r>
+                  <a:rPr lang="en-US">
+                    <a:noFill/>
+                  </a:rPr>
+                  <a:t> </a:t>
+                </a:r>
+              </a:p>
+            </p:txBody>
+          </p:sp>
+        </mc:Fallback>
+      </mc:AlternateContent>
+      <mc:AlternateContent xmlns:mc="http://schemas.openxmlformats.org/markup-compatibility/2006">
+        <mc:Choice xmlns:a14="http://schemas.microsoft.com/office/drawing/2010/main" Requires="a14">
+          <p:sp>
+            <p:nvSpPr>
+              <p:cNvPr id="147" name="TextBox 146">
+                <a:extLst>
+                  <a:ext uri="{FF2B5EF4-FFF2-40B4-BE49-F238E27FC236}">
+                    <a16:creationId xmlns:a16="http://schemas.microsoft.com/office/drawing/2014/main" id="{C5CD5CD9-D5D3-5545-94E5-780BDBF194E7}"/>
+                  </a:ext>
+                </a:extLst>
+              </p:cNvPr>
+              <p:cNvSpPr txBox="1"/>
+              <p:nvPr/>
+            </p:nvSpPr>
+            <p:spPr>
+              <a:xfrm>
+                <a:off x="4811912" y="5453796"/>
+                <a:ext cx="578043" cy="261610"/>
+              </a:xfrm>
+              <a:prstGeom prst="rect">
+                <a:avLst/>
+              </a:prstGeom>
+              <a:noFill/>
+            </p:spPr>
+            <p:txBody>
+              <a:bodyPr wrap="none" rtlCol="0">
+                <a:spAutoFit/>
+              </a:bodyPr>
+              <a:lstStyle/>
+              <a:p>
+                <a14:m>
+                  <m:oMathPara xmlns:m="http://schemas.openxmlformats.org/officeDocument/2006/math">
+                    <m:oMathParaPr>
+                      <m:jc m:val="centerGroup"/>
+                    </m:oMathParaPr>
+                    <m:oMath xmlns:m="http://schemas.openxmlformats.org/officeDocument/2006/math">
+                      <m:r>
+                        <a:rPr lang="en-US" sz="1100" b="0" i="1" dirty="0" smtClean="0">
+                          <a:latin typeface="Cambria Math" panose="02040503050406030204" pitchFamily="18" charset="0"/>
+                        </a:rPr>
+                        <m:t>𝑡</m:t>
+                      </m:r>
+                      <m:r>
+                        <a:rPr lang="en-US" sz="1100" b="0" i="1" dirty="0" smtClean="0">
+                          <a:latin typeface="Cambria Math" panose="02040503050406030204" pitchFamily="18" charset="0"/>
+                        </a:rPr>
+                        <m:t>=</m:t>
+                      </m:r>
+                      <m:sSub>
+                        <m:sSubPr>
+                          <m:ctrlPr>
+                            <a:rPr lang="en-US" sz="1100" i="1"/>
+                          </m:ctrlPr>
+                        </m:sSubPr>
+                        <m:e>
+                          <m:r>
+                            <a:rPr lang="en-US" sz="1100" i="1"/>
+                            <m:t>𝑡</m:t>
+                          </m:r>
+                        </m:e>
+                        <m:sub>
+                          <m:r>
+                            <a:rPr lang="en-US" sz="1100" i="1"/>
+                            <m:t>1</m:t>
+                          </m:r>
+                        </m:sub>
+                      </m:sSub>
+                    </m:oMath>
+                  </m:oMathPara>
+                </a14:m>
+                <a:endParaRPr lang="en-US" sz="1100" dirty="0"/>
+              </a:p>
+            </p:txBody>
+          </p:sp>
+        </mc:Choice>
+        <mc:Fallback>
+          <p:sp>
+            <p:nvSpPr>
+              <p:cNvPr id="147" name="TextBox 146">
+                <a:extLst>
+                  <a:ext uri="{FF2B5EF4-FFF2-40B4-BE49-F238E27FC236}">
+                    <a16:creationId xmlns:a16="http://schemas.microsoft.com/office/drawing/2014/main" id="{C5CD5CD9-D5D3-5545-94E5-780BDBF194E7}"/>
+                  </a:ext>
+                </a:extLst>
+              </p:cNvPr>
+              <p:cNvSpPr txBox="1">
+                <a:spLocks noRot="1" noChangeAspect="1" noMove="1" noResize="1" noEditPoints="1" noAdjustHandles="1" noChangeArrowheads="1" noChangeShapeType="1" noTextEdit="1"/>
+              </p:cNvSpPr>
+              <p:nvPr/>
+            </p:nvSpPr>
+            <p:spPr>
+              <a:xfrm>
+                <a:off x="4811912" y="5453796"/>
+                <a:ext cx="578043" cy="261610"/>
+              </a:xfrm>
+              <a:prstGeom prst="rect">
+                <a:avLst/>
+              </a:prstGeom>
+              <a:blipFill>
+                <a:blip r:embed="rId14"/>
+                <a:stretch>
+                  <a:fillRect/>
+                </a:stretch>
+              </a:blipFill>
+            </p:spPr>
+            <p:txBody>
+              <a:bodyPr/>
+              <a:lstStyle/>
+              <a:p>
+                <a:r>
+                  <a:rPr lang="en-US">
+                    <a:noFill/>
+                  </a:rPr>
+                  <a:t> </a:t>
+                </a:r>
+              </a:p>
+            </p:txBody>
+          </p:sp>
+        </mc:Fallback>
+      </mc:AlternateContent>
+      <mc:AlternateContent xmlns:mc="http://schemas.openxmlformats.org/markup-compatibility/2006">
+        <mc:Choice xmlns:a14="http://schemas.microsoft.com/office/drawing/2010/main" Requires="a14">
+          <p:sp>
+            <p:nvSpPr>
+              <p:cNvPr id="148" name="TextBox 147">
+                <a:extLst>
+                  <a:ext uri="{FF2B5EF4-FFF2-40B4-BE49-F238E27FC236}">
+                    <a16:creationId xmlns:a16="http://schemas.microsoft.com/office/drawing/2014/main" id="{A932B893-7432-D347-A15E-B3D427818BBE}"/>
+                  </a:ext>
+                </a:extLst>
+              </p:cNvPr>
+              <p:cNvSpPr txBox="1"/>
+              <p:nvPr/>
+            </p:nvSpPr>
+            <p:spPr>
+              <a:xfrm>
+                <a:off x="6497838" y="5467691"/>
+                <a:ext cx="579646" cy="261610"/>
+              </a:xfrm>
+              <a:prstGeom prst="rect">
+                <a:avLst/>
+              </a:prstGeom>
+              <a:noFill/>
+            </p:spPr>
+            <p:txBody>
+              <a:bodyPr wrap="none" rtlCol="0">
+                <a:spAutoFit/>
+              </a:bodyPr>
+              <a:lstStyle/>
+              <a:p>
+                <a14:m>
+                  <m:oMathPara xmlns:m="http://schemas.openxmlformats.org/officeDocument/2006/math">
+                    <m:oMathParaPr>
+                      <m:jc m:val="centerGroup"/>
+                    </m:oMathParaPr>
+                    <m:oMath xmlns:m="http://schemas.openxmlformats.org/officeDocument/2006/math">
+                      <m:r>
+                        <a:rPr lang="en-US" sz="1100" b="0" i="1" dirty="0" smtClean="0">
+                          <a:latin typeface="Cambria Math" panose="02040503050406030204" pitchFamily="18" charset="0"/>
+                        </a:rPr>
+                        <m:t>𝑡</m:t>
+                      </m:r>
+                      <m:r>
+                        <a:rPr lang="en-US" sz="1100" b="0" i="1" dirty="0" smtClean="0">
+                          <a:latin typeface="Cambria Math" panose="02040503050406030204" pitchFamily="18" charset="0"/>
+                        </a:rPr>
+                        <m:t>=</m:t>
+                      </m:r>
+                      <m:sSub>
+                        <m:sSubPr>
+                          <m:ctrlPr>
+                            <a:rPr lang="en-US" sz="1100" i="1"/>
+                          </m:ctrlPr>
+                        </m:sSubPr>
+                        <m:e>
+                          <m:r>
+                            <a:rPr lang="en-US" sz="1100" i="1"/>
+                            <m:t>𝑡</m:t>
+                          </m:r>
+                        </m:e>
+                        <m:sub>
+                          <m:r>
+                            <a:rPr lang="en-US" sz="1100" b="0" i="1" smtClean="0">
+                              <a:latin typeface="Cambria Math" panose="02040503050406030204" pitchFamily="18" charset="0"/>
+                            </a:rPr>
+                            <m:t>2</m:t>
+                          </m:r>
+                        </m:sub>
+                      </m:sSub>
+                    </m:oMath>
+                  </m:oMathPara>
+                </a14:m>
+                <a:endParaRPr lang="en-US" sz="1100" dirty="0"/>
+              </a:p>
+            </p:txBody>
+          </p:sp>
+        </mc:Choice>
+        <mc:Fallback>
+          <p:sp>
+            <p:nvSpPr>
+              <p:cNvPr id="148" name="TextBox 147">
+                <a:extLst>
+                  <a:ext uri="{FF2B5EF4-FFF2-40B4-BE49-F238E27FC236}">
+                    <a16:creationId xmlns:a16="http://schemas.microsoft.com/office/drawing/2014/main" id="{A932B893-7432-D347-A15E-B3D427818BBE}"/>
+                  </a:ext>
+                </a:extLst>
+              </p:cNvPr>
+              <p:cNvSpPr txBox="1">
+                <a:spLocks noRot="1" noChangeAspect="1" noMove="1" noResize="1" noEditPoints="1" noAdjustHandles="1" noChangeArrowheads="1" noChangeShapeType="1" noTextEdit="1"/>
+              </p:cNvSpPr>
+              <p:nvPr/>
+            </p:nvSpPr>
+            <p:spPr>
+              <a:xfrm>
+                <a:off x="6497838" y="5467691"/>
+                <a:ext cx="579646" cy="261610"/>
+              </a:xfrm>
+              <a:prstGeom prst="rect">
+                <a:avLst/>
+              </a:prstGeom>
+              <a:blipFill>
+                <a:blip r:embed="rId15"/>
+                <a:stretch>
+                  <a:fillRect/>
+                </a:stretch>
+              </a:blipFill>
+            </p:spPr>
+            <p:txBody>
+              <a:bodyPr/>
+              <a:lstStyle/>
+              <a:p>
+                <a:r>
+                  <a:rPr lang="en-US">
+                    <a:noFill/>
+                  </a:rPr>
+                  <a:t> </a:t>
+                </a:r>
+              </a:p>
+            </p:txBody>
+          </p:sp>
+        </mc:Fallback>
+      </mc:AlternateContent>
+      <mc:AlternateContent xmlns:mc="http://schemas.openxmlformats.org/markup-compatibility/2006">
+        <mc:Choice xmlns:a14="http://schemas.microsoft.com/office/drawing/2010/main" Requires="a14">
+          <p:sp>
+            <p:nvSpPr>
+              <p:cNvPr id="149" name="TextBox 148">
+                <a:extLst>
+                  <a:ext uri="{FF2B5EF4-FFF2-40B4-BE49-F238E27FC236}">
+                    <a16:creationId xmlns:a16="http://schemas.microsoft.com/office/drawing/2014/main" id="{878AF1F3-C9C7-414F-9882-66149867491D}"/>
+                  </a:ext>
+                </a:extLst>
+              </p:cNvPr>
+              <p:cNvSpPr txBox="1"/>
+              <p:nvPr/>
+            </p:nvSpPr>
+            <p:spPr>
+              <a:xfrm>
+                <a:off x="8204102" y="5467691"/>
+                <a:ext cx="585866" cy="261610"/>
+              </a:xfrm>
+              <a:prstGeom prst="rect">
+                <a:avLst/>
+              </a:prstGeom>
+              <a:noFill/>
+            </p:spPr>
+            <p:txBody>
+              <a:bodyPr wrap="none" rtlCol="0">
+                <a:spAutoFit/>
+              </a:bodyPr>
+              <a:lstStyle/>
+              <a:p>
+                <a14:m>
+                  <m:oMathPara xmlns:m="http://schemas.openxmlformats.org/officeDocument/2006/math">
+                    <m:oMathParaPr>
+                      <m:jc m:val="centerGroup"/>
+                    </m:oMathParaPr>
+                    <m:oMath xmlns:m="http://schemas.openxmlformats.org/officeDocument/2006/math">
+                      <m:r>
+                        <a:rPr lang="en-US" sz="1100" b="0" i="1" dirty="0" smtClean="0">
+                          <a:latin typeface="Cambria Math" panose="02040503050406030204" pitchFamily="18" charset="0"/>
+                        </a:rPr>
+                        <m:t>𝑡</m:t>
+                      </m:r>
+                      <m:r>
+                        <a:rPr lang="en-US" sz="1100" b="0" i="1" dirty="0" smtClean="0">
+                          <a:latin typeface="Cambria Math" panose="02040503050406030204" pitchFamily="18" charset="0"/>
+                        </a:rPr>
+                        <m:t>=</m:t>
+                      </m:r>
+                      <m:sSub>
+                        <m:sSubPr>
+                          <m:ctrlPr>
+                            <a:rPr lang="en-US" sz="1100" i="1"/>
+                          </m:ctrlPr>
+                        </m:sSubPr>
+                        <m:e>
+                          <m:r>
+                            <a:rPr lang="en-US" sz="1100" i="1"/>
+                            <m:t>𝑡</m:t>
+                          </m:r>
+                        </m:e>
+                        <m:sub>
+                          <m:r>
+                            <a:rPr lang="en-US" sz="1100" b="0" i="1" smtClean="0">
+                              <a:latin typeface="Cambria Math" panose="02040503050406030204" pitchFamily="18" charset="0"/>
+                            </a:rPr>
+                            <m:t>𝑘</m:t>
+                          </m:r>
+                        </m:sub>
+                      </m:sSub>
+                    </m:oMath>
+                  </m:oMathPara>
+                </a14:m>
+                <a:endParaRPr lang="en-US" sz="1100" dirty="0"/>
+              </a:p>
+            </p:txBody>
+          </p:sp>
+        </mc:Choice>
+        <mc:Fallback>
+          <p:sp>
+            <p:nvSpPr>
+              <p:cNvPr id="149" name="TextBox 148">
+                <a:extLst>
+                  <a:ext uri="{FF2B5EF4-FFF2-40B4-BE49-F238E27FC236}">
+                    <a16:creationId xmlns:a16="http://schemas.microsoft.com/office/drawing/2014/main" id="{878AF1F3-C9C7-414F-9882-66149867491D}"/>
+                  </a:ext>
+                </a:extLst>
+              </p:cNvPr>
+              <p:cNvSpPr txBox="1">
+                <a:spLocks noRot="1" noChangeAspect="1" noMove="1" noResize="1" noEditPoints="1" noAdjustHandles="1" noChangeArrowheads="1" noChangeShapeType="1" noTextEdit="1"/>
+              </p:cNvSpPr>
+              <p:nvPr/>
+            </p:nvSpPr>
+            <p:spPr>
+              <a:xfrm>
+                <a:off x="8204102" y="5467691"/>
+                <a:ext cx="585866" cy="261610"/>
+              </a:xfrm>
+              <a:prstGeom prst="rect">
+                <a:avLst/>
+              </a:prstGeom>
+              <a:blipFill>
+                <a:blip r:embed="rId16"/>
+                <a:stretch>
+                  <a:fillRect/>
+                </a:stretch>
+              </a:blipFill>
+            </p:spPr>
+            <p:txBody>
+              <a:bodyPr/>
+              <a:lstStyle/>
+              <a:p>
+                <a:r>
+                  <a:rPr lang="en-US">
+                    <a:noFill/>
+                  </a:rPr>
+                  <a:t> </a:t>
+                </a:r>
+              </a:p>
+            </p:txBody>
+          </p:sp>
+        </mc:Fallback>
+      </mc:AlternateContent>
+      <mc:AlternateContent xmlns:mc="http://schemas.openxmlformats.org/markup-compatibility/2006">
+        <mc:Choice xmlns:a14="http://schemas.microsoft.com/office/drawing/2010/main" Requires="a14">
+          <p:sp>
+            <p:nvSpPr>
+              <p:cNvPr id="150" name="TextBox 149">
+                <a:extLst>
+                  <a:ext uri="{FF2B5EF4-FFF2-40B4-BE49-F238E27FC236}">
+                    <a16:creationId xmlns:a16="http://schemas.microsoft.com/office/drawing/2014/main" id="{6FCEC92D-1221-864C-9904-E264D0748165}"/>
+                  </a:ext>
+                </a:extLst>
+              </p:cNvPr>
+              <p:cNvSpPr txBox="1"/>
+              <p:nvPr/>
+            </p:nvSpPr>
+            <p:spPr>
+              <a:xfrm>
+                <a:off x="9767725" y="5455782"/>
+                <a:ext cx="597150" cy="261610"/>
+              </a:xfrm>
+              <a:prstGeom prst="rect">
+                <a:avLst/>
+              </a:prstGeom>
+              <a:noFill/>
+            </p:spPr>
+            <p:txBody>
+              <a:bodyPr wrap="none" rtlCol="0">
+                <a:spAutoFit/>
+              </a:bodyPr>
+              <a:lstStyle/>
+              <a:p>
+                <a14:m>
+                  <m:oMathPara xmlns:m="http://schemas.openxmlformats.org/officeDocument/2006/math">
+                    <m:oMathParaPr>
+                      <m:jc m:val="centerGroup"/>
+                    </m:oMathParaPr>
+                    <m:oMath xmlns:m="http://schemas.openxmlformats.org/officeDocument/2006/math">
+                      <m:r>
+                        <a:rPr lang="en-US" sz="1100" b="0" i="1" dirty="0" smtClean="0">
+                          <a:latin typeface="Cambria Math" panose="02040503050406030204" pitchFamily="18" charset="0"/>
+                        </a:rPr>
+                        <m:t>𝑡</m:t>
+                      </m:r>
+                      <m:r>
+                        <a:rPr lang="en-US" sz="1100" b="0" i="1" dirty="0" smtClean="0">
+                          <a:latin typeface="Cambria Math" panose="02040503050406030204" pitchFamily="18" charset="0"/>
+                        </a:rPr>
+                        <m:t>=</m:t>
+                      </m:r>
+                      <m:sSub>
+                        <m:sSubPr>
+                          <m:ctrlPr>
+                            <a:rPr lang="en-US" sz="1100" i="1"/>
+                          </m:ctrlPr>
+                        </m:sSubPr>
+                        <m:e>
+                          <m:r>
+                            <a:rPr lang="en-US" sz="1100" i="1"/>
+                            <m:t>𝑡</m:t>
+                          </m:r>
+                        </m:e>
+                        <m:sub>
+                          <m:r>
+                            <a:rPr lang="en-US" sz="1100" b="0" i="1" smtClean="0">
+                              <a:latin typeface="Cambria Math" panose="02040503050406030204" pitchFamily="18" charset="0"/>
+                            </a:rPr>
+                            <m:t>𝐾</m:t>
+                          </m:r>
+                        </m:sub>
+                      </m:sSub>
+                    </m:oMath>
+                  </m:oMathPara>
+                </a14:m>
+                <a:endParaRPr lang="en-US" sz="1100" dirty="0"/>
+              </a:p>
+            </p:txBody>
+          </p:sp>
+        </mc:Choice>
+        <mc:Fallback>
+          <p:sp>
+            <p:nvSpPr>
+              <p:cNvPr id="150" name="TextBox 149">
+                <a:extLst>
+                  <a:ext uri="{FF2B5EF4-FFF2-40B4-BE49-F238E27FC236}">
+                    <a16:creationId xmlns:a16="http://schemas.microsoft.com/office/drawing/2014/main" id="{6FCEC92D-1221-864C-9904-E264D0748165}"/>
+                  </a:ext>
+                </a:extLst>
+              </p:cNvPr>
+              <p:cNvSpPr txBox="1">
+                <a:spLocks noRot="1" noChangeAspect="1" noMove="1" noResize="1" noEditPoints="1" noAdjustHandles="1" noChangeArrowheads="1" noChangeShapeType="1" noTextEdit="1"/>
+              </p:cNvSpPr>
+              <p:nvPr/>
+            </p:nvSpPr>
+            <p:spPr>
+              <a:xfrm>
+                <a:off x="9767725" y="5455782"/>
+                <a:ext cx="597150" cy="261610"/>
+              </a:xfrm>
+              <a:prstGeom prst="rect">
+                <a:avLst/>
+              </a:prstGeom>
+              <a:blipFill>
+                <a:blip r:embed="rId17"/>
+                <a:stretch>
+                  <a:fillRect/>
+                </a:stretch>
+              </a:blipFill>
+            </p:spPr>
+            <p:txBody>
+              <a:bodyPr/>
+              <a:lstStyle/>
+              <a:p>
+                <a:r>
+                  <a:rPr lang="en-US">
+                    <a:noFill/>
+                  </a:rPr>
+                  <a:t> </a:t>
+                </a:r>
+              </a:p>
+            </p:txBody>
+          </p:sp>
+        </mc:Fallback>
+      </mc:AlternateContent>
+      <mc:AlternateContent xmlns:mc="http://schemas.openxmlformats.org/markup-compatibility/2006">
+        <mc:Choice xmlns:a14="http://schemas.microsoft.com/office/drawing/2010/main" Requires="a14">
+          <p:sp>
+            <p:nvSpPr>
+              <p:cNvPr id="151" name="TextBox 150">
+                <a:extLst>
+                  <a:ext uri="{FF2B5EF4-FFF2-40B4-BE49-F238E27FC236}">
+                    <a16:creationId xmlns:a16="http://schemas.microsoft.com/office/drawing/2014/main" id="{E251B6FA-5815-EF41-B887-F0EBB829D482}"/>
+                  </a:ext>
+                </a:extLst>
+              </p:cNvPr>
+              <p:cNvSpPr txBox="1"/>
+              <p:nvPr/>
+            </p:nvSpPr>
+            <p:spPr>
+              <a:xfrm>
+                <a:off x="3285202" y="2590420"/>
+                <a:ext cx="491994" cy="261610"/>
+              </a:xfrm>
+              <a:prstGeom prst="rect">
+                <a:avLst/>
+              </a:prstGeom>
+              <a:noFill/>
+            </p:spPr>
+            <p:txBody>
+              <a:bodyPr wrap="none" rtlCol="0">
+                <a:spAutoFit/>
+              </a:bodyPr>
+              <a:lstStyle/>
+              <a:p>
+                <a14:m>
+                  <m:oMathPara xmlns:m="http://schemas.openxmlformats.org/officeDocument/2006/math">
+                    <m:oMathParaPr>
+                      <m:jc m:val="centerGroup"/>
+                    </m:oMathParaPr>
+                    <m:oMath xmlns:m="http://schemas.openxmlformats.org/officeDocument/2006/math">
+                      <m:acc>
+                        <m:accPr>
+                          <m:chr m:val="⃗"/>
+                          <m:ctrlPr>
+                            <a:rPr lang="en-US" sz="1100" i="1" smtClean="0"/>
+                          </m:ctrlPr>
+                        </m:accPr>
+                        <m:e>
+                          <m:r>
+                            <a:rPr lang="en-US" sz="1100" b="0" i="1" smtClean="0">
+                              <a:latin typeface="Cambria Math" panose="02040503050406030204" pitchFamily="18" charset="0"/>
+                            </a:rPr>
+                            <m:t>𝑥</m:t>
+                          </m:r>
+                        </m:e>
+                      </m:acc>
+                      <m:d>
+                        <m:dPr>
+                          <m:ctrlPr>
+                            <a:rPr lang="en-US" sz="1100" i="1"/>
+                          </m:ctrlPr>
+                        </m:dPr>
+                        <m:e>
+                          <m:r>
+                            <a:rPr lang="en-US" sz="1100" i="1"/>
+                            <m:t>0</m:t>
+                          </m:r>
+                        </m:e>
+                      </m:d>
+                    </m:oMath>
+                  </m:oMathPara>
+                </a14:m>
+                <a:endParaRPr lang="en-US" sz="1100" dirty="0"/>
+              </a:p>
+            </p:txBody>
+          </p:sp>
+        </mc:Choice>
+        <mc:Fallback>
+          <p:sp>
+            <p:nvSpPr>
+              <p:cNvPr id="151" name="TextBox 150">
+                <a:extLst>
+                  <a:ext uri="{FF2B5EF4-FFF2-40B4-BE49-F238E27FC236}">
+                    <a16:creationId xmlns:a16="http://schemas.microsoft.com/office/drawing/2014/main" id="{E251B6FA-5815-EF41-B887-F0EBB829D482}"/>
+                  </a:ext>
+                </a:extLst>
+              </p:cNvPr>
+              <p:cNvSpPr txBox="1">
+                <a:spLocks noRot="1" noChangeAspect="1" noMove="1" noResize="1" noEditPoints="1" noAdjustHandles="1" noChangeArrowheads="1" noChangeShapeType="1" noTextEdit="1"/>
+              </p:cNvSpPr>
+              <p:nvPr/>
+            </p:nvSpPr>
+            <p:spPr>
+              <a:xfrm>
+                <a:off x="3285202" y="2590420"/>
+                <a:ext cx="491994" cy="261610"/>
+              </a:xfrm>
+              <a:prstGeom prst="rect">
+                <a:avLst/>
+              </a:prstGeom>
+              <a:blipFill>
+                <a:blip r:embed="rId18"/>
+                <a:stretch>
+                  <a:fillRect t="-14286"/>
+                </a:stretch>
+              </a:blipFill>
+            </p:spPr>
+            <p:txBody>
+              <a:bodyPr/>
+              <a:lstStyle/>
+              <a:p>
+                <a:r>
+                  <a:rPr lang="en-US">
+                    <a:noFill/>
+                  </a:rPr>
+                  <a:t> </a:t>
+                </a:r>
+              </a:p>
+            </p:txBody>
+          </p:sp>
+        </mc:Fallback>
+      </mc:AlternateContent>
+      <mc:AlternateContent xmlns:mc="http://schemas.openxmlformats.org/markup-compatibility/2006">
+        <mc:Choice xmlns:a14="http://schemas.microsoft.com/office/drawing/2010/main" Requires="a14">
+          <p:sp>
+            <p:nvSpPr>
+              <p:cNvPr id="152" name="TextBox 151">
+                <a:extLst>
+                  <a:ext uri="{FF2B5EF4-FFF2-40B4-BE49-F238E27FC236}">
+                    <a16:creationId xmlns:a16="http://schemas.microsoft.com/office/drawing/2014/main" id="{06BC74EA-DC91-A04D-890A-90C1A51986E9}"/>
+                  </a:ext>
+                </a:extLst>
+              </p:cNvPr>
+              <p:cNvSpPr txBox="1"/>
+              <p:nvPr/>
+            </p:nvSpPr>
+            <p:spPr>
+              <a:xfrm>
+                <a:off x="4804492" y="2599747"/>
+                <a:ext cx="529376" cy="261610"/>
+              </a:xfrm>
+              <a:prstGeom prst="rect">
+                <a:avLst/>
+              </a:prstGeom>
+              <a:noFill/>
+            </p:spPr>
+            <p:txBody>
+              <a:bodyPr wrap="none" rtlCol="0">
+                <a:spAutoFit/>
+              </a:bodyPr>
+              <a:lstStyle/>
+              <a:p>
+                <a14:m>
+                  <m:oMathPara xmlns:m="http://schemas.openxmlformats.org/officeDocument/2006/math">
+                    <m:oMathParaPr>
+                      <m:jc m:val="centerGroup"/>
+                    </m:oMathParaPr>
+                    <m:oMath xmlns:m="http://schemas.openxmlformats.org/officeDocument/2006/math">
+                      <m:acc>
+                        <m:accPr>
+                          <m:chr m:val="⃗"/>
+                          <m:ctrlPr>
+                            <a:rPr lang="en-US" sz="1100" i="1" smtClean="0"/>
+                          </m:ctrlPr>
+                        </m:accPr>
+                        <m:e>
+                          <m:r>
+                            <a:rPr lang="en-US" sz="1100" b="0" i="1" smtClean="0">
+                              <a:latin typeface="Cambria Math" panose="02040503050406030204" pitchFamily="18" charset="0"/>
+                            </a:rPr>
+                            <m:t>𝑥</m:t>
+                          </m:r>
+                        </m:e>
+                      </m:acc>
+                      <m:d>
+                        <m:dPr>
+                          <m:ctrlPr>
+                            <a:rPr lang="en-US" sz="1100" i="1"/>
+                          </m:ctrlPr>
+                        </m:dPr>
+                        <m:e>
+                          <m:sSub>
+                            <m:sSubPr>
+                              <m:ctrlPr>
+                                <a:rPr lang="en-US" sz="1100" i="1" smtClean="0">
+                                  <a:latin typeface="Cambria Math" panose="02040503050406030204" pitchFamily="18" charset="0"/>
+                                </a:rPr>
+                              </m:ctrlPr>
+                            </m:sSubPr>
+                            <m:e>
+                              <m:r>
+                                <a:rPr lang="en-US" sz="1100" i="1">
+                                  <a:latin typeface="Cambria Math" panose="02040503050406030204" pitchFamily="18" charset="0"/>
+                                </a:rPr>
+                                <m:t>𝑡</m:t>
+                              </m:r>
+                            </m:e>
+                            <m:sub>
+                              <m:r>
+                                <a:rPr lang="en-US" sz="1100" i="1">
+                                  <a:latin typeface="Cambria Math" panose="02040503050406030204" pitchFamily="18" charset="0"/>
+                                </a:rPr>
+                                <m:t>1</m:t>
+                              </m:r>
+                            </m:sub>
+                          </m:sSub>
+                        </m:e>
+                      </m:d>
+                    </m:oMath>
+                  </m:oMathPara>
+                </a14:m>
+                <a:endParaRPr lang="en-US" sz="1100" dirty="0"/>
+              </a:p>
+            </p:txBody>
+          </p:sp>
+        </mc:Choice>
+        <mc:Fallback>
+          <p:sp>
+            <p:nvSpPr>
+              <p:cNvPr id="152" name="TextBox 151">
+                <a:extLst>
+                  <a:ext uri="{FF2B5EF4-FFF2-40B4-BE49-F238E27FC236}">
+                    <a16:creationId xmlns:a16="http://schemas.microsoft.com/office/drawing/2014/main" id="{06BC74EA-DC91-A04D-890A-90C1A51986E9}"/>
+                  </a:ext>
+                </a:extLst>
+              </p:cNvPr>
+              <p:cNvSpPr txBox="1">
+                <a:spLocks noRot="1" noChangeAspect="1" noMove="1" noResize="1" noEditPoints="1" noAdjustHandles="1" noChangeArrowheads="1" noChangeShapeType="1" noTextEdit="1"/>
+              </p:cNvSpPr>
+              <p:nvPr/>
+            </p:nvSpPr>
+            <p:spPr>
+              <a:xfrm>
+                <a:off x="4804492" y="2599747"/>
+                <a:ext cx="529376" cy="261610"/>
+              </a:xfrm>
+              <a:prstGeom prst="rect">
+                <a:avLst/>
+              </a:prstGeom>
+              <a:blipFill>
+                <a:blip r:embed="rId19"/>
+                <a:stretch>
+                  <a:fillRect t="-9091"/>
+                </a:stretch>
+              </a:blipFill>
+            </p:spPr>
+            <p:txBody>
+              <a:bodyPr/>
+              <a:lstStyle/>
+              <a:p>
+                <a:r>
+                  <a:rPr lang="en-US">
+                    <a:noFill/>
+                  </a:rPr>
+                  <a:t> </a:t>
+                </a:r>
+              </a:p>
+            </p:txBody>
+          </p:sp>
+        </mc:Fallback>
+      </mc:AlternateContent>
     </p:spTree>
     <p:extLst>
       <p:ext uri="{BB962C8B-B14F-4D97-AF65-F5344CB8AC3E}">

--- a/docs/TransformersIntroFigures.pptx
+++ b/docs/TransformersIntroFigures.pptx
@@ -8,6 +8,7 @@
     <p:sldId id="256" r:id="rId2"/>
     <p:sldId id="257" r:id="rId3"/>
     <p:sldId id="258" r:id="rId4"/>
+    <p:sldId id="259" r:id="rId5"/>
   </p:sldIdLst>
   <p:sldSz cx="12192000" cy="6858000"/>
   <p:notesSz cx="6858000" cy="9144000"/>
@@ -18429,6 +18430,255 @@
 </p:sld>
 </file>
 
+<file path=ppt/slides/slide4.xml><?xml version="1.0" encoding="utf-8"?>
+<p:sld xmlns:a="http://schemas.openxmlformats.org/drawingml/2006/main" xmlns:r="http://schemas.openxmlformats.org/officeDocument/2006/relationships" xmlns:p="http://schemas.openxmlformats.org/presentationml/2006/main">
+  <p:cSld>
+    <p:spTree>
+      <p:nvGrpSpPr>
+        <p:cNvPr id="1" name=""/>
+        <p:cNvGrpSpPr/>
+        <p:nvPr/>
+      </p:nvGrpSpPr>
+      <p:grpSpPr>
+        <a:xfrm>
+          <a:off x="0" y="0"/>
+          <a:ext cx="0" cy="0"/>
+          <a:chOff x="0" y="0"/>
+          <a:chExt cx="0" cy="0"/>
+        </a:xfrm>
+      </p:grpSpPr>
+      <p:sp>
+        <p:nvSpPr>
+          <p:cNvPr id="2" name="Oval 1">
+            <a:extLst>
+              <a:ext uri="{FF2B5EF4-FFF2-40B4-BE49-F238E27FC236}">
+                <a16:creationId xmlns:a16="http://schemas.microsoft.com/office/drawing/2014/main" id="{E6C05258-32BD-D741-B76E-55CCFCC65FD5}"/>
+              </a:ext>
+            </a:extLst>
+          </p:cNvPr>
+          <p:cNvSpPr/>
+          <p:nvPr/>
+        </p:nvSpPr>
+        <p:spPr>
+          <a:xfrm>
+            <a:off x="3965825" y="3298004"/>
+            <a:ext cx="1402422" cy="647272"/>
+          </a:xfrm>
+          <a:prstGeom prst="ellipse">
+            <a:avLst/>
+          </a:prstGeom>
+          <a:solidFill>
+            <a:schemeClr val="bg1"/>
+          </a:solidFill>
+        </p:spPr>
+        <p:style>
+          <a:lnRef idx="2">
+            <a:schemeClr val="accent1">
+              <a:shade val="50000"/>
+            </a:schemeClr>
+          </a:lnRef>
+          <a:fillRef idx="1">
+            <a:schemeClr val="accent1"/>
+          </a:fillRef>
+          <a:effectRef idx="0">
+            <a:schemeClr val="accent1"/>
+          </a:effectRef>
+          <a:fontRef idx="minor">
+            <a:schemeClr val="lt1"/>
+          </a:fontRef>
+        </p:style>
+        <p:txBody>
+          <a:bodyPr rtlCol="0" anchor="ctr"/>
+          <a:lstStyle/>
+          <a:p>
+            <a:pPr algn="ctr"/>
+            <a:endParaRPr lang="en-US"/>
+          </a:p>
+        </p:txBody>
+      </p:sp>
+      <mc:AlternateContent xmlns:mc="http://schemas.openxmlformats.org/markup-compatibility/2006">
+        <mc:Choice xmlns:a14="http://schemas.microsoft.com/office/drawing/2010/main" Requires="a14">
+          <p:sp>
+            <p:nvSpPr>
+              <p:cNvPr id="3" name="TextBox 2">
+                <a:extLst>
+                  <a:ext uri="{FF2B5EF4-FFF2-40B4-BE49-F238E27FC236}">
+                    <a16:creationId xmlns:a16="http://schemas.microsoft.com/office/drawing/2014/main" id="{C8DE9A23-581F-954A-92EB-8BD59003E141}"/>
+                  </a:ext>
+                </a:extLst>
+              </p:cNvPr>
+              <p:cNvSpPr txBox="1"/>
+              <p:nvPr/>
+            </p:nvSpPr>
+            <p:spPr>
+              <a:xfrm>
+                <a:off x="4974726" y="3429000"/>
+                <a:ext cx="447174" cy="324833"/>
+              </a:xfrm>
+              <a:prstGeom prst="rect">
+                <a:avLst/>
+              </a:prstGeom>
+              <a:noFill/>
+            </p:spPr>
+            <p:txBody>
+              <a:bodyPr wrap="none" rtlCol="0">
+                <a:spAutoFit/>
+              </a:bodyPr>
+              <a:lstStyle/>
+              <a:p>
+                <a14:m>
+                  <m:oMathPara xmlns:m="http://schemas.openxmlformats.org/officeDocument/2006/math">
+                    <m:oMathParaPr>
+                      <m:jc m:val="centerGroup"/>
+                    </m:oMathParaPr>
+                    <m:oMath xmlns:m="http://schemas.openxmlformats.org/officeDocument/2006/math">
+                      <m:sSubSup>
+                        <m:sSubSupPr>
+                          <m:ctrlPr>
+                            <a:rPr lang="en-US" sz="1100" i="1" smtClean="0">
+                              <a:latin typeface="Cambria Math" panose="02040503050406030204" pitchFamily="18" charset="0"/>
+                            </a:rPr>
+                          </m:ctrlPr>
+                        </m:sSubSupPr>
+                        <m:e>
+                          <m:r>
+                            <a:rPr lang="en-US" sz="1100" b="0" i="1" smtClean="0">
+                              <a:latin typeface="Cambria Math" panose="02040503050406030204" pitchFamily="18" charset="0"/>
+                            </a:rPr>
+                            <m:t>𝑜</m:t>
+                          </m:r>
+                        </m:e>
+                        <m:sub>
+                          <m:r>
+                            <a:rPr lang="en-US" sz="1100" b="0" i="1" smtClean="0">
+                              <a:latin typeface="Cambria Math" panose="02040503050406030204" pitchFamily="18" charset="0"/>
+                            </a:rPr>
+                            <m:t>𝑗</m:t>
+                          </m:r>
+                        </m:sub>
+                        <m:sup>
+                          <m:d>
+                            <m:dPr>
+                              <m:ctrlPr>
+                                <a:rPr lang="en-US" sz="1100" i="1" smtClean="0">
+                                  <a:latin typeface="Cambria Math" panose="02040503050406030204" pitchFamily="18" charset="0"/>
+                                </a:rPr>
+                              </m:ctrlPr>
+                            </m:dPr>
+                            <m:e>
+                              <m:r>
+                                <a:rPr lang="en-US" sz="1100" b="0" i="1" smtClean="0">
+                                  <a:latin typeface="Cambria Math" panose="02040503050406030204" pitchFamily="18" charset="0"/>
+                                </a:rPr>
+                                <m:t>1</m:t>
+                              </m:r>
+                            </m:e>
+                          </m:d>
+                        </m:sup>
+                      </m:sSubSup>
+                    </m:oMath>
+                  </m:oMathPara>
+                </a14:m>
+                <a:endParaRPr lang="en-US" sz="1100" dirty="0"/>
+              </a:p>
+            </p:txBody>
+          </p:sp>
+        </mc:Choice>
+        <mc:Fallback>
+          <p:sp>
+            <p:nvSpPr>
+              <p:cNvPr id="3" name="TextBox 2">
+                <a:extLst>
+                  <a:ext uri="{FF2B5EF4-FFF2-40B4-BE49-F238E27FC236}">
+                    <a16:creationId xmlns:a16="http://schemas.microsoft.com/office/drawing/2014/main" id="{C8DE9A23-581F-954A-92EB-8BD59003E141}"/>
+                  </a:ext>
+                </a:extLst>
+              </p:cNvPr>
+              <p:cNvSpPr txBox="1">
+                <a:spLocks noRot="1" noChangeAspect="1" noMove="1" noResize="1" noEditPoints="1" noAdjustHandles="1" noChangeArrowheads="1" noChangeShapeType="1" noTextEdit="1"/>
+              </p:cNvSpPr>
+              <p:nvPr/>
+            </p:nvSpPr>
+            <p:spPr>
+              <a:xfrm>
+                <a:off x="4974726" y="3429000"/>
+                <a:ext cx="447174" cy="324833"/>
+              </a:xfrm>
+              <a:prstGeom prst="rect">
+                <a:avLst/>
+              </a:prstGeom>
+              <a:blipFill>
+                <a:blip r:embed="rId2"/>
+                <a:stretch>
+                  <a:fillRect/>
+                </a:stretch>
+              </a:blipFill>
+            </p:spPr>
+            <p:txBody>
+              <a:bodyPr/>
+              <a:lstStyle/>
+              <a:p>
+                <a:r>
+                  <a:rPr lang="en-US">
+                    <a:noFill/>
+                  </a:rPr>
+                  <a:t> </a:t>
+                </a:r>
+              </a:p>
+            </p:txBody>
+          </p:sp>
+        </mc:Fallback>
+      </mc:AlternateContent>
+      <p:cxnSp>
+        <p:nvCxnSpPr>
+          <p:cNvPr id="5" name="Straight Connector 4">
+            <a:extLst>
+              <a:ext uri="{FF2B5EF4-FFF2-40B4-BE49-F238E27FC236}">
+                <a16:creationId xmlns:a16="http://schemas.microsoft.com/office/drawing/2014/main" id="{757E801B-0FE6-D844-9B8B-1FF3C7050B98}"/>
+              </a:ext>
+            </a:extLst>
+          </p:cNvPr>
+          <p:cNvCxnSpPr/>
+          <p:nvPr/>
+        </p:nvCxnSpPr>
+        <p:spPr>
+          <a:xfrm>
+            <a:off x="5019869" y="3335694"/>
+            <a:ext cx="0" cy="569167"/>
+          </a:xfrm>
+          <a:prstGeom prst="line">
+            <a:avLst/>
+          </a:prstGeom>
+          <a:ln w="12700"/>
+        </p:spPr>
+        <p:style>
+          <a:lnRef idx="1">
+            <a:schemeClr val="accent1"/>
+          </a:lnRef>
+          <a:fillRef idx="0">
+            <a:schemeClr val="accent1"/>
+          </a:fillRef>
+          <a:effectRef idx="0">
+            <a:schemeClr val="accent1"/>
+          </a:effectRef>
+          <a:fontRef idx="minor">
+            <a:schemeClr val="tx1"/>
+          </a:fontRef>
+        </p:style>
+      </p:cxnSp>
+    </p:spTree>
+    <p:extLst>
+      <p:ext uri="{BB962C8B-B14F-4D97-AF65-F5344CB8AC3E}">
+        <p14:creationId xmlns:p14="http://schemas.microsoft.com/office/powerpoint/2010/main" val="2892753680"/>
+      </p:ext>
+    </p:extLst>
+  </p:cSld>
+  <p:clrMapOvr>
+    <a:masterClrMapping/>
+  </p:clrMapOvr>
+</p:sld>
+</file>
+
 <file path=ppt/theme/theme1.xml><?xml version="1.0" encoding="utf-8"?>
 <a:theme xmlns:a="http://schemas.openxmlformats.org/drawingml/2006/main" name="Office Theme">
   <a:themeElements>

--- a/docs/TransformersIntroFigures.pptx
+++ b/docs/TransformersIntroFigures.pptx
@@ -16695,10 +16695,10 @@
       </p:grpSpPr>
       <p:grpSp>
         <p:nvGrpSpPr>
-          <p:cNvPr id="35" name="Group 34">
+          <p:cNvPr id="39" name="Group 38">
             <a:extLst>
               <a:ext uri="{FF2B5EF4-FFF2-40B4-BE49-F238E27FC236}">
-                <a16:creationId xmlns:a16="http://schemas.microsoft.com/office/drawing/2014/main" id="{3437F13C-73F5-8349-BA1E-680E0190E859}"/>
+                <a16:creationId xmlns:a16="http://schemas.microsoft.com/office/drawing/2014/main" id="{8BE70E91-A61B-3542-A741-504217DBD024}"/>
               </a:ext>
             </a:extLst>
           </p:cNvPr>
@@ -16707,10 +16707,10 @@
         </p:nvGrpSpPr>
         <p:grpSpPr>
           <a:xfrm>
-            <a:off x="2771185" y="2342508"/>
-            <a:ext cx="4078572" cy="1703798"/>
-            <a:chOff x="2771185" y="2342508"/>
-            <a:chExt cx="4078572" cy="1703798"/>
+            <a:off x="2771185" y="1901114"/>
+            <a:ext cx="4078572" cy="2145192"/>
+            <a:chOff x="2771185" y="1901114"/>
+            <a:chExt cx="4078572" cy="2145192"/>
           </a:xfrm>
         </p:grpSpPr>
         <p:sp>
@@ -18416,6 +18416,80 @@
             </p:sp>
           </mc:Fallback>
         </mc:AlternateContent>
+        <p:cxnSp>
+          <p:nvCxnSpPr>
+            <p:cNvPr id="37" name="Straight Arrow Connector 36">
+              <a:extLst>
+                <a:ext uri="{FF2B5EF4-FFF2-40B4-BE49-F238E27FC236}">
+                  <a16:creationId xmlns:a16="http://schemas.microsoft.com/office/drawing/2014/main" id="{6F6FD3FA-7F1C-0143-B512-D3FEBC53B051}"/>
+                </a:ext>
+              </a:extLst>
+            </p:cNvPr>
+            <p:cNvCxnSpPr/>
+            <p:nvPr/>
+          </p:nvCxnSpPr>
+          <p:spPr>
+            <a:xfrm flipH="1">
+              <a:off x="3915965" y="2211859"/>
+              <a:ext cx="1956626" cy="0"/>
+            </a:xfrm>
+            <a:prstGeom prst="straightConnector1">
+              <a:avLst/>
+            </a:prstGeom>
+            <a:ln w="9525">
+              <a:tailEnd type="triangle"/>
+            </a:ln>
+          </p:spPr>
+          <p:style>
+            <a:lnRef idx="1">
+              <a:schemeClr val="accent1"/>
+            </a:lnRef>
+            <a:fillRef idx="0">
+              <a:schemeClr val="accent1"/>
+            </a:fillRef>
+            <a:effectRef idx="0">
+              <a:schemeClr val="accent1"/>
+            </a:effectRef>
+            <a:fontRef idx="minor">
+              <a:schemeClr val="tx1"/>
+            </a:fontRef>
+          </p:style>
+        </p:cxnSp>
+        <p:sp>
+          <p:nvSpPr>
+            <p:cNvPr id="38" name="TextBox 37">
+              <a:extLst>
+                <a:ext uri="{FF2B5EF4-FFF2-40B4-BE49-F238E27FC236}">
+                  <a16:creationId xmlns:a16="http://schemas.microsoft.com/office/drawing/2014/main" id="{B9E97942-0EC3-E540-9EEC-F1AD0F5C86B3}"/>
+                </a:ext>
+              </a:extLst>
+            </p:cNvPr>
+            <p:cNvSpPr txBox="1"/>
+            <p:nvPr/>
+          </p:nvSpPr>
+          <p:spPr>
+            <a:xfrm>
+              <a:off x="4249339" y="1901114"/>
+              <a:ext cx="1146468" cy="261610"/>
+            </a:xfrm>
+            <a:prstGeom prst="rect">
+              <a:avLst/>
+            </a:prstGeom>
+            <a:noFill/>
+          </p:spPr>
+          <p:txBody>
+            <a:bodyPr wrap="none" rtlCol="0">
+              <a:spAutoFit/>
+            </a:bodyPr>
+            <a:lstStyle/>
+            <a:p>
+              <a:r>
+                <a:rPr lang="en-US" sz="1100" dirty="0"/>
+                <a:t>backpropagation</a:t>
+              </a:r>
+            </a:p>
+          </p:txBody>
+        </p:sp>
       </p:grpSp>
     </p:spTree>
     <p:extLst>
@@ -18447,225 +18521,2864 @@
           <a:chExt cx="0" cy="0"/>
         </a:xfrm>
       </p:grpSpPr>
-      <p:sp>
-        <p:nvSpPr>
-          <p:cNvPr id="2" name="Oval 1">
+      <p:grpSp>
+        <p:nvGrpSpPr>
+          <p:cNvPr id="49" name="Group 48">
             <a:extLst>
               <a:ext uri="{FF2B5EF4-FFF2-40B4-BE49-F238E27FC236}">
-                <a16:creationId xmlns:a16="http://schemas.microsoft.com/office/drawing/2014/main" id="{E6C05258-32BD-D741-B76E-55CCFCC65FD5}"/>
+                <a16:creationId xmlns:a16="http://schemas.microsoft.com/office/drawing/2014/main" id="{3FF2EFD9-5631-3B44-BB68-B53937DDCD97}"/>
               </a:ext>
             </a:extLst>
           </p:cNvPr>
-          <p:cNvSpPr/>
+          <p:cNvGrpSpPr/>
           <p:nvPr/>
-        </p:nvSpPr>
-        <p:spPr>
+        </p:nvGrpSpPr>
+        <p:grpSpPr>
           <a:xfrm>
-            <a:off x="3965825" y="3298004"/>
-            <a:ext cx="1402422" cy="647272"/>
+            <a:off x="2652345" y="1714171"/>
+            <a:ext cx="4363774" cy="2924650"/>
+            <a:chOff x="2652345" y="1714171"/>
+            <a:chExt cx="4363774" cy="2924650"/>
           </a:xfrm>
-          <a:prstGeom prst="ellipse">
-            <a:avLst/>
-          </a:prstGeom>
-          <a:solidFill>
-            <a:schemeClr val="bg1"/>
-          </a:solidFill>
-        </p:spPr>
-        <p:style>
-          <a:lnRef idx="2">
-            <a:schemeClr val="accent1">
-              <a:shade val="50000"/>
-            </a:schemeClr>
-          </a:lnRef>
-          <a:fillRef idx="1">
-            <a:schemeClr val="accent1"/>
-          </a:fillRef>
-          <a:effectRef idx="0">
-            <a:schemeClr val="accent1"/>
-          </a:effectRef>
-          <a:fontRef idx="minor">
-            <a:schemeClr val="lt1"/>
-          </a:fontRef>
-        </p:style>
-        <p:txBody>
-          <a:bodyPr rtlCol="0" anchor="ctr"/>
-          <a:lstStyle/>
-          <a:p>
-            <a:pPr algn="ctr"/>
-            <a:endParaRPr lang="en-US"/>
-          </a:p>
-        </p:txBody>
-      </p:sp>
-      <mc:AlternateContent xmlns:mc="http://schemas.openxmlformats.org/markup-compatibility/2006">
-        <mc:Choice xmlns:a14="http://schemas.microsoft.com/office/drawing/2010/main" Requires="a14">
-          <p:sp>
-            <p:nvSpPr>
-              <p:cNvPr id="3" name="TextBox 2">
-                <a:extLst>
-                  <a:ext uri="{FF2B5EF4-FFF2-40B4-BE49-F238E27FC236}">
-                    <a16:creationId xmlns:a16="http://schemas.microsoft.com/office/drawing/2014/main" id="{C8DE9A23-581F-954A-92EB-8BD59003E141}"/>
-                  </a:ext>
-                </a:extLst>
-              </p:cNvPr>
-              <p:cNvSpPr txBox="1"/>
-              <p:nvPr/>
-            </p:nvSpPr>
-            <p:spPr>
-              <a:xfrm>
-                <a:off x="4974726" y="3429000"/>
-                <a:ext cx="447174" cy="324833"/>
-              </a:xfrm>
-              <a:prstGeom prst="rect">
-                <a:avLst/>
-              </a:prstGeom>
-              <a:noFill/>
-            </p:spPr>
-            <p:txBody>
-              <a:bodyPr wrap="none" rtlCol="0">
-                <a:spAutoFit/>
-              </a:bodyPr>
-              <a:lstStyle/>
-              <a:p>
-                <a14:m>
-                  <m:oMathPara xmlns:m="http://schemas.openxmlformats.org/officeDocument/2006/math">
-                    <m:oMathParaPr>
-                      <m:jc m:val="centerGroup"/>
-                    </m:oMathParaPr>
+        </p:grpSpPr>
+        <p:sp>
+          <p:nvSpPr>
+            <p:cNvPr id="2" name="Oval 1">
+              <a:extLst>
+                <a:ext uri="{FF2B5EF4-FFF2-40B4-BE49-F238E27FC236}">
+                  <a16:creationId xmlns:a16="http://schemas.microsoft.com/office/drawing/2014/main" id="{E6C05258-32BD-D741-B76E-55CCFCC65FD5}"/>
+                </a:ext>
+              </a:extLst>
+            </p:cNvPr>
+            <p:cNvSpPr/>
+            <p:nvPr/>
+          </p:nvSpPr>
+          <p:spPr>
+            <a:xfrm>
+              <a:off x="3965825" y="3298004"/>
+              <a:ext cx="1402422" cy="647272"/>
+            </a:xfrm>
+            <a:prstGeom prst="ellipse">
+              <a:avLst/>
+            </a:prstGeom>
+            <a:solidFill>
+              <a:schemeClr val="bg1"/>
+            </a:solidFill>
+          </p:spPr>
+          <p:style>
+            <a:lnRef idx="2">
+              <a:schemeClr val="accent1">
+                <a:shade val="50000"/>
+              </a:schemeClr>
+            </a:lnRef>
+            <a:fillRef idx="1">
+              <a:schemeClr val="accent1"/>
+            </a:fillRef>
+            <a:effectRef idx="0">
+              <a:schemeClr val="accent1"/>
+            </a:effectRef>
+            <a:fontRef idx="minor">
+              <a:schemeClr val="lt1"/>
+            </a:fontRef>
+          </p:style>
+          <p:txBody>
+            <a:bodyPr rtlCol="0" anchor="ctr"/>
+            <a:lstStyle/>
+            <a:p>
+              <a:pPr algn="ctr"/>
+              <a:endParaRPr lang="en-US"/>
+            </a:p>
+          </p:txBody>
+        </p:sp>
+        <mc:AlternateContent xmlns:mc="http://schemas.openxmlformats.org/markup-compatibility/2006">
+          <mc:Choice xmlns:a14="http://schemas.microsoft.com/office/drawing/2010/main" Requires="a14">
+            <p:sp>
+              <p:nvSpPr>
+                <p:cNvPr id="3" name="TextBox 2">
+                  <a:extLst>
+                    <a:ext uri="{FF2B5EF4-FFF2-40B4-BE49-F238E27FC236}">
+                      <a16:creationId xmlns:a16="http://schemas.microsoft.com/office/drawing/2014/main" id="{C8DE9A23-581F-954A-92EB-8BD59003E141}"/>
+                    </a:ext>
+                  </a:extLst>
+                </p:cNvPr>
+                <p:cNvSpPr txBox="1"/>
+                <p:nvPr/>
+              </p:nvSpPr>
+              <p:spPr>
+                <a:xfrm>
+                  <a:off x="4974726" y="3429000"/>
+                  <a:ext cx="447174" cy="324833"/>
+                </a:xfrm>
+                <a:prstGeom prst="rect">
+                  <a:avLst/>
+                </a:prstGeom>
+                <a:noFill/>
+              </p:spPr>
+              <p:txBody>
+                <a:bodyPr wrap="none" rtlCol="0">
+                  <a:spAutoFit/>
+                </a:bodyPr>
+                <a:lstStyle/>
+                <a:p>
+                  <a14:m>
+                    <m:oMathPara xmlns:m="http://schemas.openxmlformats.org/officeDocument/2006/math">
+                      <m:oMathParaPr>
+                        <m:jc m:val="centerGroup"/>
+                      </m:oMathParaPr>
+                      <m:oMath xmlns:m="http://schemas.openxmlformats.org/officeDocument/2006/math">
+                        <m:sSubSup>
+                          <m:sSubSupPr>
+                            <m:ctrlPr>
+                              <a:rPr lang="en-US" sz="1100" i="1" smtClean="0">
+                                <a:latin typeface="Cambria Math" panose="02040503050406030204" pitchFamily="18" charset="0"/>
+                              </a:rPr>
+                            </m:ctrlPr>
+                          </m:sSubSupPr>
+                          <m:e>
+                            <m:r>
+                              <a:rPr lang="en-US" sz="1100" b="0" i="1" smtClean="0">
+                                <a:latin typeface="Cambria Math" panose="02040503050406030204" pitchFamily="18" charset="0"/>
+                              </a:rPr>
+                              <m:t>𝑜</m:t>
+                            </m:r>
+                          </m:e>
+                          <m:sub>
+                            <m:r>
+                              <a:rPr lang="en-US" sz="1100" b="0" i="1" smtClean="0">
+                                <a:latin typeface="Cambria Math" panose="02040503050406030204" pitchFamily="18" charset="0"/>
+                              </a:rPr>
+                              <m:t>𝑗</m:t>
+                            </m:r>
+                          </m:sub>
+                          <m:sup>
+                            <m:d>
+                              <m:dPr>
+                                <m:ctrlPr>
+                                  <a:rPr lang="en-US" sz="1100" i="1" smtClean="0">
+                                    <a:latin typeface="Cambria Math" panose="02040503050406030204" pitchFamily="18" charset="0"/>
+                                  </a:rPr>
+                                </m:ctrlPr>
+                              </m:dPr>
+                              <m:e>
+                                <m:r>
+                                  <a:rPr lang="en-US" sz="1100" b="0" i="1" smtClean="0">
+                                    <a:latin typeface="Cambria Math" panose="02040503050406030204" pitchFamily="18" charset="0"/>
+                                  </a:rPr>
+                                  <m:t>1</m:t>
+                                </m:r>
+                              </m:e>
+                            </m:d>
+                          </m:sup>
+                        </m:sSubSup>
+                      </m:oMath>
+                    </m:oMathPara>
+                  </a14:m>
+                  <a:endParaRPr lang="en-US" sz="1100" dirty="0"/>
+                </a:p>
+              </p:txBody>
+            </p:sp>
+          </mc:Choice>
+          <mc:Fallback>
+            <p:sp>
+              <p:nvSpPr>
+                <p:cNvPr id="3" name="TextBox 2">
+                  <a:extLst>
+                    <a:ext uri="{FF2B5EF4-FFF2-40B4-BE49-F238E27FC236}">
+                      <a16:creationId xmlns:a16="http://schemas.microsoft.com/office/drawing/2014/main" id="{C8DE9A23-581F-954A-92EB-8BD59003E141}"/>
+                    </a:ext>
+                  </a:extLst>
+                </p:cNvPr>
+                <p:cNvSpPr txBox="1">
+                  <a:spLocks noRot="1" noChangeAspect="1" noMove="1" noResize="1" noEditPoints="1" noAdjustHandles="1" noChangeArrowheads="1" noChangeShapeType="1" noTextEdit="1"/>
+                </p:cNvSpPr>
+                <p:nvPr/>
+              </p:nvSpPr>
+              <p:spPr>
+                <a:xfrm>
+                  <a:off x="4974726" y="3429000"/>
+                  <a:ext cx="447174" cy="324833"/>
+                </a:xfrm>
+                <a:prstGeom prst="rect">
+                  <a:avLst/>
+                </a:prstGeom>
+                <a:blipFill>
+                  <a:blip r:embed="rId2"/>
+                  <a:stretch>
+                    <a:fillRect/>
+                  </a:stretch>
+                </a:blipFill>
+              </p:spPr>
+              <p:txBody>
+                <a:bodyPr/>
+                <a:lstStyle/>
+                <a:p>
+                  <a:r>
+                    <a:rPr lang="en-US">
+                      <a:noFill/>
+                    </a:rPr>
+                    <a:t> </a:t>
+                  </a:r>
+                </a:p>
+              </p:txBody>
+            </p:sp>
+          </mc:Fallback>
+        </mc:AlternateContent>
+        <p:cxnSp>
+          <p:nvCxnSpPr>
+            <p:cNvPr id="5" name="Straight Connector 4">
+              <a:extLst>
+                <a:ext uri="{FF2B5EF4-FFF2-40B4-BE49-F238E27FC236}">
+                  <a16:creationId xmlns:a16="http://schemas.microsoft.com/office/drawing/2014/main" id="{757E801B-0FE6-D844-9B8B-1FF3C7050B98}"/>
+                </a:ext>
+              </a:extLst>
+            </p:cNvPr>
+            <p:cNvCxnSpPr/>
+            <p:nvPr/>
+          </p:nvCxnSpPr>
+          <p:spPr>
+            <a:xfrm>
+              <a:off x="5019869" y="3335694"/>
+              <a:ext cx="0" cy="569167"/>
+            </a:xfrm>
+            <a:prstGeom prst="line">
+              <a:avLst/>
+            </a:prstGeom>
+            <a:ln w="12700"/>
+          </p:spPr>
+          <p:style>
+            <a:lnRef idx="1">
+              <a:schemeClr val="accent1"/>
+            </a:lnRef>
+            <a:fillRef idx="0">
+              <a:schemeClr val="accent1"/>
+            </a:fillRef>
+            <a:effectRef idx="0">
+              <a:schemeClr val="accent1"/>
+            </a:effectRef>
+            <a:fontRef idx="minor">
+              <a:schemeClr val="tx1"/>
+            </a:fontRef>
+          </p:style>
+        </p:cxnSp>
+        <mc:AlternateContent xmlns:mc="http://schemas.openxmlformats.org/markup-compatibility/2006">
+          <mc:Choice xmlns:a14="http://schemas.microsoft.com/office/drawing/2010/main" Requires="a14">
+            <p:sp>
+              <p:nvSpPr>
+                <p:cNvPr id="6" name="TextBox 5">
+                  <a:extLst>
+                    <a:ext uri="{FF2B5EF4-FFF2-40B4-BE49-F238E27FC236}">
+                      <a16:creationId xmlns:a16="http://schemas.microsoft.com/office/drawing/2014/main" id="{01D2B67F-8DB9-8C45-9A1A-13A70670474B}"/>
+                    </a:ext>
+                  </a:extLst>
+                </p:cNvPr>
+                <p:cNvSpPr txBox="1"/>
+                <p:nvPr/>
+              </p:nvSpPr>
+              <p:spPr>
+                <a:xfrm>
+                  <a:off x="4003685" y="3436520"/>
+                  <a:ext cx="1086580" cy="345672"/>
+                </a:xfrm>
+                <a:prstGeom prst="rect">
+                  <a:avLst/>
+                </a:prstGeom>
+                <a:noFill/>
+              </p:spPr>
+              <p:txBody>
+                <a:bodyPr wrap="none" rtlCol="0">
+                  <a:spAutoFit/>
+                </a:bodyPr>
+                <a:lstStyle/>
+                <a:p>
+                  <a14:m>
+                    <m:oMathPara xmlns:m="http://schemas.openxmlformats.org/officeDocument/2006/math">
+                      <m:oMathParaPr>
+                        <m:jc m:val="centerGroup"/>
+                      </m:oMathParaPr>
+                      <m:oMath xmlns:m="http://schemas.openxmlformats.org/officeDocument/2006/math">
+                        <m:sSubSup>
+                          <m:sSubSupPr>
+                            <m:ctrlPr>
+                              <a:rPr lang="en-US" sz="1100" i="1" smtClean="0">
+                                <a:latin typeface="Cambria Math" panose="02040503050406030204" pitchFamily="18" charset="0"/>
+                              </a:rPr>
+                            </m:ctrlPr>
+                          </m:sSubSupPr>
+                          <m:e>
+                            <m:r>
+                              <a:rPr lang="en-US" sz="1100" b="0" i="1" smtClean="0">
+                                <a:latin typeface="Cambria Math" panose="02040503050406030204" pitchFamily="18" charset="0"/>
+                              </a:rPr>
+                              <m:t>𝑜</m:t>
+                            </m:r>
+                          </m:e>
+                          <m:sub>
+                            <m:r>
+                              <a:rPr lang="en-US" sz="1100" b="0" i="1" smtClean="0">
+                                <a:latin typeface="Cambria Math" panose="02040503050406030204" pitchFamily="18" charset="0"/>
+                              </a:rPr>
+                              <m:t>𝑗</m:t>
+                            </m:r>
+                          </m:sub>
+                          <m:sup>
+                            <m:d>
+                              <m:dPr>
+                                <m:ctrlPr>
+                                  <a:rPr lang="en-US" sz="1100" i="1" smtClean="0">
+                                    <a:latin typeface="Cambria Math" panose="02040503050406030204" pitchFamily="18" charset="0"/>
+                                  </a:rPr>
+                                </m:ctrlPr>
+                              </m:dPr>
+                              <m:e>
+                                <m:r>
+                                  <a:rPr lang="en-US" sz="1100" b="0" i="1" smtClean="0">
+                                    <a:latin typeface="Cambria Math" panose="02040503050406030204" pitchFamily="18" charset="0"/>
+                                  </a:rPr>
+                                  <m:t>1</m:t>
+                                </m:r>
+                              </m:e>
+                            </m:d>
+                          </m:sup>
+                        </m:sSubSup>
+                        <m:d>
+                          <m:dPr>
+                            <m:ctrlPr>
+                              <a:rPr lang="en-US" sz="1100" i="1" smtClean="0">
+                                <a:latin typeface="Cambria Math" panose="02040503050406030204" pitchFamily="18" charset="0"/>
+                              </a:rPr>
+                            </m:ctrlPr>
+                          </m:dPr>
+                          <m:e>
+                            <m:r>
+                              <a:rPr lang="en-US" sz="1100" b="0" i="1" smtClean="0">
+                                <a:latin typeface="Cambria Math" panose="02040503050406030204" pitchFamily="18" charset="0"/>
+                              </a:rPr>
+                              <m:t>1−</m:t>
+                            </m:r>
+                            <m:sSubSup>
+                              <m:sSubSupPr>
+                                <m:ctrlPr>
+                                  <a:rPr lang="en-US" sz="1100" i="1" smtClean="0">
+                                    <a:latin typeface="Cambria Math" panose="02040503050406030204" pitchFamily="18" charset="0"/>
+                                  </a:rPr>
+                                </m:ctrlPr>
+                              </m:sSubSupPr>
+                              <m:e>
+                                <m:r>
+                                  <a:rPr lang="en-US" sz="1100" b="0" i="1" smtClean="0">
+                                    <a:latin typeface="Cambria Math" panose="02040503050406030204" pitchFamily="18" charset="0"/>
+                                  </a:rPr>
+                                  <m:t>𝑜</m:t>
+                                </m:r>
+                              </m:e>
+                              <m:sub>
+                                <m:r>
+                                  <a:rPr lang="en-US" sz="1100" b="0" i="1" smtClean="0">
+                                    <a:latin typeface="Cambria Math" panose="02040503050406030204" pitchFamily="18" charset="0"/>
+                                  </a:rPr>
+                                  <m:t>𝑗</m:t>
+                                </m:r>
+                              </m:sub>
+                              <m:sup>
+                                <m:d>
+                                  <m:dPr>
+                                    <m:ctrlPr>
+                                      <a:rPr lang="en-US" sz="1100" i="1" smtClean="0">
+                                        <a:latin typeface="Cambria Math" panose="02040503050406030204" pitchFamily="18" charset="0"/>
+                                      </a:rPr>
+                                    </m:ctrlPr>
+                                  </m:dPr>
+                                  <m:e>
+                                    <m:r>
+                                      <a:rPr lang="en-US" sz="1100" b="0" i="1" smtClean="0">
+                                        <a:latin typeface="Cambria Math" panose="02040503050406030204" pitchFamily="18" charset="0"/>
+                                      </a:rPr>
+                                      <m:t>1</m:t>
+                                    </m:r>
+                                  </m:e>
+                                </m:d>
+                              </m:sup>
+                            </m:sSubSup>
+                          </m:e>
+                        </m:d>
+                      </m:oMath>
+                    </m:oMathPara>
+                  </a14:m>
+                  <a:endParaRPr lang="en-US" sz="1100" dirty="0"/>
+                </a:p>
+              </p:txBody>
+            </p:sp>
+          </mc:Choice>
+          <mc:Fallback>
+            <p:sp>
+              <p:nvSpPr>
+                <p:cNvPr id="6" name="TextBox 5">
+                  <a:extLst>
+                    <a:ext uri="{FF2B5EF4-FFF2-40B4-BE49-F238E27FC236}">
+                      <a16:creationId xmlns:a16="http://schemas.microsoft.com/office/drawing/2014/main" id="{01D2B67F-8DB9-8C45-9A1A-13A70670474B}"/>
+                    </a:ext>
+                  </a:extLst>
+                </p:cNvPr>
+                <p:cNvSpPr txBox="1">
+                  <a:spLocks noRot="1" noChangeAspect="1" noMove="1" noResize="1" noEditPoints="1" noAdjustHandles="1" noChangeArrowheads="1" noChangeShapeType="1" noTextEdit="1"/>
+                </p:cNvSpPr>
+                <p:nvPr/>
+              </p:nvSpPr>
+              <p:spPr>
+                <a:xfrm>
+                  <a:off x="4003685" y="3436520"/>
+                  <a:ext cx="1086580" cy="345672"/>
+                </a:xfrm>
+                <a:prstGeom prst="rect">
+                  <a:avLst/>
+                </a:prstGeom>
+                <a:blipFill>
+                  <a:blip r:embed="rId3"/>
+                  <a:stretch>
+                    <a:fillRect/>
+                  </a:stretch>
+                </a:blipFill>
+              </p:spPr>
+              <p:txBody>
+                <a:bodyPr/>
+                <a:lstStyle/>
+                <a:p>
+                  <a:r>
+                    <a:rPr lang="en-US">
+                      <a:noFill/>
+                    </a:rPr>
+                    <a:t> </a:t>
+                  </a:r>
+                </a:p>
+              </p:txBody>
+            </p:sp>
+          </mc:Fallback>
+        </mc:AlternateContent>
+        <p:sp>
+          <p:nvSpPr>
+            <p:cNvPr id="7" name="Oval 6">
+              <a:extLst>
+                <a:ext uri="{FF2B5EF4-FFF2-40B4-BE49-F238E27FC236}">
+                  <a16:creationId xmlns:a16="http://schemas.microsoft.com/office/drawing/2014/main" id="{49218697-5933-F342-930C-03D082B919C9}"/>
+                </a:ext>
+              </a:extLst>
+            </p:cNvPr>
+            <p:cNvSpPr/>
+            <p:nvPr/>
+          </p:nvSpPr>
+          <p:spPr>
+            <a:xfrm>
+              <a:off x="6096000" y="2603241"/>
+              <a:ext cx="356118" cy="359228"/>
+            </a:xfrm>
+            <a:prstGeom prst="ellipse">
+              <a:avLst/>
+            </a:prstGeom>
+            <a:solidFill>
+              <a:schemeClr val="bg1"/>
+            </a:solidFill>
+          </p:spPr>
+          <p:style>
+            <a:lnRef idx="2">
+              <a:schemeClr val="accent1">
+                <a:shade val="50000"/>
+              </a:schemeClr>
+            </a:lnRef>
+            <a:fillRef idx="1">
+              <a:schemeClr val="accent1"/>
+            </a:fillRef>
+            <a:effectRef idx="0">
+              <a:schemeClr val="accent1"/>
+            </a:effectRef>
+            <a:fontRef idx="minor">
+              <a:schemeClr val="lt1"/>
+            </a:fontRef>
+          </p:style>
+          <p:txBody>
+            <a:bodyPr rtlCol="0" anchor="ctr"/>
+            <a:lstStyle/>
+            <a:p>
+              <a:pPr algn="ctr"/>
+              <a:endParaRPr lang="en-US"/>
+            </a:p>
+          </p:txBody>
+        </p:sp>
+        <p:sp>
+          <p:nvSpPr>
+            <p:cNvPr id="8" name="Oval 7">
+              <a:extLst>
+                <a:ext uri="{FF2B5EF4-FFF2-40B4-BE49-F238E27FC236}">
+                  <a16:creationId xmlns:a16="http://schemas.microsoft.com/office/drawing/2014/main" id="{BBAFBDC8-D1A8-664E-AA34-B32D4742536C}"/>
+                </a:ext>
+              </a:extLst>
+            </p:cNvPr>
+            <p:cNvSpPr/>
+            <p:nvPr/>
+          </p:nvSpPr>
+          <p:spPr>
+            <a:xfrm>
+              <a:off x="6106449" y="3118390"/>
+              <a:ext cx="356118" cy="359228"/>
+            </a:xfrm>
+            <a:prstGeom prst="ellipse">
+              <a:avLst/>
+            </a:prstGeom>
+            <a:solidFill>
+              <a:schemeClr val="bg1"/>
+            </a:solidFill>
+          </p:spPr>
+          <p:style>
+            <a:lnRef idx="2">
+              <a:schemeClr val="accent1">
+                <a:shade val="50000"/>
+              </a:schemeClr>
+            </a:lnRef>
+            <a:fillRef idx="1">
+              <a:schemeClr val="accent1"/>
+            </a:fillRef>
+            <a:effectRef idx="0">
+              <a:schemeClr val="accent1"/>
+            </a:effectRef>
+            <a:fontRef idx="minor">
+              <a:schemeClr val="lt1"/>
+            </a:fontRef>
+          </p:style>
+          <p:txBody>
+            <a:bodyPr rtlCol="0" anchor="ctr"/>
+            <a:lstStyle/>
+            <a:p>
+              <a:pPr algn="ctr"/>
+              <a:endParaRPr lang="en-US"/>
+            </a:p>
+          </p:txBody>
+        </p:sp>
+        <p:sp>
+          <p:nvSpPr>
+            <p:cNvPr id="9" name="Oval 8">
+              <a:extLst>
+                <a:ext uri="{FF2B5EF4-FFF2-40B4-BE49-F238E27FC236}">
+                  <a16:creationId xmlns:a16="http://schemas.microsoft.com/office/drawing/2014/main" id="{85696FFD-62AC-4B49-A847-A154DCB4E1D1}"/>
+                </a:ext>
+              </a:extLst>
+            </p:cNvPr>
+            <p:cNvSpPr/>
+            <p:nvPr/>
+          </p:nvSpPr>
+          <p:spPr>
+            <a:xfrm>
+              <a:off x="6096000" y="4010608"/>
+              <a:ext cx="356118" cy="359228"/>
+            </a:xfrm>
+            <a:prstGeom prst="ellipse">
+              <a:avLst/>
+            </a:prstGeom>
+            <a:solidFill>
+              <a:schemeClr val="bg1"/>
+            </a:solidFill>
+          </p:spPr>
+          <p:style>
+            <a:lnRef idx="2">
+              <a:schemeClr val="accent1">
+                <a:shade val="50000"/>
+              </a:schemeClr>
+            </a:lnRef>
+            <a:fillRef idx="1">
+              <a:schemeClr val="accent1"/>
+            </a:fillRef>
+            <a:effectRef idx="0">
+              <a:schemeClr val="accent1"/>
+            </a:effectRef>
+            <a:fontRef idx="minor">
+              <a:schemeClr val="lt1"/>
+            </a:fontRef>
+          </p:style>
+          <p:txBody>
+            <a:bodyPr rtlCol="0" anchor="ctr"/>
+            <a:lstStyle/>
+            <a:p>
+              <a:pPr algn="ctr"/>
+              <a:endParaRPr lang="en-US"/>
+            </a:p>
+          </p:txBody>
+        </p:sp>
+        <p:cxnSp>
+          <p:nvCxnSpPr>
+            <p:cNvPr id="11" name="Straight Connector 10">
+              <a:extLst>
+                <a:ext uri="{FF2B5EF4-FFF2-40B4-BE49-F238E27FC236}">
+                  <a16:creationId xmlns:a16="http://schemas.microsoft.com/office/drawing/2014/main" id="{440F402C-3B7D-0445-AD54-8862BC9F17EE}"/>
+                </a:ext>
+              </a:extLst>
+            </p:cNvPr>
+            <p:cNvCxnSpPr>
+              <a:cxnSpLocks/>
+              <a:stCxn id="7" idx="3"/>
+            </p:cNvCxnSpPr>
+            <p:nvPr/>
+          </p:nvCxnSpPr>
+          <p:spPr>
+            <a:xfrm flipH="1">
+              <a:off x="5307382" y="2909861"/>
+              <a:ext cx="840770" cy="585598"/>
+            </a:xfrm>
+            <a:prstGeom prst="line">
+              <a:avLst/>
+            </a:prstGeom>
+            <a:ln w="9525"/>
+          </p:spPr>
+          <p:style>
+            <a:lnRef idx="1">
+              <a:schemeClr val="accent1"/>
+            </a:lnRef>
+            <a:fillRef idx="0">
+              <a:schemeClr val="accent1"/>
+            </a:fillRef>
+            <a:effectRef idx="0">
+              <a:schemeClr val="accent1"/>
+            </a:effectRef>
+            <a:fontRef idx="minor">
+              <a:schemeClr val="tx1"/>
+            </a:fontRef>
+          </p:style>
+        </p:cxnSp>
+        <p:cxnSp>
+          <p:nvCxnSpPr>
+            <p:cNvPr id="14" name="Straight Connector 13">
+              <a:extLst>
+                <a:ext uri="{FF2B5EF4-FFF2-40B4-BE49-F238E27FC236}">
+                  <a16:creationId xmlns:a16="http://schemas.microsoft.com/office/drawing/2014/main" id="{D46F4B7B-5255-AD49-A3CA-DC26112BCFD3}"/>
+                </a:ext>
+              </a:extLst>
+            </p:cNvPr>
+            <p:cNvCxnSpPr>
+              <a:cxnSpLocks/>
+              <a:stCxn id="8" idx="2"/>
+            </p:cNvCxnSpPr>
+            <p:nvPr/>
+          </p:nvCxnSpPr>
+          <p:spPr>
+            <a:xfrm flipH="1">
+              <a:off x="5376759" y="3298004"/>
+              <a:ext cx="729690" cy="300091"/>
+            </a:xfrm>
+            <a:prstGeom prst="line">
+              <a:avLst/>
+            </a:prstGeom>
+            <a:ln w="9525"/>
+          </p:spPr>
+          <p:style>
+            <a:lnRef idx="1">
+              <a:schemeClr val="accent1"/>
+            </a:lnRef>
+            <a:fillRef idx="0">
+              <a:schemeClr val="accent1"/>
+            </a:fillRef>
+            <a:effectRef idx="0">
+              <a:schemeClr val="accent1"/>
+            </a:effectRef>
+            <a:fontRef idx="minor">
+              <a:schemeClr val="tx1"/>
+            </a:fontRef>
+          </p:style>
+        </p:cxnSp>
+        <p:cxnSp>
+          <p:nvCxnSpPr>
+            <p:cNvPr id="18" name="Straight Connector 17">
+              <a:extLst>
+                <a:ext uri="{FF2B5EF4-FFF2-40B4-BE49-F238E27FC236}">
+                  <a16:creationId xmlns:a16="http://schemas.microsoft.com/office/drawing/2014/main" id="{665AADEE-95F0-2344-A2BA-4BA696187DA8}"/>
+                </a:ext>
+              </a:extLst>
+            </p:cNvPr>
+            <p:cNvCxnSpPr>
+              <a:cxnSpLocks/>
+              <a:endCxn id="9" idx="2"/>
+            </p:cNvCxnSpPr>
+            <p:nvPr/>
+          </p:nvCxnSpPr>
+          <p:spPr>
+            <a:xfrm>
+              <a:off x="5315331" y="3753833"/>
+              <a:ext cx="780669" cy="436389"/>
+            </a:xfrm>
+            <a:prstGeom prst="line">
+              <a:avLst/>
+            </a:prstGeom>
+            <a:ln w="9525"/>
+          </p:spPr>
+          <p:style>
+            <a:lnRef idx="1">
+              <a:schemeClr val="accent1"/>
+            </a:lnRef>
+            <a:fillRef idx="0">
+              <a:schemeClr val="accent1"/>
+            </a:fillRef>
+            <a:effectRef idx="0">
+              <a:schemeClr val="accent1"/>
+            </a:effectRef>
+            <a:fontRef idx="minor">
+              <a:schemeClr val="tx1"/>
+            </a:fontRef>
+          </p:style>
+        </p:cxnSp>
+        <mc:AlternateContent xmlns:mc="http://schemas.openxmlformats.org/markup-compatibility/2006">
+          <mc:Choice xmlns:a14="http://schemas.microsoft.com/office/drawing/2010/main" Requires="a14">
+            <p:sp>
+              <p:nvSpPr>
+                <p:cNvPr id="20" name="TextBox 19">
+                  <a:extLst>
+                    <a:ext uri="{FF2B5EF4-FFF2-40B4-BE49-F238E27FC236}">
+                      <a16:creationId xmlns:a16="http://schemas.microsoft.com/office/drawing/2014/main" id="{EF1028CD-6062-B24D-B87B-BD66EED3840E}"/>
+                    </a:ext>
+                  </a:extLst>
+                </p:cNvPr>
+                <p:cNvSpPr txBox="1"/>
+                <p:nvPr/>
+              </p:nvSpPr>
+              <p:spPr>
+                <a:xfrm>
+                  <a:off x="5421900" y="2857544"/>
+                  <a:ext cx="480196" cy="324833"/>
+                </a:xfrm>
+                <a:prstGeom prst="rect">
+                  <a:avLst/>
+                </a:prstGeom>
+                <a:noFill/>
+              </p:spPr>
+              <p:txBody>
+                <a:bodyPr wrap="none" rtlCol="0">
+                  <a:spAutoFit/>
+                </a:bodyPr>
+                <a:lstStyle/>
+                <a:p>
+                  <a14:m>
+                    <m:oMathPara xmlns:m="http://schemas.openxmlformats.org/officeDocument/2006/math">
+                      <m:oMathParaPr>
+                        <m:jc m:val="centerGroup"/>
+                      </m:oMathParaPr>
+                      <m:oMath xmlns:m="http://schemas.openxmlformats.org/officeDocument/2006/math">
+                        <m:sSubSup>
+                          <m:sSubSupPr>
+                            <m:ctrlPr>
+                              <a:rPr lang="en-US" sz="1100" i="1" smtClean="0">
+                                <a:latin typeface="Cambria Math" panose="02040503050406030204" pitchFamily="18" charset="0"/>
+                              </a:rPr>
+                            </m:ctrlPr>
+                          </m:sSubSupPr>
+                          <m:e>
+                            <m:r>
+                              <a:rPr lang="en-US" sz="1100" b="0" i="1" smtClean="0">
+                                <a:latin typeface="Cambria Math" panose="02040503050406030204" pitchFamily="18" charset="0"/>
+                              </a:rPr>
+                              <m:t>𝑤</m:t>
+                            </m:r>
+                          </m:e>
+                          <m:sub>
+                            <m:r>
+                              <a:rPr lang="en-US" sz="1100" b="0" i="1" smtClean="0">
+                                <a:latin typeface="Cambria Math" panose="02040503050406030204" pitchFamily="18" charset="0"/>
+                              </a:rPr>
+                              <m:t>𝑗</m:t>
+                            </m:r>
+                            <m:r>
+                              <a:rPr lang="en-US" sz="1100" b="0" i="1" smtClean="0">
+                                <a:latin typeface="Cambria Math" panose="02040503050406030204" pitchFamily="18" charset="0"/>
+                              </a:rPr>
+                              <m:t>,1</m:t>
+                            </m:r>
+                          </m:sub>
+                          <m:sup>
+                            <m:d>
+                              <m:dPr>
+                                <m:ctrlPr>
+                                  <a:rPr lang="en-US" sz="1100" i="1" smtClean="0">
+                                    <a:latin typeface="Cambria Math" panose="02040503050406030204" pitchFamily="18" charset="0"/>
+                                  </a:rPr>
+                                </m:ctrlPr>
+                              </m:dPr>
+                              <m:e>
+                                <m:r>
+                                  <a:rPr lang="en-US" sz="1100" b="0" i="1" smtClean="0">
+                                    <a:latin typeface="Cambria Math" panose="02040503050406030204" pitchFamily="18" charset="0"/>
+                                  </a:rPr>
+                                  <m:t>2</m:t>
+                                </m:r>
+                              </m:e>
+                            </m:d>
+                          </m:sup>
+                        </m:sSubSup>
+                      </m:oMath>
+                    </m:oMathPara>
+                  </a14:m>
+                  <a:endParaRPr lang="en-US" sz="1100" dirty="0"/>
+                </a:p>
+              </p:txBody>
+            </p:sp>
+          </mc:Choice>
+          <mc:Fallback>
+            <p:sp>
+              <p:nvSpPr>
+                <p:cNvPr id="20" name="TextBox 19">
+                  <a:extLst>
+                    <a:ext uri="{FF2B5EF4-FFF2-40B4-BE49-F238E27FC236}">
+                      <a16:creationId xmlns:a16="http://schemas.microsoft.com/office/drawing/2014/main" id="{EF1028CD-6062-B24D-B87B-BD66EED3840E}"/>
+                    </a:ext>
+                  </a:extLst>
+                </p:cNvPr>
+                <p:cNvSpPr txBox="1">
+                  <a:spLocks noRot="1" noChangeAspect="1" noMove="1" noResize="1" noEditPoints="1" noAdjustHandles="1" noChangeArrowheads="1" noChangeShapeType="1" noTextEdit="1"/>
+                </p:cNvSpPr>
+                <p:nvPr/>
+              </p:nvSpPr>
+              <p:spPr>
+                <a:xfrm>
+                  <a:off x="5421900" y="2857544"/>
+                  <a:ext cx="480196" cy="324833"/>
+                </a:xfrm>
+                <a:prstGeom prst="rect">
+                  <a:avLst/>
+                </a:prstGeom>
+                <a:blipFill>
+                  <a:blip r:embed="rId4"/>
+                  <a:stretch>
+                    <a:fillRect/>
+                  </a:stretch>
+                </a:blipFill>
+              </p:spPr>
+              <p:txBody>
+                <a:bodyPr/>
+                <a:lstStyle/>
+                <a:p>
+                  <a:r>
+                    <a:rPr lang="en-US">
+                      <a:noFill/>
+                    </a:rPr>
+                    <a:t> </a:t>
+                  </a:r>
+                </a:p>
+              </p:txBody>
+            </p:sp>
+          </mc:Fallback>
+        </mc:AlternateContent>
+        <mc:AlternateContent xmlns:mc="http://schemas.openxmlformats.org/markup-compatibility/2006">
+          <mc:Choice xmlns:a14="http://schemas.microsoft.com/office/drawing/2010/main" Requires="a14">
+            <p:sp>
+              <p:nvSpPr>
+                <p:cNvPr id="21" name="TextBox 20">
+                  <a:extLst>
+                    <a:ext uri="{FF2B5EF4-FFF2-40B4-BE49-F238E27FC236}">
+                      <a16:creationId xmlns:a16="http://schemas.microsoft.com/office/drawing/2014/main" id="{DB2E5BA1-4431-1343-991F-7EBD058C8832}"/>
+                    </a:ext>
+                  </a:extLst>
+                </p:cNvPr>
+                <p:cNvSpPr txBox="1"/>
+                <p:nvPr/>
+              </p:nvSpPr>
+              <p:spPr>
+                <a:xfrm>
+                  <a:off x="5436119" y="3200653"/>
+                  <a:ext cx="480196" cy="324833"/>
+                </a:xfrm>
+                <a:prstGeom prst="rect">
+                  <a:avLst/>
+                </a:prstGeom>
+                <a:noFill/>
+              </p:spPr>
+              <p:txBody>
+                <a:bodyPr wrap="none" rtlCol="0">
+                  <a:spAutoFit/>
+                </a:bodyPr>
+                <a:lstStyle/>
+                <a:p>
+                  <a14:m>
+                    <m:oMathPara xmlns:m="http://schemas.openxmlformats.org/officeDocument/2006/math">
+                      <m:oMathParaPr>
+                        <m:jc m:val="centerGroup"/>
+                      </m:oMathParaPr>
+                      <m:oMath xmlns:m="http://schemas.openxmlformats.org/officeDocument/2006/math">
+                        <m:sSubSup>
+                          <m:sSubSupPr>
+                            <m:ctrlPr>
+                              <a:rPr lang="en-US" sz="1100" i="1" smtClean="0">
+                                <a:latin typeface="Cambria Math" panose="02040503050406030204" pitchFamily="18" charset="0"/>
+                              </a:rPr>
+                            </m:ctrlPr>
+                          </m:sSubSupPr>
+                          <m:e>
+                            <m:r>
+                              <a:rPr lang="en-US" sz="1100" b="0" i="1" smtClean="0">
+                                <a:latin typeface="Cambria Math" panose="02040503050406030204" pitchFamily="18" charset="0"/>
+                              </a:rPr>
+                              <m:t>𝑤</m:t>
+                            </m:r>
+                          </m:e>
+                          <m:sub>
+                            <m:r>
+                              <a:rPr lang="en-US" sz="1100" b="0" i="1" smtClean="0">
+                                <a:latin typeface="Cambria Math" panose="02040503050406030204" pitchFamily="18" charset="0"/>
+                              </a:rPr>
+                              <m:t>𝑗</m:t>
+                            </m:r>
+                            <m:r>
+                              <a:rPr lang="en-US" sz="1100" b="0" i="1" smtClean="0">
+                                <a:latin typeface="Cambria Math" panose="02040503050406030204" pitchFamily="18" charset="0"/>
+                              </a:rPr>
+                              <m:t>,2</m:t>
+                            </m:r>
+                          </m:sub>
+                          <m:sup>
+                            <m:d>
+                              <m:dPr>
+                                <m:ctrlPr>
+                                  <a:rPr lang="en-US" sz="1100" i="1" smtClean="0">
+                                    <a:latin typeface="Cambria Math" panose="02040503050406030204" pitchFamily="18" charset="0"/>
+                                  </a:rPr>
+                                </m:ctrlPr>
+                              </m:dPr>
+                              <m:e>
+                                <m:r>
+                                  <a:rPr lang="en-US" sz="1100" b="0" i="1" smtClean="0">
+                                    <a:latin typeface="Cambria Math" panose="02040503050406030204" pitchFamily="18" charset="0"/>
+                                  </a:rPr>
+                                  <m:t>2</m:t>
+                                </m:r>
+                              </m:e>
+                            </m:d>
+                          </m:sup>
+                        </m:sSubSup>
+                      </m:oMath>
+                    </m:oMathPara>
+                  </a14:m>
+                  <a:endParaRPr lang="en-US" sz="1100" dirty="0"/>
+                </a:p>
+              </p:txBody>
+            </p:sp>
+          </mc:Choice>
+          <mc:Fallback>
+            <p:sp>
+              <p:nvSpPr>
+                <p:cNvPr id="21" name="TextBox 20">
+                  <a:extLst>
+                    <a:ext uri="{FF2B5EF4-FFF2-40B4-BE49-F238E27FC236}">
+                      <a16:creationId xmlns:a16="http://schemas.microsoft.com/office/drawing/2014/main" id="{DB2E5BA1-4431-1343-991F-7EBD058C8832}"/>
+                    </a:ext>
+                  </a:extLst>
+                </p:cNvPr>
+                <p:cNvSpPr txBox="1">
+                  <a:spLocks noRot="1" noChangeAspect="1" noMove="1" noResize="1" noEditPoints="1" noAdjustHandles="1" noChangeArrowheads="1" noChangeShapeType="1" noTextEdit="1"/>
+                </p:cNvSpPr>
+                <p:nvPr/>
+              </p:nvSpPr>
+              <p:spPr>
+                <a:xfrm>
+                  <a:off x="5436119" y="3200653"/>
+                  <a:ext cx="480196" cy="324833"/>
+                </a:xfrm>
+                <a:prstGeom prst="rect">
+                  <a:avLst/>
+                </a:prstGeom>
+                <a:blipFill>
+                  <a:blip r:embed="rId5"/>
+                  <a:stretch>
+                    <a:fillRect/>
+                  </a:stretch>
+                </a:blipFill>
+              </p:spPr>
+              <p:txBody>
+                <a:bodyPr/>
+                <a:lstStyle/>
+                <a:p>
+                  <a:r>
+                    <a:rPr lang="en-US">
+                      <a:noFill/>
+                    </a:rPr>
+                    <a:t> </a:t>
+                  </a:r>
+                </a:p>
+              </p:txBody>
+            </p:sp>
+          </mc:Fallback>
+        </mc:AlternateContent>
+        <mc:AlternateContent xmlns:mc="http://schemas.openxmlformats.org/markup-compatibility/2006">
+          <mc:Choice xmlns:a14="http://schemas.microsoft.com/office/drawing/2010/main" Requires="a14">
+            <p:sp>
+              <p:nvSpPr>
+                <p:cNvPr id="22" name="TextBox 21">
+                  <a:extLst>
+                    <a:ext uri="{FF2B5EF4-FFF2-40B4-BE49-F238E27FC236}">
+                      <a16:creationId xmlns:a16="http://schemas.microsoft.com/office/drawing/2014/main" id="{4C105E62-A601-8A4B-829D-DC7A9C830F6F}"/>
+                    </a:ext>
+                  </a:extLst>
+                </p:cNvPr>
+                <p:cNvSpPr txBox="1"/>
+                <p:nvPr/>
+              </p:nvSpPr>
+              <p:spPr>
+                <a:xfrm>
+                  <a:off x="5436119" y="3651197"/>
+                  <a:ext cx="480196" cy="324833"/>
+                </a:xfrm>
+                <a:prstGeom prst="rect">
+                  <a:avLst/>
+                </a:prstGeom>
+                <a:noFill/>
+              </p:spPr>
+              <p:txBody>
+                <a:bodyPr wrap="none" rtlCol="0">
+                  <a:spAutoFit/>
+                </a:bodyPr>
+                <a:lstStyle/>
+                <a:p>
+                  <a14:m>
+                    <m:oMathPara xmlns:m="http://schemas.openxmlformats.org/officeDocument/2006/math">
+                      <m:oMathParaPr>
+                        <m:jc m:val="centerGroup"/>
+                      </m:oMathParaPr>
+                      <m:oMath xmlns:m="http://schemas.openxmlformats.org/officeDocument/2006/math">
+                        <m:sSubSup>
+                          <m:sSubSupPr>
+                            <m:ctrlPr>
+                              <a:rPr lang="en-US" sz="1100" i="1" smtClean="0">
+                                <a:latin typeface="Cambria Math" panose="02040503050406030204" pitchFamily="18" charset="0"/>
+                              </a:rPr>
+                            </m:ctrlPr>
+                          </m:sSubSupPr>
+                          <m:e>
+                            <m:r>
+                              <a:rPr lang="en-US" sz="1100" b="0" i="1" smtClean="0">
+                                <a:latin typeface="Cambria Math" panose="02040503050406030204" pitchFamily="18" charset="0"/>
+                              </a:rPr>
+                              <m:t>𝑤</m:t>
+                            </m:r>
+                          </m:e>
+                          <m:sub>
+                            <m:r>
+                              <a:rPr lang="en-US" sz="1100" b="0" i="1" smtClean="0">
+                                <a:latin typeface="Cambria Math" panose="02040503050406030204" pitchFamily="18" charset="0"/>
+                              </a:rPr>
+                              <m:t>𝑗</m:t>
+                            </m:r>
+                            <m:r>
+                              <a:rPr lang="en-US" sz="1100" b="0" i="1" smtClean="0">
+                                <a:latin typeface="Cambria Math" panose="02040503050406030204" pitchFamily="18" charset="0"/>
+                              </a:rPr>
+                              <m:t>,</m:t>
+                            </m:r>
+                            <m:r>
+                              <a:rPr lang="en-US" sz="1100" b="0" i="1" smtClean="0">
+                                <a:latin typeface="Cambria Math" panose="02040503050406030204" pitchFamily="18" charset="0"/>
+                              </a:rPr>
+                              <m:t>𝑚</m:t>
+                            </m:r>
+                          </m:sub>
+                          <m:sup>
+                            <m:d>
+                              <m:dPr>
+                                <m:ctrlPr>
+                                  <a:rPr lang="en-US" sz="1100" i="1" smtClean="0">
+                                    <a:latin typeface="Cambria Math" panose="02040503050406030204" pitchFamily="18" charset="0"/>
+                                  </a:rPr>
+                                </m:ctrlPr>
+                              </m:dPr>
+                              <m:e>
+                                <m:r>
+                                  <a:rPr lang="en-US" sz="1100" b="0" i="1" smtClean="0">
+                                    <a:latin typeface="Cambria Math" panose="02040503050406030204" pitchFamily="18" charset="0"/>
+                                  </a:rPr>
+                                  <m:t>2</m:t>
+                                </m:r>
+                              </m:e>
+                            </m:d>
+                          </m:sup>
+                        </m:sSubSup>
+                      </m:oMath>
+                    </m:oMathPara>
+                  </a14:m>
+                  <a:endParaRPr lang="en-US" sz="1100" dirty="0"/>
+                </a:p>
+              </p:txBody>
+            </p:sp>
+          </mc:Choice>
+          <mc:Fallback>
+            <p:sp>
+              <p:nvSpPr>
+                <p:cNvPr id="22" name="TextBox 21">
+                  <a:extLst>
+                    <a:ext uri="{FF2B5EF4-FFF2-40B4-BE49-F238E27FC236}">
+                      <a16:creationId xmlns:a16="http://schemas.microsoft.com/office/drawing/2014/main" id="{4C105E62-A601-8A4B-829D-DC7A9C830F6F}"/>
+                    </a:ext>
+                  </a:extLst>
+                </p:cNvPr>
+                <p:cNvSpPr txBox="1">
+                  <a:spLocks noRot="1" noChangeAspect="1" noMove="1" noResize="1" noEditPoints="1" noAdjustHandles="1" noChangeArrowheads="1" noChangeShapeType="1" noTextEdit="1"/>
+                </p:cNvSpPr>
+                <p:nvPr/>
+              </p:nvSpPr>
+              <p:spPr>
+                <a:xfrm>
+                  <a:off x="5436119" y="3651197"/>
+                  <a:ext cx="480196" cy="324833"/>
+                </a:xfrm>
+                <a:prstGeom prst="rect">
+                  <a:avLst/>
+                </a:prstGeom>
+                <a:blipFill>
+                  <a:blip r:embed="rId6"/>
+                  <a:stretch>
+                    <a:fillRect/>
+                  </a:stretch>
+                </a:blipFill>
+              </p:spPr>
+              <p:txBody>
+                <a:bodyPr/>
+                <a:lstStyle/>
+                <a:p>
+                  <a:r>
+                    <a:rPr lang="en-US">
+                      <a:noFill/>
+                    </a:rPr>
+                    <a:t> </a:t>
+                  </a:r>
+                </a:p>
+              </p:txBody>
+            </p:sp>
+          </mc:Fallback>
+        </mc:AlternateContent>
+        <mc:AlternateContent xmlns:mc="http://schemas.openxmlformats.org/markup-compatibility/2006">
+          <mc:Choice xmlns:a14="http://schemas.microsoft.com/office/drawing/2010/main" Requires="a14">
+            <p:sp>
+              <p:nvSpPr>
+                <p:cNvPr id="23" name="TextBox 22">
+                  <a:extLst>
+                    <a:ext uri="{FF2B5EF4-FFF2-40B4-BE49-F238E27FC236}">
+                      <a16:creationId xmlns:a16="http://schemas.microsoft.com/office/drawing/2014/main" id="{385D4845-EF1D-A64C-AD55-73FCC7E63745}"/>
+                    </a:ext>
+                  </a:extLst>
+                </p:cNvPr>
+                <p:cNvSpPr txBox="1"/>
+                <p:nvPr/>
+              </p:nvSpPr>
+              <p:spPr>
+                <a:xfrm>
+                  <a:off x="5823038" y="2512694"/>
+                  <a:ext cx="451021" cy="301557"/>
+                </a:xfrm>
+                <a:prstGeom prst="rect">
+                  <a:avLst/>
+                </a:prstGeom>
+                <a:noFill/>
+              </p:spPr>
+              <p:txBody>
+                <a:bodyPr wrap="none" rtlCol="0">
+                  <a:spAutoFit/>
+                </a:bodyPr>
+                <a:lstStyle/>
+                <a:p>
+                  <a14:m>
+                    <m:oMathPara xmlns:m="http://schemas.openxmlformats.org/officeDocument/2006/math">
+                      <m:oMathParaPr>
+                        <m:jc m:val="centerGroup"/>
+                      </m:oMathParaPr>
+                      <m:oMath xmlns:m="http://schemas.openxmlformats.org/officeDocument/2006/math">
+                        <m:sSubSup>
+                          <m:sSubSupPr>
+                            <m:ctrlPr>
+                              <a:rPr lang="en-US" sz="1100" i="1" smtClean="0">
+                                <a:latin typeface="Cambria Math" panose="02040503050406030204" pitchFamily="18" charset="0"/>
+                              </a:rPr>
+                            </m:ctrlPr>
+                          </m:sSubSupPr>
+                          <m:e>
+                            <m:r>
+                              <a:rPr lang="en-US" sz="1100" i="1" smtClean="0">
+                                <a:latin typeface="Cambria Math" panose="02040503050406030204" pitchFamily="18" charset="0"/>
+                                <a:ea typeface="Cambria Math" panose="02040503050406030204" pitchFamily="18" charset="0"/>
+                              </a:rPr>
+                              <m:t>𝛿</m:t>
+                            </m:r>
+                          </m:e>
+                          <m:sub>
+                            <m:r>
+                              <a:rPr lang="en-US" sz="1100" b="0" i="1" smtClean="0">
+                                <a:latin typeface="Cambria Math" panose="02040503050406030204" pitchFamily="18" charset="0"/>
+                              </a:rPr>
+                              <m:t>1</m:t>
+                            </m:r>
+                          </m:sub>
+                          <m:sup>
+                            <m:d>
+                              <m:dPr>
+                                <m:ctrlPr>
+                                  <a:rPr lang="en-US" sz="1100" i="1" smtClean="0">
+                                    <a:latin typeface="Cambria Math" panose="02040503050406030204" pitchFamily="18" charset="0"/>
+                                  </a:rPr>
+                                </m:ctrlPr>
+                              </m:dPr>
+                              <m:e>
+                                <m:r>
+                                  <a:rPr lang="en-US" sz="1100" b="0" i="1" smtClean="0">
+                                    <a:latin typeface="Cambria Math" panose="02040503050406030204" pitchFamily="18" charset="0"/>
+                                  </a:rPr>
+                                  <m:t>2</m:t>
+                                </m:r>
+                              </m:e>
+                            </m:d>
+                          </m:sup>
+                        </m:sSubSup>
+                      </m:oMath>
+                    </m:oMathPara>
+                  </a14:m>
+                  <a:endParaRPr lang="en-US" sz="1100" dirty="0"/>
+                </a:p>
+              </p:txBody>
+            </p:sp>
+          </mc:Choice>
+          <mc:Fallback>
+            <p:sp>
+              <p:nvSpPr>
+                <p:cNvPr id="23" name="TextBox 22">
+                  <a:extLst>
+                    <a:ext uri="{FF2B5EF4-FFF2-40B4-BE49-F238E27FC236}">
+                      <a16:creationId xmlns:a16="http://schemas.microsoft.com/office/drawing/2014/main" id="{385D4845-EF1D-A64C-AD55-73FCC7E63745}"/>
+                    </a:ext>
+                  </a:extLst>
+                </p:cNvPr>
+                <p:cNvSpPr txBox="1">
+                  <a:spLocks noRot="1" noChangeAspect="1" noMove="1" noResize="1" noEditPoints="1" noAdjustHandles="1" noChangeArrowheads="1" noChangeShapeType="1" noTextEdit="1"/>
+                </p:cNvSpPr>
+                <p:nvPr/>
+              </p:nvSpPr>
+              <p:spPr>
+                <a:xfrm>
+                  <a:off x="5823038" y="2512694"/>
+                  <a:ext cx="451021" cy="301557"/>
+                </a:xfrm>
+                <a:prstGeom prst="rect">
+                  <a:avLst/>
+                </a:prstGeom>
+                <a:blipFill>
+                  <a:blip r:embed="rId7"/>
+                  <a:stretch>
+                    <a:fillRect/>
+                  </a:stretch>
+                </a:blipFill>
+              </p:spPr>
+              <p:txBody>
+                <a:bodyPr/>
+                <a:lstStyle/>
+                <a:p>
+                  <a:r>
+                    <a:rPr lang="en-US">
+                      <a:noFill/>
+                    </a:rPr>
+                    <a:t> </a:t>
+                  </a:r>
+                </a:p>
+              </p:txBody>
+            </p:sp>
+          </mc:Fallback>
+        </mc:AlternateContent>
+        <p:cxnSp>
+          <p:nvCxnSpPr>
+            <p:cNvPr id="25" name="Straight Connector 24">
+              <a:extLst>
+                <a:ext uri="{FF2B5EF4-FFF2-40B4-BE49-F238E27FC236}">
+                  <a16:creationId xmlns:a16="http://schemas.microsoft.com/office/drawing/2014/main" id="{A1CB452D-30DC-974A-99CE-15BBCC8F7C6E}"/>
+                </a:ext>
+              </a:extLst>
+            </p:cNvPr>
+            <p:cNvCxnSpPr>
+              <a:stCxn id="7" idx="0"/>
+              <a:endCxn id="7" idx="4"/>
+            </p:cNvCxnSpPr>
+            <p:nvPr/>
+          </p:nvCxnSpPr>
+          <p:spPr>
+            <a:xfrm>
+              <a:off x="6274059" y="2603241"/>
+              <a:ext cx="0" cy="359228"/>
+            </a:xfrm>
+            <a:prstGeom prst="line">
+              <a:avLst/>
+            </a:prstGeom>
+            <a:ln w="9525"/>
+          </p:spPr>
+          <p:style>
+            <a:lnRef idx="1">
+              <a:schemeClr val="accent1"/>
+            </a:lnRef>
+            <a:fillRef idx="0">
+              <a:schemeClr val="accent1"/>
+            </a:fillRef>
+            <a:effectRef idx="0">
+              <a:schemeClr val="accent1"/>
+            </a:effectRef>
+            <a:fontRef idx="minor">
+              <a:schemeClr val="tx1"/>
+            </a:fontRef>
+          </p:style>
+        </p:cxnSp>
+        <p:cxnSp>
+          <p:nvCxnSpPr>
+            <p:cNvPr id="26" name="Straight Connector 25">
+              <a:extLst>
+                <a:ext uri="{FF2B5EF4-FFF2-40B4-BE49-F238E27FC236}">
+                  <a16:creationId xmlns:a16="http://schemas.microsoft.com/office/drawing/2014/main" id="{40D792D1-4FE8-CC43-9238-83AC29862C39}"/>
+                </a:ext>
+              </a:extLst>
+            </p:cNvPr>
+            <p:cNvCxnSpPr/>
+            <p:nvPr/>
+          </p:nvCxnSpPr>
+          <p:spPr>
+            <a:xfrm>
+              <a:off x="6286840" y="3123583"/>
+              <a:ext cx="0" cy="359228"/>
+            </a:xfrm>
+            <a:prstGeom prst="line">
+              <a:avLst/>
+            </a:prstGeom>
+            <a:ln w="9525"/>
+          </p:spPr>
+          <p:style>
+            <a:lnRef idx="1">
+              <a:schemeClr val="accent1"/>
+            </a:lnRef>
+            <a:fillRef idx="0">
+              <a:schemeClr val="accent1"/>
+            </a:fillRef>
+            <a:effectRef idx="0">
+              <a:schemeClr val="accent1"/>
+            </a:effectRef>
+            <a:fontRef idx="minor">
+              <a:schemeClr val="tx1"/>
+            </a:fontRef>
+          </p:style>
+        </p:cxnSp>
+        <p:cxnSp>
+          <p:nvCxnSpPr>
+            <p:cNvPr id="27" name="Straight Connector 26">
+              <a:extLst>
+                <a:ext uri="{FF2B5EF4-FFF2-40B4-BE49-F238E27FC236}">
+                  <a16:creationId xmlns:a16="http://schemas.microsoft.com/office/drawing/2014/main" id="{4195D0E4-DB58-7548-AC56-BF80016706DA}"/>
+                </a:ext>
+              </a:extLst>
+            </p:cNvPr>
+            <p:cNvCxnSpPr/>
+            <p:nvPr/>
+          </p:nvCxnSpPr>
+          <p:spPr>
+            <a:xfrm>
+              <a:off x="6284508" y="4010608"/>
+              <a:ext cx="0" cy="359228"/>
+            </a:xfrm>
+            <a:prstGeom prst="line">
+              <a:avLst/>
+            </a:prstGeom>
+            <a:ln w="9525"/>
+          </p:spPr>
+          <p:style>
+            <a:lnRef idx="1">
+              <a:schemeClr val="accent1"/>
+            </a:lnRef>
+            <a:fillRef idx="0">
+              <a:schemeClr val="accent1"/>
+            </a:fillRef>
+            <a:effectRef idx="0">
+              <a:schemeClr val="accent1"/>
+            </a:effectRef>
+            <a:fontRef idx="minor">
+              <a:schemeClr val="tx1"/>
+            </a:fontRef>
+          </p:style>
+        </p:cxnSp>
+        <mc:AlternateContent xmlns:mc="http://schemas.openxmlformats.org/markup-compatibility/2006">
+          <mc:Choice xmlns:a14="http://schemas.microsoft.com/office/drawing/2010/main" Requires="a14">
+            <p:sp>
+              <p:nvSpPr>
+                <p:cNvPr id="28" name="TextBox 27">
+                  <a:extLst>
+                    <a:ext uri="{FF2B5EF4-FFF2-40B4-BE49-F238E27FC236}">
+                      <a16:creationId xmlns:a16="http://schemas.microsoft.com/office/drawing/2014/main" id="{7A770FC1-EBCD-1D4E-A839-1637826DB545}"/>
+                    </a:ext>
+                  </a:extLst>
+                </p:cNvPr>
+                <p:cNvSpPr txBox="1"/>
+                <p:nvPr/>
+              </p:nvSpPr>
+              <p:spPr>
+                <a:xfrm>
+                  <a:off x="5833487" y="2981776"/>
+                  <a:ext cx="451021" cy="309252"/>
+                </a:xfrm>
+                <a:prstGeom prst="rect">
+                  <a:avLst/>
+                </a:prstGeom>
+                <a:noFill/>
+              </p:spPr>
+              <p:txBody>
+                <a:bodyPr wrap="none" rtlCol="0">
+                  <a:spAutoFit/>
+                </a:bodyPr>
+                <a:lstStyle/>
+                <a:p>
+                  <a14:m>
+                    <m:oMathPara xmlns:m="http://schemas.openxmlformats.org/officeDocument/2006/math">
+                      <m:oMathParaPr>
+                        <m:jc m:val="centerGroup"/>
+                      </m:oMathParaPr>
+                      <m:oMath xmlns:m="http://schemas.openxmlformats.org/officeDocument/2006/math">
+                        <m:sSubSup>
+                          <m:sSubSupPr>
+                            <m:ctrlPr>
+                              <a:rPr lang="en-US" sz="1100" i="1" smtClean="0">
+                                <a:latin typeface="Cambria Math" panose="02040503050406030204" pitchFamily="18" charset="0"/>
+                              </a:rPr>
+                            </m:ctrlPr>
+                          </m:sSubSupPr>
+                          <m:e>
+                            <m:r>
+                              <a:rPr lang="en-US" sz="1100" i="1" smtClean="0">
+                                <a:latin typeface="Cambria Math" panose="02040503050406030204" pitchFamily="18" charset="0"/>
+                                <a:ea typeface="Cambria Math" panose="02040503050406030204" pitchFamily="18" charset="0"/>
+                              </a:rPr>
+                              <m:t>𝛿</m:t>
+                            </m:r>
+                          </m:e>
+                          <m:sub>
+                            <m:r>
+                              <a:rPr lang="en-US" sz="1100" b="0" i="1" smtClean="0">
+                                <a:latin typeface="Cambria Math" panose="02040503050406030204" pitchFamily="18" charset="0"/>
+                              </a:rPr>
+                              <m:t>2</m:t>
+                            </m:r>
+                          </m:sub>
+                          <m:sup>
+                            <m:d>
+                              <m:dPr>
+                                <m:ctrlPr>
+                                  <a:rPr lang="en-US" sz="1100" i="1" smtClean="0">
+                                    <a:latin typeface="Cambria Math" panose="02040503050406030204" pitchFamily="18" charset="0"/>
+                                  </a:rPr>
+                                </m:ctrlPr>
+                              </m:dPr>
+                              <m:e>
+                                <m:r>
+                                  <a:rPr lang="en-US" sz="1100" b="0" i="1" smtClean="0">
+                                    <a:latin typeface="Cambria Math" panose="02040503050406030204" pitchFamily="18" charset="0"/>
+                                  </a:rPr>
+                                  <m:t>2</m:t>
+                                </m:r>
+                              </m:e>
+                            </m:d>
+                          </m:sup>
+                        </m:sSubSup>
+                      </m:oMath>
+                    </m:oMathPara>
+                  </a14:m>
+                  <a:endParaRPr lang="en-US" sz="1100" dirty="0"/>
+                </a:p>
+              </p:txBody>
+            </p:sp>
+          </mc:Choice>
+          <mc:Fallback>
+            <p:sp>
+              <p:nvSpPr>
+                <p:cNvPr id="28" name="TextBox 27">
+                  <a:extLst>
+                    <a:ext uri="{FF2B5EF4-FFF2-40B4-BE49-F238E27FC236}">
+                      <a16:creationId xmlns:a16="http://schemas.microsoft.com/office/drawing/2014/main" id="{7A770FC1-EBCD-1D4E-A839-1637826DB545}"/>
+                    </a:ext>
+                  </a:extLst>
+                </p:cNvPr>
+                <p:cNvSpPr txBox="1">
+                  <a:spLocks noRot="1" noChangeAspect="1" noMove="1" noResize="1" noEditPoints="1" noAdjustHandles="1" noChangeArrowheads="1" noChangeShapeType="1" noTextEdit="1"/>
+                </p:cNvSpPr>
+                <p:nvPr/>
+              </p:nvSpPr>
+              <p:spPr>
+                <a:xfrm>
+                  <a:off x="5833487" y="2981776"/>
+                  <a:ext cx="451021" cy="309252"/>
+                </a:xfrm>
+                <a:prstGeom prst="rect">
+                  <a:avLst/>
+                </a:prstGeom>
+                <a:blipFill>
+                  <a:blip r:embed="rId8"/>
+                  <a:stretch>
+                    <a:fillRect/>
+                  </a:stretch>
+                </a:blipFill>
+              </p:spPr>
+              <p:txBody>
+                <a:bodyPr/>
+                <a:lstStyle/>
+                <a:p>
+                  <a:r>
+                    <a:rPr lang="en-US">
+                      <a:noFill/>
+                    </a:rPr>
+                    <a:t> </a:t>
+                  </a:r>
+                </a:p>
+              </p:txBody>
+            </p:sp>
+          </mc:Fallback>
+        </mc:AlternateContent>
+        <mc:AlternateContent xmlns:mc="http://schemas.openxmlformats.org/markup-compatibility/2006">
+          <mc:Choice xmlns:a14="http://schemas.microsoft.com/office/drawing/2010/main" Requires="a14">
+            <p:sp>
+              <p:nvSpPr>
+                <p:cNvPr id="29" name="TextBox 28">
+                  <a:extLst>
+                    <a:ext uri="{FF2B5EF4-FFF2-40B4-BE49-F238E27FC236}">
+                      <a16:creationId xmlns:a16="http://schemas.microsoft.com/office/drawing/2014/main" id="{57FA87FC-54BD-044C-848C-A1B906BE1E8D}"/>
+                    </a:ext>
+                  </a:extLst>
+                </p:cNvPr>
+                <p:cNvSpPr txBox="1"/>
+                <p:nvPr/>
+              </p:nvSpPr>
+              <p:spPr>
+                <a:xfrm>
+                  <a:off x="5833487" y="3811687"/>
+                  <a:ext cx="451021" cy="301557"/>
+                </a:xfrm>
+                <a:prstGeom prst="rect">
+                  <a:avLst/>
+                </a:prstGeom>
+                <a:noFill/>
+              </p:spPr>
+              <p:txBody>
+                <a:bodyPr wrap="none" rtlCol="0">
+                  <a:spAutoFit/>
+                </a:bodyPr>
+                <a:lstStyle/>
+                <a:p>
+                  <a14:m>
+                    <m:oMathPara xmlns:m="http://schemas.openxmlformats.org/officeDocument/2006/math">
+                      <m:oMathParaPr>
+                        <m:jc m:val="centerGroup"/>
+                      </m:oMathParaPr>
+                      <m:oMath xmlns:m="http://schemas.openxmlformats.org/officeDocument/2006/math">
+                        <m:sSubSup>
+                          <m:sSubSupPr>
+                            <m:ctrlPr>
+                              <a:rPr lang="en-US" sz="1100" i="1" smtClean="0">
+                                <a:latin typeface="Cambria Math" panose="02040503050406030204" pitchFamily="18" charset="0"/>
+                              </a:rPr>
+                            </m:ctrlPr>
+                          </m:sSubSupPr>
+                          <m:e>
+                            <m:r>
+                              <a:rPr lang="en-US" sz="1100" i="1" smtClean="0">
+                                <a:latin typeface="Cambria Math" panose="02040503050406030204" pitchFamily="18" charset="0"/>
+                                <a:ea typeface="Cambria Math" panose="02040503050406030204" pitchFamily="18" charset="0"/>
+                              </a:rPr>
+                              <m:t>𝛿</m:t>
+                            </m:r>
+                          </m:e>
+                          <m:sub>
+                            <m:r>
+                              <a:rPr lang="en-US" sz="1100" b="0" i="1" smtClean="0">
+                                <a:latin typeface="Cambria Math" panose="02040503050406030204" pitchFamily="18" charset="0"/>
+                              </a:rPr>
+                              <m:t>𝑚</m:t>
+                            </m:r>
+                          </m:sub>
+                          <m:sup>
+                            <m:d>
+                              <m:dPr>
+                                <m:ctrlPr>
+                                  <a:rPr lang="en-US" sz="1100" i="1" smtClean="0">
+                                    <a:latin typeface="Cambria Math" panose="02040503050406030204" pitchFamily="18" charset="0"/>
+                                  </a:rPr>
+                                </m:ctrlPr>
+                              </m:dPr>
+                              <m:e>
+                                <m:r>
+                                  <a:rPr lang="en-US" sz="1100" b="0" i="1" smtClean="0">
+                                    <a:latin typeface="Cambria Math" panose="02040503050406030204" pitchFamily="18" charset="0"/>
+                                  </a:rPr>
+                                  <m:t>2</m:t>
+                                </m:r>
+                              </m:e>
+                            </m:d>
+                          </m:sup>
+                        </m:sSubSup>
+                      </m:oMath>
+                    </m:oMathPara>
+                  </a14:m>
+                  <a:endParaRPr lang="en-US" sz="1100" dirty="0"/>
+                </a:p>
+              </p:txBody>
+            </p:sp>
+          </mc:Choice>
+          <mc:Fallback>
+            <p:sp>
+              <p:nvSpPr>
+                <p:cNvPr id="29" name="TextBox 28">
+                  <a:extLst>
+                    <a:ext uri="{FF2B5EF4-FFF2-40B4-BE49-F238E27FC236}">
+                      <a16:creationId xmlns:a16="http://schemas.microsoft.com/office/drawing/2014/main" id="{57FA87FC-54BD-044C-848C-A1B906BE1E8D}"/>
+                    </a:ext>
+                  </a:extLst>
+                </p:cNvPr>
+                <p:cNvSpPr txBox="1">
+                  <a:spLocks noRot="1" noChangeAspect="1" noMove="1" noResize="1" noEditPoints="1" noAdjustHandles="1" noChangeArrowheads="1" noChangeShapeType="1" noTextEdit="1"/>
+                </p:cNvSpPr>
+                <p:nvPr/>
+              </p:nvSpPr>
+              <p:spPr>
+                <a:xfrm>
+                  <a:off x="5833487" y="3811687"/>
+                  <a:ext cx="451021" cy="301557"/>
+                </a:xfrm>
+                <a:prstGeom prst="rect">
+                  <a:avLst/>
+                </a:prstGeom>
+                <a:blipFill>
+                  <a:blip r:embed="rId9"/>
+                  <a:stretch>
+                    <a:fillRect/>
+                  </a:stretch>
+                </a:blipFill>
+              </p:spPr>
+              <p:txBody>
+                <a:bodyPr/>
+                <a:lstStyle/>
+                <a:p>
+                  <a:r>
+                    <a:rPr lang="en-US">
+                      <a:noFill/>
+                    </a:rPr>
+                    <a:t> </a:t>
+                  </a:r>
+                </a:p>
+              </p:txBody>
+            </p:sp>
+          </mc:Fallback>
+        </mc:AlternateContent>
+        <p:sp>
+          <p:nvSpPr>
+            <p:cNvPr id="31" name="TextBox 30">
+              <a:extLst>
+                <a:ext uri="{FF2B5EF4-FFF2-40B4-BE49-F238E27FC236}">
+                  <a16:creationId xmlns:a16="http://schemas.microsoft.com/office/drawing/2014/main" id="{A92B71E5-7F13-4246-88A0-65AF83F7377F}"/>
+                </a:ext>
+              </a:extLst>
+            </p:cNvPr>
+            <p:cNvSpPr txBox="1"/>
+            <p:nvPr/>
+          </p:nvSpPr>
+          <p:spPr>
+            <a:xfrm rot="5400000">
+              <a:off x="6136401" y="3625543"/>
+              <a:ext cx="354564" cy="261610"/>
+            </a:xfrm>
+            <a:prstGeom prst="rect">
+              <a:avLst/>
+            </a:prstGeom>
+            <a:noFill/>
+          </p:spPr>
+          <p:txBody>
+            <a:bodyPr wrap="square" rtlCol="0">
+              <a:spAutoFit/>
+            </a:bodyPr>
+            <a:lstStyle/>
+            <a:p>
+              <a:r>
+                <a:rPr lang="en-US" sz="1100" dirty="0"/>
+                <a:t>. . .</a:t>
+              </a:r>
+            </a:p>
+          </p:txBody>
+        </p:sp>
+        <p:sp>
+          <p:nvSpPr>
+            <p:cNvPr id="32" name="TextBox 31">
+              <a:extLst>
+                <a:ext uri="{FF2B5EF4-FFF2-40B4-BE49-F238E27FC236}">
+                  <a16:creationId xmlns:a16="http://schemas.microsoft.com/office/drawing/2014/main" id="{81175F64-E297-9F4D-9386-3CAD1D52AC88}"/>
+                </a:ext>
+              </a:extLst>
+            </p:cNvPr>
+            <p:cNvSpPr txBox="1"/>
+            <p:nvPr/>
+          </p:nvSpPr>
+          <p:spPr>
+            <a:xfrm rot="5400000">
+              <a:off x="5745557" y="3520392"/>
+              <a:ext cx="354564" cy="261610"/>
+            </a:xfrm>
+            <a:prstGeom prst="rect">
+              <a:avLst/>
+            </a:prstGeom>
+            <a:noFill/>
+          </p:spPr>
+          <p:txBody>
+            <a:bodyPr wrap="square" rtlCol="0">
+              <a:spAutoFit/>
+            </a:bodyPr>
+            <a:lstStyle/>
+            <a:p>
+              <a:r>
+                <a:rPr lang="en-US" sz="1100" dirty="0"/>
+                <a:t>. . .</a:t>
+              </a:r>
+            </a:p>
+          </p:txBody>
+        </p:sp>
+        <p:sp>
+          <p:nvSpPr>
+            <p:cNvPr id="33" name="Oval 32">
+              <a:extLst>
+                <a:ext uri="{FF2B5EF4-FFF2-40B4-BE49-F238E27FC236}">
+                  <a16:creationId xmlns:a16="http://schemas.microsoft.com/office/drawing/2014/main" id="{023A3D0A-F757-864D-AABC-9304F0309D51}"/>
+                </a:ext>
+              </a:extLst>
+            </p:cNvPr>
+            <p:cNvSpPr/>
+            <p:nvPr/>
+          </p:nvSpPr>
+          <p:spPr>
+            <a:xfrm>
+              <a:off x="3293706" y="3057091"/>
+              <a:ext cx="135294" cy="158621"/>
+            </a:xfrm>
+            <a:prstGeom prst="ellipse">
+              <a:avLst/>
+            </a:prstGeom>
+            <a:solidFill>
+              <a:schemeClr val="bg1"/>
+            </a:solidFill>
+          </p:spPr>
+          <p:style>
+            <a:lnRef idx="2">
+              <a:schemeClr val="accent1">
+                <a:shade val="50000"/>
+              </a:schemeClr>
+            </a:lnRef>
+            <a:fillRef idx="1">
+              <a:schemeClr val="accent1"/>
+            </a:fillRef>
+            <a:effectRef idx="0">
+              <a:schemeClr val="accent1"/>
+            </a:effectRef>
+            <a:fontRef idx="minor">
+              <a:schemeClr val="lt1"/>
+            </a:fontRef>
+          </p:style>
+          <p:txBody>
+            <a:bodyPr rtlCol="0" anchor="ctr"/>
+            <a:lstStyle/>
+            <a:p>
+              <a:pPr algn="ctr"/>
+              <a:endParaRPr lang="en-US"/>
+            </a:p>
+          </p:txBody>
+        </p:sp>
+        <mc:AlternateContent xmlns:mc="http://schemas.openxmlformats.org/markup-compatibility/2006">
+          <mc:Choice xmlns:a14="http://schemas.microsoft.com/office/drawing/2010/main" Requires="a14">
+            <p:sp>
+              <p:nvSpPr>
+                <p:cNvPr id="34" name="TextBox 33">
+                  <a:extLst>
+                    <a:ext uri="{FF2B5EF4-FFF2-40B4-BE49-F238E27FC236}">
+                      <a16:creationId xmlns:a16="http://schemas.microsoft.com/office/drawing/2014/main" id="{41C9786D-39DE-3F4C-858B-F5639BCB3C9F}"/>
+                    </a:ext>
+                  </a:extLst>
+                </p:cNvPr>
+                <p:cNvSpPr txBox="1"/>
+                <p:nvPr/>
+              </p:nvSpPr>
+              <p:spPr>
+                <a:xfrm>
+                  <a:off x="3319931" y="2784000"/>
+                  <a:ext cx="333809" cy="261610"/>
+                </a:xfrm>
+                <a:prstGeom prst="rect">
+                  <a:avLst/>
+                </a:prstGeom>
+                <a:noFill/>
+              </p:spPr>
+              <p:txBody>
+                <a:bodyPr wrap="none" rtlCol="0">
+                  <a:spAutoFit/>
+                </a:bodyPr>
+                <a:lstStyle/>
+                <a:p>
+                  <a14:m>
+                    <m:oMathPara xmlns:m="http://schemas.openxmlformats.org/officeDocument/2006/math">
+                      <m:oMathParaPr>
+                        <m:jc m:val="centerGroup"/>
+                      </m:oMathParaPr>
+                      <m:oMath xmlns:m="http://schemas.openxmlformats.org/officeDocument/2006/math">
+                        <m:sSub>
+                          <m:sSubPr>
+                            <m:ctrlPr>
+                              <a:rPr lang="en-US" sz="1100" i="1" smtClean="0">
+                                <a:latin typeface="Cambria Math" panose="02040503050406030204" pitchFamily="18" charset="0"/>
+                              </a:rPr>
+                            </m:ctrlPr>
+                          </m:sSubPr>
+                          <m:e>
+                            <m:r>
+                              <a:rPr lang="en-US" sz="1100" b="0" i="1" smtClean="0">
+                                <a:latin typeface="Cambria Math" panose="02040503050406030204" pitchFamily="18" charset="0"/>
+                              </a:rPr>
+                              <m:t>𝑜</m:t>
+                            </m:r>
+                          </m:e>
+                          <m:sub>
+                            <m:r>
+                              <a:rPr lang="en-US" sz="1100" b="0" i="1" smtClean="0">
+                                <a:latin typeface="Cambria Math" panose="02040503050406030204" pitchFamily="18" charset="0"/>
+                              </a:rPr>
+                              <m:t>𝑖</m:t>
+                            </m:r>
+                          </m:sub>
+                        </m:sSub>
+                      </m:oMath>
+                    </m:oMathPara>
+                  </a14:m>
+                  <a:endParaRPr lang="en-US" sz="1100" dirty="0"/>
+                </a:p>
+              </p:txBody>
+            </p:sp>
+          </mc:Choice>
+          <mc:Fallback>
+            <p:sp>
+              <p:nvSpPr>
+                <p:cNvPr id="34" name="TextBox 33">
+                  <a:extLst>
+                    <a:ext uri="{FF2B5EF4-FFF2-40B4-BE49-F238E27FC236}">
+                      <a16:creationId xmlns:a16="http://schemas.microsoft.com/office/drawing/2014/main" id="{41C9786D-39DE-3F4C-858B-F5639BCB3C9F}"/>
+                    </a:ext>
+                  </a:extLst>
+                </p:cNvPr>
+                <p:cNvSpPr txBox="1">
+                  <a:spLocks noRot="1" noChangeAspect="1" noMove="1" noResize="1" noEditPoints="1" noAdjustHandles="1" noChangeArrowheads="1" noChangeShapeType="1" noTextEdit="1"/>
+                </p:cNvSpPr>
+                <p:nvPr/>
+              </p:nvSpPr>
+              <p:spPr>
+                <a:xfrm>
+                  <a:off x="3319931" y="2784000"/>
+                  <a:ext cx="333809" cy="261610"/>
+                </a:xfrm>
+                <a:prstGeom prst="rect">
+                  <a:avLst/>
+                </a:prstGeom>
+                <a:blipFill>
+                  <a:blip r:embed="rId10"/>
+                  <a:stretch>
+                    <a:fillRect/>
+                  </a:stretch>
+                </a:blipFill>
+              </p:spPr>
+              <p:txBody>
+                <a:bodyPr/>
+                <a:lstStyle/>
+                <a:p>
+                  <a:r>
+                    <a:rPr lang="en-US">
+                      <a:noFill/>
+                    </a:rPr>
+                    <a:t> </a:t>
+                  </a:r>
+                </a:p>
+              </p:txBody>
+            </p:sp>
+          </mc:Fallback>
+        </mc:AlternateContent>
+        <p:cxnSp>
+          <p:nvCxnSpPr>
+            <p:cNvPr id="36" name="Straight Connector 35">
+              <a:extLst>
+                <a:ext uri="{FF2B5EF4-FFF2-40B4-BE49-F238E27FC236}">
+                  <a16:creationId xmlns:a16="http://schemas.microsoft.com/office/drawing/2014/main" id="{4A782C81-7D54-4545-B168-D7AC5CE81360}"/>
+                </a:ext>
+              </a:extLst>
+            </p:cNvPr>
+            <p:cNvCxnSpPr>
+              <a:stCxn id="33" idx="5"/>
+            </p:cNvCxnSpPr>
+            <p:nvPr/>
+          </p:nvCxnSpPr>
+          <p:spPr>
+            <a:xfrm>
+              <a:off x="3409187" y="3192482"/>
+              <a:ext cx="594498" cy="302977"/>
+            </a:xfrm>
+            <a:prstGeom prst="line">
+              <a:avLst/>
+            </a:prstGeom>
+            <a:ln w="9525"/>
+          </p:spPr>
+          <p:style>
+            <a:lnRef idx="1">
+              <a:schemeClr val="accent1"/>
+            </a:lnRef>
+            <a:fillRef idx="0">
+              <a:schemeClr val="accent1"/>
+            </a:fillRef>
+            <a:effectRef idx="0">
+              <a:schemeClr val="accent1"/>
+            </a:effectRef>
+            <a:fontRef idx="minor">
+              <a:schemeClr val="tx1"/>
+            </a:fontRef>
+          </p:style>
+        </p:cxnSp>
+        <mc:AlternateContent xmlns:mc="http://schemas.openxmlformats.org/markup-compatibility/2006">
+          <mc:Choice xmlns:a14="http://schemas.microsoft.com/office/drawing/2010/main" Requires="a14">
+            <p:sp>
+              <p:nvSpPr>
+                <p:cNvPr id="37" name="TextBox 36">
+                  <a:extLst>
+                    <a:ext uri="{FF2B5EF4-FFF2-40B4-BE49-F238E27FC236}">
+                      <a16:creationId xmlns:a16="http://schemas.microsoft.com/office/drawing/2014/main" id="{B1F596B2-5E18-6942-884A-E5D3F6BA5176}"/>
+                    </a:ext>
+                  </a:extLst>
+                </p:cNvPr>
+                <p:cNvSpPr txBox="1"/>
+                <p:nvPr/>
+              </p:nvSpPr>
+              <p:spPr>
+                <a:xfrm>
+                  <a:off x="3582849" y="3069862"/>
+                  <a:ext cx="480196" cy="324833"/>
+                </a:xfrm>
+                <a:prstGeom prst="rect">
+                  <a:avLst/>
+                </a:prstGeom>
+                <a:noFill/>
+              </p:spPr>
+              <p:txBody>
+                <a:bodyPr wrap="none" rtlCol="0">
+                  <a:spAutoFit/>
+                </a:bodyPr>
+                <a:lstStyle/>
+                <a:p>
+                  <a14:m>
+                    <m:oMathPara xmlns:m="http://schemas.openxmlformats.org/officeDocument/2006/math">
+                      <m:oMathParaPr>
+                        <m:jc m:val="centerGroup"/>
+                      </m:oMathParaPr>
+                      <m:oMath xmlns:m="http://schemas.openxmlformats.org/officeDocument/2006/math">
+                        <m:sSubSup>
+                          <m:sSubSupPr>
+                            <m:ctrlPr>
+                              <a:rPr lang="en-US" sz="1100" i="1" smtClean="0">
+                                <a:latin typeface="Cambria Math" panose="02040503050406030204" pitchFamily="18" charset="0"/>
+                              </a:rPr>
+                            </m:ctrlPr>
+                          </m:sSubSupPr>
+                          <m:e>
+                            <m:r>
+                              <a:rPr lang="en-US" sz="1100" b="0" i="1" smtClean="0">
+                                <a:latin typeface="Cambria Math" panose="02040503050406030204" pitchFamily="18" charset="0"/>
+                              </a:rPr>
+                              <m:t>𝑤</m:t>
+                            </m:r>
+                          </m:e>
+                          <m:sub>
+                            <m:r>
+                              <a:rPr lang="en-US" sz="1100" b="0" i="1" smtClean="0">
+                                <a:latin typeface="Cambria Math" panose="02040503050406030204" pitchFamily="18" charset="0"/>
+                              </a:rPr>
+                              <m:t>𝑖</m:t>
+                            </m:r>
+                            <m:r>
+                              <a:rPr lang="en-US" sz="1100" b="0" i="1" smtClean="0">
+                                <a:latin typeface="Cambria Math" panose="02040503050406030204" pitchFamily="18" charset="0"/>
+                              </a:rPr>
+                              <m:t>,</m:t>
+                            </m:r>
+                            <m:r>
+                              <a:rPr lang="en-US" sz="1100" b="0" i="1" smtClean="0">
+                                <a:latin typeface="Cambria Math" panose="02040503050406030204" pitchFamily="18" charset="0"/>
+                              </a:rPr>
+                              <m:t>𝑗</m:t>
+                            </m:r>
+                          </m:sub>
+                          <m:sup>
+                            <m:d>
+                              <m:dPr>
+                                <m:ctrlPr>
+                                  <a:rPr lang="en-US" sz="1100" i="1" smtClean="0">
+                                    <a:latin typeface="Cambria Math" panose="02040503050406030204" pitchFamily="18" charset="0"/>
+                                  </a:rPr>
+                                </m:ctrlPr>
+                              </m:dPr>
+                              <m:e>
+                                <m:r>
+                                  <a:rPr lang="en-US" sz="1100" b="0" i="1" smtClean="0">
+                                    <a:latin typeface="Cambria Math" panose="02040503050406030204" pitchFamily="18" charset="0"/>
+                                  </a:rPr>
+                                  <m:t>1</m:t>
+                                </m:r>
+                              </m:e>
+                            </m:d>
+                          </m:sup>
+                        </m:sSubSup>
+                      </m:oMath>
+                    </m:oMathPara>
+                  </a14:m>
+                  <a:endParaRPr lang="en-US" sz="1100" dirty="0"/>
+                </a:p>
+              </p:txBody>
+            </p:sp>
+          </mc:Choice>
+          <mc:Fallback>
+            <p:sp>
+              <p:nvSpPr>
+                <p:cNvPr id="37" name="TextBox 36">
+                  <a:extLst>
+                    <a:ext uri="{FF2B5EF4-FFF2-40B4-BE49-F238E27FC236}">
+                      <a16:creationId xmlns:a16="http://schemas.microsoft.com/office/drawing/2014/main" id="{B1F596B2-5E18-6942-884A-E5D3F6BA5176}"/>
+                    </a:ext>
+                  </a:extLst>
+                </p:cNvPr>
+                <p:cNvSpPr txBox="1">
+                  <a:spLocks noRot="1" noChangeAspect="1" noMove="1" noResize="1" noEditPoints="1" noAdjustHandles="1" noChangeArrowheads="1" noChangeShapeType="1" noTextEdit="1"/>
+                </p:cNvSpPr>
+                <p:nvPr/>
+              </p:nvSpPr>
+              <p:spPr>
+                <a:xfrm>
+                  <a:off x="3582849" y="3069862"/>
+                  <a:ext cx="480196" cy="324833"/>
+                </a:xfrm>
+                <a:prstGeom prst="rect">
+                  <a:avLst/>
+                </a:prstGeom>
+                <a:blipFill>
+                  <a:blip r:embed="rId11"/>
+                  <a:stretch>
+                    <a:fillRect/>
+                  </a:stretch>
+                </a:blipFill>
+              </p:spPr>
+              <p:txBody>
+                <a:bodyPr/>
+                <a:lstStyle/>
+                <a:p>
+                  <a:r>
+                    <a:rPr lang="en-US">
+                      <a:noFill/>
+                    </a:rPr>
+                    <a:t> </a:t>
+                  </a:r>
+                </a:p>
+              </p:txBody>
+            </p:sp>
+          </mc:Fallback>
+        </mc:AlternateContent>
+        <mc:AlternateContent xmlns:mc="http://schemas.openxmlformats.org/markup-compatibility/2006">
+          <mc:Choice xmlns:a14="http://schemas.microsoft.com/office/drawing/2010/main" Requires="a14">
+            <p:sp>
+              <p:nvSpPr>
+                <p:cNvPr id="39" name="TextBox 38">
+                  <a:extLst>
+                    <a:ext uri="{FF2B5EF4-FFF2-40B4-BE49-F238E27FC236}">
+                      <a16:creationId xmlns:a16="http://schemas.microsoft.com/office/drawing/2014/main" id="{A0ED6F35-2812-3643-8C2F-B8B7ED4CB819}"/>
+                    </a:ext>
+                  </a:extLst>
+                </p:cNvPr>
+                <p:cNvSpPr txBox="1"/>
+                <p:nvPr/>
+              </p:nvSpPr>
+              <p:spPr>
+                <a:xfrm>
+                  <a:off x="4255263" y="3952796"/>
+                  <a:ext cx="926087" cy="261610"/>
+                </a:xfrm>
+                <a:prstGeom prst="rect">
+                  <a:avLst/>
+                </a:prstGeom>
+                <a:noFill/>
+              </p:spPr>
+              <p:txBody>
+                <a:bodyPr wrap="none" rtlCol="0">
+                  <a:spAutoFit/>
+                </a:bodyPr>
+                <a:lstStyle/>
+                <a:p>
+                  <a:r>
+                    <a:rPr lang="en-US" sz="1100" dirty="0"/>
+                    <a:t>hidden unit </a:t>
+                  </a:r>
+                  <a14:m>
                     <m:oMath xmlns:m="http://schemas.openxmlformats.org/officeDocument/2006/math">
-                      <m:sSubSup>
-                        <m:sSubSupPr>
-                          <m:ctrlPr>
-                            <a:rPr lang="en-US" sz="1100" i="1" smtClean="0">
-                              <a:latin typeface="Cambria Math" panose="02040503050406030204" pitchFamily="18" charset="0"/>
-                            </a:rPr>
-                          </m:ctrlPr>
-                        </m:sSubSupPr>
-                        <m:e>
-                          <m:r>
-                            <a:rPr lang="en-US" sz="1100" b="0" i="1" smtClean="0">
-                              <a:latin typeface="Cambria Math" panose="02040503050406030204" pitchFamily="18" charset="0"/>
-                            </a:rPr>
-                            <m:t>𝑜</m:t>
-                          </m:r>
-                        </m:e>
-                        <m:sub>
-                          <m:r>
-                            <a:rPr lang="en-US" sz="1100" b="0" i="1" smtClean="0">
-                              <a:latin typeface="Cambria Math" panose="02040503050406030204" pitchFamily="18" charset="0"/>
-                            </a:rPr>
-                            <m:t>𝑗</m:t>
-                          </m:r>
-                        </m:sub>
-                        <m:sup>
-                          <m:d>
-                            <m:dPr>
-                              <m:ctrlPr>
-                                <a:rPr lang="en-US" sz="1100" i="1" smtClean="0">
-                                  <a:latin typeface="Cambria Math" panose="02040503050406030204" pitchFamily="18" charset="0"/>
-                                </a:rPr>
-                              </m:ctrlPr>
-                            </m:dPr>
-                            <m:e>
-                              <m:r>
-                                <a:rPr lang="en-US" sz="1100" b="0" i="1" smtClean="0">
-                                  <a:latin typeface="Cambria Math" panose="02040503050406030204" pitchFamily="18" charset="0"/>
-                                </a:rPr>
-                                <m:t>1</m:t>
-                              </m:r>
-                            </m:e>
-                          </m:d>
-                        </m:sup>
-                      </m:sSubSup>
+                      <m:r>
+                        <a:rPr lang="en-US" sz="1100" i="1" dirty="0" smtClean="0">
+                          <a:latin typeface="Cambria Math" panose="02040503050406030204" pitchFamily="18" charset="0"/>
+                        </a:rPr>
+                        <m:t>𝑗</m:t>
+                      </m:r>
                     </m:oMath>
-                  </m:oMathPara>
-                </a14:m>
-                <a:endParaRPr lang="en-US" sz="1100" dirty="0"/>
-              </a:p>
-            </p:txBody>
-          </p:sp>
-        </mc:Choice>
-        <mc:Fallback>
-          <p:sp>
-            <p:nvSpPr>
-              <p:cNvPr id="3" name="TextBox 2">
-                <a:extLst>
-                  <a:ext uri="{FF2B5EF4-FFF2-40B4-BE49-F238E27FC236}">
-                    <a16:creationId xmlns:a16="http://schemas.microsoft.com/office/drawing/2014/main" id="{C8DE9A23-581F-954A-92EB-8BD59003E141}"/>
-                  </a:ext>
-                </a:extLst>
-              </p:cNvPr>
-              <p:cNvSpPr txBox="1">
-                <a:spLocks noRot="1" noChangeAspect="1" noMove="1" noResize="1" noEditPoints="1" noAdjustHandles="1" noChangeArrowheads="1" noChangeShapeType="1" noTextEdit="1"/>
-              </p:cNvSpPr>
-              <p:nvPr/>
-            </p:nvSpPr>
-            <p:spPr>
-              <a:xfrm>
-                <a:off x="4974726" y="3429000"/>
-                <a:ext cx="447174" cy="324833"/>
-              </a:xfrm>
-              <a:prstGeom prst="rect">
-                <a:avLst/>
-              </a:prstGeom>
-              <a:blipFill>
-                <a:blip r:embed="rId2"/>
-                <a:stretch>
-                  <a:fillRect/>
-                </a:stretch>
-              </a:blipFill>
-            </p:spPr>
-            <p:txBody>
-              <a:bodyPr/>
-              <a:lstStyle/>
-              <a:p>
-                <a:r>
-                  <a:rPr lang="en-US">
-                    <a:noFill/>
-                  </a:rPr>
-                  <a:t> </a:t>
-                </a:r>
-              </a:p>
-            </p:txBody>
-          </p:sp>
-        </mc:Fallback>
-      </mc:AlternateContent>
-      <p:cxnSp>
-        <p:nvCxnSpPr>
-          <p:cNvPr id="5" name="Straight Connector 4">
-            <a:extLst>
-              <a:ext uri="{FF2B5EF4-FFF2-40B4-BE49-F238E27FC236}">
-                <a16:creationId xmlns:a16="http://schemas.microsoft.com/office/drawing/2014/main" id="{757E801B-0FE6-D844-9B8B-1FF3C7050B98}"/>
-              </a:ext>
-            </a:extLst>
-          </p:cNvPr>
-          <p:cNvCxnSpPr/>
-          <p:nvPr/>
-        </p:nvCxnSpPr>
-        <p:spPr>
-          <a:xfrm>
-            <a:off x="5019869" y="3335694"/>
-            <a:ext cx="0" cy="569167"/>
-          </a:xfrm>
-          <a:prstGeom prst="line">
-            <a:avLst/>
-          </a:prstGeom>
-          <a:ln w="12700"/>
-        </p:spPr>
-        <p:style>
-          <a:lnRef idx="1">
-            <a:schemeClr val="accent1"/>
-          </a:lnRef>
-          <a:fillRef idx="0">
-            <a:schemeClr val="accent1"/>
-          </a:fillRef>
-          <a:effectRef idx="0">
-            <a:schemeClr val="accent1"/>
-          </a:effectRef>
-          <a:fontRef idx="minor">
-            <a:schemeClr val="tx1"/>
-          </a:fontRef>
-        </p:style>
-      </p:cxnSp>
+                  </a14:m>
+                  <a:endParaRPr lang="en-US" sz="1100" dirty="0"/>
+                </a:p>
+              </p:txBody>
+            </p:sp>
+          </mc:Choice>
+          <mc:Fallback>
+            <p:sp>
+              <p:nvSpPr>
+                <p:cNvPr id="39" name="TextBox 38">
+                  <a:extLst>
+                    <a:ext uri="{FF2B5EF4-FFF2-40B4-BE49-F238E27FC236}">
+                      <a16:creationId xmlns:a16="http://schemas.microsoft.com/office/drawing/2014/main" id="{A0ED6F35-2812-3643-8C2F-B8B7ED4CB819}"/>
+                    </a:ext>
+                  </a:extLst>
+                </p:cNvPr>
+                <p:cNvSpPr txBox="1">
+                  <a:spLocks noRot="1" noChangeAspect="1" noMove="1" noResize="1" noEditPoints="1" noAdjustHandles="1" noChangeArrowheads="1" noChangeShapeType="1" noTextEdit="1"/>
+                </p:cNvSpPr>
+                <p:nvPr/>
+              </p:nvSpPr>
+              <p:spPr>
+                <a:xfrm>
+                  <a:off x="4255263" y="3952796"/>
+                  <a:ext cx="926087" cy="261610"/>
+                </a:xfrm>
+                <a:prstGeom prst="rect">
+                  <a:avLst/>
+                </a:prstGeom>
+                <a:blipFill>
+                  <a:blip r:embed="rId12"/>
+                  <a:stretch>
+                    <a:fillRect b="-14286"/>
+                  </a:stretch>
+                </a:blipFill>
+              </p:spPr>
+              <p:txBody>
+                <a:bodyPr/>
+                <a:lstStyle/>
+                <a:p>
+                  <a:r>
+                    <a:rPr lang="en-US">
+                      <a:noFill/>
+                    </a:rPr>
+                    <a:t> </a:t>
+                  </a:r>
+                </a:p>
+              </p:txBody>
+            </p:sp>
+          </mc:Fallback>
+        </mc:AlternateContent>
+        <mc:AlternateContent xmlns:mc="http://schemas.openxmlformats.org/markup-compatibility/2006">
+          <mc:Choice xmlns:a14="http://schemas.microsoft.com/office/drawing/2010/main" Requires="a14">
+            <p:sp>
+              <p:nvSpPr>
+                <p:cNvPr id="41" name="TextBox 40">
+                  <a:extLst>
+                    <a:ext uri="{FF2B5EF4-FFF2-40B4-BE49-F238E27FC236}">
+                      <a16:creationId xmlns:a16="http://schemas.microsoft.com/office/drawing/2014/main" id="{ECE17D08-F5AC-F842-9644-FEE08C725441}"/>
+                    </a:ext>
+                  </a:extLst>
+                </p:cNvPr>
+                <p:cNvSpPr txBox="1"/>
+                <p:nvPr/>
+              </p:nvSpPr>
+              <p:spPr>
+                <a:xfrm>
+                  <a:off x="2652345" y="2850971"/>
+                  <a:ext cx="801501" cy="261610"/>
+                </a:xfrm>
+                <a:prstGeom prst="rect">
+                  <a:avLst/>
+                </a:prstGeom>
+                <a:noFill/>
+              </p:spPr>
+              <p:txBody>
+                <a:bodyPr wrap="none" rtlCol="0">
+                  <a:spAutoFit/>
+                </a:bodyPr>
+                <a:lstStyle/>
+                <a:p>
+                  <a:r>
+                    <a:rPr lang="en-US" sz="1100" dirty="0"/>
+                    <a:t>input site </a:t>
+                  </a:r>
+                  <a14:m>
+                    <m:oMath xmlns:m="http://schemas.openxmlformats.org/officeDocument/2006/math">
+                      <m:r>
+                        <a:rPr lang="en-US" sz="1100" b="0" i="1" dirty="0" smtClean="0">
+                          <a:latin typeface="Cambria Math" panose="02040503050406030204" pitchFamily="18" charset="0"/>
+                        </a:rPr>
+                        <m:t>𝑖</m:t>
+                      </m:r>
+                    </m:oMath>
+                  </a14:m>
+                  <a:endParaRPr lang="en-US" sz="1100" dirty="0"/>
+                </a:p>
+              </p:txBody>
+            </p:sp>
+          </mc:Choice>
+          <mc:Fallback>
+            <p:sp>
+              <p:nvSpPr>
+                <p:cNvPr id="41" name="TextBox 40">
+                  <a:extLst>
+                    <a:ext uri="{FF2B5EF4-FFF2-40B4-BE49-F238E27FC236}">
+                      <a16:creationId xmlns:a16="http://schemas.microsoft.com/office/drawing/2014/main" id="{ECE17D08-F5AC-F842-9644-FEE08C725441}"/>
+                    </a:ext>
+                  </a:extLst>
+                </p:cNvPr>
+                <p:cNvSpPr txBox="1">
+                  <a:spLocks noRot="1" noChangeAspect="1" noMove="1" noResize="1" noEditPoints="1" noAdjustHandles="1" noChangeArrowheads="1" noChangeShapeType="1" noTextEdit="1"/>
+                </p:cNvSpPr>
+                <p:nvPr/>
+              </p:nvSpPr>
+              <p:spPr>
+                <a:xfrm>
+                  <a:off x="2652345" y="2850971"/>
+                  <a:ext cx="801501" cy="261610"/>
+                </a:xfrm>
+                <a:prstGeom prst="rect">
+                  <a:avLst/>
+                </a:prstGeom>
+                <a:blipFill>
+                  <a:blip r:embed="rId13"/>
+                  <a:stretch>
+                    <a:fillRect b="-9091"/>
+                  </a:stretch>
+                </a:blipFill>
+              </p:spPr>
+              <p:txBody>
+                <a:bodyPr/>
+                <a:lstStyle/>
+                <a:p>
+                  <a:r>
+                    <a:rPr lang="en-US">
+                      <a:noFill/>
+                    </a:rPr>
+                    <a:t> </a:t>
+                  </a:r>
+                </a:p>
+              </p:txBody>
+            </p:sp>
+          </mc:Fallback>
+        </mc:AlternateContent>
+        <mc:AlternateContent xmlns:mc="http://schemas.openxmlformats.org/markup-compatibility/2006">
+          <mc:Choice xmlns:a14="http://schemas.microsoft.com/office/drawing/2010/main" Requires="a14">
+            <p:sp>
+              <p:nvSpPr>
+                <p:cNvPr id="42" name="TextBox 41">
+                  <a:extLst>
+                    <a:ext uri="{FF2B5EF4-FFF2-40B4-BE49-F238E27FC236}">
+                      <a16:creationId xmlns:a16="http://schemas.microsoft.com/office/drawing/2014/main" id="{89DC280A-959F-3244-AE3A-D2AFF8F28B06}"/>
+                    </a:ext>
+                  </a:extLst>
+                </p:cNvPr>
+                <p:cNvSpPr txBox="1"/>
+                <p:nvPr/>
+              </p:nvSpPr>
+              <p:spPr>
+                <a:xfrm>
+                  <a:off x="3286057" y="1714171"/>
+                  <a:ext cx="2731838" cy="261610"/>
+                </a:xfrm>
+                <a:prstGeom prst="rect">
+                  <a:avLst/>
+                </a:prstGeom>
+                <a:noFill/>
+              </p:spPr>
+              <p:txBody>
+                <a:bodyPr wrap="none" rtlCol="0">
+                  <a:spAutoFit/>
+                </a:bodyPr>
+                <a:lstStyle/>
+                <a:p>
+                  <a:r>
+                    <a:rPr lang="en-US" sz="1100" dirty="0"/>
+                    <a:t>Backpropagated error to the </a:t>
+                  </a:r>
+                  <a14:m>
+                    <m:oMath xmlns:m="http://schemas.openxmlformats.org/officeDocument/2006/math">
+                      <m:r>
+                        <a:rPr lang="en-US" sz="1100" i="1" dirty="0" smtClean="0">
+                          <a:latin typeface="Cambria Math" panose="02040503050406030204" pitchFamily="18" charset="0"/>
+                        </a:rPr>
+                        <m:t>𝑗</m:t>
+                      </m:r>
+                    </m:oMath>
+                  </a14:m>
+                  <a:r>
+                    <a:rPr lang="en-US" sz="1100" dirty="0"/>
+                    <a:t>-</a:t>
+                  </a:r>
+                  <a:r>
+                    <a:rPr lang="en-US" sz="1100" dirty="0" err="1"/>
+                    <a:t>th</a:t>
+                  </a:r>
+                  <a:r>
+                    <a:rPr lang="en-US" sz="1100" dirty="0"/>
+                    <a:t> hidden unit</a:t>
+                  </a:r>
+                </a:p>
+              </p:txBody>
+            </p:sp>
+          </mc:Choice>
+          <mc:Fallback>
+            <p:sp>
+              <p:nvSpPr>
+                <p:cNvPr id="42" name="TextBox 41">
+                  <a:extLst>
+                    <a:ext uri="{FF2B5EF4-FFF2-40B4-BE49-F238E27FC236}">
+                      <a16:creationId xmlns:a16="http://schemas.microsoft.com/office/drawing/2014/main" id="{89DC280A-959F-3244-AE3A-D2AFF8F28B06}"/>
+                    </a:ext>
+                  </a:extLst>
+                </p:cNvPr>
+                <p:cNvSpPr txBox="1">
+                  <a:spLocks noRot="1" noChangeAspect="1" noMove="1" noResize="1" noEditPoints="1" noAdjustHandles="1" noChangeArrowheads="1" noChangeShapeType="1" noTextEdit="1"/>
+                </p:cNvSpPr>
+                <p:nvPr/>
+              </p:nvSpPr>
+              <p:spPr>
+                <a:xfrm>
+                  <a:off x="3286057" y="1714171"/>
+                  <a:ext cx="2731838" cy="261610"/>
+                </a:xfrm>
+                <a:prstGeom prst="rect">
+                  <a:avLst/>
+                </a:prstGeom>
+                <a:blipFill>
+                  <a:blip r:embed="rId14"/>
+                  <a:stretch>
+                    <a:fillRect b="-13636"/>
+                  </a:stretch>
+                </a:blipFill>
+              </p:spPr>
+              <p:txBody>
+                <a:bodyPr/>
+                <a:lstStyle/>
+                <a:p>
+                  <a:r>
+                    <a:rPr lang="en-US">
+                      <a:noFill/>
+                    </a:rPr>
+                    <a:t> </a:t>
+                  </a:r>
+                </a:p>
+              </p:txBody>
+            </p:sp>
+          </mc:Fallback>
+        </mc:AlternateContent>
+        <p:sp>
+          <p:nvSpPr>
+            <p:cNvPr id="43" name="TextBox 42">
+              <a:extLst>
+                <a:ext uri="{FF2B5EF4-FFF2-40B4-BE49-F238E27FC236}">
+                  <a16:creationId xmlns:a16="http://schemas.microsoft.com/office/drawing/2014/main" id="{46DEDCE9-BFF8-0344-A9FA-AA58F2807D30}"/>
+                </a:ext>
+              </a:extLst>
+            </p:cNvPr>
+            <p:cNvSpPr txBox="1"/>
+            <p:nvPr/>
+          </p:nvSpPr>
+          <p:spPr>
+            <a:xfrm>
+              <a:off x="5872857" y="2140071"/>
+              <a:ext cx="1143262" cy="430887"/>
+            </a:xfrm>
+            <a:prstGeom prst="rect">
+              <a:avLst/>
+            </a:prstGeom>
+            <a:noFill/>
+          </p:spPr>
+          <p:txBody>
+            <a:bodyPr wrap="none" rtlCol="0">
+              <a:spAutoFit/>
+            </a:bodyPr>
+            <a:lstStyle/>
+            <a:p>
+              <a:r>
+                <a:rPr lang="en-US" sz="1100" dirty="0"/>
+                <a:t>backpropagated </a:t>
+              </a:r>
+            </a:p>
+            <a:p>
+              <a:r>
+                <a:rPr lang="en-US" sz="1100" dirty="0"/>
+                <a:t>error</a:t>
+              </a:r>
+            </a:p>
+          </p:txBody>
+        </p:sp>
+        <mc:AlternateContent xmlns:mc="http://schemas.openxmlformats.org/markup-compatibility/2006">
+          <mc:Choice xmlns:a14="http://schemas.microsoft.com/office/drawing/2010/main" Requires="a14">
+            <p:sp>
+              <p:nvSpPr>
+                <p:cNvPr id="45" name="TextBox 44">
+                  <a:extLst>
+                    <a:ext uri="{FF2B5EF4-FFF2-40B4-BE49-F238E27FC236}">
+                      <a16:creationId xmlns:a16="http://schemas.microsoft.com/office/drawing/2014/main" id="{D21B0683-314F-3D4D-A057-221051776BB4}"/>
+                    </a:ext>
+                  </a:extLst>
+                </p:cNvPr>
+                <p:cNvSpPr txBox="1"/>
+                <p:nvPr/>
+              </p:nvSpPr>
+              <p:spPr>
+                <a:xfrm>
+                  <a:off x="3631726" y="2012657"/>
+                  <a:ext cx="2017091" cy="443519"/>
+                </a:xfrm>
+                <a:prstGeom prst="rect">
+                  <a:avLst/>
+                </a:prstGeom>
+                <a:noFill/>
+              </p:spPr>
+              <p:txBody>
+                <a:bodyPr wrap="none" rtlCol="0">
+                  <a:spAutoFit/>
+                </a:bodyPr>
+                <a:lstStyle/>
+                <a:p>
+                  <a14:m>
+                    <m:oMathPara xmlns:m="http://schemas.openxmlformats.org/officeDocument/2006/math">
+                      <m:oMathParaPr>
+                        <m:jc m:val="centerGroup"/>
+                      </m:oMathParaPr>
+                      <m:oMath xmlns:m="http://schemas.openxmlformats.org/officeDocument/2006/math">
+                        <m:sSubSup>
+                          <m:sSubSupPr>
+                            <m:ctrlPr>
+                              <a:rPr lang="en-US" sz="1100" i="1" smtClean="0">
+                                <a:latin typeface="Cambria Math" panose="02040503050406030204" pitchFamily="18" charset="0"/>
+                              </a:rPr>
+                            </m:ctrlPr>
+                          </m:sSubSupPr>
+                          <m:e>
+                            <m:r>
+                              <a:rPr lang="en-US" sz="1100" b="0" i="1" smtClean="0">
+                                <a:latin typeface="Cambria Math" panose="02040503050406030204" pitchFamily="18" charset="0"/>
+                              </a:rPr>
+                              <m:t>𝑜</m:t>
+                            </m:r>
+                          </m:e>
+                          <m:sub>
+                            <m:r>
+                              <a:rPr lang="en-US" sz="1100" b="0" i="1" smtClean="0">
+                                <a:latin typeface="Cambria Math" panose="02040503050406030204" pitchFamily="18" charset="0"/>
+                              </a:rPr>
+                              <m:t>𝑗</m:t>
+                            </m:r>
+                          </m:sub>
+                          <m:sup>
+                            <m:d>
+                              <m:dPr>
+                                <m:ctrlPr>
+                                  <a:rPr lang="en-US" sz="1100" i="1" smtClean="0">
+                                    <a:latin typeface="Cambria Math" panose="02040503050406030204" pitchFamily="18" charset="0"/>
+                                  </a:rPr>
+                                </m:ctrlPr>
+                              </m:dPr>
+                              <m:e>
+                                <m:r>
+                                  <a:rPr lang="en-US" sz="1100" b="0" i="1" smtClean="0">
+                                    <a:latin typeface="Cambria Math" panose="02040503050406030204" pitchFamily="18" charset="0"/>
+                                  </a:rPr>
+                                  <m:t>1</m:t>
+                                </m:r>
+                              </m:e>
+                            </m:d>
+                          </m:sup>
+                        </m:sSubSup>
+                        <m:d>
+                          <m:dPr>
+                            <m:ctrlPr>
+                              <a:rPr lang="en-US" sz="1100" i="1" smtClean="0">
+                                <a:latin typeface="Cambria Math" panose="02040503050406030204" pitchFamily="18" charset="0"/>
+                              </a:rPr>
+                            </m:ctrlPr>
+                          </m:dPr>
+                          <m:e>
+                            <m:r>
+                              <a:rPr lang="en-US" sz="1100" b="0" i="1" smtClean="0">
+                                <a:latin typeface="Cambria Math" panose="02040503050406030204" pitchFamily="18" charset="0"/>
+                              </a:rPr>
+                              <m:t>1−</m:t>
+                            </m:r>
+                            <m:sSubSup>
+                              <m:sSubSupPr>
+                                <m:ctrlPr>
+                                  <a:rPr lang="en-US" sz="1100" i="1" smtClean="0">
+                                    <a:latin typeface="Cambria Math" panose="02040503050406030204" pitchFamily="18" charset="0"/>
+                                  </a:rPr>
+                                </m:ctrlPr>
+                              </m:sSubSupPr>
+                              <m:e>
+                                <m:r>
+                                  <a:rPr lang="en-US" sz="1100" b="0" i="1" smtClean="0">
+                                    <a:latin typeface="Cambria Math" panose="02040503050406030204" pitchFamily="18" charset="0"/>
+                                  </a:rPr>
+                                  <m:t>𝑜</m:t>
+                                </m:r>
+                              </m:e>
+                              <m:sub>
+                                <m:r>
+                                  <a:rPr lang="en-US" sz="1100" b="0" i="1" smtClean="0">
+                                    <a:latin typeface="Cambria Math" panose="02040503050406030204" pitchFamily="18" charset="0"/>
+                                  </a:rPr>
+                                  <m:t>𝑗</m:t>
+                                </m:r>
+                              </m:sub>
+                              <m:sup>
+                                <m:d>
+                                  <m:dPr>
+                                    <m:ctrlPr>
+                                      <a:rPr lang="en-US" sz="1100" i="1" smtClean="0">
+                                        <a:latin typeface="Cambria Math" panose="02040503050406030204" pitchFamily="18" charset="0"/>
+                                      </a:rPr>
+                                    </m:ctrlPr>
+                                  </m:dPr>
+                                  <m:e>
+                                    <m:r>
+                                      <a:rPr lang="en-US" sz="1100" b="0" i="1" smtClean="0">
+                                        <a:latin typeface="Cambria Math" panose="02040503050406030204" pitchFamily="18" charset="0"/>
+                                      </a:rPr>
+                                      <m:t>1</m:t>
+                                    </m:r>
+                                  </m:e>
+                                </m:d>
+                              </m:sup>
+                            </m:sSubSup>
+                          </m:e>
+                        </m:d>
+                        <m:nary>
+                          <m:naryPr>
+                            <m:chr m:val="∑"/>
+                            <m:limLoc m:val="subSup"/>
+                            <m:ctrlPr>
+                              <a:rPr lang="en-US" sz="1100" i="1" smtClean="0">
+                                <a:latin typeface="Cambria Math" panose="02040503050406030204" pitchFamily="18" charset="0"/>
+                              </a:rPr>
+                            </m:ctrlPr>
+                          </m:naryPr>
+                          <m:sub>
+                            <m:r>
+                              <m:rPr>
+                                <m:brk m:alnAt="25"/>
+                              </m:rPr>
+                              <a:rPr lang="en-US" sz="1100" b="0" i="1" smtClean="0">
+                                <a:latin typeface="Cambria Math" panose="02040503050406030204" pitchFamily="18" charset="0"/>
+                              </a:rPr>
+                              <m:t>𝑞</m:t>
+                            </m:r>
+                            <m:r>
+                              <a:rPr lang="en-US" sz="1100" b="0" i="1" smtClean="0">
+                                <a:latin typeface="Cambria Math" panose="02040503050406030204" pitchFamily="18" charset="0"/>
+                              </a:rPr>
+                              <m:t>=1</m:t>
+                            </m:r>
+                          </m:sub>
+                          <m:sup>
+                            <m:r>
+                              <a:rPr lang="en-US" sz="1100" b="0" i="1" smtClean="0">
+                                <a:latin typeface="Cambria Math" panose="02040503050406030204" pitchFamily="18" charset="0"/>
+                              </a:rPr>
+                              <m:t>𝑚</m:t>
+                            </m:r>
+                          </m:sup>
+                          <m:e>
+                            <m:sSubSup>
+                              <m:sSubSupPr>
+                                <m:ctrlPr>
+                                  <a:rPr lang="en-US" sz="1100" i="1" smtClean="0">
+                                    <a:latin typeface="Cambria Math" panose="02040503050406030204" pitchFamily="18" charset="0"/>
+                                  </a:rPr>
+                                </m:ctrlPr>
+                              </m:sSubSupPr>
+                              <m:e>
+                                <m:r>
+                                  <a:rPr lang="en-US" sz="1100" b="0" i="1" smtClean="0">
+                                    <a:latin typeface="Cambria Math" panose="02040503050406030204" pitchFamily="18" charset="0"/>
+                                  </a:rPr>
+                                  <m:t>𝑤</m:t>
+                                </m:r>
+                              </m:e>
+                              <m:sub>
+                                <m:r>
+                                  <a:rPr lang="en-US" sz="1100" b="0" i="1" smtClean="0">
+                                    <a:latin typeface="Cambria Math" panose="02040503050406030204" pitchFamily="18" charset="0"/>
+                                  </a:rPr>
+                                  <m:t>𝑗</m:t>
+                                </m:r>
+                                <m:r>
+                                  <a:rPr lang="en-US" sz="1100" b="0" i="1" smtClean="0">
+                                    <a:latin typeface="Cambria Math" panose="02040503050406030204" pitchFamily="18" charset="0"/>
+                                  </a:rPr>
+                                  <m:t>,</m:t>
+                                </m:r>
+                                <m:r>
+                                  <a:rPr lang="en-US" sz="1100" b="0" i="1" smtClean="0">
+                                    <a:latin typeface="Cambria Math" panose="02040503050406030204" pitchFamily="18" charset="0"/>
+                                  </a:rPr>
+                                  <m:t>𝑞</m:t>
+                                </m:r>
+                              </m:sub>
+                              <m:sup>
+                                <m:d>
+                                  <m:dPr>
+                                    <m:ctrlPr>
+                                      <a:rPr lang="en-US" sz="1100" i="1" smtClean="0">
+                                        <a:latin typeface="Cambria Math" panose="02040503050406030204" pitchFamily="18" charset="0"/>
+                                      </a:rPr>
+                                    </m:ctrlPr>
+                                  </m:dPr>
+                                  <m:e>
+                                    <m:r>
+                                      <a:rPr lang="en-US" sz="1100" b="0" i="1" smtClean="0">
+                                        <a:latin typeface="Cambria Math" panose="02040503050406030204" pitchFamily="18" charset="0"/>
+                                      </a:rPr>
+                                      <m:t>2</m:t>
+                                    </m:r>
+                                  </m:e>
+                                </m:d>
+                              </m:sup>
+                            </m:sSubSup>
+                            <m:sSubSup>
+                              <m:sSubSupPr>
+                                <m:ctrlPr>
+                                  <a:rPr lang="en-US" sz="1100" i="1" smtClean="0">
+                                    <a:latin typeface="Cambria Math" panose="02040503050406030204" pitchFamily="18" charset="0"/>
+                                  </a:rPr>
+                                </m:ctrlPr>
+                              </m:sSubSupPr>
+                              <m:e>
+                                <m:r>
+                                  <a:rPr lang="en-US" sz="1100" i="1" smtClean="0">
+                                    <a:latin typeface="Cambria Math" panose="02040503050406030204" pitchFamily="18" charset="0"/>
+                                    <a:ea typeface="Cambria Math" panose="02040503050406030204" pitchFamily="18" charset="0"/>
+                                  </a:rPr>
+                                  <m:t>𝛿</m:t>
+                                </m:r>
+                              </m:e>
+                              <m:sub>
+                                <m:r>
+                                  <a:rPr lang="en-US" sz="1100" b="0" i="1" smtClean="0">
+                                    <a:latin typeface="Cambria Math" panose="02040503050406030204" pitchFamily="18" charset="0"/>
+                                    <a:ea typeface="Cambria Math" panose="02040503050406030204" pitchFamily="18" charset="0"/>
+                                  </a:rPr>
+                                  <m:t>𝑞</m:t>
+                                </m:r>
+                              </m:sub>
+                              <m:sup>
+                                <m:d>
+                                  <m:dPr>
+                                    <m:ctrlPr>
+                                      <a:rPr lang="en-US" sz="1100" i="1" smtClean="0">
+                                        <a:latin typeface="Cambria Math" panose="02040503050406030204" pitchFamily="18" charset="0"/>
+                                      </a:rPr>
+                                    </m:ctrlPr>
+                                  </m:dPr>
+                                  <m:e>
+                                    <m:r>
+                                      <a:rPr lang="en-US" sz="1100" b="0" i="1" smtClean="0">
+                                        <a:latin typeface="Cambria Math" panose="02040503050406030204" pitchFamily="18" charset="0"/>
+                                      </a:rPr>
+                                      <m:t>2</m:t>
+                                    </m:r>
+                                  </m:e>
+                                </m:d>
+                              </m:sup>
+                            </m:sSubSup>
+                          </m:e>
+                        </m:nary>
+                      </m:oMath>
+                    </m:oMathPara>
+                  </a14:m>
+                  <a:endParaRPr lang="en-US" sz="1100" dirty="0"/>
+                </a:p>
+              </p:txBody>
+            </p:sp>
+          </mc:Choice>
+          <mc:Fallback>
+            <p:sp>
+              <p:nvSpPr>
+                <p:cNvPr id="45" name="TextBox 44">
+                  <a:extLst>
+                    <a:ext uri="{FF2B5EF4-FFF2-40B4-BE49-F238E27FC236}">
+                      <a16:creationId xmlns:a16="http://schemas.microsoft.com/office/drawing/2014/main" id="{D21B0683-314F-3D4D-A057-221051776BB4}"/>
+                    </a:ext>
+                  </a:extLst>
+                </p:cNvPr>
+                <p:cNvSpPr txBox="1">
+                  <a:spLocks noRot="1" noChangeAspect="1" noMove="1" noResize="1" noEditPoints="1" noAdjustHandles="1" noChangeArrowheads="1" noChangeShapeType="1" noTextEdit="1"/>
+                </p:cNvSpPr>
+                <p:nvPr/>
+              </p:nvSpPr>
+              <p:spPr>
+                <a:xfrm>
+                  <a:off x="3631726" y="2012657"/>
+                  <a:ext cx="2017091" cy="443519"/>
+                </a:xfrm>
+                <a:prstGeom prst="rect">
+                  <a:avLst/>
+                </a:prstGeom>
+                <a:blipFill>
+                  <a:blip r:embed="rId15"/>
+                  <a:stretch>
+                    <a:fillRect t="-127778" b="-186111"/>
+                  </a:stretch>
+                </a:blipFill>
+              </p:spPr>
+              <p:txBody>
+                <a:bodyPr/>
+                <a:lstStyle/>
+                <a:p>
+                  <a:r>
+                    <a:rPr lang="en-US">
+                      <a:noFill/>
+                    </a:rPr>
+                    <a:t> </a:t>
+                  </a:r>
+                </a:p>
+              </p:txBody>
+            </p:sp>
+          </mc:Fallback>
+        </mc:AlternateContent>
+        <p:cxnSp>
+          <p:nvCxnSpPr>
+            <p:cNvPr id="47" name="Straight Arrow Connector 46">
+              <a:extLst>
+                <a:ext uri="{FF2B5EF4-FFF2-40B4-BE49-F238E27FC236}">
+                  <a16:creationId xmlns:a16="http://schemas.microsoft.com/office/drawing/2014/main" id="{F0878E95-D968-8C46-89EB-885D56BC3EAF}"/>
+                </a:ext>
+              </a:extLst>
+            </p:cNvPr>
+            <p:cNvCxnSpPr/>
+            <p:nvPr/>
+          </p:nvCxnSpPr>
+          <p:spPr>
+            <a:xfrm flipH="1">
+              <a:off x="3582849" y="4637314"/>
+              <a:ext cx="2476148" cy="0"/>
+            </a:xfrm>
+            <a:prstGeom prst="straightConnector1">
+              <a:avLst/>
+            </a:prstGeom>
+            <a:ln>
+              <a:tailEnd type="triangle"/>
+            </a:ln>
+          </p:spPr>
+          <p:style>
+            <a:lnRef idx="1">
+              <a:schemeClr val="accent1"/>
+            </a:lnRef>
+            <a:fillRef idx="0">
+              <a:schemeClr val="accent1"/>
+            </a:fillRef>
+            <a:effectRef idx="0">
+              <a:schemeClr val="accent1"/>
+            </a:effectRef>
+            <a:fontRef idx="minor">
+              <a:schemeClr val="tx1"/>
+            </a:fontRef>
+          </p:style>
+        </p:cxnSp>
+        <mc:AlternateContent xmlns:mc="http://schemas.openxmlformats.org/markup-compatibility/2006">
+          <mc:Choice xmlns:a14="http://schemas.microsoft.com/office/drawing/2010/main" Requires="a14">
+            <p:sp>
+              <p:nvSpPr>
+                <p:cNvPr id="48" name="TextBox 47">
+                  <a:extLst>
+                    <a:ext uri="{FF2B5EF4-FFF2-40B4-BE49-F238E27FC236}">
+                      <a16:creationId xmlns:a16="http://schemas.microsoft.com/office/drawing/2014/main" id="{8CBD0BFD-4C2A-B043-BC0B-B14D03668061}"/>
+                    </a:ext>
+                  </a:extLst>
+                </p:cNvPr>
+                <p:cNvSpPr txBox="1"/>
+                <p:nvPr/>
+              </p:nvSpPr>
+              <p:spPr>
+                <a:xfrm>
+                  <a:off x="3737907" y="4377211"/>
+                  <a:ext cx="1947649" cy="261610"/>
+                </a:xfrm>
+                <a:prstGeom prst="rect">
+                  <a:avLst/>
+                </a:prstGeom>
+                <a:noFill/>
+              </p:spPr>
+              <p:txBody>
+                <a:bodyPr wrap="none" rtlCol="0">
+                  <a:spAutoFit/>
+                </a:bodyPr>
+                <a:lstStyle/>
+                <a:p>
+                  <a:r>
+                    <a:rPr lang="en-US" sz="1100" dirty="0"/>
+                    <a:t>backpropagation to input site </a:t>
+                  </a:r>
+                  <a14:m>
+                    <m:oMath xmlns:m="http://schemas.openxmlformats.org/officeDocument/2006/math">
+                      <m:r>
+                        <a:rPr lang="en-US" sz="1100" b="0" i="1" dirty="0" smtClean="0">
+                          <a:latin typeface="Cambria Math" panose="02040503050406030204" pitchFamily="18" charset="0"/>
+                        </a:rPr>
+                        <m:t>𝑖</m:t>
+                      </m:r>
+                    </m:oMath>
+                  </a14:m>
+                  <a:endParaRPr lang="en-US" sz="1100" dirty="0"/>
+                </a:p>
+              </p:txBody>
+            </p:sp>
+          </mc:Choice>
+          <mc:Fallback>
+            <p:sp>
+              <p:nvSpPr>
+                <p:cNvPr id="48" name="TextBox 47">
+                  <a:extLst>
+                    <a:ext uri="{FF2B5EF4-FFF2-40B4-BE49-F238E27FC236}">
+                      <a16:creationId xmlns:a16="http://schemas.microsoft.com/office/drawing/2014/main" id="{8CBD0BFD-4C2A-B043-BC0B-B14D03668061}"/>
+                    </a:ext>
+                  </a:extLst>
+                </p:cNvPr>
+                <p:cNvSpPr txBox="1">
+                  <a:spLocks noRot="1" noChangeAspect="1" noMove="1" noResize="1" noEditPoints="1" noAdjustHandles="1" noChangeArrowheads="1" noChangeShapeType="1" noTextEdit="1"/>
+                </p:cNvSpPr>
+                <p:nvPr/>
+              </p:nvSpPr>
+              <p:spPr>
+                <a:xfrm>
+                  <a:off x="3737907" y="4377211"/>
+                  <a:ext cx="1947649" cy="261610"/>
+                </a:xfrm>
+                <a:prstGeom prst="rect">
+                  <a:avLst/>
+                </a:prstGeom>
+                <a:blipFill>
+                  <a:blip r:embed="rId16"/>
+                  <a:stretch>
+                    <a:fillRect b="-13636"/>
+                  </a:stretch>
+                </a:blipFill>
+              </p:spPr>
+              <p:txBody>
+                <a:bodyPr/>
+                <a:lstStyle/>
+                <a:p>
+                  <a:r>
+                    <a:rPr lang="en-US">
+                      <a:noFill/>
+                    </a:rPr>
+                    <a:t> </a:t>
+                  </a:r>
+                </a:p>
+              </p:txBody>
+            </p:sp>
+          </mc:Fallback>
+        </mc:AlternateContent>
+      </p:grpSp>
     </p:spTree>
     <p:extLst>
       <p:ext uri="{BB962C8B-B14F-4D97-AF65-F5344CB8AC3E}">

--- a/docs/TransformersIntroFigures.pptx
+++ b/docs/TransformersIntroFigures.pptx
@@ -9,6 +9,7 @@
     <p:sldId id="257" r:id="rId3"/>
     <p:sldId id="258" r:id="rId4"/>
     <p:sldId id="259" r:id="rId5"/>
+    <p:sldId id="260" r:id="rId6"/>
   </p:sldIdLst>
   <p:sldSz cx="12192000" cy="6858000"/>
   <p:notesSz cx="6858000" cy="9144000"/>
@@ -21392,6 +21393,1986 @@
 </p:sld>
 </file>
 
+<file path=ppt/slides/slide5.xml><?xml version="1.0" encoding="utf-8"?>
+<p:sld xmlns:a="http://schemas.openxmlformats.org/drawingml/2006/main" xmlns:r="http://schemas.openxmlformats.org/officeDocument/2006/relationships" xmlns:p="http://schemas.openxmlformats.org/presentationml/2006/main">
+  <p:cSld>
+    <p:spTree>
+      <p:nvGrpSpPr>
+        <p:cNvPr id="1" name=""/>
+        <p:cNvGrpSpPr/>
+        <p:nvPr/>
+      </p:nvGrpSpPr>
+      <p:grpSpPr>
+        <a:xfrm>
+          <a:off x="0" y="0"/>
+          <a:ext cx="0" cy="0"/>
+          <a:chOff x="0" y="0"/>
+          <a:chExt cx="0" cy="0"/>
+        </a:xfrm>
+      </p:grpSpPr>
+      <p:grpSp>
+        <p:nvGrpSpPr>
+          <p:cNvPr id="36" name="Group 35">
+            <a:extLst>
+              <a:ext uri="{FF2B5EF4-FFF2-40B4-BE49-F238E27FC236}">
+                <a16:creationId xmlns:a16="http://schemas.microsoft.com/office/drawing/2014/main" id="{3342A474-F8D9-D74E-BDD4-180587F9A4C1}"/>
+              </a:ext>
+            </a:extLst>
+          </p:cNvPr>
+          <p:cNvGrpSpPr/>
+          <p:nvPr/>
+        </p:nvGrpSpPr>
+        <p:grpSpPr>
+          <a:xfrm>
+            <a:off x="2643501" y="1697586"/>
+            <a:ext cx="2751680" cy="1245139"/>
+            <a:chOff x="2643501" y="1697586"/>
+            <a:chExt cx="2751680" cy="1245139"/>
+          </a:xfrm>
+        </p:grpSpPr>
+        <p:sp>
+          <p:nvSpPr>
+            <p:cNvPr id="2" name="Oval 1">
+              <a:extLst>
+                <a:ext uri="{FF2B5EF4-FFF2-40B4-BE49-F238E27FC236}">
+                  <a16:creationId xmlns:a16="http://schemas.microsoft.com/office/drawing/2014/main" id="{88F0FF99-25E2-814D-9B7E-A938328367F0}"/>
+                </a:ext>
+              </a:extLst>
+            </p:cNvPr>
+            <p:cNvSpPr/>
+            <p:nvPr/>
+          </p:nvSpPr>
+          <p:spPr>
+            <a:xfrm>
+              <a:off x="2828611" y="1879042"/>
+              <a:ext cx="246185" cy="266281"/>
+            </a:xfrm>
+            <a:prstGeom prst="ellipse">
+              <a:avLst/>
+            </a:prstGeom>
+            <a:noFill/>
+          </p:spPr>
+          <p:style>
+            <a:lnRef idx="2">
+              <a:schemeClr val="accent1">
+                <a:shade val="50000"/>
+              </a:schemeClr>
+            </a:lnRef>
+            <a:fillRef idx="1">
+              <a:schemeClr val="accent1"/>
+            </a:fillRef>
+            <a:effectRef idx="0">
+              <a:schemeClr val="accent1"/>
+            </a:effectRef>
+            <a:fontRef idx="minor">
+              <a:schemeClr val="lt1"/>
+            </a:fontRef>
+          </p:style>
+          <p:txBody>
+            <a:bodyPr rtlCol="0" anchor="ctr"/>
+            <a:lstStyle/>
+            <a:p>
+              <a:pPr algn="ctr"/>
+              <a:endParaRPr lang="en-US"/>
+            </a:p>
+          </p:txBody>
+        </p:sp>
+        <p:sp>
+          <p:nvSpPr>
+            <p:cNvPr id="3" name="Oval 2">
+              <a:extLst>
+                <a:ext uri="{FF2B5EF4-FFF2-40B4-BE49-F238E27FC236}">
+                  <a16:creationId xmlns:a16="http://schemas.microsoft.com/office/drawing/2014/main" id="{B822BA76-30B8-4046-8548-838FB67692F8}"/>
+                </a:ext>
+              </a:extLst>
+            </p:cNvPr>
+            <p:cNvSpPr/>
+            <p:nvPr/>
+          </p:nvSpPr>
+          <p:spPr>
+            <a:xfrm>
+              <a:off x="3532787" y="2456790"/>
+              <a:ext cx="246185" cy="266281"/>
+            </a:xfrm>
+            <a:prstGeom prst="ellipse">
+              <a:avLst/>
+            </a:prstGeom>
+            <a:noFill/>
+          </p:spPr>
+          <p:style>
+            <a:lnRef idx="2">
+              <a:schemeClr val="accent1">
+                <a:shade val="50000"/>
+              </a:schemeClr>
+            </a:lnRef>
+            <a:fillRef idx="1">
+              <a:schemeClr val="accent1"/>
+            </a:fillRef>
+            <a:effectRef idx="0">
+              <a:schemeClr val="accent1"/>
+            </a:effectRef>
+            <a:fontRef idx="minor">
+              <a:schemeClr val="lt1"/>
+            </a:fontRef>
+          </p:style>
+          <p:txBody>
+            <a:bodyPr rtlCol="0" anchor="ctr"/>
+            <a:lstStyle/>
+            <a:p>
+              <a:pPr algn="ctr"/>
+              <a:endParaRPr lang="en-US"/>
+            </a:p>
+          </p:txBody>
+        </p:sp>
+        <mc:AlternateContent xmlns:mc="http://schemas.openxmlformats.org/markup-compatibility/2006">
+          <mc:Choice xmlns:a14="http://schemas.microsoft.com/office/drawing/2010/main" Requires="a14">
+            <p:sp>
+              <p:nvSpPr>
+                <p:cNvPr id="4" name="TextBox 3">
+                  <a:extLst>
+                    <a:ext uri="{FF2B5EF4-FFF2-40B4-BE49-F238E27FC236}">
+                      <a16:creationId xmlns:a16="http://schemas.microsoft.com/office/drawing/2014/main" id="{A89B5D57-AF42-CF49-924D-0EB7569C2C7D}"/>
+                    </a:ext>
+                  </a:extLst>
+                </p:cNvPr>
+                <p:cNvSpPr txBox="1"/>
+                <p:nvPr/>
+              </p:nvSpPr>
+              <p:spPr>
+                <a:xfrm>
+                  <a:off x="3161882" y="1748237"/>
+                  <a:ext cx="813916" cy="261610"/>
+                </a:xfrm>
+                <a:prstGeom prst="rect">
+                  <a:avLst/>
+                </a:prstGeom>
+                <a:noFill/>
+              </p:spPr>
+              <p:txBody>
+                <a:bodyPr wrap="square" rtlCol="0">
+                  <a:spAutoFit/>
+                </a:bodyPr>
+                <a:lstStyle/>
+                <a:p>
+                  <a14:m>
+                    <m:oMathPara xmlns:m="http://schemas.openxmlformats.org/officeDocument/2006/math">
+                      <m:oMathParaPr>
+                        <m:jc m:val="centerGroup"/>
+                      </m:oMathParaPr>
+                      <m:oMath xmlns:m="http://schemas.openxmlformats.org/officeDocument/2006/math">
+                        <m:sSub>
+                          <m:sSubPr>
+                            <m:ctrlPr>
+                              <a:rPr lang="en-US" sz="1100" i="1" smtClean="0">
+                                <a:latin typeface="Cambria Math" panose="02040503050406030204" pitchFamily="18" charset="0"/>
+                              </a:rPr>
+                            </m:ctrlPr>
+                          </m:sSubPr>
+                          <m:e>
+                            <m:r>
+                              <a:rPr lang="en-US" sz="1100" b="0" i="1" smtClean="0">
+                                <a:latin typeface="Cambria Math" panose="02040503050406030204" pitchFamily="18" charset="0"/>
+                              </a:rPr>
+                              <m:t>𝑤</m:t>
+                            </m:r>
+                          </m:e>
+                          <m:sub>
+                            <m:r>
+                              <a:rPr lang="en-US" sz="1100" b="0" i="1" smtClean="0">
+                                <a:latin typeface="Cambria Math" panose="02040503050406030204" pitchFamily="18" charset="0"/>
+                              </a:rPr>
+                              <m:t>1</m:t>
+                            </m:r>
+                          </m:sub>
+                        </m:sSub>
+                        <m:r>
+                          <a:rPr lang="en-US" sz="1100" i="1" smtClean="0">
+                            <a:latin typeface="Cambria Math" panose="02040503050406030204" pitchFamily="18" charset="0"/>
+                            <a:ea typeface="Cambria Math" panose="02040503050406030204" pitchFamily="18" charset="0"/>
+                          </a:rPr>
+                          <m:t>≡</m:t>
+                        </m:r>
+                        <m:r>
+                          <a:rPr lang="en-US" sz="1100" b="0" i="1" smtClean="0">
+                            <a:latin typeface="Cambria Math" panose="02040503050406030204" pitchFamily="18" charset="0"/>
+                            <a:ea typeface="Cambria Math" panose="02040503050406030204" pitchFamily="18" charset="0"/>
+                          </a:rPr>
+                          <m:t>𝑤</m:t>
+                        </m:r>
+                      </m:oMath>
+                    </m:oMathPara>
+                  </a14:m>
+                  <a:endParaRPr lang="en-US" sz="1100" dirty="0"/>
+                </a:p>
+              </p:txBody>
+            </p:sp>
+          </mc:Choice>
+          <mc:Fallback>
+            <p:sp>
+              <p:nvSpPr>
+                <p:cNvPr id="4" name="TextBox 3">
+                  <a:extLst>
+                    <a:ext uri="{FF2B5EF4-FFF2-40B4-BE49-F238E27FC236}">
+                      <a16:creationId xmlns:a16="http://schemas.microsoft.com/office/drawing/2014/main" id="{A89B5D57-AF42-CF49-924D-0EB7569C2C7D}"/>
+                    </a:ext>
+                  </a:extLst>
+                </p:cNvPr>
+                <p:cNvSpPr txBox="1">
+                  <a:spLocks noRot="1" noChangeAspect="1" noMove="1" noResize="1" noEditPoints="1" noAdjustHandles="1" noChangeArrowheads="1" noChangeShapeType="1" noTextEdit="1"/>
+                </p:cNvSpPr>
+                <p:nvPr/>
+              </p:nvSpPr>
+              <p:spPr>
+                <a:xfrm>
+                  <a:off x="3161882" y="1748237"/>
+                  <a:ext cx="813916" cy="261610"/>
+                </a:xfrm>
+                <a:prstGeom prst="rect">
+                  <a:avLst/>
+                </a:prstGeom>
+                <a:blipFill>
+                  <a:blip r:embed="rId2"/>
+                  <a:stretch>
+                    <a:fillRect/>
+                  </a:stretch>
+                </a:blipFill>
+              </p:spPr>
+              <p:txBody>
+                <a:bodyPr/>
+                <a:lstStyle/>
+                <a:p>
+                  <a:r>
+                    <a:rPr lang="en-US">
+                      <a:noFill/>
+                    </a:rPr>
+                    <a:t> </a:t>
+                  </a:r>
+                </a:p>
+              </p:txBody>
+            </p:sp>
+          </mc:Fallback>
+        </mc:AlternateContent>
+        <p:cxnSp>
+          <p:nvCxnSpPr>
+            <p:cNvPr id="6" name="Straight Connector 5">
+              <a:extLst>
+                <a:ext uri="{FF2B5EF4-FFF2-40B4-BE49-F238E27FC236}">
+                  <a16:creationId xmlns:a16="http://schemas.microsoft.com/office/drawing/2014/main" id="{79F2BFFA-8F56-6343-923E-069B180C8AA3}"/>
+                </a:ext>
+              </a:extLst>
+            </p:cNvPr>
+            <p:cNvCxnSpPr>
+              <a:cxnSpLocks/>
+            </p:cNvCxnSpPr>
+            <p:nvPr/>
+          </p:nvCxnSpPr>
+          <p:spPr>
+            <a:xfrm>
+              <a:off x="3038743" y="2119599"/>
+              <a:ext cx="530097" cy="381944"/>
+            </a:xfrm>
+            <a:prstGeom prst="line">
+              <a:avLst/>
+            </a:prstGeom>
+            <a:ln w="12700"/>
+          </p:spPr>
+          <p:style>
+            <a:lnRef idx="1">
+              <a:schemeClr val="accent1"/>
+            </a:lnRef>
+            <a:fillRef idx="0">
+              <a:schemeClr val="accent1"/>
+            </a:fillRef>
+            <a:effectRef idx="0">
+              <a:schemeClr val="accent1"/>
+            </a:effectRef>
+            <a:fontRef idx="minor">
+              <a:schemeClr val="tx1"/>
+            </a:fontRef>
+          </p:style>
+        </p:cxnSp>
+        <p:cxnSp>
+          <p:nvCxnSpPr>
+            <p:cNvPr id="18" name="Straight Connector 17">
+              <a:extLst>
+                <a:ext uri="{FF2B5EF4-FFF2-40B4-BE49-F238E27FC236}">
+                  <a16:creationId xmlns:a16="http://schemas.microsoft.com/office/drawing/2014/main" id="{75B00904-7A0C-E549-90DB-3F936575E17A}"/>
+                </a:ext>
+              </a:extLst>
+            </p:cNvPr>
+            <p:cNvCxnSpPr>
+              <a:cxnSpLocks/>
+            </p:cNvCxnSpPr>
+            <p:nvPr/>
+          </p:nvCxnSpPr>
+          <p:spPr>
+            <a:xfrm flipH="1" flipV="1">
+              <a:off x="2878515" y="1697586"/>
+              <a:ext cx="36285" cy="181456"/>
+            </a:xfrm>
+            <a:prstGeom prst="line">
+              <a:avLst/>
+            </a:prstGeom>
+          </p:spPr>
+          <p:style>
+            <a:lnRef idx="1">
+              <a:schemeClr val="accent1"/>
+            </a:lnRef>
+            <a:fillRef idx="0">
+              <a:schemeClr val="accent1"/>
+            </a:fillRef>
+            <a:effectRef idx="0">
+              <a:schemeClr val="accent1"/>
+            </a:effectRef>
+            <a:fontRef idx="minor">
+              <a:schemeClr val="tx1"/>
+            </a:fontRef>
+          </p:style>
+        </p:cxnSp>
+        <p:cxnSp>
+          <p:nvCxnSpPr>
+            <p:cNvPr id="20" name="Straight Connector 19">
+              <a:extLst>
+                <a:ext uri="{FF2B5EF4-FFF2-40B4-BE49-F238E27FC236}">
+                  <a16:creationId xmlns:a16="http://schemas.microsoft.com/office/drawing/2014/main" id="{3F667C5D-9EE3-E547-9A10-73AFF75574F0}"/>
+                </a:ext>
+              </a:extLst>
+            </p:cNvPr>
+            <p:cNvCxnSpPr>
+              <a:stCxn id="2" idx="1"/>
+            </p:cNvCxnSpPr>
+            <p:nvPr/>
+          </p:nvCxnSpPr>
+          <p:spPr>
+            <a:xfrm flipH="1" flipV="1">
+              <a:off x="2741525" y="1783695"/>
+              <a:ext cx="123139" cy="134343"/>
+            </a:xfrm>
+            <a:prstGeom prst="line">
+              <a:avLst/>
+            </a:prstGeom>
+          </p:spPr>
+          <p:style>
+            <a:lnRef idx="1">
+              <a:schemeClr val="accent1"/>
+            </a:lnRef>
+            <a:fillRef idx="0">
+              <a:schemeClr val="accent1"/>
+            </a:fillRef>
+            <a:effectRef idx="0">
+              <a:schemeClr val="accent1"/>
+            </a:effectRef>
+            <a:fontRef idx="minor">
+              <a:schemeClr val="tx1"/>
+            </a:fontRef>
+          </p:style>
+        </p:cxnSp>
+        <p:cxnSp>
+          <p:nvCxnSpPr>
+            <p:cNvPr id="22" name="Straight Connector 21">
+              <a:extLst>
+                <a:ext uri="{FF2B5EF4-FFF2-40B4-BE49-F238E27FC236}">
+                  <a16:creationId xmlns:a16="http://schemas.microsoft.com/office/drawing/2014/main" id="{FEF6FB89-5E52-3544-8783-1455835ED0BC}"/>
+                </a:ext>
+              </a:extLst>
+            </p:cNvPr>
+            <p:cNvCxnSpPr>
+              <a:cxnSpLocks/>
+            </p:cNvCxnSpPr>
+            <p:nvPr/>
+          </p:nvCxnSpPr>
+          <p:spPr>
+            <a:xfrm flipH="1" flipV="1">
+              <a:off x="2643501" y="1926866"/>
+              <a:ext cx="185110" cy="31666"/>
+            </a:xfrm>
+            <a:prstGeom prst="line">
+              <a:avLst/>
+            </a:prstGeom>
+          </p:spPr>
+          <p:style>
+            <a:lnRef idx="1">
+              <a:schemeClr val="accent1"/>
+            </a:lnRef>
+            <a:fillRef idx="0">
+              <a:schemeClr val="accent1"/>
+            </a:fillRef>
+            <a:effectRef idx="0">
+              <a:schemeClr val="accent1"/>
+            </a:effectRef>
+            <a:fontRef idx="minor">
+              <a:schemeClr val="tx1"/>
+            </a:fontRef>
+          </p:style>
+        </p:cxnSp>
+        <p:cxnSp>
+          <p:nvCxnSpPr>
+            <p:cNvPr id="24" name="Straight Connector 23">
+              <a:extLst>
+                <a:ext uri="{FF2B5EF4-FFF2-40B4-BE49-F238E27FC236}">
+                  <a16:creationId xmlns:a16="http://schemas.microsoft.com/office/drawing/2014/main" id="{4FE9002F-94B8-6841-A771-6C226DA8F7BB}"/>
+                </a:ext>
+              </a:extLst>
+            </p:cNvPr>
+            <p:cNvCxnSpPr>
+              <a:stCxn id="3" idx="6"/>
+            </p:cNvCxnSpPr>
+            <p:nvPr/>
+          </p:nvCxnSpPr>
+          <p:spPr>
+            <a:xfrm flipV="1">
+              <a:off x="3778972" y="2589930"/>
+              <a:ext cx="196826" cy="1"/>
+            </a:xfrm>
+            <a:prstGeom prst="line">
+              <a:avLst/>
+            </a:prstGeom>
+          </p:spPr>
+          <p:style>
+            <a:lnRef idx="1">
+              <a:schemeClr val="accent1"/>
+            </a:lnRef>
+            <a:fillRef idx="0">
+              <a:schemeClr val="accent1"/>
+            </a:fillRef>
+            <a:effectRef idx="0">
+              <a:schemeClr val="accent1"/>
+            </a:effectRef>
+            <a:fontRef idx="minor">
+              <a:schemeClr val="tx1"/>
+            </a:fontRef>
+          </p:style>
+        </p:cxnSp>
+        <p:cxnSp>
+          <p:nvCxnSpPr>
+            <p:cNvPr id="26" name="Straight Connector 25">
+              <a:extLst>
+                <a:ext uri="{FF2B5EF4-FFF2-40B4-BE49-F238E27FC236}">
+                  <a16:creationId xmlns:a16="http://schemas.microsoft.com/office/drawing/2014/main" id="{41C88C75-036B-E448-8283-FED5A470FD34}"/>
+                </a:ext>
+              </a:extLst>
+            </p:cNvPr>
+            <p:cNvCxnSpPr>
+              <a:stCxn id="3" idx="5"/>
+            </p:cNvCxnSpPr>
+            <p:nvPr/>
+          </p:nvCxnSpPr>
+          <p:spPr>
+            <a:xfrm>
+              <a:off x="3742919" y="2684075"/>
+              <a:ext cx="91000" cy="112431"/>
+            </a:xfrm>
+            <a:prstGeom prst="line">
+              <a:avLst/>
+            </a:prstGeom>
+          </p:spPr>
+          <p:style>
+            <a:lnRef idx="1">
+              <a:schemeClr val="accent1"/>
+            </a:lnRef>
+            <a:fillRef idx="0">
+              <a:schemeClr val="accent1"/>
+            </a:fillRef>
+            <a:effectRef idx="0">
+              <a:schemeClr val="accent1"/>
+            </a:effectRef>
+            <a:fontRef idx="minor">
+              <a:schemeClr val="tx1"/>
+            </a:fontRef>
+          </p:style>
+        </p:cxnSp>
+        <p:sp>
+          <p:nvSpPr>
+            <p:cNvPr id="27" name="Oval 26">
+              <a:extLst>
+                <a:ext uri="{FF2B5EF4-FFF2-40B4-BE49-F238E27FC236}">
+                  <a16:creationId xmlns:a16="http://schemas.microsoft.com/office/drawing/2014/main" id="{F8A8EE48-C0AA-D642-8E8D-FDA6CC0B7B7B}"/>
+                </a:ext>
+              </a:extLst>
+            </p:cNvPr>
+            <p:cNvSpPr/>
+            <p:nvPr/>
+          </p:nvSpPr>
+          <p:spPr>
+            <a:xfrm>
+              <a:off x="4247994" y="2025261"/>
+              <a:ext cx="246185" cy="266281"/>
+            </a:xfrm>
+            <a:prstGeom prst="ellipse">
+              <a:avLst/>
+            </a:prstGeom>
+            <a:noFill/>
+          </p:spPr>
+          <p:style>
+            <a:lnRef idx="2">
+              <a:schemeClr val="accent1">
+                <a:shade val="50000"/>
+              </a:schemeClr>
+            </a:lnRef>
+            <a:fillRef idx="1">
+              <a:schemeClr val="accent1"/>
+            </a:fillRef>
+            <a:effectRef idx="0">
+              <a:schemeClr val="accent1"/>
+            </a:effectRef>
+            <a:fontRef idx="minor">
+              <a:schemeClr val="lt1"/>
+            </a:fontRef>
+          </p:style>
+          <p:txBody>
+            <a:bodyPr rtlCol="0" anchor="ctr"/>
+            <a:lstStyle/>
+            <a:p>
+              <a:pPr algn="ctr"/>
+              <a:endParaRPr lang="en-US"/>
+            </a:p>
+          </p:txBody>
+        </p:sp>
+        <p:sp>
+          <p:nvSpPr>
+            <p:cNvPr id="28" name="Oval 27">
+              <a:extLst>
+                <a:ext uri="{FF2B5EF4-FFF2-40B4-BE49-F238E27FC236}">
+                  <a16:creationId xmlns:a16="http://schemas.microsoft.com/office/drawing/2014/main" id="{AB390CAE-5270-9547-A120-F05383DFF0FD}"/>
+                </a:ext>
+              </a:extLst>
+            </p:cNvPr>
+            <p:cNvSpPr/>
+            <p:nvPr/>
+          </p:nvSpPr>
+          <p:spPr>
+            <a:xfrm>
+              <a:off x="4952170" y="2603009"/>
+              <a:ext cx="246185" cy="266281"/>
+            </a:xfrm>
+            <a:prstGeom prst="ellipse">
+              <a:avLst/>
+            </a:prstGeom>
+            <a:noFill/>
+          </p:spPr>
+          <p:style>
+            <a:lnRef idx="2">
+              <a:schemeClr val="accent1">
+                <a:shade val="50000"/>
+              </a:schemeClr>
+            </a:lnRef>
+            <a:fillRef idx="1">
+              <a:schemeClr val="accent1"/>
+            </a:fillRef>
+            <a:effectRef idx="0">
+              <a:schemeClr val="accent1"/>
+            </a:effectRef>
+            <a:fontRef idx="minor">
+              <a:schemeClr val="lt1"/>
+            </a:fontRef>
+          </p:style>
+          <p:txBody>
+            <a:bodyPr rtlCol="0" anchor="ctr"/>
+            <a:lstStyle/>
+            <a:p>
+              <a:pPr algn="ctr"/>
+              <a:endParaRPr lang="en-US"/>
+            </a:p>
+          </p:txBody>
+        </p:sp>
+        <mc:AlternateContent xmlns:mc="http://schemas.openxmlformats.org/markup-compatibility/2006">
+          <mc:Choice xmlns:a14="http://schemas.microsoft.com/office/drawing/2010/main" Requires="a14">
+            <p:sp>
+              <p:nvSpPr>
+                <p:cNvPr id="29" name="TextBox 28">
+                  <a:extLst>
+                    <a:ext uri="{FF2B5EF4-FFF2-40B4-BE49-F238E27FC236}">
+                      <a16:creationId xmlns:a16="http://schemas.microsoft.com/office/drawing/2014/main" id="{3F43D257-FD7C-CA47-AD1F-71F9AF579FC7}"/>
+                    </a:ext>
+                  </a:extLst>
+                </p:cNvPr>
+                <p:cNvSpPr txBox="1"/>
+                <p:nvPr/>
+              </p:nvSpPr>
+              <p:spPr>
+                <a:xfrm>
+                  <a:off x="4581265" y="1894456"/>
+                  <a:ext cx="813916" cy="261610"/>
+                </a:xfrm>
+                <a:prstGeom prst="rect">
+                  <a:avLst/>
+                </a:prstGeom>
+                <a:noFill/>
+              </p:spPr>
+              <p:txBody>
+                <a:bodyPr wrap="square" rtlCol="0">
+                  <a:spAutoFit/>
+                </a:bodyPr>
+                <a:lstStyle/>
+                <a:p>
+                  <a14:m>
+                    <m:oMathPara xmlns:m="http://schemas.openxmlformats.org/officeDocument/2006/math">
+                      <m:oMathParaPr>
+                        <m:jc m:val="centerGroup"/>
+                      </m:oMathParaPr>
+                      <m:oMath xmlns:m="http://schemas.openxmlformats.org/officeDocument/2006/math">
+                        <m:sSub>
+                          <m:sSubPr>
+                            <m:ctrlPr>
+                              <a:rPr lang="en-US" sz="1100" i="1" smtClean="0">
+                                <a:latin typeface="Cambria Math" panose="02040503050406030204" pitchFamily="18" charset="0"/>
+                              </a:rPr>
+                            </m:ctrlPr>
+                          </m:sSubPr>
+                          <m:e>
+                            <m:r>
+                              <a:rPr lang="en-US" sz="1100" b="0" i="1" smtClean="0">
+                                <a:latin typeface="Cambria Math" panose="02040503050406030204" pitchFamily="18" charset="0"/>
+                              </a:rPr>
+                              <m:t>𝑤</m:t>
+                            </m:r>
+                          </m:e>
+                          <m:sub>
+                            <m:r>
+                              <a:rPr lang="en-US" sz="1100" b="0" i="1" smtClean="0">
+                                <a:latin typeface="Cambria Math" panose="02040503050406030204" pitchFamily="18" charset="0"/>
+                              </a:rPr>
+                              <m:t>2</m:t>
+                            </m:r>
+                          </m:sub>
+                        </m:sSub>
+                        <m:r>
+                          <a:rPr lang="en-US" sz="1100" i="1" smtClean="0">
+                            <a:latin typeface="Cambria Math" panose="02040503050406030204" pitchFamily="18" charset="0"/>
+                            <a:ea typeface="Cambria Math" panose="02040503050406030204" pitchFamily="18" charset="0"/>
+                          </a:rPr>
+                          <m:t>≡</m:t>
+                        </m:r>
+                        <m:r>
+                          <a:rPr lang="en-US" sz="1100" b="0" i="1" smtClean="0">
+                            <a:latin typeface="Cambria Math" panose="02040503050406030204" pitchFamily="18" charset="0"/>
+                            <a:ea typeface="Cambria Math" panose="02040503050406030204" pitchFamily="18" charset="0"/>
+                          </a:rPr>
+                          <m:t>𝑤</m:t>
+                        </m:r>
+                      </m:oMath>
+                    </m:oMathPara>
+                  </a14:m>
+                  <a:endParaRPr lang="en-US" sz="1100" dirty="0"/>
+                </a:p>
+              </p:txBody>
+            </p:sp>
+          </mc:Choice>
+          <mc:Fallback>
+            <p:sp>
+              <p:nvSpPr>
+                <p:cNvPr id="29" name="TextBox 28">
+                  <a:extLst>
+                    <a:ext uri="{FF2B5EF4-FFF2-40B4-BE49-F238E27FC236}">
+                      <a16:creationId xmlns:a16="http://schemas.microsoft.com/office/drawing/2014/main" id="{3F43D257-FD7C-CA47-AD1F-71F9AF579FC7}"/>
+                    </a:ext>
+                  </a:extLst>
+                </p:cNvPr>
+                <p:cNvSpPr txBox="1">
+                  <a:spLocks noRot="1" noChangeAspect="1" noMove="1" noResize="1" noEditPoints="1" noAdjustHandles="1" noChangeArrowheads="1" noChangeShapeType="1" noTextEdit="1"/>
+                </p:cNvSpPr>
+                <p:nvPr/>
+              </p:nvSpPr>
+              <p:spPr>
+                <a:xfrm>
+                  <a:off x="4581265" y="1894456"/>
+                  <a:ext cx="813916" cy="261610"/>
+                </a:xfrm>
+                <a:prstGeom prst="rect">
+                  <a:avLst/>
+                </a:prstGeom>
+                <a:blipFill>
+                  <a:blip r:embed="rId3"/>
+                  <a:stretch>
+                    <a:fillRect/>
+                  </a:stretch>
+                </a:blipFill>
+              </p:spPr>
+              <p:txBody>
+                <a:bodyPr/>
+                <a:lstStyle/>
+                <a:p>
+                  <a:r>
+                    <a:rPr lang="en-US">
+                      <a:noFill/>
+                    </a:rPr>
+                    <a:t> </a:t>
+                  </a:r>
+                </a:p>
+              </p:txBody>
+            </p:sp>
+          </mc:Fallback>
+        </mc:AlternateContent>
+        <p:cxnSp>
+          <p:nvCxnSpPr>
+            <p:cNvPr id="30" name="Straight Connector 29">
+              <a:extLst>
+                <a:ext uri="{FF2B5EF4-FFF2-40B4-BE49-F238E27FC236}">
+                  <a16:creationId xmlns:a16="http://schemas.microsoft.com/office/drawing/2014/main" id="{A41FF192-04FB-5140-90FC-C283BD9F7CC7}"/>
+                </a:ext>
+              </a:extLst>
+            </p:cNvPr>
+            <p:cNvCxnSpPr>
+              <a:cxnSpLocks/>
+            </p:cNvCxnSpPr>
+            <p:nvPr/>
+          </p:nvCxnSpPr>
+          <p:spPr>
+            <a:xfrm>
+              <a:off x="4458126" y="2265818"/>
+              <a:ext cx="530097" cy="381944"/>
+            </a:xfrm>
+            <a:prstGeom prst="line">
+              <a:avLst/>
+            </a:prstGeom>
+            <a:ln w="12700"/>
+          </p:spPr>
+          <p:style>
+            <a:lnRef idx="1">
+              <a:schemeClr val="accent1"/>
+            </a:lnRef>
+            <a:fillRef idx="0">
+              <a:schemeClr val="accent1"/>
+            </a:fillRef>
+            <a:effectRef idx="0">
+              <a:schemeClr val="accent1"/>
+            </a:effectRef>
+            <a:fontRef idx="minor">
+              <a:schemeClr val="tx1"/>
+            </a:fontRef>
+          </p:style>
+        </p:cxnSp>
+        <p:cxnSp>
+          <p:nvCxnSpPr>
+            <p:cNvPr id="31" name="Straight Connector 30">
+              <a:extLst>
+                <a:ext uri="{FF2B5EF4-FFF2-40B4-BE49-F238E27FC236}">
+                  <a16:creationId xmlns:a16="http://schemas.microsoft.com/office/drawing/2014/main" id="{765E844E-0A69-4941-8E38-3A17B1BDE9D3}"/>
+                </a:ext>
+              </a:extLst>
+            </p:cNvPr>
+            <p:cNvCxnSpPr>
+              <a:cxnSpLocks/>
+            </p:cNvCxnSpPr>
+            <p:nvPr/>
+          </p:nvCxnSpPr>
+          <p:spPr>
+            <a:xfrm flipH="1" flipV="1">
+              <a:off x="4297898" y="1843805"/>
+              <a:ext cx="36285" cy="181456"/>
+            </a:xfrm>
+            <a:prstGeom prst="line">
+              <a:avLst/>
+            </a:prstGeom>
+          </p:spPr>
+          <p:style>
+            <a:lnRef idx="1">
+              <a:schemeClr val="accent1"/>
+            </a:lnRef>
+            <a:fillRef idx="0">
+              <a:schemeClr val="accent1"/>
+            </a:fillRef>
+            <a:effectRef idx="0">
+              <a:schemeClr val="accent1"/>
+            </a:effectRef>
+            <a:fontRef idx="minor">
+              <a:schemeClr val="tx1"/>
+            </a:fontRef>
+          </p:style>
+        </p:cxnSp>
+        <p:cxnSp>
+          <p:nvCxnSpPr>
+            <p:cNvPr id="32" name="Straight Connector 31">
+              <a:extLst>
+                <a:ext uri="{FF2B5EF4-FFF2-40B4-BE49-F238E27FC236}">
+                  <a16:creationId xmlns:a16="http://schemas.microsoft.com/office/drawing/2014/main" id="{7EAE7C7F-7F67-D245-AFBE-4F74145E88F1}"/>
+                </a:ext>
+              </a:extLst>
+            </p:cNvPr>
+            <p:cNvCxnSpPr>
+              <a:stCxn id="27" idx="1"/>
+            </p:cNvCxnSpPr>
+            <p:nvPr/>
+          </p:nvCxnSpPr>
+          <p:spPr>
+            <a:xfrm flipH="1" flipV="1">
+              <a:off x="4160908" y="1929914"/>
+              <a:ext cx="123139" cy="134343"/>
+            </a:xfrm>
+            <a:prstGeom prst="line">
+              <a:avLst/>
+            </a:prstGeom>
+          </p:spPr>
+          <p:style>
+            <a:lnRef idx="1">
+              <a:schemeClr val="accent1"/>
+            </a:lnRef>
+            <a:fillRef idx="0">
+              <a:schemeClr val="accent1"/>
+            </a:fillRef>
+            <a:effectRef idx="0">
+              <a:schemeClr val="accent1"/>
+            </a:effectRef>
+            <a:fontRef idx="minor">
+              <a:schemeClr val="tx1"/>
+            </a:fontRef>
+          </p:style>
+        </p:cxnSp>
+        <p:cxnSp>
+          <p:nvCxnSpPr>
+            <p:cNvPr id="33" name="Straight Connector 32">
+              <a:extLst>
+                <a:ext uri="{FF2B5EF4-FFF2-40B4-BE49-F238E27FC236}">
+                  <a16:creationId xmlns:a16="http://schemas.microsoft.com/office/drawing/2014/main" id="{FDB765E7-9277-5646-A8B5-EB63103E1B01}"/>
+                </a:ext>
+              </a:extLst>
+            </p:cNvPr>
+            <p:cNvCxnSpPr>
+              <a:cxnSpLocks/>
+            </p:cNvCxnSpPr>
+            <p:nvPr/>
+          </p:nvCxnSpPr>
+          <p:spPr>
+            <a:xfrm flipH="1" flipV="1">
+              <a:off x="4062884" y="2073085"/>
+              <a:ext cx="185110" cy="31666"/>
+            </a:xfrm>
+            <a:prstGeom prst="line">
+              <a:avLst/>
+            </a:prstGeom>
+          </p:spPr>
+          <p:style>
+            <a:lnRef idx="1">
+              <a:schemeClr val="accent1"/>
+            </a:lnRef>
+            <a:fillRef idx="0">
+              <a:schemeClr val="accent1"/>
+            </a:fillRef>
+            <a:effectRef idx="0">
+              <a:schemeClr val="accent1"/>
+            </a:effectRef>
+            <a:fontRef idx="minor">
+              <a:schemeClr val="tx1"/>
+            </a:fontRef>
+          </p:style>
+        </p:cxnSp>
+        <p:cxnSp>
+          <p:nvCxnSpPr>
+            <p:cNvPr id="34" name="Straight Connector 33">
+              <a:extLst>
+                <a:ext uri="{FF2B5EF4-FFF2-40B4-BE49-F238E27FC236}">
+                  <a16:creationId xmlns:a16="http://schemas.microsoft.com/office/drawing/2014/main" id="{DAEDB616-5D8C-E84E-9A8C-EBC622935394}"/>
+                </a:ext>
+              </a:extLst>
+            </p:cNvPr>
+            <p:cNvCxnSpPr>
+              <a:stCxn id="28" idx="6"/>
+            </p:cNvCxnSpPr>
+            <p:nvPr/>
+          </p:nvCxnSpPr>
+          <p:spPr>
+            <a:xfrm flipV="1">
+              <a:off x="5198355" y="2736149"/>
+              <a:ext cx="196826" cy="1"/>
+            </a:xfrm>
+            <a:prstGeom prst="line">
+              <a:avLst/>
+            </a:prstGeom>
+          </p:spPr>
+          <p:style>
+            <a:lnRef idx="1">
+              <a:schemeClr val="accent1"/>
+            </a:lnRef>
+            <a:fillRef idx="0">
+              <a:schemeClr val="accent1"/>
+            </a:fillRef>
+            <a:effectRef idx="0">
+              <a:schemeClr val="accent1"/>
+            </a:effectRef>
+            <a:fontRef idx="minor">
+              <a:schemeClr val="tx1"/>
+            </a:fontRef>
+          </p:style>
+        </p:cxnSp>
+        <p:cxnSp>
+          <p:nvCxnSpPr>
+            <p:cNvPr id="35" name="Straight Connector 34">
+              <a:extLst>
+                <a:ext uri="{FF2B5EF4-FFF2-40B4-BE49-F238E27FC236}">
+                  <a16:creationId xmlns:a16="http://schemas.microsoft.com/office/drawing/2014/main" id="{B67B990D-3470-EA4F-9E8C-3EA2AD113670}"/>
+                </a:ext>
+              </a:extLst>
+            </p:cNvPr>
+            <p:cNvCxnSpPr>
+              <a:stCxn id="28" idx="5"/>
+            </p:cNvCxnSpPr>
+            <p:nvPr/>
+          </p:nvCxnSpPr>
+          <p:spPr>
+            <a:xfrm>
+              <a:off x="5162302" y="2830294"/>
+              <a:ext cx="91000" cy="112431"/>
+            </a:xfrm>
+            <a:prstGeom prst="line">
+              <a:avLst/>
+            </a:prstGeom>
+          </p:spPr>
+          <p:style>
+            <a:lnRef idx="1">
+              <a:schemeClr val="accent1"/>
+            </a:lnRef>
+            <a:fillRef idx="0">
+              <a:schemeClr val="accent1"/>
+            </a:fillRef>
+            <a:effectRef idx="0">
+              <a:schemeClr val="accent1"/>
+            </a:effectRef>
+            <a:fontRef idx="minor">
+              <a:schemeClr val="tx1"/>
+            </a:fontRef>
+          </p:style>
+        </p:cxnSp>
+      </p:grpSp>
+      <p:sp>
+        <p:nvSpPr>
+          <p:cNvPr id="38" name="Oval 37">
+            <a:extLst>
+              <a:ext uri="{FF2B5EF4-FFF2-40B4-BE49-F238E27FC236}">
+                <a16:creationId xmlns:a16="http://schemas.microsoft.com/office/drawing/2014/main" id="{9FDDE171-4D1D-4E40-8550-0D998B4FF810}"/>
+              </a:ext>
+            </a:extLst>
+          </p:cNvPr>
+          <p:cNvSpPr/>
+          <p:nvPr/>
+        </p:nvSpPr>
+        <p:spPr>
+          <a:xfrm>
+            <a:off x="2921166" y="3547597"/>
+            <a:ext cx="246185" cy="266281"/>
+          </a:xfrm>
+          <a:prstGeom prst="ellipse">
+            <a:avLst/>
+          </a:prstGeom>
+          <a:noFill/>
+        </p:spPr>
+        <p:style>
+          <a:lnRef idx="2">
+            <a:schemeClr val="accent1">
+              <a:shade val="50000"/>
+            </a:schemeClr>
+          </a:lnRef>
+          <a:fillRef idx="1">
+            <a:schemeClr val="accent1"/>
+          </a:fillRef>
+          <a:effectRef idx="0">
+            <a:schemeClr val="accent1"/>
+          </a:effectRef>
+          <a:fontRef idx="minor">
+            <a:schemeClr val="lt1"/>
+          </a:fontRef>
+        </p:style>
+        <p:txBody>
+          <a:bodyPr rtlCol="0" anchor="ctr"/>
+          <a:lstStyle/>
+          <a:p>
+            <a:pPr algn="ctr"/>
+            <a:endParaRPr lang="en-US"/>
+          </a:p>
+        </p:txBody>
+      </p:sp>
+      <p:sp>
+        <p:nvSpPr>
+          <p:cNvPr id="39" name="Oval 38">
+            <a:extLst>
+              <a:ext uri="{FF2B5EF4-FFF2-40B4-BE49-F238E27FC236}">
+                <a16:creationId xmlns:a16="http://schemas.microsoft.com/office/drawing/2014/main" id="{1D2078C8-3286-814D-AF9F-AFCB29F07E17}"/>
+              </a:ext>
+            </a:extLst>
+          </p:cNvPr>
+          <p:cNvSpPr/>
+          <p:nvPr/>
+        </p:nvSpPr>
+        <p:spPr>
+          <a:xfrm>
+            <a:off x="3625342" y="4125345"/>
+            <a:ext cx="246185" cy="266281"/>
+          </a:xfrm>
+          <a:prstGeom prst="ellipse">
+            <a:avLst/>
+          </a:prstGeom>
+          <a:noFill/>
+        </p:spPr>
+        <p:style>
+          <a:lnRef idx="2">
+            <a:schemeClr val="accent1">
+              <a:shade val="50000"/>
+            </a:schemeClr>
+          </a:lnRef>
+          <a:fillRef idx="1">
+            <a:schemeClr val="accent1"/>
+          </a:fillRef>
+          <a:effectRef idx="0">
+            <a:schemeClr val="accent1"/>
+          </a:effectRef>
+          <a:fontRef idx="minor">
+            <a:schemeClr val="lt1"/>
+          </a:fontRef>
+        </p:style>
+        <p:txBody>
+          <a:bodyPr rtlCol="0" anchor="ctr"/>
+          <a:lstStyle/>
+          <a:p>
+            <a:pPr algn="ctr"/>
+            <a:endParaRPr lang="en-US"/>
+          </a:p>
+        </p:txBody>
+      </p:sp>
+      <mc:AlternateContent xmlns:mc="http://schemas.openxmlformats.org/markup-compatibility/2006">
+        <mc:Choice xmlns:a14="http://schemas.microsoft.com/office/drawing/2010/main" Requires="a14">
+          <p:sp>
+            <p:nvSpPr>
+              <p:cNvPr id="40" name="TextBox 39">
+                <a:extLst>
+                  <a:ext uri="{FF2B5EF4-FFF2-40B4-BE49-F238E27FC236}">
+                    <a16:creationId xmlns:a16="http://schemas.microsoft.com/office/drawing/2014/main" id="{E33C4B34-75A1-824B-9DD8-0DF4C408EC72}"/>
+                  </a:ext>
+                </a:extLst>
+              </p:cNvPr>
+              <p:cNvSpPr txBox="1"/>
+              <p:nvPr/>
+            </p:nvSpPr>
+            <p:spPr>
+              <a:xfrm>
+                <a:off x="3254437" y="3416792"/>
+                <a:ext cx="813916" cy="261610"/>
+              </a:xfrm>
+              <a:prstGeom prst="rect">
+                <a:avLst/>
+              </a:prstGeom>
+              <a:noFill/>
+            </p:spPr>
+            <p:txBody>
+              <a:bodyPr wrap="square" rtlCol="0">
+                <a:spAutoFit/>
+              </a:bodyPr>
+              <a:lstStyle/>
+              <a:p>
+                <a14:m>
+                  <m:oMathPara xmlns:m="http://schemas.openxmlformats.org/officeDocument/2006/math">
+                    <m:oMathParaPr>
+                      <m:jc m:val="centerGroup"/>
+                    </m:oMathParaPr>
+                    <m:oMath xmlns:m="http://schemas.openxmlformats.org/officeDocument/2006/math">
+                      <m:sSub>
+                        <m:sSubPr>
+                          <m:ctrlPr>
+                            <a:rPr lang="en-US" sz="1100" i="1" smtClean="0">
+                              <a:latin typeface="Cambria Math" panose="02040503050406030204" pitchFamily="18" charset="0"/>
+                            </a:rPr>
+                          </m:ctrlPr>
+                        </m:sSubPr>
+                        <m:e>
+                          <m:r>
+                            <a:rPr lang="en-US" sz="1100" b="0" i="1" smtClean="0">
+                              <a:latin typeface="Cambria Math" panose="02040503050406030204" pitchFamily="18" charset="0"/>
+                            </a:rPr>
+                            <m:t>𝑤</m:t>
+                          </m:r>
+                        </m:e>
+                        <m:sub>
+                          <m:r>
+                            <a:rPr lang="en-US" sz="1100" b="0" i="1" smtClean="0">
+                              <a:latin typeface="Cambria Math" panose="02040503050406030204" pitchFamily="18" charset="0"/>
+                            </a:rPr>
+                            <m:t>1</m:t>
+                          </m:r>
+                        </m:sub>
+                      </m:sSub>
+                      <m:r>
+                        <a:rPr lang="en-US" sz="1100" i="1" smtClean="0">
+                          <a:latin typeface="Cambria Math" panose="02040503050406030204" pitchFamily="18" charset="0"/>
+                          <a:ea typeface="Cambria Math" panose="02040503050406030204" pitchFamily="18" charset="0"/>
+                        </a:rPr>
+                        <m:t>≡</m:t>
+                      </m:r>
+                      <m:r>
+                        <a:rPr lang="en-US" sz="1100" b="0" i="1" smtClean="0">
+                          <a:latin typeface="Cambria Math" panose="02040503050406030204" pitchFamily="18" charset="0"/>
+                          <a:ea typeface="Cambria Math" panose="02040503050406030204" pitchFamily="18" charset="0"/>
+                        </a:rPr>
+                        <m:t>𝑤</m:t>
+                      </m:r>
+                    </m:oMath>
+                  </m:oMathPara>
+                </a14:m>
+                <a:endParaRPr lang="en-US" sz="1100" dirty="0"/>
+              </a:p>
+            </p:txBody>
+          </p:sp>
+        </mc:Choice>
+        <mc:Fallback>
+          <p:sp>
+            <p:nvSpPr>
+              <p:cNvPr id="40" name="TextBox 39">
+                <a:extLst>
+                  <a:ext uri="{FF2B5EF4-FFF2-40B4-BE49-F238E27FC236}">
+                    <a16:creationId xmlns:a16="http://schemas.microsoft.com/office/drawing/2014/main" id="{E33C4B34-75A1-824B-9DD8-0DF4C408EC72}"/>
+                  </a:ext>
+                </a:extLst>
+              </p:cNvPr>
+              <p:cNvSpPr txBox="1">
+                <a:spLocks noRot="1" noChangeAspect="1" noMove="1" noResize="1" noEditPoints="1" noAdjustHandles="1" noChangeArrowheads="1" noChangeShapeType="1" noTextEdit="1"/>
+              </p:cNvSpPr>
+              <p:nvPr/>
+            </p:nvSpPr>
+            <p:spPr>
+              <a:xfrm>
+                <a:off x="3254437" y="3416792"/>
+                <a:ext cx="813916" cy="261610"/>
+              </a:xfrm>
+              <a:prstGeom prst="rect">
+                <a:avLst/>
+              </a:prstGeom>
+              <a:blipFill>
+                <a:blip r:embed="rId4"/>
+                <a:stretch>
+                  <a:fillRect/>
+                </a:stretch>
+              </a:blipFill>
+            </p:spPr>
+            <p:txBody>
+              <a:bodyPr/>
+              <a:lstStyle/>
+              <a:p>
+                <a:r>
+                  <a:rPr lang="en-US">
+                    <a:noFill/>
+                  </a:rPr>
+                  <a:t> </a:t>
+                </a:r>
+              </a:p>
+            </p:txBody>
+          </p:sp>
+        </mc:Fallback>
+      </mc:AlternateContent>
+      <p:cxnSp>
+        <p:nvCxnSpPr>
+          <p:cNvPr id="42" name="Straight Connector 41">
+            <a:extLst>
+              <a:ext uri="{FF2B5EF4-FFF2-40B4-BE49-F238E27FC236}">
+                <a16:creationId xmlns:a16="http://schemas.microsoft.com/office/drawing/2014/main" id="{6A7C5579-023B-1F45-91FC-5DFE0A0BDC5F}"/>
+              </a:ext>
+            </a:extLst>
+          </p:cNvPr>
+          <p:cNvCxnSpPr>
+            <a:cxnSpLocks/>
+          </p:cNvCxnSpPr>
+          <p:nvPr/>
+        </p:nvCxnSpPr>
+        <p:spPr>
+          <a:xfrm flipH="1" flipV="1">
+            <a:off x="2971070" y="3366141"/>
+            <a:ext cx="36285" cy="181456"/>
+          </a:xfrm>
+          <a:prstGeom prst="line">
+            <a:avLst/>
+          </a:prstGeom>
+        </p:spPr>
+        <p:style>
+          <a:lnRef idx="1">
+            <a:schemeClr val="accent1"/>
+          </a:lnRef>
+          <a:fillRef idx="0">
+            <a:schemeClr val="accent1"/>
+          </a:fillRef>
+          <a:effectRef idx="0">
+            <a:schemeClr val="accent1"/>
+          </a:effectRef>
+          <a:fontRef idx="minor">
+            <a:schemeClr val="tx1"/>
+          </a:fontRef>
+        </p:style>
+      </p:cxnSp>
+      <p:cxnSp>
+        <p:nvCxnSpPr>
+          <p:cNvPr id="43" name="Straight Connector 42">
+            <a:extLst>
+              <a:ext uri="{FF2B5EF4-FFF2-40B4-BE49-F238E27FC236}">
+                <a16:creationId xmlns:a16="http://schemas.microsoft.com/office/drawing/2014/main" id="{F697324F-7B72-0648-A55E-1A10B2FAF0E1}"/>
+              </a:ext>
+            </a:extLst>
+          </p:cNvPr>
+          <p:cNvCxnSpPr>
+            <a:stCxn id="38" idx="1"/>
+          </p:cNvCxnSpPr>
+          <p:nvPr/>
+        </p:nvCxnSpPr>
+        <p:spPr>
+          <a:xfrm flipH="1" flipV="1">
+            <a:off x="2834080" y="3452250"/>
+            <a:ext cx="123139" cy="134343"/>
+          </a:xfrm>
+          <a:prstGeom prst="line">
+            <a:avLst/>
+          </a:prstGeom>
+        </p:spPr>
+        <p:style>
+          <a:lnRef idx="1">
+            <a:schemeClr val="accent1"/>
+          </a:lnRef>
+          <a:fillRef idx="0">
+            <a:schemeClr val="accent1"/>
+          </a:fillRef>
+          <a:effectRef idx="0">
+            <a:schemeClr val="accent1"/>
+          </a:effectRef>
+          <a:fontRef idx="minor">
+            <a:schemeClr val="tx1"/>
+          </a:fontRef>
+        </p:style>
+      </p:cxnSp>
+      <p:cxnSp>
+        <p:nvCxnSpPr>
+          <p:cNvPr id="44" name="Straight Connector 43">
+            <a:extLst>
+              <a:ext uri="{FF2B5EF4-FFF2-40B4-BE49-F238E27FC236}">
+                <a16:creationId xmlns:a16="http://schemas.microsoft.com/office/drawing/2014/main" id="{F5D16DED-1EB5-FF43-8871-1CF80218FCC0}"/>
+              </a:ext>
+            </a:extLst>
+          </p:cNvPr>
+          <p:cNvCxnSpPr>
+            <a:cxnSpLocks/>
+          </p:cNvCxnSpPr>
+          <p:nvPr/>
+        </p:nvCxnSpPr>
+        <p:spPr>
+          <a:xfrm flipH="1" flipV="1">
+            <a:off x="2736056" y="3595421"/>
+            <a:ext cx="185110" cy="31666"/>
+          </a:xfrm>
+          <a:prstGeom prst="line">
+            <a:avLst/>
+          </a:prstGeom>
+        </p:spPr>
+        <p:style>
+          <a:lnRef idx="1">
+            <a:schemeClr val="accent1"/>
+          </a:lnRef>
+          <a:fillRef idx="0">
+            <a:schemeClr val="accent1"/>
+          </a:fillRef>
+          <a:effectRef idx="0">
+            <a:schemeClr val="accent1"/>
+          </a:effectRef>
+          <a:fontRef idx="minor">
+            <a:schemeClr val="tx1"/>
+          </a:fontRef>
+        </p:style>
+      </p:cxnSp>
+      <p:cxnSp>
+        <p:nvCxnSpPr>
+          <p:cNvPr id="45" name="Straight Connector 44">
+            <a:extLst>
+              <a:ext uri="{FF2B5EF4-FFF2-40B4-BE49-F238E27FC236}">
+                <a16:creationId xmlns:a16="http://schemas.microsoft.com/office/drawing/2014/main" id="{8344AE04-9CB1-B74E-BD1E-B07B304C97C8}"/>
+              </a:ext>
+            </a:extLst>
+          </p:cNvPr>
+          <p:cNvCxnSpPr>
+            <a:stCxn id="39" idx="6"/>
+          </p:cNvCxnSpPr>
+          <p:nvPr/>
+        </p:nvCxnSpPr>
+        <p:spPr>
+          <a:xfrm flipV="1">
+            <a:off x="3871527" y="4258485"/>
+            <a:ext cx="196826" cy="1"/>
+          </a:xfrm>
+          <a:prstGeom prst="line">
+            <a:avLst/>
+          </a:prstGeom>
+        </p:spPr>
+        <p:style>
+          <a:lnRef idx="1">
+            <a:schemeClr val="accent1"/>
+          </a:lnRef>
+          <a:fillRef idx="0">
+            <a:schemeClr val="accent1"/>
+          </a:fillRef>
+          <a:effectRef idx="0">
+            <a:schemeClr val="accent1"/>
+          </a:effectRef>
+          <a:fontRef idx="minor">
+            <a:schemeClr val="tx1"/>
+          </a:fontRef>
+        </p:style>
+      </p:cxnSp>
+      <p:cxnSp>
+        <p:nvCxnSpPr>
+          <p:cNvPr id="46" name="Straight Connector 45">
+            <a:extLst>
+              <a:ext uri="{FF2B5EF4-FFF2-40B4-BE49-F238E27FC236}">
+                <a16:creationId xmlns:a16="http://schemas.microsoft.com/office/drawing/2014/main" id="{A60F3784-B9CC-B24E-86E1-BA031F58A053}"/>
+              </a:ext>
+            </a:extLst>
+          </p:cNvPr>
+          <p:cNvCxnSpPr>
+            <a:stCxn id="39" idx="5"/>
+          </p:cNvCxnSpPr>
+          <p:nvPr/>
+        </p:nvCxnSpPr>
+        <p:spPr>
+          <a:xfrm>
+            <a:off x="3835474" y="4352630"/>
+            <a:ext cx="91000" cy="112431"/>
+          </a:xfrm>
+          <a:prstGeom prst="line">
+            <a:avLst/>
+          </a:prstGeom>
+        </p:spPr>
+        <p:style>
+          <a:lnRef idx="1">
+            <a:schemeClr val="accent1"/>
+          </a:lnRef>
+          <a:fillRef idx="0">
+            <a:schemeClr val="accent1"/>
+          </a:fillRef>
+          <a:effectRef idx="0">
+            <a:schemeClr val="accent1"/>
+          </a:effectRef>
+          <a:fontRef idx="minor">
+            <a:schemeClr val="tx1"/>
+          </a:fontRef>
+        </p:style>
+      </p:cxnSp>
+      <p:sp>
+        <p:nvSpPr>
+          <p:cNvPr id="47" name="Oval 46">
+            <a:extLst>
+              <a:ext uri="{FF2B5EF4-FFF2-40B4-BE49-F238E27FC236}">
+                <a16:creationId xmlns:a16="http://schemas.microsoft.com/office/drawing/2014/main" id="{CFD48C1B-7FDC-EC4C-96CB-8F76590AC7FD}"/>
+              </a:ext>
+            </a:extLst>
+          </p:cNvPr>
+          <p:cNvSpPr/>
+          <p:nvPr/>
+        </p:nvSpPr>
+        <p:spPr>
+          <a:xfrm>
+            <a:off x="4340549" y="3693816"/>
+            <a:ext cx="246185" cy="266281"/>
+          </a:xfrm>
+          <a:prstGeom prst="ellipse">
+            <a:avLst/>
+          </a:prstGeom>
+          <a:noFill/>
+        </p:spPr>
+        <p:style>
+          <a:lnRef idx="2">
+            <a:schemeClr val="accent1">
+              <a:shade val="50000"/>
+            </a:schemeClr>
+          </a:lnRef>
+          <a:fillRef idx="1">
+            <a:schemeClr val="accent1"/>
+          </a:fillRef>
+          <a:effectRef idx="0">
+            <a:schemeClr val="accent1"/>
+          </a:effectRef>
+          <a:fontRef idx="minor">
+            <a:schemeClr val="lt1"/>
+          </a:fontRef>
+        </p:style>
+        <p:txBody>
+          <a:bodyPr rtlCol="0" anchor="ctr"/>
+          <a:lstStyle/>
+          <a:p>
+            <a:pPr algn="ctr"/>
+            <a:endParaRPr lang="en-US"/>
+          </a:p>
+        </p:txBody>
+      </p:sp>
+      <p:sp>
+        <p:nvSpPr>
+          <p:cNvPr id="48" name="Oval 47">
+            <a:extLst>
+              <a:ext uri="{FF2B5EF4-FFF2-40B4-BE49-F238E27FC236}">
+                <a16:creationId xmlns:a16="http://schemas.microsoft.com/office/drawing/2014/main" id="{1C86F37D-C915-684E-8A3A-B047DAAD4C86}"/>
+              </a:ext>
+            </a:extLst>
+          </p:cNvPr>
+          <p:cNvSpPr/>
+          <p:nvPr/>
+        </p:nvSpPr>
+        <p:spPr>
+          <a:xfrm>
+            <a:off x="5044725" y="4271564"/>
+            <a:ext cx="246185" cy="266281"/>
+          </a:xfrm>
+          <a:prstGeom prst="ellipse">
+            <a:avLst/>
+          </a:prstGeom>
+          <a:noFill/>
+        </p:spPr>
+        <p:style>
+          <a:lnRef idx="2">
+            <a:schemeClr val="accent1">
+              <a:shade val="50000"/>
+            </a:schemeClr>
+          </a:lnRef>
+          <a:fillRef idx="1">
+            <a:schemeClr val="accent1"/>
+          </a:fillRef>
+          <a:effectRef idx="0">
+            <a:schemeClr val="accent1"/>
+          </a:effectRef>
+          <a:fontRef idx="minor">
+            <a:schemeClr val="lt1"/>
+          </a:fontRef>
+        </p:style>
+        <p:txBody>
+          <a:bodyPr rtlCol="0" anchor="ctr"/>
+          <a:lstStyle/>
+          <a:p>
+            <a:pPr algn="ctr"/>
+            <a:endParaRPr lang="en-US"/>
+          </a:p>
+        </p:txBody>
+      </p:sp>
+      <mc:AlternateContent xmlns:mc="http://schemas.openxmlformats.org/markup-compatibility/2006">
+        <mc:Choice xmlns:a14="http://schemas.microsoft.com/office/drawing/2010/main" Requires="a14">
+          <p:sp>
+            <p:nvSpPr>
+              <p:cNvPr id="49" name="TextBox 48">
+                <a:extLst>
+                  <a:ext uri="{FF2B5EF4-FFF2-40B4-BE49-F238E27FC236}">
+                    <a16:creationId xmlns:a16="http://schemas.microsoft.com/office/drawing/2014/main" id="{14E50FA0-AC79-8E44-B23F-A1E169FDCFBB}"/>
+                  </a:ext>
+                </a:extLst>
+              </p:cNvPr>
+              <p:cNvSpPr txBox="1"/>
+              <p:nvPr/>
+            </p:nvSpPr>
+            <p:spPr>
+              <a:xfrm>
+                <a:off x="4673820" y="3563011"/>
+                <a:ext cx="813916" cy="261610"/>
+              </a:xfrm>
+              <a:prstGeom prst="rect">
+                <a:avLst/>
+              </a:prstGeom>
+              <a:noFill/>
+            </p:spPr>
+            <p:txBody>
+              <a:bodyPr wrap="square" rtlCol="0">
+                <a:spAutoFit/>
+              </a:bodyPr>
+              <a:lstStyle/>
+              <a:p>
+                <a14:m>
+                  <m:oMathPara xmlns:m="http://schemas.openxmlformats.org/officeDocument/2006/math">
+                    <m:oMathParaPr>
+                      <m:jc m:val="centerGroup"/>
+                    </m:oMathParaPr>
+                    <m:oMath xmlns:m="http://schemas.openxmlformats.org/officeDocument/2006/math">
+                      <m:sSub>
+                        <m:sSubPr>
+                          <m:ctrlPr>
+                            <a:rPr lang="en-US" sz="1100" i="1" smtClean="0">
+                              <a:latin typeface="Cambria Math" panose="02040503050406030204" pitchFamily="18" charset="0"/>
+                            </a:rPr>
+                          </m:ctrlPr>
+                        </m:sSubPr>
+                        <m:e>
+                          <m:r>
+                            <a:rPr lang="en-US" sz="1100" b="0" i="1" smtClean="0">
+                              <a:latin typeface="Cambria Math" panose="02040503050406030204" pitchFamily="18" charset="0"/>
+                            </a:rPr>
+                            <m:t>𝑤</m:t>
+                          </m:r>
+                        </m:e>
+                        <m:sub>
+                          <m:r>
+                            <a:rPr lang="en-US" sz="1100" b="0" i="1" smtClean="0">
+                              <a:latin typeface="Cambria Math" panose="02040503050406030204" pitchFamily="18" charset="0"/>
+                            </a:rPr>
+                            <m:t>2</m:t>
+                          </m:r>
+                        </m:sub>
+                      </m:sSub>
+                      <m:r>
+                        <a:rPr lang="en-US" sz="1100" i="1" smtClean="0">
+                          <a:latin typeface="Cambria Math" panose="02040503050406030204" pitchFamily="18" charset="0"/>
+                          <a:ea typeface="Cambria Math" panose="02040503050406030204" pitchFamily="18" charset="0"/>
+                        </a:rPr>
+                        <m:t>≡</m:t>
+                      </m:r>
+                      <m:r>
+                        <a:rPr lang="en-US" sz="1100" b="0" i="1" smtClean="0">
+                          <a:latin typeface="Cambria Math" panose="02040503050406030204" pitchFamily="18" charset="0"/>
+                          <a:ea typeface="Cambria Math" panose="02040503050406030204" pitchFamily="18" charset="0"/>
+                        </a:rPr>
+                        <m:t>𝑤</m:t>
+                      </m:r>
+                    </m:oMath>
+                  </m:oMathPara>
+                </a14:m>
+                <a:endParaRPr lang="en-US" sz="1100" dirty="0"/>
+              </a:p>
+            </p:txBody>
+          </p:sp>
+        </mc:Choice>
+        <mc:Fallback>
+          <p:sp>
+            <p:nvSpPr>
+              <p:cNvPr id="49" name="TextBox 48">
+                <a:extLst>
+                  <a:ext uri="{FF2B5EF4-FFF2-40B4-BE49-F238E27FC236}">
+                    <a16:creationId xmlns:a16="http://schemas.microsoft.com/office/drawing/2014/main" id="{14E50FA0-AC79-8E44-B23F-A1E169FDCFBB}"/>
+                  </a:ext>
+                </a:extLst>
+              </p:cNvPr>
+              <p:cNvSpPr txBox="1">
+                <a:spLocks noRot="1" noChangeAspect="1" noMove="1" noResize="1" noEditPoints="1" noAdjustHandles="1" noChangeArrowheads="1" noChangeShapeType="1" noTextEdit="1"/>
+              </p:cNvSpPr>
+              <p:nvPr/>
+            </p:nvSpPr>
+            <p:spPr>
+              <a:xfrm>
+                <a:off x="4673820" y="3563011"/>
+                <a:ext cx="813916" cy="261610"/>
+              </a:xfrm>
+              <a:prstGeom prst="rect">
+                <a:avLst/>
+              </a:prstGeom>
+              <a:blipFill>
+                <a:blip r:embed="rId5"/>
+                <a:stretch>
+                  <a:fillRect/>
+                </a:stretch>
+              </a:blipFill>
+            </p:spPr>
+            <p:txBody>
+              <a:bodyPr/>
+              <a:lstStyle/>
+              <a:p>
+                <a:r>
+                  <a:rPr lang="en-US">
+                    <a:noFill/>
+                  </a:rPr>
+                  <a:t> </a:t>
+                </a:r>
+              </a:p>
+            </p:txBody>
+          </p:sp>
+        </mc:Fallback>
+      </mc:AlternateContent>
+      <p:cxnSp>
+        <p:nvCxnSpPr>
+          <p:cNvPr id="51" name="Straight Connector 50">
+            <a:extLst>
+              <a:ext uri="{FF2B5EF4-FFF2-40B4-BE49-F238E27FC236}">
+                <a16:creationId xmlns:a16="http://schemas.microsoft.com/office/drawing/2014/main" id="{AB6CDC86-C82C-6B43-8E16-21C2AAB5FB3F}"/>
+              </a:ext>
+            </a:extLst>
+          </p:cNvPr>
+          <p:cNvCxnSpPr>
+            <a:cxnSpLocks/>
+          </p:cNvCxnSpPr>
+          <p:nvPr/>
+        </p:nvCxnSpPr>
+        <p:spPr>
+          <a:xfrm flipH="1" flipV="1">
+            <a:off x="4390453" y="3512360"/>
+            <a:ext cx="36285" cy="181456"/>
+          </a:xfrm>
+          <a:prstGeom prst="line">
+            <a:avLst/>
+          </a:prstGeom>
+        </p:spPr>
+        <p:style>
+          <a:lnRef idx="1">
+            <a:schemeClr val="accent1"/>
+          </a:lnRef>
+          <a:fillRef idx="0">
+            <a:schemeClr val="accent1"/>
+          </a:fillRef>
+          <a:effectRef idx="0">
+            <a:schemeClr val="accent1"/>
+          </a:effectRef>
+          <a:fontRef idx="minor">
+            <a:schemeClr val="tx1"/>
+          </a:fontRef>
+        </p:style>
+      </p:cxnSp>
+      <p:cxnSp>
+        <p:nvCxnSpPr>
+          <p:cNvPr id="52" name="Straight Connector 51">
+            <a:extLst>
+              <a:ext uri="{FF2B5EF4-FFF2-40B4-BE49-F238E27FC236}">
+                <a16:creationId xmlns:a16="http://schemas.microsoft.com/office/drawing/2014/main" id="{C83BE7A7-2A78-2F47-9540-D5D7E0D00059}"/>
+              </a:ext>
+            </a:extLst>
+          </p:cNvPr>
+          <p:cNvCxnSpPr>
+            <a:stCxn id="47" idx="1"/>
+          </p:cNvCxnSpPr>
+          <p:nvPr/>
+        </p:nvCxnSpPr>
+        <p:spPr>
+          <a:xfrm flipH="1" flipV="1">
+            <a:off x="4253463" y="3598469"/>
+            <a:ext cx="123139" cy="134343"/>
+          </a:xfrm>
+          <a:prstGeom prst="line">
+            <a:avLst/>
+          </a:prstGeom>
+        </p:spPr>
+        <p:style>
+          <a:lnRef idx="1">
+            <a:schemeClr val="accent1"/>
+          </a:lnRef>
+          <a:fillRef idx="0">
+            <a:schemeClr val="accent1"/>
+          </a:fillRef>
+          <a:effectRef idx="0">
+            <a:schemeClr val="accent1"/>
+          </a:effectRef>
+          <a:fontRef idx="minor">
+            <a:schemeClr val="tx1"/>
+          </a:fontRef>
+        </p:style>
+      </p:cxnSp>
+      <p:cxnSp>
+        <p:nvCxnSpPr>
+          <p:cNvPr id="53" name="Straight Connector 52">
+            <a:extLst>
+              <a:ext uri="{FF2B5EF4-FFF2-40B4-BE49-F238E27FC236}">
+                <a16:creationId xmlns:a16="http://schemas.microsoft.com/office/drawing/2014/main" id="{C7498CEA-F847-364F-BC89-17D4AEF8A780}"/>
+              </a:ext>
+            </a:extLst>
+          </p:cNvPr>
+          <p:cNvCxnSpPr>
+            <a:cxnSpLocks/>
+          </p:cNvCxnSpPr>
+          <p:nvPr/>
+        </p:nvCxnSpPr>
+        <p:spPr>
+          <a:xfrm flipH="1" flipV="1">
+            <a:off x="4155439" y="3741640"/>
+            <a:ext cx="185110" cy="31666"/>
+          </a:xfrm>
+          <a:prstGeom prst="line">
+            <a:avLst/>
+          </a:prstGeom>
+        </p:spPr>
+        <p:style>
+          <a:lnRef idx="1">
+            <a:schemeClr val="accent1"/>
+          </a:lnRef>
+          <a:fillRef idx="0">
+            <a:schemeClr val="accent1"/>
+          </a:fillRef>
+          <a:effectRef idx="0">
+            <a:schemeClr val="accent1"/>
+          </a:effectRef>
+          <a:fontRef idx="minor">
+            <a:schemeClr val="tx1"/>
+          </a:fontRef>
+        </p:style>
+      </p:cxnSp>
+      <p:cxnSp>
+        <p:nvCxnSpPr>
+          <p:cNvPr id="54" name="Straight Connector 53">
+            <a:extLst>
+              <a:ext uri="{FF2B5EF4-FFF2-40B4-BE49-F238E27FC236}">
+                <a16:creationId xmlns:a16="http://schemas.microsoft.com/office/drawing/2014/main" id="{486E3B49-89E7-984F-86AC-901B88FF5D63}"/>
+              </a:ext>
+            </a:extLst>
+          </p:cNvPr>
+          <p:cNvCxnSpPr>
+            <a:stCxn id="48" idx="6"/>
+          </p:cNvCxnSpPr>
+          <p:nvPr/>
+        </p:nvCxnSpPr>
+        <p:spPr>
+          <a:xfrm flipV="1">
+            <a:off x="5290910" y="4404704"/>
+            <a:ext cx="196826" cy="1"/>
+          </a:xfrm>
+          <a:prstGeom prst="line">
+            <a:avLst/>
+          </a:prstGeom>
+        </p:spPr>
+        <p:style>
+          <a:lnRef idx="1">
+            <a:schemeClr val="accent1"/>
+          </a:lnRef>
+          <a:fillRef idx="0">
+            <a:schemeClr val="accent1"/>
+          </a:fillRef>
+          <a:effectRef idx="0">
+            <a:schemeClr val="accent1"/>
+          </a:effectRef>
+          <a:fontRef idx="minor">
+            <a:schemeClr val="tx1"/>
+          </a:fontRef>
+        </p:style>
+      </p:cxnSp>
+      <p:cxnSp>
+        <p:nvCxnSpPr>
+          <p:cNvPr id="55" name="Straight Connector 54">
+            <a:extLst>
+              <a:ext uri="{FF2B5EF4-FFF2-40B4-BE49-F238E27FC236}">
+                <a16:creationId xmlns:a16="http://schemas.microsoft.com/office/drawing/2014/main" id="{80798DD9-A5F6-7B41-BB5D-DD175ED16E6D}"/>
+              </a:ext>
+            </a:extLst>
+          </p:cNvPr>
+          <p:cNvCxnSpPr>
+            <a:stCxn id="48" idx="5"/>
+          </p:cNvCxnSpPr>
+          <p:nvPr/>
+        </p:nvCxnSpPr>
+        <p:spPr>
+          <a:xfrm>
+            <a:off x="5254857" y="4498849"/>
+            <a:ext cx="91000" cy="112431"/>
+          </a:xfrm>
+          <a:prstGeom prst="line">
+            <a:avLst/>
+          </a:prstGeom>
+        </p:spPr>
+        <p:style>
+          <a:lnRef idx="1">
+            <a:schemeClr val="accent1"/>
+          </a:lnRef>
+          <a:fillRef idx="0">
+            <a:schemeClr val="accent1"/>
+          </a:fillRef>
+          <a:effectRef idx="0">
+            <a:schemeClr val="accent1"/>
+          </a:effectRef>
+          <a:fontRef idx="minor">
+            <a:schemeClr val="tx1"/>
+          </a:fontRef>
+        </p:style>
+      </p:cxnSp>
+      <p:sp>
+        <p:nvSpPr>
+          <p:cNvPr id="56" name="Oval 55">
+            <a:extLst>
+              <a:ext uri="{FF2B5EF4-FFF2-40B4-BE49-F238E27FC236}">
+                <a16:creationId xmlns:a16="http://schemas.microsoft.com/office/drawing/2014/main" id="{C84287C3-47C4-E349-8A9A-B0AB0EB2A928}"/>
+              </a:ext>
+            </a:extLst>
+          </p:cNvPr>
+          <p:cNvSpPr/>
+          <p:nvPr/>
+        </p:nvSpPr>
+        <p:spPr>
+          <a:xfrm>
+            <a:off x="3303791" y="3872957"/>
+            <a:ext cx="179259" cy="190972"/>
+          </a:xfrm>
+          <a:prstGeom prst="ellipse">
+            <a:avLst/>
+          </a:prstGeom>
+          <a:noFill/>
+        </p:spPr>
+        <p:style>
+          <a:lnRef idx="2">
+            <a:schemeClr val="accent1">
+              <a:shade val="50000"/>
+            </a:schemeClr>
+          </a:lnRef>
+          <a:fillRef idx="1">
+            <a:schemeClr val="accent1"/>
+          </a:fillRef>
+          <a:effectRef idx="0">
+            <a:schemeClr val="accent1"/>
+          </a:effectRef>
+          <a:fontRef idx="minor">
+            <a:schemeClr val="lt1"/>
+          </a:fontRef>
+        </p:style>
+        <p:txBody>
+          <a:bodyPr rtlCol="0" anchor="ctr"/>
+          <a:lstStyle/>
+          <a:p>
+            <a:pPr algn="ctr"/>
+            <a:endParaRPr lang="en-US"/>
+          </a:p>
+        </p:txBody>
+      </p:sp>
+      <p:sp>
+        <p:nvSpPr>
+          <p:cNvPr id="57" name="TextBox 56">
+            <a:extLst>
+              <a:ext uri="{FF2B5EF4-FFF2-40B4-BE49-F238E27FC236}">
+                <a16:creationId xmlns:a16="http://schemas.microsoft.com/office/drawing/2014/main" id="{6F47F9EE-A49B-2646-AAAA-99AE98E53516}"/>
+              </a:ext>
+            </a:extLst>
+          </p:cNvPr>
+          <p:cNvSpPr txBox="1"/>
+          <p:nvPr/>
+        </p:nvSpPr>
+        <p:spPr>
+          <a:xfrm>
+            <a:off x="3267356" y="3863735"/>
+            <a:ext cx="215694" cy="261610"/>
+          </a:xfrm>
+          <a:prstGeom prst="rect">
+            <a:avLst/>
+          </a:prstGeom>
+          <a:noFill/>
+        </p:spPr>
+        <p:txBody>
+          <a:bodyPr wrap="square" rtlCol="0">
+            <a:spAutoFit/>
+          </a:bodyPr>
+          <a:lstStyle/>
+          <a:p>
+            <a:r>
+              <a:rPr lang="en-US" sz="1100" dirty="0"/>
+              <a:t>*</a:t>
+            </a:r>
+          </a:p>
+        </p:txBody>
+      </p:sp>
+      <p:sp>
+        <p:nvSpPr>
+          <p:cNvPr id="58" name="Oval 57">
+            <a:extLst>
+              <a:ext uri="{FF2B5EF4-FFF2-40B4-BE49-F238E27FC236}">
+                <a16:creationId xmlns:a16="http://schemas.microsoft.com/office/drawing/2014/main" id="{DD02FCF2-E575-E742-954D-6A5D442B36F0}"/>
+              </a:ext>
+            </a:extLst>
+          </p:cNvPr>
+          <p:cNvSpPr/>
+          <p:nvPr/>
+        </p:nvSpPr>
+        <p:spPr>
+          <a:xfrm>
+            <a:off x="4753859" y="4019176"/>
+            <a:ext cx="179259" cy="190972"/>
+          </a:xfrm>
+          <a:prstGeom prst="ellipse">
+            <a:avLst/>
+          </a:prstGeom>
+          <a:noFill/>
+        </p:spPr>
+        <p:style>
+          <a:lnRef idx="2">
+            <a:schemeClr val="accent1">
+              <a:shade val="50000"/>
+            </a:schemeClr>
+          </a:lnRef>
+          <a:fillRef idx="1">
+            <a:schemeClr val="accent1"/>
+          </a:fillRef>
+          <a:effectRef idx="0">
+            <a:schemeClr val="accent1"/>
+          </a:effectRef>
+          <a:fontRef idx="minor">
+            <a:schemeClr val="lt1"/>
+          </a:fontRef>
+        </p:style>
+        <p:txBody>
+          <a:bodyPr rtlCol="0" anchor="ctr"/>
+          <a:lstStyle/>
+          <a:p>
+            <a:pPr algn="ctr"/>
+            <a:endParaRPr lang="en-US"/>
+          </a:p>
+        </p:txBody>
+      </p:sp>
+      <p:sp>
+        <p:nvSpPr>
+          <p:cNvPr id="59" name="TextBox 58">
+            <a:extLst>
+              <a:ext uri="{FF2B5EF4-FFF2-40B4-BE49-F238E27FC236}">
+                <a16:creationId xmlns:a16="http://schemas.microsoft.com/office/drawing/2014/main" id="{FE017631-37BF-8A41-898B-25440851B5C8}"/>
+              </a:ext>
+            </a:extLst>
+          </p:cNvPr>
+          <p:cNvSpPr txBox="1"/>
+          <p:nvPr/>
+        </p:nvSpPr>
+        <p:spPr>
+          <a:xfrm>
+            <a:off x="4717424" y="4009954"/>
+            <a:ext cx="215694" cy="261610"/>
+          </a:xfrm>
+          <a:prstGeom prst="rect">
+            <a:avLst/>
+          </a:prstGeom>
+          <a:noFill/>
+        </p:spPr>
+        <p:txBody>
+          <a:bodyPr wrap="square" rtlCol="0">
+            <a:spAutoFit/>
+          </a:bodyPr>
+          <a:lstStyle/>
+          <a:p>
+            <a:r>
+              <a:rPr lang="en-US" sz="1100" dirty="0"/>
+              <a:t>*</a:t>
+            </a:r>
+          </a:p>
+        </p:txBody>
+      </p:sp>
+      <p:cxnSp>
+        <p:nvCxnSpPr>
+          <p:cNvPr id="61" name="Straight Connector 60">
+            <a:extLst>
+              <a:ext uri="{FF2B5EF4-FFF2-40B4-BE49-F238E27FC236}">
+                <a16:creationId xmlns:a16="http://schemas.microsoft.com/office/drawing/2014/main" id="{41A2CDE2-5C43-E948-A488-4FC3087D1323}"/>
+              </a:ext>
+            </a:extLst>
+          </p:cNvPr>
+          <p:cNvCxnSpPr>
+            <a:cxnSpLocks/>
+          </p:cNvCxnSpPr>
+          <p:nvPr/>
+        </p:nvCxnSpPr>
+        <p:spPr>
+          <a:xfrm>
+            <a:off x="3143360" y="3757473"/>
+            <a:ext cx="170152" cy="151562"/>
+          </a:xfrm>
+          <a:prstGeom prst="line">
+            <a:avLst/>
+          </a:prstGeom>
+          <a:ln w="9525"/>
+        </p:spPr>
+        <p:style>
+          <a:lnRef idx="1">
+            <a:schemeClr val="accent1"/>
+          </a:lnRef>
+          <a:fillRef idx="0">
+            <a:schemeClr val="accent1"/>
+          </a:fillRef>
+          <a:effectRef idx="0">
+            <a:schemeClr val="accent1"/>
+          </a:effectRef>
+          <a:fontRef idx="minor">
+            <a:schemeClr val="tx1"/>
+          </a:fontRef>
+        </p:style>
+      </p:cxnSp>
+    </p:spTree>
+    <p:extLst>
+      <p:ext uri="{BB962C8B-B14F-4D97-AF65-F5344CB8AC3E}">
+        <p14:creationId xmlns:p14="http://schemas.microsoft.com/office/powerpoint/2010/main" val="2953323742"/>
+      </p:ext>
+    </p:extLst>
+  </p:cSld>
+  <p:clrMapOvr>
+    <a:masterClrMapping/>
+  </p:clrMapOvr>
+</p:sld>
+</file>
+
 <file path=ppt/theme/theme1.xml><?xml version="1.0" encoding="utf-8"?>
 <a:theme xmlns:a="http://schemas.openxmlformats.org/drawingml/2006/main" name="Office Theme">
   <a:themeElements>

--- a/docs/TransformersIntroFigures.pptx
+++ b/docs/TransformersIntroFigures.pptx
@@ -16696,10 +16696,10 @@
       </p:grpSpPr>
       <p:grpSp>
         <p:nvGrpSpPr>
-          <p:cNvPr id="39" name="Group 38">
+          <p:cNvPr id="72" name="Group 71">
             <a:extLst>
               <a:ext uri="{FF2B5EF4-FFF2-40B4-BE49-F238E27FC236}">
-                <a16:creationId xmlns:a16="http://schemas.microsoft.com/office/drawing/2014/main" id="{8BE70E91-A61B-3542-A741-504217DBD024}"/>
+                <a16:creationId xmlns:a16="http://schemas.microsoft.com/office/drawing/2014/main" id="{18BDD11F-6595-2C4E-BE04-F87FF07366C0}"/>
               </a:ext>
             </a:extLst>
           </p:cNvPr>
@@ -16708,9 +16708,9 @@
         </p:nvGrpSpPr>
         <p:grpSpPr>
           <a:xfrm>
-            <a:off x="2771185" y="1901114"/>
+            <a:off x="1878557" y="1902824"/>
             <a:ext cx="4078572" cy="2145192"/>
-            <a:chOff x="2771185" y="1901114"/>
+            <a:chOff x="1878557" y="1902824"/>
             <a:chExt cx="4078572" cy="2145192"/>
           </a:xfrm>
         </p:grpSpPr>
@@ -16728,7 +16728,7 @@
           </p:nvSpPr>
           <p:spPr>
             <a:xfrm>
-              <a:off x="4428162" y="2342508"/>
+              <a:off x="3535534" y="2344218"/>
               <a:ext cx="703780" cy="698643"/>
             </a:xfrm>
             <a:prstGeom prst="ellipse">
@@ -16777,7 +16777,7 @@
           </p:nvSpPr>
           <p:spPr>
             <a:xfrm>
-              <a:off x="4458985" y="3347663"/>
+              <a:off x="3566357" y="3349373"/>
               <a:ext cx="703780" cy="698643"/>
             </a:xfrm>
             <a:prstGeom prst="ellipse">
@@ -16826,7 +16826,7 @@
           </p:nvSpPr>
           <p:spPr>
             <a:xfrm>
-              <a:off x="5525784" y="2828818"/>
+              <a:off x="4633156" y="2830528"/>
               <a:ext cx="703780" cy="698643"/>
             </a:xfrm>
             <a:prstGeom prst="ellipse">
@@ -16878,7 +16878,7 @@
           </p:nvCxnSpPr>
           <p:spPr>
             <a:xfrm>
-              <a:off x="4780052" y="2342508"/>
+              <a:off x="3887424" y="2344218"/>
               <a:ext cx="0" cy="698643"/>
             </a:xfrm>
             <a:prstGeom prst="line">
@@ -16914,7 +16914,7 @@
           </p:nvCxnSpPr>
           <p:spPr>
             <a:xfrm>
-              <a:off x="4810875" y="3347663"/>
+              <a:off x="3918247" y="3349373"/>
               <a:ext cx="0" cy="698643"/>
             </a:xfrm>
             <a:prstGeom prst="line">
@@ -16950,7 +16950,7 @@
           </p:nvCxnSpPr>
           <p:spPr>
             <a:xfrm>
-              <a:off x="5877674" y="2837380"/>
+              <a:off x="4985046" y="2839090"/>
               <a:ext cx="0" cy="698643"/>
             </a:xfrm>
             <a:prstGeom prst="line">
@@ -16990,7 +16990,7 @@
           </p:nvCxnSpPr>
           <p:spPr>
             <a:xfrm>
-              <a:off x="5131942" y="2691830"/>
+              <a:off x="4239314" y="2693540"/>
               <a:ext cx="496908" cy="239302"/>
             </a:xfrm>
             <a:prstGeom prst="line">
@@ -17030,7 +17030,7 @@
           </p:nvCxnSpPr>
           <p:spPr>
             <a:xfrm flipV="1">
-              <a:off x="5162765" y="3425147"/>
+              <a:off x="4270137" y="3426857"/>
               <a:ext cx="466085" cy="271838"/>
             </a:xfrm>
             <a:prstGeom prst="line">
@@ -17069,7 +17069,7 @@
           </p:nvCxnSpPr>
           <p:spPr>
             <a:xfrm flipH="1">
-              <a:off x="3719245" y="2691830"/>
+              <a:off x="2826617" y="2693540"/>
               <a:ext cx="708917" cy="494871"/>
             </a:xfrm>
             <a:prstGeom prst="line">
@@ -17108,7 +17108,7 @@
           </p:nvCxnSpPr>
           <p:spPr>
             <a:xfrm flipH="1" flipV="1">
-              <a:off x="3719245" y="3186701"/>
+              <a:off x="2826617" y="3188411"/>
               <a:ext cx="739740" cy="510284"/>
             </a:xfrm>
             <a:prstGeom prst="line">
@@ -17145,7 +17145,7 @@
           </p:nvCxnSpPr>
           <p:spPr>
             <a:xfrm>
-              <a:off x="3298004" y="3186701"/>
+              <a:off x="2405376" y="3188411"/>
               <a:ext cx="421241" cy="0"/>
             </a:xfrm>
             <a:prstGeom prst="line">
@@ -17184,7 +17184,7 @@
           </p:nvCxnSpPr>
           <p:spPr>
             <a:xfrm flipV="1">
-              <a:off x="6229564" y="3178139"/>
+              <a:off x="5336936" y="3179849"/>
               <a:ext cx="392130" cy="1"/>
             </a:xfrm>
             <a:prstGeom prst="line">
@@ -17223,7 +17223,7 @@
               </p:nvSpPr>
               <p:spPr>
                 <a:xfrm>
-                  <a:off x="4354240" y="2546851"/>
+                  <a:off x="3461612" y="2548561"/>
                   <a:ext cx="541687" cy="261610"/>
                 </a:xfrm>
                 <a:prstGeom prst="rect">
@@ -17316,7 +17316,7 @@
               </p:nvSpPr>
               <p:spPr>
                 <a:xfrm>
-                  <a:off x="4354240" y="2546851"/>
+                  <a:off x="3461612" y="2548561"/>
                   <a:ext cx="541687" cy="261610"/>
                 </a:xfrm>
                 <a:prstGeom prst="rect">
@@ -17360,7 +17360,7 @@
               </p:nvSpPr>
               <p:spPr>
                 <a:xfrm>
-                  <a:off x="4704744" y="2546280"/>
+                  <a:off x="3812116" y="2547990"/>
                   <a:ext cx="530209" cy="261610"/>
                 </a:xfrm>
                 <a:prstGeom prst="rect">
@@ -17445,7 +17445,7 @@
               </p:nvSpPr>
               <p:spPr>
                 <a:xfrm>
-                  <a:off x="4704744" y="2546280"/>
+                  <a:off x="3812116" y="2547990"/>
                   <a:ext cx="530209" cy="261610"/>
                 </a:xfrm>
                 <a:prstGeom prst="rect">
@@ -17489,7 +17489,7 @@
               </p:nvSpPr>
               <p:spPr>
                 <a:xfrm>
-                  <a:off x="4372254" y="3550767"/>
+                  <a:off x="3479626" y="3552477"/>
                   <a:ext cx="541687" cy="261610"/>
                 </a:xfrm>
                 <a:prstGeom prst="rect">
@@ -17582,7 +17582,7 @@
               </p:nvSpPr>
               <p:spPr>
                 <a:xfrm>
-                  <a:off x="4372254" y="3550767"/>
+                  <a:off x="3479626" y="3552477"/>
                   <a:ext cx="541687" cy="261610"/>
                 </a:xfrm>
                 <a:prstGeom prst="rect">
@@ -17591,7 +17591,7 @@
                 <a:blipFill>
                   <a:blip r:embed="rId4"/>
                   <a:stretch>
-                    <a:fillRect b="-4762"/>
+                    <a:fillRect/>
                   </a:stretch>
                 </a:blipFill>
               </p:spPr>
@@ -17626,7 +17626,7 @@
               </p:nvSpPr>
               <p:spPr>
                 <a:xfrm>
-                  <a:off x="4735567" y="3546297"/>
+                  <a:off x="3842939" y="3548007"/>
                   <a:ext cx="533479" cy="261610"/>
                 </a:xfrm>
                 <a:prstGeom prst="rect">
@@ -17711,7 +17711,7 @@
               </p:nvSpPr>
               <p:spPr>
                 <a:xfrm>
-                  <a:off x="4735567" y="3546297"/>
+                  <a:off x="3842939" y="3548007"/>
                   <a:ext cx="533479" cy="261610"/>
                 </a:xfrm>
                 <a:prstGeom prst="rect">
@@ -17755,7 +17755,7 @@
               </p:nvSpPr>
               <p:spPr>
                 <a:xfrm>
-                  <a:off x="3915965" y="3045624"/>
+                  <a:off x="3023337" y="3047334"/>
                   <a:ext cx="1640642" cy="261610"/>
                 </a:xfrm>
                 <a:prstGeom prst="rect">
@@ -17819,7 +17819,7 @@
               </p:nvSpPr>
               <p:spPr>
                 <a:xfrm>
-                  <a:off x="3915965" y="3045624"/>
+                  <a:off x="3023337" y="3047334"/>
                   <a:ext cx="1640642" cy="261610"/>
                 </a:xfrm>
                 <a:prstGeom prst="rect">
@@ -17863,7 +17863,7 @@
               </p:nvSpPr>
               <p:spPr>
                 <a:xfrm>
-                  <a:off x="5561690" y="2895223"/>
+                  <a:off x="4669062" y="2896933"/>
                   <a:ext cx="295274" cy="261610"/>
                 </a:xfrm>
                 <a:prstGeom prst="rect">
@@ -17914,7 +17914,7 @@
               </p:nvSpPr>
               <p:spPr>
                 <a:xfrm>
-                  <a:off x="5561690" y="2895223"/>
+                  <a:off x="4669062" y="2896933"/>
                   <a:ext cx="295274" cy="261610"/>
                 </a:xfrm>
                 <a:prstGeom prst="rect">
@@ -17958,7 +17958,7 @@
               </p:nvSpPr>
               <p:spPr>
                 <a:xfrm>
-                  <a:off x="5577317" y="3186701"/>
+                  <a:off x="4684689" y="3188411"/>
                   <a:ext cx="295274" cy="261610"/>
                 </a:xfrm>
                 <a:prstGeom prst="rect">
@@ -18009,7 +18009,7 @@
               </p:nvSpPr>
               <p:spPr>
                 <a:xfrm>
-                  <a:off x="5577317" y="3186701"/>
+                  <a:off x="4684689" y="3188411"/>
                   <a:ext cx="295274" cy="261610"/>
                 </a:xfrm>
                 <a:prstGeom prst="rect">
@@ -18053,7 +18053,7 @@
               </p:nvSpPr>
               <p:spPr>
                 <a:xfrm>
-                  <a:off x="5963026" y="3026028"/>
+                  <a:off x="5070398" y="3027738"/>
                   <a:ext cx="322524" cy="261610"/>
                 </a:xfrm>
                 <a:prstGeom prst="rect">
@@ -18104,7 +18104,7 @@
               </p:nvSpPr>
               <p:spPr>
                 <a:xfrm>
-                  <a:off x="5963026" y="3026028"/>
+                  <a:off x="5070398" y="3027738"/>
                   <a:ext cx="322524" cy="261610"/>
                 </a:xfrm>
                 <a:prstGeom prst="rect">
@@ -18148,7 +18148,7 @@
               </p:nvSpPr>
               <p:spPr>
                 <a:xfrm>
-                  <a:off x="6554483" y="3026028"/>
+                  <a:off x="5661855" y="3027738"/>
                   <a:ext cx="295274" cy="261610"/>
                 </a:xfrm>
                 <a:prstGeom prst="rect">
@@ -18199,7 +18199,7 @@
               </p:nvSpPr>
               <p:spPr>
                 <a:xfrm>
-                  <a:off x="6554483" y="3026028"/>
+                  <a:off x="5661855" y="3027738"/>
                   <a:ext cx="295274" cy="261610"/>
                 </a:xfrm>
                 <a:prstGeom prst="rect">
@@ -18243,7 +18243,7 @@
               </p:nvSpPr>
               <p:spPr>
                 <a:xfrm>
-                  <a:off x="2771185" y="2910286"/>
+                  <a:off x="1878557" y="2911996"/>
                   <a:ext cx="964238" cy="266996"/>
                 </a:xfrm>
                 <a:prstGeom prst="rect">
@@ -18389,7 +18389,7 @@
               </p:nvSpPr>
               <p:spPr>
                 <a:xfrm>
-                  <a:off x="2771185" y="2910286"/>
+                  <a:off x="1878557" y="2911996"/>
                   <a:ext cx="964238" cy="266996"/>
                 </a:xfrm>
                 <a:prstGeom prst="rect">
@@ -18398,7 +18398,7 @@
                 <a:blipFill>
                   <a:blip r:embed="rId11"/>
                   <a:stretch>
-                    <a:fillRect b="-8696"/>
+                    <a:fillRect b="-9091"/>
                   </a:stretch>
                 </a:blipFill>
               </p:spPr>
@@ -18431,7 +18431,7 @@
           </p:nvCxnSpPr>
           <p:spPr>
             <a:xfrm flipH="1">
-              <a:off x="3915965" y="2211859"/>
+              <a:off x="3023337" y="2213569"/>
               <a:ext cx="1956626" cy="0"/>
             </a:xfrm>
             <a:prstGeom prst="straightConnector1">
@@ -18470,7 +18470,1432 @@
           </p:nvSpPr>
           <p:spPr>
             <a:xfrm>
-              <a:off x="4249339" y="1901114"/>
+              <a:off x="3356711" y="1902824"/>
+              <a:ext cx="1146468" cy="261610"/>
+            </a:xfrm>
+            <a:prstGeom prst="rect">
+              <a:avLst/>
+            </a:prstGeom>
+            <a:noFill/>
+          </p:spPr>
+          <p:txBody>
+            <a:bodyPr wrap="none" rtlCol="0">
+              <a:spAutoFit/>
+            </a:bodyPr>
+            <a:lstStyle/>
+            <a:p>
+              <a:r>
+                <a:rPr lang="en-US" sz="1100" dirty="0"/>
+                <a:t>backpropagation</a:t>
+              </a:r>
+            </a:p>
+          </p:txBody>
+        </p:sp>
+      </p:grpSp>
+      <p:grpSp>
+        <p:nvGrpSpPr>
+          <p:cNvPr id="71" name="Group 70">
+            <a:extLst>
+              <a:ext uri="{FF2B5EF4-FFF2-40B4-BE49-F238E27FC236}">
+                <a16:creationId xmlns:a16="http://schemas.microsoft.com/office/drawing/2014/main" id="{DB48CF90-BD37-A346-AC76-68DFD9E447D5}"/>
+              </a:ext>
+            </a:extLst>
+          </p:cNvPr>
+          <p:cNvGrpSpPr/>
+          <p:nvPr/>
+        </p:nvGrpSpPr>
+        <p:grpSpPr>
+          <a:xfrm>
+            <a:off x="6953794" y="2470800"/>
+            <a:ext cx="3757965" cy="1319981"/>
+            <a:chOff x="6953794" y="2470800"/>
+            <a:chExt cx="3757965" cy="1319981"/>
+          </a:xfrm>
+        </p:grpSpPr>
+        <p:sp>
+          <p:nvSpPr>
+            <p:cNvPr id="40" name="Oval 39">
+              <a:extLst>
+                <a:ext uri="{FF2B5EF4-FFF2-40B4-BE49-F238E27FC236}">
+                  <a16:creationId xmlns:a16="http://schemas.microsoft.com/office/drawing/2014/main" id="{C2F11431-2311-CC42-B2B6-E1237193C8A6}"/>
+                </a:ext>
+              </a:extLst>
+            </p:cNvPr>
+            <p:cNvSpPr/>
+            <p:nvPr/>
+          </p:nvSpPr>
+          <p:spPr>
+            <a:xfrm>
+              <a:off x="9734324" y="2825549"/>
+              <a:ext cx="703780" cy="698643"/>
+            </a:xfrm>
+            <a:prstGeom prst="ellipse">
+              <a:avLst/>
+            </a:prstGeom>
+            <a:solidFill>
+              <a:schemeClr val="bg1"/>
+            </a:solidFill>
+          </p:spPr>
+          <p:style>
+            <a:lnRef idx="2">
+              <a:schemeClr val="accent1">
+                <a:shade val="50000"/>
+              </a:schemeClr>
+            </a:lnRef>
+            <a:fillRef idx="1">
+              <a:schemeClr val="accent1"/>
+            </a:fillRef>
+            <a:effectRef idx="0">
+              <a:schemeClr val="accent1"/>
+            </a:effectRef>
+            <a:fontRef idx="minor">
+              <a:schemeClr val="lt1"/>
+            </a:fontRef>
+          </p:style>
+          <p:txBody>
+            <a:bodyPr rtlCol="0" anchor="ctr"/>
+            <a:lstStyle/>
+            <a:p>
+              <a:pPr algn="ctr"/>
+              <a:endParaRPr lang="en-US"/>
+            </a:p>
+          </p:txBody>
+        </p:sp>
+        <p:sp>
+          <p:nvSpPr>
+            <p:cNvPr id="41" name="Oval 40">
+              <a:extLst>
+                <a:ext uri="{FF2B5EF4-FFF2-40B4-BE49-F238E27FC236}">
+                  <a16:creationId xmlns:a16="http://schemas.microsoft.com/office/drawing/2014/main" id="{9331F875-E6C1-3244-A276-1C2173FD6AB4}"/>
+                </a:ext>
+              </a:extLst>
+            </p:cNvPr>
+            <p:cNvSpPr/>
+            <p:nvPr/>
+          </p:nvSpPr>
+          <p:spPr>
+            <a:xfrm>
+              <a:off x="8259650" y="2820716"/>
+              <a:ext cx="703780" cy="698643"/>
+            </a:xfrm>
+            <a:prstGeom prst="ellipse">
+              <a:avLst/>
+            </a:prstGeom>
+            <a:solidFill>
+              <a:schemeClr val="bg1"/>
+            </a:solidFill>
+          </p:spPr>
+          <p:style>
+            <a:lnRef idx="2">
+              <a:schemeClr val="accent1">
+                <a:shade val="50000"/>
+              </a:schemeClr>
+            </a:lnRef>
+            <a:fillRef idx="1">
+              <a:schemeClr val="accent1"/>
+            </a:fillRef>
+            <a:effectRef idx="0">
+              <a:schemeClr val="accent1"/>
+            </a:effectRef>
+            <a:fontRef idx="minor">
+              <a:schemeClr val="lt1"/>
+            </a:fontRef>
+          </p:style>
+          <p:txBody>
+            <a:bodyPr rtlCol="0" anchor="ctr"/>
+            <a:lstStyle/>
+            <a:p>
+              <a:pPr algn="ctr"/>
+              <a:endParaRPr lang="en-US"/>
+            </a:p>
+          </p:txBody>
+        </p:sp>
+        <mc:AlternateContent xmlns:mc="http://schemas.openxmlformats.org/markup-compatibility/2006">
+          <mc:Choice xmlns:a14="http://schemas.microsoft.com/office/drawing/2010/main" Requires="a14">
+            <p:sp>
+              <p:nvSpPr>
+                <p:cNvPr id="42" name="TextBox 41">
+                  <a:extLst>
+                    <a:ext uri="{FF2B5EF4-FFF2-40B4-BE49-F238E27FC236}">
+                      <a16:creationId xmlns:a16="http://schemas.microsoft.com/office/drawing/2014/main" id="{965E5F9A-AE86-384F-9F1C-70AC2C8CF9AA}"/>
+                    </a:ext>
+                  </a:extLst>
+                </p:cNvPr>
+                <p:cNvSpPr txBox="1"/>
+                <p:nvPr/>
+              </p:nvSpPr>
+              <p:spPr>
+                <a:xfrm>
+                  <a:off x="9781488" y="3024893"/>
+                  <a:ext cx="344966" cy="261610"/>
+                </a:xfrm>
+                <a:prstGeom prst="rect">
+                  <a:avLst/>
+                </a:prstGeom>
+                <a:noFill/>
+              </p:spPr>
+              <p:txBody>
+                <a:bodyPr wrap="none" rtlCol="0">
+                  <a:spAutoFit/>
+                </a:bodyPr>
+                <a:lstStyle/>
+                <a:p>
+                  <a14:m>
+                    <m:oMathPara xmlns:m="http://schemas.openxmlformats.org/officeDocument/2006/math">
+                      <m:oMathParaPr>
+                        <m:jc m:val="centerGroup"/>
+                      </m:oMathParaPr>
+                      <m:oMath xmlns:m="http://schemas.openxmlformats.org/officeDocument/2006/math">
+                        <m:sSup>
+                          <m:sSupPr>
+                            <m:ctrlPr>
+                              <a:rPr lang="en-US" sz="1100" i="1" smtClean="0">
+                                <a:latin typeface="Cambria Math" panose="02040503050406030204" pitchFamily="18" charset="0"/>
+                              </a:rPr>
+                            </m:ctrlPr>
+                          </m:sSupPr>
+                          <m:e>
+                            <m:r>
+                              <a:rPr lang="en-US" sz="1100" i="1" smtClean="0">
+                                <a:latin typeface="Cambria Math" panose="02040503050406030204" pitchFamily="18" charset="0"/>
+                              </a:rPr>
+                              <m:t>𝑓</m:t>
+                            </m:r>
+                          </m:e>
+                          <m:sup>
+                            <m:r>
+                              <a:rPr lang="en-US" sz="1100" b="0" i="1" smtClean="0">
+                                <a:latin typeface="Cambria Math" panose="02040503050406030204" pitchFamily="18" charset="0"/>
+                              </a:rPr>
+                              <m:t>′</m:t>
+                            </m:r>
+                          </m:sup>
+                        </m:sSup>
+                      </m:oMath>
+                    </m:oMathPara>
+                  </a14:m>
+                  <a:endParaRPr lang="en-US" sz="1100" dirty="0"/>
+                </a:p>
+              </p:txBody>
+            </p:sp>
+          </mc:Choice>
+          <mc:Fallback>
+            <p:sp>
+              <p:nvSpPr>
+                <p:cNvPr id="42" name="TextBox 41">
+                  <a:extLst>
+                    <a:ext uri="{FF2B5EF4-FFF2-40B4-BE49-F238E27FC236}">
+                      <a16:creationId xmlns:a16="http://schemas.microsoft.com/office/drawing/2014/main" id="{965E5F9A-AE86-384F-9F1C-70AC2C8CF9AA}"/>
+                    </a:ext>
+                  </a:extLst>
+                </p:cNvPr>
+                <p:cNvSpPr txBox="1">
+                  <a:spLocks noRot="1" noChangeAspect="1" noMove="1" noResize="1" noEditPoints="1" noAdjustHandles="1" noChangeArrowheads="1" noChangeShapeType="1" noTextEdit="1"/>
+                </p:cNvSpPr>
+                <p:nvPr/>
+              </p:nvSpPr>
+              <p:spPr>
+                <a:xfrm>
+                  <a:off x="9781488" y="3024893"/>
+                  <a:ext cx="344966" cy="261610"/>
+                </a:xfrm>
+                <a:prstGeom prst="rect">
+                  <a:avLst/>
+                </a:prstGeom>
+                <a:blipFill>
+                  <a:blip r:embed="rId12"/>
+                  <a:stretch>
+                    <a:fillRect b="-4762"/>
+                  </a:stretch>
+                </a:blipFill>
+              </p:spPr>
+              <p:txBody>
+                <a:bodyPr/>
+                <a:lstStyle/>
+                <a:p>
+                  <a:r>
+                    <a:rPr lang="en-US">
+                      <a:noFill/>
+                    </a:rPr>
+                    <a:t> </a:t>
+                  </a:r>
+                </a:p>
+              </p:txBody>
+            </p:sp>
+          </mc:Fallback>
+        </mc:AlternateContent>
+        <mc:AlternateContent xmlns:mc="http://schemas.openxmlformats.org/markup-compatibility/2006">
+          <mc:Choice xmlns:a14="http://schemas.microsoft.com/office/drawing/2010/main" Requires="a14">
+            <p:sp>
+              <p:nvSpPr>
+                <p:cNvPr id="43" name="TextBox 42">
+                  <a:extLst>
+                    <a:ext uri="{FF2B5EF4-FFF2-40B4-BE49-F238E27FC236}">
+                      <a16:creationId xmlns:a16="http://schemas.microsoft.com/office/drawing/2014/main" id="{9BDB0662-B478-1D4E-8AEE-8C77CA978189}"/>
+                    </a:ext>
+                  </a:extLst>
+                </p:cNvPr>
+                <p:cNvSpPr txBox="1"/>
+                <p:nvPr/>
+              </p:nvSpPr>
+              <p:spPr>
+                <a:xfrm>
+                  <a:off x="10062095" y="3024893"/>
+                  <a:ext cx="297774" cy="261610"/>
+                </a:xfrm>
+                <a:prstGeom prst="rect">
+                  <a:avLst/>
+                </a:prstGeom>
+                <a:noFill/>
+              </p:spPr>
+              <p:txBody>
+                <a:bodyPr wrap="none" rtlCol="0">
+                  <a:spAutoFit/>
+                </a:bodyPr>
+                <a:lstStyle/>
+                <a:p>
+                  <a14:m>
+                    <m:oMathPara xmlns:m="http://schemas.openxmlformats.org/officeDocument/2006/math">
+                      <m:oMathParaPr>
+                        <m:jc m:val="centerGroup"/>
+                      </m:oMathParaPr>
+                      <m:oMath xmlns:m="http://schemas.openxmlformats.org/officeDocument/2006/math">
+                        <m:r>
+                          <a:rPr lang="en-US" sz="1100" i="1" smtClean="0">
+                            <a:latin typeface="Cambria Math" panose="02040503050406030204" pitchFamily="18" charset="0"/>
+                          </a:rPr>
+                          <m:t>𝑓</m:t>
+                        </m:r>
+                      </m:oMath>
+                    </m:oMathPara>
+                  </a14:m>
+                  <a:endParaRPr lang="en-US" sz="1100" dirty="0"/>
+                </a:p>
+              </p:txBody>
+            </p:sp>
+          </mc:Choice>
+          <mc:Fallback>
+            <p:sp>
+              <p:nvSpPr>
+                <p:cNvPr id="43" name="TextBox 42">
+                  <a:extLst>
+                    <a:ext uri="{FF2B5EF4-FFF2-40B4-BE49-F238E27FC236}">
+                      <a16:creationId xmlns:a16="http://schemas.microsoft.com/office/drawing/2014/main" id="{9BDB0662-B478-1D4E-8AEE-8C77CA978189}"/>
+                    </a:ext>
+                  </a:extLst>
+                </p:cNvPr>
+                <p:cNvSpPr txBox="1">
+                  <a:spLocks noRot="1" noChangeAspect="1" noMove="1" noResize="1" noEditPoints="1" noAdjustHandles="1" noChangeArrowheads="1" noChangeShapeType="1" noTextEdit="1"/>
+                </p:cNvSpPr>
+                <p:nvPr/>
+              </p:nvSpPr>
+              <p:spPr>
+                <a:xfrm>
+                  <a:off x="10062095" y="3024893"/>
+                  <a:ext cx="297774" cy="261610"/>
+                </a:xfrm>
+                <a:prstGeom prst="rect">
+                  <a:avLst/>
+                </a:prstGeom>
+                <a:blipFill>
+                  <a:blip r:embed="rId13"/>
+                  <a:stretch>
+                    <a:fillRect b="-4762"/>
+                  </a:stretch>
+                </a:blipFill>
+              </p:spPr>
+              <p:txBody>
+                <a:bodyPr/>
+                <a:lstStyle/>
+                <a:p>
+                  <a:r>
+                    <a:rPr lang="en-US">
+                      <a:noFill/>
+                    </a:rPr>
+                    <a:t> </a:t>
+                  </a:r>
+                </a:p>
+              </p:txBody>
+            </p:sp>
+          </mc:Fallback>
+        </mc:AlternateContent>
+        <p:cxnSp>
+          <p:nvCxnSpPr>
+            <p:cNvPr id="45" name="Straight Connector 44">
+              <a:extLst>
+                <a:ext uri="{FF2B5EF4-FFF2-40B4-BE49-F238E27FC236}">
+                  <a16:creationId xmlns:a16="http://schemas.microsoft.com/office/drawing/2014/main" id="{9C811830-7DF1-FA44-AD58-562BF711A32D}"/>
+                </a:ext>
+              </a:extLst>
+            </p:cNvPr>
+            <p:cNvCxnSpPr>
+              <a:stCxn id="40" idx="0"/>
+              <a:endCxn id="40" idx="4"/>
+            </p:cNvCxnSpPr>
+            <p:nvPr/>
+          </p:nvCxnSpPr>
+          <p:spPr>
+            <a:xfrm>
+              <a:off x="10086214" y="2825549"/>
+              <a:ext cx="0" cy="698643"/>
+            </a:xfrm>
+            <a:prstGeom prst="line">
+              <a:avLst/>
+            </a:prstGeom>
+            <a:ln w="12700"/>
+          </p:spPr>
+          <p:style>
+            <a:lnRef idx="1">
+              <a:schemeClr val="accent1"/>
+            </a:lnRef>
+            <a:fillRef idx="0">
+              <a:schemeClr val="accent1"/>
+            </a:fillRef>
+            <a:effectRef idx="0">
+              <a:schemeClr val="accent1"/>
+            </a:effectRef>
+            <a:fontRef idx="minor">
+              <a:schemeClr val="tx1"/>
+            </a:fontRef>
+          </p:style>
+        </p:cxnSp>
+        <mc:AlternateContent xmlns:mc="http://schemas.openxmlformats.org/markup-compatibility/2006">
+          <mc:Choice xmlns:a14="http://schemas.microsoft.com/office/drawing/2010/main" Requires="a14">
+            <p:sp>
+              <p:nvSpPr>
+                <p:cNvPr id="46" name="TextBox 45">
+                  <a:extLst>
+                    <a:ext uri="{FF2B5EF4-FFF2-40B4-BE49-F238E27FC236}">
+                      <a16:creationId xmlns:a16="http://schemas.microsoft.com/office/drawing/2014/main" id="{4584A33E-FD18-B346-888A-3A5495F94E80}"/>
+                    </a:ext>
+                  </a:extLst>
+                </p:cNvPr>
+                <p:cNvSpPr txBox="1"/>
+                <p:nvPr/>
+              </p:nvSpPr>
+              <p:spPr>
+                <a:xfrm>
+                  <a:off x="8622991" y="3024403"/>
+                  <a:ext cx="284052" cy="261610"/>
+                </a:xfrm>
+                <a:prstGeom prst="rect">
+                  <a:avLst/>
+                </a:prstGeom>
+                <a:noFill/>
+              </p:spPr>
+              <p:txBody>
+                <a:bodyPr wrap="none" rtlCol="0">
+                  <a:spAutoFit/>
+                </a:bodyPr>
+                <a:lstStyle/>
+                <a:p>
+                  <a14:m>
+                    <m:oMathPara xmlns:m="http://schemas.openxmlformats.org/officeDocument/2006/math">
+                      <m:oMathParaPr>
+                        <m:jc m:val="centerGroup"/>
+                      </m:oMathParaPr>
+                      <m:oMath xmlns:m="http://schemas.openxmlformats.org/officeDocument/2006/math">
+                        <m:r>
+                          <a:rPr lang="en-US" sz="1100" b="0" i="1" smtClean="0">
+                            <a:latin typeface="Cambria Math" panose="02040503050406030204" pitchFamily="18" charset="0"/>
+                          </a:rPr>
+                          <m:t>∗</m:t>
+                        </m:r>
+                      </m:oMath>
+                    </m:oMathPara>
+                  </a14:m>
+                  <a:endParaRPr lang="en-US" sz="1100" dirty="0"/>
+                </a:p>
+              </p:txBody>
+            </p:sp>
+          </mc:Choice>
+          <mc:Fallback>
+            <p:sp>
+              <p:nvSpPr>
+                <p:cNvPr id="46" name="TextBox 45">
+                  <a:extLst>
+                    <a:ext uri="{FF2B5EF4-FFF2-40B4-BE49-F238E27FC236}">
+                      <a16:creationId xmlns:a16="http://schemas.microsoft.com/office/drawing/2014/main" id="{4584A33E-FD18-B346-888A-3A5495F94E80}"/>
+                    </a:ext>
+                  </a:extLst>
+                </p:cNvPr>
+                <p:cNvSpPr txBox="1">
+                  <a:spLocks noRot="1" noChangeAspect="1" noMove="1" noResize="1" noEditPoints="1" noAdjustHandles="1" noChangeArrowheads="1" noChangeShapeType="1" noTextEdit="1"/>
+                </p:cNvSpPr>
+                <p:nvPr/>
+              </p:nvSpPr>
+              <p:spPr>
+                <a:xfrm>
+                  <a:off x="8622991" y="3024403"/>
+                  <a:ext cx="284052" cy="261610"/>
+                </a:xfrm>
+                <a:prstGeom prst="rect">
+                  <a:avLst/>
+                </a:prstGeom>
+                <a:blipFill>
+                  <a:blip r:embed="rId14"/>
+                  <a:stretch>
+                    <a:fillRect/>
+                  </a:stretch>
+                </a:blipFill>
+              </p:spPr>
+              <p:txBody>
+                <a:bodyPr/>
+                <a:lstStyle/>
+                <a:p>
+                  <a:r>
+                    <a:rPr lang="en-US">
+                      <a:noFill/>
+                    </a:rPr>
+                    <a:t> </a:t>
+                  </a:r>
+                </a:p>
+              </p:txBody>
+            </p:sp>
+          </mc:Fallback>
+        </mc:AlternateContent>
+        <p:cxnSp>
+          <p:nvCxnSpPr>
+            <p:cNvPr id="47" name="Straight Connector 46">
+              <a:extLst>
+                <a:ext uri="{FF2B5EF4-FFF2-40B4-BE49-F238E27FC236}">
+                  <a16:creationId xmlns:a16="http://schemas.microsoft.com/office/drawing/2014/main" id="{476AFEB5-0AF9-A14B-A41B-460B695A0825}"/>
+                </a:ext>
+              </a:extLst>
+            </p:cNvPr>
+            <p:cNvCxnSpPr/>
+            <p:nvPr/>
+          </p:nvCxnSpPr>
+          <p:spPr>
+            <a:xfrm>
+              <a:off x="8611540" y="2815191"/>
+              <a:ext cx="0" cy="698643"/>
+            </a:xfrm>
+            <a:prstGeom prst="line">
+              <a:avLst/>
+            </a:prstGeom>
+            <a:ln w="12700"/>
+          </p:spPr>
+          <p:style>
+            <a:lnRef idx="1">
+              <a:schemeClr val="accent1"/>
+            </a:lnRef>
+            <a:fillRef idx="0">
+              <a:schemeClr val="accent1"/>
+            </a:fillRef>
+            <a:effectRef idx="0">
+              <a:schemeClr val="accent1"/>
+            </a:effectRef>
+            <a:fontRef idx="minor">
+              <a:schemeClr val="tx1"/>
+            </a:fontRef>
+          </p:style>
+        </p:cxnSp>
+        <p:cxnSp>
+          <p:nvCxnSpPr>
+            <p:cNvPr id="49" name="Straight Connector 48">
+              <a:extLst>
+                <a:ext uri="{FF2B5EF4-FFF2-40B4-BE49-F238E27FC236}">
+                  <a16:creationId xmlns:a16="http://schemas.microsoft.com/office/drawing/2014/main" id="{B74F9FB1-8233-DA48-B60F-2119012B7C66}"/>
+                </a:ext>
+              </a:extLst>
+            </p:cNvPr>
+            <p:cNvCxnSpPr>
+              <a:cxnSpLocks/>
+              <a:endCxn id="41" idx="2"/>
+            </p:cNvCxnSpPr>
+            <p:nvPr/>
+          </p:nvCxnSpPr>
+          <p:spPr>
+            <a:xfrm flipH="1" flipV="1">
+              <a:off x="8259650" y="3170038"/>
+              <a:ext cx="351890" cy="4832"/>
+            </a:xfrm>
+            <a:prstGeom prst="line">
+              <a:avLst/>
+            </a:prstGeom>
+            <a:ln w="12700"/>
+          </p:spPr>
+          <p:style>
+            <a:lnRef idx="1">
+              <a:schemeClr val="accent1"/>
+            </a:lnRef>
+            <a:fillRef idx="0">
+              <a:schemeClr val="accent1"/>
+            </a:fillRef>
+            <a:effectRef idx="0">
+              <a:schemeClr val="accent1"/>
+            </a:effectRef>
+            <a:fontRef idx="minor">
+              <a:schemeClr val="tx1"/>
+            </a:fontRef>
+          </p:style>
+        </p:cxnSp>
+        <mc:AlternateContent xmlns:mc="http://schemas.openxmlformats.org/markup-compatibility/2006">
+          <mc:Choice xmlns:a14="http://schemas.microsoft.com/office/drawing/2010/main" Requires="a14">
+            <p:sp>
+              <p:nvSpPr>
+                <p:cNvPr id="51" name="TextBox 50">
+                  <a:extLst>
+                    <a:ext uri="{FF2B5EF4-FFF2-40B4-BE49-F238E27FC236}">
+                      <a16:creationId xmlns:a16="http://schemas.microsoft.com/office/drawing/2014/main" id="{21E9A70F-586F-F242-A59F-0585AE9297B9}"/>
+                    </a:ext>
+                  </a:extLst>
+                </p:cNvPr>
+                <p:cNvSpPr txBox="1"/>
+                <p:nvPr/>
+              </p:nvSpPr>
+              <p:spPr>
+                <a:xfrm>
+                  <a:off x="8290266" y="2893598"/>
+                  <a:ext cx="297774" cy="261610"/>
+                </a:xfrm>
+                <a:prstGeom prst="rect">
+                  <a:avLst/>
+                </a:prstGeom>
+                <a:noFill/>
+              </p:spPr>
+              <p:txBody>
+                <a:bodyPr wrap="none" rtlCol="0">
+                  <a:spAutoFit/>
+                </a:bodyPr>
+                <a:lstStyle/>
+                <a:p>
+                  <a14:m>
+                    <m:oMathPara xmlns:m="http://schemas.openxmlformats.org/officeDocument/2006/math">
+                      <m:oMathParaPr>
+                        <m:jc m:val="centerGroup"/>
+                      </m:oMathParaPr>
+                      <m:oMath xmlns:m="http://schemas.openxmlformats.org/officeDocument/2006/math">
+                        <m:r>
+                          <a:rPr lang="en-US" sz="1100" b="0" i="1" smtClean="0">
+                            <a:latin typeface="Cambria Math" panose="02040503050406030204" pitchFamily="18" charset="0"/>
+                          </a:rPr>
+                          <m:t>𝑏</m:t>
+                        </m:r>
+                      </m:oMath>
+                    </m:oMathPara>
+                  </a14:m>
+                  <a:endParaRPr lang="en-US" sz="1100" dirty="0"/>
+                </a:p>
+              </p:txBody>
+            </p:sp>
+          </mc:Choice>
+          <mc:Fallback>
+            <p:sp>
+              <p:nvSpPr>
+                <p:cNvPr id="51" name="TextBox 50">
+                  <a:extLst>
+                    <a:ext uri="{FF2B5EF4-FFF2-40B4-BE49-F238E27FC236}">
+                      <a16:creationId xmlns:a16="http://schemas.microsoft.com/office/drawing/2014/main" id="{21E9A70F-586F-F242-A59F-0585AE9297B9}"/>
+                    </a:ext>
+                  </a:extLst>
+                </p:cNvPr>
+                <p:cNvSpPr txBox="1">
+                  <a:spLocks noRot="1" noChangeAspect="1" noMove="1" noResize="1" noEditPoints="1" noAdjustHandles="1" noChangeArrowheads="1" noChangeShapeType="1" noTextEdit="1"/>
+                </p:cNvSpPr>
+                <p:nvPr/>
+              </p:nvSpPr>
+              <p:spPr>
+                <a:xfrm>
+                  <a:off x="8290266" y="2893598"/>
+                  <a:ext cx="297774" cy="261610"/>
+                </a:xfrm>
+                <a:prstGeom prst="rect">
+                  <a:avLst/>
+                </a:prstGeom>
+                <a:blipFill>
+                  <a:blip r:embed="rId15"/>
+                  <a:stretch>
+                    <a:fillRect/>
+                  </a:stretch>
+                </a:blipFill>
+              </p:spPr>
+              <p:txBody>
+                <a:bodyPr/>
+                <a:lstStyle/>
+                <a:p>
+                  <a:r>
+                    <a:rPr lang="en-US">
+                      <a:noFill/>
+                    </a:rPr>
+                    <a:t> </a:t>
+                  </a:r>
+                </a:p>
+              </p:txBody>
+            </p:sp>
+          </mc:Fallback>
+        </mc:AlternateContent>
+        <mc:AlternateContent xmlns:mc="http://schemas.openxmlformats.org/markup-compatibility/2006">
+          <mc:Choice xmlns:a14="http://schemas.microsoft.com/office/drawing/2010/main" Requires="a14">
+            <p:sp>
+              <p:nvSpPr>
+                <p:cNvPr id="52" name="TextBox 51">
+                  <a:extLst>
+                    <a:ext uri="{FF2B5EF4-FFF2-40B4-BE49-F238E27FC236}">
+                      <a16:creationId xmlns:a16="http://schemas.microsoft.com/office/drawing/2014/main" id="{9F92CBA4-CE7A-2E47-9B9C-3AB919BECCE5}"/>
+                    </a:ext>
+                  </a:extLst>
+                </p:cNvPr>
+                <p:cNvSpPr txBox="1"/>
+                <p:nvPr/>
+              </p:nvSpPr>
+              <p:spPr>
+                <a:xfrm>
+                  <a:off x="8300903" y="3154423"/>
+                  <a:ext cx="297774" cy="261610"/>
+                </a:xfrm>
+                <a:prstGeom prst="rect">
+                  <a:avLst/>
+                </a:prstGeom>
+                <a:noFill/>
+              </p:spPr>
+              <p:txBody>
+                <a:bodyPr wrap="none" rtlCol="0">
+                  <a:spAutoFit/>
+                </a:bodyPr>
+                <a:lstStyle/>
+                <a:p>
+                  <a14:m>
+                    <m:oMathPara xmlns:m="http://schemas.openxmlformats.org/officeDocument/2006/math">
+                      <m:oMathParaPr>
+                        <m:jc m:val="centerGroup"/>
+                      </m:oMathParaPr>
+                      <m:oMath xmlns:m="http://schemas.openxmlformats.org/officeDocument/2006/math">
+                        <m:r>
+                          <a:rPr lang="en-US" sz="1100" b="0" i="1" smtClean="0">
+                            <a:latin typeface="Cambria Math" panose="02040503050406030204" pitchFamily="18" charset="0"/>
+                          </a:rPr>
+                          <m:t>𝑎</m:t>
+                        </m:r>
+                      </m:oMath>
+                    </m:oMathPara>
+                  </a14:m>
+                  <a:endParaRPr lang="en-US" sz="1100" dirty="0"/>
+                </a:p>
+              </p:txBody>
+            </p:sp>
+          </mc:Choice>
+          <mc:Fallback>
+            <p:sp>
+              <p:nvSpPr>
+                <p:cNvPr id="52" name="TextBox 51">
+                  <a:extLst>
+                    <a:ext uri="{FF2B5EF4-FFF2-40B4-BE49-F238E27FC236}">
+                      <a16:creationId xmlns:a16="http://schemas.microsoft.com/office/drawing/2014/main" id="{9F92CBA4-CE7A-2E47-9B9C-3AB919BECCE5}"/>
+                    </a:ext>
+                  </a:extLst>
+                </p:cNvPr>
+                <p:cNvSpPr txBox="1">
+                  <a:spLocks noRot="1" noChangeAspect="1" noMove="1" noResize="1" noEditPoints="1" noAdjustHandles="1" noChangeArrowheads="1" noChangeShapeType="1" noTextEdit="1"/>
+                </p:cNvSpPr>
+                <p:nvPr/>
+              </p:nvSpPr>
+              <p:spPr>
+                <a:xfrm>
+                  <a:off x="8300903" y="3154423"/>
+                  <a:ext cx="297774" cy="261610"/>
+                </a:xfrm>
+                <a:prstGeom prst="rect">
+                  <a:avLst/>
+                </a:prstGeom>
+                <a:blipFill>
+                  <a:blip r:embed="rId16"/>
+                  <a:stretch>
+                    <a:fillRect/>
+                  </a:stretch>
+                </a:blipFill>
+              </p:spPr>
+              <p:txBody>
+                <a:bodyPr/>
+                <a:lstStyle/>
+                <a:p>
+                  <a:r>
+                    <a:rPr lang="en-US">
+                      <a:noFill/>
+                    </a:rPr>
+                    <a:t> </a:t>
+                  </a:r>
+                </a:p>
+              </p:txBody>
+            </p:sp>
+          </mc:Fallback>
+        </mc:AlternateContent>
+        <p:cxnSp>
+          <p:nvCxnSpPr>
+            <p:cNvPr id="54" name="Straight Connector 53">
+              <a:extLst>
+                <a:ext uri="{FF2B5EF4-FFF2-40B4-BE49-F238E27FC236}">
+                  <a16:creationId xmlns:a16="http://schemas.microsoft.com/office/drawing/2014/main" id="{6ED65826-B63D-7444-A417-AD56F9A59EF2}"/>
+                </a:ext>
+              </a:extLst>
+            </p:cNvPr>
+            <p:cNvCxnSpPr>
+              <a:cxnSpLocks/>
+            </p:cNvCxnSpPr>
+            <p:nvPr/>
+          </p:nvCxnSpPr>
+          <p:spPr>
+            <a:xfrm flipH="1" flipV="1">
+              <a:off x="8016612" y="2645150"/>
+              <a:ext cx="344080" cy="283725"/>
+            </a:xfrm>
+            <a:prstGeom prst="line">
+              <a:avLst/>
+            </a:prstGeom>
+            <a:ln w="9525"/>
+          </p:spPr>
+          <p:style>
+            <a:lnRef idx="1">
+              <a:schemeClr val="accent1"/>
+            </a:lnRef>
+            <a:fillRef idx="0">
+              <a:schemeClr val="accent1"/>
+            </a:fillRef>
+            <a:effectRef idx="0">
+              <a:schemeClr val="accent1"/>
+            </a:effectRef>
+            <a:fontRef idx="minor">
+              <a:schemeClr val="tx1"/>
+            </a:fontRef>
+          </p:style>
+        </p:cxnSp>
+        <p:cxnSp>
+          <p:nvCxnSpPr>
+            <p:cNvPr id="56" name="Straight Connector 55">
+              <a:extLst>
+                <a:ext uri="{FF2B5EF4-FFF2-40B4-BE49-F238E27FC236}">
+                  <a16:creationId xmlns:a16="http://schemas.microsoft.com/office/drawing/2014/main" id="{7AA3A907-CCF8-3940-9071-0B5C61C57FB1}"/>
+                </a:ext>
+              </a:extLst>
+            </p:cNvPr>
+            <p:cNvCxnSpPr>
+              <a:cxnSpLocks/>
+            </p:cNvCxnSpPr>
+            <p:nvPr/>
+          </p:nvCxnSpPr>
+          <p:spPr>
+            <a:xfrm flipH="1">
+              <a:off x="8016612" y="3409348"/>
+              <a:ext cx="333421" cy="232233"/>
+            </a:xfrm>
+            <a:prstGeom prst="line">
+              <a:avLst/>
+            </a:prstGeom>
+            <a:ln w="9525"/>
+          </p:spPr>
+          <p:style>
+            <a:lnRef idx="1">
+              <a:schemeClr val="accent1"/>
+            </a:lnRef>
+            <a:fillRef idx="0">
+              <a:schemeClr val="accent1"/>
+            </a:fillRef>
+            <a:effectRef idx="0">
+              <a:schemeClr val="accent1"/>
+            </a:effectRef>
+            <a:fontRef idx="minor">
+              <a:schemeClr val="tx1"/>
+            </a:fontRef>
+          </p:style>
+        </p:cxnSp>
+        <mc:AlternateContent xmlns:mc="http://schemas.openxmlformats.org/markup-compatibility/2006">
+          <mc:Choice xmlns:a14="http://schemas.microsoft.com/office/drawing/2010/main" Requires="a14">
+            <p:sp>
+              <p:nvSpPr>
+                <p:cNvPr id="60" name="TextBox 59">
+                  <a:extLst>
+                    <a:ext uri="{FF2B5EF4-FFF2-40B4-BE49-F238E27FC236}">
+                      <a16:creationId xmlns:a16="http://schemas.microsoft.com/office/drawing/2014/main" id="{579BA838-9A44-5646-B29E-19B4EC7DF755}"/>
+                    </a:ext>
+                  </a:extLst>
+                </p:cNvPr>
+                <p:cNvSpPr txBox="1"/>
+                <p:nvPr/>
+              </p:nvSpPr>
+              <p:spPr>
+                <a:xfrm>
+                  <a:off x="7133629" y="2650386"/>
+                  <a:ext cx="697435" cy="261610"/>
+                </a:xfrm>
+                <a:prstGeom prst="rect">
+                  <a:avLst/>
+                </a:prstGeom>
+                <a:noFill/>
+              </p:spPr>
+              <p:txBody>
+                <a:bodyPr wrap="none" rtlCol="0">
+                  <a:spAutoFit/>
+                </a:bodyPr>
+                <a:lstStyle/>
+                <a:p>
+                  <a14:m>
+                    <m:oMathPara xmlns:m="http://schemas.openxmlformats.org/officeDocument/2006/math">
+                      <m:oMathParaPr>
+                        <m:jc m:val="centerGroup"/>
+                      </m:oMathParaPr>
+                      <m:oMath xmlns:m="http://schemas.openxmlformats.org/officeDocument/2006/math">
+                        <m:sSup>
+                          <m:sSupPr>
+                            <m:ctrlPr>
+                              <a:rPr lang="en-US" sz="1100" i="1" smtClean="0">
+                                <a:latin typeface="Cambria Math" panose="02040503050406030204" pitchFamily="18" charset="0"/>
+                              </a:rPr>
+                            </m:ctrlPr>
+                          </m:sSupPr>
+                          <m:e>
+                            <m:r>
+                              <a:rPr lang="en-US" sz="1100" i="1" smtClean="0">
+                                <a:latin typeface="Cambria Math" panose="02040503050406030204" pitchFamily="18" charset="0"/>
+                              </a:rPr>
+                              <m:t>𝑓</m:t>
+                            </m:r>
+                          </m:e>
+                          <m:sup>
+                            <m:r>
+                              <a:rPr lang="en-US" sz="1100" b="0" i="1" smtClean="0">
+                                <a:latin typeface="Cambria Math" panose="02040503050406030204" pitchFamily="18" charset="0"/>
+                              </a:rPr>
+                              <m:t>′</m:t>
+                            </m:r>
+                          </m:sup>
+                        </m:sSup>
+                        <m:d>
+                          <m:dPr>
+                            <m:ctrlPr>
+                              <a:rPr lang="en-US" sz="1100" b="0" i="1" smtClean="0">
+                                <a:latin typeface="Cambria Math" panose="02040503050406030204" pitchFamily="18" charset="0"/>
+                              </a:rPr>
+                            </m:ctrlPr>
+                          </m:dPr>
+                          <m:e>
+                            <m:r>
+                              <a:rPr lang="en-US" sz="1100" b="0" i="1" smtClean="0">
+                                <a:latin typeface="Cambria Math" panose="02040503050406030204" pitchFamily="18" charset="0"/>
+                              </a:rPr>
+                              <m:t>𝑎𝑏</m:t>
+                            </m:r>
+                          </m:e>
+                        </m:d>
+                        <m:r>
+                          <a:rPr lang="en-US" sz="1100" b="0" i="1" smtClean="0">
+                            <a:latin typeface="Cambria Math" panose="02040503050406030204" pitchFamily="18" charset="0"/>
+                          </a:rPr>
+                          <m:t>𝑏</m:t>
+                        </m:r>
+                      </m:oMath>
+                    </m:oMathPara>
+                  </a14:m>
+                  <a:endParaRPr lang="en-US" sz="1100" dirty="0"/>
+                </a:p>
+              </p:txBody>
+            </p:sp>
+          </mc:Choice>
+          <mc:Fallback>
+            <p:sp>
+              <p:nvSpPr>
+                <p:cNvPr id="60" name="TextBox 59">
+                  <a:extLst>
+                    <a:ext uri="{FF2B5EF4-FFF2-40B4-BE49-F238E27FC236}">
+                      <a16:creationId xmlns:a16="http://schemas.microsoft.com/office/drawing/2014/main" id="{579BA838-9A44-5646-B29E-19B4EC7DF755}"/>
+                    </a:ext>
+                  </a:extLst>
+                </p:cNvPr>
+                <p:cNvSpPr txBox="1">
+                  <a:spLocks noRot="1" noChangeAspect="1" noMove="1" noResize="1" noEditPoints="1" noAdjustHandles="1" noChangeArrowheads="1" noChangeShapeType="1" noTextEdit="1"/>
+                </p:cNvSpPr>
+                <p:nvPr/>
+              </p:nvSpPr>
+              <p:spPr>
+                <a:xfrm>
+                  <a:off x="7133629" y="2650386"/>
+                  <a:ext cx="697435" cy="261610"/>
+                </a:xfrm>
+                <a:prstGeom prst="rect">
+                  <a:avLst/>
+                </a:prstGeom>
+                <a:blipFill>
+                  <a:blip r:embed="rId17"/>
+                  <a:stretch>
+                    <a:fillRect/>
+                  </a:stretch>
+                </a:blipFill>
+              </p:spPr>
+              <p:txBody>
+                <a:bodyPr/>
+                <a:lstStyle/>
+                <a:p>
+                  <a:r>
+                    <a:rPr lang="en-US">
+                      <a:noFill/>
+                    </a:rPr>
+                    <a:t> </a:t>
+                  </a:r>
+                </a:p>
+              </p:txBody>
+            </p:sp>
+          </mc:Fallback>
+        </mc:AlternateContent>
+        <mc:AlternateContent xmlns:mc="http://schemas.openxmlformats.org/markup-compatibility/2006">
+          <mc:Choice xmlns:a14="http://schemas.microsoft.com/office/drawing/2010/main" Requires="a14">
+            <p:sp>
+              <p:nvSpPr>
+                <p:cNvPr id="61" name="TextBox 60">
+                  <a:extLst>
+                    <a:ext uri="{FF2B5EF4-FFF2-40B4-BE49-F238E27FC236}">
+                      <a16:creationId xmlns:a16="http://schemas.microsoft.com/office/drawing/2014/main" id="{0F015726-849E-BD40-A3E4-B7774941FA93}"/>
+                    </a:ext>
+                  </a:extLst>
+                </p:cNvPr>
+                <p:cNvSpPr txBox="1"/>
+                <p:nvPr/>
+              </p:nvSpPr>
+              <p:spPr>
+                <a:xfrm>
+                  <a:off x="7149256" y="3376702"/>
+                  <a:ext cx="701026" cy="261610"/>
+                </a:xfrm>
+                <a:prstGeom prst="rect">
+                  <a:avLst/>
+                </a:prstGeom>
+                <a:noFill/>
+              </p:spPr>
+              <p:txBody>
+                <a:bodyPr wrap="none" rtlCol="0">
+                  <a:spAutoFit/>
+                </a:bodyPr>
+                <a:lstStyle/>
+                <a:p>
+                  <a14:m>
+                    <m:oMathPara xmlns:m="http://schemas.openxmlformats.org/officeDocument/2006/math">
+                      <m:oMathParaPr>
+                        <m:jc m:val="centerGroup"/>
+                      </m:oMathParaPr>
+                      <m:oMath xmlns:m="http://schemas.openxmlformats.org/officeDocument/2006/math">
+                        <m:sSup>
+                          <m:sSupPr>
+                            <m:ctrlPr>
+                              <a:rPr lang="en-US" sz="1100" i="1" smtClean="0">
+                                <a:latin typeface="Cambria Math" panose="02040503050406030204" pitchFamily="18" charset="0"/>
+                              </a:rPr>
+                            </m:ctrlPr>
+                          </m:sSupPr>
+                          <m:e>
+                            <m:r>
+                              <a:rPr lang="en-US" sz="1100" i="1" smtClean="0">
+                                <a:latin typeface="Cambria Math" panose="02040503050406030204" pitchFamily="18" charset="0"/>
+                              </a:rPr>
+                              <m:t>𝑓</m:t>
+                            </m:r>
+                          </m:e>
+                          <m:sup>
+                            <m:r>
+                              <a:rPr lang="en-US" sz="1100" b="0" i="1" smtClean="0">
+                                <a:latin typeface="Cambria Math" panose="02040503050406030204" pitchFamily="18" charset="0"/>
+                              </a:rPr>
+                              <m:t>′</m:t>
+                            </m:r>
+                          </m:sup>
+                        </m:sSup>
+                        <m:d>
+                          <m:dPr>
+                            <m:ctrlPr>
+                              <a:rPr lang="en-US" sz="1100" b="0" i="1" smtClean="0">
+                                <a:latin typeface="Cambria Math" panose="02040503050406030204" pitchFamily="18" charset="0"/>
+                              </a:rPr>
+                            </m:ctrlPr>
+                          </m:dPr>
+                          <m:e>
+                            <m:r>
+                              <a:rPr lang="en-US" sz="1100" b="0" i="1" smtClean="0">
+                                <a:latin typeface="Cambria Math" panose="02040503050406030204" pitchFamily="18" charset="0"/>
+                              </a:rPr>
+                              <m:t>𝑎𝑏</m:t>
+                            </m:r>
+                          </m:e>
+                        </m:d>
+                        <m:r>
+                          <a:rPr lang="en-US" sz="1100" b="0" i="1" smtClean="0">
+                            <a:latin typeface="Cambria Math" panose="02040503050406030204" pitchFamily="18" charset="0"/>
+                          </a:rPr>
+                          <m:t>𝑎</m:t>
+                        </m:r>
+                      </m:oMath>
+                    </m:oMathPara>
+                  </a14:m>
+                  <a:endParaRPr lang="en-US" sz="1100" dirty="0"/>
+                </a:p>
+              </p:txBody>
+            </p:sp>
+          </mc:Choice>
+          <mc:Fallback>
+            <p:sp>
+              <p:nvSpPr>
+                <p:cNvPr id="61" name="TextBox 60">
+                  <a:extLst>
+                    <a:ext uri="{FF2B5EF4-FFF2-40B4-BE49-F238E27FC236}">
+                      <a16:creationId xmlns:a16="http://schemas.microsoft.com/office/drawing/2014/main" id="{0F015726-849E-BD40-A3E4-B7774941FA93}"/>
+                    </a:ext>
+                  </a:extLst>
+                </p:cNvPr>
+                <p:cNvSpPr txBox="1">
+                  <a:spLocks noRot="1" noChangeAspect="1" noMove="1" noResize="1" noEditPoints="1" noAdjustHandles="1" noChangeArrowheads="1" noChangeShapeType="1" noTextEdit="1"/>
+                </p:cNvSpPr>
+                <p:nvPr/>
+              </p:nvSpPr>
+              <p:spPr>
+                <a:xfrm>
+                  <a:off x="7149256" y="3376702"/>
+                  <a:ext cx="701026" cy="261610"/>
+                </a:xfrm>
+                <a:prstGeom prst="rect">
+                  <a:avLst/>
+                </a:prstGeom>
+                <a:blipFill>
+                  <a:blip r:embed="rId18"/>
+                  <a:stretch>
+                    <a:fillRect/>
+                  </a:stretch>
+                </a:blipFill>
+              </p:spPr>
+              <p:txBody>
+                <a:bodyPr/>
+                <a:lstStyle/>
+                <a:p>
+                  <a:r>
+                    <a:rPr lang="en-US">
+                      <a:noFill/>
+                    </a:rPr>
+                    <a:t> </a:t>
+                  </a:r>
+                </a:p>
+              </p:txBody>
+            </p:sp>
+          </mc:Fallback>
+        </mc:AlternateContent>
+        <mc:AlternateContent xmlns:mc="http://schemas.openxmlformats.org/markup-compatibility/2006">
+          <mc:Choice xmlns:a14="http://schemas.microsoft.com/office/drawing/2010/main" Requires="a14">
+            <p:sp>
+              <p:nvSpPr>
+                <p:cNvPr id="62" name="TextBox 61">
+                  <a:extLst>
+                    <a:ext uri="{FF2B5EF4-FFF2-40B4-BE49-F238E27FC236}">
+                      <a16:creationId xmlns:a16="http://schemas.microsoft.com/office/drawing/2014/main" id="{11894413-48A3-0F4D-AA6C-58DA45A4E76A}"/>
+                    </a:ext>
+                  </a:extLst>
+                </p:cNvPr>
+                <p:cNvSpPr txBox="1"/>
+                <p:nvPr/>
+              </p:nvSpPr>
+              <p:spPr>
+                <a:xfrm>
+                  <a:off x="7789264" y="2470800"/>
+                  <a:ext cx="297774" cy="261610"/>
+                </a:xfrm>
+                <a:prstGeom prst="rect">
+                  <a:avLst/>
+                </a:prstGeom>
+                <a:noFill/>
+              </p:spPr>
+              <p:txBody>
+                <a:bodyPr wrap="none" rtlCol="0">
+                  <a:spAutoFit/>
+                </a:bodyPr>
+                <a:lstStyle/>
+                <a:p>
+                  <a14:m>
+                    <m:oMathPara xmlns:m="http://schemas.openxmlformats.org/officeDocument/2006/math">
+                      <m:oMathParaPr>
+                        <m:jc m:val="centerGroup"/>
+                      </m:oMathParaPr>
+                      <m:oMath xmlns:m="http://schemas.openxmlformats.org/officeDocument/2006/math">
+                        <m:r>
+                          <a:rPr lang="en-US" sz="1100" b="0" i="1" smtClean="0">
+                            <a:latin typeface="Cambria Math" panose="02040503050406030204" pitchFamily="18" charset="0"/>
+                          </a:rPr>
+                          <m:t>𝑎</m:t>
+                        </m:r>
+                      </m:oMath>
+                    </m:oMathPara>
+                  </a14:m>
+                  <a:endParaRPr lang="en-US" sz="1100" dirty="0"/>
+                </a:p>
+              </p:txBody>
+            </p:sp>
+          </mc:Choice>
+          <mc:Fallback>
+            <p:sp>
+              <p:nvSpPr>
+                <p:cNvPr id="62" name="TextBox 61">
+                  <a:extLst>
+                    <a:ext uri="{FF2B5EF4-FFF2-40B4-BE49-F238E27FC236}">
+                      <a16:creationId xmlns:a16="http://schemas.microsoft.com/office/drawing/2014/main" id="{11894413-48A3-0F4D-AA6C-58DA45A4E76A}"/>
+                    </a:ext>
+                  </a:extLst>
+                </p:cNvPr>
+                <p:cNvSpPr txBox="1">
+                  <a:spLocks noRot="1" noChangeAspect="1" noMove="1" noResize="1" noEditPoints="1" noAdjustHandles="1" noChangeArrowheads="1" noChangeShapeType="1" noTextEdit="1"/>
+                </p:cNvSpPr>
+                <p:nvPr/>
+              </p:nvSpPr>
+              <p:spPr>
+                <a:xfrm>
+                  <a:off x="7789264" y="2470800"/>
+                  <a:ext cx="297774" cy="261610"/>
+                </a:xfrm>
+                <a:prstGeom prst="rect">
+                  <a:avLst/>
+                </a:prstGeom>
+                <a:blipFill>
+                  <a:blip r:embed="rId19"/>
+                  <a:stretch>
+                    <a:fillRect/>
+                  </a:stretch>
+                </a:blipFill>
+              </p:spPr>
+              <p:txBody>
+                <a:bodyPr/>
+                <a:lstStyle/>
+                <a:p>
+                  <a:r>
+                    <a:rPr lang="en-US">
+                      <a:noFill/>
+                    </a:rPr>
+                    <a:t> </a:t>
+                  </a:r>
+                </a:p>
+              </p:txBody>
+            </p:sp>
+          </mc:Fallback>
+        </mc:AlternateContent>
+        <mc:AlternateContent xmlns:mc="http://schemas.openxmlformats.org/markup-compatibility/2006">
+          <mc:Choice xmlns:a14="http://schemas.microsoft.com/office/drawing/2010/main" Requires="a14">
+            <p:sp>
+              <p:nvSpPr>
+                <p:cNvPr id="63" name="TextBox 62">
+                  <a:extLst>
+                    <a:ext uri="{FF2B5EF4-FFF2-40B4-BE49-F238E27FC236}">
+                      <a16:creationId xmlns:a16="http://schemas.microsoft.com/office/drawing/2014/main" id="{2D9C21D1-F64A-A248-A567-2F258D00072A}"/>
+                    </a:ext>
+                  </a:extLst>
+                </p:cNvPr>
+                <p:cNvSpPr txBox="1"/>
+                <p:nvPr/>
+              </p:nvSpPr>
+              <p:spPr>
+                <a:xfrm>
+                  <a:off x="7784560" y="3529171"/>
+                  <a:ext cx="297774" cy="261610"/>
+                </a:xfrm>
+                <a:prstGeom prst="rect">
+                  <a:avLst/>
+                </a:prstGeom>
+                <a:noFill/>
+              </p:spPr>
+              <p:txBody>
+                <a:bodyPr wrap="none" rtlCol="0">
+                  <a:spAutoFit/>
+                </a:bodyPr>
+                <a:lstStyle/>
+                <a:p>
+                  <a14:m>
+                    <m:oMathPara xmlns:m="http://schemas.openxmlformats.org/officeDocument/2006/math">
+                      <m:oMathParaPr>
+                        <m:jc m:val="centerGroup"/>
+                      </m:oMathParaPr>
+                      <m:oMath xmlns:m="http://schemas.openxmlformats.org/officeDocument/2006/math">
+                        <m:r>
+                          <a:rPr lang="en-US" sz="1100" b="0" i="1" smtClean="0">
+                            <a:latin typeface="Cambria Math" panose="02040503050406030204" pitchFamily="18" charset="0"/>
+                          </a:rPr>
+                          <m:t>𝑏</m:t>
+                        </m:r>
+                      </m:oMath>
+                    </m:oMathPara>
+                  </a14:m>
+                  <a:endParaRPr lang="en-US" sz="1100" dirty="0"/>
+                </a:p>
+              </p:txBody>
+            </p:sp>
+          </mc:Choice>
+          <mc:Fallback>
+            <p:sp>
+              <p:nvSpPr>
+                <p:cNvPr id="63" name="TextBox 62">
+                  <a:extLst>
+                    <a:ext uri="{FF2B5EF4-FFF2-40B4-BE49-F238E27FC236}">
+                      <a16:creationId xmlns:a16="http://schemas.microsoft.com/office/drawing/2014/main" id="{2D9C21D1-F64A-A248-A567-2F258D00072A}"/>
+                    </a:ext>
+                  </a:extLst>
+                </p:cNvPr>
+                <p:cNvSpPr txBox="1">
+                  <a:spLocks noRot="1" noChangeAspect="1" noMove="1" noResize="1" noEditPoints="1" noAdjustHandles="1" noChangeArrowheads="1" noChangeShapeType="1" noTextEdit="1"/>
+                </p:cNvSpPr>
+                <p:nvPr/>
+              </p:nvSpPr>
+              <p:spPr>
+                <a:xfrm>
+                  <a:off x="7784560" y="3529171"/>
+                  <a:ext cx="297774" cy="261610"/>
+                </a:xfrm>
+                <a:prstGeom prst="rect">
+                  <a:avLst/>
+                </a:prstGeom>
+                <a:blipFill>
+                  <a:blip r:embed="rId20"/>
+                  <a:stretch>
+                    <a:fillRect/>
+                  </a:stretch>
+                </a:blipFill>
+              </p:spPr>
+              <p:txBody>
+                <a:bodyPr/>
+                <a:lstStyle/>
+                <a:p>
+                  <a:r>
+                    <a:rPr lang="en-US">
+                      <a:noFill/>
+                    </a:rPr>
+                    <a:t> </a:t>
+                  </a:r>
+                </a:p>
+              </p:txBody>
+            </p:sp>
+          </mc:Fallback>
+        </mc:AlternateContent>
+        <p:cxnSp>
+          <p:nvCxnSpPr>
+            <p:cNvPr id="65" name="Straight Connector 64">
+              <a:extLst>
+                <a:ext uri="{FF2B5EF4-FFF2-40B4-BE49-F238E27FC236}">
+                  <a16:creationId xmlns:a16="http://schemas.microsoft.com/office/drawing/2014/main" id="{C9121398-2BB5-A940-95F4-82E0365657F6}"/>
+                </a:ext>
+              </a:extLst>
+            </p:cNvPr>
+            <p:cNvCxnSpPr>
+              <a:stCxn id="41" idx="6"/>
+              <a:endCxn id="40" idx="2"/>
+            </p:cNvCxnSpPr>
+            <p:nvPr/>
+          </p:nvCxnSpPr>
+          <p:spPr>
+            <a:xfrm>
+              <a:off x="8963430" y="3170038"/>
+              <a:ext cx="770894" cy="4833"/>
+            </a:xfrm>
+            <a:prstGeom prst="line">
+              <a:avLst/>
+            </a:prstGeom>
+            <a:ln w="9525"/>
+          </p:spPr>
+          <p:style>
+            <a:lnRef idx="1">
+              <a:schemeClr val="accent1"/>
+            </a:lnRef>
+            <a:fillRef idx="0">
+              <a:schemeClr val="accent1"/>
+            </a:fillRef>
+            <a:effectRef idx="0">
+              <a:schemeClr val="accent1"/>
+            </a:effectRef>
+            <a:fontRef idx="minor">
+              <a:schemeClr val="tx1"/>
+            </a:fontRef>
+          </p:style>
+        </p:cxnSp>
+        <p:cxnSp>
+          <p:nvCxnSpPr>
+            <p:cNvPr id="67" name="Straight Connector 66">
+              <a:extLst>
+                <a:ext uri="{FF2B5EF4-FFF2-40B4-BE49-F238E27FC236}">
+                  <a16:creationId xmlns:a16="http://schemas.microsoft.com/office/drawing/2014/main" id="{EE370AAE-29E4-3642-9211-19AF83C3C306}"/>
+                </a:ext>
+              </a:extLst>
+            </p:cNvPr>
+            <p:cNvCxnSpPr>
+              <a:stCxn id="40" idx="6"/>
+            </p:cNvCxnSpPr>
+            <p:nvPr/>
+          </p:nvCxnSpPr>
+          <p:spPr>
+            <a:xfrm flipV="1">
+              <a:off x="10438104" y="3172454"/>
+              <a:ext cx="273655" cy="2417"/>
+            </a:xfrm>
+            <a:prstGeom prst="line">
+              <a:avLst/>
+            </a:prstGeom>
+            <a:ln w="9525"/>
+          </p:spPr>
+          <p:style>
+            <a:lnRef idx="1">
+              <a:schemeClr val="accent1"/>
+            </a:lnRef>
+            <a:fillRef idx="0">
+              <a:schemeClr val="accent1"/>
+            </a:fillRef>
+            <a:effectRef idx="0">
+              <a:schemeClr val="accent1"/>
+            </a:effectRef>
+            <a:fontRef idx="minor">
+              <a:schemeClr val="tx1"/>
+            </a:fontRef>
+          </p:style>
+        </p:cxnSp>
+        <p:cxnSp>
+          <p:nvCxnSpPr>
+            <p:cNvPr id="69" name="Straight Arrow Connector 68">
+              <a:extLst>
+                <a:ext uri="{FF2B5EF4-FFF2-40B4-BE49-F238E27FC236}">
+                  <a16:creationId xmlns:a16="http://schemas.microsoft.com/office/drawing/2014/main" id="{60F840BD-CF9B-C042-A58F-53AE44F3E3D6}"/>
+                </a:ext>
+              </a:extLst>
+            </p:cNvPr>
+            <p:cNvCxnSpPr/>
+            <p:nvPr/>
+          </p:nvCxnSpPr>
+          <p:spPr>
+            <a:xfrm flipH="1">
+              <a:off x="6953794" y="3154423"/>
+              <a:ext cx="1097280" cy="0"/>
+            </a:xfrm>
+            <a:prstGeom prst="straightConnector1">
+              <a:avLst/>
+            </a:prstGeom>
+            <a:ln>
+              <a:tailEnd type="triangle"/>
+            </a:ln>
+          </p:spPr>
+          <p:style>
+            <a:lnRef idx="1">
+              <a:schemeClr val="accent1"/>
+            </a:lnRef>
+            <a:fillRef idx="0">
+              <a:schemeClr val="accent1"/>
+            </a:fillRef>
+            <a:effectRef idx="0">
+              <a:schemeClr val="accent1"/>
+            </a:effectRef>
+            <a:fontRef idx="minor">
+              <a:schemeClr val="tx1"/>
+            </a:fontRef>
+          </p:style>
+        </p:cxnSp>
+        <p:sp>
+          <p:nvSpPr>
+            <p:cNvPr id="70" name="TextBox 69">
+              <a:extLst>
+                <a:ext uri="{FF2B5EF4-FFF2-40B4-BE49-F238E27FC236}">
+                  <a16:creationId xmlns:a16="http://schemas.microsoft.com/office/drawing/2014/main" id="{91B35898-83D0-264E-914C-8CF3F8B03CDF}"/>
+                </a:ext>
+              </a:extLst>
+            </p:cNvPr>
+            <p:cNvSpPr txBox="1"/>
+            <p:nvPr/>
+          </p:nvSpPr>
+          <p:spPr>
+            <a:xfrm>
+              <a:off x="6987758" y="2919011"/>
               <a:ext cx="1146468" cy="261610"/>
             </a:xfrm>
             <a:prstGeom prst="rect">
@@ -21410,935 +22835,12 @@
           <a:chExt cx="0" cy="0"/>
         </a:xfrm>
       </p:grpSpPr>
-      <p:grpSp>
-        <p:nvGrpSpPr>
-          <p:cNvPr id="36" name="Group 35">
+      <p:sp>
+        <p:nvSpPr>
+          <p:cNvPr id="2" name="Oval 1">
             <a:extLst>
               <a:ext uri="{FF2B5EF4-FFF2-40B4-BE49-F238E27FC236}">
-                <a16:creationId xmlns:a16="http://schemas.microsoft.com/office/drawing/2014/main" id="{3342A474-F8D9-D74E-BDD4-180587F9A4C1}"/>
-              </a:ext>
-            </a:extLst>
-          </p:cNvPr>
-          <p:cNvGrpSpPr/>
-          <p:nvPr/>
-        </p:nvGrpSpPr>
-        <p:grpSpPr>
-          <a:xfrm>
-            <a:off x="2643501" y="1697586"/>
-            <a:ext cx="2751680" cy="1245139"/>
-            <a:chOff x="2643501" y="1697586"/>
-            <a:chExt cx="2751680" cy="1245139"/>
-          </a:xfrm>
-        </p:grpSpPr>
-        <p:sp>
-          <p:nvSpPr>
-            <p:cNvPr id="2" name="Oval 1">
-              <a:extLst>
-                <a:ext uri="{FF2B5EF4-FFF2-40B4-BE49-F238E27FC236}">
-                  <a16:creationId xmlns:a16="http://schemas.microsoft.com/office/drawing/2014/main" id="{88F0FF99-25E2-814D-9B7E-A938328367F0}"/>
-                </a:ext>
-              </a:extLst>
-            </p:cNvPr>
-            <p:cNvSpPr/>
-            <p:nvPr/>
-          </p:nvSpPr>
-          <p:spPr>
-            <a:xfrm>
-              <a:off x="2828611" y="1879042"/>
-              <a:ext cx="246185" cy="266281"/>
-            </a:xfrm>
-            <a:prstGeom prst="ellipse">
-              <a:avLst/>
-            </a:prstGeom>
-            <a:noFill/>
-          </p:spPr>
-          <p:style>
-            <a:lnRef idx="2">
-              <a:schemeClr val="accent1">
-                <a:shade val="50000"/>
-              </a:schemeClr>
-            </a:lnRef>
-            <a:fillRef idx="1">
-              <a:schemeClr val="accent1"/>
-            </a:fillRef>
-            <a:effectRef idx="0">
-              <a:schemeClr val="accent1"/>
-            </a:effectRef>
-            <a:fontRef idx="minor">
-              <a:schemeClr val="lt1"/>
-            </a:fontRef>
-          </p:style>
-          <p:txBody>
-            <a:bodyPr rtlCol="0" anchor="ctr"/>
-            <a:lstStyle/>
-            <a:p>
-              <a:pPr algn="ctr"/>
-              <a:endParaRPr lang="en-US"/>
-            </a:p>
-          </p:txBody>
-        </p:sp>
-        <p:sp>
-          <p:nvSpPr>
-            <p:cNvPr id="3" name="Oval 2">
-              <a:extLst>
-                <a:ext uri="{FF2B5EF4-FFF2-40B4-BE49-F238E27FC236}">
-                  <a16:creationId xmlns:a16="http://schemas.microsoft.com/office/drawing/2014/main" id="{B822BA76-30B8-4046-8548-838FB67692F8}"/>
-                </a:ext>
-              </a:extLst>
-            </p:cNvPr>
-            <p:cNvSpPr/>
-            <p:nvPr/>
-          </p:nvSpPr>
-          <p:spPr>
-            <a:xfrm>
-              <a:off x="3532787" y="2456790"/>
-              <a:ext cx="246185" cy="266281"/>
-            </a:xfrm>
-            <a:prstGeom prst="ellipse">
-              <a:avLst/>
-            </a:prstGeom>
-            <a:noFill/>
-          </p:spPr>
-          <p:style>
-            <a:lnRef idx="2">
-              <a:schemeClr val="accent1">
-                <a:shade val="50000"/>
-              </a:schemeClr>
-            </a:lnRef>
-            <a:fillRef idx="1">
-              <a:schemeClr val="accent1"/>
-            </a:fillRef>
-            <a:effectRef idx="0">
-              <a:schemeClr val="accent1"/>
-            </a:effectRef>
-            <a:fontRef idx="minor">
-              <a:schemeClr val="lt1"/>
-            </a:fontRef>
-          </p:style>
-          <p:txBody>
-            <a:bodyPr rtlCol="0" anchor="ctr"/>
-            <a:lstStyle/>
-            <a:p>
-              <a:pPr algn="ctr"/>
-              <a:endParaRPr lang="en-US"/>
-            </a:p>
-          </p:txBody>
-        </p:sp>
-        <mc:AlternateContent xmlns:mc="http://schemas.openxmlformats.org/markup-compatibility/2006">
-          <mc:Choice xmlns:a14="http://schemas.microsoft.com/office/drawing/2010/main" Requires="a14">
-            <p:sp>
-              <p:nvSpPr>
-                <p:cNvPr id="4" name="TextBox 3">
-                  <a:extLst>
-                    <a:ext uri="{FF2B5EF4-FFF2-40B4-BE49-F238E27FC236}">
-                      <a16:creationId xmlns:a16="http://schemas.microsoft.com/office/drawing/2014/main" id="{A89B5D57-AF42-CF49-924D-0EB7569C2C7D}"/>
-                    </a:ext>
-                  </a:extLst>
-                </p:cNvPr>
-                <p:cNvSpPr txBox="1"/>
-                <p:nvPr/>
-              </p:nvSpPr>
-              <p:spPr>
-                <a:xfrm>
-                  <a:off x="3161882" y="1748237"/>
-                  <a:ext cx="813916" cy="261610"/>
-                </a:xfrm>
-                <a:prstGeom prst="rect">
-                  <a:avLst/>
-                </a:prstGeom>
-                <a:noFill/>
-              </p:spPr>
-              <p:txBody>
-                <a:bodyPr wrap="square" rtlCol="0">
-                  <a:spAutoFit/>
-                </a:bodyPr>
-                <a:lstStyle/>
-                <a:p>
-                  <a14:m>
-                    <m:oMathPara xmlns:m="http://schemas.openxmlformats.org/officeDocument/2006/math">
-                      <m:oMathParaPr>
-                        <m:jc m:val="centerGroup"/>
-                      </m:oMathParaPr>
-                      <m:oMath xmlns:m="http://schemas.openxmlformats.org/officeDocument/2006/math">
-                        <m:sSub>
-                          <m:sSubPr>
-                            <m:ctrlPr>
-                              <a:rPr lang="en-US" sz="1100" i="1" smtClean="0">
-                                <a:latin typeface="Cambria Math" panose="02040503050406030204" pitchFamily="18" charset="0"/>
-                              </a:rPr>
-                            </m:ctrlPr>
-                          </m:sSubPr>
-                          <m:e>
-                            <m:r>
-                              <a:rPr lang="en-US" sz="1100" b="0" i="1" smtClean="0">
-                                <a:latin typeface="Cambria Math" panose="02040503050406030204" pitchFamily="18" charset="0"/>
-                              </a:rPr>
-                              <m:t>𝑤</m:t>
-                            </m:r>
-                          </m:e>
-                          <m:sub>
-                            <m:r>
-                              <a:rPr lang="en-US" sz="1100" b="0" i="1" smtClean="0">
-                                <a:latin typeface="Cambria Math" panose="02040503050406030204" pitchFamily="18" charset="0"/>
-                              </a:rPr>
-                              <m:t>1</m:t>
-                            </m:r>
-                          </m:sub>
-                        </m:sSub>
-                        <m:r>
-                          <a:rPr lang="en-US" sz="1100" i="1" smtClean="0">
-                            <a:latin typeface="Cambria Math" panose="02040503050406030204" pitchFamily="18" charset="0"/>
-                            <a:ea typeface="Cambria Math" panose="02040503050406030204" pitchFamily="18" charset="0"/>
-                          </a:rPr>
-                          <m:t>≡</m:t>
-                        </m:r>
-                        <m:r>
-                          <a:rPr lang="en-US" sz="1100" b="0" i="1" smtClean="0">
-                            <a:latin typeface="Cambria Math" panose="02040503050406030204" pitchFamily="18" charset="0"/>
-                            <a:ea typeface="Cambria Math" panose="02040503050406030204" pitchFamily="18" charset="0"/>
-                          </a:rPr>
-                          <m:t>𝑤</m:t>
-                        </m:r>
-                      </m:oMath>
-                    </m:oMathPara>
-                  </a14:m>
-                  <a:endParaRPr lang="en-US" sz="1100" dirty="0"/>
-                </a:p>
-              </p:txBody>
-            </p:sp>
-          </mc:Choice>
-          <mc:Fallback>
-            <p:sp>
-              <p:nvSpPr>
-                <p:cNvPr id="4" name="TextBox 3">
-                  <a:extLst>
-                    <a:ext uri="{FF2B5EF4-FFF2-40B4-BE49-F238E27FC236}">
-                      <a16:creationId xmlns:a16="http://schemas.microsoft.com/office/drawing/2014/main" id="{A89B5D57-AF42-CF49-924D-0EB7569C2C7D}"/>
-                    </a:ext>
-                  </a:extLst>
-                </p:cNvPr>
-                <p:cNvSpPr txBox="1">
-                  <a:spLocks noRot="1" noChangeAspect="1" noMove="1" noResize="1" noEditPoints="1" noAdjustHandles="1" noChangeArrowheads="1" noChangeShapeType="1" noTextEdit="1"/>
-                </p:cNvSpPr>
-                <p:nvPr/>
-              </p:nvSpPr>
-              <p:spPr>
-                <a:xfrm>
-                  <a:off x="3161882" y="1748237"/>
-                  <a:ext cx="813916" cy="261610"/>
-                </a:xfrm>
-                <a:prstGeom prst="rect">
-                  <a:avLst/>
-                </a:prstGeom>
-                <a:blipFill>
-                  <a:blip r:embed="rId2"/>
-                  <a:stretch>
-                    <a:fillRect/>
-                  </a:stretch>
-                </a:blipFill>
-              </p:spPr>
-              <p:txBody>
-                <a:bodyPr/>
-                <a:lstStyle/>
-                <a:p>
-                  <a:r>
-                    <a:rPr lang="en-US">
-                      <a:noFill/>
-                    </a:rPr>
-                    <a:t> </a:t>
-                  </a:r>
-                </a:p>
-              </p:txBody>
-            </p:sp>
-          </mc:Fallback>
-        </mc:AlternateContent>
-        <p:cxnSp>
-          <p:nvCxnSpPr>
-            <p:cNvPr id="6" name="Straight Connector 5">
-              <a:extLst>
-                <a:ext uri="{FF2B5EF4-FFF2-40B4-BE49-F238E27FC236}">
-                  <a16:creationId xmlns:a16="http://schemas.microsoft.com/office/drawing/2014/main" id="{79F2BFFA-8F56-6343-923E-069B180C8AA3}"/>
-                </a:ext>
-              </a:extLst>
-            </p:cNvPr>
-            <p:cNvCxnSpPr>
-              <a:cxnSpLocks/>
-            </p:cNvCxnSpPr>
-            <p:nvPr/>
-          </p:nvCxnSpPr>
-          <p:spPr>
-            <a:xfrm>
-              <a:off x="3038743" y="2119599"/>
-              <a:ext cx="530097" cy="381944"/>
-            </a:xfrm>
-            <a:prstGeom prst="line">
-              <a:avLst/>
-            </a:prstGeom>
-            <a:ln w="12700"/>
-          </p:spPr>
-          <p:style>
-            <a:lnRef idx="1">
-              <a:schemeClr val="accent1"/>
-            </a:lnRef>
-            <a:fillRef idx="0">
-              <a:schemeClr val="accent1"/>
-            </a:fillRef>
-            <a:effectRef idx="0">
-              <a:schemeClr val="accent1"/>
-            </a:effectRef>
-            <a:fontRef idx="minor">
-              <a:schemeClr val="tx1"/>
-            </a:fontRef>
-          </p:style>
-        </p:cxnSp>
-        <p:cxnSp>
-          <p:nvCxnSpPr>
-            <p:cNvPr id="18" name="Straight Connector 17">
-              <a:extLst>
-                <a:ext uri="{FF2B5EF4-FFF2-40B4-BE49-F238E27FC236}">
-                  <a16:creationId xmlns:a16="http://schemas.microsoft.com/office/drawing/2014/main" id="{75B00904-7A0C-E549-90DB-3F936575E17A}"/>
-                </a:ext>
-              </a:extLst>
-            </p:cNvPr>
-            <p:cNvCxnSpPr>
-              <a:cxnSpLocks/>
-            </p:cNvCxnSpPr>
-            <p:nvPr/>
-          </p:nvCxnSpPr>
-          <p:spPr>
-            <a:xfrm flipH="1" flipV="1">
-              <a:off x="2878515" y="1697586"/>
-              <a:ext cx="36285" cy="181456"/>
-            </a:xfrm>
-            <a:prstGeom prst="line">
-              <a:avLst/>
-            </a:prstGeom>
-          </p:spPr>
-          <p:style>
-            <a:lnRef idx="1">
-              <a:schemeClr val="accent1"/>
-            </a:lnRef>
-            <a:fillRef idx="0">
-              <a:schemeClr val="accent1"/>
-            </a:fillRef>
-            <a:effectRef idx="0">
-              <a:schemeClr val="accent1"/>
-            </a:effectRef>
-            <a:fontRef idx="minor">
-              <a:schemeClr val="tx1"/>
-            </a:fontRef>
-          </p:style>
-        </p:cxnSp>
-        <p:cxnSp>
-          <p:nvCxnSpPr>
-            <p:cNvPr id="20" name="Straight Connector 19">
-              <a:extLst>
-                <a:ext uri="{FF2B5EF4-FFF2-40B4-BE49-F238E27FC236}">
-                  <a16:creationId xmlns:a16="http://schemas.microsoft.com/office/drawing/2014/main" id="{3F667C5D-9EE3-E547-9A10-73AFF75574F0}"/>
-                </a:ext>
-              </a:extLst>
-            </p:cNvPr>
-            <p:cNvCxnSpPr>
-              <a:stCxn id="2" idx="1"/>
-            </p:cNvCxnSpPr>
-            <p:nvPr/>
-          </p:nvCxnSpPr>
-          <p:spPr>
-            <a:xfrm flipH="1" flipV="1">
-              <a:off x="2741525" y="1783695"/>
-              <a:ext cx="123139" cy="134343"/>
-            </a:xfrm>
-            <a:prstGeom prst="line">
-              <a:avLst/>
-            </a:prstGeom>
-          </p:spPr>
-          <p:style>
-            <a:lnRef idx="1">
-              <a:schemeClr val="accent1"/>
-            </a:lnRef>
-            <a:fillRef idx="0">
-              <a:schemeClr val="accent1"/>
-            </a:fillRef>
-            <a:effectRef idx="0">
-              <a:schemeClr val="accent1"/>
-            </a:effectRef>
-            <a:fontRef idx="minor">
-              <a:schemeClr val="tx1"/>
-            </a:fontRef>
-          </p:style>
-        </p:cxnSp>
-        <p:cxnSp>
-          <p:nvCxnSpPr>
-            <p:cNvPr id="22" name="Straight Connector 21">
-              <a:extLst>
-                <a:ext uri="{FF2B5EF4-FFF2-40B4-BE49-F238E27FC236}">
-                  <a16:creationId xmlns:a16="http://schemas.microsoft.com/office/drawing/2014/main" id="{FEF6FB89-5E52-3544-8783-1455835ED0BC}"/>
-                </a:ext>
-              </a:extLst>
-            </p:cNvPr>
-            <p:cNvCxnSpPr>
-              <a:cxnSpLocks/>
-            </p:cNvCxnSpPr>
-            <p:nvPr/>
-          </p:nvCxnSpPr>
-          <p:spPr>
-            <a:xfrm flipH="1" flipV="1">
-              <a:off x="2643501" y="1926866"/>
-              <a:ext cx="185110" cy="31666"/>
-            </a:xfrm>
-            <a:prstGeom prst="line">
-              <a:avLst/>
-            </a:prstGeom>
-          </p:spPr>
-          <p:style>
-            <a:lnRef idx="1">
-              <a:schemeClr val="accent1"/>
-            </a:lnRef>
-            <a:fillRef idx="0">
-              <a:schemeClr val="accent1"/>
-            </a:fillRef>
-            <a:effectRef idx="0">
-              <a:schemeClr val="accent1"/>
-            </a:effectRef>
-            <a:fontRef idx="minor">
-              <a:schemeClr val="tx1"/>
-            </a:fontRef>
-          </p:style>
-        </p:cxnSp>
-        <p:cxnSp>
-          <p:nvCxnSpPr>
-            <p:cNvPr id="24" name="Straight Connector 23">
-              <a:extLst>
-                <a:ext uri="{FF2B5EF4-FFF2-40B4-BE49-F238E27FC236}">
-                  <a16:creationId xmlns:a16="http://schemas.microsoft.com/office/drawing/2014/main" id="{4FE9002F-94B8-6841-A771-6C226DA8F7BB}"/>
-                </a:ext>
-              </a:extLst>
-            </p:cNvPr>
-            <p:cNvCxnSpPr>
-              <a:stCxn id="3" idx="6"/>
-            </p:cNvCxnSpPr>
-            <p:nvPr/>
-          </p:nvCxnSpPr>
-          <p:spPr>
-            <a:xfrm flipV="1">
-              <a:off x="3778972" y="2589930"/>
-              <a:ext cx="196826" cy="1"/>
-            </a:xfrm>
-            <a:prstGeom prst="line">
-              <a:avLst/>
-            </a:prstGeom>
-          </p:spPr>
-          <p:style>
-            <a:lnRef idx="1">
-              <a:schemeClr val="accent1"/>
-            </a:lnRef>
-            <a:fillRef idx="0">
-              <a:schemeClr val="accent1"/>
-            </a:fillRef>
-            <a:effectRef idx="0">
-              <a:schemeClr val="accent1"/>
-            </a:effectRef>
-            <a:fontRef idx="minor">
-              <a:schemeClr val="tx1"/>
-            </a:fontRef>
-          </p:style>
-        </p:cxnSp>
-        <p:cxnSp>
-          <p:nvCxnSpPr>
-            <p:cNvPr id="26" name="Straight Connector 25">
-              <a:extLst>
-                <a:ext uri="{FF2B5EF4-FFF2-40B4-BE49-F238E27FC236}">
-                  <a16:creationId xmlns:a16="http://schemas.microsoft.com/office/drawing/2014/main" id="{41C88C75-036B-E448-8283-FED5A470FD34}"/>
-                </a:ext>
-              </a:extLst>
-            </p:cNvPr>
-            <p:cNvCxnSpPr>
-              <a:stCxn id="3" idx="5"/>
-            </p:cNvCxnSpPr>
-            <p:nvPr/>
-          </p:nvCxnSpPr>
-          <p:spPr>
-            <a:xfrm>
-              <a:off x="3742919" y="2684075"/>
-              <a:ext cx="91000" cy="112431"/>
-            </a:xfrm>
-            <a:prstGeom prst="line">
-              <a:avLst/>
-            </a:prstGeom>
-          </p:spPr>
-          <p:style>
-            <a:lnRef idx="1">
-              <a:schemeClr val="accent1"/>
-            </a:lnRef>
-            <a:fillRef idx="0">
-              <a:schemeClr val="accent1"/>
-            </a:fillRef>
-            <a:effectRef idx="0">
-              <a:schemeClr val="accent1"/>
-            </a:effectRef>
-            <a:fontRef idx="minor">
-              <a:schemeClr val="tx1"/>
-            </a:fontRef>
-          </p:style>
-        </p:cxnSp>
-        <p:sp>
-          <p:nvSpPr>
-            <p:cNvPr id="27" name="Oval 26">
-              <a:extLst>
-                <a:ext uri="{FF2B5EF4-FFF2-40B4-BE49-F238E27FC236}">
-                  <a16:creationId xmlns:a16="http://schemas.microsoft.com/office/drawing/2014/main" id="{F8A8EE48-C0AA-D642-8E8D-FDA6CC0B7B7B}"/>
-                </a:ext>
-              </a:extLst>
-            </p:cNvPr>
-            <p:cNvSpPr/>
-            <p:nvPr/>
-          </p:nvSpPr>
-          <p:spPr>
-            <a:xfrm>
-              <a:off x="4247994" y="2025261"/>
-              <a:ext cx="246185" cy="266281"/>
-            </a:xfrm>
-            <a:prstGeom prst="ellipse">
-              <a:avLst/>
-            </a:prstGeom>
-            <a:noFill/>
-          </p:spPr>
-          <p:style>
-            <a:lnRef idx="2">
-              <a:schemeClr val="accent1">
-                <a:shade val="50000"/>
-              </a:schemeClr>
-            </a:lnRef>
-            <a:fillRef idx="1">
-              <a:schemeClr val="accent1"/>
-            </a:fillRef>
-            <a:effectRef idx="0">
-              <a:schemeClr val="accent1"/>
-            </a:effectRef>
-            <a:fontRef idx="minor">
-              <a:schemeClr val="lt1"/>
-            </a:fontRef>
-          </p:style>
-          <p:txBody>
-            <a:bodyPr rtlCol="0" anchor="ctr"/>
-            <a:lstStyle/>
-            <a:p>
-              <a:pPr algn="ctr"/>
-              <a:endParaRPr lang="en-US"/>
-            </a:p>
-          </p:txBody>
-        </p:sp>
-        <p:sp>
-          <p:nvSpPr>
-            <p:cNvPr id="28" name="Oval 27">
-              <a:extLst>
-                <a:ext uri="{FF2B5EF4-FFF2-40B4-BE49-F238E27FC236}">
-                  <a16:creationId xmlns:a16="http://schemas.microsoft.com/office/drawing/2014/main" id="{AB390CAE-5270-9547-A120-F05383DFF0FD}"/>
-                </a:ext>
-              </a:extLst>
-            </p:cNvPr>
-            <p:cNvSpPr/>
-            <p:nvPr/>
-          </p:nvSpPr>
-          <p:spPr>
-            <a:xfrm>
-              <a:off x="4952170" y="2603009"/>
-              <a:ext cx="246185" cy="266281"/>
-            </a:xfrm>
-            <a:prstGeom prst="ellipse">
-              <a:avLst/>
-            </a:prstGeom>
-            <a:noFill/>
-          </p:spPr>
-          <p:style>
-            <a:lnRef idx="2">
-              <a:schemeClr val="accent1">
-                <a:shade val="50000"/>
-              </a:schemeClr>
-            </a:lnRef>
-            <a:fillRef idx="1">
-              <a:schemeClr val="accent1"/>
-            </a:fillRef>
-            <a:effectRef idx="0">
-              <a:schemeClr val="accent1"/>
-            </a:effectRef>
-            <a:fontRef idx="minor">
-              <a:schemeClr val="lt1"/>
-            </a:fontRef>
-          </p:style>
-          <p:txBody>
-            <a:bodyPr rtlCol="0" anchor="ctr"/>
-            <a:lstStyle/>
-            <a:p>
-              <a:pPr algn="ctr"/>
-              <a:endParaRPr lang="en-US"/>
-            </a:p>
-          </p:txBody>
-        </p:sp>
-        <mc:AlternateContent xmlns:mc="http://schemas.openxmlformats.org/markup-compatibility/2006">
-          <mc:Choice xmlns:a14="http://schemas.microsoft.com/office/drawing/2010/main" Requires="a14">
-            <p:sp>
-              <p:nvSpPr>
-                <p:cNvPr id="29" name="TextBox 28">
-                  <a:extLst>
-                    <a:ext uri="{FF2B5EF4-FFF2-40B4-BE49-F238E27FC236}">
-                      <a16:creationId xmlns:a16="http://schemas.microsoft.com/office/drawing/2014/main" id="{3F43D257-FD7C-CA47-AD1F-71F9AF579FC7}"/>
-                    </a:ext>
-                  </a:extLst>
-                </p:cNvPr>
-                <p:cNvSpPr txBox="1"/>
-                <p:nvPr/>
-              </p:nvSpPr>
-              <p:spPr>
-                <a:xfrm>
-                  <a:off x="4581265" y="1894456"/>
-                  <a:ext cx="813916" cy="261610"/>
-                </a:xfrm>
-                <a:prstGeom prst="rect">
-                  <a:avLst/>
-                </a:prstGeom>
-                <a:noFill/>
-              </p:spPr>
-              <p:txBody>
-                <a:bodyPr wrap="square" rtlCol="0">
-                  <a:spAutoFit/>
-                </a:bodyPr>
-                <a:lstStyle/>
-                <a:p>
-                  <a14:m>
-                    <m:oMathPara xmlns:m="http://schemas.openxmlformats.org/officeDocument/2006/math">
-                      <m:oMathParaPr>
-                        <m:jc m:val="centerGroup"/>
-                      </m:oMathParaPr>
-                      <m:oMath xmlns:m="http://schemas.openxmlformats.org/officeDocument/2006/math">
-                        <m:sSub>
-                          <m:sSubPr>
-                            <m:ctrlPr>
-                              <a:rPr lang="en-US" sz="1100" i="1" smtClean="0">
-                                <a:latin typeface="Cambria Math" panose="02040503050406030204" pitchFamily="18" charset="0"/>
-                              </a:rPr>
-                            </m:ctrlPr>
-                          </m:sSubPr>
-                          <m:e>
-                            <m:r>
-                              <a:rPr lang="en-US" sz="1100" b="0" i="1" smtClean="0">
-                                <a:latin typeface="Cambria Math" panose="02040503050406030204" pitchFamily="18" charset="0"/>
-                              </a:rPr>
-                              <m:t>𝑤</m:t>
-                            </m:r>
-                          </m:e>
-                          <m:sub>
-                            <m:r>
-                              <a:rPr lang="en-US" sz="1100" b="0" i="1" smtClean="0">
-                                <a:latin typeface="Cambria Math" panose="02040503050406030204" pitchFamily="18" charset="0"/>
-                              </a:rPr>
-                              <m:t>2</m:t>
-                            </m:r>
-                          </m:sub>
-                        </m:sSub>
-                        <m:r>
-                          <a:rPr lang="en-US" sz="1100" i="1" smtClean="0">
-                            <a:latin typeface="Cambria Math" panose="02040503050406030204" pitchFamily="18" charset="0"/>
-                            <a:ea typeface="Cambria Math" panose="02040503050406030204" pitchFamily="18" charset="0"/>
-                          </a:rPr>
-                          <m:t>≡</m:t>
-                        </m:r>
-                        <m:r>
-                          <a:rPr lang="en-US" sz="1100" b="0" i="1" smtClean="0">
-                            <a:latin typeface="Cambria Math" panose="02040503050406030204" pitchFamily="18" charset="0"/>
-                            <a:ea typeface="Cambria Math" panose="02040503050406030204" pitchFamily="18" charset="0"/>
-                          </a:rPr>
-                          <m:t>𝑤</m:t>
-                        </m:r>
-                      </m:oMath>
-                    </m:oMathPara>
-                  </a14:m>
-                  <a:endParaRPr lang="en-US" sz="1100" dirty="0"/>
-                </a:p>
-              </p:txBody>
-            </p:sp>
-          </mc:Choice>
-          <mc:Fallback>
-            <p:sp>
-              <p:nvSpPr>
-                <p:cNvPr id="29" name="TextBox 28">
-                  <a:extLst>
-                    <a:ext uri="{FF2B5EF4-FFF2-40B4-BE49-F238E27FC236}">
-                      <a16:creationId xmlns:a16="http://schemas.microsoft.com/office/drawing/2014/main" id="{3F43D257-FD7C-CA47-AD1F-71F9AF579FC7}"/>
-                    </a:ext>
-                  </a:extLst>
-                </p:cNvPr>
-                <p:cNvSpPr txBox="1">
-                  <a:spLocks noRot="1" noChangeAspect="1" noMove="1" noResize="1" noEditPoints="1" noAdjustHandles="1" noChangeArrowheads="1" noChangeShapeType="1" noTextEdit="1"/>
-                </p:cNvSpPr>
-                <p:nvPr/>
-              </p:nvSpPr>
-              <p:spPr>
-                <a:xfrm>
-                  <a:off x="4581265" y="1894456"/>
-                  <a:ext cx="813916" cy="261610"/>
-                </a:xfrm>
-                <a:prstGeom prst="rect">
-                  <a:avLst/>
-                </a:prstGeom>
-                <a:blipFill>
-                  <a:blip r:embed="rId3"/>
-                  <a:stretch>
-                    <a:fillRect/>
-                  </a:stretch>
-                </a:blipFill>
-              </p:spPr>
-              <p:txBody>
-                <a:bodyPr/>
-                <a:lstStyle/>
-                <a:p>
-                  <a:r>
-                    <a:rPr lang="en-US">
-                      <a:noFill/>
-                    </a:rPr>
-                    <a:t> </a:t>
-                  </a:r>
-                </a:p>
-              </p:txBody>
-            </p:sp>
-          </mc:Fallback>
-        </mc:AlternateContent>
-        <p:cxnSp>
-          <p:nvCxnSpPr>
-            <p:cNvPr id="30" name="Straight Connector 29">
-              <a:extLst>
-                <a:ext uri="{FF2B5EF4-FFF2-40B4-BE49-F238E27FC236}">
-                  <a16:creationId xmlns:a16="http://schemas.microsoft.com/office/drawing/2014/main" id="{A41FF192-04FB-5140-90FC-C283BD9F7CC7}"/>
-                </a:ext>
-              </a:extLst>
-            </p:cNvPr>
-            <p:cNvCxnSpPr>
-              <a:cxnSpLocks/>
-            </p:cNvCxnSpPr>
-            <p:nvPr/>
-          </p:nvCxnSpPr>
-          <p:spPr>
-            <a:xfrm>
-              <a:off x="4458126" y="2265818"/>
-              <a:ext cx="530097" cy="381944"/>
-            </a:xfrm>
-            <a:prstGeom prst="line">
-              <a:avLst/>
-            </a:prstGeom>
-            <a:ln w="12700"/>
-          </p:spPr>
-          <p:style>
-            <a:lnRef idx="1">
-              <a:schemeClr val="accent1"/>
-            </a:lnRef>
-            <a:fillRef idx="0">
-              <a:schemeClr val="accent1"/>
-            </a:fillRef>
-            <a:effectRef idx="0">
-              <a:schemeClr val="accent1"/>
-            </a:effectRef>
-            <a:fontRef idx="minor">
-              <a:schemeClr val="tx1"/>
-            </a:fontRef>
-          </p:style>
-        </p:cxnSp>
-        <p:cxnSp>
-          <p:nvCxnSpPr>
-            <p:cNvPr id="31" name="Straight Connector 30">
-              <a:extLst>
-                <a:ext uri="{FF2B5EF4-FFF2-40B4-BE49-F238E27FC236}">
-                  <a16:creationId xmlns:a16="http://schemas.microsoft.com/office/drawing/2014/main" id="{765E844E-0A69-4941-8E38-3A17B1BDE9D3}"/>
-                </a:ext>
-              </a:extLst>
-            </p:cNvPr>
-            <p:cNvCxnSpPr>
-              <a:cxnSpLocks/>
-            </p:cNvCxnSpPr>
-            <p:nvPr/>
-          </p:nvCxnSpPr>
-          <p:spPr>
-            <a:xfrm flipH="1" flipV="1">
-              <a:off x="4297898" y="1843805"/>
-              <a:ext cx="36285" cy="181456"/>
-            </a:xfrm>
-            <a:prstGeom prst="line">
-              <a:avLst/>
-            </a:prstGeom>
-          </p:spPr>
-          <p:style>
-            <a:lnRef idx="1">
-              <a:schemeClr val="accent1"/>
-            </a:lnRef>
-            <a:fillRef idx="0">
-              <a:schemeClr val="accent1"/>
-            </a:fillRef>
-            <a:effectRef idx="0">
-              <a:schemeClr val="accent1"/>
-            </a:effectRef>
-            <a:fontRef idx="minor">
-              <a:schemeClr val="tx1"/>
-            </a:fontRef>
-          </p:style>
-        </p:cxnSp>
-        <p:cxnSp>
-          <p:nvCxnSpPr>
-            <p:cNvPr id="32" name="Straight Connector 31">
-              <a:extLst>
-                <a:ext uri="{FF2B5EF4-FFF2-40B4-BE49-F238E27FC236}">
-                  <a16:creationId xmlns:a16="http://schemas.microsoft.com/office/drawing/2014/main" id="{7EAE7C7F-7F67-D245-AFBE-4F74145E88F1}"/>
-                </a:ext>
-              </a:extLst>
-            </p:cNvPr>
-            <p:cNvCxnSpPr>
-              <a:stCxn id="27" idx="1"/>
-            </p:cNvCxnSpPr>
-            <p:nvPr/>
-          </p:nvCxnSpPr>
-          <p:spPr>
-            <a:xfrm flipH="1" flipV="1">
-              <a:off x="4160908" y="1929914"/>
-              <a:ext cx="123139" cy="134343"/>
-            </a:xfrm>
-            <a:prstGeom prst="line">
-              <a:avLst/>
-            </a:prstGeom>
-          </p:spPr>
-          <p:style>
-            <a:lnRef idx="1">
-              <a:schemeClr val="accent1"/>
-            </a:lnRef>
-            <a:fillRef idx="0">
-              <a:schemeClr val="accent1"/>
-            </a:fillRef>
-            <a:effectRef idx="0">
-              <a:schemeClr val="accent1"/>
-            </a:effectRef>
-            <a:fontRef idx="minor">
-              <a:schemeClr val="tx1"/>
-            </a:fontRef>
-          </p:style>
-        </p:cxnSp>
-        <p:cxnSp>
-          <p:nvCxnSpPr>
-            <p:cNvPr id="33" name="Straight Connector 32">
-              <a:extLst>
-                <a:ext uri="{FF2B5EF4-FFF2-40B4-BE49-F238E27FC236}">
-                  <a16:creationId xmlns:a16="http://schemas.microsoft.com/office/drawing/2014/main" id="{FDB765E7-9277-5646-A8B5-EB63103E1B01}"/>
-                </a:ext>
-              </a:extLst>
-            </p:cNvPr>
-            <p:cNvCxnSpPr>
-              <a:cxnSpLocks/>
-            </p:cNvCxnSpPr>
-            <p:nvPr/>
-          </p:nvCxnSpPr>
-          <p:spPr>
-            <a:xfrm flipH="1" flipV="1">
-              <a:off x="4062884" y="2073085"/>
-              <a:ext cx="185110" cy="31666"/>
-            </a:xfrm>
-            <a:prstGeom prst="line">
-              <a:avLst/>
-            </a:prstGeom>
-          </p:spPr>
-          <p:style>
-            <a:lnRef idx="1">
-              <a:schemeClr val="accent1"/>
-            </a:lnRef>
-            <a:fillRef idx="0">
-              <a:schemeClr val="accent1"/>
-            </a:fillRef>
-            <a:effectRef idx="0">
-              <a:schemeClr val="accent1"/>
-            </a:effectRef>
-            <a:fontRef idx="minor">
-              <a:schemeClr val="tx1"/>
-            </a:fontRef>
-          </p:style>
-        </p:cxnSp>
-        <p:cxnSp>
-          <p:nvCxnSpPr>
-            <p:cNvPr id="34" name="Straight Connector 33">
-              <a:extLst>
-                <a:ext uri="{FF2B5EF4-FFF2-40B4-BE49-F238E27FC236}">
-                  <a16:creationId xmlns:a16="http://schemas.microsoft.com/office/drawing/2014/main" id="{DAEDB616-5D8C-E84E-9A8C-EBC622935394}"/>
-                </a:ext>
-              </a:extLst>
-            </p:cNvPr>
-            <p:cNvCxnSpPr>
-              <a:stCxn id="28" idx="6"/>
-            </p:cNvCxnSpPr>
-            <p:nvPr/>
-          </p:nvCxnSpPr>
-          <p:spPr>
-            <a:xfrm flipV="1">
-              <a:off x="5198355" y="2736149"/>
-              <a:ext cx="196826" cy="1"/>
-            </a:xfrm>
-            <a:prstGeom prst="line">
-              <a:avLst/>
-            </a:prstGeom>
-          </p:spPr>
-          <p:style>
-            <a:lnRef idx="1">
-              <a:schemeClr val="accent1"/>
-            </a:lnRef>
-            <a:fillRef idx="0">
-              <a:schemeClr val="accent1"/>
-            </a:fillRef>
-            <a:effectRef idx="0">
-              <a:schemeClr val="accent1"/>
-            </a:effectRef>
-            <a:fontRef idx="minor">
-              <a:schemeClr val="tx1"/>
-            </a:fontRef>
-          </p:style>
-        </p:cxnSp>
-        <p:cxnSp>
-          <p:nvCxnSpPr>
-            <p:cNvPr id="35" name="Straight Connector 34">
-              <a:extLst>
-                <a:ext uri="{FF2B5EF4-FFF2-40B4-BE49-F238E27FC236}">
-                  <a16:creationId xmlns:a16="http://schemas.microsoft.com/office/drawing/2014/main" id="{B67B990D-3470-EA4F-9E8C-3EA2AD113670}"/>
-                </a:ext>
-              </a:extLst>
-            </p:cNvPr>
-            <p:cNvCxnSpPr>
-              <a:stCxn id="28" idx="5"/>
-            </p:cNvCxnSpPr>
-            <p:nvPr/>
-          </p:nvCxnSpPr>
-          <p:spPr>
-            <a:xfrm>
-              <a:off x="5162302" y="2830294"/>
-              <a:ext cx="91000" cy="112431"/>
-            </a:xfrm>
-            <a:prstGeom prst="line">
-              <a:avLst/>
-            </a:prstGeom>
-          </p:spPr>
-          <p:style>
-            <a:lnRef idx="1">
-              <a:schemeClr val="accent1"/>
-            </a:lnRef>
-            <a:fillRef idx="0">
-              <a:schemeClr val="accent1"/>
-            </a:fillRef>
-            <a:effectRef idx="0">
-              <a:schemeClr val="accent1"/>
-            </a:effectRef>
-            <a:fontRef idx="minor">
-              <a:schemeClr val="tx1"/>
-            </a:fontRef>
-          </p:style>
-        </p:cxnSp>
-      </p:grpSp>
-      <p:sp>
-        <p:nvSpPr>
-          <p:cNvPr id="38" name="Oval 37">
-            <a:extLst>
-              <a:ext uri="{FF2B5EF4-FFF2-40B4-BE49-F238E27FC236}">
-                <a16:creationId xmlns:a16="http://schemas.microsoft.com/office/drawing/2014/main" id="{9FDDE171-4D1D-4E40-8550-0D998B4FF810}"/>
+                <a16:creationId xmlns:a16="http://schemas.microsoft.com/office/drawing/2014/main" id="{88F0FF99-25E2-814D-9B7E-A938328367F0}"/>
               </a:ext>
             </a:extLst>
           </p:cNvPr>
@@ -22347,7 +22849,7 @@
         </p:nvSpPr>
         <p:spPr>
           <a:xfrm>
-            <a:off x="2921166" y="3547597"/>
+            <a:off x="3586636" y="1673397"/>
             <a:ext cx="246185" cy="266281"/>
           </a:xfrm>
           <a:prstGeom prst="ellipse">
@@ -22382,10 +22884,10 @@
       </p:sp>
       <p:sp>
         <p:nvSpPr>
-          <p:cNvPr id="39" name="Oval 38">
+          <p:cNvPr id="3" name="Oval 2">
             <a:extLst>
               <a:ext uri="{FF2B5EF4-FFF2-40B4-BE49-F238E27FC236}">
-                <a16:creationId xmlns:a16="http://schemas.microsoft.com/office/drawing/2014/main" id="{1D2078C8-3286-814D-AF9F-AFCB29F07E17}"/>
+                <a16:creationId xmlns:a16="http://schemas.microsoft.com/office/drawing/2014/main" id="{B822BA76-30B8-4046-8548-838FB67692F8}"/>
               </a:ext>
             </a:extLst>
           </p:cNvPr>
@@ -22394,7 +22896,7 @@
         </p:nvSpPr>
         <p:spPr>
           <a:xfrm>
-            <a:off x="3625342" y="4125345"/>
+            <a:off x="4290812" y="2251145"/>
             <a:ext cx="246185" cy="266281"/>
           </a:xfrm>
           <a:prstGeom prst="ellipse">
@@ -22431,10 +22933,10 @@
         <mc:Choice xmlns:a14="http://schemas.microsoft.com/office/drawing/2010/main" Requires="a14">
           <p:sp>
             <p:nvSpPr>
-              <p:cNvPr id="40" name="TextBox 39">
+              <p:cNvPr id="4" name="TextBox 3">
                 <a:extLst>
                   <a:ext uri="{FF2B5EF4-FFF2-40B4-BE49-F238E27FC236}">
-                    <a16:creationId xmlns:a16="http://schemas.microsoft.com/office/drawing/2014/main" id="{E33C4B34-75A1-824B-9DD8-0DF4C408EC72}"/>
+                    <a16:creationId xmlns:a16="http://schemas.microsoft.com/office/drawing/2014/main" id="{A89B5D57-AF42-CF49-924D-0EB7569C2C7D}"/>
                   </a:ext>
                 </a:extLst>
               </p:cNvPr>
@@ -22443,7 +22945,7 @@
             </p:nvSpPr>
             <p:spPr>
               <a:xfrm>
-                <a:off x="3254437" y="3416792"/>
+                <a:off x="3303791" y="2062200"/>
                 <a:ext cx="813916" cy="261610"/>
               </a:xfrm>
               <a:prstGeom prst="rect">
@@ -22513,10 +23015,10 @@
         <mc:Fallback>
           <p:sp>
             <p:nvSpPr>
-              <p:cNvPr id="40" name="TextBox 39">
+              <p:cNvPr id="4" name="TextBox 3">
                 <a:extLst>
                   <a:ext uri="{FF2B5EF4-FFF2-40B4-BE49-F238E27FC236}">
-                    <a16:creationId xmlns:a16="http://schemas.microsoft.com/office/drawing/2014/main" id="{E33C4B34-75A1-824B-9DD8-0DF4C408EC72}"/>
+                    <a16:creationId xmlns:a16="http://schemas.microsoft.com/office/drawing/2014/main" id="{A89B5D57-AF42-CF49-924D-0EB7569C2C7D}"/>
                   </a:ext>
                 </a:extLst>
               </p:cNvPr>
@@ -22527,14 +23029,14 @@
             </p:nvSpPr>
             <p:spPr>
               <a:xfrm>
-                <a:off x="3254437" y="3416792"/>
+                <a:off x="3303791" y="2062200"/>
                 <a:ext cx="813916" cy="261610"/>
               </a:xfrm>
               <a:prstGeom prst="rect">
                 <a:avLst/>
               </a:prstGeom>
               <a:blipFill>
-                <a:blip r:embed="rId4"/>
+                <a:blip r:embed="rId2"/>
                 <a:stretch>
                   <a:fillRect/>
                 </a:stretch>
@@ -22557,10 +23059,49 @@
       </mc:AlternateContent>
       <p:cxnSp>
         <p:nvCxnSpPr>
-          <p:cNvPr id="42" name="Straight Connector 41">
+          <p:cNvPr id="6" name="Straight Connector 5">
             <a:extLst>
               <a:ext uri="{FF2B5EF4-FFF2-40B4-BE49-F238E27FC236}">
-                <a16:creationId xmlns:a16="http://schemas.microsoft.com/office/drawing/2014/main" id="{6A7C5579-023B-1F45-91FC-5DFE0A0BDC5F}"/>
+                <a16:creationId xmlns:a16="http://schemas.microsoft.com/office/drawing/2014/main" id="{79F2BFFA-8F56-6343-923E-069B180C8AA3}"/>
+              </a:ext>
+            </a:extLst>
+          </p:cNvPr>
+          <p:cNvCxnSpPr>
+            <a:cxnSpLocks/>
+          </p:cNvCxnSpPr>
+          <p:nvPr/>
+        </p:nvCxnSpPr>
+        <p:spPr>
+          <a:xfrm>
+            <a:off x="3796768" y="1913954"/>
+            <a:ext cx="530097" cy="381944"/>
+          </a:xfrm>
+          <a:prstGeom prst="line">
+            <a:avLst/>
+          </a:prstGeom>
+          <a:ln w="12700"/>
+        </p:spPr>
+        <p:style>
+          <a:lnRef idx="1">
+            <a:schemeClr val="accent1"/>
+          </a:lnRef>
+          <a:fillRef idx="0">
+            <a:schemeClr val="accent1"/>
+          </a:fillRef>
+          <a:effectRef idx="0">
+            <a:schemeClr val="accent1"/>
+          </a:effectRef>
+          <a:fontRef idx="minor">
+            <a:schemeClr val="tx1"/>
+          </a:fontRef>
+        </p:style>
+      </p:cxnSp>
+      <p:cxnSp>
+        <p:nvCxnSpPr>
+          <p:cNvPr id="18" name="Straight Connector 17">
+            <a:extLst>
+              <a:ext uri="{FF2B5EF4-FFF2-40B4-BE49-F238E27FC236}">
+                <a16:creationId xmlns:a16="http://schemas.microsoft.com/office/drawing/2014/main" id="{75B00904-7A0C-E549-90DB-3F936575E17A}"/>
               </a:ext>
             </a:extLst>
           </p:cNvPr>
@@ -22571,7 +23112,7 @@
         </p:nvCxnSpPr>
         <p:spPr>
           <a:xfrm flipH="1" flipV="1">
-            <a:off x="2971070" y="3366141"/>
+            <a:off x="3636540" y="1491941"/>
             <a:ext cx="36285" cy="181456"/>
           </a:xfrm>
           <a:prstGeom prst="line">
@@ -22595,21 +23136,21 @@
       </p:cxnSp>
       <p:cxnSp>
         <p:nvCxnSpPr>
-          <p:cNvPr id="43" name="Straight Connector 42">
+          <p:cNvPr id="20" name="Straight Connector 19">
             <a:extLst>
               <a:ext uri="{FF2B5EF4-FFF2-40B4-BE49-F238E27FC236}">
-                <a16:creationId xmlns:a16="http://schemas.microsoft.com/office/drawing/2014/main" id="{F697324F-7B72-0648-A55E-1A10B2FAF0E1}"/>
+                <a16:creationId xmlns:a16="http://schemas.microsoft.com/office/drawing/2014/main" id="{3F667C5D-9EE3-E547-9A10-73AFF75574F0}"/>
               </a:ext>
             </a:extLst>
           </p:cNvPr>
           <p:cNvCxnSpPr>
-            <a:stCxn id="38" idx="1"/>
+            <a:stCxn id="2" idx="1"/>
           </p:cNvCxnSpPr>
           <p:nvPr/>
         </p:nvCxnSpPr>
         <p:spPr>
           <a:xfrm flipH="1" flipV="1">
-            <a:off x="2834080" y="3452250"/>
+            <a:off x="3499550" y="1578050"/>
             <a:ext cx="123139" cy="134343"/>
           </a:xfrm>
           <a:prstGeom prst="line">
@@ -22633,10 +23174,10 @@
       </p:cxnSp>
       <p:cxnSp>
         <p:nvCxnSpPr>
-          <p:cNvPr id="44" name="Straight Connector 43">
+          <p:cNvPr id="22" name="Straight Connector 21">
             <a:extLst>
               <a:ext uri="{FF2B5EF4-FFF2-40B4-BE49-F238E27FC236}">
-                <a16:creationId xmlns:a16="http://schemas.microsoft.com/office/drawing/2014/main" id="{F5D16DED-1EB5-FF43-8871-1CF80218FCC0}"/>
+                <a16:creationId xmlns:a16="http://schemas.microsoft.com/office/drawing/2014/main" id="{FEF6FB89-5E52-3544-8783-1455835ED0BC}"/>
               </a:ext>
             </a:extLst>
           </p:cNvPr>
@@ -22647,7 +23188,7 @@
         </p:nvCxnSpPr>
         <p:spPr>
           <a:xfrm flipH="1" flipV="1">
-            <a:off x="2736056" y="3595421"/>
+            <a:off x="3401526" y="1721221"/>
             <a:ext cx="185110" cy="31666"/>
           </a:xfrm>
           <a:prstGeom prst="line">
@@ -22671,21 +23212,21 @@
       </p:cxnSp>
       <p:cxnSp>
         <p:nvCxnSpPr>
-          <p:cNvPr id="45" name="Straight Connector 44">
+          <p:cNvPr id="24" name="Straight Connector 23">
             <a:extLst>
               <a:ext uri="{FF2B5EF4-FFF2-40B4-BE49-F238E27FC236}">
-                <a16:creationId xmlns:a16="http://schemas.microsoft.com/office/drawing/2014/main" id="{8344AE04-9CB1-B74E-BD1E-B07B304C97C8}"/>
+                <a16:creationId xmlns:a16="http://schemas.microsoft.com/office/drawing/2014/main" id="{4FE9002F-94B8-6841-A771-6C226DA8F7BB}"/>
               </a:ext>
             </a:extLst>
           </p:cNvPr>
           <p:cNvCxnSpPr>
-            <a:stCxn id="39" idx="6"/>
+            <a:cxnSpLocks/>
           </p:cNvCxnSpPr>
           <p:nvPr/>
         </p:nvCxnSpPr>
         <p:spPr>
           <a:xfrm flipV="1">
-            <a:off x="3871527" y="4258485"/>
+            <a:off x="4564788" y="1874448"/>
             <a:ext cx="196826" cy="1"/>
           </a:xfrm>
           <a:prstGeom prst="line">
@@ -22709,21 +23250,21 @@
       </p:cxnSp>
       <p:cxnSp>
         <p:nvCxnSpPr>
-          <p:cNvPr id="46" name="Straight Connector 45">
+          <p:cNvPr id="26" name="Straight Connector 25">
             <a:extLst>
               <a:ext uri="{FF2B5EF4-FFF2-40B4-BE49-F238E27FC236}">
-                <a16:creationId xmlns:a16="http://schemas.microsoft.com/office/drawing/2014/main" id="{A60F3784-B9CC-B24E-86E1-BA031F58A053}"/>
+                <a16:creationId xmlns:a16="http://schemas.microsoft.com/office/drawing/2014/main" id="{41C88C75-036B-E448-8283-FED5A470FD34}"/>
               </a:ext>
             </a:extLst>
           </p:cNvPr>
           <p:cNvCxnSpPr>
-            <a:stCxn id="39" idx="5"/>
+            <a:stCxn id="3" idx="5"/>
           </p:cNvCxnSpPr>
           <p:nvPr/>
         </p:nvCxnSpPr>
         <p:spPr>
           <a:xfrm>
-            <a:off x="3835474" y="4352630"/>
+            <a:off x="4500944" y="2478430"/>
             <a:ext cx="91000" cy="112431"/>
           </a:xfrm>
           <a:prstGeom prst="line">
@@ -22747,10 +23288,10 @@
       </p:cxnSp>
       <p:sp>
         <p:nvSpPr>
-          <p:cNvPr id="47" name="Oval 46">
+          <p:cNvPr id="27" name="Oval 26">
             <a:extLst>
               <a:ext uri="{FF2B5EF4-FFF2-40B4-BE49-F238E27FC236}">
-                <a16:creationId xmlns:a16="http://schemas.microsoft.com/office/drawing/2014/main" id="{CFD48C1B-7FDC-EC4C-96CB-8F76590AC7FD}"/>
+                <a16:creationId xmlns:a16="http://schemas.microsoft.com/office/drawing/2014/main" id="{F8A8EE48-C0AA-D642-8E8D-FDA6CC0B7B7B}"/>
               </a:ext>
             </a:extLst>
           </p:cNvPr>
@@ -22759,7 +23300,7 @@
         </p:nvSpPr>
         <p:spPr>
           <a:xfrm>
-            <a:off x="4340549" y="3693816"/>
+            <a:off x="4313491" y="1026796"/>
             <a:ext cx="246185" cy="266281"/>
           </a:xfrm>
           <a:prstGeom prst="ellipse">
@@ -22794,10 +23335,10 @@
       </p:sp>
       <p:sp>
         <p:nvSpPr>
-          <p:cNvPr id="48" name="Oval 47">
+          <p:cNvPr id="28" name="Oval 27">
             <a:extLst>
               <a:ext uri="{FF2B5EF4-FFF2-40B4-BE49-F238E27FC236}">
-                <a16:creationId xmlns:a16="http://schemas.microsoft.com/office/drawing/2014/main" id="{1C86F37D-C915-684E-8A3A-B047DAAD4C86}"/>
+                <a16:creationId xmlns:a16="http://schemas.microsoft.com/office/drawing/2014/main" id="{AB390CAE-5270-9547-A120-F05383DFF0FD}"/>
               </a:ext>
             </a:extLst>
           </p:cNvPr>
@@ -22806,7 +23347,7 @@
         </p:nvSpPr>
         <p:spPr>
           <a:xfrm>
-            <a:off x="5044725" y="4271564"/>
+            <a:off x="5017667" y="1604544"/>
             <a:ext cx="246185" cy="266281"/>
           </a:xfrm>
           <a:prstGeom prst="ellipse">
@@ -22843,10 +23384,10 @@
         <mc:Choice xmlns:a14="http://schemas.microsoft.com/office/drawing/2010/main" Requires="a14">
           <p:sp>
             <p:nvSpPr>
-              <p:cNvPr id="49" name="TextBox 48">
+              <p:cNvPr id="29" name="TextBox 28">
                 <a:extLst>
                   <a:ext uri="{FF2B5EF4-FFF2-40B4-BE49-F238E27FC236}">
-                    <a16:creationId xmlns:a16="http://schemas.microsoft.com/office/drawing/2014/main" id="{14E50FA0-AC79-8E44-B23F-A1E169FDCFBB}"/>
+                    <a16:creationId xmlns:a16="http://schemas.microsoft.com/office/drawing/2014/main" id="{3F43D257-FD7C-CA47-AD1F-71F9AF579FC7}"/>
                   </a:ext>
                 </a:extLst>
               </p:cNvPr>
@@ -22855,7 +23396,7 @@
             </p:nvSpPr>
             <p:spPr>
               <a:xfrm>
-                <a:off x="4673820" y="3563011"/>
+                <a:off x="4053436" y="1444165"/>
                 <a:ext cx="813916" cy="261610"/>
               </a:xfrm>
               <a:prstGeom prst="rect">
@@ -22925,10 +23466,10 @@
         <mc:Fallback>
           <p:sp>
             <p:nvSpPr>
-              <p:cNvPr id="49" name="TextBox 48">
+              <p:cNvPr id="29" name="TextBox 28">
                 <a:extLst>
                   <a:ext uri="{FF2B5EF4-FFF2-40B4-BE49-F238E27FC236}">
-                    <a16:creationId xmlns:a16="http://schemas.microsoft.com/office/drawing/2014/main" id="{14E50FA0-AC79-8E44-B23F-A1E169FDCFBB}"/>
+                    <a16:creationId xmlns:a16="http://schemas.microsoft.com/office/drawing/2014/main" id="{3F43D257-FD7C-CA47-AD1F-71F9AF579FC7}"/>
                   </a:ext>
                 </a:extLst>
               </p:cNvPr>
@@ -22939,8 +23480,487 @@
             </p:nvSpPr>
             <p:spPr>
               <a:xfrm>
-                <a:off x="4673820" y="3563011"/>
+                <a:off x="4053436" y="1444165"/>
                 <a:ext cx="813916" cy="261610"/>
+              </a:xfrm>
+              <a:prstGeom prst="rect">
+                <a:avLst/>
+              </a:prstGeom>
+              <a:blipFill>
+                <a:blip r:embed="rId3"/>
+                <a:stretch>
+                  <a:fillRect/>
+                </a:stretch>
+              </a:blipFill>
+            </p:spPr>
+            <p:txBody>
+              <a:bodyPr/>
+              <a:lstStyle/>
+              <a:p>
+                <a:r>
+                  <a:rPr lang="en-US">
+                    <a:noFill/>
+                  </a:rPr>
+                  <a:t> </a:t>
+                </a:r>
+              </a:p>
+            </p:txBody>
+          </p:sp>
+        </mc:Fallback>
+      </mc:AlternateContent>
+      <p:cxnSp>
+        <p:nvCxnSpPr>
+          <p:cNvPr id="30" name="Straight Connector 29">
+            <a:extLst>
+              <a:ext uri="{FF2B5EF4-FFF2-40B4-BE49-F238E27FC236}">
+                <a16:creationId xmlns:a16="http://schemas.microsoft.com/office/drawing/2014/main" id="{A41FF192-04FB-5140-90FC-C283BD9F7CC7}"/>
+              </a:ext>
+            </a:extLst>
+          </p:cNvPr>
+          <p:cNvCxnSpPr>
+            <a:cxnSpLocks/>
+          </p:cNvCxnSpPr>
+          <p:nvPr/>
+        </p:nvCxnSpPr>
+        <p:spPr>
+          <a:xfrm>
+            <a:off x="4523623" y="1267353"/>
+            <a:ext cx="530097" cy="381944"/>
+          </a:xfrm>
+          <a:prstGeom prst="line">
+            <a:avLst/>
+          </a:prstGeom>
+          <a:ln w="12700"/>
+        </p:spPr>
+        <p:style>
+          <a:lnRef idx="1">
+            <a:schemeClr val="accent1"/>
+          </a:lnRef>
+          <a:fillRef idx="0">
+            <a:schemeClr val="accent1"/>
+          </a:fillRef>
+          <a:effectRef idx="0">
+            <a:schemeClr val="accent1"/>
+          </a:effectRef>
+          <a:fontRef idx="minor">
+            <a:schemeClr val="tx1"/>
+          </a:fontRef>
+        </p:style>
+      </p:cxnSp>
+      <p:cxnSp>
+        <p:nvCxnSpPr>
+          <p:cNvPr id="31" name="Straight Connector 30">
+            <a:extLst>
+              <a:ext uri="{FF2B5EF4-FFF2-40B4-BE49-F238E27FC236}">
+                <a16:creationId xmlns:a16="http://schemas.microsoft.com/office/drawing/2014/main" id="{765E844E-0A69-4941-8E38-3A17B1BDE9D3}"/>
+              </a:ext>
+            </a:extLst>
+          </p:cNvPr>
+          <p:cNvCxnSpPr>
+            <a:cxnSpLocks/>
+          </p:cNvCxnSpPr>
+          <p:nvPr/>
+        </p:nvCxnSpPr>
+        <p:spPr>
+          <a:xfrm flipH="1" flipV="1">
+            <a:off x="4363395" y="845340"/>
+            <a:ext cx="36285" cy="181456"/>
+          </a:xfrm>
+          <a:prstGeom prst="line">
+            <a:avLst/>
+          </a:prstGeom>
+        </p:spPr>
+        <p:style>
+          <a:lnRef idx="1">
+            <a:schemeClr val="accent1"/>
+          </a:lnRef>
+          <a:fillRef idx="0">
+            <a:schemeClr val="accent1"/>
+          </a:fillRef>
+          <a:effectRef idx="0">
+            <a:schemeClr val="accent1"/>
+          </a:effectRef>
+          <a:fontRef idx="minor">
+            <a:schemeClr val="tx1"/>
+          </a:fontRef>
+        </p:style>
+      </p:cxnSp>
+      <p:cxnSp>
+        <p:nvCxnSpPr>
+          <p:cNvPr id="32" name="Straight Connector 31">
+            <a:extLst>
+              <a:ext uri="{FF2B5EF4-FFF2-40B4-BE49-F238E27FC236}">
+                <a16:creationId xmlns:a16="http://schemas.microsoft.com/office/drawing/2014/main" id="{7EAE7C7F-7F67-D245-AFBE-4F74145E88F1}"/>
+              </a:ext>
+            </a:extLst>
+          </p:cNvPr>
+          <p:cNvCxnSpPr>
+            <a:stCxn id="27" idx="1"/>
+          </p:cNvCxnSpPr>
+          <p:nvPr/>
+        </p:nvCxnSpPr>
+        <p:spPr>
+          <a:xfrm flipH="1" flipV="1">
+            <a:off x="4226405" y="931449"/>
+            <a:ext cx="123139" cy="134343"/>
+          </a:xfrm>
+          <a:prstGeom prst="line">
+            <a:avLst/>
+          </a:prstGeom>
+        </p:spPr>
+        <p:style>
+          <a:lnRef idx="1">
+            <a:schemeClr val="accent1"/>
+          </a:lnRef>
+          <a:fillRef idx="0">
+            <a:schemeClr val="accent1"/>
+          </a:fillRef>
+          <a:effectRef idx="0">
+            <a:schemeClr val="accent1"/>
+          </a:effectRef>
+          <a:fontRef idx="minor">
+            <a:schemeClr val="tx1"/>
+          </a:fontRef>
+        </p:style>
+      </p:cxnSp>
+      <p:cxnSp>
+        <p:nvCxnSpPr>
+          <p:cNvPr id="33" name="Straight Connector 32">
+            <a:extLst>
+              <a:ext uri="{FF2B5EF4-FFF2-40B4-BE49-F238E27FC236}">
+                <a16:creationId xmlns:a16="http://schemas.microsoft.com/office/drawing/2014/main" id="{FDB765E7-9277-5646-A8B5-EB63103E1B01}"/>
+              </a:ext>
+            </a:extLst>
+          </p:cNvPr>
+          <p:cNvCxnSpPr>
+            <a:cxnSpLocks/>
+          </p:cNvCxnSpPr>
+          <p:nvPr/>
+        </p:nvCxnSpPr>
+        <p:spPr>
+          <a:xfrm flipH="1" flipV="1">
+            <a:off x="4128381" y="1074620"/>
+            <a:ext cx="185110" cy="31666"/>
+          </a:xfrm>
+          <a:prstGeom prst="line">
+            <a:avLst/>
+          </a:prstGeom>
+        </p:spPr>
+        <p:style>
+          <a:lnRef idx="1">
+            <a:schemeClr val="accent1"/>
+          </a:lnRef>
+          <a:fillRef idx="0">
+            <a:schemeClr val="accent1"/>
+          </a:fillRef>
+          <a:effectRef idx="0">
+            <a:schemeClr val="accent1"/>
+          </a:effectRef>
+          <a:fontRef idx="minor">
+            <a:schemeClr val="tx1"/>
+          </a:fontRef>
+        </p:style>
+      </p:cxnSp>
+      <p:cxnSp>
+        <p:nvCxnSpPr>
+          <p:cNvPr id="34" name="Straight Connector 33">
+            <a:extLst>
+              <a:ext uri="{FF2B5EF4-FFF2-40B4-BE49-F238E27FC236}">
+                <a16:creationId xmlns:a16="http://schemas.microsoft.com/office/drawing/2014/main" id="{DAEDB616-5D8C-E84E-9A8C-EBC622935394}"/>
+              </a:ext>
+            </a:extLst>
+          </p:cNvPr>
+          <p:cNvCxnSpPr>
+            <a:stCxn id="28" idx="6"/>
+          </p:cNvCxnSpPr>
+          <p:nvPr/>
+        </p:nvCxnSpPr>
+        <p:spPr>
+          <a:xfrm flipV="1">
+            <a:off x="5263852" y="1737684"/>
+            <a:ext cx="196826" cy="1"/>
+          </a:xfrm>
+          <a:prstGeom prst="line">
+            <a:avLst/>
+          </a:prstGeom>
+        </p:spPr>
+        <p:style>
+          <a:lnRef idx="1">
+            <a:schemeClr val="accent1"/>
+          </a:lnRef>
+          <a:fillRef idx="0">
+            <a:schemeClr val="accent1"/>
+          </a:fillRef>
+          <a:effectRef idx="0">
+            <a:schemeClr val="accent1"/>
+          </a:effectRef>
+          <a:fontRef idx="minor">
+            <a:schemeClr val="tx1"/>
+          </a:fontRef>
+        </p:style>
+      </p:cxnSp>
+      <p:cxnSp>
+        <p:nvCxnSpPr>
+          <p:cNvPr id="35" name="Straight Connector 34">
+            <a:extLst>
+              <a:ext uri="{FF2B5EF4-FFF2-40B4-BE49-F238E27FC236}">
+                <a16:creationId xmlns:a16="http://schemas.microsoft.com/office/drawing/2014/main" id="{B67B990D-3470-EA4F-9E8C-3EA2AD113670}"/>
+              </a:ext>
+            </a:extLst>
+          </p:cNvPr>
+          <p:cNvCxnSpPr>
+            <a:stCxn id="28" idx="5"/>
+          </p:cNvCxnSpPr>
+          <p:nvPr/>
+        </p:nvCxnSpPr>
+        <p:spPr>
+          <a:xfrm>
+            <a:off x="5227799" y="1831829"/>
+            <a:ext cx="91000" cy="112431"/>
+          </a:xfrm>
+          <a:prstGeom prst="line">
+            <a:avLst/>
+          </a:prstGeom>
+        </p:spPr>
+        <p:style>
+          <a:lnRef idx="1">
+            <a:schemeClr val="accent1"/>
+          </a:lnRef>
+          <a:fillRef idx="0">
+            <a:schemeClr val="accent1"/>
+          </a:fillRef>
+          <a:effectRef idx="0">
+            <a:schemeClr val="accent1"/>
+          </a:effectRef>
+          <a:fontRef idx="minor">
+            <a:schemeClr val="tx1"/>
+          </a:fontRef>
+        </p:style>
+      </p:cxnSp>
+      <mc:AlternateContent xmlns:mc="http://schemas.openxmlformats.org/markup-compatibility/2006">
+        <mc:Choice xmlns:a14="http://schemas.microsoft.com/office/drawing/2010/main" Requires="a14">
+          <p:sp>
+            <p:nvSpPr>
+              <p:cNvPr id="79" name="TextBox 78">
+                <a:extLst>
+                  <a:ext uri="{FF2B5EF4-FFF2-40B4-BE49-F238E27FC236}">
+                    <a16:creationId xmlns:a16="http://schemas.microsoft.com/office/drawing/2014/main" id="{4F4940A5-FAD5-F942-A4CE-BAF85151ADC7}"/>
+                  </a:ext>
+                </a:extLst>
+              </p:cNvPr>
+              <p:cNvSpPr txBox="1"/>
+              <p:nvPr/>
+            </p:nvSpPr>
+            <p:spPr>
+              <a:xfrm>
+                <a:off x="3400742" y="2600762"/>
+                <a:ext cx="695383" cy="261610"/>
+              </a:xfrm>
+              <a:prstGeom prst="rect">
+                <a:avLst/>
+              </a:prstGeom>
+              <a:noFill/>
+            </p:spPr>
+            <p:txBody>
+              <a:bodyPr wrap="none" rtlCol="0">
+                <a:spAutoFit/>
+              </a:bodyPr>
+              <a:lstStyle/>
+              <a:p>
+                <a14:m>
+                  <m:oMathPara xmlns:m="http://schemas.openxmlformats.org/officeDocument/2006/math">
+                    <m:oMathParaPr>
+                      <m:jc m:val="centerGroup"/>
+                    </m:oMathParaPr>
+                    <m:oMath xmlns:m="http://schemas.openxmlformats.org/officeDocument/2006/math">
+                      <m:r>
+                        <a:rPr lang="en-US" sz="1100" b="0" i="1" dirty="0" smtClean="0">
+                          <a:latin typeface="Cambria Math" panose="02040503050406030204" pitchFamily="18" charset="0"/>
+                        </a:rPr>
+                        <m:t>𝑡</m:t>
+                      </m:r>
+                      <m:r>
+                        <a:rPr lang="en-US" sz="1100" b="0" i="1" dirty="0" smtClean="0">
+                          <a:latin typeface="Cambria Math" panose="02040503050406030204" pitchFamily="18" charset="0"/>
+                        </a:rPr>
+                        <m:t>=</m:t>
+                      </m:r>
+                      <m:sSub>
+                        <m:sSubPr>
+                          <m:ctrlPr>
+                            <a:rPr lang="en-US" sz="1100" i="1"/>
+                          </m:ctrlPr>
+                        </m:sSubPr>
+                        <m:e>
+                          <m:r>
+                            <a:rPr lang="en-US" sz="1100" i="1"/>
+                            <m:t>𝑡</m:t>
+                          </m:r>
+                        </m:e>
+                        <m:sub>
+                          <m:r>
+                            <a:rPr lang="en-US" sz="1100" b="0" i="1" smtClean="0">
+                              <a:latin typeface="Cambria Math" panose="02040503050406030204" pitchFamily="18" charset="0"/>
+                            </a:rPr>
+                            <m:t>𝑙</m:t>
+                          </m:r>
+                          <m:r>
+                            <a:rPr lang="en-US" sz="1100" b="0" i="1" smtClean="0">
+                              <a:latin typeface="Cambria Math" panose="02040503050406030204" pitchFamily="18" charset="0"/>
+                            </a:rPr>
+                            <m:t>−1</m:t>
+                          </m:r>
+                        </m:sub>
+                      </m:sSub>
+                    </m:oMath>
+                  </m:oMathPara>
+                </a14:m>
+                <a:endParaRPr lang="en-US" sz="1100" dirty="0"/>
+              </a:p>
+            </p:txBody>
+          </p:sp>
+        </mc:Choice>
+        <mc:Fallback>
+          <p:sp>
+            <p:nvSpPr>
+              <p:cNvPr id="79" name="TextBox 78">
+                <a:extLst>
+                  <a:ext uri="{FF2B5EF4-FFF2-40B4-BE49-F238E27FC236}">
+                    <a16:creationId xmlns:a16="http://schemas.microsoft.com/office/drawing/2014/main" id="{4F4940A5-FAD5-F942-A4CE-BAF85151ADC7}"/>
+                  </a:ext>
+                </a:extLst>
+              </p:cNvPr>
+              <p:cNvSpPr txBox="1">
+                <a:spLocks noRot="1" noChangeAspect="1" noMove="1" noResize="1" noEditPoints="1" noAdjustHandles="1" noChangeArrowheads="1" noChangeShapeType="1" noTextEdit="1"/>
+              </p:cNvSpPr>
+              <p:nvPr/>
+            </p:nvSpPr>
+            <p:spPr>
+              <a:xfrm>
+                <a:off x="3400742" y="2600762"/>
+                <a:ext cx="695383" cy="261610"/>
+              </a:xfrm>
+              <a:prstGeom prst="rect">
+                <a:avLst/>
+              </a:prstGeom>
+              <a:blipFill>
+                <a:blip r:embed="rId4"/>
+                <a:stretch>
+                  <a:fillRect/>
+                </a:stretch>
+              </a:blipFill>
+            </p:spPr>
+            <p:txBody>
+              <a:bodyPr/>
+              <a:lstStyle/>
+              <a:p>
+                <a:r>
+                  <a:rPr lang="en-US">
+                    <a:noFill/>
+                  </a:rPr>
+                  <a:t> </a:t>
+                </a:r>
+              </a:p>
+            </p:txBody>
+          </p:sp>
+        </mc:Fallback>
+      </mc:AlternateContent>
+      <mc:AlternateContent xmlns:mc="http://schemas.openxmlformats.org/markup-compatibility/2006">
+        <mc:Choice xmlns:a14="http://schemas.microsoft.com/office/drawing/2010/main" Requires="a14">
+          <p:sp>
+            <p:nvSpPr>
+              <p:cNvPr id="80" name="TextBox 79">
+                <a:extLst>
+                  <a:ext uri="{FF2B5EF4-FFF2-40B4-BE49-F238E27FC236}">
+                    <a16:creationId xmlns:a16="http://schemas.microsoft.com/office/drawing/2014/main" id="{861CAE32-5B55-204E-BEB3-2239DBDCB3C2}"/>
+                  </a:ext>
+                </a:extLst>
+              </p:cNvPr>
+              <p:cNvSpPr txBox="1"/>
+              <p:nvPr/>
+            </p:nvSpPr>
+            <p:spPr>
+              <a:xfrm>
+                <a:off x="4164207" y="2604149"/>
+                <a:ext cx="560731" cy="261610"/>
+              </a:xfrm>
+              <a:prstGeom prst="rect">
+                <a:avLst/>
+              </a:prstGeom>
+              <a:noFill/>
+            </p:spPr>
+            <p:txBody>
+              <a:bodyPr wrap="none" rtlCol="0">
+                <a:spAutoFit/>
+              </a:bodyPr>
+              <a:lstStyle/>
+              <a:p>
+                <a14:m>
+                  <m:oMathPara xmlns:m="http://schemas.openxmlformats.org/officeDocument/2006/math">
+                    <m:oMathParaPr>
+                      <m:jc m:val="centerGroup"/>
+                    </m:oMathParaPr>
+                    <m:oMath xmlns:m="http://schemas.openxmlformats.org/officeDocument/2006/math">
+                      <m:r>
+                        <a:rPr lang="en-US" sz="1100" b="0" i="1" dirty="0" smtClean="0">
+                          <a:latin typeface="Cambria Math" panose="02040503050406030204" pitchFamily="18" charset="0"/>
+                        </a:rPr>
+                        <m:t>𝑡</m:t>
+                      </m:r>
+                      <m:r>
+                        <a:rPr lang="en-US" sz="1100" b="0" i="1" dirty="0" smtClean="0">
+                          <a:latin typeface="Cambria Math" panose="02040503050406030204" pitchFamily="18" charset="0"/>
+                        </a:rPr>
+                        <m:t>=</m:t>
+                      </m:r>
+                      <m:sSub>
+                        <m:sSubPr>
+                          <m:ctrlPr>
+                            <a:rPr lang="en-US" sz="1100" i="1"/>
+                          </m:ctrlPr>
+                        </m:sSubPr>
+                        <m:e>
+                          <m:r>
+                            <a:rPr lang="en-US" sz="1100" i="1"/>
+                            <m:t>𝑡</m:t>
+                          </m:r>
+                        </m:e>
+                        <m:sub>
+                          <m:r>
+                            <a:rPr lang="en-US" sz="1100" b="0" i="1" smtClean="0">
+                              <a:latin typeface="Cambria Math" panose="02040503050406030204" pitchFamily="18" charset="0"/>
+                            </a:rPr>
+                            <m:t>𝑙</m:t>
+                          </m:r>
+                        </m:sub>
+                      </m:sSub>
+                    </m:oMath>
+                  </m:oMathPara>
+                </a14:m>
+                <a:endParaRPr lang="en-US" sz="1100" dirty="0"/>
+              </a:p>
+            </p:txBody>
+          </p:sp>
+        </mc:Choice>
+        <mc:Fallback>
+          <p:sp>
+            <p:nvSpPr>
+              <p:cNvPr id="80" name="TextBox 79">
+                <a:extLst>
+                  <a:ext uri="{FF2B5EF4-FFF2-40B4-BE49-F238E27FC236}">
+                    <a16:creationId xmlns:a16="http://schemas.microsoft.com/office/drawing/2014/main" id="{861CAE32-5B55-204E-BEB3-2239DBDCB3C2}"/>
+                  </a:ext>
+                </a:extLst>
+              </p:cNvPr>
+              <p:cNvSpPr txBox="1">
+                <a:spLocks noRot="1" noChangeAspect="1" noMove="1" noResize="1" noEditPoints="1" noAdjustHandles="1" noChangeArrowheads="1" noChangeShapeType="1" noTextEdit="1"/>
+              </p:cNvSpPr>
+              <p:nvPr/>
+            </p:nvSpPr>
+            <p:spPr>
+              <a:xfrm>
+                <a:off x="4164207" y="2604149"/>
+                <a:ext cx="560731" cy="261610"/>
               </a:xfrm>
               <a:prstGeom prst="rect">
                 <a:avLst/>
@@ -22967,28 +23987,313 @@
           </p:sp>
         </mc:Fallback>
       </mc:AlternateContent>
+      <mc:AlternateContent xmlns:mc="http://schemas.openxmlformats.org/markup-compatibility/2006">
+        <mc:Choice xmlns:a14="http://schemas.microsoft.com/office/drawing/2010/main" Requires="a14">
+          <p:sp>
+            <p:nvSpPr>
+              <p:cNvPr id="83" name="TextBox 82">
+                <a:extLst>
+                  <a:ext uri="{FF2B5EF4-FFF2-40B4-BE49-F238E27FC236}">
+                    <a16:creationId xmlns:a16="http://schemas.microsoft.com/office/drawing/2014/main" id="{D27F92E6-9F81-C444-BFAA-FB69BF587611}"/>
+                  </a:ext>
+                </a:extLst>
+              </p:cNvPr>
+              <p:cNvSpPr txBox="1"/>
+              <p:nvPr/>
+            </p:nvSpPr>
+            <p:spPr>
+              <a:xfrm>
+                <a:off x="3370617" y="566793"/>
+                <a:ext cx="648383" cy="261610"/>
+              </a:xfrm>
+              <a:prstGeom prst="rect">
+                <a:avLst/>
+              </a:prstGeom>
+              <a:noFill/>
+            </p:spPr>
+            <p:txBody>
+              <a:bodyPr wrap="none" rtlCol="0">
+                <a:spAutoFit/>
+              </a:bodyPr>
+              <a:lstStyle/>
+              <a:p>
+                <a14:m>
+                  <m:oMathPara xmlns:m="http://schemas.openxmlformats.org/officeDocument/2006/math">
+                    <m:oMathParaPr>
+                      <m:jc m:val="centerGroup"/>
+                    </m:oMathParaPr>
+                    <m:oMath xmlns:m="http://schemas.openxmlformats.org/officeDocument/2006/math">
+                      <m:acc>
+                        <m:accPr>
+                          <m:chr m:val="⃗"/>
+                          <m:ctrlPr>
+                            <a:rPr lang="en-US" sz="1100" i="1" smtClean="0"/>
+                          </m:ctrlPr>
+                        </m:accPr>
+                        <m:e>
+                          <m:r>
+                            <a:rPr lang="en-US" sz="1100" b="0" i="1" smtClean="0">
+                              <a:latin typeface="Cambria Math" panose="02040503050406030204" pitchFamily="18" charset="0"/>
+                            </a:rPr>
+                            <m:t>𝑥</m:t>
+                          </m:r>
+                        </m:e>
+                      </m:acc>
+                      <m:d>
+                        <m:dPr>
+                          <m:ctrlPr>
+                            <a:rPr lang="en-US" sz="1100" i="1"/>
+                          </m:ctrlPr>
+                        </m:dPr>
+                        <m:e>
+                          <m:sSub>
+                            <m:sSubPr>
+                              <m:ctrlPr>
+                                <a:rPr lang="en-US" sz="1100" i="1" smtClean="0">
+                                  <a:latin typeface="Cambria Math" panose="02040503050406030204" pitchFamily="18" charset="0"/>
+                                </a:rPr>
+                              </m:ctrlPr>
+                            </m:sSubPr>
+                            <m:e>
+                              <m:r>
+                                <a:rPr lang="en-US" sz="1100" i="1">
+                                  <a:latin typeface="Cambria Math" panose="02040503050406030204" pitchFamily="18" charset="0"/>
+                                </a:rPr>
+                                <m:t>𝑡</m:t>
+                              </m:r>
+                            </m:e>
+                            <m:sub>
+                              <m:r>
+                                <a:rPr lang="en-US" sz="1100" b="0" i="1" smtClean="0">
+                                  <a:latin typeface="Cambria Math" panose="02040503050406030204" pitchFamily="18" charset="0"/>
+                                </a:rPr>
+                                <m:t>𝑙</m:t>
+                              </m:r>
+                              <m:r>
+                                <a:rPr lang="en-US" sz="1100" b="0" i="1" smtClean="0">
+                                  <a:latin typeface="Cambria Math" panose="02040503050406030204" pitchFamily="18" charset="0"/>
+                                </a:rPr>
+                                <m:t>−1</m:t>
+                              </m:r>
+                            </m:sub>
+                          </m:sSub>
+                        </m:e>
+                      </m:d>
+                    </m:oMath>
+                  </m:oMathPara>
+                </a14:m>
+                <a:endParaRPr lang="en-US" sz="1100" dirty="0"/>
+              </a:p>
+            </p:txBody>
+          </p:sp>
+        </mc:Choice>
+        <mc:Fallback>
+          <p:sp>
+            <p:nvSpPr>
+              <p:cNvPr id="83" name="TextBox 82">
+                <a:extLst>
+                  <a:ext uri="{FF2B5EF4-FFF2-40B4-BE49-F238E27FC236}">
+                    <a16:creationId xmlns:a16="http://schemas.microsoft.com/office/drawing/2014/main" id="{D27F92E6-9F81-C444-BFAA-FB69BF587611}"/>
+                  </a:ext>
+                </a:extLst>
+              </p:cNvPr>
+              <p:cNvSpPr txBox="1">
+                <a:spLocks noRot="1" noChangeAspect="1" noMove="1" noResize="1" noEditPoints="1" noAdjustHandles="1" noChangeArrowheads="1" noChangeShapeType="1" noTextEdit="1"/>
+              </p:cNvSpPr>
+              <p:nvPr/>
+            </p:nvSpPr>
+            <p:spPr>
+              <a:xfrm>
+                <a:off x="3370617" y="566793"/>
+                <a:ext cx="648383" cy="261610"/>
+              </a:xfrm>
+              <a:prstGeom prst="rect">
+                <a:avLst/>
+              </a:prstGeom>
+              <a:blipFill>
+                <a:blip r:embed="rId6"/>
+                <a:stretch>
+                  <a:fillRect t="-13636"/>
+                </a:stretch>
+              </a:blipFill>
+            </p:spPr>
+            <p:txBody>
+              <a:bodyPr/>
+              <a:lstStyle/>
+              <a:p>
+                <a:r>
+                  <a:rPr lang="en-US">
+                    <a:noFill/>
+                  </a:rPr>
+                  <a:t> </a:t>
+                </a:r>
+              </a:p>
+            </p:txBody>
+          </p:sp>
+        </mc:Fallback>
+      </mc:AlternateContent>
+      <mc:AlternateContent xmlns:mc="http://schemas.openxmlformats.org/markup-compatibility/2006">
+        <mc:Choice xmlns:a14="http://schemas.microsoft.com/office/drawing/2010/main" Requires="a14">
+          <p:sp>
+            <p:nvSpPr>
+              <p:cNvPr id="84" name="TextBox 83">
+                <a:extLst>
+                  <a:ext uri="{FF2B5EF4-FFF2-40B4-BE49-F238E27FC236}">
+                    <a16:creationId xmlns:a16="http://schemas.microsoft.com/office/drawing/2014/main" id="{D2FE3C5C-A8B5-7C4A-9660-4965DAD81232}"/>
+                  </a:ext>
+                </a:extLst>
+              </p:cNvPr>
+              <p:cNvSpPr txBox="1"/>
+              <p:nvPr/>
+            </p:nvSpPr>
+            <p:spPr>
+              <a:xfrm>
+                <a:off x="4189283" y="552731"/>
+                <a:ext cx="513730" cy="261610"/>
+              </a:xfrm>
+              <a:prstGeom prst="rect">
+                <a:avLst/>
+              </a:prstGeom>
+              <a:noFill/>
+            </p:spPr>
+            <p:txBody>
+              <a:bodyPr wrap="none" rtlCol="0">
+                <a:spAutoFit/>
+              </a:bodyPr>
+              <a:lstStyle/>
+              <a:p>
+                <a14:m>
+                  <m:oMathPara xmlns:m="http://schemas.openxmlformats.org/officeDocument/2006/math">
+                    <m:oMathParaPr>
+                      <m:jc m:val="centerGroup"/>
+                    </m:oMathParaPr>
+                    <m:oMath xmlns:m="http://schemas.openxmlformats.org/officeDocument/2006/math">
+                      <m:acc>
+                        <m:accPr>
+                          <m:chr m:val="⃗"/>
+                          <m:ctrlPr>
+                            <a:rPr lang="en-US" sz="1100" i="1" smtClean="0"/>
+                          </m:ctrlPr>
+                        </m:accPr>
+                        <m:e>
+                          <m:r>
+                            <a:rPr lang="en-US" sz="1100" b="0" i="1" smtClean="0">
+                              <a:latin typeface="Cambria Math" panose="02040503050406030204" pitchFamily="18" charset="0"/>
+                            </a:rPr>
+                            <m:t>𝑥</m:t>
+                          </m:r>
+                        </m:e>
+                      </m:acc>
+                      <m:d>
+                        <m:dPr>
+                          <m:ctrlPr>
+                            <a:rPr lang="en-US" sz="1100" i="1"/>
+                          </m:ctrlPr>
+                        </m:dPr>
+                        <m:e>
+                          <m:sSub>
+                            <m:sSubPr>
+                              <m:ctrlPr>
+                                <a:rPr lang="en-US" sz="1100" i="1" smtClean="0">
+                                  <a:latin typeface="Cambria Math" panose="02040503050406030204" pitchFamily="18" charset="0"/>
+                                </a:rPr>
+                              </m:ctrlPr>
+                            </m:sSubPr>
+                            <m:e>
+                              <m:r>
+                                <a:rPr lang="en-US" sz="1100" i="1">
+                                  <a:latin typeface="Cambria Math" panose="02040503050406030204" pitchFamily="18" charset="0"/>
+                                </a:rPr>
+                                <m:t>𝑡</m:t>
+                              </m:r>
+                            </m:e>
+                            <m:sub>
+                              <m:r>
+                                <a:rPr lang="en-US" sz="1100" b="0" i="1" smtClean="0">
+                                  <a:latin typeface="Cambria Math" panose="02040503050406030204" pitchFamily="18" charset="0"/>
+                                </a:rPr>
+                                <m:t>𝑙</m:t>
+                              </m:r>
+                            </m:sub>
+                          </m:sSub>
+                        </m:e>
+                      </m:d>
+                    </m:oMath>
+                  </m:oMathPara>
+                </a14:m>
+                <a:endParaRPr lang="en-US" sz="1100" dirty="0"/>
+              </a:p>
+            </p:txBody>
+          </p:sp>
+        </mc:Choice>
+        <mc:Fallback>
+          <p:sp>
+            <p:nvSpPr>
+              <p:cNvPr id="84" name="TextBox 83">
+                <a:extLst>
+                  <a:ext uri="{FF2B5EF4-FFF2-40B4-BE49-F238E27FC236}">
+                    <a16:creationId xmlns:a16="http://schemas.microsoft.com/office/drawing/2014/main" id="{D2FE3C5C-A8B5-7C4A-9660-4965DAD81232}"/>
+                  </a:ext>
+                </a:extLst>
+              </p:cNvPr>
+              <p:cNvSpPr txBox="1">
+                <a:spLocks noRot="1" noChangeAspect="1" noMove="1" noResize="1" noEditPoints="1" noAdjustHandles="1" noChangeArrowheads="1" noChangeShapeType="1" noTextEdit="1"/>
+              </p:cNvSpPr>
+              <p:nvPr/>
+            </p:nvSpPr>
+            <p:spPr>
+              <a:xfrm>
+                <a:off x="4189283" y="552731"/>
+                <a:ext cx="513730" cy="261610"/>
+              </a:xfrm>
+              <a:prstGeom prst="rect">
+                <a:avLst/>
+              </a:prstGeom>
+              <a:blipFill>
+                <a:blip r:embed="rId7"/>
+                <a:stretch>
+                  <a:fillRect t="-13636"/>
+                </a:stretch>
+              </a:blipFill>
+            </p:spPr>
+            <p:txBody>
+              <a:bodyPr/>
+              <a:lstStyle/>
+              <a:p>
+                <a:r>
+                  <a:rPr lang="en-US">
+                    <a:noFill/>
+                  </a:rPr>
+                  <a:t> </a:t>
+                </a:r>
+              </a:p>
+            </p:txBody>
+          </p:sp>
+        </mc:Fallback>
+      </mc:AlternateContent>
       <p:cxnSp>
         <p:nvCxnSpPr>
-          <p:cNvPr id="51" name="Straight Connector 50">
+          <p:cNvPr id="86" name="Straight Connector 85">
             <a:extLst>
               <a:ext uri="{FF2B5EF4-FFF2-40B4-BE49-F238E27FC236}">
-                <a16:creationId xmlns:a16="http://schemas.microsoft.com/office/drawing/2014/main" id="{AB6CDC86-C82C-6B43-8E16-21C2AAB5FB3F}"/>
+                <a16:creationId xmlns:a16="http://schemas.microsoft.com/office/drawing/2014/main" id="{8712F52B-167D-8748-A8F0-556F8AF310AD}"/>
               </a:ext>
             </a:extLst>
           </p:cNvPr>
-          <p:cNvCxnSpPr>
-            <a:cxnSpLocks/>
-          </p:cNvCxnSpPr>
+          <p:cNvCxnSpPr/>
           <p:nvPr/>
         </p:nvCxnSpPr>
         <p:spPr>
-          <a:xfrm flipH="1" flipV="1">
-            <a:off x="4390453" y="3512360"/>
-            <a:ext cx="36285" cy="181456"/>
+          <a:xfrm>
+            <a:off x="4068353" y="485347"/>
+            <a:ext cx="0" cy="2102572"/>
           </a:xfrm>
           <a:prstGeom prst="line">
             <a:avLst/>
           </a:prstGeom>
+          <a:ln>
+            <a:prstDash val="lgDash"/>
+          </a:ln>
         </p:spPr>
         <p:style>
           <a:lnRef idx="1">
@@ -23007,26 +24312,27 @@
       </p:cxnSp>
       <p:cxnSp>
         <p:nvCxnSpPr>
-          <p:cNvPr id="52" name="Straight Connector 51">
+          <p:cNvPr id="87" name="Straight Connector 86">
             <a:extLst>
               <a:ext uri="{FF2B5EF4-FFF2-40B4-BE49-F238E27FC236}">
-                <a16:creationId xmlns:a16="http://schemas.microsoft.com/office/drawing/2014/main" id="{C83BE7A7-2A78-2F47-9540-D5D7E0D00059}"/>
+                <a16:creationId xmlns:a16="http://schemas.microsoft.com/office/drawing/2014/main" id="{E96DD4E5-5E71-B246-826C-20F17A5B0E61}"/>
               </a:ext>
             </a:extLst>
           </p:cNvPr>
-          <p:cNvCxnSpPr>
-            <a:stCxn id="47" idx="1"/>
-          </p:cNvCxnSpPr>
+          <p:cNvCxnSpPr/>
           <p:nvPr/>
         </p:nvCxnSpPr>
         <p:spPr>
-          <a:xfrm flipH="1" flipV="1">
-            <a:off x="4253463" y="3598469"/>
-            <a:ext cx="123139" cy="134343"/>
+          <a:xfrm>
+            <a:off x="4794548" y="485347"/>
+            <a:ext cx="0" cy="2102572"/>
           </a:xfrm>
           <a:prstGeom prst="line">
             <a:avLst/>
           </a:prstGeom>
+          <a:ln>
+            <a:prstDash val="dash"/>
+          </a:ln>
         </p:spPr>
         <p:style>
           <a:lnRef idx="1">
@@ -23045,26 +24351,27 @@
       </p:cxnSp>
       <p:cxnSp>
         <p:nvCxnSpPr>
-          <p:cNvPr id="53" name="Straight Connector 52">
+          <p:cNvPr id="88" name="Straight Connector 87">
             <a:extLst>
               <a:ext uri="{FF2B5EF4-FFF2-40B4-BE49-F238E27FC236}">
-                <a16:creationId xmlns:a16="http://schemas.microsoft.com/office/drawing/2014/main" id="{C7498CEA-F847-364F-BC89-17D4AEF8A780}"/>
+                <a16:creationId xmlns:a16="http://schemas.microsoft.com/office/drawing/2014/main" id="{5CF91160-D5C7-0F4D-AE9D-1994E2660F4E}"/>
               </a:ext>
             </a:extLst>
           </p:cNvPr>
-          <p:cNvCxnSpPr>
-            <a:cxnSpLocks/>
-          </p:cNvCxnSpPr>
+          <p:cNvCxnSpPr/>
           <p:nvPr/>
         </p:nvCxnSpPr>
         <p:spPr>
-          <a:xfrm flipH="1" flipV="1">
-            <a:off x="4155439" y="3741640"/>
-            <a:ext cx="185110" cy="31666"/>
+          <a:xfrm>
+            <a:off x="3370617" y="473532"/>
+            <a:ext cx="0" cy="2102572"/>
           </a:xfrm>
           <a:prstGeom prst="line">
             <a:avLst/>
           </a:prstGeom>
+          <a:ln>
+            <a:prstDash val="dash"/>
+          </a:ln>
         </p:spPr>
         <p:style>
           <a:lnRef idx="1">
@@ -23083,64 +24390,27 @@
       </p:cxnSp>
       <p:cxnSp>
         <p:nvCxnSpPr>
-          <p:cNvPr id="54" name="Straight Connector 53">
+          <p:cNvPr id="90" name="Straight Arrow Connector 89">
             <a:extLst>
               <a:ext uri="{FF2B5EF4-FFF2-40B4-BE49-F238E27FC236}">
-                <a16:creationId xmlns:a16="http://schemas.microsoft.com/office/drawing/2014/main" id="{486E3B49-89E7-984F-86AC-901B88FF5D63}"/>
+                <a16:creationId xmlns:a16="http://schemas.microsoft.com/office/drawing/2014/main" id="{D721632A-9F10-9147-863D-380A5D725CBA}"/>
               </a:ext>
             </a:extLst>
           </p:cNvPr>
-          <p:cNvCxnSpPr>
-            <a:stCxn id="48" idx="6"/>
-          </p:cNvCxnSpPr>
-          <p:nvPr/>
-        </p:nvCxnSpPr>
-        <p:spPr>
-          <a:xfrm flipV="1">
-            <a:off x="5290910" y="4404704"/>
-            <a:ext cx="196826" cy="1"/>
-          </a:xfrm>
-          <a:prstGeom prst="line">
-            <a:avLst/>
-          </a:prstGeom>
-        </p:spPr>
-        <p:style>
-          <a:lnRef idx="1">
-            <a:schemeClr val="accent1"/>
-          </a:lnRef>
-          <a:fillRef idx="0">
-            <a:schemeClr val="accent1"/>
-          </a:fillRef>
-          <a:effectRef idx="0">
-            <a:schemeClr val="accent1"/>
-          </a:effectRef>
-          <a:fontRef idx="minor">
-            <a:schemeClr val="tx1"/>
-          </a:fontRef>
-        </p:style>
-      </p:cxnSp>
-      <p:cxnSp>
-        <p:nvCxnSpPr>
-          <p:cNvPr id="55" name="Straight Connector 54">
-            <a:extLst>
-              <a:ext uri="{FF2B5EF4-FFF2-40B4-BE49-F238E27FC236}">
-                <a16:creationId xmlns:a16="http://schemas.microsoft.com/office/drawing/2014/main" id="{80798DD9-A5F6-7B41-BB5D-DD175ED16E6D}"/>
-              </a:ext>
-            </a:extLst>
-          </p:cNvPr>
-          <p:cNvCxnSpPr>
-            <a:stCxn id="48" idx="5"/>
-          </p:cNvCxnSpPr>
+          <p:cNvCxnSpPr/>
           <p:nvPr/>
         </p:nvCxnSpPr>
         <p:spPr>
           <a:xfrm>
-            <a:off x="5254857" y="4498849"/>
-            <a:ext cx="91000" cy="112431"/>
+            <a:off x="3329666" y="349415"/>
+            <a:ext cx="1360308" cy="0"/>
           </a:xfrm>
-          <a:prstGeom prst="line">
+          <a:prstGeom prst="straightConnector1">
             <a:avLst/>
           </a:prstGeom>
+          <a:ln>
+            <a:tailEnd type="triangle"/>
+          </a:ln>
         </p:spPr>
         <p:style>
           <a:lnRef idx="1">
@@ -23159,57 +24429,10 @@
       </p:cxnSp>
       <p:sp>
         <p:nvSpPr>
-          <p:cNvPr id="56" name="Oval 55">
+          <p:cNvPr id="91" name="TextBox 90">
             <a:extLst>
               <a:ext uri="{FF2B5EF4-FFF2-40B4-BE49-F238E27FC236}">
-                <a16:creationId xmlns:a16="http://schemas.microsoft.com/office/drawing/2014/main" id="{C84287C3-47C4-E349-8A9A-B0AB0EB2A928}"/>
-              </a:ext>
-            </a:extLst>
-          </p:cNvPr>
-          <p:cNvSpPr/>
-          <p:nvPr/>
-        </p:nvSpPr>
-        <p:spPr>
-          <a:xfrm>
-            <a:off x="3303791" y="3872957"/>
-            <a:ext cx="179259" cy="190972"/>
-          </a:xfrm>
-          <a:prstGeom prst="ellipse">
-            <a:avLst/>
-          </a:prstGeom>
-          <a:noFill/>
-        </p:spPr>
-        <p:style>
-          <a:lnRef idx="2">
-            <a:schemeClr val="accent1">
-              <a:shade val="50000"/>
-            </a:schemeClr>
-          </a:lnRef>
-          <a:fillRef idx="1">
-            <a:schemeClr val="accent1"/>
-          </a:fillRef>
-          <a:effectRef idx="0">
-            <a:schemeClr val="accent1"/>
-          </a:effectRef>
-          <a:fontRef idx="minor">
-            <a:schemeClr val="lt1"/>
-          </a:fontRef>
-        </p:style>
-        <p:txBody>
-          <a:bodyPr rtlCol="0" anchor="ctr"/>
-          <a:lstStyle/>
-          <a:p>
-            <a:pPr algn="ctr"/>
-            <a:endParaRPr lang="en-US"/>
-          </a:p>
-        </p:txBody>
-      </p:sp>
-      <p:sp>
-        <p:nvSpPr>
-          <p:cNvPr id="57" name="TextBox 56">
-            <a:extLst>
-              <a:ext uri="{FF2B5EF4-FFF2-40B4-BE49-F238E27FC236}">
-                <a16:creationId xmlns:a16="http://schemas.microsoft.com/office/drawing/2014/main" id="{6F47F9EE-A49B-2646-AAAA-99AE98E53516}"/>
+                <a16:creationId xmlns:a16="http://schemas.microsoft.com/office/drawing/2014/main" id="{085FCCF9-3508-9E4D-85C7-1CF10CFCD2BA}"/>
               </a:ext>
             </a:extLst>
           </p:cNvPr>
@@ -23218,8 +24441,8 @@
         </p:nvSpPr>
         <p:spPr>
           <a:xfrm>
-            <a:off x="3267356" y="3863735"/>
-            <a:ext cx="215694" cy="261610"/>
+            <a:off x="3543196" y="97522"/>
+            <a:ext cx="920445" cy="261610"/>
           </a:xfrm>
           <a:prstGeom prst="rect">
             <a:avLst/>
@@ -23227,139 +24450,1863 @@
           <a:noFill/>
         </p:spPr>
         <p:txBody>
-          <a:bodyPr wrap="square" rtlCol="0">
+          <a:bodyPr wrap="none" rtlCol="0">
             <a:spAutoFit/>
           </a:bodyPr>
           <a:lstStyle/>
           <a:p>
             <a:r>
               <a:rPr lang="en-US" sz="1100" dirty="0"/>
-              <a:t>*</a:t>
+              <a:t>forward step</a:t>
             </a:r>
           </a:p>
         </p:txBody>
       </p:sp>
-      <p:sp>
-        <p:nvSpPr>
-          <p:cNvPr id="58" name="Oval 57">
+      <p:grpSp>
+        <p:nvGrpSpPr>
+          <p:cNvPr id="99" name="Group 98">
             <a:extLst>
               <a:ext uri="{FF2B5EF4-FFF2-40B4-BE49-F238E27FC236}">
-                <a16:creationId xmlns:a16="http://schemas.microsoft.com/office/drawing/2014/main" id="{DD02FCF2-E575-E742-954D-6A5D442B36F0}"/>
+                <a16:creationId xmlns:a16="http://schemas.microsoft.com/office/drawing/2014/main" id="{793EEE15-FF36-E845-AC3B-E93310C5180C}"/>
               </a:ext>
             </a:extLst>
           </p:cNvPr>
-          <p:cNvSpPr/>
+          <p:cNvGrpSpPr/>
           <p:nvPr/>
-        </p:nvSpPr>
-        <p:spPr>
+        </p:nvGrpSpPr>
+        <p:grpSpPr>
           <a:xfrm>
-            <a:off x="4753859" y="4019176"/>
-            <a:ext cx="179259" cy="190972"/>
+            <a:off x="2600793" y="3230792"/>
+            <a:ext cx="2978564" cy="2473208"/>
+            <a:chOff x="2600793" y="3230792"/>
+            <a:chExt cx="2978564" cy="2473208"/>
           </a:xfrm>
-          <a:prstGeom prst="ellipse">
-            <a:avLst/>
-          </a:prstGeom>
-          <a:noFill/>
-        </p:spPr>
-        <p:style>
-          <a:lnRef idx="2">
-            <a:schemeClr val="accent1">
-              <a:shade val="50000"/>
-            </a:schemeClr>
-          </a:lnRef>
-          <a:fillRef idx="1">
-            <a:schemeClr val="accent1"/>
-          </a:fillRef>
-          <a:effectRef idx="0">
-            <a:schemeClr val="accent1"/>
-          </a:effectRef>
-          <a:fontRef idx="minor">
-            <a:schemeClr val="lt1"/>
-          </a:fontRef>
-        </p:style>
-        <p:txBody>
-          <a:bodyPr rtlCol="0" anchor="ctr"/>
-          <a:lstStyle/>
-          <a:p>
-            <a:pPr algn="ctr"/>
-            <a:endParaRPr lang="en-US"/>
-          </a:p>
-        </p:txBody>
-      </p:sp>
-      <p:sp>
-        <p:nvSpPr>
-          <p:cNvPr id="59" name="TextBox 58">
-            <a:extLst>
-              <a:ext uri="{FF2B5EF4-FFF2-40B4-BE49-F238E27FC236}">
-                <a16:creationId xmlns:a16="http://schemas.microsoft.com/office/drawing/2014/main" id="{FE017631-37BF-8A41-898B-25440851B5C8}"/>
-              </a:ext>
-            </a:extLst>
-          </p:cNvPr>
-          <p:cNvSpPr txBox="1"/>
-          <p:nvPr/>
-        </p:nvSpPr>
-        <p:spPr>
-          <a:xfrm>
-            <a:off x="4717424" y="4009954"/>
-            <a:ext cx="215694" cy="261610"/>
-          </a:xfrm>
-          <a:prstGeom prst="rect">
-            <a:avLst/>
-          </a:prstGeom>
-          <a:noFill/>
-        </p:spPr>
-        <p:txBody>
-          <a:bodyPr wrap="square" rtlCol="0">
-            <a:spAutoFit/>
-          </a:bodyPr>
-          <a:lstStyle/>
-          <a:p>
-            <a:r>
-              <a:rPr lang="en-US" sz="1100" dirty="0"/>
-              <a:t>*</a:t>
-            </a:r>
-          </a:p>
-        </p:txBody>
-      </p:sp>
-      <p:cxnSp>
-        <p:nvCxnSpPr>
-          <p:cNvPr id="61" name="Straight Connector 60">
-            <a:extLst>
-              <a:ext uri="{FF2B5EF4-FFF2-40B4-BE49-F238E27FC236}">
-                <a16:creationId xmlns:a16="http://schemas.microsoft.com/office/drawing/2014/main" id="{41A2CDE2-5C43-E948-A488-4FC3087D1323}"/>
-              </a:ext>
-            </a:extLst>
-          </p:cNvPr>
-          <p:cNvCxnSpPr>
-            <a:cxnSpLocks/>
-          </p:cNvCxnSpPr>
-          <p:nvPr/>
-        </p:nvCxnSpPr>
-        <p:spPr>
-          <a:xfrm>
-            <a:off x="3143360" y="3757473"/>
-            <a:ext cx="170152" cy="151562"/>
-          </a:xfrm>
-          <a:prstGeom prst="line">
-            <a:avLst/>
-          </a:prstGeom>
-          <a:ln w="9525"/>
-        </p:spPr>
-        <p:style>
-          <a:lnRef idx="1">
-            <a:schemeClr val="accent1"/>
-          </a:lnRef>
-          <a:fillRef idx="0">
-            <a:schemeClr val="accent1"/>
-          </a:fillRef>
-          <a:effectRef idx="0">
-            <a:schemeClr val="accent1"/>
-          </a:effectRef>
-          <a:fontRef idx="minor">
-            <a:schemeClr val="tx1"/>
-          </a:fontRef>
-        </p:style>
-      </p:cxnSp>
+        </p:grpSpPr>
+        <p:grpSp>
+          <p:nvGrpSpPr>
+            <p:cNvPr id="78" name="Group 77">
+              <a:extLst>
+                <a:ext uri="{FF2B5EF4-FFF2-40B4-BE49-F238E27FC236}">
+                  <a16:creationId xmlns:a16="http://schemas.microsoft.com/office/drawing/2014/main" id="{1BF76FB4-1723-4547-A124-8BAC60FC64CB}"/>
+                </a:ext>
+              </a:extLst>
+            </p:cNvPr>
+            <p:cNvGrpSpPr/>
+            <p:nvPr/>
+          </p:nvGrpSpPr>
+          <p:grpSpPr>
+            <a:xfrm>
+              <a:off x="2736056" y="3366141"/>
+              <a:ext cx="2751680" cy="1705613"/>
+              <a:chOff x="2736056" y="3366141"/>
+              <a:chExt cx="2751680" cy="1705613"/>
+            </a:xfrm>
+          </p:grpSpPr>
+          <p:sp>
+            <p:nvSpPr>
+              <p:cNvPr id="38" name="Oval 37">
+                <a:extLst>
+                  <a:ext uri="{FF2B5EF4-FFF2-40B4-BE49-F238E27FC236}">
+                    <a16:creationId xmlns:a16="http://schemas.microsoft.com/office/drawing/2014/main" id="{9FDDE171-4D1D-4E40-8550-0D998B4FF810}"/>
+                  </a:ext>
+                </a:extLst>
+              </p:cNvPr>
+              <p:cNvSpPr/>
+              <p:nvPr/>
+            </p:nvSpPr>
+            <p:spPr>
+              <a:xfrm>
+                <a:off x="2921166" y="3547597"/>
+                <a:ext cx="246185" cy="266281"/>
+              </a:xfrm>
+              <a:prstGeom prst="ellipse">
+                <a:avLst/>
+              </a:prstGeom>
+              <a:noFill/>
+            </p:spPr>
+            <p:style>
+              <a:lnRef idx="2">
+                <a:schemeClr val="accent1">
+                  <a:shade val="50000"/>
+                </a:schemeClr>
+              </a:lnRef>
+              <a:fillRef idx="1">
+                <a:schemeClr val="accent1"/>
+              </a:fillRef>
+              <a:effectRef idx="0">
+                <a:schemeClr val="accent1"/>
+              </a:effectRef>
+              <a:fontRef idx="minor">
+                <a:schemeClr val="lt1"/>
+              </a:fontRef>
+            </p:style>
+            <p:txBody>
+              <a:bodyPr rtlCol="0" anchor="ctr"/>
+              <a:lstStyle/>
+              <a:p>
+                <a:pPr algn="ctr"/>
+                <a:endParaRPr lang="en-US"/>
+              </a:p>
+            </p:txBody>
+          </p:sp>
+          <p:sp>
+            <p:nvSpPr>
+              <p:cNvPr id="39" name="Oval 38">
+                <a:extLst>
+                  <a:ext uri="{FF2B5EF4-FFF2-40B4-BE49-F238E27FC236}">
+                    <a16:creationId xmlns:a16="http://schemas.microsoft.com/office/drawing/2014/main" id="{1D2078C8-3286-814D-AF9F-AFCB29F07E17}"/>
+                  </a:ext>
+                </a:extLst>
+              </p:cNvPr>
+              <p:cNvSpPr/>
+              <p:nvPr/>
+            </p:nvSpPr>
+            <p:spPr>
+              <a:xfrm>
+                <a:off x="3625342" y="4125345"/>
+                <a:ext cx="246185" cy="266281"/>
+              </a:xfrm>
+              <a:prstGeom prst="ellipse">
+                <a:avLst/>
+              </a:prstGeom>
+              <a:noFill/>
+            </p:spPr>
+            <p:style>
+              <a:lnRef idx="2">
+                <a:schemeClr val="accent1">
+                  <a:shade val="50000"/>
+                </a:schemeClr>
+              </a:lnRef>
+              <a:fillRef idx="1">
+                <a:schemeClr val="accent1"/>
+              </a:fillRef>
+              <a:effectRef idx="0">
+                <a:schemeClr val="accent1"/>
+              </a:effectRef>
+              <a:fontRef idx="minor">
+                <a:schemeClr val="lt1"/>
+              </a:fontRef>
+            </p:style>
+            <p:txBody>
+              <a:bodyPr rtlCol="0" anchor="ctr"/>
+              <a:lstStyle/>
+              <a:p>
+                <a:pPr algn="ctr"/>
+                <a:endParaRPr lang="en-US"/>
+              </a:p>
+            </p:txBody>
+          </p:sp>
+          <mc:AlternateContent xmlns:mc="http://schemas.openxmlformats.org/markup-compatibility/2006">
+            <mc:Choice xmlns:a14="http://schemas.microsoft.com/office/drawing/2010/main" Requires="a14">
+              <p:sp>
+                <p:nvSpPr>
+                  <p:cNvPr id="40" name="TextBox 39">
+                    <a:extLst>
+                      <a:ext uri="{FF2B5EF4-FFF2-40B4-BE49-F238E27FC236}">
+                        <a16:creationId xmlns:a16="http://schemas.microsoft.com/office/drawing/2014/main" id="{E33C4B34-75A1-824B-9DD8-0DF4C408EC72}"/>
+                      </a:ext>
+                    </a:extLst>
+                  </p:cNvPr>
+                  <p:cNvSpPr txBox="1"/>
+                  <p:nvPr/>
+                </p:nvSpPr>
+                <p:spPr>
+                  <a:xfrm>
+                    <a:off x="3254437" y="3416792"/>
+                    <a:ext cx="813916" cy="261610"/>
+                  </a:xfrm>
+                  <a:prstGeom prst="rect">
+                    <a:avLst/>
+                  </a:prstGeom>
+                  <a:noFill/>
+                </p:spPr>
+                <p:txBody>
+                  <a:bodyPr wrap="square" rtlCol="0">
+                    <a:spAutoFit/>
+                  </a:bodyPr>
+                  <a:lstStyle/>
+                  <a:p>
+                    <a14:m>
+                      <m:oMathPara xmlns:m="http://schemas.openxmlformats.org/officeDocument/2006/math">
+                        <m:oMathParaPr>
+                          <m:jc m:val="centerGroup"/>
+                        </m:oMathParaPr>
+                        <m:oMath xmlns:m="http://schemas.openxmlformats.org/officeDocument/2006/math">
+                          <m:sSub>
+                            <m:sSubPr>
+                              <m:ctrlPr>
+                                <a:rPr lang="en-US" sz="1100" i="1" smtClean="0">
+                                  <a:latin typeface="Cambria Math" panose="02040503050406030204" pitchFamily="18" charset="0"/>
+                                </a:rPr>
+                              </m:ctrlPr>
+                            </m:sSubPr>
+                            <m:e>
+                              <m:r>
+                                <a:rPr lang="en-US" sz="1100" b="0" i="1" smtClean="0">
+                                  <a:latin typeface="Cambria Math" panose="02040503050406030204" pitchFamily="18" charset="0"/>
+                                </a:rPr>
+                                <m:t>𝑤</m:t>
+                              </m:r>
+                            </m:e>
+                            <m:sub>
+                              <m:r>
+                                <a:rPr lang="en-US" sz="1100" b="0" i="1" smtClean="0">
+                                  <a:latin typeface="Cambria Math" panose="02040503050406030204" pitchFamily="18" charset="0"/>
+                                </a:rPr>
+                                <m:t>1</m:t>
+                              </m:r>
+                            </m:sub>
+                          </m:sSub>
+                          <m:r>
+                            <a:rPr lang="en-US" sz="1100" i="1" smtClean="0">
+                              <a:latin typeface="Cambria Math" panose="02040503050406030204" pitchFamily="18" charset="0"/>
+                              <a:ea typeface="Cambria Math" panose="02040503050406030204" pitchFamily="18" charset="0"/>
+                            </a:rPr>
+                            <m:t>≡</m:t>
+                          </m:r>
+                          <m:r>
+                            <a:rPr lang="en-US" sz="1100" b="0" i="1" smtClean="0">
+                              <a:latin typeface="Cambria Math" panose="02040503050406030204" pitchFamily="18" charset="0"/>
+                              <a:ea typeface="Cambria Math" panose="02040503050406030204" pitchFamily="18" charset="0"/>
+                            </a:rPr>
+                            <m:t>𝑤</m:t>
+                          </m:r>
+                        </m:oMath>
+                      </m:oMathPara>
+                    </a14:m>
+                    <a:endParaRPr lang="en-US" sz="1100" dirty="0"/>
+                  </a:p>
+                </p:txBody>
+              </p:sp>
+            </mc:Choice>
+            <mc:Fallback>
+              <p:sp>
+                <p:nvSpPr>
+                  <p:cNvPr id="40" name="TextBox 39">
+                    <a:extLst>
+                      <a:ext uri="{FF2B5EF4-FFF2-40B4-BE49-F238E27FC236}">
+                        <a16:creationId xmlns:a16="http://schemas.microsoft.com/office/drawing/2014/main" id="{E33C4B34-75A1-824B-9DD8-0DF4C408EC72}"/>
+                      </a:ext>
+                    </a:extLst>
+                  </p:cNvPr>
+                  <p:cNvSpPr txBox="1">
+                    <a:spLocks noRot="1" noChangeAspect="1" noMove="1" noResize="1" noEditPoints="1" noAdjustHandles="1" noChangeArrowheads="1" noChangeShapeType="1" noTextEdit="1"/>
+                  </p:cNvSpPr>
+                  <p:nvPr/>
+                </p:nvSpPr>
+                <p:spPr>
+                  <a:xfrm>
+                    <a:off x="3254437" y="3416792"/>
+                    <a:ext cx="813916" cy="261610"/>
+                  </a:xfrm>
+                  <a:prstGeom prst="rect">
+                    <a:avLst/>
+                  </a:prstGeom>
+                  <a:blipFill>
+                    <a:blip r:embed="rId8"/>
+                    <a:stretch>
+                      <a:fillRect/>
+                    </a:stretch>
+                  </a:blipFill>
+                </p:spPr>
+                <p:txBody>
+                  <a:bodyPr/>
+                  <a:lstStyle/>
+                  <a:p>
+                    <a:r>
+                      <a:rPr lang="en-US">
+                        <a:noFill/>
+                      </a:rPr>
+                      <a:t> </a:t>
+                    </a:r>
+                  </a:p>
+                </p:txBody>
+              </p:sp>
+            </mc:Fallback>
+          </mc:AlternateContent>
+          <p:cxnSp>
+            <p:nvCxnSpPr>
+              <p:cNvPr id="42" name="Straight Connector 41">
+                <a:extLst>
+                  <a:ext uri="{FF2B5EF4-FFF2-40B4-BE49-F238E27FC236}">
+                    <a16:creationId xmlns:a16="http://schemas.microsoft.com/office/drawing/2014/main" id="{6A7C5579-023B-1F45-91FC-5DFE0A0BDC5F}"/>
+                  </a:ext>
+                </a:extLst>
+              </p:cNvPr>
+              <p:cNvCxnSpPr>
+                <a:cxnSpLocks/>
+              </p:cNvCxnSpPr>
+              <p:nvPr/>
+            </p:nvCxnSpPr>
+            <p:spPr>
+              <a:xfrm flipH="1" flipV="1">
+                <a:off x="2971070" y="3366141"/>
+                <a:ext cx="36285" cy="181456"/>
+              </a:xfrm>
+              <a:prstGeom prst="line">
+                <a:avLst/>
+              </a:prstGeom>
+            </p:spPr>
+            <p:style>
+              <a:lnRef idx="1">
+                <a:schemeClr val="accent1"/>
+              </a:lnRef>
+              <a:fillRef idx="0">
+                <a:schemeClr val="accent1"/>
+              </a:fillRef>
+              <a:effectRef idx="0">
+                <a:schemeClr val="accent1"/>
+              </a:effectRef>
+              <a:fontRef idx="minor">
+                <a:schemeClr val="tx1"/>
+              </a:fontRef>
+            </p:style>
+          </p:cxnSp>
+          <p:cxnSp>
+            <p:nvCxnSpPr>
+              <p:cNvPr id="43" name="Straight Connector 42">
+                <a:extLst>
+                  <a:ext uri="{FF2B5EF4-FFF2-40B4-BE49-F238E27FC236}">
+                    <a16:creationId xmlns:a16="http://schemas.microsoft.com/office/drawing/2014/main" id="{F697324F-7B72-0648-A55E-1A10B2FAF0E1}"/>
+                  </a:ext>
+                </a:extLst>
+              </p:cNvPr>
+              <p:cNvCxnSpPr>
+                <a:stCxn id="38" idx="1"/>
+              </p:cNvCxnSpPr>
+              <p:nvPr/>
+            </p:nvCxnSpPr>
+            <p:spPr>
+              <a:xfrm flipH="1" flipV="1">
+                <a:off x="2834080" y="3452250"/>
+                <a:ext cx="123139" cy="134343"/>
+              </a:xfrm>
+              <a:prstGeom prst="line">
+                <a:avLst/>
+              </a:prstGeom>
+            </p:spPr>
+            <p:style>
+              <a:lnRef idx="1">
+                <a:schemeClr val="accent1"/>
+              </a:lnRef>
+              <a:fillRef idx="0">
+                <a:schemeClr val="accent1"/>
+              </a:fillRef>
+              <a:effectRef idx="0">
+                <a:schemeClr val="accent1"/>
+              </a:effectRef>
+              <a:fontRef idx="minor">
+                <a:schemeClr val="tx1"/>
+              </a:fontRef>
+            </p:style>
+          </p:cxnSp>
+          <p:cxnSp>
+            <p:nvCxnSpPr>
+              <p:cNvPr id="44" name="Straight Connector 43">
+                <a:extLst>
+                  <a:ext uri="{FF2B5EF4-FFF2-40B4-BE49-F238E27FC236}">
+                    <a16:creationId xmlns:a16="http://schemas.microsoft.com/office/drawing/2014/main" id="{F5D16DED-1EB5-FF43-8871-1CF80218FCC0}"/>
+                  </a:ext>
+                </a:extLst>
+              </p:cNvPr>
+              <p:cNvCxnSpPr>
+                <a:cxnSpLocks/>
+              </p:cNvCxnSpPr>
+              <p:nvPr/>
+            </p:nvCxnSpPr>
+            <p:spPr>
+              <a:xfrm flipH="1" flipV="1">
+                <a:off x="2736056" y="3595421"/>
+                <a:ext cx="185110" cy="31666"/>
+              </a:xfrm>
+              <a:prstGeom prst="line">
+                <a:avLst/>
+              </a:prstGeom>
+            </p:spPr>
+            <p:style>
+              <a:lnRef idx="1">
+                <a:schemeClr val="accent1"/>
+              </a:lnRef>
+              <a:fillRef idx="0">
+                <a:schemeClr val="accent1"/>
+              </a:fillRef>
+              <a:effectRef idx="0">
+                <a:schemeClr val="accent1"/>
+              </a:effectRef>
+              <a:fontRef idx="minor">
+                <a:schemeClr val="tx1"/>
+              </a:fontRef>
+            </p:style>
+          </p:cxnSp>
+          <p:cxnSp>
+            <p:nvCxnSpPr>
+              <p:cNvPr id="45" name="Straight Connector 44">
+                <a:extLst>
+                  <a:ext uri="{FF2B5EF4-FFF2-40B4-BE49-F238E27FC236}">
+                    <a16:creationId xmlns:a16="http://schemas.microsoft.com/office/drawing/2014/main" id="{8344AE04-9CB1-B74E-BD1E-B07B304C97C8}"/>
+                  </a:ext>
+                </a:extLst>
+              </p:cNvPr>
+              <p:cNvCxnSpPr>
+                <a:stCxn id="39" idx="6"/>
+              </p:cNvCxnSpPr>
+              <p:nvPr/>
+            </p:nvCxnSpPr>
+            <p:spPr>
+              <a:xfrm flipV="1">
+                <a:off x="3871527" y="4258485"/>
+                <a:ext cx="196826" cy="1"/>
+              </a:xfrm>
+              <a:prstGeom prst="line">
+                <a:avLst/>
+              </a:prstGeom>
+            </p:spPr>
+            <p:style>
+              <a:lnRef idx="1">
+                <a:schemeClr val="accent1"/>
+              </a:lnRef>
+              <a:fillRef idx="0">
+                <a:schemeClr val="accent1"/>
+              </a:fillRef>
+              <a:effectRef idx="0">
+                <a:schemeClr val="accent1"/>
+              </a:effectRef>
+              <a:fontRef idx="minor">
+                <a:schemeClr val="tx1"/>
+              </a:fontRef>
+            </p:style>
+          </p:cxnSp>
+          <p:cxnSp>
+            <p:nvCxnSpPr>
+              <p:cNvPr id="46" name="Straight Connector 45">
+                <a:extLst>
+                  <a:ext uri="{FF2B5EF4-FFF2-40B4-BE49-F238E27FC236}">
+                    <a16:creationId xmlns:a16="http://schemas.microsoft.com/office/drawing/2014/main" id="{A60F3784-B9CC-B24E-86E1-BA031F58A053}"/>
+                  </a:ext>
+                </a:extLst>
+              </p:cNvPr>
+              <p:cNvCxnSpPr>
+                <a:stCxn id="39" idx="5"/>
+              </p:cNvCxnSpPr>
+              <p:nvPr/>
+            </p:nvCxnSpPr>
+            <p:spPr>
+              <a:xfrm>
+                <a:off x="3835474" y="4352630"/>
+                <a:ext cx="91000" cy="112431"/>
+              </a:xfrm>
+              <a:prstGeom prst="line">
+                <a:avLst/>
+              </a:prstGeom>
+            </p:spPr>
+            <p:style>
+              <a:lnRef idx="1">
+                <a:schemeClr val="accent1"/>
+              </a:lnRef>
+              <a:fillRef idx="0">
+                <a:schemeClr val="accent1"/>
+              </a:fillRef>
+              <a:effectRef idx="0">
+                <a:schemeClr val="accent1"/>
+              </a:effectRef>
+              <a:fontRef idx="minor">
+                <a:schemeClr val="tx1"/>
+              </a:fontRef>
+            </p:style>
+          </p:cxnSp>
+          <p:sp>
+            <p:nvSpPr>
+              <p:cNvPr id="47" name="Oval 46">
+                <a:extLst>
+                  <a:ext uri="{FF2B5EF4-FFF2-40B4-BE49-F238E27FC236}">
+                    <a16:creationId xmlns:a16="http://schemas.microsoft.com/office/drawing/2014/main" id="{CFD48C1B-7FDC-EC4C-96CB-8F76590AC7FD}"/>
+                  </a:ext>
+                </a:extLst>
+              </p:cNvPr>
+              <p:cNvSpPr/>
+              <p:nvPr/>
+            </p:nvSpPr>
+            <p:spPr>
+              <a:xfrm>
+                <a:off x="4340549" y="3693816"/>
+                <a:ext cx="246185" cy="266281"/>
+              </a:xfrm>
+              <a:prstGeom prst="ellipse">
+                <a:avLst/>
+              </a:prstGeom>
+              <a:noFill/>
+            </p:spPr>
+            <p:style>
+              <a:lnRef idx="2">
+                <a:schemeClr val="accent1">
+                  <a:shade val="50000"/>
+                </a:schemeClr>
+              </a:lnRef>
+              <a:fillRef idx="1">
+                <a:schemeClr val="accent1"/>
+              </a:fillRef>
+              <a:effectRef idx="0">
+                <a:schemeClr val="accent1"/>
+              </a:effectRef>
+              <a:fontRef idx="minor">
+                <a:schemeClr val="lt1"/>
+              </a:fontRef>
+            </p:style>
+            <p:txBody>
+              <a:bodyPr rtlCol="0" anchor="ctr"/>
+              <a:lstStyle/>
+              <a:p>
+                <a:pPr algn="ctr"/>
+                <a:endParaRPr lang="en-US"/>
+              </a:p>
+            </p:txBody>
+          </p:sp>
+          <p:sp>
+            <p:nvSpPr>
+              <p:cNvPr id="48" name="Oval 47">
+                <a:extLst>
+                  <a:ext uri="{FF2B5EF4-FFF2-40B4-BE49-F238E27FC236}">
+                    <a16:creationId xmlns:a16="http://schemas.microsoft.com/office/drawing/2014/main" id="{1C86F37D-C915-684E-8A3A-B047DAAD4C86}"/>
+                  </a:ext>
+                </a:extLst>
+              </p:cNvPr>
+              <p:cNvSpPr/>
+              <p:nvPr/>
+            </p:nvSpPr>
+            <p:spPr>
+              <a:xfrm>
+                <a:off x="5044725" y="4271564"/>
+                <a:ext cx="246185" cy="266281"/>
+              </a:xfrm>
+              <a:prstGeom prst="ellipse">
+                <a:avLst/>
+              </a:prstGeom>
+              <a:noFill/>
+            </p:spPr>
+            <p:style>
+              <a:lnRef idx="2">
+                <a:schemeClr val="accent1">
+                  <a:shade val="50000"/>
+                </a:schemeClr>
+              </a:lnRef>
+              <a:fillRef idx="1">
+                <a:schemeClr val="accent1"/>
+              </a:fillRef>
+              <a:effectRef idx="0">
+                <a:schemeClr val="accent1"/>
+              </a:effectRef>
+              <a:fontRef idx="minor">
+                <a:schemeClr val="lt1"/>
+              </a:fontRef>
+            </p:style>
+            <p:txBody>
+              <a:bodyPr rtlCol="0" anchor="ctr"/>
+              <a:lstStyle/>
+              <a:p>
+                <a:pPr algn="ctr"/>
+                <a:endParaRPr lang="en-US"/>
+              </a:p>
+            </p:txBody>
+          </p:sp>
+          <mc:AlternateContent xmlns:mc="http://schemas.openxmlformats.org/markup-compatibility/2006">
+            <mc:Choice xmlns:a14="http://schemas.microsoft.com/office/drawing/2010/main" Requires="a14">
+              <p:sp>
+                <p:nvSpPr>
+                  <p:cNvPr id="49" name="TextBox 48">
+                    <a:extLst>
+                      <a:ext uri="{FF2B5EF4-FFF2-40B4-BE49-F238E27FC236}">
+                        <a16:creationId xmlns:a16="http://schemas.microsoft.com/office/drawing/2014/main" id="{14E50FA0-AC79-8E44-B23F-A1E169FDCFBB}"/>
+                      </a:ext>
+                    </a:extLst>
+                  </p:cNvPr>
+                  <p:cNvSpPr txBox="1"/>
+                  <p:nvPr/>
+                </p:nvSpPr>
+                <p:spPr>
+                  <a:xfrm>
+                    <a:off x="4673820" y="3563011"/>
+                    <a:ext cx="813916" cy="261610"/>
+                  </a:xfrm>
+                  <a:prstGeom prst="rect">
+                    <a:avLst/>
+                  </a:prstGeom>
+                  <a:noFill/>
+                </p:spPr>
+                <p:txBody>
+                  <a:bodyPr wrap="square" rtlCol="0">
+                    <a:spAutoFit/>
+                  </a:bodyPr>
+                  <a:lstStyle/>
+                  <a:p>
+                    <a14:m>
+                      <m:oMathPara xmlns:m="http://schemas.openxmlformats.org/officeDocument/2006/math">
+                        <m:oMathParaPr>
+                          <m:jc m:val="centerGroup"/>
+                        </m:oMathParaPr>
+                        <m:oMath xmlns:m="http://schemas.openxmlformats.org/officeDocument/2006/math">
+                          <m:sSub>
+                            <m:sSubPr>
+                              <m:ctrlPr>
+                                <a:rPr lang="en-US" sz="1100" i="1" smtClean="0">
+                                  <a:latin typeface="Cambria Math" panose="02040503050406030204" pitchFamily="18" charset="0"/>
+                                </a:rPr>
+                              </m:ctrlPr>
+                            </m:sSubPr>
+                            <m:e>
+                              <m:r>
+                                <a:rPr lang="en-US" sz="1100" b="0" i="1" smtClean="0">
+                                  <a:latin typeface="Cambria Math" panose="02040503050406030204" pitchFamily="18" charset="0"/>
+                                </a:rPr>
+                                <m:t>𝑤</m:t>
+                              </m:r>
+                            </m:e>
+                            <m:sub>
+                              <m:r>
+                                <a:rPr lang="en-US" sz="1100" b="0" i="1" smtClean="0">
+                                  <a:latin typeface="Cambria Math" panose="02040503050406030204" pitchFamily="18" charset="0"/>
+                                </a:rPr>
+                                <m:t>2</m:t>
+                              </m:r>
+                            </m:sub>
+                          </m:sSub>
+                          <m:r>
+                            <a:rPr lang="en-US" sz="1100" i="1" smtClean="0">
+                              <a:latin typeface="Cambria Math" panose="02040503050406030204" pitchFamily="18" charset="0"/>
+                              <a:ea typeface="Cambria Math" panose="02040503050406030204" pitchFamily="18" charset="0"/>
+                            </a:rPr>
+                            <m:t>≡</m:t>
+                          </m:r>
+                          <m:r>
+                            <a:rPr lang="en-US" sz="1100" b="0" i="1" smtClean="0">
+                              <a:latin typeface="Cambria Math" panose="02040503050406030204" pitchFamily="18" charset="0"/>
+                              <a:ea typeface="Cambria Math" panose="02040503050406030204" pitchFamily="18" charset="0"/>
+                            </a:rPr>
+                            <m:t>𝑤</m:t>
+                          </m:r>
+                        </m:oMath>
+                      </m:oMathPara>
+                    </a14:m>
+                    <a:endParaRPr lang="en-US" sz="1100" dirty="0"/>
+                  </a:p>
+                </p:txBody>
+              </p:sp>
+            </mc:Choice>
+            <mc:Fallback>
+              <p:sp>
+                <p:nvSpPr>
+                  <p:cNvPr id="49" name="TextBox 48">
+                    <a:extLst>
+                      <a:ext uri="{FF2B5EF4-FFF2-40B4-BE49-F238E27FC236}">
+                        <a16:creationId xmlns:a16="http://schemas.microsoft.com/office/drawing/2014/main" id="{14E50FA0-AC79-8E44-B23F-A1E169FDCFBB}"/>
+                      </a:ext>
+                    </a:extLst>
+                  </p:cNvPr>
+                  <p:cNvSpPr txBox="1">
+                    <a:spLocks noRot="1" noChangeAspect="1" noMove="1" noResize="1" noEditPoints="1" noAdjustHandles="1" noChangeArrowheads="1" noChangeShapeType="1" noTextEdit="1"/>
+                  </p:cNvSpPr>
+                  <p:nvPr/>
+                </p:nvSpPr>
+                <p:spPr>
+                  <a:xfrm>
+                    <a:off x="4673820" y="3563011"/>
+                    <a:ext cx="813916" cy="261610"/>
+                  </a:xfrm>
+                  <a:prstGeom prst="rect">
+                    <a:avLst/>
+                  </a:prstGeom>
+                  <a:blipFill>
+                    <a:blip r:embed="rId9"/>
+                    <a:stretch>
+                      <a:fillRect/>
+                    </a:stretch>
+                  </a:blipFill>
+                </p:spPr>
+                <p:txBody>
+                  <a:bodyPr/>
+                  <a:lstStyle/>
+                  <a:p>
+                    <a:r>
+                      <a:rPr lang="en-US">
+                        <a:noFill/>
+                      </a:rPr>
+                      <a:t> </a:t>
+                    </a:r>
+                  </a:p>
+                </p:txBody>
+              </p:sp>
+            </mc:Fallback>
+          </mc:AlternateContent>
+          <p:cxnSp>
+            <p:nvCxnSpPr>
+              <p:cNvPr id="51" name="Straight Connector 50">
+                <a:extLst>
+                  <a:ext uri="{FF2B5EF4-FFF2-40B4-BE49-F238E27FC236}">
+                    <a16:creationId xmlns:a16="http://schemas.microsoft.com/office/drawing/2014/main" id="{AB6CDC86-C82C-6B43-8E16-21C2AAB5FB3F}"/>
+                  </a:ext>
+                </a:extLst>
+              </p:cNvPr>
+              <p:cNvCxnSpPr>
+                <a:cxnSpLocks/>
+              </p:cNvCxnSpPr>
+              <p:nvPr/>
+            </p:nvCxnSpPr>
+            <p:spPr>
+              <a:xfrm flipH="1" flipV="1">
+                <a:off x="4390453" y="3512360"/>
+                <a:ext cx="36285" cy="181456"/>
+              </a:xfrm>
+              <a:prstGeom prst="line">
+                <a:avLst/>
+              </a:prstGeom>
+            </p:spPr>
+            <p:style>
+              <a:lnRef idx="1">
+                <a:schemeClr val="accent1"/>
+              </a:lnRef>
+              <a:fillRef idx="0">
+                <a:schemeClr val="accent1"/>
+              </a:fillRef>
+              <a:effectRef idx="0">
+                <a:schemeClr val="accent1"/>
+              </a:effectRef>
+              <a:fontRef idx="minor">
+                <a:schemeClr val="tx1"/>
+              </a:fontRef>
+            </p:style>
+          </p:cxnSp>
+          <p:cxnSp>
+            <p:nvCxnSpPr>
+              <p:cNvPr id="52" name="Straight Connector 51">
+                <a:extLst>
+                  <a:ext uri="{FF2B5EF4-FFF2-40B4-BE49-F238E27FC236}">
+                    <a16:creationId xmlns:a16="http://schemas.microsoft.com/office/drawing/2014/main" id="{C83BE7A7-2A78-2F47-9540-D5D7E0D00059}"/>
+                  </a:ext>
+                </a:extLst>
+              </p:cNvPr>
+              <p:cNvCxnSpPr>
+                <a:stCxn id="47" idx="1"/>
+              </p:cNvCxnSpPr>
+              <p:nvPr/>
+            </p:nvCxnSpPr>
+            <p:spPr>
+              <a:xfrm flipH="1" flipV="1">
+                <a:off x="4253463" y="3598469"/>
+                <a:ext cx="123139" cy="134343"/>
+              </a:xfrm>
+              <a:prstGeom prst="line">
+                <a:avLst/>
+              </a:prstGeom>
+            </p:spPr>
+            <p:style>
+              <a:lnRef idx="1">
+                <a:schemeClr val="accent1"/>
+              </a:lnRef>
+              <a:fillRef idx="0">
+                <a:schemeClr val="accent1"/>
+              </a:fillRef>
+              <a:effectRef idx="0">
+                <a:schemeClr val="accent1"/>
+              </a:effectRef>
+              <a:fontRef idx="minor">
+                <a:schemeClr val="tx1"/>
+              </a:fontRef>
+            </p:style>
+          </p:cxnSp>
+          <p:cxnSp>
+            <p:nvCxnSpPr>
+              <p:cNvPr id="53" name="Straight Connector 52">
+                <a:extLst>
+                  <a:ext uri="{FF2B5EF4-FFF2-40B4-BE49-F238E27FC236}">
+                    <a16:creationId xmlns:a16="http://schemas.microsoft.com/office/drawing/2014/main" id="{C7498CEA-F847-364F-BC89-17D4AEF8A780}"/>
+                  </a:ext>
+                </a:extLst>
+              </p:cNvPr>
+              <p:cNvCxnSpPr>
+                <a:cxnSpLocks/>
+              </p:cNvCxnSpPr>
+              <p:nvPr/>
+            </p:nvCxnSpPr>
+            <p:spPr>
+              <a:xfrm flipH="1" flipV="1">
+                <a:off x="4155439" y="3741640"/>
+                <a:ext cx="185110" cy="31666"/>
+              </a:xfrm>
+              <a:prstGeom prst="line">
+                <a:avLst/>
+              </a:prstGeom>
+            </p:spPr>
+            <p:style>
+              <a:lnRef idx="1">
+                <a:schemeClr val="accent1"/>
+              </a:lnRef>
+              <a:fillRef idx="0">
+                <a:schemeClr val="accent1"/>
+              </a:fillRef>
+              <a:effectRef idx="0">
+                <a:schemeClr val="accent1"/>
+              </a:effectRef>
+              <a:fontRef idx="minor">
+                <a:schemeClr val="tx1"/>
+              </a:fontRef>
+            </p:style>
+          </p:cxnSp>
+          <p:cxnSp>
+            <p:nvCxnSpPr>
+              <p:cNvPr id="54" name="Straight Connector 53">
+                <a:extLst>
+                  <a:ext uri="{FF2B5EF4-FFF2-40B4-BE49-F238E27FC236}">
+                    <a16:creationId xmlns:a16="http://schemas.microsoft.com/office/drawing/2014/main" id="{486E3B49-89E7-984F-86AC-901B88FF5D63}"/>
+                  </a:ext>
+                </a:extLst>
+              </p:cNvPr>
+              <p:cNvCxnSpPr>
+                <a:stCxn id="48" idx="6"/>
+              </p:cNvCxnSpPr>
+              <p:nvPr/>
+            </p:nvCxnSpPr>
+            <p:spPr>
+              <a:xfrm flipV="1">
+                <a:off x="5290910" y="4404704"/>
+                <a:ext cx="196826" cy="1"/>
+              </a:xfrm>
+              <a:prstGeom prst="line">
+                <a:avLst/>
+              </a:prstGeom>
+            </p:spPr>
+            <p:style>
+              <a:lnRef idx="1">
+                <a:schemeClr val="accent1"/>
+              </a:lnRef>
+              <a:fillRef idx="0">
+                <a:schemeClr val="accent1"/>
+              </a:fillRef>
+              <a:effectRef idx="0">
+                <a:schemeClr val="accent1"/>
+              </a:effectRef>
+              <a:fontRef idx="minor">
+                <a:schemeClr val="tx1"/>
+              </a:fontRef>
+            </p:style>
+          </p:cxnSp>
+          <p:cxnSp>
+            <p:nvCxnSpPr>
+              <p:cNvPr id="55" name="Straight Connector 54">
+                <a:extLst>
+                  <a:ext uri="{FF2B5EF4-FFF2-40B4-BE49-F238E27FC236}">
+                    <a16:creationId xmlns:a16="http://schemas.microsoft.com/office/drawing/2014/main" id="{80798DD9-A5F6-7B41-BB5D-DD175ED16E6D}"/>
+                  </a:ext>
+                </a:extLst>
+              </p:cNvPr>
+              <p:cNvCxnSpPr>
+                <a:stCxn id="48" idx="5"/>
+              </p:cNvCxnSpPr>
+              <p:nvPr/>
+            </p:nvCxnSpPr>
+            <p:spPr>
+              <a:xfrm>
+                <a:off x="5254857" y="4498849"/>
+                <a:ext cx="91000" cy="112431"/>
+              </a:xfrm>
+              <a:prstGeom prst="line">
+                <a:avLst/>
+              </a:prstGeom>
+            </p:spPr>
+            <p:style>
+              <a:lnRef idx="1">
+                <a:schemeClr val="accent1"/>
+              </a:lnRef>
+              <a:fillRef idx="0">
+                <a:schemeClr val="accent1"/>
+              </a:fillRef>
+              <a:effectRef idx="0">
+                <a:schemeClr val="accent1"/>
+              </a:effectRef>
+              <a:fontRef idx="minor">
+                <a:schemeClr val="tx1"/>
+              </a:fontRef>
+            </p:style>
+          </p:cxnSp>
+          <p:sp>
+            <p:nvSpPr>
+              <p:cNvPr id="56" name="Oval 55">
+                <a:extLst>
+                  <a:ext uri="{FF2B5EF4-FFF2-40B4-BE49-F238E27FC236}">
+                    <a16:creationId xmlns:a16="http://schemas.microsoft.com/office/drawing/2014/main" id="{C84287C3-47C4-E349-8A9A-B0AB0EB2A928}"/>
+                  </a:ext>
+                </a:extLst>
+              </p:cNvPr>
+              <p:cNvSpPr/>
+              <p:nvPr/>
+            </p:nvSpPr>
+            <p:spPr>
+              <a:xfrm>
+                <a:off x="3303791" y="3872957"/>
+                <a:ext cx="179259" cy="190972"/>
+              </a:xfrm>
+              <a:prstGeom prst="ellipse">
+                <a:avLst/>
+              </a:prstGeom>
+              <a:noFill/>
+            </p:spPr>
+            <p:style>
+              <a:lnRef idx="2">
+                <a:schemeClr val="accent1">
+                  <a:shade val="50000"/>
+                </a:schemeClr>
+              </a:lnRef>
+              <a:fillRef idx="1">
+                <a:schemeClr val="accent1"/>
+              </a:fillRef>
+              <a:effectRef idx="0">
+                <a:schemeClr val="accent1"/>
+              </a:effectRef>
+              <a:fontRef idx="minor">
+                <a:schemeClr val="lt1"/>
+              </a:fontRef>
+            </p:style>
+            <p:txBody>
+              <a:bodyPr rtlCol="0" anchor="ctr"/>
+              <a:lstStyle/>
+              <a:p>
+                <a:pPr algn="ctr"/>
+                <a:endParaRPr lang="en-US"/>
+              </a:p>
+            </p:txBody>
+          </p:sp>
+          <p:sp>
+            <p:nvSpPr>
+              <p:cNvPr id="57" name="TextBox 56">
+                <a:extLst>
+                  <a:ext uri="{FF2B5EF4-FFF2-40B4-BE49-F238E27FC236}">
+                    <a16:creationId xmlns:a16="http://schemas.microsoft.com/office/drawing/2014/main" id="{6F47F9EE-A49B-2646-AAAA-99AE98E53516}"/>
+                  </a:ext>
+                </a:extLst>
+              </p:cNvPr>
+              <p:cNvSpPr txBox="1"/>
+              <p:nvPr/>
+            </p:nvSpPr>
+            <p:spPr>
+              <a:xfrm>
+                <a:off x="3267356" y="3863735"/>
+                <a:ext cx="215694" cy="261610"/>
+              </a:xfrm>
+              <a:prstGeom prst="rect">
+                <a:avLst/>
+              </a:prstGeom>
+              <a:noFill/>
+            </p:spPr>
+            <p:txBody>
+              <a:bodyPr wrap="square" rtlCol="0">
+                <a:spAutoFit/>
+              </a:bodyPr>
+              <a:lstStyle/>
+              <a:p>
+                <a:r>
+                  <a:rPr lang="en-US" sz="1100" dirty="0"/>
+                  <a:t>*</a:t>
+                </a:r>
+              </a:p>
+            </p:txBody>
+          </p:sp>
+          <p:sp>
+            <p:nvSpPr>
+              <p:cNvPr id="58" name="Oval 57">
+                <a:extLst>
+                  <a:ext uri="{FF2B5EF4-FFF2-40B4-BE49-F238E27FC236}">
+                    <a16:creationId xmlns:a16="http://schemas.microsoft.com/office/drawing/2014/main" id="{DD02FCF2-E575-E742-954D-6A5D442B36F0}"/>
+                  </a:ext>
+                </a:extLst>
+              </p:cNvPr>
+              <p:cNvSpPr/>
+              <p:nvPr/>
+            </p:nvSpPr>
+            <p:spPr>
+              <a:xfrm>
+                <a:off x="4753859" y="4019176"/>
+                <a:ext cx="179259" cy="190972"/>
+              </a:xfrm>
+              <a:prstGeom prst="ellipse">
+                <a:avLst/>
+              </a:prstGeom>
+              <a:noFill/>
+            </p:spPr>
+            <p:style>
+              <a:lnRef idx="2">
+                <a:schemeClr val="accent1">
+                  <a:shade val="50000"/>
+                </a:schemeClr>
+              </a:lnRef>
+              <a:fillRef idx="1">
+                <a:schemeClr val="accent1"/>
+              </a:fillRef>
+              <a:effectRef idx="0">
+                <a:schemeClr val="accent1"/>
+              </a:effectRef>
+              <a:fontRef idx="minor">
+                <a:schemeClr val="lt1"/>
+              </a:fontRef>
+            </p:style>
+            <p:txBody>
+              <a:bodyPr rtlCol="0" anchor="ctr"/>
+              <a:lstStyle/>
+              <a:p>
+                <a:pPr algn="ctr"/>
+                <a:endParaRPr lang="en-US"/>
+              </a:p>
+            </p:txBody>
+          </p:sp>
+          <p:sp>
+            <p:nvSpPr>
+              <p:cNvPr id="59" name="TextBox 58">
+                <a:extLst>
+                  <a:ext uri="{FF2B5EF4-FFF2-40B4-BE49-F238E27FC236}">
+                    <a16:creationId xmlns:a16="http://schemas.microsoft.com/office/drawing/2014/main" id="{FE017631-37BF-8A41-898B-25440851B5C8}"/>
+                  </a:ext>
+                </a:extLst>
+              </p:cNvPr>
+              <p:cNvSpPr txBox="1"/>
+              <p:nvPr/>
+            </p:nvSpPr>
+            <p:spPr>
+              <a:xfrm>
+                <a:off x="4717424" y="4009954"/>
+                <a:ext cx="215694" cy="261610"/>
+              </a:xfrm>
+              <a:prstGeom prst="rect">
+                <a:avLst/>
+              </a:prstGeom>
+              <a:noFill/>
+            </p:spPr>
+            <p:txBody>
+              <a:bodyPr wrap="square" rtlCol="0">
+                <a:spAutoFit/>
+              </a:bodyPr>
+              <a:lstStyle/>
+              <a:p>
+                <a:r>
+                  <a:rPr lang="en-US" sz="1100" dirty="0"/>
+                  <a:t>*</a:t>
+                </a:r>
+              </a:p>
+            </p:txBody>
+          </p:sp>
+          <p:cxnSp>
+            <p:nvCxnSpPr>
+              <p:cNvPr id="61" name="Straight Connector 60">
+                <a:extLst>
+                  <a:ext uri="{FF2B5EF4-FFF2-40B4-BE49-F238E27FC236}">
+                    <a16:creationId xmlns:a16="http://schemas.microsoft.com/office/drawing/2014/main" id="{41A2CDE2-5C43-E948-A488-4FC3087D1323}"/>
+                  </a:ext>
+                </a:extLst>
+              </p:cNvPr>
+              <p:cNvCxnSpPr>
+                <a:cxnSpLocks/>
+              </p:cNvCxnSpPr>
+              <p:nvPr/>
+            </p:nvCxnSpPr>
+            <p:spPr>
+              <a:xfrm>
+                <a:off x="3143360" y="3757473"/>
+                <a:ext cx="170152" cy="151562"/>
+              </a:xfrm>
+              <a:prstGeom prst="line">
+                <a:avLst/>
+              </a:prstGeom>
+              <a:ln w="9525"/>
+            </p:spPr>
+            <p:style>
+              <a:lnRef idx="1">
+                <a:schemeClr val="accent1"/>
+              </a:lnRef>
+              <a:fillRef idx="0">
+                <a:schemeClr val="accent1"/>
+              </a:fillRef>
+              <a:effectRef idx="0">
+                <a:schemeClr val="accent1"/>
+              </a:effectRef>
+              <a:fontRef idx="minor">
+                <a:schemeClr val="tx1"/>
+              </a:fontRef>
+            </p:style>
+          </p:cxnSp>
+          <p:cxnSp>
+            <p:nvCxnSpPr>
+              <p:cNvPr id="65" name="Straight Connector 64">
+                <a:extLst>
+                  <a:ext uri="{FF2B5EF4-FFF2-40B4-BE49-F238E27FC236}">
+                    <a16:creationId xmlns:a16="http://schemas.microsoft.com/office/drawing/2014/main" id="{445DE8A5-3119-6D42-A17B-0687818C24D4}"/>
+                  </a:ext>
+                </a:extLst>
+              </p:cNvPr>
+              <p:cNvCxnSpPr>
+                <a:cxnSpLocks/>
+              </p:cNvCxnSpPr>
+              <p:nvPr/>
+            </p:nvCxnSpPr>
+            <p:spPr>
+              <a:xfrm>
+                <a:off x="3462245" y="4034827"/>
+                <a:ext cx="170152" cy="151562"/>
+              </a:xfrm>
+              <a:prstGeom prst="line">
+                <a:avLst/>
+              </a:prstGeom>
+              <a:ln w="9525"/>
+            </p:spPr>
+            <p:style>
+              <a:lnRef idx="1">
+                <a:schemeClr val="accent1"/>
+              </a:lnRef>
+              <a:fillRef idx="0">
+                <a:schemeClr val="accent1"/>
+              </a:fillRef>
+              <a:effectRef idx="0">
+                <a:schemeClr val="accent1"/>
+              </a:effectRef>
+              <a:fontRef idx="minor">
+                <a:schemeClr val="tx1"/>
+              </a:fontRef>
+            </p:style>
+          </p:cxnSp>
+          <p:cxnSp>
+            <p:nvCxnSpPr>
+              <p:cNvPr id="66" name="Straight Connector 65">
+                <a:extLst>
+                  <a:ext uri="{FF2B5EF4-FFF2-40B4-BE49-F238E27FC236}">
+                    <a16:creationId xmlns:a16="http://schemas.microsoft.com/office/drawing/2014/main" id="{FB7EAE60-5591-274A-816E-B1661BB1A57B}"/>
+                  </a:ext>
+                </a:extLst>
+              </p:cNvPr>
+              <p:cNvCxnSpPr>
+                <a:cxnSpLocks/>
+              </p:cNvCxnSpPr>
+              <p:nvPr/>
+            </p:nvCxnSpPr>
+            <p:spPr>
+              <a:xfrm>
+                <a:off x="4544538" y="3905842"/>
+                <a:ext cx="216385" cy="169926"/>
+              </a:xfrm>
+              <a:prstGeom prst="line">
+                <a:avLst/>
+              </a:prstGeom>
+              <a:ln w="9525"/>
+            </p:spPr>
+            <p:style>
+              <a:lnRef idx="1">
+                <a:schemeClr val="accent1"/>
+              </a:lnRef>
+              <a:fillRef idx="0">
+                <a:schemeClr val="accent1"/>
+              </a:fillRef>
+              <a:effectRef idx="0">
+                <a:schemeClr val="accent1"/>
+              </a:effectRef>
+              <a:fontRef idx="minor">
+                <a:schemeClr val="tx1"/>
+              </a:fontRef>
+            </p:style>
+          </p:cxnSp>
+          <p:cxnSp>
+            <p:nvCxnSpPr>
+              <p:cNvPr id="69" name="Straight Connector 68">
+                <a:extLst>
+                  <a:ext uri="{FF2B5EF4-FFF2-40B4-BE49-F238E27FC236}">
+                    <a16:creationId xmlns:a16="http://schemas.microsoft.com/office/drawing/2014/main" id="{7260E362-230D-F348-9A47-DA2FD6F8F547}"/>
+                  </a:ext>
+                </a:extLst>
+              </p:cNvPr>
+              <p:cNvCxnSpPr>
+                <a:cxnSpLocks/>
+              </p:cNvCxnSpPr>
+              <p:nvPr/>
+            </p:nvCxnSpPr>
+            <p:spPr>
+              <a:xfrm>
+                <a:off x="4903147" y="4182704"/>
+                <a:ext cx="170152" cy="151562"/>
+              </a:xfrm>
+              <a:prstGeom prst="line">
+                <a:avLst/>
+              </a:prstGeom>
+              <a:ln w="9525"/>
+            </p:spPr>
+            <p:style>
+              <a:lnRef idx="1">
+                <a:schemeClr val="accent1"/>
+              </a:lnRef>
+              <a:fillRef idx="0">
+                <a:schemeClr val="accent1"/>
+              </a:fillRef>
+              <a:effectRef idx="0">
+                <a:schemeClr val="accent1"/>
+              </a:effectRef>
+              <a:fontRef idx="minor">
+                <a:schemeClr val="tx1"/>
+              </a:fontRef>
+            </p:style>
+          </p:cxnSp>
+          <p:cxnSp>
+            <p:nvCxnSpPr>
+              <p:cNvPr id="71" name="Straight Connector 70">
+                <a:extLst>
+                  <a:ext uri="{FF2B5EF4-FFF2-40B4-BE49-F238E27FC236}">
+                    <a16:creationId xmlns:a16="http://schemas.microsoft.com/office/drawing/2014/main" id="{DA8797C2-D7E5-1244-AFED-76187209EC14}"/>
+                  </a:ext>
+                </a:extLst>
+              </p:cNvPr>
+              <p:cNvCxnSpPr>
+                <a:cxnSpLocks/>
+              </p:cNvCxnSpPr>
+              <p:nvPr/>
+            </p:nvCxnSpPr>
+            <p:spPr>
+              <a:xfrm flipH="1" flipV="1">
+                <a:off x="3434486" y="4063930"/>
+                <a:ext cx="240215" cy="815604"/>
+              </a:xfrm>
+              <a:prstGeom prst="line">
+                <a:avLst/>
+              </a:prstGeom>
+            </p:spPr>
+            <p:style>
+              <a:lnRef idx="1">
+                <a:schemeClr val="accent1"/>
+              </a:lnRef>
+              <a:fillRef idx="0">
+                <a:schemeClr val="accent1"/>
+              </a:fillRef>
+              <a:effectRef idx="0">
+                <a:schemeClr val="accent1"/>
+              </a:effectRef>
+              <a:fontRef idx="minor">
+                <a:schemeClr val="tx1"/>
+              </a:fontRef>
+            </p:style>
+          </p:cxnSp>
+          <mc:AlternateContent xmlns:mc="http://schemas.openxmlformats.org/markup-compatibility/2006">
+            <mc:Choice xmlns:a14="http://schemas.microsoft.com/office/drawing/2010/main" Requires="a14">
+              <p:sp>
+                <p:nvSpPr>
+                  <p:cNvPr id="73" name="TextBox 72">
+                    <a:extLst>
+                      <a:ext uri="{FF2B5EF4-FFF2-40B4-BE49-F238E27FC236}">
+                        <a16:creationId xmlns:a16="http://schemas.microsoft.com/office/drawing/2014/main" id="{67FF6EEE-E927-0D40-9A7A-FFD741835CE9}"/>
+                      </a:ext>
+                    </a:extLst>
+                  </p:cNvPr>
+                  <p:cNvSpPr txBox="1"/>
+                  <p:nvPr/>
+                </p:nvSpPr>
+                <p:spPr>
+                  <a:xfrm>
+                    <a:off x="3590221" y="4810144"/>
+                    <a:ext cx="215694" cy="261610"/>
+                  </a:xfrm>
+                  <a:prstGeom prst="rect">
+                    <a:avLst/>
+                  </a:prstGeom>
+                  <a:noFill/>
+                </p:spPr>
+                <p:txBody>
+                  <a:bodyPr wrap="square" rtlCol="0">
+                    <a:spAutoFit/>
+                  </a:bodyPr>
+                  <a:lstStyle/>
+                  <a:p>
+                    <a14:m>
+                      <m:oMathPara xmlns:m="http://schemas.openxmlformats.org/officeDocument/2006/math">
+                        <m:oMathParaPr>
+                          <m:jc m:val="centerGroup"/>
+                        </m:oMathParaPr>
+                        <m:oMath xmlns:m="http://schemas.openxmlformats.org/officeDocument/2006/math">
+                          <m:r>
+                            <a:rPr lang="en-US" sz="1100" i="1" dirty="0" smtClean="0">
+                              <a:latin typeface="Cambria Math" panose="02040503050406030204" pitchFamily="18" charset="0"/>
+                            </a:rPr>
+                            <m:t>𝑤</m:t>
+                          </m:r>
+                        </m:oMath>
+                      </m:oMathPara>
+                    </a14:m>
+                    <a:endParaRPr lang="en-US" sz="1100" dirty="0"/>
+                  </a:p>
+                </p:txBody>
+              </p:sp>
+            </mc:Choice>
+            <mc:Fallback>
+              <p:sp>
+                <p:nvSpPr>
+                  <p:cNvPr id="73" name="TextBox 72">
+                    <a:extLst>
+                      <a:ext uri="{FF2B5EF4-FFF2-40B4-BE49-F238E27FC236}">
+                        <a16:creationId xmlns:a16="http://schemas.microsoft.com/office/drawing/2014/main" id="{67FF6EEE-E927-0D40-9A7A-FFD741835CE9}"/>
+                      </a:ext>
+                    </a:extLst>
+                  </p:cNvPr>
+                  <p:cNvSpPr txBox="1">
+                    <a:spLocks noRot="1" noChangeAspect="1" noMove="1" noResize="1" noEditPoints="1" noAdjustHandles="1" noChangeArrowheads="1" noChangeShapeType="1" noTextEdit="1"/>
+                  </p:cNvSpPr>
+                  <p:nvPr/>
+                </p:nvSpPr>
+                <p:spPr>
+                  <a:xfrm>
+                    <a:off x="3590221" y="4810144"/>
+                    <a:ext cx="215694" cy="261610"/>
+                  </a:xfrm>
+                  <a:prstGeom prst="rect">
+                    <a:avLst/>
+                  </a:prstGeom>
+                  <a:blipFill>
+                    <a:blip r:embed="rId10"/>
+                    <a:stretch>
+                      <a:fillRect r="-5556"/>
+                    </a:stretch>
+                  </a:blipFill>
+                </p:spPr>
+                <p:txBody>
+                  <a:bodyPr/>
+                  <a:lstStyle/>
+                  <a:p>
+                    <a:r>
+                      <a:rPr lang="en-US">
+                        <a:noFill/>
+                      </a:rPr>
+                      <a:t> </a:t>
+                    </a:r>
+                  </a:p>
+                </p:txBody>
+              </p:sp>
+            </mc:Fallback>
+          </mc:AlternateContent>
+          <p:cxnSp>
+            <p:nvCxnSpPr>
+              <p:cNvPr id="75" name="Straight Connector 74">
+                <a:extLst>
+                  <a:ext uri="{FF2B5EF4-FFF2-40B4-BE49-F238E27FC236}">
+                    <a16:creationId xmlns:a16="http://schemas.microsoft.com/office/drawing/2014/main" id="{5FD655FD-318D-FF45-B6D7-3F0A48458C12}"/>
+                  </a:ext>
+                </a:extLst>
+              </p:cNvPr>
+              <p:cNvCxnSpPr>
+                <a:cxnSpLocks/>
+              </p:cNvCxnSpPr>
+              <p:nvPr/>
+            </p:nvCxnSpPr>
+            <p:spPr>
+              <a:xfrm flipV="1">
+                <a:off x="3818142" y="4179755"/>
+                <a:ext cx="950593" cy="738410"/>
+              </a:xfrm>
+              <a:prstGeom prst="line">
+                <a:avLst/>
+              </a:prstGeom>
+            </p:spPr>
+            <p:style>
+              <a:lnRef idx="1">
+                <a:schemeClr val="accent1"/>
+              </a:lnRef>
+              <a:fillRef idx="0">
+                <a:schemeClr val="accent1"/>
+              </a:fillRef>
+              <a:effectRef idx="0">
+                <a:schemeClr val="accent1"/>
+              </a:effectRef>
+              <a:fontRef idx="minor">
+                <a:schemeClr val="tx1"/>
+              </a:fontRef>
+            </p:style>
+          </p:cxnSp>
+          <p:sp>
+            <p:nvSpPr>
+              <p:cNvPr id="77" name="Oval 76">
+                <a:extLst>
+                  <a:ext uri="{FF2B5EF4-FFF2-40B4-BE49-F238E27FC236}">
+                    <a16:creationId xmlns:a16="http://schemas.microsoft.com/office/drawing/2014/main" id="{8A6926FF-F8E2-A84F-A90C-4280CF621EC2}"/>
+                  </a:ext>
+                </a:extLst>
+              </p:cNvPr>
+              <p:cNvSpPr/>
+              <p:nvPr/>
+            </p:nvSpPr>
+            <p:spPr>
+              <a:xfrm>
+                <a:off x="3647779" y="4856441"/>
+                <a:ext cx="157617" cy="169016"/>
+              </a:xfrm>
+              <a:prstGeom prst="ellipse">
+                <a:avLst/>
+              </a:prstGeom>
+              <a:noFill/>
+            </p:spPr>
+            <p:style>
+              <a:lnRef idx="2">
+                <a:schemeClr val="accent1">
+                  <a:shade val="50000"/>
+                </a:schemeClr>
+              </a:lnRef>
+              <a:fillRef idx="1">
+                <a:schemeClr val="accent1"/>
+              </a:fillRef>
+              <a:effectRef idx="0">
+                <a:schemeClr val="accent1"/>
+              </a:effectRef>
+              <a:fontRef idx="minor">
+                <a:schemeClr val="lt1"/>
+              </a:fontRef>
+            </p:style>
+            <p:txBody>
+              <a:bodyPr rtlCol="0" anchor="ctr"/>
+              <a:lstStyle/>
+              <a:p>
+                <a:pPr algn="ctr"/>
+                <a:endParaRPr lang="en-US"/>
+              </a:p>
+            </p:txBody>
+          </p:sp>
+        </p:grpSp>
+        <mc:AlternateContent xmlns:mc="http://schemas.openxmlformats.org/markup-compatibility/2006">
+          <mc:Choice xmlns:a14="http://schemas.microsoft.com/office/drawing/2010/main" Requires="a14">
+            <p:sp>
+              <p:nvSpPr>
+                <p:cNvPr id="81" name="TextBox 80">
+                  <a:extLst>
+                    <a:ext uri="{FF2B5EF4-FFF2-40B4-BE49-F238E27FC236}">
+                      <a16:creationId xmlns:a16="http://schemas.microsoft.com/office/drawing/2014/main" id="{C208CBEE-D2A2-444A-B947-FCE838F331F3}"/>
+                    </a:ext>
+                  </a:extLst>
+                </p:cNvPr>
+                <p:cNvSpPr txBox="1"/>
+                <p:nvPr/>
+              </p:nvSpPr>
+              <p:spPr>
+                <a:xfrm>
+                  <a:off x="3242488" y="5071754"/>
+                  <a:ext cx="695383" cy="261610"/>
+                </a:xfrm>
+                <a:prstGeom prst="rect">
+                  <a:avLst/>
+                </a:prstGeom>
+                <a:noFill/>
+              </p:spPr>
+              <p:txBody>
+                <a:bodyPr wrap="none" rtlCol="0">
+                  <a:spAutoFit/>
+                </a:bodyPr>
+                <a:lstStyle/>
+                <a:p>
+                  <a14:m>
+                    <m:oMathPara xmlns:m="http://schemas.openxmlformats.org/officeDocument/2006/math">
+                      <m:oMathParaPr>
+                        <m:jc m:val="centerGroup"/>
+                      </m:oMathParaPr>
+                      <m:oMath xmlns:m="http://schemas.openxmlformats.org/officeDocument/2006/math">
+                        <m:r>
+                          <a:rPr lang="en-US" sz="1100" b="0" i="1" dirty="0" smtClean="0">
+                            <a:latin typeface="Cambria Math" panose="02040503050406030204" pitchFamily="18" charset="0"/>
+                          </a:rPr>
+                          <m:t>𝑡</m:t>
+                        </m:r>
+                        <m:r>
+                          <a:rPr lang="en-US" sz="1100" b="0" i="1" dirty="0" smtClean="0">
+                            <a:latin typeface="Cambria Math" panose="02040503050406030204" pitchFamily="18" charset="0"/>
+                          </a:rPr>
+                          <m:t>=</m:t>
+                        </m:r>
+                        <m:sSub>
+                          <m:sSubPr>
+                            <m:ctrlPr>
+                              <a:rPr lang="en-US" sz="1100" i="1"/>
+                            </m:ctrlPr>
+                          </m:sSubPr>
+                          <m:e>
+                            <m:r>
+                              <a:rPr lang="en-US" sz="1100" i="1"/>
+                              <m:t>𝑡</m:t>
+                            </m:r>
+                          </m:e>
+                          <m:sub>
+                            <m:r>
+                              <a:rPr lang="en-US" sz="1100" b="0" i="1" smtClean="0">
+                                <a:latin typeface="Cambria Math" panose="02040503050406030204" pitchFamily="18" charset="0"/>
+                              </a:rPr>
+                              <m:t>𝑙</m:t>
+                            </m:r>
+                            <m:r>
+                              <a:rPr lang="en-US" sz="1100" b="0" i="1" smtClean="0">
+                                <a:latin typeface="Cambria Math" panose="02040503050406030204" pitchFamily="18" charset="0"/>
+                              </a:rPr>
+                              <m:t>−1</m:t>
+                            </m:r>
+                          </m:sub>
+                        </m:sSub>
+                      </m:oMath>
+                    </m:oMathPara>
+                  </a14:m>
+                  <a:endParaRPr lang="en-US" sz="1100" dirty="0"/>
+                </a:p>
+              </p:txBody>
+            </p:sp>
+          </mc:Choice>
+          <mc:Fallback>
+            <p:sp>
+              <p:nvSpPr>
+                <p:cNvPr id="81" name="TextBox 80">
+                  <a:extLst>
+                    <a:ext uri="{FF2B5EF4-FFF2-40B4-BE49-F238E27FC236}">
+                      <a16:creationId xmlns:a16="http://schemas.microsoft.com/office/drawing/2014/main" id="{C208CBEE-D2A2-444A-B947-FCE838F331F3}"/>
+                    </a:ext>
+                  </a:extLst>
+                </p:cNvPr>
+                <p:cNvSpPr txBox="1">
+                  <a:spLocks noRot="1" noChangeAspect="1" noMove="1" noResize="1" noEditPoints="1" noAdjustHandles="1" noChangeArrowheads="1" noChangeShapeType="1" noTextEdit="1"/>
+                </p:cNvSpPr>
+                <p:nvPr/>
+              </p:nvSpPr>
+              <p:spPr>
+                <a:xfrm>
+                  <a:off x="3242488" y="5071754"/>
+                  <a:ext cx="695383" cy="261610"/>
+                </a:xfrm>
+                <a:prstGeom prst="rect">
+                  <a:avLst/>
+                </a:prstGeom>
+                <a:blipFill>
+                  <a:blip r:embed="rId11"/>
+                  <a:stretch>
+                    <a:fillRect/>
+                  </a:stretch>
+                </a:blipFill>
+              </p:spPr>
+              <p:txBody>
+                <a:bodyPr/>
+                <a:lstStyle/>
+                <a:p>
+                  <a:r>
+                    <a:rPr lang="en-US">
+                      <a:noFill/>
+                    </a:rPr>
+                    <a:t> </a:t>
+                  </a:r>
+                </a:p>
+              </p:txBody>
+            </p:sp>
+          </mc:Fallback>
+        </mc:AlternateContent>
+        <mc:AlternateContent xmlns:mc="http://schemas.openxmlformats.org/markup-compatibility/2006">
+          <mc:Choice xmlns:a14="http://schemas.microsoft.com/office/drawing/2010/main" Requires="a14">
+            <p:sp>
+              <p:nvSpPr>
+                <p:cNvPr id="82" name="TextBox 81">
+                  <a:extLst>
+                    <a:ext uri="{FF2B5EF4-FFF2-40B4-BE49-F238E27FC236}">
+                      <a16:creationId xmlns:a16="http://schemas.microsoft.com/office/drawing/2014/main" id="{124ADD80-3EC2-7F40-859D-B768F6F3E681}"/>
+                    </a:ext>
+                  </a:extLst>
+                </p:cNvPr>
+                <p:cNvSpPr txBox="1"/>
+                <p:nvPr/>
+              </p:nvSpPr>
+              <p:spPr>
+                <a:xfrm>
+                  <a:off x="4652730" y="5063004"/>
+                  <a:ext cx="560731" cy="261610"/>
+                </a:xfrm>
+                <a:prstGeom prst="rect">
+                  <a:avLst/>
+                </a:prstGeom>
+                <a:noFill/>
+              </p:spPr>
+              <p:txBody>
+                <a:bodyPr wrap="none" rtlCol="0">
+                  <a:spAutoFit/>
+                </a:bodyPr>
+                <a:lstStyle/>
+                <a:p>
+                  <a14:m>
+                    <m:oMathPara xmlns:m="http://schemas.openxmlformats.org/officeDocument/2006/math">
+                      <m:oMathParaPr>
+                        <m:jc m:val="centerGroup"/>
+                      </m:oMathParaPr>
+                      <m:oMath xmlns:m="http://schemas.openxmlformats.org/officeDocument/2006/math">
+                        <m:r>
+                          <a:rPr lang="en-US" sz="1100" b="0" i="1" dirty="0" smtClean="0">
+                            <a:latin typeface="Cambria Math" panose="02040503050406030204" pitchFamily="18" charset="0"/>
+                          </a:rPr>
+                          <m:t>𝑡</m:t>
+                        </m:r>
+                        <m:r>
+                          <a:rPr lang="en-US" sz="1100" b="0" i="1" dirty="0" smtClean="0">
+                            <a:latin typeface="Cambria Math" panose="02040503050406030204" pitchFamily="18" charset="0"/>
+                          </a:rPr>
+                          <m:t>=</m:t>
+                        </m:r>
+                        <m:sSub>
+                          <m:sSubPr>
+                            <m:ctrlPr>
+                              <a:rPr lang="en-US" sz="1100" i="1"/>
+                            </m:ctrlPr>
+                          </m:sSubPr>
+                          <m:e>
+                            <m:r>
+                              <a:rPr lang="en-US" sz="1100" i="1"/>
+                              <m:t>𝑡</m:t>
+                            </m:r>
+                          </m:e>
+                          <m:sub>
+                            <m:r>
+                              <a:rPr lang="en-US" sz="1100" b="0" i="1" smtClean="0">
+                                <a:latin typeface="Cambria Math" panose="02040503050406030204" pitchFamily="18" charset="0"/>
+                              </a:rPr>
+                              <m:t>𝑙</m:t>
+                            </m:r>
+                          </m:sub>
+                        </m:sSub>
+                      </m:oMath>
+                    </m:oMathPara>
+                  </a14:m>
+                  <a:endParaRPr lang="en-US" sz="1100" dirty="0"/>
+                </a:p>
+              </p:txBody>
+            </p:sp>
+          </mc:Choice>
+          <mc:Fallback>
+            <p:sp>
+              <p:nvSpPr>
+                <p:cNvPr id="82" name="TextBox 81">
+                  <a:extLst>
+                    <a:ext uri="{FF2B5EF4-FFF2-40B4-BE49-F238E27FC236}">
+                      <a16:creationId xmlns:a16="http://schemas.microsoft.com/office/drawing/2014/main" id="{124ADD80-3EC2-7F40-859D-B768F6F3E681}"/>
+                    </a:ext>
+                  </a:extLst>
+                </p:cNvPr>
+                <p:cNvSpPr txBox="1">
+                  <a:spLocks noRot="1" noChangeAspect="1" noMove="1" noResize="1" noEditPoints="1" noAdjustHandles="1" noChangeArrowheads="1" noChangeShapeType="1" noTextEdit="1"/>
+                </p:cNvSpPr>
+                <p:nvPr/>
+              </p:nvSpPr>
+              <p:spPr>
+                <a:xfrm>
+                  <a:off x="4652730" y="5063004"/>
+                  <a:ext cx="560731" cy="261610"/>
+                </a:xfrm>
+                <a:prstGeom prst="rect">
+                  <a:avLst/>
+                </a:prstGeom>
+                <a:blipFill>
+                  <a:blip r:embed="rId12"/>
+                  <a:stretch>
+                    <a:fillRect/>
+                  </a:stretch>
+                </a:blipFill>
+              </p:spPr>
+              <p:txBody>
+                <a:bodyPr/>
+                <a:lstStyle/>
+                <a:p>
+                  <a:r>
+                    <a:rPr lang="en-US">
+                      <a:noFill/>
+                    </a:rPr>
+                    <a:t> </a:t>
+                  </a:r>
+                </a:p>
+              </p:txBody>
+            </p:sp>
+          </mc:Fallback>
+        </mc:AlternateContent>
+        <p:cxnSp>
+          <p:nvCxnSpPr>
+            <p:cNvPr id="92" name="Straight Connector 91">
+              <a:extLst>
+                <a:ext uri="{FF2B5EF4-FFF2-40B4-BE49-F238E27FC236}">
+                  <a16:creationId xmlns:a16="http://schemas.microsoft.com/office/drawing/2014/main" id="{5D6C02C6-1AB5-A548-A5D4-947C7FF36FD8}"/>
+                </a:ext>
+              </a:extLst>
+            </p:cNvPr>
+            <p:cNvCxnSpPr/>
+            <p:nvPr/>
+          </p:nvCxnSpPr>
+          <p:spPr>
+            <a:xfrm>
+              <a:off x="2600793" y="3230792"/>
+              <a:ext cx="0" cy="2102572"/>
+            </a:xfrm>
+            <a:prstGeom prst="line">
+              <a:avLst/>
+            </a:prstGeom>
+            <a:ln>
+              <a:prstDash val="dash"/>
+            </a:ln>
+          </p:spPr>
+          <p:style>
+            <a:lnRef idx="1">
+              <a:schemeClr val="accent1"/>
+            </a:lnRef>
+            <a:fillRef idx="0">
+              <a:schemeClr val="accent1"/>
+            </a:fillRef>
+            <a:effectRef idx="0">
+              <a:schemeClr val="accent1"/>
+            </a:effectRef>
+            <a:fontRef idx="minor">
+              <a:schemeClr val="tx1"/>
+            </a:fontRef>
+          </p:style>
+        </p:cxnSp>
+        <p:cxnSp>
+          <p:nvCxnSpPr>
+            <p:cNvPr id="93" name="Straight Connector 92">
+              <a:extLst>
+                <a:ext uri="{FF2B5EF4-FFF2-40B4-BE49-F238E27FC236}">
+                  <a16:creationId xmlns:a16="http://schemas.microsoft.com/office/drawing/2014/main" id="{01FCCFF7-0F3F-8E42-A13E-08053D93B5E3}"/>
+                </a:ext>
+              </a:extLst>
+            </p:cNvPr>
+            <p:cNvCxnSpPr/>
+            <p:nvPr/>
+          </p:nvCxnSpPr>
+          <p:spPr>
+            <a:xfrm>
+              <a:off x="4100590" y="3247152"/>
+              <a:ext cx="0" cy="2102572"/>
+            </a:xfrm>
+            <a:prstGeom prst="line">
+              <a:avLst/>
+            </a:prstGeom>
+            <a:ln>
+              <a:prstDash val="lgDash"/>
+            </a:ln>
+          </p:spPr>
+          <p:style>
+            <a:lnRef idx="1">
+              <a:schemeClr val="accent1"/>
+            </a:lnRef>
+            <a:fillRef idx="0">
+              <a:schemeClr val="accent1"/>
+            </a:fillRef>
+            <a:effectRef idx="0">
+              <a:schemeClr val="accent1"/>
+            </a:effectRef>
+            <a:fontRef idx="minor">
+              <a:schemeClr val="tx1"/>
+            </a:fontRef>
+          </p:style>
+        </p:cxnSp>
+        <p:cxnSp>
+          <p:nvCxnSpPr>
+            <p:cNvPr id="94" name="Straight Connector 93">
+              <a:extLst>
+                <a:ext uri="{FF2B5EF4-FFF2-40B4-BE49-F238E27FC236}">
+                  <a16:creationId xmlns:a16="http://schemas.microsoft.com/office/drawing/2014/main" id="{4A2B69B5-D92A-DB4B-B3A1-45F42AABA77D}"/>
+                </a:ext>
+              </a:extLst>
+            </p:cNvPr>
+            <p:cNvCxnSpPr/>
+            <p:nvPr/>
+          </p:nvCxnSpPr>
+          <p:spPr>
+            <a:xfrm>
+              <a:off x="5579357" y="3230792"/>
+              <a:ext cx="0" cy="2102572"/>
+            </a:xfrm>
+            <a:prstGeom prst="line">
+              <a:avLst/>
+            </a:prstGeom>
+            <a:ln>
+              <a:prstDash val="dash"/>
+            </a:ln>
+          </p:spPr>
+          <p:style>
+            <a:lnRef idx="1">
+              <a:schemeClr val="accent1"/>
+            </a:lnRef>
+            <a:fillRef idx="0">
+              <a:schemeClr val="accent1"/>
+            </a:fillRef>
+            <a:effectRef idx="0">
+              <a:schemeClr val="accent1"/>
+            </a:effectRef>
+            <a:fontRef idx="minor">
+              <a:schemeClr val="tx1"/>
+            </a:fontRef>
+          </p:style>
+        </p:cxnSp>
+        <p:cxnSp>
+          <p:nvCxnSpPr>
+            <p:cNvPr id="96" name="Straight Arrow Connector 95">
+              <a:extLst>
+                <a:ext uri="{FF2B5EF4-FFF2-40B4-BE49-F238E27FC236}">
+                  <a16:creationId xmlns:a16="http://schemas.microsoft.com/office/drawing/2014/main" id="{ADB91954-B2C6-2F4F-AA03-D57CFF63BF06}"/>
+                </a:ext>
+              </a:extLst>
+            </p:cNvPr>
+            <p:cNvCxnSpPr/>
+            <p:nvPr/>
+          </p:nvCxnSpPr>
+          <p:spPr>
+            <a:xfrm flipH="1">
+              <a:off x="3445390" y="5440680"/>
+              <a:ext cx="1420097" cy="0"/>
+            </a:xfrm>
+            <a:prstGeom prst="straightConnector1">
+              <a:avLst/>
+            </a:prstGeom>
+            <a:ln>
+              <a:tailEnd type="triangle"/>
+            </a:ln>
+          </p:spPr>
+          <p:style>
+            <a:lnRef idx="1">
+              <a:schemeClr val="accent1"/>
+            </a:lnRef>
+            <a:fillRef idx="0">
+              <a:schemeClr val="accent1"/>
+            </a:fillRef>
+            <a:effectRef idx="0">
+              <a:schemeClr val="accent1"/>
+            </a:effectRef>
+            <a:fontRef idx="minor">
+              <a:schemeClr val="tx1"/>
+            </a:fontRef>
+          </p:style>
+        </p:cxnSp>
+        <p:sp>
+          <p:nvSpPr>
+            <p:cNvPr id="97" name="TextBox 96">
+              <a:extLst>
+                <a:ext uri="{FF2B5EF4-FFF2-40B4-BE49-F238E27FC236}">
+                  <a16:creationId xmlns:a16="http://schemas.microsoft.com/office/drawing/2014/main" id="{D731AE7B-79C9-FB44-BF86-C049D7B9F70A}"/>
+                </a:ext>
+              </a:extLst>
+            </p:cNvPr>
+            <p:cNvSpPr txBox="1"/>
+            <p:nvPr/>
+          </p:nvSpPr>
+          <p:spPr>
+            <a:xfrm>
+              <a:off x="3737669" y="5442390"/>
+              <a:ext cx="997389" cy="261610"/>
+            </a:xfrm>
+            <a:prstGeom prst="rect">
+              <a:avLst/>
+            </a:prstGeom>
+            <a:noFill/>
+          </p:spPr>
+          <p:txBody>
+            <a:bodyPr wrap="none" rtlCol="0">
+              <a:spAutoFit/>
+            </a:bodyPr>
+            <a:lstStyle/>
+            <a:p>
+              <a:r>
+                <a:rPr lang="en-US" sz="1100" dirty="0"/>
+                <a:t>backprop step</a:t>
+              </a:r>
+            </a:p>
+          </p:txBody>
+        </p:sp>
+      </p:grpSp>
     </p:spTree>
     <p:extLst>
       <p:ext uri="{BB962C8B-B14F-4D97-AF65-F5344CB8AC3E}">

--- a/docs/TransformersIntroFigures.pptx
+++ b/docs/TransformersIntroFigures.pptx
@@ -9,7 +9,8 @@
     <p:sldId id="257" r:id="rId3"/>
     <p:sldId id="258" r:id="rId4"/>
     <p:sldId id="259" r:id="rId5"/>
-    <p:sldId id="260" r:id="rId6"/>
+    <p:sldId id="261" r:id="rId6"/>
+    <p:sldId id="260" r:id="rId7"/>
   </p:sldIdLst>
   <p:sldSz cx="12192000" cy="6858000"/>
   <p:notesSz cx="6858000" cy="9144000"/>
@@ -22837,10 +22838,10 @@
       </p:grpSpPr>
       <p:sp>
         <p:nvSpPr>
-          <p:cNvPr id="2" name="Oval 1">
+          <p:cNvPr id="3" name="Oval 2">
             <a:extLst>
               <a:ext uri="{FF2B5EF4-FFF2-40B4-BE49-F238E27FC236}">
-                <a16:creationId xmlns:a16="http://schemas.microsoft.com/office/drawing/2014/main" id="{88F0FF99-25E2-814D-9B7E-A938328367F0}"/>
+                <a16:creationId xmlns:a16="http://schemas.microsoft.com/office/drawing/2014/main" id="{A95BE58C-12F6-FE48-95D3-F2DA760C94F6}"/>
               </a:ext>
             </a:extLst>
           </p:cNvPr>
@@ -22849,8 +22850,8 @@
         </p:nvSpPr>
         <p:spPr>
           <a:xfrm>
-            <a:off x="3586636" y="1673397"/>
-            <a:ext cx="246185" cy="266281"/>
+            <a:off x="3160723" y="2651431"/>
+            <a:ext cx="384678" cy="398868"/>
           </a:xfrm>
           <a:prstGeom prst="ellipse">
             <a:avLst/>
@@ -22884,10 +22885,10 @@
       </p:sp>
       <p:sp>
         <p:nvSpPr>
-          <p:cNvPr id="3" name="Oval 2">
+          <p:cNvPr id="4" name="Oval 3">
             <a:extLst>
               <a:ext uri="{FF2B5EF4-FFF2-40B4-BE49-F238E27FC236}">
-                <a16:creationId xmlns:a16="http://schemas.microsoft.com/office/drawing/2014/main" id="{B822BA76-30B8-4046-8548-838FB67692F8}"/>
+                <a16:creationId xmlns:a16="http://schemas.microsoft.com/office/drawing/2014/main" id="{11255AA8-E2A1-4541-843D-4D77DD23D7B2}"/>
               </a:ext>
             </a:extLst>
           </p:cNvPr>
@@ -22896,8 +22897,878 @@
         </p:nvSpPr>
         <p:spPr>
           <a:xfrm>
-            <a:off x="4290812" y="2251145"/>
-            <a:ext cx="246185" cy="266281"/>
+            <a:off x="3160721" y="3725950"/>
+            <a:ext cx="384678" cy="398868"/>
+          </a:xfrm>
+          <a:prstGeom prst="ellipse">
+            <a:avLst/>
+          </a:prstGeom>
+          <a:noFill/>
+        </p:spPr>
+        <p:style>
+          <a:lnRef idx="2">
+            <a:schemeClr val="accent1">
+              <a:shade val="50000"/>
+            </a:schemeClr>
+          </a:lnRef>
+          <a:fillRef idx="1">
+            <a:schemeClr val="accent1"/>
+          </a:fillRef>
+          <a:effectRef idx="0">
+            <a:schemeClr val="accent1"/>
+          </a:effectRef>
+          <a:fontRef idx="minor">
+            <a:schemeClr val="lt1"/>
+          </a:fontRef>
+        </p:style>
+        <p:txBody>
+          <a:bodyPr rtlCol="0" anchor="ctr"/>
+          <a:lstStyle/>
+          <a:p>
+            <a:pPr algn="ctr"/>
+            <a:endParaRPr lang="en-US"/>
+          </a:p>
+        </p:txBody>
+      </p:sp>
+      <p:sp>
+        <p:nvSpPr>
+          <p:cNvPr id="5" name="Oval 4">
+            <a:extLst>
+              <a:ext uri="{FF2B5EF4-FFF2-40B4-BE49-F238E27FC236}">
+                <a16:creationId xmlns:a16="http://schemas.microsoft.com/office/drawing/2014/main" id="{67A28F5F-2252-FB40-A808-E9CBCDF56C14}"/>
+              </a:ext>
+            </a:extLst>
+          </p:cNvPr>
+          <p:cNvSpPr/>
+          <p:nvPr/>
+        </p:nvSpPr>
+        <p:spPr>
+          <a:xfrm>
+            <a:off x="3160721" y="4837418"/>
+            <a:ext cx="384678" cy="398868"/>
+          </a:xfrm>
+          <a:prstGeom prst="ellipse">
+            <a:avLst/>
+          </a:prstGeom>
+          <a:noFill/>
+        </p:spPr>
+        <p:style>
+          <a:lnRef idx="2">
+            <a:schemeClr val="accent1">
+              <a:shade val="50000"/>
+            </a:schemeClr>
+          </a:lnRef>
+          <a:fillRef idx="1">
+            <a:schemeClr val="accent1"/>
+          </a:fillRef>
+          <a:effectRef idx="0">
+            <a:schemeClr val="accent1"/>
+          </a:effectRef>
+          <a:fontRef idx="minor">
+            <a:schemeClr val="lt1"/>
+          </a:fontRef>
+        </p:style>
+        <p:txBody>
+          <a:bodyPr rtlCol="0" anchor="ctr"/>
+          <a:lstStyle/>
+          <a:p>
+            <a:pPr algn="ctr"/>
+            <a:endParaRPr lang="en-US"/>
+          </a:p>
+        </p:txBody>
+      </p:sp>
+      <p:sp>
+        <p:nvSpPr>
+          <p:cNvPr id="6" name="TextBox 5">
+            <a:extLst>
+              <a:ext uri="{FF2B5EF4-FFF2-40B4-BE49-F238E27FC236}">
+                <a16:creationId xmlns:a16="http://schemas.microsoft.com/office/drawing/2014/main" id="{12DBDACA-AAA9-D14F-B093-10A1FB2ED115}"/>
+              </a:ext>
+            </a:extLst>
+          </p:cNvPr>
+          <p:cNvSpPr txBox="1"/>
+          <p:nvPr/>
+        </p:nvSpPr>
+        <p:spPr>
+          <a:xfrm rot="5400000">
+            <a:off x="3221592" y="4383733"/>
+            <a:ext cx="370614" cy="276999"/>
+          </a:xfrm>
+          <a:prstGeom prst="rect">
+            <a:avLst/>
+          </a:prstGeom>
+          <a:noFill/>
+        </p:spPr>
+        <p:txBody>
+          <a:bodyPr wrap="none" rtlCol="0">
+            <a:spAutoFit/>
+          </a:bodyPr>
+          <a:lstStyle/>
+          <a:p>
+            <a:r>
+              <a:rPr lang="en-US" sz="1200" dirty="0"/>
+              <a:t>. . .</a:t>
+            </a:r>
+          </a:p>
+        </p:txBody>
+      </p:sp>
+      <mc:AlternateContent xmlns:mc="http://schemas.openxmlformats.org/markup-compatibility/2006">
+        <mc:Choice xmlns:a14="http://schemas.microsoft.com/office/drawing/2010/main" Requires="a14">
+          <p:sp>
+            <p:nvSpPr>
+              <p:cNvPr id="7" name="TextBox 6">
+                <a:extLst>
+                  <a:ext uri="{FF2B5EF4-FFF2-40B4-BE49-F238E27FC236}">
+                    <a16:creationId xmlns:a16="http://schemas.microsoft.com/office/drawing/2014/main" id="{227D0ECC-CCC1-A347-A927-0B7BD8C5BD39}"/>
+                  </a:ext>
+                </a:extLst>
+              </p:cNvPr>
+              <p:cNvSpPr txBox="1"/>
+              <p:nvPr/>
+            </p:nvSpPr>
+            <p:spPr>
+              <a:xfrm>
+                <a:off x="3102490" y="2706020"/>
+                <a:ext cx="331821" cy="261610"/>
+              </a:xfrm>
+              <a:prstGeom prst="rect">
+                <a:avLst/>
+              </a:prstGeom>
+              <a:noFill/>
+            </p:spPr>
+            <p:txBody>
+              <a:bodyPr wrap="none" rtlCol="0">
+                <a:spAutoFit/>
+              </a:bodyPr>
+              <a:lstStyle/>
+              <a:p>
+                <a14:m>
+                  <m:oMathPara xmlns:m="http://schemas.openxmlformats.org/officeDocument/2006/math">
+                    <m:oMathParaPr>
+                      <m:jc m:val="centerGroup"/>
+                    </m:oMathParaPr>
+                    <m:oMath xmlns:m="http://schemas.openxmlformats.org/officeDocument/2006/math">
+                      <m:sSup>
+                        <m:sSupPr>
+                          <m:ctrlPr>
+                            <a:rPr lang="en-US" sz="1100" i="1" dirty="0" smtClean="0">
+                              <a:latin typeface="Cambria Math" panose="02040503050406030204" pitchFamily="18" charset="0"/>
+                            </a:rPr>
+                          </m:ctrlPr>
+                        </m:sSupPr>
+                        <m:e>
+                          <m:r>
+                            <a:rPr lang="en-US" sz="1100" i="1" dirty="0" smtClean="0">
+                              <a:latin typeface="Cambria Math" panose="02040503050406030204" pitchFamily="18" charset="0"/>
+                            </a:rPr>
+                            <m:t>𝑠</m:t>
+                          </m:r>
+                        </m:e>
+                        <m:sup>
+                          <m:r>
+                            <a:rPr lang="en-US" sz="1100" b="0" i="1" dirty="0" smtClean="0">
+                              <a:latin typeface="Cambria Math" panose="02040503050406030204" pitchFamily="18" charset="0"/>
+                            </a:rPr>
+                            <m:t>′</m:t>
+                          </m:r>
+                        </m:sup>
+                      </m:sSup>
+                    </m:oMath>
+                  </m:oMathPara>
+                </a14:m>
+                <a:endParaRPr lang="en-US" sz="1100" dirty="0"/>
+              </a:p>
+            </p:txBody>
+          </p:sp>
+        </mc:Choice>
+        <mc:Fallback>
+          <p:sp>
+            <p:nvSpPr>
+              <p:cNvPr id="7" name="TextBox 6">
+                <a:extLst>
+                  <a:ext uri="{FF2B5EF4-FFF2-40B4-BE49-F238E27FC236}">
+                    <a16:creationId xmlns:a16="http://schemas.microsoft.com/office/drawing/2014/main" id="{227D0ECC-CCC1-A347-A927-0B7BD8C5BD39}"/>
+                  </a:ext>
+                </a:extLst>
+              </p:cNvPr>
+              <p:cNvSpPr txBox="1">
+                <a:spLocks noRot="1" noChangeAspect="1" noMove="1" noResize="1" noEditPoints="1" noAdjustHandles="1" noChangeArrowheads="1" noChangeShapeType="1" noTextEdit="1"/>
+              </p:cNvSpPr>
+              <p:nvPr/>
+            </p:nvSpPr>
+            <p:spPr>
+              <a:xfrm>
+                <a:off x="3102490" y="2706020"/>
+                <a:ext cx="331821" cy="261610"/>
+              </a:xfrm>
+              <a:prstGeom prst="rect">
+                <a:avLst/>
+              </a:prstGeom>
+              <a:blipFill>
+                <a:blip r:embed="rId2"/>
+                <a:stretch>
+                  <a:fillRect/>
+                </a:stretch>
+              </a:blipFill>
+            </p:spPr>
+            <p:txBody>
+              <a:bodyPr/>
+              <a:lstStyle/>
+              <a:p>
+                <a:r>
+                  <a:rPr lang="en-US">
+                    <a:noFill/>
+                  </a:rPr>
+                  <a:t> </a:t>
+                </a:r>
+              </a:p>
+            </p:txBody>
+          </p:sp>
+        </mc:Fallback>
+      </mc:AlternateContent>
+      <p:cxnSp>
+        <p:nvCxnSpPr>
+          <p:cNvPr id="9" name="Straight Connector 8">
+            <a:extLst>
+              <a:ext uri="{FF2B5EF4-FFF2-40B4-BE49-F238E27FC236}">
+                <a16:creationId xmlns:a16="http://schemas.microsoft.com/office/drawing/2014/main" id="{85AD02E6-DAED-BF46-965E-2D50F6B1F20E}"/>
+              </a:ext>
+            </a:extLst>
+          </p:cNvPr>
+          <p:cNvCxnSpPr>
+            <a:stCxn id="3" idx="0"/>
+            <a:endCxn id="3" idx="4"/>
+          </p:cNvCxnSpPr>
+          <p:nvPr/>
+        </p:nvCxnSpPr>
+        <p:spPr>
+          <a:xfrm>
+            <a:off x="3353062" y="2651431"/>
+            <a:ext cx="0" cy="398868"/>
+          </a:xfrm>
+          <a:prstGeom prst="line">
+            <a:avLst/>
+          </a:prstGeom>
+          <a:ln w="12700"/>
+        </p:spPr>
+        <p:style>
+          <a:lnRef idx="1">
+            <a:schemeClr val="accent1"/>
+          </a:lnRef>
+          <a:fillRef idx="0">
+            <a:schemeClr val="accent1"/>
+          </a:fillRef>
+          <a:effectRef idx="0">
+            <a:schemeClr val="accent1"/>
+          </a:effectRef>
+          <a:fontRef idx="minor">
+            <a:schemeClr val="tx1"/>
+          </a:fontRef>
+        </p:style>
+      </p:cxnSp>
+      <mc:AlternateContent xmlns:mc="http://schemas.openxmlformats.org/markup-compatibility/2006">
+        <mc:Choice xmlns:a14="http://schemas.microsoft.com/office/drawing/2010/main" Requires="a14">
+          <p:sp>
+            <p:nvSpPr>
+              <p:cNvPr id="10" name="TextBox 9">
+                <a:extLst>
+                  <a:ext uri="{FF2B5EF4-FFF2-40B4-BE49-F238E27FC236}">
+                    <a16:creationId xmlns:a16="http://schemas.microsoft.com/office/drawing/2014/main" id="{E8582653-890C-304D-8BD9-2483F38FE9DC}"/>
+                  </a:ext>
+                </a:extLst>
+              </p:cNvPr>
+              <p:cNvSpPr txBox="1"/>
+              <p:nvPr/>
+            </p:nvSpPr>
+            <p:spPr>
+              <a:xfrm>
+                <a:off x="3318299" y="2702109"/>
+                <a:ext cx="285335" cy="261610"/>
+              </a:xfrm>
+              <a:prstGeom prst="rect">
+                <a:avLst/>
+              </a:prstGeom>
+              <a:noFill/>
+            </p:spPr>
+            <p:txBody>
+              <a:bodyPr wrap="none" rtlCol="0">
+                <a:spAutoFit/>
+              </a:bodyPr>
+              <a:lstStyle/>
+              <a:p>
+                <a14:m>
+                  <m:oMathPara xmlns:m="http://schemas.openxmlformats.org/officeDocument/2006/math">
+                    <m:oMathParaPr>
+                      <m:jc m:val="centerGroup"/>
+                    </m:oMathParaPr>
+                    <m:oMath xmlns:m="http://schemas.openxmlformats.org/officeDocument/2006/math">
+                      <m:r>
+                        <a:rPr lang="en-US" sz="1100" i="1" dirty="0" smtClean="0">
+                          <a:latin typeface="Cambria Math" panose="02040503050406030204" pitchFamily="18" charset="0"/>
+                        </a:rPr>
+                        <m:t>𝑠</m:t>
+                      </m:r>
+                    </m:oMath>
+                  </m:oMathPara>
+                </a14:m>
+                <a:endParaRPr lang="en-US" sz="1100" dirty="0"/>
+              </a:p>
+            </p:txBody>
+          </p:sp>
+        </mc:Choice>
+        <mc:Fallback>
+          <p:sp>
+            <p:nvSpPr>
+              <p:cNvPr id="10" name="TextBox 9">
+                <a:extLst>
+                  <a:ext uri="{FF2B5EF4-FFF2-40B4-BE49-F238E27FC236}">
+                    <a16:creationId xmlns:a16="http://schemas.microsoft.com/office/drawing/2014/main" id="{E8582653-890C-304D-8BD9-2483F38FE9DC}"/>
+                  </a:ext>
+                </a:extLst>
+              </p:cNvPr>
+              <p:cNvSpPr txBox="1">
+                <a:spLocks noRot="1" noChangeAspect="1" noMove="1" noResize="1" noEditPoints="1" noAdjustHandles="1" noChangeArrowheads="1" noChangeShapeType="1" noTextEdit="1"/>
+              </p:cNvSpPr>
+              <p:nvPr/>
+            </p:nvSpPr>
+            <p:spPr>
+              <a:xfrm>
+                <a:off x="3318299" y="2702109"/>
+                <a:ext cx="285335" cy="261610"/>
+              </a:xfrm>
+              <a:prstGeom prst="rect">
+                <a:avLst/>
+              </a:prstGeom>
+              <a:blipFill>
+                <a:blip r:embed="rId3"/>
+                <a:stretch>
+                  <a:fillRect/>
+                </a:stretch>
+              </a:blipFill>
+            </p:spPr>
+            <p:txBody>
+              <a:bodyPr/>
+              <a:lstStyle/>
+              <a:p>
+                <a:r>
+                  <a:rPr lang="en-US">
+                    <a:noFill/>
+                  </a:rPr>
+                  <a:t> </a:t>
+                </a:r>
+              </a:p>
+            </p:txBody>
+          </p:sp>
+        </mc:Fallback>
+      </mc:AlternateContent>
+      <p:cxnSp>
+        <p:nvCxnSpPr>
+          <p:cNvPr id="11" name="Straight Connector 10">
+            <a:extLst>
+              <a:ext uri="{FF2B5EF4-FFF2-40B4-BE49-F238E27FC236}">
+                <a16:creationId xmlns:a16="http://schemas.microsoft.com/office/drawing/2014/main" id="{02ED1470-2C05-D142-82A8-EF25F9BEA335}"/>
+              </a:ext>
+            </a:extLst>
+          </p:cNvPr>
+          <p:cNvCxnSpPr/>
+          <p:nvPr/>
+        </p:nvCxnSpPr>
+        <p:spPr>
+          <a:xfrm>
+            <a:off x="3353060" y="3725950"/>
+            <a:ext cx="0" cy="398868"/>
+          </a:xfrm>
+          <a:prstGeom prst="line">
+            <a:avLst/>
+          </a:prstGeom>
+          <a:ln w="12700"/>
+        </p:spPr>
+        <p:style>
+          <a:lnRef idx="1">
+            <a:schemeClr val="accent1"/>
+          </a:lnRef>
+          <a:fillRef idx="0">
+            <a:schemeClr val="accent1"/>
+          </a:fillRef>
+          <a:effectRef idx="0">
+            <a:schemeClr val="accent1"/>
+          </a:effectRef>
+          <a:fontRef idx="minor">
+            <a:schemeClr val="tx1"/>
+          </a:fontRef>
+        </p:style>
+      </p:cxnSp>
+      <p:cxnSp>
+        <p:nvCxnSpPr>
+          <p:cNvPr id="12" name="Straight Connector 11">
+            <a:extLst>
+              <a:ext uri="{FF2B5EF4-FFF2-40B4-BE49-F238E27FC236}">
+                <a16:creationId xmlns:a16="http://schemas.microsoft.com/office/drawing/2014/main" id="{F5D8D76E-20C7-7D4C-8668-BDEA745BE0ED}"/>
+              </a:ext>
+            </a:extLst>
+          </p:cNvPr>
+          <p:cNvCxnSpPr/>
+          <p:nvPr/>
+        </p:nvCxnSpPr>
+        <p:spPr>
+          <a:xfrm>
+            <a:off x="3353060" y="4837418"/>
+            <a:ext cx="0" cy="398868"/>
+          </a:xfrm>
+          <a:prstGeom prst="line">
+            <a:avLst/>
+          </a:prstGeom>
+          <a:ln w="12700"/>
+        </p:spPr>
+        <p:style>
+          <a:lnRef idx="1">
+            <a:schemeClr val="accent1"/>
+          </a:lnRef>
+          <a:fillRef idx="0">
+            <a:schemeClr val="accent1"/>
+          </a:fillRef>
+          <a:effectRef idx="0">
+            <a:schemeClr val="accent1"/>
+          </a:effectRef>
+          <a:fontRef idx="minor">
+            <a:schemeClr val="tx1"/>
+          </a:fontRef>
+        </p:style>
+      </p:cxnSp>
+      <mc:AlternateContent xmlns:mc="http://schemas.openxmlformats.org/markup-compatibility/2006">
+        <mc:Choice xmlns:a14="http://schemas.microsoft.com/office/drawing/2010/main" Requires="a14">
+          <p:sp>
+            <p:nvSpPr>
+              <p:cNvPr id="13" name="TextBox 12">
+                <a:extLst>
+                  <a:ext uri="{FF2B5EF4-FFF2-40B4-BE49-F238E27FC236}">
+                    <a16:creationId xmlns:a16="http://schemas.microsoft.com/office/drawing/2014/main" id="{35C287C3-EBA9-CF42-BC16-3EA499AFFB81}"/>
+                  </a:ext>
+                </a:extLst>
+              </p:cNvPr>
+              <p:cNvSpPr txBox="1"/>
+              <p:nvPr/>
+            </p:nvSpPr>
+            <p:spPr>
+              <a:xfrm>
+                <a:off x="3102488" y="3776628"/>
+                <a:ext cx="331821" cy="261610"/>
+              </a:xfrm>
+              <a:prstGeom prst="rect">
+                <a:avLst/>
+              </a:prstGeom>
+              <a:noFill/>
+            </p:spPr>
+            <p:txBody>
+              <a:bodyPr wrap="none" rtlCol="0">
+                <a:spAutoFit/>
+              </a:bodyPr>
+              <a:lstStyle/>
+              <a:p>
+                <a14:m>
+                  <m:oMathPara xmlns:m="http://schemas.openxmlformats.org/officeDocument/2006/math">
+                    <m:oMathParaPr>
+                      <m:jc m:val="centerGroup"/>
+                    </m:oMathParaPr>
+                    <m:oMath xmlns:m="http://schemas.openxmlformats.org/officeDocument/2006/math">
+                      <m:sSup>
+                        <m:sSupPr>
+                          <m:ctrlPr>
+                            <a:rPr lang="en-US" sz="1100" i="1" dirty="0" smtClean="0">
+                              <a:latin typeface="Cambria Math" panose="02040503050406030204" pitchFamily="18" charset="0"/>
+                            </a:rPr>
+                          </m:ctrlPr>
+                        </m:sSupPr>
+                        <m:e>
+                          <m:r>
+                            <a:rPr lang="en-US" sz="1100" i="1" dirty="0" smtClean="0">
+                              <a:latin typeface="Cambria Math" panose="02040503050406030204" pitchFamily="18" charset="0"/>
+                            </a:rPr>
+                            <m:t>𝑠</m:t>
+                          </m:r>
+                        </m:e>
+                        <m:sup>
+                          <m:r>
+                            <a:rPr lang="en-US" sz="1100" b="0" i="1" dirty="0" smtClean="0">
+                              <a:latin typeface="Cambria Math" panose="02040503050406030204" pitchFamily="18" charset="0"/>
+                            </a:rPr>
+                            <m:t>′</m:t>
+                          </m:r>
+                        </m:sup>
+                      </m:sSup>
+                    </m:oMath>
+                  </m:oMathPara>
+                </a14:m>
+                <a:endParaRPr lang="en-US" sz="1100" dirty="0"/>
+              </a:p>
+            </p:txBody>
+          </p:sp>
+        </mc:Choice>
+        <mc:Fallback>
+          <p:sp>
+            <p:nvSpPr>
+              <p:cNvPr id="13" name="TextBox 12">
+                <a:extLst>
+                  <a:ext uri="{FF2B5EF4-FFF2-40B4-BE49-F238E27FC236}">
+                    <a16:creationId xmlns:a16="http://schemas.microsoft.com/office/drawing/2014/main" id="{35C287C3-EBA9-CF42-BC16-3EA499AFFB81}"/>
+                  </a:ext>
+                </a:extLst>
+              </p:cNvPr>
+              <p:cNvSpPr txBox="1">
+                <a:spLocks noRot="1" noChangeAspect="1" noMove="1" noResize="1" noEditPoints="1" noAdjustHandles="1" noChangeArrowheads="1" noChangeShapeType="1" noTextEdit="1"/>
+              </p:cNvSpPr>
+              <p:nvPr/>
+            </p:nvSpPr>
+            <p:spPr>
+              <a:xfrm>
+                <a:off x="3102488" y="3776628"/>
+                <a:ext cx="331821" cy="261610"/>
+              </a:xfrm>
+              <a:prstGeom prst="rect">
+                <a:avLst/>
+              </a:prstGeom>
+              <a:blipFill>
+                <a:blip r:embed="rId4"/>
+                <a:stretch>
+                  <a:fillRect/>
+                </a:stretch>
+              </a:blipFill>
+            </p:spPr>
+            <p:txBody>
+              <a:bodyPr/>
+              <a:lstStyle/>
+              <a:p>
+                <a:r>
+                  <a:rPr lang="en-US">
+                    <a:noFill/>
+                  </a:rPr>
+                  <a:t> </a:t>
+                </a:r>
+              </a:p>
+            </p:txBody>
+          </p:sp>
+        </mc:Fallback>
+      </mc:AlternateContent>
+      <mc:AlternateContent xmlns:mc="http://schemas.openxmlformats.org/markup-compatibility/2006">
+        <mc:Choice xmlns:a14="http://schemas.microsoft.com/office/drawing/2010/main" Requires="a14">
+          <p:sp>
+            <p:nvSpPr>
+              <p:cNvPr id="14" name="TextBox 13">
+                <a:extLst>
+                  <a:ext uri="{FF2B5EF4-FFF2-40B4-BE49-F238E27FC236}">
+                    <a16:creationId xmlns:a16="http://schemas.microsoft.com/office/drawing/2014/main" id="{7E6A31D9-0D37-A048-8242-71FF467A34A9}"/>
+                  </a:ext>
+                </a:extLst>
+              </p:cNvPr>
+              <p:cNvSpPr txBox="1"/>
+              <p:nvPr/>
+            </p:nvSpPr>
+            <p:spPr>
+              <a:xfrm>
+                <a:off x="3318296" y="3776628"/>
+                <a:ext cx="285335" cy="261610"/>
+              </a:xfrm>
+              <a:prstGeom prst="rect">
+                <a:avLst/>
+              </a:prstGeom>
+              <a:noFill/>
+            </p:spPr>
+            <p:txBody>
+              <a:bodyPr wrap="none" rtlCol="0">
+                <a:spAutoFit/>
+              </a:bodyPr>
+              <a:lstStyle/>
+              <a:p>
+                <a14:m>
+                  <m:oMathPara xmlns:m="http://schemas.openxmlformats.org/officeDocument/2006/math">
+                    <m:oMathParaPr>
+                      <m:jc m:val="centerGroup"/>
+                    </m:oMathParaPr>
+                    <m:oMath xmlns:m="http://schemas.openxmlformats.org/officeDocument/2006/math">
+                      <m:r>
+                        <a:rPr lang="en-US" sz="1100" i="1" dirty="0" smtClean="0">
+                          <a:latin typeface="Cambria Math" panose="02040503050406030204" pitchFamily="18" charset="0"/>
+                        </a:rPr>
+                        <m:t>𝑠</m:t>
+                      </m:r>
+                    </m:oMath>
+                  </m:oMathPara>
+                </a14:m>
+                <a:endParaRPr lang="en-US" sz="1100" dirty="0"/>
+              </a:p>
+            </p:txBody>
+          </p:sp>
+        </mc:Choice>
+        <mc:Fallback>
+          <p:sp>
+            <p:nvSpPr>
+              <p:cNvPr id="14" name="TextBox 13">
+                <a:extLst>
+                  <a:ext uri="{FF2B5EF4-FFF2-40B4-BE49-F238E27FC236}">
+                    <a16:creationId xmlns:a16="http://schemas.microsoft.com/office/drawing/2014/main" id="{7E6A31D9-0D37-A048-8242-71FF467A34A9}"/>
+                  </a:ext>
+                </a:extLst>
+              </p:cNvPr>
+              <p:cNvSpPr txBox="1">
+                <a:spLocks noRot="1" noChangeAspect="1" noMove="1" noResize="1" noEditPoints="1" noAdjustHandles="1" noChangeArrowheads="1" noChangeShapeType="1" noTextEdit="1"/>
+              </p:cNvSpPr>
+              <p:nvPr/>
+            </p:nvSpPr>
+            <p:spPr>
+              <a:xfrm>
+                <a:off x="3318296" y="3776628"/>
+                <a:ext cx="285335" cy="261610"/>
+              </a:xfrm>
+              <a:prstGeom prst="rect">
+                <a:avLst/>
+              </a:prstGeom>
+              <a:blipFill>
+                <a:blip r:embed="rId5"/>
+                <a:stretch>
+                  <a:fillRect/>
+                </a:stretch>
+              </a:blipFill>
+            </p:spPr>
+            <p:txBody>
+              <a:bodyPr/>
+              <a:lstStyle/>
+              <a:p>
+                <a:r>
+                  <a:rPr lang="en-US">
+                    <a:noFill/>
+                  </a:rPr>
+                  <a:t> </a:t>
+                </a:r>
+              </a:p>
+            </p:txBody>
+          </p:sp>
+        </mc:Fallback>
+      </mc:AlternateContent>
+      <mc:AlternateContent xmlns:mc="http://schemas.openxmlformats.org/markup-compatibility/2006">
+        <mc:Choice xmlns:a14="http://schemas.microsoft.com/office/drawing/2010/main" Requires="a14">
+          <p:sp>
+            <p:nvSpPr>
+              <p:cNvPr id="15" name="TextBox 14">
+                <a:extLst>
+                  <a:ext uri="{FF2B5EF4-FFF2-40B4-BE49-F238E27FC236}">
+                    <a16:creationId xmlns:a16="http://schemas.microsoft.com/office/drawing/2014/main" id="{95BE082F-34D9-1742-920C-FB7E0F74E3F3}"/>
+                  </a:ext>
+                </a:extLst>
+              </p:cNvPr>
+              <p:cNvSpPr txBox="1"/>
+              <p:nvPr/>
+            </p:nvSpPr>
+            <p:spPr>
+              <a:xfrm>
+                <a:off x="3102488" y="4906047"/>
+                <a:ext cx="331821" cy="261610"/>
+              </a:xfrm>
+              <a:prstGeom prst="rect">
+                <a:avLst/>
+              </a:prstGeom>
+              <a:noFill/>
+            </p:spPr>
+            <p:txBody>
+              <a:bodyPr wrap="none" rtlCol="0">
+                <a:spAutoFit/>
+              </a:bodyPr>
+              <a:lstStyle/>
+              <a:p>
+                <a14:m>
+                  <m:oMathPara xmlns:m="http://schemas.openxmlformats.org/officeDocument/2006/math">
+                    <m:oMathParaPr>
+                      <m:jc m:val="centerGroup"/>
+                    </m:oMathParaPr>
+                    <m:oMath xmlns:m="http://schemas.openxmlformats.org/officeDocument/2006/math">
+                      <m:sSup>
+                        <m:sSupPr>
+                          <m:ctrlPr>
+                            <a:rPr lang="en-US" sz="1100" i="1" dirty="0" smtClean="0">
+                              <a:latin typeface="Cambria Math" panose="02040503050406030204" pitchFamily="18" charset="0"/>
+                            </a:rPr>
+                          </m:ctrlPr>
+                        </m:sSupPr>
+                        <m:e>
+                          <m:r>
+                            <a:rPr lang="en-US" sz="1100" i="1" dirty="0" smtClean="0">
+                              <a:latin typeface="Cambria Math" panose="02040503050406030204" pitchFamily="18" charset="0"/>
+                            </a:rPr>
+                            <m:t>𝑠</m:t>
+                          </m:r>
+                        </m:e>
+                        <m:sup>
+                          <m:r>
+                            <a:rPr lang="en-US" sz="1100" b="0" i="1" dirty="0" smtClean="0">
+                              <a:latin typeface="Cambria Math" panose="02040503050406030204" pitchFamily="18" charset="0"/>
+                            </a:rPr>
+                            <m:t>′</m:t>
+                          </m:r>
+                        </m:sup>
+                      </m:sSup>
+                    </m:oMath>
+                  </m:oMathPara>
+                </a14:m>
+                <a:endParaRPr lang="en-US" sz="1100" dirty="0"/>
+              </a:p>
+            </p:txBody>
+          </p:sp>
+        </mc:Choice>
+        <mc:Fallback>
+          <p:sp>
+            <p:nvSpPr>
+              <p:cNvPr id="15" name="TextBox 14">
+                <a:extLst>
+                  <a:ext uri="{FF2B5EF4-FFF2-40B4-BE49-F238E27FC236}">
+                    <a16:creationId xmlns:a16="http://schemas.microsoft.com/office/drawing/2014/main" id="{95BE082F-34D9-1742-920C-FB7E0F74E3F3}"/>
+                  </a:ext>
+                </a:extLst>
+              </p:cNvPr>
+              <p:cNvSpPr txBox="1">
+                <a:spLocks noRot="1" noChangeAspect="1" noMove="1" noResize="1" noEditPoints="1" noAdjustHandles="1" noChangeArrowheads="1" noChangeShapeType="1" noTextEdit="1"/>
+              </p:cNvSpPr>
+              <p:nvPr/>
+            </p:nvSpPr>
+            <p:spPr>
+              <a:xfrm>
+                <a:off x="3102488" y="4906047"/>
+                <a:ext cx="331821" cy="261610"/>
+              </a:xfrm>
+              <a:prstGeom prst="rect">
+                <a:avLst/>
+              </a:prstGeom>
+              <a:blipFill>
+                <a:blip r:embed="rId6"/>
+                <a:stretch>
+                  <a:fillRect/>
+                </a:stretch>
+              </a:blipFill>
+            </p:spPr>
+            <p:txBody>
+              <a:bodyPr/>
+              <a:lstStyle/>
+              <a:p>
+                <a:r>
+                  <a:rPr lang="en-US">
+                    <a:noFill/>
+                  </a:rPr>
+                  <a:t> </a:t>
+                </a:r>
+              </a:p>
+            </p:txBody>
+          </p:sp>
+        </mc:Fallback>
+      </mc:AlternateContent>
+      <mc:AlternateContent xmlns:mc="http://schemas.openxmlformats.org/markup-compatibility/2006">
+        <mc:Choice xmlns:a14="http://schemas.microsoft.com/office/drawing/2010/main" Requires="a14">
+          <p:sp>
+            <p:nvSpPr>
+              <p:cNvPr id="16" name="TextBox 15">
+                <a:extLst>
+                  <a:ext uri="{FF2B5EF4-FFF2-40B4-BE49-F238E27FC236}">
+                    <a16:creationId xmlns:a16="http://schemas.microsoft.com/office/drawing/2014/main" id="{E53FBB38-EBF3-494E-8682-B8CB881C2075}"/>
+                  </a:ext>
+                </a:extLst>
+              </p:cNvPr>
+              <p:cNvSpPr txBox="1"/>
+              <p:nvPr/>
+            </p:nvSpPr>
+            <p:spPr>
+              <a:xfrm>
+                <a:off x="3318296" y="4906047"/>
+                <a:ext cx="285335" cy="261610"/>
+              </a:xfrm>
+              <a:prstGeom prst="rect">
+                <a:avLst/>
+              </a:prstGeom>
+              <a:noFill/>
+            </p:spPr>
+            <p:txBody>
+              <a:bodyPr wrap="none" rtlCol="0">
+                <a:spAutoFit/>
+              </a:bodyPr>
+              <a:lstStyle/>
+              <a:p>
+                <a14:m>
+                  <m:oMathPara xmlns:m="http://schemas.openxmlformats.org/officeDocument/2006/math">
+                    <m:oMathParaPr>
+                      <m:jc m:val="centerGroup"/>
+                    </m:oMathParaPr>
+                    <m:oMath xmlns:m="http://schemas.openxmlformats.org/officeDocument/2006/math">
+                      <m:r>
+                        <a:rPr lang="en-US" sz="1100" i="1" dirty="0" smtClean="0">
+                          <a:latin typeface="Cambria Math" panose="02040503050406030204" pitchFamily="18" charset="0"/>
+                        </a:rPr>
+                        <m:t>𝑠</m:t>
+                      </m:r>
+                    </m:oMath>
+                  </m:oMathPara>
+                </a14:m>
+                <a:endParaRPr lang="en-US" sz="1100" dirty="0"/>
+              </a:p>
+            </p:txBody>
+          </p:sp>
+        </mc:Choice>
+        <mc:Fallback>
+          <p:sp>
+            <p:nvSpPr>
+              <p:cNvPr id="16" name="TextBox 15">
+                <a:extLst>
+                  <a:ext uri="{FF2B5EF4-FFF2-40B4-BE49-F238E27FC236}">
+                    <a16:creationId xmlns:a16="http://schemas.microsoft.com/office/drawing/2014/main" id="{E53FBB38-EBF3-494E-8682-B8CB881C2075}"/>
+                  </a:ext>
+                </a:extLst>
+              </p:cNvPr>
+              <p:cNvSpPr txBox="1">
+                <a:spLocks noRot="1" noChangeAspect="1" noMove="1" noResize="1" noEditPoints="1" noAdjustHandles="1" noChangeArrowheads="1" noChangeShapeType="1" noTextEdit="1"/>
+              </p:cNvSpPr>
+              <p:nvPr/>
+            </p:nvSpPr>
+            <p:spPr>
+              <a:xfrm>
+                <a:off x="3318296" y="4906047"/>
+                <a:ext cx="285335" cy="261610"/>
+              </a:xfrm>
+              <a:prstGeom prst="rect">
+                <a:avLst/>
+              </a:prstGeom>
+              <a:blipFill>
+                <a:blip r:embed="rId7"/>
+                <a:stretch>
+                  <a:fillRect/>
+                </a:stretch>
+              </a:blipFill>
+            </p:spPr>
+            <p:txBody>
+              <a:bodyPr/>
+              <a:lstStyle/>
+              <a:p>
+                <a:r>
+                  <a:rPr lang="en-US">
+                    <a:noFill/>
+                  </a:rPr>
+                  <a:t> </a:t>
+                </a:r>
+              </a:p>
+            </p:txBody>
+          </p:sp>
+        </mc:Fallback>
+      </mc:AlternateContent>
+      <p:sp>
+        <p:nvSpPr>
+          <p:cNvPr id="17" name="Oval 16">
+            <a:extLst>
+              <a:ext uri="{FF2B5EF4-FFF2-40B4-BE49-F238E27FC236}">
+                <a16:creationId xmlns:a16="http://schemas.microsoft.com/office/drawing/2014/main" id="{F05D9A29-7AC6-7649-9F91-A37AE71568D8}"/>
+              </a:ext>
+            </a:extLst>
+          </p:cNvPr>
+          <p:cNvSpPr/>
+          <p:nvPr/>
+        </p:nvSpPr>
+        <p:spPr>
+          <a:xfrm>
+            <a:off x="4110036" y="2444661"/>
+            <a:ext cx="2062158" cy="776506"/>
           </a:xfrm>
           <a:prstGeom prst="ellipse">
             <a:avLst/>
@@ -22933,10 +23804,10 @@
         <mc:Choice xmlns:a14="http://schemas.microsoft.com/office/drawing/2010/main" Requires="a14">
           <p:sp>
             <p:nvSpPr>
-              <p:cNvPr id="4" name="TextBox 3">
+              <p:cNvPr id="18" name="TextBox 17">
                 <a:extLst>
                   <a:ext uri="{FF2B5EF4-FFF2-40B4-BE49-F238E27FC236}">
-                    <a16:creationId xmlns:a16="http://schemas.microsoft.com/office/drawing/2014/main" id="{A89B5D57-AF42-CF49-924D-0EB7569C2C7D}"/>
+                    <a16:creationId xmlns:a16="http://schemas.microsoft.com/office/drawing/2014/main" id="{7C215D91-BB70-6841-A6EB-24B0F54C9CA7}"/>
                   </a:ext>
                 </a:extLst>
               </p:cNvPr>
@@ -22945,8 +23816,8 @@
             </p:nvSpPr>
             <p:spPr>
               <a:xfrm>
-                <a:off x="3303791" y="2062200"/>
-                <a:ext cx="813916" cy="261610"/>
+                <a:off x="4066570" y="2661242"/>
+                <a:ext cx="897553" cy="345672"/>
               </a:xfrm>
               <a:prstGeom prst="rect">
                 <a:avLst/>
@@ -22954,7 +23825,7 @@
               <a:noFill/>
             </p:spPr>
             <p:txBody>
-              <a:bodyPr wrap="square" rtlCol="0">
+              <a:bodyPr wrap="none" rtlCol="0">
                 <a:spAutoFit/>
               </a:bodyPr>
               <a:lstStyle/>
@@ -22965,45 +23836,92 @@
                       <m:jc m:val="centerGroup"/>
                     </m:oMathParaPr>
                     <m:oMath xmlns:m="http://schemas.openxmlformats.org/officeDocument/2006/math">
-                      <m:sSub>
-                        <m:sSubPr>
+                      <m:d>
+                        <m:dPr>
                           <m:ctrlPr>
                             <a:rPr lang="en-US" sz="1100" i="1" smtClean="0">
                               <a:latin typeface="Cambria Math" panose="02040503050406030204" pitchFamily="18" charset="0"/>
                             </a:rPr>
                           </m:ctrlPr>
-                        </m:sSubPr>
+                        </m:dPr>
                         <m:e>
+                          <m:sSubSup>
+                            <m:sSubSupPr>
+                              <m:ctrlPr>
+                                <a:rPr lang="en-US" sz="1100" i="1" smtClean="0">
+                                  <a:latin typeface="Cambria Math" panose="02040503050406030204" pitchFamily="18" charset="0"/>
+                                </a:rPr>
+                              </m:ctrlPr>
+                            </m:sSubSupPr>
+                            <m:e>
+                              <m:r>
+                                <a:rPr lang="en-US" sz="1100" b="0" i="1" smtClean="0">
+                                  <a:latin typeface="Cambria Math" panose="02040503050406030204" pitchFamily="18" charset="0"/>
+                                </a:rPr>
+                                <m:t>𝑜</m:t>
+                              </m:r>
+                            </m:e>
+                            <m:sub>
+                              <m:r>
+                                <a:rPr lang="en-US" sz="1100" b="0" i="1" smtClean="0">
+                                  <a:latin typeface="Cambria Math" panose="02040503050406030204" pitchFamily="18" charset="0"/>
+                                </a:rPr>
+                                <m:t>1</m:t>
+                              </m:r>
+                            </m:sub>
+                            <m:sup>
+                              <m:d>
+                                <m:dPr>
+                                  <m:ctrlPr>
+                                    <a:rPr lang="en-US" sz="1100" i="1" smtClean="0">
+                                      <a:latin typeface="Cambria Math" panose="02040503050406030204" pitchFamily="18" charset="0"/>
+                                    </a:rPr>
+                                  </m:ctrlPr>
+                                </m:dPr>
+                                <m:e>
+                                  <m:r>
+                                    <a:rPr lang="en-US" sz="1100" b="0" i="1" smtClean="0">
+                                      <a:latin typeface="Cambria Math" panose="02040503050406030204" pitchFamily="18" charset="0"/>
+                                    </a:rPr>
+                                    <m:t>𝐾</m:t>
+                                  </m:r>
+                                </m:e>
+                              </m:d>
+                            </m:sup>
+                          </m:sSubSup>
                           <m:r>
-                            <a:rPr lang="en-US" sz="1100" b="0" i="1" smtClean="0">
+                            <a:rPr lang="en-US" sz="1100" i="1">
                               <a:latin typeface="Cambria Math" panose="02040503050406030204" pitchFamily="18" charset="0"/>
                             </a:rPr>
-                            <m:t>𝑤</m:t>
+                            <m:t>−</m:t>
                           </m:r>
+                          <m:sSub>
+                            <m:sSubPr>
+                              <m:ctrlPr>
+                                <a:rPr lang="en-US" sz="1100" i="1">
+                                  <a:latin typeface="Cambria Math" panose="02040503050406030204" pitchFamily="18" charset="0"/>
+                                </a:rPr>
+                              </m:ctrlPr>
+                            </m:sSubPr>
+                            <m:e>
+                              <m:r>
+                                <a:rPr lang="en-US" sz="1100" i="1">
+                                  <a:latin typeface="Cambria Math" panose="02040503050406030204" pitchFamily="18" charset="0"/>
+                                </a:rPr>
+                                <m:t>𝜏</m:t>
+                              </m:r>
+                            </m:e>
+                            <m:sub>
+                              <m:r>
+                                <a:rPr lang="en-US" sz="1100" b="0" i="1" smtClean="0">
+                                  <a:latin typeface="Cambria Math" panose="02040503050406030204" pitchFamily="18" charset="0"/>
+                                </a:rPr>
+                                <m:t>1</m:t>
+                              </m:r>
+                            </m:sub>
+                          </m:sSub>
                         </m:e>
-                        <m:sub>
-                          <m:r>
-                            <a:rPr lang="en-US" sz="1100" b="0" i="1" smtClean="0">
-                              <a:latin typeface="Cambria Math" panose="02040503050406030204" pitchFamily="18" charset="0"/>
-                            </a:rPr>
-                            <m:t>1</m:t>
-                          </m:r>
-                        </m:sub>
-                      </m:sSub>
-                      <m:r>
-                        <a:rPr lang="en-US" sz="1100" i="1" smtClean="0">
-                          <a:latin typeface="Cambria Math" panose="02040503050406030204" pitchFamily="18" charset="0"/>
-                          <a:ea typeface="Cambria Math" panose="02040503050406030204" pitchFamily="18" charset="0"/>
-                        </a:rPr>
-                        <m:t>≡</m:t>
-                      </m:r>
-                      <m:r>
-                        <a:rPr lang="en-US" sz="1100" b="0" i="1" smtClean="0">
-                          <a:latin typeface="Cambria Math" panose="02040503050406030204" pitchFamily="18" charset="0"/>
-                          <a:ea typeface="Cambria Math" panose="02040503050406030204" pitchFamily="18" charset="0"/>
-                        </a:rPr>
-                        <m:t>𝑤</m:t>
-                      </m:r>
+                      </m:d>
                     </m:oMath>
                   </m:oMathPara>
                 </a14:m>
@@ -23015,10 +23933,10 @@
         <mc:Fallback>
           <p:sp>
             <p:nvSpPr>
-              <p:cNvPr id="4" name="TextBox 3">
+              <p:cNvPr id="18" name="TextBox 17">
                 <a:extLst>
                   <a:ext uri="{FF2B5EF4-FFF2-40B4-BE49-F238E27FC236}">
-                    <a16:creationId xmlns:a16="http://schemas.microsoft.com/office/drawing/2014/main" id="{A89B5D57-AF42-CF49-924D-0EB7569C2C7D}"/>
+                    <a16:creationId xmlns:a16="http://schemas.microsoft.com/office/drawing/2014/main" id="{7C215D91-BB70-6841-A6EB-24B0F54C9CA7}"/>
                   </a:ext>
                 </a:extLst>
               </p:cNvPr>
@@ -23029,14 +23947,14 @@
             </p:nvSpPr>
             <p:spPr>
               <a:xfrm>
-                <a:off x="3303791" y="2062200"/>
-                <a:ext cx="813916" cy="261610"/>
+                <a:off x="4066570" y="2661242"/>
+                <a:ext cx="897553" cy="345672"/>
               </a:xfrm>
               <a:prstGeom prst="rect">
                 <a:avLst/>
               </a:prstGeom>
               <a:blipFill>
-                <a:blip r:embed="rId2"/>
+                <a:blip r:embed="rId8"/>
                 <a:stretch>
                   <a:fillRect/>
                 </a:stretch>
@@ -23057,24 +23975,234 @@
           </p:sp>
         </mc:Fallback>
       </mc:AlternateContent>
+      <mc:AlternateContent xmlns:mc="http://schemas.openxmlformats.org/markup-compatibility/2006">
+        <mc:Choice xmlns:a14="http://schemas.microsoft.com/office/drawing/2010/main" Requires="a14">
+          <p:sp>
+            <p:nvSpPr>
+              <p:cNvPr id="19" name="TextBox 18">
+                <a:extLst>
+                  <a:ext uri="{FF2B5EF4-FFF2-40B4-BE49-F238E27FC236}">
+                    <a16:creationId xmlns:a16="http://schemas.microsoft.com/office/drawing/2014/main" id="{7D6F514C-71CC-0340-B254-F907784F0836}"/>
+                  </a:ext>
+                </a:extLst>
+              </p:cNvPr>
+              <p:cNvSpPr txBox="1"/>
+              <p:nvPr/>
+            </p:nvSpPr>
+            <p:spPr>
+              <a:xfrm>
+                <a:off x="5007589" y="2649224"/>
+                <a:ext cx="1196802" cy="383438"/>
+              </a:xfrm>
+              <a:prstGeom prst="rect">
+                <a:avLst/>
+              </a:prstGeom>
+              <a:noFill/>
+            </p:spPr>
+            <p:txBody>
+              <a:bodyPr wrap="none" rtlCol="0">
+                <a:spAutoFit/>
+              </a:bodyPr>
+              <a:lstStyle/>
+              <a:p>
+                <a14:m>
+                  <m:oMathPara xmlns:m="http://schemas.openxmlformats.org/officeDocument/2006/math">
+                    <m:oMathParaPr>
+                      <m:jc m:val="centerGroup"/>
+                    </m:oMathParaPr>
+                    <m:oMath xmlns:m="http://schemas.openxmlformats.org/officeDocument/2006/math">
+                      <m:sSup>
+                        <m:sSupPr>
+                          <m:ctrlPr>
+                            <a:rPr lang="en-US" sz="1100" i="1" smtClean="0"/>
+                          </m:ctrlPr>
+                        </m:sSupPr>
+                        <m:e>
+                          <m:f>
+                            <m:fPr>
+                              <m:type m:val="skw"/>
+                              <m:ctrlPr>
+                                <a:rPr lang="en-US" sz="1100" i="1" smtClean="0">
+                                  <a:latin typeface="Cambria Math" panose="02040503050406030204" pitchFamily="18" charset="0"/>
+                                </a:rPr>
+                              </m:ctrlPr>
+                            </m:fPr>
+                            <m:num>
+                              <m:r>
+                                <a:rPr lang="en-US" sz="1100" b="0" i="1" smtClean="0">
+                                  <a:latin typeface="Cambria Math" panose="02040503050406030204" pitchFamily="18" charset="0"/>
+                                </a:rPr>
+                                <m:t>1</m:t>
+                              </m:r>
+                            </m:num>
+                            <m:den>
+                              <m:r>
+                                <a:rPr lang="en-US" sz="1100" b="0" i="1" smtClean="0">
+                                  <a:latin typeface="Cambria Math" panose="02040503050406030204" pitchFamily="18" charset="0"/>
+                                </a:rPr>
+                                <m:t>2</m:t>
+                              </m:r>
+                            </m:den>
+                          </m:f>
+                          <m:d>
+                            <m:dPr>
+                              <m:ctrlPr>
+                                <a:rPr lang="en-US" sz="1100" i="1" smtClean="0"/>
+                              </m:ctrlPr>
+                            </m:dPr>
+                            <m:e>
+                              <m:sSubSup>
+                                <m:sSubSupPr>
+                                  <m:ctrlPr>
+                                    <a:rPr lang="en-US" sz="1100" i="1" smtClean="0">
+                                      <a:latin typeface="Cambria Math" panose="02040503050406030204" pitchFamily="18" charset="0"/>
+                                    </a:rPr>
+                                  </m:ctrlPr>
+                                </m:sSubSupPr>
+                                <m:e>
+                                  <m:r>
+                                    <a:rPr lang="en-US" sz="1100" b="0" i="1" smtClean="0">
+                                      <a:latin typeface="Cambria Math" panose="02040503050406030204" pitchFamily="18" charset="0"/>
+                                    </a:rPr>
+                                    <m:t>𝑜</m:t>
+                                  </m:r>
+                                </m:e>
+                                <m:sub>
+                                  <m:r>
+                                    <a:rPr lang="en-US" sz="1100" b="0" i="1" smtClean="0">
+                                      <a:latin typeface="Cambria Math" panose="02040503050406030204" pitchFamily="18" charset="0"/>
+                                    </a:rPr>
+                                    <m:t>1</m:t>
+                                  </m:r>
+                                </m:sub>
+                                <m:sup>
+                                  <m:d>
+                                    <m:dPr>
+                                      <m:ctrlPr>
+                                        <a:rPr lang="en-US" sz="1100" i="1" smtClean="0">
+                                          <a:latin typeface="Cambria Math" panose="02040503050406030204" pitchFamily="18" charset="0"/>
+                                        </a:rPr>
+                                      </m:ctrlPr>
+                                    </m:dPr>
+                                    <m:e>
+                                      <m:r>
+                                        <a:rPr lang="en-US" sz="1100" b="0" i="1" smtClean="0">
+                                          <a:latin typeface="Cambria Math" panose="02040503050406030204" pitchFamily="18" charset="0"/>
+                                        </a:rPr>
+                                        <m:t>𝐾</m:t>
+                                      </m:r>
+                                    </m:e>
+                                  </m:d>
+                                </m:sup>
+                              </m:sSubSup>
+                              <m:r>
+                                <a:rPr lang="en-US" sz="1100" i="1"/>
+                                <m:t>−</m:t>
+                              </m:r>
+                              <m:sSub>
+                                <m:sSubPr>
+                                  <m:ctrlPr>
+                                    <a:rPr lang="en-US" sz="1100" i="1" smtClean="0">
+                                      <a:latin typeface="Cambria Math" panose="02040503050406030204" pitchFamily="18" charset="0"/>
+                                    </a:rPr>
+                                  </m:ctrlPr>
+                                </m:sSubPr>
+                                <m:e>
+                                  <m:r>
+                                    <a:rPr lang="en-US" sz="1100" i="1">
+                                      <a:latin typeface="Cambria Math" panose="02040503050406030204" pitchFamily="18" charset="0"/>
+                                    </a:rPr>
+                                    <m:t>𝜏</m:t>
+                                  </m:r>
+                                </m:e>
+                                <m:sub>
+                                  <m:r>
+                                    <a:rPr lang="en-US" sz="1100" b="0" i="1" smtClean="0">
+                                      <a:latin typeface="Cambria Math" panose="02040503050406030204" pitchFamily="18" charset="0"/>
+                                    </a:rPr>
+                                    <m:t>1</m:t>
+                                  </m:r>
+                                </m:sub>
+                              </m:sSub>
+                            </m:e>
+                          </m:d>
+                        </m:e>
+                        <m:sup>
+                          <m:r>
+                            <a:rPr lang="en-US" sz="1100" i="1"/>
+                            <m:t>2</m:t>
+                          </m:r>
+                        </m:sup>
+                      </m:sSup>
+                    </m:oMath>
+                  </m:oMathPara>
+                </a14:m>
+                <a:endParaRPr lang="en-US" sz="1100" dirty="0"/>
+              </a:p>
+            </p:txBody>
+          </p:sp>
+        </mc:Choice>
+        <mc:Fallback>
+          <p:sp>
+            <p:nvSpPr>
+              <p:cNvPr id="19" name="TextBox 18">
+                <a:extLst>
+                  <a:ext uri="{FF2B5EF4-FFF2-40B4-BE49-F238E27FC236}">
+                    <a16:creationId xmlns:a16="http://schemas.microsoft.com/office/drawing/2014/main" id="{7D6F514C-71CC-0340-B254-F907784F0836}"/>
+                  </a:ext>
+                </a:extLst>
+              </p:cNvPr>
+              <p:cNvSpPr txBox="1">
+                <a:spLocks noRot="1" noChangeAspect="1" noMove="1" noResize="1" noEditPoints="1" noAdjustHandles="1" noChangeArrowheads="1" noChangeShapeType="1" noTextEdit="1"/>
+              </p:cNvSpPr>
+              <p:nvPr/>
+            </p:nvSpPr>
+            <p:spPr>
+              <a:xfrm>
+                <a:off x="5007589" y="2649224"/>
+                <a:ext cx="1196802" cy="383438"/>
+              </a:xfrm>
+              <a:prstGeom prst="rect">
+                <a:avLst/>
+              </a:prstGeom>
+              <a:blipFill>
+                <a:blip r:embed="rId9"/>
+                <a:stretch>
+                  <a:fillRect l="-10526" t="-58065" b="-116129"/>
+                </a:stretch>
+              </a:blipFill>
+            </p:spPr>
+            <p:txBody>
+              <a:bodyPr/>
+              <a:lstStyle/>
+              <a:p>
+                <a:r>
+                  <a:rPr lang="en-US">
+                    <a:noFill/>
+                  </a:rPr>
+                  <a:t> </a:t>
+                </a:r>
+              </a:p>
+            </p:txBody>
+          </p:sp>
+        </mc:Fallback>
+      </mc:AlternateContent>
       <p:cxnSp>
         <p:nvCxnSpPr>
-          <p:cNvPr id="6" name="Straight Connector 5">
+          <p:cNvPr id="21" name="Straight Connector 20">
             <a:extLst>
               <a:ext uri="{FF2B5EF4-FFF2-40B4-BE49-F238E27FC236}">
-                <a16:creationId xmlns:a16="http://schemas.microsoft.com/office/drawing/2014/main" id="{79F2BFFA-8F56-6343-923E-069B180C8AA3}"/>
+                <a16:creationId xmlns:a16="http://schemas.microsoft.com/office/drawing/2014/main" id="{3D0EEB5F-AF1D-6846-B5D7-89C51DCA20ED}"/>
               </a:ext>
             </a:extLst>
           </p:cNvPr>
-          <p:cNvCxnSpPr>
-            <a:cxnSpLocks/>
-          </p:cNvCxnSpPr>
+          <p:cNvCxnSpPr/>
           <p:nvPr/>
         </p:nvCxnSpPr>
         <p:spPr>
           <a:xfrm>
-            <a:off x="3796768" y="1913954"/>
-            <a:ext cx="530097" cy="381944"/>
+            <a:off x="5007589" y="2444661"/>
+            <a:ext cx="0" cy="776506"/>
           </a:xfrm>
           <a:prstGeom prst="line">
             <a:avLst/>
@@ -23096,202 +24224,12 @@
           </a:fontRef>
         </p:style>
       </p:cxnSp>
-      <p:cxnSp>
-        <p:nvCxnSpPr>
-          <p:cNvPr id="18" name="Straight Connector 17">
+      <p:sp>
+        <p:nvSpPr>
+          <p:cNvPr id="22" name="Oval 21">
             <a:extLst>
               <a:ext uri="{FF2B5EF4-FFF2-40B4-BE49-F238E27FC236}">
-                <a16:creationId xmlns:a16="http://schemas.microsoft.com/office/drawing/2014/main" id="{75B00904-7A0C-E549-90DB-3F936575E17A}"/>
-              </a:ext>
-            </a:extLst>
-          </p:cNvPr>
-          <p:cNvCxnSpPr>
-            <a:cxnSpLocks/>
-          </p:cNvCxnSpPr>
-          <p:nvPr/>
-        </p:nvCxnSpPr>
-        <p:spPr>
-          <a:xfrm flipH="1" flipV="1">
-            <a:off x="3636540" y="1491941"/>
-            <a:ext cx="36285" cy="181456"/>
-          </a:xfrm>
-          <a:prstGeom prst="line">
-            <a:avLst/>
-          </a:prstGeom>
-        </p:spPr>
-        <p:style>
-          <a:lnRef idx="1">
-            <a:schemeClr val="accent1"/>
-          </a:lnRef>
-          <a:fillRef idx="0">
-            <a:schemeClr val="accent1"/>
-          </a:fillRef>
-          <a:effectRef idx="0">
-            <a:schemeClr val="accent1"/>
-          </a:effectRef>
-          <a:fontRef idx="minor">
-            <a:schemeClr val="tx1"/>
-          </a:fontRef>
-        </p:style>
-      </p:cxnSp>
-      <p:cxnSp>
-        <p:nvCxnSpPr>
-          <p:cNvPr id="20" name="Straight Connector 19">
-            <a:extLst>
-              <a:ext uri="{FF2B5EF4-FFF2-40B4-BE49-F238E27FC236}">
-                <a16:creationId xmlns:a16="http://schemas.microsoft.com/office/drawing/2014/main" id="{3F667C5D-9EE3-E547-9A10-73AFF75574F0}"/>
-              </a:ext>
-            </a:extLst>
-          </p:cNvPr>
-          <p:cNvCxnSpPr>
-            <a:stCxn id="2" idx="1"/>
-          </p:cNvCxnSpPr>
-          <p:nvPr/>
-        </p:nvCxnSpPr>
-        <p:spPr>
-          <a:xfrm flipH="1" flipV="1">
-            <a:off x="3499550" y="1578050"/>
-            <a:ext cx="123139" cy="134343"/>
-          </a:xfrm>
-          <a:prstGeom prst="line">
-            <a:avLst/>
-          </a:prstGeom>
-        </p:spPr>
-        <p:style>
-          <a:lnRef idx="1">
-            <a:schemeClr val="accent1"/>
-          </a:lnRef>
-          <a:fillRef idx="0">
-            <a:schemeClr val="accent1"/>
-          </a:fillRef>
-          <a:effectRef idx="0">
-            <a:schemeClr val="accent1"/>
-          </a:effectRef>
-          <a:fontRef idx="minor">
-            <a:schemeClr val="tx1"/>
-          </a:fontRef>
-        </p:style>
-      </p:cxnSp>
-      <p:cxnSp>
-        <p:nvCxnSpPr>
-          <p:cNvPr id="22" name="Straight Connector 21">
-            <a:extLst>
-              <a:ext uri="{FF2B5EF4-FFF2-40B4-BE49-F238E27FC236}">
-                <a16:creationId xmlns:a16="http://schemas.microsoft.com/office/drawing/2014/main" id="{FEF6FB89-5E52-3544-8783-1455835ED0BC}"/>
-              </a:ext>
-            </a:extLst>
-          </p:cNvPr>
-          <p:cNvCxnSpPr>
-            <a:cxnSpLocks/>
-          </p:cNvCxnSpPr>
-          <p:nvPr/>
-        </p:nvCxnSpPr>
-        <p:spPr>
-          <a:xfrm flipH="1" flipV="1">
-            <a:off x="3401526" y="1721221"/>
-            <a:ext cx="185110" cy="31666"/>
-          </a:xfrm>
-          <a:prstGeom prst="line">
-            <a:avLst/>
-          </a:prstGeom>
-        </p:spPr>
-        <p:style>
-          <a:lnRef idx="1">
-            <a:schemeClr val="accent1"/>
-          </a:lnRef>
-          <a:fillRef idx="0">
-            <a:schemeClr val="accent1"/>
-          </a:fillRef>
-          <a:effectRef idx="0">
-            <a:schemeClr val="accent1"/>
-          </a:effectRef>
-          <a:fontRef idx="minor">
-            <a:schemeClr val="tx1"/>
-          </a:fontRef>
-        </p:style>
-      </p:cxnSp>
-      <p:cxnSp>
-        <p:nvCxnSpPr>
-          <p:cNvPr id="24" name="Straight Connector 23">
-            <a:extLst>
-              <a:ext uri="{FF2B5EF4-FFF2-40B4-BE49-F238E27FC236}">
-                <a16:creationId xmlns:a16="http://schemas.microsoft.com/office/drawing/2014/main" id="{4FE9002F-94B8-6841-A771-6C226DA8F7BB}"/>
-              </a:ext>
-            </a:extLst>
-          </p:cNvPr>
-          <p:cNvCxnSpPr>
-            <a:cxnSpLocks/>
-          </p:cNvCxnSpPr>
-          <p:nvPr/>
-        </p:nvCxnSpPr>
-        <p:spPr>
-          <a:xfrm flipV="1">
-            <a:off x="4564788" y="1874448"/>
-            <a:ext cx="196826" cy="1"/>
-          </a:xfrm>
-          <a:prstGeom prst="line">
-            <a:avLst/>
-          </a:prstGeom>
-        </p:spPr>
-        <p:style>
-          <a:lnRef idx="1">
-            <a:schemeClr val="accent1"/>
-          </a:lnRef>
-          <a:fillRef idx="0">
-            <a:schemeClr val="accent1"/>
-          </a:fillRef>
-          <a:effectRef idx="0">
-            <a:schemeClr val="accent1"/>
-          </a:effectRef>
-          <a:fontRef idx="minor">
-            <a:schemeClr val="tx1"/>
-          </a:fontRef>
-        </p:style>
-      </p:cxnSp>
-      <p:cxnSp>
-        <p:nvCxnSpPr>
-          <p:cNvPr id="26" name="Straight Connector 25">
-            <a:extLst>
-              <a:ext uri="{FF2B5EF4-FFF2-40B4-BE49-F238E27FC236}">
-                <a16:creationId xmlns:a16="http://schemas.microsoft.com/office/drawing/2014/main" id="{41C88C75-036B-E448-8283-FED5A470FD34}"/>
-              </a:ext>
-            </a:extLst>
-          </p:cNvPr>
-          <p:cNvCxnSpPr>
-            <a:stCxn id="3" idx="5"/>
-          </p:cNvCxnSpPr>
-          <p:nvPr/>
-        </p:nvCxnSpPr>
-        <p:spPr>
-          <a:xfrm>
-            <a:off x="4500944" y="2478430"/>
-            <a:ext cx="91000" cy="112431"/>
-          </a:xfrm>
-          <a:prstGeom prst="line">
-            <a:avLst/>
-          </a:prstGeom>
-        </p:spPr>
-        <p:style>
-          <a:lnRef idx="1">
-            <a:schemeClr val="accent1"/>
-          </a:lnRef>
-          <a:fillRef idx="0">
-            <a:schemeClr val="accent1"/>
-          </a:fillRef>
-          <a:effectRef idx="0">
-            <a:schemeClr val="accent1"/>
-          </a:effectRef>
-          <a:fontRef idx="minor">
-            <a:schemeClr val="tx1"/>
-          </a:fontRef>
-        </p:style>
-      </p:cxnSp>
-      <p:sp>
-        <p:nvSpPr>
-          <p:cNvPr id="27" name="Oval 26">
-            <a:extLst>
-              <a:ext uri="{FF2B5EF4-FFF2-40B4-BE49-F238E27FC236}">
-                <a16:creationId xmlns:a16="http://schemas.microsoft.com/office/drawing/2014/main" id="{F8A8EE48-C0AA-D642-8E8D-FDA6CC0B7B7B}"/>
+                <a16:creationId xmlns:a16="http://schemas.microsoft.com/office/drawing/2014/main" id="{8826E424-8733-A34C-8881-992F49CAC825}"/>
               </a:ext>
             </a:extLst>
           </p:cNvPr>
@@ -23300,55 +24238,8 @@
         </p:nvSpPr>
         <p:spPr>
           <a:xfrm>
-            <a:off x="4313491" y="1026796"/>
-            <a:ext cx="246185" cy="266281"/>
-          </a:xfrm>
-          <a:prstGeom prst="ellipse">
-            <a:avLst/>
-          </a:prstGeom>
-          <a:noFill/>
-        </p:spPr>
-        <p:style>
-          <a:lnRef idx="2">
-            <a:schemeClr val="accent1">
-              <a:shade val="50000"/>
-            </a:schemeClr>
-          </a:lnRef>
-          <a:fillRef idx="1">
-            <a:schemeClr val="accent1"/>
-          </a:fillRef>
-          <a:effectRef idx="0">
-            <a:schemeClr val="accent1"/>
-          </a:effectRef>
-          <a:fontRef idx="minor">
-            <a:schemeClr val="lt1"/>
-          </a:fontRef>
-        </p:style>
-        <p:txBody>
-          <a:bodyPr rtlCol="0" anchor="ctr"/>
-          <a:lstStyle/>
-          <a:p>
-            <a:pPr algn="ctr"/>
-            <a:endParaRPr lang="en-US"/>
-          </a:p>
-        </p:txBody>
-      </p:sp>
-      <p:sp>
-        <p:nvSpPr>
-          <p:cNvPr id="28" name="Oval 27">
-            <a:extLst>
-              <a:ext uri="{FF2B5EF4-FFF2-40B4-BE49-F238E27FC236}">
-                <a16:creationId xmlns:a16="http://schemas.microsoft.com/office/drawing/2014/main" id="{AB390CAE-5270-9547-A120-F05383DFF0FD}"/>
-              </a:ext>
-            </a:extLst>
-          </p:cNvPr>
-          <p:cNvSpPr/>
-          <p:nvPr/>
-        </p:nvSpPr>
-        <p:spPr>
-          <a:xfrm>
-            <a:off x="5017667" y="1604544"/>
-            <a:ext cx="246185" cy="266281"/>
+            <a:off x="4110036" y="3501936"/>
+            <a:ext cx="2062158" cy="776506"/>
           </a:xfrm>
           <a:prstGeom prst="ellipse">
             <a:avLst/>
@@ -23384,10 +24275,10 @@
         <mc:Choice xmlns:a14="http://schemas.microsoft.com/office/drawing/2010/main" Requires="a14">
           <p:sp>
             <p:nvSpPr>
-              <p:cNvPr id="29" name="TextBox 28">
+              <p:cNvPr id="23" name="TextBox 22">
                 <a:extLst>
                   <a:ext uri="{FF2B5EF4-FFF2-40B4-BE49-F238E27FC236}">
-                    <a16:creationId xmlns:a16="http://schemas.microsoft.com/office/drawing/2014/main" id="{3F43D257-FD7C-CA47-AD1F-71F9AF579FC7}"/>
+                    <a16:creationId xmlns:a16="http://schemas.microsoft.com/office/drawing/2014/main" id="{8120BA05-3B41-F549-ABCC-B6CC46FC1252}"/>
                   </a:ext>
                 </a:extLst>
               </p:cNvPr>
@@ -23396,365 +24287,8 @@
             </p:nvSpPr>
             <p:spPr>
               <a:xfrm>
-                <a:off x="4053436" y="1444165"/>
-                <a:ext cx="813916" cy="261610"/>
-              </a:xfrm>
-              <a:prstGeom prst="rect">
-                <a:avLst/>
-              </a:prstGeom>
-              <a:noFill/>
-            </p:spPr>
-            <p:txBody>
-              <a:bodyPr wrap="square" rtlCol="0">
-                <a:spAutoFit/>
-              </a:bodyPr>
-              <a:lstStyle/>
-              <a:p>
-                <a14:m>
-                  <m:oMathPara xmlns:m="http://schemas.openxmlformats.org/officeDocument/2006/math">
-                    <m:oMathParaPr>
-                      <m:jc m:val="centerGroup"/>
-                    </m:oMathParaPr>
-                    <m:oMath xmlns:m="http://schemas.openxmlformats.org/officeDocument/2006/math">
-                      <m:sSub>
-                        <m:sSubPr>
-                          <m:ctrlPr>
-                            <a:rPr lang="en-US" sz="1100" i="1" smtClean="0">
-                              <a:latin typeface="Cambria Math" panose="02040503050406030204" pitchFamily="18" charset="0"/>
-                            </a:rPr>
-                          </m:ctrlPr>
-                        </m:sSubPr>
-                        <m:e>
-                          <m:r>
-                            <a:rPr lang="en-US" sz="1100" b="0" i="1" smtClean="0">
-                              <a:latin typeface="Cambria Math" panose="02040503050406030204" pitchFamily="18" charset="0"/>
-                            </a:rPr>
-                            <m:t>𝑤</m:t>
-                          </m:r>
-                        </m:e>
-                        <m:sub>
-                          <m:r>
-                            <a:rPr lang="en-US" sz="1100" b="0" i="1" smtClean="0">
-                              <a:latin typeface="Cambria Math" panose="02040503050406030204" pitchFamily="18" charset="0"/>
-                            </a:rPr>
-                            <m:t>2</m:t>
-                          </m:r>
-                        </m:sub>
-                      </m:sSub>
-                      <m:r>
-                        <a:rPr lang="en-US" sz="1100" i="1" smtClean="0">
-                          <a:latin typeface="Cambria Math" panose="02040503050406030204" pitchFamily="18" charset="0"/>
-                          <a:ea typeface="Cambria Math" panose="02040503050406030204" pitchFamily="18" charset="0"/>
-                        </a:rPr>
-                        <m:t>≡</m:t>
-                      </m:r>
-                      <m:r>
-                        <a:rPr lang="en-US" sz="1100" b="0" i="1" smtClean="0">
-                          <a:latin typeface="Cambria Math" panose="02040503050406030204" pitchFamily="18" charset="0"/>
-                          <a:ea typeface="Cambria Math" panose="02040503050406030204" pitchFamily="18" charset="0"/>
-                        </a:rPr>
-                        <m:t>𝑤</m:t>
-                      </m:r>
-                    </m:oMath>
-                  </m:oMathPara>
-                </a14:m>
-                <a:endParaRPr lang="en-US" sz="1100" dirty="0"/>
-              </a:p>
-            </p:txBody>
-          </p:sp>
-        </mc:Choice>
-        <mc:Fallback>
-          <p:sp>
-            <p:nvSpPr>
-              <p:cNvPr id="29" name="TextBox 28">
-                <a:extLst>
-                  <a:ext uri="{FF2B5EF4-FFF2-40B4-BE49-F238E27FC236}">
-                    <a16:creationId xmlns:a16="http://schemas.microsoft.com/office/drawing/2014/main" id="{3F43D257-FD7C-CA47-AD1F-71F9AF579FC7}"/>
-                  </a:ext>
-                </a:extLst>
-              </p:cNvPr>
-              <p:cNvSpPr txBox="1">
-                <a:spLocks noRot="1" noChangeAspect="1" noMove="1" noResize="1" noEditPoints="1" noAdjustHandles="1" noChangeArrowheads="1" noChangeShapeType="1" noTextEdit="1"/>
-              </p:cNvSpPr>
-              <p:nvPr/>
-            </p:nvSpPr>
-            <p:spPr>
-              <a:xfrm>
-                <a:off x="4053436" y="1444165"/>
-                <a:ext cx="813916" cy="261610"/>
-              </a:xfrm>
-              <a:prstGeom prst="rect">
-                <a:avLst/>
-              </a:prstGeom>
-              <a:blipFill>
-                <a:blip r:embed="rId3"/>
-                <a:stretch>
-                  <a:fillRect/>
-                </a:stretch>
-              </a:blipFill>
-            </p:spPr>
-            <p:txBody>
-              <a:bodyPr/>
-              <a:lstStyle/>
-              <a:p>
-                <a:r>
-                  <a:rPr lang="en-US">
-                    <a:noFill/>
-                  </a:rPr>
-                  <a:t> </a:t>
-                </a:r>
-              </a:p>
-            </p:txBody>
-          </p:sp>
-        </mc:Fallback>
-      </mc:AlternateContent>
-      <p:cxnSp>
-        <p:nvCxnSpPr>
-          <p:cNvPr id="30" name="Straight Connector 29">
-            <a:extLst>
-              <a:ext uri="{FF2B5EF4-FFF2-40B4-BE49-F238E27FC236}">
-                <a16:creationId xmlns:a16="http://schemas.microsoft.com/office/drawing/2014/main" id="{A41FF192-04FB-5140-90FC-C283BD9F7CC7}"/>
-              </a:ext>
-            </a:extLst>
-          </p:cNvPr>
-          <p:cNvCxnSpPr>
-            <a:cxnSpLocks/>
-          </p:cNvCxnSpPr>
-          <p:nvPr/>
-        </p:nvCxnSpPr>
-        <p:spPr>
-          <a:xfrm>
-            <a:off x="4523623" y="1267353"/>
-            <a:ext cx="530097" cy="381944"/>
-          </a:xfrm>
-          <a:prstGeom prst="line">
-            <a:avLst/>
-          </a:prstGeom>
-          <a:ln w="12700"/>
-        </p:spPr>
-        <p:style>
-          <a:lnRef idx="1">
-            <a:schemeClr val="accent1"/>
-          </a:lnRef>
-          <a:fillRef idx="0">
-            <a:schemeClr val="accent1"/>
-          </a:fillRef>
-          <a:effectRef idx="0">
-            <a:schemeClr val="accent1"/>
-          </a:effectRef>
-          <a:fontRef idx="minor">
-            <a:schemeClr val="tx1"/>
-          </a:fontRef>
-        </p:style>
-      </p:cxnSp>
-      <p:cxnSp>
-        <p:nvCxnSpPr>
-          <p:cNvPr id="31" name="Straight Connector 30">
-            <a:extLst>
-              <a:ext uri="{FF2B5EF4-FFF2-40B4-BE49-F238E27FC236}">
-                <a16:creationId xmlns:a16="http://schemas.microsoft.com/office/drawing/2014/main" id="{765E844E-0A69-4941-8E38-3A17B1BDE9D3}"/>
-              </a:ext>
-            </a:extLst>
-          </p:cNvPr>
-          <p:cNvCxnSpPr>
-            <a:cxnSpLocks/>
-          </p:cNvCxnSpPr>
-          <p:nvPr/>
-        </p:nvCxnSpPr>
-        <p:spPr>
-          <a:xfrm flipH="1" flipV="1">
-            <a:off x="4363395" y="845340"/>
-            <a:ext cx="36285" cy="181456"/>
-          </a:xfrm>
-          <a:prstGeom prst="line">
-            <a:avLst/>
-          </a:prstGeom>
-        </p:spPr>
-        <p:style>
-          <a:lnRef idx="1">
-            <a:schemeClr val="accent1"/>
-          </a:lnRef>
-          <a:fillRef idx="0">
-            <a:schemeClr val="accent1"/>
-          </a:fillRef>
-          <a:effectRef idx="0">
-            <a:schemeClr val="accent1"/>
-          </a:effectRef>
-          <a:fontRef idx="minor">
-            <a:schemeClr val="tx1"/>
-          </a:fontRef>
-        </p:style>
-      </p:cxnSp>
-      <p:cxnSp>
-        <p:nvCxnSpPr>
-          <p:cNvPr id="32" name="Straight Connector 31">
-            <a:extLst>
-              <a:ext uri="{FF2B5EF4-FFF2-40B4-BE49-F238E27FC236}">
-                <a16:creationId xmlns:a16="http://schemas.microsoft.com/office/drawing/2014/main" id="{7EAE7C7F-7F67-D245-AFBE-4F74145E88F1}"/>
-              </a:ext>
-            </a:extLst>
-          </p:cNvPr>
-          <p:cNvCxnSpPr>
-            <a:stCxn id="27" idx="1"/>
-          </p:cNvCxnSpPr>
-          <p:nvPr/>
-        </p:nvCxnSpPr>
-        <p:spPr>
-          <a:xfrm flipH="1" flipV="1">
-            <a:off x="4226405" y="931449"/>
-            <a:ext cx="123139" cy="134343"/>
-          </a:xfrm>
-          <a:prstGeom prst="line">
-            <a:avLst/>
-          </a:prstGeom>
-        </p:spPr>
-        <p:style>
-          <a:lnRef idx="1">
-            <a:schemeClr val="accent1"/>
-          </a:lnRef>
-          <a:fillRef idx="0">
-            <a:schemeClr val="accent1"/>
-          </a:fillRef>
-          <a:effectRef idx="0">
-            <a:schemeClr val="accent1"/>
-          </a:effectRef>
-          <a:fontRef idx="minor">
-            <a:schemeClr val="tx1"/>
-          </a:fontRef>
-        </p:style>
-      </p:cxnSp>
-      <p:cxnSp>
-        <p:nvCxnSpPr>
-          <p:cNvPr id="33" name="Straight Connector 32">
-            <a:extLst>
-              <a:ext uri="{FF2B5EF4-FFF2-40B4-BE49-F238E27FC236}">
-                <a16:creationId xmlns:a16="http://schemas.microsoft.com/office/drawing/2014/main" id="{FDB765E7-9277-5646-A8B5-EB63103E1B01}"/>
-              </a:ext>
-            </a:extLst>
-          </p:cNvPr>
-          <p:cNvCxnSpPr>
-            <a:cxnSpLocks/>
-          </p:cNvCxnSpPr>
-          <p:nvPr/>
-        </p:nvCxnSpPr>
-        <p:spPr>
-          <a:xfrm flipH="1" flipV="1">
-            <a:off x="4128381" y="1074620"/>
-            <a:ext cx="185110" cy="31666"/>
-          </a:xfrm>
-          <a:prstGeom prst="line">
-            <a:avLst/>
-          </a:prstGeom>
-        </p:spPr>
-        <p:style>
-          <a:lnRef idx="1">
-            <a:schemeClr val="accent1"/>
-          </a:lnRef>
-          <a:fillRef idx="0">
-            <a:schemeClr val="accent1"/>
-          </a:fillRef>
-          <a:effectRef idx="0">
-            <a:schemeClr val="accent1"/>
-          </a:effectRef>
-          <a:fontRef idx="minor">
-            <a:schemeClr val="tx1"/>
-          </a:fontRef>
-        </p:style>
-      </p:cxnSp>
-      <p:cxnSp>
-        <p:nvCxnSpPr>
-          <p:cNvPr id="34" name="Straight Connector 33">
-            <a:extLst>
-              <a:ext uri="{FF2B5EF4-FFF2-40B4-BE49-F238E27FC236}">
-                <a16:creationId xmlns:a16="http://schemas.microsoft.com/office/drawing/2014/main" id="{DAEDB616-5D8C-E84E-9A8C-EBC622935394}"/>
-              </a:ext>
-            </a:extLst>
-          </p:cNvPr>
-          <p:cNvCxnSpPr>
-            <a:stCxn id="28" idx="6"/>
-          </p:cNvCxnSpPr>
-          <p:nvPr/>
-        </p:nvCxnSpPr>
-        <p:spPr>
-          <a:xfrm flipV="1">
-            <a:off x="5263852" y="1737684"/>
-            <a:ext cx="196826" cy="1"/>
-          </a:xfrm>
-          <a:prstGeom prst="line">
-            <a:avLst/>
-          </a:prstGeom>
-        </p:spPr>
-        <p:style>
-          <a:lnRef idx="1">
-            <a:schemeClr val="accent1"/>
-          </a:lnRef>
-          <a:fillRef idx="0">
-            <a:schemeClr val="accent1"/>
-          </a:fillRef>
-          <a:effectRef idx="0">
-            <a:schemeClr val="accent1"/>
-          </a:effectRef>
-          <a:fontRef idx="minor">
-            <a:schemeClr val="tx1"/>
-          </a:fontRef>
-        </p:style>
-      </p:cxnSp>
-      <p:cxnSp>
-        <p:nvCxnSpPr>
-          <p:cNvPr id="35" name="Straight Connector 34">
-            <a:extLst>
-              <a:ext uri="{FF2B5EF4-FFF2-40B4-BE49-F238E27FC236}">
-                <a16:creationId xmlns:a16="http://schemas.microsoft.com/office/drawing/2014/main" id="{B67B990D-3470-EA4F-9E8C-3EA2AD113670}"/>
-              </a:ext>
-            </a:extLst>
-          </p:cNvPr>
-          <p:cNvCxnSpPr>
-            <a:stCxn id="28" idx="5"/>
-          </p:cNvCxnSpPr>
-          <p:nvPr/>
-        </p:nvCxnSpPr>
-        <p:spPr>
-          <a:xfrm>
-            <a:off x="5227799" y="1831829"/>
-            <a:ext cx="91000" cy="112431"/>
-          </a:xfrm>
-          <a:prstGeom prst="line">
-            <a:avLst/>
-          </a:prstGeom>
-        </p:spPr>
-        <p:style>
-          <a:lnRef idx="1">
-            <a:schemeClr val="accent1"/>
-          </a:lnRef>
-          <a:fillRef idx="0">
-            <a:schemeClr val="accent1"/>
-          </a:fillRef>
-          <a:effectRef idx="0">
-            <a:schemeClr val="accent1"/>
-          </a:effectRef>
-          <a:fontRef idx="minor">
-            <a:schemeClr val="tx1"/>
-          </a:fontRef>
-        </p:style>
-      </p:cxnSp>
-      <mc:AlternateContent xmlns:mc="http://schemas.openxmlformats.org/markup-compatibility/2006">
-        <mc:Choice xmlns:a14="http://schemas.microsoft.com/office/drawing/2010/main" Requires="a14">
-          <p:sp>
-            <p:nvSpPr>
-              <p:cNvPr id="79" name="TextBox 78">
-                <a:extLst>
-                  <a:ext uri="{FF2B5EF4-FFF2-40B4-BE49-F238E27FC236}">
-                    <a16:creationId xmlns:a16="http://schemas.microsoft.com/office/drawing/2014/main" id="{4F4940A5-FAD5-F942-A4CE-BAF85151ADC7}"/>
-                  </a:ext>
-                </a:extLst>
-              </p:cNvPr>
-              <p:cNvSpPr txBox="1"/>
-              <p:nvPr/>
-            </p:nvSpPr>
-            <p:spPr>
-              <a:xfrm>
-                <a:off x="3400742" y="2600762"/>
-                <a:ext cx="695383" cy="261610"/>
+                <a:off x="4066570" y="3718517"/>
+                <a:ext cx="936089" cy="345672"/>
               </a:xfrm>
               <a:prstGeom prst="rect">
                 <a:avLst/>
@@ -23773,45 +24307,92 @@
                       <m:jc m:val="centerGroup"/>
                     </m:oMathParaPr>
                     <m:oMath xmlns:m="http://schemas.openxmlformats.org/officeDocument/2006/math">
-                      <m:r>
-                        <a:rPr lang="en-US" sz="1100" b="0" i="1" dirty="0" smtClean="0">
-                          <a:latin typeface="Cambria Math" panose="02040503050406030204" pitchFamily="18" charset="0"/>
-                        </a:rPr>
-                        <m:t>𝑡</m:t>
-                      </m:r>
-                      <m:r>
-                        <a:rPr lang="en-US" sz="1100" b="0" i="1" dirty="0" smtClean="0">
-                          <a:latin typeface="Cambria Math" panose="02040503050406030204" pitchFamily="18" charset="0"/>
-                        </a:rPr>
-                        <m:t>=</m:t>
-                      </m:r>
-                      <m:sSub>
-                        <m:sSubPr>
+                      <m:d>
+                        <m:dPr>
                           <m:ctrlPr>
-                            <a:rPr lang="en-US" sz="1100" i="1"/>
-                          </m:ctrlPr>
-                        </m:sSubPr>
-                        <m:e>
-                          <m:r>
-                            <a:rPr lang="en-US" sz="1100" i="1"/>
-                            <m:t>𝑡</m:t>
-                          </m:r>
-                        </m:e>
-                        <m:sub>
-                          <m:r>
-                            <a:rPr lang="en-US" sz="1100" b="0" i="1" smtClean="0">
+                            <a:rPr lang="en-US" sz="1100" i="1" smtClean="0">
                               <a:latin typeface="Cambria Math" panose="02040503050406030204" pitchFamily="18" charset="0"/>
                             </a:rPr>
-                            <m:t>𝑙</m:t>
-                          </m:r>
+                          </m:ctrlPr>
+                        </m:dPr>
+                        <m:e>
+                          <m:sSubSup>
+                            <m:sSubSupPr>
+                              <m:ctrlPr>
+                                <a:rPr lang="en-US" sz="1100" i="1" smtClean="0">
+                                  <a:latin typeface="Cambria Math" panose="02040503050406030204" pitchFamily="18" charset="0"/>
+                                </a:rPr>
+                              </m:ctrlPr>
+                            </m:sSubSupPr>
+                            <m:e>
+                              <m:r>
+                                <a:rPr lang="en-US" sz="1100" b="0" i="1" smtClean="0">
+                                  <a:latin typeface="Cambria Math" panose="02040503050406030204" pitchFamily="18" charset="0"/>
+                                </a:rPr>
+                                <m:t>𝑜</m:t>
+                              </m:r>
+                            </m:e>
+                            <m:sub>
+                              <m:r>
+                                <a:rPr lang="en-US" sz="1100" b="0" i="1" smtClean="0">
+                                  <a:latin typeface="Cambria Math" panose="02040503050406030204" pitchFamily="18" charset="0"/>
+                                </a:rPr>
+                                <m:t>2</m:t>
+                              </m:r>
+                            </m:sub>
+                            <m:sup>
+                              <m:d>
+                                <m:dPr>
+                                  <m:ctrlPr>
+                                    <a:rPr lang="en-US" sz="1100" i="1" smtClean="0">
+                                      <a:latin typeface="Cambria Math" panose="02040503050406030204" pitchFamily="18" charset="0"/>
+                                    </a:rPr>
+                                  </m:ctrlPr>
+                                </m:dPr>
+                                <m:e>
+                                  <m:r>
+                                    <a:rPr lang="en-US" sz="1100" b="0" i="1" smtClean="0">
+                                      <a:latin typeface="Cambria Math" panose="02040503050406030204" pitchFamily="18" charset="0"/>
+                                    </a:rPr>
+                                    <m:t>𝐾</m:t>
+                                  </m:r>
+                                </m:e>
+                              </m:d>
+                            </m:sup>
+                          </m:sSubSup>
                           <m:r>
-                            <a:rPr lang="en-US" sz="1100" b="0" i="1" smtClean="0">
+                            <a:rPr lang="en-US" sz="1100" i="1">
                               <a:latin typeface="Cambria Math" panose="02040503050406030204" pitchFamily="18" charset="0"/>
                             </a:rPr>
-                            <m:t>−1</m:t>
+                            <m:t>−</m:t>
                           </m:r>
-                        </m:sub>
-                      </m:sSub>
+                          <m:sSub>
+                            <m:sSubPr>
+                              <m:ctrlPr>
+                                <a:rPr lang="en-US" sz="1100" i="1">
+                                  <a:latin typeface="Cambria Math" panose="02040503050406030204" pitchFamily="18" charset="0"/>
+                                </a:rPr>
+                              </m:ctrlPr>
+                            </m:sSubPr>
+                            <m:e>
+                              <m:r>
+                                <a:rPr lang="en-US" sz="1100" i="1">
+                                  <a:latin typeface="Cambria Math" panose="02040503050406030204" pitchFamily="18" charset="0"/>
+                                </a:rPr>
+                                <m:t>𝜏</m:t>
+                              </m:r>
+                            </m:e>
+                            <m:sub>
+                              <m:r>
+                                <a:rPr lang="en-US" sz="1100" b="0" i="1" smtClean="0">
+                                  <a:latin typeface="Cambria Math" panose="02040503050406030204" pitchFamily="18" charset="0"/>
+                                </a:rPr>
+                                <m:t>2</m:t>
+                              </m:r>
+                            </m:sub>
+                          </m:sSub>
+                        </m:e>
+                      </m:d>
                     </m:oMath>
                   </m:oMathPara>
                 </a14:m>
@@ -23823,10 +24404,10 @@
         <mc:Fallback>
           <p:sp>
             <p:nvSpPr>
-              <p:cNvPr id="79" name="TextBox 78">
+              <p:cNvPr id="23" name="TextBox 22">
                 <a:extLst>
                   <a:ext uri="{FF2B5EF4-FFF2-40B4-BE49-F238E27FC236}">
-                    <a16:creationId xmlns:a16="http://schemas.microsoft.com/office/drawing/2014/main" id="{4F4940A5-FAD5-F942-A4CE-BAF85151ADC7}"/>
+                    <a16:creationId xmlns:a16="http://schemas.microsoft.com/office/drawing/2014/main" id="{8120BA05-3B41-F549-ABCC-B6CC46FC1252}"/>
                   </a:ext>
                 </a:extLst>
               </p:cNvPr>
@@ -23837,14 +24418,14 @@
             </p:nvSpPr>
             <p:spPr>
               <a:xfrm>
-                <a:off x="3400742" y="2600762"/>
-                <a:ext cx="695383" cy="261610"/>
+                <a:off x="4066570" y="3718517"/>
+                <a:ext cx="936089" cy="345672"/>
               </a:xfrm>
               <a:prstGeom prst="rect">
                 <a:avLst/>
               </a:prstGeom>
               <a:blipFill>
-                <a:blip r:embed="rId4"/>
+                <a:blip r:embed="rId10"/>
                 <a:stretch>
                   <a:fillRect/>
                 </a:stretch>
@@ -23869,10 +24450,10 @@
         <mc:Choice xmlns:a14="http://schemas.microsoft.com/office/drawing/2010/main" Requires="a14">
           <p:sp>
             <p:nvSpPr>
-              <p:cNvPr id="80" name="TextBox 79">
+              <p:cNvPr id="24" name="TextBox 23">
                 <a:extLst>
                   <a:ext uri="{FF2B5EF4-FFF2-40B4-BE49-F238E27FC236}">
-                    <a16:creationId xmlns:a16="http://schemas.microsoft.com/office/drawing/2014/main" id="{861CAE32-5B55-204E-BEB3-2239DBDCB3C2}"/>
+                    <a16:creationId xmlns:a16="http://schemas.microsoft.com/office/drawing/2014/main" id="{11958DE7-DEFB-864E-A7D5-B293DFB2536E}"/>
                   </a:ext>
                 </a:extLst>
               </p:cNvPr>
@@ -23881,8 +24462,8 @@
             </p:nvSpPr>
             <p:spPr>
               <a:xfrm>
-                <a:off x="4164207" y="2604149"/>
-                <a:ext cx="560731" cy="261610"/>
+                <a:off x="5007589" y="3706499"/>
+                <a:ext cx="1235338" cy="383438"/>
               </a:xfrm>
               <a:prstGeom prst="rect">
                 <a:avLst/>
@@ -23901,39 +24482,129 @@
                       <m:jc m:val="centerGroup"/>
                     </m:oMathParaPr>
                     <m:oMath xmlns:m="http://schemas.openxmlformats.org/officeDocument/2006/math">
-                      <m:r>
-                        <a:rPr lang="en-US" sz="1100" b="0" i="1" dirty="0" smtClean="0">
-                          <a:latin typeface="Cambria Math" panose="02040503050406030204" pitchFamily="18" charset="0"/>
-                        </a:rPr>
-                        <m:t>𝑡</m:t>
-                      </m:r>
-                      <m:r>
-                        <a:rPr lang="en-US" sz="1100" b="0" i="1" dirty="0" smtClean="0">
-                          <a:latin typeface="Cambria Math" panose="02040503050406030204" pitchFamily="18" charset="0"/>
-                        </a:rPr>
-                        <m:t>=</m:t>
-                      </m:r>
-                      <m:sSub>
-                        <m:sSubPr>
+                      <m:sSup>
+                        <m:sSupPr>
                           <m:ctrlPr>
-                            <a:rPr lang="en-US" sz="1100" i="1"/>
+                            <a:rPr lang="en-US" sz="1100" i="1" smtClean="0"/>
                           </m:ctrlPr>
-                        </m:sSubPr>
+                        </m:sSupPr>
                         <m:e>
+                          <m:f>
+                            <m:fPr>
+                              <m:type m:val="skw"/>
+                              <m:ctrlPr>
+                                <a:rPr lang="en-US" sz="1100" i="1" smtClean="0">
+                                  <a:latin typeface="Cambria Math" panose="02040503050406030204" pitchFamily="18" charset="0"/>
+                                </a:rPr>
+                              </m:ctrlPr>
+                            </m:fPr>
+                            <m:num>
+                              <m:r>
+                                <a:rPr lang="en-US" sz="1100" b="0" i="1" smtClean="0">
+                                  <a:latin typeface="Cambria Math" panose="02040503050406030204" pitchFamily="18" charset="0"/>
+                                </a:rPr>
+                                <m:t>1</m:t>
+                              </m:r>
+                            </m:num>
+                            <m:den>
+                              <m:r>
+                                <a:rPr lang="en-US" sz="1100" b="0" i="1" smtClean="0">
+                                  <a:latin typeface="Cambria Math" panose="02040503050406030204" pitchFamily="18" charset="0"/>
+                                </a:rPr>
+                                <m:t>2</m:t>
+                              </m:r>
+                            </m:den>
+                          </m:f>
+                          <m:d>
+                            <m:dPr>
+                              <m:ctrlPr>
+                                <a:rPr lang="en-US" sz="1100" i="1" smtClean="0"/>
+                              </m:ctrlPr>
+                            </m:dPr>
+                            <m:e>
+                              <m:sSubSup>
+                                <m:sSubSupPr>
+                                  <m:ctrlPr>
+                                    <a:rPr lang="en-US" sz="1100" i="1" smtClean="0">
+                                      <a:latin typeface="Cambria Math" panose="02040503050406030204" pitchFamily="18" charset="0"/>
+                                    </a:rPr>
+                                  </m:ctrlPr>
+                                </m:sSubSupPr>
+                                <m:e>
+                                  <m:r>
+                                    <a:rPr lang="en-US" sz="1100" b="0" i="1" smtClean="0">
+                                      <a:latin typeface="Cambria Math" panose="02040503050406030204" pitchFamily="18" charset="0"/>
+                                    </a:rPr>
+                                    <m:t>𝑜</m:t>
+                                  </m:r>
+                                </m:e>
+                                <m:sub>
+                                  <m:r>
+                                    <a:rPr lang="en-US" sz="1100" b="0" i="1" smtClean="0">
+                                      <a:latin typeface="Cambria Math" panose="02040503050406030204" pitchFamily="18" charset="0"/>
+                                    </a:rPr>
+                                    <m:t>2</m:t>
+                                  </m:r>
+                                </m:sub>
+                                <m:sup>
+                                  <m:d>
+                                    <m:dPr>
+                                      <m:ctrlPr>
+                                        <a:rPr lang="en-US" sz="1100" i="1" smtClean="0">
+                                          <a:latin typeface="Cambria Math" panose="02040503050406030204" pitchFamily="18" charset="0"/>
+                                        </a:rPr>
+                                      </m:ctrlPr>
+                                    </m:dPr>
+                                    <m:e>
+                                      <m:r>
+                                        <a:rPr lang="en-US" sz="1100" b="0" i="1" smtClean="0">
+                                          <a:latin typeface="Cambria Math" panose="02040503050406030204" pitchFamily="18" charset="0"/>
+                                        </a:rPr>
+                                        <m:t>𝐾</m:t>
+                                      </m:r>
+                                    </m:e>
+                                  </m:d>
+                                </m:sup>
+                              </m:sSubSup>
+                              <m:r>
+                                <a:rPr lang="en-US" sz="1100" i="1"/>
+                                <m:t>−</m:t>
+                              </m:r>
+                              <m:sSub>
+                                <m:sSubPr>
+                                  <m:ctrlPr>
+                                    <a:rPr lang="en-US" sz="1100" i="1" smtClean="0">
+                                      <a:latin typeface="Cambria Math" panose="02040503050406030204" pitchFamily="18" charset="0"/>
+                                    </a:rPr>
+                                  </m:ctrlPr>
+                                </m:sSubPr>
+                                <m:e>
+                                  <m:r>
+                                    <a:rPr lang="en-US" sz="1100" i="1">
+                                      <a:latin typeface="Cambria Math" panose="02040503050406030204" pitchFamily="18" charset="0"/>
+                                    </a:rPr>
+                                    <m:t>𝜏</m:t>
+                                  </m:r>
+                                </m:e>
+                                <m:sub>
+                                  <m:r>
+                                    <a:rPr lang="en-US" sz="1100" b="0" i="1" smtClean="0">
+                                      <a:latin typeface="Cambria Math" panose="02040503050406030204" pitchFamily="18" charset="0"/>
+                                    </a:rPr>
+                                    <m:t>2</m:t>
+                                  </m:r>
+                                </m:sub>
+                              </m:sSub>
+                            </m:e>
+                          </m:d>
+                        </m:e>
+                        <m:sup>
                           <m:r>
                             <a:rPr lang="en-US" sz="1100" i="1"/>
-                            <m:t>𝑡</m:t>
+                            <m:t>2</m:t>
                           </m:r>
-                        </m:e>
-                        <m:sub>
-                          <m:r>
-                            <a:rPr lang="en-US" sz="1100" b="0" i="1" smtClean="0">
-                              <a:latin typeface="Cambria Math" panose="02040503050406030204" pitchFamily="18" charset="0"/>
-                            </a:rPr>
-                            <m:t>𝑙</m:t>
-                          </m:r>
-                        </m:sub>
-                      </m:sSub>
+                        </m:sup>
+                      </m:sSup>
                     </m:oMath>
                   </m:oMathPara>
                 </a14:m>
@@ -23945,10 +24616,10 @@
         <mc:Fallback>
           <p:sp>
             <p:nvSpPr>
-              <p:cNvPr id="80" name="TextBox 79">
+              <p:cNvPr id="24" name="TextBox 23">
                 <a:extLst>
                   <a:ext uri="{FF2B5EF4-FFF2-40B4-BE49-F238E27FC236}">
-                    <a16:creationId xmlns:a16="http://schemas.microsoft.com/office/drawing/2014/main" id="{861CAE32-5B55-204E-BEB3-2239DBDCB3C2}"/>
+                    <a16:creationId xmlns:a16="http://schemas.microsoft.com/office/drawing/2014/main" id="{11958DE7-DEFB-864E-A7D5-B293DFB2536E}"/>
                   </a:ext>
                 </a:extLst>
               </p:cNvPr>
@@ -23959,14 +24630,273 @@
             </p:nvSpPr>
             <p:spPr>
               <a:xfrm>
-                <a:off x="4164207" y="2604149"/>
-                <a:ext cx="560731" cy="261610"/>
+                <a:off x="5007589" y="3706499"/>
+                <a:ext cx="1235338" cy="383438"/>
               </a:xfrm>
               <a:prstGeom prst="rect">
                 <a:avLst/>
               </a:prstGeom>
               <a:blipFill>
-                <a:blip r:embed="rId5"/>
+                <a:blip r:embed="rId11"/>
+                <a:stretch>
+                  <a:fillRect l="-9184" t="-56250" b="-109375"/>
+                </a:stretch>
+              </a:blipFill>
+            </p:spPr>
+            <p:txBody>
+              <a:bodyPr/>
+              <a:lstStyle/>
+              <a:p>
+                <a:r>
+                  <a:rPr lang="en-US">
+                    <a:noFill/>
+                  </a:rPr>
+                  <a:t> </a:t>
+                </a:r>
+              </a:p>
+            </p:txBody>
+          </p:sp>
+        </mc:Fallback>
+      </mc:AlternateContent>
+      <p:cxnSp>
+        <p:nvCxnSpPr>
+          <p:cNvPr id="25" name="Straight Connector 24">
+            <a:extLst>
+              <a:ext uri="{FF2B5EF4-FFF2-40B4-BE49-F238E27FC236}">
+                <a16:creationId xmlns:a16="http://schemas.microsoft.com/office/drawing/2014/main" id="{B57EDB2D-0B5E-D44D-9C17-BCF1EC9CD759}"/>
+              </a:ext>
+            </a:extLst>
+          </p:cNvPr>
+          <p:cNvCxnSpPr/>
+          <p:nvPr/>
+        </p:nvCxnSpPr>
+        <p:spPr>
+          <a:xfrm>
+            <a:off x="5007589" y="3501936"/>
+            <a:ext cx="0" cy="776506"/>
+          </a:xfrm>
+          <a:prstGeom prst="line">
+            <a:avLst/>
+          </a:prstGeom>
+          <a:ln w="12700"/>
+        </p:spPr>
+        <p:style>
+          <a:lnRef idx="1">
+            <a:schemeClr val="accent1"/>
+          </a:lnRef>
+          <a:fillRef idx="0">
+            <a:schemeClr val="accent1"/>
+          </a:fillRef>
+          <a:effectRef idx="0">
+            <a:schemeClr val="accent1"/>
+          </a:effectRef>
+          <a:fontRef idx="minor">
+            <a:schemeClr val="tx1"/>
+          </a:fontRef>
+        </p:style>
+      </p:cxnSp>
+      <p:sp>
+        <p:nvSpPr>
+          <p:cNvPr id="27" name="Oval 26">
+            <a:extLst>
+              <a:ext uri="{FF2B5EF4-FFF2-40B4-BE49-F238E27FC236}">
+                <a16:creationId xmlns:a16="http://schemas.microsoft.com/office/drawing/2014/main" id="{519B4C6A-F2D4-5843-BBC5-FBE44CCB2822}"/>
+              </a:ext>
+            </a:extLst>
+          </p:cNvPr>
+          <p:cNvSpPr/>
+          <p:nvPr/>
+        </p:nvSpPr>
+        <p:spPr>
+          <a:xfrm>
+            <a:off x="4110036" y="4673511"/>
+            <a:ext cx="2062158" cy="776506"/>
+          </a:xfrm>
+          <a:prstGeom prst="ellipse">
+            <a:avLst/>
+          </a:prstGeom>
+          <a:noFill/>
+        </p:spPr>
+        <p:style>
+          <a:lnRef idx="2">
+            <a:schemeClr val="accent1">
+              <a:shade val="50000"/>
+            </a:schemeClr>
+          </a:lnRef>
+          <a:fillRef idx="1">
+            <a:schemeClr val="accent1"/>
+          </a:fillRef>
+          <a:effectRef idx="0">
+            <a:schemeClr val="accent1"/>
+          </a:effectRef>
+          <a:fontRef idx="minor">
+            <a:schemeClr val="lt1"/>
+          </a:fontRef>
+        </p:style>
+        <p:txBody>
+          <a:bodyPr rtlCol="0" anchor="ctr"/>
+          <a:lstStyle/>
+          <a:p>
+            <a:pPr algn="ctr"/>
+            <a:endParaRPr lang="en-US"/>
+          </a:p>
+        </p:txBody>
+      </p:sp>
+      <mc:AlternateContent xmlns:mc="http://schemas.openxmlformats.org/markup-compatibility/2006">
+        <mc:Choice xmlns:a14="http://schemas.microsoft.com/office/drawing/2010/main" Requires="a14">
+          <p:sp>
+            <p:nvSpPr>
+              <p:cNvPr id="28" name="TextBox 27">
+                <a:extLst>
+                  <a:ext uri="{FF2B5EF4-FFF2-40B4-BE49-F238E27FC236}">
+                    <a16:creationId xmlns:a16="http://schemas.microsoft.com/office/drawing/2014/main" id="{A548609B-49AE-7C42-AA80-D1F9ECC0F5DB}"/>
+                  </a:ext>
+                </a:extLst>
+              </p:cNvPr>
+              <p:cNvSpPr txBox="1"/>
+              <p:nvPr/>
+            </p:nvSpPr>
+            <p:spPr>
+              <a:xfrm>
+                <a:off x="4066570" y="4890092"/>
+                <a:ext cx="936089" cy="345672"/>
+              </a:xfrm>
+              <a:prstGeom prst="rect">
+                <a:avLst/>
+              </a:prstGeom>
+              <a:noFill/>
+            </p:spPr>
+            <p:txBody>
+              <a:bodyPr wrap="none" rtlCol="0">
+                <a:spAutoFit/>
+              </a:bodyPr>
+              <a:lstStyle/>
+              <a:p>
+                <a14:m>
+                  <m:oMathPara xmlns:m="http://schemas.openxmlformats.org/officeDocument/2006/math">
+                    <m:oMathParaPr>
+                      <m:jc m:val="centerGroup"/>
+                    </m:oMathParaPr>
+                    <m:oMath xmlns:m="http://schemas.openxmlformats.org/officeDocument/2006/math">
+                      <m:d>
+                        <m:dPr>
+                          <m:ctrlPr>
+                            <a:rPr lang="en-US" sz="1100" i="1" smtClean="0">
+                              <a:latin typeface="Cambria Math" panose="02040503050406030204" pitchFamily="18" charset="0"/>
+                            </a:rPr>
+                          </m:ctrlPr>
+                        </m:dPr>
+                        <m:e>
+                          <m:sSubSup>
+                            <m:sSubSupPr>
+                              <m:ctrlPr>
+                                <a:rPr lang="en-US" sz="1100" i="1" smtClean="0">
+                                  <a:latin typeface="Cambria Math" panose="02040503050406030204" pitchFamily="18" charset="0"/>
+                                </a:rPr>
+                              </m:ctrlPr>
+                            </m:sSubSupPr>
+                            <m:e>
+                              <m:r>
+                                <a:rPr lang="en-US" sz="1100" b="0" i="1" smtClean="0">
+                                  <a:latin typeface="Cambria Math" panose="02040503050406030204" pitchFamily="18" charset="0"/>
+                                </a:rPr>
+                                <m:t>𝑜</m:t>
+                              </m:r>
+                            </m:e>
+                            <m:sub>
+                              <m:r>
+                                <a:rPr lang="en-US" sz="1100" b="0" i="1" smtClean="0">
+                                  <a:latin typeface="Cambria Math" panose="02040503050406030204" pitchFamily="18" charset="0"/>
+                                </a:rPr>
+                                <m:t>𝑚</m:t>
+                              </m:r>
+                            </m:sub>
+                            <m:sup>
+                              <m:d>
+                                <m:dPr>
+                                  <m:ctrlPr>
+                                    <a:rPr lang="en-US" sz="1100" i="1" smtClean="0">
+                                      <a:latin typeface="Cambria Math" panose="02040503050406030204" pitchFamily="18" charset="0"/>
+                                    </a:rPr>
+                                  </m:ctrlPr>
+                                </m:dPr>
+                                <m:e>
+                                  <m:r>
+                                    <a:rPr lang="en-US" sz="1100" b="0" i="1" smtClean="0">
+                                      <a:latin typeface="Cambria Math" panose="02040503050406030204" pitchFamily="18" charset="0"/>
+                                    </a:rPr>
+                                    <m:t>𝐾</m:t>
+                                  </m:r>
+                                </m:e>
+                              </m:d>
+                            </m:sup>
+                          </m:sSubSup>
+                          <m:r>
+                            <a:rPr lang="en-US" sz="1100" i="1">
+                              <a:latin typeface="Cambria Math" panose="02040503050406030204" pitchFamily="18" charset="0"/>
+                            </a:rPr>
+                            <m:t>−</m:t>
+                          </m:r>
+                          <m:sSub>
+                            <m:sSubPr>
+                              <m:ctrlPr>
+                                <a:rPr lang="en-US" sz="1100" i="1">
+                                  <a:latin typeface="Cambria Math" panose="02040503050406030204" pitchFamily="18" charset="0"/>
+                                </a:rPr>
+                              </m:ctrlPr>
+                            </m:sSubPr>
+                            <m:e>
+                              <m:r>
+                                <a:rPr lang="en-US" sz="1100" i="1">
+                                  <a:latin typeface="Cambria Math" panose="02040503050406030204" pitchFamily="18" charset="0"/>
+                                </a:rPr>
+                                <m:t>𝜏</m:t>
+                              </m:r>
+                            </m:e>
+                            <m:sub>
+                              <m:r>
+                                <a:rPr lang="en-US" sz="1100" b="0" i="1" smtClean="0">
+                                  <a:latin typeface="Cambria Math" panose="02040503050406030204" pitchFamily="18" charset="0"/>
+                                </a:rPr>
+                                <m:t>𝑚</m:t>
+                              </m:r>
+                            </m:sub>
+                          </m:sSub>
+                        </m:e>
+                      </m:d>
+                    </m:oMath>
+                  </m:oMathPara>
+                </a14:m>
+                <a:endParaRPr lang="en-US" sz="1100" dirty="0"/>
+              </a:p>
+            </p:txBody>
+          </p:sp>
+        </mc:Choice>
+        <mc:Fallback>
+          <p:sp>
+            <p:nvSpPr>
+              <p:cNvPr id="28" name="TextBox 27">
+                <a:extLst>
+                  <a:ext uri="{FF2B5EF4-FFF2-40B4-BE49-F238E27FC236}">
+                    <a16:creationId xmlns:a16="http://schemas.microsoft.com/office/drawing/2014/main" id="{A548609B-49AE-7C42-AA80-D1F9ECC0F5DB}"/>
+                  </a:ext>
+                </a:extLst>
+              </p:cNvPr>
+              <p:cNvSpPr txBox="1">
+                <a:spLocks noRot="1" noChangeAspect="1" noMove="1" noResize="1" noEditPoints="1" noAdjustHandles="1" noChangeArrowheads="1" noChangeShapeType="1" noTextEdit="1"/>
+              </p:cNvSpPr>
+              <p:nvPr/>
+            </p:nvSpPr>
+            <p:spPr>
+              <a:xfrm>
+                <a:off x="4066570" y="4890092"/>
+                <a:ext cx="936089" cy="345672"/>
+              </a:xfrm>
+              <a:prstGeom prst="rect">
+                <a:avLst/>
+              </a:prstGeom>
+              <a:blipFill>
+                <a:blip r:embed="rId12"/>
                 <a:stretch>
                   <a:fillRect/>
                 </a:stretch>
@@ -23991,10 +24921,10 @@
         <mc:Choice xmlns:a14="http://schemas.microsoft.com/office/drawing/2010/main" Requires="a14">
           <p:sp>
             <p:nvSpPr>
-              <p:cNvPr id="83" name="TextBox 82">
+              <p:cNvPr id="29" name="TextBox 28">
                 <a:extLst>
                   <a:ext uri="{FF2B5EF4-FFF2-40B4-BE49-F238E27FC236}">
-                    <a16:creationId xmlns:a16="http://schemas.microsoft.com/office/drawing/2014/main" id="{D27F92E6-9F81-C444-BFAA-FB69BF587611}"/>
+                    <a16:creationId xmlns:a16="http://schemas.microsoft.com/office/drawing/2014/main" id="{6F7AD868-41D4-DD4A-8D6F-C80AF46E7C83}"/>
                   </a:ext>
                 </a:extLst>
               </p:cNvPr>
@@ -24003,8 +24933,8 @@
             </p:nvSpPr>
             <p:spPr>
               <a:xfrm>
-                <a:off x="3370617" y="566793"/>
-                <a:ext cx="648383" cy="261610"/>
+                <a:off x="5007589" y="4878074"/>
+                <a:ext cx="1238672" cy="383438"/>
               </a:xfrm>
               <a:prstGeom prst="rect">
                 <a:avLst/>
@@ -24023,62 +24953,129 @@
                       <m:jc m:val="centerGroup"/>
                     </m:oMathParaPr>
                     <m:oMath xmlns:m="http://schemas.openxmlformats.org/officeDocument/2006/math">
-                      <m:acc>
-                        <m:accPr>
-                          <m:chr m:val="⃗"/>
+                      <m:sSup>
+                        <m:sSupPr>
                           <m:ctrlPr>
                             <a:rPr lang="en-US" sz="1100" i="1" smtClean="0"/>
                           </m:ctrlPr>
-                        </m:accPr>
+                        </m:sSupPr>
                         <m:e>
-                          <m:r>
-                            <a:rPr lang="en-US" sz="1100" b="0" i="1" smtClean="0">
-                              <a:latin typeface="Cambria Math" panose="02040503050406030204" pitchFamily="18" charset="0"/>
-                            </a:rPr>
-                            <m:t>𝑥</m:t>
-                          </m:r>
-                        </m:e>
-                      </m:acc>
-                      <m:d>
-                        <m:dPr>
-                          <m:ctrlPr>
-                            <a:rPr lang="en-US" sz="1100" i="1"/>
-                          </m:ctrlPr>
-                        </m:dPr>
-                        <m:e>
-                          <m:sSub>
-                            <m:sSubPr>
+                          <m:f>
+                            <m:fPr>
+                              <m:type m:val="skw"/>
                               <m:ctrlPr>
                                 <a:rPr lang="en-US" sz="1100" i="1" smtClean="0">
                                   <a:latin typeface="Cambria Math" panose="02040503050406030204" pitchFamily="18" charset="0"/>
                                 </a:rPr>
                               </m:ctrlPr>
-                            </m:sSubPr>
-                            <m:e>
-                              <m:r>
-                                <a:rPr lang="en-US" sz="1100" i="1">
-                                  <a:latin typeface="Cambria Math" panose="02040503050406030204" pitchFamily="18" charset="0"/>
-                                </a:rPr>
-                                <m:t>𝑡</m:t>
-                              </m:r>
-                            </m:e>
-                            <m:sub>
+                            </m:fPr>
+                            <m:num>
                               <m:r>
                                 <a:rPr lang="en-US" sz="1100" b="0" i="1" smtClean="0">
                                   <a:latin typeface="Cambria Math" panose="02040503050406030204" pitchFamily="18" charset="0"/>
                                 </a:rPr>
-                                <m:t>𝑙</m:t>
+                                <m:t>1</m:t>
                               </m:r>
+                            </m:num>
+                            <m:den>
                               <m:r>
                                 <a:rPr lang="en-US" sz="1100" b="0" i="1" smtClean="0">
                                   <a:latin typeface="Cambria Math" panose="02040503050406030204" pitchFamily="18" charset="0"/>
                                 </a:rPr>
-                                <m:t>−1</m:t>
+                                <m:t>2</m:t>
                               </m:r>
-                            </m:sub>
-                          </m:sSub>
+                            </m:den>
+                          </m:f>
+                          <m:d>
+                            <m:dPr>
+                              <m:ctrlPr>
+                                <a:rPr lang="en-US" sz="1100" i="1" smtClean="0"/>
+                              </m:ctrlPr>
+                            </m:dPr>
+                            <m:e>
+                              <m:sSubSup>
+                                <m:sSubSupPr>
+                                  <m:ctrlPr>
+                                    <a:rPr lang="en-US" sz="1100" i="1" smtClean="0">
+                                      <a:latin typeface="Cambria Math" panose="02040503050406030204" pitchFamily="18" charset="0"/>
+                                    </a:rPr>
+                                  </m:ctrlPr>
+                                </m:sSubSupPr>
+                                <m:e>
+                                  <m:r>
+                                    <a:rPr lang="en-US" sz="1100" b="0" i="1" smtClean="0">
+                                      <a:latin typeface="Cambria Math" panose="02040503050406030204" pitchFamily="18" charset="0"/>
+                                    </a:rPr>
+                                    <m:t>𝑜</m:t>
+                                  </m:r>
+                                </m:e>
+                                <m:sub>
+                                  <m:r>
+                                    <a:rPr lang="en-US" sz="1100" b="0" i="1" smtClean="0">
+                                      <a:latin typeface="Cambria Math" panose="02040503050406030204" pitchFamily="18" charset="0"/>
+                                    </a:rPr>
+                                    <m:t>𝑚</m:t>
+                                  </m:r>
+                                </m:sub>
+                                <m:sup>
+                                  <m:d>
+                                    <m:dPr>
+                                      <m:ctrlPr>
+                                        <a:rPr lang="en-US" sz="1100" i="1" smtClean="0">
+                                          <a:latin typeface="Cambria Math" panose="02040503050406030204" pitchFamily="18" charset="0"/>
+                                        </a:rPr>
+                                      </m:ctrlPr>
+                                    </m:dPr>
+                                    <m:e>
+                                      <m:r>
+                                        <a:rPr lang="en-US" sz="1100" b="0" i="1" smtClean="0">
+                                          <a:latin typeface="Cambria Math" panose="02040503050406030204" pitchFamily="18" charset="0"/>
+                                        </a:rPr>
+                                        <m:t>𝐾</m:t>
+                                      </m:r>
+                                    </m:e>
+                                  </m:d>
+                                </m:sup>
+                              </m:sSubSup>
+                              <m:r>
+                                <a:rPr lang="en-US" sz="1100" i="1"/>
+                                <m:t>−</m:t>
+                              </m:r>
+                              <m:sSub>
+                                <m:sSubPr>
+                                  <m:ctrlPr>
+                                    <a:rPr lang="en-US" sz="1100" i="1" smtClean="0">
+                                      <a:latin typeface="Cambria Math" panose="02040503050406030204" pitchFamily="18" charset="0"/>
+                                    </a:rPr>
+                                  </m:ctrlPr>
+                                </m:sSubPr>
+                                <m:e>
+                                  <m:r>
+                                    <a:rPr lang="en-US" sz="1100" i="1">
+                                      <a:latin typeface="Cambria Math" panose="02040503050406030204" pitchFamily="18" charset="0"/>
+                                    </a:rPr>
+                                    <m:t>𝜏</m:t>
+                                  </m:r>
+                                </m:e>
+                                <m:sub>
+                                  <m:r>
+                                    <a:rPr lang="en-US" sz="1100" b="0" i="1" smtClean="0">
+                                      <a:latin typeface="Cambria Math" panose="02040503050406030204" pitchFamily="18" charset="0"/>
+                                    </a:rPr>
+                                    <m:t>𝑚</m:t>
+                                  </m:r>
+                                </m:sub>
+                              </m:sSub>
+                            </m:e>
+                          </m:d>
                         </m:e>
-                      </m:d>
+                        <m:sup>
+                          <m:r>
+                            <a:rPr lang="en-US" sz="1100" i="1"/>
+                            <m:t>2</m:t>
+                          </m:r>
+                        </m:sup>
+                      </m:sSup>
                     </m:oMath>
                   </m:oMathPara>
                 </a14:m>
@@ -24090,10 +25087,10 @@
         <mc:Fallback>
           <p:sp>
             <p:nvSpPr>
-              <p:cNvPr id="83" name="TextBox 82">
+              <p:cNvPr id="29" name="TextBox 28">
                 <a:extLst>
                   <a:ext uri="{FF2B5EF4-FFF2-40B4-BE49-F238E27FC236}">
-                    <a16:creationId xmlns:a16="http://schemas.microsoft.com/office/drawing/2014/main" id="{D27F92E6-9F81-C444-BFAA-FB69BF587611}"/>
+                    <a16:creationId xmlns:a16="http://schemas.microsoft.com/office/drawing/2014/main" id="{6F7AD868-41D4-DD4A-8D6F-C80AF46E7C83}"/>
                   </a:ext>
                 </a:extLst>
               </p:cNvPr>
@@ -24104,16 +25101,469 @@
             </p:nvSpPr>
             <p:spPr>
               <a:xfrm>
-                <a:off x="3370617" y="566793"/>
-                <a:ext cx="648383" cy="261610"/>
+                <a:off x="5007589" y="4878074"/>
+                <a:ext cx="1238672" cy="383438"/>
               </a:xfrm>
               <a:prstGeom prst="rect">
                 <a:avLst/>
               </a:prstGeom>
               <a:blipFill>
-                <a:blip r:embed="rId6"/>
+                <a:blip r:embed="rId13"/>
                 <a:stretch>
-                  <a:fillRect t="-13636"/>
+                  <a:fillRect l="-10101" t="-61290" b="-112903"/>
+                </a:stretch>
+              </a:blipFill>
+            </p:spPr>
+            <p:txBody>
+              <a:bodyPr/>
+              <a:lstStyle/>
+              <a:p>
+                <a:r>
+                  <a:rPr lang="en-US">
+                    <a:noFill/>
+                  </a:rPr>
+                  <a:t> </a:t>
+                </a:r>
+              </a:p>
+            </p:txBody>
+          </p:sp>
+        </mc:Fallback>
+      </mc:AlternateContent>
+      <p:cxnSp>
+        <p:nvCxnSpPr>
+          <p:cNvPr id="30" name="Straight Connector 29">
+            <a:extLst>
+              <a:ext uri="{FF2B5EF4-FFF2-40B4-BE49-F238E27FC236}">
+                <a16:creationId xmlns:a16="http://schemas.microsoft.com/office/drawing/2014/main" id="{08EE4785-2066-AA49-8C5B-F03DE38F585B}"/>
+              </a:ext>
+            </a:extLst>
+          </p:cNvPr>
+          <p:cNvCxnSpPr/>
+          <p:nvPr/>
+        </p:nvCxnSpPr>
+        <p:spPr>
+          <a:xfrm>
+            <a:off x="5007589" y="4673511"/>
+            <a:ext cx="0" cy="776506"/>
+          </a:xfrm>
+          <a:prstGeom prst="line">
+            <a:avLst/>
+          </a:prstGeom>
+          <a:ln w="12700"/>
+        </p:spPr>
+        <p:style>
+          <a:lnRef idx="1">
+            <a:schemeClr val="accent1"/>
+          </a:lnRef>
+          <a:fillRef idx="0">
+            <a:schemeClr val="accent1"/>
+          </a:fillRef>
+          <a:effectRef idx="0">
+            <a:schemeClr val="accent1"/>
+          </a:effectRef>
+          <a:fontRef idx="minor">
+            <a:schemeClr val="tx1"/>
+          </a:fontRef>
+        </p:style>
+      </p:cxnSp>
+      <p:sp>
+        <p:nvSpPr>
+          <p:cNvPr id="31" name="TextBox 30">
+            <a:extLst>
+              <a:ext uri="{FF2B5EF4-FFF2-40B4-BE49-F238E27FC236}">
+                <a16:creationId xmlns:a16="http://schemas.microsoft.com/office/drawing/2014/main" id="{9A38B4DA-F4A7-8841-8B52-0AF459ED4613}"/>
+              </a:ext>
+            </a:extLst>
+          </p:cNvPr>
+          <p:cNvSpPr txBox="1"/>
+          <p:nvPr/>
+        </p:nvSpPr>
+        <p:spPr>
+          <a:xfrm rot="5400000">
+            <a:off x="4855131" y="4367587"/>
+            <a:ext cx="370614" cy="276999"/>
+          </a:xfrm>
+          <a:prstGeom prst="rect">
+            <a:avLst/>
+          </a:prstGeom>
+          <a:noFill/>
+        </p:spPr>
+        <p:txBody>
+          <a:bodyPr wrap="none" rtlCol="0">
+            <a:spAutoFit/>
+          </a:bodyPr>
+          <a:lstStyle/>
+          <a:p>
+            <a:r>
+              <a:rPr lang="en-US" sz="1200" dirty="0"/>
+              <a:t>. . .</a:t>
+            </a:r>
+          </a:p>
+        </p:txBody>
+      </p:sp>
+      <p:cxnSp>
+        <p:nvCxnSpPr>
+          <p:cNvPr id="33" name="Straight Connector 32">
+            <a:extLst>
+              <a:ext uri="{FF2B5EF4-FFF2-40B4-BE49-F238E27FC236}">
+                <a16:creationId xmlns:a16="http://schemas.microsoft.com/office/drawing/2014/main" id="{0A165AEC-AA25-E746-B0C1-DFFC0C76C11A}"/>
+              </a:ext>
+            </a:extLst>
+          </p:cNvPr>
+          <p:cNvCxnSpPr>
+            <a:cxnSpLocks/>
+          </p:cNvCxnSpPr>
+          <p:nvPr/>
+        </p:nvCxnSpPr>
+        <p:spPr>
+          <a:xfrm>
+            <a:off x="3533680" y="2836413"/>
+            <a:ext cx="564637" cy="4530"/>
+          </a:xfrm>
+          <a:prstGeom prst="line">
+            <a:avLst/>
+          </a:prstGeom>
+          <a:ln w="12700"/>
+        </p:spPr>
+        <p:style>
+          <a:lnRef idx="1">
+            <a:schemeClr val="accent1"/>
+          </a:lnRef>
+          <a:fillRef idx="0">
+            <a:schemeClr val="accent1"/>
+          </a:fillRef>
+          <a:effectRef idx="0">
+            <a:schemeClr val="accent1"/>
+          </a:effectRef>
+          <a:fontRef idx="minor">
+            <a:schemeClr val="tx1"/>
+          </a:fontRef>
+        </p:style>
+      </p:cxnSp>
+      <p:cxnSp>
+        <p:nvCxnSpPr>
+          <p:cNvPr id="38" name="Straight Connector 37">
+            <a:extLst>
+              <a:ext uri="{FF2B5EF4-FFF2-40B4-BE49-F238E27FC236}">
+                <a16:creationId xmlns:a16="http://schemas.microsoft.com/office/drawing/2014/main" id="{52A2CAFD-D925-DE4D-909F-CAB38DF6DDBC}"/>
+              </a:ext>
+            </a:extLst>
+          </p:cNvPr>
+          <p:cNvCxnSpPr>
+            <a:cxnSpLocks/>
+          </p:cNvCxnSpPr>
+          <p:nvPr/>
+        </p:nvCxnSpPr>
+        <p:spPr>
+          <a:xfrm>
+            <a:off x="3545399" y="3902903"/>
+            <a:ext cx="564637" cy="4530"/>
+          </a:xfrm>
+          <a:prstGeom prst="line">
+            <a:avLst/>
+          </a:prstGeom>
+          <a:ln w="12700"/>
+        </p:spPr>
+        <p:style>
+          <a:lnRef idx="1">
+            <a:schemeClr val="accent1"/>
+          </a:lnRef>
+          <a:fillRef idx="0">
+            <a:schemeClr val="accent1"/>
+          </a:fillRef>
+          <a:effectRef idx="0">
+            <a:schemeClr val="accent1"/>
+          </a:effectRef>
+          <a:fontRef idx="minor">
+            <a:schemeClr val="tx1"/>
+          </a:fontRef>
+        </p:style>
+      </p:cxnSp>
+      <p:cxnSp>
+        <p:nvCxnSpPr>
+          <p:cNvPr id="39" name="Straight Connector 38">
+            <a:extLst>
+              <a:ext uri="{FF2B5EF4-FFF2-40B4-BE49-F238E27FC236}">
+                <a16:creationId xmlns:a16="http://schemas.microsoft.com/office/drawing/2014/main" id="{E1E6FE6D-9347-524E-B06A-29A2906AC2BE}"/>
+              </a:ext>
+            </a:extLst>
+          </p:cNvPr>
+          <p:cNvCxnSpPr>
+            <a:cxnSpLocks/>
+          </p:cNvCxnSpPr>
+          <p:nvPr/>
+        </p:nvCxnSpPr>
+        <p:spPr>
+          <a:xfrm>
+            <a:off x="3545399" y="5044963"/>
+            <a:ext cx="564637" cy="4530"/>
+          </a:xfrm>
+          <a:prstGeom prst="line">
+            <a:avLst/>
+          </a:prstGeom>
+          <a:ln w="12700"/>
+        </p:spPr>
+        <p:style>
+          <a:lnRef idx="1">
+            <a:schemeClr val="accent1"/>
+          </a:lnRef>
+          <a:fillRef idx="0">
+            <a:schemeClr val="accent1"/>
+          </a:fillRef>
+          <a:effectRef idx="0">
+            <a:schemeClr val="accent1"/>
+          </a:effectRef>
+          <a:fontRef idx="minor">
+            <a:schemeClr val="tx1"/>
+          </a:fontRef>
+        </p:style>
+      </p:cxnSp>
+      <p:sp>
+        <p:nvSpPr>
+          <p:cNvPr id="40" name="Oval 39">
+            <a:extLst>
+              <a:ext uri="{FF2B5EF4-FFF2-40B4-BE49-F238E27FC236}">
+                <a16:creationId xmlns:a16="http://schemas.microsoft.com/office/drawing/2014/main" id="{2F84F5F4-BE0D-324C-8258-04E0235EF740}"/>
+              </a:ext>
+            </a:extLst>
+          </p:cNvPr>
+          <p:cNvSpPr/>
+          <p:nvPr/>
+        </p:nvSpPr>
+        <p:spPr>
+          <a:xfrm>
+            <a:off x="6630041" y="3690755"/>
+            <a:ext cx="384678" cy="398868"/>
+          </a:xfrm>
+          <a:prstGeom prst="ellipse">
+            <a:avLst/>
+          </a:prstGeom>
+          <a:noFill/>
+        </p:spPr>
+        <p:style>
+          <a:lnRef idx="2">
+            <a:schemeClr val="accent1">
+              <a:shade val="50000"/>
+            </a:schemeClr>
+          </a:lnRef>
+          <a:fillRef idx="1">
+            <a:schemeClr val="accent1"/>
+          </a:fillRef>
+          <a:effectRef idx="0">
+            <a:schemeClr val="accent1"/>
+          </a:effectRef>
+          <a:fontRef idx="minor">
+            <a:schemeClr val="lt1"/>
+          </a:fontRef>
+        </p:style>
+        <p:txBody>
+          <a:bodyPr rtlCol="0" anchor="ctr"/>
+          <a:lstStyle/>
+          <a:p>
+            <a:pPr algn="ctr"/>
+            <a:endParaRPr lang="en-US"/>
+          </a:p>
+        </p:txBody>
+      </p:sp>
+      <p:sp>
+        <p:nvSpPr>
+          <p:cNvPr id="41" name="Oval 40">
+            <a:extLst>
+              <a:ext uri="{FF2B5EF4-FFF2-40B4-BE49-F238E27FC236}">
+                <a16:creationId xmlns:a16="http://schemas.microsoft.com/office/drawing/2014/main" id="{B8E16840-CEF1-F54D-BCDD-45712C8E6E83}"/>
+              </a:ext>
+            </a:extLst>
+          </p:cNvPr>
+          <p:cNvSpPr/>
+          <p:nvPr/>
+        </p:nvSpPr>
+        <p:spPr>
+          <a:xfrm>
+            <a:off x="2144350" y="3524431"/>
+            <a:ext cx="384678" cy="398868"/>
+          </a:xfrm>
+          <a:prstGeom prst="ellipse">
+            <a:avLst/>
+          </a:prstGeom>
+          <a:noFill/>
+        </p:spPr>
+        <p:style>
+          <a:lnRef idx="2">
+            <a:schemeClr val="accent1">
+              <a:shade val="50000"/>
+            </a:schemeClr>
+          </a:lnRef>
+          <a:fillRef idx="1">
+            <a:schemeClr val="accent1"/>
+          </a:fillRef>
+          <a:effectRef idx="0">
+            <a:schemeClr val="accent1"/>
+          </a:effectRef>
+          <a:fontRef idx="minor">
+            <a:schemeClr val="lt1"/>
+          </a:fontRef>
+        </p:style>
+        <p:txBody>
+          <a:bodyPr rtlCol="0" anchor="ctr"/>
+          <a:lstStyle/>
+          <a:p>
+            <a:pPr algn="ctr"/>
+            <a:endParaRPr lang="en-US"/>
+          </a:p>
+        </p:txBody>
+      </p:sp>
+      <p:cxnSp>
+        <p:nvCxnSpPr>
+          <p:cNvPr id="42" name="Straight Connector 41">
+            <a:extLst>
+              <a:ext uri="{FF2B5EF4-FFF2-40B4-BE49-F238E27FC236}">
+                <a16:creationId xmlns:a16="http://schemas.microsoft.com/office/drawing/2014/main" id="{88540E36-D7EA-DE45-BBE7-4113759B656E}"/>
+              </a:ext>
+            </a:extLst>
+          </p:cNvPr>
+          <p:cNvCxnSpPr/>
+          <p:nvPr/>
+        </p:nvCxnSpPr>
+        <p:spPr>
+          <a:xfrm>
+            <a:off x="2336689" y="3524431"/>
+            <a:ext cx="0" cy="398868"/>
+          </a:xfrm>
+          <a:prstGeom prst="line">
+            <a:avLst/>
+          </a:prstGeom>
+          <a:ln w="12700"/>
+        </p:spPr>
+        <p:style>
+          <a:lnRef idx="1">
+            <a:schemeClr val="accent1"/>
+          </a:lnRef>
+          <a:fillRef idx="0">
+            <a:schemeClr val="accent1"/>
+          </a:fillRef>
+          <a:effectRef idx="0">
+            <a:schemeClr val="accent1"/>
+          </a:effectRef>
+          <a:fontRef idx="minor">
+            <a:schemeClr val="tx1"/>
+          </a:fontRef>
+        </p:style>
+      </p:cxnSp>
+      <mc:AlternateContent xmlns:mc="http://schemas.openxmlformats.org/markup-compatibility/2006">
+        <mc:Choice xmlns:a14="http://schemas.microsoft.com/office/drawing/2010/main" Requires="a14">
+          <p:sp>
+            <p:nvSpPr>
+              <p:cNvPr id="45" name="TextBox 44">
+                <a:extLst>
+                  <a:ext uri="{FF2B5EF4-FFF2-40B4-BE49-F238E27FC236}">
+                    <a16:creationId xmlns:a16="http://schemas.microsoft.com/office/drawing/2014/main" id="{4141CCEC-B28A-074C-8B30-EED0171C0E60}"/>
+                  </a:ext>
+                </a:extLst>
+              </p:cNvPr>
+              <p:cNvSpPr txBox="1"/>
+              <p:nvPr/>
+            </p:nvSpPr>
+            <p:spPr>
+              <a:xfrm>
+                <a:off x="3469073" y="3603419"/>
+                <a:ext cx="464679" cy="301749"/>
+              </a:xfrm>
+              <a:prstGeom prst="rect">
+                <a:avLst/>
+              </a:prstGeom>
+              <a:noFill/>
+            </p:spPr>
+            <p:txBody>
+              <a:bodyPr wrap="none" rtlCol="0">
+                <a:spAutoFit/>
+              </a:bodyPr>
+              <a:lstStyle/>
+              <a:p>
+                <a14:m>
+                  <m:oMathPara xmlns:m="http://schemas.openxmlformats.org/officeDocument/2006/math">
+                    <m:oMathParaPr>
+                      <m:jc m:val="centerGroup"/>
+                    </m:oMathParaPr>
+                    <m:oMath xmlns:m="http://schemas.openxmlformats.org/officeDocument/2006/math">
+                      <m:sSubSup>
+                        <m:sSubSupPr>
+                          <m:ctrlPr>
+                            <a:rPr lang="en-US" sz="1100" i="1" smtClean="0">
+                              <a:latin typeface="Cambria Math" panose="02040503050406030204" pitchFamily="18" charset="0"/>
+                            </a:rPr>
+                          </m:ctrlPr>
+                        </m:sSubSupPr>
+                        <m:e>
+                          <m:r>
+                            <a:rPr lang="en-US" sz="1100" b="0" i="1" smtClean="0">
+                              <a:latin typeface="Cambria Math" panose="02040503050406030204" pitchFamily="18" charset="0"/>
+                            </a:rPr>
+                            <m:t>𝑜</m:t>
+                          </m:r>
+                        </m:e>
+                        <m:sub>
+                          <m:r>
+                            <a:rPr lang="en-US" sz="1100" b="0" i="1" smtClean="0">
+                              <a:latin typeface="Cambria Math" panose="02040503050406030204" pitchFamily="18" charset="0"/>
+                            </a:rPr>
+                            <m:t>2</m:t>
+                          </m:r>
+                        </m:sub>
+                        <m:sup>
+                          <m:d>
+                            <m:dPr>
+                              <m:ctrlPr>
+                                <a:rPr lang="en-US" sz="1100" i="1" smtClean="0">
+                                  <a:latin typeface="Cambria Math" panose="02040503050406030204" pitchFamily="18" charset="0"/>
+                                </a:rPr>
+                              </m:ctrlPr>
+                            </m:dPr>
+                            <m:e>
+                              <m:r>
+                                <a:rPr lang="en-US" sz="1100" b="0" i="1" smtClean="0">
+                                  <a:latin typeface="Cambria Math" panose="02040503050406030204" pitchFamily="18" charset="0"/>
+                                </a:rPr>
+                                <m:t>𝐾</m:t>
+                              </m:r>
+                            </m:e>
+                          </m:d>
+                        </m:sup>
+                      </m:sSubSup>
+                    </m:oMath>
+                  </m:oMathPara>
+                </a14:m>
+                <a:endParaRPr lang="en-US" sz="1100" dirty="0"/>
+              </a:p>
+            </p:txBody>
+          </p:sp>
+        </mc:Choice>
+        <mc:Fallback>
+          <p:sp>
+            <p:nvSpPr>
+              <p:cNvPr id="45" name="TextBox 44">
+                <a:extLst>
+                  <a:ext uri="{FF2B5EF4-FFF2-40B4-BE49-F238E27FC236}">
+                    <a16:creationId xmlns:a16="http://schemas.microsoft.com/office/drawing/2014/main" id="{4141CCEC-B28A-074C-8B30-EED0171C0E60}"/>
+                  </a:ext>
+                </a:extLst>
+              </p:cNvPr>
+              <p:cNvSpPr txBox="1">
+                <a:spLocks noRot="1" noChangeAspect="1" noMove="1" noResize="1" noEditPoints="1" noAdjustHandles="1" noChangeArrowheads="1" noChangeShapeType="1" noTextEdit="1"/>
+              </p:cNvSpPr>
+              <p:nvPr/>
+            </p:nvSpPr>
+            <p:spPr>
+              <a:xfrm>
+                <a:off x="3469073" y="3603419"/>
+                <a:ext cx="464679" cy="301749"/>
+              </a:xfrm>
+              <a:prstGeom prst="rect">
+                <a:avLst/>
+              </a:prstGeom>
+              <a:blipFill>
+                <a:blip r:embed="rId14"/>
+                <a:stretch>
+                  <a:fillRect/>
                 </a:stretch>
               </a:blipFill>
             </p:spPr>
@@ -24136,10 +25586,10 @@
         <mc:Choice xmlns:a14="http://schemas.microsoft.com/office/drawing/2010/main" Requires="a14">
           <p:sp>
             <p:nvSpPr>
-              <p:cNvPr id="84" name="TextBox 83">
+              <p:cNvPr id="46" name="TextBox 45">
                 <a:extLst>
                   <a:ext uri="{FF2B5EF4-FFF2-40B4-BE49-F238E27FC236}">
-                    <a16:creationId xmlns:a16="http://schemas.microsoft.com/office/drawing/2014/main" id="{D2FE3C5C-A8B5-7C4A-9660-4965DAD81232}"/>
+                    <a16:creationId xmlns:a16="http://schemas.microsoft.com/office/drawing/2014/main" id="{79559676-2F9F-C64A-A7CA-4FA31D5C6AB6}"/>
                   </a:ext>
                 </a:extLst>
               </p:cNvPr>
@@ -24148,8 +25598,8 @@
             </p:nvSpPr>
             <p:spPr>
               <a:xfrm>
-                <a:off x="4189283" y="552731"/>
-                <a:ext cx="513730" cy="261610"/>
+                <a:off x="2494479" y="3474879"/>
+                <a:ext cx="599331" cy="301749"/>
               </a:xfrm>
               <a:prstGeom prst="rect">
                 <a:avLst/>
@@ -24168,56 +25618,56 @@
                       <m:jc m:val="centerGroup"/>
                     </m:oMathParaPr>
                     <m:oMath xmlns:m="http://schemas.openxmlformats.org/officeDocument/2006/math">
-                      <m:acc>
-                        <m:accPr>
-                          <m:chr m:val="⃗"/>
+                      <m:sSubSup>
+                        <m:sSubSupPr>
                           <m:ctrlPr>
-                            <a:rPr lang="en-US" sz="1100" i="1" smtClean="0"/>
+                            <a:rPr lang="en-US" sz="1100" i="1" smtClean="0">
+                              <a:latin typeface="Cambria Math" panose="02040503050406030204" pitchFamily="18" charset="0"/>
+                            </a:rPr>
                           </m:ctrlPr>
-                        </m:accPr>
+                        </m:sSubSupPr>
                         <m:e>
                           <m:r>
                             <a:rPr lang="en-US" sz="1100" b="0" i="1" smtClean="0">
                               <a:latin typeface="Cambria Math" panose="02040503050406030204" pitchFamily="18" charset="0"/>
                             </a:rPr>
-                            <m:t>𝑥</m:t>
+                            <m:t>𝑜</m:t>
                           </m:r>
                         </m:e>
-                      </m:acc>
-                      <m:d>
-                        <m:dPr>
-                          <m:ctrlPr>
-                            <a:rPr lang="en-US" sz="1100" i="1"/>
-                          </m:ctrlPr>
-                        </m:dPr>
-                        <m:e>
-                          <m:sSub>
-                            <m:sSubPr>
+                        <m:sub>
+                          <m:r>
+                            <a:rPr lang="en-US" sz="1100" b="0" i="1" smtClean="0">
+                              <a:latin typeface="Cambria Math" panose="02040503050406030204" pitchFamily="18" charset="0"/>
+                            </a:rPr>
+                            <m:t>2</m:t>
+                          </m:r>
+                        </m:sub>
+                        <m:sup>
+                          <m:d>
+                            <m:dPr>
                               <m:ctrlPr>
                                 <a:rPr lang="en-US" sz="1100" i="1" smtClean="0">
                                   <a:latin typeface="Cambria Math" panose="02040503050406030204" pitchFamily="18" charset="0"/>
                                 </a:rPr>
                               </m:ctrlPr>
-                            </m:sSubPr>
+                            </m:dPr>
                             <m:e>
-                              <m:r>
-                                <a:rPr lang="en-US" sz="1100" i="1">
-                                  <a:latin typeface="Cambria Math" panose="02040503050406030204" pitchFamily="18" charset="0"/>
-                                </a:rPr>
-                                <m:t>𝑡</m:t>
-                              </m:r>
-                            </m:e>
-                            <m:sub>
                               <m:r>
                                 <a:rPr lang="en-US" sz="1100" b="0" i="1" smtClean="0">
                                   <a:latin typeface="Cambria Math" panose="02040503050406030204" pitchFamily="18" charset="0"/>
                                 </a:rPr>
-                                <m:t>𝑙</m:t>
+                                <m:t>𝐾</m:t>
                               </m:r>
-                            </m:sub>
-                          </m:sSub>
-                        </m:e>
-                      </m:d>
+                              <m:r>
+                                <a:rPr lang="en-US" sz="1100" b="0" i="1" smtClean="0">
+                                  <a:latin typeface="Cambria Math" panose="02040503050406030204" pitchFamily="18" charset="0"/>
+                                </a:rPr>
+                                <m:t>−1</m:t>
+                              </m:r>
+                            </m:e>
+                          </m:d>
+                        </m:sup>
+                      </m:sSubSup>
                     </m:oMath>
                   </m:oMathPara>
                 </a14:m>
@@ -24229,10 +25679,10 @@
         <mc:Fallback>
           <p:sp>
             <p:nvSpPr>
-              <p:cNvPr id="84" name="TextBox 83">
+              <p:cNvPr id="46" name="TextBox 45">
                 <a:extLst>
                   <a:ext uri="{FF2B5EF4-FFF2-40B4-BE49-F238E27FC236}">
-                    <a16:creationId xmlns:a16="http://schemas.microsoft.com/office/drawing/2014/main" id="{D2FE3C5C-A8B5-7C4A-9660-4965DAD81232}"/>
+                    <a16:creationId xmlns:a16="http://schemas.microsoft.com/office/drawing/2014/main" id="{79559676-2F9F-C64A-A7CA-4FA31D5C6AB6}"/>
                   </a:ext>
                 </a:extLst>
               </p:cNvPr>
@@ -24243,16 +25693,16 @@
             </p:nvSpPr>
             <p:spPr>
               <a:xfrm>
-                <a:off x="4189283" y="552731"/>
-                <a:ext cx="513730" cy="261610"/>
+                <a:off x="2494479" y="3474879"/>
+                <a:ext cx="599331" cy="301749"/>
               </a:xfrm>
               <a:prstGeom prst="rect">
                 <a:avLst/>
               </a:prstGeom>
               <a:blipFill>
-                <a:blip r:embed="rId7"/>
+                <a:blip r:embed="rId15"/>
                 <a:stretch>
-                  <a:fillRect t="-13636"/>
+                  <a:fillRect/>
                 </a:stretch>
               </a:blipFill>
             </p:spPr>
@@ -24271,203 +25721,42 @@
           </p:sp>
         </mc:Fallback>
       </mc:AlternateContent>
-      <p:cxnSp>
-        <p:nvCxnSpPr>
-          <p:cNvPr id="86" name="Straight Connector 85">
+    </p:spTree>
+    <p:extLst>
+      <p:ext uri="{BB962C8B-B14F-4D97-AF65-F5344CB8AC3E}">
+        <p14:creationId xmlns:p14="http://schemas.microsoft.com/office/powerpoint/2010/main" val="2009684947"/>
+      </p:ext>
+    </p:extLst>
+  </p:cSld>
+  <p:clrMapOvr>
+    <a:masterClrMapping/>
+  </p:clrMapOvr>
+</p:sld>
+</file>
+
+<file path=ppt/slides/slide6.xml><?xml version="1.0" encoding="utf-8"?>
+<p:sld xmlns:a="http://schemas.openxmlformats.org/drawingml/2006/main" xmlns:r="http://schemas.openxmlformats.org/officeDocument/2006/relationships" xmlns:p="http://schemas.openxmlformats.org/presentationml/2006/main">
+  <p:cSld>
+    <p:spTree>
+      <p:nvGrpSpPr>
+        <p:cNvPr id="1" name=""/>
+        <p:cNvGrpSpPr/>
+        <p:nvPr/>
+      </p:nvGrpSpPr>
+      <p:grpSpPr>
+        <a:xfrm>
+          <a:off x="0" y="0"/>
+          <a:ext cx="0" cy="0"/>
+          <a:chOff x="0" y="0"/>
+          <a:chExt cx="0" cy="0"/>
+        </a:xfrm>
+      </p:grpSpPr>
+      <p:grpSp>
+        <p:nvGrpSpPr>
+          <p:cNvPr id="109" name="Group 108">
             <a:extLst>
               <a:ext uri="{FF2B5EF4-FFF2-40B4-BE49-F238E27FC236}">
-                <a16:creationId xmlns:a16="http://schemas.microsoft.com/office/drawing/2014/main" id="{8712F52B-167D-8748-A8F0-556F8AF310AD}"/>
-              </a:ext>
-            </a:extLst>
-          </p:cNvPr>
-          <p:cNvCxnSpPr/>
-          <p:nvPr/>
-        </p:nvCxnSpPr>
-        <p:spPr>
-          <a:xfrm>
-            <a:off x="4068353" y="485347"/>
-            <a:ext cx="0" cy="2102572"/>
-          </a:xfrm>
-          <a:prstGeom prst="line">
-            <a:avLst/>
-          </a:prstGeom>
-          <a:ln>
-            <a:prstDash val="lgDash"/>
-          </a:ln>
-        </p:spPr>
-        <p:style>
-          <a:lnRef idx="1">
-            <a:schemeClr val="accent1"/>
-          </a:lnRef>
-          <a:fillRef idx="0">
-            <a:schemeClr val="accent1"/>
-          </a:fillRef>
-          <a:effectRef idx="0">
-            <a:schemeClr val="accent1"/>
-          </a:effectRef>
-          <a:fontRef idx="minor">
-            <a:schemeClr val="tx1"/>
-          </a:fontRef>
-        </p:style>
-      </p:cxnSp>
-      <p:cxnSp>
-        <p:nvCxnSpPr>
-          <p:cNvPr id="87" name="Straight Connector 86">
-            <a:extLst>
-              <a:ext uri="{FF2B5EF4-FFF2-40B4-BE49-F238E27FC236}">
-                <a16:creationId xmlns:a16="http://schemas.microsoft.com/office/drawing/2014/main" id="{E96DD4E5-5E71-B246-826C-20F17A5B0E61}"/>
-              </a:ext>
-            </a:extLst>
-          </p:cNvPr>
-          <p:cNvCxnSpPr/>
-          <p:nvPr/>
-        </p:nvCxnSpPr>
-        <p:spPr>
-          <a:xfrm>
-            <a:off x="4794548" y="485347"/>
-            <a:ext cx="0" cy="2102572"/>
-          </a:xfrm>
-          <a:prstGeom prst="line">
-            <a:avLst/>
-          </a:prstGeom>
-          <a:ln>
-            <a:prstDash val="dash"/>
-          </a:ln>
-        </p:spPr>
-        <p:style>
-          <a:lnRef idx="1">
-            <a:schemeClr val="accent1"/>
-          </a:lnRef>
-          <a:fillRef idx="0">
-            <a:schemeClr val="accent1"/>
-          </a:fillRef>
-          <a:effectRef idx="0">
-            <a:schemeClr val="accent1"/>
-          </a:effectRef>
-          <a:fontRef idx="minor">
-            <a:schemeClr val="tx1"/>
-          </a:fontRef>
-        </p:style>
-      </p:cxnSp>
-      <p:cxnSp>
-        <p:nvCxnSpPr>
-          <p:cNvPr id="88" name="Straight Connector 87">
-            <a:extLst>
-              <a:ext uri="{FF2B5EF4-FFF2-40B4-BE49-F238E27FC236}">
-                <a16:creationId xmlns:a16="http://schemas.microsoft.com/office/drawing/2014/main" id="{5CF91160-D5C7-0F4D-AE9D-1994E2660F4E}"/>
-              </a:ext>
-            </a:extLst>
-          </p:cNvPr>
-          <p:cNvCxnSpPr/>
-          <p:nvPr/>
-        </p:nvCxnSpPr>
-        <p:spPr>
-          <a:xfrm>
-            <a:off x="3370617" y="473532"/>
-            <a:ext cx="0" cy="2102572"/>
-          </a:xfrm>
-          <a:prstGeom prst="line">
-            <a:avLst/>
-          </a:prstGeom>
-          <a:ln>
-            <a:prstDash val="dash"/>
-          </a:ln>
-        </p:spPr>
-        <p:style>
-          <a:lnRef idx="1">
-            <a:schemeClr val="accent1"/>
-          </a:lnRef>
-          <a:fillRef idx="0">
-            <a:schemeClr val="accent1"/>
-          </a:fillRef>
-          <a:effectRef idx="0">
-            <a:schemeClr val="accent1"/>
-          </a:effectRef>
-          <a:fontRef idx="minor">
-            <a:schemeClr val="tx1"/>
-          </a:fontRef>
-        </p:style>
-      </p:cxnSp>
-      <p:cxnSp>
-        <p:nvCxnSpPr>
-          <p:cNvPr id="90" name="Straight Arrow Connector 89">
-            <a:extLst>
-              <a:ext uri="{FF2B5EF4-FFF2-40B4-BE49-F238E27FC236}">
-                <a16:creationId xmlns:a16="http://schemas.microsoft.com/office/drawing/2014/main" id="{D721632A-9F10-9147-863D-380A5D725CBA}"/>
-              </a:ext>
-            </a:extLst>
-          </p:cNvPr>
-          <p:cNvCxnSpPr/>
-          <p:nvPr/>
-        </p:nvCxnSpPr>
-        <p:spPr>
-          <a:xfrm>
-            <a:off x="3329666" y="349415"/>
-            <a:ext cx="1360308" cy="0"/>
-          </a:xfrm>
-          <a:prstGeom prst="straightConnector1">
-            <a:avLst/>
-          </a:prstGeom>
-          <a:ln>
-            <a:tailEnd type="triangle"/>
-          </a:ln>
-        </p:spPr>
-        <p:style>
-          <a:lnRef idx="1">
-            <a:schemeClr val="accent1"/>
-          </a:lnRef>
-          <a:fillRef idx="0">
-            <a:schemeClr val="accent1"/>
-          </a:fillRef>
-          <a:effectRef idx="0">
-            <a:schemeClr val="accent1"/>
-          </a:effectRef>
-          <a:fontRef idx="minor">
-            <a:schemeClr val="tx1"/>
-          </a:fontRef>
-        </p:style>
-      </p:cxnSp>
-      <p:sp>
-        <p:nvSpPr>
-          <p:cNvPr id="91" name="TextBox 90">
-            <a:extLst>
-              <a:ext uri="{FF2B5EF4-FFF2-40B4-BE49-F238E27FC236}">
-                <a16:creationId xmlns:a16="http://schemas.microsoft.com/office/drawing/2014/main" id="{085FCCF9-3508-9E4D-85C7-1CF10CFCD2BA}"/>
-              </a:ext>
-            </a:extLst>
-          </p:cNvPr>
-          <p:cNvSpPr txBox="1"/>
-          <p:nvPr/>
-        </p:nvSpPr>
-        <p:spPr>
-          <a:xfrm>
-            <a:off x="3543196" y="97522"/>
-            <a:ext cx="920445" cy="261610"/>
-          </a:xfrm>
-          <a:prstGeom prst="rect">
-            <a:avLst/>
-          </a:prstGeom>
-          <a:noFill/>
-        </p:spPr>
-        <p:txBody>
-          <a:bodyPr wrap="none" rtlCol="0">
-            <a:spAutoFit/>
-          </a:bodyPr>
-          <a:lstStyle/>
-          <a:p>
-            <a:r>
-              <a:rPr lang="en-US" sz="1100" dirty="0"/>
-              <a:t>forward step</a:t>
-            </a:r>
-          </a:p>
-        </p:txBody>
-      </p:sp>
-      <p:grpSp>
-        <p:nvGrpSpPr>
-          <p:cNvPr id="99" name="Group 98">
-            <a:extLst>
-              <a:ext uri="{FF2B5EF4-FFF2-40B4-BE49-F238E27FC236}">
-                <a16:creationId xmlns:a16="http://schemas.microsoft.com/office/drawing/2014/main" id="{793EEE15-FF36-E845-AC3B-E93310C5180C}"/>
+                <a16:creationId xmlns:a16="http://schemas.microsoft.com/office/drawing/2014/main" id="{FD524197-E03B-E84E-9872-2AF296AF29F2}"/>
               </a:ext>
             </a:extLst>
           </p:cNvPr>
@@ -24476,1395 +25765,3302 @@
         </p:nvGrpSpPr>
         <p:grpSpPr>
           <a:xfrm>
-            <a:off x="2600793" y="3230792"/>
-            <a:ext cx="2978564" cy="2473208"/>
-            <a:chOff x="2600793" y="3230792"/>
-            <a:chExt cx="2978564" cy="2473208"/>
+            <a:off x="3329666" y="97522"/>
+            <a:ext cx="2234869" cy="2768237"/>
+            <a:chOff x="3329666" y="97522"/>
+            <a:chExt cx="2234869" cy="2768237"/>
           </a:xfrm>
         </p:grpSpPr>
-        <p:grpSp>
-          <p:nvGrpSpPr>
-            <p:cNvPr id="78" name="Group 77">
+        <p:sp>
+          <p:nvSpPr>
+            <p:cNvPr id="91" name="TextBox 90">
               <a:extLst>
                 <a:ext uri="{FF2B5EF4-FFF2-40B4-BE49-F238E27FC236}">
-                  <a16:creationId xmlns:a16="http://schemas.microsoft.com/office/drawing/2014/main" id="{1BF76FB4-1723-4547-A124-8BAC60FC64CB}"/>
+                  <a16:creationId xmlns:a16="http://schemas.microsoft.com/office/drawing/2014/main" id="{085FCCF9-3508-9E4D-85C7-1CF10CFCD2BA}"/>
                 </a:ext>
               </a:extLst>
             </p:cNvPr>
-            <p:cNvGrpSpPr/>
+            <p:cNvSpPr txBox="1"/>
             <p:nvPr/>
-          </p:nvGrpSpPr>
-          <p:grpSpPr>
+          </p:nvSpPr>
+          <p:spPr>
             <a:xfrm>
-              <a:off x="2736056" y="3366141"/>
-              <a:ext cx="2751680" cy="1705613"/>
-              <a:chOff x="2736056" y="3366141"/>
-              <a:chExt cx="2751680" cy="1705613"/>
+              <a:off x="3543196" y="97522"/>
+              <a:ext cx="920445" cy="261610"/>
             </a:xfrm>
-          </p:grpSpPr>
-          <p:sp>
-            <p:nvSpPr>
-              <p:cNvPr id="38" name="Oval 37">
-                <a:extLst>
-                  <a:ext uri="{FF2B5EF4-FFF2-40B4-BE49-F238E27FC236}">
-                    <a16:creationId xmlns:a16="http://schemas.microsoft.com/office/drawing/2014/main" id="{9FDDE171-4D1D-4E40-8550-0D998B4FF810}"/>
-                  </a:ext>
-                </a:extLst>
-              </p:cNvPr>
-              <p:cNvSpPr/>
-              <p:nvPr/>
-            </p:nvSpPr>
-            <p:spPr>
-              <a:xfrm>
-                <a:off x="2921166" y="3547597"/>
-                <a:ext cx="246185" cy="266281"/>
-              </a:xfrm>
-              <a:prstGeom prst="ellipse">
-                <a:avLst/>
-              </a:prstGeom>
-              <a:noFill/>
-            </p:spPr>
-            <p:style>
-              <a:lnRef idx="2">
-                <a:schemeClr val="accent1">
-                  <a:shade val="50000"/>
-                </a:schemeClr>
-              </a:lnRef>
-              <a:fillRef idx="1">
-                <a:schemeClr val="accent1"/>
-              </a:fillRef>
-              <a:effectRef idx="0">
-                <a:schemeClr val="accent1"/>
-              </a:effectRef>
-              <a:fontRef idx="minor">
-                <a:schemeClr val="lt1"/>
-              </a:fontRef>
-            </p:style>
-            <p:txBody>
-              <a:bodyPr rtlCol="0" anchor="ctr"/>
-              <a:lstStyle/>
-              <a:p>
-                <a:pPr algn="ctr"/>
-                <a:endParaRPr lang="en-US"/>
-              </a:p>
-            </p:txBody>
-          </p:sp>
-          <p:sp>
-            <p:nvSpPr>
-              <p:cNvPr id="39" name="Oval 38">
-                <a:extLst>
-                  <a:ext uri="{FF2B5EF4-FFF2-40B4-BE49-F238E27FC236}">
-                    <a16:creationId xmlns:a16="http://schemas.microsoft.com/office/drawing/2014/main" id="{1D2078C8-3286-814D-AF9F-AFCB29F07E17}"/>
-                  </a:ext>
-                </a:extLst>
-              </p:cNvPr>
-              <p:cNvSpPr/>
-              <p:nvPr/>
-            </p:nvSpPr>
-            <p:spPr>
-              <a:xfrm>
-                <a:off x="3625342" y="4125345"/>
-                <a:ext cx="246185" cy="266281"/>
-              </a:xfrm>
-              <a:prstGeom prst="ellipse">
-                <a:avLst/>
-              </a:prstGeom>
-              <a:noFill/>
-            </p:spPr>
-            <p:style>
-              <a:lnRef idx="2">
-                <a:schemeClr val="accent1">
-                  <a:shade val="50000"/>
-                </a:schemeClr>
-              </a:lnRef>
-              <a:fillRef idx="1">
-                <a:schemeClr val="accent1"/>
-              </a:fillRef>
-              <a:effectRef idx="0">
-                <a:schemeClr val="accent1"/>
-              </a:effectRef>
-              <a:fontRef idx="minor">
-                <a:schemeClr val="lt1"/>
-              </a:fontRef>
-            </p:style>
-            <p:txBody>
-              <a:bodyPr rtlCol="0" anchor="ctr"/>
-              <a:lstStyle/>
-              <a:p>
-                <a:pPr algn="ctr"/>
-                <a:endParaRPr lang="en-US"/>
-              </a:p>
-            </p:txBody>
-          </p:sp>
-          <mc:AlternateContent xmlns:mc="http://schemas.openxmlformats.org/markup-compatibility/2006">
-            <mc:Choice xmlns:a14="http://schemas.microsoft.com/office/drawing/2010/main" Requires="a14">
-              <p:sp>
-                <p:nvSpPr>
-                  <p:cNvPr id="40" name="TextBox 39">
-                    <a:extLst>
-                      <a:ext uri="{FF2B5EF4-FFF2-40B4-BE49-F238E27FC236}">
-                        <a16:creationId xmlns:a16="http://schemas.microsoft.com/office/drawing/2014/main" id="{E33C4B34-75A1-824B-9DD8-0DF4C408EC72}"/>
-                      </a:ext>
-                    </a:extLst>
-                  </p:cNvPr>
-                  <p:cNvSpPr txBox="1"/>
-                  <p:nvPr/>
-                </p:nvSpPr>
-                <p:spPr>
-                  <a:xfrm>
-                    <a:off x="3254437" y="3416792"/>
-                    <a:ext cx="813916" cy="261610"/>
-                  </a:xfrm>
-                  <a:prstGeom prst="rect">
-                    <a:avLst/>
-                  </a:prstGeom>
-                  <a:noFill/>
-                </p:spPr>
-                <p:txBody>
-                  <a:bodyPr wrap="square" rtlCol="0">
-                    <a:spAutoFit/>
-                  </a:bodyPr>
-                  <a:lstStyle/>
-                  <a:p>
-                    <a14:m>
-                      <m:oMathPara xmlns:m="http://schemas.openxmlformats.org/officeDocument/2006/math">
-                        <m:oMathParaPr>
-                          <m:jc m:val="centerGroup"/>
-                        </m:oMathParaPr>
-                        <m:oMath xmlns:m="http://schemas.openxmlformats.org/officeDocument/2006/math">
-                          <m:sSub>
-                            <m:sSubPr>
-                              <m:ctrlPr>
-                                <a:rPr lang="en-US" sz="1100" i="1" smtClean="0">
-                                  <a:latin typeface="Cambria Math" panose="02040503050406030204" pitchFamily="18" charset="0"/>
-                                </a:rPr>
-                              </m:ctrlPr>
-                            </m:sSubPr>
-                            <m:e>
-                              <m:r>
-                                <a:rPr lang="en-US" sz="1100" b="0" i="1" smtClean="0">
-                                  <a:latin typeface="Cambria Math" panose="02040503050406030204" pitchFamily="18" charset="0"/>
-                                </a:rPr>
-                                <m:t>𝑤</m:t>
-                              </m:r>
-                            </m:e>
-                            <m:sub>
-                              <m:r>
-                                <a:rPr lang="en-US" sz="1100" b="0" i="1" smtClean="0">
-                                  <a:latin typeface="Cambria Math" panose="02040503050406030204" pitchFamily="18" charset="0"/>
-                                </a:rPr>
-                                <m:t>1</m:t>
-                              </m:r>
-                            </m:sub>
-                          </m:sSub>
-                          <m:r>
-                            <a:rPr lang="en-US" sz="1100" i="1" smtClean="0">
-                              <a:latin typeface="Cambria Math" panose="02040503050406030204" pitchFamily="18" charset="0"/>
-                              <a:ea typeface="Cambria Math" panose="02040503050406030204" pitchFamily="18" charset="0"/>
-                            </a:rPr>
-                            <m:t>≡</m:t>
-                          </m:r>
-                          <m:r>
-                            <a:rPr lang="en-US" sz="1100" b="0" i="1" smtClean="0">
-                              <a:latin typeface="Cambria Math" panose="02040503050406030204" pitchFamily="18" charset="0"/>
-                              <a:ea typeface="Cambria Math" panose="02040503050406030204" pitchFamily="18" charset="0"/>
-                            </a:rPr>
-                            <m:t>𝑤</m:t>
-                          </m:r>
-                        </m:oMath>
-                      </m:oMathPara>
-                    </a14:m>
-                    <a:endParaRPr lang="en-US" sz="1100" dirty="0"/>
-                  </a:p>
-                </p:txBody>
-              </p:sp>
-            </mc:Choice>
-            <mc:Fallback>
-              <p:sp>
-                <p:nvSpPr>
-                  <p:cNvPr id="40" name="TextBox 39">
-                    <a:extLst>
-                      <a:ext uri="{FF2B5EF4-FFF2-40B4-BE49-F238E27FC236}">
-                        <a16:creationId xmlns:a16="http://schemas.microsoft.com/office/drawing/2014/main" id="{E33C4B34-75A1-824B-9DD8-0DF4C408EC72}"/>
-                      </a:ext>
-                    </a:extLst>
-                  </p:cNvPr>
-                  <p:cNvSpPr txBox="1">
-                    <a:spLocks noRot="1" noChangeAspect="1" noMove="1" noResize="1" noEditPoints="1" noAdjustHandles="1" noChangeArrowheads="1" noChangeShapeType="1" noTextEdit="1"/>
-                  </p:cNvSpPr>
-                  <p:nvPr/>
-                </p:nvSpPr>
-                <p:spPr>
-                  <a:xfrm>
-                    <a:off x="3254437" y="3416792"/>
-                    <a:ext cx="813916" cy="261610"/>
-                  </a:xfrm>
-                  <a:prstGeom prst="rect">
-                    <a:avLst/>
-                  </a:prstGeom>
-                  <a:blipFill>
-                    <a:blip r:embed="rId8"/>
-                    <a:stretch>
-                      <a:fillRect/>
-                    </a:stretch>
-                  </a:blipFill>
-                </p:spPr>
-                <p:txBody>
-                  <a:bodyPr/>
-                  <a:lstStyle/>
-                  <a:p>
-                    <a:r>
-                      <a:rPr lang="en-US">
-                        <a:noFill/>
-                      </a:rPr>
-                      <a:t> </a:t>
-                    </a:r>
-                  </a:p>
-                </p:txBody>
-              </p:sp>
-            </mc:Fallback>
-          </mc:AlternateContent>
-          <p:cxnSp>
-            <p:nvCxnSpPr>
-              <p:cNvPr id="42" name="Straight Connector 41">
-                <a:extLst>
-                  <a:ext uri="{FF2B5EF4-FFF2-40B4-BE49-F238E27FC236}">
-                    <a16:creationId xmlns:a16="http://schemas.microsoft.com/office/drawing/2014/main" id="{6A7C5579-023B-1F45-91FC-5DFE0A0BDC5F}"/>
-                  </a:ext>
-                </a:extLst>
-              </p:cNvPr>
-              <p:cNvCxnSpPr>
-                <a:cxnSpLocks/>
-              </p:cNvCxnSpPr>
-              <p:nvPr/>
-            </p:nvCxnSpPr>
-            <p:spPr>
-              <a:xfrm flipH="1" flipV="1">
-                <a:off x="2971070" y="3366141"/>
-                <a:ext cx="36285" cy="181456"/>
-              </a:xfrm>
-              <a:prstGeom prst="line">
-                <a:avLst/>
-              </a:prstGeom>
-            </p:spPr>
-            <p:style>
-              <a:lnRef idx="1">
-                <a:schemeClr val="accent1"/>
-              </a:lnRef>
-              <a:fillRef idx="0">
-                <a:schemeClr val="accent1"/>
-              </a:fillRef>
-              <a:effectRef idx="0">
-                <a:schemeClr val="accent1"/>
-              </a:effectRef>
-              <a:fontRef idx="minor">
+            <a:prstGeom prst="rect">
+              <a:avLst/>
+            </a:prstGeom>
+            <a:noFill/>
+          </p:spPr>
+          <p:txBody>
+            <a:bodyPr wrap="none" rtlCol="0">
+              <a:spAutoFit/>
+            </a:bodyPr>
+            <a:lstStyle/>
+            <a:p>
+              <a:r>
+                <a:rPr lang="en-US" sz="1100" dirty="0"/>
+                <a:t>forward step</a:t>
+              </a:r>
+            </a:p>
+          </p:txBody>
+        </p:sp>
+        <p:sp>
+          <p:nvSpPr>
+            <p:cNvPr id="2" name="Oval 1">
+              <a:extLst>
+                <a:ext uri="{FF2B5EF4-FFF2-40B4-BE49-F238E27FC236}">
+                  <a16:creationId xmlns:a16="http://schemas.microsoft.com/office/drawing/2014/main" id="{88F0FF99-25E2-814D-9B7E-A938328367F0}"/>
+                </a:ext>
+              </a:extLst>
+            </p:cNvPr>
+            <p:cNvSpPr/>
+            <p:nvPr/>
+          </p:nvSpPr>
+          <p:spPr>
+            <a:xfrm>
+              <a:off x="3586636" y="1673397"/>
+              <a:ext cx="246185" cy="266281"/>
+            </a:xfrm>
+            <a:prstGeom prst="ellipse">
+              <a:avLst/>
+            </a:prstGeom>
+            <a:noFill/>
+          </p:spPr>
+          <p:style>
+            <a:lnRef idx="2">
+              <a:schemeClr val="accent1">
+                <a:shade val="50000"/>
+              </a:schemeClr>
+            </a:lnRef>
+            <a:fillRef idx="1">
+              <a:schemeClr val="accent1"/>
+            </a:fillRef>
+            <a:effectRef idx="0">
+              <a:schemeClr val="accent1"/>
+            </a:effectRef>
+            <a:fontRef idx="minor">
+              <a:schemeClr val="lt1"/>
+            </a:fontRef>
+          </p:style>
+          <p:txBody>
+            <a:bodyPr rtlCol="0" anchor="ctr"/>
+            <a:lstStyle/>
+            <a:p>
+              <a:pPr algn="ctr"/>
+              <a:endParaRPr lang="en-US"/>
+            </a:p>
+          </p:txBody>
+        </p:sp>
+        <p:sp>
+          <p:nvSpPr>
+            <p:cNvPr id="3" name="Oval 2">
+              <a:extLst>
+                <a:ext uri="{FF2B5EF4-FFF2-40B4-BE49-F238E27FC236}">
+                  <a16:creationId xmlns:a16="http://schemas.microsoft.com/office/drawing/2014/main" id="{B822BA76-30B8-4046-8548-838FB67692F8}"/>
+                </a:ext>
+              </a:extLst>
+            </p:cNvPr>
+            <p:cNvSpPr/>
+            <p:nvPr/>
+          </p:nvSpPr>
+          <p:spPr>
+            <a:xfrm>
+              <a:off x="4290812" y="2251145"/>
+              <a:ext cx="246185" cy="266281"/>
+            </a:xfrm>
+            <a:prstGeom prst="ellipse">
+              <a:avLst/>
+            </a:prstGeom>
+            <a:noFill/>
+          </p:spPr>
+          <p:style>
+            <a:lnRef idx="2">
+              <a:schemeClr val="accent1">
+                <a:shade val="50000"/>
+              </a:schemeClr>
+            </a:lnRef>
+            <a:fillRef idx="1">
+              <a:schemeClr val="accent1"/>
+            </a:fillRef>
+            <a:effectRef idx="0">
+              <a:schemeClr val="accent1"/>
+            </a:effectRef>
+            <a:fontRef idx="minor">
+              <a:schemeClr val="lt1"/>
+            </a:fontRef>
+          </p:style>
+          <p:txBody>
+            <a:bodyPr rtlCol="0" anchor="ctr"/>
+            <a:lstStyle/>
+            <a:p>
+              <a:pPr algn="ctr"/>
+              <a:endParaRPr lang="en-US"/>
+            </a:p>
+          </p:txBody>
+        </p:sp>
+        <mc:AlternateContent xmlns:mc="http://schemas.openxmlformats.org/markup-compatibility/2006">
+          <mc:Choice xmlns:a14="http://schemas.microsoft.com/office/drawing/2010/main" Requires="a14">
+            <p:sp>
+              <p:nvSpPr>
+                <p:cNvPr id="4" name="TextBox 3">
+                  <a:extLst>
+                    <a:ext uri="{FF2B5EF4-FFF2-40B4-BE49-F238E27FC236}">
+                      <a16:creationId xmlns:a16="http://schemas.microsoft.com/office/drawing/2014/main" id="{A89B5D57-AF42-CF49-924D-0EB7569C2C7D}"/>
+                    </a:ext>
+                  </a:extLst>
+                </p:cNvPr>
+                <p:cNvSpPr txBox="1"/>
+                <p:nvPr/>
+              </p:nvSpPr>
+              <p:spPr>
+                <a:xfrm>
+                  <a:off x="3535628" y="2186720"/>
+                  <a:ext cx="813916" cy="261610"/>
+                </a:xfrm>
+                <a:prstGeom prst="rect">
+                  <a:avLst/>
+                </a:prstGeom>
+                <a:noFill/>
+              </p:spPr>
+              <p:txBody>
+                <a:bodyPr wrap="square" rtlCol="0">
+                  <a:spAutoFit/>
+                </a:bodyPr>
+                <a:lstStyle/>
+                <a:p>
+                  <a14:m>
+                    <m:oMathPara xmlns:m="http://schemas.openxmlformats.org/officeDocument/2006/math">
+                      <m:oMathParaPr>
+                        <m:jc m:val="centerGroup"/>
+                      </m:oMathParaPr>
+                      <m:oMath xmlns:m="http://schemas.openxmlformats.org/officeDocument/2006/math">
+                        <m:sSub>
+                          <m:sSubPr>
+                            <m:ctrlPr>
+                              <a:rPr lang="en-US" sz="1100" i="1" smtClean="0">
+                                <a:latin typeface="Cambria Math" panose="02040503050406030204" pitchFamily="18" charset="0"/>
+                              </a:rPr>
+                            </m:ctrlPr>
+                          </m:sSubPr>
+                          <m:e>
+                            <m:r>
+                              <a:rPr lang="en-US" sz="1100" b="0" i="1" smtClean="0">
+                                <a:latin typeface="Cambria Math" panose="02040503050406030204" pitchFamily="18" charset="0"/>
+                              </a:rPr>
+                              <m:t>𝑤</m:t>
+                            </m:r>
+                          </m:e>
+                          <m:sub>
+                            <m:r>
+                              <a:rPr lang="en-US" sz="1100" b="0" i="1" smtClean="0">
+                                <a:latin typeface="Cambria Math" panose="02040503050406030204" pitchFamily="18" charset="0"/>
+                              </a:rPr>
+                              <m:t>1</m:t>
+                            </m:r>
+                          </m:sub>
+                        </m:sSub>
+                        <m:r>
+                          <a:rPr lang="en-US" sz="1100" i="1" smtClean="0">
+                            <a:latin typeface="Cambria Math" panose="02040503050406030204" pitchFamily="18" charset="0"/>
+                            <a:ea typeface="Cambria Math" panose="02040503050406030204" pitchFamily="18" charset="0"/>
+                          </a:rPr>
+                          <m:t>≡</m:t>
+                        </m:r>
+                        <m:r>
+                          <a:rPr lang="en-US" sz="1100" b="0" i="1" smtClean="0">
+                            <a:latin typeface="Cambria Math" panose="02040503050406030204" pitchFamily="18" charset="0"/>
+                            <a:ea typeface="Cambria Math" panose="02040503050406030204" pitchFamily="18" charset="0"/>
+                          </a:rPr>
+                          <m:t>𝑤</m:t>
+                        </m:r>
+                      </m:oMath>
+                    </m:oMathPara>
+                  </a14:m>
+                  <a:endParaRPr lang="en-US" sz="1100" dirty="0"/>
+                </a:p>
+              </p:txBody>
+            </p:sp>
+          </mc:Choice>
+          <mc:Fallback>
+            <p:sp>
+              <p:nvSpPr>
+                <p:cNvPr id="4" name="TextBox 3">
+                  <a:extLst>
+                    <a:ext uri="{FF2B5EF4-FFF2-40B4-BE49-F238E27FC236}">
+                      <a16:creationId xmlns:a16="http://schemas.microsoft.com/office/drawing/2014/main" id="{A89B5D57-AF42-CF49-924D-0EB7569C2C7D}"/>
+                    </a:ext>
+                  </a:extLst>
+                </p:cNvPr>
+                <p:cNvSpPr txBox="1">
+                  <a:spLocks noRot="1" noChangeAspect="1" noMove="1" noResize="1" noEditPoints="1" noAdjustHandles="1" noChangeArrowheads="1" noChangeShapeType="1" noTextEdit="1"/>
+                </p:cNvSpPr>
+                <p:nvPr/>
+              </p:nvSpPr>
+              <p:spPr>
+                <a:xfrm>
+                  <a:off x="3535628" y="2186720"/>
+                  <a:ext cx="813916" cy="261610"/>
+                </a:xfrm>
+                <a:prstGeom prst="rect">
+                  <a:avLst/>
+                </a:prstGeom>
+                <a:blipFill>
+                  <a:blip r:embed="rId2"/>
+                  <a:stretch>
+                    <a:fillRect/>
+                  </a:stretch>
+                </a:blipFill>
+              </p:spPr>
+              <p:txBody>
+                <a:bodyPr/>
+                <a:lstStyle/>
+                <a:p>
+                  <a:r>
+                    <a:rPr lang="en-US">
+                      <a:noFill/>
+                    </a:rPr>
+                    <a:t> </a:t>
+                  </a:r>
+                </a:p>
+              </p:txBody>
+            </p:sp>
+          </mc:Fallback>
+        </mc:AlternateContent>
+        <p:cxnSp>
+          <p:nvCxnSpPr>
+            <p:cNvPr id="6" name="Straight Connector 5">
+              <a:extLst>
+                <a:ext uri="{FF2B5EF4-FFF2-40B4-BE49-F238E27FC236}">
+                  <a16:creationId xmlns:a16="http://schemas.microsoft.com/office/drawing/2014/main" id="{79F2BFFA-8F56-6343-923E-069B180C8AA3}"/>
+                </a:ext>
+              </a:extLst>
+            </p:cNvPr>
+            <p:cNvCxnSpPr>
+              <a:cxnSpLocks/>
+            </p:cNvCxnSpPr>
+            <p:nvPr/>
+          </p:nvCxnSpPr>
+          <p:spPr>
+            <a:xfrm>
+              <a:off x="3796768" y="1913954"/>
+              <a:ext cx="530097" cy="381944"/>
+            </a:xfrm>
+            <a:prstGeom prst="line">
+              <a:avLst/>
+            </a:prstGeom>
+            <a:ln w="12700"/>
+          </p:spPr>
+          <p:style>
+            <a:lnRef idx="1">
+              <a:schemeClr val="accent1"/>
+            </a:lnRef>
+            <a:fillRef idx="0">
+              <a:schemeClr val="accent1"/>
+            </a:fillRef>
+            <a:effectRef idx="0">
+              <a:schemeClr val="accent1"/>
+            </a:effectRef>
+            <a:fontRef idx="minor">
+              <a:schemeClr val="tx1"/>
+            </a:fontRef>
+          </p:style>
+        </p:cxnSp>
+        <p:cxnSp>
+          <p:nvCxnSpPr>
+            <p:cNvPr id="18" name="Straight Connector 17">
+              <a:extLst>
+                <a:ext uri="{FF2B5EF4-FFF2-40B4-BE49-F238E27FC236}">
+                  <a16:creationId xmlns:a16="http://schemas.microsoft.com/office/drawing/2014/main" id="{75B00904-7A0C-E549-90DB-3F936575E17A}"/>
+                </a:ext>
+              </a:extLst>
+            </p:cNvPr>
+            <p:cNvCxnSpPr>
+              <a:cxnSpLocks/>
+            </p:cNvCxnSpPr>
+            <p:nvPr/>
+          </p:nvCxnSpPr>
+          <p:spPr>
+            <a:xfrm flipH="1" flipV="1">
+              <a:off x="3636540" y="1491941"/>
+              <a:ext cx="36285" cy="181456"/>
+            </a:xfrm>
+            <a:prstGeom prst="line">
+              <a:avLst/>
+            </a:prstGeom>
+          </p:spPr>
+          <p:style>
+            <a:lnRef idx="1">
+              <a:schemeClr val="accent1"/>
+            </a:lnRef>
+            <a:fillRef idx="0">
+              <a:schemeClr val="accent1"/>
+            </a:fillRef>
+            <a:effectRef idx="0">
+              <a:schemeClr val="accent1"/>
+            </a:effectRef>
+            <a:fontRef idx="minor">
+              <a:schemeClr val="tx1"/>
+            </a:fontRef>
+          </p:style>
+        </p:cxnSp>
+        <p:cxnSp>
+          <p:nvCxnSpPr>
+            <p:cNvPr id="20" name="Straight Connector 19">
+              <a:extLst>
+                <a:ext uri="{FF2B5EF4-FFF2-40B4-BE49-F238E27FC236}">
+                  <a16:creationId xmlns:a16="http://schemas.microsoft.com/office/drawing/2014/main" id="{3F667C5D-9EE3-E547-9A10-73AFF75574F0}"/>
+                </a:ext>
+              </a:extLst>
+            </p:cNvPr>
+            <p:cNvCxnSpPr>
+              <a:stCxn id="2" idx="1"/>
+            </p:cNvCxnSpPr>
+            <p:nvPr/>
+          </p:nvCxnSpPr>
+          <p:spPr>
+            <a:xfrm flipH="1" flipV="1">
+              <a:off x="3499550" y="1578050"/>
+              <a:ext cx="123139" cy="134343"/>
+            </a:xfrm>
+            <a:prstGeom prst="line">
+              <a:avLst/>
+            </a:prstGeom>
+          </p:spPr>
+          <p:style>
+            <a:lnRef idx="1">
+              <a:schemeClr val="accent1"/>
+            </a:lnRef>
+            <a:fillRef idx="0">
+              <a:schemeClr val="accent1"/>
+            </a:fillRef>
+            <a:effectRef idx="0">
+              <a:schemeClr val="accent1"/>
+            </a:effectRef>
+            <a:fontRef idx="minor">
+              <a:schemeClr val="tx1"/>
+            </a:fontRef>
+          </p:style>
+        </p:cxnSp>
+        <p:cxnSp>
+          <p:nvCxnSpPr>
+            <p:cNvPr id="22" name="Straight Connector 21">
+              <a:extLst>
+                <a:ext uri="{FF2B5EF4-FFF2-40B4-BE49-F238E27FC236}">
+                  <a16:creationId xmlns:a16="http://schemas.microsoft.com/office/drawing/2014/main" id="{FEF6FB89-5E52-3544-8783-1455835ED0BC}"/>
+                </a:ext>
+              </a:extLst>
+            </p:cNvPr>
+            <p:cNvCxnSpPr>
+              <a:cxnSpLocks/>
+            </p:cNvCxnSpPr>
+            <p:nvPr/>
+          </p:nvCxnSpPr>
+          <p:spPr>
+            <a:xfrm flipH="1" flipV="1">
+              <a:off x="3401526" y="1721221"/>
+              <a:ext cx="185110" cy="31666"/>
+            </a:xfrm>
+            <a:prstGeom prst="line">
+              <a:avLst/>
+            </a:prstGeom>
+          </p:spPr>
+          <p:style>
+            <a:lnRef idx="1">
+              <a:schemeClr val="accent1"/>
+            </a:lnRef>
+            <a:fillRef idx="0">
+              <a:schemeClr val="accent1"/>
+            </a:fillRef>
+            <a:effectRef idx="0">
+              <a:schemeClr val="accent1"/>
+            </a:effectRef>
+            <a:fontRef idx="minor">
+              <a:schemeClr val="tx1"/>
+            </a:fontRef>
+          </p:style>
+        </p:cxnSp>
+        <p:cxnSp>
+          <p:nvCxnSpPr>
+            <p:cNvPr id="24" name="Straight Connector 23">
+              <a:extLst>
+                <a:ext uri="{FF2B5EF4-FFF2-40B4-BE49-F238E27FC236}">
+                  <a16:creationId xmlns:a16="http://schemas.microsoft.com/office/drawing/2014/main" id="{4FE9002F-94B8-6841-A771-6C226DA8F7BB}"/>
+                </a:ext>
+              </a:extLst>
+            </p:cNvPr>
+            <p:cNvCxnSpPr>
+              <a:cxnSpLocks/>
+            </p:cNvCxnSpPr>
+            <p:nvPr/>
+          </p:nvCxnSpPr>
+          <p:spPr>
+            <a:xfrm flipV="1">
+              <a:off x="4539173" y="2379607"/>
+              <a:ext cx="196826" cy="1"/>
+            </a:xfrm>
+            <a:prstGeom prst="line">
+              <a:avLst/>
+            </a:prstGeom>
+          </p:spPr>
+          <p:style>
+            <a:lnRef idx="1">
+              <a:schemeClr val="accent1"/>
+            </a:lnRef>
+            <a:fillRef idx="0">
+              <a:schemeClr val="accent1"/>
+            </a:fillRef>
+            <a:effectRef idx="0">
+              <a:schemeClr val="accent1"/>
+            </a:effectRef>
+            <a:fontRef idx="minor">
+              <a:schemeClr val="tx1"/>
+            </a:fontRef>
+          </p:style>
+        </p:cxnSp>
+        <p:cxnSp>
+          <p:nvCxnSpPr>
+            <p:cNvPr id="26" name="Straight Connector 25">
+              <a:extLst>
+                <a:ext uri="{FF2B5EF4-FFF2-40B4-BE49-F238E27FC236}">
+                  <a16:creationId xmlns:a16="http://schemas.microsoft.com/office/drawing/2014/main" id="{41C88C75-036B-E448-8283-FED5A470FD34}"/>
+                </a:ext>
+              </a:extLst>
+            </p:cNvPr>
+            <p:cNvCxnSpPr>
+              <a:stCxn id="3" idx="5"/>
+            </p:cNvCxnSpPr>
+            <p:nvPr/>
+          </p:nvCxnSpPr>
+          <p:spPr>
+            <a:xfrm>
+              <a:off x="4500944" y="2478430"/>
+              <a:ext cx="91000" cy="112431"/>
+            </a:xfrm>
+            <a:prstGeom prst="line">
+              <a:avLst/>
+            </a:prstGeom>
+          </p:spPr>
+          <p:style>
+            <a:lnRef idx="1">
+              <a:schemeClr val="accent1"/>
+            </a:lnRef>
+            <a:fillRef idx="0">
+              <a:schemeClr val="accent1"/>
+            </a:fillRef>
+            <a:effectRef idx="0">
+              <a:schemeClr val="accent1"/>
+            </a:effectRef>
+            <a:fontRef idx="minor">
+              <a:schemeClr val="tx1"/>
+            </a:fontRef>
+          </p:style>
+        </p:cxnSp>
+        <p:sp>
+          <p:nvSpPr>
+            <p:cNvPr id="27" name="Oval 26">
+              <a:extLst>
+                <a:ext uri="{FF2B5EF4-FFF2-40B4-BE49-F238E27FC236}">
+                  <a16:creationId xmlns:a16="http://schemas.microsoft.com/office/drawing/2014/main" id="{F8A8EE48-C0AA-D642-8E8D-FDA6CC0B7B7B}"/>
+                </a:ext>
+              </a:extLst>
+            </p:cNvPr>
+            <p:cNvSpPr/>
+            <p:nvPr/>
+          </p:nvSpPr>
+          <p:spPr>
+            <a:xfrm>
+              <a:off x="4313491" y="1026796"/>
+              <a:ext cx="246185" cy="266281"/>
+            </a:xfrm>
+            <a:prstGeom prst="ellipse">
+              <a:avLst/>
+            </a:prstGeom>
+            <a:noFill/>
+          </p:spPr>
+          <p:style>
+            <a:lnRef idx="2">
+              <a:schemeClr val="accent1">
+                <a:shade val="50000"/>
+              </a:schemeClr>
+            </a:lnRef>
+            <a:fillRef idx="1">
+              <a:schemeClr val="accent1"/>
+            </a:fillRef>
+            <a:effectRef idx="0">
+              <a:schemeClr val="accent1"/>
+            </a:effectRef>
+            <a:fontRef idx="minor">
+              <a:schemeClr val="lt1"/>
+            </a:fontRef>
+          </p:style>
+          <p:txBody>
+            <a:bodyPr rtlCol="0" anchor="ctr"/>
+            <a:lstStyle/>
+            <a:p>
+              <a:pPr algn="ctr"/>
+              <a:endParaRPr lang="en-US"/>
+            </a:p>
+          </p:txBody>
+        </p:sp>
+        <p:sp>
+          <p:nvSpPr>
+            <p:cNvPr id="28" name="Oval 27">
+              <a:extLst>
+                <a:ext uri="{FF2B5EF4-FFF2-40B4-BE49-F238E27FC236}">
+                  <a16:creationId xmlns:a16="http://schemas.microsoft.com/office/drawing/2014/main" id="{AB390CAE-5270-9547-A120-F05383DFF0FD}"/>
+                </a:ext>
+              </a:extLst>
+            </p:cNvPr>
+            <p:cNvSpPr/>
+            <p:nvPr/>
+          </p:nvSpPr>
+          <p:spPr>
+            <a:xfrm>
+              <a:off x="5017667" y="1604544"/>
+              <a:ext cx="246185" cy="266281"/>
+            </a:xfrm>
+            <a:prstGeom prst="ellipse">
+              <a:avLst/>
+            </a:prstGeom>
+            <a:noFill/>
+          </p:spPr>
+          <p:style>
+            <a:lnRef idx="2">
+              <a:schemeClr val="accent1">
+                <a:shade val="50000"/>
+              </a:schemeClr>
+            </a:lnRef>
+            <a:fillRef idx="1">
+              <a:schemeClr val="accent1"/>
+            </a:fillRef>
+            <a:effectRef idx="0">
+              <a:schemeClr val="accent1"/>
+            </a:effectRef>
+            <a:fontRef idx="minor">
+              <a:schemeClr val="lt1"/>
+            </a:fontRef>
+          </p:style>
+          <p:txBody>
+            <a:bodyPr rtlCol="0" anchor="ctr"/>
+            <a:lstStyle/>
+            <a:p>
+              <a:pPr algn="ctr"/>
+              <a:endParaRPr lang="en-US"/>
+            </a:p>
+          </p:txBody>
+        </p:sp>
+        <mc:AlternateContent xmlns:mc="http://schemas.openxmlformats.org/markup-compatibility/2006">
+          <mc:Choice xmlns:a14="http://schemas.microsoft.com/office/drawing/2010/main" Requires="a14">
+            <p:sp>
+              <p:nvSpPr>
+                <p:cNvPr id="29" name="TextBox 28">
+                  <a:extLst>
+                    <a:ext uri="{FF2B5EF4-FFF2-40B4-BE49-F238E27FC236}">
+                      <a16:creationId xmlns:a16="http://schemas.microsoft.com/office/drawing/2014/main" id="{3F43D257-FD7C-CA47-AD1F-71F9AF579FC7}"/>
+                    </a:ext>
+                  </a:extLst>
+                </p:cNvPr>
+                <p:cNvSpPr txBox="1"/>
+                <p:nvPr/>
+              </p:nvSpPr>
+              <p:spPr>
+                <a:xfrm>
+                  <a:off x="4750619" y="1160650"/>
+                  <a:ext cx="813916" cy="261610"/>
+                </a:xfrm>
+                <a:prstGeom prst="rect">
+                  <a:avLst/>
+                </a:prstGeom>
+                <a:noFill/>
+              </p:spPr>
+              <p:txBody>
+                <a:bodyPr wrap="square" rtlCol="0">
+                  <a:spAutoFit/>
+                </a:bodyPr>
+                <a:lstStyle/>
+                <a:p>
+                  <a14:m>
+                    <m:oMathPara xmlns:m="http://schemas.openxmlformats.org/officeDocument/2006/math">
+                      <m:oMathParaPr>
+                        <m:jc m:val="centerGroup"/>
+                      </m:oMathParaPr>
+                      <m:oMath xmlns:m="http://schemas.openxmlformats.org/officeDocument/2006/math">
+                        <m:sSub>
+                          <m:sSubPr>
+                            <m:ctrlPr>
+                              <a:rPr lang="en-US" sz="1100" i="1" smtClean="0">
+                                <a:latin typeface="Cambria Math" panose="02040503050406030204" pitchFamily="18" charset="0"/>
+                              </a:rPr>
+                            </m:ctrlPr>
+                          </m:sSubPr>
+                          <m:e>
+                            <m:r>
+                              <a:rPr lang="en-US" sz="1100" b="0" i="1" smtClean="0">
+                                <a:latin typeface="Cambria Math" panose="02040503050406030204" pitchFamily="18" charset="0"/>
+                              </a:rPr>
+                              <m:t>𝑤</m:t>
+                            </m:r>
+                          </m:e>
+                          <m:sub>
+                            <m:r>
+                              <a:rPr lang="en-US" sz="1100" b="0" i="1" smtClean="0">
+                                <a:latin typeface="Cambria Math" panose="02040503050406030204" pitchFamily="18" charset="0"/>
+                              </a:rPr>
+                              <m:t>2</m:t>
+                            </m:r>
+                          </m:sub>
+                        </m:sSub>
+                        <m:r>
+                          <a:rPr lang="en-US" sz="1100" i="1" smtClean="0">
+                            <a:latin typeface="Cambria Math" panose="02040503050406030204" pitchFamily="18" charset="0"/>
+                            <a:ea typeface="Cambria Math" panose="02040503050406030204" pitchFamily="18" charset="0"/>
+                          </a:rPr>
+                          <m:t>≡</m:t>
+                        </m:r>
+                        <m:r>
+                          <a:rPr lang="en-US" sz="1100" b="0" i="1" smtClean="0">
+                            <a:latin typeface="Cambria Math" panose="02040503050406030204" pitchFamily="18" charset="0"/>
+                            <a:ea typeface="Cambria Math" panose="02040503050406030204" pitchFamily="18" charset="0"/>
+                          </a:rPr>
+                          <m:t>𝑤</m:t>
+                        </m:r>
+                      </m:oMath>
+                    </m:oMathPara>
+                  </a14:m>
+                  <a:endParaRPr lang="en-US" sz="1100" dirty="0"/>
+                </a:p>
+              </p:txBody>
+            </p:sp>
+          </mc:Choice>
+          <mc:Fallback>
+            <p:sp>
+              <p:nvSpPr>
+                <p:cNvPr id="29" name="TextBox 28">
+                  <a:extLst>
+                    <a:ext uri="{FF2B5EF4-FFF2-40B4-BE49-F238E27FC236}">
+                      <a16:creationId xmlns:a16="http://schemas.microsoft.com/office/drawing/2014/main" id="{3F43D257-FD7C-CA47-AD1F-71F9AF579FC7}"/>
+                    </a:ext>
+                  </a:extLst>
+                </p:cNvPr>
+                <p:cNvSpPr txBox="1">
+                  <a:spLocks noRot="1" noChangeAspect="1" noMove="1" noResize="1" noEditPoints="1" noAdjustHandles="1" noChangeArrowheads="1" noChangeShapeType="1" noTextEdit="1"/>
+                </p:cNvSpPr>
+                <p:nvPr/>
+              </p:nvSpPr>
+              <p:spPr>
+                <a:xfrm>
+                  <a:off x="4750619" y="1160650"/>
+                  <a:ext cx="813916" cy="261610"/>
+                </a:xfrm>
+                <a:prstGeom prst="rect">
+                  <a:avLst/>
+                </a:prstGeom>
+                <a:blipFill>
+                  <a:blip r:embed="rId3"/>
+                  <a:stretch>
+                    <a:fillRect/>
+                  </a:stretch>
+                </a:blipFill>
+              </p:spPr>
+              <p:txBody>
+                <a:bodyPr/>
+                <a:lstStyle/>
+                <a:p>
+                  <a:r>
+                    <a:rPr lang="en-US">
+                      <a:noFill/>
+                    </a:rPr>
+                    <a:t> </a:t>
+                  </a:r>
+                </a:p>
+              </p:txBody>
+            </p:sp>
+          </mc:Fallback>
+        </mc:AlternateContent>
+        <p:cxnSp>
+          <p:nvCxnSpPr>
+            <p:cNvPr id="30" name="Straight Connector 29">
+              <a:extLst>
+                <a:ext uri="{FF2B5EF4-FFF2-40B4-BE49-F238E27FC236}">
+                  <a16:creationId xmlns:a16="http://schemas.microsoft.com/office/drawing/2014/main" id="{A41FF192-04FB-5140-90FC-C283BD9F7CC7}"/>
+                </a:ext>
+              </a:extLst>
+            </p:cNvPr>
+            <p:cNvCxnSpPr>
+              <a:cxnSpLocks/>
+            </p:cNvCxnSpPr>
+            <p:nvPr/>
+          </p:nvCxnSpPr>
+          <p:spPr>
+            <a:xfrm>
+              <a:off x="4523623" y="1267353"/>
+              <a:ext cx="530097" cy="381944"/>
+            </a:xfrm>
+            <a:prstGeom prst="line">
+              <a:avLst/>
+            </a:prstGeom>
+            <a:ln w="12700"/>
+          </p:spPr>
+          <p:style>
+            <a:lnRef idx="1">
+              <a:schemeClr val="accent1"/>
+            </a:lnRef>
+            <a:fillRef idx="0">
+              <a:schemeClr val="accent1"/>
+            </a:fillRef>
+            <a:effectRef idx="0">
+              <a:schemeClr val="accent1"/>
+            </a:effectRef>
+            <a:fontRef idx="minor">
+              <a:schemeClr val="tx1"/>
+            </a:fontRef>
+          </p:style>
+        </p:cxnSp>
+        <p:cxnSp>
+          <p:nvCxnSpPr>
+            <p:cNvPr id="31" name="Straight Connector 30">
+              <a:extLst>
+                <a:ext uri="{FF2B5EF4-FFF2-40B4-BE49-F238E27FC236}">
+                  <a16:creationId xmlns:a16="http://schemas.microsoft.com/office/drawing/2014/main" id="{765E844E-0A69-4941-8E38-3A17B1BDE9D3}"/>
+                </a:ext>
+              </a:extLst>
+            </p:cNvPr>
+            <p:cNvCxnSpPr>
+              <a:cxnSpLocks/>
+            </p:cNvCxnSpPr>
+            <p:nvPr/>
+          </p:nvCxnSpPr>
+          <p:spPr>
+            <a:xfrm flipH="1" flipV="1">
+              <a:off x="4363395" y="845340"/>
+              <a:ext cx="36285" cy="181456"/>
+            </a:xfrm>
+            <a:prstGeom prst="line">
+              <a:avLst/>
+            </a:prstGeom>
+          </p:spPr>
+          <p:style>
+            <a:lnRef idx="1">
+              <a:schemeClr val="accent1"/>
+            </a:lnRef>
+            <a:fillRef idx="0">
+              <a:schemeClr val="accent1"/>
+            </a:fillRef>
+            <a:effectRef idx="0">
+              <a:schemeClr val="accent1"/>
+            </a:effectRef>
+            <a:fontRef idx="minor">
+              <a:schemeClr val="tx1"/>
+            </a:fontRef>
+          </p:style>
+        </p:cxnSp>
+        <p:cxnSp>
+          <p:nvCxnSpPr>
+            <p:cNvPr id="32" name="Straight Connector 31">
+              <a:extLst>
+                <a:ext uri="{FF2B5EF4-FFF2-40B4-BE49-F238E27FC236}">
+                  <a16:creationId xmlns:a16="http://schemas.microsoft.com/office/drawing/2014/main" id="{7EAE7C7F-7F67-D245-AFBE-4F74145E88F1}"/>
+                </a:ext>
+              </a:extLst>
+            </p:cNvPr>
+            <p:cNvCxnSpPr>
+              <a:stCxn id="27" idx="1"/>
+            </p:cNvCxnSpPr>
+            <p:nvPr/>
+          </p:nvCxnSpPr>
+          <p:spPr>
+            <a:xfrm flipH="1" flipV="1">
+              <a:off x="4226405" y="931449"/>
+              <a:ext cx="123139" cy="134343"/>
+            </a:xfrm>
+            <a:prstGeom prst="line">
+              <a:avLst/>
+            </a:prstGeom>
+          </p:spPr>
+          <p:style>
+            <a:lnRef idx="1">
+              <a:schemeClr val="accent1"/>
+            </a:lnRef>
+            <a:fillRef idx="0">
+              <a:schemeClr val="accent1"/>
+            </a:fillRef>
+            <a:effectRef idx="0">
+              <a:schemeClr val="accent1"/>
+            </a:effectRef>
+            <a:fontRef idx="minor">
+              <a:schemeClr val="tx1"/>
+            </a:fontRef>
+          </p:style>
+        </p:cxnSp>
+        <p:cxnSp>
+          <p:nvCxnSpPr>
+            <p:cNvPr id="33" name="Straight Connector 32">
+              <a:extLst>
+                <a:ext uri="{FF2B5EF4-FFF2-40B4-BE49-F238E27FC236}">
+                  <a16:creationId xmlns:a16="http://schemas.microsoft.com/office/drawing/2014/main" id="{FDB765E7-9277-5646-A8B5-EB63103E1B01}"/>
+                </a:ext>
+              </a:extLst>
+            </p:cNvPr>
+            <p:cNvCxnSpPr>
+              <a:cxnSpLocks/>
+            </p:cNvCxnSpPr>
+            <p:nvPr/>
+          </p:nvCxnSpPr>
+          <p:spPr>
+            <a:xfrm flipH="1" flipV="1">
+              <a:off x="4128381" y="1074620"/>
+              <a:ext cx="185110" cy="31666"/>
+            </a:xfrm>
+            <a:prstGeom prst="line">
+              <a:avLst/>
+            </a:prstGeom>
+          </p:spPr>
+          <p:style>
+            <a:lnRef idx="1">
+              <a:schemeClr val="accent1"/>
+            </a:lnRef>
+            <a:fillRef idx="0">
+              <a:schemeClr val="accent1"/>
+            </a:fillRef>
+            <a:effectRef idx="0">
+              <a:schemeClr val="accent1"/>
+            </a:effectRef>
+            <a:fontRef idx="minor">
+              <a:schemeClr val="tx1"/>
+            </a:fontRef>
+          </p:style>
+        </p:cxnSp>
+        <p:cxnSp>
+          <p:nvCxnSpPr>
+            <p:cNvPr id="34" name="Straight Connector 33">
+              <a:extLst>
+                <a:ext uri="{FF2B5EF4-FFF2-40B4-BE49-F238E27FC236}">
+                  <a16:creationId xmlns:a16="http://schemas.microsoft.com/office/drawing/2014/main" id="{DAEDB616-5D8C-E84E-9A8C-EBC622935394}"/>
+                </a:ext>
+              </a:extLst>
+            </p:cNvPr>
+            <p:cNvCxnSpPr>
+              <a:stCxn id="28" idx="6"/>
+            </p:cNvCxnSpPr>
+            <p:nvPr/>
+          </p:nvCxnSpPr>
+          <p:spPr>
+            <a:xfrm flipV="1">
+              <a:off x="5263852" y="1737684"/>
+              <a:ext cx="196826" cy="1"/>
+            </a:xfrm>
+            <a:prstGeom prst="line">
+              <a:avLst/>
+            </a:prstGeom>
+          </p:spPr>
+          <p:style>
+            <a:lnRef idx="1">
+              <a:schemeClr val="accent1"/>
+            </a:lnRef>
+            <a:fillRef idx="0">
+              <a:schemeClr val="accent1"/>
+            </a:fillRef>
+            <a:effectRef idx="0">
+              <a:schemeClr val="accent1"/>
+            </a:effectRef>
+            <a:fontRef idx="minor">
+              <a:schemeClr val="tx1"/>
+            </a:fontRef>
+          </p:style>
+        </p:cxnSp>
+        <p:cxnSp>
+          <p:nvCxnSpPr>
+            <p:cNvPr id="35" name="Straight Connector 34">
+              <a:extLst>
+                <a:ext uri="{FF2B5EF4-FFF2-40B4-BE49-F238E27FC236}">
+                  <a16:creationId xmlns:a16="http://schemas.microsoft.com/office/drawing/2014/main" id="{B67B990D-3470-EA4F-9E8C-3EA2AD113670}"/>
+                </a:ext>
+              </a:extLst>
+            </p:cNvPr>
+            <p:cNvCxnSpPr>
+              <a:stCxn id="28" idx="5"/>
+            </p:cNvCxnSpPr>
+            <p:nvPr/>
+          </p:nvCxnSpPr>
+          <p:spPr>
+            <a:xfrm>
+              <a:off x="5227799" y="1831829"/>
+              <a:ext cx="91000" cy="112431"/>
+            </a:xfrm>
+            <a:prstGeom prst="line">
+              <a:avLst/>
+            </a:prstGeom>
+          </p:spPr>
+          <p:style>
+            <a:lnRef idx="1">
+              <a:schemeClr val="accent1"/>
+            </a:lnRef>
+            <a:fillRef idx="0">
+              <a:schemeClr val="accent1"/>
+            </a:fillRef>
+            <a:effectRef idx="0">
+              <a:schemeClr val="accent1"/>
+            </a:effectRef>
+            <a:fontRef idx="minor">
+              <a:schemeClr val="tx1"/>
+            </a:fontRef>
+          </p:style>
+        </p:cxnSp>
+        <mc:AlternateContent xmlns:mc="http://schemas.openxmlformats.org/markup-compatibility/2006">
+          <mc:Choice xmlns:a14="http://schemas.microsoft.com/office/drawing/2010/main" Requires="a14">
+            <p:sp>
+              <p:nvSpPr>
+                <p:cNvPr id="79" name="TextBox 78">
+                  <a:extLst>
+                    <a:ext uri="{FF2B5EF4-FFF2-40B4-BE49-F238E27FC236}">
+                      <a16:creationId xmlns:a16="http://schemas.microsoft.com/office/drawing/2014/main" id="{4F4940A5-FAD5-F942-A4CE-BAF85151ADC7}"/>
+                    </a:ext>
+                  </a:extLst>
+                </p:cNvPr>
+                <p:cNvSpPr txBox="1"/>
+                <p:nvPr/>
+              </p:nvSpPr>
+              <p:spPr>
+                <a:xfrm>
+                  <a:off x="3400742" y="2600762"/>
+                  <a:ext cx="695383" cy="261610"/>
+                </a:xfrm>
+                <a:prstGeom prst="rect">
+                  <a:avLst/>
+                </a:prstGeom>
+                <a:noFill/>
+              </p:spPr>
+              <p:txBody>
+                <a:bodyPr wrap="none" rtlCol="0">
+                  <a:spAutoFit/>
+                </a:bodyPr>
+                <a:lstStyle/>
+                <a:p>
+                  <a14:m>
+                    <m:oMathPara xmlns:m="http://schemas.openxmlformats.org/officeDocument/2006/math">
+                      <m:oMathParaPr>
+                        <m:jc m:val="centerGroup"/>
+                      </m:oMathParaPr>
+                      <m:oMath xmlns:m="http://schemas.openxmlformats.org/officeDocument/2006/math">
+                        <m:r>
+                          <a:rPr lang="en-US" sz="1100" b="0" i="1" dirty="0" smtClean="0">
+                            <a:latin typeface="Cambria Math" panose="02040503050406030204" pitchFamily="18" charset="0"/>
+                          </a:rPr>
+                          <m:t>𝑡</m:t>
+                        </m:r>
+                        <m:r>
+                          <a:rPr lang="en-US" sz="1100" b="0" i="1" dirty="0" smtClean="0">
+                            <a:latin typeface="Cambria Math" panose="02040503050406030204" pitchFamily="18" charset="0"/>
+                          </a:rPr>
+                          <m:t>=</m:t>
+                        </m:r>
+                        <m:sSub>
+                          <m:sSubPr>
+                            <m:ctrlPr>
+                              <a:rPr lang="en-US" sz="1100" i="1"/>
+                            </m:ctrlPr>
+                          </m:sSubPr>
+                          <m:e>
+                            <m:r>
+                              <a:rPr lang="en-US" sz="1100" i="1"/>
+                              <m:t>𝑡</m:t>
+                            </m:r>
+                          </m:e>
+                          <m:sub>
+                            <m:r>
+                              <a:rPr lang="en-US" sz="1100" b="0" i="1" smtClean="0">
+                                <a:latin typeface="Cambria Math" panose="02040503050406030204" pitchFamily="18" charset="0"/>
+                              </a:rPr>
+                              <m:t>𝑙</m:t>
+                            </m:r>
+                            <m:r>
+                              <a:rPr lang="en-US" sz="1100" b="0" i="1" smtClean="0">
+                                <a:latin typeface="Cambria Math" panose="02040503050406030204" pitchFamily="18" charset="0"/>
+                              </a:rPr>
+                              <m:t>−1</m:t>
+                            </m:r>
+                          </m:sub>
+                        </m:sSub>
+                      </m:oMath>
+                    </m:oMathPara>
+                  </a14:m>
+                  <a:endParaRPr lang="en-US" sz="1100" dirty="0"/>
+                </a:p>
+              </p:txBody>
+            </p:sp>
+          </mc:Choice>
+          <mc:Fallback>
+            <p:sp>
+              <p:nvSpPr>
+                <p:cNvPr id="79" name="TextBox 78">
+                  <a:extLst>
+                    <a:ext uri="{FF2B5EF4-FFF2-40B4-BE49-F238E27FC236}">
+                      <a16:creationId xmlns:a16="http://schemas.microsoft.com/office/drawing/2014/main" id="{4F4940A5-FAD5-F942-A4CE-BAF85151ADC7}"/>
+                    </a:ext>
+                  </a:extLst>
+                </p:cNvPr>
+                <p:cNvSpPr txBox="1">
+                  <a:spLocks noRot="1" noChangeAspect="1" noMove="1" noResize="1" noEditPoints="1" noAdjustHandles="1" noChangeArrowheads="1" noChangeShapeType="1" noTextEdit="1"/>
+                </p:cNvSpPr>
+                <p:nvPr/>
+              </p:nvSpPr>
+              <p:spPr>
+                <a:xfrm>
+                  <a:off x="3400742" y="2600762"/>
+                  <a:ext cx="695383" cy="261610"/>
+                </a:xfrm>
+                <a:prstGeom prst="rect">
+                  <a:avLst/>
+                </a:prstGeom>
+                <a:blipFill>
+                  <a:blip r:embed="rId4"/>
+                  <a:stretch>
+                    <a:fillRect/>
+                  </a:stretch>
+                </a:blipFill>
+              </p:spPr>
+              <p:txBody>
+                <a:bodyPr/>
+                <a:lstStyle/>
+                <a:p>
+                  <a:r>
+                    <a:rPr lang="en-US">
+                      <a:noFill/>
+                    </a:rPr>
+                    <a:t> </a:t>
+                  </a:r>
+                </a:p>
+              </p:txBody>
+            </p:sp>
+          </mc:Fallback>
+        </mc:AlternateContent>
+        <mc:AlternateContent xmlns:mc="http://schemas.openxmlformats.org/markup-compatibility/2006">
+          <mc:Choice xmlns:a14="http://schemas.microsoft.com/office/drawing/2010/main" Requires="a14">
+            <p:sp>
+              <p:nvSpPr>
+                <p:cNvPr id="80" name="TextBox 79">
+                  <a:extLst>
+                    <a:ext uri="{FF2B5EF4-FFF2-40B4-BE49-F238E27FC236}">
+                      <a16:creationId xmlns:a16="http://schemas.microsoft.com/office/drawing/2014/main" id="{861CAE32-5B55-204E-BEB3-2239DBDCB3C2}"/>
+                    </a:ext>
+                  </a:extLst>
+                </p:cNvPr>
+                <p:cNvSpPr txBox="1"/>
+                <p:nvPr/>
+              </p:nvSpPr>
+              <p:spPr>
+                <a:xfrm>
+                  <a:off x="4164207" y="2604149"/>
+                  <a:ext cx="560731" cy="261610"/>
+                </a:xfrm>
+                <a:prstGeom prst="rect">
+                  <a:avLst/>
+                </a:prstGeom>
+                <a:noFill/>
+              </p:spPr>
+              <p:txBody>
+                <a:bodyPr wrap="none" rtlCol="0">
+                  <a:spAutoFit/>
+                </a:bodyPr>
+                <a:lstStyle/>
+                <a:p>
+                  <a14:m>
+                    <m:oMathPara xmlns:m="http://schemas.openxmlformats.org/officeDocument/2006/math">
+                      <m:oMathParaPr>
+                        <m:jc m:val="centerGroup"/>
+                      </m:oMathParaPr>
+                      <m:oMath xmlns:m="http://schemas.openxmlformats.org/officeDocument/2006/math">
+                        <m:r>
+                          <a:rPr lang="en-US" sz="1100" b="0" i="1" dirty="0" smtClean="0">
+                            <a:latin typeface="Cambria Math" panose="02040503050406030204" pitchFamily="18" charset="0"/>
+                          </a:rPr>
+                          <m:t>𝑡</m:t>
+                        </m:r>
+                        <m:r>
+                          <a:rPr lang="en-US" sz="1100" b="0" i="1" dirty="0" smtClean="0">
+                            <a:latin typeface="Cambria Math" panose="02040503050406030204" pitchFamily="18" charset="0"/>
+                          </a:rPr>
+                          <m:t>=</m:t>
+                        </m:r>
+                        <m:sSub>
+                          <m:sSubPr>
+                            <m:ctrlPr>
+                              <a:rPr lang="en-US" sz="1100" i="1"/>
+                            </m:ctrlPr>
+                          </m:sSubPr>
+                          <m:e>
+                            <m:r>
+                              <a:rPr lang="en-US" sz="1100" i="1"/>
+                              <m:t>𝑡</m:t>
+                            </m:r>
+                          </m:e>
+                          <m:sub>
+                            <m:r>
+                              <a:rPr lang="en-US" sz="1100" b="0" i="1" smtClean="0">
+                                <a:latin typeface="Cambria Math" panose="02040503050406030204" pitchFamily="18" charset="0"/>
+                              </a:rPr>
+                              <m:t>𝑙</m:t>
+                            </m:r>
+                          </m:sub>
+                        </m:sSub>
+                      </m:oMath>
+                    </m:oMathPara>
+                  </a14:m>
+                  <a:endParaRPr lang="en-US" sz="1100" dirty="0"/>
+                </a:p>
+              </p:txBody>
+            </p:sp>
+          </mc:Choice>
+          <mc:Fallback>
+            <p:sp>
+              <p:nvSpPr>
+                <p:cNvPr id="80" name="TextBox 79">
+                  <a:extLst>
+                    <a:ext uri="{FF2B5EF4-FFF2-40B4-BE49-F238E27FC236}">
+                      <a16:creationId xmlns:a16="http://schemas.microsoft.com/office/drawing/2014/main" id="{861CAE32-5B55-204E-BEB3-2239DBDCB3C2}"/>
+                    </a:ext>
+                  </a:extLst>
+                </p:cNvPr>
+                <p:cNvSpPr txBox="1">
+                  <a:spLocks noRot="1" noChangeAspect="1" noMove="1" noResize="1" noEditPoints="1" noAdjustHandles="1" noChangeArrowheads="1" noChangeShapeType="1" noTextEdit="1"/>
+                </p:cNvSpPr>
+                <p:nvPr/>
+              </p:nvSpPr>
+              <p:spPr>
+                <a:xfrm>
+                  <a:off x="4164207" y="2604149"/>
+                  <a:ext cx="560731" cy="261610"/>
+                </a:xfrm>
+                <a:prstGeom prst="rect">
+                  <a:avLst/>
+                </a:prstGeom>
+                <a:blipFill>
+                  <a:blip r:embed="rId5"/>
+                  <a:stretch>
+                    <a:fillRect/>
+                  </a:stretch>
+                </a:blipFill>
+              </p:spPr>
+              <p:txBody>
+                <a:bodyPr/>
+                <a:lstStyle/>
+                <a:p>
+                  <a:r>
+                    <a:rPr lang="en-US">
+                      <a:noFill/>
+                    </a:rPr>
+                    <a:t> </a:t>
+                  </a:r>
+                </a:p>
+              </p:txBody>
+            </p:sp>
+          </mc:Fallback>
+        </mc:AlternateContent>
+        <mc:AlternateContent xmlns:mc="http://schemas.openxmlformats.org/markup-compatibility/2006">
+          <mc:Choice xmlns:a14="http://schemas.microsoft.com/office/drawing/2010/main" Requires="a14">
+            <p:sp>
+              <p:nvSpPr>
+                <p:cNvPr id="83" name="TextBox 82">
+                  <a:extLst>
+                    <a:ext uri="{FF2B5EF4-FFF2-40B4-BE49-F238E27FC236}">
+                      <a16:creationId xmlns:a16="http://schemas.microsoft.com/office/drawing/2014/main" id="{D27F92E6-9F81-C444-BFAA-FB69BF587611}"/>
+                    </a:ext>
+                  </a:extLst>
+                </p:cNvPr>
+                <p:cNvSpPr txBox="1"/>
+                <p:nvPr/>
+              </p:nvSpPr>
+              <p:spPr>
+                <a:xfrm>
+                  <a:off x="3370617" y="566793"/>
+                  <a:ext cx="648383" cy="261610"/>
+                </a:xfrm>
+                <a:prstGeom prst="rect">
+                  <a:avLst/>
+                </a:prstGeom>
+                <a:noFill/>
+              </p:spPr>
+              <p:txBody>
+                <a:bodyPr wrap="none" rtlCol="0">
+                  <a:spAutoFit/>
+                </a:bodyPr>
+                <a:lstStyle/>
+                <a:p>
+                  <a14:m>
+                    <m:oMathPara xmlns:m="http://schemas.openxmlformats.org/officeDocument/2006/math">
+                      <m:oMathParaPr>
+                        <m:jc m:val="centerGroup"/>
+                      </m:oMathParaPr>
+                      <m:oMath xmlns:m="http://schemas.openxmlformats.org/officeDocument/2006/math">
+                        <m:acc>
+                          <m:accPr>
+                            <m:chr m:val="⃗"/>
+                            <m:ctrlPr>
+                              <a:rPr lang="en-US" sz="1100" i="1" smtClean="0"/>
+                            </m:ctrlPr>
+                          </m:accPr>
+                          <m:e>
+                            <m:r>
+                              <a:rPr lang="en-US" sz="1100" b="0" i="1" smtClean="0">
+                                <a:latin typeface="Cambria Math" panose="02040503050406030204" pitchFamily="18" charset="0"/>
+                              </a:rPr>
+                              <m:t>𝑥</m:t>
+                            </m:r>
+                          </m:e>
+                        </m:acc>
+                        <m:d>
+                          <m:dPr>
+                            <m:ctrlPr>
+                              <a:rPr lang="en-US" sz="1100" i="1"/>
+                            </m:ctrlPr>
+                          </m:dPr>
+                          <m:e>
+                            <m:sSub>
+                              <m:sSubPr>
+                                <m:ctrlPr>
+                                  <a:rPr lang="en-US" sz="1100" i="1" smtClean="0">
+                                    <a:latin typeface="Cambria Math" panose="02040503050406030204" pitchFamily="18" charset="0"/>
+                                  </a:rPr>
+                                </m:ctrlPr>
+                              </m:sSubPr>
+                              <m:e>
+                                <m:r>
+                                  <a:rPr lang="en-US" sz="1100" i="1">
+                                    <a:latin typeface="Cambria Math" panose="02040503050406030204" pitchFamily="18" charset="0"/>
+                                  </a:rPr>
+                                  <m:t>𝑡</m:t>
+                                </m:r>
+                              </m:e>
+                              <m:sub>
+                                <m:r>
+                                  <a:rPr lang="en-US" sz="1100" b="0" i="1" smtClean="0">
+                                    <a:latin typeface="Cambria Math" panose="02040503050406030204" pitchFamily="18" charset="0"/>
+                                  </a:rPr>
+                                  <m:t>𝑙</m:t>
+                                </m:r>
+                                <m:r>
+                                  <a:rPr lang="en-US" sz="1100" b="0" i="1" smtClean="0">
+                                    <a:latin typeface="Cambria Math" panose="02040503050406030204" pitchFamily="18" charset="0"/>
+                                  </a:rPr>
+                                  <m:t>−1</m:t>
+                                </m:r>
+                              </m:sub>
+                            </m:sSub>
+                          </m:e>
+                        </m:d>
+                      </m:oMath>
+                    </m:oMathPara>
+                  </a14:m>
+                  <a:endParaRPr lang="en-US" sz="1100" dirty="0"/>
+                </a:p>
+              </p:txBody>
+            </p:sp>
+          </mc:Choice>
+          <mc:Fallback>
+            <p:sp>
+              <p:nvSpPr>
+                <p:cNvPr id="83" name="TextBox 82">
+                  <a:extLst>
+                    <a:ext uri="{FF2B5EF4-FFF2-40B4-BE49-F238E27FC236}">
+                      <a16:creationId xmlns:a16="http://schemas.microsoft.com/office/drawing/2014/main" id="{D27F92E6-9F81-C444-BFAA-FB69BF587611}"/>
+                    </a:ext>
+                  </a:extLst>
+                </p:cNvPr>
+                <p:cNvSpPr txBox="1">
+                  <a:spLocks noRot="1" noChangeAspect="1" noMove="1" noResize="1" noEditPoints="1" noAdjustHandles="1" noChangeArrowheads="1" noChangeShapeType="1" noTextEdit="1"/>
+                </p:cNvSpPr>
+                <p:nvPr/>
+              </p:nvSpPr>
+              <p:spPr>
+                <a:xfrm>
+                  <a:off x="3370617" y="566793"/>
+                  <a:ext cx="648383" cy="261610"/>
+                </a:xfrm>
+                <a:prstGeom prst="rect">
+                  <a:avLst/>
+                </a:prstGeom>
+                <a:blipFill>
+                  <a:blip r:embed="rId6"/>
+                  <a:stretch>
+                    <a:fillRect t="-13636"/>
+                  </a:stretch>
+                </a:blipFill>
+              </p:spPr>
+              <p:txBody>
+                <a:bodyPr/>
+                <a:lstStyle/>
+                <a:p>
+                  <a:r>
+                    <a:rPr lang="en-US">
+                      <a:noFill/>
+                    </a:rPr>
+                    <a:t> </a:t>
+                  </a:r>
+                </a:p>
+              </p:txBody>
+            </p:sp>
+          </mc:Fallback>
+        </mc:AlternateContent>
+        <mc:AlternateContent xmlns:mc="http://schemas.openxmlformats.org/markup-compatibility/2006">
+          <mc:Choice xmlns:a14="http://schemas.microsoft.com/office/drawing/2010/main" Requires="a14">
+            <p:sp>
+              <p:nvSpPr>
+                <p:cNvPr id="84" name="TextBox 83">
+                  <a:extLst>
+                    <a:ext uri="{FF2B5EF4-FFF2-40B4-BE49-F238E27FC236}">
+                      <a16:creationId xmlns:a16="http://schemas.microsoft.com/office/drawing/2014/main" id="{D2FE3C5C-A8B5-7C4A-9660-4965DAD81232}"/>
+                    </a:ext>
+                  </a:extLst>
+                </p:cNvPr>
+                <p:cNvSpPr txBox="1"/>
+                <p:nvPr/>
+              </p:nvSpPr>
+              <p:spPr>
+                <a:xfrm>
+                  <a:off x="4189283" y="552731"/>
+                  <a:ext cx="513730" cy="261610"/>
+                </a:xfrm>
+                <a:prstGeom prst="rect">
+                  <a:avLst/>
+                </a:prstGeom>
+                <a:noFill/>
+              </p:spPr>
+              <p:txBody>
+                <a:bodyPr wrap="none" rtlCol="0">
+                  <a:spAutoFit/>
+                </a:bodyPr>
+                <a:lstStyle/>
+                <a:p>
+                  <a14:m>
+                    <m:oMathPara xmlns:m="http://schemas.openxmlformats.org/officeDocument/2006/math">
+                      <m:oMathParaPr>
+                        <m:jc m:val="centerGroup"/>
+                      </m:oMathParaPr>
+                      <m:oMath xmlns:m="http://schemas.openxmlformats.org/officeDocument/2006/math">
+                        <m:acc>
+                          <m:accPr>
+                            <m:chr m:val="⃗"/>
+                            <m:ctrlPr>
+                              <a:rPr lang="en-US" sz="1100" i="1" smtClean="0"/>
+                            </m:ctrlPr>
+                          </m:accPr>
+                          <m:e>
+                            <m:r>
+                              <a:rPr lang="en-US" sz="1100" b="0" i="1" smtClean="0">
+                                <a:latin typeface="Cambria Math" panose="02040503050406030204" pitchFamily="18" charset="0"/>
+                              </a:rPr>
+                              <m:t>𝑥</m:t>
+                            </m:r>
+                          </m:e>
+                        </m:acc>
+                        <m:d>
+                          <m:dPr>
+                            <m:ctrlPr>
+                              <a:rPr lang="en-US" sz="1100" i="1"/>
+                            </m:ctrlPr>
+                          </m:dPr>
+                          <m:e>
+                            <m:sSub>
+                              <m:sSubPr>
+                                <m:ctrlPr>
+                                  <a:rPr lang="en-US" sz="1100" i="1" smtClean="0">
+                                    <a:latin typeface="Cambria Math" panose="02040503050406030204" pitchFamily="18" charset="0"/>
+                                  </a:rPr>
+                                </m:ctrlPr>
+                              </m:sSubPr>
+                              <m:e>
+                                <m:r>
+                                  <a:rPr lang="en-US" sz="1100" i="1">
+                                    <a:latin typeface="Cambria Math" panose="02040503050406030204" pitchFamily="18" charset="0"/>
+                                  </a:rPr>
+                                  <m:t>𝑡</m:t>
+                                </m:r>
+                              </m:e>
+                              <m:sub>
+                                <m:r>
+                                  <a:rPr lang="en-US" sz="1100" b="0" i="1" smtClean="0">
+                                    <a:latin typeface="Cambria Math" panose="02040503050406030204" pitchFamily="18" charset="0"/>
+                                  </a:rPr>
+                                  <m:t>𝑙</m:t>
+                                </m:r>
+                              </m:sub>
+                            </m:sSub>
+                          </m:e>
+                        </m:d>
+                      </m:oMath>
+                    </m:oMathPara>
+                  </a14:m>
+                  <a:endParaRPr lang="en-US" sz="1100" dirty="0"/>
+                </a:p>
+              </p:txBody>
+            </p:sp>
+          </mc:Choice>
+          <mc:Fallback>
+            <p:sp>
+              <p:nvSpPr>
+                <p:cNvPr id="84" name="TextBox 83">
+                  <a:extLst>
+                    <a:ext uri="{FF2B5EF4-FFF2-40B4-BE49-F238E27FC236}">
+                      <a16:creationId xmlns:a16="http://schemas.microsoft.com/office/drawing/2014/main" id="{D2FE3C5C-A8B5-7C4A-9660-4965DAD81232}"/>
+                    </a:ext>
+                  </a:extLst>
+                </p:cNvPr>
+                <p:cNvSpPr txBox="1">
+                  <a:spLocks noRot="1" noChangeAspect="1" noMove="1" noResize="1" noEditPoints="1" noAdjustHandles="1" noChangeArrowheads="1" noChangeShapeType="1" noTextEdit="1"/>
+                </p:cNvSpPr>
+                <p:nvPr/>
+              </p:nvSpPr>
+              <p:spPr>
+                <a:xfrm>
+                  <a:off x="4189283" y="552731"/>
+                  <a:ext cx="513730" cy="261610"/>
+                </a:xfrm>
+                <a:prstGeom prst="rect">
+                  <a:avLst/>
+                </a:prstGeom>
+                <a:blipFill>
+                  <a:blip r:embed="rId7"/>
+                  <a:stretch>
+                    <a:fillRect t="-13636"/>
+                  </a:stretch>
+                </a:blipFill>
+              </p:spPr>
+              <p:txBody>
+                <a:bodyPr/>
+                <a:lstStyle/>
+                <a:p>
+                  <a:r>
+                    <a:rPr lang="en-US">
+                      <a:noFill/>
+                    </a:rPr>
+                    <a:t> </a:t>
+                  </a:r>
+                </a:p>
+              </p:txBody>
+            </p:sp>
+          </mc:Fallback>
+        </mc:AlternateContent>
+        <p:cxnSp>
+          <p:nvCxnSpPr>
+            <p:cNvPr id="86" name="Straight Connector 85">
+              <a:extLst>
+                <a:ext uri="{FF2B5EF4-FFF2-40B4-BE49-F238E27FC236}">
+                  <a16:creationId xmlns:a16="http://schemas.microsoft.com/office/drawing/2014/main" id="{8712F52B-167D-8748-A8F0-556F8AF310AD}"/>
+                </a:ext>
+              </a:extLst>
+            </p:cNvPr>
+            <p:cNvCxnSpPr/>
+            <p:nvPr/>
+          </p:nvCxnSpPr>
+          <p:spPr>
+            <a:xfrm>
+              <a:off x="4068353" y="485347"/>
+              <a:ext cx="0" cy="2102572"/>
+            </a:xfrm>
+            <a:prstGeom prst="line">
+              <a:avLst/>
+            </a:prstGeom>
+            <a:ln>
+              <a:prstDash val="lgDash"/>
+            </a:ln>
+          </p:spPr>
+          <p:style>
+            <a:lnRef idx="1">
+              <a:schemeClr val="accent1"/>
+            </a:lnRef>
+            <a:fillRef idx="0">
+              <a:schemeClr val="accent1"/>
+            </a:fillRef>
+            <a:effectRef idx="0">
+              <a:schemeClr val="accent1"/>
+            </a:effectRef>
+            <a:fontRef idx="minor">
+              <a:schemeClr val="tx1"/>
+            </a:fontRef>
+          </p:style>
+        </p:cxnSp>
+        <p:cxnSp>
+          <p:nvCxnSpPr>
+            <p:cNvPr id="87" name="Straight Connector 86">
+              <a:extLst>
+                <a:ext uri="{FF2B5EF4-FFF2-40B4-BE49-F238E27FC236}">
+                  <a16:creationId xmlns:a16="http://schemas.microsoft.com/office/drawing/2014/main" id="{E96DD4E5-5E71-B246-826C-20F17A5B0E61}"/>
+                </a:ext>
+              </a:extLst>
+            </p:cNvPr>
+            <p:cNvCxnSpPr/>
+            <p:nvPr/>
+          </p:nvCxnSpPr>
+          <p:spPr>
+            <a:xfrm>
+              <a:off x="4794548" y="485347"/>
+              <a:ext cx="0" cy="2102572"/>
+            </a:xfrm>
+            <a:prstGeom prst="line">
+              <a:avLst/>
+            </a:prstGeom>
+            <a:ln>
+              <a:prstDash val="dash"/>
+            </a:ln>
+          </p:spPr>
+          <p:style>
+            <a:lnRef idx="1">
+              <a:schemeClr val="accent1"/>
+            </a:lnRef>
+            <a:fillRef idx="0">
+              <a:schemeClr val="accent1"/>
+            </a:fillRef>
+            <a:effectRef idx="0">
+              <a:schemeClr val="accent1"/>
+            </a:effectRef>
+            <a:fontRef idx="minor">
+              <a:schemeClr val="tx1"/>
+            </a:fontRef>
+          </p:style>
+        </p:cxnSp>
+        <p:cxnSp>
+          <p:nvCxnSpPr>
+            <p:cNvPr id="88" name="Straight Connector 87">
+              <a:extLst>
+                <a:ext uri="{FF2B5EF4-FFF2-40B4-BE49-F238E27FC236}">
+                  <a16:creationId xmlns:a16="http://schemas.microsoft.com/office/drawing/2014/main" id="{5CF91160-D5C7-0F4D-AE9D-1994E2660F4E}"/>
+                </a:ext>
+              </a:extLst>
+            </p:cNvPr>
+            <p:cNvCxnSpPr/>
+            <p:nvPr/>
+          </p:nvCxnSpPr>
+          <p:spPr>
+            <a:xfrm>
+              <a:off x="3370617" y="473532"/>
+              <a:ext cx="0" cy="2102572"/>
+            </a:xfrm>
+            <a:prstGeom prst="line">
+              <a:avLst/>
+            </a:prstGeom>
+            <a:ln>
+              <a:prstDash val="dash"/>
+            </a:ln>
+          </p:spPr>
+          <p:style>
+            <a:lnRef idx="1">
+              <a:schemeClr val="accent1"/>
+            </a:lnRef>
+            <a:fillRef idx="0">
+              <a:schemeClr val="accent1"/>
+            </a:fillRef>
+            <a:effectRef idx="0">
+              <a:schemeClr val="accent1"/>
+            </a:effectRef>
+            <a:fontRef idx="minor">
+              <a:schemeClr val="tx1"/>
+            </a:fontRef>
+          </p:style>
+        </p:cxnSp>
+        <p:cxnSp>
+          <p:nvCxnSpPr>
+            <p:cNvPr id="90" name="Straight Arrow Connector 89">
+              <a:extLst>
+                <a:ext uri="{FF2B5EF4-FFF2-40B4-BE49-F238E27FC236}">
+                  <a16:creationId xmlns:a16="http://schemas.microsoft.com/office/drawing/2014/main" id="{D721632A-9F10-9147-863D-380A5D725CBA}"/>
+                </a:ext>
+              </a:extLst>
+            </p:cNvPr>
+            <p:cNvCxnSpPr/>
+            <p:nvPr/>
+          </p:nvCxnSpPr>
+          <p:spPr>
+            <a:xfrm>
+              <a:off x="3329666" y="349415"/>
+              <a:ext cx="1360308" cy="0"/>
+            </a:xfrm>
+            <a:prstGeom prst="straightConnector1">
+              <a:avLst/>
+            </a:prstGeom>
+            <a:ln>
+              <a:tailEnd type="triangle"/>
+            </a:ln>
+          </p:spPr>
+          <p:style>
+            <a:lnRef idx="1">
+              <a:schemeClr val="accent1"/>
+            </a:lnRef>
+            <a:fillRef idx="0">
+              <a:schemeClr val="accent1"/>
+            </a:fillRef>
+            <a:effectRef idx="0">
+              <a:schemeClr val="accent1"/>
+            </a:effectRef>
+            <a:fontRef idx="minor">
+              <a:schemeClr val="tx1"/>
+            </a:fontRef>
+          </p:style>
+        </p:cxnSp>
+        <mc:AlternateContent xmlns:mc="http://schemas.openxmlformats.org/markup-compatibility/2006">
+          <mc:Choice xmlns:a14="http://schemas.microsoft.com/office/drawing/2010/main" Requires="a14">
+            <p:sp>
+              <p:nvSpPr>
+                <p:cNvPr id="100" name="TextBox 99">
+                  <a:extLst>
+                    <a:ext uri="{FF2B5EF4-FFF2-40B4-BE49-F238E27FC236}">
+                      <a16:creationId xmlns:a16="http://schemas.microsoft.com/office/drawing/2014/main" id="{6EA9D9A4-C198-A141-9DCB-FE90506F796A}"/>
+                    </a:ext>
+                  </a:extLst>
+                </p:cNvPr>
+                <p:cNvSpPr txBox="1"/>
+                <p:nvPr/>
+              </p:nvSpPr>
+              <p:spPr>
+                <a:xfrm>
+                  <a:off x="3633436" y="1694043"/>
+                  <a:ext cx="813916" cy="276101"/>
+                </a:xfrm>
+                <a:prstGeom prst="rect">
+                  <a:avLst/>
+                </a:prstGeom>
+                <a:noFill/>
+              </p:spPr>
+              <p:txBody>
+                <a:bodyPr wrap="square" rtlCol="0">
+                  <a:spAutoFit/>
+                </a:bodyPr>
+                <a:lstStyle/>
+                <a:p>
+                  <a14:m>
+                    <m:oMathPara xmlns:m="http://schemas.openxmlformats.org/officeDocument/2006/math">
+                      <m:oMathParaPr>
+                        <m:jc m:val="centerGroup"/>
+                      </m:oMathParaPr>
+                      <m:oMath xmlns:m="http://schemas.openxmlformats.org/officeDocument/2006/math">
+                        <m:sSup>
+                          <m:sSupPr>
+                            <m:ctrlPr>
+                              <a:rPr lang="en-US" sz="1100" i="1" smtClean="0">
+                                <a:latin typeface="Cambria Math" panose="02040503050406030204" pitchFamily="18" charset="0"/>
+                              </a:rPr>
+                            </m:ctrlPr>
+                          </m:sSupPr>
+                          <m:e>
+                            <m:r>
+                              <a:rPr lang="en-US" sz="1100" b="0" i="1" smtClean="0">
+                                <a:latin typeface="Cambria Math" panose="02040503050406030204" pitchFamily="18" charset="0"/>
+                              </a:rPr>
+                              <m:t>𝑜</m:t>
+                            </m:r>
+                          </m:e>
+                          <m:sup>
+                            <m:d>
+                              <m:dPr>
+                                <m:ctrlPr>
+                                  <a:rPr lang="en-US" sz="1100" i="1" smtClean="0">
+                                    <a:latin typeface="Cambria Math" panose="02040503050406030204" pitchFamily="18" charset="0"/>
+                                  </a:rPr>
+                                </m:ctrlPr>
+                              </m:dPr>
+                              <m:e>
+                                <m:r>
+                                  <a:rPr lang="en-US" sz="1100" b="0" i="1" smtClean="0">
+                                    <a:latin typeface="Cambria Math" panose="02040503050406030204" pitchFamily="18" charset="0"/>
+                                  </a:rPr>
+                                  <m:t>𝑙</m:t>
+                                </m:r>
+                                <m:r>
+                                  <a:rPr lang="en-US" sz="1100" b="0" i="1" smtClean="0">
+                                    <a:latin typeface="Cambria Math" panose="02040503050406030204" pitchFamily="18" charset="0"/>
+                                  </a:rPr>
+                                  <m:t>−1</m:t>
+                                </m:r>
+                              </m:e>
+                            </m:d>
+                          </m:sup>
+                        </m:sSup>
+                      </m:oMath>
+                    </m:oMathPara>
+                  </a14:m>
+                  <a:endParaRPr lang="en-US" sz="1100" dirty="0"/>
+                </a:p>
+              </p:txBody>
+            </p:sp>
+          </mc:Choice>
+          <mc:Fallback>
+            <p:sp>
+              <p:nvSpPr>
+                <p:cNvPr id="100" name="TextBox 99">
+                  <a:extLst>
+                    <a:ext uri="{FF2B5EF4-FFF2-40B4-BE49-F238E27FC236}">
+                      <a16:creationId xmlns:a16="http://schemas.microsoft.com/office/drawing/2014/main" id="{6EA9D9A4-C198-A141-9DCB-FE90506F796A}"/>
+                    </a:ext>
+                  </a:extLst>
+                </p:cNvPr>
+                <p:cNvSpPr txBox="1">
+                  <a:spLocks noRot="1" noChangeAspect="1" noMove="1" noResize="1" noEditPoints="1" noAdjustHandles="1" noChangeArrowheads="1" noChangeShapeType="1" noTextEdit="1"/>
+                </p:cNvSpPr>
+                <p:nvPr/>
+              </p:nvSpPr>
+              <p:spPr>
+                <a:xfrm>
+                  <a:off x="3633436" y="1694043"/>
+                  <a:ext cx="813916" cy="276101"/>
+                </a:xfrm>
+                <a:prstGeom prst="rect">
+                  <a:avLst/>
+                </a:prstGeom>
+                <a:blipFill>
+                  <a:blip r:embed="rId8"/>
+                  <a:stretch>
+                    <a:fillRect/>
+                  </a:stretch>
+                </a:blipFill>
+              </p:spPr>
+              <p:txBody>
+                <a:bodyPr/>
+                <a:lstStyle/>
+                <a:p>
+                  <a:r>
+                    <a:rPr lang="en-US">
+                      <a:noFill/>
+                    </a:rPr>
+                    <a:t> </a:t>
+                  </a:r>
+                </a:p>
+              </p:txBody>
+            </p:sp>
+          </mc:Fallback>
+        </mc:AlternateContent>
+        <mc:AlternateContent xmlns:mc="http://schemas.openxmlformats.org/markup-compatibility/2006">
+          <mc:Choice xmlns:a14="http://schemas.microsoft.com/office/drawing/2010/main" Requires="a14">
+            <p:sp>
+              <p:nvSpPr>
+                <p:cNvPr id="101" name="TextBox 100">
+                  <a:extLst>
+                    <a:ext uri="{FF2B5EF4-FFF2-40B4-BE49-F238E27FC236}">
+                      <a16:creationId xmlns:a16="http://schemas.microsoft.com/office/drawing/2014/main" id="{87AC7E79-A183-D44E-AA8A-F65D1192E000}"/>
+                    </a:ext>
+                  </a:extLst>
+                </p:cNvPr>
+                <p:cNvSpPr txBox="1"/>
+                <p:nvPr/>
+              </p:nvSpPr>
+              <p:spPr>
+                <a:xfrm>
+                  <a:off x="4287974" y="1027566"/>
+                  <a:ext cx="813916" cy="273023"/>
+                </a:xfrm>
+                <a:prstGeom prst="rect">
+                  <a:avLst/>
+                </a:prstGeom>
+                <a:noFill/>
+              </p:spPr>
+              <p:txBody>
+                <a:bodyPr wrap="square" rtlCol="0">
+                  <a:spAutoFit/>
+                </a:bodyPr>
+                <a:lstStyle/>
+                <a:p>
+                  <a14:m>
+                    <m:oMathPara xmlns:m="http://schemas.openxmlformats.org/officeDocument/2006/math">
+                      <m:oMathParaPr>
+                        <m:jc m:val="centerGroup"/>
+                      </m:oMathParaPr>
+                      <m:oMath xmlns:m="http://schemas.openxmlformats.org/officeDocument/2006/math">
+                        <m:sSup>
+                          <m:sSupPr>
+                            <m:ctrlPr>
+                              <a:rPr lang="en-US" sz="1100" i="1" smtClean="0">
+                                <a:latin typeface="Cambria Math" panose="02040503050406030204" pitchFamily="18" charset="0"/>
+                              </a:rPr>
+                            </m:ctrlPr>
+                          </m:sSupPr>
+                          <m:e>
+                            <m:r>
+                              <a:rPr lang="en-US" sz="1100" b="0" i="1" smtClean="0">
+                                <a:latin typeface="Cambria Math" panose="02040503050406030204" pitchFamily="18" charset="0"/>
+                              </a:rPr>
+                              <m:t>𝑜</m:t>
+                            </m:r>
+                          </m:e>
+                          <m:sup>
+                            <m:d>
+                              <m:dPr>
+                                <m:ctrlPr>
+                                  <a:rPr lang="en-US" sz="1100" i="1" smtClean="0">
+                                    <a:latin typeface="Cambria Math" panose="02040503050406030204" pitchFamily="18" charset="0"/>
+                                  </a:rPr>
+                                </m:ctrlPr>
+                              </m:dPr>
+                              <m:e>
+                                <m:r>
+                                  <a:rPr lang="en-US" sz="1100" b="0" i="1" smtClean="0">
+                                    <a:latin typeface="Cambria Math" panose="02040503050406030204" pitchFamily="18" charset="0"/>
+                                  </a:rPr>
+                                  <m:t>𝑙</m:t>
+                                </m:r>
+                              </m:e>
+                            </m:d>
+                          </m:sup>
+                        </m:sSup>
+                      </m:oMath>
+                    </m:oMathPara>
+                  </a14:m>
+                  <a:endParaRPr lang="en-US" sz="1100" dirty="0"/>
+                </a:p>
+              </p:txBody>
+            </p:sp>
+          </mc:Choice>
+          <mc:Fallback>
+            <p:sp>
+              <p:nvSpPr>
+                <p:cNvPr id="101" name="TextBox 100">
+                  <a:extLst>
+                    <a:ext uri="{FF2B5EF4-FFF2-40B4-BE49-F238E27FC236}">
+                      <a16:creationId xmlns:a16="http://schemas.microsoft.com/office/drawing/2014/main" id="{87AC7E79-A183-D44E-AA8A-F65D1192E000}"/>
+                    </a:ext>
+                  </a:extLst>
+                </p:cNvPr>
+                <p:cNvSpPr txBox="1">
+                  <a:spLocks noRot="1" noChangeAspect="1" noMove="1" noResize="1" noEditPoints="1" noAdjustHandles="1" noChangeArrowheads="1" noChangeShapeType="1" noTextEdit="1"/>
+                </p:cNvSpPr>
+                <p:nvPr/>
+              </p:nvSpPr>
+              <p:spPr>
+                <a:xfrm>
+                  <a:off x="4287974" y="1027566"/>
+                  <a:ext cx="813916" cy="273023"/>
+                </a:xfrm>
+                <a:prstGeom prst="rect">
+                  <a:avLst/>
+                </a:prstGeom>
+                <a:blipFill>
+                  <a:blip r:embed="rId9"/>
+                  <a:stretch>
+                    <a:fillRect/>
+                  </a:stretch>
+                </a:blipFill>
+              </p:spPr>
+              <p:txBody>
+                <a:bodyPr/>
+                <a:lstStyle/>
+                <a:p>
+                  <a:r>
+                    <a:rPr lang="en-US">
+                      <a:noFill/>
+                    </a:rPr>
+                    <a:t> </a:t>
+                  </a:r>
+                </a:p>
+              </p:txBody>
+            </p:sp>
+          </mc:Fallback>
+        </mc:AlternateContent>
+        <p:cxnSp>
+          <p:nvCxnSpPr>
+            <p:cNvPr id="103" name="Straight Connector 102">
+              <a:extLst>
+                <a:ext uri="{FF2B5EF4-FFF2-40B4-BE49-F238E27FC236}">
+                  <a16:creationId xmlns:a16="http://schemas.microsoft.com/office/drawing/2014/main" id="{FAA55A57-8086-DF4D-8171-48B4D3928DF4}"/>
+                </a:ext>
+              </a:extLst>
+            </p:cNvPr>
+            <p:cNvCxnSpPr>
+              <a:cxnSpLocks/>
+            </p:cNvCxnSpPr>
+            <p:nvPr/>
+          </p:nvCxnSpPr>
+          <p:spPr>
+            <a:xfrm flipV="1">
+              <a:off x="3961087" y="2081166"/>
+              <a:ext cx="70627" cy="155370"/>
+            </a:xfrm>
+            <a:prstGeom prst="line">
+              <a:avLst/>
+            </a:prstGeom>
+            <a:ln>
+              <a:solidFill>
                 <a:schemeClr val="tx1"/>
-              </a:fontRef>
-            </p:style>
-          </p:cxnSp>
-          <p:cxnSp>
-            <p:nvCxnSpPr>
-              <p:cNvPr id="43" name="Straight Connector 42">
-                <a:extLst>
-                  <a:ext uri="{FF2B5EF4-FFF2-40B4-BE49-F238E27FC236}">
-                    <a16:creationId xmlns:a16="http://schemas.microsoft.com/office/drawing/2014/main" id="{F697324F-7B72-0648-A55E-1A10B2FAF0E1}"/>
-                  </a:ext>
-                </a:extLst>
-              </p:cNvPr>
-              <p:cNvCxnSpPr>
-                <a:stCxn id="38" idx="1"/>
-              </p:cNvCxnSpPr>
-              <p:nvPr/>
-            </p:nvCxnSpPr>
-            <p:spPr>
-              <a:xfrm flipH="1" flipV="1">
-                <a:off x="2834080" y="3452250"/>
-                <a:ext cx="123139" cy="134343"/>
-              </a:xfrm>
-              <a:prstGeom prst="line">
-                <a:avLst/>
-              </a:prstGeom>
-            </p:spPr>
-            <p:style>
-              <a:lnRef idx="1">
-                <a:schemeClr val="accent1"/>
-              </a:lnRef>
-              <a:fillRef idx="0">
-                <a:schemeClr val="accent1"/>
-              </a:fillRef>
-              <a:effectRef idx="0">
-                <a:schemeClr val="accent1"/>
-              </a:effectRef>
-              <a:fontRef idx="minor">
+              </a:solidFill>
+            </a:ln>
+          </p:spPr>
+          <p:style>
+            <a:lnRef idx="1">
+              <a:schemeClr val="accent1"/>
+            </a:lnRef>
+            <a:fillRef idx="0">
+              <a:schemeClr val="accent1"/>
+            </a:fillRef>
+            <a:effectRef idx="0">
+              <a:schemeClr val="accent1"/>
+            </a:effectRef>
+            <a:fontRef idx="minor">
+              <a:schemeClr val="tx1"/>
+            </a:fontRef>
+          </p:style>
+        </p:cxnSp>
+        <p:cxnSp>
+          <p:nvCxnSpPr>
+            <p:cNvPr id="106" name="Straight Connector 105">
+              <a:extLst>
+                <a:ext uri="{FF2B5EF4-FFF2-40B4-BE49-F238E27FC236}">
+                  <a16:creationId xmlns:a16="http://schemas.microsoft.com/office/drawing/2014/main" id="{5E998EF3-E35F-B742-8EB1-08114F148AA0}"/>
+                </a:ext>
+              </a:extLst>
+            </p:cNvPr>
+            <p:cNvCxnSpPr>
+              <a:cxnSpLocks/>
+            </p:cNvCxnSpPr>
+            <p:nvPr/>
+          </p:nvCxnSpPr>
+          <p:spPr>
+            <a:xfrm flipV="1">
+              <a:off x="4870794" y="1364383"/>
+              <a:ext cx="70627" cy="155370"/>
+            </a:xfrm>
+            <a:prstGeom prst="line">
+              <a:avLst/>
+            </a:prstGeom>
+            <a:ln>
+              <a:solidFill>
                 <a:schemeClr val="tx1"/>
-              </a:fontRef>
-            </p:style>
-          </p:cxnSp>
-          <p:cxnSp>
-            <p:nvCxnSpPr>
-              <p:cNvPr id="44" name="Straight Connector 43">
-                <a:extLst>
-                  <a:ext uri="{FF2B5EF4-FFF2-40B4-BE49-F238E27FC236}">
-                    <a16:creationId xmlns:a16="http://schemas.microsoft.com/office/drawing/2014/main" id="{F5D16DED-1EB5-FF43-8871-1CF80218FCC0}"/>
-                  </a:ext>
-                </a:extLst>
-              </p:cNvPr>
-              <p:cNvCxnSpPr>
-                <a:cxnSpLocks/>
-              </p:cNvCxnSpPr>
-              <p:nvPr/>
-            </p:nvCxnSpPr>
-            <p:spPr>
-              <a:xfrm flipH="1" flipV="1">
-                <a:off x="2736056" y="3595421"/>
-                <a:ext cx="185110" cy="31666"/>
-              </a:xfrm>
-              <a:prstGeom prst="line">
-                <a:avLst/>
-              </a:prstGeom>
-            </p:spPr>
-            <p:style>
-              <a:lnRef idx="1">
-                <a:schemeClr val="accent1"/>
-              </a:lnRef>
-              <a:fillRef idx="0">
-                <a:schemeClr val="accent1"/>
-              </a:fillRef>
-              <a:effectRef idx="0">
-                <a:schemeClr val="accent1"/>
-              </a:effectRef>
-              <a:fontRef idx="minor">
-                <a:schemeClr val="tx1"/>
-              </a:fontRef>
-            </p:style>
-          </p:cxnSp>
-          <p:cxnSp>
-            <p:nvCxnSpPr>
-              <p:cNvPr id="45" name="Straight Connector 44">
-                <a:extLst>
-                  <a:ext uri="{FF2B5EF4-FFF2-40B4-BE49-F238E27FC236}">
-                    <a16:creationId xmlns:a16="http://schemas.microsoft.com/office/drawing/2014/main" id="{8344AE04-9CB1-B74E-BD1E-B07B304C97C8}"/>
-                  </a:ext>
-                </a:extLst>
-              </p:cNvPr>
-              <p:cNvCxnSpPr>
-                <a:stCxn id="39" idx="6"/>
-              </p:cNvCxnSpPr>
-              <p:nvPr/>
-            </p:nvCxnSpPr>
-            <p:spPr>
-              <a:xfrm flipV="1">
-                <a:off x="3871527" y="4258485"/>
-                <a:ext cx="196826" cy="1"/>
-              </a:xfrm>
-              <a:prstGeom prst="line">
-                <a:avLst/>
-              </a:prstGeom>
-            </p:spPr>
-            <p:style>
-              <a:lnRef idx="1">
-                <a:schemeClr val="accent1"/>
-              </a:lnRef>
-              <a:fillRef idx="0">
-                <a:schemeClr val="accent1"/>
-              </a:fillRef>
-              <a:effectRef idx="0">
-                <a:schemeClr val="accent1"/>
-              </a:effectRef>
-              <a:fontRef idx="minor">
-                <a:schemeClr val="tx1"/>
-              </a:fontRef>
-            </p:style>
-          </p:cxnSp>
-          <p:cxnSp>
-            <p:nvCxnSpPr>
-              <p:cNvPr id="46" name="Straight Connector 45">
-                <a:extLst>
-                  <a:ext uri="{FF2B5EF4-FFF2-40B4-BE49-F238E27FC236}">
-                    <a16:creationId xmlns:a16="http://schemas.microsoft.com/office/drawing/2014/main" id="{A60F3784-B9CC-B24E-86E1-BA031F58A053}"/>
-                  </a:ext>
-                </a:extLst>
-              </p:cNvPr>
-              <p:cNvCxnSpPr>
-                <a:stCxn id="39" idx="5"/>
-              </p:cNvCxnSpPr>
-              <p:nvPr/>
-            </p:nvCxnSpPr>
-            <p:spPr>
-              <a:xfrm>
-                <a:off x="3835474" y="4352630"/>
-                <a:ext cx="91000" cy="112431"/>
-              </a:xfrm>
-              <a:prstGeom prst="line">
-                <a:avLst/>
-              </a:prstGeom>
-            </p:spPr>
-            <p:style>
-              <a:lnRef idx="1">
-                <a:schemeClr val="accent1"/>
-              </a:lnRef>
-              <a:fillRef idx="0">
-                <a:schemeClr val="accent1"/>
-              </a:fillRef>
-              <a:effectRef idx="0">
-                <a:schemeClr val="accent1"/>
-              </a:effectRef>
-              <a:fontRef idx="minor">
-                <a:schemeClr val="tx1"/>
-              </a:fontRef>
-            </p:style>
-          </p:cxnSp>
-          <p:sp>
-            <p:nvSpPr>
-              <p:cNvPr id="47" name="Oval 46">
-                <a:extLst>
-                  <a:ext uri="{FF2B5EF4-FFF2-40B4-BE49-F238E27FC236}">
-                    <a16:creationId xmlns:a16="http://schemas.microsoft.com/office/drawing/2014/main" id="{CFD48C1B-7FDC-EC4C-96CB-8F76590AC7FD}"/>
-                  </a:ext>
-                </a:extLst>
-              </p:cNvPr>
-              <p:cNvSpPr/>
-              <p:nvPr/>
-            </p:nvSpPr>
-            <p:spPr>
-              <a:xfrm>
-                <a:off x="4340549" y="3693816"/>
-                <a:ext cx="246185" cy="266281"/>
-              </a:xfrm>
-              <a:prstGeom prst="ellipse">
-                <a:avLst/>
-              </a:prstGeom>
-              <a:noFill/>
-            </p:spPr>
-            <p:style>
-              <a:lnRef idx="2">
-                <a:schemeClr val="accent1">
-                  <a:shade val="50000"/>
-                </a:schemeClr>
-              </a:lnRef>
-              <a:fillRef idx="1">
-                <a:schemeClr val="accent1"/>
-              </a:fillRef>
-              <a:effectRef idx="0">
-                <a:schemeClr val="accent1"/>
-              </a:effectRef>
-              <a:fontRef idx="minor">
-                <a:schemeClr val="lt1"/>
-              </a:fontRef>
-            </p:style>
-            <p:txBody>
-              <a:bodyPr rtlCol="0" anchor="ctr"/>
-              <a:lstStyle/>
-              <a:p>
-                <a:pPr algn="ctr"/>
-                <a:endParaRPr lang="en-US"/>
-              </a:p>
-            </p:txBody>
-          </p:sp>
-          <p:sp>
-            <p:nvSpPr>
-              <p:cNvPr id="48" name="Oval 47">
-                <a:extLst>
-                  <a:ext uri="{FF2B5EF4-FFF2-40B4-BE49-F238E27FC236}">
-                    <a16:creationId xmlns:a16="http://schemas.microsoft.com/office/drawing/2014/main" id="{1C86F37D-C915-684E-8A3A-B047DAAD4C86}"/>
-                  </a:ext>
-                </a:extLst>
-              </p:cNvPr>
-              <p:cNvSpPr/>
-              <p:nvPr/>
-            </p:nvSpPr>
-            <p:spPr>
-              <a:xfrm>
-                <a:off x="5044725" y="4271564"/>
-                <a:ext cx="246185" cy="266281"/>
-              </a:xfrm>
-              <a:prstGeom prst="ellipse">
-                <a:avLst/>
-              </a:prstGeom>
-              <a:noFill/>
-            </p:spPr>
-            <p:style>
-              <a:lnRef idx="2">
-                <a:schemeClr val="accent1">
-                  <a:shade val="50000"/>
-                </a:schemeClr>
-              </a:lnRef>
-              <a:fillRef idx="1">
-                <a:schemeClr val="accent1"/>
-              </a:fillRef>
-              <a:effectRef idx="0">
-                <a:schemeClr val="accent1"/>
-              </a:effectRef>
-              <a:fontRef idx="minor">
-                <a:schemeClr val="lt1"/>
-              </a:fontRef>
-            </p:style>
-            <p:txBody>
-              <a:bodyPr rtlCol="0" anchor="ctr"/>
-              <a:lstStyle/>
-              <a:p>
-                <a:pPr algn="ctr"/>
-                <a:endParaRPr lang="en-US"/>
-              </a:p>
-            </p:txBody>
-          </p:sp>
-          <mc:AlternateContent xmlns:mc="http://schemas.openxmlformats.org/markup-compatibility/2006">
-            <mc:Choice xmlns:a14="http://schemas.microsoft.com/office/drawing/2010/main" Requires="a14">
-              <p:sp>
-                <p:nvSpPr>
-                  <p:cNvPr id="49" name="TextBox 48">
-                    <a:extLst>
-                      <a:ext uri="{FF2B5EF4-FFF2-40B4-BE49-F238E27FC236}">
-                        <a16:creationId xmlns:a16="http://schemas.microsoft.com/office/drawing/2014/main" id="{14E50FA0-AC79-8E44-B23F-A1E169FDCFBB}"/>
-                      </a:ext>
-                    </a:extLst>
-                  </p:cNvPr>
-                  <p:cNvSpPr txBox="1"/>
-                  <p:nvPr/>
-                </p:nvSpPr>
-                <p:spPr>
-                  <a:xfrm>
-                    <a:off x="4673820" y="3563011"/>
-                    <a:ext cx="813916" cy="261610"/>
-                  </a:xfrm>
-                  <a:prstGeom prst="rect">
-                    <a:avLst/>
-                  </a:prstGeom>
-                  <a:noFill/>
-                </p:spPr>
-                <p:txBody>
-                  <a:bodyPr wrap="square" rtlCol="0">
-                    <a:spAutoFit/>
-                  </a:bodyPr>
-                  <a:lstStyle/>
-                  <a:p>
-                    <a14:m>
-                      <m:oMathPara xmlns:m="http://schemas.openxmlformats.org/officeDocument/2006/math">
-                        <m:oMathParaPr>
-                          <m:jc m:val="centerGroup"/>
-                        </m:oMathParaPr>
-                        <m:oMath xmlns:m="http://schemas.openxmlformats.org/officeDocument/2006/math">
-                          <m:sSub>
-                            <m:sSubPr>
-                              <m:ctrlPr>
-                                <a:rPr lang="en-US" sz="1100" i="1" smtClean="0">
-                                  <a:latin typeface="Cambria Math" panose="02040503050406030204" pitchFamily="18" charset="0"/>
-                                </a:rPr>
-                              </m:ctrlPr>
-                            </m:sSubPr>
-                            <m:e>
-                              <m:r>
-                                <a:rPr lang="en-US" sz="1100" b="0" i="1" smtClean="0">
-                                  <a:latin typeface="Cambria Math" panose="02040503050406030204" pitchFamily="18" charset="0"/>
-                                </a:rPr>
-                                <m:t>𝑤</m:t>
-                              </m:r>
-                            </m:e>
-                            <m:sub>
-                              <m:r>
-                                <a:rPr lang="en-US" sz="1100" b="0" i="1" smtClean="0">
-                                  <a:latin typeface="Cambria Math" panose="02040503050406030204" pitchFamily="18" charset="0"/>
-                                </a:rPr>
-                                <m:t>2</m:t>
-                              </m:r>
-                            </m:sub>
-                          </m:sSub>
-                          <m:r>
-                            <a:rPr lang="en-US" sz="1100" i="1" smtClean="0">
-                              <a:latin typeface="Cambria Math" panose="02040503050406030204" pitchFamily="18" charset="0"/>
-                              <a:ea typeface="Cambria Math" panose="02040503050406030204" pitchFamily="18" charset="0"/>
-                            </a:rPr>
-                            <m:t>≡</m:t>
-                          </m:r>
-                          <m:r>
-                            <a:rPr lang="en-US" sz="1100" b="0" i="1" smtClean="0">
-                              <a:latin typeface="Cambria Math" panose="02040503050406030204" pitchFamily="18" charset="0"/>
-                              <a:ea typeface="Cambria Math" panose="02040503050406030204" pitchFamily="18" charset="0"/>
-                            </a:rPr>
-                            <m:t>𝑤</m:t>
-                          </m:r>
-                        </m:oMath>
-                      </m:oMathPara>
-                    </a14:m>
-                    <a:endParaRPr lang="en-US" sz="1100" dirty="0"/>
-                  </a:p>
-                </p:txBody>
-              </p:sp>
-            </mc:Choice>
-            <mc:Fallback>
-              <p:sp>
-                <p:nvSpPr>
-                  <p:cNvPr id="49" name="TextBox 48">
-                    <a:extLst>
-                      <a:ext uri="{FF2B5EF4-FFF2-40B4-BE49-F238E27FC236}">
-                        <a16:creationId xmlns:a16="http://schemas.microsoft.com/office/drawing/2014/main" id="{14E50FA0-AC79-8E44-B23F-A1E169FDCFBB}"/>
-                      </a:ext>
-                    </a:extLst>
-                  </p:cNvPr>
-                  <p:cNvSpPr txBox="1">
-                    <a:spLocks noRot="1" noChangeAspect="1" noMove="1" noResize="1" noEditPoints="1" noAdjustHandles="1" noChangeArrowheads="1" noChangeShapeType="1" noTextEdit="1"/>
-                  </p:cNvSpPr>
-                  <p:nvPr/>
-                </p:nvSpPr>
-                <p:spPr>
-                  <a:xfrm>
-                    <a:off x="4673820" y="3563011"/>
-                    <a:ext cx="813916" cy="261610"/>
-                  </a:xfrm>
-                  <a:prstGeom prst="rect">
-                    <a:avLst/>
-                  </a:prstGeom>
-                  <a:blipFill>
-                    <a:blip r:embed="rId9"/>
-                    <a:stretch>
-                      <a:fillRect/>
-                    </a:stretch>
-                  </a:blipFill>
-                </p:spPr>
-                <p:txBody>
-                  <a:bodyPr/>
-                  <a:lstStyle/>
-                  <a:p>
-                    <a:r>
-                      <a:rPr lang="en-US">
-                        <a:noFill/>
-                      </a:rPr>
-                      <a:t> </a:t>
-                    </a:r>
-                  </a:p>
-                </p:txBody>
-              </p:sp>
-            </mc:Fallback>
-          </mc:AlternateContent>
-          <p:cxnSp>
-            <p:nvCxnSpPr>
-              <p:cNvPr id="51" name="Straight Connector 50">
-                <a:extLst>
-                  <a:ext uri="{FF2B5EF4-FFF2-40B4-BE49-F238E27FC236}">
-                    <a16:creationId xmlns:a16="http://schemas.microsoft.com/office/drawing/2014/main" id="{AB6CDC86-C82C-6B43-8E16-21C2AAB5FB3F}"/>
-                  </a:ext>
-                </a:extLst>
-              </p:cNvPr>
-              <p:cNvCxnSpPr>
-                <a:cxnSpLocks/>
-              </p:cNvCxnSpPr>
-              <p:nvPr/>
-            </p:nvCxnSpPr>
-            <p:spPr>
-              <a:xfrm flipH="1" flipV="1">
-                <a:off x="4390453" y="3512360"/>
-                <a:ext cx="36285" cy="181456"/>
-              </a:xfrm>
-              <a:prstGeom prst="line">
-                <a:avLst/>
-              </a:prstGeom>
-            </p:spPr>
-            <p:style>
-              <a:lnRef idx="1">
-                <a:schemeClr val="accent1"/>
-              </a:lnRef>
-              <a:fillRef idx="0">
-                <a:schemeClr val="accent1"/>
-              </a:fillRef>
-              <a:effectRef idx="0">
-                <a:schemeClr val="accent1"/>
-              </a:effectRef>
-              <a:fontRef idx="minor">
-                <a:schemeClr val="tx1"/>
-              </a:fontRef>
-            </p:style>
-          </p:cxnSp>
-          <p:cxnSp>
-            <p:nvCxnSpPr>
-              <p:cNvPr id="52" name="Straight Connector 51">
-                <a:extLst>
-                  <a:ext uri="{FF2B5EF4-FFF2-40B4-BE49-F238E27FC236}">
-                    <a16:creationId xmlns:a16="http://schemas.microsoft.com/office/drawing/2014/main" id="{C83BE7A7-2A78-2F47-9540-D5D7E0D00059}"/>
-                  </a:ext>
-                </a:extLst>
-              </p:cNvPr>
-              <p:cNvCxnSpPr>
-                <a:stCxn id="47" idx="1"/>
-              </p:cNvCxnSpPr>
-              <p:nvPr/>
-            </p:nvCxnSpPr>
-            <p:spPr>
-              <a:xfrm flipH="1" flipV="1">
-                <a:off x="4253463" y="3598469"/>
-                <a:ext cx="123139" cy="134343"/>
-              </a:xfrm>
-              <a:prstGeom prst="line">
-                <a:avLst/>
-              </a:prstGeom>
-            </p:spPr>
-            <p:style>
-              <a:lnRef idx="1">
-                <a:schemeClr val="accent1"/>
-              </a:lnRef>
-              <a:fillRef idx="0">
-                <a:schemeClr val="accent1"/>
-              </a:fillRef>
-              <a:effectRef idx="0">
-                <a:schemeClr val="accent1"/>
-              </a:effectRef>
-              <a:fontRef idx="minor">
-                <a:schemeClr val="tx1"/>
-              </a:fontRef>
-            </p:style>
-          </p:cxnSp>
-          <p:cxnSp>
-            <p:nvCxnSpPr>
-              <p:cNvPr id="53" name="Straight Connector 52">
-                <a:extLst>
-                  <a:ext uri="{FF2B5EF4-FFF2-40B4-BE49-F238E27FC236}">
-                    <a16:creationId xmlns:a16="http://schemas.microsoft.com/office/drawing/2014/main" id="{C7498CEA-F847-364F-BC89-17D4AEF8A780}"/>
-                  </a:ext>
-                </a:extLst>
-              </p:cNvPr>
-              <p:cNvCxnSpPr>
-                <a:cxnSpLocks/>
-              </p:cNvCxnSpPr>
-              <p:nvPr/>
-            </p:nvCxnSpPr>
-            <p:spPr>
-              <a:xfrm flipH="1" flipV="1">
-                <a:off x="4155439" y="3741640"/>
-                <a:ext cx="185110" cy="31666"/>
-              </a:xfrm>
-              <a:prstGeom prst="line">
-                <a:avLst/>
-              </a:prstGeom>
-            </p:spPr>
-            <p:style>
-              <a:lnRef idx="1">
-                <a:schemeClr val="accent1"/>
-              </a:lnRef>
-              <a:fillRef idx="0">
-                <a:schemeClr val="accent1"/>
-              </a:fillRef>
-              <a:effectRef idx="0">
-                <a:schemeClr val="accent1"/>
-              </a:effectRef>
-              <a:fontRef idx="minor">
-                <a:schemeClr val="tx1"/>
-              </a:fontRef>
-            </p:style>
-          </p:cxnSp>
-          <p:cxnSp>
-            <p:nvCxnSpPr>
-              <p:cNvPr id="54" name="Straight Connector 53">
-                <a:extLst>
-                  <a:ext uri="{FF2B5EF4-FFF2-40B4-BE49-F238E27FC236}">
-                    <a16:creationId xmlns:a16="http://schemas.microsoft.com/office/drawing/2014/main" id="{486E3B49-89E7-984F-86AC-901B88FF5D63}"/>
-                  </a:ext>
-                </a:extLst>
-              </p:cNvPr>
-              <p:cNvCxnSpPr>
-                <a:stCxn id="48" idx="6"/>
-              </p:cNvCxnSpPr>
-              <p:nvPr/>
-            </p:nvCxnSpPr>
-            <p:spPr>
-              <a:xfrm flipV="1">
-                <a:off x="5290910" y="4404704"/>
-                <a:ext cx="196826" cy="1"/>
-              </a:xfrm>
-              <a:prstGeom prst="line">
-                <a:avLst/>
-              </a:prstGeom>
-            </p:spPr>
-            <p:style>
-              <a:lnRef idx="1">
-                <a:schemeClr val="accent1"/>
-              </a:lnRef>
-              <a:fillRef idx="0">
-                <a:schemeClr val="accent1"/>
-              </a:fillRef>
-              <a:effectRef idx="0">
-                <a:schemeClr val="accent1"/>
-              </a:effectRef>
-              <a:fontRef idx="minor">
-                <a:schemeClr val="tx1"/>
-              </a:fontRef>
-            </p:style>
-          </p:cxnSp>
-          <p:cxnSp>
-            <p:nvCxnSpPr>
-              <p:cNvPr id="55" name="Straight Connector 54">
-                <a:extLst>
-                  <a:ext uri="{FF2B5EF4-FFF2-40B4-BE49-F238E27FC236}">
-                    <a16:creationId xmlns:a16="http://schemas.microsoft.com/office/drawing/2014/main" id="{80798DD9-A5F6-7B41-BB5D-DD175ED16E6D}"/>
-                  </a:ext>
-                </a:extLst>
-              </p:cNvPr>
-              <p:cNvCxnSpPr>
-                <a:stCxn id="48" idx="5"/>
-              </p:cNvCxnSpPr>
-              <p:nvPr/>
-            </p:nvCxnSpPr>
-            <p:spPr>
-              <a:xfrm>
-                <a:off x="5254857" y="4498849"/>
-                <a:ext cx="91000" cy="112431"/>
-              </a:xfrm>
-              <a:prstGeom prst="line">
-                <a:avLst/>
-              </a:prstGeom>
-            </p:spPr>
-            <p:style>
-              <a:lnRef idx="1">
-                <a:schemeClr val="accent1"/>
-              </a:lnRef>
-              <a:fillRef idx="0">
-                <a:schemeClr val="accent1"/>
-              </a:fillRef>
-              <a:effectRef idx="0">
-                <a:schemeClr val="accent1"/>
-              </a:effectRef>
-              <a:fontRef idx="minor">
-                <a:schemeClr val="tx1"/>
-              </a:fontRef>
-            </p:style>
-          </p:cxnSp>
-          <p:sp>
-            <p:nvSpPr>
-              <p:cNvPr id="56" name="Oval 55">
-                <a:extLst>
-                  <a:ext uri="{FF2B5EF4-FFF2-40B4-BE49-F238E27FC236}">
-                    <a16:creationId xmlns:a16="http://schemas.microsoft.com/office/drawing/2014/main" id="{C84287C3-47C4-E349-8A9A-B0AB0EB2A928}"/>
-                  </a:ext>
-                </a:extLst>
-              </p:cNvPr>
-              <p:cNvSpPr/>
-              <p:nvPr/>
-            </p:nvSpPr>
-            <p:spPr>
-              <a:xfrm>
-                <a:off x="3303791" y="3872957"/>
-                <a:ext cx="179259" cy="190972"/>
-              </a:xfrm>
-              <a:prstGeom prst="ellipse">
-                <a:avLst/>
-              </a:prstGeom>
-              <a:noFill/>
-            </p:spPr>
-            <p:style>
-              <a:lnRef idx="2">
-                <a:schemeClr val="accent1">
-                  <a:shade val="50000"/>
-                </a:schemeClr>
-              </a:lnRef>
-              <a:fillRef idx="1">
-                <a:schemeClr val="accent1"/>
-              </a:fillRef>
-              <a:effectRef idx="0">
-                <a:schemeClr val="accent1"/>
-              </a:effectRef>
-              <a:fontRef idx="minor">
-                <a:schemeClr val="lt1"/>
-              </a:fontRef>
-            </p:style>
-            <p:txBody>
-              <a:bodyPr rtlCol="0" anchor="ctr"/>
-              <a:lstStyle/>
-              <a:p>
-                <a:pPr algn="ctr"/>
-                <a:endParaRPr lang="en-US"/>
-              </a:p>
-            </p:txBody>
-          </p:sp>
-          <p:sp>
-            <p:nvSpPr>
-              <p:cNvPr id="57" name="TextBox 56">
-                <a:extLst>
-                  <a:ext uri="{FF2B5EF4-FFF2-40B4-BE49-F238E27FC236}">
-                    <a16:creationId xmlns:a16="http://schemas.microsoft.com/office/drawing/2014/main" id="{6F47F9EE-A49B-2646-AAAA-99AE98E53516}"/>
-                  </a:ext>
-                </a:extLst>
-              </p:cNvPr>
-              <p:cNvSpPr txBox="1"/>
-              <p:nvPr/>
-            </p:nvSpPr>
-            <p:spPr>
-              <a:xfrm>
-                <a:off x="3267356" y="3863735"/>
-                <a:ext cx="215694" cy="261610"/>
-              </a:xfrm>
-              <a:prstGeom prst="rect">
-                <a:avLst/>
-              </a:prstGeom>
-              <a:noFill/>
-            </p:spPr>
-            <p:txBody>
-              <a:bodyPr wrap="square" rtlCol="0">
-                <a:spAutoFit/>
-              </a:bodyPr>
-              <a:lstStyle/>
-              <a:p>
-                <a:r>
-                  <a:rPr lang="en-US" sz="1100" dirty="0"/>
-                  <a:t>*</a:t>
-                </a:r>
-              </a:p>
-            </p:txBody>
-          </p:sp>
-          <p:sp>
-            <p:nvSpPr>
-              <p:cNvPr id="58" name="Oval 57">
-                <a:extLst>
-                  <a:ext uri="{FF2B5EF4-FFF2-40B4-BE49-F238E27FC236}">
-                    <a16:creationId xmlns:a16="http://schemas.microsoft.com/office/drawing/2014/main" id="{DD02FCF2-E575-E742-954D-6A5D442B36F0}"/>
-                  </a:ext>
-                </a:extLst>
-              </p:cNvPr>
-              <p:cNvSpPr/>
-              <p:nvPr/>
-            </p:nvSpPr>
-            <p:spPr>
-              <a:xfrm>
-                <a:off x="4753859" y="4019176"/>
-                <a:ext cx="179259" cy="190972"/>
-              </a:xfrm>
-              <a:prstGeom prst="ellipse">
-                <a:avLst/>
-              </a:prstGeom>
-              <a:noFill/>
-            </p:spPr>
-            <p:style>
-              <a:lnRef idx="2">
-                <a:schemeClr val="accent1">
-                  <a:shade val="50000"/>
-                </a:schemeClr>
-              </a:lnRef>
-              <a:fillRef idx="1">
-                <a:schemeClr val="accent1"/>
-              </a:fillRef>
-              <a:effectRef idx="0">
-                <a:schemeClr val="accent1"/>
-              </a:effectRef>
-              <a:fontRef idx="minor">
-                <a:schemeClr val="lt1"/>
-              </a:fontRef>
-            </p:style>
-            <p:txBody>
-              <a:bodyPr rtlCol="0" anchor="ctr"/>
-              <a:lstStyle/>
-              <a:p>
-                <a:pPr algn="ctr"/>
-                <a:endParaRPr lang="en-US"/>
-              </a:p>
-            </p:txBody>
-          </p:sp>
-          <p:sp>
-            <p:nvSpPr>
-              <p:cNvPr id="59" name="TextBox 58">
-                <a:extLst>
-                  <a:ext uri="{FF2B5EF4-FFF2-40B4-BE49-F238E27FC236}">
-                    <a16:creationId xmlns:a16="http://schemas.microsoft.com/office/drawing/2014/main" id="{FE017631-37BF-8A41-898B-25440851B5C8}"/>
-                  </a:ext>
-                </a:extLst>
-              </p:cNvPr>
-              <p:cNvSpPr txBox="1"/>
-              <p:nvPr/>
-            </p:nvSpPr>
-            <p:spPr>
-              <a:xfrm>
-                <a:off x="4717424" y="4009954"/>
-                <a:ext cx="215694" cy="261610"/>
-              </a:xfrm>
-              <a:prstGeom prst="rect">
-                <a:avLst/>
-              </a:prstGeom>
-              <a:noFill/>
-            </p:spPr>
-            <p:txBody>
-              <a:bodyPr wrap="square" rtlCol="0">
-                <a:spAutoFit/>
-              </a:bodyPr>
-              <a:lstStyle/>
-              <a:p>
-                <a:r>
-                  <a:rPr lang="en-US" sz="1100" dirty="0"/>
-                  <a:t>*</a:t>
-                </a:r>
-              </a:p>
-            </p:txBody>
-          </p:sp>
-          <p:cxnSp>
-            <p:nvCxnSpPr>
-              <p:cNvPr id="61" name="Straight Connector 60">
-                <a:extLst>
-                  <a:ext uri="{FF2B5EF4-FFF2-40B4-BE49-F238E27FC236}">
-                    <a16:creationId xmlns:a16="http://schemas.microsoft.com/office/drawing/2014/main" id="{41A2CDE2-5C43-E948-A488-4FC3087D1323}"/>
-                  </a:ext>
-                </a:extLst>
-              </p:cNvPr>
-              <p:cNvCxnSpPr>
-                <a:cxnSpLocks/>
-              </p:cNvCxnSpPr>
-              <p:nvPr/>
-            </p:nvCxnSpPr>
-            <p:spPr>
-              <a:xfrm>
-                <a:off x="3143360" y="3757473"/>
-                <a:ext cx="170152" cy="151562"/>
-              </a:xfrm>
-              <a:prstGeom prst="line">
-                <a:avLst/>
-              </a:prstGeom>
-              <a:ln w="9525"/>
-            </p:spPr>
-            <p:style>
-              <a:lnRef idx="1">
-                <a:schemeClr val="accent1"/>
-              </a:lnRef>
-              <a:fillRef idx="0">
-                <a:schemeClr val="accent1"/>
-              </a:fillRef>
-              <a:effectRef idx="0">
-                <a:schemeClr val="accent1"/>
-              </a:effectRef>
-              <a:fontRef idx="minor">
-                <a:schemeClr val="tx1"/>
-              </a:fontRef>
-            </p:style>
-          </p:cxnSp>
-          <p:cxnSp>
-            <p:nvCxnSpPr>
-              <p:cNvPr id="65" name="Straight Connector 64">
-                <a:extLst>
-                  <a:ext uri="{FF2B5EF4-FFF2-40B4-BE49-F238E27FC236}">
-                    <a16:creationId xmlns:a16="http://schemas.microsoft.com/office/drawing/2014/main" id="{445DE8A5-3119-6D42-A17B-0687818C24D4}"/>
-                  </a:ext>
-                </a:extLst>
-              </p:cNvPr>
-              <p:cNvCxnSpPr>
-                <a:cxnSpLocks/>
-              </p:cNvCxnSpPr>
-              <p:nvPr/>
-            </p:nvCxnSpPr>
-            <p:spPr>
-              <a:xfrm>
-                <a:off x="3462245" y="4034827"/>
-                <a:ext cx="170152" cy="151562"/>
-              </a:xfrm>
-              <a:prstGeom prst="line">
-                <a:avLst/>
-              </a:prstGeom>
-              <a:ln w="9525"/>
-            </p:spPr>
-            <p:style>
-              <a:lnRef idx="1">
-                <a:schemeClr val="accent1"/>
-              </a:lnRef>
-              <a:fillRef idx="0">
-                <a:schemeClr val="accent1"/>
-              </a:fillRef>
-              <a:effectRef idx="0">
-                <a:schemeClr val="accent1"/>
-              </a:effectRef>
-              <a:fontRef idx="minor">
-                <a:schemeClr val="tx1"/>
-              </a:fontRef>
-            </p:style>
-          </p:cxnSp>
-          <p:cxnSp>
-            <p:nvCxnSpPr>
-              <p:cNvPr id="66" name="Straight Connector 65">
-                <a:extLst>
-                  <a:ext uri="{FF2B5EF4-FFF2-40B4-BE49-F238E27FC236}">
-                    <a16:creationId xmlns:a16="http://schemas.microsoft.com/office/drawing/2014/main" id="{FB7EAE60-5591-274A-816E-B1661BB1A57B}"/>
-                  </a:ext>
-                </a:extLst>
-              </p:cNvPr>
-              <p:cNvCxnSpPr>
-                <a:cxnSpLocks/>
-              </p:cNvCxnSpPr>
-              <p:nvPr/>
-            </p:nvCxnSpPr>
-            <p:spPr>
-              <a:xfrm>
-                <a:off x="4544538" y="3905842"/>
-                <a:ext cx="216385" cy="169926"/>
-              </a:xfrm>
-              <a:prstGeom prst="line">
-                <a:avLst/>
-              </a:prstGeom>
-              <a:ln w="9525"/>
-            </p:spPr>
-            <p:style>
-              <a:lnRef idx="1">
-                <a:schemeClr val="accent1"/>
-              </a:lnRef>
-              <a:fillRef idx="0">
-                <a:schemeClr val="accent1"/>
-              </a:fillRef>
-              <a:effectRef idx="0">
-                <a:schemeClr val="accent1"/>
-              </a:effectRef>
-              <a:fontRef idx="minor">
-                <a:schemeClr val="tx1"/>
-              </a:fontRef>
-            </p:style>
-          </p:cxnSp>
-          <p:cxnSp>
-            <p:nvCxnSpPr>
-              <p:cNvPr id="69" name="Straight Connector 68">
-                <a:extLst>
-                  <a:ext uri="{FF2B5EF4-FFF2-40B4-BE49-F238E27FC236}">
-                    <a16:creationId xmlns:a16="http://schemas.microsoft.com/office/drawing/2014/main" id="{7260E362-230D-F348-9A47-DA2FD6F8F547}"/>
-                  </a:ext>
-                </a:extLst>
-              </p:cNvPr>
-              <p:cNvCxnSpPr>
-                <a:cxnSpLocks/>
-              </p:cNvCxnSpPr>
-              <p:nvPr/>
-            </p:nvCxnSpPr>
-            <p:spPr>
-              <a:xfrm>
-                <a:off x="4903147" y="4182704"/>
-                <a:ext cx="170152" cy="151562"/>
-              </a:xfrm>
-              <a:prstGeom prst="line">
-                <a:avLst/>
-              </a:prstGeom>
-              <a:ln w="9525"/>
-            </p:spPr>
-            <p:style>
-              <a:lnRef idx="1">
-                <a:schemeClr val="accent1"/>
-              </a:lnRef>
-              <a:fillRef idx="0">
-                <a:schemeClr val="accent1"/>
-              </a:fillRef>
-              <a:effectRef idx="0">
-                <a:schemeClr val="accent1"/>
-              </a:effectRef>
-              <a:fontRef idx="minor">
-                <a:schemeClr val="tx1"/>
-              </a:fontRef>
-            </p:style>
-          </p:cxnSp>
-          <p:cxnSp>
-            <p:nvCxnSpPr>
-              <p:cNvPr id="71" name="Straight Connector 70">
-                <a:extLst>
-                  <a:ext uri="{FF2B5EF4-FFF2-40B4-BE49-F238E27FC236}">
-                    <a16:creationId xmlns:a16="http://schemas.microsoft.com/office/drawing/2014/main" id="{DA8797C2-D7E5-1244-AFED-76187209EC14}"/>
-                  </a:ext>
-                </a:extLst>
-              </p:cNvPr>
-              <p:cNvCxnSpPr>
-                <a:cxnSpLocks/>
-              </p:cNvCxnSpPr>
-              <p:nvPr/>
-            </p:nvCxnSpPr>
-            <p:spPr>
-              <a:xfrm flipH="1" flipV="1">
-                <a:off x="3434486" y="4063930"/>
-                <a:ext cx="240215" cy="815604"/>
-              </a:xfrm>
-              <a:prstGeom prst="line">
-                <a:avLst/>
-              </a:prstGeom>
-            </p:spPr>
-            <p:style>
-              <a:lnRef idx="1">
-                <a:schemeClr val="accent1"/>
-              </a:lnRef>
-              <a:fillRef idx="0">
-                <a:schemeClr val="accent1"/>
-              </a:fillRef>
-              <a:effectRef idx="0">
-                <a:schemeClr val="accent1"/>
-              </a:effectRef>
-              <a:fontRef idx="minor">
-                <a:schemeClr val="tx1"/>
-              </a:fontRef>
-            </p:style>
-          </p:cxnSp>
-          <mc:AlternateContent xmlns:mc="http://schemas.openxmlformats.org/markup-compatibility/2006">
-            <mc:Choice xmlns:a14="http://schemas.microsoft.com/office/drawing/2010/main" Requires="a14">
-              <p:sp>
-                <p:nvSpPr>
-                  <p:cNvPr id="73" name="TextBox 72">
-                    <a:extLst>
-                      <a:ext uri="{FF2B5EF4-FFF2-40B4-BE49-F238E27FC236}">
-                        <a16:creationId xmlns:a16="http://schemas.microsoft.com/office/drawing/2014/main" id="{67FF6EEE-E927-0D40-9A7A-FFD741835CE9}"/>
-                      </a:ext>
-                    </a:extLst>
-                  </p:cNvPr>
-                  <p:cNvSpPr txBox="1"/>
-                  <p:nvPr/>
-                </p:nvSpPr>
-                <p:spPr>
-                  <a:xfrm>
-                    <a:off x="3590221" y="4810144"/>
-                    <a:ext cx="215694" cy="261610"/>
-                  </a:xfrm>
-                  <a:prstGeom prst="rect">
-                    <a:avLst/>
-                  </a:prstGeom>
-                  <a:noFill/>
-                </p:spPr>
-                <p:txBody>
-                  <a:bodyPr wrap="square" rtlCol="0">
-                    <a:spAutoFit/>
-                  </a:bodyPr>
-                  <a:lstStyle/>
-                  <a:p>
-                    <a14:m>
-                      <m:oMathPara xmlns:m="http://schemas.openxmlformats.org/officeDocument/2006/math">
-                        <m:oMathParaPr>
-                          <m:jc m:val="centerGroup"/>
-                        </m:oMathParaPr>
-                        <m:oMath xmlns:m="http://schemas.openxmlformats.org/officeDocument/2006/math">
-                          <m:r>
-                            <a:rPr lang="en-US" sz="1100" i="1" dirty="0" smtClean="0">
-                              <a:latin typeface="Cambria Math" panose="02040503050406030204" pitchFamily="18" charset="0"/>
-                            </a:rPr>
-                            <m:t>𝑤</m:t>
-                          </m:r>
-                        </m:oMath>
-                      </m:oMathPara>
-                    </a14:m>
-                    <a:endParaRPr lang="en-US" sz="1100" dirty="0"/>
-                  </a:p>
-                </p:txBody>
-              </p:sp>
-            </mc:Choice>
-            <mc:Fallback>
-              <p:sp>
-                <p:nvSpPr>
-                  <p:cNvPr id="73" name="TextBox 72">
-                    <a:extLst>
-                      <a:ext uri="{FF2B5EF4-FFF2-40B4-BE49-F238E27FC236}">
-                        <a16:creationId xmlns:a16="http://schemas.microsoft.com/office/drawing/2014/main" id="{67FF6EEE-E927-0D40-9A7A-FFD741835CE9}"/>
-                      </a:ext>
-                    </a:extLst>
-                  </p:cNvPr>
-                  <p:cNvSpPr txBox="1">
-                    <a:spLocks noRot="1" noChangeAspect="1" noMove="1" noResize="1" noEditPoints="1" noAdjustHandles="1" noChangeArrowheads="1" noChangeShapeType="1" noTextEdit="1"/>
-                  </p:cNvSpPr>
-                  <p:nvPr/>
-                </p:nvSpPr>
-                <p:spPr>
-                  <a:xfrm>
-                    <a:off x="3590221" y="4810144"/>
-                    <a:ext cx="215694" cy="261610"/>
-                  </a:xfrm>
-                  <a:prstGeom prst="rect">
-                    <a:avLst/>
-                  </a:prstGeom>
-                  <a:blipFill>
-                    <a:blip r:embed="rId10"/>
-                    <a:stretch>
-                      <a:fillRect r="-5556"/>
-                    </a:stretch>
-                  </a:blipFill>
-                </p:spPr>
-                <p:txBody>
-                  <a:bodyPr/>
-                  <a:lstStyle/>
-                  <a:p>
-                    <a:r>
-                      <a:rPr lang="en-US">
-                        <a:noFill/>
-                      </a:rPr>
-                      <a:t> </a:t>
-                    </a:r>
-                  </a:p>
-                </p:txBody>
-              </p:sp>
-            </mc:Fallback>
-          </mc:AlternateContent>
-          <p:cxnSp>
-            <p:nvCxnSpPr>
-              <p:cNvPr id="75" name="Straight Connector 74">
-                <a:extLst>
-                  <a:ext uri="{FF2B5EF4-FFF2-40B4-BE49-F238E27FC236}">
-                    <a16:creationId xmlns:a16="http://schemas.microsoft.com/office/drawing/2014/main" id="{5FD655FD-318D-FF45-B6D7-3F0A48458C12}"/>
-                  </a:ext>
-                </a:extLst>
-              </p:cNvPr>
-              <p:cNvCxnSpPr>
-                <a:cxnSpLocks/>
-              </p:cNvCxnSpPr>
-              <p:nvPr/>
-            </p:nvCxnSpPr>
-            <p:spPr>
-              <a:xfrm flipV="1">
-                <a:off x="3818142" y="4179755"/>
-                <a:ext cx="950593" cy="738410"/>
-              </a:xfrm>
-              <a:prstGeom prst="line">
-                <a:avLst/>
-              </a:prstGeom>
-            </p:spPr>
-            <p:style>
-              <a:lnRef idx="1">
-                <a:schemeClr val="accent1"/>
-              </a:lnRef>
-              <a:fillRef idx="0">
-                <a:schemeClr val="accent1"/>
-              </a:fillRef>
-              <a:effectRef idx="0">
-                <a:schemeClr val="accent1"/>
-              </a:effectRef>
-              <a:fontRef idx="minor">
-                <a:schemeClr val="tx1"/>
-              </a:fontRef>
-            </p:style>
-          </p:cxnSp>
-          <p:sp>
-            <p:nvSpPr>
-              <p:cNvPr id="77" name="Oval 76">
-                <a:extLst>
-                  <a:ext uri="{FF2B5EF4-FFF2-40B4-BE49-F238E27FC236}">
-                    <a16:creationId xmlns:a16="http://schemas.microsoft.com/office/drawing/2014/main" id="{8A6926FF-F8E2-A84F-A90C-4280CF621EC2}"/>
-                  </a:ext>
-                </a:extLst>
-              </p:cNvPr>
-              <p:cNvSpPr/>
-              <p:nvPr/>
-            </p:nvSpPr>
-            <p:spPr>
-              <a:xfrm>
-                <a:off x="3647779" y="4856441"/>
-                <a:ext cx="157617" cy="169016"/>
-              </a:xfrm>
-              <a:prstGeom prst="ellipse">
-                <a:avLst/>
-              </a:prstGeom>
-              <a:noFill/>
-            </p:spPr>
-            <p:style>
-              <a:lnRef idx="2">
-                <a:schemeClr val="accent1">
-                  <a:shade val="50000"/>
-                </a:schemeClr>
-              </a:lnRef>
-              <a:fillRef idx="1">
-                <a:schemeClr val="accent1"/>
-              </a:fillRef>
-              <a:effectRef idx="0">
-                <a:schemeClr val="accent1"/>
-              </a:effectRef>
-              <a:fontRef idx="minor">
-                <a:schemeClr val="lt1"/>
-              </a:fontRef>
-            </p:style>
-            <p:txBody>
-              <a:bodyPr rtlCol="0" anchor="ctr"/>
-              <a:lstStyle/>
-              <a:p>
-                <a:pPr algn="ctr"/>
-                <a:endParaRPr lang="en-US"/>
-              </a:p>
-            </p:txBody>
-          </p:sp>
-        </p:grpSp>
+              </a:solidFill>
+            </a:ln>
+          </p:spPr>
+          <p:style>
+            <a:lnRef idx="1">
+              <a:schemeClr val="accent1"/>
+            </a:lnRef>
+            <a:fillRef idx="0">
+              <a:schemeClr val="accent1"/>
+            </a:fillRef>
+            <a:effectRef idx="0">
+              <a:schemeClr val="accent1"/>
+            </a:effectRef>
+            <a:fontRef idx="minor">
+              <a:schemeClr val="tx1"/>
+            </a:fontRef>
+          </p:style>
+        </p:cxnSp>
+      </p:grpSp>
+      <p:grpSp>
+        <p:nvGrpSpPr>
+          <p:cNvPr id="134" name="Group 133">
+            <a:extLst>
+              <a:ext uri="{FF2B5EF4-FFF2-40B4-BE49-F238E27FC236}">
+                <a16:creationId xmlns:a16="http://schemas.microsoft.com/office/drawing/2014/main" id="{2DA65233-F097-024C-891D-081FD1311A8B}"/>
+              </a:ext>
+            </a:extLst>
+          </p:cNvPr>
+          <p:cNvGrpSpPr/>
+          <p:nvPr/>
+        </p:nvGrpSpPr>
+        <p:grpSpPr>
+          <a:xfrm>
+            <a:off x="3258290" y="3001819"/>
+            <a:ext cx="2162240" cy="3012187"/>
+            <a:chOff x="3258290" y="3001819"/>
+            <a:chExt cx="2162240" cy="3012187"/>
+          </a:xfrm>
+        </p:grpSpPr>
+        <p:sp>
+          <p:nvSpPr>
+            <p:cNvPr id="57" name="TextBox 56">
+              <a:extLst>
+                <a:ext uri="{FF2B5EF4-FFF2-40B4-BE49-F238E27FC236}">
+                  <a16:creationId xmlns:a16="http://schemas.microsoft.com/office/drawing/2014/main" id="{6F47F9EE-A49B-2646-AAAA-99AE98E53516}"/>
+                </a:ext>
+              </a:extLst>
+            </p:cNvPr>
+            <p:cNvSpPr txBox="1"/>
+            <p:nvPr/>
+          </p:nvSpPr>
+          <p:spPr>
+            <a:xfrm>
+              <a:off x="3982813" y="4412531"/>
+              <a:ext cx="215694" cy="261610"/>
+            </a:xfrm>
+            <a:prstGeom prst="rect">
+              <a:avLst/>
+            </a:prstGeom>
+            <a:noFill/>
+          </p:spPr>
+          <p:txBody>
+            <a:bodyPr wrap="square" rtlCol="0">
+              <a:spAutoFit/>
+            </a:bodyPr>
+            <a:lstStyle/>
+            <a:p>
+              <a:r>
+                <a:rPr lang="en-US" sz="1100" dirty="0"/>
+                <a:t>*</a:t>
+              </a:r>
+            </a:p>
+          </p:txBody>
+        </p:sp>
+        <p:sp>
+          <p:nvSpPr>
+            <p:cNvPr id="38" name="Oval 37">
+              <a:extLst>
+                <a:ext uri="{FF2B5EF4-FFF2-40B4-BE49-F238E27FC236}">
+                  <a16:creationId xmlns:a16="http://schemas.microsoft.com/office/drawing/2014/main" id="{9FDDE171-4D1D-4E40-8550-0D998B4FF810}"/>
+                </a:ext>
+              </a:extLst>
+            </p:cNvPr>
+            <p:cNvSpPr/>
+            <p:nvPr/>
+          </p:nvSpPr>
+          <p:spPr>
+            <a:xfrm>
+              <a:off x="3635365" y="4096393"/>
+              <a:ext cx="246185" cy="266281"/>
+            </a:xfrm>
+            <a:prstGeom prst="ellipse">
+              <a:avLst/>
+            </a:prstGeom>
+            <a:noFill/>
+          </p:spPr>
+          <p:style>
+            <a:lnRef idx="2">
+              <a:schemeClr val="accent1">
+                <a:shade val="50000"/>
+              </a:schemeClr>
+            </a:lnRef>
+            <a:fillRef idx="1">
+              <a:schemeClr val="accent1"/>
+            </a:fillRef>
+            <a:effectRef idx="0">
+              <a:schemeClr val="accent1"/>
+            </a:effectRef>
+            <a:fontRef idx="minor">
+              <a:schemeClr val="lt1"/>
+            </a:fontRef>
+          </p:style>
+          <p:txBody>
+            <a:bodyPr rtlCol="0" anchor="ctr"/>
+            <a:lstStyle/>
+            <a:p>
+              <a:pPr algn="ctr"/>
+              <a:endParaRPr lang="en-US"/>
+            </a:p>
+          </p:txBody>
+        </p:sp>
+        <p:sp>
+          <p:nvSpPr>
+            <p:cNvPr id="39" name="Oval 38">
+              <a:extLst>
+                <a:ext uri="{FF2B5EF4-FFF2-40B4-BE49-F238E27FC236}">
+                  <a16:creationId xmlns:a16="http://schemas.microsoft.com/office/drawing/2014/main" id="{1D2078C8-3286-814D-AF9F-AFCB29F07E17}"/>
+                </a:ext>
+              </a:extLst>
+            </p:cNvPr>
+            <p:cNvSpPr/>
+            <p:nvPr/>
+          </p:nvSpPr>
+          <p:spPr>
+            <a:xfrm>
+              <a:off x="4339541" y="4674141"/>
+              <a:ext cx="246185" cy="266281"/>
+            </a:xfrm>
+            <a:prstGeom prst="ellipse">
+              <a:avLst/>
+            </a:prstGeom>
+            <a:noFill/>
+          </p:spPr>
+          <p:style>
+            <a:lnRef idx="2">
+              <a:schemeClr val="accent1">
+                <a:shade val="50000"/>
+              </a:schemeClr>
+            </a:lnRef>
+            <a:fillRef idx="1">
+              <a:schemeClr val="accent1"/>
+            </a:fillRef>
+            <a:effectRef idx="0">
+              <a:schemeClr val="accent1"/>
+            </a:effectRef>
+            <a:fontRef idx="minor">
+              <a:schemeClr val="lt1"/>
+            </a:fontRef>
+          </p:style>
+          <p:txBody>
+            <a:bodyPr rtlCol="0" anchor="ctr"/>
+            <a:lstStyle/>
+            <a:p>
+              <a:pPr algn="ctr"/>
+              <a:endParaRPr lang="en-US"/>
+            </a:p>
+          </p:txBody>
+        </p:sp>
+        <mc:AlternateContent xmlns:mc="http://schemas.openxmlformats.org/markup-compatibility/2006">
+          <mc:Choice xmlns:a14="http://schemas.microsoft.com/office/drawing/2010/main" Requires="a14">
+            <p:sp>
+              <p:nvSpPr>
+                <p:cNvPr id="40" name="TextBox 39">
+                  <a:extLst>
+                    <a:ext uri="{FF2B5EF4-FFF2-40B4-BE49-F238E27FC236}">
+                      <a16:creationId xmlns:a16="http://schemas.microsoft.com/office/drawing/2014/main" id="{E33C4B34-75A1-824B-9DD8-0DF4C408EC72}"/>
+                    </a:ext>
+                  </a:extLst>
+                </p:cNvPr>
+                <p:cNvSpPr txBox="1"/>
+                <p:nvPr/>
+              </p:nvSpPr>
+              <p:spPr>
+                <a:xfrm>
+                  <a:off x="3855801" y="4095291"/>
+                  <a:ext cx="400885" cy="261610"/>
+                </a:xfrm>
+                <a:prstGeom prst="rect">
+                  <a:avLst/>
+                </a:prstGeom>
+                <a:noFill/>
+              </p:spPr>
+              <p:txBody>
+                <a:bodyPr wrap="square" rtlCol="0">
+                  <a:spAutoFit/>
+                </a:bodyPr>
+                <a:lstStyle/>
+                <a:p>
+                  <a14:m>
+                    <m:oMathPara xmlns:m="http://schemas.openxmlformats.org/officeDocument/2006/math">
+                      <m:oMathParaPr>
+                        <m:jc m:val="centerGroup"/>
+                      </m:oMathParaPr>
+                      <m:oMath xmlns:m="http://schemas.openxmlformats.org/officeDocument/2006/math">
+                        <m:r>
+                          <a:rPr lang="en-US" sz="1100" i="1" smtClean="0">
+                            <a:latin typeface="Cambria Math" panose="02040503050406030204" pitchFamily="18" charset="0"/>
+                          </a:rPr>
+                          <m:t>1</m:t>
+                        </m:r>
+                      </m:oMath>
+                    </m:oMathPara>
+                  </a14:m>
+                  <a:endParaRPr lang="en-US" sz="1100" dirty="0"/>
+                </a:p>
+              </p:txBody>
+            </p:sp>
+          </mc:Choice>
+          <mc:Fallback>
+            <p:sp>
+              <p:nvSpPr>
+                <p:cNvPr id="40" name="TextBox 39">
+                  <a:extLst>
+                    <a:ext uri="{FF2B5EF4-FFF2-40B4-BE49-F238E27FC236}">
+                      <a16:creationId xmlns:a16="http://schemas.microsoft.com/office/drawing/2014/main" id="{E33C4B34-75A1-824B-9DD8-0DF4C408EC72}"/>
+                    </a:ext>
+                  </a:extLst>
+                </p:cNvPr>
+                <p:cNvSpPr txBox="1">
+                  <a:spLocks noRot="1" noChangeAspect="1" noMove="1" noResize="1" noEditPoints="1" noAdjustHandles="1" noChangeArrowheads="1" noChangeShapeType="1" noTextEdit="1"/>
+                </p:cNvSpPr>
+                <p:nvPr/>
+              </p:nvSpPr>
+              <p:spPr>
+                <a:xfrm>
+                  <a:off x="3855801" y="4095291"/>
+                  <a:ext cx="400885" cy="261610"/>
+                </a:xfrm>
+                <a:prstGeom prst="rect">
+                  <a:avLst/>
+                </a:prstGeom>
+                <a:blipFill>
+                  <a:blip r:embed="rId10"/>
+                  <a:stretch>
+                    <a:fillRect/>
+                  </a:stretch>
+                </a:blipFill>
+              </p:spPr>
+              <p:txBody>
+                <a:bodyPr/>
+                <a:lstStyle/>
+                <a:p>
+                  <a:r>
+                    <a:rPr lang="en-US">
+                      <a:noFill/>
+                    </a:rPr>
+                    <a:t> </a:t>
+                  </a:r>
+                </a:p>
+              </p:txBody>
+            </p:sp>
+          </mc:Fallback>
+        </mc:AlternateContent>
+        <p:cxnSp>
+          <p:nvCxnSpPr>
+            <p:cNvPr id="42" name="Straight Connector 41">
+              <a:extLst>
+                <a:ext uri="{FF2B5EF4-FFF2-40B4-BE49-F238E27FC236}">
+                  <a16:creationId xmlns:a16="http://schemas.microsoft.com/office/drawing/2014/main" id="{6A7C5579-023B-1F45-91FC-5DFE0A0BDC5F}"/>
+                </a:ext>
+              </a:extLst>
+            </p:cNvPr>
+            <p:cNvCxnSpPr>
+              <a:cxnSpLocks/>
+            </p:cNvCxnSpPr>
+            <p:nvPr/>
+          </p:nvCxnSpPr>
+          <p:spPr>
+            <a:xfrm flipH="1" flipV="1">
+              <a:off x="3685269" y="3914937"/>
+              <a:ext cx="36285" cy="181456"/>
+            </a:xfrm>
+            <a:prstGeom prst="line">
+              <a:avLst/>
+            </a:prstGeom>
+          </p:spPr>
+          <p:style>
+            <a:lnRef idx="1">
+              <a:schemeClr val="accent1"/>
+            </a:lnRef>
+            <a:fillRef idx="0">
+              <a:schemeClr val="accent1"/>
+            </a:fillRef>
+            <a:effectRef idx="0">
+              <a:schemeClr val="accent1"/>
+            </a:effectRef>
+            <a:fontRef idx="minor">
+              <a:schemeClr val="tx1"/>
+            </a:fontRef>
+          </p:style>
+        </p:cxnSp>
+        <p:cxnSp>
+          <p:nvCxnSpPr>
+            <p:cNvPr id="43" name="Straight Connector 42">
+              <a:extLst>
+                <a:ext uri="{FF2B5EF4-FFF2-40B4-BE49-F238E27FC236}">
+                  <a16:creationId xmlns:a16="http://schemas.microsoft.com/office/drawing/2014/main" id="{F697324F-7B72-0648-A55E-1A10B2FAF0E1}"/>
+                </a:ext>
+              </a:extLst>
+            </p:cNvPr>
+            <p:cNvCxnSpPr>
+              <a:stCxn id="38" idx="1"/>
+            </p:cNvCxnSpPr>
+            <p:nvPr/>
+          </p:nvCxnSpPr>
+          <p:spPr>
+            <a:xfrm flipH="1" flipV="1">
+              <a:off x="3548279" y="4001046"/>
+              <a:ext cx="123139" cy="134343"/>
+            </a:xfrm>
+            <a:prstGeom prst="line">
+              <a:avLst/>
+            </a:prstGeom>
+          </p:spPr>
+          <p:style>
+            <a:lnRef idx="1">
+              <a:schemeClr val="accent1"/>
+            </a:lnRef>
+            <a:fillRef idx="0">
+              <a:schemeClr val="accent1"/>
+            </a:fillRef>
+            <a:effectRef idx="0">
+              <a:schemeClr val="accent1"/>
+            </a:effectRef>
+            <a:fontRef idx="minor">
+              <a:schemeClr val="tx1"/>
+            </a:fontRef>
+          </p:style>
+        </p:cxnSp>
+        <p:cxnSp>
+          <p:nvCxnSpPr>
+            <p:cNvPr id="44" name="Straight Connector 43">
+              <a:extLst>
+                <a:ext uri="{FF2B5EF4-FFF2-40B4-BE49-F238E27FC236}">
+                  <a16:creationId xmlns:a16="http://schemas.microsoft.com/office/drawing/2014/main" id="{F5D16DED-1EB5-FF43-8871-1CF80218FCC0}"/>
+                </a:ext>
+              </a:extLst>
+            </p:cNvPr>
+            <p:cNvCxnSpPr>
+              <a:cxnSpLocks/>
+            </p:cNvCxnSpPr>
+            <p:nvPr/>
+          </p:nvCxnSpPr>
+          <p:spPr>
+            <a:xfrm flipH="1" flipV="1">
+              <a:off x="3450255" y="4144217"/>
+              <a:ext cx="185110" cy="31666"/>
+            </a:xfrm>
+            <a:prstGeom prst="line">
+              <a:avLst/>
+            </a:prstGeom>
+          </p:spPr>
+          <p:style>
+            <a:lnRef idx="1">
+              <a:schemeClr val="accent1"/>
+            </a:lnRef>
+            <a:fillRef idx="0">
+              <a:schemeClr val="accent1"/>
+            </a:fillRef>
+            <a:effectRef idx="0">
+              <a:schemeClr val="accent1"/>
+            </a:effectRef>
+            <a:fontRef idx="minor">
+              <a:schemeClr val="tx1"/>
+            </a:fontRef>
+          </p:style>
+        </p:cxnSp>
+        <p:cxnSp>
+          <p:nvCxnSpPr>
+            <p:cNvPr id="45" name="Straight Connector 44">
+              <a:extLst>
+                <a:ext uri="{FF2B5EF4-FFF2-40B4-BE49-F238E27FC236}">
+                  <a16:creationId xmlns:a16="http://schemas.microsoft.com/office/drawing/2014/main" id="{8344AE04-9CB1-B74E-BD1E-B07B304C97C8}"/>
+                </a:ext>
+              </a:extLst>
+            </p:cNvPr>
+            <p:cNvCxnSpPr>
+              <a:cxnSpLocks/>
+              <a:stCxn id="39" idx="6"/>
+            </p:cNvCxnSpPr>
+            <p:nvPr/>
+          </p:nvCxnSpPr>
+          <p:spPr>
+            <a:xfrm flipV="1">
+              <a:off x="4585726" y="4794431"/>
+              <a:ext cx="104248" cy="12851"/>
+            </a:xfrm>
+            <a:prstGeom prst="line">
+              <a:avLst/>
+            </a:prstGeom>
+          </p:spPr>
+          <p:style>
+            <a:lnRef idx="1">
+              <a:schemeClr val="accent1"/>
+            </a:lnRef>
+            <a:fillRef idx="0">
+              <a:schemeClr val="accent1"/>
+            </a:fillRef>
+            <a:effectRef idx="0">
+              <a:schemeClr val="accent1"/>
+            </a:effectRef>
+            <a:fontRef idx="minor">
+              <a:schemeClr val="tx1"/>
+            </a:fontRef>
+          </p:style>
+        </p:cxnSp>
+        <p:cxnSp>
+          <p:nvCxnSpPr>
+            <p:cNvPr id="46" name="Straight Connector 45">
+              <a:extLst>
+                <a:ext uri="{FF2B5EF4-FFF2-40B4-BE49-F238E27FC236}">
+                  <a16:creationId xmlns:a16="http://schemas.microsoft.com/office/drawing/2014/main" id="{A60F3784-B9CC-B24E-86E1-BA031F58A053}"/>
+                </a:ext>
+              </a:extLst>
+            </p:cNvPr>
+            <p:cNvCxnSpPr>
+              <a:stCxn id="39" idx="5"/>
+            </p:cNvCxnSpPr>
+            <p:nvPr/>
+          </p:nvCxnSpPr>
+          <p:spPr>
+            <a:xfrm>
+              <a:off x="4549673" y="4901426"/>
+              <a:ext cx="91000" cy="112431"/>
+            </a:xfrm>
+            <a:prstGeom prst="line">
+              <a:avLst/>
+            </a:prstGeom>
+          </p:spPr>
+          <p:style>
+            <a:lnRef idx="1">
+              <a:schemeClr val="accent1"/>
+            </a:lnRef>
+            <a:fillRef idx="0">
+              <a:schemeClr val="accent1"/>
+            </a:fillRef>
+            <a:effectRef idx="0">
+              <a:schemeClr val="accent1"/>
+            </a:effectRef>
+            <a:fontRef idx="minor">
+              <a:schemeClr val="tx1"/>
+            </a:fontRef>
+          </p:style>
+        </p:cxnSp>
+        <p:sp>
+          <p:nvSpPr>
+            <p:cNvPr id="47" name="Oval 46">
+              <a:extLst>
+                <a:ext uri="{FF2B5EF4-FFF2-40B4-BE49-F238E27FC236}">
+                  <a16:creationId xmlns:a16="http://schemas.microsoft.com/office/drawing/2014/main" id="{CFD48C1B-7FDC-EC4C-96CB-8F76590AC7FD}"/>
+                </a:ext>
+              </a:extLst>
+            </p:cNvPr>
+            <p:cNvSpPr/>
+            <p:nvPr/>
+          </p:nvSpPr>
+          <p:spPr>
+            <a:xfrm>
+              <a:off x="4358562" y="3618244"/>
+              <a:ext cx="246185" cy="266281"/>
+            </a:xfrm>
+            <a:prstGeom prst="ellipse">
+              <a:avLst/>
+            </a:prstGeom>
+            <a:noFill/>
+          </p:spPr>
+          <p:style>
+            <a:lnRef idx="2">
+              <a:schemeClr val="accent1">
+                <a:shade val="50000"/>
+              </a:schemeClr>
+            </a:lnRef>
+            <a:fillRef idx="1">
+              <a:schemeClr val="accent1"/>
+            </a:fillRef>
+            <a:effectRef idx="0">
+              <a:schemeClr val="accent1"/>
+            </a:effectRef>
+            <a:fontRef idx="minor">
+              <a:schemeClr val="lt1"/>
+            </a:fontRef>
+          </p:style>
+          <p:txBody>
+            <a:bodyPr rtlCol="0" anchor="ctr"/>
+            <a:lstStyle/>
+            <a:p>
+              <a:pPr algn="ctr"/>
+              <a:endParaRPr lang="en-US"/>
+            </a:p>
+          </p:txBody>
+        </p:sp>
+        <p:sp>
+          <p:nvSpPr>
+            <p:cNvPr id="48" name="Oval 47">
+              <a:extLst>
+                <a:ext uri="{FF2B5EF4-FFF2-40B4-BE49-F238E27FC236}">
+                  <a16:creationId xmlns:a16="http://schemas.microsoft.com/office/drawing/2014/main" id="{1C86F37D-C915-684E-8A3A-B047DAAD4C86}"/>
+                </a:ext>
+              </a:extLst>
+            </p:cNvPr>
+            <p:cNvSpPr/>
+            <p:nvPr/>
+          </p:nvSpPr>
+          <p:spPr>
+            <a:xfrm>
+              <a:off x="5062738" y="4195992"/>
+              <a:ext cx="246185" cy="266281"/>
+            </a:xfrm>
+            <a:prstGeom prst="ellipse">
+              <a:avLst/>
+            </a:prstGeom>
+            <a:noFill/>
+          </p:spPr>
+          <p:style>
+            <a:lnRef idx="2">
+              <a:schemeClr val="accent1">
+                <a:shade val="50000"/>
+              </a:schemeClr>
+            </a:lnRef>
+            <a:fillRef idx="1">
+              <a:schemeClr val="accent1"/>
+            </a:fillRef>
+            <a:effectRef idx="0">
+              <a:schemeClr val="accent1"/>
+            </a:effectRef>
+            <a:fontRef idx="minor">
+              <a:schemeClr val="lt1"/>
+            </a:fontRef>
+          </p:style>
+          <p:txBody>
+            <a:bodyPr rtlCol="0" anchor="ctr"/>
+            <a:lstStyle/>
+            <a:p>
+              <a:pPr algn="ctr"/>
+              <a:endParaRPr lang="en-US"/>
+            </a:p>
+          </p:txBody>
+        </p:sp>
+        <mc:AlternateContent xmlns:mc="http://schemas.openxmlformats.org/markup-compatibility/2006">
+          <mc:Choice xmlns:a14="http://schemas.microsoft.com/office/drawing/2010/main" Requires="a14">
+            <p:sp>
+              <p:nvSpPr>
+                <p:cNvPr id="49" name="TextBox 48">
+                  <a:extLst>
+                    <a:ext uri="{FF2B5EF4-FFF2-40B4-BE49-F238E27FC236}">
+                      <a16:creationId xmlns:a16="http://schemas.microsoft.com/office/drawing/2014/main" id="{14E50FA0-AC79-8E44-B23F-A1E169FDCFBB}"/>
+                    </a:ext>
+                  </a:extLst>
+                </p:cNvPr>
+                <p:cNvSpPr txBox="1"/>
+                <p:nvPr/>
+              </p:nvSpPr>
+              <p:spPr>
+                <a:xfrm>
+                  <a:off x="4559676" y="3615543"/>
+                  <a:ext cx="463483" cy="261610"/>
+                </a:xfrm>
+                <a:prstGeom prst="rect">
+                  <a:avLst/>
+                </a:prstGeom>
+                <a:noFill/>
+              </p:spPr>
+              <p:txBody>
+                <a:bodyPr wrap="square" rtlCol="0">
+                  <a:spAutoFit/>
+                </a:bodyPr>
+                <a:lstStyle/>
+                <a:p>
+                  <a14:m>
+                    <m:oMathPara xmlns:m="http://schemas.openxmlformats.org/officeDocument/2006/math">
+                      <m:oMathParaPr>
+                        <m:jc m:val="centerGroup"/>
+                      </m:oMathParaPr>
+                      <m:oMath xmlns:m="http://schemas.openxmlformats.org/officeDocument/2006/math">
+                        <m:r>
+                          <a:rPr lang="en-US" sz="1100" i="1" smtClean="0">
+                            <a:latin typeface="Cambria Math" panose="02040503050406030204" pitchFamily="18" charset="0"/>
+                          </a:rPr>
+                          <m:t>1</m:t>
+                        </m:r>
+                      </m:oMath>
+                    </m:oMathPara>
+                  </a14:m>
+                  <a:endParaRPr lang="en-US" sz="1100" dirty="0"/>
+                </a:p>
+              </p:txBody>
+            </p:sp>
+          </mc:Choice>
+          <mc:Fallback>
+            <p:sp>
+              <p:nvSpPr>
+                <p:cNvPr id="49" name="TextBox 48">
+                  <a:extLst>
+                    <a:ext uri="{FF2B5EF4-FFF2-40B4-BE49-F238E27FC236}">
+                      <a16:creationId xmlns:a16="http://schemas.microsoft.com/office/drawing/2014/main" id="{14E50FA0-AC79-8E44-B23F-A1E169FDCFBB}"/>
+                    </a:ext>
+                  </a:extLst>
+                </p:cNvPr>
+                <p:cNvSpPr txBox="1">
+                  <a:spLocks noRot="1" noChangeAspect="1" noMove="1" noResize="1" noEditPoints="1" noAdjustHandles="1" noChangeArrowheads="1" noChangeShapeType="1" noTextEdit="1"/>
+                </p:cNvSpPr>
+                <p:nvPr/>
+              </p:nvSpPr>
+              <p:spPr>
+                <a:xfrm>
+                  <a:off x="4559676" y="3615543"/>
+                  <a:ext cx="463483" cy="261610"/>
+                </a:xfrm>
+                <a:prstGeom prst="rect">
+                  <a:avLst/>
+                </a:prstGeom>
+                <a:blipFill>
+                  <a:blip r:embed="rId11"/>
+                  <a:stretch>
+                    <a:fillRect/>
+                  </a:stretch>
+                </a:blipFill>
+              </p:spPr>
+              <p:txBody>
+                <a:bodyPr/>
+                <a:lstStyle/>
+                <a:p>
+                  <a:r>
+                    <a:rPr lang="en-US">
+                      <a:noFill/>
+                    </a:rPr>
+                    <a:t> </a:t>
+                  </a:r>
+                </a:p>
+              </p:txBody>
+            </p:sp>
+          </mc:Fallback>
+        </mc:AlternateContent>
+        <p:cxnSp>
+          <p:nvCxnSpPr>
+            <p:cNvPr id="51" name="Straight Connector 50">
+              <a:extLst>
+                <a:ext uri="{FF2B5EF4-FFF2-40B4-BE49-F238E27FC236}">
+                  <a16:creationId xmlns:a16="http://schemas.microsoft.com/office/drawing/2014/main" id="{AB6CDC86-C82C-6B43-8E16-21C2AAB5FB3F}"/>
+                </a:ext>
+              </a:extLst>
+            </p:cNvPr>
+            <p:cNvCxnSpPr>
+              <a:cxnSpLocks/>
+            </p:cNvCxnSpPr>
+            <p:nvPr/>
+          </p:nvCxnSpPr>
+          <p:spPr>
+            <a:xfrm flipH="1" flipV="1">
+              <a:off x="4408466" y="3436788"/>
+              <a:ext cx="36285" cy="181456"/>
+            </a:xfrm>
+            <a:prstGeom prst="line">
+              <a:avLst/>
+            </a:prstGeom>
+          </p:spPr>
+          <p:style>
+            <a:lnRef idx="1">
+              <a:schemeClr val="accent1"/>
+            </a:lnRef>
+            <a:fillRef idx="0">
+              <a:schemeClr val="accent1"/>
+            </a:fillRef>
+            <a:effectRef idx="0">
+              <a:schemeClr val="accent1"/>
+            </a:effectRef>
+            <a:fontRef idx="minor">
+              <a:schemeClr val="tx1"/>
+            </a:fontRef>
+          </p:style>
+        </p:cxnSp>
+        <p:cxnSp>
+          <p:nvCxnSpPr>
+            <p:cNvPr id="52" name="Straight Connector 51">
+              <a:extLst>
+                <a:ext uri="{FF2B5EF4-FFF2-40B4-BE49-F238E27FC236}">
+                  <a16:creationId xmlns:a16="http://schemas.microsoft.com/office/drawing/2014/main" id="{C83BE7A7-2A78-2F47-9540-D5D7E0D00059}"/>
+                </a:ext>
+              </a:extLst>
+            </p:cNvPr>
+            <p:cNvCxnSpPr>
+              <a:stCxn id="47" idx="1"/>
+            </p:cNvCxnSpPr>
+            <p:nvPr/>
+          </p:nvCxnSpPr>
+          <p:spPr>
+            <a:xfrm flipH="1" flipV="1">
+              <a:off x="4271476" y="3522897"/>
+              <a:ext cx="123139" cy="134343"/>
+            </a:xfrm>
+            <a:prstGeom prst="line">
+              <a:avLst/>
+            </a:prstGeom>
+          </p:spPr>
+          <p:style>
+            <a:lnRef idx="1">
+              <a:schemeClr val="accent1"/>
+            </a:lnRef>
+            <a:fillRef idx="0">
+              <a:schemeClr val="accent1"/>
+            </a:fillRef>
+            <a:effectRef idx="0">
+              <a:schemeClr val="accent1"/>
+            </a:effectRef>
+            <a:fontRef idx="minor">
+              <a:schemeClr val="tx1"/>
+            </a:fontRef>
+          </p:style>
+        </p:cxnSp>
+        <p:cxnSp>
+          <p:nvCxnSpPr>
+            <p:cNvPr id="53" name="Straight Connector 52">
+              <a:extLst>
+                <a:ext uri="{FF2B5EF4-FFF2-40B4-BE49-F238E27FC236}">
+                  <a16:creationId xmlns:a16="http://schemas.microsoft.com/office/drawing/2014/main" id="{C7498CEA-F847-364F-BC89-17D4AEF8A780}"/>
+                </a:ext>
+              </a:extLst>
+            </p:cNvPr>
+            <p:cNvCxnSpPr>
+              <a:cxnSpLocks/>
+            </p:cNvCxnSpPr>
+            <p:nvPr/>
+          </p:nvCxnSpPr>
+          <p:spPr>
+            <a:xfrm flipH="1" flipV="1">
+              <a:off x="4173452" y="3666068"/>
+              <a:ext cx="185110" cy="31666"/>
+            </a:xfrm>
+            <a:prstGeom prst="line">
+              <a:avLst/>
+            </a:prstGeom>
+          </p:spPr>
+          <p:style>
+            <a:lnRef idx="1">
+              <a:schemeClr val="accent1"/>
+            </a:lnRef>
+            <a:fillRef idx="0">
+              <a:schemeClr val="accent1"/>
+            </a:fillRef>
+            <a:effectRef idx="0">
+              <a:schemeClr val="accent1"/>
+            </a:effectRef>
+            <a:fontRef idx="minor">
+              <a:schemeClr val="tx1"/>
+            </a:fontRef>
+          </p:style>
+        </p:cxnSp>
+        <p:cxnSp>
+          <p:nvCxnSpPr>
+            <p:cNvPr id="54" name="Straight Connector 53">
+              <a:extLst>
+                <a:ext uri="{FF2B5EF4-FFF2-40B4-BE49-F238E27FC236}">
+                  <a16:creationId xmlns:a16="http://schemas.microsoft.com/office/drawing/2014/main" id="{486E3B49-89E7-984F-86AC-901B88FF5D63}"/>
+                </a:ext>
+              </a:extLst>
+            </p:cNvPr>
+            <p:cNvCxnSpPr>
+              <a:cxnSpLocks/>
+              <a:stCxn id="48" idx="6"/>
+            </p:cNvCxnSpPr>
+            <p:nvPr/>
+          </p:nvCxnSpPr>
+          <p:spPr>
+            <a:xfrm flipV="1">
+              <a:off x="5308923" y="4329132"/>
+              <a:ext cx="111607" cy="1"/>
+            </a:xfrm>
+            <a:prstGeom prst="line">
+              <a:avLst/>
+            </a:prstGeom>
+          </p:spPr>
+          <p:style>
+            <a:lnRef idx="1">
+              <a:schemeClr val="accent1"/>
+            </a:lnRef>
+            <a:fillRef idx="0">
+              <a:schemeClr val="accent1"/>
+            </a:fillRef>
+            <a:effectRef idx="0">
+              <a:schemeClr val="accent1"/>
+            </a:effectRef>
+            <a:fontRef idx="minor">
+              <a:schemeClr val="tx1"/>
+            </a:fontRef>
+          </p:style>
+        </p:cxnSp>
+        <p:cxnSp>
+          <p:nvCxnSpPr>
+            <p:cNvPr id="55" name="Straight Connector 54">
+              <a:extLst>
+                <a:ext uri="{FF2B5EF4-FFF2-40B4-BE49-F238E27FC236}">
+                  <a16:creationId xmlns:a16="http://schemas.microsoft.com/office/drawing/2014/main" id="{80798DD9-A5F6-7B41-BB5D-DD175ED16E6D}"/>
+                </a:ext>
+              </a:extLst>
+            </p:cNvPr>
+            <p:cNvCxnSpPr>
+              <a:stCxn id="48" idx="5"/>
+            </p:cNvCxnSpPr>
+            <p:nvPr/>
+          </p:nvCxnSpPr>
+          <p:spPr>
+            <a:xfrm>
+              <a:off x="5272870" y="4423277"/>
+              <a:ext cx="91000" cy="112431"/>
+            </a:xfrm>
+            <a:prstGeom prst="line">
+              <a:avLst/>
+            </a:prstGeom>
+          </p:spPr>
+          <p:style>
+            <a:lnRef idx="1">
+              <a:schemeClr val="accent1"/>
+            </a:lnRef>
+            <a:fillRef idx="0">
+              <a:schemeClr val="accent1"/>
+            </a:fillRef>
+            <a:effectRef idx="0">
+              <a:schemeClr val="accent1"/>
+            </a:effectRef>
+            <a:fontRef idx="minor">
+              <a:schemeClr val="tx1"/>
+            </a:fontRef>
+          </p:style>
+        </p:cxnSp>
+        <p:sp>
+          <p:nvSpPr>
+            <p:cNvPr id="56" name="Oval 55">
+              <a:extLst>
+                <a:ext uri="{FF2B5EF4-FFF2-40B4-BE49-F238E27FC236}">
+                  <a16:creationId xmlns:a16="http://schemas.microsoft.com/office/drawing/2014/main" id="{C84287C3-47C4-E349-8A9A-B0AB0EB2A928}"/>
+                </a:ext>
+              </a:extLst>
+            </p:cNvPr>
+            <p:cNvSpPr/>
+            <p:nvPr/>
+          </p:nvSpPr>
+          <p:spPr>
+            <a:xfrm>
+              <a:off x="4019248" y="4423277"/>
+              <a:ext cx="179259" cy="190972"/>
+            </a:xfrm>
+            <a:prstGeom prst="ellipse">
+              <a:avLst/>
+            </a:prstGeom>
+            <a:noFill/>
+          </p:spPr>
+          <p:style>
+            <a:lnRef idx="2">
+              <a:schemeClr val="accent1">
+                <a:shade val="50000"/>
+              </a:schemeClr>
+            </a:lnRef>
+            <a:fillRef idx="1">
+              <a:schemeClr val="accent1"/>
+            </a:fillRef>
+            <a:effectRef idx="0">
+              <a:schemeClr val="accent1"/>
+            </a:effectRef>
+            <a:fontRef idx="minor">
+              <a:schemeClr val="lt1"/>
+            </a:fontRef>
+          </p:style>
+          <p:txBody>
+            <a:bodyPr rtlCol="0" anchor="ctr"/>
+            <a:lstStyle/>
+            <a:p>
+              <a:pPr algn="ctr"/>
+              <a:endParaRPr lang="en-US"/>
+            </a:p>
+          </p:txBody>
+        </p:sp>
+        <p:sp>
+          <p:nvSpPr>
+            <p:cNvPr id="58" name="Oval 57">
+              <a:extLst>
+                <a:ext uri="{FF2B5EF4-FFF2-40B4-BE49-F238E27FC236}">
+                  <a16:creationId xmlns:a16="http://schemas.microsoft.com/office/drawing/2014/main" id="{DD02FCF2-E575-E742-954D-6A5D442B36F0}"/>
+                </a:ext>
+              </a:extLst>
+            </p:cNvPr>
+            <p:cNvSpPr/>
+            <p:nvPr/>
+          </p:nvSpPr>
+          <p:spPr>
+            <a:xfrm>
+              <a:off x="4771872" y="3943604"/>
+              <a:ext cx="179259" cy="190972"/>
+            </a:xfrm>
+            <a:prstGeom prst="ellipse">
+              <a:avLst/>
+            </a:prstGeom>
+            <a:noFill/>
+          </p:spPr>
+          <p:style>
+            <a:lnRef idx="2">
+              <a:schemeClr val="accent1">
+                <a:shade val="50000"/>
+              </a:schemeClr>
+            </a:lnRef>
+            <a:fillRef idx="1">
+              <a:schemeClr val="accent1"/>
+            </a:fillRef>
+            <a:effectRef idx="0">
+              <a:schemeClr val="accent1"/>
+            </a:effectRef>
+            <a:fontRef idx="minor">
+              <a:schemeClr val="lt1"/>
+            </a:fontRef>
+          </p:style>
+          <p:txBody>
+            <a:bodyPr rtlCol="0" anchor="ctr"/>
+            <a:lstStyle/>
+            <a:p>
+              <a:pPr algn="ctr"/>
+              <a:endParaRPr lang="en-US"/>
+            </a:p>
+          </p:txBody>
+        </p:sp>
+        <p:sp>
+          <p:nvSpPr>
+            <p:cNvPr id="59" name="TextBox 58">
+              <a:extLst>
+                <a:ext uri="{FF2B5EF4-FFF2-40B4-BE49-F238E27FC236}">
+                  <a16:creationId xmlns:a16="http://schemas.microsoft.com/office/drawing/2014/main" id="{FE017631-37BF-8A41-898B-25440851B5C8}"/>
+                </a:ext>
+              </a:extLst>
+            </p:cNvPr>
+            <p:cNvSpPr txBox="1"/>
+            <p:nvPr/>
+          </p:nvSpPr>
+          <p:spPr>
+            <a:xfrm>
+              <a:off x="4735437" y="3934382"/>
+              <a:ext cx="215694" cy="261610"/>
+            </a:xfrm>
+            <a:prstGeom prst="rect">
+              <a:avLst/>
+            </a:prstGeom>
+            <a:noFill/>
+          </p:spPr>
+          <p:txBody>
+            <a:bodyPr wrap="square" rtlCol="0">
+              <a:spAutoFit/>
+            </a:bodyPr>
+            <a:lstStyle/>
+            <a:p>
+              <a:r>
+                <a:rPr lang="en-US" sz="1100" dirty="0"/>
+                <a:t>*</a:t>
+              </a:r>
+            </a:p>
+          </p:txBody>
+        </p:sp>
+        <p:cxnSp>
+          <p:nvCxnSpPr>
+            <p:cNvPr id="61" name="Straight Connector 60">
+              <a:extLst>
+                <a:ext uri="{FF2B5EF4-FFF2-40B4-BE49-F238E27FC236}">
+                  <a16:creationId xmlns:a16="http://schemas.microsoft.com/office/drawing/2014/main" id="{41A2CDE2-5C43-E948-A488-4FC3087D1323}"/>
+                </a:ext>
+              </a:extLst>
+            </p:cNvPr>
+            <p:cNvCxnSpPr>
+              <a:cxnSpLocks/>
+            </p:cNvCxnSpPr>
+            <p:nvPr/>
+          </p:nvCxnSpPr>
+          <p:spPr>
+            <a:xfrm>
+              <a:off x="3857559" y="4306269"/>
+              <a:ext cx="170152" cy="151562"/>
+            </a:xfrm>
+            <a:prstGeom prst="line">
+              <a:avLst/>
+            </a:prstGeom>
+            <a:ln w="9525"/>
+          </p:spPr>
+          <p:style>
+            <a:lnRef idx="1">
+              <a:schemeClr val="accent1"/>
+            </a:lnRef>
+            <a:fillRef idx="0">
+              <a:schemeClr val="accent1"/>
+            </a:fillRef>
+            <a:effectRef idx="0">
+              <a:schemeClr val="accent1"/>
+            </a:effectRef>
+            <a:fontRef idx="minor">
+              <a:schemeClr val="tx1"/>
+            </a:fontRef>
+          </p:style>
+        </p:cxnSp>
+        <p:cxnSp>
+          <p:nvCxnSpPr>
+            <p:cNvPr id="65" name="Straight Connector 64">
+              <a:extLst>
+                <a:ext uri="{FF2B5EF4-FFF2-40B4-BE49-F238E27FC236}">
+                  <a16:creationId xmlns:a16="http://schemas.microsoft.com/office/drawing/2014/main" id="{445DE8A5-3119-6D42-A17B-0687818C24D4}"/>
+                </a:ext>
+              </a:extLst>
+            </p:cNvPr>
+            <p:cNvCxnSpPr>
+              <a:cxnSpLocks/>
+            </p:cNvCxnSpPr>
+            <p:nvPr/>
+          </p:nvCxnSpPr>
+          <p:spPr>
+            <a:xfrm>
+              <a:off x="4176444" y="4583623"/>
+              <a:ext cx="170152" cy="151562"/>
+            </a:xfrm>
+            <a:prstGeom prst="line">
+              <a:avLst/>
+            </a:prstGeom>
+            <a:ln w="9525"/>
+          </p:spPr>
+          <p:style>
+            <a:lnRef idx="1">
+              <a:schemeClr val="accent1"/>
+            </a:lnRef>
+            <a:fillRef idx="0">
+              <a:schemeClr val="accent1"/>
+            </a:fillRef>
+            <a:effectRef idx="0">
+              <a:schemeClr val="accent1"/>
+            </a:effectRef>
+            <a:fontRef idx="minor">
+              <a:schemeClr val="tx1"/>
+            </a:fontRef>
+          </p:style>
+        </p:cxnSp>
+        <p:cxnSp>
+          <p:nvCxnSpPr>
+            <p:cNvPr id="66" name="Straight Connector 65">
+              <a:extLst>
+                <a:ext uri="{FF2B5EF4-FFF2-40B4-BE49-F238E27FC236}">
+                  <a16:creationId xmlns:a16="http://schemas.microsoft.com/office/drawing/2014/main" id="{FB7EAE60-5591-274A-816E-B1661BB1A57B}"/>
+                </a:ext>
+              </a:extLst>
+            </p:cNvPr>
+            <p:cNvCxnSpPr>
+              <a:cxnSpLocks/>
+            </p:cNvCxnSpPr>
+            <p:nvPr/>
+          </p:nvCxnSpPr>
+          <p:spPr>
+            <a:xfrm>
+              <a:off x="4562551" y="3830270"/>
+              <a:ext cx="216385" cy="169926"/>
+            </a:xfrm>
+            <a:prstGeom prst="line">
+              <a:avLst/>
+            </a:prstGeom>
+            <a:ln w="9525"/>
+          </p:spPr>
+          <p:style>
+            <a:lnRef idx="1">
+              <a:schemeClr val="accent1"/>
+            </a:lnRef>
+            <a:fillRef idx="0">
+              <a:schemeClr val="accent1"/>
+            </a:fillRef>
+            <a:effectRef idx="0">
+              <a:schemeClr val="accent1"/>
+            </a:effectRef>
+            <a:fontRef idx="minor">
+              <a:schemeClr val="tx1"/>
+            </a:fontRef>
+          </p:style>
+        </p:cxnSp>
+        <p:cxnSp>
+          <p:nvCxnSpPr>
+            <p:cNvPr id="69" name="Straight Connector 68">
+              <a:extLst>
+                <a:ext uri="{FF2B5EF4-FFF2-40B4-BE49-F238E27FC236}">
+                  <a16:creationId xmlns:a16="http://schemas.microsoft.com/office/drawing/2014/main" id="{7260E362-230D-F348-9A47-DA2FD6F8F547}"/>
+                </a:ext>
+              </a:extLst>
+            </p:cNvPr>
+            <p:cNvCxnSpPr>
+              <a:cxnSpLocks/>
+            </p:cNvCxnSpPr>
+            <p:nvPr/>
+          </p:nvCxnSpPr>
+          <p:spPr>
+            <a:xfrm>
+              <a:off x="4921160" y="4107132"/>
+              <a:ext cx="170152" cy="151562"/>
+            </a:xfrm>
+            <a:prstGeom prst="line">
+              <a:avLst/>
+            </a:prstGeom>
+            <a:ln w="9525"/>
+          </p:spPr>
+          <p:style>
+            <a:lnRef idx="1">
+              <a:schemeClr val="accent1"/>
+            </a:lnRef>
+            <a:fillRef idx="0">
+              <a:schemeClr val="accent1"/>
+            </a:fillRef>
+            <a:effectRef idx="0">
+              <a:schemeClr val="accent1"/>
+            </a:effectRef>
+            <a:fontRef idx="minor">
+              <a:schemeClr val="tx1"/>
+            </a:fontRef>
+          </p:style>
+        </p:cxnSp>
+        <p:cxnSp>
+          <p:nvCxnSpPr>
+            <p:cNvPr id="71" name="Straight Connector 70">
+              <a:extLst>
+                <a:ext uri="{FF2B5EF4-FFF2-40B4-BE49-F238E27FC236}">
+                  <a16:creationId xmlns:a16="http://schemas.microsoft.com/office/drawing/2014/main" id="{DA8797C2-D7E5-1244-AFED-76187209EC14}"/>
+                </a:ext>
+              </a:extLst>
+            </p:cNvPr>
+            <p:cNvCxnSpPr>
+              <a:cxnSpLocks/>
+              <a:endCxn id="56" idx="4"/>
+            </p:cNvCxnSpPr>
+            <p:nvPr/>
+          </p:nvCxnSpPr>
+          <p:spPr>
+            <a:xfrm flipH="1" flipV="1">
+              <a:off x="4108878" y="4614249"/>
+              <a:ext cx="359248" cy="931652"/>
+            </a:xfrm>
+            <a:prstGeom prst="line">
+              <a:avLst/>
+            </a:prstGeom>
+          </p:spPr>
+          <p:style>
+            <a:lnRef idx="1">
+              <a:schemeClr val="accent1"/>
+            </a:lnRef>
+            <a:fillRef idx="0">
+              <a:schemeClr val="accent1"/>
+            </a:fillRef>
+            <a:effectRef idx="0">
+              <a:schemeClr val="accent1"/>
+            </a:effectRef>
+            <a:fontRef idx="minor">
+              <a:schemeClr val="tx1"/>
+            </a:fontRef>
+          </p:style>
+        </p:cxnSp>
+        <mc:AlternateContent xmlns:mc="http://schemas.openxmlformats.org/markup-compatibility/2006">
+          <mc:Choice xmlns:a14="http://schemas.microsoft.com/office/drawing/2010/main" Requires="a14">
+            <p:sp>
+              <p:nvSpPr>
+                <p:cNvPr id="73" name="TextBox 72">
+                  <a:extLst>
+                    <a:ext uri="{FF2B5EF4-FFF2-40B4-BE49-F238E27FC236}">
+                      <a16:creationId xmlns:a16="http://schemas.microsoft.com/office/drawing/2014/main" id="{67FF6EEE-E927-0D40-9A7A-FFD741835CE9}"/>
+                    </a:ext>
+                  </a:extLst>
+                </p:cNvPr>
+                <p:cNvSpPr txBox="1"/>
+                <p:nvPr/>
+              </p:nvSpPr>
+              <p:spPr>
+                <a:xfrm>
+                  <a:off x="4400111" y="5465272"/>
+                  <a:ext cx="215694" cy="261610"/>
+                </a:xfrm>
+                <a:prstGeom prst="rect">
+                  <a:avLst/>
+                </a:prstGeom>
+                <a:noFill/>
+              </p:spPr>
+              <p:txBody>
+                <a:bodyPr wrap="square" rtlCol="0">
+                  <a:spAutoFit/>
+                </a:bodyPr>
+                <a:lstStyle/>
+                <a:p>
+                  <a14:m>
+                    <m:oMathPara xmlns:m="http://schemas.openxmlformats.org/officeDocument/2006/math">
+                      <m:oMathParaPr>
+                        <m:jc m:val="centerGroup"/>
+                      </m:oMathParaPr>
+                      <m:oMath xmlns:m="http://schemas.openxmlformats.org/officeDocument/2006/math">
+                        <m:r>
+                          <a:rPr lang="en-US" sz="1100" i="1" dirty="0" smtClean="0">
+                            <a:latin typeface="Cambria Math" panose="02040503050406030204" pitchFamily="18" charset="0"/>
+                          </a:rPr>
+                          <m:t>𝑤</m:t>
+                        </m:r>
+                      </m:oMath>
+                    </m:oMathPara>
+                  </a14:m>
+                  <a:endParaRPr lang="en-US" sz="1100" dirty="0"/>
+                </a:p>
+              </p:txBody>
+            </p:sp>
+          </mc:Choice>
+          <mc:Fallback>
+            <p:sp>
+              <p:nvSpPr>
+                <p:cNvPr id="73" name="TextBox 72">
+                  <a:extLst>
+                    <a:ext uri="{FF2B5EF4-FFF2-40B4-BE49-F238E27FC236}">
+                      <a16:creationId xmlns:a16="http://schemas.microsoft.com/office/drawing/2014/main" id="{67FF6EEE-E927-0D40-9A7A-FFD741835CE9}"/>
+                    </a:ext>
+                  </a:extLst>
+                </p:cNvPr>
+                <p:cNvSpPr txBox="1">
+                  <a:spLocks noRot="1" noChangeAspect="1" noMove="1" noResize="1" noEditPoints="1" noAdjustHandles="1" noChangeArrowheads="1" noChangeShapeType="1" noTextEdit="1"/>
+                </p:cNvSpPr>
+                <p:nvPr/>
+              </p:nvSpPr>
+              <p:spPr>
+                <a:xfrm>
+                  <a:off x="4400111" y="5465272"/>
+                  <a:ext cx="215694" cy="261610"/>
+                </a:xfrm>
+                <a:prstGeom prst="rect">
+                  <a:avLst/>
+                </a:prstGeom>
+                <a:blipFill>
+                  <a:blip r:embed="rId12"/>
+                  <a:stretch>
+                    <a:fillRect r="-5556"/>
+                  </a:stretch>
+                </a:blipFill>
+              </p:spPr>
+              <p:txBody>
+                <a:bodyPr/>
+                <a:lstStyle/>
+                <a:p>
+                  <a:r>
+                    <a:rPr lang="en-US">
+                      <a:noFill/>
+                    </a:rPr>
+                    <a:t> </a:t>
+                  </a:r>
+                </a:p>
+              </p:txBody>
+            </p:sp>
+          </mc:Fallback>
+        </mc:AlternateContent>
+        <p:cxnSp>
+          <p:nvCxnSpPr>
+            <p:cNvPr id="75" name="Straight Connector 74">
+              <a:extLst>
+                <a:ext uri="{FF2B5EF4-FFF2-40B4-BE49-F238E27FC236}">
+                  <a16:creationId xmlns:a16="http://schemas.microsoft.com/office/drawing/2014/main" id="{5FD655FD-318D-FF45-B6D7-3F0A48458C12}"/>
+                </a:ext>
+              </a:extLst>
+            </p:cNvPr>
+            <p:cNvCxnSpPr>
+              <a:cxnSpLocks/>
+              <a:stCxn id="77" idx="7"/>
+            </p:cNvCxnSpPr>
+            <p:nvPr/>
+          </p:nvCxnSpPr>
+          <p:spPr>
+            <a:xfrm flipV="1">
+              <a:off x="4592723" y="4125586"/>
+              <a:ext cx="250561" cy="1415274"/>
+            </a:xfrm>
+            <a:prstGeom prst="line">
+              <a:avLst/>
+            </a:prstGeom>
+          </p:spPr>
+          <p:style>
+            <a:lnRef idx="1">
+              <a:schemeClr val="accent1"/>
+            </a:lnRef>
+            <a:fillRef idx="0">
+              <a:schemeClr val="accent1"/>
+            </a:fillRef>
+            <a:effectRef idx="0">
+              <a:schemeClr val="accent1"/>
+            </a:effectRef>
+            <a:fontRef idx="minor">
+              <a:schemeClr val="tx1"/>
+            </a:fontRef>
+          </p:style>
+        </p:cxnSp>
+        <p:sp>
+          <p:nvSpPr>
+            <p:cNvPr id="77" name="Oval 76">
+              <a:extLst>
+                <a:ext uri="{FF2B5EF4-FFF2-40B4-BE49-F238E27FC236}">
+                  <a16:creationId xmlns:a16="http://schemas.microsoft.com/office/drawing/2014/main" id="{8A6926FF-F8E2-A84F-A90C-4280CF621EC2}"/>
+                </a:ext>
+              </a:extLst>
+            </p:cNvPr>
+            <p:cNvSpPr/>
+            <p:nvPr/>
+          </p:nvSpPr>
+          <p:spPr>
+            <a:xfrm>
+              <a:off x="4458188" y="5516108"/>
+              <a:ext cx="157617" cy="169016"/>
+            </a:xfrm>
+            <a:prstGeom prst="ellipse">
+              <a:avLst/>
+            </a:prstGeom>
+            <a:noFill/>
+          </p:spPr>
+          <p:style>
+            <a:lnRef idx="2">
+              <a:schemeClr val="accent1">
+                <a:shade val="50000"/>
+              </a:schemeClr>
+            </a:lnRef>
+            <a:fillRef idx="1">
+              <a:schemeClr val="accent1"/>
+            </a:fillRef>
+            <a:effectRef idx="0">
+              <a:schemeClr val="accent1"/>
+            </a:effectRef>
+            <a:fontRef idx="minor">
+              <a:schemeClr val="lt1"/>
+            </a:fontRef>
+          </p:style>
+          <p:txBody>
+            <a:bodyPr rtlCol="0" anchor="ctr"/>
+            <a:lstStyle/>
+            <a:p>
+              <a:pPr algn="ctr"/>
+              <a:endParaRPr lang="en-US"/>
+            </a:p>
+          </p:txBody>
+        </p:sp>
         <mc:AlternateContent xmlns:mc="http://schemas.openxmlformats.org/markup-compatibility/2006">
           <mc:Choice xmlns:a14="http://schemas.microsoft.com/office/drawing/2010/main" Requires="a14">
             <p:sp>
@@ -25881,7 +29077,7 @@
               </p:nvSpPr>
               <p:spPr>
                 <a:xfrm>
-                  <a:off x="3242488" y="5071754"/>
+                  <a:off x="3332328" y="3001819"/>
                   <a:ext cx="695383" cy="261610"/>
                 </a:xfrm>
                 <a:prstGeom prst="rect">
@@ -25965,14 +29161,14 @@
               </p:nvSpPr>
               <p:spPr>
                 <a:xfrm>
-                  <a:off x="3242488" y="5071754"/>
+                  <a:off x="3332328" y="3001819"/>
                   <a:ext cx="695383" cy="261610"/>
                 </a:xfrm>
                 <a:prstGeom prst="rect">
                   <a:avLst/>
                 </a:prstGeom>
                 <a:blipFill>
-                  <a:blip r:embed="rId11"/>
+                  <a:blip r:embed="rId13"/>
                   <a:stretch>
                     <a:fillRect/>
                   </a:stretch>
@@ -26009,7 +29205,7 @@
               </p:nvSpPr>
               <p:spPr>
                 <a:xfrm>
-                  <a:off x="4652730" y="5063004"/>
+                  <a:off x="4256686" y="3006379"/>
                   <a:ext cx="560731" cy="261610"/>
                 </a:xfrm>
                 <a:prstGeom prst="rect">
@@ -26087,14 +29283,14 @@
               </p:nvSpPr>
               <p:spPr>
                 <a:xfrm>
-                  <a:off x="4652730" y="5063004"/>
+                  <a:off x="4256686" y="3006379"/>
                   <a:ext cx="560731" cy="261610"/>
                 </a:xfrm>
                 <a:prstGeom prst="rect">
                   <a:avLst/>
                 </a:prstGeom>
                 <a:blipFill>
-                  <a:blip r:embed="rId12"/>
+                  <a:blip r:embed="rId14"/>
                   <a:stretch>
                     <a:fillRect/>
                   </a:stretch>
@@ -26129,7 +29325,7 @@
           </p:nvCxnSpPr>
           <p:spPr>
             <a:xfrm>
-              <a:off x="2600793" y="3230792"/>
+              <a:off x="3258290" y="3271973"/>
               <a:ext cx="0" cy="2102572"/>
             </a:xfrm>
             <a:prstGeom prst="line">
@@ -26207,7 +29403,7 @@
           </p:nvCxnSpPr>
           <p:spPr>
             <a:xfrm>
-              <a:off x="5579357" y="3230792"/>
+              <a:off x="4947292" y="3229990"/>
               <a:ext cx="0" cy="2102572"/>
             </a:xfrm>
             <a:prstGeom prst="line">
@@ -26246,7 +29442,7 @@
           </p:nvCxnSpPr>
           <p:spPr>
             <a:xfrm flipH="1">
-              <a:off x="3445390" y="5440680"/>
+              <a:off x="3441580" y="6014006"/>
               <a:ext cx="1420097" cy="0"/>
             </a:xfrm>
             <a:prstGeom prst="straightConnector1">
@@ -26285,7 +29481,7 @@
           </p:nvSpPr>
           <p:spPr>
             <a:xfrm>
-              <a:off x="3737669" y="5442390"/>
+              <a:off x="3652653" y="5736873"/>
               <a:ext cx="997389" cy="261610"/>
             </a:xfrm>
             <a:prstGeom prst="rect">
@@ -26306,6 +29502,671 @@
             </a:p>
           </p:txBody>
         </p:sp>
+        <mc:AlternateContent xmlns:mc="http://schemas.openxmlformats.org/markup-compatibility/2006">
+          <mc:Choice xmlns:a14="http://schemas.microsoft.com/office/drawing/2010/main" Requires="a14">
+            <p:sp>
+              <p:nvSpPr>
+                <p:cNvPr id="119" name="TextBox 118">
+                  <a:extLst>
+                    <a:ext uri="{FF2B5EF4-FFF2-40B4-BE49-F238E27FC236}">
+                      <a16:creationId xmlns:a16="http://schemas.microsoft.com/office/drawing/2014/main" id="{62463A13-CF7D-184C-B889-DA76E76916AA}"/>
+                    </a:ext>
+                  </a:extLst>
+                </p:cNvPr>
+                <p:cNvSpPr txBox="1"/>
+                <p:nvPr/>
+              </p:nvSpPr>
+              <p:spPr>
+                <a:xfrm>
+                  <a:off x="3328409" y="3586654"/>
+                  <a:ext cx="648383" cy="261610"/>
+                </a:xfrm>
+                <a:prstGeom prst="rect">
+                  <a:avLst/>
+                </a:prstGeom>
+                <a:noFill/>
+              </p:spPr>
+              <p:txBody>
+                <a:bodyPr wrap="none" rtlCol="0">
+                  <a:spAutoFit/>
+                </a:bodyPr>
+                <a:lstStyle/>
+                <a:p>
+                  <a14:m>
+                    <m:oMathPara xmlns:m="http://schemas.openxmlformats.org/officeDocument/2006/math">
+                      <m:oMathParaPr>
+                        <m:jc m:val="centerGroup"/>
+                      </m:oMathParaPr>
+                      <m:oMath xmlns:m="http://schemas.openxmlformats.org/officeDocument/2006/math">
+                        <m:acc>
+                          <m:accPr>
+                            <m:chr m:val="⃗"/>
+                            <m:ctrlPr>
+                              <a:rPr lang="en-US" sz="1100" i="1" smtClean="0"/>
+                            </m:ctrlPr>
+                          </m:accPr>
+                          <m:e>
+                            <m:r>
+                              <a:rPr lang="en-US" sz="1100" b="0" i="1" smtClean="0">
+                                <a:latin typeface="Cambria Math" panose="02040503050406030204" pitchFamily="18" charset="0"/>
+                              </a:rPr>
+                              <m:t>𝑥</m:t>
+                            </m:r>
+                          </m:e>
+                        </m:acc>
+                        <m:d>
+                          <m:dPr>
+                            <m:ctrlPr>
+                              <a:rPr lang="en-US" sz="1100" i="1"/>
+                            </m:ctrlPr>
+                          </m:dPr>
+                          <m:e>
+                            <m:sSub>
+                              <m:sSubPr>
+                                <m:ctrlPr>
+                                  <a:rPr lang="en-US" sz="1100" i="1" smtClean="0">
+                                    <a:latin typeface="Cambria Math" panose="02040503050406030204" pitchFamily="18" charset="0"/>
+                                  </a:rPr>
+                                </m:ctrlPr>
+                              </m:sSubPr>
+                              <m:e>
+                                <m:r>
+                                  <a:rPr lang="en-US" sz="1100" i="1">
+                                    <a:latin typeface="Cambria Math" panose="02040503050406030204" pitchFamily="18" charset="0"/>
+                                  </a:rPr>
+                                  <m:t>𝑡</m:t>
+                                </m:r>
+                              </m:e>
+                              <m:sub>
+                                <m:r>
+                                  <a:rPr lang="en-US" sz="1100" b="0" i="1" smtClean="0">
+                                    <a:latin typeface="Cambria Math" panose="02040503050406030204" pitchFamily="18" charset="0"/>
+                                  </a:rPr>
+                                  <m:t>𝑙</m:t>
+                                </m:r>
+                                <m:r>
+                                  <a:rPr lang="en-US" sz="1100" b="0" i="1" smtClean="0">
+                                    <a:latin typeface="Cambria Math" panose="02040503050406030204" pitchFamily="18" charset="0"/>
+                                  </a:rPr>
+                                  <m:t>−1</m:t>
+                                </m:r>
+                              </m:sub>
+                            </m:sSub>
+                          </m:e>
+                        </m:d>
+                      </m:oMath>
+                    </m:oMathPara>
+                  </a14:m>
+                  <a:endParaRPr lang="en-US" sz="1100" dirty="0"/>
+                </a:p>
+              </p:txBody>
+            </p:sp>
+          </mc:Choice>
+          <mc:Fallback>
+            <p:sp>
+              <p:nvSpPr>
+                <p:cNvPr id="119" name="TextBox 118">
+                  <a:extLst>
+                    <a:ext uri="{FF2B5EF4-FFF2-40B4-BE49-F238E27FC236}">
+                      <a16:creationId xmlns:a16="http://schemas.microsoft.com/office/drawing/2014/main" id="{62463A13-CF7D-184C-B889-DA76E76916AA}"/>
+                    </a:ext>
+                  </a:extLst>
+                </p:cNvPr>
+                <p:cNvSpPr txBox="1">
+                  <a:spLocks noRot="1" noChangeAspect="1" noMove="1" noResize="1" noEditPoints="1" noAdjustHandles="1" noChangeArrowheads="1" noChangeShapeType="1" noTextEdit="1"/>
+                </p:cNvSpPr>
+                <p:nvPr/>
+              </p:nvSpPr>
+              <p:spPr>
+                <a:xfrm>
+                  <a:off x="3328409" y="3586654"/>
+                  <a:ext cx="648383" cy="261610"/>
+                </a:xfrm>
+                <a:prstGeom prst="rect">
+                  <a:avLst/>
+                </a:prstGeom>
+                <a:blipFill>
+                  <a:blip r:embed="rId15"/>
+                  <a:stretch>
+                    <a:fillRect t="-14286"/>
+                  </a:stretch>
+                </a:blipFill>
+              </p:spPr>
+              <p:txBody>
+                <a:bodyPr/>
+                <a:lstStyle/>
+                <a:p>
+                  <a:r>
+                    <a:rPr lang="en-US">
+                      <a:noFill/>
+                    </a:rPr>
+                    <a:t> </a:t>
+                  </a:r>
+                </a:p>
+              </p:txBody>
+            </p:sp>
+          </mc:Fallback>
+        </mc:AlternateContent>
+        <mc:AlternateContent xmlns:mc="http://schemas.openxmlformats.org/markup-compatibility/2006">
+          <mc:Choice xmlns:a14="http://schemas.microsoft.com/office/drawing/2010/main" Requires="a14">
+            <p:sp>
+              <p:nvSpPr>
+                <p:cNvPr id="120" name="TextBox 119">
+                  <a:extLst>
+                    <a:ext uri="{FF2B5EF4-FFF2-40B4-BE49-F238E27FC236}">
+                      <a16:creationId xmlns:a16="http://schemas.microsoft.com/office/drawing/2014/main" id="{6192CA1E-6DB2-F44C-AC60-51017D153037}"/>
+                    </a:ext>
+                  </a:extLst>
+                </p:cNvPr>
+                <p:cNvSpPr txBox="1"/>
+                <p:nvPr/>
+              </p:nvSpPr>
+              <p:spPr>
+                <a:xfrm>
+                  <a:off x="4033143" y="3232308"/>
+                  <a:ext cx="513730" cy="261610"/>
+                </a:xfrm>
+                <a:prstGeom prst="rect">
+                  <a:avLst/>
+                </a:prstGeom>
+                <a:noFill/>
+              </p:spPr>
+              <p:txBody>
+                <a:bodyPr wrap="none" rtlCol="0">
+                  <a:spAutoFit/>
+                </a:bodyPr>
+                <a:lstStyle/>
+                <a:p>
+                  <a14:m>
+                    <m:oMathPara xmlns:m="http://schemas.openxmlformats.org/officeDocument/2006/math">
+                      <m:oMathParaPr>
+                        <m:jc m:val="centerGroup"/>
+                      </m:oMathParaPr>
+                      <m:oMath xmlns:m="http://schemas.openxmlformats.org/officeDocument/2006/math">
+                        <m:acc>
+                          <m:accPr>
+                            <m:chr m:val="⃗"/>
+                            <m:ctrlPr>
+                              <a:rPr lang="en-US" sz="1100" i="1" smtClean="0"/>
+                            </m:ctrlPr>
+                          </m:accPr>
+                          <m:e>
+                            <m:r>
+                              <a:rPr lang="en-US" sz="1100" b="0" i="1" smtClean="0">
+                                <a:latin typeface="Cambria Math" panose="02040503050406030204" pitchFamily="18" charset="0"/>
+                              </a:rPr>
+                              <m:t>𝑥</m:t>
+                            </m:r>
+                          </m:e>
+                        </m:acc>
+                        <m:d>
+                          <m:dPr>
+                            <m:ctrlPr>
+                              <a:rPr lang="en-US" sz="1100" i="1"/>
+                            </m:ctrlPr>
+                          </m:dPr>
+                          <m:e>
+                            <m:sSub>
+                              <m:sSubPr>
+                                <m:ctrlPr>
+                                  <a:rPr lang="en-US" sz="1100" i="1" smtClean="0">
+                                    <a:latin typeface="Cambria Math" panose="02040503050406030204" pitchFamily="18" charset="0"/>
+                                  </a:rPr>
+                                </m:ctrlPr>
+                              </m:sSubPr>
+                              <m:e>
+                                <m:r>
+                                  <a:rPr lang="en-US" sz="1100" i="1">
+                                    <a:latin typeface="Cambria Math" panose="02040503050406030204" pitchFamily="18" charset="0"/>
+                                  </a:rPr>
+                                  <m:t>𝑡</m:t>
+                                </m:r>
+                              </m:e>
+                              <m:sub>
+                                <m:r>
+                                  <a:rPr lang="en-US" sz="1100" b="0" i="1" smtClean="0">
+                                    <a:latin typeface="Cambria Math" panose="02040503050406030204" pitchFamily="18" charset="0"/>
+                                  </a:rPr>
+                                  <m:t>𝑙</m:t>
+                                </m:r>
+                              </m:sub>
+                            </m:sSub>
+                          </m:e>
+                        </m:d>
+                      </m:oMath>
+                    </m:oMathPara>
+                  </a14:m>
+                  <a:endParaRPr lang="en-US" sz="1100" dirty="0"/>
+                </a:p>
+              </p:txBody>
+            </p:sp>
+          </mc:Choice>
+          <mc:Fallback>
+            <p:sp>
+              <p:nvSpPr>
+                <p:cNvPr id="120" name="TextBox 119">
+                  <a:extLst>
+                    <a:ext uri="{FF2B5EF4-FFF2-40B4-BE49-F238E27FC236}">
+                      <a16:creationId xmlns:a16="http://schemas.microsoft.com/office/drawing/2014/main" id="{6192CA1E-6DB2-F44C-AC60-51017D153037}"/>
+                    </a:ext>
+                  </a:extLst>
+                </p:cNvPr>
+                <p:cNvSpPr txBox="1">
+                  <a:spLocks noRot="1" noChangeAspect="1" noMove="1" noResize="1" noEditPoints="1" noAdjustHandles="1" noChangeArrowheads="1" noChangeShapeType="1" noTextEdit="1"/>
+                </p:cNvSpPr>
+                <p:nvPr/>
+              </p:nvSpPr>
+              <p:spPr>
+                <a:xfrm>
+                  <a:off x="4033143" y="3232308"/>
+                  <a:ext cx="513730" cy="261610"/>
+                </a:xfrm>
+                <a:prstGeom prst="rect">
+                  <a:avLst/>
+                </a:prstGeom>
+                <a:blipFill>
+                  <a:blip r:embed="rId16"/>
+                  <a:stretch>
+                    <a:fillRect t="-9091"/>
+                  </a:stretch>
+                </a:blipFill>
+              </p:spPr>
+              <p:txBody>
+                <a:bodyPr/>
+                <a:lstStyle/>
+                <a:p>
+                  <a:r>
+                    <a:rPr lang="en-US">
+                      <a:noFill/>
+                    </a:rPr>
+                    <a:t> </a:t>
+                  </a:r>
+                </a:p>
+              </p:txBody>
+            </p:sp>
+          </mc:Fallback>
+        </mc:AlternateContent>
+        <p:cxnSp>
+          <p:nvCxnSpPr>
+            <p:cNvPr id="122" name="Straight Connector 121">
+              <a:extLst>
+                <a:ext uri="{FF2B5EF4-FFF2-40B4-BE49-F238E27FC236}">
+                  <a16:creationId xmlns:a16="http://schemas.microsoft.com/office/drawing/2014/main" id="{16946747-0463-304F-A2C6-D55483427729}"/>
+                </a:ext>
+              </a:extLst>
+            </p:cNvPr>
+            <p:cNvCxnSpPr>
+              <a:stCxn id="40" idx="2"/>
+              <a:endCxn id="40" idx="2"/>
+            </p:cNvCxnSpPr>
+            <p:nvPr/>
+          </p:nvCxnSpPr>
+          <p:spPr>
+            <a:xfrm>
+              <a:off x="4056244" y="4356901"/>
+              <a:ext cx="0" cy="0"/>
+            </a:xfrm>
+            <a:prstGeom prst="line">
+              <a:avLst/>
+            </a:prstGeom>
+          </p:spPr>
+          <p:style>
+            <a:lnRef idx="1">
+              <a:schemeClr val="accent1"/>
+            </a:lnRef>
+            <a:fillRef idx="0">
+              <a:schemeClr val="accent1"/>
+            </a:fillRef>
+            <a:effectRef idx="0">
+              <a:schemeClr val="accent1"/>
+            </a:effectRef>
+            <a:fontRef idx="minor">
+              <a:schemeClr val="tx1"/>
+            </a:fontRef>
+          </p:style>
+        </p:cxnSp>
+        <p:cxnSp>
+          <p:nvCxnSpPr>
+            <p:cNvPr id="124" name="Straight Connector 123">
+              <a:extLst>
+                <a:ext uri="{FF2B5EF4-FFF2-40B4-BE49-F238E27FC236}">
+                  <a16:creationId xmlns:a16="http://schemas.microsoft.com/office/drawing/2014/main" id="{EF3E6338-F393-5744-95B3-88DD78C38F54}"/>
+                </a:ext>
+              </a:extLst>
+            </p:cNvPr>
+            <p:cNvCxnSpPr>
+              <a:cxnSpLocks/>
+            </p:cNvCxnSpPr>
+            <p:nvPr/>
+          </p:nvCxnSpPr>
+          <p:spPr>
+            <a:xfrm flipV="1">
+              <a:off x="3921517" y="4276151"/>
+              <a:ext cx="93126" cy="90518"/>
+            </a:xfrm>
+            <a:prstGeom prst="line">
+              <a:avLst/>
+            </a:prstGeom>
+            <a:ln>
+              <a:solidFill>
+                <a:schemeClr val="tx1"/>
+              </a:solidFill>
+            </a:ln>
+          </p:spPr>
+          <p:style>
+            <a:lnRef idx="1">
+              <a:schemeClr val="accent1"/>
+            </a:lnRef>
+            <a:fillRef idx="0">
+              <a:schemeClr val="accent1"/>
+            </a:fillRef>
+            <a:effectRef idx="0">
+              <a:schemeClr val="accent1"/>
+            </a:effectRef>
+            <a:fontRef idx="minor">
+              <a:schemeClr val="tx1"/>
+            </a:fontRef>
+          </p:style>
+        </p:cxnSp>
+        <p:cxnSp>
+          <p:nvCxnSpPr>
+            <p:cNvPr id="129" name="Straight Connector 128">
+              <a:extLst>
+                <a:ext uri="{FF2B5EF4-FFF2-40B4-BE49-F238E27FC236}">
+                  <a16:creationId xmlns:a16="http://schemas.microsoft.com/office/drawing/2014/main" id="{1D12F63B-4A67-BE4F-84FB-01C312AADC87}"/>
+                </a:ext>
+              </a:extLst>
+            </p:cNvPr>
+            <p:cNvCxnSpPr>
+              <a:cxnSpLocks/>
+            </p:cNvCxnSpPr>
+            <p:nvPr/>
+          </p:nvCxnSpPr>
+          <p:spPr>
+            <a:xfrm flipV="1">
+              <a:off x="4657493" y="3808992"/>
+              <a:ext cx="93126" cy="90518"/>
+            </a:xfrm>
+            <a:prstGeom prst="line">
+              <a:avLst/>
+            </a:prstGeom>
+            <a:ln>
+              <a:solidFill>
+                <a:schemeClr val="tx1"/>
+              </a:solidFill>
+            </a:ln>
+          </p:spPr>
+          <p:style>
+            <a:lnRef idx="1">
+              <a:schemeClr val="accent1"/>
+            </a:lnRef>
+            <a:fillRef idx="0">
+              <a:schemeClr val="accent1"/>
+            </a:fillRef>
+            <a:effectRef idx="0">
+              <a:schemeClr val="accent1"/>
+            </a:effectRef>
+            <a:fontRef idx="minor">
+              <a:schemeClr val="tx1"/>
+            </a:fontRef>
+          </p:style>
+        </p:cxnSp>
+        <mc:AlternateContent xmlns:mc="http://schemas.openxmlformats.org/markup-compatibility/2006">
+          <mc:Choice xmlns:a14="http://schemas.microsoft.com/office/drawing/2010/main" Requires="a14">
+            <p:sp>
+              <p:nvSpPr>
+                <p:cNvPr id="132" name="TextBox 131">
+                  <a:extLst>
+                    <a:ext uri="{FF2B5EF4-FFF2-40B4-BE49-F238E27FC236}">
+                      <a16:creationId xmlns:a16="http://schemas.microsoft.com/office/drawing/2014/main" id="{57812AD2-6733-F646-A1B1-58932116C731}"/>
+                    </a:ext>
+                  </a:extLst>
+                </p:cNvPr>
+                <p:cNvSpPr txBox="1"/>
+                <p:nvPr/>
+              </p:nvSpPr>
+              <p:spPr>
+                <a:xfrm>
+                  <a:off x="3344193" y="4374310"/>
+                  <a:ext cx="813916" cy="276101"/>
+                </a:xfrm>
+                <a:prstGeom prst="rect">
+                  <a:avLst/>
+                </a:prstGeom>
+                <a:noFill/>
+              </p:spPr>
+              <p:txBody>
+                <a:bodyPr wrap="square" rtlCol="0">
+                  <a:spAutoFit/>
+                </a:bodyPr>
+                <a:lstStyle/>
+                <a:p>
+                  <a14:m>
+                    <m:oMathPara xmlns:m="http://schemas.openxmlformats.org/officeDocument/2006/math">
+                      <m:oMathParaPr>
+                        <m:jc m:val="centerGroup"/>
+                      </m:oMathParaPr>
+                      <m:oMath xmlns:m="http://schemas.openxmlformats.org/officeDocument/2006/math">
+                        <m:sSup>
+                          <m:sSupPr>
+                            <m:ctrlPr>
+                              <a:rPr lang="en-US" sz="1100" i="1" smtClean="0">
+                                <a:latin typeface="Cambria Math" panose="02040503050406030204" pitchFamily="18" charset="0"/>
+                              </a:rPr>
+                            </m:ctrlPr>
+                          </m:sSupPr>
+                          <m:e>
+                            <m:r>
+                              <a:rPr lang="en-US" sz="1100" b="0" i="1" smtClean="0">
+                                <a:latin typeface="Cambria Math" panose="02040503050406030204" pitchFamily="18" charset="0"/>
+                              </a:rPr>
+                              <m:t>𝑜</m:t>
+                            </m:r>
+                          </m:e>
+                          <m:sup>
+                            <m:d>
+                              <m:dPr>
+                                <m:ctrlPr>
+                                  <a:rPr lang="en-US" sz="1100" i="1" smtClean="0">
+                                    <a:latin typeface="Cambria Math" panose="02040503050406030204" pitchFamily="18" charset="0"/>
+                                  </a:rPr>
+                                </m:ctrlPr>
+                              </m:dPr>
+                              <m:e>
+                                <m:r>
+                                  <a:rPr lang="en-US" sz="1100" b="0" i="1" smtClean="0">
+                                    <a:latin typeface="Cambria Math" panose="02040503050406030204" pitchFamily="18" charset="0"/>
+                                  </a:rPr>
+                                  <m:t>𝑙</m:t>
+                                </m:r>
+                                <m:r>
+                                  <a:rPr lang="en-US" sz="1100" b="0" i="1" smtClean="0">
+                                    <a:latin typeface="Cambria Math" panose="02040503050406030204" pitchFamily="18" charset="0"/>
+                                  </a:rPr>
+                                  <m:t>−1</m:t>
+                                </m:r>
+                              </m:e>
+                            </m:d>
+                          </m:sup>
+                        </m:sSup>
+                      </m:oMath>
+                    </m:oMathPara>
+                  </a14:m>
+                  <a:endParaRPr lang="en-US" sz="1100" dirty="0"/>
+                </a:p>
+              </p:txBody>
+            </p:sp>
+          </mc:Choice>
+          <mc:Fallback>
+            <p:sp>
+              <p:nvSpPr>
+                <p:cNvPr id="132" name="TextBox 131">
+                  <a:extLst>
+                    <a:ext uri="{FF2B5EF4-FFF2-40B4-BE49-F238E27FC236}">
+                      <a16:creationId xmlns:a16="http://schemas.microsoft.com/office/drawing/2014/main" id="{57812AD2-6733-F646-A1B1-58932116C731}"/>
+                    </a:ext>
+                  </a:extLst>
+                </p:cNvPr>
+                <p:cNvSpPr txBox="1">
+                  <a:spLocks noRot="1" noChangeAspect="1" noMove="1" noResize="1" noEditPoints="1" noAdjustHandles="1" noChangeArrowheads="1" noChangeShapeType="1" noTextEdit="1"/>
+                </p:cNvSpPr>
+                <p:nvPr/>
+              </p:nvSpPr>
+              <p:spPr>
+                <a:xfrm>
+                  <a:off x="3344193" y="4374310"/>
+                  <a:ext cx="813916" cy="276101"/>
+                </a:xfrm>
+                <a:prstGeom prst="rect">
+                  <a:avLst/>
+                </a:prstGeom>
+                <a:blipFill>
+                  <a:blip r:embed="rId17"/>
+                  <a:stretch>
+                    <a:fillRect/>
+                  </a:stretch>
+                </a:blipFill>
+              </p:spPr>
+              <p:txBody>
+                <a:bodyPr/>
+                <a:lstStyle/>
+                <a:p>
+                  <a:r>
+                    <a:rPr lang="en-US">
+                      <a:noFill/>
+                    </a:rPr>
+                    <a:t> </a:t>
+                  </a:r>
+                </a:p>
+              </p:txBody>
+            </p:sp>
+          </mc:Fallback>
+        </mc:AlternateContent>
+        <mc:AlternateContent xmlns:mc="http://schemas.openxmlformats.org/markup-compatibility/2006">
+          <mc:Choice xmlns:a14="http://schemas.microsoft.com/office/drawing/2010/main" Requires="a14">
+            <p:sp>
+              <p:nvSpPr>
+                <p:cNvPr id="133" name="TextBox 132">
+                  <a:extLst>
+                    <a:ext uri="{FF2B5EF4-FFF2-40B4-BE49-F238E27FC236}">
+                      <a16:creationId xmlns:a16="http://schemas.microsoft.com/office/drawing/2014/main" id="{FE4020F2-B092-444B-90E7-E53E9AEF8744}"/>
+                    </a:ext>
+                  </a:extLst>
+                </p:cNvPr>
+                <p:cNvSpPr txBox="1"/>
+                <p:nvPr/>
+              </p:nvSpPr>
+              <p:spPr>
+                <a:xfrm>
+                  <a:off x="4080671" y="3874409"/>
+                  <a:ext cx="813916" cy="273023"/>
+                </a:xfrm>
+                <a:prstGeom prst="rect">
+                  <a:avLst/>
+                </a:prstGeom>
+                <a:noFill/>
+              </p:spPr>
+              <p:txBody>
+                <a:bodyPr wrap="square" rtlCol="0">
+                  <a:spAutoFit/>
+                </a:bodyPr>
+                <a:lstStyle/>
+                <a:p>
+                  <a14:m>
+                    <m:oMathPara xmlns:m="http://schemas.openxmlformats.org/officeDocument/2006/math">
+                      <m:oMathParaPr>
+                        <m:jc m:val="centerGroup"/>
+                      </m:oMathParaPr>
+                      <m:oMath xmlns:m="http://schemas.openxmlformats.org/officeDocument/2006/math">
+                        <m:sSup>
+                          <m:sSupPr>
+                            <m:ctrlPr>
+                              <a:rPr lang="en-US" sz="1100" i="1" smtClean="0">
+                                <a:latin typeface="Cambria Math" panose="02040503050406030204" pitchFamily="18" charset="0"/>
+                              </a:rPr>
+                            </m:ctrlPr>
+                          </m:sSupPr>
+                          <m:e>
+                            <m:r>
+                              <a:rPr lang="en-US" sz="1100" b="0" i="1" smtClean="0">
+                                <a:latin typeface="Cambria Math" panose="02040503050406030204" pitchFamily="18" charset="0"/>
+                              </a:rPr>
+                              <m:t>𝑜</m:t>
+                            </m:r>
+                          </m:e>
+                          <m:sup>
+                            <m:d>
+                              <m:dPr>
+                                <m:ctrlPr>
+                                  <a:rPr lang="en-US" sz="1100" i="1" smtClean="0">
+                                    <a:latin typeface="Cambria Math" panose="02040503050406030204" pitchFamily="18" charset="0"/>
+                                  </a:rPr>
+                                </m:ctrlPr>
+                              </m:dPr>
+                              <m:e>
+                                <m:r>
+                                  <a:rPr lang="en-US" sz="1100" b="0" i="1" smtClean="0">
+                                    <a:latin typeface="Cambria Math" panose="02040503050406030204" pitchFamily="18" charset="0"/>
+                                  </a:rPr>
+                                  <m:t>𝑙</m:t>
+                                </m:r>
+                              </m:e>
+                            </m:d>
+                          </m:sup>
+                        </m:sSup>
+                      </m:oMath>
+                    </m:oMathPara>
+                  </a14:m>
+                  <a:endParaRPr lang="en-US" sz="1100" dirty="0"/>
+                </a:p>
+              </p:txBody>
+            </p:sp>
+          </mc:Choice>
+          <mc:Fallback>
+            <p:sp>
+              <p:nvSpPr>
+                <p:cNvPr id="133" name="TextBox 132">
+                  <a:extLst>
+                    <a:ext uri="{FF2B5EF4-FFF2-40B4-BE49-F238E27FC236}">
+                      <a16:creationId xmlns:a16="http://schemas.microsoft.com/office/drawing/2014/main" id="{FE4020F2-B092-444B-90E7-E53E9AEF8744}"/>
+                    </a:ext>
+                  </a:extLst>
+                </p:cNvPr>
+                <p:cNvSpPr txBox="1">
+                  <a:spLocks noRot="1" noChangeAspect="1" noMove="1" noResize="1" noEditPoints="1" noAdjustHandles="1" noChangeArrowheads="1" noChangeShapeType="1" noTextEdit="1"/>
+                </p:cNvSpPr>
+                <p:nvPr/>
+              </p:nvSpPr>
+              <p:spPr>
+                <a:xfrm>
+                  <a:off x="4080671" y="3874409"/>
+                  <a:ext cx="813916" cy="273023"/>
+                </a:xfrm>
+                <a:prstGeom prst="rect">
+                  <a:avLst/>
+                </a:prstGeom>
+                <a:blipFill>
+                  <a:blip r:embed="rId18"/>
+                  <a:stretch>
+                    <a:fillRect/>
+                  </a:stretch>
+                </a:blipFill>
+              </p:spPr>
+              <p:txBody>
+                <a:bodyPr/>
+                <a:lstStyle/>
+                <a:p>
+                  <a:r>
+                    <a:rPr lang="en-US">
+                      <a:noFill/>
+                    </a:rPr>
+                    <a:t> </a:t>
+                  </a:r>
+                </a:p>
+              </p:txBody>
+            </p:sp>
+          </mc:Fallback>
+        </mc:AlternateContent>
       </p:grpSp>
     </p:spTree>
     <p:extLst>

--- a/docs/TransformersIntroFigures.pptx
+++ b/docs/TransformersIntroFigures.pptx
@@ -11,6 +11,7 @@
     <p:sldId id="259" r:id="rId5"/>
     <p:sldId id="261" r:id="rId6"/>
     <p:sldId id="260" r:id="rId7"/>
+    <p:sldId id="262" r:id="rId8"/>
   </p:sldIdLst>
   <p:sldSz cx="12192000" cy="6858000"/>
   <p:notesSz cx="6858000" cy="9144000"/>
@@ -22836,2891 +22837,4002 @@
           <a:chExt cx="0" cy="0"/>
         </a:xfrm>
       </p:grpSpPr>
-      <p:sp>
-        <p:nvSpPr>
-          <p:cNvPr id="3" name="Oval 2">
+      <p:grpSp>
+        <p:nvGrpSpPr>
+          <p:cNvPr id="76" name="Group 75">
             <a:extLst>
               <a:ext uri="{FF2B5EF4-FFF2-40B4-BE49-F238E27FC236}">
-                <a16:creationId xmlns:a16="http://schemas.microsoft.com/office/drawing/2014/main" id="{A95BE58C-12F6-FE48-95D3-F2DA760C94F6}"/>
+                <a16:creationId xmlns:a16="http://schemas.microsoft.com/office/drawing/2014/main" id="{61A941A3-EE86-BE48-B2C2-06B86438909A}"/>
               </a:ext>
             </a:extLst>
           </p:cNvPr>
-          <p:cNvSpPr/>
+          <p:cNvGrpSpPr/>
           <p:nvPr/>
-        </p:nvSpPr>
-        <p:spPr>
+        </p:nvGrpSpPr>
+        <p:grpSpPr>
           <a:xfrm>
-            <a:off x="3160723" y="2651431"/>
-            <a:ext cx="384678" cy="398868"/>
+            <a:off x="1882595" y="2344664"/>
+            <a:ext cx="5568290" cy="3105353"/>
+            <a:chOff x="1882595" y="2344664"/>
+            <a:chExt cx="5568290" cy="3105353"/>
           </a:xfrm>
-          <a:prstGeom prst="ellipse">
-            <a:avLst/>
-          </a:prstGeom>
-          <a:noFill/>
-        </p:spPr>
-        <p:style>
-          <a:lnRef idx="2">
-            <a:schemeClr val="accent1">
-              <a:shade val="50000"/>
-            </a:schemeClr>
-          </a:lnRef>
-          <a:fillRef idx="1">
-            <a:schemeClr val="accent1"/>
-          </a:fillRef>
-          <a:effectRef idx="0">
-            <a:schemeClr val="accent1"/>
-          </a:effectRef>
-          <a:fontRef idx="minor">
-            <a:schemeClr val="lt1"/>
-          </a:fontRef>
-        </p:style>
-        <p:txBody>
-          <a:bodyPr rtlCol="0" anchor="ctr"/>
-          <a:lstStyle/>
-          <a:p>
-            <a:pPr algn="ctr"/>
-            <a:endParaRPr lang="en-US"/>
-          </a:p>
-        </p:txBody>
-      </p:sp>
-      <p:sp>
-        <p:nvSpPr>
-          <p:cNvPr id="4" name="Oval 3">
-            <a:extLst>
-              <a:ext uri="{FF2B5EF4-FFF2-40B4-BE49-F238E27FC236}">
-                <a16:creationId xmlns:a16="http://schemas.microsoft.com/office/drawing/2014/main" id="{11255AA8-E2A1-4541-843D-4D77DD23D7B2}"/>
-              </a:ext>
-            </a:extLst>
-          </p:cNvPr>
-          <p:cNvSpPr/>
-          <p:nvPr/>
-        </p:nvSpPr>
-        <p:spPr>
-          <a:xfrm>
-            <a:off x="3160721" y="3725950"/>
-            <a:ext cx="384678" cy="398868"/>
-          </a:xfrm>
-          <a:prstGeom prst="ellipse">
-            <a:avLst/>
-          </a:prstGeom>
-          <a:noFill/>
-        </p:spPr>
-        <p:style>
-          <a:lnRef idx="2">
-            <a:schemeClr val="accent1">
-              <a:shade val="50000"/>
-            </a:schemeClr>
-          </a:lnRef>
-          <a:fillRef idx="1">
-            <a:schemeClr val="accent1"/>
-          </a:fillRef>
-          <a:effectRef idx="0">
-            <a:schemeClr val="accent1"/>
-          </a:effectRef>
-          <a:fontRef idx="minor">
-            <a:schemeClr val="lt1"/>
-          </a:fontRef>
-        </p:style>
-        <p:txBody>
-          <a:bodyPr rtlCol="0" anchor="ctr"/>
-          <a:lstStyle/>
-          <a:p>
-            <a:pPr algn="ctr"/>
-            <a:endParaRPr lang="en-US"/>
-          </a:p>
-        </p:txBody>
-      </p:sp>
-      <p:sp>
-        <p:nvSpPr>
-          <p:cNvPr id="5" name="Oval 4">
-            <a:extLst>
-              <a:ext uri="{FF2B5EF4-FFF2-40B4-BE49-F238E27FC236}">
-                <a16:creationId xmlns:a16="http://schemas.microsoft.com/office/drawing/2014/main" id="{67A28F5F-2252-FB40-A808-E9CBCDF56C14}"/>
-              </a:ext>
-            </a:extLst>
-          </p:cNvPr>
-          <p:cNvSpPr/>
-          <p:nvPr/>
-        </p:nvSpPr>
-        <p:spPr>
-          <a:xfrm>
-            <a:off x="3160721" y="4837418"/>
-            <a:ext cx="384678" cy="398868"/>
-          </a:xfrm>
-          <a:prstGeom prst="ellipse">
-            <a:avLst/>
-          </a:prstGeom>
-          <a:noFill/>
-        </p:spPr>
-        <p:style>
-          <a:lnRef idx="2">
-            <a:schemeClr val="accent1">
-              <a:shade val="50000"/>
-            </a:schemeClr>
-          </a:lnRef>
-          <a:fillRef idx="1">
-            <a:schemeClr val="accent1"/>
-          </a:fillRef>
-          <a:effectRef idx="0">
-            <a:schemeClr val="accent1"/>
-          </a:effectRef>
-          <a:fontRef idx="minor">
-            <a:schemeClr val="lt1"/>
-          </a:fontRef>
-        </p:style>
-        <p:txBody>
-          <a:bodyPr rtlCol="0" anchor="ctr"/>
-          <a:lstStyle/>
-          <a:p>
-            <a:pPr algn="ctr"/>
-            <a:endParaRPr lang="en-US"/>
-          </a:p>
-        </p:txBody>
-      </p:sp>
-      <p:sp>
-        <p:nvSpPr>
-          <p:cNvPr id="6" name="TextBox 5">
-            <a:extLst>
-              <a:ext uri="{FF2B5EF4-FFF2-40B4-BE49-F238E27FC236}">
-                <a16:creationId xmlns:a16="http://schemas.microsoft.com/office/drawing/2014/main" id="{12DBDACA-AAA9-D14F-B093-10A1FB2ED115}"/>
-              </a:ext>
-            </a:extLst>
-          </p:cNvPr>
-          <p:cNvSpPr txBox="1"/>
-          <p:nvPr/>
-        </p:nvSpPr>
-        <p:spPr>
-          <a:xfrm rot="5400000">
-            <a:off x="3221592" y="4383733"/>
-            <a:ext cx="370614" cy="276999"/>
-          </a:xfrm>
-          <a:prstGeom prst="rect">
-            <a:avLst/>
-          </a:prstGeom>
-          <a:noFill/>
-        </p:spPr>
-        <p:txBody>
-          <a:bodyPr wrap="none" rtlCol="0">
-            <a:spAutoFit/>
-          </a:bodyPr>
-          <a:lstStyle/>
-          <a:p>
-            <a:r>
-              <a:rPr lang="en-US" sz="1200" dirty="0"/>
-              <a:t>. . .</a:t>
-            </a:r>
-          </a:p>
-        </p:txBody>
-      </p:sp>
-      <mc:AlternateContent xmlns:mc="http://schemas.openxmlformats.org/markup-compatibility/2006">
-        <mc:Choice xmlns:a14="http://schemas.microsoft.com/office/drawing/2010/main" Requires="a14">
-          <p:sp>
-            <p:nvSpPr>
-              <p:cNvPr id="7" name="TextBox 6">
-                <a:extLst>
-                  <a:ext uri="{FF2B5EF4-FFF2-40B4-BE49-F238E27FC236}">
-                    <a16:creationId xmlns:a16="http://schemas.microsoft.com/office/drawing/2014/main" id="{227D0ECC-CCC1-A347-A927-0B7BD8C5BD39}"/>
-                  </a:ext>
-                </a:extLst>
-              </p:cNvPr>
-              <p:cNvSpPr txBox="1"/>
-              <p:nvPr/>
-            </p:nvSpPr>
-            <p:spPr>
-              <a:xfrm>
-                <a:off x="3102490" y="2706020"/>
-                <a:ext cx="331821" cy="261610"/>
-              </a:xfrm>
-              <a:prstGeom prst="rect">
-                <a:avLst/>
-              </a:prstGeom>
-              <a:noFill/>
-            </p:spPr>
-            <p:txBody>
-              <a:bodyPr wrap="none" rtlCol="0">
-                <a:spAutoFit/>
-              </a:bodyPr>
-              <a:lstStyle/>
-              <a:p>
-                <a14:m>
-                  <m:oMathPara xmlns:m="http://schemas.openxmlformats.org/officeDocument/2006/math">
-                    <m:oMathParaPr>
-                      <m:jc m:val="centerGroup"/>
-                    </m:oMathParaPr>
-                    <m:oMath xmlns:m="http://schemas.openxmlformats.org/officeDocument/2006/math">
-                      <m:sSup>
-                        <m:sSupPr>
-                          <m:ctrlPr>
-                            <a:rPr lang="en-US" sz="1100" i="1" dirty="0" smtClean="0">
-                              <a:latin typeface="Cambria Math" panose="02040503050406030204" pitchFamily="18" charset="0"/>
-                            </a:rPr>
-                          </m:ctrlPr>
-                        </m:sSupPr>
-                        <m:e>
-                          <m:r>
-                            <a:rPr lang="en-US" sz="1100" i="1" dirty="0" smtClean="0">
-                              <a:latin typeface="Cambria Math" panose="02040503050406030204" pitchFamily="18" charset="0"/>
-                            </a:rPr>
-                            <m:t>𝑠</m:t>
-                          </m:r>
-                        </m:e>
-                        <m:sup>
-                          <m:r>
-                            <a:rPr lang="en-US" sz="1100" b="0" i="1" dirty="0" smtClean="0">
-                              <a:latin typeface="Cambria Math" panose="02040503050406030204" pitchFamily="18" charset="0"/>
-                            </a:rPr>
-                            <m:t>′</m:t>
-                          </m:r>
-                        </m:sup>
-                      </m:sSup>
-                    </m:oMath>
-                  </m:oMathPara>
-                </a14:m>
-                <a:endParaRPr lang="en-US" sz="1100" dirty="0"/>
-              </a:p>
-            </p:txBody>
-          </p:sp>
-        </mc:Choice>
-        <mc:Fallback>
-          <p:sp>
-            <p:nvSpPr>
-              <p:cNvPr id="7" name="TextBox 6">
-                <a:extLst>
-                  <a:ext uri="{FF2B5EF4-FFF2-40B4-BE49-F238E27FC236}">
-                    <a16:creationId xmlns:a16="http://schemas.microsoft.com/office/drawing/2014/main" id="{227D0ECC-CCC1-A347-A927-0B7BD8C5BD39}"/>
-                  </a:ext>
-                </a:extLst>
-              </p:cNvPr>
-              <p:cNvSpPr txBox="1">
-                <a:spLocks noRot="1" noChangeAspect="1" noMove="1" noResize="1" noEditPoints="1" noAdjustHandles="1" noChangeArrowheads="1" noChangeShapeType="1" noTextEdit="1"/>
-              </p:cNvSpPr>
-              <p:nvPr/>
-            </p:nvSpPr>
-            <p:spPr>
-              <a:xfrm>
-                <a:off x="3102490" y="2706020"/>
-                <a:ext cx="331821" cy="261610"/>
-              </a:xfrm>
-              <a:prstGeom prst="rect">
-                <a:avLst/>
-              </a:prstGeom>
-              <a:blipFill>
-                <a:blip r:embed="rId2"/>
-                <a:stretch>
-                  <a:fillRect/>
-                </a:stretch>
-              </a:blipFill>
-            </p:spPr>
-            <p:txBody>
-              <a:bodyPr/>
-              <a:lstStyle/>
-              <a:p>
-                <a:r>
-                  <a:rPr lang="en-US">
-                    <a:noFill/>
-                  </a:rPr>
-                  <a:t> </a:t>
-                </a:r>
-              </a:p>
-            </p:txBody>
-          </p:sp>
-        </mc:Fallback>
-      </mc:AlternateContent>
-      <p:cxnSp>
-        <p:nvCxnSpPr>
-          <p:cNvPr id="9" name="Straight Connector 8">
-            <a:extLst>
-              <a:ext uri="{FF2B5EF4-FFF2-40B4-BE49-F238E27FC236}">
-                <a16:creationId xmlns:a16="http://schemas.microsoft.com/office/drawing/2014/main" id="{85AD02E6-DAED-BF46-965E-2D50F6B1F20E}"/>
-              </a:ext>
-            </a:extLst>
-          </p:cNvPr>
-          <p:cNvCxnSpPr>
-            <a:stCxn id="3" idx="0"/>
-            <a:endCxn id="3" idx="4"/>
-          </p:cNvCxnSpPr>
-          <p:nvPr/>
-        </p:nvCxnSpPr>
-        <p:spPr>
-          <a:xfrm>
-            <a:off x="3353062" y="2651431"/>
-            <a:ext cx="0" cy="398868"/>
-          </a:xfrm>
-          <a:prstGeom prst="line">
-            <a:avLst/>
-          </a:prstGeom>
-          <a:ln w="12700"/>
-        </p:spPr>
-        <p:style>
-          <a:lnRef idx="1">
-            <a:schemeClr val="accent1"/>
-          </a:lnRef>
-          <a:fillRef idx="0">
-            <a:schemeClr val="accent1"/>
-          </a:fillRef>
-          <a:effectRef idx="0">
-            <a:schemeClr val="accent1"/>
-          </a:effectRef>
-          <a:fontRef idx="minor">
-            <a:schemeClr val="tx1"/>
-          </a:fontRef>
-        </p:style>
-      </p:cxnSp>
-      <mc:AlternateContent xmlns:mc="http://schemas.openxmlformats.org/markup-compatibility/2006">
-        <mc:Choice xmlns:a14="http://schemas.microsoft.com/office/drawing/2010/main" Requires="a14">
-          <p:sp>
-            <p:nvSpPr>
-              <p:cNvPr id="10" name="TextBox 9">
-                <a:extLst>
-                  <a:ext uri="{FF2B5EF4-FFF2-40B4-BE49-F238E27FC236}">
-                    <a16:creationId xmlns:a16="http://schemas.microsoft.com/office/drawing/2014/main" id="{E8582653-890C-304D-8BD9-2483F38FE9DC}"/>
-                  </a:ext>
-                </a:extLst>
-              </p:cNvPr>
-              <p:cNvSpPr txBox="1"/>
-              <p:nvPr/>
-            </p:nvSpPr>
-            <p:spPr>
-              <a:xfrm>
-                <a:off x="3318299" y="2702109"/>
-                <a:ext cx="285335" cy="261610"/>
-              </a:xfrm>
-              <a:prstGeom prst="rect">
-                <a:avLst/>
-              </a:prstGeom>
-              <a:noFill/>
-            </p:spPr>
-            <p:txBody>
-              <a:bodyPr wrap="none" rtlCol="0">
-                <a:spAutoFit/>
-              </a:bodyPr>
-              <a:lstStyle/>
-              <a:p>
-                <a14:m>
-                  <m:oMathPara xmlns:m="http://schemas.openxmlformats.org/officeDocument/2006/math">
-                    <m:oMathParaPr>
-                      <m:jc m:val="centerGroup"/>
-                    </m:oMathParaPr>
+        </p:grpSpPr>
+        <p:sp>
+          <p:nvSpPr>
+            <p:cNvPr id="3" name="Oval 2">
+              <a:extLst>
+                <a:ext uri="{FF2B5EF4-FFF2-40B4-BE49-F238E27FC236}">
+                  <a16:creationId xmlns:a16="http://schemas.microsoft.com/office/drawing/2014/main" id="{A95BE58C-12F6-FE48-95D3-F2DA760C94F6}"/>
+                </a:ext>
+              </a:extLst>
+            </p:cNvPr>
+            <p:cNvSpPr/>
+            <p:nvPr/>
+          </p:nvSpPr>
+          <p:spPr>
+            <a:xfrm>
+              <a:off x="3160723" y="2651431"/>
+              <a:ext cx="384678" cy="398868"/>
+            </a:xfrm>
+            <a:prstGeom prst="ellipse">
+              <a:avLst/>
+            </a:prstGeom>
+            <a:noFill/>
+          </p:spPr>
+          <p:style>
+            <a:lnRef idx="2">
+              <a:schemeClr val="accent1">
+                <a:shade val="50000"/>
+              </a:schemeClr>
+            </a:lnRef>
+            <a:fillRef idx="1">
+              <a:schemeClr val="accent1"/>
+            </a:fillRef>
+            <a:effectRef idx="0">
+              <a:schemeClr val="accent1"/>
+            </a:effectRef>
+            <a:fontRef idx="minor">
+              <a:schemeClr val="lt1"/>
+            </a:fontRef>
+          </p:style>
+          <p:txBody>
+            <a:bodyPr rtlCol="0" anchor="ctr"/>
+            <a:lstStyle/>
+            <a:p>
+              <a:pPr algn="ctr"/>
+              <a:endParaRPr lang="en-US"/>
+            </a:p>
+          </p:txBody>
+        </p:sp>
+        <p:sp>
+          <p:nvSpPr>
+            <p:cNvPr id="4" name="Oval 3">
+              <a:extLst>
+                <a:ext uri="{FF2B5EF4-FFF2-40B4-BE49-F238E27FC236}">
+                  <a16:creationId xmlns:a16="http://schemas.microsoft.com/office/drawing/2014/main" id="{11255AA8-E2A1-4541-843D-4D77DD23D7B2}"/>
+                </a:ext>
+              </a:extLst>
+            </p:cNvPr>
+            <p:cNvSpPr/>
+            <p:nvPr/>
+          </p:nvSpPr>
+          <p:spPr>
+            <a:xfrm>
+              <a:off x="3160721" y="3725950"/>
+              <a:ext cx="384678" cy="398868"/>
+            </a:xfrm>
+            <a:prstGeom prst="ellipse">
+              <a:avLst/>
+            </a:prstGeom>
+            <a:noFill/>
+          </p:spPr>
+          <p:style>
+            <a:lnRef idx="2">
+              <a:schemeClr val="accent1">
+                <a:shade val="50000"/>
+              </a:schemeClr>
+            </a:lnRef>
+            <a:fillRef idx="1">
+              <a:schemeClr val="accent1"/>
+            </a:fillRef>
+            <a:effectRef idx="0">
+              <a:schemeClr val="accent1"/>
+            </a:effectRef>
+            <a:fontRef idx="minor">
+              <a:schemeClr val="lt1"/>
+            </a:fontRef>
+          </p:style>
+          <p:txBody>
+            <a:bodyPr rtlCol="0" anchor="ctr"/>
+            <a:lstStyle/>
+            <a:p>
+              <a:pPr algn="ctr"/>
+              <a:endParaRPr lang="en-US"/>
+            </a:p>
+          </p:txBody>
+        </p:sp>
+        <p:sp>
+          <p:nvSpPr>
+            <p:cNvPr id="5" name="Oval 4">
+              <a:extLst>
+                <a:ext uri="{FF2B5EF4-FFF2-40B4-BE49-F238E27FC236}">
+                  <a16:creationId xmlns:a16="http://schemas.microsoft.com/office/drawing/2014/main" id="{67A28F5F-2252-FB40-A808-E9CBCDF56C14}"/>
+                </a:ext>
+              </a:extLst>
+            </p:cNvPr>
+            <p:cNvSpPr/>
+            <p:nvPr/>
+          </p:nvSpPr>
+          <p:spPr>
+            <a:xfrm>
+              <a:off x="3160721" y="4837418"/>
+              <a:ext cx="384678" cy="398868"/>
+            </a:xfrm>
+            <a:prstGeom prst="ellipse">
+              <a:avLst/>
+            </a:prstGeom>
+            <a:noFill/>
+          </p:spPr>
+          <p:style>
+            <a:lnRef idx="2">
+              <a:schemeClr val="accent1">
+                <a:shade val="50000"/>
+              </a:schemeClr>
+            </a:lnRef>
+            <a:fillRef idx="1">
+              <a:schemeClr val="accent1"/>
+            </a:fillRef>
+            <a:effectRef idx="0">
+              <a:schemeClr val="accent1"/>
+            </a:effectRef>
+            <a:fontRef idx="minor">
+              <a:schemeClr val="lt1"/>
+            </a:fontRef>
+          </p:style>
+          <p:txBody>
+            <a:bodyPr rtlCol="0" anchor="ctr"/>
+            <a:lstStyle/>
+            <a:p>
+              <a:pPr algn="ctr"/>
+              <a:endParaRPr lang="en-US"/>
+            </a:p>
+          </p:txBody>
+        </p:sp>
+        <p:sp>
+          <p:nvSpPr>
+            <p:cNvPr id="6" name="TextBox 5">
+              <a:extLst>
+                <a:ext uri="{FF2B5EF4-FFF2-40B4-BE49-F238E27FC236}">
+                  <a16:creationId xmlns:a16="http://schemas.microsoft.com/office/drawing/2014/main" id="{12DBDACA-AAA9-D14F-B093-10A1FB2ED115}"/>
+                </a:ext>
+              </a:extLst>
+            </p:cNvPr>
+            <p:cNvSpPr txBox="1"/>
+            <p:nvPr/>
+          </p:nvSpPr>
+          <p:spPr>
+            <a:xfrm rot="5400000">
+              <a:off x="3221592" y="4383733"/>
+              <a:ext cx="370614" cy="276999"/>
+            </a:xfrm>
+            <a:prstGeom prst="rect">
+              <a:avLst/>
+            </a:prstGeom>
+            <a:noFill/>
+          </p:spPr>
+          <p:txBody>
+            <a:bodyPr wrap="none" rtlCol="0">
+              <a:spAutoFit/>
+            </a:bodyPr>
+            <a:lstStyle/>
+            <a:p>
+              <a:r>
+                <a:rPr lang="en-US" sz="1200" dirty="0"/>
+                <a:t>. . .</a:t>
+              </a:r>
+            </a:p>
+          </p:txBody>
+        </p:sp>
+        <mc:AlternateContent xmlns:mc="http://schemas.openxmlformats.org/markup-compatibility/2006">
+          <mc:Choice xmlns:a14="http://schemas.microsoft.com/office/drawing/2010/main" Requires="a14">
+            <p:sp>
+              <p:nvSpPr>
+                <p:cNvPr id="7" name="TextBox 6">
+                  <a:extLst>
+                    <a:ext uri="{FF2B5EF4-FFF2-40B4-BE49-F238E27FC236}">
+                      <a16:creationId xmlns:a16="http://schemas.microsoft.com/office/drawing/2014/main" id="{227D0ECC-CCC1-A347-A927-0B7BD8C5BD39}"/>
+                    </a:ext>
+                  </a:extLst>
+                </p:cNvPr>
+                <p:cNvSpPr txBox="1"/>
+                <p:nvPr/>
+              </p:nvSpPr>
+              <p:spPr>
+                <a:xfrm>
+                  <a:off x="3102490" y="2706020"/>
+                  <a:ext cx="331821" cy="261610"/>
+                </a:xfrm>
+                <a:prstGeom prst="rect">
+                  <a:avLst/>
+                </a:prstGeom>
+                <a:noFill/>
+              </p:spPr>
+              <p:txBody>
+                <a:bodyPr wrap="none" rtlCol="0">
+                  <a:spAutoFit/>
+                </a:bodyPr>
+                <a:lstStyle/>
+                <a:p>
+                  <a14:m>
+                    <m:oMathPara xmlns:m="http://schemas.openxmlformats.org/officeDocument/2006/math">
+                      <m:oMathParaPr>
+                        <m:jc m:val="centerGroup"/>
+                      </m:oMathParaPr>
+                      <m:oMath xmlns:m="http://schemas.openxmlformats.org/officeDocument/2006/math">
+                        <m:sSup>
+                          <m:sSupPr>
+                            <m:ctrlPr>
+                              <a:rPr lang="en-US" sz="1100" i="1" dirty="0" smtClean="0">
+                                <a:latin typeface="Cambria Math" panose="02040503050406030204" pitchFamily="18" charset="0"/>
+                              </a:rPr>
+                            </m:ctrlPr>
+                          </m:sSupPr>
+                          <m:e>
+                            <m:r>
+                              <a:rPr lang="en-US" sz="1100" i="1" dirty="0" smtClean="0">
+                                <a:latin typeface="Cambria Math" panose="02040503050406030204" pitchFamily="18" charset="0"/>
+                              </a:rPr>
+                              <m:t>𝑠</m:t>
+                            </m:r>
+                          </m:e>
+                          <m:sup>
+                            <m:r>
+                              <a:rPr lang="en-US" sz="1100" b="0" i="1" dirty="0" smtClean="0">
+                                <a:latin typeface="Cambria Math" panose="02040503050406030204" pitchFamily="18" charset="0"/>
+                              </a:rPr>
+                              <m:t>′</m:t>
+                            </m:r>
+                          </m:sup>
+                        </m:sSup>
+                      </m:oMath>
+                    </m:oMathPara>
+                  </a14:m>
+                  <a:endParaRPr lang="en-US" sz="1100" dirty="0"/>
+                </a:p>
+              </p:txBody>
+            </p:sp>
+          </mc:Choice>
+          <mc:Fallback>
+            <p:sp>
+              <p:nvSpPr>
+                <p:cNvPr id="7" name="TextBox 6">
+                  <a:extLst>
+                    <a:ext uri="{FF2B5EF4-FFF2-40B4-BE49-F238E27FC236}">
+                      <a16:creationId xmlns:a16="http://schemas.microsoft.com/office/drawing/2014/main" id="{227D0ECC-CCC1-A347-A927-0B7BD8C5BD39}"/>
+                    </a:ext>
+                  </a:extLst>
+                </p:cNvPr>
+                <p:cNvSpPr txBox="1">
+                  <a:spLocks noRot="1" noChangeAspect="1" noMove="1" noResize="1" noEditPoints="1" noAdjustHandles="1" noChangeArrowheads="1" noChangeShapeType="1" noTextEdit="1"/>
+                </p:cNvSpPr>
+                <p:nvPr/>
+              </p:nvSpPr>
+              <p:spPr>
+                <a:xfrm>
+                  <a:off x="3102490" y="2706020"/>
+                  <a:ext cx="331821" cy="261610"/>
+                </a:xfrm>
+                <a:prstGeom prst="rect">
+                  <a:avLst/>
+                </a:prstGeom>
+                <a:blipFill>
+                  <a:blip r:embed="rId2"/>
+                  <a:stretch>
+                    <a:fillRect/>
+                  </a:stretch>
+                </a:blipFill>
+              </p:spPr>
+              <p:txBody>
+                <a:bodyPr/>
+                <a:lstStyle/>
+                <a:p>
+                  <a:r>
+                    <a:rPr lang="en-US">
+                      <a:noFill/>
+                    </a:rPr>
+                    <a:t> </a:t>
+                  </a:r>
+                </a:p>
+              </p:txBody>
+            </p:sp>
+          </mc:Fallback>
+        </mc:AlternateContent>
+        <p:cxnSp>
+          <p:nvCxnSpPr>
+            <p:cNvPr id="9" name="Straight Connector 8">
+              <a:extLst>
+                <a:ext uri="{FF2B5EF4-FFF2-40B4-BE49-F238E27FC236}">
+                  <a16:creationId xmlns:a16="http://schemas.microsoft.com/office/drawing/2014/main" id="{85AD02E6-DAED-BF46-965E-2D50F6B1F20E}"/>
+                </a:ext>
+              </a:extLst>
+            </p:cNvPr>
+            <p:cNvCxnSpPr>
+              <a:stCxn id="3" idx="0"/>
+              <a:endCxn id="3" idx="4"/>
+            </p:cNvCxnSpPr>
+            <p:nvPr/>
+          </p:nvCxnSpPr>
+          <p:spPr>
+            <a:xfrm>
+              <a:off x="3353062" y="2651431"/>
+              <a:ext cx="0" cy="398868"/>
+            </a:xfrm>
+            <a:prstGeom prst="line">
+              <a:avLst/>
+            </a:prstGeom>
+            <a:ln w="12700"/>
+          </p:spPr>
+          <p:style>
+            <a:lnRef idx="1">
+              <a:schemeClr val="accent1"/>
+            </a:lnRef>
+            <a:fillRef idx="0">
+              <a:schemeClr val="accent1"/>
+            </a:fillRef>
+            <a:effectRef idx="0">
+              <a:schemeClr val="accent1"/>
+            </a:effectRef>
+            <a:fontRef idx="minor">
+              <a:schemeClr val="tx1"/>
+            </a:fontRef>
+          </p:style>
+        </p:cxnSp>
+        <mc:AlternateContent xmlns:mc="http://schemas.openxmlformats.org/markup-compatibility/2006">
+          <mc:Choice xmlns:a14="http://schemas.microsoft.com/office/drawing/2010/main" Requires="a14">
+            <p:sp>
+              <p:nvSpPr>
+                <p:cNvPr id="10" name="TextBox 9">
+                  <a:extLst>
+                    <a:ext uri="{FF2B5EF4-FFF2-40B4-BE49-F238E27FC236}">
+                      <a16:creationId xmlns:a16="http://schemas.microsoft.com/office/drawing/2014/main" id="{E8582653-890C-304D-8BD9-2483F38FE9DC}"/>
+                    </a:ext>
+                  </a:extLst>
+                </p:cNvPr>
+                <p:cNvSpPr txBox="1"/>
+                <p:nvPr/>
+              </p:nvSpPr>
+              <p:spPr>
+                <a:xfrm>
+                  <a:off x="3318299" y="2702109"/>
+                  <a:ext cx="285335" cy="261610"/>
+                </a:xfrm>
+                <a:prstGeom prst="rect">
+                  <a:avLst/>
+                </a:prstGeom>
+                <a:noFill/>
+              </p:spPr>
+              <p:txBody>
+                <a:bodyPr wrap="none" rtlCol="0">
+                  <a:spAutoFit/>
+                </a:bodyPr>
+                <a:lstStyle/>
+                <a:p>
+                  <a14:m>
+                    <m:oMathPara xmlns:m="http://schemas.openxmlformats.org/officeDocument/2006/math">
+                      <m:oMathParaPr>
+                        <m:jc m:val="centerGroup"/>
+                      </m:oMathParaPr>
+                      <m:oMath xmlns:m="http://schemas.openxmlformats.org/officeDocument/2006/math">
+                        <m:r>
+                          <a:rPr lang="en-US" sz="1100" i="1" dirty="0" smtClean="0">
+                            <a:latin typeface="Cambria Math" panose="02040503050406030204" pitchFamily="18" charset="0"/>
+                          </a:rPr>
+                          <m:t>𝑠</m:t>
+                        </m:r>
+                      </m:oMath>
+                    </m:oMathPara>
+                  </a14:m>
+                  <a:endParaRPr lang="en-US" sz="1100" dirty="0"/>
+                </a:p>
+              </p:txBody>
+            </p:sp>
+          </mc:Choice>
+          <mc:Fallback>
+            <p:sp>
+              <p:nvSpPr>
+                <p:cNvPr id="10" name="TextBox 9">
+                  <a:extLst>
+                    <a:ext uri="{FF2B5EF4-FFF2-40B4-BE49-F238E27FC236}">
+                      <a16:creationId xmlns:a16="http://schemas.microsoft.com/office/drawing/2014/main" id="{E8582653-890C-304D-8BD9-2483F38FE9DC}"/>
+                    </a:ext>
+                  </a:extLst>
+                </p:cNvPr>
+                <p:cNvSpPr txBox="1">
+                  <a:spLocks noRot="1" noChangeAspect="1" noMove="1" noResize="1" noEditPoints="1" noAdjustHandles="1" noChangeArrowheads="1" noChangeShapeType="1" noTextEdit="1"/>
+                </p:cNvSpPr>
+                <p:nvPr/>
+              </p:nvSpPr>
+              <p:spPr>
+                <a:xfrm>
+                  <a:off x="3318299" y="2702109"/>
+                  <a:ext cx="285335" cy="261610"/>
+                </a:xfrm>
+                <a:prstGeom prst="rect">
+                  <a:avLst/>
+                </a:prstGeom>
+                <a:blipFill>
+                  <a:blip r:embed="rId3"/>
+                  <a:stretch>
+                    <a:fillRect/>
+                  </a:stretch>
+                </a:blipFill>
+              </p:spPr>
+              <p:txBody>
+                <a:bodyPr/>
+                <a:lstStyle/>
+                <a:p>
+                  <a:r>
+                    <a:rPr lang="en-US">
+                      <a:noFill/>
+                    </a:rPr>
+                    <a:t> </a:t>
+                  </a:r>
+                </a:p>
+              </p:txBody>
+            </p:sp>
+          </mc:Fallback>
+        </mc:AlternateContent>
+        <p:cxnSp>
+          <p:nvCxnSpPr>
+            <p:cNvPr id="11" name="Straight Connector 10">
+              <a:extLst>
+                <a:ext uri="{FF2B5EF4-FFF2-40B4-BE49-F238E27FC236}">
+                  <a16:creationId xmlns:a16="http://schemas.microsoft.com/office/drawing/2014/main" id="{02ED1470-2C05-D142-82A8-EF25F9BEA335}"/>
+                </a:ext>
+              </a:extLst>
+            </p:cNvPr>
+            <p:cNvCxnSpPr/>
+            <p:nvPr/>
+          </p:nvCxnSpPr>
+          <p:spPr>
+            <a:xfrm>
+              <a:off x="3353060" y="3725950"/>
+              <a:ext cx="0" cy="398868"/>
+            </a:xfrm>
+            <a:prstGeom prst="line">
+              <a:avLst/>
+            </a:prstGeom>
+            <a:ln w="12700"/>
+          </p:spPr>
+          <p:style>
+            <a:lnRef idx="1">
+              <a:schemeClr val="accent1"/>
+            </a:lnRef>
+            <a:fillRef idx="0">
+              <a:schemeClr val="accent1"/>
+            </a:fillRef>
+            <a:effectRef idx="0">
+              <a:schemeClr val="accent1"/>
+            </a:effectRef>
+            <a:fontRef idx="minor">
+              <a:schemeClr val="tx1"/>
+            </a:fontRef>
+          </p:style>
+        </p:cxnSp>
+        <p:cxnSp>
+          <p:nvCxnSpPr>
+            <p:cNvPr id="12" name="Straight Connector 11">
+              <a:extLst>
+                <a:ext uri="{FF2B5EF4-FFF2-40B4-BE49-F238E27FC236}">
+                  <a16:creationId xmlns:a16="http://schemas.microsoft.com/office/drawing/2014/main" id="{F5D8D76E-20C7-7D4C-8668-BDEA745BE0ED}"/>
+                </a:ext>
+              </a:extLst>
+            </p:cNvPr>
+            <p:cNvCxnSpPr/>
+            <p:nvPr/>
+          </p:nvCxnSpPr>
+          <p:spPr>
+            <a:xfrm>
+              <a:off x="3353060" y="4837418"/>
+              <a:ext cx="0" cy="398868"/>
+            </a:xfrm>
+            <a:prstGeom prst="line">
+              <a:avLst/>
+            </a:prstGeom>
+            <a:ln w="12700"/>
+          </p:spPr>
+          <p:style>
+            <a:lnRef idx="1">
+              <a:schemeClr val="accent1"/>
+            </a:lnRef>
+            <a:fillRef idx="0">
+              <a:schemeClr val="accent1"/>
+            </a:fillRef>
+            <a:effectRef idx="0">
+              <a:schemeClr val="accent1"/>
+            </a:effectRef>
+            <a:fontRef idx="minor">
+              <a:schemeClr val="tx1"/>
+            </a:fontRef>
+          </p:style>
+        </p:cxnSp>
+        <mc:AlternateContent xmlns:mc="http://schemas.openxmlformats.org/markup-compatibility/2006">
+          <mc:Choice xmlns:a14="http://schemas.microsoft.com/office/drawing/2010/main" Requires="a14">
+            <p:sp>
+              <p:nvSpPr>
+                <p:cNvPr id="13" name="TextBox 12">
+                  <a:extLst>
+                    <a:ext uri="{FF2B5EF4-FFF2-40B4-BE49-F238E27FC236}">
+                      <a16:creationId xmlns:a16="http://schemas.microsoft.com/office/drawing/2014/main" id="{35C287C3-EBA9-CF42-BC16-3EA499AFFB81}"/>
+                    </a:ext>
+                  </a:extLst>
+                </p:cNvPr>
+                <p:cNvSpPr txBox="1"/>
+                <p:nvPr/>
+              </p:nvSpPr>
+              <p:spPr>
+                <a:xfrm>
+                  <a:off x="3102488" y="3776628"/>
+                  <a:ext cx="331821" cy="261610"/>
+                </a:xfrm>
+                <a:prstGeom prst="rect">
+                  <a:avLst/>
+                </a:prstGeom>
+                <a:noFill/>
+              </p:spPr>
+              <p:txBody>
+                <a:bodyPr wrap="none" rtlCol="0">
+                  <a:spAutoFit/>
+                </a:bodyPr>
+                <a:lstStyle/>
+                <a:p>
+                  <a14:m>
+                    <m:oMathPara xmlns:m="http://schemas.openxmlformats.org/officeDocument/2006/math">
+                      <m:oMathParaPr>
+                        <m:jc m:val="centerGroup"/>
+                      </m:oMathParaPr>
+                      <m:oMath xmlns:m="http://schemas.openxmlformats.org/officeDocument/2006/math">
+                        <m:sSup>
+                          <m:sSupPr>
+                            <m:ctrlPr>
+                              <a:rPr lang="en-US" sz="1100" i="1" dirty="0" smtClean="0">
+                                <a:latin typeface="Cambria Math" panose="02040503050406030204" pitchFamily="18" charset="0"/>
+                              </a:rPr>
+                            </m:ctrlPr>
+                          </m:sSupPr>
+                          <m:e>
+                            <m:r>
+                              <a:rPr lang="en-US" sz="1100" i="1" dirty="0" smtClean="0">
+                                <a:latin typeface="Cambria Math" panose="02040503050406030204" pitchFamily="18" charset="0"/>
+                              </a:rPr>
+                              <m:t>𝑠</m:t>
+                            </m:r>
+                          </m:e>
+                          <m:sup>
+                            <m:r>
+                              <a:rPr lang="en-US" sz="1100" b="0" i="1" dirty="0" smtClean="0">
+                                <a:latin typeface="Cambria Math" panose="02040503050406030204" pitchFamily="18" charset="0"/>
+                              </a:rPr>
+                              <m:t>′</m:t>
+                            </m:r>
+                          </m:sup>
+                        </m:sSup>
+                      </m:oMath>
+                    </m:oMathPara>
+                  </a14:m>
+                  <a:endParaRPr lang="en-US" sz="1100" dirty="0"/>
+                </a:p>
+              </p:txBody>
+            </p:sp>
+          </mc:Choice>
+          <mc:Fallback>
+            <p:sp>
+              <p:nvSpPr>
+                <p:cNvPr id="13" name="TextBox 12">
+                  <a:extLst>
+                    <a:ext uri="{FF2B5EF4-FFF2-40B4-BE49-F238E27FC236}">
+                      <a16:creationId xmlns:a16="http://schemas.microsoft.com/office/drawing/2014/main" id="{35C287C3-EBA9-CF42-BC16-3EA499AFFB81}"/>
+                    </a:ext>
+                  </a:extLst>
+                </p:cNvPr>
+                <p:cNvSpPr txBox="1">
+                  <a:spLocks noRot="1" noChangeAspect="1" noMove="1" noResize="1" noEditPoints="1" noAdjustHandles="1" noChangeArrowheads="1" noChangeShapeType="1" noTextEdit="1"/>
+                </p:cNvSpPr>
+                <p:nvPr/>
+              </p:nvSpPr>
+              <p:spPr>
+                <a:xfrm>
+                  <a:off x="3102488" y="3776628"/>
+                  <a:ext cx="331821" cy="261610"/>
+                </a:xfrm>
+                <a:prstGeom prst="rect">
+                  <a:avLst/>
+                </a:prstGeom>
+                <a:blipFill>
+                  <a:blip r:embed="rId4"/>
+                  <a:stretch>
+                    <a:fillRect/>
+                  </a:stretch>
+                </a:blipFill>
+              </p:spPr>
+              <p:txBody>
+                <a:bodyPr/>
+                <a:lstStyle/>
+                <a:p>
+                  <a:r>
+                    <a:rPr lang="en-US">
+                      <a:noFill/>
+                    </a:rPr>
+                    <a:t> </a:t>
+                  </a:r>
+                </a:p>
+              </p:txBody>
+            </p:sp>
+          </mc:Fallback>
+        </mc:AlternateContent>
+        <mc:AlternateContent xmlns:mc="http://schemas.openxmlformats.org/markup-compatibility/2006">
+          <mc:Choice xmlns:a14="http://schemas.microsoft.com/office/drawing/2010/main" Requires="a14">
+            <p:sp>
+              <p:nvSpPr>
+                <p:cNvPr id="14" name="TextBox 13">
+                  <a:extLst>
+                    <a:ext uri="{FF2B5EF4-FFF2-40B4-BE49-F238E27FC236}">
+                      <a16:creationId xmlns:a16="http://schemas.microsoft.com/office/drawing/2014/main" id="{7E6A31D9-0D37-A048-8242-71FF467A34A9}"/>
+                    </a:ext>
+                  </a:extLst>
+                </p:cNvPr>
+                <p:cNvSpPr txBox="1"/>
+                <p:nvPr/>
+              </p:nvSpPr>
+              <p:spPr>
+                <a:xfrm>
+                  <a:off x="3318296" y="3776628"/>
+                  <a:ext cx="285335" cy="261610"/>
+                </a:xfrm>
+                <a:prstGeom prst="rect">
+                  <a:avLst/>
+                </a:prstGeom>
+                <a:noFill/>
+              </p:spPr>
+              <p:txBody>
+                <a:bodyPr wrap="none" rtlCol="0">
+                  <a:spAutoFit/>
+                </a:bodyPr>
+                <a:lstStyle/>
+                <a:p>
+                  <a14:m>
+                    <m:oMathPara xmlns:m="http://schemas.openxmlformats.org/officeDocument/2006/math">
+                      <m:oMathParaPr>
+                        <m:jc m:val="centerGroup"/>
+                      </m:oMathParaPr>
+                      <m:oMath xmlns:m="http://schemas.openxmlformats.org/officeDocument/2006/math">
+                        <m:r>
+                          <a:rPr lang="en-US" sz="1100" i="1" dirty="0" smtClean="0">
+                            <a:latin typeface="Cambria Math" panose="02040503050406030204" pitchFamily="18" charset="0"/>
+                          </a:rPr>
+                          <m:t>𝑠</m:t>
+                        </m:r>
+                      </m:oMath>
+                    </m:oMathPara>
+                  </a14:m>
+                  <a:endParaRPr lang="en-US" sz="1100" dirty="0"/>
+                </a:p>
+              </p:txBody>
+            </p:sp>
+          </mc:Choice>
+          <mc:Fallback>
+            <p:sp>
+              <p:nvSpPr>
+                <p:cNvPr id="14" name="TextBox 13">
+                  <a:extLst>
+                    <a:ext uri="{FF2B5EF4-FFF2-40B4-BE49-F238E27FC236}">
+                      <a16:creationId xmlns:a16="http://schemas.microsoft.com/office/drawing/2014/main" id="{7E6A31D9-0D37-A048-8242-71FF467A34A9}"/>
+                    </a:ext>
+                  </a:extLst>
+                </p:cNvPr>
+                <p:cNvSpPr txBox="1">
+                  <a:spLocks noRot="1" noChangeAspect="1" noMove="1" noResize="1" noEditPoints="1" noAdjustHandles="1" noChangeArrowheads="1" noChangeShapeType="1" noTextEdit="1"/>
+                </p:cNvSpPr>
+                <p:nvPr/>
+              </p:nvSpPr>
+              <p:spPr>
+                <a:xfrm>
+                  <a:off x="3318296" y="3776628"/>
+                  <a:ext cx="285335" cy="261610"/>
+                </a:xfrm>
+                <a:prstGeom prst="rect">
+                  <a:avLst/>
+                </a:prstGeom>
+                <a:blipFill>
+                  <a:blip r:embed="rId5"/>
+                  <a:stretch>
+                    <a:fillRect/>
+                  </a:stretch>
+                </a:blipFill>
+              </p:spPr>
+              <p:txBody>
+                <a:bodyPr/>
+                <a:lstStyle/>
+                <a:p>
+                  <a:r>
+                    <a:rPr lang="en-US">
+                      <a:noFill/>
+                    </a:rPr>
+                    <a:t> </a:t>
+                  </a:r>
+                </a:p>
+              </p:txBody>
+            </p:sp>
+          </mc:Fallback>
+        </mc:AlternateContent>
+        <mc:AlternateContent xmlns:mc="http://schemas.openxmlformats.org/markup-compatibility/2006">
+          <mc:Choice xmlns:a14="http://schemas.microsoft.com/office/drawing/2010/main" Requires="a14">
+            <p:sp>
+              <p:nvSpPr>
+                <p:cNvPr id="15" name="TextBox 14">
+                  <a:extLst>
+                    <a:ext uri="{FF2B5EF4-FFF2-40B4-BE49-F238E27FC236}">
+                      <a16:creationId xmlns:a16="http://schemas.microsoft.com/office/drawing/2014/main" id="{95BE082F-34D9-1742-920C-FB7E0F74E3F3}"/>
+                    </a:ext>
+                  </a:extLst>
+                </p:cNvPr>
+                <p:cNvSpPr txBox="1"/>
+                <p:nvPr/>
+              </p:nvSpPr>
+              <p:spPr>
+                <a:xfrm>
+                  <a:off x="3102488" y="4906047"/>
+                  <a:ext cx="331821" cy="261610"/>
+                </a:xfrm>
+                <a:prstGeom prst="rect">
+                  <a:avLst/>
+                </a:prstGeom>
+                <a:noFill/>
+              </p:spPr>
+              <p:txBody>
+                <a:bodyPr wrap="none" rtlCol="0">
+                  <a:spAutoFit/>
+                </a:bodyPr>
+                <a:lstStyle/>
+                <a:p>
+                  <a14:m>
+                    <m:oMathPara xmlns:m="http://schemas.openxmlformats.org/officeDocument/2006/math">
+                      <m:oMathParaPr>
+                        <m:jc m:val="centerGroup"/>
+                      </m:oMathParaPr>
+                      <m:oMath xmlns:m="http://schemas.openxmlformats.org/officeDocument/2006/math">
+                        <m:sSup>
+                          <m:sSupPr>
+                            <m:ctrlPr>
+                              <a:rPr lang="en-US" sz="1100" i="1" dirty="0" smtClean="0">
+                                <a:latin typeface="Cambria Math" panose="02040503050406030204" pitchFamily="18" charset="0"/>
+                              </a:rPr>
+                            </m:ctrlPr>
+                          </m:sSupPr>
+                          <m:e>
+                            <m:r>
+                              <a:rPr lang="en-US" sz="1100" i="1" dirty="0" smtClean="0">
+                                <a:latin typeface="Cambria Math" panose="02040503050406030204" pitchFamily="18" charset="0"/>
+                              </a:rPr>
+                              <m:t>𝑠</m:t>
+                            </m:r>
+                          </m:e>
+                          <m:sup>
+                            <m:r>
+                              <a:rPr lang="en-US" sz="1100" b="0" i="1" dirty="0" smtClean="0">
+                                <a:latin typeface="Cambria Math" panose="02040503050406030204" pitchFamily="18" charset="0"/>
+                              </a:rPr>
+                              <m:t>′</m:t>
+                            </m:r>
+                          </m:sup>
+                        </m:sSup>
+                      </m:oMath>
+                    </m:oMathPara>
+                  </a14:m>
+                  <a:endParaRPr lang="en-US" sz="1100" dirty="0"/>
+                </a:p>
+              </p:txBody>
+            </p:sp>
+          </mc:Choice>
+          <mc:Fallback>
+            <p:sp>
+              <p:nvSpPr>
+                <p:cNvPr id="15" name="TextBox 14">
+                  <a:extLst>
+                    <a:ext uri="{FF2B5EF4-FFF2-40B4-BE49-F238E27FC236}">
+                      <a16:creationId xmlns:a16="http://schemas.microsoft.com/office/drawing/2014/main" id="{95BE082F-34D9-1742-920C-FB7E0F74E3F3}"/>
+                    </a:ext>
+                  </a:extLst>
+                </p:cNvPr>
+                <p:cNvSpPr txBox="1">
+                  <a:spLocks noRot="1" noChangeAspect="1" noMove="1" noResize="1" noEditPoints="1" noAdjustHandles="1" noChangeArrowheads="1" noChangeShapeType="1" noTextEdit="1"/>
+                </p:cNvSpPr>
+                <p:nvPr/>
+              </p:nvSpPr>
+              <p:spPr>
+                <a:xfrm>
+                  <a:off x="3102488" y="4906047"/>
+                  <a:ext cx="331821" cy="261610"/>
+                </a:xfrm>
+                <a:prstGeom prst="rect">
+                  <a:avLst/>
+                </a:prstGeom>
+                <a:blipFill>
+                  <a:blip r:embed="rId6"/>
+                  <a:stretch>
+                    <a:fillRect/>
+                  </a:stretch>
+                </a:blipFill>
+              </p:spPr>
+              <p:txBody>
+                <a:bodyPr/>
+                <a:lstStyle/>
+                <a:p>
+                  <a:r>
+                    <a:rPr lang="en-US">
+                      <a:noFill/>
+                    </a:rPr>
+                    <a:t> </a:t>
+                  </a:r>
+                </a:p>
+              </p:txBody>
+            </p:sp>
+          </mc:Fallback>
+        </mc:AlternateContent>
+        <mc:AlternateContent xmlns:mc="http://schemas.openxmlformats.org/markup-compatibility/2006">
+          <mc:Choice xmlns:a14="http://schemas.microsoft.com/office/drawing/2010/main" Requires="a14">
+            <p:sp>
+              <p:nvSpPr>
+                <p:cNvPr id="16" name="TextBox 15">
+                  <a:extLst>
+                    <a:ext uri="{FF2B5EF4-FFF2-40B4-BE49-F238E27FC236}">
+                      <a16:creationId xmlns:a16="http://schemas.microsoft.com/office/drawing/2014/main" id="{E53FBB38-EBF3-494E-8682-B8CB881C2075}"/>
+                    </a:ext>
+                  </a:extLst>
+                </p:cNvPr>
+                <p:cNvSpPr txBox="1"/>
+                <p:nvPr/>
+              </p:nvSpPr>
+              <p:spPr>
+                <a:xfrm>
+                  <a:off x="3318296" y="4906047"/>
+                  <a:ext cx="285335" cy="261610"/>
+                </a:xfrm>
+                <a:prstGeom prst="rect">
+                  <a:avLst/>
+                </a:prstGeom>
+                <a:noFill/>
+              </p:spPr>
+              <p:txBody>
+                <a:bodyPr wrap="none" rtlCol="0">
+                  <a:spAutoFit/>
+                </a:bodyPr>
+                <a:lstStyle/>
+                <a:p>
+                  <a14:m>
+                    <m:oMathPara xmlns:m="http://schemas.openxmlformats.org/officeDocument/2006/math">
+                      <m:oMathParaPr>
+                        <m:jc m:val="centerGroup"/>
+                      </m:oMathParaPr>
+                      <m:oMath xmlns:m="http://schemas.openxmlformats.org/officeDocument/2006/math">
+                        <m:r>
+                          <a:rPr lang="en-US" sz="1100" i="1" dirty="0" smtClean="0">
+                            <a:latin typeface="Cambria Math" panose="02040503050406030204" pitchFamily="18" charset="0"/>
+                          </a:rPr>
+                          <m:t>𝑠</m:t>
+                        </m:r>
+                      </m:oMath>
+                    </m:oMathPara>
+                  </a14:m>
+                  <a:endParaRPr lang="en-US" sz="1100" dirty="0"/>
+                </a:p>
+              </p:txBody>
+            </p:sp>
+          </mc:Choice>
+          <mc:Fallback>
+            <p:sp>
+              <p:nvSpPr>
+                <p:cNvPr id="16" name="TextBox 15">
+                  <a:extLst>
+                    <a:ext uri="{FF2B5EF4-FFF2-40B4-BE49-F238E27FC236}">
+                      <a16:creationId xmlns:a16="http://schemas.microsoft.com/office/drawing/2014/main" id="{E53FBB38-EBF3-494E-8682-B8CB881C2075}"/>
+                    </a:ext>
+                  </a:extLst>
+                </p:cNvPr>
+                <p:cNvSpPr txBox="1">
+                  <a:spLocks noRot="1" noChangeAspect="1" noMove="1" noResize="1" noEditPoints="1" noAdjustHandles="1" noChangeArrowheads="1" noChangeShapeType="1" noTextEdit="1"/>
+                </p:cNvSpPr>
+                <p:nvPr/>
+              </p:nvSpPr>
+              <p:spPr>
+                <a:xfrm>
+                  <a:off x="3318296" y="4906047"/>
+                  <a:ext cx="285335" cy="261610"/>
+                </a:xfrm>
+                <a:prstGeom prst="rect">
+                  <a:avLst/>
+                </a:prstGeom>
+                <a:blipFill>
+                  <a:blip r:embed="rId7"/>
+                  <a:stretch>
+                    <a:fillRect/>
+                  </a:stretch>
+                </a:blipFill>
+              </p:spPr>
+              <p:txBody>
+                <a:bodyPr/>
+                <a:lstStyle/>
+                <a:p>
+                  <a:r>
+                    <a:rPr lang="en-US">
+                      <a:noFill/>
+                    </a:rPr>
+                    <a:t> </a:t>
+                  </a:r>
+                </a:p>
+              </p:txBody>
+            </p:sp>
+          </mc:Fallback>
+        </mc:AlternateContent>
+        <p:sp>
+          <p:nvSpPr>
+            <p:cNvPr id="17" name="Oval 16">
+              <a:extLst>
+                <a:ext uri="{FF2B5EF4-FFF2-40B4-BE49-F238E27FC236}">
+                  <a16:creationId xmlns:a16="http://schemas.microsoft.com/office/drawing/2014/main" id="{F05D9A29-7AC6-7649-9F91-A37AE71568D8}"/>
+                </a:ext>
+              </a:extLst>
+            </p:cNvPr>
+            <p:cNvSpPr/>
+            <p:nvPr/>
+          </p:nvSpPr>
+          <p:spPr>
+            <a:xfrm>
+              <a:off x="4110036" y="2444661"/>
+              <a:ext cx="2062158" cy="776506"/>
+            </a:xfrm>
+            <a:prstGeom prst="ellipse">
+              <a:avLst/>
+            </a:prstGeom>
+            <a:noFill/>
+          </p:spPr>
+          <p:style>
+            <a:lnRef idx="2">
+              <a:schemeClr val="accent1">
+                <a:shade val="50000"/>
+              </a:schemeClr>
+            </a:lnRef>
+            <a:fillRef idx="1">
+              <a:schemeClr val="accent1"/>
+            </a:fillRef>
+            <a:effectRef idx="0">
+              <a:schemeClr val="accent1"/>
+            </a:effectRef>
+            <a:fontRef idx="minor">
+              <a:schemeClr val="lt1"/>
+            </a:fontRef>
+          </p:style>
+          <p:txBody>
+            <a:bodyPr rtlCol="0" anchor="ctr"/>
+            <a:lstStyle/>
+            <a:p>
+              <a:pPr algn="ctr"/>
+              <a:endParaRPr lang="en-US"/>
+            </a:p>
+          </p:txBody>
+        </p:sp>
+        <mc:AlternateContent xmlns:mc="http://schemas.openxmlformats.org/markup-compatibility/2006">
+          <mc:Choice xmlns:a14="http://schemas.microsoft.com/office/drawing/2010/main" Requires="a14">
+            <p:sp>
+              <p:nvSpPr>
+                <p:cNvPr id="18" name="TextBox 17">
+                  <a:extLst>
+                    <a:ext uri="{FF2B5EF4-FFF2-40B4-BE49-F238E27FC236}">
+                      <a16:creationId xmlns:a16="http://schemas.microsoft.com/office/drawing/2014/main" id="{7C215D91-BB70-6841-A6EB-24B0F54C9CA7}"/>
+                    </a:ext>
+                  </a:extLst>
+                </p:cNvPr>
+                <p:cNvSpPr txBox="1"/>
+                <p:nvPr/>
+              </p:nvSpPr>
+              <p:spPr>
+                <a:xfrm>
+                  <a:off x="4066570" y="2661242"/>
+                  <a:ext cx="897553" cy="345672"/>
+                </a:xfrm>
+                <a:prstGeom prst="rect">
+                  <a:avLst/>
+                </a:prstGeom>
+                <a:noFill/>
+              </p:spPr>
+              <p:txBody>
+                <a:bodyPr wrap="none" rtlCol="0">
+                  <a:spAutoFit/>
+                </a:bodyPr>
+                <a:lstStyle/>
+                <a:p>
+                  <a14:m>
+                    <m:oMathPara xmlns:m="http://schemas.openxmlformats.org/officeDocument/2006/math">
+                      <m:oMathParaPr>
+                        <m:jc m:val="centerGroup"/>
+                      </m:oMathParaPr>
+                      <m:oMath xmlns:m="http://schemas.openxmlformats.org/officeDocument/2006/math">
+                        <m:d>
+                          <m:dPr>
+                            <m:ctrlPr>
+                              <a:rPr lang="en-US" sz="1100" i="1" smtClean="0">
+                                <a:latin typeface="Cambria Math" panose="02040503050406030204" pitchFamily="18" charset="0"/>
+                              </a:rPr>
+                            </m:ctrlPr>
+                          </m:dPr>
+                          <m:e>
+                            <m:sSubSup>
+                              <m:sSubSupPr>
+                                <m:ctrlPr>
+                                  <a:rPr lang="en-US" sz="1100" i="1" smtClean="0">
+                                    <a:latin typeface="Cambria Math" panose="02040503050406030204" pitchFamily="18" charset="0"/>
+                                  </a:rPr>
+                                </m:ctrlPr>
+                              </m:sSubSupPr>
+                              <m:e>
+                                <m:r>
+                                  <a:rPr lang="en-US" sz="1100" b="0" i="1" smtClean="0">
+                                    <a:latin typeface="Cambria Math" panose="02040503050406030204" pitchFamily="18" charset="0"/>
+                                  </a:rPr>
+                                  <m:t>𝑜</m:t>
+                                </m:r>
+                              </m:e>
+                              <m:sub>
+                                <m:r>
+                                  <a:rPr lang="en-US" sz="1100" b="0" i="1" smtClean="0">
+                                    <a:latin typeface="Cambria Math" panose="02040503050406030204" pitchFamily="18" charset="0"/>
+                                  </a:rPr>
+                                  <m:t>1</m:t>
+                                </m:r>
+                              </m:sub>
+                              <m:sup>
+                                <m:d>
+                                  <m:dPr>
+                                    <m:ctrlPr>
+                                      <a:rPr lang="en-US" sz="1100" i="1" smtClean="0">
+                                        <a:latin typeface="Cambria Math" panose="02040503050406030204" pitchFamily="18" charset="0"/>
+                                      </a:rPr>
+                                    </m:ctrlPr>
+                                  </m:dPr>
+                                  <m:e>
+                                    <m:r>
+                                      <a:rPr lang="en-US" sz="1100" b="0" i="1" smtClean="0">
+                                        <a:latin typeface="Cambria Math" panose="02040503050406030204" pitchFamily="18" charset="0"/>
+                                      </a:rPr>
+                                      <m:t>𝐾</m:t>
+                                    </m:r>
+                                  </m:e>
+                                </m:d>
+                              </m:sup>
+                            </m:sSubSup>
+                            <m:r>
+                              <a:rPr lang="en-US" sz="1100" i="1">
+                                <a:latin typeface="Cambria Math" panose="02040503050406030204" pitchFamily="18" charset="0"/>
+                              </a:rPr>
+                              <m:t>−</m:t>
+                            </m:r>
+                            <m:sSub>
+                              <m:sSubPr>
+                                <m:ctrlPr>
+                                  <a:rPr lang="en-US" sz="1100" i="1">
+                                    <a:latin typeface="Cambria Math" panose="02040503050406030204" pitchFamily="18" charset="0"/>
+                                  </a:rPr>
+                                </m:ctrlPr>
+                              </m:sSubPr>
+                              <m:e>
+                                <m:r>
+                                  <a:rPr lang="en-US" sz="1100" i="1">
+                                    <a:latin typeface="Cambria Math" panose="02040503050406030204" pitchFamily="18" charset="0"/>
+                                  </a:rPr>
+                                  <m:t>𝜏</m:t>
+                                </m:r>
+                              </m:e>
+                              <m:sub>
+                                <m:r>
+                                  <a:rPr lang="en-US" sz="1100" b="0" i="1" smtClean="0">
+                                    <a:latin typeface="Cambria Math" panose="02040503050406030204" pitchFamily="18" charset="0"/>
+                                  </a:rPr>
+                                  <m:t>1</m:t>
+                                </m:r>
+                              </m:sub>
+                            </m:sSub>
+                          </m:e>
+                        </m:d>
+                      </m:oMath>
+                    </m:oMathPara>
+                  </a14:m>
+                  <a:endParaRPr lang="en-US" sz="1100" dirty="0"/>
+                </a:p>
+              </p:txBody>
+            </p:sp>
+          </mc:Choice>
+          <mc:Fallback>
+            <p:sp>
+              <p:nvSpPr>
+                <p:cNvPr id="18" name="TextBox 17">
+                  <a:extLst>
+                    <a:ext uri="{FF2B5EF4-FFF2-40B4-BE49-F238E27FC236}">
+                      <a16:creationId xmlns:a16="http://schemas.microsoft.com/office/drawing/2014/main" id="{7C215D91-BB70-6841-A6EB-24B0F54C9CA7}"/>
+                    </a:ext>
+                  </a:extLst>
+                </p:cNvPr>
+                <p:cNvSpPr txBox="1">
+                  <a:spLocks noRot="1" noChangeAspect="1" noMove="1" noResize="1" noEditPoints="1" noAdjustHandles="1" noChangeArrowheads="1" noChangeShapeType="1" noTextEdit="1"/>
+                </p:cNvSpPr>
+                <p:nvPr/>
+              </p:nvSpPr>
+              <p:spPr>
+                <a:xfrm>
+                  <a:off x="4066570" y="2661242"/>
+                  <a:ext cx="897553" cy="345672"/>
+                </a:xfrm>
+                <a:prstGeom prst="rect">
+                  <a:avLst/>
+                </a:prstGeom>
+                <a:blipFill>
+                  <a:blip r:embed="rId8"/>
+                  <a:stretch>
+                    <a:fillRect/>
+                  </a:stretch>
+                </a:blipFill>
+              </p:spPr>
+              <p:txBody>
+                <a:bodyPr/>
+                <a:lstStyle/>
+                <a:p>
+                  <a:r>
+                    <a:rPr lang="en-US">
+                      <a:noFill/>
+                    </a:rPr>
+                    <a:t> </a:t>
+                  </a:r>
+                </a:p>
+              </p:txBody>
+            </p:sp>
+          </mc:Fallback>
+        </mc:AlternateContent>
+        <mc:AlternateContent xmlns:mc="http://schemas.openxmlformats.org/markup-compatibility/2006">
+          <mc:Choice xmlns:a14="http://schemas.microsoft.com/office/drawing/2010/main" Requires="a14">
+            <p:sp>
+              <p:nvSpPr>
+                <p:cNvPr id="19" name="TextBox 18">
+                  <a:extLst>
+                    <a:ext uri="{FF2B5EF4-FFF2-40B4-BE49-F238E27FC236}">
+                      <a16:creationId xmlns:a16="http://schemas.microsoft.com/office/drawing/2014/main" id="{7D6F514C-71CC-0340-B254-F907784F0836}"/>
+                    </a:ext>
+                  </a:extLst>
+                </p:cNvPr>
+                <p:cNvSpPr txBox="1"/>
+                <p:nvPr/>
+              </p:nvSpPr>
+              <p:spPr>
+                <a:xfrm>
+                  <a:off x="5007589" y="2649224"/>
+                  <a:ext cx="1196802" cy="383438"/>
+                </a:xfrm>
+                <a:prstGeom prst="rect">
+                  <a:avLst/>
+                </a:prstGeom>
+                <a:noFill/>
+              </p:spPr>
+              <p:txBody>
+                <a:bodyPr wrap="none" rtlCol="0">
+                  <a:spAutoFit/>
+                </a:bodyPr>
+                <a:lstStyle/>
+                <a:p>
+                  <a14:m>
+                    <m:oMathPara xmlns:m="http://schemas.openxmlformats.org/officeDocument/2006/math">
+                      <m:oMathParaPr>
+                        <m:jc m:val="centerGroup"/>
+                      </m:oMathParaPr>
+                      <m:oMath xmlns:m="http://schemas.openxmlformats.org/officeDocument/2006/math">
+                        <m:sSup>
+                          <m:sSupPr>
+                            <m:ctrlPr>
+                              <a:rPr lang="en-US" sz="1100" i="1" smtClean="0"/>
+                            </m:ctrlPr>
+                          </m:sSupPr>
+                          <m:e>
+                            <m:f>
+                              <m:fPr>
+                                <m:type m:val="skw"/>
+                                <m:ctrlPr>
+                                  <a:rPr lang="en-US" sz="1100" i="1" smtClean="0">
+                                    <a:latin typeface="Cambria Math" panose="02040503050406030204" pitchFamily="18" charset="0"/>
+                                  </a:rPr>
+                                </m:ctrlPr>
+                              </m:fPr>
+                              <m:num>
+                                <m:r>
+                                  <a:rPr lang="en-US" sz="1100" b="0" i="1" smtClean="0">
+                                    <a:latin typeface="Cambria Math" panose="02040503050406030204" pitchFamily="18" charset="0"/>
+                                  </a:rPr>
+                                  <m:t>1</m:t>
+                                </m:r>
+                              </m:num>
+                              <m:den>
+                                <m:r>
+                                  <a:rPr lang="en-US" sz="1100" b="0" i="1" smtClean="0">
+                                    <a:latin typeface="Cambria Math" panose="02040503050406030204" pitchFamily="18" charset="0"/>
+                                  </a:rPr>
+                                  <m:t>2</m:t>
+                                </m:r>
+                              </m:den>
+                            </m:f>
+                            <m:d>
+                              <m:dPr>
+                                <m:ctrlPr>
+                                  <a:rPr lang="en-US" sz="1100" i="1" smtClean="0"/>
+                                </m:ctrlPr>
+                              </m:dPr>
+                              <m:e>
+                                <m:sSubSup>
+                                  <m:sSubSupPr>
+                                    <m:ctrlPr>
+                                      <a:rPr lang="en-US" sz="1100" i="1" smtClean="0">
+                                        <a:latin typeface="Cambria Math" panose="02040503050406030204" pitchFamily="18" charset="0"/>
+                                      </a:rPr>
+                                    </m:ctrlPr>
+                                  </m:sSubSupPr>
+                                  <m:e>
+                                    <m:r>
+                                      <a:rPr lang="en-US" sz="1100" b="0" i="1" smtClean="0">
+                                        <a:latin typeface="Cambria Math" panose="02040503050406030204" pitchFamily="18" charset="0"/>
+                                      </a:rPr>
+                                      <m:t>𝑜</m:t>
+                                    </m:r>
+                                  </m:e>
+                                  <m:sub>
+                                    <m:r>
+                                      <a:rPr lang="en-US" sz="1100" b="0" i="1" smtClean="0">
+                                        <a:latin typeface="Cambria Math" panose="02040503050406030204" pitchFamily="18" charset="0"/>
+                                      </a:rPr>
+                                      <m:t>1</m:t>
+                                    </m:r>
+                                  </m:sub>
+                                  <m:sup>
+                                    <m:d>
+                                      <m:dPr>
+                                        <m:ctrlPr>
+                                          <a:rPr lang="en-US" sz="1100" i="1" smtClean="0">
+                                            <a:latin typeface="Cambria Math" panose="02040503050406030204" pitchFamily="18" charset="0"/>
+                                          </a:rPr>
+                                        </m:ctrlPr>
+                                      </m:dPr>
+                                      <m:e>
+                                        <m:r>
+                                          <a:rPr lang="en-US" sz="1100" b="0" i="1" smtClean="0">
+                                            <a:latin typeface="Cambria Math" panose="02040503050406030204" pitchFamily="18" charset="0"/>
+                                          </a:rPr>
+                                          <m:t>𝐾</m:t>
+                                        </m:r>
+                                      </m:e>
+                                    </m:d>
+                                  </m:sup>
+                                </m:sSubSup>
+                                <m:r>
+                                  <a:rPr lang="en-US" sz="1100" i="1"/>
+                                  <m:t>−</m:t>
+                                </m:r>
+                                <m:sSub>
+                                  <m:sSubPr>
+                                    <m:ctrlPr>
+                                      <a:rPr lang="en-US" sz="1100" i="1" smtClean="0">
+                                        <a:latin typeface="Cambria Math" panose="02040503050406030204" pitchFamily="18" charset="0"/>
+                                      </a:rPr>
+                                    </m:ctrlPr>
+                                  </m:sSubPr>
+                                  <m:e>
+                                    <m:r>
+                                      <a:rPr lang="en-US" sz="1100" i="1">
+                                        <a:latin typeface="Cambria Math" panose="02040503050406030204" pitchFamily="18" charset="0"/>
+                                      </a:rPr>
+                                      <m:t>𝜏</m:t>
+                                    </m:r>
+                                  </m:e>
+                                  <m:sub>
+                                    <m:r>
+                                      <a:rPr lang="en-US" sz="1100" b="0" i="1" smtClean="0">
+                                        <a:latin typeface="Cambria Math" panose="02040503050406030204" pitchFamily="18" charset="0"/>
+                                      </a:rPr>
+                                      <m:t>1</m:t>
+                                    </m:r>
+                                  </m:sub>
+                                </m:sSub>
+                              </m:e>
+                            </m:d>
+                          </m:e>
+                          <m:sup>
+                            <m:r>
+                              <a:rPr lang="en-US" sz="1100" i="1"/>
+                              <m:t>2</m:t>
+                            </m:r>
+                          </m:sup>
+                        </m:sSup>
+                      </m:oMath>
+                    </m:oMathPara>
+                  </a14:m>
+                  <a:endParaRPr lang="en-US" sz="1100" dirty="0"/>
+                </a:p>
+              </p:txBody>
+            </p:sp>
+          </mc:Choice>
+          <mc:Fallback>
+            <p:sp>
+              <p:nvSpPr>
+                <p:cNvPr id="19" name="TextBox 18">
+                  <a:extLst>
+                    <a:ext uri="{FF2B5EF4-FFF2-40B4-BE49-F238E27FC236}">
+                      <a16:creationId xmlns:a16="http://schemas.microsoft.com/office/drawing/2014/main" id="{7D6F514C-71CC-0340-B254-F907784F0836}"/>
+                    </a:ext>
+                  </a:extLst>
+                </p:cNvPr>
+                <p:cNvSpPr txBox="1">
+                  <a:spLocks noRot="1" noChangeAspect="1" noMove="1" noResize="1" noEditPoints="1" noAdjustHandles="1" noChangeArrowheads="1" noChangeShapeType="1" noTextEdit="1"/>
+                </p:cNvSpPr>
+                <p:nvPr/>
+              </p:nvSpPr>
+              <p:spPr>
+                <a:xfrm>
+                  <a:off x="5007589" y="2649224"/>
+                  <a:ext cx="1196802" cy="383438"/>
+                </a:xfrm>
+                <a:prstGeom prst="rect">
+                  <a:avLst/>
+                </a:prstGeom>
+                <a:blipFill>
+                  <a:blip r:embed="rId9"/>
+                  <a:stretch>
+                    <a:fillRect l="-10526" t="-58065" b="-116129"/>
+                  </a:stretch>
+                </a:blipFill>
+              </p:spPr>
+              <p:txBody>
+                <a:bodyPr/>
+                <a:lstStyle/>
+                <a:p>
+                  <a:r>
+                    <a:rPr lang="en-US">
+                      <a:noFill/>
+                    </a:rPr>
+                    <a:t> </a:t>
+                  </a:r>
+                </a:p>
+              </p:txBody>
+            </p:sp>
+          </mc:Fallback>
+        </mc:AlternateContent>
+        <p:cxnSp>
+          <p:nvCxnSpPr>
+            <p:cNvPr id="21" name="Straight Connector 20">
+              <a:extLst>
+                <a:ext uri="{FF2B5EF4-FFF2-40B4-BE49-F238E27FC236}">
+                  <a16:creationId xmlns:a16="http://schemas.microsoft.com/office/drawing/2014/main" id="{3D0EEB5F-AF1D-6846-B5D7-89C51DCA20ED}"/>
+                </a:ext>
+              </a:extLst>
+            </p:cNvPr>
+            <p:cNvCxnSpPr/>
+            <p:nvPr/>
+          </p:nvCxnSpPr>
+          <p:spPr>
+            <a:xfrm>
+              <a:off x="5007589" y="2444661"/>
+              <a:ext cx="0" cy="776506"/>
+            </a:xfrm>
+            <a:prstGeom prst="line">
+              <a:avLst/>
+            </a:prstGeom>
+            <a:ln w="12700"/>
+          </p:spPr>
+          <p:style>
+            <a:lnRef idx="1">
+              <a:schemeClr val="accent1"/>
+            </a:lnRef>
+            <a:fillRef idx="0">
+              <a:schemeClr val="accent1"/>
+            </a:fillRef>
+            <a:effectRef idx="0">
+              <a:schemeClr val="accent1"/>
+            </a:effectRef>
+            <a:fontRef idx="minor">
+              <a:schemeClr val="tx1"/>
+            </a:fontRef>
+          </p:style>
+        </p:cxnSp>
+        <p:sp>
+          <p:nvSpPr>
+            <p:cNvPr id="22" name="Oval 21">
+              <a:extLst>
+                <a:ext uri="{FF2B5EF4-FFF2-40B4-BE49-F238E27FC236}">
+                  <a16:creationId xmlns:a16="http://schemas.microsoft.com/office/drawing/2014/main" id="{8826E424-8733-A34C-8881-992F49CAC825}"/>
+                </a:ext>
+              </a:extLst>
+            </p:cNvPr>
+            <p:cNvSpPr/>
+            <p:nvPr/>
+          </p:nvSpPr>
+          <p:spPr>
+            <a:xfrm>
+              <a:off x="4110036" y="3501936"/>
+              <a:ext cx="2062158" cy="776506"/>
+            </a:xfrm>
+            <a:prstGeom prst="ellipse">
+              <a:avLst/>
+            </a:prstGeom>
+            <a:noFill/>
+          </p:spPr>
+          <p:style>
+            <a:lnRef idx="2">
+              <a:schemeClr val="accent1">
+                <a:shade val="50000"/>
+              </a:schemeClr>
+            </a:lnRef>
+            <a:fillRef idx="1">
+              <a:schemeClr val="accent1"/>
+            </a:fillRef>
+            <a:effectRef idx="0">
+              <a:schemeClr val="accent1"/>
+            </a:effectRef>
+            <a:fontRef idx="minor">
+              <a:schemeClr val="lt1"/>
+            </a:fontRef>
+          </p:style>
+          <p:txBody>
+            <a:bodyPr rtlCol="0" anchor="ctr"/>
+            <a:lstStyle/>
+            <a:p>
+              <a:pPr algn="ctr"/>
+              <a:endParaRPr lang="en-US"/>
+            </a:p>
+          </p:txBody>
+        </p:sp>
+        <mc:AlternateContent xmlns:mc="http://schemas.openxmlformats.org/markup-compatibility/2006">
+          <mc:Choice xmlns:a14="http://schemas.microsoft.com/office/drawing/2010/main" Requires="a14">
+            <p:sp>
+              <p:nvSpPr>
+                <p:cNvPr id="23" name="TextBox 22">
+                  <a:extLst>
+                    <a:ext uri="{FF2B5EF4-FFF2-40B4-BE49-F238E27FC236}">
+                      <a16:creationId xmlns:a16="http://schemas.microsoft.com/office/drawing/2014/main" id="{8120BA05-3B41-F549-ABCC-B6CC46FC1252}"/>
+                    </a:ext>
+                  </a:extLst>
+                </p:cNvPr>
+                <p:cNvSpPr txBox="1"/>
+                <p:nvPr/>
+              </p:nvSpPr>
+              <p:spPr>
+                <a:xfrm>
+                  <a:off x="4066570" y="3718517"/>
+                  <a:ext cx="936089" cy="345672"/>
+                </a:xfrm>
+                <a:prstGeom prst="rect">
+                  <a:avLst/>
+                </a:prstGeom>
+                <a:noFill/>
+              </p:spPr>
+              <p:txBody>
+                <a:bodyPr wrap="none" rtlCol="0">
+                  <a:spAutoFit/>
+                </a:bodyPr>
+                <a:lstStyle/>
+                <a:p>
+                  <a14:m>
+                    <m:oMathPara xmlns:m="http://schemas.openxmlformats.org/officeDocument/2006/math">
+                      <m:oMathParaPr>
+                        <m:jc m:val="centerGroup"/>
+                      </m:oMathParaPr>
+                      <m:oMath xmlns:m="http://schemas.openxmlformats.org/officeDocument/2006/math">
+                        <m:d>
+                          <m:dPr>
+                            <m:ctrlPr>
+                              <a:rPr lang="en-US" sz="1100" i="1" smtClean="0">
+                                <a:latin typeface="Cambria Math" panose="02040503050406030204" pitchFamily="18" charset="0"/>
+                              </a:rPr>
+                            </m:ctrlPr>
+                          </m:dPr>
+                          <m:e>
+                            <m:sSubSup>
+                              <m:sSubSupPr>
+                                <m:ctrlPr>
+                                  <a:rPr lang="en-US" sz="1100" i="1" smtClean="0">
+                                    <a:latin typeface="Cambria Math" panose="02040503050406030204" pitchFamily="18" charset="0"/>
+                                  </a:rPr>
+                                </m:ctrlPr>
+                              </m:sSubSupPr>
+                              <m:e>
+                                <m:r>
+                                  <a:rPr lang="en-US" sz="1100" b="0" i="1" smtClean="0">
+                                    <a:latin typeface="Cambria Math" panose="02040503050406030204" pitchFamily="18" charset="0"/>
+                                  </a:rPr>
+                                  <m:t>𝑜</m:t>
+                                </m:r>
+                              </m:e>
+                              <m:sub>
+                                <m:r>
+                                  <a:rPr lang="en-US" sz="1100" b="0" i="1" smtClean="0">
+                                    <a:latin typeface="Cambria Math" panose="02040503050406030204" pitchFamily="18" charset="0"/>
+                                  </a:rPr>
+                                  <m:t>2</m:t>
+                                </m:r>
+                              </m:sub>
+                              <m:sup>
+                                <m:d>
+                                  <m:dPr>
+                                    <m:ctrlPr>
+                                      <a:rPr lang="en-US" sz="1100" i="1" smtClean="0">
+                                        <a:latin typeface="Cambria Math" panose="02040503050406030204" pitchFamily="18" charset="0"/>
+                                      </a:rPr>
+                                    </m:ctrlPr>
+                                  </m:dPr>
+                                  <m:e>
+                                    <m:r>
+                                      <a:rPr lang="en-US" sz="1100" b="0" i="1" smtClean="0">
+                                        <a:latin typeface="Cambria Math" panose="02040503050406030204" pitchFamily="18" charset="0"/>
+                                      </a:rPr>
+                                      <m:t>𝐾</m:t>
+                                    </m:r>
+                                  </m:e>
+                                </m:d>
+                              </m:sup>
+                            </m:sSubSup>
+                            <m:r>
+                              <a:rPr lang="en-US" sz="1100" i="1">
+                                <a:latin typeface="Cambria Math" panose="02040503050406030204" pitchFamily="18" charset="0"/>
+                              </a:rPr>
+                              <m:t>−</m:t>
+                            </m:r>
+                            <m:sSub>
+                              <m:sSubPr>
+                                <m:ctrlPr>
+                                  <a:rPr lang="en-US" sz="1100" i="1">
+                                    <a:latin typeface="Cambria Math" panose="02040503050406030204" pitchFamily="18" charset="0"/>
+                                  </a:rPr>
+                                </m:ctrlPr>
+                              </m:sSubPr>
+                              <m:e>
+                                <m:r>
+                                  <a:rPr lang="en-US" sz="1100" i="1">
+                                    <a:latin typeface="Cambria Math" panose="02040503050406030204" pitchFamily="18" charset="0"/>
+                                  </a:rPr>
+                                  <m:t>𝜏</m:t>
+                                </m:r>
+                              </m:e>
+                              <m:sub>
+                                <m:r>
+                                  <a:rPr lang="en-US" sz="1100" b="0" i="1" smtClean="0">
+                                    <a:latin typeface="Cambria Math" panose="02040503050406030204" pitchFamily="18" charset="0"/>
+                                  </a:rPr>
+                                  <m:t>2</m:t>
+                                </m:r>
+                              </m:sub>
+                            </m:sSub>
+                          </m:e>
+                        </m:d>
+                      </m:oMath>
+                    </m:oMathPara>
+                  </a14:m>
+                  <a:endParaRPr lang="en-US" sz="1100" dirty="0"/>
+                </a:p>
+              </p:txBody>
+            </p:sp>
+          </mc:Choice>
+          <mc:Fallback>
+            <p:sp>
+              <p:nvSpPr>
+                <p:cNvPr id="23" name="TextBox 22">
+                  <a:extLst>
+                    <a:ext uri="{FF2B5EF4-FFF2-40B4-BE49-F238E27FC236}">
+                      <a16:creationId xmlns:a16="http://schemas.microsoft.com/office/drawing/2014/main" id="{8120BA05-3B41-F549-ABCC-B6CC46FC1252}"/>
+                    </a:ext>
+                  </a:extLst>
+                </p:cNvPr>
+                <p:cNvSpPr txBox="1">
+                  <a:spLocks noRot="1" noChangeAspect="1" noMove="1" noResize="1" noEditPoints="1" noAdjustHandles="1" noChangeArrowheads="1" noChangeShapeType="1" noTextEdit="1"/>
+                </p:cNvSpPr>
+                <p:nvPr/>
+              </p:nvSpPr>
+              <p:spPr>
+                <a:xfrm>
+                  <a:off x="4066570" y="3718517"/>
+                  <a:ext cx="936089" cy="345672"/>
+                </a:xfrm>
+                <a:prstGeom prst="rect">
+                  <a:avLst/>
+                </a:prstGeom>
+                <a:blipFill>
+                  <a:blip r:embed="rId10"/>
+                  <a:stretch>
+                    <a:fillRect/>
+                  </a:stretch>
+                </a:blipFill>
+              </p:spPr>
+              <p:txBody>
+                <a:bodyPr/>
+                <a:lstStyle/>
+                <a:p>
+                  <a:r>
+                    <a:rPr lang="en-US">
+                      <a:noFill/>
+                    </a:rPr>
+                    <a:t> </a:t>
+                  </a:r>
+                </a:p>
+              </p:txBody>
+            </p:sp>
+          </mc:Fallback>
+        </mc:AlternateContent>
+        <mc:AlternateContent xmlns:mc="http://schemas.openxmlformats.org/markup-compatibility/2006">
+          <mc:Choice xmlns:a14="http://schemas.microsoft.com/office/drawing/2010/main" Requires="a14">
+            <p:sp>
+              <p:nvSpPr>
+                <p:cNvPr id="24" name="TextBox 23">
+                  <a:extLst>
+                    <a:ext uri="{FF2B5EF4-FFF2-40B4-BE49-F238E27FC236}">
+                      <a16:creationId xmlns:a16="http://schemas.microsoft.com/office/drawing/2014/main" id="{11958DE7-DEFB-864E-A7D5-B293DFB2536E}"/>
+                    </a:ext>
+                  </a:extLst>
+                </p:cNvPr>
+                <p:cNvSpPr txBox="1"/>
+                <p:nvPr/>
+              </p:nvSpPr>
+              <p:spPr>
+                <a:xfrm>
+                  <a:off x="5007589" y="3706499"/>
+                  <a:ext cx="1235338" cy="383438"/>
+                </a:xfrm>
+                <a:prstGeom prst="rect">
+                  <a:avLst/>
+                </a:prstGeom>
+                <a:noFill/>
+              </p:spPr>
+              <p:txBody>
+                <a:bodyPr wrap="none" rtlCol="0">
+                  <a:spAutoFit/>
+                </a:bodyPr>
+                <a:lstStyle/>
+                <a:p>
+                  <a14:m>
+                    <m:oMathPara xmlns:m="http://schemas.openxmlformats.org/officeDocument/2006/math">
+                      <m:oMathParaPr>
+                        <m:jc m:val="centerGroup"/>
+                      </m:oMathParaPr>
+                      <m:oMath xmlns:m="http://schemas.openxmlformats.org/officeDocument/2006/math">
+                        <m:sSup>
+                          <m:sSupPr>
+                            <m:ctrlPr>
+                              <a:rPr lang="en-US" sz="1100" i="1" smtClean="0"/>
+                            </m:ctrlPr>
+                          </m:sSupPr>
+                          <m:e>
+                            <m:f>
+                              <m:fPr>
+                                <m:type m:val="skw"/>
+                                <m:ctrlPr>
+                                  <a:rPr lang="en-US" sz="1100" i="1" smtClean="0">
+                                    <a:latin typeface="Cambria Math" panose="02040503050406030204" pitchFamily="18" charset="0"/>
+                                  </a:rPr>
+                                </m:ctrlPr>
+                              </m:fPr>
+                              <m:num>
+                                <m:r>
+                                  <a:rPr lang="en-US" sz="1100" b="0" i="1" smtClean="0">
+                                    <a:latin typeface="Cambria Math" panose="02040503050406030204" pitchFamily="18" charset="0"/>
+                                  </a:rPr>
+                                  <m:t>1</m:t>
+                                </m:r>
+                              </m:num>
+                              <m:den>
+                                <m:r>
+                                  <a:rPr lang="en-US" sz="1100" b="0" i="1" smtClean="0">
+                                    <a:latin typeface="Cambria Math" panose="02040503050406030204" pitchFamily="18" charset="0"/>
+                                  </a:rPr>
+                                  <m:t>2</m:t>
+                                </m:r>
+                              </m:den>
+                            </m:f>
+                            <m:d>
+                              <m:dPr>
+                                <m:ctrlPr>
+                                  <a:rPr lang="en-US" sz="1100" i="1" smtClean="0"/>
+                                </m:ctrlPr>
+                              </m:dPr>
+                              <m:e>
+                                <m:sSubSup>
+                                  <m:sSubSupPr>
+                                    <m:ctrlPr>
+                                      <a:rPr lang="en-US" sz="1100" i="1" smtClean="0">
+                                        <a:latin typeface="Cambria Math" panose="02040503050406030204" pitchFamily="18" charset="0"/>
+                                      </a:rPr>
+                                    </m:ctrlPr>
+                                  </m:sSubSupPr>
+                                  <m:e>
+                                    <m:r>
+                                      <a:rPr lang="en-US" sz="1100" b="0" i="1" smtClean="0">
+                                        <a:latin typeface="Cambria Math" panose="02040503050406030204" pitchFamily="18" charset="0"/>
+                                      </a:rPr>
+                                      <m:t>𝑜</m:t>
+                                    </m:r>
+                                  </m:e>
+                                  <m:sub>
+                                    <m:r>
+                                      <a:rPr lang="en-US" sz="1100" b="0" i="1" smtClean="0">
+                                        <a:latin typeface="Cambria Math" panose="02040503050406030204" pitchFamily="18" charset="0"/>
+                                      </a:rPr>
+                                      <m:t>2</m:t>
+                                    </m:r>
+                                  </m:sub>
+                                  <m:sup>
+                                    <m:d>
+                                      <m:dPr>
+                                        <m:ctrlPr>
+                                          <a:rPr lang="en-US" sz="1100" i="1" smtClean="0">
+                                            <a:latin typeface="Cambria Math" panose="02040503050406030204" pitchFamily="18" charset="0"/>
+                                          </a:rPr>
+                                        </m:ctrlPr>
+                                      </m:dPr>
+                                      <m:e>
+                                        <m:r>
+                                          <a:rPr lang="en-US" sz="1100" b="0" i="1" smtClean="0">
+                                            <a:latin typeface="Cambria Math" panose="02040503050406030204" pitchFamily="18" charset="0"/>
+                                          </a:rPr>
+                                          <m:t>𝐾</m:t>
+                                        </m:r>
+                                      </m:e>
+                                    </m:d>
+                                  </m:sup>
+                                </m:sSubSup>
+                                <m:r>
+                                  <a:rPr lang="en-US" sz="1100" i="1"/>
+                                  <m:t>−</m:t>
+                                </m:r>
+                                <m:sSub>
+                                  <m:sSubPr>
+                                    <m:ctrlPr>
+                                      <a:rPr lang="en-US" sz="1100" i="1" smtClean="0">
+                                        <a:latin typeface="Cambria Math" panose="02040503050406030204" pitchFamily="18" charset="0"/>
+                                      </a:rPr>
+                                    </m:ctrlPr>
+                                  </m:sSubPr>
+                                  <m:e>
+                                    <m:r>
+                                      <a:rPr lang="en-US" sz="1100" i="1">
+                                        <a:latin typeface="Cambria Math" panose="02040503050406030204" pitchFamily="18" charset="0"/>
+                                      </a:rPr>
+                                      <m:t>𝜏</m:t>
+                                    </m:r>
+                                  </m:e>
+                                  <m:sub>
+                                    <m:r>
+                                      <a:rPr lang="en-US" sz="1100" b="0" i="1" smtClean="0">
+                                        <a:latin typeface="Cambria Math" panose="02040503050406030204" pitchFamily="18" charset="0"/>
+                                      </a:rPr>
+                                      <m:t>2</m:t>
+                                    </m:r>
+                                  </m:sub>
+                                </m:sSub>
+                              </m:e>
+                            </m:d>
+                          </m:e>
+                          <m:sup>
+                            <m:r>
+                              <a:rPr lang="en-US" sz="1100" i="1"/>
+                              <m:t>2</m:t>
+                            </m:r>
+                          </m:sup>
+                        </m:sSup>
+                      </m:oMath>
+                    </m:oMathPara>
+                  </a14:m>
+                  <a:endParaRPr lang="en-US" sz="1100" dirty="0"/>
+                </a:p>
+              </p:txBody>
+            </p:sp>
+          </mc:Choice>
+          <mc:Fallback>
+            <p:sp>
+              <p:nvSpPr>
+                <p:cNvPr id="24" name="TextBox 23">
+                  <a:extLst>
+                    <a:ext uri="{FF2B5EF4-FFF2-40B4-BE49-F238E27FC236}">
+                      <a16:creationId xmlns:a16="http://schemas.microsoft.com/office/drawing/2014/main" id="{11958DE7-DEFB-864E-A7D5-B293DFB2536E}"/>
+                    </a:ext>
+                  </a:extLst>
+                </p:cNvPr>
+                <p:cNvSpPr txBox="1">
+                  <a:spLocks noRot="1" noChangeAspect="1" noMove="1" noResize="1" noEditPoints="1" noAdjustHandles="1" noChangeArrowheads="1" noChangeShapeType="1" noTextEdit="1"/>
+                </p:cNvSpPr>
+                <p:nvPr/>
+              </p:nvSpPr>
+              <p:spPr>
+                <a:xfrm>
+                  <a:off x="5007589" y="3706499"/>
+                  <a:ext cx="1235338" cy="383438"/>
+                </a:xfrm>
+                <a:prstGeom prst="rect">
+                  <a:avLst/>
+                </a:prstGeom>
+                <a:blipFill>
+                  <a:blip r:embed="rId11"/>
+                  <a:stretch>
+                    <a:fillRect l="-9184" t="-56250" b="-109375"/>
+                  </a:stretch>
+                </a:blipFill>
+              </p:spPr>
+              <p:txBody>
+                <a:bodyPr/>
+                <a:lstStyle/>
+                <a:p>
+                  <a:r>
+                    <a:rPr lang="en-US">
+                      <a:noFill/>
+                    </a:rPr>
+                    <a:t> </a:t>
+                  </a:r>
+                </a:p>
+              </p:txBody>
+            </p:sp>
+          </mc:Fallback>
+        </mc:AlternateContent>
+        <p:cxnSp>
+          <p:nvCxnSpPr>
+            <p:cNvPr id="25" name="Straight Connector 24">
+              <a:extLst>
+                <a:ext uri="{FF2B5EF4-FFF2-40B4-BE49-F238E27FC236}">
+                  <a16:creationId xmlns:a16="http://schemas.microsoft.com/office/drawing/2014/main" id="{B57EDB2D-0B5E-D44D-9C17-BCF1EC9CD759}"/>
+                </a:ext>
+              </a:extLst>
+            </p:cNvPr>
+            <p:cNvCxnSpPr/>
+            <p:nvPr/>
+          </p:nvCxnSpPr>
+          <p:spPr>
+            <a:xfrm>
+              <a:off x="5007589" y="3501936"/>
+              <a:ext cx="0" cy="776506"/>
+            </a:xfrm>
+            <a:prstGeom prst="line">
+              <a:avLst/>
+            </a:prstGeom>
+            <a:ln w="12700"/>
+          </p:spPr>
+          <p:style>
+            <a:lnRef idx="1">
+              <a:schemeClr val="accent1"/>
+            </a:lnRef>
+            <a:fillRef idx="0">
+              <a:schemeClr val="accent1"/>
+            </a:fillRef>
+            <a:effectRef idx="0">
+              <a:schemeClr val="accent1"/>
+            </a:effectRef>
+            <a:fontRef idx="minor">
+              <a:schemeClr val="tx1"/>
+            </a:fontRef>
+          </p:style>
+        </p:cxnSp>
+        <p:sp>
+          <p:nvSpPr>
+            <p:cNvPr id="27" name="Oval 26">
+              <a:extLst>
+                <a:ext uri="{FF2B5EF4-FFF2-40B4-BE49-F238E27FC236}">
+                  <a16:creationId xmlns:a16="http://schemas.microsoft.com/office/drawing/2014/main" id="{519B4C6A-F2D4-5843-BBC5-FBE44CCB2822}"/>
+                </a:ext>
+              </a:extLst>
+            </p:cNvPr>
+            <p:cNvSpPr/>
+            <p:nvPr/>
+          </p:nvSpPr>
+          <p:spPr>
+            <a:xfrm>
+              <a:off x="4110036" y="4673511"/>
+              <a:ext cx="2062158" cy="776506"/>
+            </a:xfrm>
+            <a:prstGeom prst="ellipse">
+              <a:avLst/>
+            </a:prstGeom>
+            <a:noFill/>
+          </p:spPr>
+          <p:style>
+            <a:lnRef idx="2">
+              <a:schemeClr val="accent1">
+                <a:shade val="50000"/>
+              </a:schemeClr>
+            </a:lnRef>
+            <a:fillRef idx="1">
+              <a:schemeClr val="accent1"/>
+            </a:fillRef>
+            <a:effectRef idx="0">
+              <a:schemeClr val="accent1"/>
+            </a:effectRef>
+            <a:fontRef idx="minor">
+              <a:schemeClr val="lt1"/>
+            </a:fontRef>
+          </p:style>
+          <p:txBody>
+            <a:bodyPr rtlCol="0" anchor="ctr"/>
+            <a:lstStyle/>
+            <a:p>
+              <a:pPr algn="ctr"/>
+              <a:endParaRPr lang="en-US"/>
+            </a:p>
+          </p:txBody>
+        </p:sp>
+        <mc:AlternateContent xmlns:mc="http://schemas.openxmlformats.org/markup-compatibility/2006">
+          <mc:Choice xmlns:a14="http://schemas.microsoft.com/office/drawing/2010/main" Requires="a14">
+            <p:sp>
+              <p:nvSpPr>
+                <p:cNvPr id="28" name="TextBox 27">
+                  <a:extLst>
+                    <a:ext uri="{FF2B5EF4-FFF2-40B4-BE49-F238E27FC236}">
+                      <a16:creationId xmlns:a16="http://schemas.microsoft.com/office/drawing/2014/main" id="{A548609B-49AE-7C42-AA80-D1F9ECC0F5DB}"/>
+                    </a:ext>
+                  </a:extLst>
+                </p:cNvPr>
+                <p:cNvSpPr txBox="1"/>
+                <p:nvPr/>
+              </p:nvSpPr>
+              <p:spPr>
+                <a:xfrm>
+                  <a:off x="4066570" y="4890092"/>
+                  <a:ext cx="936089" cy="345672"/>
+                </a:xfrm>
+                <a:prstGeom prst="rect">
+                  <a:avLst/>
+                </a:prstGeom>
+                <a:noFill/>
+              </p:spPr>
+              <p:txBody>
+                <a:bodyPr wrap="none" rtlCol="0">
+                  <a:spAutoFit/>
+                </a:bodyPr>
+                <a:lstStyle/>
+                <a:p>
+                  <a14:m>
+                    <m:oMathPara xmlns:m="http://schemas.openxmlformats.org/officeDocument/2006/math">
+                      <m:oMathParaPr>
+                        <m:jc m:val="centerGroup"/>
+                      </m:oMathParaPr>
+                      <m:oMath xmlns:m="http://schemas.openxmlformats.org/officeDocument/2006/math">
+                        <m:d>
+                          <m:dPr>
+                            <m:ctrlPr>
+                              <a:rPr lang="en-US" sz="1100" i="1" smtClean="0">
+                                <a:latin typeface="Cambria Math" panose="02040503050406030204" pitchFamily="18" charset="0"/>
+                              </a:rPr>
+                            </m:ctrlPr>
+                          </m:dPr>
+                          <m:e>
+                            <m:sSubSup>
+                              <m:sSubSupPr>
+                                <m:ctrlPr>
+                                  <a:rPr lang="en-US" sz="1100" i="1" smtClean="0">
+                                    <a:latin typeface="Cambria Math" panose="02040503050406030204" pitchFamily="18" charset="0"/>
+                                  </a:rPr>
+                                </m:ctrlPr>
+                              </m:sSubSupPr>
+                              <m:e>
+                                <m:r>
+                                  <a:rPr lang="en-US" sz="1100" b="0" i="1" smtClean="0">
+                                    <a:latin typeface="Cambria Math" panose="02040503050406030204" pitchFamily="18" charset="0"/>
+                                  </a:rPr>
+                                  <m:t>𝑜</m:t>
+                                </m:r>
+                              </m:e>
+                              <m:sub>
+                                <m:r>
+                                  <a:rPr lang="en-US" sz="1100" b="0" i="1" smtClean="0">
+                                    <a:latin typeface="Cambria Math" panose="02040503050406030204" pitchFamily="18" charset="0"/>
+                                  </a:rPr>
+                                  <m:t>𝑚</m:t>
+                                </m:r>
+                              </m:sub>
+                              <m:sup>
+                                <m:d>
+                                  <m:dPr>
+                                    <m:ctrlPr>
+                                      <a:rPr lang="en-US" sz="1100" i="1" smtClean="0">
+                                        <a:latin typeface="Cambria Math" panose="02040503050406030204" pitchFamily="18" charset="0"/>
+                                      </a:rPr>
+                                    </m:ctrlPr>
+                                  </m:dPr>
+                                  <m:e>
+                                    <m:r>
+                                      <a:rPr lang="en-US" sz="1100" b="0" i="1" smtClean="0">
+                                        <a:latin typeface="Cambria Math" panose="02040503050406030204" pitchFamily="18" charset="0"/>
+                                      </a:rPr>
+                                      <m:t>𝐾</m:t>
+                                    </m:r>
+                                  </m:e>
+                                </m:d>
+                              </m:sup>
+                            </m:sSubSup>
+                            <m:r>
+                              <a:rPr lang="en-US" sz="1100" i="1">
+                                <a:latin typeface="Cambria Math" panose="02040503050406030204" pitchFamily="18" charset="0"/>
+                              </a:rPr>
+                              <m:t>−</m:t>
+                            </m:r>
+                            <m:sSub>
+                              <m:sSubPr>
+                                <m:ctrlPr>
+                                  <a:rPr lang="en-US" sz="1100" i="1">
+                                    <a:latin typeface="Cambria Math" panose="02040503050406030204" pitchFamily="18" charset="0"/>
+                                  </a:rPr>
+                                </m:ctrlPr>
+                              </m:sSubPr>
+                              <m:e>
+                                <m:r>
+                                  <a:rPr lang="en-US" sz="1100" i="1">
+                                    <a:latin typeface="Cambria Math" panose="02040503050406030204" pitchFamily="18" charset="0"/>
+                                  </a:rPr>
+                                  <m:t>𝜏</m:t>
+                                </m:r>
+                              </m:e>
+                              <m:sub>
+                                <m:r>
+                                  <a:rPr lang="en-US" sz="1100" b="0" i="1" smtClean="0">
+                                    <a:latin typeface="Cambria Math" panose="02040503050406030204" pitchFamily="18" charset="0"/>
+                                  </a:rPr>
+                                  <m:t>𝑚</m:t>
+                                </m:r>
+                              </m:sub>
+                            </m:sSub>
+                          </m:e>
+                        </m:d>
+                      </m:oMath>
+                    </m:oMathPara>
+                  </a14:m>
+                  <a:endParaRPr lang="en-US" sz="1100" dirty="0"/>
+                </a:p>
+              </p:txBody>
+            </p:sp>
+          </mc:Choice>
+          <mc:Fallback>
+            <p:sp>
+              <p:nvSpPr>
+                <p:cNvPr id="28" name="TextBox 27">
+                  <a:extLst>
+                    <a:ext uri="{FF2B5EF4-FFF2-40B4-BE49-F238E27FC236}">
+                      <a16:creationId xmlns:a16="http://schemas.microsoft.com/office/drawing/2014/main" id="{A548609B-49AE-7C42-AA80-D1F9ECC0F5DB}"/>
+                    </a:ext>
+                  </a:extLst>
+                </p:cNvPr>
+                <p:cNvSpPr txBox="1">
+                  <a:spLocks noRot="1" noChangeAspect="1" noMove="1" noResize="1" noEditPoints="1" noAdjustHandles="1" noChangeArrowheads="1" noChangeShapeType="1" noTextEdit="1"/>
+                </p:cNvSpPr>
+                <p:nvPr/>
+              </p:nvSpPr>
+              <p:spPr>
+                <a:xfrm>
+                  <a:off x="4066570" y="4890092"/>
+                  <a:ext cx="936089" cy="345672"/>
+                </a:xfrm>
+                <a:prstGeom prst="rect">
+                  <a:avLst/>
+                </a:prstGeom>
+                <a:blipFill>
+                  <a:blip r:embed="rId12"/>
+                  <a:stretch>
+                    <a:fillRect/>
+                  </a:stretch>
+                </a:blipFill>
+              </p:spPr>
+              <p:txBody>
+                <a:bodyPr/>
+                <a:lstStyle/>
+                <a:p>
+                  <a:r>
+                    <a:rPr lang="en-US">
+                      <a:noFill/>
+                    </a:rPr>
+                    <a:t> </a:t>
+                  </a:r>
+                </a:p>
+              </p:txBody>
+            </p:sp>
+          </mc:Fallback>
+        </mc:AlternateContent>
+        <mc:AlternateContent xmlns:mc="http://schemas.openxmlformats.org/markup-compatibility/2006">
+          <mc:Choice xmlns:a14="http://schemas.microsoft.com/office/drawing/2010/main" Requires="a14">
+            <p:sp>
+              <p:nvSpPr>
+                <p:cNvPr id="29" name="TextBox 28">
+                  <a:extLst>
+                    <a:ext uri="{FF2B5EF4-FFF2-40B4-BE49-F238E27FC236}">
+                      <a16:creationId xmlns:a16="http://schemas.microsoft.com/office/drawing/2014/main" id="{6F7AD868-41D4-DD4A-8D6F-C80AF46E7C83}"/>
+                    </a:ext>
+                  </a:extLst>
+                </p:cNvPr>
+                <p:cNvSpPr txBox="1"/>
+                <p:nvPr/>
+              </p:nvSpPr>
+              <p:spPr>
+                <a:xfrm>
+                  <a:off x="5007589" y="4878074"/>
+                  <a:ext cx="1238672" cy="383438"/>
+                </a:xfrm>
+                <a:prstGeom prst="rect">
+                  <a:avLst/>
+                </a:prstGeom>
+                <a:noFill/>
+              </p:spPr>
+              <p:txBody>
+                <a:bodyPr wrap="none" rtlCol="0">
+                  <a:spAutoFit/>
+                </a:bodyPr>
+                <a:lstStyle/>
+                <a:p>
+                  <a14:m>
+                    <m:oMathPara xmlns:m="http://schemas.openxmlformats.org/officeDocument/2006/math">
+                      <m:oMathParaPr>
+                        <m:jc m:val="centerGroup"/>
+                      </m:oMathParaPr>
+                      <m:oMath xmlns:m="http://schemas.openxmlformats.org/officeDocument/2006/math">
+                        <m:sSup>
+                          <m:sSupPr>
+                            <m:ctrlPr>
+                              <a:rPr lang="en-US" sz="1100" i="1" smtClean="0"/>
+                            </m:ctrlPr>
+                          </m:sSupPr>
+                          <m:e>
+                            <m:f>
+                              <m:fPr>
+                                <m:type m:val="skw"/>
+                                <m:ctrlPr>
+                                  <a:rPr lang="en-US" sz="1100" i="1" smtClean="0">
+                                    <a:latin typeface="Cambria Math" panose="02040503050406030204" pitchFamily="18" charset="0"/>
+                                  </a:rPr>
+                                </m:ctrlPr>
+                              </m:fPr>
+                              <m:num>
+                                <m:r>
+                                  <a:rPr lang="en-US" sz="1100" b="0" i="1" smtClean="0">
+                                    <a:latin typeface="Cambria Math" panose="02040503050406030204" pitchFamily="18" charset="0"/>
+                                  </a:rPr>
+                                  <m:t>1</m:t>
+                                </m:r>
+                              </m:num>
+                              <m:den>
+                                <m:r>
+                                  <a:rPr lang="en-US" sz="1100" b="0" i="1" smtClean="0">
+                                    <a:latin typeface="Cambria Math" panose="02040503050406030204" pitchFamily="18" charset="0"/>
+                                  </a:rPr>
+                                  <m:t>2</m:t>
+                                </m:r>
+                              </m:den>
+                            </m:f>
+                            <m:d>
+                              <m:dPr>
+                                <m:ctrlPr>
+                                  <a:rPr lang="en-US" sz="1100" i="1" smtClean="0"/>
+                                </m:ctrlPr>
+                              </m:dPr>
+                              <m:e>
+                                <m:sSubSup>
+                                  <m:sSubSupPr>
+                                    <m:ctrlPr>
+                                      <a:rPr lang="en-US" sz="1100" i="1" smtClean="0">
+                                        <a:latin typeface="Cambria Math" panose="02040503050406030204" pitchFamily="18" charset="0"/>
+                                      </a:rPr>
+                                    </m:ctrlPr>
+                                  </m:sSubSupPr>
+                                  <m:e>
+                                    <m:r>
+                                      <a:rPr lang="en-US" sz="1100" b="0" i="1" smtClean="0">
+                                        <a:latin typeface="Cambria Math" panose="02040503050406030204" pitchFamily="18" charset="0"/>
+                                      </a:rPr>
+                                      <m:t>𝑜</m:t>
+                                    </m:r>
+                                  </m:e>
+                                  <m:sub>
+                                    <m:r>
+                                      <a:rPr lang="en-US" sz="1100" b="0" i="1" smtClean="0">
+                                        <a:latin typeface="Cambria Math" panose="02040503050406030204" pitchFamily="18" charset="0"/>
+                                      </a:rPr>
+                                      <m:t>𝑚</m:t>
+                                    </m:r>
+                                  </m:sub>
+                                  <m:sup>
+                                    <m:d>
+                                      <m:dPr>
+                                        <m:ctrlPr>
+                                          <a:rPr lang="en-US" sz="1100" i="1" smtClean="0">
+                                            <a:latin typeface="Cambria Math" panose="02040503050406030204" pitchFamily="18" charset="0"/>
+                                          </a:rPr>
+                                        </m:ctrlPr>
+                                      </m:dPr>
+                                      <m:e>
+                                        <m:r>
+                                          <a:rPr lang="en-US" sz="1100" b="0" i="1" smtClean="0">
+                                            <a:latin typeface="Cambria Math" panose="02040503050406030204" pitchFamily="18" charset="0"/>
+                                          </a:rPr>
+                                          <m:t>𝐾</m:t>
+                                        </m:r>
+                                      </m:e>
+                                    </m:d>
+                                  </m:sup>
+                                </m:sSubSup>
+                                <m:r>
+                                  <a:rPr lang="en-US" sz="1100" i="1"/>
+                                  <m:t>−</m:t>
+                                </m:r>
+                                <m:sSub>
+                                  <m:sSubPr>
+                                    <m:ctrlPr>
+                                      <a:rPr lang="en-US" sz="1100" i="1" smtClean="0">
+                                        <a:latin typeface="Cambria Math" panose="02040503050406030204" pitchFamily="18" charset="0"/>
+                                      </a:rPr>
+                                    </m:ctrlPr>
+                                  </m:sSubPr>
+                                  <m:e>
+                                    <m:r>
+                                      <a:rPr lang="en-US" sz="1100" i="1">
+                                        <a:latin typeface="Cambria Math" panose="02040503050406030204" pitchFamily="18" charset="0"/>
+                                      </a:rPr>
+                                      <m:t>𝜏</m:t>
+                                    </m:r>
+                                  </m:e>
+                                  <m:sub>
+                                    <m:r>
+                                      <a:rPr lang="en-US" sz="1100" b="0" i="1" smtClean="0">
+                                        <a:latin typeface="Cambria Math" panose="02040503050406030204" pitchFamily="18" charset="0"/>
+                                      </a:rPr>
+                                      <m:t>𝑚</m:t>
+                                    </m:r>
+                                  </m:sub>
+                                </m:sSub>
+                              </m:e>
+                            </m:d>
+                          </m:e>
+                          <m:sup>
+                            <m:r>
+                              <a:rPr lang="en-US" sz="1100" i="1"/>
+                              <m:t>2</m:t>
+                            </m:r>
+                          </m:sup>
+                        </m:sSup>
+                      </m:oMath>
+                    </m:oMathPara>
+                  </a14:m>
+                  <a:endParaRPr lang="en-US" sz="1100" dirty="0"/>
+                </a:p>
+              </p:txBody>
+            </p:sp>
+          </mc:Choice>
+          <mc:Fallback>
+            <p:sp>
+              <p:nvSpPr>
+                <p:cNvPr id="29" name="TextBox 28">
+                  <a:extLst>
+                    <a:ext uri="{FF2B5EF4-FFF2-40B4-BE49-F238E27FC236}">
+                      <a16:creationId xmlns:a16="http://schemas.microsoft.com/office/drawing/2014/main" id="{6F7AD868-41D4-DD4A-8D6F-C80AF46E7C83}"/>
+                    </a:ext>
+                  </a:extLst>
+                </p:cNvPr>
+                <p:cNvSpPr txBox="1">
+                  <a:spLocks noRot="1" noChangeAspect="1" noMove="1" noResize="1" noEditPoints="1" noAdjustHandles="1" noChangeArrowheads="1" noChangeShapeType="1" noTextEdit="1"/>
+                </p:cNvSpPr>
+                <p:nvPr/>
+              </p:nvSpPr>
+              <p:spPr>
+                <a:xfrm>
+                  <a:off x="5007589" y="4878074"/>
+                  <a:ext cx="1238672" cy="383438"/>
+                </a:xfrm>
+                <a:prstGeom prst="rect">
+                  <a:avLst/>
+                </a:prstGeom>
+                <a:blipFill>
+                  <a:blip r:embed="rId13"/>
+                  <a:stretch>
+                    <a:fillRect l="-10101" t="-61290" b="-112903"/>
+                  </a:stretch>
+                </a:blipFill>
+              </p:spPr>
+              <p:txBody>
+                <a:bodyPr/>
+                <a:lstStyle/>
+                <a:p>
+                  <a:r>
+                    <a:rPr lang="en-US">
+                      <a:noFill/>
+                    </a:rPr>
+                    <a:t> </a:t>
+                  </a:r>
+                </a:p>
+              </p:txBody>
+            </p:sp>
+          </mc:Fallback>
+        </mc:AlternateContent>
+        <p:cxnSp>
+          <p:nvCxnSpPr>
+            <p:cNvPr id="30" name="Straight Connector 29">
+              <a:extLst>
+                <a:ext uri="{FF2B5EF4-FFF2-40B4-BE49-F238E27FC236}">
+                  <a16:creationId xmlns:a16="http://schemas.microsoft.com/office/drawing/2014/main" id="{08EE4785-2066-AA49-8C5B-F03DE38F585B}"/>
+                </a:ext>
+              </a:extLst>
+            </p:cNvPr>
+            <p:cNvCxnSpPr/>
+            <p:nvPr/>
+          </p:nvCxnSpPr>
+          <p:spPr>
+            <a:xfrm>
+              <a:off x="5007589" y="4673511"/>
+              <a:ext cx="0" cy="776506"/>
+            </a:xfrm>
+            <a:prstGeom prst="line">
+              <a:avLst/>
+            </a:prstGeom>
+            <a:ln w="12700"/>
+          </p:spPr>
+          <p:style>
+            <a:lnRef idx="1">
+              <a:schemeClr val="accent1"/>
+            </a:lnRef>
+            <a:fillRef idx="0">
+              <a:schemeClr val="accent1"/>
+            </a:fillRef>
+            <a:effectRef idx="0">
+              <a:schemeClr val="accent1"/>
+            </a:effectRef>
+            <a:fontRef idx="minor">
+              <a:schemeClr val="tx1"/>
+            </a:fontRef>
+          </p:style>
+        </p:cxnSp>
+        <p:sp>
+          <p:nvSpPr>
+            <p:cNvPr id="31" name="TextBox 30">
+              <a:extLst>
+                <a:ext uri="{FF2B5EF4-FFF2-40B4-BE49-F238E27FC236}">
+                  <a16:creationId xmlns:a16="http://schemas.microsoft.com/office/drawing/2014/main" id="{9A38B4DA-F4A7-8841-8B52-0AF459ED4613}"/>
+                </a:ext>
+              </a:extLst>
+            </p:cNvPr>
+            <p:cNvSpPr txBox="1"/>
+            <p:nvPr/>
+          </p:nvSpPr>
+          <p:spPr>
+            <a:xfrm rot="5400000">
+              <a:off x="4855131" y="4367587"/>
+              <a:ext cx="370614" cy="276999"/>
+            </a:xfrm>
+            <a:prstGeom prst="rect">
+              <a:avLst/>
+            </a:prstGeom>
+            <a:noFill/>
+          </p:spPr>
+          <p:txBody>
+            <a:bodyPr wrap="none" rtlCol="0">
+              <a:spAutoFit/>
+            </a:bodyPr>
+            <a:lstStyle/>
+            <a:p>
+              <a:r>
+                <a:rPr lang="en-US" sz="1200" dirty="0"/>
+                <a:t>. . .</a:t>
+              </a:r>
+            </a:p>
+          </p:txBody>
+        </p:sp>
+        <p:cxnSp>
+          <p:nvCxnSpPr>
+            <p:cNvPr id="33" name="Straight Connector 32">
+              <a:extLst>
+                <a:ext uri="{FF2B5EF4-FFF2-40B4-BE49-F238E27FC236}">
+                  <a16:creationId xmlns:a16="http://schemas.microsoft.com/office/drawing/2014/main" id="{0A165AEC-AA25-E746-B0C1-DFFC0C76C11A}"/>
+                </a:ext>
+              </a:extLst>
+            </p:cNvPr>
+            <p:cNvCxnSpPr>
+              <a:cxnSpLocks/>
+            </p:cNvCxnSpPr>
+            <p:nvPr/>
+          </p:nvCxnSpPr>
+          <p:spPr>
+            <a:xfrm>
+              <a:off x="3533680" y="2836413"/>
+              <a:ext cx="564637" cy="4530"/>
+            </a:xfrm>
+            <a:prstGeom prst="line">
+              <a:avLst/>
+            </a:prstGeom>
+            <a:ln w="12700"/>
+          </p:spPr>
+          <p:style>
+            <a:lnRef idx="1">
+              <a:schemeClr val="accent1"/>
+            </a:lnRef>
+            <a:fillRef idx="0">
+              <a:schemeClr val="accent1"/>
+            </a:fillRef>
+            <a:effectRef idx="0">
+              <a:schemeClr val="accent1"/>
+            </a:effectRef>
+            <a:fontRef idx="minor">
+              <a:schemeClr val="tx1"/>
+            </a:fontRef>
+          </p:style>
+        </p:cxnSp>
+        <p:cxnSp>
+          <p:nvCxnSpPr>
+            <p:cNvPr id="38" name="Straight Connector 37">
+              <a:extLst>
+                <a:ext uri="{FF2B5EF4-FFF2-40B4-BE49-F238E27FC236}">
+                  <a16:creationId xmlns:a16="http://schemas.microsoft.com/office/drawing/2014/main" id="{52A2CAFD-D925-DE4D-909F-CAB38DF6DDBC}"/>
+                </a:ext>
+              </a:extLst>
+            </p:cNvPr>
+            <p:cNvCxnSpPr>
+              <a:cxnSpLocks/>
+            </p:cNvCxnSpPr>
+            <p:nvPr/>
+          </p:nvCxnSpPr>
+          <p:spPr>
+            <a:xfrm>
+              <a:off x="3545399" y="3902903"/>
+              <a:ext cx="564637" cy="4530"/>
+            </a:xfrm>
+            <a:prstGeom prst="line">
+              <a:avLst/>
+            </a:prstGeom>
+            <a:ln w="12700"/>
+          </p:spPr>
+          <p:style>
+            <a:lnRef idx="1">
+              <a:schemeClr val="accent1"/>
+            </a:lnRef>
+            <a:fillRef idx="0">
+              <a:schemeClr val="accent1"/>
+            </a:fillRef>
+            <a:effectRef idx="0">
+              <a:schemeClr val="accent1"/>
+            </a:effectRef>
+            <a:fontRef idx="minor">
+              <a:schemeClr val="tx1"/>
+            </a:fontRef>
+          </p:style>
+        </p:cxnSp>
+        <p:cxnSp>
+          <p:nvCxnSpPr>
+            <p:cNvPr id="39" name="Straight Connector 38">
+              <a:extLst>
+                <a:ext uri="{FF2B5EF4-FFF2-40B4-BE49-F238E27FC236}">
+                  <a16:creationId xmlns:a16="http://schemas.microsoft.com/office/drawing/2014/main" id="{E1E6FE6D-9347-524E-B06A-29A2906AC2BE}"/>
+                </a:ext>
+              </a:extLst>
+            </p:cNvPr>
+            <p:cNvCxnSpPr>
+              <a:cxnSpLocks/>
+            </p:cNvCxnSpPr>
+            <p:nvPr/>
+          </p:nvCxnSpPr>
+          <p:spPr>
+            <a:xfrm>
+              <a:off x="3545399" y="5044963"/>
+              <a:ext cx="564637" cy="4530"/>
+            </a:xfrm>
+            <a:prstGeom prst="line">
+              <a:avLst/>
+            </a:prstGeom>
+            <a:ln w="12700"/>
+          </p:spPr>
+          <p:style>
+            <a:lnRef idx="1">
+              <a:schemeClr val="accent1"/>
+            </a:lnRef>
+            <a:fillRef idx="0">
+              <a:schemeClr val="accent1"/>
+            </a:fillRef>
+            <a:effectRef idx="0">
+              <a:schemeClr val="accent1"/>
+            </a:effectRef>
+            <a:fontRef idx="minor">
+              <a:schemeClr val="tx1"/>
+            </a:fontRef>
+          </p:style>
+        </p:cxnSp>
+        <p:sp>
+          <p:nvSpPr>
+            <p:cNvPr id="40" name="Oval 39">
+              <a:extLst>
+                <a:ext uri="{FF2B5EF4-FFF2-40B4-BE49-F238E27FC236}">
+                  <a16:creationId xmlns:a16="http://schemas.microsoft.com/office/drawing/2014/main" id="{2F84F5F4-BE0D-324C-8258-04E0235EF740}"/>
+                </a:ext>
+              </a:extLst>
+            </p:cNvPr>
+            <p:cNvSpPr/>
+            <p:nvPr/>
+          </p:nvSpPr>
+          <p:spPr>
+            <a:xfrm>
+              <a:off x="6630041" y="3690755"/>
+              <a:ext cx="384678" cy="398868"/>
+            </a:xfrm>
+            <a:prstGeom prst="ellipse">
+              <a:avLst/>
+            </a:prstGeom>
+            <a:noFill/>
+          </p:spPr>
+          <p:style>
+            <a:lnRef idx="2">
+              <a:schemeClr val="accent1">
+                <a:shade val="50000"/>
+              </a:schemeClr>
+            </a:lnRef>
+            <a:fillRef idx="1">
+              <a:schemeClr val="accent1"/>
+            </a:fillRef>
+            <a:effectRef idx="0">
+              <a:schemeClr val="accent1"/>
+            </a:effectRef>
+            <a:fontRef idx="minor">
+              <a:schemeClr val="lt1"/>
+            </a:fontRef>
+          </p:style>
+          <p:txBody>
+            <a:bodyPr rtlCol="0" anchor="ctr"/>
+            <a:lstStyle/>
+            <a:p>
+              <a:pPr algn="ctr"/>
+              <a:endParaRPr lang="en-US"/>
+            </a:p>
+          </p:txBody>
+        </p:sp>
+        <p:sp>
+          <p:nvSpPr>
+            <p:cNvPr id="41" name="Oval 40">
+              <a:extLst>
+                <a:ext uri="{FF2B5EF4-FFF2-40B4-BE49-F238E27FC236}">
+                  <a16:creationId xmlns:a16="http://schemas.microsoft.com/office/drawing/2014/main" id="{B8E16840-CEF1-F54D-BCDD-45712C8E6E83}"/>
+                </a:ext>
+              </a:extLst>
+            </p:cNvPr>
+            <p:cNvSpPr/>
+            <p:nvPr/>
+          </p:nvSpPr>
+          <p:spPr>
+            <a:xfrm>
+              <a:off x="2144350" y="3524431"/>
+              <a:ext cx="384678" cy="398868"/>
+            </a:xfrm>
+            <a:prstGeom prst="ellipse">
+              <a:avLst/>
+            </a:prstGeom>
+            <a:noFill/>
+          </p:spPr>
+          <p:style>
+            <a:lnRef idx="2">
+              <a:schemeClr val="accent1">
+                <a:shade val="50000"/>
+              </a:schemeClr>
+            </a:lnRef>
+            <a:fillRef idx="1">
+              <a:schemeClr val="accent1"/>
+            </a:fillRef>
+            <a:effectRef idx="0">
+              <a:schemeClr val="accent1"/>
+            </a:effectRef>
+            <a:fontRef idx="minor">
+              <a:schemeClr val="lt1"/>
+            </a:fontRef>
+          </p:style>
+          <p:txBody>
+            <a:bodyPr rtlCol="0" anchor="ctr"/>
+            <a:lstStyle/>
+            <a:p>
+              <a:pPr algn="ctr"/>
+              <a:endParaRPr lang="en-US"/>
+            </a:p>
+          </p:txBody>
+        </p:sp>
+        <p:cxnSp>
+          <p:nvCxnSpPr>
+            <p:cNvPr id="42" name="Straight Connector 41">
+              <a:extLst>
+                <a:ext uri="{FF2B5EF4-FFF2-40B4-BE49-F238E27FC236}">
+                  <a16:creationId xmlns:a16="http://schemas.microsoft.com/office/drawing/2014/main" id="{88540E36-D7EA-DE45-BBE7-4113759B656E}"/>
+                </a:ext>
+              </a:extLst>
+            </p:cNvPr>
+            <p:cNvCxnSpPr/>
+            <p:nvPr/>
+          </p:nvCxnSpPr>
+          <p:spPr>
+            <a:xfrm>
+              <a:off x="2336689" y="3524431"/>
+              <a:ext cx="0" cy="398868"/>
+            </a:xfrm>
+            <a:prstGeom prst="line">
+              <a:avLst/>
+            </a:prstGeom>
+            <a:ln w="12700"/>
+          </p:spPr>
+          <p:style>
+            <a:lnRef idx="1">
+              <a:schemeClr val="accent1"/>
+            </a:lnRef>
+            <a:fillRef idx="0">
+              <a:schemeClr val="accent1"/>
+            </a:fillRef>
+            <a:effectRef idx="0">
+              <a:schemeClr val="accent1"/>
+            </a:effectRef>
+            <a:fontRef idx="minor">
+              <a:schemeClr val="tx1"/>
+            </a:fontRef>
+          </p:style>
+        </p:cxnSp>
+        <mc:AlternateContent xmlns:mc="http://schemas.openxmlformats.org/markup-compatibility/2006">
+          <mc:Choice xmlns:a14="http://schemas.microsoft.com/office/drawing/2010/main" Requires="a14">
+            <p:sp>
+              <p:nvSpPr>
+                <p:cNvPr id="45" name="TextBox 44">
+                  <a:extLst>
+                    <a:ext uri="{FF2B5EF4-FFF2-40B4-BE49-F238E27FC236}">
+                      <a16:creationId xmlns:a16="http://schemas.microsoft.com/office/drawing/2014/main" id="{4141CCEC-B28A-074C-8B30-EED0171C0E60}"/>
+                    </a:ext>
+                  </a:extLst>
+                </p:cNvPr>
+                <p:cNvSpPr txBox="1"/>
+                <p:nvPr/>
+              </p:nvSpPr>
+              <p:spPr>
+                <a:xfrm>
+                  <a:off x="3469073" y="3603419"/>
+                  <a:ext cx="464679" cy="301749"/>
+                </a:xfrm>
+                <a:prstGeom prst="rect">
+                  <a:avLst/>
+                </a:prstGeom>
+                <a:noFill/>
+              </p:spPr>
+              <p:txBody>
+                <a:bodyPr wrap="none" rtlCol="0">
+                  <a:spAutoFit/>
+                </a:bodyPr>
+                <a:lstStyle/>
+                <a:p>
+                  <a14:m>
+                    <m:oMathPara xmlns:m="http://schemas.openxmlformats.org/officeDocument/2006/math">
+                      <m:oMathParaPr>
+                        <m:jc m:val="centerGroup"/>
+                      </m:oMathParaPr>
+                      <m:oMath xmlns:m="http://schemas.openxmlformats.org/officeDocument/2006/math">
+                        <m:sSubSup>
+                          <m:sSubSupPr>
+                            <m:ctrlPr>
+                              <a:rPr lang="en-US" sz="1100" i="1" smtClean="0">
+                                <a:latin typeface="Cambria Math" panose="02040503050406030204" pitchFamily="18" charset="0"/>
+                              </a:rPr>
+                            </m:ctrlPr>
+                          </m:sSubSupPr>
+                          <m:e>
+                            <m:r>
+                              <a:rPr lang="en-US" sz="1100" b="0" i="1" smtClean="0">
+                                <a:latin typeface="Cambria Math" panose="02040503050406030204" pitchFamily="18" charset="0"/>
+                              </a:rPr>
+                              <m:t>𝑜</m:t>
+                            </m:r>
+                          </m:e>
+                          <m:sub>
+                            <m:r>
+                              <a:rPr lang="en-US" sz="1100" b="0" i="1" smtClean="0">
+                                <a:latin typeface="Cambria Math" panose="02040503050406030204" pitchFamily="18" charset="0"/>
+                              </a:rPr>
+                              <m:t>2</m:t>
+                            </m:r>
+                          </m:sub>
+                          <m:sup>
+                            <m:d>
+                              <m:dPr>
+                                <m:ctrlPr>
+                                  <a:rPr lang="en-US" sz="1100" i="1" smtClean="0">
+                                    <a:latin typeface="Cambria Math" panose="02040503050406030204" pitchFamily="18" charset="0"/>
+                                  </a:rPr>
+                                </m:ctrlPr>
+                              </m:dPr>
+                              <m:e>
+                                <m:r>
+                                  <a:rPr lang="en-US" sz="1100" b="0" i="1" smtClean="0">
+                                    <a:latin typeface="Cambria Math" panose="02040503050406030204" pitchFamily="18" charset="0"/>
+                                  </a:rPr>
+                                  <m:t>𝐾</m:t>
+                                </m:r>
+                              </m:e>
+                            </m:d>
+                          </m:sup>
+                        </m:sSubSup>
+                      </m:oMath>
+                    </m:oMathPara>
+                  </a14:m>
+                  <a:endParaRPr lang="en-US" sz="1100" dirty="0"/>
+                </a:p>
+              </p:txBody>
+            </p:sp>
+          </mc:Choice>
+          <mc:Fallback>
+            <p:sp>
+              <p:nvSpPr>
+                <p:cNvPr id="45" name="TextBox 44">
+                  <a:extLst>
+                    <a:ext uri="{FF2B5EF4-FFF2-40B4-BE49-F238E27FC236}">
+                      <a16:creationId xmlns:a16="http://schemas.microsoft.com/office/drawing/2014/main" id="{4141CCEC-B28A-074C-8B30-EED0171C0E60}"/>
+                    </a:ext>
+                  </a:extLst>
+                </p:cNvPr>
+                <p:cNvSpPr txBox="1">
+                  <a:spLocks noRot="1" noChangeAspect="1" noMove="1" noResize="1" noEditPoints="1" noAdjustHandles="1" noChangeArrowheads="1" noChangeShapeType="1" noTextEdit="1"/>
+                </p:cNvSpPr>
+                <p:nvPr/>
+              </p:nvSpPr>
+              <p:spPr>
+                <a:xfrm>
+                  <a:off x="3469073" y="3603419"/>
+                  <a:ext cx="464679" cy="301749"/>
+                </a:xfrm>
+                <a:prstGeom prst="rect">
+                  <a:avLst/>
+                </a:prstGeom>
+                <a:blipFill>
+                  <a:blip r:embed="rId14"/>
+                  <a:stretch>
+                    <a:fillRect/>
+                  </a:stretch>
+                </a:blipFill>
+              </p:spPr>
+              <p:txBody>
+                <a:bodyPr/>
+                <a:lstStyle/>
+                <a:p>
+                  <a:r>
+                    <a:rPr lang="en-US">
+                      <a:noFill/>
+                    </a:rPr>
+                    <a:t> </a:t>
+                  </a:r>
+                </a:p>
+              </p:txBody>
+            </p:sp>
+          </mc:Fallback>
+        </mc:AlternateContent>
+        <mc:AlternateContent xmlns:mc="http://schemas.openxmlformats.org/markup-compatibility/2006">
+          <mc:Choice xmlns:a14="http://schemas.microsoft.com/office/drawing/2010/main" Requires="a14">
+            <p:sp>
+              <p:nvSpPr>
+                <p:cNvPr id="46" name="TextBox 45">
+                  <a:extLst>
+                    <a:ext uri="{FF2B5EF4-FFF2-40B4-BE49-F238E27FC236}">
+                      <a16:creationId xmlns:a16="http://schemas.microsoft.com/office/drawing/2014/main" id="{79559676-2F9F-C64A-A7CA-4FA31D5C6AB6}"/>
+                    </a:ext>
+                  </a:extLst>
+                </p:cNvPr>
+                <p:cNvSpPr txBox="1"/>
+                <p:nvPr/>
+              </p:nvSpPr>
+              <p:spPr>
+                <a:xfrm>
+                  <a:off x="2430722" y="3706499"/>
+                  <a:ext cx="599330" cy="309252"/>
+                </a:xfrm>
+                <a:prstGeom prst="rect">
+                  <a:avLst/>
+                </a:prstGeom>
+                <a:noFill/>
+              </p:spPr>
+              <p:txBody>
+                <a:bodyPr wrap="none" rtlCol="0">
+                  <a:spAutoFit/>
+                </a:bodyPr>
+                <a:lstStyle/>
+                <a:p>
+                  <a14:m>
+                    <m:oMathPara xmlns:m="http://schemas.openxmlformats.org/officeDocument/2006/math">
+                      <m:oMathParaPr>
+                        <m:jc m:val="centerGroup"/>
+                      </m:oMathParaPr>
+                      <m:oMath xmlns:m="http://schemas.openxmlformats.org/officeDocument/2006/math">
+                        <m:sSubSup>
+                          <m:sSubSupPr>
+                            <m:ctrlPr>
+                              <a:rPr lang="en-US" sz="1100" i="1" smtClean="0">
+                                <a:latin typeface="Cambria Math" panose="02040503050406030204" pitchFamily="18" charset="0"/>
+                              </a:rPr>
+                            </m:ctrlPr>
+                          </m:sSubSupPr>
+                          <m:e>
+                            <m:r>
+                              <a:rPr lang="en-US" sz="1100" b="0" i="1" smtClean="0">
+                                <a:latin typeface="Cambria Math" panose="02040503050406030204" pitchFamily="18" charset="0"/>
+                              </a:rPr>
+                              <m:t>𝑜</m:t>
+                            </m:r>
+                          </m:e>
+                          <m:sub>
+                            <m:r>
+                              <a:rPr lang="en-US" sz="1100" b="0" i="1" smtClean="0">
+                                <a:latin typeface="Cambria Math" panose="02040503050406030204" pitchFamily="18" charset="0"/>
+                              </a:rPr>
+                              <m:t>𝑖</m:t>
+                            </m:r>
+                          </m:sub>
+                          <m:sup>
+                            <m:d>
+                              <m:dPr>
+                                <m:ctrlPr>
+                                  <a:rPr lang="en-US" sz="1100" i="1" smtClean="0">
+                                    <a:latin typeface="Cambria Math" panose="02040503050406030204" pitchFamily="18" charset="0"/>
+                                  </a:rPr>
+                                </m:ctrlPr>
+                              </m:dPr>
+                              <m:e>
+                                <m:r>
+                                  <a:rPr lang="en-US" sz="1100" b="0" i="1" smtClean="0">
+                                    <a:latin typeface="Cambria Math" panose="02040503050406030204" pitchFamily="18" charset="0"/>
+                                  </a:rPr>
+                                  <m:t>𝐾</m:t>
+                                </m:r>
+                                <m:r>
+                                  <a:rPr lang="en-US" sz="1100" b="0" i="1" smtClean="0">
+                                    <a:latin typeface="Cambria Math" panose="02040503050406030204" pitchFamily="18" charset="0"/>
+                                  </a:rPr>
+                                  <m:t>−1</m:t>
+                                </m:r>
+                              </m:e>
+                            </m:d>
+                          </m:sup>
+                        </m:sSubSup>
+                      </m:oMath>
+                    </m:oMathPara>
+                  </a14:m>
+                  <a:endParaRPr lang="en-US" sz="1100" dirty="0"/>
+                </a:p>
+              </p:txBody>
+            </p:sp>
+          </mc:Choice>
+          <mc:Fallback>
+            <p:sp>
+              <p:nvSpPr>
+                <p:cNvPr id="46" name="TextBox 45">
+                  <a:extLst>
+                    <a:ext uri="{FF2B5EF4-FFF2-40B4-BE49-F238E27FC236}">
+                      <a16:creationId xmlns:a16="http://schemas.microsoft.com/office/drawing/2014/main" id="{79559676-2F9F-C64A-A7CA-4FA31D5C6AB6}"/>
+                    </a:ext>
+                  </a:extLst>
+                </p:cNvPr>
+                <p:cNvSpPr txBox="1">
+                  <a:spLocks noRot="1" noChangeAspect="1" noMove="1" noResize="1" noEditPoints="1" noAdjustHandles="1" noChangeArrowheads="1" noChangeShapeType="1" noTextEdit="1"/>
+                </p:cNvSpPr>
+                <p:nvPr/>
+              </p:nvSpPr>
+              <p:spPr>
+                <a:xfrm>
+                  <a:off x="2430722" y="3706499"/>
+                  <a:ext cx="599330" cy="309252"/>
+                </a:xfrm>
+                <a:prstGeom prst="rect">
+                  <a:avLst/>
+                </a:prstGeom>
+                <a:blipFill>
+                  <a:blip r:embed="rId15"/>
+                  <a:stretch>
+                    <a:fillRect/>
+                  </a:stretch>
+                </a:blipFill>
+              </p:spPr>
+              <p:txBody>
+                <a:bodyPr/>
+                <a:lstStyle/>
+                <a:p>
+                  <a:r>
+                    <a:rPr lang="en-US">
+                      <a:noFill/>
+                    </a:rPr>
+                    <a:t> </a:t>
+                  </a:r>
+                </a:p>
+              </p:txBody>
+            </p:sp>
+          </mc:Fallback>
+        </mc:AlternateContent>
+        <p:cxnSp>
+          <p:nvCxnSpPr>
+            <p:cNvPr id="49" name="Straight Connector 48">
+              <a:extLst>
+                <a:ext uri="{FF2B5EF4-FFF2-40B4-BE49-F238E27FC236}">
+                  <a16:creationId xmlns:a16="http://schemas.microsoft.com/office/drawing/2014/main" id="{5984E462-B300-6D47-8948-753AC901EC0D}"/>
+                </a:ext>
+              </a:extLst>
+            </p:cNvPr>
+            <p:cNvCxnSpPr>
+              <a:cxnSpLocks/>
+            </p:cNvCxnSpPr>
+            <p:nvPr/>
+          </p:nvCxnSpPr>
+          <p:spPr>
+            <a:xfrm>
+              <a:off x="2443476" y="3905168"/>
+              <a:ext cx="763730" cy="972532"/>
+            </a:xfrm>
+            <a:prstGeom prst="line">
+              <a:avLst/>
+            </a:prstGeom>
+            <a:ln w="12700"/>
+          </p:spPr>
+          <p:style>
+            <a:lnRef idx="1">
+              <a:schemeClr val="accent1"/>
+            </a:lnRef>
+            <a:fillRef idx="0">
+              <a:schemeClr val="accent1"/>
+            </a:fillRef>
+            <a:effectRef idx="0">
+              <a:schemeClr val="accent1"/>
+            </a:effectRef>
+            <a:fontRef idx="minor">
+              <a:schemeClr val="tx1"/>
+            </a:fontRef>
+          </p:style>
+        </p:cxnSp>
+        <p:cxnSp>
+          <p:nvCxnSpPr>
+            <p:cNvPr id="52" name="Straight Connector 51">
+              <a:extLst>
+                <a:ext uri="{FF2B5EF4-FFF2-40B4-BE49-F238E27FC236}">
+                  <a16:creationId xmlns:a16="http://schemas.microsoft.com/office/drawing/2014/main" id="{F47726EB-E8B4-3C44-AEE9-1D889CA0F346}"/>
+                </a:ext>
+              </a:extLst>
+            </p:cNvPr>
+            <p:cNvCxnSpPr>
+              <a:cxnSpLocks/>
+            </p:cNvCxnSpPr>
+            <p:nvPr/>
+          </p:nvCxnSpPr>
+          <p:spPr>
+            <a:xfrm>
+              <a:off x="2529028" y="3718517"/>
+              <a:ext cx="356800" cy="0"/>
+            </a:xfrm>
+            <a:prstGeom prst="line">
+              <a:avLst/>
+            </a:prstGeom>
+            <a:ln w="12700"/>
+          </p:spPr>
+          <p:style>
+            <a:lnRef idx="1">
+              <a:schemeClr val="accent1"/>
+            </a:lnRef>
+            <a:fillRef idx="0">
+              <a:schemeClr val="accent1"/>
+            </a:fillRef>
+            <a:effectRef idx="0">
+              <a:schemeClr val="accent1"/>
+            </a:effectRef>
+            <a:fontRef idx="minor">
+              <a:schemeClr val="tx1"/>
+            </a:fontRef>
+          </p:style>
+        </p:cxnSp>
+        <p:cxnSp>
+          <p:nvCxnSpPr>
+            <p:cNvPr id="54" name="Straight Connector 53">
+              <a:extLst>
+                <a:ext uri="{FF2B5EF4-FFF2-40B4-BE49-F238E27FC236}">
+                  <a16:creationId xmlns:a16="http://schemas.microsoft.com/office/drawing/2014/main" id="{5994E237-8DAC-3841-8CB4-6E15D47A9F3D}"/>
+                </a:ext>
+              </a:extLst>
+            </p:cNvPr>
+            <p:cNvCxnSpPr>
+              <a:stCxn id="41" idx="7"/>
+            </p:cNvCxnSpPr>
+            <p:nvPr/>
+          </p:nvCxnSpPr>
+          <p:spPr>
+            <a:xfrm flipV="1">
+              <a:off x="2472693" y="3348763"/>
+              <a:ext cx="257694" cy="234081"/>
+            </a:xfrm>
+            <a:prstGeom prst="line">
+              <a:avLst/>
+            </a:prstGeom>
+            <a:ln w="12700"/>
+          </p:spPr>
+          <p:style>
+            <a:lnRef idx="1">
+              <a:schemeClr val="accent1"/>
+            </a:lnRef>
+            <a:fillRef idx="0">
+              <a:schemeClr val="accent1"/>
+            </a:fillRef>
+            <a:effectRef idx="0">
+              <a:schemeClr val="accent1"/>
+            </a:effectRef>
+            <a:fontRef idx="minor">
+              <a:schemeClr val="tx1"/>
+            </a:fontRef>
+          </p:style>
+        </p:cxnSp>
+        <p:sp>
+          <p:nvSpPr>
+            <p:cNvPr id="57" name="TextBox 56">
+              <a:extLst>
+                <a:ext uri="{FF2B5EF4-FFF2-40B4-BE49-F238E27FC236}">
+                  <a16:creationId xmlns:a16="http://schemas.microsoft.com/office/drawing/2014/main" id="{19B894E3-F077-1E4C-B3E3-CC2B24286664}"/>
+                </a:ext>
+              </a:extLst>
+            </p:cNvPr>
+            <p:cNvSpPr txBox="1"/>
+            <p:nvPr/>
+          </p:nvSpPr>
+          <p:spPr>
+            <a:xfrm rot="8186216">
+              <a:off x="2718979" y="3112190"/>
+              <a:ext cx="370614" cy="276999"/>
+            </a:xfrm>
+            <a:prstGeom prst="rect">
+              <a:avLst/>
+            </a:prstGeom>
+            <a:noFill/>
+          </p:spPr>
+          <p:txBody>
+            <a:bodyPr wrap="none" rtlCol="0">
+              <a:spAutoFit/>
+            </a:bodyPr>
+            <a:lstStyle/>
+            <a:p>
+              <a:r>
+                <a:rPr lang="en-US" sz="1200" dirty="0"/>
+                <a:t>. . .</a:t>
+              </a:r>
+            </a:p>
+          </p:txBody>
+        </p:sp>
+        <p:sp>
+          <p:nvSpPr>
+            <p:cNvPr id="58" name="TextBox 57">
+              <a:extLst>
+                <a:ext uri="{FF2B5EF4-FFF2-40B4-BE49-F238E27FC236}">
+                  <a16:creationId xmlns:a16="http://schemas.microsoft.com/office/drawing/2014/main" id="{216608FA-9BF0-BC45-BD2F-2D34F6642DFC}"/>
+                </a:ext>
+              </a:extLst>
+            </p:cNvPr>
+            <p:cNvSpPr txBox="1"/>
+            <p:nvPr/>
+          </p:nvSpPr>
+          <p:spPr>
+            <a:xfrm rot="10800000">
+              <a:off x="2853998" y="3615487"/>
+              <a:ext cx="370614" cy="276999"/>
+            </a:xfrm>
+            <a:prstGeom prst="rect">
+              <a:avLst/>
+            </a:prstGeom>
+            <a:noFill/>
+          </p:spPr>
+          <p:txBody>
+            <a:bodyPr wrap="none" rtlCol="0">
+              <a:spAutoFit/>
+            </a:bodyPr>
+            <a:lstStyle/>
+            <a:p>
+              <a:r>
+                <a:rPr lang="en-US" sz="1200" dirty="0"/>
+                <a:t>. . .</a:t>
+              </a:r>
+            </a:p>
+          </p:txBody>
+        </p:sp>
+        <mc:AlternateContent xmlns:mc="http://schemas.openxmlformats.org/markup-compatibility/2006">
+          <mc:Choice xmlns:a14="http://schemas.microsoft.com/office/drawing/2010/main" Requires="a14">
+            <p:sp>
+              <p:nvSpPr>
+                <p:cNvPr id="59" name="TextBox 58">
+                  <a:extLst>
+                    <a:ext uri="{FF2B5EF4-FFF2-40B4-BE49-F238E27FC236}">
+                      <a16:creationId xmlns:a16="http://schemas.microsoft.com/office/drawing/2014/main" id="{6043B5A8-0E48-6C40-B3DD-10E5C7175A92}"/>
+                    </a:ext>
+                  </a:extLst>
+                </p:cNvPr>
+                <p:cNvSpPr txBox="1"/>
+                <p:nvPr/>
+              </p:nvSpPr>
+              <p:spPr>
+                <a:xfrm>
+                  <a:off x="6661356" y="3747582"/>
+                  <a:ext cx="322524" cy="261610"/>
+                </a:xfrm>
+                <a:prstGeom prst="rect">
+                  <a:avLst/>
+                </a:prstGeom>
+                <a:noFill/>
+              </p:spPr>
+              <p:txBody>
+                <a:bodyPr wrap="none" rtlCol="0">
+                  <a:spAutoFit/>
+                </a:bodyPr>
+                <a:lstStyle/>
+                <a:p>
+                  <a14:m>
+                    <m:oMathPara xmlns:m="http://schemas.openxmlformats.org/officeDocument/2006/math">
+                      <m:oMathParaPr>
+                        <m:jc m:val="centerGroup"/>
+                      </m:oMathParaPr>
+                      <m:oMath xmlns:m="http://schemas.openxmlformats.org/officeDocument/2006/math">
+                        <m:r>
+                          <a:rPr lang="en-US" sz="1100" b="0" i="1" dirty="0" smtClean="0">
+                            <a:latin typeface="Cambria Math" panose="02040503050406030204" pitchFamily="18" charset="0"/>
+                          </a:rPr>
+                          <m:t>+</m:t>
+                        </m:r>
+                      </m:oMath>
+                    </m:oMathPara>
+                  </a14:m>
+                  <a:endParaRPr lang="en-US" sz="1100" dirty="0"/>
+                </a:p>
+              </p:txBody>
+            </p:sp>
+          </mc:Choice>
+          <mc:Fallback>
+            <p:sp>
+              <p:nvSpPr>
+                <p:cNvPr id="59" name="TextBox 58">
+                  <a:extLst>
+                    <a:ext uri="{FF2B5EF4-FFF2-40B4-BE49-F238E27FC236}">
+                      <a16:creationId xmlns:a16="http://schemas.microsoft.com/office/drawing/2014/main" id="{6043B5A8-0E48-6C40-B3DD-10E5C7175A92}"/>
+                    </a:ext>
+                  </a:extLst>
+                </p:cNvPr>
+                <p:cNvSpPr txBox="1">
+                  <a:spLocks noRot="1" noChangeAspect="1" noMove="1" noResize="1" noEditPoints="1" noAdjustHandles="1" noChangeArrowheads="1" noChangeShapeType="1" noTextEdit="1"/>
+                </p:cNvSpPr>
+                <p:nvPr/>
+              </p:nvSpPr>
+              <p:spPr>
+                <a:xfrm>
+                  <a:off x="6661356" y="3747582"/>
+                  <a:ext cx="322524" cy="261610"/>
+                </a:xfrm>
+                <a:prstGeom prst="rect">
+                  <a:avLst/>
+                </a:prstGeom>
+                <a:blipFill>
+                  <a:blip r:embed="rId16"/>
+                  <a:stretch>
+                    <a:fillRect/>
+                  </a:stretch>
+                </a:blipFill>
+              </p:spPr>
+              <p:txBody>
+                <a:bodyPr/>
+                <a:lstStyle/>
+                <a:p>
+                  <a:r>
+                    <a:rPr lang="en-US">
+                      <a:noFill/>
+                    </a:rPr>
+                    <a:t> </a:t>
+                  </a:r>
+                </a:p>
+              </p:txBody>
+            </p:sp>
+          </mc:Fallback>
+        </mc:AlternateContent>
+        <p:cxnSp>
+          <p:nvCxnSpPr>
+            <p:cNvPr id="61" name="Straight Connector 60">
+              <a:extLst>
+                <a:ext uri="{FF2B5EF4-FFF2-40B4-BE49-F238E27FC236}">
+                  <a16:creationId xmlns:a16="http://schemas.microsoft.com/office/drawing/2014/main" id="{3CCB55BA-A529-D44E-9B8B-4A83F958C0FF}"/>
+                </a:ext>
+              </a:extLst>
+            </p:cNvPr>
+            <p:cNvCxnSpPr>
+              <a:cxnSpLocks/>
+            </p:cNvCxnSpPr>
+            <p:nvPr/>
+          </p:nvCxnSpPr>
+          <p:spPr>
+            <a:xfrm>
+              <a:off x="6178642" y="2840943"/>
+              <a:ext cx="583724" cy="859731"/>
+            </a:xfrm>
+            <a:prstGeom prst="line">
+              <a:avLst/>
+            </a:prstGeom>
+            <a:ln w="12700"/>
+          </p:spPr>
+          <p:style>
+            <a:lnRef idx="1">
+              <a:schemeClr val="accent1"/>
+            </a:lnRef>
+            <a:fillRef idx="0">
+              <a:schemeClr val="accent1"/>
+            </a:fillRef>
+            <a:effectRef idx="0">
+              <a:schemeClr val="accent1"/>
+            </a:effectRef>
+            <a:fontRef idx="minor">
+              <a:schemeClr val="tx1"/>
+            </a:fontRef>
+          </p:style>
+        </p:cxnSp>
+        <p:cxnSp>
+          <p:nvCxnSpPr>
+            <p:cNvPr id="64" name="Straight Connector 63">
+              <a:extLst>
+                <a:ext uri="{FF2B5EF4-FFF2-40B4-BE49-F238E27FC236}">
+                  <a16:creationId xmlns:a16="http://schemas.microsoft.com/office/drawing/2014/main" id="{173AB661-93C1-0744-B20C-0D2F9ECD7344}"/>
+                </a:ext>
+              </a:extLst>
+            </p:cNvPr>
+            <p:cNvCxnSpPr>
+              <a:cxnSpLocks/>
+              <a:endCxn id="40" idx="2"/>
+            </p:cNvCxnSpPr>
+            <p:nvPr/>
+          </p:nvCxnSpPr>
+          <p:spPr>
+            <a:xfrm flipV="1">
+              <a:off x="6169938" y="3890189"/>
+              <a:ext cx="460103" cy="1474"/>
+            </a:xfrm>
+            <a:prstGeom prst="line">
+              <a:avLst/>
+            </a:prstGeom>
+            <a:ln w="12700"/>
+          </p:spPr>
+          <p:style>
+            <a:lnRef idx="1">
+              <a:schemeClr val="accent1"/>
+            </a:lnRef>
+            <a:fillRef idx="0">
+              <a:schemeClr val="accent1"/>
+            </a:fillRef>
+            <a:effectRef idx="0">
+              <a:schemeClr val="accent1"/>
+            </a:effectRef>
+            <a:fontRef idx="minor">
+              <a:schemeClr val="tx1"/>
+            </a:fontRef>
+          </p:style>
+        </p:cxnSp>
+        <p:cxnSp>
+          <p:nvCxnSpPr>
+            <p:cNvPr id="66" name="Straight Connector 65">
+              <a:extLst>
+                <a:ext uri="{FF2B5EF4-FFF2-40B4-BE49-F238E27FC236}">
+                  <a16:creationId xmlns:a16="http://schemas.microsoft.com/office/drawing/2014/main" id="{E7DA091E-7229-F94E-9E85-4455609DA731}"/>
+                </a:ext>
+              </a:extLst>
+            </p:cNvPr>
+            <p:cNvCxnSpPr>
+              <a:cxnSpLocks/>
+              <a:stCxn id="40" idx="4"/>
+            </p:cNvCxnSpPr>
+            <p:nvPr/>
+          </p:nvCxnSpPr>
+          <p:spPr>
+            <a:xfrm flipH="1">
+              <a:off x="6158146" y="4089623"/>
+              <a:ext cx="664234" cy="971416"/>
+            </a:xfrm>
+            <a:prstGeom prst="line">
+              <a:avLst/>
+            </a:prstGeom>
+            <a:ln w="12700"/>
+          </p:spPr>
+          <p:style>
+            <a:lnRef idx="1">
+              <a:schemeClr val="accent1"/>
+            </a:lnRef>
+            <a:fillRef idx="0">
+              <a:schemeClr val="accent1"/>
+            </a:fillRef>
+            <a:effectRef idx="0">
+              <a:schemeClr val="accent1"/>
+            </a:effectRef>
+            <a:fontRef idx="minor">
+              <a:schemeClr val="tx1"/>
+            </a:fontRef>
+          </p:style>
+        </p:cxnSp>
+        <p:cxnSp>
+          <p:nvCxnSpPr>
+            <p:cNvPr id="69" name="Straight Connector 68">
+              <a:extLst>
+                <a:ext uri="{FF2B5EF4-FFF2-40B4-BE49-F238E27FC236}">
+                  <a16:creationId xmlns:a16="http://schemas.microsoft.com/office/drawing/2014/main" id="{38DB31B5-C037-F94A-8519-E1238163BDF8}"/>
+                </a:ext>
+              </a:extLst>
+            </p:cNvPr>
+            <p:cNvCxnSpPr>
+              <a:cxnSpLocks/>
+            </p:cNvCxnSpPr>
+            <p:nvPr/>
+          </p:nvCxnSpPr>
+          <p:spPr>
+            <a:xfrm>
+              <a:off x="7014719" y="3890189"/>
+              <a:ext cx="356800" cy="0"/>
+            </a:xfrm>
+            <a:prstGeom prst="line">
+              <a:avLst/>
+            </a:prstGeom>
+            <a:ln w="12700"/>
+          </p:spPr>
+          <p:style>
+            <a:lnRef idx="1">
+              <a:schemeClr val="accent1"/>
+            </a:lnRef>
+            <a:fillRef idx="0">
+              <a:schemeClr val="accent1"/>
+            </a:fillRef>
+            <a:effectRef idx="0">
+              <a:schemeClr val="accent1"/>
+            </a:effectRef>
+            <a:fontRef idx="minor">
+              <a:schemeClr val="tx1"/>
+            </a:fontRef>
+          </p:style>
+        </p:cxnSp>
+        <mc:AlternateContent xmlns:mc="http://schemas.openxmlformats.org/markup-compatibility/2006">
+          <mc:Choice xmlns:a14="http://schemas.microsoft.com/office/drawing/2010/main" Requires="a14">
+            <p:sp>
+              <p:nvSpPr>
+                <p:cNvPr id="70" name="TextBox 69">
+                  <a:extLst>
+                    <a:ext uri="{FF2B5EF4-FFF2-40B4-BE49-F238E27FC236}">
+                      <a16:creationId xmlns:a16="http://schemas.microsoft.com/office/drawing/2014/main" id="{AD1AE36E-2473-8145-A3D0-2CD8B826ECFE}"/>
+                    </a:ext>
+                  </a:extLst>
+                </p:cNvPr>
+                <p:cNvSpPr txBox="1"/>
+                <p:nvPr/>
+              </p:nvSpPr>
+              <p:spPr>
+                <a:xfrm>
+                  <a:off x="7140480" y="3628579"/>
+                  <a:ext cx="310405" cy="261610"/>
+                </a:xfrm>
+                <a:prstGeom prst="rect">
+                  <a:avLst/>
+                </a:prstGeom>
+                <a:noFill/>
+              </p:spPr>
+              <p:txBody>
+                <a:bodyPr wrap="none" rtlCol="0">
+                  <a:spAutoFit/>
+                </a:bodyPr>
+                <a:lstStyle/>
+                <a:p>
+                  <a14:m>
+                    <m:oMathPara xmlns:m="http://schemas.openxmlformats.org/officeDocument/2006/math">
+                      <m:oMathParaPr>
+                        <m:jc m:val="centerGroup"/>
+                      </m:oMathParaPr>
+                      <m:oMath xmlns:m="http://schemas.openxmlformats.org/officeDocument/2006/math">
+                        <m:r>
+                          <a:rPr lang="en-US" sz="1100" b="0" i="1" dirty="0" smtClean="0">
+                            <a:latin typeface="Cambria Math" panose="02040503050406030204" pitchFamily="18" charset="0"/>
+                          </a:rPr>
+                          <m:t>𝐸</m:t>
+                        </m:r>
+                      </m:oMath>
+                    </m:oMathPara>
+                  </a14:m>
+                  <a:endParaRPr lang="en-US" sz="1100" dirty="0"/>
+                </a:p>
+              </p:txBody>
+            </p:sp>
+          </mc:Choice>
+          <mc:Fallback>
+            <p:sp>
+              <p:nvSpPr>
+                <p:cNvPr id="70" name="TextBox 69">
+                  <a:extLst>
+                    <a:ext uri="{FF2B5EF4-FFF2-40B4-BE49-F238E27FC236}">
+                      <a16:creationId xmlns:a16="http://schemas.microsoft.com/office/drawing/2014/main" id="{AD1AE36E-2473-8145-A3D0-2CD8B826ECFE}"/>
+                    </a:ext>
+                  </a:extLst>
+                </p:cNvPr>
+                <p:cNvSpPr txBox="1">
+                  <a:spLocks noRot="1" noChangeAspect="1" noMove="1" noResize="1" noEditPoints="1" noAdjustHandles="1" noChangeArrowheads="1" noChangeShapeType="1" noTextEdit="1"/>
+                </p:cNvSpPr>
+                <p:nvPr/>
+              </p:nvSpPr>
+              <p:spPr>
+                <a:xfrm>
+                  <a:off x="7140480" y="3628579"/>
+                  <a:ext cx="310405" cy="261610"/>
+                </a:xfrm>
+                <a:prstGeom prst="rect">
+                  <a:avLst/>
+                </a:prstGeom>
+                <a:blipFill>
+                  <a:blip r:embed="rId17"/>
+                  <a:stretch>
+                    <a:fillRect/>
+                  </a:stretch>
+                </a:blipFill>
+              </p:spPr>
+              <p:txBody>
+                <a:bodyPr/>
+                <a:lstStyle/>
+                <a:p>
+                  <a:r>
+                    <a:rPr lang="en-US">
+                      <a:noFill/>
+                    </a:rPr>
+                    <a:t> </a:t>
+                  </a:r>
+                </a:p>
+              </p:txBody>
+            </p:sp>
+          </mc:Fallback>
+        </mc:AlternateContent>
+        <p:sp>
+          <p:nvSpPr>
+            <p:cNvPr id="71" name="TextBox 70">
+              <a:extLst>
+                <a:ext uri="{FF2B5EF4-FFF2-40B4-BE49-F238E27FC236}">
+                  <a16:creationId xmlns:a16="http://schemas.microsoft.com/office/drawing/2014/main" id="{9880531D-A1F1-A743-8FB8-8D835C4A261F}"/>
+                </a:ext>
+              </a:extLst>
+            </p:cNvPr>
+            <p:cNvSpPr txBox="1"/>
+            <p:nvPr/>
+          </p:nvSpPr>
+          <p:spPr>
+            <a:xfrm>
+              <a:off x="2964309" y="2344664"/>
+              <a:ext cx="885179" cy="261610"/>
+            </a:xfrm>
+            <a:prstGeom prst="rect">
+              <a:avLst/>
+            </a:prstGeom>
+            <a:noFill/>
+          </p:spPr>
+          <p:txBody>
+            <a:bodyPr wrap="none" rtlCol="0">
+              <a:spAutoFit/>
+            </a:bodyPr>
+            <a:lstStyle/>
+            <a:p>
+              <a:r>
+                <a:rPr lang="en-US" sz="1100" dirty="0"/>
+                <a:t>output units</a:t>
+              </a:r>
+            </a:p>
+          </p:txBody>
+        </p:sp>
+        <mc:AlternateContent xmlns:mc="http://schemas.openxmlformats.org/markup-compatibility/2006">
+          <mc:Choice xmlns:a14="http://schemas.microsoft.com/office/drawing/2010/main" Requires="a14">
+            <p:sp>
+              <p:nvSpPr>
+                <p:cNvPr id="72" name="TextBox 71">
+                  <a:extLst>
+                    <a:ext uri="{FF2B5EF4-FFF2-40B4-BE49-F238E27FC236}">
+                      <a16:creationId xmlns:a16="http://schemas.microsoft.com/office/drawing/2014/main" id="{806EB6EC-62D1-2C4A-A363-6AAC999CE984}"/>
+                    </a:ext>
+                  </a:extLst>
+                </p:cNvPr>
+                <p:cNvSpPr txBox="1"/>
+                <p:nvPr/>
+              </p:nvSpPr>
+              <p:spPr>
+                <a:xfrm>
+                  <a:off x="1882595" y="4034001"/>
+                  <a:ext cx="859210" cy="430887"/>
+                </a:xfrm>
+                <a:prstGeom prst="rect">
+                  <a:avLst/>
+                </a:prstGeom>
+                <a:noFill/>
+              </p:spPr>
+              <p:txBody>
+                <a:bodyPr wrap="none" rtlCol="0">
+                  <a:spAutoFit/>
+                </a:bodyPr>
+                <a:lstStyle/>
+                <a:p>
+                  <a14:m>
                     <m:oMath xmlns:m="http://schemas.openxmlformats.org/officeDocument/2006/math">
                       <m:r>
                         <a:rPr lang="en-US" sz="1100" i="1" dirty="0" smtClean="0">
                           <a:latin typeface="Cambria Math" panose="02040503050406030204" pitchFamily="18" charset="0"/>
                         </a:rPr>
-                        <m:t>𝑠</m:t>
+                        <m:t>𝑖</m:t>
                       </m:r>
                     </m:oMath>
-                  </m:oMathPara>
-                </a14:m>
-                <a:endParaRPr lang="en-US" sz="1100" dirty="0"/>
-              </a:p>
-            </p:txBody>
-          </p:sp>
-        </mc:Choice>
-        <mc:Fallback>
-          <p:sp>
-            <p:nvSpPr>
-              <p:cNvPr id="10" name="TextBox 9">
-                <a:extLst>
-                  <a:ext uri="{FF2B5EF4-FFF2-40B4-BE49-F238E27FC236}">
-                    <a16:creationId xmlns:a16="http://schemas.microsoft.com/office/drawing/2014/main" id="{E8582653-890C-304D-8BD9-2483F38FE9DC}"/>
-                  </a:ext>
-                </a:extLst>
-              </p:cNvPr>
-              <p:cNvSpPr txBox="1">
-                <a:spLocks noRot="1" noChangeAspect="1" noMove="1" noResize="1" noEditPoints="1" noAdjustHandles="1" noChangeArrowheads="1" noChangeShapeType="1" noTextEdit="1"/>
-              </p:cNvSpPr>
-              <p:nvPr/>
-            </p:nvSpPr>
-            <p:spPr>
-              <a:xfrm>
-                <a:off x="3318299" y="2702109"/>
-                <a:ext cx="285335" cy="261610"/>
-              </a:xfrm>
-              <a:prstGeom prst="rect">
-                <a:avLst/>
-              </a:prstGeom>
-              <a:blipFill>
-                <a:blip r:embed="rId3"/>
-                <a:stretch>
-                  <a:fillRect/>
-                </a:stretch>
-              </a:blipFill>
-            </p:spPr>
-            <p:txBody>
-              <a:bodyPr/>
-              <a:lstStyle/>
-              <a:p>
-                <a:r>
-                  <a:rPr lang="en-US">
-                    <a:noFill/>
-                  </a:rPr>
-                  <a:t> </a:t>
-                </a:r>
-              </a:p>
-            </p:txBody>
-          </p:sp>
-        </mc:Fallback>
-      </mc:AlternateContent>
-      <p:cxnSp>
-        <p:nvCxnSpPr>
-          <p:cNvPr id="11" name="Straight Connector 10">
-            <a:extLst>
-              <a:ext uri="{FF2B5EF4-FFF2-40B4-BE49-F238E27FC236}">
-                <a16:creationId xmlns:a16="http://schemas.microsoft.com/office/drawing/2014/main" id="{02ED1470-2C05-D142-82A8-EF25F9BEA335}"/>
-              </a:ext>
-            </a:extLst>
-          </p:cNvPr>
-          <p:cNvCxnSpPr/>
-          <p:nvPr/>
-        </p:nvCxnSpPr>
-        <p:spPr>
-          <a:xfrm>
-            <a:off x="3353060" y="3725950"/>
-            <a:ext cx="0" cy="398868"/>
-          </a:xfrm>
-          <a:prstGeom prst="line">
-            <a:avLst/>
-          </a:prstGeom>
-          <a:ln w="12700"/>
-        </p:spPr>
-        <p:style>
-          <a:lnRef idx="1">
-            <a:schemeClr val="accent1"/>
-          </a:lnRef>
-          <a:fillRef idx="0">
-            <a:schemeClr val="accent1"/>
-          </a:fillRef>
-          <a:effectRef idx="0">
-            <a:schemeClr val="accent1"/>
-          </a:effectRef>
-          <a:fontRef idx="minor">
-            <a:schemeClr val="tx1"/>
-          </a:fontRef>
-        </p:style>
-      </p:cxnSp>
-      <p:cxnSp>
-        <p:nvCxnSpPr>
-          <p:cNvPr id="12" name="Straight Connector 11">
-            <a:extLst>
-              <a:ext uri="{FF2B5EF4-FFF2-40B4-BE49-F238E27FC236}">
-                <a16:creationId xmlns:a16="http://schemas.microsoft.com/office/drawing/2014/main" id="{F5D8D76E-20C7-7D4C-8668-BDEA745BE0ED}"/>
-              </a:ext>
-            </a:extLst>
-          </p:cNvPr>
-          <p:cNvCxnSpPr/>
-          <p:nvPr/>
-        </p:nvCxnSpPr>
-        <p:spPr>
-          <a:xfrm>
-            <a:off x="3353060" y="4837418"/>
-            <a:ext cx="0" cy="398868"/>
-          </a:xfrm>
-          <a:prstGeom prst="line">
-            <a:avLst/>
-          </a:prstGeom>
-          <a:ln w="12700"/>
-        </p:spPr>
-        <p:style>
-          <a:lnRef idx="1">
-            <a:schemeClr val="accent1"/>
-          </a:lnRef>
-          <a:fillRef idx="0">
-            <a:schemeClr val="accent1"/>
-          </a:fillRef>
-          <a:effectRef idx="0">
-            <a:schemeClr val="accent1"/>
-          </a:effectRef>
-          <a:fontRef idx="minor">
-            <a:schemeClr val="tx1"/>
-          </a:fontRef>
-        </p:style>
-      </p:cxnSp>
-      <mc:AlternateContent xmlns:mc="http://schemas.openxmlformats.org/markup-compatibility/2006">
-        <mc:Choice xmlns:a14="http://schemas.microsoft.com/office/drawing/2010/main" Requires="a14">
-          <p:sp>
-            <p:nvSpPr>
-              <p:cNvPr id="13" name="TextBox 12">
-                <a:extLst>
-                  <a:ext uri="{FF2B5EF4-FFF2-40B4-BE49-F238E27FC236}">
-                    <a16:creationId xmlns:a16="http://schemas.microsoft.com/office/drawing/2014/main" id="{35C287C3-EBA9-CF42-BC16-3EA499AFFB81}"/>
-                  </a:ext>
-                </a:extLst>
-              </p:cNvPr>
-              <p:cNvSpPr txBox="1"/>
-              <p:nvPr/>
-            </p:nvSpPr>
-            <p:spPr>
-              <a:xfrm>
-                <a:off x="3102488" y="3776628"/>
-                <a:ext cx="331821" cy="261610"/>
-              </a:xfrm>
-              <a:prstGeom prst="rect">
-                <a:avLst/>
-              </a:prstGeom>
-              <a:noFill/>
-            </p:spPr>
-            <p:txBody>
-              <a:bodyPr wrap="none" rtlCol="0">
-                <a:spAutoFit/>
-              </a:bodyPr>
-              <a:lstStyle/>
-              <a:p>
-                <a14:m>
-                  <m:oMathPara xmlns:m="http://schemas.openxmlformats.org/officeDocument/2006/math">
-                    <m:oMathParaPr>
-                      <m:jc m:val="centerGroup"/>
-                    </m:oMathParaPr>
-                    <m:oMath xmlns:m="http://schemas.openxmlformats.org/officeDocument/2006/math">
-                      <m:sSup>
-                        <m:sSupPr>
-                          <m:ctrlPr>
-                            <a:rPr lang="en-US" sz="1100" i="1" dirty="0" smtClean="0">
-                              <a:latin typeface="Cambria Math" panose="02040503050406030204" pitchFamily="18" charset="0"/>
-                            </a:rPr>
-                          </m:ctrlPr>
-                        </m:sSupPr>
-                        <m:e>
-                          <m:r>
-                            <a:rPr lang="en-US" sz="1100" i="1" dirty="0" smtClean="0">
-                              <a:latin typeface="Cambria Math" panose="02040503050406030204" pitchFamily="18" charset="0"/>
-                            </a:rPr>
-                            <m:t>𝑠</m:t>
-                          </m:r>
-                        </m:e>
-                        <m:sup>
-                          <m:r>
-                            <a:rPr lang="en-US" sz="1100" b="0" i="1" dirty="0" smtClean="0">
-                              <a:latin typeface="Cambria Math" panose="02040503050406030204" pitchFamily="18" charset="0"/>
-                            </a:rPr>
-                            <m:t>′</m:t>
-                          </m:r>
-                        </m:sup>
-                      </m:sSup>
-                    </m:oMath>
-                  </m:oMathPara>
-                </a14:m>
-                <a:endParaRPr lang="en-US" sz="1100" dirty="0"/>
-              </a:p>
-            </p:txBody>
-          </p:sp>
-        </mc:Choice>
-        <mc:Fallback>
-          <p:sp>
-            <p:nvSpPr>
-              <p:cNvPr id="13" name="TextBox 12">
-                <a:extLst>
-                  <a:ext uri="{FF2B5EF4-FFF2-40B4-BE49-F238E27FC236}">
-                    <a16:creationId xmlns:a16="http://schemas.microsoft.com/office/drawing/2014/main" id="{35C287C3-EBA9-CF42-BC16-3EA499AFFB81}"/>
-                  </a:ext>
-                </a:extLst>
-              </p:cNvPr>
-              <p:cNvSpPr txBox="1">
-                <a:spLocks noRot="1" noChangeAspect="1" noMove="1" noResize="1" noEditPoints="1" noAdjustHandles="1" noChangeArrowheads="1" noChangeShapeType="1" noTextEdit="1"/>
-              </p:cNvSpPr>
-              <p:nvPr/>
-            </p:nvSpPr>
-            <p:spPr>
-              <a:xfrm>
-                <a:off x="3102488" y="3776628"/>
-                <a:ext cx="331821" cy="261610"/>
-              </a:xfrm>
-              <a:prstGeom prst="rect">
-                <a:avLst/>
-              </a:prstGeom>
-              <a:blipFill>
-                <a:blip r:embed="rId4"/>
-                <a:stretch>
-                  <a:fillRect/>
-                </a:stretch>
-              </a:blipFill>
-            </p:spPr>
-            <p:txBody>
-              <a:bodyPr/>
-              <a:lstStyle/>
-              <a:p>
-                <a:r>
-                  <a:rPr lang="en-US">
-                    <a:noFill/>
-                  </a:rPr>
-                  <a:t> </a:t>
-                </a:r>
-              </a:p>
-            </p:txBody>
-          </p:sp>
-        </mc:Fallback>
-      </mc:AlternateContent>
-      <mc:AlternateContent xmlns:mc="http://schemas.openxmlformats.org/markup-compatibility/2006">
-        <mc:Choice xmlns:a14="http://schemas.microsoft.com/office/drawing/2010/main" Requires="a14">
-          <p:sp>
-            <p:nvSpPr>
-              <p:cNvPr id="14" name="TextBox 13">
-                <a:extLst>
-                  <a:ext uri="{FF2B5EF4-FFF2-40B4-BE49-F238E27FC236}">
-                    <a16:creationId xmlns:a16="http://schemas.microsoft.com/office/drawing/2014/main" id="{7E6A31D9-0D37-A048-8242-71FF467A34A9}"/>
-                  </a:ext>
-                </a:extLst>
-              </p:cNvPr>
-              <p:cNvSpPr txBox="1"/>
-              <p:nvPr/>
-            </p:nvSpPr>
-            <p:spPr>
-              <a:xfrm>
-                <a:off x="3318296" y="3776628"/>
-                <a:ext cx="285335" cy="261610"/>
-              </a:xfrm>
-              <a:prstGeom prst="rect">
-                <a:avLst/>
-              </a:prstGeom>
-              <a:noFill/>
-            </p:spPr>
-            <p:txBody>
-              <a:bodyPr wrap="none" rtlCol="0">
-                <a:spAutoFit/>
-              </a:bodyPr>
-              <a:lstStyle/>
-              <a:p>
-                <a14:m>
-                  <m:oMathPara xmlns:m="http://schemas.openxmlformats.org/officeDocument/2006/math">
-                    <m:oMathParaPr>
-                      <m:jc m:val="centerGroup"/>
-                    </m:oMathParaPr>
-                    <m:oMath xmlns:m="http://schemas.openxmlformats.org/officeDocument/2006/math">
-                      <m:r>
-                        <a:rPr lang="en-US" sz="1100" i="1" dirty="0" smtClean="0">
-                          <a:latin typeface="Cambria Math" panose="02040503050406030204" pitchFamily="18" charset="0"/>
-                        </a:rPr>
-                        <m:t>𝑠</m:t>
-                      </m:r>
-                    </m:oMath>
-                  </m:oMathPara>
-                </a14:m>
-                <a:endParaRPr lang="en-US" sz="1100" dirty="0"/>
-              </a:p>
-            </p:txBody>
-          </p:sp>
-        </mc:Choice>
-        <mc:Fallback>
-          <p:sp>
-            <p:nvSpPr>
-              <p:cNvPr id="14" name="TextBox 13">
-                <a:extLst>
-                  <a:ext uri="{FF2B5EF4-FFF2-40B4-BE49-F238E27FC236}">
-                    <a16:creationId xmlns:a16="http://schemas.microsoft.com/office/drawing/2014/main" id="{7E6A31D9-0D37-A048-8242-71FF467A34A9}"/>
-                  </a:ext>
-                </a:extLst>
-              </p:cNvPr>
-              <p:cNvSpPr txBox="1">
-                <a:spLocks noRot="1" noChangeAspect="1" noMove="1" noResize="1" noEditPoints="1" noAdjustHandles="1" noChangeArrowheads="1" noChangeShapeType="1" noTextEdit="1"/>
-              </p:cNvSpPr>
-              <p:nvPr/>
-            </p:nvSpPr>
-            <p:spPr>
-              <a:xfrm>
-                <a:off x="3318296" y="3776628"/>
-                <a:ext cx="285335" cy="261610"/>
-              </a:xfrm>
-              <a:prstGeom prst="rect">
-                <a:avLst/>
-              </a:prstGeom>
-              <a:blipFill>
-                <a:blip r:embed="rId5"/>
-                <a:stretch>
-                  <a:fillRect/>
-                </a:stretch>
-              </a:blipFill>
-            </p:spPr>
-            <p:txBody>
-              <a:bodyPr/>
-              <a:lstStyle/>
-              <a:p>
-                <a:r>
-                  <a:rPr lang="en-US">
-                    <a:noFill/>
-                  </a:rPr>
-                  <a:t> </a:t>
-                </a:r>
-              </a:p>
-            </p:txBody>
-          </p:sp>
-        </mc:Fallback>
-      </mc:AlternateContent>
-      <mc:AlternateContent xmlns:mc="http://schemas.openxmlformats.org/markup-compatibility/2006">
-        <mc:Choice xmlns:a14="http://schemas.microsoft.com/office/drawing/2010/main" Requires="a14">
-          <p:sp>
-            <p:nvSpPr>
-              <p:cNvPr id="15" name="TextBox 14">
-                <a:extLst>
-                  <a:ext uri="{FF2B5EF4-FFF2-40B4-BE49-F238E27FC236}">
-                    <a16:creationId xmlns:a16="http://schemas.microsoft.com/office/drawing/2014/main" id="{95BE082F-34D9-1742-920C-FB7E0F74E3F3}"/>
-                  </a:ext>
-                </a:extLst>
-              </p:cNvPr>
-              <p:cNvSpPr txBox="1"/>
-              <p:nvPr/>
-            </p:nvSpPr>
-            <p:spPr>
-              <a:xfrm>
-                <a:off x="3102488" y="4906047"/>
-                <a:ext cx="331821" cy="261610"/>
-              </a:xfrm>
-              <a:prstGeom prst="rect">
-                <a:avLst/>
-              </a:prstGeom>
-              <a:noFill/>
-            </p:spPr>
-            <p:txBody>
-              <a:bodyPr wrap="none" rtlCol="0">
-                <a:spAutoFit/>
-              </a:bodyPr>
-              <a:lstStyle/>
-              <a:p>
-                <a14:m>
-                  <m:oMathPara xmlns:m="http://schemas.openxmlformats.org/officeDocument/2006/math">
-                    <m:oMathParaPr>
-                      <m:jc m:val="centerGroup"/>
-                    </m:oMathParaPr>
-                    <m:oMath xmlns:m="http://schemas.openxmlformats.org/officeDocument/2006/math">
-                      <m:sSup>
-                        <m:sSupPr>
-                          <m:ctrlPr>
-                            <a:rPr lang="en-US" sz="1100" i="1" dirty="0" smtClean="0">
-                              <a:latin typeface="Cambria Math" panose="02040503050406030204" pitchFamily="18" charset="0"/>
-                            </a:rPr>
-                          </m:ctrlPr>
-                        </m:sSupPr>
-                        <m:e>
-                          <m:r>
-                            <a:rPr lang="en-US" sz="1100" i="1" dirty="0" smtClean="0">
-                              <a:latin typeface="Cambria Math" panose="02040503050406030204" pitchFamily="18" charset="0"/>
-                            </a:rPr>
-                            <m:t>𝑠</m:t>
-                          </m:r>
-                        </m:e>
-                        <m:sup>
-                          <m:r>
-                            <a:rPr lang="en-US" sz="1100" b="0" i="1" dirty="0" smtClean="0">
-                              <a:latin typeface="Cambria Math" panose="02040503050406030204" pitchFamily="18" charset="0"/>
-                            </a:rPr>
-                            <m:t>′</m:t>
-                          </m:r>
-                        </m:sup>
-                      </m:sSup>
-                    </m:oMath>
-                  </m:oMathPara>
-                </a14:m>
-                <a:endParaRPr lang="en-US" sz="1100" dirty="0"/>
-              </a:p>
-            </p:txBody>
-          </p:sp>
-        </mc:Choice>
-        <mc:Fallback>
-          <p:sp>
-            <p:nvSpPr>
-              <p:cNvPr id="15" name="TextBox 14">
-                <a:extLst>
-                  <a:ext uri="{FF2B5EF4-FFF2-40B4-BE49-F238E27FC236}">
-                    <a16:creationId xmlns:a16="http://schemas.microsoft.com/office/drawing/2014/main" id="{95BE082F-34D9-1742-920C-FB7E0F74E3F3}"/>
-                  </a:ext>
-                </a:extLst>
-              </p:cNvPr>
-              <p:cNvSpPr txBox="1">
-                <a:spLocks noRot="1" noChangeAspect="1" noMove="1" noResize="1" noEditPoints="1" noAdjustHandles="1" noChangeArrowheads="1" noChangeShapeType="1" noTextEdit="1"/>
-              </p:cNvSpPr>
-              <p:nvPr/>
-            </p:nvSpPr>
-            <p:spPr>
-              <a:xfrm>
-                <a:off x="3102488" y="4906047"/>
-                <a:ext cx="331821" cy="261610"/>
-              </a:xfrm>
-              <a:prstGeom prst="rect">
-                <a:avLst/>
-              </a:prstGeom>
-              <a:blipFill>
-                <a:blip r:embed="rId6"/>
-                <a:stretch>
-                  <a:fillRect/>
-                </a:stretch>
-              </a:blipFill>
-            </p:spPr>
-            <p:txBody>
-              <a:bodyPr/>
-              <a:lstStyle/>
-              <a:p>
-                <a:r>
-                  <a:rPr lang="en-US">
-                    <a:noFill/>
-                  </a:rPr>
-                  <a:t> </a:t>
-                </a:r>
-              </a:p>
-            </p:txBody>
-          </p:sp>
-        </mc:Fallback>
-      </mc:AlternateContent>
-      <mc:AlternateContent xmlns:mc="http://schemas.openxmlformats.org/markup-compatibility/2006">
-        <mc:Choice xmlns:a14="http://schemas.microsoft.com/office/drawing/2010/main" Requires="a14">
-          <p:sp>
-            <p:nvSpPr>
-              <p:cNvPr id="16" name="TextBox 15">
-                <a:extLst>
-                  <a:ext uri="{FF2B5EF4-FFF2-40B4-BE49-F238E27FC236}">
-                    <a16:creationId xmlns:a16="http://schemas.microsoft.com/office/drawing/2014/main" id="{E53FBB38-EBF3-494E-8682-B8CB881C2075}"/>
-                  </a:ext>
-                </a:extLst>
-              </p:cNvPr>
-              <p:cNvSpPr txBox="1"/>
-              <p:nvPr/>
-            </p:nvSpPr>
-            <p:spPr>
-              <a:xfrm>
-                <a:off x="3318296" y="4906047"/>
-                <a:ext cx="285335" cy="261610"/>
-              </a:xfrm>
-              <a:prstGeom prst="rect">
-                <a:avLst/>
-              </a:prstGeom>
-              <a:noFill/>
-            </p:spPr>
-            <p:txBody>
-              <a:bodyPr wrap="none" rtlCol="0">
-                <a:spAutoFit/>
-              </a:bodyPr>
-              <a:lstStyle/>
-              <a:p>
-                <a14:m>
-                  <m:oMathPara xmlns:m="http://schemas.openxmlformats.org/officeDocument/2006/math">
-                    <m:oMathParaPr>
-                      <m:jc m:val="centerGroup"/>
-                    </m:oMathParaPr>
-                    <m:oMath xmlns:m="http://schemas.openxmlformats.org/officeDocument/2006/math">
-                      <m:r>
-                        <a:rPr lang="en-US" sz="1100" i="1" dirty="0" smtClean="0">
-                          <a:latin typeface="Cambria Math" panose="02040503050406030204" pitchFamily="18" charset="0"/>
-                        </a:rPr>
-                        <m:t>𝑠</m:t>
-                      </m:r>
-                    </m:oMath>
-                  </m:oMathPara>
-                </a14:m>
-                <a:endParaRPr lang="en-US" sz="1100" dirty="0"/>
-              </a:p>
-            </p:txBody>
-          </p:sp>
-        </mc:Choice>
-        <mc:Fallback>
-          <p:sp>
-            <p:nvSpPr>
-              <p:cNvPr id="16" name="TextBox 15">
-                <a:extLst>
-                  <a:ext uri="{FF2B5EF4-FFF2-40B4-BE49-F238E27FC236}">
-                    <a16:creationId xmlns:a16="http://schemas.microsoft.com/office/drawing/2014/main" id="{E53FBB38-EBF3-494E-8682-B8CB881C2075}"/>
-                  </a:ext>
-                </a:extLst>
-              </p:cNvPr>
-              <p:cNvSpPr txBox="1">
-                <a:spLocks noRot="1" noChangeAspect="1" noMove="1" noResize="1" noEditPoints="1" noAdjustHandles="1" noChangeArrowheads="1" noChangeShapeType="1" noTextEdit="1"/>
-              </p:cNvSpPr>
-              <p:nvPr/>
-            </p:nvSpPr>
-            <p:spPr>
-              <a:xfrm>
-                <a:off x="3318296" y="4906047"/>
-                <a:ext cx="285335" cy="261610"/>
-              </a:xfrm>
-              <a:prstGeom prst="rect">
-                <a:avLst/>
-              </a:prstGeom>
-              <a:blipFill>
-                <a:blip r:embed="rId7"/>
-                <a:stretch>
-                  <a:fillRect/>
-                </a:stretch>
-              </a:blipFill>
-            </p:spPr>
-            <p:txBody>
-              <a:bodyPr/>
-              <a:lstStyle/>
-              <a:p>
-                <a:r>
-                  <a:rPr lang="en-US">
-                    <a:noFill/>
-                  </a:rPr>
-                  <a:t> </a:t>
-                </a:r>
-              </a:p>
-            </p:txBody>
-          </p:sp>
-        </mc:Fallback>
-      </mc:AlternateContent>
-      <p:sp>
-        <p:nvSpPr>
-          <p:cNvPr id="17" name="Oval 16">
-            <a:extLst>
-              <a:ext uri="{FF2B5EF4-FFF2-40B4-BE49-F238E27FC236}">
-                <a16:creationId xmlns:a16="http://schemas.microsoft.com/office/drawing/2014/main" id="{F05D9A29-7AC6-7649-9F91-A37AE71568D8}"/>
-              </a:ext>
-            </a:extLst>
-          </p:cNvPr>
-          <p:cNvSpPr/>
-          <p:nvPr/>
-        </p:nvSpPr>
-        <p:spPr>
-          <a:xfrm>
-            <a:off x="4110036" y="2444661"/>
-            <a:ext cx="2062158" cy="776506"/>
-          </a:xfrm>
-          <a:prstGeom prst="ellipse">
-            <a:avLst/>
-          </a:prstGeom>
-          <a:noFill/>
-        </p:spPr>
-        <p:style>
-          <a:lnRef idx="2">
-            <a:schemeClr val="accent1">
-              <a:shade val="50000"/>
-            </a:schemeClr>
-          </a:lnRef>
-          <a:fillRef idx="1">
-            <a:schemeClr val="accent1"/>
-          </a:fillRef>
-          <a:effectRef idx="0">
-            <a:schemeClr val="accent1"/>
-          </a:effectRef>
-          <a:fontRef idx="minor">
-            <a:schemeClr val="lt1"/>
-          </a:fontRef>
-        </p:style>
-        <p:txBody>
-          <a:bodyPr rtlCol="0" anchor="ctr"/>
-          <a:lstStyle/>
-          <a:p>
-            <a:pPr algn="ctr"/>
-            <a:endParaRPr lang="en-US"/>
-          </a:p>
-        </p:txBody>
-      </p:sp>
-      <mc:AlternateContent xmlns:mc="http://schemas.openxmlformats.org/markup-compatibility/2006">
-        <mc:Choice xmlns:a14="http://schemas.microsoft.com/office/drawing/2010/main" Requires="a14">
-          <p:sp>
-            <p:nvSpPr>
-              <p:cNvPr id="18" name="TextBox 17">
-                <a:extLst>
-                  <a:ext uri="{FF2B5EF4-FFF2-40B4-BE49-F238E27FC236}">
-                    <a16:creationId xmlns:a16="http://schemas.microsoft.com/office/drawing/2014/main" id="{7C215D91-BB70-6841-A6EB-24B0F54C9CA7}"/>
-                  </a:ext>
-                </a:extLst>
-              </p:cNvPr>
-              <p:cNvSpPr txBox="1"/>
-              <p:nvPr/>
-            </p:nvSpPr>
-            <p:spPr>
-              <a:xfrm>
-                <a:off x="4066570" y="2661242"/>
-                <a:ext cx="897553" cy="345672"/>
-              </a:xfrm>
-              <a:prstGeom prst="rect">
-                <a:avLst/>
-              </a:prstGeom>
-              <a:noFill/>
-            </p:spPr>
-            <p:txBody>
-              <a:bodyPr wrap="none" rtlCol="0">
-                <a:spAutoFit/>
-              </a:bodyPr>
-              <a:lstStyle/>
-              <a:p>
-                <a14:m>
-                  <m:oMathPara xmlns:m="http://schemas.openxmlformats.org/officeDocument/2006/math">
-                    <m:oMathParaPr>
-                      <m:jc m:val="centerGroup"/>
-                    </m:oMathParaPr>
-                    <m:oMath xmlns:m="http://schemas.openxmlformats.org/officeDocument/2006/math">
-                      <m:d>
-                        <m:dPr>
-                          <m:ctrlPr>
-                            <a:rPr lang="en-US" sz="1100" i="1" smtClean="0">
-                              <a:latin typeface="Cambria Math" panose="02040503050406030204" pitchFamily="18" charset="0"/>
-                            </a:rPr>
-                          </m:ctrlPr>
-                        </m:dPr>
-                        <m:e>
-                          <m:sSubSup>
-                            <m:sSubSupPr>
-                              <m:ctrlPr>
-                                <a:rPr lang="en-US" sz="1100" i="1" smtClean="0">
-                                  <a:latin typeface="Cambria Math" panose="02040503050406030204" pitchFamily="18" charset="0"/>
-                                </a:rPr>
-                              </m:ctrlPr>
-                            </m:sSubSupPr>
-                            <m:e>
-                              <m:r>
-                                <a:rPr lang="en-US" sz="1100" b="0" i="1" smtClean="0">
-                                  <a:latin typeface="Cambria Math" panose="02040503050406030204" pitchFamily="18" charset="0"/>
-                                </a:rPr>
-                                <m:t>𝑜</m:t>
-                              </m:r>
-                            </m:e>
-                            <m:sub>
-                              <m:r>
-                                <a:rPr lang="en-US" sz="1100" b="0" i="1" smtClean="0">
-                                  <a:latin typeface="Cambria Math" panose="02040503050406030204" pitchFamily="18" charset="0"/>
-                                </a:rPr>
-                                <m:t>1</m:t>
-                              </m:r>
-                            </m:sub>
-                            <m:sup>
-                              <m:d>
-                                <m:dPr>
-                                  <m:ctrlPr>
-                                    <a:rPr lang="en-US" sz="1100" i="1" smtClean="0">
-                                      <a:latin typeface="Cambria Math" panose="02040503050406030204" pitchFamily="18" charset="0"/>
-                                    </a:rPr>
-                                  </m:ctrlPr>
-                                </m:dPr>
-                                <m:e>
-                                  <m:r>
-                                    <a:rPr lang="en-US" sz="1100" b="0" i="1" smtClean="0">
-                                      <a:latin typeface="Cambria Math" panose="02040503050406030204" pitchFamily="18" charset="0"/>
-                                    </a:rPr>
-                                    <m:t>𝐾</m:t>
-                                  </m:r>
-                                </m:e>
-                              </m:d>
-                            </m:sup>
-                          </m:sSubSup>
-                          <m:r>
-                            <a:rPr lang="en-US" sz="1100" i="1">
-                              <a:latin typeface="Cambria Math" panose="02040503050406030204" pitchFamily="18" charset="0"/>
-                            </a:rPr>
-                            <m:t>−</m:t>
-                          </m:r>
-                          <m:sSub>
-                            <m:sSubPr>
-                              <m:ctrlPr>
-                                <a:rPr lang="en-US" sz="1100" i="1">
-                                  <a:latin typeface="Cambria Math" panose="02040503050406030204" pitchFamily="18" charset="0"/>
-                                </a:rPr>
-                              </m:ctrlPr>
-                            </m:sSubPr>
-                            <m:e>
-                              <m:r>
-                                <a:rPr lang="en-US" sz="1100" i="1">
-                                  <a:latin typeface="Cambria Math" panose="02040503050406030204" pitchFamily="18" charset="0"/>
-                                </a:rPr>
-                                <m:t>𝜏</m:t>
-                              </m:r>
-                            </m:e>
-                            <m:sub>
-                              <m:r>
-                                <a:rPr lang="en-US" sz="1100" b="0" i="1" smtClean="0">
-                                  <a:latin typeface="Cambria Math" panose="02040503050406030204" pitchFamily="18" charset="0"/>
-                                </a:rPr>
-                                <m:t>1</m:t>
-                              </m:r>
-                            </m:sub>
-                          </m:sSub>
-                        </m:e>
-                      </m:d>
-                    </m:oMath>
-                  </m:oMathPara>
-                </a14:m>
-                <a:endParaRPr lang="en-US" sz="1100" dirty="0"/>
-              </a:p>
-            </p:txBody>
-          </p:sp>
-        </mc:Choice>
-        <mc:Fallback>
-          <p:sp>
-            <p:nvSpPr>
-              <p:cNvPr id="18" name="TextBox 17">
-                <a:extLst>
-                  <a:ext uri="{FF2B5EF4-FFF2-40B4-BE49-F238E27FC236}">
-                    <a16:creationId xmlns:a16="http://schemas.microsoft.com/office/drawing/2014/main" id="{7C215D91-BB70-6841-A6EB-24B0F54C9CA7}"/>
-                  </a:ext>
-                </a:extLst>
-              </p:cNvPr>
-              <p:cNvSpPr txBox="1">
-                <a:spLocks noRot="1" noChangeAspect="1" noMove="1" noResize="1" noEditPoints="1" noAdjustHandles="1" noChangeArrowheads="1" noChangeShapeType="1" noTextEdit="1"/>
-              </p:cNvSpPr>
-              <p:nvPr/>
-            </p:nvSpPr>
-            <p:spPr>
-              <a:xfrm>
-                <a:off x="4066570" y="2661242"/>
-                <a:ext cx="897553" cy="345672"/>
-              </a:xfrm>
-              <a:prstGeom prst="rect">
-                <a:avLst/>
-              </a:prstGeom>
-              <a:blipFill>
-                <a:blip r:embed="rId8"/>
-                <a:stretch>
-                  <a:fillRect/>
-                </a:stretch>
-              </a:blipFill>
-            </p:spPr>
-            <p:txBody>
-              <a:bodyPr/>
-              <a:lstStyle/>
-              <a:p>
-                <a:r>
-                  <a:rPr lang="en-US">
-                    <a:noFill/>
-                  </a:rPr>
-                  <a:t> </a:t>
-                </a:r>
-              </a:p>
-            </p:txBody>
-          </p:sp>
-        </mc:Fallback>
-      </mc:AlternateContent>
-      <mc:AlternateContent xmlns:mc="http://schemas.openxmlformats.org/markup-compatibility/2006">
-        <mc:Choice xmlns:a14="http://schemas.microsoft.com/office/drawing/2010/main" Requires="a14">
-          <p:sp>
-            <p:nvSpPr>
-              <p:cNvPr id="19" name="TextBox 18">
-                <a:extLst>
-                  <a:ext uri="{FF2B5EF4-FFF2-40B4-BE49-F238E27FC236}">
-                    <a16:creationId xmlns:a16="http://schemas.microsoft.com/office/drawing/2014/main" id="{7D6F514C-71CC-0340-B254-F907784F0836}"/>
-                  </a:ext>
-                </a:extLst>
-              </p:cNvPr>
-              <p:cNvSpPr txBox="1"/>
-              <p:nvPr/>
-            </p:nvSpPr>
-            <p:spPr>
-              <a:xfrm>
-                <a:off x="5007589" y="2649224"/>
-                <a:ext cx="1196802" cy="383438"/>
-              </a:xfrm>
-              <a:prstGeom prst="rect">
-                <a:avLst/>
-              </a:prstGeom>
-              <a:noFill/>
-            </p:spPr>
-            <p:txBody>
-              <a:bodyPr wrap="none" rtlCol="0">
-                <a:spAutoFit/>
-              </a:bodyPr>
-              <a:lstStyle/>
-              <a:p>
-                <a14:m>
-                  <m:oMathPara xmlns:m="http://schemas.openxmlformats.org/officeDocument/2006/math">
-                    <m:oMathParaPr>
-                      <m:jc m:val="centerGroup"/>
-                    </m:oMathParaPr>
-                    <m:oMath xmlns:m="http://schemas.openxmlformats.org/officeDocument/2006/math">
-                      <m:sSup>
-                        <m:sSupPr>
-                          <m:ctrlPr>
-                            <a:rPr lang="en-US" sz="1100" i="1" smtClean="0"/>
-                          </m:ctrlPr>
-                        </m:sSupPr>
-                        <m:e>
-                          <m:f>
-                            <m:fPr>
-                              <m:type m:val="skw"/>
-                              <m:ctrlPr>
-                                <a:rPr lang="en-US" sz="1100" i="1" smtClean="0">
-                                  <a:latin typeface="Cambria Math" panose="02040503050406030204" pitchFamily="18" charset="0"/>
-                                </a:rPr>
-                              </m:ctrlPr>
-                            </m:fPr>
-                            <m:num>
-                              <m:r>
-                                <a:rPr lang="en-US" sz="1100" b="0" i="1" smtClean="0">
-                                  <a:latin typeface="Cambria Math" panose="02040503050406030204" pitchFamily="18" charset="0"/>
-                                </a:rPr>
-                                <m:t>1</m:t>
-                              </m:r>
-                            </m:num>
-                            <m:den>
-                              <m:r>
-                                <a:rPr lang="en-US" sz="1100" b="0" i="1" smtClean="0">
-                                  <a:latin typeface="Cambria Math" panose="02040503050406030204" pitchFamily="18" charset="0"/>
-                                </a:rPr>
-                                <m:t>2</m:t>
-                              </m:r>
-                            </m:den>
-                          </m:f>
-                          <m:d>
-                            <m:dPr>
-                              <m:ctrlPr>
-                                <a:rPr lang="en-US" sz="1100" i="1" smtClean="0"/>
-                              </m:ctrlPr>
-                            </m:dPr>
-                            <m:e>
-                              <m:sSubSup>
-                                <m:sSubSupPr>
-                                  <m:ctrlPr>
-                                    <a:rPr lang="en-US" sz="1100" i="1" smtClean="0">
-                                      <a:latin typeface="Cambria Math" panose="02040503050406030204" pitchFamily="18" charset="0"/>
-                                    </a:rPr>
-                                  </m:ctrlPr>
-                                </m:sSubSupPr>
-                                <m:e>
-                                  <m:r>
-                                    <a:rPr lang="en-US" sz="1100" b="0" i="1" smtClean="0">
-                                      <a:latin typeface="Cambria Math" panose="02040503050406030204" pitchFamily="18" charset="0"/>
-                                    </a:rPr>
-                                    <m:t>𝑜</m:t>
-                                  </m:r>
-                                </m:e>
-                                <m:sub>
-                                  <m:r>
-                                    <a:rPr lang="en-US" sz="1100" b="0" i="1" smtClean="0">
-                                      <a:latin typeface="Cambria Math" panose="02040503050406030204" pitchFamily="18" charset="0"/>
-                                    </a:rPr>
-                                    <m:t>1</m:t>
-                                  </m:r>
-                                </m:sub>
-                                <m:sup>
-                                  <m:d>
-                                    <m:dPr>
-                                      <m:ctrlPr>
-                                        <a:rPr lang="en-US" sz="1100" i="1" smtClean="0">
-                                          <a:latin typeface="Cambria Math" panose="02040503050406030204" pitchFamily="18" charset="0"/>
-                                        </a:rPr>
-                                      </m:ctrlPr>
-                                    </m:dPr>
-                                    <m:e>
-                                      <m:r>
-                                        <a:rPr lang="en-US" sz="1100" b="0" i="1" smtClean="0">
-                                          <a:latin typeface="Cambria Math" panose="02040503050406030204" pitchFamily="18" charset="0"/>
-                                        </a:rPr>
-                                        <m:t>𝐾</m:t>
-                                      </m:r>
-                                    </m:e>
-                                  </m:d>
-                                </m:sup>
-                              </m:sSubSup>
-                              <m:r>
-                                <a:rPr lang="en-US" sz="1100" i="1"/>
-                                <m:t>−</m:t>
-                              </m:r>
-                              <m:sSub>
-                                <m:sSubPr>
-                                  <m:ctrlPr>
-                                    <a:rPr lang="en-US" sz="1100" i="1" smtClean="0">
-                                      <a:latin typeface="Cambria Math" panose="02040503050406030204" pitchFamily="18" charset="0"/>
-                                    </a:rPr>
-                                  </m:ctrlPr>
-                                </m:sSubPr>
-                                <m:e>
-                                  <m:r>
-                                    <a:rPr lang="en-US" sz="1100" i="1">
-                                      <a:latin typeface="Cambria Math" panose="02040503050406030204" pitchFamily="18" charset="0"/>
-                                    </a:rPr>
-                                    <m:t>𝜏</m:t>
-                                  </m:r>
-                                </m:e>
-                                <m:sub>
-                                  <m:r>
-                                    <a:rPr lang="en-US" sz="1100" b="0" i="1" smtClean="0">
-                                      <a:latin typeface="Cambria Math" panose="02040503050406030204" pitchFamily="18" charset="0"/>
-                                    </a:rPr>
-                                    <m:t>1</m:t>
-                                  </m:r>
-                                </m:sub>
-                              </m:sSub>
-                            </m:e>
-                          </m:d>
-                        </m:e>
-                        <m:sup>
-                          <m:r>
-                            <a:rPr lang="en-US" sz="1100" i="1"/>
-                            <m:t>2</m:t>
-                          </m:r>
-                        </m:sup>
-                      </m:sSup>
-                    </m:oMath>
-                  </m:oMathPara>
-                </a14:m>
-                <a:endParaRPr lang="en-US" sz="1100" dirty="0"/>
-              </a:p>
-            </p:txBody>
-          </p:sp>
-        </mc:Choice>
-        <mc:Fallback>
-          <p:sp>
-            <p:nvSpPr>
-              <p:cNvPr id="19" name="TextBox 18">
-                <a:extLst>
-                  <a:ext uri="{FF2B5EF4-FFF2-40B4-BE49-F238E27FC236}">
-                    <a16:creationId xmlns:a16="http://schemas.microsoft.com/office/drawing/2014/main" id="{7D6F514C-71CC-0340-B254-F907784F0836}"/>
-                  </a:ext>
-                </a:extLst>
-              </p:cNvPr>
-              <p:cNvSpPr txBox="1">
-                <a:spLocks noRot="1" noChangeAspect="1" noMove="1" noResize="1" noEditPoints="1" noAdjustHandles="1" noChangeArrowheads="1" noChangeShapeType="1" noTextEdit="1"/>
-              </p:cNvSpPr>
-              <p:nvPr/>
-            </p:nvSpPr>
-            <p:spPr>
-              <a:xfrm>
-                <a:off x="5007589" y="2649224"/>
-                <a:ext cx="1196802" cy="383438"/>
-              </a:xfrm>
-              <a:prstGeom prst="rect">
-                <a:avLst/>
-              </a:prstGeom>
-              <a:blipFill>
-                <a:blip r:embed="rId9"/>
-                <a:stretch>
-                  <a:fillRect l="-10526" t="-58065" b="-116129"/>
-                </a:stretch>
-              </a:blipFill>
-            </p:spPr>
-            <p:txBody>
-              <a:bodyPr/>
-              <a:lstStyle/>
-              <a:p>
-                <a:r>
-                  <a:rPr lang="en-US">
-                    <a:noFill/>
-                  </a:rPr>
-                  <a:t> </a:t>
-                </a:r>
-              </a:p>
-            </p:txBody>
-          </p:sp>
-        </mc:Fallback>
-      </mc:AlternateContent>
-      <p:cxnSp>
-        <p:nvCxnSpPr>
-          <p:cNvPr id="21" name="Straight Connector 20">
-            <a:extLst>
-              <a:ext uri="{FF2B5EF4-FFF2-40B4-BE49-F238E27FC236}">
-                <a16:creationId xmlns:a16="http://schemas.microsoft.com/office/drawing/2014/main" id="{3D0EEB5F-AF1D-6846-B5D7-89C51DCA20ED}"/>
-              </a:ext>
-            </a:extLst>
-          </p:cNvPr>
-          <p:cNvCxnSpPr/>
-          <p:nvPr/>
-        </p:nvCxnSpPr>
-        <p:spPr>
-          <a:xfrm>
-            <a:off x="5007589" y="2444661"/>
-            <a:ext cx="0" cy="776506"/>
-          </a:xfrm>
-          <a:prstGeom prst="line">
-            <a:avLst/>
-          </a:prstGeom>
-          <a:ln w="12700"/>
-        </p:spPr>
-        <p:style>
-          <a:lnRef idx="1">
-            <a:schemeClr val="accent1"/>
-          </a:lnRef>
-          <a:fillRef idx="0">
-            <a:schemeClr val="accent1"/>
-          </a:fillRef>
-          <a:effectRef idx="0">
-            <a:schemeClr val="accent1"/>
-          </a:effectRef>
-          <a:fontRef idx="minor">
-            <a:schemeClr val="tx1"/>
-          </a:fontRef>
-        </p:style>
-      </p:cxnSp>
-      <p:sp>
-        <p:nvSpPr>
-          <p:cNvPr id="22" name="Oval 21">
-            <a:extLst>
-              <a:ext uri="{FF2B5EF4-FFF2-40B4-BE49-F238E27FC236}">
-                <a16:creationId xmlns:a16="http://schemas.microsoft.com/office/drawing/2014/main" id="{8826E424-8733-A34C-8881-992F49CAC825}"/>
-              </a:ext>
-            </a:extLst>
-          </p:cNvPr>
-          <p:cNvSpPr/>
-          <p:nvPr/>
-        </p:nvSpPr>
-        <p:spPr>
-          <a:xfrm>
-            <a:off x="4110036" y="3501936"/>
-            <a:ext cx="2062158" cy="776506"/>
-          </a:xfrm>
-          <a:prstGeom prst="ellipse">
-            <a:avLst/>
-          </a:prstGeom>
-          <a:noFill/>
-        </p:spPr>
-        <p:style>
-          <a:lnRef idx="2">
-            <a:schemeClr val="accent1">
-              <a:shade val="50000"/>
-            </a:schemeClr>
-          </a:lnRef>
-          <a:fillRef idx="1">
-            <a:schemeClr val="accent1"/>
-          </a:fillRef>
-          <a:effectRef idx="0">
-            <a:schemeClr val="accent1"/>
-          </a:effectRef>
-          <a:fontRef idx="minor">
-            <a:schemeClr val="lt1"/>
-          </a:fontRef>
-        </p:style>
-        <p:txBody>
-          <a:bodyPr rtlCol="0" anchor="ctr"/>
-          <a:lstStyle/>
-          <a:p>
-            <a:pPr algn="ctr"/>
-            <a:endParaRPr lang="en-US"/>
-          </a:p>
-        </p:txBody>
-      </p:sp>
-      <mc:AlternateContent xmlns:mc="http://schemas.openxmlformats.org/markup-compatibility/2006">
-        <mc:Choice xmlns:a14="http://schemas.microsoft.com/office/drawing/2010/main" Requires="a14">
-          <p:sp>
-            <p:nvSpPr>
-              <p:cNvPr id="23" name="TextBox 22">
-                <a:extLst>
-                  <a:ext uri="{FF2B5EF4-FFF2-40B4-BE49-F238E27FC236}">
-                    <a16:creationId xmlns:a16="http://schemas.microsoft.com/office/drawing/2014/main" id="{8120BA05-3B41-F549-ABCC-B6CC46FC1252}"/>
-                  </a:ext>
-                </a:extLst>
-              </p:cNvPr>
-              <p:cNvSpPr txBox="1"/>
-              <p:nvPr/>
-            </p:nvSpPr>
-            <p:spPr>
-              <a:xfrm>
-                <a:off x="4066570" y="3718517"/>
-                <a:ext cx="936089" cy="345672"/>
-              </a:xfrm>
-              <a:prstGeom prst="rect">
-                <a:avLst/>
-              </a:prstGeom>
-              <a:noFill/>
-            </p:spPr>
-            <p:txBody>
-              <a:bodyPr wrap="none" rtlCol="0">
-                <a:spAutoFit/>
-              </a:bodyPr>
-              <a:lstStyle/>
-              <a:p>
-                <a14:m>
-                  <m:oMathPara xmlns:m="http://schemas.openxmlformats.org/officeDocument/2006/math">
-                    <m:oMathParaPr>
-                      <m:jc m:val="centerGroup"/>
-                    </m:oMathParaPr>
-                    <m:oMath xmlns:m="http://schemas.openxmlformats.org/officeDocument/2006/math">
-                      <m:d>
-                        <m:dPr>
-                          <m:ctrlPr>
-                            <a:rPr lang="en-US" sz="1100" i="1" smtClean="0">
-                              <a:latin typeface="Cambria Math" panose="02040503050406030204" pitchFamily="18" charset="0"/>
-                            </a:rPr>
-                          </m:ctrlPr>
-                        </m:dPr>
-                        <m:e>
-                          <m:sSubSup>
-                            <m:sSubSupPr>
-                              <m:ctrlPr>
-                                <a:rPr lang="en-US" sz="1100" i="1" smtClean="0">
-                                  <a:latin typeface="Cambria Math" panose="02040503050406030204" pitchFamily="18" charset="0"/>
-                                </a:rPr>
-                              </m:ctrlPr>
-                            </m:sSubSupPr>
-                            <m:e>
-                              <m:r>
-                                <a:rPr lang="en-US" sz="1100" b="0" i="1" smtClean="0">
-                                  <a:latin typeface="Cambria Math" panose="02040503050406030204" pitchFamily="18" charset="0"/>
-                                </a:rPr>
-                                <m:t>𝑜</m:t>
-                              </m:r>
-                            </m:e>
-                            <m:sub>
-                              <m:r>
-                                <a:rPr lang="en-US" sz="1100" b="0" i="1" smtClean="0">
-                                  <a:latin typeface="Cambria Math" panose="02040503050406030204" pitchFamily="18" charset="0"/>
-                                </a:rPr>
-                                <m:t>2</m:t>
-                              </m:r>
-                            </m:sub>
-                            <m:sup>
-                              <m:d>
-                                <m:dPr>
-                                  <m:ctrlPr>
-                                    <a:rPr lang="en-US" sz="1100" i="1" smtClean="0">
-                                      <a:latin typeface="Cambria Math" panose="02040503050406030204" pitchFamily="18" charset="0"/>
-                                    </a:rPr>
-                                  </m:ctrlPr>
-                                </m:dPr>
-                                <m:e>
-                                  <m:r>
-                                    <a:rPr lang="en-US" sz="1100" b="0" i="1" smtClean="0">
-                                      <a:latin typeface="Cambria Math" panose="02040503050406030204" pitchFamily="18" charset="0"/>
-                                    </a:rPr>
-                                    <m:t>𝐾</m:t>
-                                  </m:r>
-                                </m:e>
-                              </m:d>
-                            </m:sup>
-                          </m:sSubSup>
-                          <m:r>
-                            <a:rPr lang="en-US" sz="1100" i="1">
-                              <a:latin typeface="Cambria Math" panose="02040503050406030204" pitchFamily="18" charset="0"/>
-                            </a:rPr>
-                            <m:t>−</m:t>
-                          </m:r>
-                          <m:sSub>
-                            <m:sSubPr>
-                              <m:ctrlPr>
-                                <a:rPr lang="en-US" sz="1100" i="1">
-                                  <a:latin typeface="Cambria Math" panose="02040503050406030204" pitchFamily="18" charset="0"/>
-                                </a:rPr>
-                              </m:ctrlPr>
-                            </m:sSubPr>
-                            <m:e>
-                              <m:r>
-                                <a:rPr lang="en-US" sz="1100" i="1">
-                                  <a:latin typeface="Cambria Math" panose="02040503050406030204" pitchFamily="18" charset="0"/>
-                                </a:rPr>
-                                <m:t>𝜏</m:t>
-                              </m:r>
-                            </m:e>
-                            <m:sub>
-                              <m:r>
-                                <a:rPr lang="en-US" sz="1100" b="0" i="1" smtClean="0">
-                                  <a:latin typeface="Cambria Math" panose="02040503050406030204" pitchFamily="18" charset="0"/>
-                                </a:rPr>
-                                <m:t>2</m:t>
-                              </m:r>
-                            </m:sub>
-                          </m:sSub>
-                        </m:e>
-                      </m:d>
-                    </m:oMath>
-                  </m:oMathPara>
-                </a14:m>
-                <a:endParaRPr lang="en-US" sz="1100" dirty="0"/>
-              </a:p>
-            </p:txBody>
-          </p:sp>
-        </mc:Choice>
-        <mc:Fallback>
-          <p:sp>
-            <p:nvSpPr>
-              <p:cNvPr id="23" name="TextBox 22">
-                <a:extLst>
-                  <a:ext uri="{FF2B5EF4-FFF2-40B4-BE49-F238E27FC236}">
-                    <a16:creationId xmlns:a16="http://schemas.microsoft.com/office/drawing/2014/main" id="{8120BA05-3B41-F549-ABCC-B6CC46FC1252}"/>
-                  </a:ext>
-                </a:extLst>
-              </p:cNvPr>
-              <p:cNvSpPr txBox="1">
-                <a:spLocks noRot="1" noChangeAspect="1" noMove="1" noResize="1" noEditPoints="1" noAdjustHandles="1" noChangeArrowheads="1" noChangeShapeType="1" noTextEdit="1"/>
-              </p:cNvSpPr>
-              <p:nvPr/>
-            </p:nvSpPr>
-            <p:spPr>
-              <a:xfrm>
-                <a:off x="4066570" y="3718517"/>
-                <a:ext cx="936089" cy="345672"/>
-              </a:xfrm>
-              <a:prstGeom prst="rect">
-                <a:avLst/>
-              </a:prstGeom>
-              <a:blipFill>
-                <a:blip r:embed="rId10"/>
-                <a:stretch>
-                  <a:fillRect/>
-                </a:stretch>
-              </a:blipFill>
-            </p:spPr>
-            <p:txBody>
-              <a:bodyPr/>
-              <a:lstStyle/>
-              <a:p>
-                <a:r>
-                  <a:rPr lang="en-US">
-                    <a:noFill/>
-                  </a:rPr>
-                  <a:t> </a:t>
-                </a:r>
-              </a:p>
-            </p:txBody>
-          </p:sp>
-        </mc:Fallback>
-      </mc:AlternateContent>
-      <mc:AlternateContent xmlns:mc="http://schemas.openxmlformats.org/markup-compatibility/2006">
-        <mc:Choice xmlns:a14="http://schemas.microsoft.com/office/drawing/2010/main" Requires="a14">
-          <p:sp>
-            <p:nvSpPr>
-              <p:cNvPr id="24" name="TextBox 23">
-                <a:extLst>
-                  <a:ext uri="{FF2B5EF4-FFF2-40B4-BE49-F238E27FC236}">
-                    <a16:creationId xmlns:a16="http://schemas.microsoft.com/office/drawing/2014/main" id="{11958DE7-DEFB-864E-A7D5-B293DFB2536E}"/>
-                  </a:ext>
-                </a:extLst>
-              </p:cNvPr>
-              <p:cNvSpPr txBox="1"/>
-              <p:nvPr/>
-            </p:nvSpPr>
-            <p:spPr>
-              <a:xfrm>
-                <a:off x="5007589" y="3706499"/>
-                <a:ext cx="1235338" cy="383438"/>
-              </a:xfrm>
-              <a:prstGeom prst="rect">
-                <a:avLst/>
-              </a:prstGeom>
-              <a:noFill/>
-            </p:spPr>
-            <p:txBody>
-              <a:bodyPr wrap="none" rtlCol="0">
-                <a:spAutoFit/>
-              </a:bodyPr>
-              <a:lstStyle/>
-              <a:p>
-                <a14:m>
-                  <m:oMathPara xmlns:m="http://schemas.openxmlformats.org/officeDocument/2006/math">
-                    <m:oMathParaPr>
-                      <m:jc m:val="centerGroup"/>
-                    </m:oMathParaPr>
-                    <m:oMath xmlns:m="http://schemas.openxmlformats.org/officeDocument/2006/math">
-                      <m:sSup>
-                        <m:sSupPr>
-                          <m:ctrlPr>
-                            <a:rPr lang="en-US" sz="1100" i="1" smtClean="0"/>
-                          </m:ctrlPr>
-                        </m:sSupPr>
-                        <m:e>
-                          <m:f>
-                            <m:fPr>
-                              <m:type m:val="skw"/>
-                              <m:ctrlPr>
-                                <a:rPr lang="en-US" sz="1100" i="1" smtClean="0">
-                                  <a:latin typeface="Cambria Math" panose="02040503050406030204" pitchFamily="18" charset="0"/>
-                                </a:rPr>
-                              </m:ctrlPr>
-                            </m:fPr>
-                            <m:num>
-                              <m:r>
-                                <a:rPr lang="en-US" sz="1100" b="0" i="1" smtClean="0">
-                                  <a:latin typeface="Cambria Math" panose="02040503050406030204" pitchFamily="18" charset="0"/>
-                                </a:rPr>
-                                <m:t>1</m:t>
-                              </m:r>
-                            </m:num>
-                            <m:den>
-                              <m:r>
-                                <a:rPr lang="en-US" sz="1100" b="0" i="1" smtClean="0">
-                                  <a:latin typeface="Cambria Math" panose="02040503050406030204" pitchFamily="18" charset="0"/>
-                                </a:rPr>
-                                <m:t>2</m:t>
-                              </m:r>
-                            </m:den>
-                          </m:f>
-                          <m:d>
-                            <m:dPr>
-                              <m:ctrlPr>
-                                <a:rPr lang="en-US" sz="1100" i="1" smtClean="0"/>
-                              </m:ctrlPr>
-                            </m:dPr>
-                            <m:e>
-                              <m:sSubSup>
-                                <m:sSubSupPr>
-                                  <m:ctrlPr>
-                                    <a:rPr lang="en-US" sz="1100" i="1" smtClean="0">
-                                      <a:latin typeface="Cambria Math" panose="02040503050406030204" pitchFamily="18" charset="0"/>
-                                    </a:rPr>
-                                  </m:ctrlPr>
-                                </m:sSubSupPr>
-                                <m:e>
-                                  <m:r>
-                                    <a:rPr lang="en-US" sz="1100" b="0" i="1" smtClean="0">
-                                      <a:latin typeface="Cambria Math" panose="02040503050406030204" pitchFamily="18" charset="0"/>
-                                    </a:rPr>
-                                    <m:t>𝑜</m:t>
-                                  </m:r>
-                                </m:e>
-                                <m:sub>
-                                  <m:r>
-                                    <a:rPr lang="en-US" sz="1100" b="0" i="1" smtClean="0">
-                                      <a:latin typeface="Cambria Math" panose="02040503050406030204" pitchFamily="18" charset="0"/>
-                                    </a:rPr>
-                                    <m:t>2</m:t>
-                                  </m:r>
-                                </m:sub>
-                                <m:sup>
-                                  <m:d>
-                                    <m:dPr>
-                                      <m:ctrlPr>
-                                        <a:rPr lang="en-US" sz="1100" i="1" smtClean="0">
-                                          <a:latin typeface="Cambria Math" panose="02040503050406030204" pitchFamily="18" charset="0"/>
-                                        </a:rPr>
-                                      </m:ctrlPr>
-                                    </m:dPr>
-                                    <m:e>
-                                      <m:r>
-                                        <a:rPr lang="en-US" sz="1100" b="0" i="1" smtClean="0">
-                                          <a:latin typeface="Cambria Math" panose="02040503050406030204" pitchFamily="18" charset="0"/>
-                                        </a:rPr>
-                                        <m:t>𝐾</m:t>
-                                      </m:r>
-                                    </m:e>
-                                  </m:d>
-                                </m:sup>
-                              </m:sSubSup>
-                              <m:r>
-                                <a:rPr lang="en-US" sz="1100" i="1"/>
-                                <m:t>−</m:t>
-                              </m:r>
-                              <m:sSub>
-                                <m:sSubPr>
-                                  <m:ctrlPr>
-                                    <a:rPr lang="en-US" sz="1100" i="1" smtClean="0">
-                                      <a:latin typeface="Cambria Math" panose="02040503050406030204" pitchFamily="18" charset="0"/>
-                                    </a:rPr>
-                                  </m:ctrlPr>
-                                </m:sSubPr>
-                                <m:e>
-                                  <m:r>
-                                    <a:rPr lang="en-US" sz="1100" i="1">
-                                      <a:latin typeface="Cambria Math" panose="02040503050406030204" pitchFamily="18" charset="0"/>
-                                    </a:rPr>
-                                    <m:t>𝜏</m:t>
-                                  </m:r>
-                                </m:e>
-                                <m:sub>
-                                  <m:r>
-                                    <a:rPr lang="en-US" sz="1100" b="0" i="1" smtClean="0">
-                                      <a:latin typeface="Cambria Math" panose="02040503050406030204" pitchFamily="18" charset="0"/>
-                                    </a:rPr>
-                                    <m:t>2</m:t>
-                                  </m:r>
-                                </m:sub>
-                              </m:sSub>
-                            </m:e>
-                          </m:d>
-                        </m:e>
-                        <m:sup>
-                          <m:r>
-                            <a:rPr lang="en-US" sz="1100" i="1"/>
-                            <m:t>2</m:t>
-                          </m:r>
-                        </m:sup>
-                      </m:sSup>
-                    </m:oMath>
-                  </m:oMathPara>
-                </a14:m>
-                <a:endParaRPr lang="en-US" sz="1100" dirty="0"/>
-              </a:p>
-            </p:txBody>
-          </p:sp>
-        </mc:Choice>
-        <mc:Fallback>
-          <p:sp>
-            <p:nvSpPr>
-              <p:cNvPr id="24" name="TextBox 23">
-                <a:extLst>
-                  <a:ext uri="{FF2B5EF4-FFF2-40B4-BE49-F238E27FC236}">
-                    <a16:creationId xmlns:a16="http://schemas.microsoft.com/office/drawing/2014/main" id="{11958DE7-DEFB-864E-A7D5-B293DFB2536E}"/>
-                  </a:ext>
-                </a:extLst>
-              </p:cNvPr>
-              <p:cNvSpPr txBox="1">
-                <a:spLocks noRot="1" noChangeAspect="1" noMove="1" noResize="1" noEditPoints="1" noAdjustHandles="1" noChangeArrowheads="1" noChangeShapeType="1" noTextEdit="1"/>
-              </p:cNvSpPr>
-              <p:nvPr/>
-            </p:nvSpPr>
-            <p:spPr>
-              <a:xfrm>
-                <a:off x="5007589" y="3706499"/>
-                <a:ext cx="1235338" cy="383438"/>
-              </a:xfrm>
-              <a:prstGeom prst="rect">
-                <a:avLst/>
-              </a:prstGeom>
-              <a:blipFill>
-                <a:blip r:embed="rId11"/>
-                <a:stretch>
-                  <a:fillRect l="-9184" t="-56250" b="-109375"/>
-                </a:stretch>
-              </a:blipFill>
-            </p:spPr>
-            <p:txBody>
-              <a:bodyPr/>
-              <a:lstStyle/>
-              <a:p>
-                <a:r>
-                  <a:rPr lang="en-US">
-                    <a:noFill/>
-                  </a:rPr>
-                  <a:t> </a:t>
-                </a:r>
-              </a:p>
-            </p:txBody>
-          </p:sp>
-        </mc:Fallback>
-      </mc:AlternateContent>
-      <p:cxnSp>
-        <p:nvCxnSpPr>
-          <p:cNvPr id="25" name="Straight Connector 24">
-            <a:extLst>
-              <a:ext uri="{FF2B5EF4-FFF2-40B4-BE49-F238E27FC236}">
-                <a16:creationId xmlns:a16="http://schemas.microsoft.com/office/drawing/2014/main" id="{B57EDB2D-0B5E-D44D-9C17-BCF1EC9CD759}"/>
-              </a:ext>
-            </a:extLst>
-          </p:cNvPr>
-          <p:cNvCxnSpPr/>
-          <p:nvPr/>
-        </p:nvCxnSpPr>
-        <p:spPr>
-          <a:xfrm>
-            <a:off x="5007589" y="3501936"/>
-            <a:ext cx="0" cy="776506"/>
-          </a:xfrm>
-          <a:prstGeom prst="line">
-            <a:avLst/>
-          </a:prstGeom>
-          <a:ln w="12700"/>
-        </p:spPr>
-        <p:style>
-          <a:lnRef idx="1">
-            <a:schemeClr val="accent1"/>
-          </a:lnRef>
-          <a:fillRef idx="0">
-            <a:schemeClr val="accent1"/>
-          </a:fillRef>
-          <a:effectRef idx="0">
-            <a:schemeClr val="accent1"/>
-          </a:effectRef>
-          <a:fontRef idx="minor">
-            <a:schemeClr val="tx1"/>
-          </a:fontRef>
-        </p:style>
-      </p:cxnSp>
-      <p:sp>
-        <p:nvSpPr>
-          <p:cNvPr id="27" name="Oval 26">
-            <a:extLst>
-              <a:ext uri="{FF2B5EF4-FFF2-40B4-BE49-F238E27FC236}">
-                <a16:creationId xmlns:a16="http://schemas.microsoft.com/office/drawing/2014/main" id="{519B4C6A-F2D4-5843-BBC5-FBE44CCB2822}"/>
-              </a:ext>
-            </a:extLst>
-          </p:cNvPr>
-          <p:cNvSpPr/>
-          <p:nvPr/>
-        </p:nvSpPr>
-        <p:spPr>
-          <a:xfrm>
-            <a:off x="4110036" y="4673511"/>
-            <a:ext cx="2062158" cy="776506"/>
-          </a:xfrm>
-          <a:prstGeom prst="ellipse">
-            <a:avLst/>
-          </a:prstGeom>
-          <a:noFill/>
-        </p:spPr>
-        <p:style>
-          <a:lnRef idx="2">
-            <a:schemeClr val="accent1">
-              <a:shade val="50000"/>
-            </a:schemeClr>
-          </a:lnRef>
-          <a:fillRef idx="1">
-            <a:schemeClr val="accent1"/>
-          </a:fillRef>
-          <a:effectRef idx="0">
-            <a:schemeClr val="accent1"/>
-          </a:effectRef>
-          <a:fontRef idx="minor">
-            <a:schemeClr val="lt1"/>
-          </a:fontRef>
-        </p:style>
-        <p:txBody>
-          <a:bodyPr rtlCol="0" anchor="ctr"/>
-          <a:lstStyle/>
-          <a:p>
-            <a:pPr algn="ctr"/>
-            <a:endParaRPr lang="en-US"/>
-          </a:p>
-        </p:txBody>
-      </p:sp>
-      <mc:AlternateContent xmlns:mc="http://schemas.openxmlformats.org/markup-compatibility/2006">
-        <mc:Choice xmlns:a14="http://schemas.microsoft.com/office/drawing/2010/main" Requires="a14">
-          <p:sp>
-            <p:nvSpPr>
-              <p:cNvPr id="28" name="TextBox 27">
-                <a:extLst>
-                  <a:ext uri="{FF2B5EF4-FFF2-40B4-BE49-F238E27FC236}">
-                    <a16:creationId xmlns:a16="http://schemas.microsoft.com/office/drawing/2014/main" id="{A548609B-49AE-7C42-AA80-D1F9ECC0F5DB}"/>
-                  </a:ext>
-                </a:extLst>
-              </p:cNvPr>
-              <p:cNvSpPr txBox="1"/>
-              <p:nvPr/>
-            </p:nvSpPr>
-            <p:spPr>
-              <a:xfrm>
-                <a:off x="4066570" y="4890092"/>
-                <a:ext cx="936089" cy="345672"/>
-              </a:xfrm>
-              <a:prstGeom prst="rect">
-                <a:avLst/>
-              </a:prstGeom>
-              <a:noFill/>
-            </p:spPr>
-            <p:txBody>
-              <a:bodyPr wrap="none" rtlCol="0">
-                <a:spAutoFit/>
-              </a:bodyPr>
-              <a:lstStyle/>
-              <a:p>
-                <a14:m>
-                  <m:oMathPara xmlns:m="http://schemas.openxmlformats.org/officeDocument/2006/math">
-                    <m:oMathParaPr>
-                      <m:jc m:val="centerGroup"/>
-                    </m:oMathParaPr>
-                    <m:oMath xmlns:m="http://schemas.openxmlformats.org/officeDocument/2006/math">
-                      <m:d>
-                        <m:dPr>
-                          <m:ctrlPr>
-                            <a:rPr lang="en-US" sz="1100" i="1" smtClean="0">
-                              <a:latin typeface="Cambria Math" panose="02040503050406030204" pitchFamily="18" charset="0"/>
-                            </a:rPr>
-                          </m:ctrlPr>
-                        </m:dPr>
-                        <m:e>
-                          <m:sSubSup>
-                            <m:sSubSupPr>
-                              <m:ctrlPr>
-                                <a:rPr lang="en-US" sz="1100" i="1" smtClean="0">
-                                  <a:latin typeface="Cambria Math" panose="02040503050406030204" pitchFamily="18" charset="0"/>
-                                </a:rPr>
-                              </m:ctrlPr>
-                            </m:sSubSupPr>
-                            <m:e>
-                              <m:r>
-                                <a:rPr lang="en-US" sz="1100" b="0" i="1" smtClean="0">
-                                  <a:latin typeface="Cambria Math" panose="02040503050406030204" pitchFamily="18" charset="0"/>
-                                </a:rPr>
-                                <m:t>𝑜</m:t>
-                              </m:r>
-                            </m:e>
-                            <m:sub>
-                              <m:r>
-                                <a:rPr lang="en-US" sz="1100" b="0" i="1" smtClean="0">
-                                  <a:latin typeface="Cambria Math" panose="02040503050406030204" pitchFamily="18" charset="0"/>
-                                </a:rPr>
-                                <m:t>𝑚</m:t>
-                              </m:r>
-                            </m:sub>
-                            <m:sup>
-                              <m:d>
-                                <m:dPr>
-                                  <m:ctrlPr>
-                                    <a:rPr lang="en-US" sz="1100" i="1" smtClean="0">
-                                      <a:latin typeface="Cambria Math" panose="02040503050406030204" pitchFamily="18" charset="0"/>
-                                    </a:rPr>
-                                  </m:ctrlPr>
-                                </m:dPr>
-                                <m:e>
-                                  <m:r>
-                                    <a:rPr lang="en-US" sz="1100" b="0" i="1" smtClean="0">
-                                      <a:latin typeface="Cambria Math" panose="02040503050406030204" pitchFamily="18" charset="0"/>
-                                    </a:rPr>
-                                    <m:t>𝐾</m:t>
-                                  </m:r>
-                                </m:e>
-                              </m:d>
-                            </m:sup>
-                          </m:sSubSup>
-                          <m:r>
-                            <a:rPr lang="en-US" sz="1100" i="1">
-                              <a:latin typeface="Cambria Math" panose="02040503050406030204" pitchFamily="18" charset="0"/>
-                            </a:rPr>
-                            <m:t>−</m:t>
-                          </m:r>
-                          <m:sSub>
-                            <m:sSubPr>
-                              <m:ctrlPr>
-                                <a:rPr lang="en-US" sz="1100" i="1">
-                                  <a:latin typeface="Cambria Math" panose="02040503050406030204" pitchFamily="18" charset="0"/>
-                                </a:rPr>
-                              </m:ctrlPr>
-                            </m:sSubPr>
-                            <m:e>
-                              <m:r>
-                                <a:rPr lang="en-US" sz="1100" i="1">
-                                  <a:latin typeface="Cambria Math" panose="02040503050406030204" pitchFamily="18" charset="0"/>
-                                </a:rPr>
-                                <m:t>𝜏</m:t>
-                              </m:r>
-                            </m:e>
-                            <m:sub>
-                              <m:r>
-                                <a:rPr lang="en-US" sz="1100" b="0" i="1" smtClean="0">
-                                  <a:latin typeface="Cambria Math" panose="02040503050406030204" pitchFamily="18" charset="0"/>
-                                </a:rPr>
-                                <m:t>𝑚</m:t>
-                              </m:r>
-                            </m:sub>
-                          </m:sSub>
-                        </m:e>
-                      </m:d>
-                    </m:oMath>
-                  </m:oMathPara>
-                </a14:m>
-                <a:endParaRPr lang="en-US" sz="1100" dirty="0"/>
-              </a:p>
-            </p:txBody>
-          </p:sp>
-        </mc:Choice>
-        <mc:Fallback>
-          <p:sp>
-            <p:nvSpPr>
-              <p:cNvPr id="28" name="TextBox 27">
-                <a:extLst>
-                  <a:ext uri="{FF2B5EF4-FFF2-40B4-BE49-F238E27FC236}">
-                    <a16:creationId xmlns:a16="http://schemas.microsoft.com/office/drawing/2014/main" id="{A548609B-49AE-7C42-AA80-D1F9ECC0F5DB}"/>
-                  </a:ext>
-                </a:extLst>
-              </p:cNvPr>
-              <p:cNvSpPr txBox="1">
-                <a:spLocks noRot="1" noChangeAspect="1" noMove="1" noResize="1" noEditPoints="1" noAdjustHandles="1" noChangeArrowheads="1" noChangeShapeType="1" noTextEdit="1"/>
-              </p:cNvSpPr>
-              <p:nvPr/>
-            </p:nvSpPr>
-            <p:spPr>
-              <a:xfrm>
-                <a:off x="4066570" y="4890092"/>
-                <a:ext cx="936089" cy="345672"/>
-              </a:xfrm>
-              <a:prstGeom prst="rect">
-                <a:avLst/>
-              </a:prstGeom>
-              <a:blipFill>
-                <a:blip r:embed="rId12"/>
-                <a:stretch>
-                  <a:fillRect/>
-                </a:stretch>
-              </a:blipFill>
-            </p:spPr>
-            <p:txBody>
-              <a:bodyPr/>
-              <a:lstStyle/>
-              <a:p>
-                <a:r>
-                  <a:rPr lang="en-US">
-                    <a:noFill/>
-                  </a:rPr>
-                  <a:t> </a:t>
-                </a:r>
-              </a:p>
-            </p:txBody>
-          </p:sp>
-        </mc:Fallback>
-      </mc:AlternateContent>
-      <mc:AlternateContent xmlns:mc="http://schemas.openxmlformats.org/markup-compatibility/2006">
-        <mc:Choice xmlns:a14="http://schemas.microsoft.com/office/drawing/2010/main" Requires="a14">
-          <p:sp>
-            <p:nvSpPr>
-              <p:cNvPr id="29" name="TextBox 28">
-                <a:extLst>
-                  <a:ext uri="{FF2B5EF4-FFF2-40B4-BE49-F238E27FC236}">
-                    <a16:creationId xmlns:a16="http://schemas.microsoft.com/office/drawing/2014/main" id="{6F7AD868-41D4-DD4A-8D6F-C80AF46E7C83}"/>
-                  </a:ext>
-                </a:extLst>
-              </p:cNvPr>
-              <p:cNvSpPr txBox="1"/>
-              <p:nvPr/>
-            </p:nvSpPr>
-            <p:spPr>
-              <a:xfrm>
-                <a:off x="5007589" y="4878074"/>
-                <a:ext cx="1238672" cy="383438"/>
-              </a:xfrm>
-              <a:prstGeom prst="rect">
-                <a:avLst/>
-              </a:prstGeom>
-              <a:noFill/>
-            </p:spPr>
-            <p:txBody>
-              <a:bodyPr wrap="none" rtlCol="0">
-                <a:spAutoFit/>
-              </a:bodyPr>
-              <a:lstStyle/>
-              <a:p>
-                <a14:m>
-                  <m:oMathPara xmlns:m="http://schemas.openxmlformats.org/officeDocument/2006/math">
-                    <m:oMathParaPr>
-                      <m:jc m:val="centerGroup"/>
-                    </m:oMathParaPr>
-                    <m:oMath xmlns:m="http://schemas.openxmlformats.org/officeDocument/2006/math">
-                      <m:sSup>
-                        <m:sSupPr>
-                          <m:ctrlPr>
-                            <a:rPr lang="en-US" sz="1100" i="1" smtClean="0"/>
-                          </m:ctrlPr>
-                        </m:sSupPr>
-                        <m:e>
-                          <m:f>
-                            <m:fPr>
-                              <m:type m:val="skw"/>
-                              <m:ctrlPr>
-                                <a:rPr lang="en-US" sz="1100" i="1" smtClean="0">
-                                  <a:latin typeface="Cambria Math" panose="02040503050406030204" pitchFamily="18" charset="0"/>
-                                </a:rPr>
-                              </m:ctrlPr>
-                            </m:fPr>
-                            <m:num>
-                              <m:r>
-                                <a:rPr lang="en-US" sz="1100" b="0" i="1" smtClean="0">
-                                  <a:latin typeface="Cambria Math" panose="02040503050406030204" pitchFamily="18" charset="0"/>
-                                </a:rPr>
-                                <m:t>1</m:t>
-                              </m:r>
-                            </m:num>
-                            <m:den>
-                              <m:r>
-                                <a:rPr lang="en-US" sz="1100" b="0" i="1" smtClean="0">
-                                  <a:latin typeface="Cambria Math" panose="02040503050406030204" pitchFamily="18" charset="0"/>
-                                </a:rPr>
-                                <m:t>2</m:t>
-                              </m:r>
-                            </m:den>
-                          </m:f>
-                          <m:d>
-                            <m:dPr>
-                              <m:ctrlPr>
-                                <a:rPr lang="en-US" sz="1100" i="1" smtClean="0"/>
-                              </m:ctrlPr>
-                            </m:dPr>
-                            <m:e>
-                              <m:sSubSup>
-                                <m:sSubSupPr>
-                                  <m:ctrlPr>
-                                    <a:rPr lang="en-US" sz="1100" i="1" smtClean="0">
-                                      <a:latin typeface="Cambria Math" panose="02040503050406030204" pitchFamily="18" charset="0"/>
-                                    </a:rPr>
-                                  </m:ctrlPr>
-                                </m:sSubSupPr>
-                                <m:e>
-                                  <m:r>
-                                    <a:rPr lang="en-US" sz="1100" b="0" i="1" smtClean="0">
-                                      <a:latin typeface="Cambria Math" panose="02040503050406030204" pitchFamily="18" charset="0"/>
-                                    </a:rPr>
-                                    <m:t>𝑜</m:t>
-                                  </m:r>
-                                </m:e>
-                                <m:sub>
-                                  <m:r>
-                                    <a:rPr lang="en-US" sz="1100" b="0" i="1" smtClean="0">
-                                      <a:latin typeface="Cambria Math" panose="02040503050406030204" pitchFamily="18" charset="0"/>
-                                    </a:rPr>
-                                    <m:t>𝑚</m:t>
-                                  </m:r>
-                                </m:sub>
-                                <m:sup>
-                                  <m:d>
-                                    <m:dPr>
-                                      <m:ctrlPr>
-                                        <a:rPr lang="en-US" sz="1100" i="1" smtClean="0">
-                                          <a:latin typeface="Cambria Math" panose="02040503050406030204" pitchFamily="18" charset="0"/>
-                                        </a:rPr>
-                                      </m:ctrlPr>
-                                    </m:dPr>
-                                    <m:e>
-                                      <m:r>
-                                        <a:rPr lang="en-US" sz="1100" b="0" i="1" smtClean="0">
-                                          <a:latin typeface="Cambria Math" panose="02040503050406030204" pitchFamily="18" charset="0"/>
-                                        </a:rPr>
-                                        <m:t>𝐾</m:t>
-                                      </m:r>
-                                    </m:e>
-                                  </m:d>
-                                </m:sup>
-                              </m:sSubSup>
-                              <m:r>
-                                <a:rPr lang="en-US" sz="1100" i="1"/>
-                                <m:t>−</m:t>
-                              </m:r>
-                              <m:sSub>
-                                <m:sSubPr>
-                                  <m:ctrlPr>
-                                    <a:rPr lang="en-US" sz="1100" i="1" smtClean="0">
-                                      <a:latin typeface="Cambria Math" panose="02040503050406030204" pitchFamily="18" charset="0"/>
-                                    </a:rPr>
-                                  </m:ctrlPr>
-                                </m:sSubPr>
-                                <m:e>
-                                  <m:r>
-                                    <a:rPr lang="en-US" sz="1100" i="1">
-                                      <a:latin typeface="Cambria Math" panose="02040503050406030204" pitchFamily="18" charset="0"/>
-                                    </a:rPr>
-                                    <m:t>𝜏</m:t>
-                                  </m:r>
-                                </m:e>
-                                <m:sub>
-                                  <m:r>
-                                    <a:rPr lang="en-US" sz="1100" b="0" i="1" smtClean="0">
-                                      <a:latin typeface="Cambria Math" panose="02040503050406030204" pitchFamily="18" charset="0"/>
-                                    </a:rPr>
-                                    <m:t>𝑚</m:t>
-                                  </m:r>
-                                </m:sub>
-                              </m:sSub>
-                            </m:e>
-                          </m:d>
-                        </m:e>
-                        <m:sup>
-                          <m:r>
-                            <a:rPr lang="en-US" sz="1100" i="1"/>
-                            <m:t>2</m:t>
-                          </m:r>
-                        </m:sup>
-                      </m:sSup>
-                    </m:oMath>
-                  </m:oMathPara>
-                </a14:m>
-                <a:endParaRPr lang="en-US" sz="1100" dirty="0"/>
-              </a:p>
-            </p:txBody>
-          </p:sp>
-        </mc:Choice>
-        <mc:Fallback>
-          <p:sp>
-            <p:nvSpPr>
-              <p:cNvPr id="29" name="TextBox 28">
-                <a:extLst>
-                  <a:ext uri="{FF2B5EF4-FFF2-40B4-BE49-F238E27FC236}">
-                    <a16:creationId xmlns:a16="http://schemas.microsoft.com/office/drawing/2014/main" id="{6F7AD868-41D4-DD4A-8D6F-C80AF46E7C83}"/>
-                  </a:ext>
-                </a:extLst>
-              </p:cNvPr>
-              <p:cNvSpPr txBox="1">
-                <a:spLocks noRot="1" noChangeAspect="1" noMove="1" noResize="1" noEditPoints="1" noAdjustHandles="1" noChangeArrowheads="1" noChangeShapeType="1" noTextEdit="1"/>
-              </p:cNvSpPr>
-              <p:nvPr/>
-            </p:nvSpPr>
-            <p:spPr>
-              <a:xfrm>
-                <a:off x="5007589" y="4878074"/>
-                <a:ext cx="1238672" cy="383438"/>
-              </a:xfrm>
-              <a:prstGeom prst="rect">
-                <a:avLst/>
-              </a:prstGeom>
-              <a:blipFill>
-                <a:blip r:embed="rId13"/>
-                <a:stretch>
-                  <a:fillRect l="-10101" t="-61290" b="-112903"/>
-                </a:stretch>
-              </a:blipFill>
-            </p:spPr>
-            <p:txBody>
-              <a:bodyPr/>
-              <a:lstStyle/>
-              <a:p>
-                <a:r>
-                  <a:rPr lang="en-US">
-                    <a:noFill/>
-                  </a:rPr>
-                  <a:t> </a:t>
-                </a:r>
-              </a:p>
-            </p:txBody>
-          </p:sp>
-        </mc:Fallback>
-      </mc:AlternateContent>
-      <p:cxnSp>
-        <p:nvCxnSpPr>
-          <p:cNvPr id="30" name="Straight Connector 29">
-            <a:extLst>
-              <a:ext uri="{FF2B5EF4-FFF2-40B4-BE49-F238E27FC236}">
-                <a16:creationId xmlns:a16="http://schemas.microsoft.com/office/drawing/2014/main" id="{08EE4785-2066-AA49-8C5B-F03DE38F585B}"/>
-              </a:ext>
-            </a:extLst>
-          </p:cNvPr>
-          <p:cNvCxnSpPr/>
-          <p:nvPr/>
-        </p:nvCxnSpPr>
-        <p:spPr>
-          <a:xfrm>
-            <a:off x="5007589" y="4673511"/>
-            <a:ext cx="0" cy="776506"/>
-          </a:xfrm>
-          <a:prstGeom prst="line">
-            <a:avLst/>
-          </a:prstGeom>
-          <a:ln w="12700"/>
-        </p:spPr>
-        <p:style>
-          <a:lnRef idx="1">
-            <a:schemeClr val="accent1"/>
-          </a:lnRef>
-          <a:fillRef idx="0">
-            <a:schemeClr val="accent1"/>
-          </a:fillRef>
-          <a:effectRef idx="0">
-            <a:schemeClr val="accent1"/>
-          </a:effectRef>
-          <a:fontRef idx="minor">
-            <a:schemeClr val="tx1"/>
-          </a:fontRef>
-        </p:style>
-      </p:cxnSp>
-      <p:sp>
-        <p:nvSpPr>
-          <p:cNvPr id="31" name="TextBox 30">
-            <a:extLst>
-              <a:ext uri="{FF2B5EF4-FFF2-40B4-BE49-F238E27FC236}">
-                <a16:creationId xmlns:a16="http://schemas.microsoft.com/office/drawing/2014/main" id="{9A38B4DA-F4A7-8841-8B52-0AF459ED4613}"/>
-              </a:ext>
-            </a:extLst>
-          </p:cNvPr>
-          <p:cNvSpPr txBox="1"/>
-          <p:nvPr/>
-        </p:nvSpPr>
-        <p:spPr>
-          <a:xfrm rot="5400000">
-            <a:off x="4855131" y="4367587"/>
-            <a:ext cx="370614" cy="276999"/>
-          </a:xfrm>
-          <a:prstGeom prst="rect">
-            <a:avLst/>
-          </a:prstGeom>
-          <a:noFill/>
-        </p:spPr>
-        <p:txBody>
-          <a:bodyPr wrap="none" rtlCol="0">
-            <a:spAutoFit/>
-          </a:bodyPr>
-          <a:lstStyle/>
-          <a:p>
-            <a:r>
-              <a:rPr lang="en-US" sz="1200" dirty="0"/>
-              <a:t>. . .</a:t>
-            </a:r>
-          </a:p>
-        </p:txBody>
-      </p:sp>
-      <p:cxnSp>
-        <p:nvCxnSpPr>
-          <p:cNvPr id="33" name="Straight Connector 32">
-            <a:extLst>
-              <a:ext uri="{FF2B5EF4-FFF2-40B4-BE49-F238E27FC236}">
-                <a16:creationId xmlns:a16="http://schemas.microsoft.com/office/drawing/2014/main" id="{0A165AEC-AA25-E746-B0C1-DFFC0C76C11A}"/>
-              </a:ext>
-            </a:extLst>
-          </p:cNvPr>
-          <p:cNvCxnSpPr>
-            <a:cxnSpLocks/>
-          </p:cNvCxnSpPr>
-          <p:nvPr/>
-        </p:nvCxnSpPr>
-        <p:spPr>
-          <a:xfrm>
-            <a:off x="3533680" y="2836413"/>
-            <a:ext cx="564637" cy="4530"/>
-          </a:xfrm>
-          <a:prstGeom prst="line">
-            <a:avLst/>
-          </a:prstGeom>
-          <a:ln w="12700"/>
-        </p:spPr>
-        <p:style>
-          <a:lnRef idx="1">
-            <a:schemeClr val="accent1"/>
-          </a:lnRef>
-          <a:fillRef idx="0">
-            <a:schemeClr val="accent1"/>
-          </a:fillRef>
-          <a:effectRef idx="0">
-            <a:schemeClr val="accent1"/>
-          </a:effectRef>
-          <a:fontRef idx="minor">
-            <a:schemeClr val="tx1"/>
-          </a:fontRef>
-        </p:style>
-      </p:cxnSp>
-      <p:cxnSp>
-        <p:nvCxnSpPr>
-          <p:cNvPr id="38" name="Straight Connector 37">
-            <a:extLst>
-              <a:ext uri="{FF2B5EF4-FFF2-40B4-BE49-F238E27FC236}">
-                <a16:creationId xmlns:a16="http://schemas.microsoft.com/office/drawing/2014/main" id="{52A2CAFD-D925-DE4D-909F-CAB38DF6DDBC}"/>
-              </a:ext>
-            </a:extLst>
-          </p:cNvPr>
-          <p:cNvCxnSpPr>
-            <a:cxnSpLocks/>
-          </p:cNvCxnSpPr>
-          <p:nvPr/>
-        </p:nvCxnSpPr>
-        <p:spPr>
-          <a:xfrm>
-            <a:off x="3545399" y="3902903"/>
-            <a:ext cx="564637" cy="4530"/>
-          </a:xfrm>
-          <a:prstGeom prst="line">
-            <a:avLst/>
-          </a:prstGeom>
-          <a:ln w="12700"/>
-        </p:spPr>
-        <p:style>
-          <a:lnRef idx="1">
-            <a:schemeClr val="accent1"/>
-          </a:lnRef>
-          <a:fillRef idx="0">
-            <a:schemeClr val="accent1"/>
-          </a:fillRef>
-          <a:effectRef idx="0">
-            <a:schemeClr val="accent1"/>
-          </a:effectRef>
-          <a:fontRef idx="minor">
-            <a:schemeClr val="tx1"/>
-          </a:fontRef>
-        </p:style>
-      </p:cxnSp>
-      <p:cxnSp>
-        <p:nvCxnSpPr>
-          <p:cNvPr id="39" name="Straight Connector 38">
-            <a:extLst>
-              <a:ext uri="{FF2B5EF4-FFF2-40B4-BE49-F238E27FC236}">
-                <a16:creationId xmlns:a16="http://schemas.microsoft.com/office/drawing/2014/main" id="{E1E6FE6D-9347-524E-B06A-29A2906AC2BE}"/>
-              </a:ext>
-            </a:extLst>
-          </p:cNvPr>
-          <p:cNvCxnSpPr>
-            <a:cxnSpLocks/>
-          </p:cNvCxnSpPr>
-          <p:nvPr/>
-        </p:nvCxnSpPr>
-        <p:spPr>
-          <a:xfrm>
-            <a:off x="3545399" y="5044963"/>
-            <a:ext cx="564637" cy="4530"/>
-          </a:xfrm>
-          <a:prstGeom prst="line">
-            <a:avLst/>
-          </a:prstGeom>
-          <a:ln w="12700"/>
-        </p:spPr>
-        <p:style>
-          <a:lnRef idx="1">
-            <a:schemeClr val="accent1"/>
-          </a:lnRef>
-          <a:fillRef idx="0">
-            <a:schemeClr val="accent1"/>
-          </a:fillRef>
-          <a:effectRef idx="0">
-            <a:schemeClr val="accent1"/>
-          </a:effectRef>
-          <a:fontRef idx="minor">
-            <a:schemeClr val="tx1"/>
-          </a:fontRef>
-        </p:style>
-      </p:cxnSp>
-      <p:sp>
-        <p:nvSpPr>
-          <p:cNvPr id="40" name="Oval 39">
-            <a:extLst>
-              <a:ext uri="{FF2B5EF4-FFF2-40B4-BE49-F238E27FC236}">
-                <a16:creationId xmlns:a16="http://schemas.microsoft.com/office/drawing/2014/main" id="{2F84F5F4-BE0D-324C-8258-04E0235EF740}"/>
-              </a:ext>
-            </a:extLst>
-          </p:cNvPr>
-          <p:cNvSpPr/>
-          <p:nvPr/>
-        </p:nvSpPr>
-        <p:spPr>
-          <a:xfrm>
-            <a:off x="6630041" y="3690755"/>
-            <a:ext cx="384678" cy="398868"/>
-          </a:xfrm>
-          <a:prstGeom prst="ellipse">
-            <a:avLst/>
-          </a:prstGeom>
-          <a:noFill/>
-        </p:spPr>
-        <p:style>
-          <a:lnRef idx="2">
-            <a:schemeClr val="accent1">
-              <a:shade val="50000"/>
-            </a:schemeClr>
-          </a:lnRef>
-          <a:fillRef idx="1">
-            <a:schemeClr val="accent1"/>
-          </a:fillRef>
-          <a:effectRef idx="0">
-            <a:schemeClr val="accent1"/>
-          </a:effectRef>
-          <a:fontRef idx="minor">
-            <a:schemeClr val="lt1"/>
-          </a:fontRef>
-        </p:style>
-        <p:txBody>
-          <a:bodyPr rtlCol="0" anchor="ctr"/>
-          <a:lstStyle/>
-          <a:p>
-            <a:pPr algn="ctr"/>
-            <a:endParaRPr lang="en-US"/>
-          </a:p>
-        </p:txBody>
-      </p:sp>
-      <p:sp>
-        <p:nvSpPr>
-          <p:cNvPr id="41" name="Oval 40">
-            <a:extLst>
-              <a:ext uri="{FF2B5EF4-FFF2-40B4-BE49-F238E27FC236}">
-                <a16:creationId xmlns:a16="http://schemas.microsoft.com/office/drawing/2014/main" id="{B8E16840-CEF1-F54D-BCDD-45712C8E6E83}"/>
-              </a:ext>
-            </a:extLst>
-          </p:cNvPr>
-          <p:cNvSpPr/>
-          <p:nvPr/>
-        </p:nvSpPr>
-        <p:spPr>
-          <a:xfrm>
-            <a:off x="2144350" y="3524431"/>
-            <a:ext cx="384678" cy="398868"/>
-          </a:xfrm>
-          <a:prstGeom prst="ellipse">
-            <a:avLst/>
-          </a:prstGeom>
-          <a:noFill/>
-        </p:spPr>
-        <p:style>
-          <a:lnRef idx="2">
-            <a:schemeClr val="accent1">
-              <a:shade val="50000"/>
-            </a:schemeClr>
-          </a:lnRef>
-          <a:fillRef idx="1">
-            <a:schemeClr val="accent1"/>
-          </a:fillRef>
-          <a:effectRef idx="0">
-            <a:schemeClr val="accent1"/>
-          </a:effectRef>
-          <a:fontRef idx="minor">
-            <a:schemeClr val="lt1"/>
-          </a:fontRef>
-        </p:style>
-        <p:txBody>
-          <a:bodyPr rtlCol="0" anchor="ctr"/>
-          <a:lstStyle/>
-          <a:p>
-            <a:pPr algn="ctr"/>
-            <a:endParaRPr lang="en-US"/>
-          </a:p>
-        </p:txBody>
-      </p:sp>
-      <p:cxnSp>
-        <p:nvCxnSpPr>
-          <p:cNvPr id="42" name="Straight Connector 41">
-            <a:extLst>
-              <a:ext uri="{FF2B5EF4-FFF2-40B4-BE49-F238E27FC236}">
-                <a16:creationId xmlns:a16="http://schemas.microsoft.com/office/drawing/2014/main" id="{88540E36-D7EA-DE45-BBE7-4113759B656E}"/>
-              </a:ext>
-            </a:extLst>
-          </p:cNvPr>
-          <p:cNvCxnSpPr/>
-          <p:nvPr/>
-        </p:nvCxnSpPr>
-        <p:spPr>
-          <a:xfrm>
-            <a:off x="2336689" y="3524431"/>
-            <a:ext cx="0" cy="398868"/>
-          </a:xfrm>
-          <a:prstGeom prst="line">
-            <a:avLst/>
-          </a:prstGeom>
-          <a:ln w="12700"/>
-        </p:spPr>
-        <p:style>
-          <a:lnRef idx="1">
-            <a:schemeClr val="accent1"/>
-          </a:lnRef>
-          <a:fillRef idx="0">
-            <a:schemeClr val="accent1"/>
-          </a:fillRef>
-          <a:effectRef idx="0">
-            <a:schemeClr val="accent1"/>
-          </a:effectRef>
-          <a:fontRef idx="minor">
-            <a:schemeClr val="tx1"/>
-          </a:fontRef>
-        </p:style>
-      </p:cxnSp>
-      <mc:AlternateContent xmlns:mc="http://schemas.openxmlformats.org/markup-compatibility/2006">
-        <mc:Choice xmlns:a14="http://schemas.microsoft.com/office/drawing/2010/main" Requires="a14">
-          <p:sp>
-            <p:nvSpPr>
-              <p:cNvPr id="45" name="TextBox 44">
-                <a:extLst>
-                  <a:ext uri="{FF2B5EF4-FFF2-40B4-BE49-F238E27FC236}">
-                    <a16:creationId xmlns:a16="http://schemas.microsoft.com/office/drawing/2014/main" id="{4141CCEC-B28A-074C-8B30-EED0171C0E60}"/>
-                  </a:ext>
-                </a:extLst>
-              </p:cNvPr>
-              <p:cNvSpPr txBox="1"/>
-              <p:nvPr/>
-            </p:nvSpPr>
-            <p:spPr>
-              <a:xfrm>
-                <a:off x="3469073" y="3603419"/>
-                <a:ext cx="464679" cy="301749"/>
-              </a:xfrm>
-              <a:prstGeom prst="rect">
-                <a:avLst/>
-              </a:prstGeom>
-              <a:noFill/>
-            </p:spPr>
-            <p:txBody>
-              <a:bodyPr wrap="none" rtlCol="0">
-                <a:spAutoFit/>
-              </a:bodyPr>
-              <a:lstStyle/>
-              <a:p>
-                <a14:m>
-                  <m:oMathPara xmlns:m="http://schemas.openxmlformats.org/officeDocument/2006/math">
-                    <m:oMathParaPr>
-                      <m:jc m:val="centerGroup"/>
-                    </m:oMathParaPr>
-                    <m:oMath xmlns:m="http://schemas.openxmlformats.org/officeDocument/2006/math">
-                      <m:sSubSup>
-                        <m:sSubSupPr>
-                          <m:ctrlPr>
-                            <a:rPr lang="en-US" sz="1100" i="1" smtClean="0">
-                              <a:latin typeface="Cambria Math" panose="02040503050406030204" pitchFamily="18" charset="0"/>
-                            </a:rPr>
-                          </m:ctrlPr>
-                        </m:sSubSupPr>
-                        <m:e>
-                          <m:r>
-                            <a:rPr lang="en-US" sz="1100" b="0" i="1" smtClean="0">
-                              <a:latin typeface="Cambria Math" panose="02040503050406030204" pitchFamily="18" charset="0"/>
-                            </a:rPr>
-                            <m:t>𝑜</m:t>
-                          </m:r>
-                        </m:e>
-                        <m:sub>
-                          <m:r>
-                            <a:rPr lang="en-US" sz="1100" b="0" i="1" smtClean="0">
-                              <a:latin typeface="Cambria Math" panose="02040503050406030204" pitchFamily="18" charset="0"/>
-                            </a:rPr>
-                            <m:t>2</m:t>
-                          </m:r>
-                        </m:sub>
-                        <m:sup>
-                          <m:d>
-                            <m:dPr>
-                              <m:ctrlPr>
-                                <a:rPr lang="en-US" sz="1100" i="1" smtClean="0">
-                                  <a:latin typeface="Cambria Math" panose="02040503050406030204" pitchFamily="18" charset="0"/>
-                                </a:rPr>
-                              </m:ctrlPr>
-                            </m:dPr>
-                            <m:e>
-                              <m:r>
-                                <a:rPr lang="en-US" sz="1100" b="0" i="1" smtClean="0">
-                                  <a:latin typeface="Cambria Math" panose="02040503050406030204" pitchFamily="18" charset="0"/>
-                                </a:rPr>
-                                <m:t>𝐾</m:t>
-                              </m:r>
-                            </m:e>
-                          </m:d>
-                        </m:sup>
-                      </m:sSubSup>
-                    </m:oMath>
-                  </m:oMathPara>
-                </a14:m>
-                <a:endParaRPr lang="en-US" sz="1100" dirty="0"/>
-              </a:p>
-            </p:txBody>
-          </p:sp>
-        </mc:Choice>
-        <mc:Fallback>
-          <p:sp>
-            <p:nvSpPr>
-              <p:cNvPr id="45" name="TextBox 44">
-                <a:extLst>
-                  <a:ext uri="{FF2B5EF4-FFF2-40B4-BE49-F238E27FC236}">
-                    <a16:creationId xmlns:a16="http://schemas.microsoft.com/office/drawing/2014/main" id="{4141CCEC-B28A-074C-8B30-EED0171C0E60}"/>
-                  </a:ext>
-                </a:extLst>
-              </p:cNvPr>
-              <p:cNvSpPr txBox="1">
-                <a:spLocks noRot="1" noChangeAspect="1" noMove="1" noResize="1" noEditPoints="1" noAdjustHandles="1" noChangeArrowheads="1" noChangeShapeType="1" noTextEdit="1"/>
-              </p:cNvSpPr>
-              <p:nvPr/>
-            </p:nvSpPr>
-            <p:spPr>
-              <a:xfrm>
-                <a:off x="3469073" y="3603419"/>
-                <a:ext cx="464679" cy="301749"/>
-              </a:xfrm>
-              <a:prstGeom prst="rect">
-                <a:avLst/>
-              </a:prstGeom>
-              <a:blipFill>
-                <a:blip r:embed="rId14"/>
-                <a:stretch>
-                  <a:fillRect/>
-                </a:stretch>
-              </a:blipFill>
-            </p:spPr>
-            <p:txBody>
-              <a:bodyPr/>
-              <a:lstStyle/>
-              <a:p>
-                <a:r>
-                  <a:rPr lang="en-US">
-                    <a:noFill/>
-                  </a:rPr>
-                  <a:t> </a:t>
-                </a:r>
-              </a:p>
-            </p:txBody>
-          </p:sp>
-        </mc:Fallback>
-      </mc:AlternateContent>
-      <mc:AlternateContent xmlns:mc="http://schemas.openxmlformats.org/markup-compatibility/2006">
-        <mc:Choice xmlns:a14="http://schemas.microsoft.com/office/drawing/2010/main" Requires="a14">
-          <p:sp>
-            <p:nvSpPr>
-              <p:cNvPr id="46" name="TextBox 45">
-                <a:extLst>
-                  <a:ext uri="{FF2B5EF4-FFF2-40B4-BE49-F238E27FC236}">
-                    <a16:creationId xmlns:a16="http://schemas.microsoft.com/office/drawing/2014/main" id="{79559676-2F9F-C64A-A7CA-4FA31D5C6AB6}"/>
-                  </a:ext>
-                </a:extLst>
-              </p:cNvPr>
-              <p:cNvSpPr txBox="1"/>
-              <p:nvPr/>
-            </p:nvSpPr>
-            <p:spPr>
-              <a:xfrm>
-                <a:off x="2494479" y="3474879"/>
-                <a:ext cx="599331" cy="301749"/>
-              </a:xfrm>
-              <a:prstGeom prst="rect">
-                <a:avLst/>
-              </a:prstGeom>
-              <a:noFill/>
-            </p:spPr>
-            <p:txBody>
-              <a:bodyPr wrap="none" rtlCol="0">
-                <a:spAutoFit/>
-              </a:bodyPr>
-              <a:lstStyle/>
-              <a:p>
-                <a14:m>
-                  <m:oMathPara xmlns:m="http://schemas.openxmlformats.org/officeDocument/2006/math">
-                    <m:oMathParaPr>
-                      <m:jc m:val="centerGroup"/>
-                    </m:oMathParaPr>
-                    <m:oMath xmlns:m="http://schemas.openxmlformats.org/officeDocument/2006/math">
-                      <m:sSubSup>
-                        <m:sSubSupPr>
-                          <m:ctrlPr>
-                            <a:rPr lang="en-US" sz="1100" i="1" smtClean="0">
-                              <a:latin typeface="Cambria Math" panose="02040503050406030204" pitchFamily="18" charset="0"/>
-                            </a:rPr>
-                          </m:ctrlPr>
-                        </m:sSubSupPr>
-                        <m:e>
-                          <m:r>
-                            <a:rPr lang="en-US" sz="1100" b="0" i="1" smtClean="0">
-                              <a:latin typeface="Cambria Math" panose="02040503050406030204" pitchFamily="18" charset="0"/>
-                            </a:rPr>
-                            <m:t>𝑜</m:t>
-                          </m:r>
-                        </m:e>
-                        <m:sub>
-                          <m:r>
-                            <a:rPr lang="en-US" sz="1100" b="0" i="1" smtClean="0">
-                              <a:latin typeface="Cambria Math" panose="02040503050406030204" pitchFamily="18" charset="0"/>
-                            </a:rPr>
-                            <m:t>2</m:t>
-                          </m:r>
-                        </m:sub>
-                        <m:sup>
-                          <m:d>
-                            <m:dPr>
-                              <m:ctrlPr>
-                                <a:rPr lang="en-US" sz="1100" i="1" smtClean="0">
-                                  <a:latin typeface="Cambria Math" panose="02040503050406030204" pitchFamily="18" charset="0"/>
-                                </a:rPr>
-                              </m:ctrlPr>
-                            </m:dPr>
-                            <m:e>
-                              <m:r>
-                                <a:rPr lang="en-US" sz="1100" b="0" i="1" smtClean="0">
-                                  <a:latin typeface="Cambria Math" panose="02040503050406030204" pitchFamily="18" charset="0"/>
-                                </a:rPr>
-                                <m:t>𝐾</m:t>
-                              </m:r>
-                              <m:r>
-                                <a:rPr lang="en-US" sz="1100" b="0" i="1" smtClean="0">
-                                  <a:latin typeface="Cambria Math" panose="02040503050406030204" pitchFamily="18" charset="0"/>
-                                </a:rPr>
-                                <m:t>−1</m:t>
-                              </m:r>
-                            </m:e>
-                          </m:d>
-                        </m:sup>
-                      </m:sSubSup>
-                    </m:oMath>
-                  </m:oMathPara>
-                </a14:m>
-                <a:endParaRPr lang="en-US" sz="1100" dirty="0"/>
-              </a:p>
-            </p:txBody>
-          </p:sp>
-        </mc:Choice>
-        <mc:Fallback>
-          <p:sp>
-            <p:nvSpPr>
-              <p:cNvPr id="46" name="TextBox 45">
-                <a:extLst>
-                  <a:ext uri="{FF2B5EF4-FFF2-40B4-BE49-F238E27FC236}">
-                    <a16:creationId xmlns:a16="http://schemas.microsoft.com/office/drawing/2014/main" id="{79559676-2F9F-C64A-A7CA-4FA31D5C6AB6}"/>
-                  </a:ext>
-                </a:extLst>
-              </p:cNvPr>
-              <p:cNvSpPr txBox="1">
-                <a:spLocks noRot="1" noChangeAspect="1" noMove="1" noResize="1" noEditPoints="1" noAdjustHandles="1" noChangeArrowheads="1" noChangeShapeType="1" noTextEdit="1"/>
-              </p:cNvSpPr>
-              <p:nvPr/>
-            </p:nvSpPr>
-            <p:spPr>
-              <a:xfrm>
-                <a:off x="2494479" y="3474879"/>
-                <a:ext cx="599331" cy="301749"/>
-              </a:xfrm>
-              <a:prstGeom prst="rect">
-                <a:avLst/>
-              </a:prstGeom>
-              <a:blipFill>
-                <a:blip r:embed="rId15"/>
-                <a:stretch>
-                  <a:fillRect/>
-                </a:stretch>
-              </a:blipFill>
-            </p:spPr>
-            <p:txBody>
-              <a:bodyPr/>
-              <a:lstStyle/>
-              <a:p>
-                <a:r>
-                  <a:rPr lang="en-US">
-                    <a:noFill/>
-                  </a:rPr>
-                  <a:t> </a:t>
-                </a:r>
-              </a:p>
-            </p:txBody>
-          </p:sp>
-        </mc:Fallback>
-      </mc:AlternateContent>
+                  </a14:m>
+                  <a:r>
+                    <a:rPr lang="en-US" sz="1100" dirty="0" err="1"/>
+                    <a:t>-th</a:t>
+                  </a:r>
+                  <a:r>
+                    <a:rPr lang="en-US" sz="1100" dirty="0"/>
+                    <a:t> hidden </a:t>
+                  </a:r>
+                </a:p>
+                <a:p>
+                  <a:r>
+                    <a:rPr lang="en-US" sz="1100" dirty="0"/>
+                    <a:t>unit</a:t>
+                  </a:r>
+                </a:p>
+              </p:txBody>
+            </p:sp>
+          </mc:Choice>
+          <mc:Fallback>
+            <p:sp>
+              <p:nvSpPr>
+                <p:cNvPr id="72" name="TextBox 71">
+                  <a:extLst>
+                    <a:ext uri="{FF2B5EF4-FFF2-40B4-BE49-F238E27FC236}">
+                      <a16:creationId xmlns:a16="http://schemas.microsoft.com/office/drawing/2014/main" id="{806EB6EC-62D1-2C4A-A363-6AAC999CE984}"/>
+                    </a:ext>
+                  </a:extLst>
+                </p:cNvPr>
+                <p:cNvSpPr txBox="1">
+                  <a:spLocks noRot="1" noChangeAspect="1" noMove="1" noResize="1" noEditPoints="1" noAdjustHandles="1" noChangeArrowheads="1" noChangeShapeType="1" noTextEdit="1"/>
+                </p:cNvSpPr>
+                <p:nvPr/>
+              </p:nvSpPr>
+              <p:spPr>
+                <a:xfrm>
+                  <a:off x="1882595" y="4034001"/>
+                  <a:ext cx="859210" cy="430887"/>
+                </a:xfrm>
+                <a:prstGeom prst="rect">
+                  <a:avLst/>
+                </a:prstGeom>
+                <a:blipFill>
+                  <a:blip r:embed="rId18"/>
+                  <a:stretch>
+                    <a:fillRect b="-11429"/>
+                  </a:stretch>
+                </a:blipFill>
+              </p:spPr>
+              <p:txBody>
+                <a:bodyPr/>
+                <a:lstStyle/>
+                <a:p>
+                  <a:r>
+                    <a:rPr lang="en-US">
+                      <a:noFill/>
+                    </a:rPr>
+                    <a:t> </a:t>
+                  </a:r>
+                </a:p>
+              </p:txBody>
+            </p:sp>
+          </mc:Fallback>
+        </mc:AlternateContent>
+        <mc:AlternateContent xmlns:mc="http://schemas.openxmlformats.org/markup-compatibility/2006">
+          <mc:Choice xmlns:a14="http://schemas.microsoft.com/office/drawing/2010/main" Requires="a14">
+            <p:sp>
+              <p:nvSpPr>
+                <p:cNvPr id="73" name="TextBox 72">
+                  <a:extLst>
+                    <a:ext uri="{FF2B5EF4-FFF2-40B4-BE49-F238E27FC236}">
+                      <a16:creationId xmlns:a16="http://schemas.microsoft.com/office/drawing/2014/main" id="{11E4F8D2-57BC-7543-9A16-A686F40443DF}"/>
+                    </a:ext>
+                  </a:extLst>
+                </p:cNvPr>
+                <p:cNvSpPr txBox="1"/>
+                <p:nvPr/>
+              </p:nvSpPr>
+              <p:spPr>
+                <a:xfrm>
+                  <a:off x="3463572" y="4726825"/>
+                  <a:ext cx="464678" cy="295787"/>
+                </a:xfrm>
+                <a:prstGeom prst="rect">
+                  <a:avLst/>
+                </a:prstGeom>
+                <a:noFill/>
+              </p:spPr>
+              <p:txBody>
+                <a:bodyPr wrap="none" rtlCol="0">
+                  <a:spAutoFit/>
+                </a:bodyPr>
+                <a:lstStyle/>
+                <a:p>
+                  <a14:m>
+                    <m:oMathPara xmlns:m="http://schemas.openxmlformats.org/officeDocument/2006/math">
+                      <m:oMathParaPr>
+                        <m:jc m:val="centerGroup"/>
+                      </m:oMathParaPr>
+                      <m:oMath xmlns:m="http://schemas.openxmlformats.org/officeDocument/2006/math">
+                        <m:sSubSup>
+                          <m:sSubSupPr>
+                            <m:ctrlPr>
+                              <a:rPr lang="en-US" sz="1100" i="1" smtClean="0">
+                                <a:latin typeface="Cambria Math" panose="02040503050406030204" pitchFamily="18" charset="0"/>
+                              </a:rPr>
+                            </m:ctrlPr>
+                          </m:sSubSupPr>
+                          <m:e>
+                            <m:r>
+                              <a:rPr lang="en-US" sz="1100" b="0" i="1" smtClean="0">
+                                <a:latin typeface="Cambria Math" panose="02040503050406030204" pitchFamily="18" charset="0"/>
+                              </a:rPr>
+                              <m:t>𝑜</m:t>
+                            </m:r>
+                          </m:e>
+                          <m:sub>
+                            <m:r>
+                              <a:rPr lang="en-US" sz="1100" b="0" i="1" smtClean="0">
+                                <a:latin typeface="Cambria Math" panose="02040503050406030204" pitchFamily="18" charset="0"/>
+                              </a:rPr>
+                              <m:t>𝑚</m:t>
+                            </m:r>
+                          </m:sub>
+                          <m:sup>
+                            <m:d>
+                              <m:dPr>
+                                <m:ctrlPr>
+                                  <a:rPr lang="en-US" sz="1100" i="1" smtClean="0">
+                                    <a:latin typeface="Cambria Math" panose="02040503050406030204" pitchFamily="18" charset="0"/>
+                                  </a:rPr>
+                                </m:ctrlPr>
+                              </m:dPr>
+                              <m:e>
+                                <m:r>
+                                  <a:rPr lang="en-US" sz="1100" b="0" i="1" smtClean="0">
+                                    <a:latin typeface="Cambria Math" panose="02040503050406030204" pitchFamily="18" charset="0"/>
+                                  </a:rPr>
+                                  <m:t>𝐾</m:t>
+                                </m:r>
+                              </m:e>
+                            </m:d>
+                          </m:sup>
+                        </m:sSubSup>
+                      </m:oMath>
+                    </m:oMathPara>
+                  </a14:m>
+                  <a:endParaRPr lang="en-US" sz="1100" dirty="0"/>
+                </a:p>
+              </p:txBody>
+            </p:sp>
+          </mc:Choice>
+          <mc:Fallback>
+            <p:sp>
+              <p:nvSpPr>
+                <p:cNvPr id="73" name="TextBox 72">
+                  <a:extLst>
+                    <a:ext uri="{FF2B5EF4-FFF2-40B4-BE49-F238E27FC236}">
+                      <a16:creationId xmlns:a16="http://schemas.microsoft.com/office/drawing/2014/main" id="{11E4F8D2-57BC-7543-9A16-A686F40443DF}"/>
+                    </a:ext>
+                  </a:extLst>
+                </p:cNvPr>
+                <p:cNvSpPr txBox="1">
+                  <a:spLocks noRot="1" noChangeAspect="1" noMove="1" noResize="1" noEditPoints="1" noAdjustHandles="1" noChangeArrowheads="1" noChangeShapeType="1" noTextEdit="1"/>
+                </p:cNvSpPr>
+                <p:nvPr/>
+              </p:nvSpPr>
+              <p:spPr>
+                <a:xfrm>
+                  <a:off x="3463572" y="4726825"/>
+                  <a:ext cx="464678" cy="295787"/>
+                </a:xfrm>
+                <a:prstGeom prst="rect">
+                  <a:avLst/>
+                </a:prstGeom>
+                <a:blipFill>
+                  <a:blip r:embed="rId19"/>
+                  <a:stretch>
+                    <a:fillRect/>
+                  </a:stretch>
+                </a:blipFill>
+              </p:spPr>
+              <p:txBody>
+                <a:bodyPr/>
+                <a:lstStyle/>
+                <a:p>
+                  <a:r>
+                    <a:rPr lang="en-US">
+                      <a:noFill/>
+                    </a:rPr>
+                    <a:t> </a:t>
+                  </a:r>
+                </a:p>
+              </p:txBody>
+            </p:sp>
+          </mc:Fallback>
+        </mc:AlternateContent>
+        <mc:AlternateContent xmlns:mc="http://schemas.openxmlformats.org/markup-compatibility/2006">
+          <mc:Choice xmlns:a14="http://schemas.microsoft.com/office/drawing/2010/main" Requires="a14">
+            <p:sp>
+              <p:nvSpPr>
+                <p:cNvPr id="74" name="TextBox 73">
+                  <a:extLst>
+                    <a:ext uri="{FF2B5EF4-FFF2-40B4-BE49-F238E27FC236}">
+                      <a16:creationId xmlns:a16="http://schemas.microsoft.com/office/drawing/2014/main" id="{35227011-99BE-8248-8355-632FC731855C}"/>
+                    </a:ext>
+                  </a:extLst>
+                </p:cNvPr>
+                <p:cNvSpPr txBox="1"/>
+                <p:nvPr/>
+              </p:nvSpPr>
+              <p:spPr>
+                <a:xfrm>
+                  <a:off x="3455744" y="2530753"/>
+                  <a:ext cx="464678" cy="309252"/>
+                </a:xfrm>
+                <a:prstGeom prst="rect">
+                  <a:avLst/>
+                </a:prstGeom>
+                <a:noFill/>
+              </p:spPr>
+              <p:txBody>
+                <a:bodyPr wrap="none" rtlCol="0">
+                  <a:spAutoFit/>
+                </a:bodyPr>
+                <a:lstStyle/>
+                <a:p>
+                  <a14:m>
+                    <m:oMathPara xmlns:m="http://schemas.openxmlformats.org/officeDocument/2006/math">
+                      <m:oMathParaPr>
+                        <m:jc m:val="centerGroup"/>
+                      </m:oMathParaPr>
+                      <m:oMath xmlns:m="http://schemas.openxmlformats.org/officeDocument/2006/math">
+                        <m:sSubSup>
+                          <m:sSubSupPr>
+                            <m:ctrlPr>
+                              <a:rPr lang="en-US" sz="1100" i="1" smtClean="0">
+                                <a:latin typeface="Cambria Math" panose="02040503050406030204" pitchFamily="18" charset="0"/>
+                              </a:rPr>
+                            </m:ctrlPr>
+                          </m:sSubSupPr>
+                          <m:e>
+                            <m:r>
+                              <a:rPr lang="en-US" sz="1100" b="0" i="1" smtClean="0">
+                                <a:latin typeface="Cambria Math" panose="02040503050406030204" pitchFamily="18" charset="0"/>
+                              </a:rPr>
+                              <m:t>𝑜</m:t>
+                            </m:r>
+                          </m:e>
+                          <m:sub>
+                            <m:r>
+                              <a:rPr lang="en-US" sz="1100" b="0" i="1" smtClean="0">
+                                <a:latin typeface="Cambria Math" panose="02040503050406030204" pitchFamily="18" charset="0"/>
+                              </a:rPr>
+                              <m:t>1</m:t>
+                            </m:r>
+                          </m:sub>
+                          <m:sup>
+                            <m:d>
+                              <m:dPr>
+                                <m:ctrlPr>
+                                  <a:rPr lang="en-US" sz="1100" i="1" smtClean="0">
+                                    <a:latin typeface="Cambria Math" panose="02040503050406030204" pitchFamily="18" charset="0"/>
+                                  </a:rPr>
+                                </m:ctrlPr>
+                              </m:dPr>
+                              <m:e>
+                                <m:r>
+                                  <a:rPr lang="en-US" sz="1100" b="0" i="1" smtClean="0">
+                                    <a:latin typeface="Cambria Math" panose="02040503050406030204" pitchFamily="18" charset="0"/>
+                                  </a:rPr>
+                                  <m:t>𝐾</m:t>
+                                </m:r>
+                              </m:e>
+                            </m:d>
+                          </m:sup>
+                        </m:sSubSup>
+                      </m:oMath>
+                    </m:oMathPara>
+                  </a14:m>
+                  <a:endParaRPr lang="en-US" sz="1100" dirty="0"/>
+                </a:p>
+              </p:txBody>
+            </p:sp>
+          </mc:Choice>
+          <mc:Fallback>
+            <p:sp>
+              <p:nvSpPr>
+                <p:cNvPr id="74" name="TextBox 73">
+                  <a:extLst>
+                    <a:ext uri="{FF2B5EF4-FFF2-40B4-BE49-F238E27FC236}">
+                      <a16:creationId xmlns:a16="http://schemas.microsoft.com/office/drawing/2014/main" id="{35227011-99BE-8248-8355-632FC731855C}"/>
+                    </a:ext>
+                  </a:extLst>
+                </p:cNvPr>
+                <p:cNvSpPr txBox="1">
+                  <a:spLocks noRot="1" noChangeAspect="1" noMove="1" noResize="1" noEditPoints="1" noAdjustHandles="1" noChangeArrowheads="1" noChangeShapeType="1" noTextEdit="1"/>
+                </p:cNvSpPr>
+                <p:nvPr/>
+              </p:nvSpPr>
+              <p:spPr>
+                <a:xfrm>
+                  <a:off x="3455744" y="2530753"/>
+                  <a:ext cx="464678" cy="309252"/>
+                </a:xfrm>
+                <a:prstGeom prst="rect">
+                  <a:avLst/>
+                </a:prstGeom>
+                <a:blipFill>
+                  <a:blip r:embed="rId20"/>
+                  <a:stretch>
+                    <a:fillRect/>
+                  </a:stretch>
+                </a:blipFill>
+              </p:spPr>
+              <p:txBody>
+                <a:bodyPr/>
+                <a:lstStyle/>
+                <a:p>
+                  <a:r>
+                    <a:rPr lang="en-US">
+                      <a:noFill/>
+                    </a:rPr>
+                    <a:t> </a:t>
+                  </a:r>
+                </a:p>
+              </p:txBody>
+            </p:sp>
+          </mc:Fallback>
+        </mc:AlternateContent>
+        <mc:AlternateContent xmlns:mc="http://schemas.openxmlformats.org/markup-compatibility/2006">
+          <mc:Choice xmlns:a14="http://schemas.microsoft.com/office/drawing/2010/main" Requires="a14">
+            <p:sp>
+              <p:nvSpPr>
+                <p:cNvPr id="75" name="TextBox 74">
+                  <a:extLst>
+                    <a:ext uri="{FF2B5EF4-FFF2-40B4-BE49-F238E27FC236}">
+                      <a16:creationId xmlns:a16="http://schemas.microsoft.com/office/drawing/2014/main" id="{7EF1E18C-A405-A840-BF59-7004374DC183}"/>
+                    </a:ext>
+                  </a:extLst>
+                </p:cNvPr>
+                <p:cNvSpPr txBox="1"/>
+                <p:nvPr/>
+              </p:nvSpPr>
+              <p:spPr>
+                <a:xfrm>
+                  <a:off x="2406951" y="4457675"/>
+                  <a:ext cx="632353" cy="318613"/>
+                </a:xfrm>
+                <a:prstGeom prst="rect">
+                  <a:avLst/>
+                </a:prstGeom>
+                <a:noFill/>
+              </p:spPr>
+              <p:txBody>
+                <a:bodyPr wrap="none" rtlCol="0">
+                  <a:spAutoFit/>
+                </a:bodyPr>
+                <a:lstStyle/>
+                <a:p>
+                  <a14:m>
+                    <m:oMathPara xmlns:m="http://schemas.openxmlformats.org/officeDocument/2006/math">
+                      <m:oMathParaPr>
+                        <m:jc m:val="centerGroup"/>
+                      </m:oMathParaPr>
+                      <m:oMath xmlns:m="http://schemas.openxmlformats.org/officeDocument/2006/math">
+                        <m:sSubSup>
+                          <m:sSubSupPr>
+                            <m:ctrlPr>
+                              <a:rPr lang="en-US" sz="1100" i="1" smtClean="0">
+                                <a:latin typeface="Cambria Math" panose="02040503050406030204" pitchFamily="18" charset="0"/>
+                              </a:rPr>
+                            </m:ctrlPr>
+                          </m:sSubSupPr>
+                          <m:e>
+                            <m:r>
+                              <a:rPr lang="en-US" sz="1100" b="0" i="1" smtClean="0">
+                                <a:latin typeface="Cambria Math" panose="02040503050406030204" pitchFamily="18" charset="0"/>
+                              </a:rPr>
+                              <m:t>𝑤</m:t>
+                            </m:r>
+                          </m:e>
+                          <m:sub>
+                            <m:r>
+                              <a:rPr lang="en-US" sz="1100" b="0" i="1" smtClean="0">
+                                <a:latin typeface="Cambria Math" panose="02040503050406030204" pitchFamily="18" charset="0"/>
+                              </a:rPr>
+                              <m:t>𝑖</m:t>
+                            </m:r>
+                            <m:r>
+                              <a:rPr lang="en-US" sz="1100" b="0" i="1" smtClean="0">
+                                <a:latin typeface="Cambria Math" panose="02040503050406030204" pitchFamily="18" charset="0"/>
+                              </a:rPr>
+                              <m:t>,</m:t>
+                            </m:r>
+                            <m:r>
+                              <a:rPr lang="en-US" sz="1100" b="0" i="1" smtClean="0">
+                                <a:latin typeface="Cambria Math" panose="02040503050406030204" pitchFamily="18" charset="0"/>
+                              </a:rPr>
+                              <m:t>𝑚</m:t>
+                            </m:r>
+                          </m:sub>
+                          <m:sup>
+                            <m:d>
+                              <m:dPr>
+                                <m:ctrlPr>
+                                  <a:rPr lang="en-US" sz="1100" i="1" smtClean="0">
+                                    <a:latin typeface="Cambria Math" panose="02040503050406030204" pitchFamily="18" charset="0"/>
+                                  </a:rPr>
+                                </m:ctrlPr>
+                              </m:dPr>
+                              <m:e>
+                                <m:r>
+                                  <a:rPr lang="en-US" sz="1100" b="0" i="1" smtClean="0">
+                                    <a:latin typeface="Cambria Math" panose="02040503050406030204" pitchFamily="18" charset="0"/>
+                                  </a:rPr>
+                                  <m:t>𝐾</m:t>
+                                </m:r>
+                                <m:r>
+                                  <a:rPr lang="en-US" sz="1100" b="0" i="1" smtClean="0">
+                                    <a:latin typeface="Cambria Math" panose="02040503050406030204" pitchFamily="18" charset="0"/>
+                                  </a:rPr>
+                                  <m:t>−1</m:t>
+                                </m:r>
+                              </m:e>
+                            </m:d>
+                          </m:sup>
+                        </m:sSubSup>
+                      </m:oMath>
+                    </m:oMathPara>
+                  </a14:m>
+                  <a:endParaRPr lang="en-US" sz="1100" dirty="0"/>
+                </a:p>
+              </p:txBody>
+            </p:sp>
+          </mc:Choice>
+          <mc:Fallback>
+            <p:sp>
+              <p:nvSpPr>
+                <p:cNvPr id="75" name="TextBox 74">
+                  <a:extLst>
+                    <a:ext uri="{FF2B5EF4-FFF2-40B4-BE49-F238E27FC236}">
+                      <a16:creationId xmlns:a16="http://schemas.microsoft.com/office/drawing/2014/main" id="{7EF1E18C-A405-A840-BF59-7004374DC183}"/>
+                    </a:ext>
+                  </a:extLst>
+                </p:cNvPr>
+                <p:cNvSpPr txBox="1">
+                  <a:spLocks noRot="1" noChangeAspect="1" noMove="1" noResize="1" noEditPoints="1" noAdjustHandles="1" noChangeArrowheads="1" noChangeShapeType="1" noTextEdit="1"/>
+                </p:cNvSpPr>
+                <p:nvPr/>
+              </p:nvSpPr>
+              <p:spPr>
+                <a:xfrm>
+                  <a:off x="2406951" y="4457675"/>
+                  <a:ext cx="632353" cy="318613"/>
+                </a:xfrm>
+                <a:prstGeom prst="rect">
+                  <a:avLst/>
+                </a:prstGeom>
+                <a:blipFill>
+                  <a:blip r:embed="rId21"/>
+                  <a:stretch>
+                    <a:fillRect/>
+                  </a:stretch>
+                </a:blipFill>
+              </p:spPr>
+              <p:txBody>
+                <a:bodyPr/>
+                <a:lstStyle/>
+                <a:p>
+                  <a:r>
+                    <a:rPr lang="en-US">
+                      <a:noFill/>
+                    </a:rPr>
+                    <a:t> </a:t>
+                  </a:r>
+                </a:p>
+              </p:txBody>
+            </p:sp>
+          </mc:Fallback>
+        </mc:AlternateContent>
+      </p:grpSp>
     </p:spTree>
     <p:extLst>
       <p:ext uri="{BB962C8B-B14F-4D97-AF65-F5344CB8AC3E}">
@@ -30181,6 +31293,2605 @@
 </p:sld>
 </file>
 
+<file path=ppt/slides/slide7.xml><?xml version="1.0" encoding="utf-8"?>
+<p:sld xmlns:a="http://schemas.openxmlformats.org/drawingml/2006/main" xmlns:r="http://schemas.openxmlformats.org/officeDocument/2006/relationships" xmlns:p="http://schemas.openxmlformats.org/presentationml/2006/main">
+  <p:cSld>
+    <p:spTree>
+      <p:nvGrpSpPr>
+        <p:cNvPr id="1" name=""/>
+        <p:cNvGrpSpPr/>
+        <p:nvPr/>
+      </p:nvGrpSpPr>
+      <p:grpSpPr>
+        <a:xfrm>
+          <a:off x="0" y="0"/>
+          <a:ext cx="0" cy="0"/>
+          <a:chOff x="0" y="0"/>
+          <a:chExt cx="0" cy="0"/>
+        </a:xfrm>
+      </p:grpSpPr>
+      <p:grpSp>
+        <p:nvGrpSpPr>
+          <p:cNvPr id="4" name="Group 3">
+            <a:extLst>
+              <a:ext uri="{FF2B5EF4-FFF2-40B4-BE49-F238E27FC236}">
+                <a16:creationId xmlns:a16="http://schemas.microsoft.com/office/drawing/2014/main" id="{43035A86-3D97-9A4F-BD7F-48A6471BF6D1}"/>
+              </a:ext>
+            </a:extLst>
+          </p:cNvPr>
+          <p:cNvGrpSpPr/>
+          <p:nvPr/>
+        </p:nvGrpSpPr>
+        <p:grpSpPr>
+          <a:xfrm>
+            <a:off x="1813932" y="2031559"/>
+            <a:ext cx="317715" cy="301255"/>
+            <a:chOff x="1701234" y="2146852"/>
+            <a:chExt cx="317715" cy="301255"/>
+          </a:xfrm>
+        </p:grpSpPr>
+        <p:sp>
+          <p:nvSpPr>
+            <p:cNvPr id="2" name="Oval 1">
+              <a:extLst>
+                <a:ext uri="{FF2B5EF4-FFF2-40B4-BE49-F238E27FC236}">
+                  <a16:creationId xmlns:a16="http://schemas.microsoft.com/office/drawing/2014/main" id="{8411F45E-5AB8-FC43-B9E3-3D9E099092A2}"/>
+                </a:ext>
+              </a:extLst>
+            </p:cNvPr>
+            <p:cNvSpPr/>
+            <p:nvPr/>
+          </p:nvSpPr>
+          <p:spPr>
+            <a:xfrm>
+              <a:off x="1716455" y="2146852"/>
+              <a:ext cx="287274" cy="301255"/>
+            </a:xfrm>
+            <a:prstGeom prst="ellipse">
+              <a:avLst/>
+            </a:prstGeom>
+            <a:noFill/>
+          </p:spPr>
+          <p:style>
+            <a:lnRef idx="2">
+              <a:schemeClr val="accent1">
+                <a:shade val="50000"/>
+              </a:schemeClr>
+            </a:lnRef>
+            <a:fillRef idx="1">
+              <a:schemeClr val="accent1"/>
+            </a:fillRef>
+            <a:effectRef idx="0">
+              <a:schemeClr val="accent1"/>
+            </a:effectRef>
+            <a:fontRef idx="minor">
+              <a:schemeClr val="lt1"/>
+            </a:fontRef>
+          </p:style>
+          <p:txBody>
+            <a:bodyPr rtlCol="0" anchor="ctr"/>
+            <a:lstStyle/>
+            <a:p>
+              <a:pPr algn="ctr"/>
+              <a:endParaRPr lang="en-US"/>
+            </a:p>
+          </p:txBody>
+        </p:sp>
+        <mc:AlternateContent xmlns:mc="http://schemas.openxmlformats.org/markup-compatibility/2006">
+          <mc:Choice xmlns:a14="http://schemas.microsoft.com/office/drawing/2010/main" Requires="a14">
+            <p:sp>
+              <p:nvSpPr>
+                <p:cNvPr id="3" name="TextBox 2">
+                  <a:extLst>
+                    <a:ext uri="{FF2B5EF4-FFF2-40B4-BE49-F238E27FC236}">
+                      <a16:creationId xmlns:a16="http://schemas.microsoft.com/office/drawing/2014/main" id="{C2D3DD71-0D12-BA4A-86DC-C441B680093A}"/>
+                    </a:ext>
+                  </a:extLst>
+                </p:cNvPr>
+                <p:cNvSpPr txBox="1"/>
+                <p:nvPr/>
+              </p:nvSpPr>
+              <p:spPr>
+                <a:xfrm>
+                  <a:off x="1701234" y="2166674"/>
+                  <a:ext cx="317715" cy="261610"/>
+                </a:xfrm>
+                <a:prstGeom prst="rect">
+                  <a:avLst/>
+                </a:prstGeom>
+                <a:noFill/>
+              </p:spPr>
+              <p:txBody>
+                <a:bodyPr wrap="none" rtlCol="0">
+                  <a:spAutoFit/>
+                </a:bodyPr>
+                <a:lstStyle/>
+                <a:p>
+                  <a14:m>
+                    <m:oMathPara xmlns:m="http://schemas.openxmlformats.org/officeDocument/2006/math">
+                      <m:oMathParaPr>
+                        <m:jc m:val="centerGroup"/>
+                      </m:oMathParaPr>
+                      <m:oMath xmlns:m="http://schemas.openxmlformats.org/officeDocument/2006/math">
+                        <m:r>
+                          <a:rPr lang="en-US" sz="1100" i="1" smtClean="0">
+                            <a:latin typeface="Cambria Math" panose="02040503050406030204" pitchFamily="18" charset="0"/>
+                            <a:ea typeface="Cambria Math" panose="02040503050406030204" pitchFamily="18" charset="0"/>
+                          </a:rPr>
+                          <m:t>×</m:t>
+                        </m:r>
+                      </m:oMath>
+                    </m:oMathPara>
+                  </a14:m>
+                  <a:endParaRPr lang="en-US" sz="1100" dirty="0"/>
+                </a:p>
+              </p:txBody>
+            </p:sp>
+          </mc:Choice>
+          <mc:Fallback>
+            <p:sp>
+              <p:nvSpPr>
+                <p:cNvPr id="3" name="TextBox 2">
+                  <a:extLst>
+                    <a:ext uri="{FF2B5EF4-FFF2-40B4-BE49-F238E27FC236}">
+                      <a16:creationId xmlns:a16="http://schemas.microsoft.com/office/drawing/2014/main" id="{C2D3DD71-0D12-BA4A-86DC-C441B680093A}"/>
+                    </a:ext>
+                  </a:extLst>
+                </p:cNvPr>
+                <p:cNvSpPr txBox="1">
+                  <a:spLocks noRot="1" noChangeAspect="1" noMove="1" noResize="1" noEditPoints="1" noAdjustHandles="1" noChangeArrowheads="1" noChangeShapeType="1" noTextEdit="1"/>
+                </p:cNvSpPr>
+                <p:nvPr/>
+              </p:nvSpPr>
+              <p:spPr>
+                <a:xfrm>
+                  <a:off x="1701234" y="2166674"/>
+                  <a:ext cx="317715" cy="261610"/>
+                </a:xfrm>
+                <a:prstGeom prst="rect">
+                  <a:avLst/>
+                </a:prstGeom>
+                <a:blipFill>
+                  <a:blip r:embed="rId2"/>
+                  <a:stretch>
+                    <a:fillRect/>
+                  </a:stretch>
+                </a:blipFill>
+              </p:spPr>
+              <p:txBody>
+                <a:bodyPr/>
+                <a:lstStyle/>
+                <a:p>
+                  <a:r>
+                    <a:rPr lang="en-US">
+                      <a:noFill/>
+                    </a:rPr>
+                    <a:t> </a:t>
+                  </a:r>
+                </a:p>
+              </p:txBody>
+            </p:sp>
+          </mc:Fallback>
+        </mc:AlternateContent>
+      </p:grpSp>
+      <p:grpSp>
+        <p:nvGrpSpPr>
+          <p:cNvPr id="7" name="Group 6">
+            <a:extLst>
+              <a:ext uri="{FF2B5EF4-FFF2-40B4-BE49-F238E27FC236}">
+                <a16:creationId xmlns:a16="http://schemas.microsoft.com/office/drawing/2014/main" id="{DF1B0C0D-3510-184A-8455-A55B97E42C58}"/>
+              </a:ext>
+            </a:extLst>
+          </p:cNvPr>
+          <p:cNvGrpSpPr/>
+          <p:nvPr/>
+        </p:nvGrpSpPr>
+        <p:grpSpPr>
+          <a:xfrm>
+            <a:off x="1794273" y="3118296"/>
+            <a:ext cx="372806" cy="301255"/>
+            <a:chOff x="1794273" y="3118296"/>
+            <a:chExt cx="372806" cy="301255"/>
+          </a:xfrm>
+        </p:grpSpPr>
+        <p:sp>
+          <p:nvSpPr>
+            <p:cNvPr id="5" name="Rectangle 4">
+              <a:extLst>
+                <a:ext uri="{FF2B5EF4-FFF2-40B4-BE49-F238E27FC236}">
+                  <a16:creationId xmlns:a16="http://schemas.microsoft.com/office/drawing/2014/main" id="{16507069-B0B8-134E-88C3-33DCD40DBCF9}"/>
+                </a:ext>
+              </a:extLst>
+            </p:cNvPr>
+            <p:cNvSpPr/>
+            <p:nvPr/>
+          </p:nvSpPr>
+          <p:spPr>
+            <a:xfrm>
+              <a:off x="1794273" y="3118296"/>
+              <a:ext cx="372806" cy="301255"/>
+            </a:xfrm>
+            <a:prstGeom prst="rect">
+              <a:avLst/>
+            </a:prstGeom>
+            <a:noFill/>
+          </p:spPr>
+          <p:style>
+            <a:lnRef idx="2">
+              <a:schemeClr val="accent1">
+                <a:shade val="50000"/>
+              </a:schemeClr>
+            </a:lnRef>
+            <a:fillRef idx="1">
+              <a:schemeClr val="accent1"/>
+            </a:fillRef>
+            <a:effectRef idx="0">
+              <a:schemeClr val="accent1"/>
+            </a:effectRef>
+            <a:fontRef idx="minor">
+              <a:schemeClr val="lt1"/>
+            </a:fontRef>
+          </p:style>
+          <p:txBody>
+            <a:bodyPr rtlCol="0" anchor="ctr"/>
+            <a:lstStyle/>
+            <a:p>
+              <a:pPr algn="ctr"/>
+              <a:endParaRPr lang="en-US"/>
+            </a:p>
+          </p:txBody>
+        </p:sp>
+        <mc:AlternateContent xmlns:mc="http://schemas.openxmlformats.org/markup-compatibility/2006">
+          <mc:Choice xmlns:a14="http://schemas.microsoft.com/office/drawing/2010/main" Requires="a14">
+            <p:sp>
+              <p:nvSpPr>
+                <p:cNvPr id="6" name="TextBox 5">
+                  <a:extLst>
+                    <a:ext uri="{FF2B5EF4-FFF2-40B4-BE49-F238E27FC236}">
+                      <a16:creationId xmlns:a16="http://schemas.microsoft.com/office/drawing/2014/main" id="{BE094DC4-0ABA-F046-93FA-3D551C7D3680}"/>
+                    </a:ext>
+                  </a:extLst>
+                </p:cNvPr>
+                <p:cNvSpPr txBox="1"/>
+                <p:nvPr/>
+              </p:nvSpPr>
+              <p:spPr>
+                <a:xfrm>
+                  <a:off x="1829705" y="3118296"/>
+                  <a:ext cx="301942" cy="261610"/>
+                </a:xfrm>
+                <a:prstGeom prst="rect">
+                  <a:avLst/>
+                </a:prstGeom>
+                <a:noFill/>
+              </p:spPr>
+              <p:txBody>
+                <a:bodyPr wrap="none" rtlCol="0">
+                  <a:spAutoFit/>
+                </a:bodyPr>
+                <a:lstStyle/>
+                <a:p>
+                  <a14:m>
+                    <m:oMathPara xmlns:m="http://schemas.openxmlformats.org/officeDocument/2006/math">
+                      <m:oMathParaPr>
+                        <m:jc m:val="centerGroup"/>
+                      </m:oMathParaPr>
+                      <m:oMath xmlns:m="http://schemas.openxmlformats.org/officeDocument/2006/math">
+                        <m:r>
+                          <a:rPr lang="en-US" sz="1100" i="1" smtClean="0">
+                            <a:latin typeface="Cambria Math" panose="02040503050406030204" pitchFamily="18" charset="0"/>
+                            <a:ea typeface="Cambria Math" panose="02040503050406030204" pitchFamily="18" charset="0"/>
+                          </a:rPr>
+                          <m:t>𝜎</m:t>
+                        </m:r>
+                      </m:oMath>
+                    </m:oMathPara>
+                  </a14:m>
+                  <a:endParaRPr lang="en-US" sz="1100" dirty="0"/>
+                </a:p>
+              </p:txBody>
+            </p:sp>
+          </mc:Choice>
+          <mc:Fallback>
+            <p:sp>
+              <p:nvSpPr>
+                <p:cNvPr id="6" name="TextBox 5">
+                  <a:extLst>
+                    <a:ext uri="{FF2B5EF4-FFF2-40B4-BE49-F238E27FC236}">
+                      <a16:creationId xmlns:a16="http://schemas.microsoft.com/office/drawing/2014/main" id="{BE094DC4-0ABA-F046-93FA-3D551C7D3680}"/>
+                    </a:ext>
+                  </a:extLst>
+                </p:cNvPr>
+                <p:cNvSpPr txBox="1">
+                  <a:spLocks noRot="1" noChangeAspect="1" noMove="1" noResize="1" noEditPoints="1" noAdjustHandles="1" noChangeArrowheads="1" noChangeShapeType="1" noTextEdit="1"/>
+                </p:cNvSpPr>
+                <p:nvPr/>
+              </p:nvSpPr>
+              <p:spPr>
+                <a:xfrm>
+                  <a:off x="1829705" y="3118296"/>
+                  <a:ext cx="301942" cy="261610"/>
+                </a:xfrm>
+                <a:prstGeom prst="rect">
+                  <a:avLst/>
+                </a:prstGeom>
+                <a:blipFill>
+                  <a:blip r:embed="rId3"/>
+                  <a:stretch>
+                    <a:fillRect/>
+                  </a:stretch>
+                </a:blipFill>
+              </p:spPr>
+              <p:txBody>
+                <a:bodyPr/>
+                <a:lstStyle/>
+                <a:p>
+                  <a:r>
+                    <a:rPr lang="en-US">
+                      <a:noFill/>
+                    </a:rPr>
+                    <a:t> </a:t>
+                  </a:r>
+                </a:p>
+              </p:txBody>
+            </p:sp>
+          </mc:Fallback>
+        </mc:AlternateContent>
+      </p:grpSp>
+      <p:grpSp>
+        <p:nvGrpSpPr>
+          <p:cNvPr id="8" name="Group 7">
+            <a:extLst>
+              <a:ext uri="{FF2B5EF4-FFF2-40B4-BE49-F238E27FC236}">
+                <a16:creationId xmlns:a16="http://schemas.microsoft.com/office/drawing/2014/main" id="{6701E5C8-CB3C-3541-87E4-BFB3F36F51FB}"/>
+              </a:ext>
+            </a:extLst>
+          </p:cNvPr>
+          <p:cNvGrpSpPr/>
+          <p:nvPr/>
+        </p:nvGrpSpPr>
+        <p:grpSpPr>
+          <a:xfrm>
+            <a:off x="2478222" y="3113291"/>
+            <a:ext cx="372806" cy="301255"/>
+            <a:chOff x="1794273" y="3118296"/>
+            <a:chExt cx="372806" cy="301255"/>
+          </a:xfrm>
+        </p:grpSpPr>
+        <p:sp>
+          <p:nvSpPr>
+            <p:cNvPr id="9" name="Rectangle 8">
+              <a:extLst>
+                <a:ext uri="{FF2B5EF4-FFF2-40B4-BE49-F238E27FC236}">
+                  <a16:creationId xmlns:a16="http://schemas.microsoft.com/office/drawing/2014/main" id="{BC6420CD-7E7B-ED42-9BE2-54F94DE60BFA}"/>
+                </a:ext>
+              </a:extLst>
+            </p:cNvPr>
+            <p:cNvSpPr/>
+            <p:nvPr/>
+          </p:nvSpPr>
+          <p:spPr>
+            <a:xfrm>
+              <a:off x="1794273" y="3118296"/>
+              <a:ext cx="372806" cy="301255"/>
+            </a:xfrm>
+            <a:prstGeom prst="rect">
+              <a:avLst/>
+            </a:prstGeom>
+            <a:noFill/>
+          </p:spPr>
+          <p:style>
+            <a:lnRef idx="2">
+              <a:schemeClr val="accent1">
+                <a:shade val="50000"/>
+              </a:schemeClr>
+            </a:lnRef>
+            <a:fillRef idx="1">
+              <a:schemeClr val="accent1"/>
+            </a:fillRef>
+            <a:effectRef idx="0">
+              <a:schemeClr val="accent1"/>
+            </a:effectRef>
+            <a:fontRef idx="minor">
+              <a:schemeClr val="lt1"/>
+            </a:fontRef>
+          </p:style>
+          <p:txBody>
+            <a:bodyPr rtlCol="0" anchor="ctr"/>
+            <a:lstStyle/>
+            <a:p>
+              <a:pPr algn="ctr"/>
+              <a:endParaRPr lang="en-US"/>
+            </a:p>
+          </p:txBody>
+        </p:sp>
+        <mc:AlternateContent xmlns:mc="http://schemas.openxmlformats.org/markup-compatibility/2006">
+          <mc:Choice xmlns:a14="http://schemas.microsoft.com/office/drawing/2010/main" Requires="a14">
+            <p:sp>
+              <p:nvSpPr>
+                <p:cNvPr id="10" name="TextBox 9">
+                  <a:extLst>
+                    <a:ext uri="{FF2B5EF4-FFF2-40B4-BE49-F238E27FC236}">
+                      <a16:creationId xmlns:a16="http://schemas.microsoft.com/office/drawing/2014/main" id="{9DE80389-C6FD-154A-AB3C-52550FF541C0}"/>
+                    </a:ext>
+                  </a:extLst>
+                </p:cNvPr>
+                <p:cNvSpPr txBox="1"/>
+                <p:nvPr/>
+              </p:nvSpPr>
+              <p:spPr>
+                <a:xfrm>
+                  <a:off x="1829705" y="3118296"/>
+                  <a:ext cx="301942" cy="261610"/>
+                </a:xfrm>
+                <a:prstGeom prst="rect">
+                  <a:avLst/>
+                </a:prstGeom>
+                <a:noFill/>
+              </p:spPr>
+              <p:txBody>
+                <a:bodyPr wrap="none" rtlCol="0">
+                  <a:spAutoFit/>
+                </a:bodyPr>
+                <a:lstStyle/>
+                <a:p>
+                  <a14:m>
+                    <m:oMathPara xmlns:m="http://schemas.openxmlformats.org/officeDocument/2006/math">
+                      <m:oMathParaPr>
+                        <m:jc m:val="centerGroup"/>
+                      </m:oMathParaPr>
+                      <m:oMath xmlns:m="http://schemas.openxmlformats.org/officeDocument/2006/math">
+                        <m:r>
+                          <a:rPr lang="en-US" sz="1100" i="1" smtClean="0">
+                            <a:latin typeface="Cambria Math" panose="02040503050406030204" pitchFamily="18" charset="0"/>
+                            <a:ea typeface="Cambria Math" panose="02040503050406030204" pitchFamily="18" charset="0"/>
+                          </a:rPr>
+                          <m:t>𝜎</m:t>
+                        </m:r>
+                      </m:oMath>
+                    </m:oMathPara>
+                  </a14:m>
+                  <a:endParaRPr lang="en-US" sz="1100" dirty="0"/>
+                </a:p>
+              </p:txBody>
+            </p:sp>
+          </mc:Choice>
+          <mc:Fallback>
+            <p:sp>
+              <p:nvSpPr>
+                <p:cNvPr id="10" name="TextBox 9">
+                  <a:extLst>
+                    <a:ext uri="{FF2B5EF4-FFF2-40B4-BE49-F238E27FC236}">
+                      <a16:creationId xmlns:a16="http://schemas.microsoft.com/office/drawing/2014/main" id="{9DE80389-C6FD-154A-AB3C-52550FF541C0}"/>
+                    </a:ext>
+                  </a:extLst>
+                </p:cNvPr>
+                <p:cNvSpPr txBox="1">
+                  <a:spLocks noRot="1" noChangeAspect="1" noMove="1" noResize="1" noEditPoints="1" noAdjustHandles="1" noChangeArrowheads="1" noChangeShapeType="1" noTextEdit="1"/>
+                </p:cNvSpPr>
+                <p:nvPr/>
+              </p:nvSpPr>
+              <p:spPr>
+                <a:xfrm>
+                  <a:off x="1829705" y="3118296"/>
+                  <a:ext cx="301942" cy="261610"/>
+                </a:xfrm>
+                <a:prstGeom prst="rect">
+                  <a:avLst/>
+                </a:prstGeom>
+                <a:blipFill>
+                  <a:blip r:embed="rId4"/>
+                  <a:stretch>
+                    <a:fillRect/>
+                  </a:stretch>
+                </a:blipFill>
+              </p:spPr>
+              <p:txBody>
+                <a:bodyPr/>
+                <a:lstStyle/>
+                <a:p>
+                  <a:r>
+                    <a:rPr lang="en-US">
+                      <a:noFill/>
+                    </a:rPr>
+                    <a:t> </a:t>
+                  </a:r>
+                </a:p>
+              </p:txBody>
+            </p:sp>
+          </mc:Fallback>
+        </mc:AlternateContent>
+      </p:grpSp>
+      <p:grpSp>
+        <p:nvGrpSpPr>
+          <p:cNvPr id="11" name="Group 10">
+            <a:extLst>
+              <a:ext uri="{FF2B5EF4-FFF2-40B4-BE49-F238E27FC236}">
+                <a16:creationId xmlns:a16="http://schemas.microsoft.com/office/drawing/2014/main" id="{460B4B26-7B07-354D-A650-851B3A214C72}"/>
+              </a:ext>
+            </a:extLst>
+          </p:cNvPr>
+          <p:cNvGrpSpPr/>
+          <p:nvPr/>
+        </p:nvGrpSpPr>
+        <p:grpSpPr>
+          <a:xfrm>
+            <a:off x="3197603" y="2031559"/>
+            <a:ext cx="322524" cy="301255"/>
+            <a:chOff x="1701234" y="2146852"/>
+            <a:chExt cx="322524" cy="301255"/>
+          </a:xfrm>
+        </p:grpSpPr>
+        <p:sp>
+          <p:nvSpPr>
+            <p:cNvPr id="12" name="Oval 11">
+              <a:extLst>
+                <a:ext uri="{FF2B5EF4-FFF2-40B4-BE49-F238E27FC236}">
+                  <a16:creationId xmlns:a16="http://schemas.microsoft.com/office/drawing/2014/main" id="{A53300AD-20D0-4643-BE5E-E3DDCC22ADAF}"/>
+                </a:ext>
+              </a:extLst>
+            </p:cNvPr>
+            <p:cNvSpPr/>
+            <p:nvPr/>
+          </p:nvSpPr>
+          <p:spPr>
+            <a:xfrm>
+              <a:off x="1716455" y="2146852"/>
+              <a:ext cx="287274" cy="301255"/>
+            </a:xfrm>
+            <a:prstGeom prst="ellipse">
+              <a:avLst/>
+            </a:prstGeom>
+            <a:noFill/>
+          </p:spPr>
+          <p:style>
+            <a:lnRef idx="2">
+              <a:schemeClr val="accent1">
+                <a:shade val="50000"/>
+              </a:schemeClr>
+            </a:lnRef>
+            <a:fillRef idx="1">
+              <a:schemeClr val="accent1"/>
+            </a:fillRef>
+            <a:effectRef idx="0">
+              <a:schemeClr val="accent1"/>
+            </a:effectRef>
+            <a:fontRef idx="minor">
+              <a:schemeClr val="lt1"/>
+            </a:fontRef>
+          </p:style>
+          <p:txBody>
+            <a:bodyPr rtlCol="0" anchor="ctr"/>
+            <a:lstStyle/>
+            <a:p>
+              <a:pPr algn="ctr"/>
+              <a:endParaRPr lang="en-US"/>
+            </a:p>
+          </p:txBody>
+        </p:sp>
+        <mc:AlternateContent xmlns:mc="http://schemas.openxmlformats.org/markup-compatibility/2006">
+          <mc:Choice xmlns:a14="http://schemas.microsoft.com/office/drawing/2010/main" Requires="a14">
+            <p:sp>
+              <p:nvSpPr>
+                <p:cNvPr id="13" name="TextBox 12">
+                  <a:extLst>
+                    <a:ext uri="{FF2B5EF4-FFF2-40B4-BE49-F238E27FC236}">
+                      <a16:creationId xmlns:a16="http://schemas.microsoft.com/office/drawing/2014/main" id="{9F1F0EC7-0847-864A-B080-F37FF716C1E4}"/>
+                    </a:ext>
+                  </a:extLst>
+                </p:cNvPr>
+                <p:cNvSpPr txBox="1"/>
+                <p:nvPr/>
+              </p:nvSpPr>
+              <p:spPr>
+                <a:xfrm>
+                  <a:off x="1701234" y="2166674"/>
+                  <a:ext cx="322524" cy="261610"/>
+                </a:xfrm>
+                <a:prstGeom prst="rect">
+                  <a:avLst/>
+                </a:prstGeom>
+                <a:noFill/>
+              </p:spPr>
+              <p:txBody>
+                <a:bodyPr wrap="none" rtlCol="0">
+                  <a:spAutoFit/>
+                </a:bodyPr>
+                <a:lstStyle/>
+                <a:p>
+                  <a14:m>
+                    <m:oMathPara xmlns:m="http://schemas.openxmlformats.org/officeDocument/2006/math">
+                      <m:oMathParaPr>
+                        <m:jc m:val="centerGroup"/>
+                      </m:oMathParaPr>
+                      <m:oMath xmlns:m="http://schemas.openxmlformats.org/officeDocument/2006/math">
+                        <m:r>
+                          <a:rPr lang="en-US" sz="1100" b="0" i="1" smtClean="0">
+                            <a:latin typeface="Cambria Math" panose="02040503050406030204" pitchFamily="18" charset="0"/>
+                            <a:ea typeface="Cambria Math" panose="02040503050406030204" pitchFamily="18" charset="0"/>
+                          </a:rPr>
+                          <m:t>+</m:t>
+                        </m:r>
+                      </m:oMath>
+                    </m:oMathPara>
+                  </a14:m>
+                  <a:endParaRPr lang="en-US" sz="1100" dirty="0"/>
+                </a:p>
+              </p:txBody>
+            </p:sp>
+          </mc:Choice>
+          <mc:Fallback>
+            <p:sp>
+              <p:nvSpPr>
+                <p:cNvPr id="13" name="TextBox 12">
+                  <a:extLst>
+                    <a:ext uri="{FF2B5EF4-FFF2-40B4-BE49-F238E27FC236}">
+                      <a16:creationId xmlns:a16="http://schemas.microsoft.com/office/drawing/2014/main" id="{9F1F0EC7-0847-864A-B080-F37FF716C1E4}"/>
+                    </a:ext>
+                  </a:extLst>
+                </p:cNvPr>
+                <p:cNvSpPr txBox="1">
+                  <a:spLocks noRot="1" noChangeAspect="1" noMove="1" noResize="1" noEditPoints="1" noAdjustHandles="1" noChangeArrowheads="1" noChangeShapeType="1" noTextEdit="1"/>
+                </p:cNvSpPr>
+                <p:nvPr/>
+              </p:nvSpPr>
+              <p:spPr>
+                <a:xfrm>
+                  <a:off x="1701234" y="2166674"/>
+                  <a:ext cx="322524" cy="261610"/>
+                </a:xfrm>
+                <a:prstGeom prst="rect">
+                  <a:avLst/>
+                </a:prstGeom>
+                <a:blipFill>
+                  <a:blip r:embed="rId5"/>
+                  <a:stretch>
+                    <a:fillRect/>
+                  </a:stretch>
+                </a:blipFill>
+              </p:spPr>
+              <p:txBody>
+                <a:bodyPr/>
+                <a:lstStyle/>
+                <a:p>
+                  <a:r>
+                    <a:rPr lang="en-US">
+                      <a:noFill/>
+                    </a:rPr>
+                    <a:t> </a:t>
+                  </a:r>
+                </a:p>
+              </p:txBody>
+            </p:sp>
+          </mc:Fallback>
+        </mc:AlternateContent>
+      </p:grpSp>
+      <p:grpSp>
+        <p:nvGrpSpPr>
+          <p:cNvPr id="14" name="Group 13">
+            <a:extLst>
+              <a:ext uri="{FF2B5EF4-FFF2-40B4-BE49-F238E27FC236}">
+                <a16:creationId xmlns:a16="http://schemas.microsoft.com/office/drawing/2014/main" id="{AA9D4F97-CD00-1A40-9ABE-921F5993B19F}"/>
+              </a:ext>
+            </a:extLst>
+          </p:cNvPr>
+          <p:cNvGrpSpPr/>
+          <p:nvPr/>
+        </p:nvGrpSpPr>
+        <p:grpSpPr>
+          <a:xfrm>
+            <a:off x="3202412" y="2490084"/>
+            <a:ext cx="317715" cy="301255"/>
+            <a:chOff x="1701234" y="2146852"/>
+            <a:chExt cx="317715" cy="301255"/>
+          </a:xfrm>
+        </p:grpSpPr>
+        <p:sp>
+          <p:nvSpPr>
+            <p:cNvPr id="15" name="Oval 14">
+              <a:extLst>
+                <a:ext uri="{FF2B5EF4-FFF2-40B4-BE49-F238E27FC236}">
+                  <a16:creationId xmlns:a16="http://schemas.microsoft.com/office/drawing/2014/main" id="{9056AFFD-6114-AB46-9D12-42F173B79B9E}"/>
+                </a:ext>
+              </a:extLst>
+            </p:cNvPr>
+            <p:cNvSpPr/>
+            <p:nvPr/>
+          </p:nvSpPr>
+          <p:spPr>
+            <a:xfrm>
+              <a:off x="1716455" y="2146852"/>
+              <a:ext cx="287274" cy="301255"/>
+            </a:xfrm>
+            <a:prstGeom prst="ellipse">
+              <a:avLst/>
+            </a:prstGeom>
+            <a:noFill/>
+          </p:spPr>
+          <p:style>
+            <a:lnRef idx="2">
+              <a:schemeClr val="accent1">
+                <a:shade val="50000"/>
+              </a:schemeClr>
+            </a:lnRef>
+            <a:fillRef idx="1">
+              <a:schemeClr val="accent1"/>
+            </a:fillRef>
+            <a:effectRef idx="0">
+              <a:schemeClr val="accent1"/>
+            </a:effectRef>
+            <a:fontRef idx="minor">
+              <a:schemeClr val="lt1"/>
+            </a:fontRef>
+          </p:style>
+          <p:txBody>
+            <a:bodyPr rtlCol="0" anchor="ctr"/>
+            <a:lstStyle/>
+            <a:p>
+              <a:pPr algn="ctr"/>
+              <a:endParaRPr lang="en-US"/>
+            </a:p>
+          </p:txBody>
+        </p:sp>
+        <mc:AlternateContent xmlns:mc="http://schemas.openxmlformats.org/markup-compatibility/2006">
+          <mc:Choice xmlns:a14="http://schemas.microsoft.com/office/drawing/2010/main" Requires="a14">
+            <p:sp>
+              <p:nvSpPr>
+                <p:cNvPr id="16" name="TextBox 15">
+                  <a:extLst>
+                    <a:ext uri="{FF2B5EF4-FFF2-40B4-BE49-F238E27FC236}">
+                      <a16:creationId xmlns:a16="http://schemas.microsoft.com/office/drawing/2014/main" id="{3980640F-EC46-B148-8AC8-A3C4B333A1B1}"/>
+                    </a:ext>
+                  </a:extLst>
+                </p:cNvPr>
+                <p:cNvSpPr txBox="1"/>
+                <p:nvPr/>
+              </p:nvSpPr>
+              <p:spPr>
+                <a:xfrm>
+                  <a:off x="1701234" y="2166674"/>
+                  <a:ext cx="317715" cy="261610"/>
+                </a:xfrm>
+                <a:prstGeom prst="rect">
+                  <a:avLst/>
+                </a:prstGeom>
+                <a:noFill/>
+              </p:spPr>
+              <p:txBody>
+                <a:bodyPr wrap="none" rtlCol="0">
+                  <a:spAutoFit/>
+                </a:bodyPr>
+                <a:lstStyle/>
+                <a:p>
+                  <a14:m>
+                    <m:oMathPara xmlns:m="http://schemas.openxmlformats.org/officeDocument/2006/math">
+                      <m:oMathParaPr>
+                        <m:jc m:val="centerGroup"/>
+                      </m:oMathParaPr>
+                      <m:oMath xmlns:m="http://schemas.openxmlformats.org/officeDocument/2006/math">
+                        <m:r>
+                          <a:rPr lang="en-US" sz="1100" i="1" smtClean="0">
+                            <a:latin typeface="Cambria Math" panose="02040503050406030204" pitchFamily="18" charset="0"/>
+                            <a:ea typeface="Cambria Math" panose="02040503050406030204" pitchFamily="18" charset="0"/>
+                          </a:rPr>
+                          <m:t>×</m:t>
+                        </m:r>
+                      </m:oMath>
+                    </m:oMathPara>
+                  </a14:m>
+                  <a:endParaRPr lang="en-US" sz="1100" dirty="0"/>
+                </a:p>
+              </p:txBody>
+            </p:sp>
+          </mc:Choice>
+          <mc:Fallback>
+            <p:sp>
+              <p:nvSpPr>
+                <p:cNvPr id="16" name="TextBox 15">
+                  <a:extLst>
+                    <a:ext uri="{FF2B5EF4-FFF2-40B4-BE49-F238E27FC236}">
+                      <a16:creationId xmlns:a16="http://schemas.microsoft.com/office/drawing/2014/main" id="{3980640F-EC46-B148-8AC8-A3C4B333A1B1}"/>
+                    </a:ext>
+                  </a:extLst>
+                </p:cNvPr>
+                <p:cNvSpPr txBox="1">
+                  <a:spLocks noRot="1" noChangeAspect="1" noMove="1" noResize="1" noEditPoints="1" noAdjustHandles="1" noChangeArrowheads="1" noChangeShapeType="1" noTextEdit="1"/>
+                </p:cNvSpPr>
+                <p:nvPr/>
+              </p:nvSpPr>
+              <p:spPr>
+                <a:xfrm>
+                  <a:off x="1701234" y="2166674"/>
+                  <a:ext cx="317715" cy="261610"/>
+                </a:xfrm>
+                <a:prstGeom prst="rect">
+                  <a:avLst/>
+                </a:prstGeom>
+                <a:blipFill>
+                  <a:blip r:embed="rId6"/>
+                  <a:stretch>
+                    <a:fillRect/>
+                  </a:stretch>
+                </a:blipFill>
+              </p:spPr>
+              <p:txBody>
+                <a:bodyPr/>
+                <a:lstStyle/>
+                <a:p>
+                  <a:r>
+                    <a:rPr lang="en-US">
+                      <a:noFill/>
+                    </a:rPr>
+                    <a:t> </a:t>
+                  </a:r>
+                </a:p>
+              </p:txBody>
+            </p:sp>
+          </mc:Fallback>
+        </mc:AlternateContent>
+      </p:grpSp>
+      <p:grpSp>
+        <p:nvGrpSpPr>
+          <p:cNvPr id="17" name="Group 16">
+            <a:extLst>
+              <a:ext uri="{FF2B5EF4-FFF2-40B4-BE49-F238E27FC236}">
+                <a16:creationId xmlns:a16="http://schemas.microsoft.com/office/drawing/2014/main" id="{20B73637-1A13-A641-9C4D-597822407D43}"/>
+              </a:ext>
+            </a:extLst>
+          </p:cNvPr>
+          <p:cNvGrpSpPr/>
+          <p:nvPr/>
+        </p:nvGrpSpPr>
+        <p:grpSpPr>
+          <a:xfrm>
+            <a:off x="3100204" y="3127745"/>
+            <a:ext cx="490840" cy="301255"/>
+            <a:chOff x="1724419" y="3118296"/>
+            <a:chExt cx="490840" cy="301255"/>
+          </a:xfrm>
+        </p:grpSpPr>
+        <p:sp>
+          <p:nvSpPr>
+            <p:cNvPr id="18" name="Rectangle 17">
+              <a:extLst>
+                <a:ext uri="{FF2B5EF4-FFF2-40B4-BE49-F238E27FC236}">
+                  <a16:creationId xmlns:a16="http://schemas.microsoft.com/office/drawing/2014/main" id="{BDF474F8-8AEE-B247-A0C0-2D8BF3DD1F07}"/>
+                </a:ext>
+              </a:extLst>
+            </p:cNvPr>
+            <p:cNvSpPr/>
+            <p:nvPr/>
+          </p:nvSpPr>
+          <p:spPr>
+            <a:xfrm>
+              <a:off x="1794273" y="3118296"/>
+              <a:ext cx="372806" cy="301255"/>
+            </a:xfrm>
+            <a:prstGeom prst="rect">
+              <a:avLst/>
+            </a:prstGeom>
+            <a:noFill/>
+          </p:spPr>
+          <p:style>
+            <a:lnRef idx="2">
+              <a:schemeClr val="accent1">
+                <a:shade val="50000"/>
+              </a:schemeClr>
+            </a:lnRef>
+            <a:fillRef idx="1">
+              <a:schemeClr val="accent1"/>
+            </a:fillRef>
+            <a:effectRef idx="0">
+              <a:schemeClr val="accent1"/>
+            </a:effectRef>
+            <a:fontRef idx="minor">
+              <a:schemeClr val="lt1"/>
+            </a:fontRef>
+          </p:style>
+          <p:txBody>
+            <a:bodyPr rtlCol="0" anchor="ctr"/>
+            <a:lstStyle/>
+            <a:p>
+              <a:pPr algn="ctr"/>
+              <a:endParaRPr lang="en-US"/>
+            </a:p>
+          </p:txBody>
+        </p:sp>
+        <mc:AlternateContent xmlns:mc="http://schemas.openxmlformats.org/markup-compatibility/2006">
+          <mc:Choice xmlns:a14="http://schemas.microsoft.com/office/drawing/2010/main" Requires="a14">
+            <p:sp>
+              <p:nvSpPr>
+                <p:cNvPr id="19" name="TextBox 18">
+                  <a:extLst>
+                    <a:ext uri="{FF2B5EF4-FFF2-40B4-BE49-F238E27FC236}">
+                      <a16:creationId xmlns:a16="http://schemas.microsoft.com/office/drawing/2014/main" id="{A98AAE9C-FF14-5D40-A466-803677FD3894}"/>
+                    </a:ext>
+                  </a:extLst>
+                </p:cNvPr>
+                <p:cNvSpPr txBox="1"/>
+                <p:nvPr/>
+              </p:nvSpPr>
+              <p:spPr>
+                <a:xfrm>
+                  <a:off x="1724419" y="3128668"/>
+                  <a:ext cx="490840" cy="261610"/>
+                </a:xfrm>
+                <a:prstGeom prst="rect">
+                  <a:avLst/>
+                </a:prstGeom>
+                <a:noFill/>
+              </p:spPr>
+              <p:txBody>
+                <a:bodyPr wrap="none" rtlCol="0">
+                  <a:spAutoFit/>
+                </a:bodyPr>
+                <a:lstStyle/>
+                <a:p>
+                  <a14:m>
+                    <m:oMathPara xmlns:m="http://schemas.openxmlformats.org/officeDocument/2006/math">
+                      <m:oMathParaPr>
+                        <m:jc m:val="centerGroup"/>
+                      </m:oMathParaPr>
+                      <m:oMath xmlns:m="http://schemas.openxmlformats.org/officeDocument/2006/math">
+                        <m:r>
+                          <m:rPr>
+                            <m:sty m:val="p"/>
+                          </m:rPr>
+                          <a:rPr lang="en-US" sz="1100" b="0" i="0" smtClean="0">
+                            <a:latin typeface="Cambria Math" panose="02040503050406030204" pitchFamily="18" charset="0"/>
+                          </a:rPr>
+                          <m:t>tanh</m:t>
+                        </m:r>
+                      </m:oMath>
+                    </m:oMathPara>
+                  </a14:m>
+                  <a:endParaRPr lang="en-US" sz="1100" dirty="0"/>
+                </a:p>
+              </p:txBody>
+            </p:sp>
+          </mc:Choice>
+          <mc:Fallback>
+            <p:sp>
+              <p:nvSpPr>
+                <p:cNvPr id="19" name="TextBox 18">
+                  <a:extLst>
+                    <a:ext uri="{FF2B5EF4-FFF2-40B4-BE49-F238E27FC236}">
+                      <a16:creationId xmlns:a16="http://schemas.microsoft.com/office/drawing/2014/main" id="{A98AAE9C-FF14-5D40-A466-803677FD3894}"/>
+                    </a:ext>
+                  </a:extLst>
+                </p:cNvPr>
+                <p:cNvSpPr txBox="1">
+                  <a:spLocks noRot="1" noChangeAspect="1" noMove="1" noResize="1" noEditPoints="1" noAdjustHandles="1" noChangeArrowheads="1" noChangeShapeType="1" noTextEdit="1"/>
+                </p:cNvSpPr>
+                <p:nvPr/>
+              </p:nvSpPr>
+              <p:spPr>
+                <a:xfrm>
+                  <a:off x="1724419" y="3128668"/>
+                  <a:ext cx="490840" cy="261610"/>
+                </a:xfrm>
+                <a:prstGeom prst="rect">
+                  <a:avLst/>
+                </a:prstGeom>
+                <a:blipFill>
+                  <a:blip r:embed="rId7"/>
+                  <a:stretch>
+                    <a:fillRect/>
+                  </a:stretch>
+                </a:blipFill>
+              </p:spPr>
+              <p:txBody>
+                <a:bodyPr/>
+                <a:lstStyle/>
+                <a:p>
+                  <a:r>
+                    <a:rPr lang="en-US">
+                      <a:noFill/>
+                    </a:rPr>
+                    <a:t> </a:t>
+                  </a:r>
+                </a:p>
+              </p:txBody>
+            </p:sp>
+          </mc:Fallback>
+        </mc:AlternateContent>
+      </p:grpSp>
+      <p:grpSp>
+        <p:nvGrpSpPr>
+          <p:cNvPr id="20" name="Group 19">
+            <a:extLst>
+              <a:ext uri="{FF2B5EF4-FFF2-40B4-BE49-F238E27FC236}">
+                <a16:creationId xmlns:a16="http://schemas.microsoft.com/office/drawing/2014/main" id="{83CEC960-7ECD-4145-97A3-D07C437775F8}"/>
+              </a:ext>
+            </a:extLst>
+          </p:cNvPr>
+          <p:cNvGrpSpPr/>
+          <p:nvPr/>
+        </p:nvGrpSpPr>
+        <p:grpSpPr>
+          <a:xfrm>
+            <a:off x="3898632" y="3730489"/>
+            <a:ext cx="372806" cy="301255"/>
+            <a:chOff x="1794273" y="3118296"/>
+            <a:chExt cx="372806" cy="301255"/>
+          </a:xfrm>
+        </p:grpSpPr>
+        <p:sp>
+          <p:nvSpPr>
+            <p:cNvPr id="21" name="Rectangle 20">
+              <a:extLst>
+                <a:ext uri="{FF2B5EF4-FFF2-40B4-BE49-F238E27FC236}">
+                  <a16:creationId xmlns:a16="http://schemas.microsoft.com/office/drawing/2014/main" id="{4E1CD1DE-DA36-B242-8212-6863FE2B6D76}"/>
+                </a:ext>
+              </a:extLst>
+            </p:cNvPr>
+            <p:cNvSpPr/>
+            <p:nvPr/>
+          </p:nvSpPr>
+          <p:spPr>
+            <a:xfrm>
+              <a:off x="1794273" y="3118296"/>
+              <a:ext cx="372806" cy="301255"/>
+            </a:xfrm>
+            <a:prstGeom prst="rect">
+              <a:avLst/>
+            </a:prstGeom>
+            <a:noFill/>
+          </p:spPr>
+          <p:style>
+            <a:lnRef idx="2">
+              <a:schemeClr val="accent1">
+                <a:shade val="50000"/>
+              </a:schemeClr>
+            </a:lnRef>
+            <a:fillRef idx="1">
+              <a:schemeClr val="accent1"/>
+            </a:fillRef>
+            <a:effectRef idx="0">
+              <a:schemeClr val="accent1"/>
+            </a:effectRef>
+            <a:fontRef idx="minor">
+              <a:schemeClr val="lt1"/>
+            </a:fontRef>
+          </p:style>
+          <p:txBody>
+            <a:bodyPr rtlCol="0" anchor="ctr"/>
+            <a:lstStyle/>
+            <a:p>
+              <a:pPr algn="ctr"/>
+              <a:endParaRPr lang="en-US"/>
+            </a:p>
+          </p:txBody>
+        </p:sp>
+        <mc:AlternateContent xmlns:mc="http://schemas.openxmlformats.org/markup-compatibility/2006">
+          <mc:Choice xmlns:a14="http://schemas.microsoft.com/office/drawing/2010/main" Requires="a14">
+            <p:sp>
+              <p:nvSpPr>
+                <p:cNvPr id="22" name="TextBox 21">
+                  <a:extLst>
+                    <a:ext uri="{FF2B5EF4-FFF2-40B4-BE49-F238E27FC236}">
+                      <a16:creationId xmlns:a16="http://schemas.microsoft.com/office/drawing/2014/main" id="{81968073-8460-0846-B562-70AC26F8714E}"/>
+                    </a:ext>
+                  </a:extLst>
+                </p:cNvPr>
+                <p:cNvSpPr txBox="1"/>
+                <p:nvPr/>
+              </p:nvSpPr>
+              <p:spPr>
+                <a:xfrm>
+                  <a:off x="1829705" y="3118296"/>
+                  <a:ext cx="301942" cy="261610"/>
+                </a:xfrm>
+                <a:prstGeom prst="rect">
+                  <a:avLst/>
+                </a:prstGeom>
+                <a:noFill/>
+              </p:spPr>
+              <p:txBody>
+                <a:bodyPr wrap="none" rtlCol="0">
+                  <a:spAutoFit/>
+                </a:bodyPr>
+                <a:lstStyle/>
+                <a:p>
+                  <a14:m>
+                    <m:oMathPara xmlns:m="http://schemas.openxmlformats.org/officeDocument/2006/math">
+                      <m:oMathParaPr>
+                        <m:jc m:val="centerGroup"/>
+                      </m:oMathParaPr>
+                      <m:oMath xmlns:m="http://schemas.openxmlformats.org/officeDocument/2006/math">
+                        <m:r>
+                          <a:rPr lang="en-US" sz="1100" i="1" smtClean="0">
+                            <a:latin typeface="Cambria Math" panose="02040503050406030204" pitchFamily="18" charset="0"/>
+                            <a:ea typeface="Cambria Math" panose="02040503050406030204" pitchFamily="18" charset="0"/>
+                          </a:rPr>
+                          <m:t>𝜎</m:t>
+                        </m:r>
+                      </m:oMath>
+                    </m:oMathPara>
+                  </a14:m>
+                  <a:endParaRPr lang="en-US" sz="1100" dirty="0"/>
+                </a:p>
+              </p:txBody>
+            </p:sp>
+          </mc:Choice>
+          <mc:Fallback>
+            <p:sp>
+              <p:nvSpPr>
+                <p:cNvPr id="22" name="TextBox 21">
+                  <a:extLst>
+                    <a:ext uri="{FF2B5EF4-FFF2-40B4-BE49-F238E27FC236}">
+                      <a16:creationId xmlns:a16="http://schemas.microsoft.com/office/drawing/2014/main" id="{81968073-8460-0846-B562-70AC26F8714E}"/>
+                    </a:ext>
+                  </a:extLst>
+                </p:cNvPr>
+                <p:cNvSpPr txBox="1">
+                  <a:spLocks noRot="1" noChangeAspect="1" noMove="1" noResize="1" noEditPoints="1" noAdjustHandles="1" noChangeArrowheads="1" noChangeShapeType="1" noTextEdit="1"/>
+                </p:cNvSpPr>
+                <p:nvPr/>
+              </p:nvSpPr>
+              <p:spPr>
+                <a:xfrm>
+                  <a:off x="1829705" y="3118296"/>
+                  <a:ext cx="301942" cy="261610"/>
+                </a:xfrm>
+                <a:prstGeom prst="rect">
+                  <a:avLst/>
+                </a:prstGeom>
+                <a:blipFill>
+                  <a:blip r:embed="rId8"/>
+                  <a:stretch>
+                    <a:fillRect/>
+                  </a:stretch>
+                </a:blipFill>
+              </p:spPr>
+              <p:txBody>
+                <a:bodyPr/>
+                <a:lstStyle/>
+                <a:p>
+                  <a:r>
+                    <a:rPr lang="en-US">
+                      <a:noFill/>
+                    </a:rPr>
+                    <a:t> </a:t>
+                  </a:r>
+                </a:p>
+              </p:txBody>
+            </p:sp>
+          </mc:Fallback>
+        </mc:AlternateContent>
+      </p:grpSp>
+      <p:grpSp>
+        <p:nvGrpSpPr>
+          <p:cNvPr id="23" name="Group 22">
+            <a:extLst>
+              <a:ext uri="{FF2B5EF4-FFF2-40B4-BE49-F238E27FC236}">
+                <a16:creationId xmlns:a16="http://schemas.microsoft.com/office/drawing/2014/main" id="{C16CF0CB-07E5-DF4B-BF05-9547AD7ABDE4}"/>
+              </a:ext>
+            </a:extLst>
+          </p:cNvPr>
+          <p:cNvGrpSpPr/>
+          <p:nvPr/>
+        </p:nvGrpSpPr>
+        <p:grpSpPr>
+          <a:xfrm>
+            <a:off x="4568133" y="3730489"/>
+            <a:ext cx="317715" cy="301255"/>
+            <a:chOff x="1701234" y="2146852"/>
+            <a:chExt cx="317715" cy="301255"/>
+          </a:xfrm>
+        </p:grpSpPr>
+        <p:sp>
+          <p:nvSpPr>
+            <p:cNvPr id="24" name="Oval 23">
+              <a:extLst>
+                <a:ext uri="{FF2B5EF4-FFF2-40B4-BE49-F238E27FC236}">
+                  <a16:creationId xmlns:a16="http://schemas.microsoft.com/office/drawing/2014/main" id="{4FA433B0-AA85-E046-B8FE-6F6FB12B8522}"/>
+                </a:ext>
+              </a:extLst>
+            </p:cNvPr>
+            <p:cNvSpPr/>
+            <p:nvPr/>
+          </p:nvSpPr>
+          <p:spPr>
+            <a:xfrm>
+              <a:off x="1716455" y="2146852"/>
+              <a:ext cx="287274" cy="301255"/>
+            </a:xfrm>
+            <a:prstGeom prst="ellipse">
+              <a:avLst/>
+            </a:prstGeom>
+            <a:noFill/>
+          </p:spPr>
+          <p:style>
+            <a:lnRef idx="2">
+              <a:schemeClr val="accent1">
+                <a:shade val="50000"/>
+              </a:schemeClr>
+            </a:lnRef>
+            <a:fillRef idx="1">
+              <a:schemeClr val="accent1"/>
+            </a:fillRef>
+            <a:effectRef idx="0">
+              <a:schemeClr val="accent1"/>
+            </a:effectRef>
+            <a:fontRef idx="minor">
+              <a:schemeClr val="lt1"/>
+            </a:fontRef>
+          </p:style>
+          <p:txBody>
+            <a:bodyPr rtlCol="0" anchor="ctr"/>
+            <a:lstStyle/>
+            <a:p>
+              <a:pPr algn="ctr"/>
+              <a:endParaRPr lang="en-US"/>
+            </a:p>
+          </p:txBody>
+        </p:sp>
+        <mc:AlternateContent xmlns:mc="http://schemas.openxmlformats.org/markup-compatibility/2006">
+          <mc:Choice xmlns:a14="http://schemas.microsoft.com/office/drawing/2010/main" Requires="a14">
+            <p:sp>
+              <p:nvSpPr>
+                <p:cNvPr id="25" name="TextBox 24">
+                  <a:extLst>
+                    <a:ext uri="{FF2B5EF4-FFF2-40B4-BE49-F238E27FC236}">
+                      <a16:creationId xmlns:a16="http://schemas.microsoft.com/office/drawing/2014/main" id="{53A19EC6-F09D-B440-BB85-9FDB01A70697}"/>
+                    </a:ext>
+                  </a:extLst>
+                </p:cNvPr>
+                <p:cNvSpPr txBox="1"/>
+                <p:nvPr/>
+              </p:nvSpPr>
+              <p:spPr>
+                <a:xfrm>
+                  <a:off x="1701234" y="2166674"/>
+                  <a:ext cx="317715" cy="261610"/>
+                </a:xfrm>
+                <a:prstGeom prst="rect">
+                  <a:avLst/>
+                </a:prstGeom>
+                <a:noFill/>
+              </p:spPr>
+              <p:txBody>
+                <a:bodyPr wrap="none" rtlCol="0">
+                  <a:spAutoFit/>
+                </a:bodyPr>
+                <a:lstStyle/>
+                <a:p>
+                  <a14:m>
+                    <m:oMathPara xmlns:m="http://schemas.openxmlformats.org/officeDocument/2006/math">
+                      <m:oMathParaPr>
+                        <m:jc m:val="centerGroup"/>
+                      </m:oMathParaPr>
+                      <m:oMath xmlns:m="http://schemas.openxmlformats.org/officeDocument/2006/math">
+                        <m:r>
+                          <a:rPr lang="en-US" sz="1100" i="1" smtClean="0">
+                            <a:latin typeface="Cambria Math" panose="02040503050406030204" pitchFamily="18" charset="0"/>
+                            <a:ea typeface="Cambria Math" panose="02040503050406030204" pitchFamily="18" charset="0"/>
+                          </a:rPr>
+                          <m:t>×</m:t>
+                        </m:r>
+                      </m:oMath>
+                    </m:oMathPara>
+                  </a14:m>
+                  <a:endParaRPr lang="en-US" sz="1100" dirty="0"/>
+                </a:p>
+              </p:txBody>
+            </p:sp>
+          </mc:Choice>
+          <mc:Fallback>
+            <p:sp>
+              <p:nvSpPr>
+                <p:cNvPr id="25" name="TextBox 24">
+                  <a:extLst>
+                    <a:ext uri="{FF2B5EF4-FFF2-40B4-BE49-F238E27FC236}">
+                      <a16:creationId xmlns:a16="http://schemas.microsoft.com/office/drawing/2014/main" id="{53A19EC6-F09D-B440-BB85-9FDB01A70697}"/>
+                    </a:ext>
+                  </a:extLst>
+                </p:cNvPr>
+                <p:cNvSpPr txBox="1">
+                  <a:spLocks noRot="1" noChangeAspect="1" noMove="1" noResize="1" noEditPoints="1" noAdjustHandles="1" noChangeArrowheads="1" noChangeShapeType="1" noTextEdit="1"/>
+                </p:cNvSpPr>
+                <p:nvPr/>
+              </p:nvSpPr>
+              <p:spPr>
+                <a:xfrm>
+                  <a:off x="1701234" y="2166674"/>
+                  <a:ext cx="317715" cy="261610"/>
+                </a:xfrm>
+                <a:prstGeom prst="rect">
+                  <a:avLst/>
+                </a:prstGeom>
+                <a:blipFill>
+                  <a:blip r:embed="rId9"/>
+                  <a:stretch>
+                    <a:fillRect/>
+                  </a:stretch>
+                </a:blipFill>
+              </p:spPr>
+              <p:txBody>
+                <a:bodyPr/>
+                <a:lstStyle/>
+                <a:p>
+                  <a:r>
+                    <a:rPr lang="en-US">
+                      <a:noFill/>
+                    </a:rPr>
+                    <a:t> </a:t>
+                  </a:r>
+                </a:p>
+              </p:txBody>
+            </p:sp>
+          </mc:Fallback>
+        </mc:AlternateContent>
+      </p:grpSp>
+      <p:grpSp>
+        <p:nvGrpSpPr>
+          <p:cNvPr id="26" name="Group 25">
+            <a:extLst>
+              <a:ext uri="{FF2B5EF4-FFF2-40B4-BE49-F238E27FC236}">
+                <a16:creationId xmlns:a16="http://schemas.microsoft.com/office/drawing/2014/main" id="{1277D0C3-EBB4-D34C-8C38-79F6E15C738A}"/>
+              </a:ext>
+            </a:extLst>
+          </p:cNvPr>
+          <p:cNvGrpSpPr/>
+          <p:nvPr/>
+        </p:nvGrpSpPr>
+        <p:grpSpPr>
+          <a:xfrm>
+            <a:off x="4443188" y="2490084"/>
+            <a:ext cx="490840" cy="301255"/>
+            <a:chOff x="1724419" y="3118296"/>
+            <a:chExt cx="490840" cy="301255"/>
+          </a:xfrm>
+        </p:grpSpPr>
+        <p:sp>
+          <p:nvSpPr>
+            <p:cNvPr id="27" name="Rectangle 26">
+              <a:extLst>
+                <a:ext uri="{FF2B5EF4-FFF2-40B4-BE49-F238E27FC236}">
+                  <a16:creationId xmlns:a16="http://schemas.microsoft.com/office/drawing/2014/main" id="{93D24B84-68DC-D84F-BE4E-DB499928894E}"/>
+                </a:ext>
+              </a:extLst>
+            </p:cNvPr>
+            <p:cNvSpPr/>
+            <p:nvPr/>
+          </p:nvSpPr>
+          <p:spPr>
+            <a:xfrm>
+              <a:off x="1794273" y="3118296"/>
+              <a:ext cx="372806" cy="301255"/>
+            </a:xfrm>
+            <a:prstGeom prst="rect">
+              <a:avLst/>
+            </a:prstGeom>
+            <a:noFill/>
+          </p:spPr>
+          <p:style>
+            <a:lnRef idx="2">
+              <a:schemeClr val="accent1">
+                <a:shade val="50000"/>
+              </a:schemeClr>
+            </a:lnRef>
+            <a:fillRef idx="1">
+              <a:schemeClr val="accent1"/>
+            </a:fillRef>
+            <a:effectRef idx="0">
+              <a:schemeClr val="accent1"/>
+            </a:effectRef>
+            <a:fontRef idx="minor">
+              <a:schemeClr val="lt1"/>
+            </a:fontRef>
+          </p:style>
+          <p:txBody>
+            <a:bodyPr rtlCol="0" anchor="ctr"/>
+            <a:lstStyle/>
+            <a:p>
+              <a:pPr algn="ctr"/>
+              <a:endParaRPr lang="en-US"/>
+            </a:p>
+          </p:txBody>
+        </p:sp>
+        <mc:AlternateContent xmlns:mc="http://schemas.openxmlformats.org/markup-compatibility/2006">
+          <mc:Choice xmlns:a14="http://schemas.microsoft.com/office/drawing/2010/main" Requires="a14">
+            <p:sp>
+              <p:nvSpPr>
+                <p:cNvPr id="28" name="TextBox 27">
+                  <a:extLst>
+                    <a:ext uri="{FF2B5EF4-FFF2-40B4-BE49-F238E27FC236}">
+                      <a16:creationId xmlns:a16="http://schemas.microsoft.com/office/drawing/2014/main" id="{7FD50F9F-530C-E240-B4BC-7573B66D81A7}"/>
+                    </a:ext>
+                  </a:extLst>
+                </p:cNvPr>
+                <p:cNvSpPr txBox="1"/>
+                <p:nvPr/>
+              </p:nvSpPr>
+              <p:spPr>
+                <a:xfrm>
+                  <a:off x="1724419" y="3128668"/>
+                  <a:ext cx="490840" cy="261610"/>
+                </a:xfrm>
+                <a:prstGeom prst="rect">
+                  <a:avLst/>
+                </a:prstGeom>
+                <a:noFill/>
+              </p:spPr>
+              <p:txBody>
+                <a:bodyPr wrap="none" rtlCol="0">
+                  <a:spAutoFit/>
+                </a:bodyPr>
+                <a:lstStyle/>
+                <a:p>
+                  <a14:m>
+                    <m:oMathPara xmlns:m="http://schemas.openxmlformats.org/officeDocument/2006/math">
+                      <m:oMathParaPr>
+                        <m:jc m:val="centerGroup"/>
+                      </m:oMathParaPr>
+                      <m:oMath xmlns:m="http://schemas.openxmlformats.org/officeDocument/2006/math">
+                        <m:r>
+                          <m:rPr>
+                            <m:sty m:val="p"/>
+                          </m:rPr>
+                          <a:rPr lang="en-US" sz="1100" b="0" i="0" smtClean="0">
+                            <a:latin typeface="Cambria Math" panose="02040503050406030204" pitchFamily="18" charset="0"/>
+                          </a:rPr>
+                          <m:t>tanh</m:t>
+                        </m:r>
+                      </m:oMath>
+                    </m:oMathPara>
+                  </a14:m>
+                  <a:endParaRPr lang="en-US" sz="1100" dirty="0"/>
+                </a:p>
+              </p:txBody>
+            </p:sp>
+          </mc:Choice>
+          <mc:Fallback>
+            <p:sp>
+              <p:nvSpPr>
+                <p:cNvPr id="28" name="TextBox 27">
+                  <a:extLst>
+                    <a:ext uri="{FF2B5EF4-FFF2-40B4-BE49-F238E27FC236}">
+                      <a16:creationId xmlns:a16="http://schemas.microsoft.com/office/drawing/2014/main" id="{7FD50F9F-530C-E240-B4BC-7573B66D81A7}"/>
+                    </a:ext>
+                  </a:extLst>
+                </p:cNvPr>
+                <p:cNvSpPr txBox="1">
+                  <a:spLocks noRot="1" noChangeAspect="1" noMove="1" noResize="1" noEditPoints="1" noAdjustHandles="1" noChangeArrowheads="1" noChangeShapeType="1" noTextEdit="1"/>
+                </p:cNvSpPr>
+                <p:nvPr/>
+              </p:nvSpPr>
+              <p:spPr>
+                <a:xfrm>
+                  <a:off x="1724419" y="3128668"/>
+                  <a:ext cx="490840" cy="261610"/>
+                </a:xfrm>
+                <a:prstGeom prst="rect">
+                  <a:avLst/>
+                </a:prstGeom>
+                <a:blipFill>
+                  <a:blip r:embed="rId10"/>
+                  <a:stretch>
+                    <a:fillRect/>
+                  </a:stretch>
+                </a:blipFill>
+              </p:spPr>
+              <p:txBody>
+                <a:bodyPr/>
+                <a:lstStyle/>
+                <a:p>
+                  <a:r>
+                    <a:rPr lang="en-US">
+                      <a:noFill/>
+                    </a:rPr>
+                    <a:t> </a:t>
+                  </a:r>
+                </a:p>
+              </p:txBody>
+            </p:sp>
+          </mc:Fallback>
+        </mc:AlternateContent>
+      </p:grpSp>
+      <p:cxnSp>
+        <p:nvCxnSpPr>
+          <p:cNvPr id="30" name="Straight Arrow Connector 29">
+            <a:extLst>
+              <a:ext uri="{FF2B5EF4-FFF2-40B4-BE49-F238E27FC236}">
+                <a16:creationId xmlns:a16="http://schemas.microsoft.com/office/drawing/2014/main" id="{F5036E73-B5B8-3843-A6D9-9D8B0F30F8F0}"/>
+              </a:ext>
+            </a:extLst>
+          </p:cNvPr>
+          <p:cNvCxnSpPr>
+            <a:stCxn id="6" idx="0"/>
+            <a:endCxn id="2" idx="4"/>
+          </p:cNvCxnSpPr>
+          <p:nvPr/>
+        </p:nvCxnSpPr>
+        <p:spPr>
+          <a:xfrm flipH="1" flipV="1">
+            <a:off x="1972790" y="2332814"/>
+            <a:ext cx="7886" cy="785482"/>
+          </a:xfrm>
+          <a:prstGeom prst="straightConnector1">
+            <a:avLst/>
+          </a:prstGeom>
+          <a:ln>
+            <a:tailEnd type="triangle"/>
+          </a:ln>
+        </p:spPr>
+        <p:style>
+          <a:lnRef idx="1">
+            <a:schemeClr val="accent1"/>
+          </a:lnRef>
+          <a:fillRef idx="0">
+            <a:schemeClr val="accent1"/>
+          </a:fillRef>
+          <a:effectRef idx="0">
+            <a:schemeClr val="accent1"/>
+          </a:effectRef>
+          <a:fontRef idx="minor">
+            <a:schemeClr val="tx1"/>
+          </a:fontRef>
+        </p:style>
+      </p:cxnSp>
+      <p:cxnSp>
+        <p:nvCxnSpPr>
+          <p:cNvPr id="32" name="Straight Arrow Connector 31">
+            <a:extLst>
+              <a:ext uri="{FF2B5EF4-FFF2-40B4-BE49-F238E27FC236}">
+                <a16:creationId xmlns:a16="http://schemas.microsoft.com/office/drawing/2014/main" id="{1E979133-E7DF-ED4C-8D0B-03F3B567B277}"/>
+              </a:ext>
+            </a:extLst>
+          </p:cNvPr>
+          <p:cNvCxnSpPr>
+            <a:endCxn id="3" idx="1"/>
+          </p:cNvCxnSpPr>
+          <p:nvPr/>
+        </p:nvCxnSpPr>
+        <p:spPr>
+          <a:xfrm>
+            <a:off x="1491095" y="2182186"/>
+            <a:ext cx="322837" cy="0"/>
+          </a:xfrm>
+          <a:prstGeom prst="straightConnector1">
+            <a:avLst/>
+          </a:prstGeom>
+          <a:ln>
+            <a:tailEnd type="triangle"/>
+          </a:ln>
+        </p:spPr>
+        <p:style>
+          <a:lnRef idx="1">
+            <a:schemeClr val="accent1"/>
+          </a:lnRef>
+          <a:fillRef idx="0">
+            <a:schemeClr val="accent1"/>
+          </a:fillRef>
+          <a:effectRef idx="0">
+            <a:schemeClr val="accent1"/>
+          </a:effectRef>
+          <a:fontRef idx="minor">
+            <a:schemeClr val="tx1"/>
+          </a:fontRef>
+        </p:style>
+      </p:cxnSp>
+      <p:cxnSp>
+        <p:nvCxnSpPr>
+          <p:cNvPr id="34" name="Straight Arrow Connector 33">
+            <a:extLst>
+              <a:ext uri="{FF2B5EF4-FFF2-40B4-BE49-F238E27FC236}">
+                <a16:creationId xmlns:a16="http://schemas.microsoft.com/office/drawing/2014/main" id="{0BA2373B-7C20-8845-B95F-FFBA5FD3A0E6}"/>
+              </a:ext>
+            </a:extLst>
+          </p:cNvPr>
+          <p:cNvCxnSpPr>
+            <a:cxnSpLocks/>
+            <a:stCxn id="3" idx="3"/>
+            <a:endCxn id="13" idx="1"/>
+          </p:cNvCxnSpPr>
+          <p:nvPr/>
+        </p:nvCxnSpPr>
+        <p:spPr>
+          <a:xfrm>
+            <a:off x="2131647" y="2182186"/>
+            <a:ext cx="1065956" cy="0"/>
+          </a:xfrm>
+          <a:prstGeom prst="straightConnector1">
+            <a:avLst/>
+          </a:prstGeom>
+          <a:ln>
+            <a:tailEnd type="triangle"/>
+          </a:ln>
+        </p:spPr>
+        <p:style>
+          <a:lnRef idx="1">
+            <a:schemeClr val="accent1"/>
+          </a:lnRef>
+          <a:fillRef idx="0">
+            <a:schemeClr val="accent1"/>
+          </a:fillRef>
+          <a:effectRef idx="0">
+            <a:schemeClr val="accent1"/>
+          </a:effectRef>
+          <a:fontRef idx="minor">
+            <a:schemeClr val="tx1"/>
+          </a:fontRef>
+        </p:style>
+      </p:cxnSp>
+      <p:cxnSp>
+        <p:nvCxnSpPr>
+          <p:cNvPr id="36" name="Straight Arrow Connector 35">
+            <a:extLst>
+              <a:ext uri="{FF2B5EF4-FFF2-40B4-BE49-F238E27FC236}">
+                <a16:creationId xmlns:a16="http://schemas.microsoft.com/office/drawing/2014/main" id="{CED154F0-C696-DF48-9CDD-D3521129FB8C}"/>
+              </a:ext>
+            </a:extLst>
+          </p:cNvPr>
+          <p:cNvCxnSpPr>
+            <a:cxnSpLocks/>
+            <a:stCxn id="16" idx="0"/>
+            <a:endCxn id="12" idx="4"/>
+          </p:cNvCxnSpPr>
+          <p:nvPr/>
+        </p:nvCxnSpPr>
+        <p:spPr>
+          <a:xfrm flipH="1" flipV="1">
+            <a:off x="3356461" y="2332814"/>
+            <a:ext cx="4809" cy="177092"/>
+          </a:xfrm>
+          <a:prstGeom prst="straightConnector1">
+            <a:avLst/>
+          </a:prstGeom>
+          <a:ln>
+            <a:tailEnd type="triangle"/>
+          </a:ln>
+        </p:spPr>
+        <p:style>
+          <a:lnRef idx="1">
+            <a:schemeClr val="accent1"/>
+          </a:lnRef>
+          <a:fillRef idx="0">
+            <a:schemeClr val="accent1"/>
+          </a:fillRef>
+          <a:effectRef idx="0">
+            <a:schemeClr val="accent1"/>
+          </a:effectRef>
+          <a:fontRef idx="minor">
+            <a:schemeClr val="tx1"/>
+          </a:fontRef>
+        </p:style>
+      </p:cxnSp>
+      <p:cxnSp>
+        <p:nvCxnSpPr>
+          <p:cNvPr id="42" name="Straight Arrow Connector 41">
+            <a:extLst>
+              <a:ext uri="{FF2B5EF4-FFF2-40B4-BE49-F238E27FC236}">
+                <a16:creationId xmlns:a16="http://schemas.microsoft.com/office/drawing/2014/main" id="{42828F47-6A8A-1440-93A7-D237CE34A8F3}"/>
+              </a:ext>
+            </a:extLst>
+          </p:cNvPr>
+          <p:cNvCxnSpPr>
+            <a:stCxn id="21" idx="3"/>
+            <a:endCxn id="25" idx="1"/>
+          </p:cNvCxnSpPr>
+          <p:nvPr/>
+        </p:nvCxnSpPr>
+        <p:spPr>
+          <a:xfrm flipV="1">
+            <a:off x="4271438" y="3881116"/>
+            <a:ext cx="296695" cy="1"/>
+          </a:xfrm>
+          <a:prstGeom prst="straightConnector1">
+            <a:avLst/>
+          </a:prstGeom>
+          <a:ln w="9525">
+            <a:tailEnd type="triangle"/>
+          </a:ln>
+        </p:spPr>
+        <p:style>
+          <a:lnRef idx="1">
+            <a:schemeClr val="accent1"/>
+          </a:lnRef>
+          <a:fillRef idx="0">
+            <a:schemeClr val="accent1"/>
+          </a:fillRef>
+          <a:effectRef idx="0">
+            <a:schemeClr val="accent1"/>
+          </a:effectRef>
+          <a:fontRef idx="minor">
+            <a:schemeClr val="tx1"/>
+          </a:fontRef>
+        </p:style>
+      </p:cxnSp>
+      <p:grpSp>
+        <p:nvGrpSpPr>
+          <p:cNvPr id="46" name="Group 45">
+            <a:extLst>
+              <a:ext uri="{FF2B5EF4-FFF2-40B4-BE49-F238E27FC236}">
+                <a16:creationId xmlns:a16="http://schemas.microsoft.com/office/drawing/2014/main" id="{9C808A73-9CD4-1B47-B989-8920D1149FB7}"/>
+              </a:ext>
+            </a:extLst>
+          </p:cNvPr>
+          <p:cNvGrpSpPr/>
+          <p:nvPr/>
+        </p:nvGrpSpPr>
+        <p:grpSpPr>
+          <a:xfrm rot="21317275">
+            <a:off x="1942910" y="3809293"/>
+            <a:ext cx="107365" cy="145213"/>
+            <a:chOff x="2601257" y="4031743"/>
+            <a:chExt cx="192526" cy="192527"/>
+          </a:xfrm>
+        </p:grpSpPr>
+        <p:sp>
+          <p:nvSpPr>
+            <p:cNvPr id="44" name="Arc 43">
+              <a:extLst>
+                <a:ext uri="{FF2B5EF4-FFF2-40B4-BE49-F238E27FC236}">
+                  <a16:creationId xmlns:a16="http://schemas.microsoft.com/office/drawing/2014/main" id="{5DE21757-AB13-6446-B9B1-234C3F631605}"/>
+                </a:ext>
+              </a:extLst>
+            </p:cNvPr>
+            <p:cNvSpPr/>
+            <p:nvPr/>
+          </p:nvSpPr>
+          <p:spPr>
+            <a:xfrm>
+              <a:off x="2607801" y="4031744"/>
+              <a:ext cx="169743" cy="192526"/>
+            </a:xfrm>
+            <a:prstGeom prst="arc">
+              <a:avLst/>
+            </a:prstGeom>
+          </p:spPr>
+          <p:style>
+            <a:lnRef idx="1">
+              <a:schemeClr val="accent1"/>
+            </a:lnRef>
+            <a:fillRef idx="0">
+              <a:schemeClr val="accent1"/>
+            </a:fillRef>
+            <a:effectRef idx="0">
+              <a:schemeClr val="accent1"/>
+            </a:effectRef>
+            <a:fontRef idx="minor">
+              <a:schemeClr val="tx1"/>
+            </a:fontRef>
+          </p:style>
+          <p:txBody>
+            <a:bodyPr rtlCol="0" anchor="ctr"/>
+            <a:lstStyle/>
+            <a:p>
+              <a:pPr algn="ctr"/>
+              <a:endParaRPr lang="en-US"/>
+            </a:p>
+          </p:txBody>
+        </p:sp>
+        <p:sp>
+          <p:nvSpPr>
+            <p:cNvPr id="45" name="Arc 44">
+              <a:extLst>
+                <a:ext uri="{FF2B5EF4-FFF2-40B4-BE49-F238E27FC236}">
+                  <a16:creationId xmlns:a16="http://schemas.microsoft.com/office/drawing/2014/main" id="{06BD8F1E-A094-A247-92F5-CE82BF8A27C5}"/>
+                </a:ext>
+              </a:extLst>
+            </p:cNvPr>
+            <p:cNvSpPr/>
+            <p:nvPr/>
+          </p:nvSpPr>
+          <p:spPr>
+            <a:xfrm rot="16200000">
+              <a:off x="2612648" y="4020352"/>
+              <a:ext cx="169743" cy="192526"/>
+            </a:xfrm>
+            <a:prstGeom prst="arc">
+              <a:avLst/>
+            </a:prstGeom>
+          </p:spPr>
+          <p:style>
+            <a:lnRef idx="1">
+              <a:schemeClr val="accent1"/>
+            </a:lnRef>
+            <a:fillRef idx="0">
+              <a:schemeClr val="accent1"/>
+            </a:fillRef>
+            <a:effectRef idx="0">
+              <a:schemeClr val="accent1"/>
+            </a:effectRef>
+            <a:fontRef idx="minor">
+              <a:schemeClr val="tx1"/>
+            </a:fontRef>
+          </p:style>
+          <p:txBody>
+            <a:bodyPr rtlCol="0" anchor="ctr"/>
+            <a:lstStyle/>
+            <a:p>
+              <a:pPr algn="ctr"/>
+              <a:endParaRPr lang="en-US"/>
+            </a:p>
+          </p:txBody>
+        </p:sp>
+      </p:grpSp>
+      <p:grpSp>
+        <p:nvGrpSpPr>
+          <p:cNvPr id="48" name="Group 47">
+            <a:extLst>
+              <a:ext uri="{FF2B5EF4-FFF2-40B4-BE49-F238E27FC236}">
+                <a16:creationId xmlns:a16="http://schemas.microsoft.com/office/drawing/2014/main" id="{C76AAC99-9683-E745-82C6-BDB802DFA453}"/>
+              </a:ext>
+            </a:extLst>
+          </p:cNvPr>
+          <p:cNvGrpSpPr/>
+          <p:nvPr/>
+        </p:nvGrpSpPr>
+        <p:grpSpPr>
+          <a:xfrm rot="21317275">
+            <a:off x="2628947" y="3815250"/>
+            <a:ext cx="107365" cy="145213"/>
+            <a:chOff x="2601257" y="4031743"/>
+            <a:chExt cx="192526" cy="192527"/>
+          </a:xfrm>
+        </p:grpSpPr>
+        <p:sp>
+          <p:nvSpPr>
+            <p:cNvPr id="49" name="Arc 48">
+              <a:extLst>
+                <a:ext uri="{FF2B5EF4-FFF2-40B4-BE49-F238E27FC236}">
+                  <a16:creationId xmlns:a16="http://schemas.microsoft.com/office/drawing/2014/main" id="{D8F54F67-976A-4143-817D-955EF5F6ACA4}"/>
+                </a:ext>
+              </a:extLst>
+            </p:cNvPr>
+            <p:cNvSpPr/>
+            <p:nvPr/>
+          </p:nvSpPr>
+          <p:spPr>
+            <a:xfrm>
+              <a:off x="2607801" y="4031744"/>
+              <a:ext cx="169743" cy="192526"/>
+            </a:xfrm>
+            <a:prstGeom prst="arc">
+              <a:avLst/>
+            </a:prstGeom>
+          </p:spPr>
+          <p:style>
+            <a:lnRef idx="1">
+              <a:schemeClr val="accent1"/>
+            </a:lnRef>
+            <a:fillRef idx="0">
+              <a:schemeClr val="accent1"/>
+            </a:fillRef>
+            <a:effectRef idx="0">
+              <a:schemeClr val="accent1"/>
+            </a:effectRef>
+            <a:fontRef idx="minor">
+              <a:schemeClr val="tx1"/>
+            </a:fontRef>
+          </p:style>
+          <p:txBody>
+            <a:bodyPr rtlCol="0" anchor="ctr"/>
+            <a:lstStyle/>
+            <a:p>
+              <a:pPr algn="ctr"/>
+              <a:endParaRPr lang="en-US"/>
+            </a:p>
+          </p:txBody>
+        </p:sp>
+        <p:sp>
+          <p:nvSpPr>
+            <p:cNvPr id="50" name="Arc 49">
+              <a:extLst>
+                <a:ext uri="{FF2B5EF4-FFF2-40B4-BE49-F238E27FC236}">
+                  <a16:creationId xmlns:a16="http://schemas.microsoft.com/office/drawing/2014/main" id="{02EAEDDE-4FF1-3449-81AB-9D6374A4932A}"/>
+                </a:ext>
+              </a:extLst>
+            </p:cNvPr>
+            <p:cNvSpPr/>
+            <p:nvPr/>
+          </p:nvSpPr>
+          <p:spPr>
+            <a:xfrm rot="16200000">
+              <a:off x="2612648" y="4020352"/>
+              <a:ext cx="169743" cy="192526"/>
+            </a:xfrm>
+            <a:prstGeom prst="arc">
+              <a:avLst/>
+            </a:prstGeom>
+          </p:spPr>
+          <p:style>
+            <a:lnRef idx="1">
+              <a:schemeClr val="accent1"/>
+            </a:lnRef>
+            <a:fillRef idx="0">
+              <a:schemeClr val="accent1"/>
+            </a:fillRef>
+            <a:effectRef idx="0">
+              <a:schemeClr val="accent1"/>
+            </a:effectRef>
+            <a:fontRef idx="minor">
+              <a:schemeClr val="tx1"/>
+            </a:fontRef>
+          </p:style>
+          <p:txBody>
+            <a:bodyPr rtlCol="0" anchor="ctr"/>
+            <a:lstStyle/>
+            <a:p>
+              <a:pPr algn="ctr"/>
+              <a:endParaRPr lang="en-US"/>
+            </a:p>
+          </p:txBody>
+        </p:sp>
+      </p:grpSp>
+      <p:grpSp>
+        <p:nvGrpSpPr>
+          <p:cNvPr id="51" name="Group 50">
+            <a:extLst>
+              <a:ext uri="{FF2B5EF4-FFF2-40B4-BE49-F238E27FC236}">
+                <a16:creationId xmlns:a16="http://schemas.microsoft.com/office/drawing/2014/main" id="{678F8577-C602-3447-8104-6D5228FAC65C}"/>
+              </a:ext>
+            </a:extLst>
+          </p:cNvPr>
+          <p:cNvGrpSpPr/>
+          <p:nvPr/>
+        </p:nvGrpSpPr>
+        <p:grpSpPr>
+          <a:xfrm rot="21317275">
+            <a:off x="3314388" y="3808509"/>
+            <a:ext cx="107365" cy="145213"/>
+            <a:chOff x="2601257" y="4031743"/>
+            <a:chExt cx="192526" cy="192527"/>
+          </a:xfrm>
+        </p:grpSpPr>
+        <p:sp>
+          <p:nvSpPr>
+            <p:cNvPr id="52" name="Arc 51">
+              <a:extLst>
+                <a:ext uri="{FF2B5EF4-FFF2-40B4-BE49-F238E27FC236}">
+                  <a16:creationId xmlns:a16="http://schemas.microsoft.com/office/drawing/2014/main" id="{FE526607-6BD7-1B46-914B-BCE6C110F587}"/>
+                </a:ext>
+              </a:extLst>
+            </p:cNvPr>
+            <p:cNvSpPr/>
+            <p:nvPr/>
+          </p:nvSpPr>
+          <p:spPr>
+            <a:xfrm>
+              <a:off x="2607801" y="4031744"/>
+              <a:ext cx="169743" cy="192526"/>
+            </a:xfrm>
+            <a:prstGeom prst="arc">
+              <a:avLst/>
+            </a:prstGeom>
+          </p:spPr>
+          <p:style>
+            <a:lnRef idx="1">
+              <a:schemeClr val="accent1"/>
+            </a:lnRef>
+            <a:fillRef idx="0">
+              <a:schemeClr val="accent1"/>
+            </a:fillRef>
+            <a:effectRef idx="0">
+              <a:schemeClr val="accent1"/>
+            </a:effectRef>
+            <a:fontRef idx="minor">
+              <a:schemeClr val="tx1"/>
+            </a:fontRef>
+          </p:style>
+          <p:txBody>
+            <a:bodyPr rtlCol="0" anchor="ctr"/>
+            <a:lstStyle/>
+            <a:p>
+              <a:pPr algn="ctr"/>
+              <a:endParaRPr lang="en-US"/>
+            </a:p>
+          </p:txBody>
+        </p:sp>
+        <p:sp>
+          <p:nvSpPr>
+            <p:cNvPr id="53" name="Arc 52">
+              <a:extLst>
+                <a:ext uri="{FF2B5EF4-FFF2-40B4-BE49-F238E27FC236}">
+                  <a16:creationId xmlns:a16="http://schemas.microsoft.com/office/drawing/2014/main" id="{898AC40F-A6FB-F242-B5A0-52E3BE82BACA}"/>
+                </a:ext>
+              </a:extLst>
+            </p:cNvPr>
+            <p:cNvSpPr/>
+            <p:nvPr/>
+          </p:nvSpPr>
+          <p:spPr>
+            <a:xfrm rot="16200000">
+              <a:off x="2612648" y="4020352"/>
+              <a:ext cx="169743" cy="192526"/>
+            </a:xfrm>
+            <a:prstGeom prst="arc">
+              <a:avLst/>
+            </a:prstGeom>
+          </p:spPr>
+          <p:style>
+            <a:lnRef idx="1">
+              <a:schemeClr val="accent1"/>
+            </a:lnRef>
+            <a:fillRef idx="0">
+              <a:schemeClr val="accent1"/>
+            </a:fillRef>
+            <a:effectRef idx="0">
+              <a:schemeClr val="accent1"/>
+            </a:effectRef>
+            <a:fontRef idx="minor">
+              <a:schemeClr val="tx1"/>
+            </a:fontRef>
+          </p:style>
+          <p:txBody>
+            <a:bodyPr rtlCol="0" anchor="ctr"/>
+            <a:lstStyle/>
+            <a:p>
+              <a:pPr algn="ctr"/>
+              <a:endParaRPr lang="en-US"/>
+            </a:p>
+          </p:txBody>
+        </p:sp>
+      </p:grpSp>
+      <p:cxnSp>
+        <p:nvCxnSpPr>
+          <p:cNvPr id="55" name="Straight Connector 54">
+            <a:extLst>
+              <a:ext uri="{FF2B5EF4-FFF2-40B4-BE49-F238E27FC236}">
+                <a16:creationId xmlns:a16="http://schemas.microsoft.com/office/drawing/2014/main" id="{92E6B136-C03E-0A44-B3F5-B48F3143C3FB}"/>
+              </a:ext>
+            </a:extLst>
+          </p:cNvPr>
+          <p:cNvCxnSpPr>
+            <a:cxnSpLocks/>
+            <a:stCxn id="44" idx="2"/>
+            <a:endCxn id="50" idx="0"/>
+          </p:cNvCxnSpPr>
+          <p:nvPr/>
+        </p:nvCxnSpPr>
+        <p:spPr>
+          <a:xfrm>
+            <a:off x="2041069" y="3878234"/>
+            <a:ext cx="587353" cy="5469"/>
+          </a:xfrm>
+          <a:prstGeom prst="line">
+            <a:avLst/>
+          </a:prstGeom>
+        </p:spPr>
+        <p:style>
+          <a:lnRef idx="1">
+            <a:schemeClr val="accent1"/>
+          </a:lnRef>
+          <a:fillRef idx="0">
+            <a:schemeClr val="accent1"/>
+          </a:fillRef>
+          <a:effectRef idx="0">
+            <a:schemeClr val="accent1"/>
+          </a:effectRef>
+          <a:fontRef idx="minor">
+            <a:schemeClr val="tx1"/>
+          </a:fontRef>
+        </p:style>
+      </p:cxnSp>
+      <p:cxnSp>
+        <p:nvCxnSpPr>
+          <p:cNvPr id="57" name="Straight Connector 56">
+            <a:extLst>
+              <a:ext uri="{FF2B5EF4-FFF2-40B4-BE49-F238E27FC236}">
+                <a16:creationId xmlns:a16="http://schemas.microsoft.com/office/drawing/2014/main" id="{0CCDB52B-A5E1-F348-8D29-F47C9EFB81FA}"/>
+              </a:ext>
+            </a:extLst>
+          </p:cNvPr>
+          <p:cNvCxnSpPr>
+            <a:cxnSpLocks/>
+            <a:stCxn id="49" idx="2"/>
+          </p:cNvCxnSpPr>
+          <p:nvPr/>
+        </p:nvCxnSpPr>
+        <p:spPr>
+          <a:xfrm flipV="1">
+            <a:off x="2727106" y="3879157"/>
+            <a:ext cx="581498" cy="5034"/>
+          </a:xfrm>
+          <a:prstGeom prst="line">
+            <a:avLst/>
+          </a:prstGeom>
+        </p:spPr>
+        <p:style>
+          <a:lnRef idx="1">
+            <a:schemeClr val="accent1"/>
+          </a:lnRef>
+          <a:fillRef idx="0">
+            <a:schemeClr val="accent1"/>
+          </a:fillRef>
+          <a:effectRef idx="0">
+            <a:schemeClr val="accent1"/>
+          </a:effectRef>
+          <a:fontRef idx="minor">
+            <a:schemeClr val="tx1"/>
+          </a:fontRef>
+        </p:style>
+      </p:cxnSp>
+      <p:cxnSp>
+        <p:nvCxnSpPr>
+          <p:cNvPr id="59" name="Straight Connector 58">
+            <a:extLst>
+              <a:ext uri="{FF2B5EF4-FFF2-40B4-BE49-F238E27FC236}">
+                <a16:creationId xmlns:a16="http://schemas.microsoft.com/office/drawing/2014/main" id="{4F94B108-905F-3E47-8CBD-921BD4664F95}"/>
+              </a:ext>
+            </a:extLst>
+          </p:cNvPr>
+          <p:cNvCxnSpPr>
+            <a:cxnSpLocks/>
+            <a:endCxn id="21" idx="1"/>
+          </p:cNvCxnSpPr>
+          <p:nvPr/>
+        </p:nvCxnSpPr>
+        <p:spPr>
+          <a:xfrm>
+            <a:off x="3414512" y="3879157"/>
+            <a:ext cx="484120" cy="1960"/>
+          </a:xfrm>
+          <a:prstGeom prst="line">
+            <a:avLst/>
+          </a:prstGeom>
+        </p:spPr>
+        <p:style>
+          <a:lnRef idx="1">
+            <a:schemeClr val="accent1"/>
+          </a:lnRef>
+          <a:fillRef idx="0">
+            <a:schemeClr val="accent1"/>
+          </a:fillRef>
+          <a:effectRef idx="0">
+            <a:schemeClr val="accent1"/>
+          </a:effectRef>
+          <a:fontRef idx="minor">
+            <a:schemeClr val="tx1"/>
+          </a:fontRef>
+        </p:style>
+      </p:cxnSp>
+      <p:cxnSp>
+        <p:nvCxnSpPr>
+          <p:cNvPr id="63" name="Straight Connector 62">
+            <a:extLst>
+              <a:ext uri="{FF2B5EF4-FFF2-40B4-BE49-F238E27FC236}">
+                <a16:creationId xmlns:a16="http://schemas.microsoft.com/office/drawing/2014/main" id="{D3D8FC67-B86D-5548-AE38-1AD9AF4C3DAE}"/>
+              </a:ext>
+            </a:extLst>
+          </p:cNvPr>
+          <p:cNvCxnSpPr>
+            <a:cxnSpLocks/>
+          </p:cNvCxnSpPr>
+          <p:nvPr/>
+        </p:nvCxnSpPr>
+        <p:spPr>
+          <a:xfrm>
+            <a:off x="1368132" y="3879157"/>
+            <a:ext cx="576227" cy="1707"/>
+          </a:xfrm>
+          <a:prstGeom prst="line">
+            <a:avLst/>
+          </a:prstGeom>
+        </p:spPr>
+        <p:style>
+          <a:lnRef idx="1">
+            <a:schemeClr val="accent1"/>
+          </a:lnRef>
+          <a:fillRef idx="0">
+            <a:schemeClr val="accent1"/>
+          </a:fillRef>
+          <a:effectRef idx="0">
+            <a:schemeClr val="accent1"/>
+          </a:effectRef>
+          <a:fontRef idx="minor">
+            <a:schemeClr val="tx1"/>
+          </a:fontRef>
+        </p:style>
+      </p:cxnSp>
+      <p:cxnSp>
+        <p:nvCxnSpPr>
+          <p:cNvPr id="69" name="Straight Connector 68">
+            <a:extLst>
+              <a:ext uri="{FF2B5EF4-FFF2-40B4-BE49-F238E27FC236}">
+                <a16:creationId xmlns:a16="http://schemas.microsoft.com/office/drawing/2014/main" id="{81EC0F1F-F651-5C48-A660-FFBD6014A439}"/>
+              </a:ext>
+            </a:extLst>
+          </p:cNvPr>
+          <p:cNvCxnSpPr>
+            <a:cxnSpLocks/>
+            <a:stCxn id="5" idx="2"/>
+          </p:cNvCxnSpPr>
+          <p:nvPr/>
+        </p:nvCxnSpPr>
+        <p:spPr>
+          <a:xfrm flipH="1">
+            <a:off x="1979791" y="3419551"/>
+            <a:ext cx="885" cy="805305"/>
+          </a:xfrm>
+          <a:prstGeom prst="line">
+            <a:avLst/>
+          </a:prstGeom>
+          <a:ln>
+            <a:headEnd type="triangle"/>
+          </a:ln>
+        </p:spPr>
+        <p:style>
+          <a:lnRef idx="1">
+            <a:schemeClr val="accent1"/>
+          </a:lnRef>
+          <a:fillRef idx="0">
+            <a:schemeClr val="accent1"/>
+          </a:fillRef>
+          <a:effectRef idx="0">
+            <a:schemeClr val="accent1"/>
+          </a:effectRef>
+          <a:fontRef idx="minor">
+            <a:schemeClr val="tx1"/>
+          </a:fontRef>
+        </p:style>
+      </p:cxnSp>
+      <p:cxnSp>
+        <p:nvCxnSpPr>
+          <p:cNvPr id="72" name="Straight Connector 71">
+            <a:extLst>
+              <a:ext uri="{FF2B5EF4-FFF2-40B4-BE49-F238E27FC236}">
+                <a16:creationId xmlns:a16="http://schemas.microsoft.com/office/drawing/2014/main" id="{27331075-7774-9E42-AE9E-072BDE31C001}"/>
+              </a:ext>
+            </a:extLst>
+          </p:cNvPr>
+          <p:cNvCxnSpPr>
+            <a:cxnSpLocks/>
+            <a:stCxn id="9" idx="2"/>
+          </p:cNvCxnSpPr>
+          <p:nvPr/>
+        </p:nvCxnSpPr>
+        <p:spPr>
+          <a:xfrm>
+            <a:off x="2664625" y="3414546"/>
+            <a:ext cx="4970" cy="836779"/>
+          </a:xfrm>
+          <a:prstGeom prst="line">
+            <a:avLst/>
+          </a:prstGeom>
+          <a:ln>
+            <a:headEnd type="triangle"/>
+          </a:ln>
+        </p:spPr>
+        <p:style>
+          <a:lnRef idx="1">
+            <a:schemeClr val="accent1"/>
+          </a:lnRef>
+          <a:fillRef idx="0">
+            <a:schemeClr val="accent1"/>
+          </a:fillRef>
+          <a:effectRef idx="0">
+            <a:schemeClr val="accent1"/>
+          </a:effectRef>
+          <a:fontRef idx="minor">
+            <a:schemeClr val="tx1"/>
+          </a:fontRef>
+        </p:style>
+      </p:cxnSp>
+      <p:cxnSp>
+        <p:nvCxnSpPr>
+          <p:cNvPr id="77" name="Straight Connector 76">
+            <a:extLst>
+              <a:ext uri="{FF2B5EF4-FFF2-40B4-BE49-F238E27FC236}">
+                <a16:creationId xmlns:a16="http://schemas.microsoft.com/office/drawing/2014/main" id="{E63FA2A3-0E44-2645-8F88-9C37CC80BE5C}"/>
+              </a:ext>
+            </a:extLst>
+          </p:cNvPr>
+          <p:cNvCxnSpPr>
+            <a:cxnSpLocks/>
+          </p:cNvCxnSpPr>
+          <p:nvPr/>
+        </p:nvCxnSpPr>
+        <p:spPr>
+          <a:xfrm>
+            <a:off x="3355789" y="3429000"/>
+            <a:ext cx="4970" cy="836779"/>
+          </a:xfrm>
+          <a:prstGeom prst="line">
+            <a:avLst/>
+          </a:prstGeom>
+          <a:ln>
+            <a:headEnd type="triangle"/>
+          </a:ln>
+        </p:spPr>
+        <p:style>
+          <a:lnRef idx="1">
+            <a:schemeClr val="accent1"/>
+          </a:lnRef>
+          <a:fillRef idx="0">
+            <a:schemeClr val="accent1"/>
+          </a:fillRef>
+          <a:effectRef idx="0">
+            <a:schemeClr val="accent1"/>
+          </a:effectRef>
+          <a:fontRef idx="minor">
+            <a:schemeClr val="tx1"/>
+          </a:fontRef>
+        </p:style>
+      </p:cxnSp>
+      <p:sp>
+        <p:nvSpPr>
+          <p:cNvPr id="84" name="Arc 83">
+            <a:extLst>
+              <a:ext uri="{FF2B5EF4-FFF2-40B4-BE49-F238E27FC236}">
+                <a16:creationId xmlns:a16="http://schemas.microsoft.com/office/drawing/2014/main" id="{1BD25AE9-E84A-4447-9ECF-19F76B10DB84}"/>
+              </a:ext>
+            </a:extLst>
+          </p:cNvPr>
+          <p:cNvSpPr/>
+          <p:nvPr/>
+        </p:nvSpPr>
+        <p:spPr>
+          <a:xfrm rot="4952950">
+            <a:off x="1583143" y="3486157"/>
+            <a:ext cx="402220" cy="386322"/>
+          </a:xfrm>
+          <a:prstGeom prst="arc">
+            <a:avLst/>
+          </a:prstGeom>
+        </p:spPr>
+        <p:style>
+          <a:lnRef idx="1">
+            <a:schemeClr val="accent1"/>
+          </a:lnRef>
+          <a:fillRef idx="0">
+            <a:schemeClr val="accent1"/>
+          </a:fillRef>
+          <a:effectRef idx="0">
+            <a:schemeClr val="accent1"/>
+          </a:effectRef>
+          <a:fontRef idx="minor">
+            <a:schemeClr val="tx1"/>
+          </a:fontRef>
+        </p:style>
+        <p:txBody>
+          <a:bodyPr rtlCol="0" anchor="ctr"/>
+          <a:lstStyle/>
+          <a:p>
+            <a:pPr algn="ctr"/>
+            <a:endParaRPr lang="en-US"/>
+          </a:p>
+        </p:txBody>
+      </p:sp>
+      <p:sp>
+        <p:nvSpPr>
+          <p:cNvPr id="85" name="Arc 84">
+            <a:extLst>
+              <a:ext uri="{FF2B5EF4-FFF2-40B4-BE49-F238E27FC236}">
+                <a16:creationId xmlns:a16="http://schemas.microsoft.com/office/drawing/2014/main" id="{9C82C7DD-110F-4142-BA9C-1A6F377F9E5C}"/>
+              </a:ext>
+            </a:extLst>
+          </p:cNvPr>
+          <p:cNvSpPr/>
+          <p:nvPr/>
+        </p:nvSpPr>
+        <p:spPr>
+          <a:xfrm rot="4952950">
+            <a:off x="2271098" y="3488635"/>
+            <a:ext cx="402220" cy="386322"/>
+          </a:xfrm>
+          <a:prstGeom prst="arc">
+            <a:avLst/>
+          </a:prstGeom>
+        </p:spPr>
+        <p:style>
+          <a:lnRef idx="1">
+            <a:schemeClr val="accent1"/>
+          </a:lnRef>
+          <a:fillRef idx="0">
+            <a:schemeClr val="accent1"/>
+          </a:fillRef>
+          <a:effectRef idx="0">
+            <a:schemeClr val="accent1"/>
+          </a:effectRef>
+          <a:fontRef idx="minor">
+            <a:schemeClr val="tx1"/>
+          </a:fontRef>
+        </p:style>
+        <p:txBody>
+          <a:bodyPr rtlCol="0" anchor="ctr"/>
+          <a:lstStyle/>
+          <a:p>
+            <a:pPr algn="ctr"/>
+            <a:endParaRPr lang="en-US"/>
+          </a:p>
+        </p:txBody>
+      </p:sp>
+      <p:sp>
+        <p:nvSpPr>
+          <p:cNvPr id="86" name="Arc 85">
+            <a:extLst>
+              <a:ext uri="{FF2B5EF4-FFF2-40B4-BE49-F238E27FC236}">
+                <a16:creationId xmlns:a16="http://schemas.microsoft.com/office/drawing/2014/main" id="{9B7A8AB9-E193-E34E-AE79-DF9078E4198C}"/>
+              </a:ext>
+            </a:extLst>
+          </p:cNvPr>
+          <p:cNvSpPr/>
+          <p:nvPr/>
+        </p:nvSpPr>
+        <p:spPr>
+          <a:xfrm rot="4952950">
+            <a:off x="2961216" y="3486159"/>
+            <a:ext cx="402220" cy="386322"/>
+          </a:xfrm>
+          <a:prstGeom prst="arc">
+            <a:avLst/>
+          </a:prstGeom>
+        </p:spPr>
+        <p:style>
+          <a:lnRef idx="1">
+            <a:schemeClr val="accent1"/>
+          </a:lnRef>
+          <a:fillRef idx="0">
+            <a:schemeClr val="accent1"/>
+          </a:fillRef>
+          <a:effectRef idx="0">
+            <a:schemeClr val="accent1"/>
+          </a:effectRef>
+          <a:fontRef idx="minor">
+            <a:schemeClr val="tx1"/>
+          </a:fontRef>
+        </p:style>
+        <p:txBody>
+          <a:bodyPr rtlCol="0" anchor="ctr"/>
+          <a:lstStyle/>
+          <a:p>
+            <a:pPr algn="ctr"/>
+            <a:endParaRPr lang="en-US"/>
+          </a:p>
+        </p:txBody>
+      </p:sp>
+      <p:sp>
+        <p:nvSpPr>
+          <p:cNvPr id="87" name="Triangle 86">
+            <a:extLst>
+              <a:ext uri="{FF2B5EF4-FFF2-40B4-BE49-F238E27FC236}">
+                <a16:creationId xmlns:a16="http://schemas.microsoft.com/office/drawing/2014/main" id="{C055FA1B-0CB2-D547-8AC8-838CB4D0B836}"/>
+              </a:ext>
+            </a:extLst>
+          </p:cNvPr>
+          <p:cNvSpPr/>
+          <p:nvPr/>
+        </p:nvSpPr>
+        <p:spPr>
+          <a:xfrm rot="5400000">
+            <a:off x="3132539" y="3857490"/>
+            <a:ext cx="45719" cy="45719"/>
+          </a:xfrm>
+          <a:prstGeom prst="triangle">
+            <a:avLst/>
+          </a:prstGeom>
+        </p:spPr>
+        <p:style>
+          <a:lnRef idx="2">
+            <a:schemeClr val="accent1">
+              <a:shade val="50000"/>
+            </a:schemeClr>
+          </a:lnRef>
+          <a:fillRef idx="1">
+            <a:schemeClr val="accent1"/>
+          </a:fillRef>
+          <a:effectRef idx="0">
+            <a:schemeClr val="accent1"/>
+          </a:effectRef>
+          <a:fontRef idx="minor">
+            <a:schemeClr val="lt1"/>
+          </a:fontRef>
+        </p:style>
+        <p:txBody>
+          <a:bodyPr rtlCol="0" anchor="ctr"/>
+          <a:lstStyle/>
+          <a:p>
+            <a:pPr algn="ctr"/>
+            <a:endParaRPr lang="en-US"/>
+          </a:p>
+        </p:txBody>
+      </p:sp>
+      <p:sp>
+        <p:nvSpPr>
+          <p:cNvPr id="88" name="Triangle 87">
+            <a:extLst>
+              <a:ext uri="{FF2B5EF4-FFF2-40B4-BE49-F238E27FC236}">
+                <a16:creationId xmlns:a16="http://schemas.microsoft.com/office/drawing/2014/main" id="{25086157-D9DD-FF4D-BD3C-C6312E08D625}"/>
+              </a:ext>
+            </a:extLst>
+          </p:cNvPr>
+          <p:cNvSpPr/>
+          <p:nvPr/>
+        </p:nvSpPr>
+        <p:spPr>
+          <a:xfrm rot="5400000">
+            <a:off x="1741298" y="3856736"/>
+            <a:ext cx="45719" cy="45719"/>
+          </a:xfrm>
+          <a:prstGeom prst="triangle">
+            <a:avLst/>
+          </a:prstGeom>
+        </p:spPr>
+        <p:style>
+          <a:lnRef idx="2">
+            <a:schemeClr val="accent1">
+              <a:shade val="50000"/>
+            </a:schemeClr>
+          </a:lnRef>
+          <a:fillRef idx="1">
+            <a:schemeClr val="accent1"/>
+          </a:fillRef>
+          <a:effectRef idx="0">
+            <a:schemeClr val="accent1"/>
+          </a:effectRef>
+          <a:fontRef idx="minor">
+            <a:schemeClr val="lt1"/>
+          </a:fontRef>
+        </p:style>
+        <p:txBody>
+          <a:bodyPr rtlCol="0" anchor="ctr"/>
+          <a:lstStyle/>
+          <a:p>
+            <a:pPr algn="ctr"/>
+            <a:endParaRPr lang="en-US"/>
+          </a:p>
+        </p:txBody>
+      </p:sp>
+      <p:sp>
+        <p:nvSpPr>
+          <p:cNvPr id="89" name="Triangle 88">
+            <a:extLst>
+              <a:ext uri="{FF2B5EF4-FFF2-40B4-BE49-F238E27FC236}">
+                <a16:creationId xmlns:a16="http://schemas.microsoft.com/office/drawing/2014/main" id="{BA0A206B-F92B-DC41-9043-597E2DCB88F9}"/>
+              </a:ext>
+            </a:extLst>
+          </p:cNvPr>
+          <p:cNvSpPr/>
+          <p:nvPr/>
+        </p:nvSpPr>
+        <p:spPr>
+          <a:xfrm rot="5400000">
+            <a:off x="2440089" y="3863180"/>
+            <a:ext cx="45719" cy="45719"/>
+          </a:xfrm>
+          <a:prstGeom prst="triangle">
+            <a:avLst/>
+          </a:prstGeom>
+        </p:spPr>
+        <p:style>
+          <a:lnRef idx="2">
+            <a:schemeClr val="accent1">
+              <a:shade val="50000"/>
+            </a:schemeClr>
+          </a:lnRef>
+          <a:fillRef idx="1">
+            <a:schemeClr val="accent1"/>
+          </a:fillRef>
+          <a:effectRef idx="0">
+            <a:schemeClr val="accent1"/>
+          </a:effectRef>
+          <a:fontRef idx="minor">
+            <a:schemeClr val="lt1"/>
+          </a:fontRef>
+        </p:style>
+        <p:txBody>
+          <a:bodyPr rtlCol="0" anchor="ctr"/>
+          <a:lstStyle/>
+          <a:p>
+            <a:pPr algn="ctr"/>
+            <a:endParaRPr lang="en-US"/>
+          </a:p>
+        </p:txBody>
+      </p:sp>
+    </p:spTree>
+    <p:extLst>
+      <p:ext uri="{BB962C8B-B14F-4D97-AF65-F5344CB8AC3E}">
+        <p14:creationId xmlns:p14="http://schemas.microsoft.com/office/powerpoint/2010/main" val="4088485601"/>
+      </p:ext>
+    </p:extLst>
+  </p:cSld>
+  <p:clrMapOvr>
+    <a:masterClrMapping/>
+  </p:clrMapOvr>
+</p:sld>
+</file>
+
 <file path=ppt/theme/theme1.xml><?xml version="1.0" encoding="utf-8"?>
 <a:theme xmlns:a="http://schemas.openxmlformats.org/drawingml/2006/main" name="Office Theme">
   <a:themeElements>

--- a/docs/TransformersIntroFigures.pptx
+++ b/docs/TransformersIntroFigures.pptx
@@ -31312,10 +31312,10 @@
       </p:grpSpPr>
       <p:grpSp>
         <p:nvGrpSpPr>
-          <p:cNvPr id="4" name="Group 3">
+          <p:cNvPr id="163" name="Group 162">
             <a:extLst>
               <a:ext uri="{FF2B5EF4-FFF2-40B4-BE49-F238E27FC236}">
-                <a16:creationId xmlns:a16="http://schemas.microsoft.com/office/drawing/2014/main" id="{43035A86-3D97-9A4F-BD7F-48A6471BF6D1}"/>
+                <a16:creationId xmlns:a16="http://schemas.microsoft.com/office/drawing/2014/main" id="{814663B8-F56A-3D48-9BF8-171C8A2C5128}"/>
               </a:ext>
             </a:extLst>
           </p:cNvPr>
@@ -31324,18 +31324,18 @@
         </p:nvGrpSpPr>
         <p:grpSpPr>
           <a:xfrm>
-            <a:off x="1813932" y="2031559"/>
-            <a:ext cx="317715" cy="301255"/>
-            <a:chOff x="1701234" y="2146852"/>
-            <a:chExt cx="317715" cy="301255"/>
+            <a:off x="994216" y="1624060"/>
+            <a:ext cx="4788169" cy="3096473"/>
+            <a:chOff x="994216" y="1624060"/>
+            <a:chExt cx="4788169" cy="3096473"/>
           </a:xfrm>
         </p:grpSpPr>
         <p:sp>
           <p:nvSpPr>
-            <p:cNvPr id="2" name="Oval 1">
+            <p:cNvPr id="155" name="Rounded Rectangle 154">
               <a:extLst>
                 <a:ext uri="{FF2B5EF4-FFF2-40B4-BE49-F238E27FC236}">
-                  <a16:creationId xmlns:a16="http://schemas.microsoft.com/office/drawing/2014/main" id="{8411F45E-5AB8-FC43-B9E3-3D9E099092A2}"/>
+                  <a16:creationId xmlns:a16="http://schemas.microsoft.com/office/drawing/2014/main" id="{9CE133DD-8AB8-D345-8F8B-1D11E0228F3E}"/>
                 </a:ext>
               </a:extLst>
             </p:cNvPr>
@@ -31344,13 +31344,20 @@
           </p:nvSpPr>
           <p:spPr>
             <a:xfrm>
-              <a:off x="1716455" y="2146852"/>
-              <a:ext cx="287274" cy="301255"/>
+              <a:off x="1549248" y="2593405"/>
+              <a:ext cx="785497" cy="1880624"/>
             </a:xfrm>
-            <a:prstGeom prst="ellipse">
+            <a:prstGeom prst="roundRect">
               <a:avLst/>
             </a:prstGeom>
-            <a:noFill/>
+            <a:solidFill>
+              <a:schemeClr val="accent1">
+                <a:alpha val="17000"/>
+              </a:schemeClr>
+            </a:solidFill>
+            <a:ln w="6350">
+              <a:prstDash val="dash"/>
+            </a:ln>
           </p:spPr>
           <p:style>
             <a:lnRef idx="2">
@@ -31377,14 +31384,3178 @@
             </a:p>
           </p:txBody>
         </p:sp>
+        <p:sp>
+          <p:nvSpPr>
+            <p:cNvPr id="156" name="Rounded Rectangle 155">
+              <a:extLst>
+                <a:ext uri="{FF2B5EF4-FFF2-40B4-BE49-F238E27FC236}">
+                  <a16:creationId xmlns:a16="http://schemas.microsoft.com/office/drawing/2014/main" id="{50AD6932-21D6-5645-BCCB-2347B773FDAB}"/>
+                </a:ext>
+              </a:extLst>
+            </p:cNvPr>
+            <p:cNvSpPr/>
+            <p:nvPr/>
+          </p:nvSpPr>
+          <p:spPr>
+            <a:xfrm>
+              <a:off x="2421615" y="2421360"/>
+              <a:ext cx="1169429" cy="2052669"/>
+            </a:xfrm>
+            <a:prstGeom prst="roundRect">
+              <a:avLst/>
+            </a:prstGeom>
+            <a:solidFill>
+              <a:srgbClr val="FF0000">
+                <a:alpha val="16000"/>
+              </a:srgbClr>
+            </a:solidFill>
+            <a:ln w="6350">
+              <a:prstDash val="dash"/>
+            </a:ln>
+          </p:spPr>
+          <p:style>
+            <a:lnRef idx="2">
+              <a:schemeClr val="accent1">
+                <a:shade val="50000"/>
+              </a:schemeClr>
+            </a:lnRef>
+            <a:fillRef idx="1">
+              <a:schemeClr val="accent1"/>
+            </a:fillRef>
+            <a:effectRef idx="0">
+              <a:schemeClr val="accent1"/>
+            </a:effectRef>
+            <a:fontRef idx="minor">
+              <a:schemeClr val="lt1"/>
+            </a:fontRef>
+          </p:style>
+          <p:txBody>
+            <a:bodyPr rtlCol="0" anchor="ctr"/>
+            <a:lstStyle/>
+            <a:p>
+              <a:pPr algn="ctr"/>
+              <a:endParaRPr lang="en-US"/>
+            </a:p>
+          </p:txBody>
+        </p:sp>
+        <p:sp>
+          <p:nvSpPr>
+            <p:cNvPr id="158" name="Rounded Rectangle 157">
+              <a:extLst>
+                <a:ext uri="{FF2B5EF4-FFF2-40B4-BE49-F238E27FC236}">
+                  <a16:creationId xmlns:a16="http://schemas.microsoft.com/office/drawing/2014/main" id="{2F207CA6-695A-BB49-8591-FBA0614DA51E}"/>
+                </a:ext>
+              </a:extLst>
+            </p:cNvPr>
+            <p:cNvSpPr/>
+            <p:nvPr/>
+          </p:nvSpPr>
+          <p:spPr>
+            <a:xfrm>
+              <a:off x="3775166" y="2031559"/>
+              <a:ext cx="1239924" cy="2105695"/>
+            </a:xfrm>
+            <a:prstGeom prst="roundRect">
+              <a:avLst/>
+            </a:prstGeom>
+            <a:solidFill>
+              <a:schemeClr val="accent6">
+                <a:alpha val="19000"/>
+              </a:schemeClr>
+            </a:solidFill>
+            <a:ln w="6350">
+              <a:prstDash val="dash"/>
+            </a:ln>
+          </p:spPr>
+          <p:style>
+            <a:lnRef idx="2">
+              <a:schemeClr val="accent1">
+                <a:shade val="50000"/>
+              </a:schemeClr>
+            </a:lnRef>
+            <a:fillRef idx="1">
+              <a:schemeClr val="accent1"/>
+            </a:fillRef>
+            <a:effectRef idx="0">
+              <a:schemeClr val="accent1"/>
+            </a:effectRef>
+            <a:fontRef idx="minor">
+              <a:schemeClr val="lt1"/>
+            </a:fontRef>
+          </p:style>
+          <p:txBody>
+            <a:bodyPr rtlCol="0" anchor="ctr"/>
+            <a:lstStyle/>
+            <a:p>
+              <a:pPr algn="ctr"/>
+              <a:endParaRPr lang="en-US"/>
+            </a:p>
+          </p:txBody>
+        </p:sp>
+        <p:sp>
+          <p:nvSpPr>
+            <p:cNvPr id="157" name="Rounded Rectangle 156">
+              <a:extLst>
+                <a:ext uri="{FF2B5EF4-FFF2-40B4-BE49-F238E27FC236}">
+                  <a16:creationId xmlns:a16="http://schemas.microsoft.com/office/drawing/2014/main" id="{FFA9729B-5CA8-B641-9EE6-BCED41DCF4D5}"/>
+                </a:ext>
+              </a:extLst>
+            </p:cNvPr>
+            <p:cNvSpPr/>
+            <p:nvPr/>
+          </p:nvSpPr>
+          <p:spPr>
+            <a:xfrm>
+              <a:off x="1652513" y="1995342"/>
+              <a:ext cx="2004059" cy="382363"/>
+            </a:xfrm>
+            <a:prstGeom prst="roundRect">
+              <a:avLst/>
+            </a:prstGeom>
+            <a:solidFill>
+              <a:schemeClr val="bg2">
+                <a:alpha val="19000"/>
+              </a:schemeClr>
+            </a:solidFill>
+            <a:ln w="6350">
+              <a:prstDash val="dash"/>
+            </a:ln>
+          </p:spPr>
+          <p:style>
+            <a:lnRef idx="2">
+              <a:schemeClr val="accent1">
+                <a:shade val="50000"/>
+              </a:schemeClr>
+            </a:lnRef>
+            <a:fillRef idx="1">
+              <a:schemeClr val="accent1"/>
+            </a:fillRef>
+            <a:effectRef idx="0">
+              <a:schemeClr val="accent1"/>
+            </a:effectRef>
+            <a:fontRef idx="minor">
+              <a:schemeClr val="lt1"/>
+            </a:fontRef>
+          </p:style>
+          <p:txBody>
+            <a:bodyPr rtlCol="0" anchor="ctr"/>
+            <a:lstStyle/>
+            <a:p>
+              <a:pPr algn="ctr"/>
+              <a:endParaRPr lang="en-US"/>
+            </a:p>
+          </p:txBody>
+        </p:sp>
+        <p:grpSp>
+          <p:nvGrpSpPr>
+            <p:cNvPr id="4" name="Group 3">
+              <a:extLst>
+                <a:ext uri="{FF2B5EF4-FFF2-40B4-BE49-F238E27FC236}">
+                  <a16:creationId xmlns:a16="http://schemas.microsoft.com/office/drawing/2014/main" id="{43035A86-3D97-9A4F-BD7F-48A6471BF6D1}"/>
+                </a:ext>
+              </a:extLst>
+            </p:cNvPr>
+            <p:cNvGrpSpPr/>
+            <p:nvPr/>
+          </p:nvGrpSpPr>
+          <p:grpSpPr>
+            <a:xfrm>
+              <a:off x="1813932" y="2031559"/>
+              <a:ext cx="317715" cy="301255"/>
+              <a:chOff x="1701234" y="2146852"/>
+              <a:chExt cx="317715" cy="301255"/>
+            </a:xfrm>
+          </p:grpSpPr>
+          <p:sp>
+            <p:nvSpPr>
+              <p:cNvPr id="2" name="Oval 1">
+                <a:extLst>
+                  <a:ext uri="{FF2B5EF4-FFF2-40B4-BE49-F238E27FC236}">
+                    <a16:creationId xmlns:a16="http://schemas.microsoft.com/office/drawing/2014/main" id="{8411F45E-5AB8-FC43-B9E3-3D9E099092A2}"/>
+                  </a:ext>
+                </a:extLst>
+              </p:cNvPr>
+              <p:cNvSpPr/>
+              <p:nvPr/>
+            </p:nvSpPr>
+            <p:spPr>
+              <a:xfrm>
+                <a:off x="1716455" y="2146852"/>
+                <a:ext cx="287274" cy="301255"/>
+              </a:xfrm>
+              <a:prstGeom prst="ellipse">
+                <a:avLst/>
+              </a:prstGeom>
+              <a:noFill/>
+            </p:spPr>
+            <p:style>
+              <a:lnRef idx="2">
+                <a:schemeClr val="accent1">
+                  <a:shade val="50000"/>
+                </a:schemeClr>
+              </a:lnRef>
+              <a:fillRef idx="1">
+                <a:schemeClr val="accent1"/>
+              </a:fillRef>
+              <a:effectRef idx="0">
+                <a:schemeClr val="accent1"/>
+              </a:effectRef>
+              <a:fontRef idx="minor">
+                <a:schemeClr val="lt1"/>
+              </a:fontRef>
+            </p:style>
+            <p:txBody>
+              <a:bodyPr rtlCol="0" anchor="ctr"/>
+              <a:lstStyle/>
+              <a:p>
+                <a:pPr algn="ctr"/>
+                <a:endParaRPr lang="en-US"/>
+              </a:p>
+            </p:txBody>
+          </p:sp>
+          <mc:AlternateContent xmlns:mc="http://schemas.openxmlformats.org/markup-compatibility/2006">
+            <mc:Choice xmlns:a14="http://schemas.microsoft.com/office/drawing/2010/main" Requires="a14">
+              <p:sp>
+                <p:nvSpPr>
+                  <p:cNvPr id="3" name="TextBox 2">
+                    <a:extLst>
+                      <a:ext uri="{FF2B5EF4-FFF2-40B4-BE49-F238E27FC236}">
+                        <a16:creationId xmlns:a16="http://schemas.microsoft.com/office/drawing/2014/main" id="{C2D3DD71-0D12-BA4A-86DC-C441B680093A}"/>
+                      </a:ext>
+                    </a:extLst>
+                  </p:cNvPr>
+                  <p:cNvSpPr txBox="1"/>
+                  <p:nvPr/>
+                </p:nvSpPr>
+                <p:spPr>
+                  <a:xfrm>
+                    <a:off x="1701234" y="2166674"/>
+                    <a:ext cx="317715" cy="261610"/>
+                  </a:xfrm>
+                  <a:prstGeom prst="rect">
+                    <a:avLst/>
+                  </a:prstGeom>
+                  <a:noFill/>
+                </p:spPr>
+                <p:txBody>
+                  <a:bodyPr wrap="none" rtlCol="0">
+                    <a:spAutoFit/>
+                  </a:bodyPr>
+                  <a:lstStyle/>
+                  <a:p>
+                    <a14:m>
+                      <m:oMathPara xmlns:m="http://schemas.openxmlformats.org/officeDocument/2006/math">
+                        <m:oMathParaPr>
+                          <m:jc m:val="centerGroup"/>
+                        </m:oMathParaPr>
+                        <m:oMath xmlns:m="http://schemas.openxmlformats.org/officeDocument/2006/math">
+                          <m:r>
+                            <a:rPr lang="en-US" sz="1100" i="1" smtClean="0">
+                              <a:latin typeface="Cambria Math" panose="02040503050406030204" pitchFamily="18" charset="0"/>
+                              <a:ea typeface="Cambria Math" panose="02040503050406030204" pitchFamily="18" charset="0"/>
+                            </a:rPr>
+                            <m:t>×</m:t>
+                          </m:r>
+                        </m:oMath>
+                      </m:oMathPara>
+                    </a14:m>
+                    <a:endParaRPr lang="en-US" sz="1100" dirty="0"/>
+                  </a:p>
+                </p:txBody>
+              </p:sp>
+            </mc:Choice>
+            <mc:Fallback>
+              <p:sp>
+                <p:nvSpPr>
+                  <p:cNvPr id="3" name="TextBox 2">
+                    <a:extLst>
+                      <a:ext uri="{FF2B5EF4-FFF2-40B4-BE49-F238E27FC236}">
+                        <a16:creationId xmlns:a16="http://schemas.microsoft.com/office/drawing/2014/main" id="{C2D3DD71-0D12-BA4A-86DC-C441B680093A}"/>
+                      </a:ext>
+                    </a:extLst>
+                  </p:cNvPr>
+                  <p:cNvSpPr txBox="1">
+                    <a:spLocks noRot="1" noChangeAspect="1" noMove="1" noResize="1" noEditPoints="1" noAdjustHandles="1" noChangeArrowheads="1" noChangeShapeType="1" noTextEdit="1"/>
+                  </p:cNvSpPr>
+                  <p:nvPr/>
+                </p:nvSpPr>
+                <p:spPr>
+                  <a:xfrm>
+                    <a:off x="1701234" y="2166674"/>
+                    <a:ext cx="317715" cy="261610"/>
+                  </a:xfrm>
+                  <a:prstGeom prst="rect">
+                    <a:avLst/>
+                  </a:prstGeom>
+                  <a:blipFill>
+                    <a:blip r:embed="rId2"/>
+                    <a:stretch>
+                      <a:fillRect/>
+                    </a:stretch>
+                  </a:blipFill>
+                </p:spPr>
+                <p:txBody>
+                  <a:bodyPr/>
+                  <a:lstStyle/>
+                  <a:p>
+                    <a:r>
+                      <a:rPr lang="en-US">
+                        <a:noFill/>
+                      </a:rPr>
+                      <a:t> </a:t>
+                    </a:r>
+                  </a:p>
+                </p:txBody>
+              </p:sp>
+            </mc:Fallback>
+          </mc:AlternateContent>
+        </p:grpSp>
+        <p:grpSp>
+          <p:nvGrpSpPr>
+            <p:cNvPr id="7" name="Group 6">
+              <a:extLst>
+                <a:ext uri="{FF2B5EF4-FFF2-40B4-BE49-F238E27FC236}">
+                  <a16:creationId xmlns:a16="http://schemas.microsoft.com/office/drawing/2014/main" id="{DF1B0C0D-3510-184A-8455-A55B97E42C58}"/>
+                </a:ext>
+              </a:extLst>
+            </p:cNvPr>
+            <p:cNvGrpSpPr/>
+            <p:nvPr/>
+          </p:nvGrpSpPr>
+          <p:grpSpPr>
+            <a:xfrm>
+              <a:off x="1794273" y="3118296"/>
+              <a:ext cx="372806" cy="301255"/>
+              <a:chOff x="1794273" y="3118296"/>
+              <a:chExt cx="372806" cy="301255"/>
+            </a:xfrm>
+          </p:grpSpPr>
+          <p:sp>
+            <p:nvSpPr>
+              <p:cNvPr id="5" name="Rectangle 4">
+                <a:extLst>
+                  <a:ext uri="{FF2B5EF4-FFF2-40B4-BE49-F238E27FC236}">
+                    <a16:creationId xmlns:a16="http://schemas.microsoft.com/office/drawing/2014/main" id="{16507069-B0B8-134E-88C3-33DCD40DBCF9}"/>
+                  </a:ext>
+                </a:extLst>
+              </p:cNvPr>
+              <p:cNvSpPr/>
+              <p:nvPr/>
+            </p:nvSpPr>
+            <p:spPr>
+              <a:xfrm>
+                <a:off x="1794273" y="3118296"/>
+                <a:ext cx="372806" cy="301255"/>
+              </a:xfrm>
+              <a:prstGeom prst="rect">
+                <a:avLst/>
+              </a:prstGeom>
+              <a:noFill/>
+            </p:spPr>
+            <p:style>
+              <a:lnRef idx="2">
+                <a:schemeClr val="accent1">
+                  <a:shade val="50000"/>
+                </a:schemeClr>
+              </a:lnRef>
+              <a:fillRef idx="1">
+                <a:schemeClr val="accent1"/>
+              </a:fillRef>
+              <a:effectRef idx="0">
+                <a:schemeClr val="accent1"/>
+              </a:effectRef>
+              <a:fontRef idx="minor">
+                <a:schemeClr val="lt1"/>
+              </a:fontRef>
+            </p:style>
+            <p:txBody>
+              <a:bodyPr rtlCol="0" anchor="ctr"/>
+              <a:lstStyle/>
+              <a:p>
+                <a:pPr algn="ctr"/>
+                <a:endParaRPr lang="en-US"/>
+              </a:p>
+            </p:txBody>
+          </p:sp>
+          <mc:AlternateContent xmlns:mc="http://schemas.openxmlformats.org/markup-compatibility/2006">
+            <mc:Choice xmlns:a14="http://schemas.microsoft.com/office/drawing/2010/main" Requires="a14">
+              <p:sp>
+                <p:nvSpPr>
+                  <p:cNvPr id="6" name="TextBox 5">
+                    <a:extLst>
+                      <a:ext uri="{FF2B5EF4-FFF2-40B4-BE49-F238E27FC236}">
+                        <a16:creationId xmlns:a16="http://schemas.microsoft.com/office/drawing/2014/main" id="{BE094DC4-0ABA-F046-93FA-3D551C7D3680}"/>
+                      </a:ext>
+                    </a:extLst>
+                  </p:cNvPr>
+                  <p:cNvSpPr txBox="1"/>
+                  <p:nvPr/>
+                </p:nvSpPr>
+                <p:spPr>
+                  <a:xfrm>
+                    <a:off x="1829705" y="3118296"/>
+                    <a:ext cx="301942" cy="261610"/>
+                  </a:xfrm>
+                  <a:prstGeom prst="rect">
+                    <a:avLst/>
+                  </a:prstGeom>
+                  <a:noFill/>
+                </p:spPr>
+                <p:txBody>
+                  <a:bodyPr wrap="none" rtlCol="0">
+                    <a:spAutoFit/>
+                  </a:bodyPr>
+                  <a:lstStyle/>
+                  <a:p>
+                    <a14:m>
+                      <m:oMathPara xmlns:m="http://schemas.openxmlformats.org/officeDocument/2006/math">
+                        <m:oMathParaPr>
+                          <m:jc m:val="centerGroup"/>
+                        </m:oMathParaPr>
+                        <m:oMath xmlns:m="http://schemas.openxmlformats.org/officeDocument/2006/math">
+                          <m:r>
+                            <a:rPr lang="en-US" sz="1100" i="1" smtClean="0">
+                              <a:latin typeface="Cambria Math" panose="02040503050406030204" pitchFamily="18" charset="0"/>
+                              <a:ea typeface="Cambria Math" panose="02040503050406030204" pitchFamily="18" charset="0"/>
+                            </a:rPr>
+                            <m:t>𝜎</m:t>
+                          </m:r>
+                        </m:oMath>
+                      </m:oMathPara>
+                    </a14:m>
+                    <a:endParaRPr lang="en-US" sz="1100" dirty="0"/>
+                  </a:p>
+                </p:txBody>
+              </p:sp>
+            </mc:Choice>
+            <mc:Fallback>
+              <p:sp>
+                <p:nvSpPr>
+                  <p:cNvPr id="6" name="TextBox 5">
+                    <a:extLst>
+                      <a:ext uri="{FF2B5EF4-FFF2-40B4-BE49-F238E27FC236}">
+                        <a16:creationId xmlns:a16="http://schemas.microsoft.com/office/drawing/2014/main" id="{BE094DC4-0ABA-F046-93FA-3D551C7D3680}"/>
+                      </a:ext>
+                    </a:extLst>
+                  </p:cNvPr>
+                  <p:cNvSpPr txBox="1">
+                    <a:spLocks noRot="1" noChangeAspect="1" noMove="1" noResize="1" noEditPoints="1" noAdjustHandles="1" noChangeArrowheads="1" noChangeShapeType="1" noTextEdit="1"/>
+                  </p:cNvSpPr>
+                  <p:nvPr/>
+                </p:nvSpPr>
+                <p:spPr>
+                  <a:xfrm>
+                    <a:off x="1829705" y="3118296"/>
+                    <a:ext cx="301942" cy="261610"/>
+                  </a:xfrm>
+                  <a:prstGeom prst="rect">
+                    <a:avLst/>
+                  </a:prstGeom>
+                  <a:blipFill>
+                    <a:blip r:embed="rId3"/>
+                    <a:stretch>
+                      <a:fillRect/>
+                    </a:stretch>
+                  </a:blipFill>
+                </p:spPr>
+                <p:txBody>
+                  <a:bodyPr/>
+                  <a:lstStyle/>
+                  <a:p>
+                    <a:r>
+                      <a:rPr lang="en-US">
+                        <a:noFill/>
+                      </a:rPr>
+                      <a:t> </a:t>
+                    </a:r>
+                  </a:p>
+                </p:txBody>
+              </p:sp>
+            </mc:Fallback>
+          </mc:AlternateContent>
+        </p:grpSp>
+        <p:grpSp>
+          <p:nvGrpSpPr>
+            <p:cNvPr id="8" name="Group 7">
+              <a:extLst>
+                <a:ext uri="{FF2B5EF4-FFF2-40B4-BE49-F238E27FC236}">
+                  <a16:creationId xmlns:a16="http://schemas.microsoft.com/office/drawing/2014/main" id="{6701E5C8-CB3C-3541-87E4-BFB3F36F51FB}"/>
+                </a:ext>
+              </a:extLst>
+            </p:cNvPr>
+            <p:cNvGrpSpPr/>
+            <p:nvPr/>
+          </p:nvGrpSpPr>
+          <p:grpSpPr>
+            <a:xfrm>
+              <a:off x="2478222" y="3113291"/>
+              <a:ext cx="372806" cy="301255"/>
+              <a:chOff x="1794273" y="3118296"/>
+              <a:chExt cx="372806" cy="301255"/>
+            </a:xfrm>
+          </p:grpSpPr>
+          <p:sp>
+            <p:nvSpPr>
+              <p:cNvPr id="9" name="Rectangle 8">
+                <a:extLst>
+                  <a:ext uri="{FF2B5EF4-FFF2-40B4-BE49-F238E27FC236}">
+                    <a16:creationId xmlns:a16="http://schemas.microsoft.com/office/drawing/2014/main" id="{BC6420CD-7E7B-ED42-9BE2-54F94DE60BFA}"/>
+                  </a:ext>
+                </a:extLst>
+              </p:cNvPr>
+              <p:cNvSpPr/>
+              <p:nvPr/>
+            </p:nvSpPr>
+            <p:spPr>
+              <a:xfrm>
+                <a:off x="1794273" y="3118296"/>
+                <a:ext cx="372806" cy="301255"/>
+              </a:xfrm>
+              <a:prstGeom prst="rect">
+                <a:avLst/>
+              </a:prstGeom>
+              <a:noFill/>
+            </p:spPr>
+            <p:style>
+              <a:lnRef idx="2">
+                <a:schemeClr val="accent1">
+                  <a:shade val="50000"/>
+                </a:schemeClr>
+              </a:lnRef>
+              <a:fillRef idx="1">
+                <a:schemeClr val="accent1"/>
+              </a:fillRef>
+              <a:effectRef idx="0">
+                <a:schemeClr val="accent1"/>
+              </a:effectRef>
+              <a:fontRef idx="minor">
+                <a:schemeClr val="lt1"/>
+              </a:fontRef>
+            </p:style>
+            <p:txBody>
+              <a:bodyPr rtlCol="0" anchor="ctr"/>
+              <a:lstStyle/>
+              <a:p>
+                <a:pPr algn="ctr"/>
+                <a:endParaRPr lang="en-US"/>
+              </a:p>
+            </p:txBody>
+          </p:sp>
+          <mc:AlternateContent xmlns:mc="http://schemas.openxmlformats.org/markup-compatibility/2006">
+            <mc:Choice xmlns:a14="http://schemas.microsoft.com/office/drawing/2010/main" Requires="a14">
+              <p:sp>
+                <p:nvSpPr>
+                  <p:cNvPr id="10" name="TextBox 9">
+                    <a:extLst>
+                      <a:ext uri="{FF2B5EF4-FFF2-40B4-BE49-F238E27FC236}">
+                        <a16:creationId xmlns:a16="http://schemas.microsoft.com/office/drawing/2014/main" id="{9DE80389-C6FD-154A-AB3C-52550FF541C0}"/>
+                      </a:ext>
+                    </a:extLst>
+                  </p:cNvPr>
+                  <p:cNvSpPr txBox="1"/>
+                  <p:nvPr/>
+                </p:nvSpPr>
+                <p:spPr>
+                  <a:xfrm>
+                    <a:off x="1829705" y="3118296"/>
+                    <a:ext cx="301942" cy="261610"/>
+                  </a:xfrm>
+                  <a:prstGeom prst="rect">
+                    <a:avLst/>
+                  </a:prstGeom>
+                  <a:noFill/>
+                </p:spPr>
+                <p:txBody>
+                  <a:bodyPr wrap="none" rtlCol="0">
+                    <a:spAutoFit/>
+                  </a:bodyPr>
+                  <a:lstStyle/>
+                  <a:p>
+                    <a14:m>
+                      <m:oMathPara xmlns:m="http://schemas.openxmlformats.org/officeDocument/2006/math">
+                        <m:oMathParaPr>
+                          <m:jc m:val="centerGroup"/>
+                        </m:oMathParaPr>
+                        <m:oMath xmlns:m="http://schemas.openxmlformats.org/officeDocument/2006/math">
+                          <m:r>
+                            <a:rPr lang="en-US" sz="1100" i="1" smtClean="0">
+                              <a:latin typeface="Cambria Math" panose="02040503050406030204" pitchFamily="18" charset="0"/>
+                              <a:ea typeface="Cambria Math" panose="02040503050406030204" pitchFamily="18" charset="0"/>
+                            </a:rPr>
+                            <m:t>𝜎</m:t>
+                          </m:r>
+                        </m:oMath>
+                      </m:oMathPara>
+                    </a14:m>
+                    <a:endParaRPr lang="en-US" sz="1100" dirty="0"/>
+                  </a:p>
+                </p:txBody>
+              </p:sp>
+            </mc:Choice>
+            <mc:Fallback>
+              <p:sp>
+                <p:nvSpPr>
+                  <p:cNvPr id="10" name="TextBox 9">
+                    <a:extLst>
+                      <a:ext uri="{FF2B5EF4-FFF2-40B4-BE49-F238E27FC236}">
+                        <a16:creationId xmlns:a16="http://schemas.microsoft.com/office/drawing/2014/main" id="{9DE80389-C6FD-154A-AB3C-52550FF541C0}"/>
+                      </a:ext>
+                    </a:extLst>
+                  </p:cNvPr>
+                  <p:cNvSpPr txBox="1">
+                    <a:spLocks noRot="1" noChangeAspect="1" noMove="1" noResize="1" noEditPoints="1" noAdjustHandles="1" noChangeArrowheads="1" noChangeShapeType="1" noTextEdit="1"/>
+                  </p:cNvSpPr>
+                  <p:nvPr/>
+                </p:nvSpPr>
+                <p:spPr>
+                  <a:xfrm>
+                    <a:off x="1829705" y="3118296"/>
+                    <a:ext cx="301942" cy="261610"/>
+                  </a:xfrm>
+                  <a:prstGeom prst="rect">
+                    <a:avLst/>
+                  </a:prstGeom>
+                  <a:blipFill>
+                    <a:blip r:embed="rId4"/>
+                    <a:stretch>
+                      <a:fillRect/>
+                    </a:stretch>
+                  </a:blipFill>
+                </p:spPr>
+                <p:txBody>
+                  <a:bodyPr/>
+                  <a:lstStyle/>
+                  <a:p>
+                    <a:r>
+                      <a:rPr lang="en-US">
+                        <a:noFill/>
+                      </a:rPr>
+                      <a:t> </a:t>
+                    </a:r>
+                  </a:p>
+                </p:txBody>
+              </p:sp>
+            </mc:Fallback>
+          </mc:AlternateContent>
+        </p:grpSp>
+        <p:grpSp>
+          <p:nvGrpSpPr>
+            <p:cNvPr id="11" name="Group 10">
+              <a:extLst>
+                <a:ext uri="{FF2B5EF4-FFF2-40B4-BE49-F238E27FC236}">
+                  <a16:creationId xmlns:a16="http://schemas.microsoft.com/office/drawing/2014/main" id="{460B4B26-7B07-354D-A650-851B3A214C72}"/>
+                </a:ext>
+              </a:extLst>
+            </p:cNvPr>
+            <p:cNvGrpSpPr/>
+            <p:nvPr/>
+          </p:nvGrpSpPr>
+          <p:grpSpPr>
+            <a:xfrm>
+              <a:off x="3197603" y="2031559"/>
+              <a:ext cx="322524" cy="301255"/>
+              <a:chOff x="1701234" y="2146852"/>
+              <a:chExt cx="322524" cy="301255"/>
+            </a:xfrm>
+          </p:grpSpPr>
+          <p:sp>
+            <p:nvSpPr>
+              <p:cNvPr id="12" name="Oval 11">
+                <a:extLst>
+                  <a:ext uri="{FF2B5EF4-FFF2-40B4-BE49-F238E27FC236}">
+                    <a16:creationId xmlns:a16="http://schemas.microsoft.com/office/drawing/2014/main" id="{A53300AD-20D0-4643-BE5E-E3DDCC22ADAF}"/>
+                  </a:ext>
+                </a:extLst>
+              </p:cNvPr>
+              <p:cNvSpPr/>
+              <p:nvPr/>
+            </p:nvSpPr>
+            <p:spPr>
+              <a:xfrm>
+                <a:off x="1716455" y="2146852"/>
+                <a:ext cx="287274" cy="301255"/>
+              </a:xfrm>
+              <a:prstGeom prst="ellipse">
+                <a:avLst/>
+              </a:prstGeom>
+              <a:noFill/>
+            </p:spPr>
+            <p:style>
+              <a:lnRef idx="2">
+                <a:schemeClr val="accent1">
+                  <a:shade val="50000"/>
+                </a:schemeClr>
+              </a:lnRef>
+              <a:fillRef idx="1">
+                <a:schemeClr val="accent1"/>
+              </a:fillRef>
+              <a:effectRef idx="0">
+                <a:schemeClr val="accent1"/>
+              </a:effectRef>
+              <a:fontRef idx="minor">
+                <a:schemeClr val="lt1"/>
+              </a:fontRef>
+            </p:style>
+            <p:txBody>
+              <a:bodyPr rtlCol="0" anchor="ctr"/>
+              <a:lstStyle/>
+              <a:p>
+                <a:pPr algn="ctr"/>
+                <a:endParaRPr lang="en-US"/>
+              </a:p>
+            </p:txBody>
+          </p:sp>
+          <mc:AlternateContent xmlns:mc="http://schemas.openxmlformats.org/markup-compatibility/2006">
+            <mc:Choice xmlns:a14="http://schemas.microsoft.com/office/drawing/2010/main" Requires="a14">
+              <p:sp>
+                <p:nvSpPr>
+                  <p:cNvPr id="13" name="TextBox 12">
+                    <a:extLst>
+                      <a:ext uri="{FF2B5EF4-FFF2-40B4-BE49-F238E27FC236}">
+                        <a16:creationId xmlns:a16="http://schemas.microsoft.com/office/drawing/2014/main" id="{9F1F0EC7-0847-864A-B080-F37FF716C1E4}"/>
+                      </a:ext>
+                    </a:extLst>
+                  </p:cNvPr>
+                  <p:cNvSpPr txBox="1"/>
+                  <p:nvPr/>
+                </p:nvSpPr>
+                <p:spPr>
+                  <a:xfrm>
+                    <a:off x="1701234" y="2166674"/>
+                    <a:ext cx="322524" cy="261610"/>
+                  </a:xfrm>
+                  <a:prstGeom prst="rect">
+                    <a:avLst/>
+                  </a:prstGeom>
+                  <a:noFill/>
+                </p:spPr>
+                <p:txBody>
+                  <a:bodyPr wrap="none" rtlCol="0">
+                    <a:spAutoFit/>
+                  </a:bodyPr>
+                  <a:lstStyle/>
+                  <a:p>
+                    <a14:m>
+                      <m:oMathPara xmlns:m="http://schemas.openxmlformats.org/officeDocument/2006/math">
+                        <m:oMathParaPr>
+                          <m:jc m:val="centerGroup"/>
+                        </m:oMathParaPr>
+                        <m:oMath xmlns:m="http://schemas.openxmlformats.org/officeDocument/2006/math">
+                          <m:r>
+                            <a:rPr lang="en-US" sz="1100" b="0" i="1" smtClean="0">
+                              <a:latin typeface="Cambria Math" panose="02040503050406030204" pitchFamily="18" charset="0"/>
+                              <a:ea typeface="Cambria Math" panose="02040503050406030204" pitchFamily="18" charset="0"/>
+                            </a:rPr>
+                            <m:t>+</m:t>
+                          </m:r>
+                        </m:oMath>
+                      </m:oMathPara>
+                    </a14:m>
+                    <a:endParaRPr lang="en-US" sz="1100" dirty="0"/>
+                  </a:p>
+                </p:txBody>
+              </p:sp>
+            </mc:Choice>
+            <mc:Fallback>
+              <p:sp>
+                <p:nvSpPr>
+                  <p:cNvPr id="13" name="TextBox 12">
+                    <a:extLst>
+                      <a:ext uri="{FF2B5EF4-FFF2-40B4-BE49-F238E27FC236}">
+                        <a16:creationId xmlns:a16="http://schemas.microsoft.com/office/drawing/2014/main" id="{9F1F0EC7-0847-864A-B080-F37FF716C1E4}"/>
+                      </a:ext>
+                    </a:extLst>
+                  </p:cNvPr>
+                  <p:cNvSpPr txBox="1">
+                    <a:spLocks noRot="1" noChangeAspect="1" noMove="1" noResize="1" noEditPoints="1" noAdjustHandles="1" noChangeArrowheads="1" noChangeShapeType="1" noTextEdit="1"/>
+                  </p:cNvSpPr>
+                  <p:nvPr/>
+                </p:nvSpPr>
+                <p:spPr>
+                  <a:xfrm>
+                    <a:off x="1701234" y="2166674"/>
+                    <a:ext cx="322524" cy="261610"/>
+                  </a:xfrm>
+                  <a:prstGeom prst="rect">
+                    <a:avLst/>
+                  </a:prstGeom>
+                  <a:blipFill>
+                    <a:blip r:embed="rId5"/>
+                    <a:stretch>
+                      <a:fillRect/>
+                    </a:stretch>
+                  </a:blipFill>
+                </p:spPr>
+                <p:txBody>
+                  <a:bodyPr/>
+                  <a:lstStyle/>
+                  <a:p>
+                    <a:r>
+                      <a:rPr lang="en-US">
+                        <a:noFill/>
+                      </a:rPr>
+                      <a:t> </a:t>
+                    </a:r>
+                  </a:p>
+                </p:txBody>
+              </p:sp>
+            </mc:Fallback>
+          </mc:AlternateContent>
+        </p:grpSp>
+        <p:grpSp>
+          <p:nvGrpSpPr>
+            <p:cNvPr id="14" name="Group 13">
+              <a:extLst>
+                <a:ext uri="{FF2B5EF4-FFF2-40B4-BE49-F238E27FC236}">
+                  <a16:creationId xmlns:a16="http://schemas.microsoft.com/office/drawing/2014/main" id="{AA9D4F97-CD00-1A40-9ABE-921F5993B19F}"/>
+                </a:ext>
+              </a:extLst>
+            </p:cNvPr>
+            <p:cNvGrpSpPr/>
+            <p:nvPr/>
+          </p:nvGrpSpPr>
+          <p:grpSpPr>
+            <a:xfrm>
+              <a:off x="3202412" y="2490084"/>
+              <a:ext cx="317715" cy="301255"/>
+              <a:chOff x="1701234" y="2146852"/>
+              <a:chExt cx="317715" cy="301255"/>
+            </a:xfrm>
+          </p:grpSpPr>
+          <p:sp>
+            <p:nvSpPr>
+              <p:cNvPr id="15" name="Oval 14">
+                <a:extLst>
+                  <a:ext uri="{FF2B5EF4-FFF2-40B4-BE49-F238E27FC236}">
+                    <a16:creationId xmlns:a16="http://schemas.microsoft.com/office/drawing/2014/main" id="{9056AFFD-6114-AB46-9D12-42F173B79B9E}"/>
+                  </a:ext>
+                </a:extLst>
+              </p:cNvPr>
+              <p:cNvSpPr/>
+              <p:nvPr/>
+            </p:nvSpPr>
+            <p:spPr>
+              <a:xfrm>
+                <a:off x="1716455" y="2146852"/>
+                <a:ext cx="287274" cy="301255"/>
+              </a:xfrm>
+              <a:prstGeom prst="ellipse">
+                <a:avLst/>
+              </a:prstGeom>
+              <a:noFill/>
+            </p:spPr>
+            <p:style>
+              <a:lnRef idx="2">
+                <a:schemeClr val="accent1">
+                  <a:shade val="50000"/>
+                </a:schemeClr>
+              </a:lnRef>
+              <a:fillRef idx="1">
+                <a:schemeClr val="accent1"/>
+              </a:fillRef>
+              <a:effectRef idx="0">
+                <a:schemeClr val="accent1"/>
+              </a:effectRef>
+              <a:fontRef idx="minor">
+                <a:schemeClr val="lt1"/>
+              </a:fontRef>
+            </p:style>
+            <p:txBody>
+              <a:bodyPr rtlCol="0" anchor="ctr"/>
+              <a:lstStyle/>
+              <a:p>
+                <a:pPr algn="ctr"/>
+                <a:endParaRPr lang="en-US"/>
+              </a:p>
+            </p:txBody>
+          </p:sp>
+          <mc:AlternateContent xmlns:mc="http://schemas.openxmlformats.org/markup-compatibility/2006">
+            <mc:Choice xmlns:a14="http://schemas.microsoft.com/office/drawing/2010/main" Requires="a14">
+              <p:sp>
+                <p:nvSpPr>
+                  <p:cNvPr id="16" name="TextBox 15">
+                    <a:extLst>
+                      <a:ext uri="{FF2B5EF4-FFF2-40B4-BE49-F238E27FC236}">
+                        <a16:creationId xmlns:a16="http://schemas.microsoft.com/office/drawing/2014/main" id="{3980640F-EC46-B148-8AC8-A3C4B333A1B1}"/>
+                      </a:ext>
+                    </a:extLst>
+                  </p:cNvPr>
+                  <p:cNvSpPr txBox="1"/>
+                  <p:nvPr/>
+                </p:nvSpPr>
+                <p:spPr>
+                  <a:xfrm>
+                    <a:off x="1701234" y="2166674"/>
+                    <a:ext cx="317715" cy="261610"/>
+                  </a:xfrm>
+                  <a:prstGeom prst="rect">
+                    <a:avLst/>
+                  </a:prstGeom>
+                  <a:noFill/>
+                </p:spPr>
+                <p:txBody>
+                  <a:bodyPr wrap="none" rtlCol="0">
+                    <a:spAutoFit/>
+                  </a:bodyPr>
+                  <a:lstStyle/>
+                  <a:p>
+                    <a14:m>
+                      <m:oMathPara xmlns:m="http://schemas.openxmlformats.org/officeDocument/2006/math">
+                        <m:oMathParaPr>
+                          <m:jc m:val="centerGroup"/>
+                        </m:oMathParaPr>
+                        <m:oMath xmlns:m="http://schemas.openxmlformats.org/officeDocument/2006/math">
+                          <m:r>
+                            <a:rPr lang="en-US" sz="1100" i="1" smtClean="0">
+                              <a:latin typeface="Cambria Math" panose="02040503050406030204" pitchFamily="18" charset="0"/>
+                              <a:ea typeface="Cambria Math" panose="02040503050406030204" pitchFamily="18" charset="0"/>
+                            </a:rPr>
+                            <m:t>×</m:t>
+                          </m:r>
+                        </m:oMath>
+                      </m:oMathPara>
+                    </a14:m>
+                    <a:endParaRPr lang="en-US" sz="1100" dirty="0"/>
+                  </a:p>
+                </p:txBody>
+              </p:sp>
+            </mc:Choice>
+            <mc:Fallback>
+              <p:sp>
+                <p:nvSpPr>
+                  <p:cNvPr id="16" name="TextBox 15">
+                    <a:extLst>
+                      <a:ext uri="{FF2B5EF4-FFF2-40B4-BE49-F238E27FC236}">
+                        <a16:creationId xmlns:a16="http://schemas.microsoft.com/office/drawing/2014/main" id="{3980640F-EC46-B148-8AC8-A3C4B333A1B1}"/>
+                      </a:ext>
+                    </a:extLst>
+                  </p:cNvPr>
+                  <p:cNvSpPr txBox="1">
+                    <a:spLocks noRot="1" noChangeAspect="1" noMove="1" noResize="1" noEditPoints="1" noAdjustHandles="1" noChangeArrowheads="1" noChangeShapeType="1" noTextEdit="1"/>
+                  </p:cNvSpPr>
+                  <p:nvPr/>
+                </p:nvSpPr>
+                <p:spPr>
+                  <a:xfrm>
+                    <a:off x="1701234" y="2166674"/>
+                    <a:ext cx="317715" cy="261610"/>
+                  </a:xfrm>
+                  <a:prstGeom prst="rect">
+                    <a:avLst/>
+                  </a:prstGeom>
+                  <a:blipFill>
+                    <a:blip r:embed="rId6"/>
+                    <a:stretch>
+                      <a:fillRect/>
+                    </a:stretch>
+                  </a:blipFill>
+                </p:spPr>
+                <p:txBody>
+                  <a:bodyPr/>
+                  <a:lstStyle/>
+                  <a:p>
+                    <a:r>
+                      <a:rPr lang="en-US">
+                        <a:noFill/>
+                      </a:rPr>
+                      <a:t> </a:t>
+                    </a:r>
+                  </a:p>
+                </p:txBody>
+              </p:sp>
+            </mc:Fallback>
+          </mc:AlternateContent>
+        </p:grpSp>
+        <p:grpSp>
+          <p:nvGrpSpPr>
+            <p:cNvPr id="17" name="Group 16">
+              <a:extLst>
+                <a:ext uri="{FF2B5EF4-FFF2-40B4-BE49-F238E27FC236}">
+                  <a16:creationId xmlns:a16="http://schemas.microsoft.com/office/drawing/2014/main" id="{20B73637-1A13-A641-9C4D-597822407D43}"/>
+                </a:ext>
+              </a:extLst>
+            </p:cNvPr>
+            <p:cNvGrpSpPr/>
+            <p:nvPr/>
+          </p:nvGrpSpPr>
+          <p:grpSpPr>
+            <a:xfrm>
+              <a:off x="3100204" y="3127745"/>
+              <a:ext cx="490840" cy="301255"/>
+              <a:chOff x="1724419" y="3118296"/>
+              <a:chExt cx="490840" cy="301255"/>
+            </a:xfrm>
+          </p:grpSpPr>
+          <p:sp>
+            <p:nvSpPr>
+              <p:cNvPr id="18" name="Rectangle 17">
+                <a:extLst>
+                  <a:ext uri="{FF2B5EF4-FFF2-40B4-BE49-F238E27FC236}">
+                    <a16:creationId xmlns:a16="http://schemas.microsoft.com/office/drawing/2014/main" id="{BDF474F8-8AEE-B247-A0C0-2D8BF3DD1F07}"/>
+                  </a:ext>
+                </a:extLst>
+              </p:cNvPr>
+              <p:cNvSpPr/>
+              <p:nvPr/>
+            </p:nvSpPr>
+            <p:spPr>
+              <a:xfrm>
+                <a:off x="1794273" y="3118296"/>
+                <a:ext cx="372806" cy="301255"/>
+              </a:xfrm>
+              <a:prstGeom prst="rect">
+                <a:avLst/>
+              </a:prstGeom>
+              <a:noFill/>
+            </p:spPr>
+            <p:style>
+              <a:lnRef idx="2">
+                <a:schemeClr val="accent1">
+                  <a:shade val="50000"/>
+                </a:schemeClr>
+              </a:lnRef>
+              <a:fillRef idx="1">
+                <a:schemeClr val="accent1"/>
+              </a:fillRef>
+              <a:effectRef idx="0">
+                <a:schemeClr val="accent1"/>
+              </a:effectRef>
+              <a:fontRef idx="minor">
+                <a:schemeClr val="lt1"/>
+              </a:fontRef>
+            </p:style>
+            <p:txBody>
+              <a:bodyPr rtlCol="0" anchor="ctr"/>
+              <a:lstStyle/>
+              <a:p>
+                <a:pPr algn="ctr"/>
+                <a:endParaRPr lang="en-US"/>
+              </a:p>
+            </p:txBody>
+          </p:sp>
+          <mc:AlternateContent xmlns:mc="http://schemas.openxmlformats.org/markup-compatibility/2006">
+            <mc:Choice xmlns:a14="http://schemas.microsoft.com/office/drawing/2010/main" Requires="a14">
+              <p:sp>
+                <p:nvSpPr>
+                  <p:cNvPr id="19" name="TextBox 18">
+                    <a:extLst>
+                      <a:ext uri="{FF2B5EF4-FFF2-40B4-BE49-F238E27FC236}">
+                        <a16:creationId xmlns:a16="http://schemas.microsoft.com/office/drawing/2014/main" id="{A98AAE9C-FF14-5D40-A466-803677FD3894}"/>
+                      </a:ext>
+                    </a:extLst>
+                  </p:cNvPr>
+                  <p:cNvSpPr txBox="1"/>
+                  <p:nvPr/>
+                </p:nvSpPr>
+                <p:spPr>
+                  <a:xfrm>
+                    <a:off x="1724419" y="3128668"/>
+                    <a:ext cx="490840" cy="261610"/>
+                  </a:xfrm>
+                  <a:prstGeom prst="rect">
+                    <a:avLst/>
+                  </a:prstGeom>
+                  <a:noFill/>
+                </p:spPr>
+                <p:txBody>
+                  <a:bodyPr wrap="none" rtlCol="0">
+                    <a:spAutoFit/>
+                  </a:bodyPr>
+                  <a:lstStyle/>
+                  <a:p>
+                    <a14:m>
+                      <m:oMathPara xmlns:m="http://schemas.openxmlformats.org/officeDocument/2006/math">
+                        <m:oMathParaPr>
+                          <m:jc m:val="centerGroup"/>
+                        </m:oMathParaPr>
+                        <m:oMath xmlns:m="http://schemas.openxmlformats.org/officeDocument/2006/math">
+                          <m:r>
+                            <m:rPr>
+                              <m:sty m:val="p"/>
+                            </m:rPr>
+                            <a:rPr lang="en-US" sz="1100" b="0" i="0" smtClean="0">
+                              <a:latin typeface="Cambria Math" panose="02040503050406030204" pitchFamily="18" charset="0"/>
+                            </a:rPr>
+                            <m:t>tanh</m:t>
+                          </m:r>
+                        </m:oMath>
+                      </m:oMathPara>
+                    </a14:m>
+                    <a:endParaRPr lang="en-US" sz="1100" dirty="0"/>
+                  </a:p>
+                </p:txBody>
+              </p:sp>
+            </mc:Choice>
+            <mc:Fallback>
+              <p:sp>
+                <p:nvSpPr>
+                  <p:cNvPr id="19" name="TextBox 18">
+                    <a:extLst>
+                      <a:ext uri="{FF2B5EF4-FFF2-40B4-BE49-F238E27FC236}">
+                        <a16:creationId xmlns:a16="http://schemas.microsoft.com/office/drawing/2014/main" id="{A98AAE9C-FF14-5D40-A466-803677FD3894}"/>
+                      </a:ext>
+                    </a:extLst>
+                  </p:cNvPr>
+                  <p:cNvSpPr txBox="1">
+                    <a:spLocks noRot="1" noChangeAspect="1" noMove="1" noResize="1" noEditPoints="1" noAdjustHandles="1" noChangeArrowheads="1" noChangeShapeType="1" noTextEdit="1"/>
+                  </p:cNvSpPr>
+                  <p:nvPr/>
+                </p:nvSpPr>
+                <p:spPr>
+                  <a:xfrm>
+                    <a:off x="1724419" y="3128668"/>
+                    <a:ext cx="490840" cy="261610"/>
+                  </a:xfrm>
+                  <a:prstGeom prst="rect">
+                    <a:avLst/>
+                  </a:prstGeom>
+                  <a:blipFill>
+                    <a:blip r:embed="rId7"/>
+                    <a:stretch>
+                      <a:fillRect/>
+                    </a:stretch>
+                  </a:blipFill>
+                </p:spPr>
+                <p:txBody>
+                  <a:bodyPr/>
+                  <a:lstStyle/>
+                  <a:p>
+                    <a:r>
+                      <a:rPr lang="en-US">
+                        <a:noFill/>
+                      </a:rPr>
+                      <a:t> </a:t>
+                    </a:r>
+                  </a:p>
+                </p:txBody>
+              </p:sp>
+            </mc:Fallback>
+          </mc:AlternateContent>
+        </p:grpSp>
+        <p:grpSp>
+          <p:nvGrpSpPr>
+            <p:cNvPr id="20" name="Group 19">
+              <a:extLst>
+                <a:ext uri="{FF2B5EF4-FFF2-40B4-BE49-F238E27FC236}">
+                  <a16:creationId xmlns:a16="http://schemas.microsoft.com/office/drawing/2014/main" id="{83CEC960-7ECD-4145-97A3-D07C437775F8}"/>
+                </a:ext>
+              </a:extLst>
+            </p:cNvPr>
+            <p:cNvGrpSpPr/>
+            <p:nvPr/>
+          </p:nvGrpSpPr>
+          <p:grpSpPr>
+            <a:xfrm>
+              <a:off x="3898632" y="3730489"/>
+              <a:ext cx="372806" cy="301255"/>
+              <a:chOff x="1794273" y="3118296"/>
+              <a:chExt cx="372806" cy="301255"/>
+            </a:xfrm>
+          </p:grpSpPr>
+          <p:sp>
+            <p:nvSpPr>
+              <p:cNvPr id="21" name="Rectangle 20">
+                <a:extLst>
+                  <a:ext uri="{FF2B5EF4-FFF2-40B4-BE49-F238E27FC236}">
+                    <a16:creationId xmlns:a16="http://schemas.microsoft.com/office/drawing/2014/main" id="{4E1CD1DE-DA36-B242-8212-6863FE2B6D76}"/>
+                  </a:ext>
+                </a:extLst>
+              </p:cNvPr>
+              <p:cNvSpPr/>
+              <p:nvPr/>
+            </p:nvSpPr>
+            <p:spPr>
+              <a:xfrm>
+                <a:off x="1794273" y="3118296"/>
+                <a:ext cx="372806" cy="301255"/>
+              </a:xfrm>
+              <a:prstGeom prst="rect">
+                <a:avLst/>
+              </a:prstGeom>
+              <a:noFill/>
+            </p:spPr>
+            <p:style>
+              <a:lnRef idx="2">
+                <a:schemeClr val="accent1">
+                  <a:shade val="50000"/>
+                </a:schemeClr>
+              </a:lnRef>
+              <a:fillRef idx="1">
+                <a:schemeClr val="accent1"/>
+              </a:fillRef>
+              <a:effectRef idx="0">
+                <a:schemeClr val="accent1"/>
+              </a:effectRef>
+              <a:fontRef idx="minor">
+                <a:schemeClr val="lt1"/>
+              </a:fontRef>
+            </p:style>
+            <p:txBody>
+              <a:bodyPr rtlCol="0" anchor="ctr"/>
+              <a:lstStyle/>
+              <a:p>
+                <a:pPr algn="ctr"/>
+                <a:endParaRPr lang="en-US"/>
+              </a:p>
+            </p:txBody>
+          </p:sp>
+          <mc:AlternateContent xmlns:mc="http://schemas.openxmlformats.org/markup-compatibility/2006">
+            <mc:Choice xmlns:a14="http://schemas.microsoft.com/office/drawing/2010/main" Requires="a14">
+              <p:sp>
+                <p:nvSpPr>
+                  <p:cNvPr id="22" name="TextBox 21">
+                    <a:extLst>
+                      <a:ext uri="{FF2B5EF4-FFF2-40B4-BE49-F238E27FC236}">
+                        <a16:creationId xmlns:a16="http://schemas.microsoft.com/office/drawing/2014/main" id="{81968073-8460-0846-B562-70AC26F8714E}"/>
+                      </a:ext>
+                    </a:extLst>
+                  </p:cNvPr>
+                  <p:cNvSpPr txBox="1"/>
+                  <p:nvPr/>
+                </p:nvSpPr>
+                <p:spPr>
+                  <a:xfrm>
+                    <a:off x="1829705" y="3118296"/>
+                    <a:ext cx="301942" cy="261610"/>
+                  </a:xfrm>
+                  <a:prstGeom prst="rect">
+                    <a:avLst/>
+                  </a:prstGeom>
+                  <a:noFill/>
+                </p:spPr>
+                <p:txBody>
+                  <a:bodyPr wrap="none" rtlCol="0">
+                    <a:spAutoFit/>
+                  </a:bodyPr>
+                  <a:lstStyle/>
+                  <a:p>
+                    <a14:m>
+                      <m:oMathPara xmlns:m="http://schemas.openxmlformats.org/officeDocument/2006/math">
+                        <m:oMathParaPr>
+                          <m:jc m:val="centerGroup"/>
+                        </m:oMathParaPr>
+                        <m:oMath xmlns:m="http://schemas.openxmlformats.org/officeDocument/2006/math">
+                          <m:r>
+                            <a:rPr lang="en-US" sz="1100" i="1" smtClean="0">
+                              <a:latin typeface="Cambria Math" panose="02040503050406030204" pitchFamily="18" charset="0"/>
+                              <a:ea typeface="Cambria Math" panose="02040503050406030204" pitchFamily="18" charset="0"/>
+                            </a:rPr>
+                            <m:t>𝜎</m:t>
+                          </m:r>
+                        </m:oMath>
+                      </m:oMathPara>
+                    </a14:m>
+                    <a:endParaRPr lang="en-US" sz="1100" dirty="0"/>
+                  </a:p>
+                </p:txBody>
+              </p:sp>
+            </mc:Choice>
+            <mc:Fallback>
+              <p:sp>
+                <p:nvSpPr>
+                  <p:cNvPr id="22" name="TextBox 21">
+                    <a:extLst>
+                      <a:ext uri="{FF2B5EF4-FFF2-40B4-BE49-F238E27FC236}">
+                        <a16:creationId xmlns:a16="http://schemas.microsoft.com/office/drawing/2014/main" id="{81968073-8460-0846-B562-70AC26F8714E}"/>
+                      </a:ext>
+                    </a:extLst>
+                  </p:cNvPr>
+                  <p:cNvSpPr txBox="1">
+                    <a:spLocks noRot="1" noChangeAspect="1" noMove="1" noResize="1" noEditPoints="1" noAdjustHandles="1" noChangeArrowheads="1" noChangeShapeType="1" noTextEdit="1"/>
+                  </p:cNvSpPr>
+                  <p:nvPr/>
+                </p:nvSpPr>
+                <p:spPr>
+                  <a:xfrm>
+                    <a:off x="1829705" y="3118296"/>
+                    <a:ext cx="301942" cy="261610"/>
+                  </a:xfrm>
+                  <a:prstGeom prst="rect">
+                    <a:avLst/>
+                  </a:prstGeom>
+                  <a:blipFill>
+                    <a:blip r:embed="rId8"/>
+                    <a:stretch>
+                      <a:fillRect/>
+                    </a:stretch>
+                  </a:blipFill>
+                </p:spPr>
+                <p:txBody>
+                  <a:bodyPr/>
+                  <a:lstStyle/>
+                  <a:p>
+                    <a:r>
+                      <a:rPr lang="en-US">
+                        <a:noFill/>
+                      </a:rPr>
+                      <a:t> </a:t>
+                    </a:r>
+                  </a:p>
+                </p:txBody>
+              </p:sp>
+            </mc:Fallback>
+          </mc:AlternateContent>
+        </p:grpSp>
+        <p:grpSp>
+          <p:nvGrpSpPr>
+            <p:cNvPr id="23" name="Group 22">
+              <a:extLst>
+                <a:ext uri="{FF2B5EF4-FFF2-40B4-BE49-F238E27FC236}">
+                  <a16:creationId xmlns:a16="http://schemas.microsoft.com/office/drawing/2014/main" id="{C16CF0CB-07E5-DF4B-BF05-9547AD7ABDE4}"/>
+                </a:ext>
+              </a:extLst>
+            </p:cNvPr>
+            <p:cNvGrpSpPr/>
+            <p:nvPr/>
+          </p:nvGrpSpPr>
+          <p:grpSpPr>
+            <a:xfrm>
+              <a:off x="4554032" y="3735411"/>
+              <a:ext cx="317715" cy="301255"/>
+              <a:chOff x="1701234" y="2146852"/>
+              <a:chExt cx="317715" cy="301255"/>
+            </a:xfrm>
+          </p:grpSpPr>
+          <p:sp>
+            <p:nvSpPr>
+              <p:cNvPr id="24" name="Oval 23">
+                <a:extLst>
+                  <a:ext uri="{FF2B5EF4-FFF2-40B4-BE49-F238E27FC236}">
+                    <a16:creationId xmlns:a16="http://schemas.microsoft.com/office/drawing/2014/main" id="{4FA433B0-AA85-E046-B8FE-6F6FB12B8522}"/>
+                  </a:ext>
+                </a:extLst>
+              </p:cNvPr>
+              <p:cNvSpPr/>
+              <p:nvPr/>
+            </p:nvSpPr>
+            <p:spPr>
+              <a:xfrm>
+                <a:off x="1716455" y="2146852"/>
+                <a:ext cx="287274" cy="301255"/>
+              </a:xfrm>
+              <a:prstGeom prst="ellipse">
+                <a:avLst/>
+              </a:prstGeom>
+              <a:noFill/>
+            </p:spPr>
+            <p:style>
+              <a:lnRef idx="2">
+                <a:schemeClr val="accent1">
+                  <a:shade val="50000"/>
+                </a:schemeClr>
+              </a:lnRef>
+              <a:fillRef idx="1">
+                <a:schemeClr val="accent1"/>
+              </a:fillRef>
+              <a:effectRef idx="0">
+                <a:schemeClr val="accent1"/>
+              </a:effectRef>
+              <a:fontRef idx="minor">
+                <a:schemeClr val="lt1"/>
+              </a:fontRef>
+            </p:style>
+            <p:txBody>
+              <a:bodyPr rtlCol="0" anchor="ctr"/>
+              <a:lstStyle/>
+              <a:p>
+                <a:pPr algn="ctr"/>
+                <a:endParaRPr lang="en-US"/>
+              </a:p>
+            </p:txBody>
+          </p:sp>
+          <mc:AlternateContent xmlns:mc="http://schemas.openxmlformats.org/markup-compatibility/2006">
+            <mc:Choice xmlns:a14="http://schemas.microsoft.com/office/drawing/2010/main" Requires="a14">
+              <p:sp>
+                <p:nvSpPr>
+                  <p:cNvPr id="25" name="TextBox 24">
+                    <a:extLst>
+                      <a:ext uri="{FF2B5EF4-FFF2-40B4-BE49-F238E27FC236}">
+                        <a16:creationId xmlns:a16="http://schemas.microsoft.com/office/drawing/2014/main" id="{53A19EC6-F09D-B440-BB85-9FDB01A70697}"/>
+                      </a:ext>
+                    </a:extLst>
+                  </p:cNvPr>
+                  <p:cNvSpPr txBox="1"/>
+                  <p:nvPr/>
+                </p:nvSpPr>
+                <p:spPr>
+                  <a:xfrm>
+                    <a:off x="1701234" y="2166674"/>
+                    <a:ext cx="317715" cy="261610"/>
+                  </a:xfrm>
+                  <a:prstGeom prst="rect">
+                    <a:avLst/>
+                  </a:prstGeom>
+                  <a:noFill/>
+                </p:spPr>
+                <p:txBody>
+                  <a:bodyPr wrap="none" rtlCol="0">
+                    <a:spAutoFit/>
+                  </a:bodyPr>
+                  <a:lstStyle/>
+                  <a:p>
+                    <a14:m>
+                      <m:oMathPara xmlns:m="http://schemas.openxmlformats.org/officeDocument/2006/math">
+                        <m:oMathParaPr>
+                          <m:jc m:val="centerGroup"/>
+                        </m:oMathParaPr>
+                        <m:oMath xmlns:m="http://schemas.openxmlformats.org/officeDocument/2006/math">
+                          <m:r>
+                            <a:rPr lang="en-US" sz="1100" i="1" smtClean="0">
+                              <a:latin typeface="Cambria Math" panose="02040503050406030204" pitchFamily="18" charset="0"/>
+                              <a:ea typeface="Cambria Math" panose="02040503050406030204" pitchFamily="18" charset="0"/>
+                            </a:rPr>
+                            <m:t>×</m:t>
+                          </m:r>
+                        </m:oMath>
+                      </m:oMathPara>
+                    </a14:m>
+                    <a:endParaRPr lang="en-US" sz="1100" dirty="0"/>
+                  </a:p>
+                </p:txBody>
+              </p:sp>
+            </mc:Choice>
+            <mc:Fallback>
+              <p:sp>
+                <p:nvSpPr>
+                  <p:cNvPr id="25" name="TextBox 24">
+                    <a:extLst>
+                      <a:ext uri="{FF2B5EF4-FFF2-40B4-BE49-F238E27FC236}">
+                        <a16:creationId xmlns:a16="http://schemas.microsoft.com/office/drawing/2014/main" id="{53A19EC6-F09D-B440-BB85-9FDB01A70697}"/>
+                      </a:ext>
+                    </a:extLst>
+                  </p:cNvPr>
+                  <p:cNvSpPr txBox="1">
+                    <a:spLocks noRot="1" noChangeAspect="1" noMove="1" noResize="1" noEditPoints="1" noAdjustHandles="1" noChangeArrowheads="1" noChangeShapeType="1" noTextEdit="1"/>
+                  </p:cNvSpPr>
+                  <p:nvPr/>
+                </p:nvSpPr>
+                <p:spPr>
+                  <a:xfrm>
+                    <a:off x="1701234" y="2166674"/>
+                    <a:ext cx="317715" cy="261610"/>
+                  </a:xfrm>
+                  <a:prstGeom prst="rect">
+                    <a:avLst/>
+                  </a:prstGeom>
+                  <a:blipFill>
+                    <a:blip r:embed="rId9"/>
+                    <a:stretch>
+                      <a:fillRect/>
+                    </a:stretch>
+                  </a:blipFill>
+                </p:spPr>
+                <p:txBody>
+                  <a:bodyPr/>
+                  <a:lstStyle/>
+                  <a:p>
+                    <a:r>
+                      <a:rPr lang="en-US">
+                        <a:noFill/>
+                      </a:rPr>
+                      <a:t> </a:t>
+                    </a:r>
+                  </a:p>
+                </p:txBody>
+              </p:sp>
+            </mc:Fallback>
+          </mc:AlternateContent>
+        </p:grpSp>
+        <p:grpSp>
+          <p:nvGrpSpPr>
+            <p:cNvPr id="26" name="Group 25">
+              <a:extLst>
+                <a:ext uri="{FF2B5EF4-FFF2-40B4-BE49-F238E27FC236}">
+                  <a16:creationId xmlns:a16="http://schemas.microsoft.com/office/drawing/2014/main" id="{1277D0C3-EBB4-D34C-8C38-79F6E15C738A}"/>
+                </a:ext>
+              </a:extLst>
+            </p:cNvPr>
+            <p:cNvGrpSpPr/>
+            <p:nvPr/>
+          </p:nvGrpSpPr>
+          <p:grpSpPr>
+            <a:xfrm>
+              <a:off x="4443188" y="2490084"/>
+              <a:ext cx="490840" cy="301255"/>
+              <a:chOff x="1724419" y="3118296"/>
+              <a:chExt cx="490840" cy="301255"/>
+            </a:xfrm>
+          </p:grpSpPr>
+          <p:sp>
+            <p:nvSpPr>
+              <p:cNvPr id="27" name="Rectangle 26">
+                <a:extLst>
+                  <a:ext uri="{FF2B5EF4-FFF2-40B4-BE49-F238E27FC236}">
+                    <a16:creationId xmlns:a16="http://schemas.microsoft.com/office/drawing/2014/main" id="{93D24B84-68DC-D84F-BE4E-DB499928894E}"/>
+                  </a:ext>
+                </a:extLst>
+              </p:cNvPr>
+              <p:cNvSpPr/>
+              <p:nvPr/>
+            </p:nvSpPr>
+            <p:spPr>
+              <a:xfrm>
+                <a:off x="1794273" y="3118296"/>
+                <a:ext cx="372806" cy="301255"/>
+              </a:xfrm>
+              <a:prstGeom prst="rect">
+                <a:avLst/>
+              </a:prstGeom>
+              <a:noFill/>
+            </p:spPr>
+            <p:style>
+              <a:lnRef idx="2">
+                <a:schemeClr val="accent1">
+                  <a:shade val="50000"/>
+                </a:schemeClr>
+              </a:lnRef>
+              <a:fillRef idx="1">
+                <a:schemeClr val="accent1"/>
+              </a:fillRef>
+              <a:effectRef idx="0">
+                <a:schemeClr val="accent1"/>
+              </a:effectRef>
+              <a:fontRef idx="minor">
+                <a:schemeClr val="lt1"/>
+              </a:fontRef>
+            </p:style>
+            <p:txBody>
+              <a:bodyPr rtlCol="0" anchor="ctr"/>
+              <a:lstStyle/>
+              <a:p>
+                <a:pPr algn="ctr"/>
+                <a:endParaRPr lang="en-US"/>
+              </a:p>
+            </p:txBody>
+          </p:sp>
+          <mc:AlternateContent xmlns:mc="http://schemas.openxmlformats.org/markup-compatibility/2006">
+            <mc:Choice xmlns:a14="http://schemas.microsoft.com/office/drawing/2010/main" Requires="a14">
+              <p:sp>
+                <p:nvSpPr>
+                  <p:cNvPr id="28" name="TextBox 27">
+                    <a:extLst>
+                      <a:ext uri="{FF2B5EF4-FFF2-40B4-BE49-F238E27FC236}">
+                        <a16:creationId xmlns:a16="http://schemas.microsoft.com/office/drawing/2014/main" id="{7FD50F9F-530C-E240-B4BC-7573B66D81A7}"/>
+                      </a:ext>
+                    </a:extLst>
+                  </p:cNvPr>
+                  <p:cNvSpPr txBox="1"/>
+                  <p:nvPr/>
+                </p:nvSpPr>
+                <p:spPr>
+                  <a:xfrm>
+                    <a:off x="1724419" y="3128668"/>
+                    <a:ext cx="490840" cy="261610"/>
+                  </a:xfrm>
+                  <a:prstGeom prst="rect">
+                    <a:avLst/>
+                  </a:prstGeom>
+                  <a:noFill/>
+                </p:spPr>
+                <p:txBody>
+                  <a:bodyPr wrap="none" rtlCol="0">
+                    <a:spAutoFit/>
+                  </a:bodyPr>
+                  <a:lstStyle/>
+                  <a:p>
+                    <a14:m>
+                      <m:oMathPara xmlns:m="http://schemas.openxmlformats.org/officeDocument/2006/math">
+                        <m:oMathParaPr>
+                          <m:jc m:val="centerGroup"/>
+                        </m:oMathParaPr>
+                        <m:oMath xmlns:m="http://schemas.openxmlformats.org/officeDocument/2006/math">
+                          <m:r>
+                            <m:rPr>
+                              <m:sty m:val="p"/>
+                            </m:rPr>
+                            <a:rPr lang="en-US" sz="1100" b="0" i="0" smtClean="0">
+                              <a:latin typeface="Cambria Math" panose="02040503050406030204" pitchFamily="18" charset="0"/>
+                            </a:rPr>
+                            <m:t>tanh</m:t>
+                          </m:r>
+                        </m:oMath>
+                      </m:oMathPara>
+                    </a14:m>
+                    <a:endParaRPr lang="en-US" sz="1100" dirty="0"/>
+                  </a:p>
+                </p:txBody>
+              </p:sp>
+            </mc:Choice>
+            <mc:Fallback>
+              <p:sp>
+                <p:nvSpPr>
+                  <p:cNvPr id="28" name="TextBox 27">
+                    <a:extLst>
+                      <a:ext uri="{FF2B5EF4-FFF2-40B4-BE49-F238E27FC236}">
+                        <a16:creationId xmlns:a16="http://schemas.microsoft.com/office/drawing/2014/main" id="{7FD50F9F-530C-E240-B4BC-7573B66D81A7}"/>
+                      </a:ext>
+                    </a:extLst>
+                  </p:cNvPr>
+                  <p:cNvSpPr txBox="1">
+                    <a:spLocks noRot="1" noChangeAspect="1" noMove="1" noResize="1" noEditPoints="1" noAdjustHandles="1" noChangeArrowheads="1" noChangeShapeType="1" noTextEdit="1"/>
+                  </p:cNvSpPr>
+                  <p:nvPr/>
+                </p:nvSpPr>
+                <p:spPr>
+                  <a:xfrm>
+                    <a:off x="1724419" y="3128668"/>
+                    <a:ext cx="490840" cy="261610"/>
+                  </a:xfrm>
+                  <a:prstGeom prst="rect">
+                    <a:avLst/>
+                  </a:prstGeom>
+                  <a:blipFill>
+                    <a:blip r:embed="rId10"/>
+                    <a:stretch>
+                      <a:fillRect/>
+                    </a:stretch>
+                  </a:blipFill>
+                </p:spPr>
+                <p:txBody>
+                  <a:bodyPr/>
+                  <a:lstStyle/>
+                  <a:p>
+                    <a:r>
+                      <a:rPr lang="en-US">
+                        <a:noFill/>
+                      </a:rPr>
+                      <a:t> </a:t>
+                    </a:r>
+                  </a:p>
+                </p:txBody>
+              </p:sp>
+            </mc:Fallback>
+          </mc:AlternateContent>
+        </p:grpSp>
+        <p:cxnSp>
+          <p:nvCxnSpPr>
+            <p:cNvPr id="30" name="Straight Arrow Connector 29">
+              <a:extLst>
+                <a:ext uri="{FF2B5EF4-FFF2-40B4-BE49-F238E27FC236}">
+                  <a16:creationId xmlns:a16="http://schemas.microsoft.com/office/drawing/2014/main" id="{F5036E73-B5B8-3843-A6D9-9D8B0F30F8F0}"/>
+                </a:ext>
+              </a:extLst>
+            </p:cNvPr>
+            <p:cNvCxnSpPr>
+              <a:stCxn id="6" idx="0"/>
+              <a:endCxn id="2" idx="4"/>
+            </p:cNvCxnSpPr>
+            <p:nvPr/>
+          </p:nvCxnSpPr>
+          <p:spPr>
+            <a:xfrm flipH="1" flipV="1">
+              <a:off x="1972790" y="2332814"/>
+              <a:ext cx="7886" cy="785482"/>
+            </a:xfrm>
+            <a:prstGeom prst="straightConnector1">
+              <a:avLst/>
+            </a:prstGeom>
+            <a:ln>
+              <a:tailEnd type="triangle"/>
+            </a:ln>
+          </p:spPr>
+          <p:style>
+            <a:lnRef idx="1">
+              <a:schemeClr val="accent1"/>
+            </a:lnRef>
+            <a:fillRef idx="0">
+              <a:schemeClr val="accent1"/>
+            </a:fillRef>
+            <a:effectRef idx="0">
+              <a:schemeClr val="accent1"/>
+            </a:effectRef>
+            <a:fontRef idx="minor">
+              <a:schemeClr val="tx1"/>
+            </a:fontRef>
+          </p:style>
+        </p:cxnSp>
+        <p:cxnSp>
+          <p:nvCxnSpPr>
+            <p:cNvPr id="32" name="Straight Arrow Connector 31">
+              <a:extLst>
+                <a:ext uri="{FF2B5EF4-FFF2-40B4-BE49-F238E27FC236}">
+                  <a16:creationId xmlns:a16="http://schemas.microsoft.com/office/drawing/2014/main" id="{1E979133-E7DF-ED4C-8D0B-03F3B567B277}"/>
+                </a:ext>
+              </a:extLst>
+            </p:cNvPr>
+            <p:cNvCxnSpPr>
+              <a:endCxn id="3" idx="1"/>
+            </p:cNvCxnSpPr>
+            <p:nvPr/>
+          </p:nvCxnSpPr>
+          <p:spPr>
+            <a:xfrm>
+              <a:off x="1491095" y="2182186"/>
+              <a:ext cx="322837" cy="0"/>
+            </a:xfrm>
+            <a:prstGeom prst="straightConnector1">
+              <a:avLst/>
+            </a:prstGeom>
+            <a:ln>
+              <a:tailEnd type="triangle"/>
+            </a:ln>
+          </p:spPr>
+          <p:style>
+            <a:lnRef idx="1">
+              <a:schemeClr val="accent1"/>
+            </a:lnRef>
+            <a:fillRef idx="0">
+              <a:schemeClr val="accent1"/>
+            </a:fillRef>
+            <a:effectRef idx="0">
+              <a:schemeClr val="accent1"/>
+            </a:effectRef>
+            <a:fontRef idx="minor">
+              <a:schemeClr val="tx1"/>
+            </a:fontRef>
+          </p:style>
+        </p:cxnSp>
+        <p:cxnSp>
+          <p:nvCxnSpPr>
+            <p:cNvPr id="34" name="Straight Arrow Connector 33">
+              <a:extLst>
+                <a:ext uri="{FF2B5EF4-FFF2-40B4-BE49-F238E27FC236}">
+                  <a16:creationId xmlns:a16="http://schemas.microsoft.com/office/drawing/2014/main" id="{0BA2373B-7C20-8845-B95F-FFBA5FD3A0E6}"/>
+                </a:ext>
+              </a:extLst>
+            </p:cNvPr>
+            <p:cNvCxnSpPr>
+              <a:cxnSpLocks/>
+              <a:stCxn id="3" idx="3"/>
+              <a:endCxn id="13" idx="1"/>
+            </p:cNvCxnSpPr>
+            <p:nvPr/>
+          </p:nvCxnSpPr>
+          <p:spPr>
+            <a:xfrm>
+              <a:off x="2131647" y="2182186"/>
+              <a:ext cx="1065956" cy="0"/>
+            </a:xfrm>
+            <a:prstGeom prst="straightConnector1">
+              <a:avLst/>
+            </a:prstGeom>
+            <a:ln>
+              <a:tailEnd type="triangle"/>
+            </a:ln>
+          </p:spPr>
+          <p:style>
+            <a:lnRef idx="1">
+              <a:schemeClr val="accent1"/>
+            </a:lnRef>
+            <a:fillRef idx="0">
+              <a:schemeClr val="accent1"/>
+            </a:fillRef>
+            <a:effectRef idx="0">
+              <a:schemeClr val="accent1"/>
+            </a:effectRef>
+            <a:fontRef idx="minor">
+              <a:schemeClr val="tx1"/>
+            </a:fontRef>
+          </p:style>
+        </p:cxnSp>
+        <p:cxnSp>
+          <p:nvCxnSpPr>
+            <p:cNvPr id="36" name="Straight Arrow Connector 35">
+              <a:extLst>
+                <a:ext uri="{FF2B5EF4-FFF2-40B4-BE49-F238E27FC236}">
+                  <a16:creationId xmlns:a16="http://schemas.microsoft.com/office/drawing/2014/main" id="{CED154F0-C696-DF48-9CDD-D3521129FB8C}"/>
+                </a:ext>
+              </a:extLst>
+            </p:cNvPr>
+            <p:cNvCxnSpPr>
+              <a:cxnSpLocks/>
+              <a:stCxn id="16" idx="0"/>
+              <a:endCxn id="12" idx="4"/>
+            </p:cNvCxnSpPr>
+            <p:nvPr/>
+          </p:nvCxnSpPr>
+          <p:spPr>
+            <a:xfrm flipH="1" flipV="1">
+              <a:off x="3356461" y="2332814"/>
+              <a:ext cx="4809" cy="177092"/>
+            </a:xfrm>
+            <a:prstGeom prst="straightConnector1">
+              <a:avLst/>
+            </a:prstGeom>
+            <a:ln>
+              <a:tailEnd type="triangle"/>
+            </a:ln>
+          </p:spPr>
+          <p:style>
+            <a:lnRef idx="1">
+              <a:schemeClr val="accent1"/>
+            </a:lnRef>
+            <a:fillRef idx="0">
+              <a:schemeClr val="accent1"/>
+            </a:fillRef>
+            <a:effectRef idx="0">
+              <a:schemeClr val="accent1"/>
+            </a:effectRef>
+            <a:fontRef idx="minor">
+              <a:schemeClr val="tx1"/>
+            </a:fontRef>
+          </p:style>
+        </p:cxnSp>
+        <p:cxnSp>
+          <p:nvCxnSpPr>
+            <p:cNvPr id="42" name="Straight Arrow Connector 41">
+              <a:extLst>
+                <a:ext uri="{FF2B5EF4-FFF2-40B4-BE49-F238E27FC236}">
+                  <a16:creationId xmlns:a16="http://schemas.microsoft.com/office/drawing/2014/main" id="{42828F47-6A8A-1440-93A7-D237CE34A8F3}"/>
+                </a:ext>
+              </a:extLst>
+            </p:cNvPr>
+            <p:cNvCxnSpPr>
+              <a:cxnSpLocks/>
+              <a:stCxn id="21" idx="3"/>
+              <a:endCxn id="25" idx="1"/>
+            </p:cNvCxnSpPr>
+            <p:nvPr/>
+          </p:nvCxnSpPr>
+          <p:spPr>
+            <a:xfrm>
+              <a:off x="4271438" y="3881117"/>
+              <a:ext cx="282594" cy="4921"/>
+            </a:xfrm>
+            <a:prstGeom prst="straightConnector1">
+              <a:avLst/>
+            </a:prstGeom>
+            <a:ln w="9525">
+              <a:tailEnd type="triangle"/>
+            </a:ln>
+          </p:spPr>
+          <p:style>
+            <a:lnRef idx="1">
+              <a:schemeClr val="accent1"/>
+            </a:lnRef>
+            <a:fillRef idx="0">
+              <a:schemeClr val="accent1"/>
+            </a:fillRef>
+            <a:effectRef idx="0">
+              <a:schemeClr val="accent1"/>
+            </a:effectRef>
+            <a:fontRef idx="minor">
+              <a:schemeClr val="tx1"/>
+            </a:fontRef>
+          </p:style>
+        </p:cxnSp>
+        <p:grpSp>
+          <p:nvGrpSpPr>
+            <p:cNvPr id="46" name="Group 45">
+              <a:extLst>
+                <a:ext uri="{FF2B5EF4-FFF2-40B4-BE49-F238E27FC236}">
+                  <a16:creationId xmlns:a16="http://schemas.microsoft.com/office/drawing/2014/main" id="{9C808A73-9CD4-1B47-B989-8920D1149FB7}"/>
+                </a:ext>
+              </a:extLst>
+            </p:cNvPr>
+            <p:cNvGrpSpPr/>
+            <p:nvPr/>
+          </p:nvGrpSpPr>
+          <p:grpSpPr>
+            <a:xfrm rot="21317275">
+              <a:off x="1942910" y="3809293"/>
+              <a:ext cx="107365" cy="145213"/>
+              <a:chOff x="2601257" y="4031743"/>
+              <a:chExt cx="192526" cy="192527"/>
+            </a:xfrm>
+          </p:grpSpPr>
+          <p:sp>
+            <p:nvSpPr>
+              <p:cNvPr id="44" name="Arc 43">
+                <a:extLst>
+                  <a:ext uri="{FF2B5EF4-FFF2-40B4-BE49-F238E27FC236}">
+                    <a16:creationId xmlns:a16="http://schemas.microsoft.com/office/drawing/2014/main" id="{5DE21757-AB13-6446-B9B1-234C3F631605}"/>
+                  </a:ext>
+                </a:extLst>
+              </p:cNvPr>
+              <p:cNvSpPr/>
+              <p:nvPr/>
+            </p:nvSpPr>
+            <p:spPr>
+              <a:xfrm>
+                <a:off x="2607801" y="4031744"/>
+                <a:ext cx="169743" cy="192526"/>
+              </a:xfrm>
+              <a:prstGeom prst="arc">
+                <a:avLst/>
+              </a:prstGeom>
+            </p:spPr>
+            <p:style>
+              <a:lnRef idx="1">
+                <a:schemeClr val="accent1"/>
+              </a:lnRef>
+              <a:fillRef idx="0">
+                <a:schemeClr val="accent1"/>
+              </a:fillRef>
+              <a:effectRef idx="0">
+                <a:schemeClr val="accent1"/>
+              </a:effectRef>
+              <a:fontRef idx="minor">
+                <a:schemeClr val="tx1"/>
+              </a:fontRef>
+            </p:style>
+            <p:txBody>
+              <a:bodyPr rtlCol="0" anchor="ctr"/>
+              <a:lstStyle/>
+              <a:p>
+                <a:pPr algn="ctr"/>
+                <a:endParaRPr lang="en-US"/>
+              </a:p>
+            </p:txBody>
+          </p:sp>
+          <p:sp>
+            <p:nvSpPr>
+              <p:cNvPr id="45" name="Arc 44">
+                <a:extLst>
+                  <a:ext uri="{FF2B5EF4-FFF2-40B4-BE49-F238E27FC236}">
+                    <a16:creationId xmlns:a16="http://schemas.microsoft.com/office/drawing/2014/main" id="{06BD8F1E-A094-A247-92F5-CE82BF8A27C5}"/>
+                  </a:ext>
+                </a:extLst>
+              </p:cNvPr>
+              <p:cNvSpPr/>
+              <p:nvPr/>
+            </p:nvSpPr>
+            <p:spPr>
+              <a:xfrm rot="16200000">
+                <a:off x="2612648" y="4020352"/>
+                <a:ext cx="169743" cy="192526"/>
+              </a:xfrm>
+              <a:prstGeom prst="arc">
+                <a:avLst/>
+              </a:prstGeom>
+            </p:spPr>
+            <p:style>
+              <a:lnRef idx="1">
+                <a:schemeClr val="accent1"/>
+              </a:lnRef>
+              <a:fillRef idx="0">
+                <a:schemeClr val="accent1"/>
+              </a:fillRef>
+              <a:effectRef idx="0">
+                <a:schemeClr val="accent1"/>
+              </a:effectRef>
+              <a:fontRef idx="minor">
+                <a:schemeClr val="tx1"/>
+              </a:fontRef>
+            </p:style>
+            <p:txBody>
+              <a:bodyPr rtlCol="0" anchor="ctr"/>
+              <a:lstStyle/>
+              <a:p>
+                <a:pPr algn="ctr"/>
+                <a:endParaRPr lang="en-US"/>
+              </a:p>
+            </p:txBody>
+          </p:sp>
+        </p:grpSp>
+        <p:grpSp>
+          <p:nvGrpSpPr>
+            <p:cNvPr id="48" name="Group 47">
+              <a:extLst>
+                <a:ext uri="{FF2B5EF4-FFF2-40B4-BE49-F238E27FC236}">
+                  <a16:creationId xmlns:a16="http://schemas.microsoft.com/office/drawing/2014/main" id="{C76AAC99-9683-E745-82C6-BDB802DFA453}"/>
+                </a:ext>
+              </a:extLst>
+            </p:cNvPr>
+            <p:cNvGrpSpPr/>
+            <p:nvPr/>
+          </p:nvGrpSpPr>
+          <p:grpSpPr>
+            <a:xfrm rot="21317275">
+              <a:off x="2628947" y="3815250"/>
+              <a:ext cx="107365" cy="145213"/>
+              <a:chOff x="2601257" y="4031743"/>
+              <a:chExt cx="192526" cy="192527"/>
+            </a:xfrm>
+          </p:grpSpPr>
+          <p:sp>
+            <p:nvSpPr>
+              <p:cNvPr id="49" name="Arc 48">
+                <a:extLst>
+                  <a:ext uri="{FF2B5EF4-FFF2-40B4-BE49-F238E27FC236}">
+                    <a16:creationId xmlns:a16="http://schemas.microsoft.com/office/drawing/2014/main" id="{D8F54F67-976A-4143-817D-955EF5F6ACA4}"/>
+                  </a:ext>
+                </a:extLst>
+              </p:cNvPr>
+              <p:cNvSpPr/>
+              <p:nvPr/>
+            </p:nvSpPr>
+            <p:spPr>
+              <a:xfrm>
+                <a:off x="2607801" y="4031744"/>
+                <a:ext cx="169743" cy="192526"/>
+              </a:xfrm>
+              <a:prstGeom prst="arc">
+                <a:avLst/>
+              </a:prstGeom>
+            </p:spPr>
+            <p:style>
+              <a:lnRef idx="1">
+                <a:schemeClr val="accent1"/>
+              </a:lnRef>
+              <a:fillRef idx="0">
+                <a:schemeClr val="accent1"/>
+              </a:fillRef>
+              <a:effectRef idx="0">
+                <a:schemeClr val="accent1"/>
+              </a:effectRef>
+              <a:fontRef idx="minor">
+                <a:schemeClr val="tx1"/>
+              </a:fontRef>
+            </p:style>
+            <p:txBody>
+              <a:bodyPr rtlCol="0" anchor="ctr"/>
+              <a:lstStyle/>
+              <a:p>
+                <a:pPr algn="ctr"/>
+                <a:endParaRPr lang="en-US"/>
+              </a:p>
+            </p:txBody>
+          </p:sp>
+          <p:sp>
+            <p:nvSpPr>
+              <p:cNvPr id="50" name="Arc 49">
+                <a:extLst>
+                  <a:ext uri="{FF2B5EF4-FFF2-40B4-BE49-F238E27FC236}">
+                    <a16:creationId xmlns:a16="http://schemas.microsoft.com/office/drawing/2014/main" id="{02EAEDDE-4FF1-3449-81AB-9D6374A4932A}"/>
+                  </a:ext>
+                </a:extLst>
+              </p:cNvPr>
+              <p:cNvSpPr/>
+              <p:nvPr/>
+            </p:nvSpPr>
+            <p:spPr>
+              <a:xfrm rot="16200000">
+                <a:off x="2612648" y="4020352"/>
+                <a:ext cx="169743" cy="192526"/>
+              </a:xfrm>
+              <a:prstGeom prst="arc">
+                <a:avLst/>
+              </a:prstGeom>
+            </p:spPr>
+            <p:style>
+              <a:lnRef idx="1">
+                <a:schemeClr val="accent1"/>
+              </a:lnRef>
+              <a:fillRef idx="0">
+                <a:schemeClr val="accent1"/>
+              </a:fillRef>
+              <a:effectRef idx="0">
+                <a:schemeClr val="accent1"/>
+              </a:effectRef>
+              <a:fontRef idx="minor">
+                <a:schemeClr val="tx1"/>
+              </a:fontRef>
+            </p:style>
+            <p:txBody>
+              <a:bodyPr rtlCol="0" anchor="ctr"/>
+              <a:lstStyle/>
+              <a:p>
+                <a:pPr algn="ctr"/>
+                <a:endParaRPr lang="en-US"/>
+              </a:p>
+            </p:txBody>
+          </p:sp>
+        </p:grpSp>
+        <p:grpSp>
+          <p:nvGrpSpPr>
+            <p:cNvPr id="51" name="Group 50">
+              <a:extLst>
+                <a:ext uri="{FF2B5EF4-FFF2-40B4-BE49-F238E27FC236}">
+                  <a16:creationId xmlns:a16="http://schemas.microsoft.com/office/drawing/2014/main" id="{678F8577-C602-3447-8104-6D5228FAC65C}"/>
+                </a:ext>
+              </a:extLst>
+            </p:cNvPr>
+            <p:cNvGrpSpPr/>
+            <p:nvPr/>
+          </p:nvGrpSpPr>
+          <p:grpSpPr>
+            <a:xfrm rot="21317275">
+              <a:off x="3314388" y="3808509"/>
+              <a:ext cx="107365" cy="145213"/>
+              <a:chOff x="2601257" y="4031743"/>
+              <a:chExt cx="192526" cy="192527"/>
+            </a:xfrm>
+          </p:grpSpPr>
+          <p:sp>
+            <p:nvSpPr>
+              <p:cNvPr id="52" name="Arc 51">
+                <a:extLst>
+                  <a:ext uri="{FF2B5EF4-FFF2-40B4-BE49-F238E27FC236}">
+                    <a16:creationId xmlns:a16="http://schemas.microsoft.com/office/drawing/2014/main" id="{FE526607-6BD7-1B46-914B-BCE6C110F587}"/>
+                  </a:ext>
+                </a:extLst>
+              </p:cNvPr>
+              <p:cNvSpPr/>
+              <p:nvPr/>
+            </p:nvSpPr>
+            <p:spPr>
+              <a:xfrm>
+                <a:off x="2607801" y="4031744"/>
+                <a:ext cx="169743" cy="192526"/>
+              </a:xfrm>
+              <a:prstGeom prst="arc">
+                <a:avLst/>
+              </a:prstGeom>
+            </p:spPr>
+            <p:style>
+              <a:lnRef idx="1">
+                <a:schemeClr val="accent1"/>
+              </a:lnRef>
+              <a:fillRef idx="0">
+                <a:schemeClr val="accent1"/>
+              </a:fillRef>
+              <a:effectRef idx="0">
+                <a:schemeClr val="accent1"/>
+              </a:effectRef>
+              <a:fontRef idx="minor">
+                <a:schemeClr val="tx1"/>
+              </a:fontRef>
+            </p:style>
+            <p:txBody>
+              <a:bodyPr rtlCol="0" anchor="ctr"/>
+              <a:lstStyle/>
+              <a:p>
+                <a:pPr algn="ctr"/>
+                <a:endParaRPr lang="en-US"/>
+              </a:p>
+            </p:txBody>
+          </p:sp>
+          <p:sp>
+            <p:nvSpPr>
+              <p:cNvPr id="53" name="Arc 52">
+                <a:extLst>
+                  <a:ext uri="{FF2B5EF4-FFF2-40B4-BE49-F238E27FC236}">
+                    <a16:creationId xmlns:a16="http://schemas.microsoft.com/office/drawing/2014/main" id="{898AC40F-A6FB-F242-B5A0-52E3BE82BACA}"/>
+                  </a:ext>
+                </a:extLst>
+              </p:cNvPr>
+              <p:cNvSpPr/>
+              <p:nvPr/>
+            </p:nvSpPr>
+            <p:spPr>
+              <a:xfrm rot="16200000">
+                <a:off x="2612648" y="4020352"/>
+                <a:ext cx="169743" cy="192526"/>
+              </a:xfrm>
+              <a:prstGeom prst="arc">
+                <a:avLst/>
+              </a:prstGeom>
+            </p:spPr>
+            <p:style>
+              <a:lnRef idx="1">
+                <a:schemeClr val="accent1"/>
+              </a:lnRef>
+              <a:fillRef idx="0">
+                <a:schemeClr val="accent1"/>
+              </a:fillRef>
+              <a:effectRef idx="0">
+                <a:schemeClr val="accent1"/>
+              </a:effectRef>
+              <a:fontRef idx="minor">
+                <a:schemeClr val="tx1"/>
+              </a:fontRef>
+            </p:style>
+            <p:txBody>
+              <a:bodyPr rtlCol="0" anchor="ctr"/>
+              <a:lstStyle/>
+              <a:p>
+                <a:pPr algn="ctr"/>
+                <a:endParaRPr lang="en-US"/>
+              </a:p>
+            </p:txBody>
+          </p:sp>
+        </p:grpSp>
+        <p:cxnSp>
+          <p:nvCxnSpPr>
+            <p:cNvPr id="55" name="Straight Connector 54">
+              <a:extLst>
+                <a:ext uri="{FF2B5EF4-FFF2-40B4-BE49-F238E27FC236}">
+                  <a16:creationId xmlns:a16="http://schemas.microsoft.com/office/drawing/2014/main" id="{92E6B136-C03E-0A44-B3F5-B48F3143C3FB}"/>
+                </a:ext>
+              </a:extLst>
+            </p:cNvPr>
+            <p:cNvCxnSpPr>
+              <a:cxnSpLocks/>
+              <a:stCxn id="44" idx="2"/>
+              <a:endCxn id="50" idx="0"/>
+            </p:cNvCxnSpPr>
+            <p:nvPr/>
+          </p:nvCxnSpPr>
+          <p:spPr>
+            <a:xfrm>
+              <a:off x="2041069" y="3878234"/>
+              <a:ext cx="587353" cy="5469"/>
+            </a:xfrm>
+            <a:prstGeom prst="line">
+              <a:avLst/>
+            </a:prstGeom>
+          </p:spPr>
+          <p:style>
+            <a:lnRef idx="1">
+              <a:schemeClr val="accent1"/>
+            </a:lnRef>
+            <a:fillRef idx="0">
+              <a:schemeClr val="accent1"/>
+            </a:fillRef>
+            <a:effectRef idx="0">
+              <a:schemeClr val="accent1"/>
+            </a:effectRef>
+            <a:fontRef idx="minor">
+              <a:schemeClr val="tx1"/>
+            </a:fontRef>
+          </p:style>
+        </p:cxnSp>
+        <p:cxnSp>
+          <p:nvCxnSpPr>
+            <p:cNvPr id="57" name="Straight Connector 56">
+              <a:extLst>
+                <a:ext uri="{FF2B5EF4-FFF2-40B4-BE49-F238E27FC236}">
+                  <a16:creationId xmlns:a16="http://schemas.microsoft.com/office/drawing/2014/main" id="{0CCDB52B-A5E1-F348-8D29-F47C9EFB81FA}"/>
+                </a:ext>
+              </a:extLst>
+            </p:cNvPr>
+            <p:cNvCxnSpPr>
+              <a:cxnSpLocks/>
+              <a:stCxn id="49" idx="2"/>
+            </p:cNvCxnSpPr>
+            <p:nvPr/>
+          </p:nvCxnSpPr>
+          <p:spPr>
+            <a:xfrm flipV="1">
+              <a:off x="2727106" y="3879157"/>
+              <a:ext cx="581498" cy="5034"/>
+            </a:xfrm>
+            <a:prstGeom prst="line">
+              <a:avLst/>
+            </a:prstGeom>
+          </p:spPr>
+          <p:style>
+            <a:lnRef idx="1">
+              <a:schemeClr val="accent1"/>
+            </a:lnRef>
+            <a:fillRef idx="0">
+              <a:schemeClr val="accent1"/>
+            </a:fillRef>
+            <a:effectRef idx="0">
+              <a:schemeClr val="accent1"/>
+            </a:effectRef>
+            <a:fontRef idx="minor">
+              <a:schemeClr val="tx1"/>
+            </a:fontRef>
+          </p:style>
+        </p:cxnSp>
+        <p:cxnSp>
+          <p:nvCxnSpPr>
+            <p:cNvPr id="59" name="Straight Connector 58">
+              <a:extLst>
+                <a:ext uri="{FF2B5EF4-FFF2-40B4-BE49-F238E27FC236}">
+                  <a16:creationId xmlns:a16="http://schemas.microsoft.com/office/drawing/2014/main" id="{4F94B108-905F-3E47-8CBD-921BD4664F95}"/>
+                </a:ext>
+              </a:extLst>
+            </p:cNvPr>
+            <p:cNvCxnSpPr>
+              <a:cxnSpLocks/>
+              <a:endCxn id="21" idx="1"/>
+            </p:cNvCxnSpPr>
+            <p:nvPr/>
+          </p:nvCxnSpPr>
+          <p:spPr>
+            <a:xfrm>
+              <a:off x="3414512" y="3879157"/>
+              <a:ext cx="484120" cy="1960"/>
+            </a:xfrm>
+            <a:prstGeom prst="line">
+              <a:avLst/>
+            </a:prstGeom>
+            <a:ln>
+              <a:headEnd type="none"/>
+              <a:tailEnd type="triangle"/>
+            </a:ln>
+          </p:spPr>
+          <p:style>
+            <a:lnRef idx="1">
+              <a:schemeClr val="accent1"/>
+            </a:lnRef>
+            <a:fillRef idx="0">
+              <a:schemeClr val="accent1"/>
+            </a:fillRef>
+            <a:effectRef idx="0">
+              <a:schemeClr val="accent1"/>
+            </a:effectRef>
+            <a:fontRef idx="minor">
+              <a:schemeClr val="tx1"/>
+            </a:fontRef>
+          </p:style>
+        </p:cxnSp>
+        <p:cxnSp>
+          <p:nvCxnSpPr>
+            <p:cNvPr id="63" name="Straight Connector 62">
+              <a:extLst>
+                <a:ext uri="{FF2B5EF4-FFF2-40B4-BE49-F238E27FC236}">
+                  <a16:creationId xmlns:a16="http://schemas.microsoft.com/office/drawing/2014/main" id="{D3D8FC67-B86D-5548-AE38-1AD9AF4C3DAE}"/>
+                </a:ext>
+              </a:extLst>
+            </p:cNvPr>
+            <p:cNvCxnSpPr>
+              <a:cxnSpLocks/>
+            </p:cNvCxnSpPr>
+            <p:nvPr/>
+          </p:nvCxnSpPr>
+          <p:spPr>
+            <a:xfrm>
+              <a:off x="1368132" y="3879157"/>
+              <a:ext cx="576227" cy="1707"/>
+            </a:xfrm>
+            <a:prstGeom prst="line">
+              <a:avLst/>
+            </a:prstGeom>
+          </p:spPr>
+          <p:style>
+            <a:lnRef idx="1">
+              <a:schemeClr val="accent1"/>
+            </a:lnRef>
+            <a:fillRef idx="0">
+              <a:schemeClr val="accent1"/>
+            </a:fillRef>
+            <a:effectRef idx="0">
+              <a:schemeClr val="accent1"/>
+            </a:effectRef>
+            <a:fontRef idx="minor">
+              <a:schemeClr val="tx1"/>
+            </a:fontRef>
+          </p:style>
+        </p:cxnSp>
+        <p:cxnSp>
+          <p:nvCxnSpPr>
+            <p:cNvPr id="69" name="Straight Connector 68">
+              <a:extLst>
+                <a:ext uri="{FF2B5EF4-FFF2-40B4-BE49-F238E27FC236}">
+                  <a16:creationId xmlns:a16="http://schemas.microsoft.com/office/drawing/2014/main" id="{81EC0F1F-F651-5C48-A660-FFBD6014A439}"/>
+                </a:ext>
+              </a:extLst>
+            </p:cNvPr>
+            <p:cNvCxnSpPr>
+              <a:cxnSpLocks/>
+              <a:stCxn id="5" idx="2"/>
+              <a:endCxn id="138" idx="0"/>
+            </p:cNvCxnSpPr>
+            <p:nvPr/>
+          </p:nvCxnSpPr>
+          <p:spPr>
+            <a:xfrm flipH="1">
+              <a:off x="1979478" y="3419551"/>
+              <a:ext cx="1198" cy="643187"/>
+            </a:xfrm>
+            <a:prstGeom prst="line">
+              <a:avLst/>
+            </a:prstGeom>
+            <a:ln>
+              <a:headEnd type="triangle"/>
+            </a:ln>
+          </p:spPr>
+          <p:style>
+            <a:lnRef idx="1">
+              <a:schemeClr val="accent1"/>
+            </a:lnRef>
+            <a:fillRef idx="0">
+              <a:schemeClr val="accent1"/>
+            </a:fillRef>
+            <a:effectRef idx="0">
+              <a:schemeClr val="accent1"/>
+            </a:effectRef>
+            <a:fontRef idx="minor">
+              <a:schemeClr val="tx1"/>
+            </a:fontRef>
+          </p:style>
+        </p:cxnSp>
+        <p:cxnSp>
+          <p:nvCxnSpPr>
+            <p:cNvPr id="72" name="Straight Connector 71">
+              <a:extLst>
+                <a:ext uri="{FF2B5EF4-FFF2-40B4-BE49-F238E27FC236}">
+                  <a16:creationId xmlns:a16="http://schemas.microsoft.com/office/drawing/2014/main" id="{27331075-7774-9E42-AE9E-072BDE31C001}"/>
+                </a:ext>
+              </a:extLst>
+            </p:cNvPr>
+            <p:cNvCxnSpPr>
+              <a:cxnSpLocks/>
+              <a:stCxn id="9" idx="2"/>
+              <a:endCxn id="134" idx="0"/>
+            </p:cNvCxnSpPr>
+            <p:nvPr/>
+          </p:nvCxnSpPr>
+          <p:spPr>
+            <a:xfrm>
+              <a:off x="2664625" y="3414546"/>
+              <a:ext cx="4285" cy="658249"/>
+            </a:xfrm>
+            <a:prstGeom prst="line">
+              <a:avLst/>
+            </a:prstGeom>
+            <a:ln>
+              <a:headEnd type="triangle"/>
+            </a:ln>
+          </p:spPr>
+          <p:style>
+            <a:lnRef idx="1">
+              <a:schemeClr val="accent1"/>
+            </a:lnRef>
+            <a:fillRef idx="0">
+              <a:schemeClr val="accent1"/>
+            </a:fillRef>
+            <a:effectRef idx="0">
+              <a:schemeClr val="accent1"/>
+            </a:effectRef>
+            <a:fontRef idx="minor">
+              <a:schemeClr val="tx1"/>
+            </a:fontRef>
+          </p:style>
+        </p:cxnSp>
+        <p:cxnSp>
+          <p:nvCxnSpPr>
+            <p:cNvPr id="77" name="Straight Connector 76">
+              <a:extLst>
+                <a:ext uri="{FF2B5EF4-FFF2-40B4-BE49-F238E27FC236}">
+                  <a16:creationId xmlns:a16="http://schemas.microsoft.com/office/drawing/2014/main" id="{E63FA2A3-0E44-2645-8F88-9C37CC80BE5C}"/>
+                </a:ext>
+              </a:extLst>
+            </p:cNvPr>
+            <p:cNvCxnSpPr>
+              <a:cxnSpLocks/>
+            </p:cNvCxnSpPr>
+            <p:nvPr/>
+          </p:nvCxnSpPr>
+          <p:spPr>
+            <a:xfrm flipH="1">
+              <a:off x="3352136" y="3429000"/>
+              <a:ext cx="3653" cy="651267"/>
+            </a:xfrm>
+            <a:prstGeom prst="line">
+              <a:avLst/>
+            </a:prstGeom>
+            <a:ln>
+              <a:headEnd type="triangle"/>
+            </a:ln>
+          </p:spPr>
+          <p:style>
+            <a:lnRef idx="1">
+              <a:schemeClr val="accent1"/>
+            </a:lnRef>
+            <a:fillRef idx="0">
+              <a:schemeClr val="accent1"/>
+            </a:fillRef>
+            <a:effectRef idx="0">
+              <a:schemeClr val="accent1"/>
+            </a:effectRef>
+            <a:fontRef idx="minor">
+              <a:schemeClr val="tx1"/>
+            </a:fontRef>
+          </p:style>
+        </p:cxnSp>
+        <p:sp>
+          <p:nvSpPr>
+            <p:cNvPr id="84" name="Arc 83">
+              <a:extLst>
+                <a:ext uri="{FF2B5EF4-FFF2-40B4-BE49-F238E27FC236}">
+                  <a16:creationId xmlns:a16="http://schemas.microsoft.com/office/drawing/2014/main" id="{1BD25AE9-E84A-4447-9ECF-19F76B10DB84}"/>
+                </a:ext>
+              </a:extLst>
+            </p:cNvPr>
+            <p:cNvSpPr/>
+            <p:nvPr/>
+          </p:nvSpPr>
+          <p:spPr>
+            <a:xfrm rot="4952950">
+              <a:off x="1583143" y="3486157"/>
+              <a:ext cx="402220" cy="386322"/>
+            </a:xfrm>
+            <a:prstGeom prst="arc">
+              <a:avLst/>
+            </a:prstGeom>
+          </p:spPr>
+          <p:style>
+            <a:lnRef idx="1">
+              <a:schemeClr val="accent1"/>
+            </a:lnRef>
+            <a:fillRef idx="0">
+              <a:schemeClr val="accent1"/>
+            </a:fillRef>
+            <a:effectRef idx="0">
+              <a:schemeClr val="accent1"/>
+            </a:effectRef>
+            <a:fontRef idx="minor">
+              <a:schemeClr val="tx1"/>
+            </a:fontRef>
+          </p:style>
+          <p:txBody>
+            <a:bodyPr rtlCol="0" anchor="ctr"/>
+            <a:lstStyle/>
+            <a:p>
+              <a:pPr algn="ctr"/>
+              <a:endParaRPr lang="en-US"/>
+            </a:p>
+          </p:txBody>
+        </p:sp>
+        <p:sp>
+          <p:nvSpPr>
+            <p:cNvPr id="85" name="Arc 84">
+              <a:extLst>
+                <a:ext uri="{FF2B5EF4-FFF2-40B4-BE49-F238E27FC236}">
+                  <a16:creationId xmlns:a16="http://schemas.microsoft.com/office/drawing/2014/main" id="{9C82C7DD-110F-4142-BA9C-1A6F377F9E5C}"/>
+                </a:ext>
+              </a:extLst>
+            </p:cNvPr>
+            <p:cNvSpPr/>
+            <p:nvPr/>
+          </p:nvSpPr>
+          <p:spPr>
+            <a:xfrm rot="4952950">
+              <a:off x="2271098" y="3488635"/>
+              <a:ext cx="402220" cy="386322"/>
+            </a:xfrm>
+            <a:prstGeom prst="arc">
+              <a:avLst/>
+            </a:prstGeom>
+          </p:spPr>
+          <p:style>
+            <a:lnRef idx="1">
+              <a:schemeClr val="accent1"/>
+            </a:lnRef>
+            <a:fillRef idx="0">
+              <a:schemeClr val="accent1"/>
+            </a:fillRef>
+            <a:effectRef idx="0">
+              <a:schemeClr val="accent1"/>
+            </a:effectRef>
+            <a:fontRef idx="minor">
+              <a:schemeClr val="tx1"/>
+            </a:fontRef>
+          </p:style>
+          <p:txBody>
+            <a:bodyPr rtlCol="0" anchor="ctr"/>
+            <a:lstStyle/>
+            <a:p>
+              <a:pPr algn="ctr"/>
+              <a:endParaRPr lang="en-US"/>
+            </a:p>
+          </p:txBody>
+        </p:sp>
+        <p:sp>
+          <p:nvSpPr>
+            <p:cNvPr id="86" name="Arc 85">
+              <a:extLst>
+                <a:ext uri="{FF2B5EF4-FFF2-40B4-BE49-F238E27FC236}">
+                  <a16:creationId xmlns:a16="http://schemas.microsoft.com/office/drawing/2014/main" id="{9B7A8AB9-E193-E34E-AE79-DF9078E4198C}"/>
+                </a:ext>
+              </a:extLst>
+            </p:cNvPr>
+            <p:cNvSpPr/>
+            <p:nvPr/>
+          </p:nvSpPr>
+          <p:spPr>
+            <a:xfrm rot="4952950">
+              <a:off x="2961216" y="3486159"/>
+              <a:ext cx="402220" cy="386322"/>
+            </a:xfrm>
+            <a:prstGeom prst="arc">
+              <a:avLst/>
+            </a:prstGeom>
+          </p:spPr>
+          <p:style>
+            <a:lnRef idx="1">
+              <a:schemeClr val="accent1"/>
+            </a:lnRef>
+            <a:fillRef idx="0">
+              <a:schemeClr val="accent1"/>
+            </a:fillRef>
+            <a:effectRef idx="0">
+              <a:schemeClr val="accent1"/>
+            </a:effectRef>
+            <a:fontRef idx="minor">
+              <a:schemeClr val="tx1"/>
+            </a:fontRef>
+          </p:style>
+          <p:txBody>
+            <a:bodyPr rtlCol="0" anchor="ctr"/>
+            <a:lstStyle/>
+            <a:p>
+              <a:pPr algn="ctr"/>
+              <a:endParaRPr lang="en-US"/>
+            </a:p>
+          </p:txBody>
+        </p:sp>
+        <p:cxnSp>
+          <p:nvCxnSpPr>
+            <p:cNvPr id="91" name="Straight Arrow Connector 90">
+              <a:extLst>
+                <a:ext uri="{FF2B5EF4-FFF2-40B4-BE49-F238E27FC236}">
+                  <a16:creationId xmlns:a16="http://schemas.microsoft.com/office/drawing/2014/main" id="{E759DFEC-A9DC-7441-AC59-A88D67972120}"/>
+                </a:ext>
+              </a:extLst>
+            </p:cNvPr>
+            <p:cNvCxnSpPr>
+              <a:cxnSpLocks/>
+            </p:cNvCxnSpPr>
+            <p:nvPr/>
+          </p:nvCxnSpPr>
+          <p:spPr>
+            <a:xfrm flipV="1">
+              <a:off x="3365377" y="2783075"/>
+              <a:ext cx="0" cy="344670"/>
+            </a:xfrm>
+            <a:prstGeom prst="straightConnector1">
+              <a:avLst/>
+            </a:prstGeom>
+            <a:ln>
+              <a:tailEnd type="triangle"/>
+            </a:ln>
+          </p:spPr>
+          <p:style>
+            <a:lnRef idx="1">
+              <a:schemeClr val="accent1"/>
+            </a:lnRef>
+            <a:fillRef idx="0">
+              <a:schemeClr val="accent1"/>
+            </a:fillRef>
+            <a:effectRef idx="0">
+              <a:schemeClr val="accent1"/>
+            </a:effectRef>
+            <a:fontRef idx="minor">
+              <a:schemeClr val="tx1"/>
+            </a:fontRef>
+          </p:style>
+        </p:cxnSp>
+        <p:cxnSp>
+          <p:nvCxnSpPr>
+            <p:cNvPr id="96" name="Straight Connector 95">
+              <a:extLst>
+                <a:ext uri="{FF2B5EF4-FFF2-40B4-BE49-F238E27FC236}">
+                  <a16:creationId xmlns:a16="http://schemas.microsoft.com/office/drawing/2014/main" id="{E865308E-6A8D-EB4C-836C-0E1C26665F95}"/>
+                </a:ext>
+              </a:extLst>
+            </p:cNvPr>
+            <p:cNvCxnSpPr>
+              <a:cxnSpLocks/>
+              <a:stCxn id="9" idx="0"/>
+            </p:cNvCxnSpPr>
+            <p:nvPr/>
+          </p:nvCxnSpPr>
+          <p:spPr>
+            <a:xfrm flipV="1">
+              <a:off x="2664625" y="2640711"/>
+              <a:ext cx="0" cy="472580"/>
+            </a:xfrm>
+            <a:prstGeom prst="line">
+              <a:avLst/>
+            </a:prstGeom>
+          </p:spPr>
+          <p:style>
+            <a:lnRef idx="1">
+              <a:schemeClr val="accent1"/>
+            </a:lnRef>
+            <a:fillRef idx="0">
+              <a:schemeClr val="accent1"/>
+            </a:fillRef>
+            <a:effectRef idx="0">
+              <a:schemeClr val="accent1"/>
+            </a:effectRef>
+            <a:fontRef idx="minor">
+              <a:schemeClr val="tx1"/>
+            </a:fontRef>
+          </p:style>
+        </p:cxnSp>
+        <p:cxnSp>
+          <p:nvCxnSpPr>
+            <p:cNvPr id="98" name="Straight Arrow Connector 97">
+              <a:extLst>
+                <a:ext uri="{FF2B5EF4-FFF2-40B4-BE49-F238E27FC236}">
+                  <a16:creationId xmlns:a16="http://schemas.microsoft.com/office/drawing/2014/main" id="{86346738-99C9-7547-8A05-26BC1DFA6FB9}"/>
+                </a:ext>
+              </a:extLst>
+            </p:cNvPr>
+            <p:cNvCxnSpPr>
+              <a:cxnSpLocks/>
+              <a:endCxn id="16" idx="1"/>
+            </p:cNvCxnSpPr>
+            <p:nvPr/>
+          </p:nvCxnSpPr>
+          <p:spPr>
+            <a:xfrm>
+              <a:off x="2664625" y="2640711"/>
+              <a:ext cx="537787" cy="0"/>
+            </a:xfrm>
+            <a:prstGeom prst="straightConnector1">
+              <a:avLst/>
+            </a:prstGeom>
+            <a:ln>
+              <a:tailEnd type="triangle"/>
+            </a:ln>
+          </p:spPr>
+          <p:style>
+            <a:lnRef idx="1">
+              <a:schemeClr val="accent1"/>
+            </a:lnRef>
+            <a:fillRef idx="0">
+              <a:schemeClr val="accent1"/>
+            </a:fillRef>
+            <a:effectRef idx="0">
+              <a:schemeClr val="accent1"/>
+            </a:effectRef>
+            <a:fontRef idx="minor">
+              <a:schemeClr val="tx1"/>
+            </a:fontRef>
+          </p:style>
+        </p:cxnSp>
+        <p:cxnSp>
+          <p:nvCxnSpPr>
+            <p:cNvPr id="101" name="Straight Arrow Connector 100">
+              <a:extLst>
+                <a:ext uri="{FF2B5EF4-FFF2-40B4-BE49-F238E27FC236}">
+                  <a16:creationId xmlns:a16="http://schemas.microsoft.com/office/drawing/2014/main" id="{0A1E3B8C-992D-2544-A8DC-CF6B6DA01FFB}"/>
+                </a:ext>
+              </a:extLst>
+            </p:cNvPr>
+            <p:cNvCxnSpPr>
+              <a:cxnSpLocks/>
+            </p:cNvCxnSpPr>
+            <p:nvPr/>
+          </p:nvCxnSpPr>
+          <p:spPr>
+            <a:xfrm>
+              <a:off x="3502177" y="2182313"/>
+              <a:ext cx="1984223" cy="0"/>
+            </a:xfrm>
+            <a:prstGeom prst="straightConnector1">
+              <a:avLst/>
+            </a:prstGeom>
+            <a:ln>
+              <a:tailEnd type="triangle"/>
+            </a:ln>
+          </p:spPr>
+          <p:style>
+            <a:lnRef idx="1">
+              <a:schemeClr val="accent1"/>
+            </a:lnRef>
+            <a:fillRef idx="0">
+              <a:schemeClr val="accent1"/>
+            </a:fillRef>
+            <a:effectRef idx="0">
+              <a:schemeClr val="accent1"/>
+            </a:effectRef>
+            <a:fontRef idx="minor">
+              <a:schemeClr val="tx1"/>
+            </a:fontRef>
+          </p:style>
+        </p:cxnSp>
+        <p:sp>
+          <p:nvSpPr>
+            <p:cNvPr id="103" name="Arc 102">
+              <a:extLst>
+                <a:ext uri="{FF2B5EF4-FFF2-40B4-BE49-F238E27FC236}">
+                  <a16:creationId xmlns:a16="http://schemas.microsoft.com/office/drawing/2014/main" id="{A816B677-8A98-7A4E-B925-B8A72A9DD191}"/>
+                </a:ext>
+              </a:extLst>
+            </p:cNvPr>
+            <p:cNvSpPr/>
+            <p:nvPr/>
+          </p:nvSpPr>
+          <p:spPr>
+            <a:xfrm rot="21190350">
+              <a:off x="4294206" y="2184544"/>
+              <a:ext cx="402220" cy="386322"/>
+            </a:xfrm>
+            <a:prstGeom prst="arc">
+              <a:avLst/>
+            </a:prstGeom>
+          </p:spPr>
+          <p:style>
+            <a:lnRef idx="1">
+              <a:schemeClr val="accent1"/>
+            </a:lnRef>
+            <a:fillRef idx="0">
+              <a:schemeClr val="accent1"/>
+            </a:fillRef>
+            <a:effectRef idx="0">
+              <a:schemeClr val="accent1"/>
+            </a:effectRef>
+            <a:fontRef idx="minor">
+              <a:schemeClr val="tx1"/>
+            </a:fontRef>
+          </p:style>
+          <p:txBody>
+            <a:bodyPr rtlCol="0" anchor="ctr"/>
+            <a:lstStyle/>
+            <a:p>
+              <a:pPr algn="ctr"/>
+              <a:endParaRPr lang="en-US"/>
+            </a:p>
+          </p:txBody>
+        </p:sp>
+        <p:cxnSp>
+          <p:nvCxnSpPr>
+            <p:cNvPr id="105" name="Straight Arrow Connector 104">
+              <a:extLst>
+                <a:ext uri="{FF2B5EF4-FFF2-40B4-BE49-F238E27FC236}">
+                  <a16:creationId xmlns:a16="http://schemas.microsoft.com/office/drawing/2014/main" id="{3B854D9B-30C4-D141-BC5C-6972C987DD0D}"/>
+                </a:ext>
+              </a:extLst>
+            </p:cNvPr>
+            <p:cNvCxnSpPr>
+              <a:cxnSpLocks/>
+            </p:cNvCxnSpPr>
+            <p:nvPr/>
+          </p:nvCxnSpPr>
+          <p:spPr>
+            <a:xfrm>
+              <a:off x="4697256" y="2342725"/>
+              <a:ext cx="0" cy="157270"/>
+            </a:xfrm>
+            <a:prstGeom prst="straightConnector1">
+              <a:avLst/>
+            </a:prstGeom>
+            <a:ln>
+              <a:tailEnd type="triangle"/>
+            </a:ln>
+          </p:spPr>
+          <p:style>
+            <a:lnRef idx="1">
+              <a:schemeClr val="accent1"/>
+            </a:lnRef>
+            <a:fillRef idx="0">
+              <a:schemeClr val="accent1"/>
+            </a:fillRef>
+            <a:effectRef idx="0">
+              <a:schemeClr val="accent1"/>
+            </a:effectRef>
+            <a:fontRef idx="minor">
+              <a:schemeClr val="tx1"/>
+            </a:fontRef>
+          </p:style>
+        </p:cxnSp>
+        <p:cxnSp>
+          <p:nvCxnSpPr>
+            <p:cNvPr id="108" name="Straight Arrow Connector 107">
+              <a:extLst>
+                <a:ext uri="{FF2B5EF4-FFF2-40B4-BE49-F238E27FC236}">
+                  <a16:creationId xmlns:a16="http://schemas.microsoft.com/office/drawing/2014/main" id="{A72D1132-4F20-A044-8D1B-EB945E092CAB}"/>
+                </a:ext>
+              </a:extLst>
+            </p:cNvPr>
+            <p:cNvCxnSpPr>
+              <a:cxnSpLocks/>
+              <a:stCxn id="27" idx="2"/>
+              <a:endCxn id="24" idx="0"/>
+            </p:cNvCxnSpPr>
+            <p:nvPr/>
+          </p:nvCxnSpPr>
+          <p:spPr>
+            <a:xfrm>
+              <a:off x="4699445" y="2791339"/>
+              <a:ext cx="13445" cy="944072"/>
+            </a:xfrm>
+            <a:prstGeom prst="straightConnector1">
+              <a:avLst/>
+            </a:prstGeom>
+            <a:ln>
+              <a:tailEnd type="triangle"/>
+            </a:ln>
+          </p:spPr>
+          <p:style>
+            <a:lnRef idx="1">
+              <a:schemeClr val="accent1"/>
+            </a:lnRef>
+            <a:fillRef idx="0">
+              <a:schemeClr val="accent1"/>
+            </a:fillRef>
+            <a:effectRef idx="0">
+              <a:schemeClr val="accent1"/>
+            </a:effectRef>
+            <a:fontRef idx="minor">
+              <a:schemeClr val="tx1"/>
+            </a:fontRef>
+          </p:style>
+        </p:cxnSp>
+        <p:cxnSp>
+          <p:nvCxnSpPr>
+            <p:cNvPr id="115" name="Straight Arrow Connector 114">
+              <a:extLst>
+                <a:ext uri="{FF2B5EF4-FFF2-40B4-BE49-F238E27FC236}">
+                  <a16:creationId xmlns:a16="http://schemas.microsoft.com/office/drawing/2014/main" id="{1D1E47AE-3CF7-9340-A5D9-61FE051C2D9B}"/>
+                </a:ext>
+              </a:extLst>
+            </p:cNvPr>
+            <p:cNvCxnSpPr>
+              <a:stCxn id="25" idx="3"/>
+            </p:cNvCxnSpPr>
+            <p:nvPr/>
+          </p:nvCxnSpPr>
+          <p:spPr>
+            <a:xfrm>
+              <a:off x="4871747" y="3886038"/>
+              <a:ext cx="614653" cy="0"/>
+            </a:xfrm>
+            <a:prstGeom prst="straightConnector1">
+              <a:avLst/>
+            </a:prstGeom>
+            <a:ln>
+              <a:tailEnd type="triangle"/>
+            </a:ln>
+          </p:spPr>
+          <p:style>
+            <a:lnRef idx="1">
+              <a:schemeClr val="accent1"/>
+            </a:lnRef>
+            <a:fillRef idx="0">
+              <a:schemeClr val="accent1"/>
+            </a:fillRef>
+            <a:effectRef idx="0">
+              <a:schemeClr val="accent1"/>
+            </a:effectRef>
+            <a:fontRef idx="minor">
+              <a:schemeClr val="tx1"/>
+            </a:fontRef>
+          </p:style>
+        </p:cxnSp>
+        <p:sp>
+          <p:nvSpPr>
+            <p:cNvPr id="116" name="Arc 115">
+              <a:extLst>
+                <a:ext uri="{FF2B5EF4-FFF2-40B4-BE49-F238E27FC236}">
+                  <a16:creationId xmlns:a16="http://schemas.microsoft.com/office/drawing/2014/main" id="{EC7674A0-15DB-2A44-8A32-23D22AD4E571}"/>
+                </a:ext>
+              </a:extLst>
+            </p:cNvPr>
+            <p:cNvSpPr/>
+            <p:nvPr/>
+          </p:nvSpPr>
+          <p:spPr>
+            <a:xfrm rot="4952950">
+              <a:off x="4813980" y="3491279"/>
+              <a:ext cx="402220" cy="386322"/>
+            </a:xfrm>
+            <a:prstGeom prst="arc">
+              <a:avLst/>
+            </a:prstGeom>
+          </p:spPr>
+          <p:style>
+            <a:lnRef idx="1">
+              <a:schemeClr val="accent1"/>
+            </a:lnRef>
+            <a:fillRef idx="0">
+              <a:schemeClr val="accent1"/>
+            </a:fillRef>
+            <a:effectRef idx="0">
+              <a:schemeClr val="accent1"/>
+            </a:effectRef>
+            <a:fontRef idx="minor">
+              <a:schemeClr val="tx1"/>
+            </a:fontRef>
+          </p:style>
+          <p:txBody>
+            <a:bodyPr rtlCol="0" anchor="ctr"/>
+            <a:lstStyle/>
+            <a:p>
+              <a:pPr algn="ctr"/>
+              <a:endParaRPr lang="en-US"/>
+            </a:p>
+          </p:txBody>
+        </p:sp>
+        <p:grpSp>
+          <p:nvGrpSpPr>
+            <p:cNvPr id="117" name="Group 116">
+              <a:extLst>
+                <a:ext uri="{FF2B5EF4-FFF2-40B4-BE49-F238E27FC236}">
+                  <a16:creationId xmlns:a16="http://schemas.microsoft.com/office/drawing/2014/main" id="{E77A481D-6CFA-D142-A40E-C33F110367CB}"/>
+                </a:ext>
+              </a:extLst>
+            </p:cNvPr>
+            <p:cNvGrpSpPr/>
+            <p:nvPr/>
+          </p:nvGrpSpPr>
+          <p:grpSpPr>
+            <a:xfrm rot="5013920">
+              <a:off x="5151097" y="2109579"/>
+              <a:ext cx="107365" cy="145213"/>
+              <a:chOff x="2601257" y="4031743"/>
+              <a:chExt cx="192526" cy="192527"/>
+            </a:xfrm>
+          </p:grpSpPr>
+          <p:sp>
+            <p:nvSpPr>
+              <p:cNvPr id="118" name="Arc 117">
+                <a:extLst>
+                  <a:ext uri="{FF2B5EF4-FFF2-40B4-BE49-F238E27FC236}">
+                    <a16:creationId xmlns:a16="http://schemas.microsoft.com/office/drawing/2014/main" id="{75B9D186-B64C-2E44-B092-A07024DD9232}"/>
+                  </a:ext>
+                </a:extLst>
+              </p:cNvPr>
+              <p:cNvSpPr/>
+              <p:nvPr/>
+            </p:nvSpPr>
+            <p:spPr>
+              <a:xfrm>
+                <a:off x="2607801" y="4031744"/>
+                <a:ext cx="169743" cy="192526"/>
+              </a:xfrm>
+              <a:prstGeom prst="arc">
+                <a:avLst/>
+              </a:prstGeom>
+            </p:spPr>
+            <p:style>
+              <a:lnRef idx="1">
+                <a:schemeClr val="accent1"/>
+              </a:lnRef>
+              <a:fillRef idx="0">
+                <a:schemeClr val="accent1"/>
+              </a:fillRef>
+              <a:effectRef idx="0">
+                <a:schemeClr val="accent1"/>
+              </a:effectRef>
+              <a:fontRef idx="minor">
+                <a:schemeClr val="tx1"/>
+              </a:fontRef>
+            </p:style>
+            <p:txBody>
+              <a:bodyPr rtlCol="0" anchor="ctr"/>
+              <a:lstStyle/>
+              <a:p>
+                <a:pPr algn="ctr"/>
+                <a:endParaRPr lang="en-US"/>
+              </a:p>
+            </p:txBody>
+          </p:sp>
+          <p:sp>
+            <p:nvSpPr>
+              <p:cNvPr id="119" name="Arc 118">
+                <a:extLst>
+                  <a:ext uri="{FF2B5EF4-FFF2-40B4-BE49-F238E27FC236}">
+                    <a16:creationId xmlns:a16="http://schemas.microsoft.com/office/drawing/2014/main" id="{D26BDB7F-9802-244C-AF2D-9B27B53C158A}"/>
+                  </a:ext>
+                </a:extLst>
+              </p:cNvPr>
+              <p:cNvSpPr/>
+              <p:nvPr/>
+            </p:nvSpPr>
+            <p:spPr>
+              <a:xfrm rot="16200000">
+                <a:off x="2612648" y="4020352"/>
+                <a:ext cx="169743" cy="192526"/>
+              </a:xfrm>
+              <a:prstGeom prst="arc">
+                <a:avLst/>
+              </a:prstGeom>
+            </p:spPr>
+            <p:style>
+              <a:lnRef idx="1">
+                <a:schemeClr val="accent1"/>
+              </a:lnRef>
+              <a:fillRef idx="0">
+                <a:schemeClr val="accent1"/>
+              </a:fillRef>
+              <a:effectRef idx="0">
+                <a:schemeClr val="accent1"/>
+              </a:effectRef>
+              <a:fontRef idx="minor">
+                <a:schemeClr val="tx1"/>
+              </a:fontRef>
+            </p:style>
+            <p:txBody>
+              <a:bodyPr rtlCol="0" anchor="ctr"/>
+              <a:lstStyle/>
+              <a:p>
+                <a:pPr algn="ctr"/>
+                <a:endParaRPr lang="en-US"/>
+              </a:p>
+            </p:txBody>
+          </p:sp>
+        </p:grpSp>
+        <p:cxnSp>
+          <p:nvCxnSpPr>
+            <p:cNvPr id="121" name="Straight Connector 120">
+              <a:extLst>
+                <a:ext uri="{FF2B5EF4-FFF2-40B4-BE49-F238E27FC236}">
+                  <a16:creationId xmlns:a16="http://schemas.microsoft.com/office/drawing/2014/main" id="{378C13CB-1ED1-AF4F-99A9-9981EB980A5E}"/>
+                </a:ext>
+              </a:extLst>
+            </p:cNvPr>
+            <p:cNvCxnSpPr>
+              <a:endCxn id="118" idx="2"/>
+            </p:cNvCxnSpPr>
+            <p:nvPr/>
+          </p:nvCxnSpPr>
+          <p:spPr>
+            <a:xfrm flipH="1" flipV="1">
+              <a:off x="5209780" y="2226531"/>
+              <a:ext cx="3537" cy="1452787"/>
+            </a:xfrm>
+            <a:prstGeom prst="line">
+              <a:avLst/>
+            </a:prstGeom>
+          </p:spPr>
+          <p:style>
+            <a:lnRef idx="1">
+              <a:schemeClr val="accent1"/>
+            </a:lnRef>
+            <a:fillRef idx="0">
+              <a:schemeClr val="accent1"/>
+            </a:fillRef>
+            <a:effectRef idx="0">
+              <a:schemeClr val="accent1"/>
+            </a:effectRef>
+            <a:fontRef idx="minor">
+              <a:schemeClr val="tx1"/>
+            </a:fontRef>
+          </p:style>
+        </p:cxnSp>
+        <p:cxnSp>
+          <p:nvCxnSpPr>
+            <p:cNvPr id="123" name="Straight Arrow Connector 122">
+              <a:extLst>
+                <a:ext uri="{FF2B5EF4-FFF2-40B4-BE49-F238E27FC236}">
+                  <a16:creationId xmlns:a16="http://schemas.microsoft.com/office/drawing/2014/main" id="{4C5FF8A8-0CBF-A547-8786-0E2914B5882A}"/>
+                </a:ext>
+              </a:extLst>
+            </p:cNvPr>
+            <p:cNvCxnSpPr>
+              <a:stCxn id="119" idx="0"/>
+            </p:cNvCxnSpPr>
+            <p:nvPr/>
+          </p:nvCxnSpPr>
+          <p:spPr>
+            <a:xfrm flipV="1">
+              <a:off x="5207301" y="1862807"/>
+              <a:ext cx="4247" cy="265071"/>
+            </a:xfrm>
+            <a:prstGeom prst="straightConnector1">
+              <a:avLst/>
+            </a:prstGeom>
+            <a:ln>
+              <a:tailEnd type="triangle"/>
+            </a:ln>
+          </p:spPr>
+          <p:style>
+            <a:lnRef idx="1">
+              <a:schemeClr val="accent1"/>
+            </a:lnRef>
+            <a:fillRef idx="0">
+              <a:schemeClr val="accent1"/>
+            </a:fillRef>
+            <a:effectRef idx="0">
+              <a:schemeClr val="accent1"/>
+            </a:effectRef>
+            <a:fontRef idx="minor">
+              <a:schemeClr val="tx1"/>
+            </a:fontRef>
+          </p:style>
+        </p:cxnSp>
         <mc:AlternateContent xmlns:mc="http://schemas.openxmlformats.org/markup-compatibility/2006">
           <mc:Choice xmlns:a14="http://schemas.microsoft.com/office/drawing/2010/main" Requires="a14">
             <p:sp>
               <p:nvSpPr>
-                <p:cNvPr id="3" name="TextBox 2">
+                <p:cNvPr id="124" name="TextBox 123">
                   <a:extLst>
                     <a:ext uri="{FF2B5EF4-FFF2-40B4-BE49-F238E27FC236}">
-                      <a16:creationId xmlns:a16="http://schemas.microsoft.com/office/drawing/2014/main" id="{C2D3DD71-0D12-BA4A-86DC-C441B680093A}"/>
+                      <a16:creationId xmlns:a16="http://schemas.microsoft.com/office/drawing/2014/main" id="{BB0FBDFA-3432-6440-95D4-741E8849FB26}"/>
                     </a:ext>
                   </a:extLst>
                 </p:cNvPr>
@@ -31393,8 +34564,8 @@
               </p:nvSpPr>
               <p:spPr>
                 <a:xfrm>
-                  <a:off x="1701234" y="2166674"/>
-                  <a:ext cx="317715" cy="261610"/>
+                  <a:off x="5036509" y="1624060"/>
+                  <a:ext cx="348749" cy="261610"/>
                 </a:xfrm>
                 <a:prstGeom prst="rect">
                   <a:avLst/>
@@ -31413,13 +34584,31 @@
                         <m:jc m:val="centerGroup"/>
                       </m:oMathParaPr>
                       <m:oMath xmlns:m="http://schemas.openxmlformats.org/officeDocument/2006/math">
-                        <m:r>
-                          <a:rPr lang="en-US" sz="1100" i="1" smtClean="0">
-                            <a:latin typeface="Cambria Math" panose="02040503050406030204" pitchFamily="18" charset="0"/>
-                            <a:ea typeface="Cambria Math" panose="02040503050406030204" pitchFamily="18" charset="0"/>
-                          </a:rPr>
-                          <m:t>×</m:t>
-                        </m:r>
+                        <m:sSub>
+                          <m:sSubPr>
+                            <m:ctrlPr>
+                              <a:rPr lang="en-US" sz="1100" i="1" smtClean="0">
+                                <a:latin typeface="Cambria Math" panose="02040503050406030204" pitchFamily="18" charset="0"/>
+                              </a:rPr>
+                            </m:ctrlPr>
+                          </m:sSubPr>
+                          <m:e>
+                            <m:r>
+                              <a:rPr lang="en-US" sz="1100" b="0" i="1" smtClean="0">
+                                <a:latin typeface="Cambria Math" panose="02040503050406030204" pitchFamily="18" charset="0"/>
+                              </a:rPr>
+                              <m:t>h</m:t>
+                            </m:r>
+                          </m:e>
+                          <m:sub>
+                            <m:r>
+                              <a:rPr lang="en-US" sz="1100" b="0" i="1" smtClean="0">
+                                <a:latin typeface="Cambria Math" panose="02040503050406030204" pitchFamily="18" charset="0"/>
+                              </a:rPr>
+                              <m:t>𝑡</m:t>
+                            </m:r>
+                          </m:sub>
+                        </m:sSub>
                       </m:oMath>
                     </m:oMathPara>
                   </a14:m>
@@ -31431,10 +34620,10 @@
           <mc:Fallback>
             <p:sp>
               <p:nvSpPr>
-                <p:cNvPr id="3" name="TextBox 2">
+                <p:cNvPr id="124" name="TextBox 123">
                   <a:extLst>
                     <a:ext uri="{FF2B5EF4-FFF2-40B4-BE49-F238E27FC236}">
-                      <a16:creationId xmlns:a16="http://schemas.microsoft.com/office/drawing/2014/main" id="{C2D3DD71-0D12-BA4A-86DC-C441B680093A}"/>
+                      <a16:creationId xmlns:a16="http://schemas.microsoft.com/office/drawing/2014/main" id="{BB0FBDFA-3432-6440-95D4-741E8849FB26}"/>
                     </a:ext>
                   </a:extLst>
                 </p:cNvPr>
@@ -31445,14 +34634,14 @@
               </p:nvSpPr>
               <p:spPr>
                 <a:xfrm>
-                  <a:off x="1701234" y="2166674"/>
-                  <a:ext cx="317715" cy="261610"/>
+                  <a:off x="5036509" y="1624060"/>
+                  <a:ext cx="348749" cy="261610"/>
                 </a:xfrm>
                 <a:prstGeom prst="rect">
                   <a:avLst/>
                 </a:prstGeom>
                 <a:blipFill>
-                  <a:blip r:embed="rId2"/>
+                  <a:blip r:embed="rId11"/>
                   <a:stretch>
                     <a:fillRect/>
                   </a:stretch>
@@ -31473,82 +34662,14 @@
             </p:sp>
           </mc:Fallback>
         </mc:AlternateContent>
-      </p:grpSp>
-      <p:grpSp>
-        <p:nvGrpSpPr>
-          <p:cNvPr id="7" name="Group 6">
-            <a:extLst>
-              <a:ext uri="{FF2B5EF4-FFF2-40B4-BE49-F238E27FC236}">
-                <a16:creationId xmlns:a16="http://schemas.microsoft.com/office/drawing/2014/main" id="{DF1B0C0D-3510-184A-8455-A55B97E42C58}"/>
-              </a:ext>
-            </a:extLst>
-          </p:cNvPr>
-          <p:cNvGrpSpPr/>
-          <p:nvPr/>
-        </p:nvGrpSpPr>
-        <p:grpSpPr>
-          <a:xfrm>
-            <a:off x="1794273" y="3118296"/>
-            <a:ext cx="372806" cy="301255"/>
-            <a:chOff x="1794273" y="3118296"/>
-            <a:chExt cx="372806" cy="301255"/>
-          </a:xfrm>
-        </p:grpSpPr>
-        <p:sp>
-          <p:nvSpPr>
-            <p:cNvPr id="5" name="Rectangle 4">
-              <a:extLst>
-                <a:ext uri="{FF2B5EF4-FFF2-40B4-BE49-F238E27FC236}">
-                  <a16:creationId xmlns:a16="http://schemas.microsoft.com/office/drawing/2014/main" id="{16507069-B0B8-134E-88C3-33DCD40DBCF9}"/>
-                </a:ext>
-              </a:extLst>
-            </p:cNvPr>
-            <p:cNvSpPr/>
-            <p:nvPr/>
-          </p:nvSpPr>
-          <p:spPr>
-            <a:xfrm>
-              <a:off x="1794273" y="3118296"/>
-              <a:ext cx="372806" cy="301255"/>
-            </a:xfrm>
-            <a:prstGeom prst="rect">
-              <a:avLst/>
-            </a:prstGeom>
-            <a:noFill/>
-          </p:spPr>
-          <p:style>
-            <a:lnRef idx="2">
-              <a:schemeClr val="accent1">
-                <a:shade val="50000"/>
-              </a:schemeClr>
-            </a:lnRef>
-            <a:fillRef idx="1">
-              <a:schemeClr val="accent1"/>
-            </a:fillRef>
-            <a:effectRef idx="0">
-              <a:schemeClr val="accent1"/>
-            </a:effectRef>
-            <a:fontRef idx="minor">
-              <a:schemeClr val="lt1"/>
-            </a:fontRef>
-          </p:style>
-          <p:txBody>
-            <a:bodyPr rtlCol="0" anchor="ctr"/>
-            <a:lstStyle/>
-            <a:p>
-              <a:pPr algn="ctr"/>
-              <a:endParaRPr lang="en-US"/>
-            </a:p>
-          </p:txBody>
-        </p:sp>
         <mc:AlternateContent xmlns:mc="http://schemas.openxmlformats.org/markup-compatibility/2006">
           <mc:Choice xmlns:a14="http://schemas.microsoft.com/office/drawing/2010/main" Requires="a14">
             <p:sp>
               <p:nvSpPr>
-                <p:cNvPr id="6" name="TextBox 5">
+                <p:cNvPr id="125" name="TextBox 124">
                   <a:extLst>
                     <a:ext uri="{FF2B5EF4-FFF2-40B4-BE49-F238E27FC236}">
-                      <a16:creationId xmlns:a16="http://schemas.microsoft.com/office/drawing/2014/main" id="{BE094DC4-0ABA-F046-93FA-3D551C7D3680}"/>
+                      <a16:creationId xmlns:a16="http://schemas.microsoft.com/office/drawing/2014/main" id="{F71BA993-AED1-C14F-B953-4ACE02A27418}"/>
                     </a:ext>
                   </a:extLst>
                 </p:cNvPr>
@@ -31557,8 +34678,8 @@
               </p:nvSpPr>
               <p:spPr>
                 <a:xfrm>
-                  <a:off x="1829705" y="3118296"/>
-                  <a:ext cx="301942" cy="261610"/>
+                  <a:off x="5440968" y="1997073"/>
+                  <a:ext cx="330860" cy="261610"/>
                 </a:xfrm>
                 <a:prstGeom prst="rect">
                   <a:avLst/>
@@ -31577,13 +34698,31 @@
                         <m:jc m:val="centerGroup"/>
                       </m:oMathParaPr>
                       <m:oMath xmlns:m="http://schemas.openxmlformats.org/officeDocument/2006/math">
-                        <m:r>
-                          <a:rPr lang="en-US" sz="1100" i="1" smtClean="0">
-                            <a:latin typeface="Cambria Math" panose="02040503050406030204" pitchFamily="18" charset="0"/>
-                            <a:ea typeface="Cambria Math" panose="02040503050406030204" pitchFamily="18" charset="0"/>
-                          </a:rPr>
-                          <m:t>𝜎</m:t>
-                        </m:r>
+                        <m:sSub>
+                          <m:sSubPr>
+                            <m:ctrlPr>
+                              <a:rPr lang="en-US" sz="1100" i="1" smtClean="0">
+                                <a:latin typeface="Cambria Math" panose="02040503050406030204" pitchFamily="18" charset="0"/>
+                              </a:rPr>
+                            </m:ctrlPr>
+                          </m:sSubPr>
+                          <m:e>
+                            <m:r>
+                              <a:rPr lang="en-US" sz="1100" b="0" i="1" smtClean="0">
+                                <a:latin typeface="Cambria Math" panose="02040503050406030204" pitchFamily="18" charset="0"/>
+                              </a:rPr>
+                              <m:t>𝑐</m:t>
+                            </m:r>
+                          </m:e>
+                          <m:sub>
+                            <m:r>
+                              <a:rPr lang="en-US" sz="1100" b="0" i="1" smtClean="0">
+                                <a:latin typeface="Cambria Math" panose="02040503050406030204" pitchFamily="18" charset="0"/>
+                              </a:rPr>
+                              <m:t>𝑡</m:t>
+                            </m:r>
+                          </m:sub>
+                        </m:sSub>
                       </m:oMath>
                     </m:oMathPara>
                   </a14:m>
@@ -31595,10 +34734,10 @@
           <mc:Fallback>
             <p:sp>
               <p:nvSpPr>
-                <p:cNvPr id="6" name="TextBox 5">
+                <p:cNvPr id="125" name="TextBox 124">
                   <a:extLst>
                     <a:ext uri="{FF2B5EF4-FFF2-40B4-BE49-F238E27FC236}">
-                      <a16:creationId xmlns:a16="http://schemas.microsoft.com/office/drawing/2014/main" id="{BE094DC4-0ABA-F046-93FA-3D551C7D3680}"/>
+                      <a16:creationId xmlns:a16="http://schemas.microsoft.com/office/drawing/2014/main" id="{F71BA993-AED1-C14F-B953-4ACE02A27418}"/>
                     </a:ext>
                   </a:extLst>
                 </p:cNvPr>
@@ -31609,14 +34748,14 @@
               </p:nvSpPr>
               <p:spPr>
                 <a:xfrm>
-                  <a:off x="1829705" y="3118296"/>
-                  <a:ext cx="301942" cy="261610"/>
+                  <a:off x="5440968" y="1997073"/>
+                  <a:ext cx="330860" cy="261610"/>
                 </a:xfrm>
                 <a:prstGeom prst="rect">
                   <a:avLst/>
                 </a:prstGeom>
                 <a:blipFill>
-                  <a:blip r:embed="rId3"/>
+                  <a:blip r:embed="rId12"/>
                   <a:stretch>
                     <a:fillRect/>
                   </a:stretch>
@@ -31637,82 +34776,14 @@
             </p:sp>
           </mc:Fallback>
         </mc:AlternateContent>
-      </p:grpSp>
-      <p:grpSp>
-        <p:nvGrpSpPr>
-          <p:cNvPr id="8" name="Group 7">
-            <a:extLst>
-              <a:ext uri="{FF2B5EF4-FFF2-40B4-BE49-F238E27FC236}">
-                <a16:creationId xmlns:a16="http://schemas.microsoft.com/office/drawing/2014/main" id="{6701E5C8-CB3C-3541-87E4-BFB3F36F51FB}"/>
-              </a:ext>
-            </a:extLst>
-          </p:cNvPr>
-          <p:cNvGrpSpPr/>
-          <p:nvPr/>
-        </p:nvGrpSpPr>
-        <p:grpSpPr>
-          <a:xfrm>
-            <a:off x="2478222" y="3113291"/>
-            <a:ext cx="372806" cy="301255"/>
-            <a:chOff x="1794273" y="3118296"/>
-            <a:chExt cx="372806" cy="301255"/>
-          </a:xfrm>
-        </p:grpSpPr>
-        <p:sp>
-          <p:nvSpPr>
-            <p:cNvPr id="9" name="Rectangle 8">
-              <a:extLst>
-                <a:ext uri="{FF2B5EF4-FFF2-40B4-BE49-F238E27FC236}">
-                  <a16:creationId xmlns:a16="http://schemas.microsoft.com/office/drawing/2014/main" id="{BC6420CD-7E7B-ED42-9BE2-54F94DE60BFA}"/>
-                </a:ext>
-              </a:extLst>
-            </p:cNvPr>
-            <p:cNvSpPr/>
-            <p:nvPr/>
-          </p:nvSpPr>
-          <p:spPr>
-            <a:xfrm>
-              <a:off x="1794273" y="3118296"/>
-              <a:ext cx="372806" cy="301255"/>
-            </a:xfrm>
-            <a:prstGeom prst="rect">
-              <a:avLst/>
-            </a:prstGeom>
-            <a:noFill/>
-          </p:spPr>
-          <p:style>
-            <a:lnRef idx="2">
-              <a:schemeClr val="accent1">
-                <a:shade val="50000"/>
-              </a:schemeClr>
-            </a:lnRef>
-            <a:fillRef idx="1">
-              <a:schemeClr val="accent1"/>
-            </a:fillRef>
-            <a:effectRef idx="0">
-              <a:schemeClr val="accent1"/>
-            </a:effectRef>
-            <a:fontRef idx="minor">
-              <a:schemeClr val="lt1"/>
-            </a:fontRef>
-          </p:style>
-          <p:txBody>
-            <a:bodyPr rtlCol="0" anchor="ctr"/>
-            <a:lstStyle/>
-            <a:p>
-              <a:pPr algn="ctr"/>
-              <a:endParaRPr lang="en-US"/>
-            </a:p>
-          </p:txBody>
-        </p:sp>
         <mc:AlternateContent xmlns:mc="http://schemas.openxmlformats.org/markup-compatibility/2006">
           <mc:Choice xmlns:a14="http://schemas.microsoft.com/office/drawing/2010/main" Requires="a14">
             <p:sp>
               <p:nvSpPr>
-                <p:cNvPr id="10" name="TextBox 9">
+                <p:cNvPr id="126" name="TextBox 125">
                   <a:extLst>
                     <a:ext uri="{FF2B5EF4-FFF2-40B4-BE49-F238E27FC236}">
-                      <a16:creationId xmlns:a16="http://schemas.microsoft.com/office/drawing/2014/main" id="{9DE80389-C6FD-154A-AB3C-52550FF541C0}"/>
+                      <a16:creationId xmlns:a16="http://schemas.microsoft.com/office/drawing/2014/main" id="{1F5DBEF8-2B06-8E40-9740-56C2EBF0A9CE}"/>
                     </a:ext>
                   </a:extLst>
                 </p:cNvPr>
@@ -31721,8 +34792,8 @@
               </p:nvSpPr>
               <p:spPr>
                 <a:xfrm>
-                  <a:off x="1829705" y="3118296"/>
-                  <a:ext cx="301942" cy="261610"/>
+                  <a:off x="5433636" y="3741747"/>
+                  <a:ext cx="348749" cy="261610"/>
                 </a:xfrm>
                 <a:prstGeom prst="rect">
                   <a:avLst/>
@@ -31741,13 +34812,31 @@
                         <m:jc m:val="centerGroup"/>
                       </m:oMathParaPr>
                       <m:oMath xmlns:m="http://schemas.openxmlformats.org/officeDocument/2006/math">
-                        <m:r>
-                          <a:rPr lang="en-US" sz="1100" i="1" smtClean="0">
-                            <a:latin typeface="Cambria Math" panose="02040503050406030204" pitchFamily="18" charset="0"/>
-                            <a:ea typeface="Cambria Math" panose="02040503050406030204" pitchFamily="18" charset="0"/>
-                          </a:rPr>
-                          <m:t>𝜎</m:t>
-                        </m:r>
+                        <m:sSub>
+                          <m:sSubPr>
+                            <m:ctrlPr>
+                              <a:rPr lang="en-US" sz="1100" i="1" smtClean="0">
+                                <a:latin typeface="Cambria Math" panose="02040503050406030204" pitchFamily="18" charset="0"/>
+                              </a:rPr>
+                            </m:ctrlPr>
+                          </m:sSubPr>
+                          <m:e>
+                            <m:r>
+                              <a:rPr lang="en-US" sz="1100" b="0" i="1" smtClean="0">
+                                <a:latin typeface="Cambria Math" panose="02040503050406030204" pitchFamily="18" charset="0"/>
+                              </a:rPr>
+                              <m:t>h</m:t>
+                            </m:r>
+                          </m:e>
+                          <m:sub>
+                            <m:r>
+                              <a:rPr lang="en-US" sz="1100" b="0" i="1" smtClean="0">
+                                <a:latin typeface="Cambria Math" panose="02040503050406030204" pitchFamily="18" charset="0"/>
+                              </a:rPr>
+                              <m:t>𝑡</m:t>
+                            </m:r>
+                          </m:sub>
+                        </m:sSub>
                       </m:oMath>
                     </m:oMathPara>
                   </a14:m>
@@ -31759,10 +34848,10 @@
           <mc:Fallback>
             <p:sp>
               <p:nvSpPr>
-                <p:cNvPr id="10" name="TextBox 9">
+                <p:cNvPr id="126" name="TextBox 125">
                   <a:extLst>
                     <a:ext uri="{FF2B5EF4-FFF2-40B4-BE49-F238E27FC236}">
-                      <a16:creationId xmlns:a16="http://schemas.microsoft.com/office/drawing/2014/main" id="{9DE80389-C6FD-154A-AB3C-52550FF541C0}"/>
+                      <a16:creationId xmlns:a16="http://schemas.microsoft.com/office/drawing/2014/main" id="{1F5DBEF8-2B06-8E40-9740-56C2EBF0A9CE}"/>
                     </a:ext>
                   </a:extLst>
                 </p:cNvPr>
@@ -31773,14 +34862,14 @@
               </p:nvSpPr>
               <p:spPr>
                 <a:xfrm>
-                  <a:off x="1829705" y="3118296"/>
-                  <a:ext cx="301942" cy="261610"/>
+                  <a:off x="5433636" y="3741747"/>
+                  <a:ext cx="348749" cy="261610"/>
                 </a:xfrm>
                 <a:prstGeom prst="rect">
                   <a:avLst/>
                 </a:prstGeom>
                 <a:blipFill>
-                  <a:blip r:embed="rId4"/>
+                  <a:blip r:embed="rId13"/>
                   <a:stretch>
                     <a:fillRect/>
                   </a:stretch>
@@ -31801,82 +34890,14 @@
             </p:sp>
           </mc:Fallback>
         </mc:AlternateContent>
-      </p:grpSp>
-      <p:grpSp>
-        <p:nvGrpSpPr>
-          <p:cNvPr id="11" name="Group 10">
-            <a:extLst>
-              <a:ext uri="{FF2B5EF4-FFF2-40B4-BE49-F238E27FC236}">
-                <a16:creationId xmlns:a16="http://schemas.microsoft.com/office/drawing/2014/main" id="{460B4B26-7B07-354D-A650-851B3A214C72}"/>
-              </a:ext>
-            </a:extLst>
-          </p:cNvPr>
-          <p:cNvGrpSpPr/>
-          <p:nvPr/>
-        </p:nvGrpSpPr>
-        <p:grpSpPr>
-          <a:xfrm>
-            <a:off x="3197603" y="2031559"/>
-            <a:ext cx="322524" cy="301255"/>
-            <a:chOff x="1701234" y="2146852"/>
-            <a:chExt cx="322524" cy="301255"/>
-          </a:xfrm>
-        </p:grpSpPr>
-        <p:sp>
-          <p:nvSpPr>
-            <p:cNvPr id="12" name="Oval 11">
-              <a:extLst>
-                <a:ext uri="{FF2B5EF4-FFF2-40B4-BE49-F238E27FC236}">
-                  <a16:creationId xmlns:a16="http://schemas.microsoft.com/office/drawing/2014/main" id="{A53300AD-20D0-4643-BE5E-E3DDCC22ADAF}"/>
-                </a:ext>
-              </a:extLst>
-            </p:cNvPr>
-            <p:cNvSpPr/>
-            <p:nvPr/>
-          </p:nvSpPr>
-          <p:spPr>
-            <a:xfrm>
-              <a:off x="1716455" y="2146852"/>
-              <a:ext cx="287274" cy="301255"/>
-            </a:xfrm>
-            <a:prstGeom prst="ellipse">
-              <a:avLst/>
-            </a:prstGeom>
-            <a:noFill/>
-          </p:spPr>
-          <p:style>
-            <a:lnRef idx="2">
-              <a:schemeClr val="accent1">
-                <a:shade val="50000"/>
-              </a:schemeClr>
-            </a:lnRef>
-            <a:fillRef idx="1">
-              <a:schemeClr val="accent1"/>
-            </a:fillRef>
-            <a:effectRef idx="0">
-              <a:schemeClr val="accent1"/>
-            </a:effectRef>
-            <a:fontRef idx="minor">
-              <a:schemeClr val="lt1"/>
-            </a:fontRef>
-          </p:style>
-          <p:txBody>
-            <a:bodyPr rtlCol="0" anchor="ctr"/>
-            <a:lstStyle/>
-            <a:p>
-              <a:pPr algn="ctr"/>
-              <a:endParaRPr lang="en-US"/>
-            </a:p>
-          </p:txBody>
-        </p:sp>
         <mc:AlternateContent xmlns:mc="http://schemas.openxmlformats.org/markup-compatibility/2006">
           <mc:Choice xmlns:a14="http://schemas.microsoft.com/office/drawing/2010/main" Requires="a14">
             <p:sp>
               <p:nvSpPr>
-                <p:cNvPr id="13" name="TextBox 12">
+                <p:cNvPr id="127" name="TextBox 126">
                   <a:extLst>
                     <a:ext uri="{FF2B5EF4-FFF2-40B4-BE49-F238E27FC236}">
-                      <a16:creationId xmlns:a16="http://schemas.microsoft.com/office/drawing/2014/main" id="{9F1F0EC7-0847-864A-B080-F37FF716C1E4}"/>
+                      <a16:creationId xmlns:a16="http://schemas.microsoft.com/office/drawing/2014/main" id="{D5C044F9-1ACA-954B-BDBD-1C030B040704}"/>
                     </a:ext>
                   </a:extLst>
                 </p:cNvPr>
@@ -31885,8 +34906,8 @@
               </p:nvSpPr>
               <p:spPr>
                 <a:xfrm>
-                  <a:off x="1701234" y="2166674"/>
-                  <a:ext cx="322524" cy="261610"/>
+                  <a:off x="1205051" y="4137254"/>
+                  <a:ext cx="344197" cy="261610"/>
                 </a:xfrm>
                 <a:prstGeom prst="rect">
                   <a:avLst/>
@@ -31905,13 +34926,31 @@
                         <m:jc m:val="centerGroup"/>
                       </m:oMathParaPr>
                       <m:oMath xmlns:m="http://schemas.openxmlformats.org/officeDocument/2006/math">
-                        <m:r>
-                          <a:rPr lang="en-US" sz="1100" b="0" i="1" smtClean="0">
-                            <a:latin typeface="Cambria Math" panose="02040503050406030204" pitchFamily="18" charset="0"/>
-                            <a:ea typeface="Cambria Math" panose="02040503050406030204" pitchFamily="18" charset="0"/>
-                          </a:rPr>
-                          <m:t>+</m:t>
-                        </m:r>
+                        <m:sSub>
+                          <m:sSubPr>
+                            <m:ctrlPr>
+                              <a:rPr lang="en-US" sz="1100" i="1" smtClean="0">
+                                <a:latin typeface="Cambria Math" panose="02040503050406030204" pitchFamily="18" charset="0"/>
+                              </a:rPr>
+                            </m:ctrlPr>
+                          </m:sSubPr>
+                          <m:e>
+                            <m:r>
+                              <a:rPr lang="en-US" sz="1100" b="0" i="1" smtClean="0">
+                                <a:latin typeface="Cambria Math" panose="02040503050406030204" pitchFamily="18" charset="0"/>
+                              </a:rPr>
+                              <m:t>𝑥</m:t>
+                            </m:r>
+                          </m:e>
+                          <m:sub>
+                            <m:r>
+                              <a:rPr lang="en-US" sz="1100" b="0" i="1" smtClean="0">
+                                <a:latin typeface="Cambria Math" panose="02040503050406030204" pitchFamily="18" charset="0"/>
+                              </a:rPr>
+                              <m:t>𝑡</m:t>
+                            </m:r>
+                          </m:sub>
+                        </m:sSub>
                       </m:oMath>
                     </m:oMathPara>
                   </a14:m>
@@ -31923,10 +34962,10 @@
           <mc:Fallback>
             <p:sp>
               <p:nvSpPr>
-                <p:cNvPr id="13" name="TextBox 12">
+                <p:cNvPr id="127" name="TextBox 126">
                   <a:extLst>
                     <a:ext uri="{FF2B5EF4-FFF2-40B4-BE49-F238E27FC236}">
-                      <a16:creationId xmlns:a16="http://schemas.microsoft.com/office/drawing/2014/main" id="{9F1F0EC7-0847-864A-B080-F37FF716C1E4}"/>
+                      <a16:creationId xmlns:a16="http://schemas.microsoft.com/office/drawing/2014/main" id="{D5C044F9-1ACA-954B-BDBD-1C030B040704}"/>
                     </a:ext>
                   </a:extLst>
                 </p:cNvPr>
@@ -31937,14 +34976,14 @@
               </p:nvSpPr>
               <p:spPr>
                 <a:xfrm>
-                  <a:off x="1701234" y="2166674"/>
-                  <a:ext cx="322524" cy="261610"/>
+                  <a:off x="1205051" y="4137254"/>
+                  <a:ext cx="344197" cy="261610"/>
                 </a:xfrm>
                 <a:prstGeom prst="rect">
                   <a:avLst/>
                 </a:prstGeom>
                 <a:blipFill>
-                  <a:blip r:embed="rId5"/>
+                  <a:blip r:embed="rId14"/>
                   <a:stretch>
                     <a:fillRect/>
                   </a:stretch>
@@ -31965,33 +35004,12 @@
             </p:sp>
           </mc:Fallback>
         </mc:AlternateContent>
-      </p:grpSp>
-      <p:grpSp>
-        <p:nvGrpSpPr>
-          <p:cNvPr id="14" name="Group 13">
-            <a:extLst>
-              <a:ext uri="{FF2B5EF4-FFF2-40B4-BE49-F238E27FC236}">
-                <a16:creationId xmlns:a16="http://schemas.microsoft.com/office/drawing/2014/main" id="{AA9D4F97-CD00-1A40-9ABE-921F5993B19F}"/>
-              </a:ext>
-            </a:extLst>
-          </p:cNvPr>
-          <p:cNvGrpSpPr/>
-          <p:nvPr/>
-        </p:nvGrpSpPr>
-        <p:grpSpPr>
-          <a:xfrm>
-            <a:off x="3202412" y="2490084"/>
-            <a:ext cx="317715" cy="301255"/>
-            <a:chOff x="1701234" y="2146852"/>
-            <a:chExt cx="317715" cy="301255"/>
-          </a:xfrm>
-        </p:grpSpPr>
         <p:sp>
           <p:nvSpPr>
-            <p:cNvPr id="15" name="Oval 14">
+            <p:cNvPr id="128" name="Arc 127">
               <a:extLst>
                 <a:ext uri="{FF2B5EF4-FFF2-40B4-BE49-F238E27FC236}">
-                  <a16:creationId xmlns:a16="http://schemas.microsoft.com/office/drawing/2014/main" id="{9056AFFD-6114-AB46-9D12-42F173B79B9E}"/>
+                  <a16:creationId xmlns:a16="http://schemas.microsoft.com/office/drawing/2014/main" id="{154D20F1-0E35-884C-B4ED-4BA50E61C608}"/>
                 </a:ext>
               </a:extLst>
             </p:cNvPr>
@@ -31999,14 +35017,499 @@
             <p:nvPr/>
           </p:nvSpPr>
           <p:spPr>
-            <a:xfrm>
-              <a:off x="1716455" y="2146852"/>
-              <a:ext cx="287274" cy="301255"/>
+            <a:xfrm rot="16200000">
+              <a:off x="3517430" y="3887106"/>
+              <a:ext cx="402220" cy="386322"/>
             </a:xfrm>
-            <a:prstGeom prst="ellipse">
+            <a:prstGeom prst="arc">
               <a:avLst/>
             </a:prstGeom>
-            <a:noFill/>
+          </p:spPr>
+          <p:style>
+            <a:lnRef idx="1">
+              <a:schemeClr val="accent1"/>
+            </a:lnRef>
+            <a:fillRef idx="0">
+              <a:schemeClr val="accent1"/>
+            </a:fillRef>
+            <a:effectRef idx="0">
+              <a:schemeClr val="accent1"/>
+            </a:effectRef>
+            <a:fontRef idx="minor">
+              <a:schemeClr val="tx1"/>
+            </a:fontRef>
+          </p:style>
+          <p:txBody>
+            <a:bodyPr rtlCol="0" anchor="ctr"/>
+            <a:lstStyle/>
+            <a:p>
+              <a:pPr algn="ctr"/>
+              <a:endParaRPr lang="en-US"/>
+            </a:p>
+          </p:txBody>
+        </p:sp>
+        <p:sp>
+          <p:nvSpPr>
+            <p:cNvPr id="130" name="Arc 129">
+              <a:extLst>
+                <a:ext uri="{FF2B5EF4-FFF2-40B4-BE49-F238E27FC236}">
+                  <a16:creationId xmlns:a16="http://schemas.microsoft.com/office/drawing/2014/main" id="{CC5B25D4-A953-164E-8081-A7C37E67C19C}"/>
+                </a:ext>
+              </a:extLst>
+            </p:cNvPr>
+            <p:cNvSpPr/>
+            <p:nvPr/>
+          </p:nvSpPr>
+          <p:spPr>
+            <a:xfrm rot="5080787">
+              <a:off x="3133151" y="3880927"/>
+              <a:ext cx="402220" cy="386322"/>
+            </a:xfrm>
+            <a:prstGeom prst="arc">
+              <a:avLst/>
+            </a:prstGeom>
+          </p:spPr>
+          <p:style>
+            <a:lnRef idx="1">
+              <a:schemeClr val="accent1"/>
+            </a:lnRef>
+            <a:fillRef idx="0">
+              <a:schemeClr val="accent1"/>
+            </a:fillRef>
+            <a:effectRef idx="0">
+              <a:schemeClr val="accent1"/>
+            </a:effectRef>
+            <a:fontRef idx="minor">
+              <a:schemeClr val="tx1"/>
+            </a:fontRef>
+          </p:style>
+          <p:txBody>
+            <a:bodyPr rtlCol="0" anchor="ctr"/>
+            <a:lstStyle/>
+            <a:p>
+              <a:pPr algn="ctr"/>
+              <a:endParaRPr lang="en-US"/>
+            </a:p>
+          </p:txBody>
+        </p:sp>
+        <p:sp>
+          <p:nvSpPr>
+            <p:cNvPr id="132" name="Arc 131">
+              <a:extLst>
+                <a:ext uri="{FF2B5EF4-FFF2-40B4-BE49-F238E27FC236}">
+                  <a16:creationId xmlns:a16="http://schemas.microsoft.com/office/drawing/2014/main" id="{55F07426-6D91-1E46-9BA3-A427ED51066B}"/>
+                </a:ext>
+              </a:extLst>
+            </p:cNvPr>
+            <p:cNvSpPr/>
+            <p:nvPr/>
+          </p:nvSpPr>
+          <p:spPr>
+            <a:xfrm rot="5080787">
+              <a:off x="2960088" y="3894524"/>
+              <a:ext cx="402220" cy="386322"/>
+            </a:xfrm>
+            <a:prstGeom prst="arc">
+              <a:avLst/>
+            </a:prstGeom>
+          </p:spPr>
+          <p:style>
+            <a:lnRef idx="1">
+              <a:schemeClr val="accent1"/>
+            </a:lnRef>
+            <a:fillRef idx="0">
+              <a:schemeClr val="accent1"/>
+            </a:fillRef>
+            <a:effectRef idx="0">
+              <a:schemeClr val="accent1"/>
+            </a:effectRef>
+            <a:fontRef idx="minor">
+              <a:schemeClr val="tx1"/>
+            </a:fontRef>
+          </p:style>
+          <p:txBody>
+            <a:bodyPr rtlCol="0" anchor="ctr"/>
+            <a:lstStyle/>
+            <a:p>
+              <a:pPr algn="ctr"/>
+              <a:endParaRPr lang="en-US"/>
+            </a:p>
+          </p:txBody>
+        </p:sp>
+        <p:sp>
+          <p:nvSpPr>
+            <p:cNvPr id="134" name="Arc 133">
+              <a:extLst>
+                <a:ext uri="{FF2B5EF4-FFF2-40B4-BE49-F238E27FC236}">
+                  <a16:creationId xmlns:a16="http://schemas.microsoft.com/office/drawing/2014/main" id="{5E123234-DFB3-2445-A832-B4F468CED117}"/>
+                </a:ext>
+              </a:extLst>
+            </p:cNvPr>
+            <p:cNvSpPr/>
+            <p:nvPr/>
+          </p:nvSpPr>
+          <p:spPr>
+            <a:xfrm rot="5080787">
+              <a:off x="2275471" y="3897544"/>
+              <a:ext cx="402220" cy="386322"/>
+            </a:xfrm>
+            <a:prstGeom prst="arc">
+              <a:avLst/>
+            </a:prstGeom>
+          </p:spPr>
+          <p:style>
+            <a:lnRef idx="1">
+              <a:schemeClr val="accent1"/>
+            </a:lnRef>
+            <a:fillRef idx="0">
+              <a:schemeClr val="accent1"/>
+            </a:fillRef>
+            <a:effectRef idx="0">
+              <a:schemeClr val="accent1"/>
+            </a:effectRef>
+            <a:fontRef idx="minor">
+              <a:schemeClr val="tx1"/>
+            </a:fontRef>
+          </p:style>
+          <p:txBody>
+            <a:bodyPr rtlCol="0" anchor="ctr"/>
+            <a:lstStyle/>
+            <a:p>
+              <a:pPr algn="ctr"/>
+              <a:endParaRPr lang="en-US"/>
+            </a:p>
+          </p:txBody>
+        </p:sp>
+        <p:sp>
+          <p:nvSpPr>
+            <p:cNvPr id="138" name="Arc 137">
+              <a:extLst>
+                <a:ext uri="{FF2B5EF4-FFF2-40B4-BE49-F238E27FC236}">
+                  <a16:creationId xmlns:a16="http://schemas.microsoft.com/office/drawing/2014/main" id="{465F536A-94D8-CB49-92D3-43477E58669B}"/>
+                </a:ext>
+              </a:extLst>
+            </p:cNvPr>
+            <p:cNvSpPr/>
+            <p:nvPr/>
+          </p:nvSpPr>
+          <p:spPr>
+            <a:xfrm rot="5080787">
+              <a:off x="1586039" y="3887487"/>
+              <a:ext cx="402220" cy="386322"/>
+            </a:xfrm>
+            <a:prstGeom prst="arc">
+              <a:avLst/>
+            </a:prstGeom>
+          </p:spPr>
+          <p:style>
+            <a:lnRef idx="1">
+              <a:schemeClr val="accent1"/>
+            </a:lnRef>
+            <a:fillRef idx="0">
+              <a:schemeClr val="accent1"/>
+            </a:fillRef>
+            <a:effectRef idx="0">
+              <a:schemeClr val="accent1"/>
+            </a:effectRef>
+            <a:fontRef idx="minor">
+              <a:schemeClr val="tx1"/>
+            </a:fontRef>
+          </p:style>
+          <p:txBody>
+            <a:bodyPr rtlCol="0" anchor="ctr"/>
+            <a:lstStyle/>
+            <a:p>
+              <a:pPr algn="ctr"/>
+              <a:endParaRPr lang="en-US"/>
+            </a:p>
+          </p:txBody>
+        </p:sp>
+        <p:cxnSp>
+          <p:nvCxnSpPr>
+            <p:cNvPr id="145" name="Straight Connector 144">
+              <a:extLst>
+                <a:ext uri="{FF2B5EF4-FFF2-40B4-BE49-F238E27FC236}">
+                  <a16:creationId xmlns:a16="http://schemas.microsoft.com/office/drawing/2014/main" id="{1AD2F4DB-79FB-674F-90AA-439953FFD704}"/>
+                </a:ext>
+              </a:extLst>
+            </p:cNvPr>
+            <p:cNvCxnSpPr/>
+            <p:nvPr/>
+          </p:nvCxnSpPr>
+          <p:spPr>
+            <a:xfrm flipH="1">
+              <a:off x="1491095" y="4281377"/>
+              <a:ext cx="1861041" cy="0"/>
+            </a:xfrm>
+            <a:prstGeom prst="line">
+              <a:avLst/>
+            </a:prstGeom>
+          </p:spPr>
+          <p:style>
+            <a:lnRef idx="1">
+              <a:schemeClr val="accent1"/>
+            </a:lnRef>
+            <a:fillRef idx="0">
+              <a:schemeClr val="accent1"/>
+            </a:fillRef>
+            <a:effectRef idx="0">
+              <a:schemeClr val="accent1"/>
+            </a:effectRef>
+            <a:fontRef idx="minor">
+              <a:schemeClr val="tx1"/>
+            </a:fontRef>
+          </p:style>
+        </p:cxnSp>
+        <p:sp>
+          <p:nvSpPr>
+            <p:cNvPr id="146" name="Triangle 145">
+              <a:extLst>
+                <a:ext uri="{FF2B5EF4-FFF2-40B4-BE49-F238E27FC236}">
+                  <a16:creationId xmlns:a16="http://schemas.microsoft.com/office/drawing/2014/main" id="{1DB1741E-731C-9745-9403-1FD63DD6FA79}"/>
+                </a:ext>
+              </a:extLst>
+            </p:cNvPr>
+            <p:cNvSpPr/>
+            <p:nvPr/>
+          </p:nvSpPr>
+          <p:spPr>
+            <a:xfrm rot="16200000" flipH="1" flipV="1">
+              <a:off x="1721918" y="4247665"/>
+              <a:ext cx="77286" cy="67423"/>
+            </a:xfrm>
+            <a:prstGeom prst="triangle">
+              <a:avLst/>
+            </a:prstGeom>
+          </p:spPr>
+          <p:style>
+            <a:lnRef idx="2">
+              <a:schemeClr val="accent1">
+                <a:shade val="50000"/>
+              </a:schemeClr>
+            </a:lnRef>
+            <a:fillRef idx="1">
+              <a:schemeClr val="accent1"/>
+            </a:fillRef>
+            <a:effectRef idx="0">
+              <a:schemeClr val="accent1"/>
+            </a:effectRef>
+            <a:fontRef idx="minor">
+              <a:schemeClr val="lt1"/>
+            </a:fontRef>
+          </p:style>
+          <p:txBody>
+            <a:bodyPr rtlCol="0" anchor="ctr"/>
+            <a:lstStyle/>
+            <a:p>
+              <a:pPr algn="ctr"/>
+              <a:endParaRPr lang="en-US"/>
+            </a:p>
+          </p:txBody>
+        </p:sp>
+        <p:sp>
+          <p:nvSpPr>
+            <p:cNvPr id="147" name="Triangle 146">
+              <a:extLst>
+                <a:ext uri="{FF2B5EF4-FFF2-40B4-BE49-F238E27FC236}">
+                  <a16:creationId xmlns:a16="http://schemas.microsoft.com/office/drawing/2014/main" id="{1ED981DD-F2E3-C84C-AF80-1C3FC2643CDF}"/>
+                </a:ext>
+              </a:extLst>
+            </p:cNvPr>
+            <p:cNvSpPr/>
+            <p:nvPr/>
+          </p:nvSpPr>
+          <p:spPr>
+            <a:xfrm rot="16200000" flipH="1" flipV="1">
+              <a:off x="2430813" y="4247665"/>
+              <a:ext cx="77286" cy="67423"/>
+            </a:xfrm>
+            <a:prstGeom prst="triangle">
+              <a:avLst/>
+            </a:prstGeom>
+          </p:spPr>
+          <p:style>
+            <a:lnRef idx="2">
+              <a:schemeClr val="accent1">
+                <a:shade val="50000"/>
+              </a:schemeClr>
+            </a:lnRef>
+            <a:fillRef idx="1">
+              <a:schemeClr val="accent1"/>
+            </a:fillRef>
+            <a:effectRef idx="0">
+              <a:schemeClr val="accent1"/>
+            </a:effectRef>
+            <a:fontRef idx="minor">
+              <a:schemeClr val="lt1"/>
+            </a:fontRef>
+          </p:style>
+          <p:txBody>
+            <a:bodyPr rtlCol="0" anchor="ctr"/>
+            <a:lstStyle/>
+            <a:p>
+              <a:pPr algn="ctr"/>
+              <a:endParaRPr lang="en-US"/>
+            </a:p>
+          </p:txBody>
+        </p:sp>
+        <p:sp>
+          <p:nvSpPr>
+            <p:cNvPr id="148" name="Triangle 147">
+              <a:extLst>
+                <a:ext uri="{FF2B5EF4-FFF2-40B4-BE49-F238E27FC236}">
+                  <a16:creationId xmlns:a16="http://schemas.microsoft.com/office/drawing/2014/main" id="{7E98C87B-6882-2642-8C95-3E4BB9EF300A}"/>
+                </a:ext>
+              </a:extLst>
+            </p:cNvPr>
+            <p:cNvSpPr/>
+            <p:nvPr/>
+          </p:nvSpPr>
+          <p:spPr>
+            <a:xfrm rot="16200000" flipH="1" flipV="1">
+              <a:off x="3127607" y="4247665"/>
+              <a:ext cx="77286" cy="67423"/>
+            </a:xfrm>
+            <a:prstGeom prst="triangle">
+              <a:avLst/>
+            </a:prstGeom>
+          </p:spPr>
+          <p:style>
+            <a:lnRef idx="2">
+              <a:schemeClr val="accent1">
+                <a:shade val="50000"/>
+              </a:schemeClr>
+            </a:lnRef>
+            <a:fillRef idx="1">
+              <a:schemeClr val="accent1"/>
+            </a:fillRef>
+            <a:effectRef idx="0">
+              <a:schemeClr val="accent1"/>
+            </a:effectRef>
+            <a:fontRef idx="minor">
+              <a:schemeClr val="lt1"/>
+            </a:fontRef>
+          </p:style>
+          <p:txBody>
+            <a:bodyPr rtlCol="0" anchor="ctr"/>
+            <a:lstStyle/>
+            <a:p>
+              <a:pPr algn="ctr"/>
+              <a:endParaRPr lang="en-US"/>
+            </a:p>
+          </p:txBody>
+        </p:sp>
+        <p:sp>
+          <p:nvSpPr>
+            <p:cNvPr id="149" name="Triangle 148">
+              <a:extLst>
+                <a:ext uri="{FF2B5EF4-FFF2-40B4-BE49-F238E27FC236}">
+                  <a16:creationId xmlns:a16="http://schemas.microsoft.com/office/drawing/2014/main" id="{ACDFE022-AC72-4E45-AA73-0B0710F7D16F}"/>
+                </a:ext>
+              </a:extLst>
+            </p:cNvPr>
+            <p:cNvSpPr/>
+            <p:nvPr/>
+          </p:nvSpPr>
+          <p:spPr>
+            <a:xfrm rot="16200000" flipH="1" flipV="1">
+              <a:off x="1739762" y="3848077"/>
+              <a:ext cx="77286" cy="67423"/>
+            </a:xfrm>
+            <a:prstGeom prst="triangle">
+              <a:avLst/>
+            </a:prstGeom>
+          </p:spPr>
+          <p:style>
+            <a:lnRef idx="2">
+              <a:schemeClr val="accent1">
+                <a:shade val="50000"/>
+              </a:schemeClr>
+            </a:lnRef>
+            <a:fillRef idx="1">
+              <a:schemeClr val="accent1"/>
+            </a:fillRef>
+            <a:effectRef idx="0">
+              <a:schemeClr val="accent1"/>
+            </a:effectRef>
+            <a:fontRef idx="minor">
+              <a:schemeClr val="lt1"/>
+            </a:fontRef>
+          </p:style>
+          <p:txBody>
+            <a:bodyPr rtlCol="0" anchor="ctr"/>
+            <a:lstStyle/>
+            <a:p>
+              <a:pPr algn="ctr"/>
+              <a:endParaRPr lang="en-US"/>
+            </a:p>
+          </p:txBody>
+        </p:sp>
+        <p:sp>
+          <p:nvSpPr>
+            <p:cNvPr id="150" name="Triangle 149">
+              <a:extLst>
+                <a:ext uri="{FF2B5EF4-FFF2-40B4-BE49-F238E27FC236}">
+                  <a16:creationId xmlns:a16="http://schemas.microsoft.com/office/drawing/2014/main" id="{52A27921-E8A7-3746-93B3-1610456AE504}"/>
+                </a:ext>
+              </a:extLst>
+            </p:cNvPr>
+            <p:cNvSpPr/>
+            <p:nvPr/>
+          </p:nvSpPr>
+          <p:spPr>
+            <a:xfrm rot="16200000" flipH="1" flipV="1">
+              <a:off x="2434726" y="3848078"/>
+              <a:ext cx="77286" cy="67423"/>
+            </a:xfrm>
+            <a:prstGeom prst="triangle">
+              <a:avLst/>
+            </a:prstGeom>
+          </p:spPr>
+          <p:style>
+            <a:lnRef idx="2">
+              <a:schemeClr val="accent1">
+                <a:shade val="50000"/>
+              </a:schemeClr>
+            </a:lnRef>
+            <a:fillRef idx="1">
+              <a:schemeClr val="accent1"/>
+            </a:fillRef>
+            <a:effectRef idx="0">
+              <a:schemeClr val="accent1"/>
+            </a:effectRef>
+            <a:fontRef idx="minor">
+              <a:schemeClr val="lt1"/>
+            </a:fontRef>
+          </p:style>
+          <p:txBody>
+            <a:bodyPr rtlCol="0" anchor="ctr"/>
+            <a:lstStyle/>
+            <a:p>
+              <a:pPr algn="ctr"/>
+              <a:endParaRPr lang="en-US"/>
+            </a:p>
+          </p:txBody>
+        </p:sp>
+        <p:sp>
+          <p:nvSpPr>
+            <p:cNvPr id="151" name="Triangle 150">
+              <a:extLst>
+                <a:ext uri="{FF2B5EF4-FFF2-40B4-BE49-F238E27FC236}">
+                  <a16:creationId xmlns:a16="http://schemas.microsoft.com/office/drawing/2014/main" id="{3703C299-20E6-6640-BF41-EEB36F32F363}"/>
+                </a:ext>
+              </a:extLst>
+            </p:cNvPr>
+            <p:cNvSpPr/>
+            <p:nvPr/>
+          </p:nvSpPr>
+          <p:spPr>
+            <a:xfrm rot="16200000" flipH="1" flipV="1">
+              <a:off x="3116731" y="3850480"/>
+              <a:ext cx="77286" cy="67423"/>
+            </a:xfrm>
+            <a:prstGeom prst="triangle">
+              <a:avLst/>
+            </a:prstGeom>
           </p:spPr>
           <p:style>
             <a:lnRef idx="2">
@@ -32037,10 +35540,10 @@
           <mc:Choice xmlns:a14="http://schemas.microsoft.com/office/drawing/2010/main" Requires="a14">
             <p:sp>
               <p:nvSpPr>
-                <p:cNvPr id="16" name="TextBox 15">
+                <p:cNvPr id="152" name="TextBox 151">
                   <a:extLst>
                     <a:ext uri="{FF2B5EF4-FFF2-40B4-BE49-F238E27FC236}">
-                      <a16:creationId xmlns:a16="http://schemas.microsoft.com/office/drawing/2014/main" id="{3980640F-EC46-B148-8AC8-A3C4B333A1B1}"/>
+                      <a16:creationId xmlns:a16="http://schemas.microsoft.com/office/drawing/2014/main" id="{C39F2663-99F8-5444-94C6-E794DAC34083}"/>
                     </a:ext>
                   </a:extLst>
                 </p:cNvPr>
@@ -32049,8 +35552,8 @@
               </p:nvSpPr>
               <p:spPr>
                 <a:xfrm>
-                  <a:off x="1701234" y="2166674"/>
-                  <a:ext cx="317715" cy="261610"/>
+                  <a:off x="1115196" y="2031844"/>
+                  <a:ext cx="465512" cy="261610"/>
                 </a:xfrm>
                 <a:prstGeom prst="rect">
                   <a:avLst/>
@@ -32069,13 +35572,37 @@
                         <m:jc m:val="centerGroup"/>
                       </m:oMathParaPr>
                       <m:oMath xmlns:m="http://schemas.openxmlformats.org/officeDocument/2006/math">
-                        <m:r>
-                          <a:rPr lang="en-US" sz="1100" i="1" smtClean="0">
-                            <a:latin typeface="Cambria Math" panose="02040503050406030204" pitchFamily="18" charset="0"/>
-                            <a:ea typeface="Cambria Math" panose="02040503050406030204" pitchFamily="18" charset="0"/>
-                          </a:rPr>
-                          <m:t>×</m:t>
-                        </m:r>
+                        <m:sSub>
+                          <m:sSubPr>
+                            <m:ctrlPr>
+                              <a:rPr lang="en-US" sz="1100" i="1" smtClean="0">
+                                <a:latin typeface="Cambria Math" panose="02040503050406030204" pitchFamily="18" charset="0"/>
+                              </a:rPr>
+                            </m:ctrlPr>
+                          </m:sSubPr>
+                          <m:e>
+                            <m:r>
+                              <a:rPr lang="en-US" sz="1100" b="0" i="1" smtClean="0">
+                                <a:latin typeface="Cambria Math" panose="02040503050406030204" pitchFamily="18" charset="0"/>
+                              </a:rPr>
+                              <m:t>𝑐</m:t>
+                            </m:r>
+                          </m:e>
+                          <m:sub>
+                            <m:r>
+                              <a:rPr lang="en-US" sz="1100" b="0" i="1" smtClean="0">
+                                <a:latin typeface="Cambria Math" panose="02040503050406030204" pitchFamily="18" charset="0"/>
+                              </a:rPr>
+                              <m:t>𝑡</m:t>
+                            </m:r>
+                            <m:r>
+                              <a:rPr lang="en-US" sz="1100" b="0" i="1" smtClean="0">
+                                <a:latin typeface="Cambria Math" panose="02040503050406030204" pitchFamily="18" charset="0"/>
+                              </a:rPr>
+                              <m:t>−1</m:t>
+                            </m:r>
+                          </m:sub>
+                        </m:sSub>
                       </m:oMath>
                     </m:oMathPara>
                   </a14:m>
@@ -32087,10 +35614,10 @@
           <mc:Fallback>
             <p:sp>
               <p:nvSpPr>
-                <p:cNvPr id="16" name="TextBox 15">
+                <p:cNvPr id="152" name="TextBox 151">
                   <a:extLst>
                     <a:ext uri="{FF2B5EF4-FFF2-40B4-BE49-F238E27FC236}">
-                      <a16:creationId xmlns:a16="http://schemas.microsoft.com/office/drawing/2014/main" id="{3980640F-EC46-B148-8AC8-A3C4B333A1B1}"/>
+                      <a16:creationId xmlns:a16="http://schemas.microsoft.com/office/drawing/2014/main" id="{C39F2663-99F8-5444-94C6-E794DAC34083}"/>
                     </a:ext>
                   </a:extLst>
                 </p:cNvPr>
@@ -32101,14 +35628,14 @@
               </p:nvSpPr>
               <p:spPr>
                 <a:xfrm>
-                  <a:off x="1701234" y="2166674"/>
-                  <a:ext cx="317715" cy="261610"/>
+                  <a:off x="1115196" y="2031844"/>
+                  <a:ext cx="465512" cy="261610"/>
                 </a:xfrm>
                 <a:prstGeom prst="rect">
                   <a:avLst/>
                 </a:prstGeom>
                 <a:blipFill>
-                  <a:blip r:embed="rId6"/>
+                  <a:blip r:embed="rId15"/>
                   <a:stretch>
                     <a:fillRect/>
                   </a:stretch>
@@ -32129,82 +35656,14 @@
             </p:sp>
           </mc:Fallback>
         </mc:AlternateContent>
-      </p:grpSp>
-      <p:grpSp>
-        <p:nvGrpSpPr>
-          <p:cNvPr id="17" name="Group 16">
-            <a:extLst>
-              <a:ext uri="{FF2B5EF4-FFF2-40B4-BE49-F238E27FC236}">
-                <a16:creationId xmlns:a16="http://schemas.microsoft.com/office/drawing/2014/main" id="{20B73637-1A13-A641-9C4D-597822407D43}"/>
-              </a:ext>
-            </a:extLst>
-          </p:cNvPr>
-          <p:cNvGrpSpPr/>
-          <p:nvPr/>
-        </p:nvGrpSpPr>
-        <p:grpSpPr>
-          <a:xfrm>
-            <a:off x="3100204" y="3127745"/>
-            <a:ext cx="490840" cy="301255"/>
-            <a:chOff x="1724419" y="3118296"/>
-            <a:chExt cx="490840" cy="301255"/>
-          </a:xfrm>
-        </p:grpSpPr>
-        <p:sp>
-          <p:nvSpPr>
-            <p:cNvPr id="18" name="Rectangle 17">
-              <a:extLst>
-                <a:ext uri="{FF2B5EF4-FFF2-40B4-BE49-F238E27FC236}">
-                  <a16:creationId xmlns:a16="http://schemas.microsoft.com/office/drawing/2014/main" id="{BDF474F8-8AEE-B247-A0C0-2D8BF3DD1F07}"/>
-                </a:ext>
-              </a:extLst>
-            </p:cNvPr>
-            <p:cNvSpPr/>
-            <p:nvPr/>
-          </p:nvSpPr>
-          <p:spPr>
-            <a:xfrm>
-              <a:off x="1794273" y="3118296"/>
-              <a:ext cx="372806" cy="301255"/>
-            </a:xfrm>
-            <a:prstGeom prst="rect">
-              <a:avLst/>
-            </a:prstGeom>
-            <a:noFill/>
-          </p:spPr>
-          <p:style>
-            <a:lnRef idx="2">
-              <a:schemeClr val="accent1">
-                <a:shade val="50000"/>
-              </a:schemeClr>
-            </a:lnRef>
-            <a:fillRef idx="1">
-              <a:schemeClr val="accent1"/>
-            </a:fillRef>
-            <a:effectRef idx="0">
-              <a:schemeClr val="accent1"/>
-            </a:effectRef>
-            <a:fontRef idx="minor">
-              <a:schemeClr val="lt1"/>
-            </a:fontRef>
-          </p:style>
-          <p:txBody>
-            <a:bodyPr rtlCol="0" anchor="ctr"/>
-            <a:lstStyle/>
-            <a:p>
-              <a:pPr algn="ctr"/>
-              <a:endParaRPr lang="en-US"/>
-            </a:p>
-          </p:txBody>
-        </p:sp>
         <mc:AlternateContent xmlns:mc="http://schemas.openxmlformats.org/markup-compatibility/2006">
           <mc:Choice xmlns:a14="http://schemas.microsoft.com/office/drawing/2010/main" Requires="a14">
             <p:sp>
               <p:nvSpPr>
-                <p:cNvPr id="19" name="TextBox 18">
+                <p:cNvPr id="153" name="TextBox 152">
                   <a:extLst>
                     <a:ext uri="{FF2B5EF4-FFF2-40B4-BE49-F238E27FC236}">
-                      <a16:creationId xmlns:a16="http://schemas.microsoft.com/office/drawing/2014/main" id="{A98AAE9C-FF14-5D40-A466-803677FD3894}"/>
+                      <a16:creationId xmlns:a16="http://schemas.microsoft.com/office/drawing/2014/main" id="{7ACAE64E-6887-C443-A357-2CFCF40FF653}"/>
                     </a:ext>
                   </a:extLst>
                 </p:cNvPr>
@@ -32213,8 +35672,8 @@
               </p:nvSpPr>
               <p:spPr>
                 <a:xfrm>
-                  <a:off x="1724419" y="3128668"/>
-                  <a:ext cx="490840" cy="261610"/>
+                  <a:off x="994216" y="3694547"/>
+                  <a:ext cx="483402" cy="261610"/>
                 </a:xfrm>
                 <a:prstGeom prst="rect">
                   <a:avLst/>
@@ -32233,15 +35692,37 @@
                         <m:jc m:val="centerGroup"/>
                       </m:oMathParaPr>
                       <m:oMath xmlns:m="http://schemas.openxmlformats.org/officeDocument/2006/math">
-                        <m:r>
-                          <m:rPr>
-                            <m:sty m:val="p"/>
-                          </m:rPr>
-                          <a:rPr lang="en-US" sz="1100" b="0" i="0" smtClean="0">
-                            <a:latin typeface="Cambria Math" panose="02040503050406030204" pitchFamily="18" charset="0"/>
-                          </a:rPr>
-                          <m:t>tanh</m:t>
-                        </m:r>
+                        <m:sSub>
+                          <m:sSubPr>
+                            <m:ctrlPr>
+                              <a:rPr lang="en-US" sz="1100" i="1" smtClean="0">
+                                <a:latin typeface="Cambria Math" panose="02040503050406030204" pitchFamily="18" charset="0"/>
+                              </a:rPr>
+                            </m:ctrlPr>
+                          </m:sSubPr>
+                          <m:e>
+                            <m:r>
+                              <a:rPr lang="en-US" sz="1100" b="0" i="1" smtClean="0">
+                                <a:latin typeface="Cambria Math" panose="02040503050406030204" pitchFamily="18" charset="0"/>
+                              </a:rPr>
+                              <m:t>h</m:t>
+                            </m:r>
+                          </m:e>
+                          <m:sub>
+                            <m:r>
+                              <a:rPr lang="en-US" sz="1100" b="0" i="1" smtClean="0">
+                                <a:latin typeface="Cambria Math" panose="02040503050406030204" pitchFamily="18" charset="0"/>
+                              </a:rPr>
+                              <m:t>𝑡</m:t>
+                            </m:r>
+                            <m:r>
+                              <a:rPr lang="en-US" sz="1100" b="0" i="1" smtClean="0">
+                                <a:latin typeface="Cambria Math" panose="02040503050406030204" pitchFamily="18" charset="0"/>
+                              </a:rPr>
+                              <m:t>−1</m:t>
+                            </m:r>
+                          </m:sub>
+                        </m:sSub>
                       </m:oMath>
                     </m:oMathPara>
                   </a14:m>
@@ -32253,10 +35734,10 @@
           <mc:Fallback>
             <p:sp>
               <p:nvSpPr>
-                <p:cNvPr id="19" name="TextBox 18">
+                <p:cNvPr id="153" name="TextBox 152">
                   <a:extLst>
                     <a:ext uri="{FF2B5EF4-FFF2-40B4-BE49-F238E27FC236}">
-                      <a16:creationId xmlns:a16="http://schemas.microsoft.com/office/drawing/2014/main" id="{A98AAE9C-FF14-5D40-A466-803677FD3894}"/>
+                      <a16:creationId xmlns:a16="http://schemas.microsoft.com/office/drawing/2014/main" id="{7ACAE64E-6887-C443-A357-2CFCF40FF653}"/>
                     </a:ext>
                   </a:extLst>
                 </p:cNvPr>
@@ -32267,14 +35748,14 @@
               </p:nvSpPr>
               <p:spPr>
                 <a:xfrm>
-                  <a:off x="1724419" y="3128668"/>
-                  <a:ext cx="490840" cy="261610"/>
+                  <a:off x="994216" y="3694547"/>
+                  <a:ext cx="483402" cy="261610"/>
                 </a:xfrm>
                 <a:prstGeom prst="rect">
                   <a:avLst/>
                 </a:prstGeom>
                 <a:blipFill>
-                  <a:blip r:embed="rId7"/>
+                  <a:blip r:embed="rId16"/>
                   <a:stretch>
                     <a:fillRect/>
                   </a:stretch>
@@ -32295,1590 +35776,147 @@
             </p:sp>
           </mc:Fallback>
         </mc:AlternateContent>
-      </p:grpSp>
-      <p:grpSp>
-        <p:nvGrpSpPr>
-          <p:cNvPr id="20" name="Group 19">
-            <a:extLst>
-              <a:ext uri="{FF2B5EF4-FFF2-40B4-BE49-F238E27FC236}">
-                <a16:creationId xmlns:a16="http://schemas.microsoft.com/office/drawing/2014/main" id="{83CEC960-7ECD-4145-97A3-D07C437775F8}"/>
-              </a:ext>
-            </a:extLst>
-          </p:cNvPr>
-          <p:cNvGrpSpPr/>
-          <p:nvPr/>
-        </p:nvGrpSpPr>
-        <p:grpSpPr>
-          <a:xfrm>
-            <a:off x="3898632" y="3730489"/>
-            <a:ext cx="372806" cy="301255"/>
-            <a:chOff x="1794273" y="3118296"/>
-            <a:chExt cx="372806" cy="301255"/>
-          </a:xfrm>
-        </p:grpSpPr>
         <p:sp>
           <p:nvSpPr>
-            <p:cNvPr id="21" name="Rectangle 20">
+            <p:cNvPr id="159" name="TextBox 158">
               <a:extLst>
                 <a:ext uri="{FF2B5EF4-FFF2-40B4-BE49-F238E27FC236}">
-                  <a16:creationId xmlns:a16="http://schemas.microsoft.com/office/drawing/2014/main" id="{4E1CD1DE-DA36-B242-8212-6863FE2B6D76}"/>
+                  <a16:creationId xmlns:a16="http://schemas.microsoft.com/office/drawing/2014/main" id="{EFE6CF94-7B3C-054F-8C93-9C2ED195748C}"/>
                 </a:ext>
               </a:extLst>
             </p:cNvPr>
-            <p:cNvSpPr/>
+            <p:cNvSpPr txBox="1"/>
             <p:nvPr/>
           </p:nvSpPr>
           <p:spPr>
             <a:xfrm>
-              <a:off x="1794273" y="3118296"/>
-              <a:ext cx="372806" cy="301255"/>
+              <a:off x="1529163" y="4474312"/>
+              <a:ext cx="785497" cy="246221"/>
             </a:xfrm>
             <a:prstGeom prst="rect">
               <a:avLst/>
             </a:prstGeom>
             <a:noFill/>
           </p:spPr>
-          <p:style>
-            <a:lnRef idx="2">
-              <a:schemeClr val="accent1">
-                <a:shade val="50000"/>
-              </a:schemeClr>
-            </a:lnRef>
-            <a:fillRef idx="1">
-              <a:schemeClr val="accent1"/>
-            </a:fillRef>
-            <a:effectRef idx="0">
-              <a:schemeClr val="accent1"/>
-            </a:effectRef>
-            <a:fontRef idx="minor">
-              <a:schemeClr val="lt1"/>
-            </a:fontRef>
-          </p:style>
           <p:txBody>
-            <a:bodyPr rtlCol="0" anchor="ctr"/>
+            <a:bodyPr wrap="square" rtlCol="0">
+              <a:spAutoFit/>
+            </a:bodyPr>
             <a:lstStyle/>
             <a:p>
-              <a:pPr algn="ctr"/>
-              <a:endParaRPr lang="en-US"/>
+              <a:r>
+                <a:rPr lang="en-US" sz="1000" dirty="0"/>
+                <a:t>forget gate</a:t>
+              </a:r>
             </a:p>
           </p:txBody>
         </p:sp>
-        <mc:AlternateContent xmlns:mc="http://schemas.openxmlformats.org/markup-compatibility/2006">
-          <mc:Choice xmlns:a14="http://schemas.microsoft.com/office/drawing/2010/main" Requires="a14">
-            <p:sp>
-              <p:nvSpPr>
-                <p:cNvPr id="22" name="TextBox 21">
-                  <a:extLst>
-                    <a:ext uri="{FF2B5EF4-FFF2-40B4-BE49-F238E27FC236}">
-                      <a16:creationId xmlns:a16="http://schemas.microsoft.com/office/drawing/2014/main" id="{81968073-8460-0846-B562-70AC26F8714E}"/>
-                    </a:ext>
-                  </a:extLst>
-                </p:cNvPr>
-                <p:cNvSpPr txBox="1"/>
-                <p:nvPr/>
-              </p:nvSpPr>
-              <p:spPr>
-                <a:xfrm>
-                  <a:off x="1829705" y="3118296"/>
-                  <a:ext cx="301942" cy="261610"/>
-                </a:xfrm>
-                <a:prstGeom prst="rect">
-                  <a:avLst/>
-                </a:prstGeom>
-                <a:noFill/>
-              </p:spPr>
-              <p:txBody>
-                <a:bodyPr wrap="none" rtlCol="0">
-                  <a:spAutoFit/>
-                </a:bodyPr>
-                <a:lstStyle/>
-                <a:p>
-                  <a14:m>
-                    <m:oMathPara xmlns:m="http://schemas.openxmlformats.org/officeDocument/2006/math">
-                      <m:oMathParaPr>
-                        <m:jc m:val="centerGroup"/>
-                      </m:oMathParaPr>
-                      <m:oMath xmlns:m="http://schemas.openxmlformats.org/officeDocument/2006/math">
-                        <m:r>
-                          <a:rPr lang="en-US" sz="1100" i="1" smtClean="0">
-                            <a:latin typeface="Cambria Math" panose="02040503050406030204" pitchFamily="18" charset="0"/>
-                            <a:ea typeface="Cambria Math" panose="02040503050406030204" pitchFamily="18" charset="0"/>
-                          </a:rPr>
-                          <m:t>𝜎</m:t>
-                        </m:r>
-                      </m:oMath>
-                    </m:oMathPara>
-                  </a14:m>
-                  <a:endParaRPr lang="en-US" sz="1100" dirty="0"/>
-                </a:p>
-              </p:txBody>
-            </p:sp>
-          </mc:Choice>
-          <mc:Fallback>
-            <p:sp>
-              <p:nvSpPr>
-                <p:cNvPr id="22" name="TextBox 21">
-                  <a:extLst>
-                    <a:ext uri="{FF2B5EF4-FFF2-40B4-BE49-F238E27FC236}">
-                      <a16:creationId xmlns:a16="http://schemas.microsoft.com/office/drawing/2014/main" id="{81968073-8460-0846-B562-70AC26F8714E}"/>
-                    </a:ext>
-                  </a:extLst>
-                </p:cNvPr>
-                <p:cNvSpPr txBox="1">
-                  <a:spLocks noRot="1" noChangeAspect="1" noMove="1" noResize="1" noEditPoints="1" noAdjustHandles="1" noChangeArrowheads="1" noChangeShapeType="1" noTextEdit="1"/>
-                </p:cNvSpPr>
-                <p:nvPr/>
-              </p:nvSpPr>
-              <p:spPr>
-                <a:xfrm>
-                  <a:off x="1829705" y="3118296"/>
-                  <a:ext cx="301942" cy="261610"/>
-                </a:xfrm>
-                <a:prstGeom prst="rect">
-                  <a:avLst/>
-                </a:prstGeom>
-                <a:blipFill>
-                  <a:blip r:embed="rId8"/>
-                  <a:stretch>
-                    <a:fillRect/>
-                  </a:stretch>
-                </a:blipFill>
-              </p:spPr>
-              <p:txBody>
-                <a:bodyPr/>
-                <a:lstStyle/>
-                <a:p>
-                  <a:r>
-                    <a:rPr lang="en-US">
-                      <a:noFill/>
-                    </a:rPr>
-                    <a:t> </a:t>
-                  </a:r>
-                </a:p>
-              </p:txBody>
-            </p:sp>
-          </mc:Fallback>
-        </mc:AlternateContent>
-      </p:grpSp>
-      <p:grpSp>
-        <p:nvGrpSpPr>
-          <p:cNvPr id="23" name="Group 22">
-            <a:extLst>
-              <a:ext uri="{FF2B5EF4-FFF2-40B4-BE49-F238E27FC236}">
-                <a16:creationId xmlns:a16="http://schemas.microsoft.com/office/drawing/2014/main" id="{C16CF0CB-07E5-DF4B-BF05-9547AD7ABDE4}"/>
-              </a:ext>
-            </a:extLst>
-          </p:cNvPr>
-          <p:cNvGrpSpPr/>
-          <p:nvPr/>
-        </p:nvGrpSpPr>
-        <p:grpSpPr>
-          <a:xfrm>
-            <a:off x="4568133" y="3730489"/>
-            <a:ext cx="317715" cy="301255"/>
-            <a:chOff x="1701234" y="2146852"/>
-            <a:chExt cx="317715" cy="301255"/>
-          </a:xfrm>
-        </p:grpSpPr>
         <p:sp>
           <p:nvSpPr>
-            <p:cNvPr id="24" name="Oval 23">
+            <p:cNvPr id="160" name="TextBox 159">
               <a:extLst>
                 <a:ext uri="{FF2B5EF4-FFF2-40B4-BE49-F238E27FC236}">
-                  <a16:creationId xmlns:a16="http://schemas.microsoft.com/office/drawing/2014/main" id="{4FA433B0-AA85-E046-B8FE-6F6FB12B8522}"/>
+                  <a16:creationId xmlns:a16="http://schemas.microsoft.com/office/drawing/2014/main" id="{5E4D716B-A454-B346-A248-E40A668C94E3}"/>
                 </a:ext>
               </a:extLst>
             </p:cNvPr>
-            <p:cNvSpPr/>
+            <p:cNvSpPr txBox="1"/>
             <p:nvPr/>
           </p:nvSpPr>
           <p:spPr>
             <a:xfrm>
-              <a:off x="1716455" y="2146852"/>
-              <a:ext cx="287274" cy="301255"/>
-            </a:xfrm>
-            <a:prstGeom prst="ellipse">
-              <a:avLst/>
-            </a:prstGeom>
-            <a:noFill/>
-          </p:spPr>
-          <p:style>
-            <a:lnRef idx="2">
-              <a:schemeClr val="accent1">
-                <a:shade val="50000"/>
-              </a:schemeClr>
-            </a:lnRef>
-            <a:fillRef idx="1">
-              <a:schemeClr val="accent1"/>
-            </a:fillRef>
-            <a:effectRef idx="0">
-              <a:schemeClr val="accent1"/>
-            </a:effectRef>
-            <a:fontRef idx="minor">
-              <a:schemeClr val="lt1"/>
-            </a:fontRef>
-          </p:style>
-          <p:txBody>
-            <a:bodyPr rtlCol="0" anchor="ctr"/>
-            <a:lstStyle/>
-            <a:p>
-              <a:pPr algn="ctr"/>
-              <a:endParaRPr lang="en-US"/>
-            </a:p>
-          </p:txBody>
-        </p:sp>
-        <mc:AlternateContent xmlns:mc="http://schemas.openxmlformats.org/markup-compatibility/2006">
-          <mc:Choice xmlns:a14="http://schemas.microsoft.com/office/drawing/2010/main" Requires="a14">
-            <p:sp>
-              <p:nvSpPr>
-                <p:cNvPr id="25" name="TextBox 24">
-                  <a:extLst>
-                    <a:ext uri="{FF2B5EF4-FFF2-40B4-BE49-F238E27FC236}">
-                      <a16:creationId xmlns:a16="http://schemas.microsoft.com/office/drawing/2014/main" id="{53A19EC6-F09D-B440-BB85-9FDB01A70697}"/>
-                    </a:ext>
-                  </a:extLst>
-                </p:cNvPr>
-                <p:cNvSpPr txBox="1"/>
-                <p:nvPr/>
-              </p:nvSpPr>
-              <p:spPr>
-                <a:xfrm>
-                  <a:off x="1701234" y="2166674"/>
-                  <a:ext cx="317715" cy="261610"/>
-                </a:xfrm>
-                <a:prstGeom prst="rect">
-                  <a:avLst/>
-                </a:prstGeom>
-                <a:noFill/>
-              </p:spPr>
-              <p:txBody>
-                <a:bodyPr wrap="none" rtlCol="0">
-                  <a:spAutoFit/>
-                </a:bodyPr>
-                <a:lstStyle/>
-                <a:p>
-                  <a14:m>
-                    <m:oMathPara xmlns:m="http://schemas.openxmlformats.org/officeDocument/2006/math">
-                      <m:oMathParaPr>
-                        <m:jc m:val="centerGroup"/>
-                      </m:oMathParaPr>
-                      <m:oMath xmlns:m="http://schemas.openxmlformats.org/officeDocument/2006/math">
-                        <m:r>
-                          <a:rPr lang="en-US" sz="1100" i="1" smtClean="0">
-                            <a:latin typeface="Cambria Math" panose="02040503050406030204" pitchFamily="18" charset="0"/>
-                            <a:ea typeface="Cambria Math" panose="02040503050406030204" pitchFamily="18" charset="0"/>
-                          </a:rPr>
-                          <m:t>×</m:t>
-                        </m:r>
-                      </m:oMath>
-                    </m:oMathPara>
-                  </a14:m>
-                  <a:endParaRPr lang="en-US" sz="1100" dirty="0"/>
-                </a:p>
-              </p:txBody>
-            </p:sp>
-          </mc:Choice>
-          <mc:Fallback>
-            <p:sp>
-              <p:nvSpPr>
-                <p:cNvPr id="25" name="TextBox 24">
-                  <a:extLst>
-                    <a:ext uri="{FF2B5EF4-FFF2-40B4-BE49-F238E27FC236}">
-                      <a16:creationId xmlns:a16="http://schemas.microsoft.com/office/drawing/2014/main" id="{53A19EC6-F09D-B440-BB85-9FDB01A70697}"/>
-                    </a:ext>
-                  </a:extLst>
-                </p:cNvPr>
-                <p:cNvSpPr txBox="1">
-                  <a:spLocks noRot="1" noChangeAspect="1" noMove="1" noResize="1" noEditPoints="1" noAdjustHandles="1" noChangeArrowheads="1" noChangeShapeType="1" noTextEdit="1"/>
-                </p:cNvSpPr>
-                <p:nvPr/>
-              </p:nvSpPr>
-              <p:spPr>
-                <a:xfrm>
-                  <a:off x="1701234" y="2166674"/>
-                  <a:ext cx="317715" cy="261610"/>
-                </a:xfrm>
-                <a:prstGeom prst="rect">
-                  <a:avLst/>
-                </a:prstGeom>
-                <a:blipFill>
-                  <a:blip r:embed="rId9"/>
-                  <a:stretch>
-                    <a:fillRect/>
-                  </a:stretch>
-                </a:blipFill>
-              </p:spPr>
-              <p:txBody>
-                <a:bodyPr/>
-                <a:lstStyle/>
-                <a:p>
-                  <a:r>
-                    <a:rPr lang="en-US">
-                      <a:noFill/>
-                    </a:rPr>
-                    <a:t> </a:t>
-                  </a:r>
-                </a:p>
-              </p:txBody>
-            </p:sp>
-          </mc:Fallback>
-        </mc:AlternateContent>
-      </p:grpSp>
-      <p:grpSp>
-        <p:nvGrpSpPr>
-          <p:cNvPr id="26" name="Group 25">
-            <a:extLst>
-              <a:ext uri="{FF2B5EF4-FFF2-40B4-BE49-F238E27FC236}">
-                <a16:creationId xmlns:a16="http://schemas.microsoft.com/office/drawing/2014/main" id="{1277D0C3-EBB4-D34C-8C38-79F6E15C738A}"/>
-              </a:ext>
-            </a:extLst>
-          </p:cNvPr>
-          <p:cNvGrpSpPr/>
-          <p:nvPr/>
-        </p:nvGrpSpPr>
-        <p:grpSpPr>
-          <a:xfrm>
-            <a:off x="4443188" y="2490084"/>
-            <a:ext cx="490840" cy="301255"/>
-            <a:chOff x="1724419" y="3118296"/>
-            <a:chExt cx="490840" cy="301255"/>
-          </a:xfrm>
-        </p:grpSpPr>
-        <p:sp>
-          <p:nvSpPr>
-            <p:cNvPr id="27" name="Rectangle 26">
-              <a:extLst>
-                <a:ext uri="{FF2B5EF4-FFF2-40B4-BE49-F238E27FC236}">
-                  <a16:creationId xmlns:a16="http://schemas.microsoft.com/office/drawing/2014/main" id="{93D24B84-68DC-D84F-BE4E-DB499928894E}"/>
-                </a:ext>
-              </a:extLst>
-            </p:cNvPr>
-            <p:cNvSpPr/>
-            <p:nvPr/>
-          </p:nvSpPr>
-          <p:spPr>
-            <a:xfrm>
-              <a:off x="1794273" y="3118296"/>
-              <a:ext cx="372806" cy="301255"/>
+              <a:off x="2590003" y="4471324"/>
+              <a:ext cx="785497" cy="246221"/>
             </a:xfrm>
             <a:prstGeom prst="rect">
               <a:avLst/>
             </a:prstGeom>
             <a:noFill/>
           </p:spPr>
-          <p:style>
-            <a:lnRef idx="2">
-              <a:schemeClr val="accent1">
-                <a:shade val="50000"/>
-              </a:schemeClr>
-            </a:lnRef>
-            <a:fillRef idx="1">
-              <a:schemeClr val="accent1"/>
-            </a:fillRef>
-            <a:effectRef idx="0">
-              <a:schemeClr val="accent1"/>
-            </a:effectRef>
-            <a:fontRef idx="minor">
-              <a:schemeClr val="lt1"/>
-            </a:fontRef>
-          </p:style>
           <p:txBody>
-            <a:bodyPr rtlCol="0" anchor="ctr"/>
+            <a:bodyPr wrap="square" rtlCol="0">
+              <a:spAutoFit/>
+            </a:bodyPr>
             <a:lstStyle/>
             <a:p>
-              <a:pPr algn="ctr"/>
-              <a:endParaRPr lang="en-US"/>
-            </a:p>
-          </p:txBody>
-        </p:sp>
-        <mc:AlternateContent xmlns:mc="http://schemas.openxmlformats.org/markup-compatibility/2006">
-          <mc:Choice xmlns:a14="http://schemas.microsoft.com/office/drawing/2010/main" Requires="a14">
-            <p:sp>
-              <p:nvSpPr>
-                <p:cNvPr id="28" name="TextBox 27">
-                  <a:extLst>
-                    <a:ext uri="{FF2B5EF4-FFF2-40B4-BE49-F238E27FC236}">
-                      <a16:creationId xmlns:a16="http://schemas.microsoft.com/office/drawing/2014/main" id="{7FD50F9F-530C-E240-B4BC-7573B66D81A7}"/>
-                    </a:ext>
-                  </a:extLst>
-                </p:cNvPr>
-                <p:cNvSpPr txBox="1"/>
-                <p:nvPr/>
-              </p:nvSpPr>
-              <p:spPr>
-                <a:xfrm>
-                  <a:off x="1724419" y="3128668"/>
-                  <a:ext cx="490840" cy="261610"/>
-                </a:xfrm>
-                <a:prstGeom prst="rect">
-                  <a:avLst/>
-                </a:prstGeom>
-                <a:noFill/>
-              </p:spPr>
-              <p:txBody>
-                <a:bodyPr wrap="none" rtlCol="0">
-                  <a:spAutoFit/>
-                </a:bodyPr>
-                <a:lstStyle/>
-                <a:p>
-                  <a14:m>
-                    <m:oMathPara xmlns:m="http://schemas.openxmlformats.org/officeDocument/2006/math">
-                      <m:oMathParaPr>
-                        <m:jc m:val="centerGroup"/>
-                      </m:oMathParaPr>
-                      <m:oMath xmlns:m="http://schemas.openxmlformats.org/officeDocument/2006/math">
-                        <m:r>
-                          <m:rPr>
-                            <m:sty m:val="p"/>
-                          </m:rPr>
-                          <a:rPr lang="en-US" sz="1100" b="0" i="0" smtClean="0">
-                            <a:latin typeface="Cambria Math" panose="02040503050406030204" pitchFamily="18" charset="0"/>
-                          </a:rPr>
-                          <m:t>tanh</m:t>
-                        </m:r>
-                      </m:oMath>
-                    </m:oMathPara>
-                  </a14:m>
-                  <a:endParaRPr lang="en-US" sz="1100" dirty="0"/>
-                </a:p>
-              </p:txBody>
-            </p:sp>
-          </mc:Choice>
-          <mc:Fallback>
-            <p:sp>
-              <p:nvSpPr>
-                <p:cNvPr id="28" name="TextBox 27">
-                  <a:extLst>
-                    <a:ext uri="{FF2B5EF4-FFF2-40B4-BE49-F238E27FC236}">
-                      <a16:creationId xmlns:a16="http://schemas.microsoft.com/office/drawing/2014/main" id="{7FD50F9F-530C-E240-B4BC-7573B66D81A7}"/>
-                    </a:ext>
-                  </a:extLst>
-                </p:cNvPr>
-                <p:cNvSpPr txBox="1">
-                  <a:spLocks noRot="1" noChangeAspect="1" noMove="1" noResize="1" noEditPoints="1" noAdjustHandles="1" noChangeArrowheads="1" noChangeShapeType="1" noTextEdit="1"/>
-                </p:cNvSpPr>
-                <p:nvPr/>
-              </p:nvSpPr>
-              <p:spPr>
-                <a:xfrm>
-                  <a:off x="1724419" y="3128668"/>
-                  <a:ext cx="490840" cy="261610"/>
-                </a:xfrm>
-                <a:prstGeom prst="rect">
-                  <a:avLst/>
-                </a:prstGeom>
-                <a:blipFill>
-                  <a:blip r:embed="rId10"/>
-                  <a:stretch>
-                    <a:fillRect/>
-                  </a:stretch>
-                </a:blipFill>
-              </p:spPr>
-              <p:txBody>
-                <a:bodyPr/>
-                <a:lstStyle/>
-                <a:p>
-                  <a:r>
-                    <a:rPr lang="en-US">
-                      <a:noFill/>
-                    </a:rPr>
-                    <a:t> </a:t>
-                  </a:r>
-                </a:p>
-              </p:txBody>
-            </p:sp>
-          </mc:Fallback>
-        </mc:AlternateContent>
-      </p:grpSp>
-      <p:cxnSp>
-        <p:nvCxnSpPr>
-          <p:cNvPr id="30" name="Straight Arrow Connector 29">
-            <a:extLst>
-              <a:ext uri="{FF2B5EF4-FFF2-40B4-BE49-F238E27FC236}">
-                <a16:creationId xmlns:a16="http://schemas.microsoft.com/office/drawing/2014/main" id="{F5036E73-B5B8-3843-A6D9-9D8B0F30F8F0}"/>
-              </a:ext>
-            </a:extLst>
-          </p:cNvPr>
-          <p:cNvCxnSpPr>
-            <a:stCxn id="6" idx="0"/>
-            <a:endCxn id="2" idx="4"/>
-          </p:cNvCxnSpPr>
-          <p:nvPr/>
-        </p:nvCxnSpPr>
-        <p:spPr>
-          <a:xfrm flipH="1" flipV="1">
-            <a:off x="1972790" y="2332814"/>
-            <a:ext cx="7886" cy="785482"/>
-          </a:xfrm>
-          <a:prstGeom prst="straightConnector1">
-            <a:avLst/>
-          </a:prstGeom>
-          <a:ln>
-            <a:tailEnd type="triangle"/>
-          </a:ln>
-        </p:spPr>
-        <p:style>
-          <a:lnRef idx="1">
-            <a:schemeClr val="accent1"/>
-          </a:lnRef>
-          <a:fillRef idx="0">
-            <a:schemeClr val="accent1"/>
-          </a:fillRef>
-          <a:effectRef idx="0">
-            <a:schemeClr val="accent1"/>
-          </a:effectRef>
-          <a:fontRef idx="minor">
-            <a:schemeClr val="tx1"/>
-          </a:fontRef>
-        </p:style>
-      </p:cxnSp>
-      <p:cxnSp>
-        <p:nvCxnSpPr>
-          <p:cNvPr id="32" name="Straight Arrow Connector 31">
-            <a:extLst>
-              <a:ext uri="{FF2B5EF4-FFF2-40B4-BE49-F238E27FC236}">
-                <a16:creationId xmlns:a16="http://schemas.microsoft.com/office/drawing/2014/main" id="{1E979133-E7DF-ED4C-8D0B-03F3B567B277}"/>
-              </a:ext>
-            </a:extLst>
-          </p:cNvPr>
-          <p:cNvCxnSpPr>
-            <a:endCxn id="3" idx="1"/>
-          </p:cNvCxnSpPr>
-          <p:nvPr/>
-        </p:nvCxnSpPr>
-        <p:spPr>
-          <a:xfrm>
-            <a:off x="1491095" y="2182186"/>
-            <a:ext cx="322837" cy="0"/>
-          </a:xfrm>
-          <a:prstGeom prst="straightConnector1">
-            <a:avLst/>
-          </a:prstGeom>
-          <a:ln>
-            <a:tailEnd type="triangle"/>
-          </a:ln>
-        </p:spPr>
-        <p:style>
-          <a:lnRef idx="1">
-            <a:schemeClr val="accent1"/>
-          </a:lnRef>
-          <a:fillRef idx="0">
-            <a:schemeClr val="accent1"/>
-          </a:fillRef>
-          <a:effectRef idx="0">
-            <a:schemeClr val="accent1"/>
-          </a:effectRef>
-          <a:fontRef idx="minor">
-            <a:schemeClr val="tx1"/>
-          </a:fontRef>
-        </p:style>
-      </p:cxnSp>
-      <p:cxnSp>
-        <p:nvCxnSpPr>
-          <p:cNvPr id="34" name="Straight Arrow Connector 33">
-            <a:extLst>
-              <a:ext uri="{FF2B5EF4-FFF2-40B4-BE49-F238E27FC236}">
-                <a16:creationId xmlns:a16="http://schemas.microsoft.com/office/drawing/2014/main" id="{0BA2373B-7C20-8845-B95F-FFBA5FD3A0E6}"/>
-              </a:ext>
-            </a:extLst>
-          </p:cNvPr>
-          <p:cNvCxnSpPr>
-            <a:cxnSpLocks/>
-            <a:stCxn id="3" idx="3"/>
-            <a:endCxn id="13" idx="1"/>
-          </p:cNvCxnSpPr>
-          <p:nvPr/>
-        </p:nvCxnSpPr>
-        <p:spPr>
-          <a:xfrm>
-            <a:off x="2131647" y="2182186"/>
-            <a:ext cx="1065956" cy="0"/>
-          </a:xfrm>
-          <a:prstGeom prst="straightConnector1">
-            <a:avLst/>
-          </a:prstGeom>
-          <a:ln>
-            <a:tailEnd type="triangle"/>
-          </a:ln>
-        </p:spPr>
-        <p:style>
-          <a:lnRef idx="1">
-            <a:schemeClr val="accent1"/>
-          </a:lnRef>
-          <a:fillRef idx="0">
-            <a:schemeClr val="accent1"/>
-          </a:fillRef>
-          <a:effectRef idx="0">
-            <a:schemeClr val="accent1"/>
-          </a:effectRef>
-          <a:fontRef idx="minor">
-            <a:schemeClr val="tx1"/>
-          </a:fontRef>
-        </p:style>
-      </p:cxnSp>
-      <p:cxnSp>
-        <p:nvCxnSpPr>
-          <p:cNvPr id="36" name="Straight Arrow Connector 35">
-            <a:extLst>
-              <a:ext uri="{FF2B5EF4-FFF2-40B4-BE49-F238E27FC236}">
-                <a16:creationId xmlns:a16="http://schemas.microsoft.com/office/drawing/2014/main" id="{CED154F0-C696-DF48-9CDD-D3521129FB8C}"/>
-              </a:ext>
-            </a:extLst>
-          </p:cNvPr>
-          <p:cNvCxnSpPr>
-            <a:cxnSpLocks/>
-            <a:stCxn id="16" idx="0"/>
-            <a:endCxn id="12" idx="4"/>
-          </p:cNvCxnSpPr>
-          <p:nvPr/>
-        </p:nvCxnSpPr>
-        <p:spPr>
-          <a:xfrm flipH="1" flipV="1">
-            <a:off x="3356461" y="2332814"/>
-            <a:ext cx="4809" cy="177092"/>
-          </a:xfrm>
-          <a:prstGeom prst="straightConnector1">
-            <a:avLst/>
-          </a:prstGeom>
-          <a:ln>
-            <a:tailEnd type="triangle"/>
-          </a:ln>
-        </p:spPr>
-        <p:style>
-          <a:lnRef idx="1">
-            <a:schemeClr val="accent1"/>
-          </a:lnRef>
-          <a:fillRef idx="0">
-            <a:schemeClr val="accent1"/>
-          </a:fillRef>
-          <a:effectRef idx="0">
-            <a:schemeClr val="accent1"/>
-          </a:effectRef>
-          <a:fontRef idx="minor">
-            <a:schemeClr val="tx1"/>
-          </a:fontRef>
-        </p:style>
-      </p:cxnSp>
-      <p:cxnSp>
-        <p:nvCxnSpPr>
-          <p:cNvPr id="42" name="Straight Arrow Connector 41">
-            <a:extLst>
-              <a:ext uri="{FF2B5EF4-FFF2-40B4-BE49-F238E27FC236}">
-                <a16:creationId xmlns:a16="http://schemas.microsoft.com/office/drawing/2014/main" id="{42828F47-6A8A-1440-93A7-D237CE34A8F3}"/>
-              </a:ext>
-            </a:extLst>
-          </p:cNvPr>
-          <p:cNvCxnSpPr>
-            <a:stCxn id="21" idx="3"/>
-            <a:endCxn id="25" idx="1"/>
-          </p:cNvCxnSpPr>
-          <p:nvPr/>
-        </p:nvCxnSpPr>
-        <p:spPr>
-          <a:xfrm flipV="1">
-            <a:off x="4271438" y="3881116"/>
-            <a:ext cx="296695" cy="1"/>
-          </a:xfrm>
-          <a:prstGeom prst="straightConnector1">
-            <a:avLst/>
-          </a:prstGeom>
-          <a:ln w="9525">
-            <a:tailEnd type="triangle"/>
-          </a:ln>
-        </p:spPr>
-        <p:style>
-          <a:lnRef idx="1">
-            <a:schemeClr val="accent1"/>
-          </a:lnRef>
-          <a:fillRef idx="0">
-            <a:schemeClr val="accent1"/>
-          </a:fillRef>
-          <a:effectRef idx="0">
-            <a:schemeClr val="accent1"/>
-          </a:effectRef>
-          <a:fontRef idx="minor">
-            <a:schemeClr val="tx1"/>
-          </a:fontRef>
-        </p:style>
-      </p:cxnSp>
-      <p:grpSp>
-        <p:nvGrpSpPr>
-          <p:cNvPr id="46" name="Group 45">
-            <a:extLst>
-              <a:ext uri="{FF2B5EF4-FFF2-40B4-BE49-F238E27FC236}">
-                <a16:creationId xmlns:a16="http://schemas.microsoft.com/office/drawing/2014/main" id="{9C808A73-9CD4-1B47-B989-8920D1149FB7}"/>
-              </a:ext>
-            </a:extLst>
-          </p:cNvPr>
-          <p:cNvGrpSpPr/>
-          <p:nvPr/>
-        </p:nvGrpSpPr>
-        <p:grpSpPr>
-          <a:xfrm rot="21317275">
-            <a:off x="1942910" y="3809293"/>
-            <a:ext cx="107365" cy="145213"/>
-            <a:chOff x="2601257" y="4031743"/>
-            <a:chExt cx="192526" cy="192527"/>
-          </a:xfrm>
-        </p:grpSpPr>
-        <p:sp>
-          <p:nvSpPr>
-            <p:cNvPr id="44" name="Arc 43">
-              <a:extLst>
-                <a:ext uri="{FF2B5EF4-FFF2-40B4-BE49-F238E27FC236}">
-                  <a16:creationId xmlns:a16="http://schemas.microsoft.com/office/drawing/2014/main" id="{5DE21757-AB13-6446-B9B1-234C3F631605}"/>
-                </a:ext>
-              </a:extLst>
-            </p:cNvPr>
-            <p:cNvSpPr/>
-            <p:nvPr/>
-          </p:nvSpPr>
-          <p:spPr>
-            <a:xfrm>
-              <a:off x="2607801" y="4031744"/>
-              <a:ext cx="169743" cy="192526"/>
-            </a:xfrm>
-            <a:prstGeom prst="arc">
-              <a:avLst/>
-            </a:prstGeom>
-          </p:spPr>
-          <p:style>
-            <a:lnRef idx="1">
-              <a:schemeClr val="accent1"/>
-            </a:lnRef>
-            <a:fillRef idx="0">
-              <a:schemeClr val="accent1"/>
-            </a:fillRef>
-            <a:effectRef idx="0">
-              <a:schemeClr val="accent1"/>
-            </a:effectRef>
-            <a:fontRef idx="minor">
-              <a:schemeClr val="tx1"/>
-            </a:fontRef>
-          </p:style>
-          <p:txBody>
-            <a:bodyPr rtlCol="0" anchor="ctr"/>
-            <a:lstStyle/>
-            <a:p>
-              <a:pPr algn="ctr"/>
-              <a:endParaRPr lang="en-US"/>
+              <a:r>
+                <a:rPr lang="en-US" sz="1000" dirty="0"/>
+                <a:t>input gate</a:t>
+              </a:r>
             </a:p>
           </p:txBody>
         </p:sp>
         <p:sp>
           <p:nvSpPr>
-            <p:cNvPr id="45" name="Arc 44">
+            <p:cNvPr id="161" name="TextBox 160">
               <a:extLst>
                 <a:ext uri="{FF2B5EF4-FFF2-40B4-BE49-F238E27FC236}">
-                  <a16:creationId xmlns:a16="http://schemas.microsoft.com/office/drawing/2014/main" id="{06BD8F1E-A094-A247-92F5-CE82BF8A27C5}"/>
+                  <a16:creationId xmlns:a16="http://schemas.microsoft.com/office/drawing/2014/main" id="{66CA8B19-3B5C-B04C-9486-233A9A61860A}"/>
                 </a:ext>
               </a:extLst>
             </p:cNvPr>
-            <p:cNvSpPr/>
-            <p:nvPr/>
-          </p:nvSpPr>
-          <p:spPr>
-            <a:xfrm rot="16200000">
-              <a:off x="2612648" y="4020352"/>
-              <a:ext cx="169743" cy="192526"/>
-            </a:xfrm>
-            <a:prstGeom prst="arc">
-              <a:avLst/>
-            </a:prstGeom>
-          </p:spPr>
-          <p:style>
-            <a:lnRef idx="1">
-              <a:schemeClr val="accent1"/>
-            </a:lnRef>
-            <a:fillRef idx="0">
-              <a:schemeClr val="accent1"/>
-            </a:fillRef>
-            <a:effectRef idx="0">
-              <a:schemeClr val="accent1"/>
-            </a:effectRef>
-            <a:fontRef idx="minor">
-              <a:schemeClr val="tx1"/>
-            </a:fontRef>
-          </p:style>
-          <p:txBody>
-            <a:bodyPr rtlCol="0" anchor="ctr"/>
-            <a:lstStyle/>
-            <a:p>
-              <a:pPr algn="ctr"/>
-              <a:endParaRPr lang="en-US"/>
-            </a:p>
-          </p:txBody>
-        </p:sp>
-      </p:grpSp>
-      <p:grpSp>
-        <p:nvGrpSpPr>
-          <p:cNvPr id="48" name="Group 47">
-            <a:extLst>
-              <a:ext uri="{FF2B5EF4-FFF2-40B4-BE49-F238E27FC236}">
-                <a16:creationId xmlns:a16="http://schemas.microsoft.com/office/drawing/2014/main" id="{C76AAC99-9683-E745-82C6-BDB802DFA453}"/>
-              </a:ext>
-            </a:extLst>
-          </p:cNvPr>
-          <p:cNvGrpSpPr/>
-          <p:nvPr/>
-        </p:nvGrpSpPr>
-        <p:grpSpPr>
-          <a:xfrm rot="21317275">
-            <a:off x="2628947" y="3815250"/>
-            <a:ext cx="107365" cy="145213"/>
-            <a:chOff x="2601257" y="4031743"/>
-            <a:chExt cx="192526" cy="192527"/>
-          </a:xfrm>
-        </p:grpSpPr>
-        <p:sp>
-          <p:nvSpPr>
-            <p:cNvPr id="49" name="Arc 48">
-              <a:extLst>
-                <a:ext uri="{FF2B5EF4-FFF2-40B4-BE49-F238E27FC236}">
-                  <a16:creationId xmlns:a16="http://schemas.microsoft.com/office/drawing/2014/main" id="{D8F54F67-976A-4143-817D-955EF5F6ACA4}"/>
-                </a:ext>
-              </a:extLst>
-            </p:cNvPr>
-            <p:cNvSpPr/>
+            <p:cNvSpPr txBox="1"/>
             <p:nvPr/>
           </p:nvSpPr>
           <p:spPr>
             <a:xfrm>
-              <a:off x="2607801" y="4031744"/>
-              <a:ext cx="169743" cy="192526"/>
+              <a:off x="4021754" y="4158265"/>
+              <a:ext cx="864094" cy="246221"/>
             </a:xfrm>
-            <a:prstGeom prst="arc">
+            <a:prstGeom prst="rect">
               <a:avLst/>
             </a:prstGeom>
+            <a:noFill/>
           </p:spPr>
-          <p:style>
-            <a:lnRef idx="1">
-              <a:schemeClr val="accent1"/>
-            </a:lnRef>
-            <a:fillRef idx="0">
-              <a:schemeClr val="accent1"/>
-            </a:fillRef>
-            <a:effectRef idx="0">
-              <a:schemeClr val="accent1"/>
-            </a:effectRef>
-            <a:fontRef idx="minor">
-              <a:schemeClr val="tx1"/>
-            </a:fontRef>
-          </p:style>
           <p:txBody>
-            <a:bodyPr rtlCol="0" anchor="ctr"/>
+            <a:bodyPr wrap="square" rtlCol="0">
+              <a:spAutoFit/>
+            </a:bodyPr>
             <a:lstStyle/>
             <a:p>
-              <a:pPr algn="ctr"/>
-              <a:endParaRPr lang="en-US"/>
+              <a:r>
+                <a:rPr lang="en-US" sz="1000" dirty="0"/>
+                <a:t>output gate</a:t>
+              </a:r>
             </a:p>
           </p:txBody>
         </p:sp>
         <p:sp>
           <p:nvSpPr>
-            <p:cNvPr id="50" name="Arc 49">
+            <p:cNvPr id="162" name="TextBox 161">
               <a:extLst>
                 <a:ext uri="{FF2B5EF4-FFF2-40B4-BE49-F238E27FC236}">
-                  <a16:creationId xmlns:a16="http://schemas.microsoft.com/office/drawing/2014/main" id="{02EAEDDE-4FF1-3449-81AB-9D6374A4932A}"/>
+                  <a16:creationId xmlns:a16="http://schemas.microsoft.com/office/drawing/2014/main" id="{80F26EFD-EA02-1A41-9D8D-F14EC2DCCAA4}"/>
                 </a:ext>
               </a:extLst>
             </p:cNvPr>
-            <p:cNvSpPr/>
+            <p:cNvSpPr txBox="1"/>
             <p:nvPr/>
           </p:nvSpPr>
           <p:spPr>
-            <a:xfrm rot="16200000">
-              <a:off x="2612648" y="4020352"/>
-              <a:ext cx="169743" cy="192526"/>
+            <a:xfrm>
+              <a:off x="2232578" y="1751826"/>
+              <a:ext cx="673915" cy="246221"/>
             </a:xfrm>
-            <a:prstGeom prst="arc">
+            <a:prstGeom prst="rect">
               <a:avLst/>
             </a:prstGeom>
+            <a:noFill/>
           </p:spPr>
-          <p:style>
-            <a:lnRef idx="1">
-              <a:schemeClr val="accent1"/>
-            </a:lnRef>
-            <a:fillRef idx="0">
-              <a:schemeClr val="accent1"/>
-            </a:fillRef>
-            <a:effectRef idx="0">
-              <a:schemeClr val="accent1"/>
-            </a:effectRef>
-            <a:fontRef idx="minor">
-              <a:schemeClr val="tx1"/>
-            </a:fontRef>
-          </p:style>
           <p:txBody>
-            <a:bodyPr rtlCol="0" anchor="ctr"/>
+            <a:bodyPr wrap="square" rtlCol="0">
+              <a:spAutoFit/>
+            </a:bodyPr>
             <a:lstStyle/>
             <a:p>
-              <a:pPr algn="ctr"/>
-              <a:endParaRPr lang="en-US"/>
+              <a:r>
+                <a:rPr lang="en-US" sz="1000" dirty="0"/>
+                <a:t>cell state</a:t>
+              </a:r>
             </a:p>
           </p:txBody>
         </p:sp>
       </p:grpSp>
-      <p:grpSp>
-        <p:nvGrpSpPr>
-          <p:cNvPr id="51" name="Group 50">
-            <a:extLst>
-              <a:ext uri="{FF2B5EF4-FFF2-40B4-BE49-F238E27FC236}">
-                <a16:creationId xmlns:a16="http://schemas.microsoft.com/office/drawing/2014/main" id="{678F8577-C602-3447-8104-6D5228FAC65C}"/>
-              </a:ext>
-            </a:extLst>
-          </p:cNvPr>
-          <p:cNvGrpSpPr/>
-          <p:nvPr/>
-        </p:nvGrpSpPr>
-        <p:grpSpPr>
-          <a:xfrm rot="21317275">
-            <a:off x="3314388" y="3808509"/>
-            <a:ext cx="107365" cy="145213"/>
-            <a:chOff x="2601257" y="4031743"/>
-            <a:chExt cx="192526" cy="192527"/>
-          </a:xfrm>
-        </p:grpSpPr>
-        <p:sp>
-          <p:nvSpPr>
-            <p:cNvPr id="52" name="Arc 51">
-              <a:extLst>
-                <a:ext uri="{FF2B5EF4-FFF2-40B4-BE49-F238E27FC236}">
-                  <a16:creationId xmlns:a16="http://schemas.microsoft.com/office/drawing/2014/main" id="{FE526607-6BD7-1B46-914B-BCE6C110F587}"/>
-                </a:ext>
-              </a:extLst>
-            </p:cNvPr>
-            <p:cNvSpPr/>
-            <p:nvPr/>
-          </p:nvSpPr>
-          <p:spPr>
-            <a:xfrm>
-              <a:off x="2607801" y="4031744"/>
-              <a:ext cx="169743" cy="192526"/>
-            </a:xfrm>
-            <a:prstGeom prst="arc">
-              <a:avLst/>
-            </a:prstGeom>
-          </p:spPr>
-          <p:style>
-            <a:lnRef idx="1">
-              <a:schemeClr val="accent1"/>
-            </a:lnRef>
-            <a:fillRef idx="0">
-              <a:schemeClr val="accent1"/>
-            </a:fillRef>
-            <a:effectRef idx="0">
-              <a:schemeClr val="accent1"/>
-            </a:effectRef>
-            <a:fontRef idx="minor">
-              <a:schemeClr val="tx1"/>
-            </a:fontRef>
-          </p:style>
-          <p:txBody>
-            <a:bodyPr rtlCol="0" anchor="ctr"/>
-            <a:lstStyle/>
-            <a:p>
-              <a:pPr algn="ctr"/>
-              <a:endParaRPr lang="en-US"/>
-            </a:p>
-          </p:txBody>
-        </p:sp>
-        <p:sp>
-          <p:nvSpPr>
-            <p:cNvPr id="53" name="Arc 52">
-              <a:extLst>
-                <a:ext uri="{FF2B5EF4-FFF2-40B4-BE49-F238E27FC236}">
-                  <a16:creationId xmlns:a16="http://schemas.microsoft.com/office/drawing/2014/main" id="{898AC40F-A6FB-F242-B5A0-52E3BE82BACA}"/>
-                </a:ext>
-              </a:extLst>
-            </p:cNvPr>
-            <p:cNvSpPr/>
-            <p:nvPr/>
-          </p:nvSpPr>
-          <p:spPr>
-            <a:xfrm rot="16200000">
-              <a:off x="2612648" y="4020352"/>
-              <a:ext cx="169743" cy="192526"/>
-            </a:xfrm>
-            <a:prstGeom prst="arc">
-              <a:avLst/>
-            </a:prstGeom>
-          </p:spPr>
-          <p:style>
-            <a:lnRef idx="1">
-              <a:schemeClr val="accent1"/>
-            </a:lnRef>
-            <a:fillRef idx="0">
-              <a:schemeClr val="accent1"/>
-            </a:fillRef>
-            <a:effectRef idx="0">
-              <a:schemeClr val="accent1"/>
-            </a:effectRef>
-            <a:fontRef idx="minor">
-              <a:schemeClr val="tx1"/>
-            </a:fontRef>
-          </p:style>
-          <p:txBody>
-            <a:bodyPr rtlCol="0" anchor="ctr"/>
-            <a:lstStyle/>
-            <a:p>
-              <a:pPr algn="ctr"/>
-              <a:endParaRPr lang="en-US"/>
-            </a:p>
-          </p:txBody>
-        </p:sp>
-      </p:grpSp>
-      <p:cxnSp>
-        <p:nvCxnSpPr>
-          <p:cNvPr id="55" name="Straight Connector 54">
-            <a:extLst>
-              <a:ext uri="{FF2B5EF4-FFF2-40B4-BE49-F238E27FC236}">
-                <a16:creationId xmlns:a16="http://schemas.microsoft.com/office/drawing/2014/main" id="{92E6B136-C03E-0A44-B3F5-B48F3143C3FB}"/>
-              </a:ext>
-            </a:extLst>
-          </p:cNvPr>
-          <p:cNvCxnSpPr>
-            <a:cxnSpLocks/>
-            <a:stCxn id="44" idx="2"/>
-            <a:endCxn id="50" idx="0"/>
-          </p:cNvCxnSpPr>
-          <p:nvPr/>
-        </p:nvCxnSpPr>
-        <p:spPr>
-          <a:xfrm>
-            <a:off x="2041069" y="3878234"/>
-            <a:ext cx="587353" cy="5469"/>
-          </a:xfrm>
-          <a:prstGeom prst="line">
-            <a:avLst/>
-          </a:prstGeom>
-        </p:spPr>
-        <p:style>
-          <a:lnRef idx="1">
-            <a:schemeClr val="accent1"/>
-          </a:lnRef>
-          <a:fillRef idx="0">
-            <a:schemeClr val="accent1"/>
-          </a:fillRef>
-          <a:effectRef idx="0">
-            <a:schemeClr val="accent1"/>
-          </a:effectRef>
-          <a:fontRef idx="minor">
-            <a:schemeClr val="tx1"/>
-          </a:fontRef>
-        </p:style>
-      </p:cxnSp>
-      <p:cxnSp>
-        <p:nvCxnSpPr>
-          <p:cNvPr id="57" name="Straight Connector 56">
-            <a:extLst>
-              <a:ext uri="{FF2B5EF4-FFF2-40B4-BE49-F238E27FC236}">
-                <a16:creationId xmlns:a16="http://schemas.microsoft.com/office/drawing/2014/main" id="{0CCDB52B-A5E1-F348-8D29-F47C9EFB81FA}"/>
-              </a:ext>
-            </a:extLst>
-          </p:cNvPr>
-          <p:cNvCxnSpPr>
-            <a:cxnSpLocks/>
-            <a:stCxn id="49" idx="2"/>
-          </p:cNvCxnSpPr>
-          <p:nvPr/>
-        </p:nvCxnSpPr>
-        <p:spPr>
-          <a:xfrm flipV="1">
-            <a:off x="2727106" y="3879157"/>
-            <a:ext cx="581498" cy="5034"/>
-          </a:xfrm>
-          <a:prstGeom prst="line">
-            <a:avLst/>
-          </a:prstGeom>
-        </p:spPr>
-        <p:style>
-          <a:lnRef idx="1">
-            <a:schemeClr val="accent1"/>
-          </a:lnRef>
-          <a:fillRef idx="0">
-            <a:schemeClr val="accent1"/>
-          </a:fillRef>
-          <a:effectRef idx="0">
-            <a:schemeClr val="accent1"/>
-          </a:effectRef>
-          <a:fontRef idx="minor">
-            <a:schemeClr val="tx1"/>
-          </a:fontRef>
-        </p:style>
-      </p:cxnSp>
-      <p:cxnSp>
-        <p:nvCxnSpPr>
-          <p:cNvPr id="59" name="Straight Connector 58">
-            <a:extLst>
-              <a:ext uri="{FF2B5EF4-FFF2-40B4-BE49-F238E27FC236}">
-                <a16:creationId xmlns:a16="http://schemas.microsoft.com/office/drawing/2014/main" id="{4F94B108-905F-3E47-8CBD-921BD4664F95}"/>
-              </a:ext>
-            </a:extLst>
-          </p:cNvPr>
-          <p:cNvCxnSpPr>
-            <a:cxnSpLocks/>
-            <a:endCxn id="21" idx="1"/>
-          </p:cNvCxnSpPr>
-          <p:nvPr/>
-        </p:nvCxnSpPr>
-        <p:spPr>
-          <a:xfrm>
-            <a:off x="3414512" y="3879157"/>
-            <a:ext cx="484120" cy="1960"/>
-          </a:xfrm>
-          <a:prstGeom prst="line">
-            <a:avLst/>
-          </a:prstGeom>
-        </p:spPr>
-        <p:style>
-          <a:lnRef idx="1">
-            <a:schemeClr val="accent1"/>
-          </a:lnRef>
-          <a:fillRef idx="0">
-            <a:schemeClr val="accent1"/>
-          </a:fillRef>
-          <a:effectRef idx="0">
-            <a:schemeClr val="accent1"/>
-          </a:effectRef>
-          <a:fontRef idx="minor">
-            <a:schemeClr val="tx1"/>
-          </a:fontRef>
-        </p:style>
-      </p:cxnSp>
-      <p:cxnSp>
-        <p:nvCxnSpPr>
-          <p:cNvPr id="63" name="Straight Connector 62">
-            <a:extLst>
-              <a:ext uri="{FF2B5EF4-FFF2-40B4-BE49-F238E27FC236}">
-                <a16:creationId xmlns:a16="http://schemas.microsoft.com/office/drawing/2014/main" id="{D3D8FC67-B86D-5548-AE38-1AD9AF4C3DAE}"/>
-              </a:ext>
-            </a:extLst>
-          </p:cNvPr>
-          <p:cNvCxnSpPr>
-            <a:cxnSpLocks/>
-          </p:cNvCxnSpPr>
-          <p:nvPr/>
-        </p:nvCxnSpPr>
-        <p:spPr>
-          <a:xfrm>
-            <a:off x="1368132" y="3879157"/>
-            <a:ext cx="576227" cy="1707"/>
-          </a:xfrm>
-          <a:prstGeom prst="line">
-            <a:avLst/>
-          </a:prstGeom>
-        </p:spPr>
-        <p:style>
-          <a:lnRef idx="1">
-            <a:schemeClr val="accent1"/>
-          </a:lnRef>
-          <a:fillRef idx="0">
-            <a:schemeClr val="accent1"/>
-          </a:fillRef>
-          <a:effectRef idx="0">
-            <a:schemeClr val="accent1"/>
-          </a:effectRef>
-          <a:fontRef idx="minor">
-            <a:schemeClr val="tx1"/>
-          </a:fontRef>
-        </p:style>
-      </p:cxnSp>
-      <p:cxnSp>
-        <p:nvCxnSpPr>
-          <p:cNvPr id="69" name="Straight Connector 68">
-            <a:extLst>
-              <a:ext uri="{FF2B5EF4-FFF2-40B4-BE49-F238E27FC236}">
-                <a16:creationId xmlns:a16="http://schemas.microsoft.com/office/drawing/2014/main" id="{81EC0F1F-F651-5C48-A660-FFBD6014A439}"/>
-              </a:ext>
-            </a:extLst>
-          </p:cNvPr>
-          <p:cNvCxnSpPr>
-            <a:cxnSpLocks/>
-            <a:stCxn id="5" idx="2"/>
-          </p:cNvCxnSpPr>
-          <p:nvPr/>
-        </p:nvCxnSpPr>
-        <p:spPr>
-          <a:xfrm flipH="1">
-            <a:off x="1979791" y="3419551"/>
-            <a:ext cx="885" cy="805305"/>
-          </a:xfrm>
-          <a:prstGeom prst="line">
-            <a:avLst/>
-          </a:prstGeom>
-          <a:ln>
-            <a:headEnd type="triangle"/>
-          </a:ln>
-        </p:spPr>
-        <p:style>
-          <a:lnRef idx="1">
-            <a:schemeClr val="accent1"/>
-          </a:lnRef>
-          <a:fillRef idx="0">
-            <a:schemeClr val="accent1"/>
-          </a:fillRef>
-          <a:effectRef idx="0">
-            <a:schemeClr val="accent1"/>
-          </a:effectRef>
-          <a:fontRef idx="minor">
-            <a:schemeClr val="tx1"/>
-          </a:fontRef>
-        </p:style>
-      </p:cxnSp>
-      <p:cxnSp>
-        <p:nvCxnSpPr>
-          <p:cNvPr id="72" name="Straight Connector 71">
-            <a:extLst>
-              <a:ext uri="{FF2B5EF4-FFF2-40B4-BE49-F238E27FC236}">
-                <a16:creationId xmlns:a16="http://schemas.microsoft.com/office/drawing/2014/main" id="{27331075-7774-9E42-AE9E-072BDE31C001}"/>
-              </a:ext>
-            </a:extLst>
-          </p:cNvPr>
-          <p:cNvCxnSpPr>
-            <a:cxnSpLocks/>
-            <a:stCxn id="9" idx="2"/>
-          </p:cNvCxnSpPr>
-          <p:nvPr/>
-        </p:nvCxnSpPr>
-        <p:spPr>
-          <a:xfrm>
-            <a:off x="2664625" y="3414546"/>
-            <a:ext cx="4970" cy="836779"/>
-          </a:xfrm>
-          <a:prstGeom prst="line">
-            <a:avLst/>
-          </a:prstGeom>
-          <a:ln>
-            <a:headEnd type="triangle"/>
-          </a:ln>
-        </p:spPr>
-        <p:style>
-          <a:lnRef idx="1">
-            <a:schemeClr val="accent1"/>
-          </a:lnRef>
-          <a:fillRef idx="0">
-            <a:schemeClr val="accent1"/>
-          </a:fillRef>
-          <a:effectRef idx="0">
-            <a:schemeClr val="accent1"/>
-          </a:effectRef>
-          <a:fontRef idx="minor">
-            <a:schemeClr val="tx1"/>
-          </a:fontRef>
-        </p:style>
-      </p:cxnSp>
-      <p:cxnSp>
-        <p:nvCxnSpPr>
-          <p:cNvPr id="77" name="Straight Connector 76">
-            <a:extLst>
-              <a:ext uri="{FF2B5EF4-FFF2-40B4-BE49-F238E27FC236}">
-                <a16:creationId xmlns:a16="http://schemas.microsoft.com/office/drawing/2014/main" id="{E63FA2A3-0E44-2645-8F88-9C37CC80BE5C}"/>
-              </a:ext>
-            </a:extLst>
-          </p:cNvPr>
-          <p:cNvCxnSpPr>
-            <a:cxnSpLocks/>
-          </p:cNvCxnSpPr>
-          <p:nvPr/>
-        </p:nvCxnSpPr>
-        <p:spPr>
-          <a:xfrm>
-            <a:off x="3355789" y="3429000"/>
-            <a:ext cx="4970" cy="836779"/>
-          </a:xfrm>
-          <a:prstGeom prst="line">
-            <a:avLst/>
-          </a:prstGeom>
-          <a:ln>
-            <a:headEnd type="triangle"/>
-          </a:ln>
-        </p:spPr>
-        <p:style>
-          <a:lnRef idx="1">
-            <a:schemeClr val="accent1"/>
-          </a:lnRef>
-          <a:fillRef idx="0">
-            <a:schemeClr val="accent1"/>
-          </a:fillRef>
-          <a:effectRef idx="0">
-            <a:schemeClr val="accent1"/>
-          </a:effectRef>
-          <a:fontRef idx="minor">
-            <a:schemeClr val="tx1"/>
-          </a:fontRef>
-        </p:style>
-      </p:cxnSp>
-      <p:sp>
-        <p:nvSpPr>
-          <p:cNvPr id="84" name="Arc 83">
-            <a:extLst>
-              <a:ext uri="{FF2B5EF4-FFF2-40B4-BE49-F238E27FC236}">
-                <a16:creationId xmlns:a16="http://schemas.microsoft.com/office/drawing/2014/main" id="{1BD25AE9-E84A-4447-9ECF-19F76B10DB84}"/>
-              </a:ext>
-            </a:extLst>
-          </p:cNvPr>
-          <p:cNvSpPr/>
-          <p:nvPr/>
-        </p:nvSpPr>
-        <p:spPr>
-          <a:xfrm rot="4952950">
-            <a:off x="1583143" y="3486157"/>
-            <a:ext cx="402220" cy="386322"/>
-          </a:xfrm>
-          <a:prstGeom prst="arc">
-            <a:avLst/>
-          </a:prstGeom>
-        </p:spPr>
-        <p:style>
-          <a:lnRef idx="1">
-            <a:schemeClr val="accent1"/>
-          </a:lnRef>
-          <a:fillRef idx="0">
-            <a:schemeClr val="accent1"/>
-          </a:fillRef>
-          <a:effectRef idx="0">
-            <a:schemeClr val="accent1"/>
-          </a:effectRef>
-          <a:fontRef idx="minor">
-            <a:schemeClr val="tx1"/>
-          </a:fontRef>
-        </p:style>
-        <p:txBody>
-          <a:bodyPr rtlCol="0" anchor="ctr"/>
-          <a:lstStyle/>
-          <a:p>
-            <a:pPr algn="ctr"/>
-            <a:endParaRPr lang="en-US"/>
-          </a:p>
-        </p:txBody>
-      </p:sp>
-      <p:sp>
-        <p:nvSpPr>
-          <p:cNvPr id="85" name="Arc 84">
-            <a:extLst>
-              <a:ext uri="{FF2B5EF4-FFF2-40B4-BE49-F238E27FC236}">
-                <a16:creationId xmlns:a16="http://schemas.microsoft.com/office/drawing/2014/main" id="{9C82C7DD-110F-4142-BA9C-1A6F377F9E5C}"/>
-              </a:ext>
-            </a:extLst>
-          </p:cNvPr>
-          <p:cNvSpPr/>
-          <p:nvPr/>
-        </p:nvSpPr>
-        <p:spPr>
-          <a:xfrm rot="4952950">
-            <a:off x="2271098" y="3488635"/>
-            <a:ext cx="402220" cy="386322"/>
-          </a:xfrm>
-          <a:prstGeom prst="arc">
-            <a:avLst/>
-          </a:prstGeom>
-        </p:spPr>
-        <p:style>
-          <a:lnRef idx="1">
-            <a:schemeClr val="accent1"/>
-          </a:lnRef>
-          <a:fillRef idx="0">
-            <a:schemeClr val="accent1"/>
-          </a:fillRef>
-          <a:effectRef idx="0">
-            <a:schemeClr val="accent1"/>
-          </a:effectRef>
-          <a:fontRef idx="minor">
-            <a:schemeClr val="tx1"/>
-          </a:fontRef>
-        </p:style>
-        <p:txBody>
-          <a:bodyPr rtlCol="0" anchor="ctr"/>
-          <a:lstStyle/>
-          <a:p>
-            <a:pPr algn="ctr"/>
-            <a:endParaRPr lang="en-US"/>
-          </a:p>
-        </p:txBody>
-      </p:sp>
-      <p:sp>
-        <p:nvSpPr>
-          <p:cNvPr id="86" name="Arc 85">
-            <a:extLst>
-              <a:ext uri="{FF2B5EF4-FFF2-40B4-BE49-F238E27FC236}">
-                <a16:creationId xmlns:a16="http://schemas.microsoft.com/office/drawing/2014/main" id="{9B7A8AB9-E193-E34E-AE79-DF9078E4198C}"/>
-              </a:ext>
-            </a:extLst>
-          </p:cNvPr>
-          <p:cNvSpPr/>
-          <p:nvPr/>
-        </p:nvSpPr>
-        <p:spPr>
-          <a:xfrm rot="4952950">
-            <a:off x="2961216" y="3486159"/>
-            <a:ext cx="402220" cy="386322"/>
-          </a:xfrm>
-          <a:prstGeom prst="arc">
-            <a:avLst/>
-          </a:prstGeom>
-        </p:spPr>
-        <p:style>
-          <a:lnRef idx="1">
-            <a:schemeClr val="accent1"/>
-          </a:lnRef>
-          <a:fillRef idx="0">
-            <a:schemeClr val="accent1"/>
-          </a:fillRef>
-          <a:effectRef idx="0">
-            <a:schemeClr val="accent1"/>
-          </a:effectRef>
-          <a:fontRef idx="minor">
-            <a:schemeClr val="tx1"/>
-          </a:fontRef>
-        </p:style>
-        <p:txBody>
-          <a:bodyPr rtlCol="0" anchor="ctr"/>
-          <a:lstStyle/>
-          <a:p>
-            <a:pPr algn="ctr"/>
-            <a:endParaRPr lang="en-US"/>
-          </a:p>
-        </p:txBody>
-      </p:sp>
-      <p:sp>
-        <p:nvSpPr>
-          <p:cNvPr id="87" name="Triangle 86">
-            <a:extLst>
-              <a:ext uri="{FF2B5EF4-FFF2-40B4-BE49-F238E27FC236}">
-                <a16:creationId xmlns:a16="http://schemas.microsoft.com/office/drawing/2014/main" id="{C055FA1B-0CB2-D547-8AC8-838CB4D0B836}"/>
-              </a:ext>
-            </a:extLst>
-          </p:cNvPr>
-          <p:cNvSpPr/>
-          <p:nvPr/>
-        </p:nvSpPr>
-        <p:spPr>
-          <a:xfrm rot="5400000">
-            <a:off x="3132539" y="3857490"/>
-            <a:ext cx="45719" cy="45719"/>
-          </a:xfrm>
-          <a:prstGeom prst="triangle">
-            <a:avLst/>
-          </a:prstGeom>
-        </p:spPr>
-        <p:style>
-          <a:lnRef idx="2">
-            <a:schemeClr val="accent1">
-              <a:shade val="50000"/>
-            </a:schemeClr>
-          </a:lnRef>
-          <a:fillRef idx="1">
-            <a:schemeClr val="accent1"/>
-          </a:fillRef>
-          <a:effectRef idx="0">
-            <a:schemeClr val="accent1"/>
-          </a:effectRef>
-          <a:fontRef idx="minor">
-            <a:schemeClr val="lt1"/>
-          </a:fontRef>
-        </p:style>
-        <p:txBody>
-          <a:bodyPr rtlCol="0" anchor="ctr"/>
-          <a:lstStyle/>
-          <a:p>
-            <a:pPr algn="ctr"/>
-            <a:endParaRPr lang="en-US"/>
-          </a:p>
-        </p:txBody>
-      </p:sp>
-      <p:sp>
-        <p:nvSpPr>
-          <p:cNvPr id="88" name="Triangle 87">
-            <a:extLst>
-              <a:ext uri="{FF2B5EF4-FFF2-40B4-BE49-F238E27FC236}">
-                <a16:creationId xmlns:a16="http://schemas.microsoft.com/office/drawing/2014/main" id="{25086157-D9DD-FF4D-BD3C-C6312E08D625}"/>
-              </a:ext>
-            </a:extLst>
-          </p:cNvPr>
-          <p:cNvSpPr/>
-          <p:nvPr/>
-        </p:nvSpPr>
-        <p:spPr>
-          <a:xfrm rot="5400000">
-            <a:off x="1741298" y="3856736"/>
-            <a:ext cx="45719" cy="45719"/>
-          </a:xfrm>
-          <a:prstGeom prst="triangle">
-            <a:avLst/>
-          </a:prstGeom>
-        </p:spPr>
-        <p:style>
-          <a:lnRef idx="2">
-            <a:schemeClr val="accent1">
-              <a:shade val="50000"/>
-            </a:schemeClr>
-          </a:lnRef>
-          <a:fillRef idx="1">
-            <a:schemeClr val="accent1"/>
-          </a:fillRef>
-          <a:effectRef idx="0">
-            <a:schemeClr val="accent1"/>
-          </a:effectRef>
-          <a:fontRef idx="minor">
-            <a:schemeClr val="lt1"/>
-          </a:fontRef>
-        </p:style>
-        <p:txBody>
-          <a:bodyPr rtlCol="0" anchor="ctr"/>
-          <a:lstStyle/>
-          <a:p>
-            <a:pPr algn="ctr"/>
-            <a:endParaRPr lang="en-US"/>
-          </a:p>
-        </p:txBody>
-      </p:sp>
-      <p:sp>
-        <p:nvSpPr>
-          <p:cNvPr id="89" name="Triangle 88">
-            <a:extLst>
-              <a:ext uri="{FF2B5EF4-FFF2-40B4-BE49-F238E27FC236}">
-                <a16:creationId xmlns:a16="http://schemas.microsoft.com/office/drawing/2014/main" id="{BA0A206B-F92B-DC41-9043-597E2DCB88F9}"/>
-              </a:ext>
-            </a:extLst>
-          </p:cNvPr>
-          <p:cNvSpPr/>
-          <p:nvPr/>
-        </p:nvSpPr>
-        <p:spPr>
-          <a:xfrm rot="5400000">
-            <a:off x="2440089" y="3863180"/>
-            <a:ext cx="45719" cy="45719"/>
-          </a:xfrm>
-          <a:prstGeom prst="triangle">
-            <a:avLst/>
-          </a:prstGeom>
-        </p:spPr>
-        <p:style>
-          <a:lnRef idx="2">
-            <a:schemeClr val="accent1">
-              <a:shade val="50000"/>
-            </a:schemeClr>
-          </a:lnRef>
-          <a:fillRef idx="1">
-            <a:schemeClr val="accent1"/>
-          </a:fillRef>
-          <a:effectRef idx="0">
-            <a:schemeClr val="accent1"/>
-          </a:effectRef>
-          <a:fontRef idx="minor">
-            <a:schemeClr val="lt1"/>
-          </a:fontRef>
-        </p:style>
-        <p:txBody>
-          <a:bodyPr rtlCol="0" anchor="ctr"/>
-          <a:lstStyle/>
-          <a:p>
-            <a:pPr algn="ctr"/>
-            <a:endParaRPr lang="en-US"/>
-          </a:p>
-        </p:txBody>
-      </p:sp>
     </p:spTree>
     <p:extLst>
       <p:ext uri="{BB962C8B-B14F-4D97-AF65-F5344CB8AC3E}">

--- a/docs/TransformersIntroFigures.pptx
+++ b/docs/TransformersIntroFigures.pptx
@@ -31312,10 +31312,10 @@
       </p:grpSpPr>
       <p:grpSp>
         <p:nvGrpSpPr>
-          <p:cNvPr id="163" name="Group 162">
+          <p:cNvPr id="177" name="Group 176">
             <a:extLst>
               <a:ext uri="{FF2B5EF4-FFF2-40B4-BE49-F238E27FC236}">
-                <a16:creationId xmlns:a16="http://schemas.microsoft.com/office/drawing/2014/main" id="{814663B8-F56A-3D48-9BF8-171C8A2C5128}"/>
+                <a16:creationId xmlns:a16="http://schemas.microsoft.com/office/drawing/2014/main" id="{15377062-590C-F841-BF80-FB5ABDD92F0A}"/>
               </a:ext>
             </a:extLst>
           </p:cNvPr>
@@ -31330,6 +31330,190 @@
             <a:chExt cx="4788169" cy="3096473"/>
           </a:xfrm>
         </p:grpSpPr>
+        <mc:AlternateContent xmlns:mc="http://schemas.openxmlformats.org/markup-compatibility/2006">
+          <mc:Choice xmlns:a14="http://schemas.microsoft.com/office/drawing/2010/main" Requires="a14">
+            <p:sp>
+              <p:nvSpPr>
+                <p:cNvPr id="124" name="TextBox 123">
+                  <a:extLst>
+                    <a:ext uri="{FF2B5EF4-FFF2-40B4-BE49-F238E27FC236}">
+                      <a16:creationId xmlns:a16="http://schemas.microsoft.com/office/drawing/2014/main" id="{BB0FBDFA-3432-6440-95D4-741E8849FB26}"/>
+                    </a:ext>
+                  </a:extLst>
+                </p:cNvPr>
+                <p:cNvSpPr txBox="1"/>
+                <p:nvPr/>
+              </p:nvSpPr>
+              <p:spPr>
+                <a:xfrm>
+                  <a:off x="5036509" y="1624060"/>
+                  <a:ext cx="348749" cy="261610"/>
+                </a:xfrm>
+                <a:prstGeom prst="rect">
+                  <a:avLst/>
+                </a:prstGeom>
+                <a:noFill/>
+              </p:spPr>
+              <p:txBody>
+                <a:bodyPr wrap="none" rtlCol="0">
+                  <a:spAutoFit/>
+                </a:bodyPr>
+                <a:lstStyle/>
+                <a:p>
+                  <a14:m>
+                    <m:oMathPara xmlns:m="http://schemas.openxmlformats.org/officeDocument/2006/math">
+                      <m:oMathParaPr>
+                        <m:jc m:val="centerGroup"/>
+                      </m:oMathParaPr>
+                      <m:oMath xmlns:m="http://schemas.openxmlformats.org/officeDocument/2006/math">
+                        <m:sSub>
+                          <m:sSubPr>
+                            <m:ctrlPr>
+                              <a:rPr lang="en-US" sz="1100" i="1" smtClean="0">
+                                <a:latin typeface="Cambria Math" panose="02040503050406030204" pitchFamily="18" charset="0"/>
+                              </a:rPr>
+                            </m:ctrlPr>
+                          </m:sSubPr>
+                          <m:e>
+                            <m:r>
+                              <a:rPr lang="en-US" sz="1100" b="0" i="1" smtClean="0">
+                                <a:latin typeface="Cambria Math" panose="02040503050406030204" pitchFamily="18" charset="0"/>
+                              </a:rPr>
+                              <m:t>h</m:t>
+                            </m:r>
+                          </m:e>
+                          <m:sub>
+                            <m:r>
+                              <a:rPr lang="en-US" sz="1100" b="0" i="1" smtClean="0">
+                                <a:latin typeface="Cambria Math" panose="02040503050406030204" pitchFamily="18" charset="0"/>
+                              </a:rPr>
+                              <m:t>𝑡</m:t>
+                            </m:r>
+                          </m:sub>
+                        </m:sSub>
+                      </m:oMath>
+                    </m:oMathPara>
+                  </a14:m>
+                  <a:endParaRPr lang="en-US" sz="1100" dirty="0"/>
+                </a:p>
+              </p:txBody>
+            </p:sp>
+          </mc:Choice>
+          <mc:Fallback>
+            <p:sp>
+              <p:nvSpPr>
+                <p:cNvPr id="124" name="TextBox 123">
+                  <a:extLst>
+                    <a:ext uri="{FF2B5EF4-FFF2-40B4-BE49-F238E27FC236}">
+                      <a16:creationId xmlns:a16="http://schemas.microsoft.com/office/drawing/2014/main" id="{BB0FBDFA-3432-6440-95D4-741E8849FB26}"/>
+                    </a:ext>
+                  </a:extLst>
+                </p:cNvPr>
+                <p:cNvSpPr txBox="1">
+                  <a:spLocks noRot="1" noChangeAspect="1" noMove="1" noResize="1" noEditPoints="1" noAdjustHandles="1" noChangeArrowheads="1" noChangeShapeType="1" noTextEdit="1"/>
+                </p:cNvSpPr>
+                <p:nvPr/>
+              </p:nvSpPr>
+              <p:spPr>
+                <a:xfrm>
+                  <a:off x="5036509" y="1624060"/>
+                  <a:ext cx="348749" cy="261610"/>
+                </a:xfrm>
+                <a:prstGeom prst="rect">
+                  <a:avLst/>
+                </a:prstGeom>
+                <a:blipFill>
+                  <a:blip r:embed="rId2"/>
+                  <a:stretch>
+                    <a:fillRect/>
+                  </a:stretch>
+                </a:blipFill>
+              </p:spPr>
+              <p:txBody>
+                <a:bodyPr/>
+                <a:lstStyle/>
+                <a:p>
+                  <a:r>
+                    <a:rPr lang="en-US">
+                      <a:noFill/>
+                    </a:rPr>
+                    <a:t> </a:t>
+                  </a:r>
+                </a:p>
+              </p:txBody>
+            </p:sp>
+          </mc:Fallback>
+        </mc:AlternateContent>
+        <p:sp>
+          <p:nvSpPr>
+            <p:cNvPr id="159" name="TextBox 158">
+              <a:extLst>
+                <a:ext uri="{FF2B5EF4-FFF2-40B4-BE49-F238E27FC236}">
+                  <a16:creationId xmlns:a16="http://schemas.microsoft.com/office/drawing/2014/main" id="{EFE6CF94-7B3C-054F-8C93-9C2ED195748C}"/>
+                </a:ext>
+              </a:extLst>
+            </p:cNvPr>
+            <p:cNvSpPr txBox="1"/>
+            <p:nvPr/>
+          </p:nvSpPr>
+          <p:spPr>
+            <a:xfrm>
+              <a:off x="1529163" y="4474312"/>
+              <a:ext cx="785497" cy="246221"/>
+            </a:xfrm>
+            <a:prstGeom prst="rect">
+              <a:avLst/>
+            </a:prstGeom>
+            <a:noFill/>
+          </p:spPr>
+          <p:txBody>
+            <a:bodyPr wrap="square" rtlCol="0">
+              <a:spAutoFit/>
+            </a:bodyPr>
+            <a:lstStyle/>
+            <a:p>
+              <a:r>
+                <a:rPr lang="en-US" sz="1000" dirty="0"/>
+                <a:t>forget gate</a:t>
+              </a:r>
+            </a:p>
+          </p:txBody>
+        </p:sp>
+        <p:sp>
+          <p:nvSpPr>
+            <p:cNvPr id="160" name="TextBox 159">
+              <a:extLst>
+                <a:ext uri="{FF2B5EF4-FFF2-40B4-BE49-F238E27FC236}">
+                  <a16:creationId xmlns:a16="http://schemas.microsoft.com/office/drawing/2014/main" id="{5E4D716B-A454-B346-A248-E40A668C94E3}"/>
+                </a:ext>
+              </a:extLst>
+            </p:cNvPr>
+            <p:cNvSpPr txBox="1"/>
+            <p:nvPr/>
+          </p:nvSpPr>
+          <p:spPr>
+            <a:xfrm>
+              <a:off x="2590003" y="4471324"/>
+              <a:ext cx="785497" cy="246221"/>
+            </a:xfrm>
+            <a:prstGeom prst="rect">
+              <a:avLst/>
+            </a:prstGeom>
+            <a:noFill/>
+          </p:spPr>
+          <p:txBody>
+            <a:bodyPr wrap="square" rtlCol="0">
+              <a:spAutoFit/>
+            </a:bodyPr>
+            <a:lstStyle/>
+            <a:p>
+              <a:r>
+                <a:rPr lang="en-US" sz="1000" dirty="0"/>
+                <a:t>input gate</a:t>
+              </a:r>
+            </a:p>
+          </p:txBody>
+        </p:sp>
         <p:sp>
           <p:nvSpPr>
             <p:cNvPr id="155" name="Rounded Rectangle 154">
@@ -31688,7 +31872,7 @@
                     <a:avLst/>
                   </a:prstGeom>
                   <a:blipFill>
-                    <a:blip r:embed="rId2"/>
+                    <a:blip r:embed="rId3"/>
                     <a:stretch>
                       <a:fillRect/>
                     </a:stretch>
@@ -31852,7 +32036,7 @@
                     <a:avLst/>
                   </a:prstGeom>
                   <a:blipFill>
-                    <a:blip r:embed="rId3"/>
+                    <a:blip r:embed="rId4"/>
                     <a:stretch>
                       <a:fillRect/>
                     </a:stretch>
@@ -32016,7 +32200,7 @@
                     <a:avLst/>
                   </a:prstGeom>
                   <a:blipFill>
-                    <a:blip r:embed="rId4"/>
+                    <a:blip r:embed="rId5"/>
                     <a:stretch>
                       <a:fillRect/>
                     </a:stretch>
@@ -32180,7 +32364,7 @@
                     <a:avLst/>
                   </a:prstGeom>
                   <a:blipFill>
-                    <a:blip r:embed="rId5"/>
+                    <a:blip r:embed="rId6"/>
                     <a:stretch>
                       <a:fillRect/>
                     </a:stretch>
@@ -32344,7 +32528,7 @@
                     <a:avLst/>
                   </a:prstGeom>
                   <a:blipFill>
-                    <a:blip r:embed="rId6"/>
+                    <a:blip r:embed="rId7"/>
                     <a:stretch>
                       <a:fillRect/>
                     </a:stretch>
@@ -32510,7 +32694,7 @@
                     <a:avLst/>
                   </a:prstGeom>
                   <a:blipFill>
-                    <a:blip r:embed="rId7"/>
+                    <a:blip r:embed="rId8"/>
                     <a:stretch>
                       <a:fillRect/>
                     </a:stretch>
@@ -32674,7 +32858,7 @@
                     <a:avLst/>
                   </a:prstGeom>
                   <a:blipFill>
-                    <a:blip r:embed="rId8"/>
+                    <a:blip r:embed="rId9"/>
                     <a:stretch>
                       <a:fillRect/>
                     </a:stretch>
@@ -32838,7 +33022,7 @@
                     <a:avLst/>
                   </a:prstGeom>
                   <a:blipFill>
-                    <a:blip r:embed="rId9"/>
+                    <a:blip r:embed="rId10"/>
                     <a:stretch>
                       <a:fillRect/>
                     </a:stretch>
@@ -33004,7 +33188,7 @@
                     <a:avLst/>
                   </a:prstGeom>
                   <a:blipFill>
-                    <a:blip r:embed="rId10"/>
+                    <a:blip r:embed="rId11"/>
                     <a:stretch>
                       <a:fillRect/>
                     </a:stretch>
@@ -34548,120 +34732,6 @@
             </a:fontRef>
           </p:style>
         </p:cxnSp>
-        <mc:AlternateContent xmlns:mc="http://schemas.openxmlformats.org/markup-compatibility/2006">
-          <mc:Choice xmlns:a14="http://schemas.microsoft.com/office/drawing/2010/main" Requires="a14">
-            <p:sp>
-              <p:nvSpPr>
-                <p:cNvPr id="124" name="TextBox 123">
-                  <a:extLst>
-                    <a:ext uri="{FF2B5EF4-FFF2-40B4-BE49-F238E27FC236}">
-                      <a16:creationId xmlns:a16="http://schemas.microsoft.com/office/drawing/2014/main" id="{BB0FBDFA-3432-6440-95D4-741E8849FB26}"/>
-                    </a:ext>
-                  </a:extLst>
-                </p:cNvPr>
-                <p:cNvSpPr txBox="1"/>
-                <p:nvPr/>
-              </p:nvSpPr>
-              <p:spPr>
-                <a:xfrm>
-                  <a:off x="5036509" y="1624060"/>
-                  <a:ext cx="348749" cy="261610"/>
-                </a:xfrm>
-                <a:prstGeom prst="rect">
-                  <a:avLst/>
-                </a:prstGeom>
-                <a:noFill/>
-              </p:spPr>
-              <p:txBody>
-                <a:bodyPr wrap="none" rtlCol="0">
-                  <a:spAutoFit/>
-                </a:bodyPr>
-                <a:lstStyle/>
-                <a:p>
-                  <a14:m>
-                    <m:oMathPara xmlns:m="http://schemas.openxmlformats.org/officeDocument/2006/math">
-                      <m:oMathParaPr>
-                        <m:jc m:val="centerGroup"/>
-                      </m:oMathParaPr>
-                      <m:oMath xmlns:m="http://schemas.openxmlformats.org/officeDocument/2006/math">
-                        <m:sSub>
-                          <m:sSubPr>
-                            <m:ctrlPr>
-                              <a:rPr lang="en-US" sz="1100" i="1" smtClean="0">
-                                <a:latin typeface="Cambria Math" panose="02040503050406030204" pitchFamily="18" charset="0"/>
-                              </a:rPr>
-                            </m:ctrlPr>
-                          </m:sSubPr>
-                          <m:e>
-                            <m:r>
-                              <a:rPr lang="en-US" sz="1100" b="0" i="1" smtClean="0">
-                                <a:latin typeface="Cambria Math" panose="02040503050406030204" pitchFamily="18" charset="0"/>
-                              </a:rPr>
-                              <m:t>h</m:t>
-                            </m:r>
-                          </m:e>
-                          <m:sub>
-                            <m:r>
-                              <a:rPr lang="en-US" sz="1100" b="0" i="1" smtClean="0">
-                                <a:latin typeface="Cambria Math" panose="02040503050406030204" pitchFamily="18" charset="0"/>
-                              </a:rPr>
-                              <m:t>𝑡</m:t>
-                            </m:r>
-                          </m:sub>
-                        </m:sSub>
-                      </m:oMath>
-                    </m:oMathPara>
-                  </a14:m>
-                  <a:endParaRPr lang="en-US" sz="1100" dirty="0"/>
-                </a:p>
-              </p:txBody>
-            </p:sp>
-          </mc:Choice>
-          <mc:Fallback>
-            <p:sp>
-              <p:nvSpPr>
-                <p:cNvPr id="124" name="TextBox 123">
-                  <a:extLst>
-                    <a:ext uri="{FF2B5EF4-FFF2-40B4-BE49-F238E27FC236}">
-                      <a16:creationId xmlns:a16="http://schemas.microsoft.com/office/drawing/2014/main" id="{BB0FBDFA-3432-6440-95D4-741E8849FB26}"/>
-                    </a:ext>
-                  </a:extLst>
-                </p:cNvPr>
-                <p:cNvSpPr txBox="1">
-                  <a:spLocks noRot="1" noChangeAspect="1" noMove="1" noResize="1" noEditPoints="1" noAdjustHandles="1" noChangeArrowheads="1" noChangeShapeType="1" noTextEdit="1"/>
-                </p:cNvSpPr>
-                <p:nvPr/>
-              </p:nvSpPr>
-              <p:spPr>
-                <a:xfrm>
-                  <a:off x="5036509" y="1624060"/>
-                  <a:ext cx="348749" cy="261610"/>
-                </a:xfrm>
-                <a:prstGeom prst="rect">
-                  <a:avLst/>
-                </a:prstGeom>
-                <a:blipFill>
-                  <a:blip r:embed="rId11"/>
-                  <a:stretch>
-                    <a:fillRect/>
-                  </a:stretch>
-                </a:blipFill>
-              </p:spPr>
-              <p:txBody>
-                <a:bodyPr/>
-                <a:lstStyle/>
-                <a:p>
-                  <a:r>
-                    <a:rPr lang="en-US">
-                      <a:noFill/>
-                    </a:rPr>
-                    <a:t> </a:t>
-                  </a:r>
-                </a:p>
-              </p:txBody>
-            </p:sp>
-          </mc:Fallback>
-        </mc:AlternateContent>
         <mc:AlternateContent xmlns:mc="http://schemas.openxmlformats.org/markup-compatibility/2006">
           <mc:Choice xmlns:a14="http://schemas.microsoft.com/office/drawing/2010/main" Requires="a14">
             <p:sp>
@@ -35778,76 +35848,6 @@
         </mc:AlternateContent>
         <p:sp>
           <p:nvSpPr>
-            <p:cNvPr id="159" name="TextBox 158">
-              <a:extLst>
-                <a:ext uri="{FF2B5EF4-FFF2-40B4-BE49-F238E27FC236}">
-                  <a16:creationId xmlns:a16="http://schemas.microsoft.com/office/drawing/2014/main" id="{EFE6CF94-7B3C-054F-8C93-9C2ED195748C}"/>
-                </a:ext>
-              </a:extLst>
-            </p:cNvPr>
-            <p:cNvSpPr txBox="1"/>
-            <p:nvPr/>
-          </p:nvSpPr>
-          <p:spPr>
-            <a:xfrm>
-              <a:off x="1529163" y="4474312"/>
-              <a:ext cx="785497" cy="246221"/>
-            </a:xfrm>
-            <a:prstGeom prst="rect">
-              <a:avLst/>
-            </a:prstGeom>
-            <a:noFill/>
-          </p:spPr>
-          <p:txBody>
-            <a:bodyPr wrap="square" rtlCol="0">
-              <a:spAutoFit/>
-            </a:bodyPr>
-            <a:lstStyle/>
-            <a:p>
-              <a:r>
-                <a:rPr lang="en-US" sz="1000" dirty="0"/>
-                <a:t>forget gate</a:t>
-              </a:r>
-            </a:p>
-          </p:txBody>
-        </p:sp>
-        <p:sp>
-          <p:nvSpPr>
-            <p:cNvPr id="160" name="TextBox 159">
-              <a:extLst>
-                <a:ext uri="{FF2B5EF4-FFF2-40B4-BE49-F238E27FC236}">
-                  <a16:creationId xmlns:a16="http://schemas.microsoft.com/office/drawing/2014/main" id="{5E4D716B-A454-B346-A248-E40A668C94E3}"/>
-                </a:ext>
-              </a:extLst>
-            </p:cNvPr>
-            <p:cNvSpPr txBox="1"/>
-            <p:nvPr/>
-          </p:nvSpPr>
-          <p:spPr>
-            <a:xfrm>
-              <a:off x="2590003" y="4471324"/>
-              <a:ext cx="785497" cy="246221"/>
-            </a:xfrm>
-            <a:prstGeom prst="rect">
-              <a:avLst/>
-            </a:prstGeom>
-            <a:noFill/>
-          </p:spPr>
-          <p:txBody>
-            <a:bodyPr wrap="square" rtlCol="0">
-              <a:spAutoFit/>
-            </a:bodyPr>
-            <a:lstStyle/>
-            <a:p>
-              <a:r>
-                <a:rPr lang="en-US" sz="1000" dirty="0"/>
-                <a:t>input gate</a:t>
-              </a:r>
-            </a:p>
-          </p:txBody>
-        </p:sp>
-        <p:sp>
-          <p:nvSpPr>
             <p:cNvPr id="161" name="TextBox 160">
               <a:extLst>
                 <a:ext uri="{FF2B5EF4-FFF2-40B4-BE49-F238E27FC236}">
@@ -35887,6 +35887,5271 @@
               <a:extLst>
                 <a:ext uri="{FF2B5EF4-FFF2-40B4-BE49-F238E27FC236}">
                   <a16:creationId xmlns:a16="http://schemas.microsoft.com/office/drawing/2014/main" id="{80F26EFD-EA02-1A41-9D8D-F14EC2DCCAA4}"/>
+                </a:ext>
+              </a:extLst>
+            </p:cNvPr>
+            <p:cNvSpPr txBox="1"/>
+            <p:nvPr/>
+          </p:nvSpPr>
+          <p:spPr>
+            <a:xfrm>
+              <a:off x="2232578" y="1751826"/>
+              <a:ext cx="673915" cy="246221"/>
+            </a:xfrm>
+            <a:prstGeom prst="rect">
+              <a:avLst/>
+            </a:prstGeom>
+            <a:noFill/>
+          </p:spPr>
+          <p:txBody>
+            <a:bodyPr wrap="square" rtlCol="0">
+              <a:spAutoFit/>
+            </a:bodyPr>
+            <a:lstStyle/>
+            <a:p>
+              <a:r>
+                <a:rPr lang="en-US" sz="1000" dirty="0"/>
+                <a:t>cell state</a:t>
+              </a:r>
+            </a:p>
+          </p:txBody>
+        </p:sp>
+      </p:grpSp>
+      <p:grpSp>
+        <p:nvGrpSpPr>
+          <p:cNvPr id="164" name="Group 163">
+            <a:extLst>
+              <a:ext uri="{FF2B5EF4-FFF2-40B4-BE49-F238E27FC236}">
+                <a16:creationId xmlns:a16="http://schemas.microsoft.com/office/drawing/2014/main" id="{2AF0B55B-4D64-AB42-8C12-AC747EBC38C3}"/>
+              </a:ext>
+            </a:extLst>
+          </p:cNvPr>
+          <p:cNvGrpSpPr/>
+          <p:nvPr/>
+        </p:nvGrpSpPr>
+        <p:grpSpPr>
+          <a:xfrm>
+            <a:off x="1807496" y="5133212"/>
+            <a:ext cx="372806" cy="301255"/>
+            <a:chOff x="1794273" y="3118296"/>
+            <a:chExt cx="372806" cy="301255"/>
+          </a:xfrm>
+        </p:grpSpPr>
+        <p:sp>
+          <p:nvSpPr>
+            <p:cNvPr id="165" name="Rectangle 164">
+              <a:extLst>
+                <a:ext uri="{FF2B5EF4-FFF2-40B4-BE49-F238E27FC236}">
+                  <a16:creationId xmlns:a16="http://schemas.microsoft.com/office/drawing/2014/main" id="{F7641D30-3097-C54A-B2BE-1E565F02DFA7}"/>
+                </a:ext>
+              </a:extLst>
+            </p:cNvPr>
+            <p:cNvSpPr/>
+            <p:nvPr/>
+          </p:nvSpPr>
+          <p:spPr>
+            <a:xfrm>
+              <a:off x="1794273" y="3118296"/>
+              <a:ext cx="372806" cy="301255"/>
+            </a:xfrm>
+            <a:prstGeom prst="rect">
+              <a:avLst/>
+            </a:prstGeom>
+            <a:noFill/>
+          </p:spPr>
+          <p:style>
+            <a:lnRef idx="2">
+              <a:schemeClr val="accent1">
+                <a:shade val="50000"/>
+              </a:schemeClr>
+            </a:lnRef>
+            <a:fillRef idx="1">
+              <a:schemeClr val="accent1"/>
+            </a:fillRef>
+            <a:effectRef idx="0">
+              <a:schemeClr val="accent1"/>
+            </a:effectRef>
+            <a:fontRef idx="minor">
+              <a:schemeClr val="lt1"/>
+            </a:fontRef>
+          </p:style>
+          <p:txBody>
+            <a:bodyPr rtlCol="0" anchor="ctr"/>
+            <a:lstStyle/>
+            <a:p>
+              <a:pPr algn="ctr"/>
+              <a:endParaRPr lang="en-US"/>
+            </a:p>
+          </p:txBody>
+        </p:sp>
+        <mc:AlternateContent xmlns:mc="http://schemas.openxmlformats.org/markup-compatibility/2006">
+          <mc:Choice xmlns:a14="http://schemas.microsoft.com/office/drawing/2010/main" Requires="a14">
+            <p:sp>
+              <p:nvSpPr>
+                <p:cNvPr id="166" name="TextBox 165">
+                  <a:extLst>
+                    <a:ext uri="{FF2B5EF4-FFF2-40B4-BE49-F238E27FC236}">
+                      <a16:creationId xmlns:a16="http://schemas.microsoft.com/office/drawing/2014/main" id="{A435AF58-004C-5344-971D-1E371FA5C6C7}"/>
+                    </a:ext>
+                  </a:extLst>
+                </p:cNvPr>
+                <p:cNvSpPr txBox="1"/>
+                <p:nvPr/>
+              </p:nvSpPr>
+              <p:spPr>
+                <a:xfrm>
+                  <a:off x="1829705" y="3118296"/>
+                  <a:ext cx="301942" cy="261610"/>
+                </a:xfrm>
+                <a:prstGeom prst="rect">
+                  <a:avLst/>
+                </a:prstGeom>
+                <a:noFill/>
+              </p:spPr>
+              <p:txBody>
+                <a:bodyPr wrap="none" rtlCol="0">
+                  <a:spAutoFit/>
+                </a:bodyPr>
+                <a:lstStyle/>
+                <a:p>
+                  <a14:m>
+                    <m:oMathPara xmlns:m="http://schemas.openxmlformats.org/officeDocument/2006/math">
+                      <m:oMathParaPr>
+                        <m:jc m:val="centerGroup"/>
+                      </m:oMathParaPr>
+                      <m:oMath xmlns:m="http://schemas.openxmlformats.org/officeDocument/2006/math">
+                        <m:r>
+                          <a:rPr lang="en-US" sz="1100" i="1" smtClean="0">
+                            <a:latin typeface="Cambria Math" panose="02040503050406030204" pitchFamily="18" charset="0"/>
+                            <a:ea typeface="Cambria Math" panose="02040503050406030204" pitchFamily="18" charset="0"/>
+                          </a:rPr>
+                          <m:t>𝜎</m:t>
+                        </m:r>
+                      </m:oMath>
+                    </m:oMathPara>
+                  </a14:m>
+                  <a:endParaRPr lang="en-US" sz="1100" dirty="0"/>
+                </a:p>
+              </p:txBody>
+            </p:sp>
+          </mc:Choice>
+          <mc:Fallback>
+            <p:sp>
+              <p:nvSpPr>
+                <p:cNvPr id="166" name="TextBox 165">
+                  <a:extLst>
+                    <a:ext uri="{FF2B5EF4-FFF2-40B4-BE49-F238E27FC236}">
+                      <a16:creationId xmlns:a16="http://schemas.microsoft.com/office/drawing/2014/main" id="{A435AF58-004C-5344-971D-1E371FA5C6C7}"/>
+                    </a:ext>
+                  </a:extLst>
+                </p:cNvPr>
+                <p:cNvSpPr txBox="1">
+                  <a:spLocks noRot="1" noChangeAspect="1" noMove="1" noResize="1" noEditPoints="1" noAdjustHandles="1" noChangeArrowheads="1" noChangeShapeType="1" noTextEdit="1"/>
+                </p:cNvSpPr>
+                <p:nvPr/>
+              </p:nvSpPr>
+              <p:spPr>
+                <a:xfrm>
+                  <a:off x="1829705" y="3118296"/>
+                  <a:ext cx="301942" cy="261610"/>
+                </a:xfrm>
+                <a:prstGeom prst="rect">
+                  <a:avLst/>
+                </a:prstGeom>
+                <a:blipFill>
+                  <a:blip r:embed="rId17"/>
+                  <a:stretch>
+                    <a:fillRect/>
+                  </a:stretch>
+                </a:blipFill>
+              </p:spPr>
+              <p:txBody>
+                <a:bodyPr/>
+                <a:lstStyle/>
+                <a:p>
+                  <a:r>
+                    <a:rPr lang="en-US">
+                      <a:noFill/>
+                    </a:rPr>
+                    <a:t> </a:t>
+                  </a:r>
+                </a:p>
+              </p:txBody>
+            </p:sp>
+          </mc:Fallback>
+        </mc:AlternateContent>
+      </p:grpSp>
+      <p:grpSp>
+        <p:nvGrpSpPr>
+          <p:cNvPr id="167" name="Group 166">
+            <a:extLst>
+              <a:ext uri="{FF2B5EF4-FFF2-40B4-BE49-F238E27FC236}">
+                <a16:creationId xmlns:a16="http://schemas.microsoft.com/office/drawing/2014/main" id="{B1563902-2F39-704F-BE52-11DF96F150B4}"/>
+              </a:ext>
+            </a:extLst>
+          </p:cNvPr>
+          <p:cNvGrpSpPr/>
+          <p:nvPr/>
+        </p:nvGrpSpPr>
+        <p:grpSpPr>
+          <a:xfrm>
+            <a:off x="2952183" y="5155179"/>
+            <a:ext cx="490840" cy="301255"/>
+            <a:chOff x="1724419" y="3118296"/>
+            <a:chExt cx="490840" cy="301255"/>
+          </a:xfrm>
+        </p:grpSpPr>
+        <p:sp>
+          <p:nvSpPr>
+            <p:cNvPr id="168" name="Rectangle 167">
+              <a:extLst>
+                <a:ext uri="{FF2B5EF4-FFF2-40B4-BE49-F238E27FC236}">
+                  <a16:creationId xmlns:a16="http://schemas.microsoft.com/office/drawing/2014/main" id="{075ED274-B2E8-4C4B-A887-B2A367B31A63}"/>
+                </a:ext>
+              </a:extLst>
+            </p:cNvPr>
+            <p:cNvSpPr/>
+            <p:nvPr/>
+          </p:nvSpPr>
+          <p:spPr>
+            <a:xfrm>
+              <a:off x="1794273" y="3118296"/>
+              <a:ext cx="372806" cy="301255"/>
+            </a:xfrm>
+            <a:prstGeom prst="rect">
+              <a:avLst/>
+            </a:prstGeom>
+            <a:noFill/>
+          </p:spPr>
+          <p:style>
+            <a:lnRef idx="2">
+              <a:schemeClr val="accent1">
+                <a:shade val="50000"/>
+              </a:schemeClr>
+            </a:lnRef>
+            <a:fillRef idx="1">
+              <a:schemeClr val="accent1"/>
+            </a:fillRef>
+            <a:effectRef idx="0">
+              <a:schemeClr val="accent1"/>
+            </a:effectRef>
+            <a:fontRef idx="minor">
+              <a:schemeClr val="lt1"/>
+            </a:fontRef>
+          </p:style>
+          <p:txBody>
+            <a:bodyPr rtlCol="0" anchor="ctr"/>
+            <a:lstStyle/>
+            <a:p>
+              <a:pPr algn="ctr"/>
+              <a:endParaRPr lang="en-US"/>
+            </a:p>
+          </p:txBody>
+        </p:sp>
+        <mc:AlternateContent xmlns:mc="http://schemas.openxmlformats.org/markup-compatibility/2006">
+          <mc:Choice xmlns:a14="http://schemas.microsoft.com/office/drawing/2010/main" Requires="a14">
+            <p:sp>
+              <p:nvSpPr>
+                <p:cNvPr id="169" name="TextBox 168">
+                  <a:extLst>
+                    <a:ext uri="{FF2B5EF4-FFF2-40B4-BE49-F238E27FC236}">
+                      <a16:creationId xmlns:a16="http://schemas.microsoft.com/office/drawing/2014/main" id="{55298F9D-4B1D-AC47-8EF6-A11980ED2BB2}"/>
+                    </a:ext>
+                  </a:extLst>
+                </p:cNvPr>
+                <p:cNvSpPr txBox="1"/>
+                <p:nvPr/>
+              </p:nvSpPr>
+              <p:spPr>
+                <a:xfrm>
+                  <a:off x="1724419" y="3128668"/>
+                  <a:ext cx="490840" cy="261610"/>
+                </a:xfrm>
+                <a:prstGeom prst="rect">
+                  <a:avLst/>
+                </a:prstGeom>
+                <a:noFill/>
+              </p:spPr>
+              <p:txBody>
+                <a:bodyPr wrap="none" rtlCol="0">
+                  <a:spAutoFit/>
+                </a:bodyPr>
+                <a:lstStyle/>
+                <a:p>
+                  <a14:m>
+                    <m:oMathPara xmlns:m="http://schemas.openxmlformats.org/officeDocument/2006/math">
+                      <m:oMathParaPr>
+                        <m:jc m:val="centerGroup"/>
+                      </m:oMathParaPr>
+                      <m:oMath xmlns:m="http://schemas.openxmlformats.org/officeDocument/2006/math">
+                        <m:r>
+                          <m:rPr>
+                            <m:sty m:val="p"/>
+                          </m:rPr>
+                          <a:rPr lang="en-US" sz="1100" b="0" i="0" smtClean="0">
+                            <a:latin typeface="Cambria Math" panose="02040503050406030204" pitchFamily="18" charset="0"/>
+                          </a:rPr>
+                          <m:t>tanh</m:t>
+                        </m:r>
+                      </m:oMath>
+                    </m:oMathPara>
+                  </a14:m>
+                  <a:endParaRPr lang="en-US" sz="1100" dirty="0"/>
+                </a:p>
+              </p:txBody>
+            </p:sp>
+          </mc:Choice>
+          <mc:Fallback>
+            <p:sp>
+              <p:nvSpPr>
+                <p:cNvPr id="169" name="TextBox 168">
+                  <a:extLst>
+                    <a:ext uri="{FF2B5EF4-FFF2-40B4-BE49-F238E27FC236}">
+                      <a16:creationId xmlns:a16="http://schemas.microsoft.com/office/drawing/2014/main" id="{55298F9D-4B1D-AC47-8EF6-A11980ED2BB2}"/>
+                    </a:ext>
+                  </a:extLst>
+                </p:cNvPr>
+                <p:cNvSpPr txBox="1">
+                  <a:spLocks noRot="1" noChangeAspect="1" noMove="1" noResize="1" noEditPoints="1" noAdjustHandles="1" noChangeArrowheads="1" noChangeShapeType="1" noTextEdit="1"/>
+                </p:cNvSpPr>
+                <p:nvPr/>
+              </p:nvSpPr>
+              <p:spPr>
+                <a:xfrm>
+                  <a:off x="1724419" y="3128668"/>
+                  <a:ext cx="490840" cy="261610"/>
+                </a:xfrm>
+                <a:prstGeom prst="rect">
+                  <a:avLst/>
+                </a:prstGeom>
+                <a:blipFill>
+                  <a:blip r:embed="rId18"/>
+                  <a:stretch>
+                    <a:fillRect/>
+                  </a:stretch>
+                </a:blipFill>
+              </p:spPr>
+              <p:txBody>
+                <a:bodyPr/>
+                <a:lstStyle/>
+                <a:p>
+                  <a:r>
+                    <a:rPr lang="en-US">
+                      <a:noFill/>
+                    </a:rPr>
+                    <a:t> </a:t>
+                  </a:r>
+                </a:p>
+              </p:txBody>
+            </p:sp>
+          </mc:Fallback>
+        </mc:AlternateContent>
+      </p:grpSp>
+      <p:grpSp>
+        <p:nvGrpSpPr>
+          <p:cNvPr id="170" name="Group 169">
+            <a:extLst>
+              <a:ext uri="{FF2B5EF4-FFF2-40B4-BE49-F238E27FC236}">
+                <a16:creationId xmlns:a16="http://schemas.microsoft.com/office/drawing/2014/main" id="{2A909BC1-BF18-5144-BFFA-D9411B59DDA5}"/>
+              </a:ext>
+            </a:extLst>
+          </p:cNvPr>
+          <p:cNvGrpSpPr/>
+          <p:nvPr/>
+        </p:nvGrpSpPr>
+        <p:grpSpPr>
+          <a:xfrm>
+            <a:off x="3970343" y="5145728"/>
+            <a:ext cx="317715" cy="301255"/>
+            <a:chOff x="1701234" y="2146852"/>
+            <a:chExt cx="317715" cy="301255"/>
+          </a:xfrm>
+        </p:grpSpPr>
+        <p:sp>
+          <p:nvSpPr>
+            <p:cNvPr id="171" name="Oval 170">
+              <a:extLst>
+                <a:ext uri="{FF2B5EF4-FFF2-40B4-BE49-F238E27FC236}">
+                  <a16:creationId xmlns:a16="http://schemas.microsoft.com/office/drawing/2014/main" id="{11B1EDCF-41B4-DD47-B1F3-F3019C0B9F3A}"/>
+                </a:ext>
+              </a:extLst>
+            </p:cNvPr>
+            <p:cNvSpPr/>
+            <p:nvPr/>
+          </p:nvSpPr>
+          <p:spPr>
+            <a:xfrm>
+              <a:off x="1716455" y="2146852"/>
+              <a:ext cx="287274" cy="301255"/>
+            </a:xfrm>
+            <a:prstGeom prst="ellipse">
+              <a:avLst/>
+            </a:prstGeom>
+            <a:noFill/>
+          </p:spPr>
+          <p:style>
+            <a:lnRef idx="2">
+              <a:schemeClr val="accent1">
+                <a:shade val="50000"/>
+              </a:schemeClr>
+            </a:lnRef>
+            <a:fillRef idx="1">
+              <a:schemeClr val="accent1"/>
+            </a:fillRef>
+            <a:effectRef idx="0">
+              <a:schemeClr val="accent1"/>
+            </a:effectRef>
+            <a:fontRef idx="minor">
+              <a:schemeClr val="lt1"/>
+            </a:fontRef>
+          </p:style>
+          <p:txBody>
+            <a:bodyPr rtlCol="0" anchor="ctr"/>
+            <a:lstStyle/>
+            <a:p>
+              <a:pPr algn="ctr"/>
+              <a:endParaRPr lang="en-US"/>
+            </a:p>
+          </p:txBody>
+        </p:sp>
+        <mc:AlternateContent xmlns:mc="http://schemas.openxmlformats.org/markup-compatibility/2006">
+          <mc:Choice xmlns:a14="http://schemas.microsoft.com/office/drawing/2010/main" Requires="a14">
+            <p:sp>
+              <p:nvSpPr>
+                <p:cNvPr id="172" name="TextBox 171">
+                  <a:extLst>
+                    <a:ext uri="{FF2B5EF4-FFF2-40B4-BE49-F238E27FC236}">
+                      <a16:creationId xmlns:a16="http://schemas.microsoft.com/office/drawing/2014/main" id="{10B17FC1-EA01-A74F-9343-894CB37BE7D2}"/>
+                    </a:ext>
+                  </a:extLst>
+                </p:cNvPr>
+                <p:cNvSpPr txBox="1"/>
+                <p:nvPr/>
+              </p:nvSpPr>
+              <p:spPr>
+                <a:xfrm>
+                  <a:off x="1701234" y="2166674"/>
+                  <a:ext cx="317715" cy="261610"/>
+                </a:xfrm>
+                <a:prstGeom prst="rect">
+                  <a:avLst/>
+                </a:prstGeom>
+                <a:noFill/>
+              </p:spPr>
+              <p:txBody>
+                <a:bodyPr wrap="none" rtlCol="0">
+                  <a:spAutoFit/>
+                </a:bodyPr>
+                <a:lstStyle/>
+                <a:p>
+                  <a14:m>
+                    <m:oMathPara xmlns:m="http://schemas.openxmlformats.org/officeDocument/2006/math">
+                      <m:oMathParaPr>
+                        <m:jc m:val="centerGroup"/>
+                      </m:oMathParaPr>
+                      <m:oMath xmlns:m="http://schemas.openxmlformats.org/officeDocument/2006/math">
+                        <m:r>
+                          <a:rPr lang="en-US" sz="1100" i="1" smtClean="0">
+                            <a:latin typeface="Cambria Math" panose="02040503050406030204" pitchFamily="18" charset="0"/>
+                            <a:ea typeface="Cambria Math" panose="02040503050406030204" pitchFamily="18" charset="0"/>
+                          </a:rPr>
+                          <m:t>×</m:t>
+                        </m:r>
+                      </m:oMath>
+                    </m:oMathPara>
+                  </a14:m>
+                  <a:endParaRPr lang="en-US" sz="1100" dirty="0"/>
+                </a:p>
+              </p:txBody>
+            </p:sp>
+          </mc:Choice>
+          <mc:Fallback>
+            <p:sp>
+              <p:nvSpPr>
+                <p:cNvPr id="172" name="TextBox 171">
+                  <a:extLst>
+                    <a:ext uri="{FF2B5EF4-FFF2-40B4-BE49-F238E27FC236}">
+                      <a16:creationId xmlns:a16="http://schemas.microsoft.com/office/drawing/2014/main" id="{10B17FC1-EA01-A74F-9343-894CB37BE7D2}"/>
+                    </a:ext>
+                  </a:extLst>
+                </p:cNvPr>
+                <p:cNvSpPr txBox="1">
+                  <a:spLocks noRot="1" noChangeAspect="1" noMove="1" noResize="1" noEditPoints="1" noAdjustHandles="1" noChangeArrowheads="1" noChangeShapeType="1" noTextEdit="1"/>
+                </p:cNvSpPr>
+                <p:nvPr/>
+              </p:nvSpPr>
+              <p:spPr>
+                <a:xfrm>
+                  <a:off x="1701234" y="2166674"/>
+                  <a:ext cx="317715" cy="261610"/>
+                </a:xfrm>
+                <a:prstGeom prst="rect">
+                  <a:avLst/>
+                </a:prstGeom>
+                <a:blipFill>
+                  <a:blip r:embed="rId19"/>
+                  <a:stretch>
+                    <a:fillRect/>
+                  </a:stretch>
+                </a:blipFill>
+              </p:spPr>
+              <p:txBody>
+                <a:bodyPr/>
+                <a:lstStyle/>
+                <a:p>
+                  <a:r>
+                    <a:rPr lang="en-US">
+                      <a:noFill/>
+                    </a:rPr>
+                    <a:t> </a:t>
+                  </a:r>
+                </a:p>
+              </p:txBody>
+            </p:sp>
+          </mc:Fallback>
+        </mc:AlternateContent>
+      </p:grpSp>
+      <p:grpSp>
+        <p:nvGrpSpPr>
+          <p:cNvPr id="173" name="Group 172">
+            <a:extLst>
+              <a:ext uri="{FF2B5EF4-FFF2-40B4-BE49-F238E27FC236}">
+                <a16:creationId xmlns:a16="http://schemas.microsoft.com/office/drawing/2014/main" id="{2EF422C1-CB3F-EF48-9FC4-50EE12B93F80}"/>
+              </a:ext>
+            </a:extLst>
+          </p:cNvPr>
+          <p:cNvGrpSpPr/>
+          <p:nvPr/>
+        </p:nvGrpSpPr>
+        <p:grpSpPr>
+          <a:xfrm>
+            <a:off x="4610304" y="5125588"/>
+            <a:ext cx="322524" cy="301255"/>
+            <a:chOff x="1701234" y="2146852"/>
+            <a:chExt cx="322524" cy="301255"/>
+          </a:xfrm>
+        </p:grpSpPr>
+        <p:sp>
+          <p:nvSpPr>
+            <p:cNvPr id="174" name="Oval 173">
+              <a:extLst>
+                <a:ext uri="{FF2B5EF4-FFF2-40B4-BE49-F238E27FC236}">
+                  <a16:creationId xmlns:a16="http://schemas.microsoft.com/office/drawing/2014/main" id="{9F7E1C47-845E-AE4E-83B3-0FAB48ABF47C}"/>
+                </a:ext>
+              </a:extLst>
+            </p:cNvPr>
+            <p:cNvSpPr/>
+            <p:nvPr/>
+          </p:nvSpPr>
+          <p:spPr>
+            <a:xfrm>
+              <a:off x="1716455" y="2146852"/>
+              <a:ext cx="287274" cy="301255"/>
+            </a:xfrm>
+            <a:prstGeom prst="ellipse">
+              <a:avLst/>
+            </a:prstGeom>
+            <a:noFill/>
+          </p:spPr>
+          <p:style>
+            <a:lnRef idx="2">
+              <a:schemeClr val="accent1">
+                <a:shade val="50000"/>
+              </a:schemeClr>
+            </a:lnRef>
+            <a:fillRef idx="1">
+              <a:schemeClr val="accent1"/>
+            </a:fillRef>
+            <a:effectRef idx="0">
+              <a:schemeClr val="accent1"/>
+            </a:effectRef>
+            <a:fontRef idx="minor">
+              <a:schemeClr val="lt1"/>
+            </a:fontRef>
+          </p:style>
+          <p:txBody>
+            <a:bodyPr rtlCol="0" anchor="ctr"/>
+            <a:lstStyle/>
+            <a:p>
+              <a:pPr algn="ctr"/>
+              <a:endParaRPr lang="en-US"/>
+            </a:p>
+          </p:txBody>
+        </p:sp>
+        <mc:AlternateContent xmlns:mc="http://schemas.openxmlformats.org/markup-compatibility/2006">
+          <mc:Choice xmlns:a14="http://schemas.microsoft.com/office/drawing/2010/main" Requires="a14">
+            <p:sp>
+              <p:nvSpPr>
+                <p:cNvPr id="175" name="TextBox 174">
+                  <a:extLst>
+                    <a:ext uri="{FF2B5EF4-FFF2-40B4-BE49-F238E27FC236}">
+                      <a16:creationId xmlns:a16="http://schemas.microsoft.com/office/drawing/2014/main" id="{F340C673-DE4D-EF46-B4A9-4D591F61F4DC}"/>
+                    </a:ext>
+                  </a:extLst>
+                </p:cNvPr>
+                <p:cNvSpPr txBox="1"/>
+                <p:nvPr/>
+              </p:nvSpPr>
+              <p:spPr>
+                <a:xfrm>
+                  <a:off x="1701234" y="2166674"/>
+                  <a:ext cx="322524" cy="261610"/>
+                </a:xfrm>
+                <a:prstGeom prst="rect">
+                  <a:avLst/>
+                </a:prstGeom>
+                <a:noFill/>
+              </p:spPr>
+              <p:txBody>
+                <a:bodyPr wrap="none" rtlCol="0">
+                  <a:spAutoFit/>
+                </a:bodyPr>
+                <a:lstStyle/>
+                <a:p>
+                  <a14:m>
+                    <m:oMathPara xmlns:m="http://schemas.openxmlformats.org/officeDocument/2006/math">
+                      <m:oMathParaPr>
+                        <m:jc m:val="centerGroup"/>
+                      </m:oMathParaPr>
+                      <m:oMath xmlns:m="http://schemas.openxmlformats.org/officeDocument/2006/math">
+                        <m:r>
+                          <a:rPr lang="en-US" sz="1100" b="0" i="1" smtClean="0">
+                            <a:latin typeface="Cambria Math" panose="02040503050406030204" pitchFamily="18" charset="0"/>
+                            <a:ea typeface="Cambria Math" panose="02040503050406030204" pitchFamily="18" charset="0"/>
+                          </a:rPr>
+                          <m:t>+</m:t>
+                        </m:r>
+                      </m:oMath>
+                    </m:oMathPara>
+                  </a14:m>
+                  <a:endParaRPr lang="en-US" sz="1100" dirty="0"/>
+                </a:p>
+              </p:txBody>
+            </p:sp>
+          </mc:Choice>
+          <mc:Fallback>
+            <p:sp>
+              <p:nvSpPr>
+                <p:cNvPr id="175" name="TextBox 174">
+                  <a:extLst>
+                    <a:ext uri="{FF2B5EF4-FFF2-40B4-BE49-F238E27FC236}">
+                      <a16:creationId xmlns:a16="http://schemas.microsoft.com/office/drawing/2014/main" id="{F340C673-DE4D-EF46-B4A9-4D591F61F4DC}"/>
+                    </a:ext>
+                  </a:extLst>
+                </p:cNvPr>
+                <p:cNvSpPr txBox="1">
+                  <a:spLocks noRot="1" noChangeAspect="1" noMove="1" noResize="1" noEditPoints="1" noAdjustHandles="1" noChangeArrowheads="1" noChangeShapeType="1" noTextEdit="1"/>
+                </p:cNvSpPr>
+                <p:nvPr/>
+              </p:nvSpPr>
+              <p:spPr>
+                <a:xfrm>
+                  <a:off x="1701234" y="2166674"/>
+                  <a:ext cx="322524" cy="261610"/>
+                </a:xfrm>
+                <a:prstGeom prst="rect">
+                  <a:avLst/>
+                </a:prstGeom>
+                <a:blipFill>
+                  <a:blip r:embed="rId20"/>
+                  <a:stretch>
+                    <a:fillRect/>
+                  </a:stretch>
+                </a:blipFill>
+              </p:spPr>
+              <p:txBody>
+                <a:bodyPr/>
+                <a:lstStyle/>
+                <a:p>
+                  <a:r>
+                    <a:rPr lang="en-US">
+                      <a:noFill/>
+                    </a:rPr>
+                    <a:t> </a:t>
+                  </a:r>
+                </a:p>
+              </p:txBody>
+            </p:sp>
+          </mc:Fallback>
+        </mc:AlternateContent>
+      </p:grpSp>
+      <p:grpSp>
+        <p:nvGrpSpPr>
+          <p:cNvPr id="178" name="Group 177">
+            <a:extLst>
+              <a:ext uri="{FF2B5EF4-FFF2-40B4-BE49-F238E27FC236}">
+                <a16:creationId xmlns:a16="http://schemas.microsoft.com/office/drawing/2014/main" id="{E5506564-05AF-9C4E-8854-3B134E64B337}"/>
+              </a:ext>
+            </a:extLst>
+          </p:cNvPr>
+          <p:cNvGrpSpPr/>
+          <p:nvPr/>
+        </p:nvGrpSpPr>
+        <p:grpSpPr>
+          <a:xfrm>
+            <a:off x="6366022" y="1589880"/>
+            <a:ext cx="4788169" cy="3096473"/>
+            <a:chOff x="994216" y="1624060"/>
+            <a:chExt cx="4788169" cy="3096473"/>
+          </a:xfrm>
+        </p:grpSpPr>
+        <mc:AlternateContent xmlns:mc="http://schemas.openxmlformats.org/markup-compatibility/2006">
+          <mc:Choice xmlns:a14="http://schemas.microsoft.com/office/drawing/2010/main" Requires="a14">
+            <p:sp>
+              <p:nvSpPr>
+                <p:cNvPr id="179" name="TextBox 178">
+                  <a:extLst>
+                    <a:ext uri="{FF2B5EF4-FFF2-40B4-BE49-F238E27FC236}">
+                      <a16:creationId xmlns:a16="http://schemas.microsoft.com/office/drawing/2014/main" id="{6FA25E0B-8B2C-9244-80A4-52223D9E1561}"/>
+                    </a:ext>
+                  </a:extLst>
+                </p:cNvPr>
+                <p:cNvSpPr txBox="1"/>
+                <p:nvPr/>
+              </p:nvSpPr>
+              <p:spPr>
+                <a:xfrm>
+                  <a:off x="5036509" y="1624060"/>
+                  <a:ext cx="348749" cy="261610"/>
+                </a:xfrm>
+                <a:prstGeom prst="rect">
+                  <a:avLst/>
+                </a:prstGeom>
+                <a:noFill/>
+              </p:spPr>
+              <p:txBody>
+                <a:bodyPr wrap="none" rtlCol="0">
+                  <a:spAutoFit/>
+                </a:bodyPr>
+                <a:lstStyle/>
+                <a:p>
+                  <a14:m>
+                    <m:oMathPara xmlns:m="http://schemas.openxmlformats.org/officeDocument/2006/math">
+                      <m:oMathParaPr>
+                        <m:jc m:val="centerGroup"/>
+                      </m:oMathParaPr>
+                      <m:oMath xmlns:m="http://schemas.openxmlformats.org/officeDocument/2006/math">
+                        <m:sSub>
+                          <m:sSubPr>
+                            <m:ctrlPr>
+                              <a:rPr lang="en-US" sz="1100" i="1" smtClean="0">
+                                <a:latin typeface="Cambria Math" panose="02040503050406030204" pitchFamily="18" charset="0"/>
+                              </a:rPr>
+                            </m:ctrlPr>
+                          </m:sSubPr>
+                          <m:e>
+                            <m:r>
+                              <a:rPr lang="en-US" sz="1100" b="0" i="1" smtClean="0">
+                                <a:latin typeface="Cambria Math" panose="02040503050406030204" pitchFamily="18" charset="0"/>
+                              </a:rPr>
+                              <m:t>h</m:t>
+                            </m:r>
+                          </m:e>
+                          <m:sub>
+                            <m:r>
+                              <a:rPr lang="en-US" sz="1100" b="0" i="1" smtClean="0">
+                                <a:latin typeface="Cambria Math" panose="02040503050406030204" pitchFamily="18" charset="0"/>
+                              </a:rPr>
+                              <m:t>𝑡</m:t>
+                            </m:r>
+                          </m:sub>
+                        </m:sSub>
+                      </m:oMath>
+                    </m:oMathPara>
+                  </a14:m>
+                  <a:endParaRPr lang="en-US" sz="1100" dirty="0"/>
+                </a:p>
+              </p:txBody>
+            </p:sp>
+          </mc:Choice>
+          <mc:Fallback>
+            <p:sp>
+              <p:nvSpPr>
+                <p:cNvPr id="179" name="TextBox 178">
+                  <a:extLst>
+                    <a:ext uri="{FF2B5EF4-FFF2-40B4-BE49-F238E27FC236}">
+                      <a16:creationId xmlns:a16="http://schemas.microsoft.com/office/drawing/2014/main" id="{6FA25E0B-8B2C-9244-80A4-52223D9E1561}"/>
+                    </a:ext>
+                  </a:extLst>
+                </p:cNvPr>
+                <p:cNvSpPr txBox="1">
+                  <a:spLocks noRot="1" noChangeAspect="1" noMove="1" noResize="1" noEditPoints="1" noAdjustHandles="1" noChangeArrowheads="1" noChangeShapeType="1" noTextEdit="1"/>
+                </p:cNvSpPr>
+                <p:nvPr/>
+              </p:nvSpPr>
+              <p:spPr>
+                <a:xfrm>
+                  <a:off x="5036509" y="1624060"/>
+                  <a:ext cx="348749" cy="261610"/>
+                </a:xfrm>
+                <a:prstGeom prst="rect">
+                  <a:avLst/>
+                </a:prstGeom>
+                <a:blipFill>
+                  <a:blip r:embed="rId21"/>
+                  <a:stretch>
+                    <a:fillRect/>
+                  </a:stretch>
+                </a:blipFill>
+              </p:spPr>
+              <p:txBody>
+                <a:bodyPr/>
+                <a:lstStyle/>
+                <a:p>
+                  <a:r>
+                    <a:rPr lang="en-US">
+                      <a:noFill/>
+                    </a:rPr>
+                    <a:t> </a:t>
+                  </a:r>
+                </a:p>
+              </p:txBody>
+            </p:sp>
+          </mc:Fallback>
+        </mc:AlternateContent>
+        <p:sp>
+          <p:nvSpPr>
+            <p:cNvPr id="180" name="TextBox 179">
+              <a:extLst>
+                <a:ext uri="{FF2B5EF4-FFF2-40B4-BE49-F238E27FC236}">
+                  <a16:creationId xmlns:a16="http://schemas.microsoft.com/office/drawing/2014/main" id="{9E3A2C32-89DE-4041-A6DD-AAA35888CC1F}"/>
+                </a:ext>
+              </a:extLst>
+            </p:cNvPr>
+            <p:cNvSpPr txBox="1"/>
+            <p:nvPr/>
+          </p:nvSpPr>
+          <p:spPr>
+            <a:xfrm>
+              <a:off x="1529163" y="4474312"/>
+              <a:ext cx="785497" cy="246221"/>
+            </a:xfrm>
+            <a:prstGeom prst="rect">
+              <a:avLst/>
+            </a:prstGeom>
+            <a:noFill/>
+          </p:spPr>
+          <p:txBody>
+            <a:bodyPr wrap="square" rtlCol="0">
+              <a:spAutoFit/>
+            </a:bodyPr>
+            <a:lstStyle/>
+            <a:p>
+              <a:r>
+                <a:rPr lang="en-US" sz="1000" dirty="0"/>
+                <a:t>forget gate</a:t>
+              </a:r>
+            </a:p>
+          </p:txBody>
+        </p:sp>
+        <p:sp>
+          <p:nvSpPr>
+            <p:cNvPr id="181" name="TextBox 180">
+              <a:extLst>
+                <a:ext uri="{FF2B5EF4-FFF2-40B4-BE49-F238E27FC236}">
+                  <a16:creationId xmlns:a16="http://schemas.microsoft.com/office/drawing/2014/main" id="{0706A306-77DB-AC49-BB13-1702F28E7AFB}"/>
+                </a:ext>
+              </a:extLst>
+            </p:cNvPr>
+            <p:cNvSpPr txBox="1"/>
+            <p:nvPr/>
+          </p:nvSpPr>
+          <p:spPr>
+            <a:xfrm>
+              <a:off x="2590003" y="4471324"/>
+              <a:ext cx="785497" cy="246221"/>
+            </a:xfrm>
+            <a:prstGeom prst="rect">
+              <a:avLst/>
+            </a:prstGeom>
+            <a:noFill/>
+          </p:spPr>
+          <p:txBody>
+            <a:bodyPr wrap="square" rtlCol="0">
+              <a:spAutoFit/>
+            </a:bodyPr>
+            <a:lstStyle/>
+            <a:p>
+              <a:r>
+                <a:rPr lang="en-US" sz="1000" dirty="0"/>
+                <a:t>input gate</a:t>
+              </a:r>
+            </a:p>
+          </p:txBody>
+        </p:sp>
+        <p:sp>
+          <p:nvSpPr>
+            <p:cNvPr id="182" name="Rounded Rectangle 181">
+              <a:extLst>
+                <a:ext uri="{FF2B5EF4-FFF2-40B4-BE49-F238E27FC236}">
+                  <a16:creationId xmlns:a16="http://schemas.microsoft.com/office/drawing/2014/main" id="{4442AA02-0DE1-4B4D-B6C6-8BC4F023C259}"/>
+                </a:ext>
+              </a:extLst>
+            </p:cNvPr>
+            <p:cNvSpPr/>
+            <p:nvPr/>
+          </p:nvSpPr>
+          <p:spPr>
+            <a:xfrm>
+              <a:off x="1549248" y="2593405"/>
+              <a:ext cx="785497" cy="1880624"/>
+            </a:xfrm>
+            <a:prstGeom prst="roundRect">
+              <a:avLst/>
+            </a:prstGeom>
+            <a:solidFill>
+              <a:schemeClr val="accent1">
+                <a:alpha val="17000"/>
+              </a:schemeClr>
+            </a:solidFill>
+            <a:ln w="6350">
+              <a:prstDash val="dash"/>
+            </a:ln>
+          </p:spPr>
+          <p:style>
+            <a:lnRef idx="2">
+              <a:schemeClr val="accent1">
+                <a:shade val="50000"/>
+              </a:schemeClr>
+            </a:lnRef>
+            <a:fillRef idx="1">
+              <a:schemeClr val="accent1"/>
+            </a:fillRef>
+            <a:effectRef idx="0">
+              <a:schemeClr val="accent1"/>
+            </a:effectRef>
+            <a:fontRef idx="minor">
+              <a:schemeClr val="lt1"/>
+            </a:fontRef>
+          </p:style>
+          <p:txBody>
+            <a:bodyPr rtlCol="0" anchor="ctr"/>
+            <a:lstStyle/>
+            <a:p>
+              <a:pPr algn="ctr"/>
+              <a:endParaRPr lang="en-US"/>
+            </a:p>
+          </p:txBody>
+        </p:sp>
+        <p:sp>
+          <p:nvSpPr>
+            <p:cNvPr id="183" name="Rounded Rectangle 182">
+              <a:extLst>
+                <a:ext uri="{FF2B5EF4-FFF2-40B4-BE49-F238E27FC236}">
+                  <a16:creationId xmlns:a16="http://schemas.microsoft.com/office/drawing/2014/main" id="{C8C506E5-38F6-284A-A3D4-B19BF94774E3}"/>
+                </a:ext>
+              </a:extLst>
+            </p:cNvPr>
+            <p:cNvSpPr/>
+            <p:nvPr/>
+          </p:nvSpPr>
+          <p:spPr>
+            <a:xfrm>
+              <a:off x="2421615" y="2421360"/>
+              <a:ext cx="1169429" cy="2052669"/>
+            </a:xfrm>
+            <a:prstGeom prst="roundRect">
+              <a:avLst/>
+            </a:prstGeom>
+            <a:solidFill>
+              <a:srgbClr val="FF0000">
+                <a:alpha val="16000"/>
+              </a:srgbClr>
+            </a:solidFill>
+            <a:ln w="6350">
+              <a:prstDash val="dash"/>
+            </a:ln>
+          </p:spPr>
+          <p:style>
+            <a:lnRef idx="2">
+              <a:schemeClr val="accent1">
+                <a:shade val="50000"/>
+              </a:schemeClr>
+            </a:lnRef>
+            <a:fillRef idx="1">
+              <a:schemeClr val="accent1"/>
+            </a:fillRef>
+            <a:effectRef idx="0">
+              <a:schemeClr val="accent1"/>
+            </a:effectRef>
+            <a:fontRef idx="minor">
+              <a:schemeClr val="lt1"/>
+            </a:fontRef>
+          </p:style>
+          <p:txBody>
+            <a:bodyPr rtlCol="0" anchor="ctr"/>
+            <a:lstStyle/>
+            <a:p>
+              <a:pPr algn="ctr"/>
+              <a:endParaRPr lang="en-US"/>
+            </a:p>
+          </p:txBody>
+        </p:sp>
+        <p:sp>
+          <p:nvSpPr>
+            <p:cNvPr id="184" name="Rounded Rectangle 183">
+              <a:extLst>
+                <a:ext uri="{FF2B5EF4-FFF2-40B4-BE49-F238E27FC236}">
+                  <a16:creationId xmlns:a16="http://schemas.microsoft.com/office/drawing/2014/main" id="{9D7BD44F-EF98-394C-8918-863DC1277AB9}"/>
+                </a:ext>
+              </a:extLst>
+            </p:cNvPr>
+            <p:cNvSpPr/>
+            <p:nvPr/>
+          </p:nvSpPr>
+          <p:spPr>
+            <a:xfrm>
+              <a:off x="3775166" y="2031559"/>
+              <a:ext cx="1239924" cy="2105695"/>
+            </a:xfrm>
+            <a:prstGeom prst="roundRect">
+              <a:avLst/>
+            </a:prstGeom>
+            <a:solidFill>
+              <a:schemeClr val="accent6">
+                <a:alpha val="19000"/>
+              </a:schemeClr>
+            </a:solidFill>
+            <a:ln w="6350">
+              <a:prstDash val="dash"/>
+            </a:ln>
+          </p:spPr>
+          <p:style>
+            <a:lnRef idx="2">
+              <a:schemeClr val="accent1">
+                <a:shade val="50000"/>
+              </a:schemeClr>
+            </a:lnRef>
+            <a:fillRef idx="1">
+              <a:schemeClr val="accent1"/>
+            </a:fillRef>
+            <a:effectRef idx="0">
+              <a:schemeClr val="accent1"/>
+            </a:effectRef>
+            <a:fontRef idx="minor">
+              <a:schemeClr val="lt1"/>
+            </a:fontRef>
+          </p:style>
+          <p:txBody>
+            <a:bodyPr rtlCol="0" anchor="ctr"/>
+            <a:lstStyle/>
+            <a:p>
+              <a:pPr algn="ctr"/>
+              <a:endParaRPr lang="en-US"/>
+            </a:p>
+          </p:txBody>
+        </p:sp>
+        <p:sp>
+          <p:nvSpPr>
+            <p:cNvPr id="185" name="Rounded Rectangle 184">
+              <a:extLst>
+                <a:ext uri="{FF2B5EF4-FFF2-40B4-BE49-F238E27FC236}">
+                  <a16:creationId xmlns:a16="http://schemas.microsoft.com/office/drawing/2014/main" id="{73C2FADB-0514-1146-AD6D-E6D027A15FA6}"/>
+                </a:ext>
+              </a:extLst>
+            </p:cNvPr>
+            <p:cNvSpPr/>
+            <p:nvPr/>
+          </p:nvSpPr>
+          <p:spPr>
+            <a:xfrm>
+              <a:off x="1652513" y="1995342"/>
+              <a:ext cx="2004059" cy="382363"/>
+            </a:xfrm>
+            <a:prstGeom prst="roundRect">
+              <a:avLst/>
+            </a:prstGeom>
+            <a:solidFill>
+              <a:schemeClr val="bg2">
+                <a:alpha val="19000"/>
+              </a:schemeClr>
+            </a:solidFill>
+            <a:ln w="6350">
+              <a:prstDash val="dash"/>
+            </a:ln>
+          </p:spPr>
+          <p:style>
+            <a:lnRef idx="2">
+              <a:schemeClr val="accent1">
+                <a:shade val="50000"/>
+              </a:schemeClr>
+            </a:lnRef>
+            <a:fillRef idx="1">
+              <a:schemeClr val="accent1"/>
+            </a:fillRef>
+            <a:effectRef idx="0">
+              <a:schemeClr val="accent1"/>
+            </a:effectRef>
+            <a:fontRef idx="minor">
+              <a:schemeClr val="lt1"/>
+            </a:fontRef>
+          </p:style>
+          <p:txBody>
+            <a:bodyPr rtlCol="0" anchor="ctr"/>
+            <a:lstStyle/>
+            <a:p>
+              <a:pPr algn="ctr"/>
+              <a:endParaRPr lang="en-US"/>
+            </a:p>
+          </p:txBody>
+        </p:sp>
+        <p:grpSp>
+          <p:nvGrpSpPr>
+            <p:cNvPr id="186" name="Group 185">
+              <a:extLst>
+                <a:ext uri="{FF2B5EF4-FFF2-40B4-BE49-F238E27FC236}">
+                  <a16:creationId xmlns:a16="http://schemas.microsoft.com/office/drawing/2014/main" id="{4169124A-9E61-E448-B8CC-469DED977150}"/>
+                </a:ext>
+              </a:extLst>
+            </p:cNvPr>
+            <p:cNvGrpSpPr/>
+            <p:nvPr/>
+          </p:nvGrpSpPr>
+          <p:grpSpPr>
+            <a:xfrm>
+              <a:off x="1813932" y="2031559"/>
+              <a:ext cx="317715" cy="301255"/>
+              <a:chOff x="1701234" y="2146852"/>
+              <a:chExt cx="317715" cy="301255"/>
+            </a:xfrm>
+          </p:grpSpPr>
+          <p:sp>
+            <p:nvSpPr>
+              <p:cNvPr id="268" name="Oval 267">
+                <a:extLst>
+                  <a:ext uri="{FF2B5EF4-FFF2-40B4-BE49-F238E27FC236}">
+                    <a16:creationId xmlns:a16="http://schemas.microsoft.com/office/drawing/2014/main" id="{525C5B02-5A85-794C-9C7A-B6296B54271C}"/>
+                  </a:ext>
+                </a:extLst>
+              </p:cNvPr>
+              <p:cNvSpPr/>
+              <p:nvPr/>
+            </p:nvSpPr>
+            <p:spPr>
+              <a:xfrm>
+                <a:off x="1716455" y="2146852"/>
+                <a:ext cx="287274" cy="301255"/>
+              </a:xfrm>
+              <a:prstGeom prst="ellipse">
+                <a:avLst/>
+              </a:prstGeom>
+              <a:noFill/>
+            </p:spPr>
+            <p:style>
+              <a:lnRef idx="2">
+                <a:schemeClr val="accent1">
+                  <a:shade val="50000"/>
+                </a:schemeClr>
+              </a:lnRef>
+              <a:fillRef idx="1">
+                <a:schemeClr val="accent1"/>
+              </a:fillRef>
+              <a:effectRef idx="0">
+                <a:schemeClr val="accent1"/>
+              </a:effectRef>
+              <a:fontRef idx="minor">
+                <a:schemeClr val="lt1"/>
+              </a:fontRef>
+            </p:style>
+            <p:txBody>
+              <a:bodyPr rtlCol="0" anchor="ctr"/>
+              <a:lstStyle/>
+              <a:p>
+                <a:pPr algn="ctr"/>
+                <a:endParaRPr lang="en-US"/>
+              </a:p>
+            </p:txBody>
+          </p:sp>
+          <mc:AlternateContent xmlns:mc="http://schemas.openxmlformats.org/markup-compatibility/2006">
+            <mc:Choice xmlns:a14="http://schemas.microsoft.com/office/drawing/2010/main" Requires="a14">
+              <p:sp>
+                <p:nvSpPr>
+                  <p:cNvPr id="269" name="TextBox 268">
+                    <a:extLst>
+                      <a:ext uri="{FF2B5EF4-FFF2-40B4-BE49-F238E27FC236}">
+                        <a16:creationId xmlns:a16="http://schemas.microsoft.com/office/drawing/2014/main" id="{9F998DC1-2572-B843-B17B-2ECBC1835989}"/>
+                      </a:ext>
+                    </a:extLst>
+                  </p:cNvPr>
+                  <p:cNvSpPr txBox="1"/>
+                  <p:nvPr/>
+                </p:nvSpPr>
+                <p:spPr>
+                  <a:xfrm>
+                    <a:off x="1701234" y="2166674"/>
+                    <a:ext cx="317715" cy="261610"/>
+                  </a:xfrm>
+                  <a:prstGeom prst="rect">
+                    <a:avLst/>
+                  </a:prstGeom>
+                  <a:noFill/>
+                </p:spPr>
+                <p:txBody>
+                  <a:bodyPr wrap="none" rtlCol="0">
+                    <a:spAutoFit/>
+                  </a:bodyPr>
+                  <a:lstStyle/>
+                  <a:p>
+                    <a14:m>
+                      <m:oMathPara xmlns:m="http://schemas.openxmlformats.org/officeDocument/2006/math">
+                        <m:oMathParaPr>
+                          <m:jc m:val="centerGroup"/>
+                        </m:oMathParaPr>
+                        <m:oMath xmlns:m="http://schemas.openxmlformats.org/officeDocument/2006/math">
+                          <m:r>
+                            <a:rPr lang="en-US" sz="1100" i="1" smtClean="0">
+                              <a:latin typeface="Cambria Math" panose="02040503050406030204" pitchFamily="18" charset="0"/>
+                              <a:ea typeface="Cambria Math" panose="02040503050406030204" pitchFamily="18" charset="0"/>
+                            </a:rPr>
+                            <m:t>×</m:t>
+                          </m:r>
+                        </m:oMath>
+                      </m:oMathPara>
+                    </a14:m>
+                    <a:endParaRPr lang="en-US" sz="1100" dirty="0"/>
+                  </a:p>
+                </p:txBody>
+              </p:sp>
+            </mc:Choice>
+            <mc:Fallback>
+              <p:sp>
+                <p:nvSpPr>
+                  <p:cNvPr id="269" name="TextBox 268">
+                    <a:extLst>
+                      <a:ext uri="{FF2B5EF4-FFF2-40B4-BE49-F238E27FC236}">
+                        <a16:creationId xmlns:a16="http://schemas.microsoft.com/office/drawing/2014/main" id="{9F998DC1-2572-B843-B17B-2ECBC1835989}"/>
+                      </a:ext>
+                    </a:extLst>
+                  </p:cNvPr>
+                  <p:cNvSpPr txBox="1">
+                    <a:spLocks noRot="1" noChangeAspect="1" noMove="1" noResize="1" noEditPoints="1" noAdjustHandles="1" noChangeArrowheads="1" noChangeShapeType="1" noTextEdit="1"/>
+                  </p:cNvSpPr>
+                  <p:nvPr/>
+                </p:nvSpPr>
+                <p:spPr>
+                  <a:xfrm>
+                    <a:off x="1701234" y="2166674"/>
+                    <a:ext cx="317715" cy="261610"/>
+                  </a:xfrm>
+                  <a:prstGeom prst="rect">
+                    <a:avLst/>
+                  </a:prstGeom>
+                  <a:blipFill>
+                    <a:blip r:embed="rId19"/>
+                    <a:stretch>
+                      <a:fillRect/>
+                    </a:stretch>
+                  </a:blipFill>
+                </p:spPr>
+                <p:txBody>
+                  <a:bodyPr/>
+                  <a:lstStyle/>
+                  <a:p>
+                    <a:r>
+                      <a:rPr lang="en-US">
+                        <a:noFill/>
+                      </a:rPr>
+                      <a:t> </a:t>
+                    </a:r>
+                  </a:p>
+                </p:txBody>
+              </p:sp>
+            </mc:Fallback>
+          </mc:AlternateContent>
+        </p:grpSp>
+        <p:grpSp>
+          <p:nvGrpSpPr>
+            <p:cNvPr id="187" name="Group 186">
+              <a:extLst>
+                <a:ext uri="{FF2B5EF4-FFF2-40B4-BE49-F238E27FC236}">
+                  <a16:creationId xmlns:a16="http://schemas.microsoft.com/office/drawing/2014/main" id="{1511B834-B8CB-3340-A58C-2CAE52141BB6}"/>
+                </a:ext>
+              </a:extLst>
+            </p:cNvPr>
+            <p:cNvGrpSpPr/>
+            <p:nvPr/>
+          </p:nvGrpSpPr>
+          <p:grpSpPr>
+            <a:xfrm>
+              <a:off x="1794273" y="3118296"/>
+              <a:ext cx="372806" cy="301255"/>
+              <a:chOff x="1794273" y="3118296"/>
+              <a:chExt cx="372806" cy="301255"/>
+            </a:xfrm>
+          </p:grpSpPr>
+          <p:sp>
+            <p:nvSpPr>
+              <p:cNvPr id="266" name="Rectangle 265">
+                <a:extLst>
+                  <a:ext uri="{FF2B5EF4-FFF2-40B4-BE49-F238E27FC236}">
+                    <a16:creationId xmlns:a16="http://schemas.microsoft.com/office/drawing/2014/main" id="{137B9D69-6D1A-8048-8D77-F71D037EF60F}"/>
+                  </a:ext>
+                </a:extLst>
+              </p:cNvPr>
+              <p:cNvSpPr/>
+              <p:nvPr/>
+            </p:nvSpPr>
+            <p:spPr>
+              <a:xfrm>
+                <a:off x="1794273" y="3118296"/>
+                <a:ext cx="372806" cy="301255"/>
+              </a:xfrm>
+              <a:prstGeom prst="rect">
+                <a:avLst/>
+              </a:prstGeom>
+              <a:noFill/>
+            </p:spPr>
+            <p:style>
+              <a:lnRef idx="2">
+                <a:schemeClr val="accent1">
+                  <a:shade val="50000"/>
+                </a:schemeClr>
+              </a:lnRef>
+              <a:fillRef idx="1">
+                <a:schemeClr val="accent1"/>
+              </a:fillRef>
+              <a:effectRef idx="0">
+                <a:schemeClr val="accent1"/>
+              </a:effectRef>
+              <a:fontRef idx="minor">
+                <a:schemeClr val="lt1"/>
+              </a:fontRef>
+            </p:style>
+            <p:txBody>
+              <a:bodyPr rtlCol="0" anchor="ctr"/>
+              <a:lstStyle/>
+              <a:p>
+                <a:pPr algn="ctr"/>
+                <a:endParaRPr lang="en-US"/>
+              </a:p>
+            </p:txBody>
+          </p:sp>
+          <mc:AlternateContent xmlns:mc="http://schemas.openxmlformats.org/markup-compatibility/2006">
+            <mc:Choice xmlns:a14="http://schemas.microsoft.com/office/drawing/2010/main" Requires="a14">
+              <p:sp>
+                <p:nvSpPr>
+                  <p:cNvPr id="267" name="TextBox 266">
+                    <a:extLst>
+                      <a:ext uri="{FF2B5EF4-FFF2-40B4-BE49-F238E27FC236}">
+                        <a16:creationId xmlns:a16="http://schemas.microsoft.com/office/drawing/2014/main" id="{95FFA1AF-68C4-1943-BD70-58FDF802890D}"/>
+                      </a:ext>
+                    </a:extLst>
+                  </p:cNvPr>
+                  <p:cNvSpPr txBox="1"/>
+                  <p:nvPr/>
+                </p:nvSpPr>
+                <p:spPr>
+                  <a:xfrm>
+                    <a:off x="1829705" y="3118296"/>
+                    <a:ext cx="301942" cy="261610"/>
+                  </a:xfrm>
+                  <a:prstGeom prst="rect">
+                    <a:avLst/>
+                  </a:prstGeom>
+                  <a:noFill/>
+                </p:spPr>
+                <p:txBody>
+                  <a:bodyPr wrap="none" rtlCol="0">
+                    <a:spAutoFit/>
+                  </a:bodyPr>
+                  <a:lstStyle/>
+                  <a:p>
+                    <a14:m>
+                      <m:oMathPara xmlns:m="http://schemas.openxmlformats.org/officeDocument/2006/math">
+                        <m:oMathParaPr>
+                          <m:jc m:val="centerGroup"/>
+                        </m:oMathParaPr>
+                        <m:oMath xmlns:m="http://schemas.openxmlformats.org/officeDocument/2006/math">
+                          <m:r>
+                            <a:rPr lang="en-US" sz="1100" i="1" smtClean="0">
+                              <a:latin typeface="Cambria Math" panose="02040503050406030204" pitchFamily="18" charset="0"/>
+                              <a:ea typeface="Cambria Math" panose="02040503050406030204" pitchFamily="18" charset="0"/>
+                            </a:rPr>
+                            <m:t>𝜎</m:t>
+                          </m:r>
+                        </m:oMath>
+                      </m:oMathPara>
+                    </a14:m>
+                    <a:endParaRPr lang="en-US" sz="1100" dirty="0"/>
+                  </a:p>
+                </p:txBody>
+              </p:sp>
+            </mc:Choice>
+            <mc:Fallback>
+              <p:sp>
+                <p:nvSpPr>
+                  <p:cNvPr id="267" name="TextBox 266">
+                    <a:extLst>
+                      <a:ext uri="{FF2B5EF4-FFF2-40B4-BE49-F238E27FC236}">
+                        <a16:creationId xmlns:a16="http://schemas.microsoft.com/office/drawing/2014/main" id="{95FFA1AF-68C4-1943-BD70-58FDF802890D}"/>
+                      </a:ext>
+                    </a:extLst>
+                  </p:cNvPr>
+                  <p:cNvSpPr txBox="1">
+                    <a:spLocks noRot="1" noChangeAspect="1" noMove="1" noResize="1" noEditPoints="1" noAdjustHandles="1" noChangeArrowheads="1" noChangeShapeType="1" noTextEdit="1"/>
+                  </p:cNvSpPr>
+                  <p:nvPr/>
+                </p:nvSpPr>
+                <p:spPr>
+                  <a:xfrm>
+                    <a:off x="1829705" y="3118296"/>
+                    <a:ext cx="301942" cy="261610"/>
+                  </a:xfrm>
+                  <a:prstGeom prst="rect">
+                    <a:avLst/>
+                  </a:prstGeom>
+                  <a:blipFill>
+                    <a:blip r:embed="rId22"/>
+                    <a:stretch>
+                      <a:fillRect/>
+                    </a:stretch>
+                  </a:blipFill>
+                </p:spPr>
+                <p:txBody>
+                  <a:bodyPr/>
+                  <a:lstStyle/>
+                  <a:p>
+                    <a:r>
+                      <a:rPr lang="en-US">
+                        <a:noFill/>
+                      </a:rPr>
+                      <a:t> </a:t>
+                    </a:r>
+                  </a:p>
+                </p:txBody>
+              </p:sp>
+            </mc:Fallback>
+          </mc:AlternateContent>
+        </p:grpSp>
+        <p:grpSp>
+          <p:nvGrpSpPr>
+            <p:cNvPr id="188" name="Group 187">
+              <a:extLst>
+                <a:ext uri="{FF2B5EF4-FFF2-40B4-BE49-F238E27FC236}">
+                  <a16:creationId xmlns:a16="http://schemas.microsoft.com/office/drawing/2014/main" id="{50B05F22-B039-3147-9A1A-0E08D032D81A}"/>
+                </a:ext>
+              </a:extLst>
+            </p:cNvPr>
+            <p:cNvGrpSpPr/>
+            <p:nvPr/>
+          </p:nvGrpSpPr>
+          <p:grpSpPr>
+            <a:xfrm>
+              <a:off x="2478222" y="3113291"/>
+              <a:ext cx="372806" cy="301255"/>
+              <a:chOff x="1794273" y="3118296"/>
+              <a:chExt cx="372806" cy="301255"/>
+            </a:xfrm>
+          </p:grpSpPr>
+          <p:sp>
+            <p:nvSpPr>
+              <p:cNvPr id="264" name="Rectangle 263">
+                <a:extLst>
+                  <a:ext uri="{FF2B5EF4-FFF2-40B4-BE49-F238E27FC236}">
+                    <a16:creationId xmlns:a16="http://schemas.microsoft.com/office/drawing/2014/main" id="{CA0B1A70-83B4-104C-B255-9384DDACAD90}"/>
+                  </a:ext>
+                </a:extLst>
+              </p:cNvPr>
+              <p:cNvSpPr/>
+              <p:nvPr/>
+            </p:nvSpPr>
+            <p:spPr>
+              <a:xfrm>
+                <a:off x="1794273" y="3118296"/>
+                <a:ext cx="372806" cy="301255"/>
+              </a:xfrm>
+              <a:prstGeom prst="rect">
+                <a:avLst/>
+              </a:prstGeom>
+              <a:noFill/>
+            </p:spPr>
+            <p:style>
+              <a:lnRef idx="2">
+                <a:schemeClr val="accent1">
+                  <a:shade val="50000"/>
+                </a:schemeClr>
+              </a:lnRef>
+              <a:fillRef idx="1">
+                <a:schemeClr val="accent1"/>
+              </a:fillRef>
+              <a:effectRef idx="0">
+                <a:schemeClr val="accent1"/>
+              </a:effectRef>
+              <a:fontRef idx="minor">
+                <a:schemeClr val="lt1"/>
+              </a:fontRef>
+            </p:style>
+            <p:txBody>
+              <a:bodyPr rtlCol="0" anchor="ctr"/>
+              <a:lstStyle/>
+              <a:p>
+                <a:pPr algn="ctr"/>
+                <a:endParaRPr lang="en-US"/>
+              </a:p>
+            </p:txBody>
+          </p:sp>
+          <mc:AlternateContent xmlns:mc="http://schemas.openxmlformats.org/markup-compatibility/2006">
+            <mc:Choice xmlns:a14="http://schemas.microsoft.com/office/drawing/2010/main" Requires="a14">
+              <p:sp>
+                <p:nvSpPr>
+                  <p:cNvPr id="265" name="TextBox 264">
+                    <a:extLst>
+                      <a:ext uri="{FF2B5EF4-FFF2-40B4-BE49-F238E27FC236}">
+                        <a16:creationId xmlns:a16="http://schemas.microsoft.com/office/drawing/2014/main" id="{08214A6E-723B-1C41-9324-3D861DC477BF}"/>
+                      </a:ext>
+                    </a:extLst>
+                  </p:cNvPr>
+                  <p:cNvSpPr txBox="1"/>
+                  <p:nvPr/>
+                </p:nvSpPr>
+                <p:spPr>
+                  <a:xfrm>
+                    <a:off x="1829705" y="3118296"/>
+                    <a:ext cx="301942" cy="261610"/>
+                  </a:xfrm>
+                  <a:prstGeom prst="rect">
+                    <a:avLst/>
+                  </a:prstGeom>
+                  <a:noFill/>
+                </p:spPr>
+                <p:txBody>
+                  <a:bodyPr wrap="none" rtlCol="0">
+                    <a:spAutoFit/>
+                  </a:bodyPr>
+                  <a:lstStyle/>
+                  <a:p>
+                    <a14:m>
+                      <m:oMathPara xmlns:m="http://schemas.openxmlformats.org/officeDocument/2006/math">
+                        <m:oMathParaPr>
+                          <m:jc m:val="centerGroup"/>
+                        </m:oMathParaPr>
+                        <m:oMath xmlns:m="http://schemas.openxmlformats.org/officeDocument/2006/math">
+                          <m:r>
+                            <a:rPr lang="en-US" sz="1100" i="1" smtClean="0">
+                              <a:latin typeface="Cambria Math" panose="02040503050406030204" pitchFamily="18" charset="0"/>
+                              <a:ea typeface="Cambria Math" panose="02040503050406030204" pitchFamily="18" charset="0"/>
+                            </a:rPr>
+                            <m:t>𝜎</m:t>
+                          </m:r>
+                        </m:oMath>
+                      </m:oMathPara>
+                    </a14:m>
+                    <a:endParaRPr lang="en-US" sz="1100" dirty="0"/>
+                  </a:p>
+                </p:txBody>
+              </p:sp>
+            </mc:Choice>
+            <mc:Fallback>
+              <p:sp>
+                <p:nvSpPr>
+                  <p:cNvPr id="265" name="TextBox 264">
+                    <a:extLst>
+                      <a:ext uri="{FF2B5EF4-FFF2-40B4-BE49-F238E27FC236}">
+                        <a16:creationId xmlns:a16="http://schemas.microsoft.com/office/drawing/2014/main" id="{08214A6E-723B-1C41-9324-3D861DC477BF}"/>
+                      </a:ext>
+                    </a:extLst>
+                  </p:cNvPr>
+                  <p:cNvSpPr txBox="1">
+                    <a:spLocks noRot="1" noChangeAspect="1" noMove="1" noResize="1" noEditPoints="1" noAdjustHandles="1" noChangeArrowheads="1" noChangeShapeType="1" noTextEdit="1"/>
+                  </p:cNvSpPr>
+                  <p:nvPr/>
+                </p:nvSpPr>
+                <p:spPr>
+                  <a:xfrm>
+                    <a:off x="1829705" y="3118296"/>
+                    <a:ext cx="301942" cy="261610"/>
+                  </a:xfrm>
+                  <a:prstGeom prst="rect">
+                    <a:avLst/>
+                  </a:prstGeom>
+                  <a:blipFill>
+                    <a:blip r:embed="rId23"/>
+                    <a:stretch>
+                      <a:fillRect/>
+                    </a:stretch>
+                  </a:blipFill>
+                </p:spPr>
+                <p:txBody>
+                  <a:bodyPr/>
+                  <a:lstStyle/>
+                  <a:p>
+                    <a:r>
+                      <a:rPr lang="en-US">
+                        <a:noFill/>
+                      </a:rPr>
+                      <a:t> </a:t>
+                    </a:r>
+                  </a:p>
+                </p:txBody>
+              </p:sp>
+            </mc:Fallback>
+          </mc:AlternateContent>
+        </p:grpSp>
+        <p:grpSp>
+          <p:nvGrpSpPr>
+            <p:cNvPr id="189" name="Group 188">
+              <a:extLst>
+                <a:ext uri="{FF2B5EF4-FFF2-40B4-BE49-F238E27FC236}">
+                  <a16:creationId xmlns:a16="http://schemas.microsoft.com/office/drawing/2014/main" id="{2EF0511B-6BA7-1749-81A6-A2496F742F70}"/>
+                </a:ext>
+              </a:extLst>
+            </p:cNvPr>
+            <p:cNvGrpSpPr/>
+            <p:nvPr/>
+          </p:nvGrpSpPr>
+          <p:grpSpPr>
+            <a:xfrm>
+              <a:off x="3197603" y="2031559"/>
+              <a:ext cx="322524" cy="301255"/>
+              <a:chOff x="1701234" y="2146852"/>
+              <a:chExt cx="322524" cy="301255"/>
+            </a:xfrm>
+          </p:grpSpPr>
+          <p:sp>
+            <p:nvSpPr>
+              <p:cNvPr id="262" name="Oval 261">
+                <a:extLst>
+                  <a:ext uri="{FF2B5EF4-FFF2-40B4-BE49-F238E27FC236}">
+                    <a16:creationId xmlns:a16="http://schemas.microsoft.com/office/drawing/2014/main" id="{FB62B984-7028-7749-843E-CEA3ABBD0242}"/>
+                  </a:ext>
+                </a:extLst>
+              </p:cNvPr>
+              <p:cNvSpPr/>
+              <p:nvPr/>
+            </p:nvSpPr>
+            <p:spPr>
+              <a:xfrm>
+                <a:off x="1716455" y="2146852"/>
+                <a:ext cx="287274" cy="301255"/>
+              </a:xfrm>
+              <a:prstGeom prst="ellipse">
+                <a:avLst/>
+              </a:prstGeom>
+              <a:noFill/>
+            </p:spPr>
+            <p:style>
+              <a:lnRef idx="2">
+                <a:schemeClr val="accent1">
+                  <a:shade val="50000"/>
+                </a:schemeClr>
+              </a:lnRef>
+              <a:fillRef idx="1">
+                <a:schemeClr val="accent1"/>
+              </a:fillRef>
+              <a:effectRef idx="0">
+                <a:schemeClr val="accent1"/>
+              </a:effectRef>
+              <a:fontRef idx="minor">
+                <a:schemeClr val="lt1"/>
+              </a:fontRef>
+            </p:style>
+            <p:txBody>
+              <a:bodyPr rtlCol="0" anchor="ctr"/>
+              <a:lstStyle/>
+              <a:p>
+                <a:pPr algn="ctr"/>
+                <a:endParaRPr lang="en-US"/>
+              </a:p>
+            </p:txBody>
+          </p:sp>
+          <mc:AlternateContent xmlns:mc="http://schemas.openxmlformats.org/markup-compatibility/2006">
+            <mc:Choice xmlns:a14="http://schemas.microsoft.com/office/drawing/2010/main" Requires="a14">
+              <p:sp>
+                <p:nvSpPr>
+                  <p:cNvPr id="263" name="TextBox 262">
+                    <a:extLst>
+                      <a:ext uri="{FF2B5EF4-FFF2-40B4-BE49-F238E27FC236}">
+                        <a16:creationId xmlns:a16="http://schemas.microsoft.com/office/drawing/2014/main" id="{0FE585B9-BC30-7E4D-BD6D-059AA22D13D3}"/>
+                      </a:ext>
+                    </a:extLst>
+                  </p:cNvPr>
+                  <p:cNvSpPr txBox="1"/>
+                  <p:nvPr/>
+                </p:nvSpPr>
+                <p:spPr>
+                  <a:xfrm>
+                    <a:off x="1701234" y="2166674"/>
+                    <a:ext cx="322524" cy="261610"/>
+                  </a:xfrm>
+                  <a:prstGeom prst="rect">
+                    <a:avLst/>
+                  </a:prstGeom>
+                  <a:noFill/>
+                </p:spPr>
+                <p:txBody>
+                  <a:bodyPr wrap="none" rtlCol="0">
+                    <a:spAutoFit/>
+                  </a:bodyPr>
+                  <a:lstStyle/>
+                  <a:p>
+                    <a14:m>
+                      <m:oMathPara xmlns:m="http://schemas.openxmlformats.org/officeDocument/2006/math">
+                        <m:oMathParaPr>
+                          <m:jc m:val="centerGroup"/>
+                        </m:oMathParaPr>
+                        <m:oMath xmlns:m="http://schemas.openxmlformats.org/officeDocument/2006/math">
+                          <m:r>
+                            <a:rPr lang="en-US" sz="1100" b="0" i="1" smtClean="0">
+                              <a:latin typeface="Cambria Math" panose="02040503050406030204" pitchFamily="18" charset="0"/>
+                              <a:ea typeface="Cambria Math" panose="02040503050406030204" pitchFamily="18" charset="0"/>
+                            </a:rPr>
+                            <m:t>+</m:t>
+                          </m:r>
+                        </m:oMath>
+                      </m:oMathPara>
+                    </a14:m>
+                    <a:endParaRPr lang="en-US" sz="1100" dirty="0"/>
+                  </a:p>
+                </p:txBody>
+              </p:sp>
+            </mc:Choice>
+            <mc:Fallback>
+              <p:sp>
+                <p:nvSpPr>
+                  <p:cNvPr id="263" name="TextBox 262">
+                    <a:extLst>
+                      <a:ext uri="{FF2B5EF4-FFF2-40B4-BE49-F238E27FC236}">
+                        <a16:creationId xmlns:a16="http://schemas.microsoft.com/office/drawing/2014/main" id="{0FE585B9-BC30-7E4D-BD6D-059AA22D13D3}"/>
+                      </a:ext>
+                    </a:extLst>
+                  </p:cNvPr>
+                  <p:cNvSpPr txBox="1">
+                    <a:spLocks noRot="1" noChangeAspect="1" noMove="1" noResize="1" noEditPoints="1" noAdjustHandles="1" noChangeArrowheads="1" noChangeShapeType="1" noTextEdit="1"/>
+                  </p:cNvSpPr>
+                  <p:nvPr/>
+                </p:nvSpPr>
+                <p:spPr>
+                  <a:xfrm>
+                    <a:off x="1701234" y="2166674"/>
+                    <a:ext cx="322524" cy="261610"/>
+                  </a:xfrm>
+                  <a:prstGeom prst="rect">
+                    <a:avLst/>
+                  </a:prstGeom>
+                  <a:blipFill>
+                    <a:blip r:embed="rId24"/>
+                    <a:stretch>
+                      <a:fillRect/>
+                    </a:stretch>
+                  </a:blipFill>
+                </p:spPr>
+                <p:txBody>
+                  <a:bodyPr/>
+                  <a:lstStyle/>
+                  <a:p>
+                    <a:r>
+                      <a:rPr lang="en-US">
+                        <a:noFill/>
+                      </a:rPr>
+                      <a:t> </a:t>
+                    </a:r>
+                  </a:p>
+                </p:txBody>
+              </p:sp>
+            </mc:Fallback>
+          </mc:AlternateContent>
+        </p:grpSp>
+        <p:grpSp>
+          <p:nvGrpSpPr>
+            <p:cNvPr id="190" name="Group 189">
+              <a:extLst>
+                <a:ext uri="{FF2B5EF4-FFF2-40B4-BE49-F238E27FC236}">
+                  <a16:creationId xmlns:a16="http://schemas.microsoft.com/office/drawing/2014/main" id="{1B31B82F-E968-5A43-9FC3-C56F80DD2A44}"/>
+                </a:ext>
+              </a:extLst>
+            </p:cNvPr>
+            <p:cNvGrpSpPr/>
+            <p:nvPr/>
+          </p:nvGrpSpPr>
+          <p:grpSpPr>
+            <a:xfrm>
+              <a:off x="3202412" y="2490084"/>
+              <a:ext cx="317715" cy="301255"/>
+              <a:chOff x="1701234" y="2146852"/>
+              <a:chExt cx="317715" cy="301255"/>
+            </a:xfrm>
+          </p:grpSpPr>
+          <p:sp>
+            <p:nvSpPr>
+              <p:cNvPr id="260" name="Oval 259">
+                <a:extLst>
+                  <a:ext uri="{FF2B5EF4-FFF2-40B4-BE49-F238E27FC236}">
+                    <a16:creationId xmlns:a16="http://schemas.microsoft.com/office/drawing/2014/main" id="{06A6B1AC-8578-8A4B-A59B-2123C14BD4C7}"/>
+                  </a:ext>
+                </a:extLst>
+              </p:cNvPr>
+              <p:cNvSpPr/>
+              <p:nvPr/>
+            </p:nvSpPr>
+            <p:spPr>
+              <a:xfrm>
+                <a:off x="1716455" y="2146852"/>
+                <a:ext cx="287274" cy="301255"/>
+              </a:xfrm>
+              <a:prstGeom prst="ellipse">
+                <a:avLst/>
+              </a:prstGeom>
+              <a:noFill/>
+            </p:spPr>
+            <p:style>
+              <a:lnRef idx="2">
+                <a:schemeClr val="accent1">
+                  <a:shade val="50000"/>
+                </a:schemeClr>
+              </a:lnRef>
+              <a:fillRef idx="1">
+                <a:schemeClr val="accent1"/>
+              </a:fillRef>
+              <a:effectRef idx="0">
+                <a:schemeClr val="accent1"/>
+              </a:effectRef>
+              <a:fontRef idx="minor">
+                <a:schemeClr val="lt1"/>
+              </a:fontRef>
+            </p:style>
+            <p:txBody>
+              <a:bodyPr rtlCol="0" anchor="ctr"/>
+              <a:lstStyle/>
+              <a:p>
+                <a:pPr algn="ctr"/>
+                <a:endParaRPr lang="en-US"/>
+              </a:p>
+            </p:txBody>
+          </p:sp>
+          <mc:AlternateContent xmlns:mc="http://schemas.openxmlformats.org/markup-compatibility/2006">
+            <mc:Choice xmlns:a14="http://schemas.microsoft.com/office/drawing/2010/main" Requires="a14">
+              <p:sp>
+                <p:nvSpPr>
+                  <p:cNvPr id="261" name="TextBox 260">
+                    <a:extLst>
+                      <a:ext uri="{FF2B5EF4-FFF2-40B4-BE49-F238E27FC236}">
+                        <a16:creationId xmlns:a16="http://schemas.microsoft.com/office/drawing/2014/main" id="{9D11BA72-2E88-654E-81CA-71C04909C9EA}"/>
+                      </a:ext>
+                    </a:extLst>
+                  </p:cNvPr>
+                  <p:cNvSpPr txBox="1"/>
+                  <p:nvPr/>
+                </p:nvSpPr>
+                <p:spPr>
+                  <a:xfrm>
+                    <a:off x="1701234" y="2166674"/>
+                    <a:ext cx="317715" cy="261610"/>
+                  </a:xfrm>
+                  <a:prstGeom prst="rect">
+                    <a:avLst/>
+                  </a:prstGeom>
+                  <a:noFill/>
+                </p:spPr>
+                <p:txBody>
+                  <a:bodyPr wrap="none" rtlCol="0">
+                    <a:spAutoFit/>
+                  </a:bodyPr>
+                  <a:lstStyle/>
+                  <a:p>
+                    <a14:m>
+                      <m:oMathPara xmlns:m="http://schemas.openxmlformats.org/officeDocument/2006/math">
+                        <m:oMathParaPr>
+                          <m:jc m:val="centerGroup"/>
+                        </m:oMathParaPr>
+                        <m:oMath xmlns:m="http://schemas.openxmlformats.org/officeDocument/2006/math">
+                          <m:r>
+                            <a:rPr lang="en-US" sz="1100" i="1" smtClean="0">
+                              <a:latin typeface="Cambria Math" panose="02040503050406030204" pitchFamily="18" charset="0"/>
+                              <a:ea typeface="Cambria Math" panose="02040503050406030204" pitchFamily="18" charset="0"/>
+                            </a:rPr>
+                            <m:t>×</m:t>
+                          </m:r>
+                        </m:oMath>
+                      </m:oMathPara>
+                    </a14:m>
+                    <a:endParaRPr lang="en-US" sz="1100" dirty="0"/>
+                  </a:p>
+                </p:txBody>
+              </p:sp>
+            </mc:Choice>
+            <mc:Fallback>
+              <p:sp>
+                <p:nvSpPr>
+                  <p:cNvPr id="261" name="TextBox 260">
+                    <a:extLst>
+                      <a:ext uri="{FF2B5EF4-FFF2-40B4-BE49-F238E27FC236}">
+                        <a16:creationId xmlns:a16="http://schemas.microsoft.com/office/drawing/2014/main" id="{9D11BA72-2E88-654E-81CA-71C04909C9EA}"/>
+                      </a:ext>
+                    </a:extLst>
+                  </p:cNvPr>
+                  <p:cNvSpPr txBox="1">
+                    <a:spLocks noRot="1" noChangeAspect="1" noMove="1" noResize="1" noEditPoints="1" noAdjustHandles="1" noChangeArrowheads="1" noChangeShapeType="1" noTextEdit="1"/>
+                  </p:cNvSpPr>
+                  <p:nvPr/>
+                </p:nvSpPr>
+                <p:spPr>
+                  <a:xfrm>
+                    <a:off x="1701234" y="2166674"/>
+                    <a:ext cx="317715" cy="261610"/>
+                  </a:xfrm>
+                  <a:prstGeom prst="rect">
+                    <a:avLst/>
+                  </a:prstGeom>
+                  <a:blipFill>
+                    <a:blip r:embed="rId25"/>
+                    <a:stretch>
+                      <a:fillRect/>
+                    </a:stretch>
+                  </a:blipFill>
+                </p:spPr>
+                <p:txBody>
+                  <a:bodyPr/>
+                  <a:lstStyle/>
+                  <a:p>
+                    <a:r>
+                      <a:rPr lang="en-US">
+                        <a:noFill/>
+                      </a:rPr>
+                      <a:t> </a:t>
+                    </a:r>
+                  </a:p>
+                </p:txBody>
+              </p:sp>
+            </mc:Fallback>
+          </mc:AlternateContent>
+        </p:grpSp>
+        <p:grpSp>
+          <p:nvGrpSpPr>
+            <p:cNvPr id="191" name="Group 190">
+              <a:extLst>
+                <a:ext uri="{FF2B5EF4-FFF2-40B4-BE49-F238E27FC236}">
+                  <a16:creationId xmlns:a16="http://schemas.microsoft.com/office/drawing/2014/main" id="{CF9C2CCF-8F68-1341-81BB-5CA47F61A4A7}"/>
+                </a:ext>
+              </a:extLst>
+            </p:cNvPr>
+            <p:cNvGrpSpPr/>
+            <p:nvPr/>
+          </p:nvGrpSpPr>
+          <p:grpSpPr>
+            <a:xfrm>
+              <a:off x="3100204" y="3127745"/>
+              <a:ext cx="490840" cy="301255"/>
+              <a:chOff x="1724419" y="3118296"/>
+              <a:chExt cx="490840" cy="301255"/>
+            </a:xfrm>
+          </p:grpSpPr>
+          <p:sp>
+            <p:nvSpPr>
+              <p:cNvPr id="258" name="Rectangle 257">
+                <a:extLst>
+                  <a:ext uri="{FF2B5EF4-FFF2-40B4-BE49-F238E27FC236}">
+                    <a16:creationId xmlns:a16="http://schemas.microsoft.com/office/drawing/2014/main" id="{365E5080-CC43-1543-A25D-7263005F8FD2}"/>
+                  </a:ext>
+                </a:extLst>
+              </p:cNvPr>
+              <p:cNvSpPr/>
+              <p:nvPr/>
+            </p:nvSpPr>
+            <p:spPr>
+              <a:xfrm>
+                <a:off x="1794273" y="3118296"/>
+                <a:ext cx="372806" cy="301255"/>
+              </a:xfrm>
+              <a:prstGeom prst="rect">
+                <a:avLst/>
+              </a:prstGeom>
+              <a:noFill/>
+            </p:spPr>
+            <p:style>
+              <a:lnRef idx="2">
+                <a:schemeClr val="accent1">
+                  <a:shade val="50000"/>
+                </a:schemeClr>
+              </a:lnRef>
+              <a:fillRef idx="1">
+                <a:schemeClr val="accent1"/>
+              </a:fillRef>
+              <a:effectRef idx="0">
+                <a:schemeClr val="accent1"/>
+              </a:effectRef>
+              <a:fontRef idx="minor">
+                <a:schemeClr val="lt1"/>
+              </a:fontRef>
+            </p:style>
+            <p:txBody>
+              <a:bodyPr rtlCol="0" anchor="ctr"/>
+              <a:lstStyle/>
+              <a:p>
+                <a:pPr algn="ctr"/>
+                <a:endParaRPr lang="en-US"/>
+              </a:p>
+            </p:txBody>
+          </p:sp>
+          <mc:AlternateContent xmlns:mc="http://schemas.openxmlformats.org/markup-compatibility/2006">
+            <mc:Choice xmlns:a14="http://schemas.microsoft.com/office/drawing/2010/main" Requires="a14">
+              <p:sp>
+                <p:nvSpPr>
+                  <p:cNvPr id="259" name="TextBox 258">
+                    <a:extLst>
+                      <a:ext uri="{FF2B5EF4-FFF2-40B4-BE49-F238E27FC236}">
+                        <a16:creationId xmlns:a16="http://schemas.microsoft.com/office/drawing/2014/main" id="{DCC6CC29-05EC-A045-AE2D-F109EA20A71C}"/>
+                      </a:ext>
+                    </a:extLst>
+                  </p:cNvPr>
+                  <p:cNvSpPr txBox="1"/>
+                  <p:nvPr/>
+                </p:nvSpPr>
+                <p:spPr>
+                  <a:xfrm>
+                    <a:off x="1724419" y="3128668"/>
+                    <a:ext cx="490840" cy="261610"/>
+                  </a:xfrm>
+                  <a:prstGeom prst="rect">
+                    <a:avLst/>
+                  </a:prstGeom>
+                  <a:noFill/>
+                </p:spPr>
+                <p:txBody>
+                  <a:bodyPr wrap="none" rtlCol="0">
+                    <a:spAutoFit/>
+                  </a:bodyPr>
+                  <a:lstStyle/>
+                  <a:p>
+                    <a14:m>
+                      <m:oMathPara xmlns:m="http://schemas.openxmlformats.org/officeDocument/2006/math">
+                        <m:oMathParaPr>
+                          <m:jc m:val="centerGroup"/>
+                        </m:oMathParaPr>
+                        <m:oMath xmlns:m="http://schemas.openxmlformats.org/officeDocument/2006/math">
+                          <m:r>
+                            <m:rPr>
+                              <m:sty m:val="p"/>
+                            </m:rPr>
+                            <a:rPr lang="en-US" sz="1100" b="0" i="0" smtClean="0">
+                              <a:latin typeface="Cambria Math" panose="02040503050406030204" pitchFamily="18" charset="0"/>
+                            </a:rPr>
+                            <m:t>tanh</m:t>
+                          </m:r>
+                        </m:oMath>
+                      </m:oMathPara>
+                    </a14:m>
+                    <a:endParaRPr lang="en-US" sz="1100" dirty="0"/>
+                  </a:p>
+                </p:txBody>
+              </p:sp>
+            </mc:Choice>
+            <mc:Fallback>
+              <p:sp>
+                <p:nvSpPr>
+                  <p:cNvPr id="259" name="TextBox 258">
+                    <a:extLst>
+                      <a:ext uri="{FF2B5EF4-FFF2-40B4-BE49-F238E27FC236}">
+                        <a16:creationId xmlns:a16="http://schemas.microsoft.com/office/drawing/2014/main" id="{DCC6CC29-05EC-A045-AE2D-F109EA20A71C}"/>
+                      </a:ext>
+                    </a:extLst>
+                  </p:cNvPr>
+                  <p:cNvSpPr txBox="1">
+                    <a:spLocks noRot="1" noChangeAspect="1" noMove="1" noResize="1" noEditPoints="1" noAdjustHandles="1" noChangeArrowheads="1" noChangeShapeType="1" noTextEdit="1"/>
+                  </p:cNvSpPr>
+                  <p:nvPr/>
+                </p:nvSpPr>
+                <p:spPr>
+                  <a:xfrm>
+                    <a:off x="1724419" y="3128668"/>
+                    <a:ext cx="490840" cy="261610"/>
+                  </a:xfrm>
+                  <a:prstGeom prst="rect">
+                    <a:avLst/>
+                  </a:prstGeom>
+                  <a:blipFill>
+                    <a:blip r:embed="rId8"/>
+                    <a:stretch>
+                      <a:fillRect/>
+                    </a:stretch>
+                  </a:blipFill>
+                </p:spPr>
+                <p:txBody>
+                  <a:bodyPr/>
+                  <a:lstStyle/>
+                  <a:p>
+                    <a:r>
+                      <a:rPr lang="en-US">
+                        <a:noFill/>
+                      </a:rPr>
+                      <a:t> </a:t>
+                    </a:r>
+                  </a:p>
+                </p:txBody>
+              </p:sp>
+            </mc:Fallback>
+          </mc:AlternateContent>
+        </p:grpSp>
+        <p:grpSp>
+          <p:nvGrpSpPr>
+            <p:cNvPr id="192" name="Group 191">
+              <a:extLst>
+                <a:ext uri="{FF2B5EF4-FFF2-40B4-BE49-F238E27FC236}">
+                  <a16:creationId xmlns:a16="http://schemas.microsoft.com/office/drawing/2014/main" id="{AC4F97BE-6C49-054E-9DD3-D1AB53E56303}"/>
+                </a:ext>
+              </a:extLst>
+            </p:cNvPr>
+            <p:cNvGrpSpPr/>
+            <p:nvPr/>
+          </p:nvGrpSpPr>
+          <p:grpSpPr>
+            <a:xfrm>
+              <a:off x="3898632" y="3730489"/>
+              <a:ext cx="372806" cy="301255"/>
+              <a:chOff x="1794273" y="3118296"/>
+              <a:chExt cx="372806" cy="301255"/>
+            </a:xfrm>
+          </p:grpSpPr>
+          <p:sp>
+            <p:nvSpPr>
+              <p:cNvPr id="256" name="Rectangle 255">
+                <a:extLst>
+                  <a:ext uri="{FF2B5EF4-FFF2-40B4-BE49-F238E27FC236}">
+                    <a16:creationId xmlns:a16="http://schemas.microsoft.com/office/drawing/2014/main" id="{59ABDD3E-C2CC-F44C-8C2A-38897535F95A}"/>
+                  </a:ext>
+                </a:extLst>
+              </p:cNvPr>
+              <p:cNvSpPr/>
+              <p:nvPr/>
+            </p:nvSpPr>
+            <p:spPr>
+              <a:xfrm>
+                <a:off x="1794273" y="3118296"/>
+                <a:ext cx="372806" cy="301255"/>
+              </a:xfrm>
+              <a:prstGeom prst="rect">
+                <a:avLst/>
+              </a:prstGeom>
+              <a:noFill/>
+            </p:spPr>
+            <p:style>
+              <a:lnRef idx="2">
+                <a:schemeClr val="accent1">
+                  <a:shade val="50000"/>
+                </a:schemeClr>
+              </a:lnRef>
+              <a:fillRef idx="1">
+                <a:schemeClr val="accent1"/>
+              </a:fillRef>
+              <a:effectRef idx="0">
+                <a:schemeClr val="accent1"/>
+              </a:effectRef>
+              <a:fontRef idx="minor">
+                <a:schemeClr val="lt1"/>
+              </a:fontRef>
+            </p:style>
+            <p:txBody>
+              <a:bodyPr rtlCol="0" anchor="ctr"/>
+              <a:lstStyle/>
+              <a:p>
+                <a:pPr algn="ctr"/>
+                <a:endParaRPr lang="en-US"/>
+              </a:p>
+            </p:txBody>
+          </p:sp>
+          <mc:AlternateContent xmlns:mc="http://schemas.openxmlformats.org/markup-compatibility/2006">
+            <mc:Choice xmlns:a14="http://schemas.microsoft.com/office/drawing/2010/main" Requires="a14">
+              <p:sp>
+                <p:nvSpPr>
+                  <p:cNvPr id="257" name="TextBox 256">
+                    <a:extLst>
+                      <a:ext uri="{FF2B5EF4-FFF2-40B4-BE49-F238E27FC236}">
+                        <a16:creationId xmlns:a16="http://schemas.microsoft.com/office/drawing/2014/main" id="{6D1E09D1-F5D6-E148-9E20-82A3C9D47849}"/>
+                      </a:ext>
+                    </a:extLst>
+                  </p:cNvPr>
+                  <p:cNvSpPr txBox="1"/>
+                  <p:nvPr/>
+                </p:nvSpPr>
+                <p:spPr>
+                  <a:xfrm>
+                    <a:off x="1829705" y="3118296"/>
+                    <a:ext cx="301942" cy="261610"/>
+                  </a:xfrm>
+                  <a:prstGeom prst="rect">
+                    <a:avLst/>
+                  </a:prstGeom>
+                  <a:noFill/>
+                </p:spPr>
+                <p:txBody>
+                  <a:bodyPr wrap="none" rtlCol="0">
+                    <a:spAutoFit/>
+                  </a:bodyPr>
+                  <a:lstStyle/>
+                  <a:p>
+                    <a14:m>
+                      <m:oMathPara xmlns:m="http://schemas.openxmlformats.org/officeDocument/2006/math">
+                        <m:oMathParaPr>
+                          <m:jc m:val="centerGroup"/>
+                        </m:oMathParaPr>
+                        <m:oMath xmlns:m="http://schemas.openxmlformats.org/officeDocument/2006/math">
+                          <m:r>
+                            <a:rPr lang="en-US" sz="1100" i="1" smtClean="0">
+                              <a:latin typeface="Cambria Math" panose="02040503050406030204" pitchFamily="18" charset="0"/>
+                              <a:ea typeface="Cambria Math" panose="02040503050406030204" pitchFamily="18" charset="0"/>
+                            </a:rPr>
+                            <m:t>𝜎</m:t>
+                          </m:r>
+                        </m:oMath>
+                      </m:oMathPara>
+                    </a14:m>
+                    <a:endParaRPr lang="en-US" sz="1100" dirty="0"/>
+                  </a:p>
+                </p:txBody>
+              </p:sp>
+            </mc:Choice>
+            <mc:Fallback>
+              <p:sp>
+                <p:nvSpPr>
+                  <p:cNvPr id="257" name="TextBox 256">
+                    <a:extLst>
+                      <a:ext uri="{FF2B5EF4-FFF2-40B4-BE49-F238E27FC236}">
+                        <a16:creationId xmlns:a16="http://schemas.microsoft.com/office/drawing/2014/main" id="{6D1E09D1-F5D6-E148-9E20-82A3C9D47849}"/>
+                      </a:ext>
+                    </a:extLst>
+                  </p:cNvPr>
+                  <p:cNvSpPr txBox="1">
+                    <a:spLocks noRot="1" noChangeAspect="1" noMove="1" noResize="1" noEditPoints="1" noAdjustHandles="1" noChangeArrowheads="1" noChangeShapeType="1" noTextEdit="1"/>
+                  </p:cNvSpPr>
+                  <p:nvPr/>
+                </p:nvSpPr>
+                <p:spPr>
+                  <a:xfrm>
+                    <a:off x="1829705" y="3118296"/>
+                    <a:ext cx="301942" cy="261610"/>
+                  </a:xfrm>
+                  <a:prstGeom prst="rect">
+                    <a:avLst/>
+                  </a:prstGeom>
+                  <a:blipFill>
+                    <a:blip r:embed="rId26"/>
+                    <a:stretch>
+                      <a:fillRect/>
+                    </a:stretch>
+                  </a:blipFill>
+                </p:spPr>
+                <p:txBody>
+                  <a:bodyPr/>
+                  <a:lstStyle/>
+                  <a:p>
+                    <a:r>
+                      <a:rPr lang="en-US">
+                        <a:noFill/>
+                      </a:rPr>
+                      <a:t> </a:t>
+                    </a:r>
+                  </a:p>
+                </p:txBody>
+              </p:sp>
+            </mc:Fallback>
+          </mc:AlternateContent>
+        </p:grpSp>
+        <p:grpSp>
+          <p:nvGrpSpPr>
+            <p:cNvPr id="193" name="Group 192">
+              <a:extLst>
+                <a:ext uri="{FF2B5EF4-FFF2-40B4-BE49-F238E27FC236}">
+                  <a16:creationId xmlns:a16="http://schemas.microsoft.com/office/drawing/2014/main" id="{4DF89AB6-34C7-6C42-BDF2-9DD9A7D67A6F}"/>
+                </a:ext>
+              </a:extLst>
+            </p:cNvPr>
+            <p:cNvGrpSpPr/>
+            <p:nvPr/>
+          </p:nvGrpSpPr>
+          <p:grpSpPr>
+            <a:xfrm>
+              <a:off x="4554032" y="3735411"/>
+              <a:ext cx="317715" cy="301255"/>
+              <a:chOff x="1701234" y="2146852"/>
+              <a:chExt cx="317715" cy="301255"/>
+            </a:xfrm>
+          </p:grpSpPr>
+          <p:sp>
+            <p:nvSpPr>
+              <p:cNvPr id="254" name="Oval 253">
+                <a:extLst>
+                  <a:ext uri="{FF2B5EF4-FFF2-40B4-BE49-F238E27FC236}">
+                    <a16:creationId xmlns:a16="http://schemas.microsoft.com/office/drawing/2014/main" id="{FF7C4D1B-EACA-C149-9470-65B3420E7AAA}"/>
+                  </a:ext>
+                </a:extLst>
+              </p:cNvPr>
+              <p:cNvSpPr/>
+              <p:nvPr/>
+            </p:nvSpPr>
+            <p:spPr>
+              <a:xfrm>
+                <a:off x="1716455" y="2146852"/>
+                <a:ext cx="287274" cy="301255"/>
+              </a:xfrm>
+              <a:prstGeom prst="ellipse">
+                <a:avLst/>
+              </a:prstGeom>
+              <a:noFill/>
+            </p:spPr>
+            <p:style>
+              <a:lnRef idx="2">
+                <a:schemeClr val="accent1">
+                  <a:shade val="50000"/>
+                </a:schemeClr>
+              </a:lnRef>
+              <a:fillRef idx="1">
+                <a:schemeClr val="accent1"/>
+              </a:fillRef>
+              <a:effectRef idx="0">
+                <a:schemeClr val="accent1"/>
+              </a:effectRef>
+              <a:fontRef idx="minor">
+                <a:schemeClr val="lt1"/>
+              </a:fontRef>
+            </p:style>
+            <p:txBody>
+              <a:bodyPr rtlCol="0" anchor="ctr"/>
+              <a:lstStyle/>
+              <a:p>
+                <a:pPr algn="ctr"/>
+                <a:endParaRPr lang="en-US"/>
+              </a:p>
+            </p:txBody>
+          </p:sp>
+          <mc:AlternateContent xmlns:mc="http://schemas.openxmlformats.org/markup-compatibility/2006">
+            <mc:Choice xmlns:a14="http://schemas.microsoft.com/office/drawing/2010/main" Requires="a14">
+              <p:sp>
+                <p:nvSpPr>
+                  <p:cNvPr id="255" name="TextBox 254">
+                    <a:extLst>
+                      <a:ext uri="{FF2B5EF4-FFF2-40B4-BE49-F238E27FC236}">
+                        <a16:creationId xmlns:a16="http://schemas.microsoft.com/office/drawing/2014/main" id="{AF1D6742-D30E-C14B-8682-B6A4C94D69CC}"/>
+                      </a:ext>
+                    </a:extLst>
+                  </p:cNvPr>
+                  <p:cNvSpPr txBox="1"/>
+                  <p:nvPr/>
+                </p:nvSpPr>
+                <p:spPr>
+                  <a:xfrm>
+                    <a:off x="1701234" y="2166674"/>
+                    <a:ext cx="317715" cy="261610"/>
+                  </a:xfrm>
+                  <a:prstGeom prst="rect">
+                    <a:avLst/>
+                  </a:prstGeom>
+                  <a:noFill/>
+                </p:spPr>
+                <p:txBody>
+                  <a:bodyPr wrap="none" rtlCol="0">
+                    <a:spAutoFit/>
+                  </a:bodyPr>
+                  <a:lstStyle/>
+                  <a:p>
+                    <a14:m>
+                      <m:oMathPara xmlns:m="http://schemas.openxmlformats.org/officeDocument/2006/math">
+                        <m:oMathParaPr>
+                          <m:jc m:val="centerGroup"/>
+                        </m:oMathParaPr>
+                        <m:oMath xmlns:m="http://schemas.openxmlformats.org/officeDocument/2006/math">
+                          <m:r>
+                            <a:rPr lang="en-US" sz="1100" i="1" smtClean="0">
+                              <a:latin typeface="Cambria Math" panose="02040503050406030204" pitchFamily="18" charset="0"/>
+                              <a:ea typeface="Cambria Math" panose="02040503050406030204" pitchFamily="18" charset="0"/>
+                            </a:rPr>
+                            <m:t>×</m:t>
+                          </m:r>
+                        </m:oMath>
+                      </m:oMathPara>
+                    </a14:m>
+                    <a:endParaRPr lang="en-US" sz="1100" dirty="0"/>
+                  </a:p>
+                </p:txBody>
+              </p:sp>
+            </mc:Choice>
+            <mc:Fallback>
+              <p:sp>
+                <p:nvSpPr>
+                  <p:cNvPr id="255" name="TextBox 254">
+                    <a:extLst>
+                      <a:ext uri="{FF2B5EF4-FFF2-40B4-BE49-F238E27FC236}">
+                        <a16:creationId xmlns:a16="http://schemas.microsoft.com/office/drawing/2014/main" id="{AF1D6742-D30E-C14B-8682-B6A4C94D69CC}"/>
+                      </a:ext>
+                    </a:extLst>
+                  </p:cNvPr>
+                  <p:cNvSpPr txBox="1">
+                    <a:spLocks noRot="1" noChangeAspect="1" noMove="1" noResize="1" noEditPoints="1" noAdjustHandles="1" noChangeArrowheads="1" noChangeShapeType="1" noTextEdit="1"/>
+                  </p:cNvSpPr>
+                  <p:nvPr/>
+                </p:nvSpPr>
+                <p:spPr>
+                  <a:xfrm>
+                    <a:off x="1701234" y="2166674"/>
+                    <a:ext cx="317715" cy="261610"/>
+                  </a:xfrm>
+                  <a:prstGeom prst="rect">
+                    <a:avLst/>
+                  </a:prstGeom>
+                  <a:blipFill>
+                    <a:blip r:embed="rId10"/>
+                    <a:stretch>
+                      <a:fillRect/>
+                    </a:stretch>
+                  </a:blipFill>
+                </p:spPr>
+                <p:txBody>
+                  <a:bodyPr/>
+                  <a:lstStyle/>
+                  <a:p>
+                    <a:r>
+                      <a:rPr lang="en-US">
+                        <a:noFill/>
+                      </a:rPr>
+                      <a:t> </a:t>
+                    </a:r>
+                  </a:p>
+                </p:txBody>
+              </p:sp>
+            </mc:Fallback>
+          </mc:AlternateContent>
+        </p:grpSp>
+        <p:grpSp>
+          <p:nvGrpSpPr>
+            <p:cNvPr id="194" name="Group 193">
+              <a:extLst>
+                <a:ext uri="{FF2B5EF4-FFF2-40B4-BE49-F238E27FC236}">
+                  <a16:creationId xmlns:a16="http://schemas.microsoft.com/office/drawing/2014/main" id="{F4FD64E7-4C93-874A-918C-9B2A7C82049B}"/>
+                </a:ext>
+              </a:extLst>
+            </p:cNvPr>
+            <p:cNvGrpSpPr/>
+            <p:nvPr/>
+          </p:nvGrpSpPr>
+          <p:grpSpPr>
+            <a:xfrm>
+              <a:off x="4443188" y="2490084"/>
+              <a:ext cx="490840" cy="301255"/>
+              <a:chOff x="1724419" y="3118296"/>
+              <a:chExt cx="490840" cy="301255"/>
+            </a:xfrm>
+          </p:grpSpPr>
+          <p:sp>
+            <p:nvSpPr>
+              <p:cNvPr id="252" name="Rectangle 251">
+                <a:extLst>
+                  <a:ext uri="{FF2B5EF4-FFF2-40B4-BE49-F238E27FC236}">
+                    <a16:creationId xmlns:a16="http://schemas.microsoft.com/office/drawing/2014/main" id="{F996A115-E04E-DC41-80BC-3510E9ED5182}"/>
+                  </a:ext>
+                </a:extLst>
+              </p:cNvPr>
+              <p:cNvSpPr/>
+              <p:nvPr/>
+            </p:nvSpPr>
+            <p:spPr>
+              <a:xfrm>
+                <a:off x="1794273" y="3118296"/>
+                <a:ext cx="372806" cy="301255"/>
+              </a:xfrm>
+              <a:prstGeom prst="rect">
+                <a:avLst/>
+              </a:prstGeom>
+              <a:noFill/>
+            </p:spPr>
+            <p:style>
+              <a:lnRef idx="2">
+                <a:schemeClr val="accent1">
+                  <a:shade val="50000"/>
+                </a:schemeClr>
+              </a:lnRef>
+              <a:fillRef idx="1">
+                <a:schemeClr val="accent1"/>
+              </a:fillRef>
+              <a:effectRef idx="0">
+                <a:schemeClr val="accent1"/>
+              </a:effectRef>
+              <a:fontRef idx="minor">
+                <a:schemeClr val="lt1"/>
+              </a:fontRef>
+            </p:style>
+            <p:txBody>
+              <a:bodyPr rtlCol="0" anchor="ctr"/>
+              <a:lstStyle/>
+              <a:p>
+                <a:pPr algn="ctr"/>
+                <a:endParaRPr lang="en-US"/>
+              </a:p>
+            </p:txBody>
+          </p:sp>
+          <mc:AlternateContent xmlns:mc="http://schemas.openxmlformats.org/markup-compatibility/2006">
+            <mc:Choice xmlns:a14="http://schemas.microsoft.com/office/drawing/2010/main" Requires="a14">
+              <p:sp>
+                <p:nvSpPr>
+                  <p:cNvPr id="253" name="TextBox 252">
+                    <a:extLst>
+                      <a:ext uri="{FF2B5EF4-FFF2-40B4-BE49-F238E27FC236}">
+                        <a16:creationId xmlns:a16="http://schemas.microsoft.com/office/drawing/2014/main" id="{B630262D-CA75-EA42-B867-1A232114A8F3}"/>
+                      </a:ext>
+                    </a:extLst>
+                  </p:cNvPr>
+                  <p:cNvSpPr txBox="1"/>
+                  <p:nvPr/>
+                </p:nvSpPr>
+                <p:spPr>
+                  <a:xfrm>
+                    <a:off x="1724419" y="3128668"/>
+                    <a:ext cx="490840" cy="261610"/>
+                  </a:xfrm>
+                  <a:prstGeom prst="rect">
+                    <a:avLst/>
+                  </a:prstGeom>
+                  <a:noFill/>
+                </p:spPr>
+                <p:txBody>
+                  <a:bodyPr wrap="none" rtlCol="0">
+                    <a:spAutoFit/>
+                  </a:bodyPr>
+                  <a:lstStyle/>
+                  <a:p>
+                    <a14:m>
+                      <m:oMathPara xmlns:m="http://schemas.openxmlformats.org/officeDocument/2006/math">
+                        <m:oMathParaPr>
+                          <m:jc m:val="centerGroup"/>
+                        </m:oMathParaPr>
+                        <m:oMath xmlns:m="http://schemas.openxmlformats.org/officeDocument/2006/math">
+                          <m:r>
+                            <m:rPr>
+                              <m:sty m:val="p"/>
+                            </m:rPr>
+                            <a:rPr lang="en-US" sz="1100" b="0" i="0" smtClean="0">
+                              <a:latin typeface="Cambria Math" panose="02040503050406030204" pitchFamily="18" charset="0"/>
+                            </a:rPr>
+                            <m:t>tanh</m:t>
+                          </m:r>
+                        </m:oMath>
+                      </m:oMathPara>
+                    </a14:m>
+                    <a:endParaRPr lang="en-US" sz="1100" dirty="0"/>
+                  </a:p>
+                </p:txBody>
+              </p:sp>
+            </mc:Choice>
+            <mc:Fallback>
+              <p:sp>
+                <p:nvSpPr>
+                  <p:cNvPr id="253" name="TextBox 252">
+                    <a:extLst>
+                      <a:ext uri="{FF2B5EF4-FFF2-40B4-BE49-F238E27FC236}">
+                        <a16:creationId xmlns:a16="http://schemas.microsoft.com/office/drawing/2014/main" id="{B630262D-CA75-EA42-B867-1A232114A8F3}"/>
+                      </a:ext>
+                    </a:extLst>
+                  </p:cNvPr>
+                  <p:cNvSpPr txBox="1">
+                    <a:spLocks noRot="1" noChangeAspect="1" noMove="1" noResize="1" noEditPoints="1" noAdjustHandles="1" noChangeArrowheads="1" noChangeShapeType="1" noTextEdit="1"/>
+                  </p:cNvSpPr>
+                  <p:nvPr/>
+                </p:nvSpPr>
+                <p:spPr>
+                  <a:xfrm>
+                    <a:off x="1724419" y="3128668"/>
+                    <a:ext cx="490840" cy="261610"/>
+                  </a:xfrm>
+                  <a:prstGeom prst="rect">
+                    <a:avLst/>
+                  </a:prstGeom>
+                  <a:blipFill>
+                    <a:blip r:embed="rId27"/>
+                    <a:stretch>
+                      <a:fillRect/>
+                    </a:stretch>
+                  </a:blipFill>
+                </p:spPr>
+                <p:txBody>
+                  <a:bodyPr/>
+                  <a:lstStyle/>
+                  <a:p>
+                    <a:r>
+                      <a:rPr lang="en-US">
+                        <a:noFill/>
+                      </a:rPr>
+                      <a:t> </a:t>
+                    </a:r>
+                  </a:p>
+                </p:txBody>
+              </p:sp>
+            </mc:Fallback>
+          </mc:AlternateContent>
+        </p:grpSp>
+        <p:cxnSp>
+          <p:nvCxnSpPr>
+            <p:cNvPr id="195" name="Straight Arrow Connector 194">
+              <a:extLst>
+                <a:ext uri="{FF2B5EF4-FFF2-40B4-BE49-F238E27FC236}">
+                  <a16:creationId xmlns:a16="http://schemas.microsoft.com/office/drawing/2014/main" id="{72DA5480-4CB9-B14F-82D4-E7453AC2A289}"/>
+                </a:ext>
+              </a:extLst>
+            </p:cNvPr>
+            <p:cNvCxnSpPr>
+              <a:stCxn id="267" idx="0"/>
+              <a:endCxn id="268" idx="4"/>
+            </p:cNvCxnSpPr>
+            <p:nvPr/>
+          </p:nvCxnSpPr>
+          <p:spPr>
+            <a:xfrm flipH="1" flipV="1">
+              <a:off x="1972790" y="2332814"/>
+              <a:ext cx="7886" cy="785482"/>
+            </a:xfrm>
+            <a:prstGeom prst="straightConnector1">
+              <a:avLst/>
+            </a:prstGeom>
+            <a:ln>
+              <a:tailEnd type="triangle"/>
+            </a:ln>
+          </p:spPr>
+          <p:style>
+            <a:lnRef idx="1">
+              <a:schemeClr val="accent1"/>
+            </a:lnRef>
+            <a:fillRef idx="0">
+              <a:schemeClr val="accent1"/>
+            </a:fillRef>
+            <a:effectRef idx="0">
+              <a:schemeClr val="accent1"/>
+            </a:effectRef>
+            <a:fontRef idx="minor">
+              <a:schemeClr val="tx1"/>
+            </a:fontRef>
+          </p:style>
+        </p:cxnSp>
+        <p:cxnSp>
+          <p:nvCxnSpPr>
+            <p:cNvPr id="196" name="Straight Arrow Connector 195">
+              <a:extLst>
+                <a:ext uri="{FF2B5EF4-FFF2-40B4-BE49-F238E27FC236}">
+                  <a16:creationId xmlns:a16="http://schemas.microsoft.com/office/drawing/2014/main" id="{7F5189E4-C924-B945-9C8A-8438EA9FA580}"/>
+                </a:ext>
+              </a:extLst>
+            </p:cNvPr>
+            <p:cNvCxnSpPr>
+              <a:endCxn id="269" idx="1"/>
+            </p:cNvCxnSpPr>
+            <p:nvPr/>
+          </p:nvCxnSpPr>
+          <p:spPr>
+            <a:xfrm>
+              <a:off x="1491095" y="2182186"/>
+              <a:ext cx="322837" cy="0"/>
+            </a:xfrm>
+            <a:prstGeom prst="straightConnector1">
+              <a:avLst/>
+            </a:prstGeom>
+            <a:ln>
+              <a:tailEnd type="triangle"/>
+            </a:ln>
+          </p:spPr>
+          <p:style>
+            <a:lnRef idx="1">
+              <a:schemeClr val="accent1"/>
+            </a:lnRef>
+            <a:fillRef idx="0">
+              <a:schemeClr val="accent1"/>
+            </a:fillRef>
+            <a:effectRef idx="0">
+              <a:schemeClr val="accent1"/>
+            </a:effectRef>
+            <a:fontRef idx="minor">
+              <a:schemeClr val="tx1"/>
+            </a:fontRef>
+          </p:style>
+        </p:cxnSp>
+        <p:cxnSp>
+          <p:nvCxnSpPr>
+            <p:cNvPr id="197" name="Straight Arrow Connector 196">
+              <a:extLst>
+                <a:ext uri="{FF2B5EF4-FFF2-40B4-BE49-F238E27FC236}">
+                  <a16:creationId xmlns:a16="http://schemas.microsoft.com/office/drawing/2014/main" id="{90205D41-3A3E-6746-B37C-D6F7461A2DCA}"/>
+                </a:ext>
+              </a:extLst>
+            </p:cNvPr>
+            <p:cNvCxnSpPr>
+              <a:cxnSpLocks/>
+              <a:stCxn id="269" idx="3"/>
+              <a:endCxn id="263" idx="1"/>
+            </p:cNvCxnSpPr>
+            <p:nvPr/>
+          </p:nvCxnSpPr>
+          <p:spPr>
+            <a:xfrm>
+              <a:off x="2131647" y="2182186"/>
+              <a:ext cx="1065956" cy="0"/>
+            </a:xfrm>
+            <a:prstGeom prst="straightConnector1">
+              <a:avLst/>
+            </a:prstGeom>
+            <a:ln>
+              <a:tailEnd type="triangle"/>
+            </a:ln>
+          </p:spPr>
+          <p:style>
+            <a:lnRef idx="1">
+              <a:schemeClr val="accent1"/>
+            </a:lnRef>
+            <a:fillRef idx="0">
+              <a:schemeClr val="accent1"/>
+            </a:fillRef>
+            <a:effectRef idx="0">
+              <a:schemeClr val="accent1"/>
+            </a:effectRef>
+            <a:fontRef idx="minor">
+              <a:schemeClr val="tx1"/>
+            </a:fontRef>
+          </p:style>
+        </p:cxnSp>
+        <p:cxnSp>
+          <p:nvCxnSpPr>
+            <p:cNvPr id="198" name="Straight Arrow Connector 197">
+              <a:extLst>
+                <a:ext uri="{FF2B5EF4-FFF2-40B4-BE49-F238E27FC236}">
+                  <a16:creationId xmlns:a16="http://schemas.microsoft.com/office/drawing/2014/main" id="{47B94563-2E14-294D-8242-F7E70F50E022}"/>
+                </a:ext>
+              </a:extLst>
+            </p:cNvPr>
+            <p:cNvCxnSpPr>
+              <a:cxnSpLocks/>
+              <a:stCxn id="261" idx="0"/>
+              <a:endCxn id="262" idx="4"/>
+            </p:cNvCxnSpPr>
+            <p:nvPr/>
+          </p:nvCxnSpPr>
+          <p:spPr>
+            <a:xfrm flipH="1" flipV="1">
+              <a:off x="3356461" y="2332814"/>
+              <a:ext cx="4809" cy="177092"/>
+            </a:xfrm>
+            <a:prstGeom prst="straightConnector1">
+              <a:avLst/>
+            </a:prstGeom>
+            <a:ln>
+              <a:tailEnd type="triangle"/>
+            </a:ln>
+          </p:spPr>
+          <p:style>
+            <a:lnRef idx="1">
+              <a:schemeClr val="accent1"/>
+            </a:lnRef>
+            <a:fillRef idx="0">
+              <a:schemeClr val="accent1"/>
+            </a:fillRef>
+            <a:effectRef idx="0">
+              <a:schemeClr val="accent1"/>
+            </a:effectRef>
+            <a:fontRef idx="minor">
+              <a:schemeClr val="tx1"/>
+            </a:fontRef>
+          </p:style>
+        </p:cxnSp>
+        <p:cxnSp>
+          <p:nvCxnSpPr>
+            <p:cNvPr id="199" name="Straight Arrow Connector 198">
+              <a:extLst>
+                <a:ext uri="{FF2B5EF4-FFF2-40B4-BE49-F238E27FC236}">
+                  <a16:creationId xmlns:a16="http://schemas.microsoft.com/office/drawing/2014/main" id="{1D07031A-0D13-5043-854C-FEF054E8EAD2}"/>
+                </a:ext>
+              </a:extLst>
+            </p:cNvPr>
+            <p:cNvCxnSpPr>
+              <a:cxnSpLocks/>
+              <a:stCxn id="256" idx="3"/>
+              <a:endCxn id="255" idx="1"/>
+            </p:cNvCxnSpPr>
+            <p:nvPr/>
+          </p:nvCxnSpPr>
+          <p:spPr>
+            <a:xfrm>
+              <a:off x="4271438" y="3881117"/>
+              <a:ext cx="282594" cy="4921"/>
+            </a:xfrm>
+            <a:prstGeom prst="straightConnector1">
+              <a:avLst/>
+            </a:prstGeom>
+            <a:ln w="9525">
+              <a:tailEnd type="triangle"/>
+            </a:ln>
+          </p:spPr>
+          <p:style>
+            <a:lnRef idx="1">
+              <a:schemeClr val="accent1"/>
+            </a:lnRef>
+            <a:fillRef idx="0">
+              <a:schemeClr val="accent1"/>
+            </a:fillRef>
+            <a:effectRef idx="0">
+              <a:schemeClr val="accent1"/>
+            </a:effectRef>
+            <a:fontRef idx="minor">
+              <a:schemeClr val="tx1"/>
+            </a:fontRef>
+          </p:style>
+        </p:cxnSp>
+        <p:grpSp>
+          <p:nvGrpSpPr>
+            <p:cNvPr id="200" name="Group 199">
+              <a:extLst>
+                <a:ext uri="{FF2B5EF4-FFF2-40B4-BE49-F238E27FC236}">
+                  <a16:creationId xmlns:a16="http://schemas.microsoft.com/office/drawing/2014/main" id="{B14B37ED-E653-6E4D-AF54-EAED675168ED}"/>
+                </a:ext>
+              </a:extLst>
+            </p:cNvPr>
+            <p:cNvGrpSpPr/>
+            <p:nvPr/>
+          </p:nvGrpSpPr>
+          <p:grpSpPr>
+            <a:xfrm rot="21317275">
+              <a:off x="1942910" y="3809293"/>
+              <a:ext cx="107365" cy="145213"/>
+              <a:chOff x="2601257" y="4031743"/>
+              <a:chExt cx="192526" cy="192527"/>
+            </a:xfrm>
+          </p:grpSpPr>
+          <p:sp>
+            <p:nvSpPr>
+              <p:cNvPr id="250" name="Arc 249">
+                <a:extLst>
+                  <a:ext uri="{FF2B5EF4-FFF2-40B4-BE49-F238E27FC236}">
+                    <a16:creationId xmlns:a16="http://schemas.microsoft.com/office/drawing/2014/main" id="{A9F8DDB0-491E-0B43-9C28-1CDC99EAB81D}"/>
+                  </a:ext>
+                </a:extLst>
+              </p:cNvPr>
+              <p:cNvSpPr/>
+              <p:nvPr/>
+            </p:nvSpPr>
+            <p:spPr>
+              <a:xfrm>
+                <a:off x="2607801" y="4031744"/>
+                <a:ext cx="169743" cy="192526"/>
+              </a:xfrm>
+              <a:prstGeom prst="arc">
+                <a:avLst/>
+              </a:prstGeom>
+            </p:spPr>
+            <p:style>
+              <a:lnRef idx="1">
+                <a:schemeClr val="accent1"/>
+              </a:lnRef>
+              <a:fillRef idx="0">
+                <a:schemeClr val="accent1"/>
+              </a:fillRef>
+              <a:effectRef idx="0">
+                <a:schemeClr val="accent1"/>
+              </a:effectRef>
+              <a:fontRef idx="minor">
+                <a:schemeClr val="tx1"/>
+              </a:fontRef>
+            </p:style>
+            <p:txBody>
+              <a:bodyPr rtlCol="0" anchor="ctr"/>
+              <a:lstStyle/>
+              <a:p>
+                <a:pPr algn="ctr"/>
+                <a:endParaRPr lang="en-US"/>
+              </a:p>
+            </p:txBody>
+          </p:sp>
+          <p:sp>
+            <p:nvSpPr>
+              <p:cNvPr id="251" name="Arc 250">
+                <a:extLst>
+                  <a:ext uri="{FF2B5EF4-FFF2-40B4-BE49-F238E27FC236}">
+                    <a16:creationId xmlns:a16="http://schemas.microsoft.com/office/drawing/2014/main" id="{807FAE3C-2D8E-9E49-BA86-51445560C471}"/>
+                  </a:ext>
+                </a:extLst>
+              </p:cNvPr>
+              <p:cNvSpPr/>
+              <p:nvPr/>
+            </p:nvSpPr>
+            <p:spPr>
+              <a:xfrm rot="16200000">
+                <a:off x="2612648" y="4020352"/>
+                <a:ext cx="169743" cy="192526"/>
+              </a:xfrm>
+              <a:prstGeom prst="arc">
+                <a:avLst/>
+              </a:prstGeom>
+            </p:spPr>
+            <p:style>
+              <a:lnRef idx="1">
+                <a:schemeClr val="accent1"/>
+              </a:lnRef>
+              <a:fillRef idx="0">
+                <a:schemeClr val="accent1"/>
+              </a:fillRef>
+              <a:effectRef idx="0">
+                <a:schemeClr val="accent1"/>
+              </a:effectRef>
+              <a:fontRef idx="minor">
+                <a:schemeClr val="tx1"/>
+              </a:fontRef>
+            </p:style>
+            <p:txBody>
+              <a:bodyPr rtlCol="0" anchor="ctr"/>
+              <a:lstStyle/>
+              <a:p>
+                <a:pPr algn="ctr"/>
+                <a:endParaRPr lang="en-US"/>
+              </a:p>
+            </p:txBody>
+          </p:sp>
+        </p:grpSp>
+        <p:grpSp>
+          <p:nvGrpSpPr>
+            <p:cNvPr id="201" name="Group 200">
+              <a:extLst>
+                <a:ext uri="{FF2B5EF4-FFF2-40B4-BE49-F238E27FC236}">
+                  <a16:creationId xmlns:a16="http://schemas.microsoft.com/office/drawing/2014/main" id="{1050E765-58B4-3B48-999E-9BD11458DCF8}"/>
+                </a:ext>
+              </a:extLst>
+            </p:cNvPr>
+            <p:cNvGrpSpPr/>
+            <p:nvPr/>
+          </p:nvGrpSpPr>
+          <p:grpSpPr>
+            <a:xfrm rot="21317275">
+              <a:off x="2628947" y="3815250"/>
+              <a:ext cx="107365" cy="145213"/>
+              <a:chOff x="2601257" y="4031743"/>
+              <a:chExt cx="192526" cy="192527"/>
+            </a:xfrm>
+          </p:grpSpPr>
+          <p:sp>
+            <p:nvSpPr>
+              <p:cNvPr id="248" name="Arc 247">
+                <a:extLst>
+                  <a:ext uri="{FF2B5EF4-FFF2-40B4-BE49-F238E27FC236}">
+                    <a16:creationId xmlns:a16="http://schemas.microsoft.com/office/drawing/2014/main" id="{5F0E3B39-4C3B-C24E-B88E-44EFE3ECA7A6}"/>
+                  </a:ext>
+                </a:extLst>
+              </p:cNvPr>
+              <p:cNvSpPr/>
+              <p:nvPr/>
+            </p:nvSpPr>
+            <p:spPr>
+              <a:xfrm>
+                <a:off x="2607801" y="4031744"/>
+                <a:ext cx="169743" cy="192526"/>
+              </a:xfrm>
+              <a:prstGeom prst="arc">
+                <a:avLst/>
+              </a:prstGeom>
+            </p:spPr>
+            <p:style>
+              <a:lnRef idx="1">
+                <a:schemeClr val="accent1"/>
+              </a:lnRef>
+              <a:fillRef idx="0">
+                <a:schemeClr val="accent1"/>
+              </a:fillRef>
+              <a:effectRef idx="0">
+                <a:schemeClr val="accent1"/>
+              </a:effectRef>
+              <a:fontRef idx="minor">
+                <a:schemeClr val="tx1"/>
+              </a:fontRef>
+            </p:style>
+            <p:txBody>
+              <a:bodyPr rtlCol="0" anchor="ctr"/>
+              <a:lstStyle/>
+              <a:p>
+                <a:pPr algn="ctr"/>
+                <a:endParaRPr lang="en-US"/>
+              </a:p>
+            </p:txBody>
+          </p:sp>
+          <p:sp>
+            <p:nvSpPr>
+              <p:cNvPr id="249" name="Arc 248">
+                <a:extLst>
+                  <a:ext uri="{FF2B5EF4-FFF2-40B4-BE49-F238E27FC236}">
+                    <a16:creationId xmlns:a16="http://schemas.microsoft.com/office/drawing/2014/main" id="{63B6CD04-222C-6941-A12D-BD5E9BF9588E}"/>
+                  </a:ext>
+                </a:extLst>
+              </p:cNvPr>
+              <p:cNvSpPr/>
+              <p:nvPr/>
+            </p:nvSpPr>
+            <p:spPr>
+              <a:xfrm rot="16200000">
+                <a:off x="2612648" y="4020352"/>
+                <a:ext cx="169743" cy="192526"/>
+              </a:xfrm>
+              <a:prstGeom prst="arc">
+                <a:avLst/>
+              </a:prstGeom>
+            </p:spPr>
+            <p:style>
+              <a:lnRef idx="1">
+                <a:schemeClr val="accent1"/>
+              </a:lnRef>
+              <a:fillRef idx="0">
+                <a:schemeClr val="accent1"/>
+              </a:fillRef>
+              <a:effectRef idx="0">
+                <a:schemeClr val="accent1"/>
+              </a:effectRef>
+              <a:fontRef idx="minor">
+                <a:schemeClr val="tx1"/>
+              </a:fontRef>
+            </p:style>
+            <p:txBody>
+              <a:bodyPr rtlCol="0" anchor="ctr"/>
+              <a:lstStyle/>
+              <a:p>
+                <a:pPr algn="ctr"/>
+                <a:endParaRPr lang="en-US"/>
+              </a:p>
+            </p:txBody>
+          </p:sp>
+        </p:grpSp>
+        <p:grpSp>
+          <p:nvGrpSpPr>
+            <p:cNvPr id="202" name="Group 201">
+              <a:extLst>
+                <a:ext uri="{FF2B5EF4-FFF2-40B4-BE49-F238E27FC236}">
+                  <a16:creationId xmlns:a16="http://schemas.microsoft.com/office/drawing/2014/main" id="{7A5AE3E8-39CA-024A-8A84-B1AF934307E1}"/>
+                </a:ext>
+              </a:extLst>
+            </p:cNvPr>
+            <p:cNvGrpSpPr/>
+            <p:nvPr/>
+          </p:nvGrpSpPr>
+          <p:grpSpPr>
+            <a:xfrm rot="21317275">
+              <a:off x="3314388" y="3808509"/>
+              <a:ext cx="107365" cy="145213"/>
+              <a:chOff x="2601257" y="4031743"/>
+              <a:chExt cx="192526" cy="192527"/>
+            </a:xfrm>
+          </p:grpSpPr>
+          <p:sp>
+            <p:nvSpPr>
+              <p:cNvPr id="246" name="Arc 245">
+                <a:extLst>
+                  <a:ext uri="{FF2B5EF4-FFF2-40B4-BE49-F238E27FC236}">
+                    <a16:creationId xmlns:a16="http://schemas.microsoft.com/office/drawing/2014/main" id="{EE4FBE9D-2FED-9644-887F-8E4C7919C76C}"/>
+                  </a:ext>
+                </a:extLst>
+              </p:cNvPr>
+              <p:cNvSpPr/>
+              <p:nvPr/>
+            </p:nvSpPr>
+            <p:spPr>
+              <a:xfrm>
+                <a:off x="2607801" y="4031744"/>
+                <a:ext cx="169743" cy="192526"/>
+              </a:xfrm>
+              <a:prstGeom prst="arc">
+                <a:avLst/>
+              </a:prstGeom>
+            </p:spPr>
+            <p:style>
+              <a:lnRef idx="1">
+                <a:schemeClr val="accent1"/>
+              </a:lnRef>
+              <a:fillRef idx="0">
+                <a:schemeClr val="accent1"/>
+              </a:fillRef>
+              <a:effectRef idx="0">
+                <a:schemeClr val="accent1"/>
+              </a:effectRef>
+              <a:fontRef idx="minor">
+                <a:schemeClr val="tx1"/>
+              </a:fontRef>
+            </p:style>
+            <p:txBody>
+              <a:bodyPr rtlCol="0" anchor="ctr"/>
+              <a:lstStyle/>
+              <a:p>
+                <a:pPr algn="ctr"/>
+                <a:endParaRPr lang="en-US"/>
+              </a:p>
+            </p:txBody>
+          </p:sp>
+          <p:sp>
+            <p:nvSpPr>
+              <p:cNvPr id="247" name="Arc 246">
+                <a:extLst>
+                  <a:ext uri="{FF2B5EF4-FFF2-40B4-BE49-F238E27FC236}">
+                    <a16:creationId xmlns:a16="http://schemas.microsoft.com/office/drawing/2014/main" id="{F8B2566B-4659-9649-B2D6-907F1E86A940}"/>
+                  </a:ext>
+                </a:extLst>
+              </p:cNvPr>
+              <p:cNvSpPr/>
+              <p:nvPr/>
+            </p:nvSpPr>
+            <p:spPr>
+              <a:xfrm rot="16200000">
+                <a:off x="2612648" y="4020352"/>
+                <a:ext cx="169743" cy="192526"/>
+              </a:xfrm>
+              <a:prstGeom prst="arc">
+                <a:avLst/>
+              </a:prstGeom>
+            </p:spPr>
+            <p:style>
+              <a:lnRef idx="1">
+                <a:schemeClr val="accent1"/>
+              </a:lnRef>
+              <a:fillRef idx="0">
+                <a:schemeClr val="accent1"/>
+              </a:fillRef>
+              <a:effectRef idx="0">
+                <a:schemeClr val="accent1"/>
+              </a:effectRef>
+              <a:fontRef idx="minor">
+                <a:schemeClr val="tx1"/>
+              </a:fontRef>
+            </p:style>
+            <p:txBody>
+              <a:bodyPr rtlCol="0" anchor="ctr"/>
+              <a:lstStyle/>
+              <a:p>
+                <a:pPr algn="ctr"/>
+                <a:endParaRPr lang="en-US"/>
+              </a:p>
+            </p:txBody>
+          </p:sp>
+        </p:grpSp>
+        <p:cxnSp>
+          <p:nvCxnSpPr>
+            <p:cNvPr id="203" name="Straight Connector 202">
+              <a:extLst>
+                <a:ext uri="{FF2B5EF4-FFF2-40B4-BE49-F238E27FC236}">
+                  <a16:creationId xmlns:a16="http://schemas.microsoft.com/office/drawing/2014/main" id="{0B6ED2FA-A049-8343-B2C3-0E7167DD2C71}"/>
+                </a:ext>
+              </a:extLst>
+            </p:cNvPr>
+            <p:cNvCxnSpPr>
+              <a:cxnSpLocks/>
+              <a:stCxn id="250" idx="2"/>
+              <a:endCxn id="249" idx="0"/>
+            </p:cNvCxnSpPr>
+            <p:nvPr/>
+          </p:nvCxnSpPr>
+          <p:spPr>
+            <a:xfrm>
+              <a:off x="2041069" y="3878234"/>
+              <a:ext cx="587353" cy="5469"/>
+            </a:xfrm>
+            <a:prstGeom prst="line">
+              <a:avLst/>
+            </a:prstGeom>
+          </p:spPr>
+          <p:style>
+            <a:lnRef idx="1">
+              <a:schemeClr val="accent1"/>
+            </a:lnRef>
+            <a:fillRef idx="0">
+              <a:schemeClr val="accent1"/>
+            </a:fillRef>
+            <a:effectRef idx="0">
+              <a:schemeClr val="accent1"/>
+            </a:effectRef>
+            <a:fontRef idx="minor">
+              <a:schemeClr val="tx1"/>
+            </a:fontRef>
+          </p:style>
+        </p:cxnSp>
+        <p:cxnSp>
+          <p:nvCxnSpPr>
+            <p:cNvPr id="204" name="Straight Connector 203">
+              <a:extLst>
+                <a:ext uri="{FF2B5EF4-FFF2-40B4-BE49-F238E27FC236}">
+                  <a16:creationId xmlns:a16="http://schemas.microsoft.com/office/drawing/2014/main" id="{2BAA3ACA-967E-B646-AEDC-4016D810B0D0}"/>
+                </a:ext>
+              </a:extLst>
+            </p:cNvPr>
+            <p:cNvCxnSpPr>
+              <a:cxnSpLocks/>
+              <a:stCxn id="248" idx="2"/>
+            </p:cNvCxnSpPr>
+            <p:nvPr/>
+          </p:nvCxnSpPr>
+          <p:spPr>
+            <a:xfrm flipV="1">
+              <a:off x="2727106" y="3879157"/>
+              <a:ext cx="581498" cy="5034"/>
+            </a:xfrm>
+            <a:prstGeom prst="line">
+              <a:avLst/>
+            </a:prstGeom>
+          </p:spPr>
+          <p:style>
+            <a:lnRef idx="1">
+              <a:schemeClr val="accent1"/>
+            </a:lnRef>
+            <a:fillRef idx="0">
+              <a:schemeClr val="accent1"/>
+            </a:fillRef>
+            <a:effectRef idx="0">
+              <a:schemeClr val="accent1"/>
+            </a:effectRef>
+            <a:fontRef idx="minor">
+              <a:schemeClr val="tx1"/>
+            </a:fontRef>
+          </p:style>
+        </p:cxnSp>
+        <p:cxnSp>
+          <p:nvCxnSpPr>
+            <p:cNvPr id="205" name="Straight Connector 204">
+              <a:extLst>
+                <a:ext uri="{FF2B5EF4-FFF2-40B4-BE49-F238E27FC236}">
+                  <a16:creationId xmlns:a16="http://schemas.microsoft.com/office/drawing/2014/main" id="{4C04AA1B-7172-8047-85D0-DFDA07AAC63F}"/>
+                </a:ext>
+              </a:extLst>
+            </p:cNvPr>
+            <p:cNvCxnSpPr>
+              <a:cxnSpLocks/>
+              <a:endCxn id="256" idx="1"/>
+            </p:cNvCxnSpPr>
+            <p:nvPr/>
+          </p:nvCxnSpPr>
+          <p:spPr>
+            <a:xfrm>
+              <a:off x="3414512" y="3879157"/>
+              <a:ext cx="484120" cy="1960"/>
+            </a:xfrm>
+            <a:prstGeom prst="line">
+              <a:avLst/>
+            </a:prstGeom>
+            <a:ln>
+              <a:headEnd type="none"/>
+              <a:tailEnd type="triangle"/>
+            </a:ln>
+          </p:spPr>
+          <p:style>
+            <a:lnRef idx="1">
+              <a:schemeClr val="accent1"/>
+            </a:lnRef>
+            <a:fillRef idx="0">
+              <a:schemeClr val="accent1"/>
+            </a:fillRef>
+            <a:effectRef idx="0">
+              <a:schemeClr val="accent1"/>
+            </a:effectRef>
+            <a:fontRef idx="minor">
+              <a:schemeClr val="tx1"/>
+            </a:fontRef>
+          </p:style>
+        </p:cxnSp>
+        <p:cxnSp>
+          <p:nvCxnSpPr>
+            <p:cNvPr id="206" name="Straight Connector 205">
+              <a:extLst>
+                <a:ext uri="{FF2B5EF4-FFF2-40B4-BE49-F238E27FC236}">
+                  <a16:creationId xmlns:a16="http://schemas.microsoft.com/office/drawing/2014/main" id="{88724A54-AA7A-BE4E-AB2A-659B23D5AF64}"/>
+                </a:ext>
+              </a:extLst>
+            </p:cNvPr>
+            <p:cNvCxnSpPr>
+              <a:cxnSpLocks/>
+            </p:cNvCxnSpPr>
+            <p:nvPr/>
+          </p:nvCxnSpPr>
+          <p:spPr>
+            <a:xfrm>
+              <a:off x="1368132" y="3879157"/>
+              <a:ext cx="576227" cy="1707"/>
+            </a:xfrm>
+            <a:prstGeom prst="line">
+              <a:avLst/>
+            </a:prstGeom>
+          </p:spPr>
+          <p:style>
+            <a:lnRef idx="1">
+              <a:schemeClr val="accent1"/>
+            </a:lnRef>
+            <a:fillRef idx="0">
+              <a:schemeClr val="accent1"/>
+            </a:fillRef>
+            <a:effectRef idx="0">
+              <a:schemeClr val="accent1"/>
+            </a:effectRef>
+            <a:fontRef idx="minor">
+              <a:schemeClr val="tx1"/>
+            </a:fontRef>
+          </p:style>
+        </p:cxnSp>
+        <p:cxnSp>
+          <p:nvCxnSpPr>
+            <p:cNvPr id="207" name="Straight Connector 206">
+              <a:extLst>
+                <a:ext uri="{FF2B5EF4-FFF2-40B4-BE49-F238E27FC236}">
+                  <a16:creationId xmlns:a16="http://schemas.microsoft.com/office/drawing/2014/main" id="{5045A8B8-3C96-4C40-BBE6-A67E802D5836}"/>
+                </a:ext>
+              </a:extLst>
+            </p:cNvPr>
+            <p:cNvCxnSpPr>
+              <a:cxnSpLocks/>
+              <a:stCxn id="266" idx="2"/>
+              <a:endCxn id="232" idx="0"/>
+            </p:cNvCxnSpPr>
+            <p:nvPr/>
+          </p:nvCxnSpPr>
+          <p:spPr>
+            <a:xfrm flipH="1">
+              <a:off x="1979478" y="3419551"/>
+              <a:ext cx="1198" cy="643187"/>
+            </a:xfrm>
+            <a:prstGeom prst="line">
+              <a:avLst/>
+            </a:prstGeom>
+            <a:ln>
+              <a:headEnd type="triangle"/>
+            </a:ln>
+          </p:spPr>
+          <p:style>
+            <a:lnRef idx="1">
+              <a:schemeClr val="accent1"/>
+            </a:lnRef>
+            <a:fillRef idx="0">
+              <a:schemeClr val="accent1"/>
+            </a:fillRef>
+            <a:effectRef idx="0">
+              <a:schemeClr val="accent1"/>
+            </a:effectRef>
+            <a:fontRef idx="minor">
+              <a:schemeClr val="tx1"/>
+            </a:fontRef>
+          </p:style>
+        </p:cxnSp>
+        <p:cxnSp>
+          <p:nvCxnSpPr>
+            <p:cNvPr id="208" name="Straight Connector 207">
+              <a:extLst>
+                <a:ext uri="{FF2B5EF4-FFF2-40B4-BE49-F238E27FC236}">
+                  <a16:creationId xmlns:a16="http://schemas.microsoft.com/office/drawing/2014/main" id="{53794E92-0A7B-C04A-B1C1-5FED27A0D606}"/>
+                </a:ext>
+              </a:extLst>
+            </p:cNvPr>
+            <p:cNvCxnSpPr>
+              <a:cxnSpLocks/>
+              <a:stCxn id="264" idx="2"/>
+              <a:endCxn id="231" idx="0"/>
+            </p:cNvCxnSpPr>
+            <p:nvPr/>
+          </p:nvCxnSpPr>
+          <p:spPr>
+            <a:xfrm>
+              <a:off x="2664625" y="3414546"/>
+              <a:ext cx="4285" cy="658249"/>
+            </a:xfrm>
+            <a:prstGeom prst="line">
+              <a:avLst/>
+            </a:prstGeom>
+            <a:ln>
+              <a:headEnd type="triangle"/>
+            </a:ln>
+          </p:spPr>
+          <p:style>
+            <a:lnRef idx="1">
+              <a:schemeClr val="accent1"/>
+            </a:lnRef>
+            <a:fillRef idx="0">
+              <a:schemeClr val="accent1"/>
+            </a:fillRef>
+            <a:effectRef idx="0">
+              <a:schemeClr val="accent1"/>
+            </a:effectRef>
+            <a:fontRef idx="minor">
+              <a:schemeClr val="tx1"/>
+            </a:fontRef>
+          </p:style>
+        </p:cxnSp>
+        <p:cxnSp>
+          <p:nvCxnSpPr>
+            <p:cNvPr id="209" name="Straight Connector 208">
+              <a:extLst>
+                <a:ext uri="{FF2B5EF4-FFF2-40B4-BE49-F238E27FC236}">
+                  <a16:creationId xmlns:a16="http://schemas.microsoft.com/office/drawing/2014/main" id="{902012D7-190E-B94D-BEEC-5B36982A1C19}"/>
+                </a:ext>
+              </a:extLst>
+            </p:cNvPr>
+            <p:cNvCxnSpPr>
+              <a:cxnSpLocks/>
+            </p:cNvCxnSpPr>
+            <p:nvPr/>
+          </p:nvCxnSpPr>
+          <p:spPr>
+            <a:xfrm flipH="1">
+              <a:off x="3352136" y="3429000"/>
+              <a:ext cx="3653" cy="651267"/>
+            </a:xfrm>
+            <a:prstGeom prst="line">
+              <a:avLst/>
+            </a:prstGeom>
+            <a:ln>
+              <a:headEnd type="triangle"/>
+            </a:ln>
+          </p:spPr>
+          <p:style>
+            <a:lnRef idx="1">
+              <a:schemeClr val="accent1"/>
+            </a:lnRef>
+            <a:fillRef idx="0">
+              <a:schemeClr val="accent1"/>
+            </a:fillRef>
+            <a:effectRef idx="0">
+              <a:schemeClr val="accent1"/>
+            </a:effectRef>
+            <a:fontRef idx="minor">
+              <a:schemeClr val="tx1"/>
+            </a:fontRef>
+          </p:style>
+        </p:cxnSp>
+        <p:sp>
+          <p:nvSpPr>
+            <p:cNvPr id="210" name="Arc 209">
+              <a:extLst>
+                <a:ext uri="{FF2B5EF4-FFF2-40B4-BE49-F238E27FC236}">
+                  <a16:creationId xmlns:a16="http://schemas.microsoft.com/office/drawing/2014/main" id="{6D62E8A2-0D79-3B49-B57C-6094878AC2D4}"/>
+                </a:ext>
+              </a:extLst>
+            </p:cNvPr>
+            <p:cNvSpPr/>
+            <p:nvPr/>
+          </p:nvSpPr>
+          <p:spPr>
+            <a:xfrm rot="4952950">
+              <a:off x="1583143" y="3486157"/>
+              <a:ext cx="402220" cy="386322"/>
+            </a:xfrm>
+            <a:prstGeom prst="arc">
+              <a:avLst/>
+            </a:prstGeom>
+          </p:spPr>
+          <p:style>
+            <a:lnRef idx="1">
+              <a:schemeClr val="accent1"/>
+            </a:lnRef>
+            <a:fillRef idx="0">
+              <a:schemeClr val="accent1"/>
+            </a:fillRef>
+            <a:effectRef idx="0">
+              <a:schemeClr val="accent1"/>
+            </a:effectRef>
+            <a:fontRef idx="minor">
+              <a:schemeClr val="tx1"/>
+            </a:fontRef>
+          </p:style>
+          <p:txBody>
+            <a:bodyPr rtlCol="0" anchor="ctr"/>
+            <a:lstStyle/>
+            <a:p>
+              <a:pPr algn="ctr"/>
+              <a:endParaRPr lang="en-US"/>
+            </a:p>
+          </p:txBody>
+        </p:sp>
+        <p:sp>
+          <p:nvSpPr>
+            <p:cNvPr id="211" name="Arc 210">
+              <a:extLst>
+                <a:ext uri="{FF2B5EF4-FFF2-40B4-BE49-F238E27FC236}">
+                  <a16:creationId xmlns:a16="http://schemas.microsoft.com/office/drawing/2014/main" id="{F7C28DE4-9AEA-664E-90BF-48140FC72BF1}"/>
+                </a:ext>
+              </a:extLst>
+            </p:cNvPr>
+            <p:cNvSpPr/>
+            <p:nvPr/>
+          </p:nvSpPr>
+          <p:spPr>
+            <a:xfrm rot="4952950">
+              <a:off x="2271098" y="3488635"/>
+              <a:ext cx="402220" cy="386322"/>
+            </a:xfrm>
+            <a:prstGeom prst="arc">
+              <a:avLst/>
+            </a:prstGeom>
+          </p:spPr>
+          <p:style>
+            <a:lnRef idx="1">
+              <a:schemeClr val="accent1"/>
+            </a:lnRef>
+            <a:fillRef idx="0">
+              <a:schemeClr val="accent1"/>
+            </a:fillRef>
+            <a:effectRef idx="0">
+              <a:schemeClr val="accent1"/>
+            </a:effectRef>
+            <a:fontRef idx="minor">
+              <a:schemeClr val="tx1"/>
+            </a:fontRef>
+          </p:style>
+          <p:txBody>
+            <a:bodyPr rtlCol="0" anchor="ctr"/>
+            <a:lstStyle/>
+            <a:p>
+              <a:pPr algn="ctr"/>
+              <a:endParaRPr lang="en-US"/>
+            </a:p>
+          </p:txBody>
+        </p:sp>
+        <p:sp>
+          <p:nvSpPr>
+            <p:cNvPr id="212" name="Arc 211">
+              <a:extLst>
+                <a:ext uri="{FF2B5EF4-FFF2-40B4-BE49-F238E27FC236}">
+                  <a16:creationId xmlns:a16="http://schemas.microsoft.com/office/drawing/2014/main" id="{03DB663E-389B-AA4C-BA47-375AF502768E}"/>
+                </a:ext>
+              </a:extLst>
+            </p:cNvPr>
+            <p:cNvSpPr/>
+            <p:nvPr/>
+          </p:nvSpPr>
+          <p:spPr>
+            <a:xfrm rot="4952950">
+              <a:off x="2961216" y="3486159"/>
+              <a:ext cx="402220" cy="386322"/>
+            </a:xfrm>
+            <a:prstGeom prst="arc">
+              <a:avLst/>
+            </a:prstGeom>
+          </p:spPr>
+          <p:style>
+            <a:lnRef idx="1">
+              <a:schemeClr val="accent1"/>
+            </a:lnRef>
+            <a:fillRef idx="0">
+              <a:schemeClr val="accent1"/>
+            </a:fillRef>
+            <a:effectRef idx="0">
+              <a:schemeClr val="accent1"/>
+            </a:effectRef>
+            <a:fontRef idx="minor">
+              <a:schemeClr val="tx1"/>
+            </a:fontRef>
+          </p:style>
+          <p:txBody>
+            <a:bodyPr rtlCol="0" anchor="ctr"/>
+            <a:lstStyle/>
+            <a:p>
+              <a:pPr algn="ctr"/>
+              <a:endParaRPr lang="en-US"/>
+            </a:p>
+          </p:txBody>
+        </p:sp>
+        <p:cxnSp>
+          <p:nvCxnSpPr>
+            <p:cNvPr id="213" name="Straight Arrow Connector 212">
+              <a:extLst>
+                <a:ext uri="{FF2B5EF4-FFF2-40B4-BE49-F238E27FC236}">
+                  <a16:creationId xmlns:a16="http://schemas.microsoft.com/office/drawing/2014/main" id="{BDFC7217-DB3C-AA44-A5BC-0E9E24FAA385}"/>
+                </a:ext>
+              </a:extLst>
+            </p:cNvPr>
+            <p:cNvCxnSpPr>
+              <a:cxnSpLocks/>
+            </p:cNvCxnSpPr>
+            <p:nvPr/>
+          </p:nvCxnSpPr>
+          <p:spPr>
+            <a:xfrm flipV="1">
+              <a:off x="3365377" y="2783075"/>
+              <a:ext cx="0" cy="344670"/>
+            </a:xfrm>
+            <a:prstGeom prst="straightConnector1">
+              <a:avLst/>
+            </a:prstGeom>
+            <a:ln>
+              <a:tailEnd type="triangle"/>
+            </a:ln>
+          </p:spPr>
+          <p:style>
+            <a:lnRef idx="1">
+              <a:schemeClr val="accent1"/>
+            </a:lnRef>
+            <a:fillRef idx="0">
+              <a:schemeClr val="accent1"/>
+            </a:fillRef>
+            <a:effectRef idx="0">
+              <a:schemeClr val="accent1"/>
+            </a:effectRef>
+            <a:fontRef idx="minor">
+              <a:schemeClr val="tx1"/>
+            </a:fontRef>
+          </p:style>
+        </p:cxnSp>
+        <p:cxnSp>
+          <p:nvCxnSpPr>
+            <p:cNvPr id="214" name="Straight Connector 213">
+              <a:extLst>
+                <a:ext uri="{FF2B5EF4-FFF2-40B4-BE49-F238E27FC236}">
+                  <a16:creationId xmlns:a16="http://schemas.microsoft.com/office/drawing/2014/main" id="{8F1BF527-EF34-0743-9F9F-60373577F4FB}"/>
+                </a:ext>
+              </a:extLst>
+            </p:cNvPr>
+            <p:cNvCxnSpPr>
+              <a:cxnSpLocks/>
+              <a:stCxn id="264" idx="0"/>
+            </p:cNvCxnSpPr>
+            <p:nvPr/>
+          </p:nvCxnSpPr>
+          <p:spPr>
+            <a:xfrm flipV="1">
+              <a:off x="2664625" y="2640711"/>
+              <a:ext cx="0" cy="472580"/>
+            </a:xfrm>
+            <a:prstGeom prst="line">
+              <a:avLst/>
+            </a:prstGeom>
+          </p:spPr>
+          <p:style>
+            <a:lnRef idx="1">
+              <a:schemeClr val="accent1"/>
+            </a:lnRef>
+            <a:fillRef idx="0">
+              <a:schemeClr val="accent1"/>
+            </a:fillRef>
+            <a:effectRef idx="0">
+              <a:schemeClr val="accent1"/>
+            </a:effectRef>
+            <a:fontRef idx="minor">
+              <a:schemeClr val="tx1"/>
+            </a:fontRef>
+          </p:style>
+        </p:cxnSp>
+        <p:cxnSp>
+          <p:nvCxnSpPr>
+            <p:cNvPr id="215" name="Straight Arrow Connector 214">
+              <a:extLst>
+                <a:ext uri="{FF2B5EF4-FFF2-40B4-BE49-F238E27FC236}">
+                  <a16:creationId xmlns:a16="http://schemas.microsoft.com/office/drawing/2014/main" id="{358DF888-18A1-B44D-AC94-0EA2D20A11C2}"/>
+                </a:ext>
+              </a:extLst>
+            </p:cNvPr>
+            <p:cNvCxnSpPr>
+              <a:cxnSpLocks/>
+              <a:endCxn id="261" idx="1"/>
+            </p:cNvCxnSpPr>
+            <p:nvPr/>
+          </p:nvCxnSpPr>
+          <p:spPr>
+            <a:xfrm>
+              <a:off x="2664625" y="2640711"/>
+              <a:ext cx="537787" cy="0"/>
+            </a:xfrm>
+            <a:prstGeom prst="straightConnector1">
+              <a:avLst/>
+            </a:prstGeom>
+            <a:ln>
+              <a:tailEnd type="triangle"/>
+            </a:ln>
+          </p:spPr>
+          <p:style>
+            <a:lnRef idx="1">
+              <a:schemeClr val="accent1"/>
+            </a:lnRef>
+            <a:fillRef idx="0">
+              <a:schemeClr val="accent1"/>
+            </a:fillRef>
+            <a:effectRef idx="0">
+              <a:schemeClr val="accent1"/>
+            </a:effectRef>
+            <a:fontRef idx="minor">
+              <a:schemeClr val="tx1"/>
+            </a:fontRef>
+          </p:style>
+        </p:cxnSp>
+        <p:cxnSp>
+          <p:nvCxnSpPr>
+            <p:cNvPr id="216" name="Straight Arrow Connector 215">
+              <a:extLst>
+                <a:ext uri="{FF2B5EF4-FFF2-40B4-BE49-F238E27FC236}">
+                  <a16:creationId xmlns:a16="http://schemas.microsoft.com/office/drawing/2014/main" id="{63444CF8-BA05-964F-AD36-8F087CDDD4AF}"/>
+                </a:ext>
+              </a:extLst>
+            </p:cNvPr>
+            <p:cNvCxnSpPr>
+              <a:cxnSpLocks/>
+            </p:cNvCxnSpPr>
+            <p:nvPr/>
+          </p:nvCxnSpPr>
+          <p:spPr>
+            <a:xfrm>
+              <a:off x="3502177" y="2182313"/>
+              <a:ext cx="1984223" cy="0"/>
+            </a:xfrm>
+            <a:prstGeom prst="straightConnector1">
+              <a:avLst/>
+            </a:prstGeom>
+            <a:ln>
+              <a:tailEnd type="triangle"/>
+            </a:ln>
+          </p:spPr>
+          <p:style>
+            <a:lnRef idx="1">
+              <a:schemeClr val="accent1"/>
+            </a:lnRef>
+            <a:fillRef idx="0">
+              <a:schemeClr val="accent1"/>
+            </a:fillRef>
+            <a:effectRef idx="0">
+              <a:schemeClr val="accent1"/>
+            </a:effectRef>
+            <a:fontRef idx="minor">
+              <a:schemeClr val="tx1"/>
+            </a:fontRef>
+          </p:style>
+        </p:cxnSp>
+        <p:sp>
+          <p:nvSpPr>
+            <p:cNvPr id="217" name="Arc 216">
+              <a:extLst>
+                <a:ext uri="{FF2B5EF4-FFF2-40B4-BE49-F238E27FC236}">
+                  <a16:creationId xmlns:a16="http://schemas.microsoft.com/office/drawing/2014/main" id="{F3CBB83E-FA02-FF4C-ABD8-5E3BCCA6A721}"/>
+                </a:ext>
+              </a:extLst>
+            </p:cNvPr>
+            <p:cNvSpPr/>
+            <p:nvPr/>
+          </p:nvSpPr>
+          <p:spPr>
+            <a:xfrm rot="21190350">
+              <a:off x="4294206" y="2184544"/>
+              <a:ext cx="402220" cy="386322"/>
+            </a:xfrm>
+            <a:prstGeom prst="arc">
+              <a:avLst/>
+            </a:prstGeom>
+          </p:spPr>
+          <p:style>
+            <a:lnRef idx="1">
+              <a:schemeClr val="accent1"/>
+            </a:lnRef>
+            <a:fillRef idx="0">
+              <a:schemeClr val="accent1"/>
+            </a:fillRef>
+            <a:effectRef idx="0">
+              <a:schemeClr val="accent1"/>
+            </a:effectRef>
+            <a:fontRef idx="minor">
+              <a:schemeClr val="tx1"/>
+            </a:fontRef>
+          </p:style>
+          <p:txBody>
+            <a:bodyPr rtlCol="0" anchor="ctr"/>
+            <a:lstStyle/>
+            <a:p>
+              <a:pPr algn="ctr"/>
+              <a:endParaRPr lang="en-US"/>
+            </a:p>
+          </p:txBody>
+        </p:sp>
+        <p:cxnSp>
+          <p:nvCxnSpPr>
+            <p:cNvPr id="218" name="Straight Arrow Connector 217">
+              <a:extLst>
+                <a:ext uri="{FF2B5EF4-FFF2-40B4-BE49-F238E27FC236}">
+                  <a16:creationId xmlns:a16="http://schemas.microsoft.com/office/drawing/2014/main" id="{1758100B-319C-4D4A-8CDF-A809AF5C3310}"/>
+                </a:ext>
+              </a:extLst>
+            </p:cNvPr>
+            <p:cNvCxnSpPr>
+              <a:cxnSpLocks/>
+            </p:cNvCxnSpPr>
+            <p:nvPr/>
+          </p:nvCxnSpPr>
+          <p:spPr>
+            <a:xfrm>
+              <a:off x="4697256" y="2342725"/>
+              <a:ext cx="0" cy="157270"/>
+            </a:xfrm>
+            <a:prstGeom prst="straightConnector1">
+              <a:avLst/>
+            </a:prstGeom>
+            <a:ln>
+              <a:tailEnd type="triangle"/>
+            </a:ln>
+          </p:spPr>
+          <p:style>
+            <a:lnRef idx="1">
+              <a:schemeClr val="accent1"/>
+            </a:lnRef>
+            <a:fillRef idx="0">
+              <a:schemeClr val="accent1"/>
+            </a:fillRef>
+            <a:effectRef idx="0">
+              <a:schemeClr val="accent1"/>
+            </a:effectRef>
+            <a:fontRef idx="minor">
+              <a:schemeClr val="tx1"/>
+            </a:fontRef>
+          </p:style>
+        </p:cxnSp>
+        <p:cxnSp>
+          <p:nvCxnSpPr>
+            <p:cNvPr id="219" name="Straight Arrow Connector 218">
+              <a:extLst>
+                <a:ext uri="{FF2B5EF4-FFF2-40B4-BE49-F238E27FC236}">
+                  <a16:creationId xmlns:a16="http://schemas.microsoft.com/office/drawing/2014/main" id="{676EC4B3-9298-8043-8B24-162E10970F05}"/>
+                </a:ext>
+              </a:extLst>
+            </p:cNvPr>
+            <p:cNvCxnSpPr>
+              <a:cxnSpLocks/>
+              <a:stCxn id="252" idx="2"/>
+              <a:endCxn id="254" idx="0"/>
+            </p:cNvCxnSpPr>
+            <p:nvPr/>
+          </p:nvCxnSpPr>
+          <p:spPr>
+            <a:xfrm>
+              <a:off x="4699445" y="2791339"/>
+              <a:ext cx="13445" cy="944072"/>
+            </a:xfrm>
+            <a:prstGeom prst="straightConnector1">
+              <a:avLst/>
+            </a:prstGeom>
+            <a:ln>
+              <a:tailEnd type="triangle"/>
+            </a:ln>
+          </p:spPr>
+          <p:style>
+            <a:lnRef idx="1">
+              <a:schemeClr val="accent1"/>
+            </a:lnRef>
+            <a:fillRef idx="0">
+              <a:schemeClr val="accent1"/>
+            </a:fillRef>
+            <a:effectRef idx="0">
+              <a:schemeClr val="accent1"/>
+            </a:effectRef>
+            <a:fontRef idx="minor">
+              <a:schemeClr val="tx1"/>
+            </a:fontRef>
+          </p:style>
+        </p:cxnSp>
+        <p:cxnSp>
+          <p:nvCxnSpPr>
+            <p:cNvPr id="220" name="Straight Arrow Connector 219">
+              <a:extLst>
+                <a:ext uri="{FF2B5EF4-FFF2-40B4-BE49-F238E27FC236}">
+                  <a16:creationId xmlns:a16="http://schemas.microsoft.com/office/drawing/2014/main" id="{2D34ECD6-2B61-3C4A-AE86-545E38D423CD}"/>
+                </a:ext>
+              </a:extLst>
+            </p:cNvPr>
+            <p:cNvCxnSpPr>
+              <a:stCxn id="255" idx="3"/>
+            </p:cNvCxnSpPr>
+            <p:nvPr/>
+          </p:nvCxnSpPr>
+          <p:spPr>
+            <a:xfrm>
+              <a:off x="4871747" y="3886038"/>
+              <a:ext cx="614653" cy="0"/>
+            </a:xfrm>
+            <a:prstGeom prst="straightConnector1">
+              <a:avLst/>
+            </a:prstGeom>
+            <a:ln>
+              <a:tailEnd type="triangle"/>
+            </a:ln>
+          </p:spPr>
+          <p:style>
+            <a:lnRef idx="1">
+              <a:schemeClr val="accent1"/>
+            </a:lnRef>
+            <a:fillRef idx="0">
+              <a:schemeClr val="accent1"/>
+            </a:fillRef>
+            <a:effectRef idx="0">
+              <a:schemeClr val="accent1"/>
+            </a:effectRef>
+            <a:fontRef idx="minor">
+              <a:schemeClr val="tx1"/>
+            </a:fontRef>
+          </p:style>
+        </p:cxnSp>
+        <p:sp>
+          <p:nvSpPr>
+            <p:cNvPr id="221" name="Arc 220">
+              <a:extLst>
+                <a:ext uri="{FF2B5EF4-FFF2-40B4-BE49-F238E27FC236}">
+                  <a16:creationId xmlns:a16="http://schemas.microsoft.com/office/drawing/2014/main" id="{C68B3DAD-FC78-164D-B35D-717E7F213ED5}"/>
+                </a:ext>
+              </a:extLst>
+            </p:cNvPr>
+            <p:cNvSpPr/>
+            <p:nvPr/>
+          </p:nvSpPr>
+          <p:spPr>
+            <a:xfrm rot="4952950">
+              <a:off x="4813980" y="3491279"/>
+              <a:ext cx="402220" cy="386322"/>
+            </a:xfrm>
+            <a:prstGeom prst="arc">
+              <a:avLst/>
+            </a:prstGeom>
+          </p:spPr>
+          <p:style>
+            <a:lnRef idx="1">
+              <a:schemeClr val="accent1"/>
+            </a:lnRef>
+            <a:fillRef idx="0">
+              <a:schemeClr val="accent1"/>
+            </a:fillRef>
+            <a:effectRef idx="0">
+              <a:schemeClr val="accent1"/>
+            </a:effectRef>
+            <a:fontRef idx="minor">
+              <a:schemeClr val="tx1"/>
+            </a:fontRef>
+          </p:style>
+          <p:txBody>
+            <a:bodyPr rtlCol="0" anchor="ctr"/>
+            <a:lstStyle/>
+            <a:p>
+              <a:pPr algn="ctr"/>
+              <a:endParaRPr lang="en-US"/>
+            </a:p>
+          </p:txBody>
+        </p:sp>
+        <p:grpSp>
+          <p:nvGrpSpPr>
+            <p:cNvPr id="222" name="Group 221">
+              <a:extLst>
+                <a:ext uri="{FF2B5EF4-FFF2-40B4-BE49-F238E27FC236}">
+                  <a16:creationId xmlns:a16="http://schemas.microsoft.com/office/drawing/2014/main" id="{A8E915D2-5509-AB4C-8436-E12D4B7E636B}"/>
+                </a:ext>
+              </a:extLst>
+            </p:cNvPr>
+            <p:cNvGrpSpPr/>
+            <p:nvPr/>
+          </p:nvGrpSpPr>
+          <p:grpSpPr>
+            <a:xfrm rot="5013920">
+              <a:off x="5151097" y="2109579"/>
+              <a:ext cx="107365" cy="145213"/>
+              <a:chOff x="2601257" y="4031743"/>
+              <a:chExt cx="192526" cy="192527"/>
+            </a:xfrm>
+          </p:grpSpPr>
+          <p:sp>
+            <p:nvSpPr>
+              <p:cNvPr id="244" name="Arc 243">
+                <a:extLst>
+                  <a:ext uri="{FF2B5EF4-FFF2-40B4-BE49-F238E27FC236}">
+                    <a16:creationId xmlns:a16="http://schemas.microsoft.com/office/drawing/2014/main" id="{8B0164C2-442B-1C43-A97D-CBDBDF407424}"/>
+                  </a:ext>
+                </a:extLst>
+              </p:cNvPr>
+              <p:cNvSpPr/>
+              <p:nvPr/>
+            </p:nvSpPr>
+            <p:spPr>
+              <a:xfrm>
+                <a:off x="2607801" y="4031744"/>
+                <a:ext cx="169743" cy="192526"/>
+              </a:xfrm>
+              <a:prstGeom prst="arc">
+                <a:avLst/>
+              </a:prstGeom>
+            </p:spPr>
+            <p:style>
+              <a:lnRef idx="1">
+                <a:schemeClr val="accent1"/>
+              </a:lnRef>
+              <a:fillRef idx="0">
+                <a:schemeClr val="accent1"/>
+              </a:fillRef>
+              <a:effectRef idx="0">
+                <a:schemeClr val="accent1"/>
+              </a:effectRef>
+              <a:fontRef idx="minor">
+                <a:schemeClr val="tx1"/>
+              </a:fontRef>
+            </p:style>
+            <p:txBody>
+              <a:bodyPr rtlCol="0" anchor="ctr"/>
+              <a:lstStyle/>
+              <a:p>
+                <a:pPr algn="ctr"/>
+                <a:endParaRPr lang="en-US"/>
+              </a:p>
+            </p:txBody>
+          </p:sp>
+          <p:sp>
+            <p:nvSpPr>
+              <p:cNvPr id="245" name="Arc 244">
+                <a:extLst>
+                  <a:ext uri="{FF2B5EF4-FFF2-40B4-BE49-F238E27FC236}">
+                    <a16:creationId xmlns:a16="http://schemas.microsoft.com/office/drawing/2014/main" id="{B152C7F0-7ED7-0C4A-944C-85EC581F0F58}"/>
+                  </a:ext>
+                </a:extLst>
+              </p:cNvPr>
+              <p:cNvSpPr/>
+              <p:nvPr/>
+            </p:nvSpPr>
+            <p:spPr>
+              <a:xfrm rot="16200000">
+                <a:off x="2612648" y="4020352"/>
+                <a:ext cx="169743" cy="192526"/>
+              </a:xfrm>
+              <a:prstGeom prst="arc">
+                <a:avLst/>
+              </a:prstGeom>
+            </p:spPr>
+            <p:style>
+              <a:lnRef idx="1">
+                <a:schemeClr val="accent1"/>
+              </a:lnRef>
+              <a:fillRef idx="0">
+                <a:schemeClr val="accent1"/>
+              </a:fillRef>
+              <a:effectRef idx="0">
+                <a:schemeClr val="accent1"/>
+              </a:effectRef>
+              <a:fontRef idx="minor">
+                <a:schemeClr val="tx1"/>
+              </a:fontRef>
+            </p:style>
+            <p:txBody>
+              <a:bodyPr rtlCol="0" anchor="ctr"/>
+              <a:lstStyle/>
+              <a:p>
+                <a:pPr algn="ctr"/>
+                <a:endParaRPr lang="en-US"/>
+              </a:p>
+            </p:txBody>
+          </p:sp>
+        </p:grpSp>
+        <p:cxnSp>
+          <p:nvCxnSpPr>
+            <p:cNvPr id="223" name="Straight Connector 222">
+              <a:extLst>
+                <a:ext uri="{FF2B5EF4-FFF2-40B4-BE49-F238E27FC236}">
+                  <a16:creationId xmlns:a16="http://schemas.microsoft.com/office/drawing/2014/main" id="{EAA54992-FCB2-274E-B140-8D3782511BF2}"/>
+                </a:ext>
+              </a:extLst>
+            </p:cNvPr>
+            <p:cNvCxnSpPr>
+              <a:endCxn id="244" idx="2"/>
+            </p:cNvCxnSpPr>
+            <p:nvPr/>
+          </p:nvCxnSpPr>
+          <p:spPr>
+            <a:xfrm flipH="1" flipV="1">
+              <a:off x="5209780" y="2226531"/>
+              <a:ext cx="3537" cy="1452787"/>
+            </a:xfrm>
+            <a:prstGeom prst="line">
+              <a:avLst/>
+            </a:prstGeom>
+          </p:spPr>
+          <p:style>
+            <a:lnRef idx="1">
+              <a:schemeClr val="accent1"/>
+            </a:lnRef>
+            <a:fillRef idx="0">
+              <a:schemeClr val="accent1"/>
+            </a:fillRef>
+            <a:effectRef idx="0">
+              <a:schemeClr val="accent1"/>
+            </a:effectRef>
+            <a:fontRef idx="minor">
+              <a:schemeClr val="tx1"/>
+            </a:fontRef>
+          </p:style>
+        </p:cxnSp>
+        <p:cxnSp>
+          <p:nvCxnSpPr>
+            <p:cNvPr id="224" name="Straight Arrow Connector 223">
+              <a:extLst>
+                <a:ext uri="{FF2B5EF4-FFF2-40B4-BE49-F238E27FC236}">
+                  <a16:creationId xmlns:a16="http://schemas.microsoft.com/office/drawing/2014/main" id="{6D5F26CF-15CD-ED47-8487-3E37EAC62BA8}"/>
+                </a:ext>
+              </a:extLst>
+            </p:cNvPr>
+            <p:cNvCxnSpPr>
+              <a:stCxn id="245" idx="0"/>
+            </p:cNvCxnSpPr>
+            <p:nvPr/>
+          </p:nvCxnSpPr>
+          <p:spPr>
+            <a:xfrm flipV="1">
+              <a:off x="5207301" y="1862807"/>
+              <a:ext cx="4247" cy="265071"/>
+            </a:xfrm>
+            <a:prstGeom prst="straightConnector1">
+              <a:avLst/>
+            </a:prstGeom>
+            <a:ln>
+              <a:tailEnd type="triangle"/>
+            </a:ln>
+          </p:spPr>
+          <p:style>
+            <a:lnRef idx="1">
+              <a:schemeClr val="accent1"/>
+            </a:lnRef>
+            <a:fillRef idx="0">
+              <a:schemeClr val="accent1"/>
+            </a:fillRef>
+            <a:effectRef idx="0">
+              <a:schemeClr val="accent1"/>
+            </a:effectRef>
+            <a:fontRef idx="minor">
+              <a:schemeClr val="tx1"/>
+            </a:fontRef>
+          </p:style>
+        </p:cxnSp>
+        <mc:AlternateContent xmlns:mc="http://schemas.openxmlformats.org/markup-compatibility/2006">
+          <mc:Choice xmlns:a14="http://schemas.microsoft.com/office/drawing/2010/main" Requires="a14">
+            <p:sp>
+              <p:nvSpPr>
+                <p:cNvPr id="225" name="TextBox 224">
+                  <a:extLst>
+                    <a:ext uri="{FF2B5EF4-FFF2-40B4-BE49-F238E27FC236}">
+                      <a16:creationId xmlns:a16="http://schemas.microsoft.com/office/drawing/2014/main" id="{2EABAD13-AB0B-8A46-B4B4-D3F334F3EFA9}"/>
+                    </a:ext>
+                  </a:extLst>
+                </p:cNvPr>
+                <p:cNvSpPr txBox="1"/>
+                <p:nvPr/>
+              </p:nvSpPr>
+              <p:spPr>
+                <a:xfrm>
+                  <a:off x="5440968" y="1997073"/>
+                  <a:ext cx="330860" cy="261610"/>
+                </a:xfrm>
+                <a:prstGeom prst="rect">
+                  <a:avLst/>
+                </a:prstGeom>
+                <a:noFill/>
+              </p:spPr>
+              <p:txBody>
+                <a:bodyPr wrap="none" rtlCol="0">
+                  <a:spAutoFit/>
+                </a:bodyPr>
+                <a:lstStyle/>
+                <a:p>
+                  <a14:m>
+                    <m:oMathPara xmlns:m="http://schemas.openxmlformats.org/officeDocument/2006/math">
+                      <m:oMathParaPr>
+                        <m:jc m:val="centerGroup"/>
+                      </m:oMathParaPr>
+                      <m:oMath xmlns:m="http://schemas.openxmlformats.org/officeDocument/2006/math">
+                        <m:sSub>
+                          <m:sSubPr>
+                            <m:ctrlPr>
+                              <a:rPr lang="en-US" sz="1100" i="1" smtClean="0">
+                                <a:latin typeface="Cambria Math" panose="02040503050406030204" pitchFamily="18" charset="0"/>
+                              </a:rPr>
+                            </m:ctrlPr>
+                          </m:sSubPr>
+                          <m:e>
+                            <m:r>
+                              <a:rPr lang="en-US" sz="1100" b="0" i="1" smtClean="0">
+                                <a:latin typeface="Cambria Math" panose="02040503050406030204" pitchFamily="18" charset="0"/>
+                              </a:rPr>
+                              <m:t>𝑐</m:t>
+                            </m:r>
+                          </m:e>
+                          <m:sub>
+                            <m:r>
+                              <a:rPr lang="en-US" sz="1100" b="0" i="1" smtClean="0">
+                                <a:latin typeface="Cambria Math" panose="02040503050406030204" pitchFamily="18" charset="0"/>
+                              </a:rPr>
+                              <m:t>𝑡</m:t>
+                            </m:r>
+                          </m:sub>
+                        </m:sSub>
+                      </m:oMath>
+                    </m:oMathPara>
+                  </a14:m>
+                  <a:endParaRPr lang="en-US" sz="1100" dirty="0"/>
+                </a:p>
+              </p:txBody>
+            </p:sp>
+          </mc:Choice>
+          <mc:Fallback>
+            <p:sp>
+              <p:nvSpPr>
+                <p:cNvPr id="225" name="TextBox 224">
+                  <a:extLst>
+                    <a:ext uri="{FF2B5EF4-FFF2-40B4-BE49-F238E27FC236}">
+                      <a16:creationId xmlns:a16="http://schemas.microsoft.com/office/drawing/2014/main" id="{2EABAD13-AB0B-8A46-B4B4-D3F334F3EFA9}"/>
+                    </a:ext>
+                  </a:extLst>
+                </p:cNvPr>
+                <p:cNvSpPr txBox="1">
+                  <a:spLocks noRot="1" noChangeAspect="1" noMove="1" noResize="1" noEditPoints="1" noAdjustHandles="1" noChangeArrowheads="1" noChangeShapeType="1" noTextEdit="1"/>
+                </p:cNvSpPr>
+                <p:nvPr/>
+              </p:nvSpPr>
+              <p:spPr>
+                <a:xfrm>
+                  <a:off x="5440968" y="1997073"/>
+                  <a:ext cx="330860" cy="261610"/>
+                </a:xfrm>
+                <a:prstGeom prst="rect">
+                  <a:avLst/>
+                </a:prstGeom>
+                <a:blipFill>
+                  <a:blip r:embed="rId12"/>
+                  <a:stretch>
+                    <a:fillRect/>
+                  </a:stretch>
+                </a:blipFill>
+              </p:spPr>
+              <p:txBody>
+                <a:bodyPr/>
+                <a:lstStyle/>
+                <a:p>
+                  <a:r>
+                    <a:rPr lang="en-US">
+                      <a:noFill/>
+                    </a:rPr>
+                    <a:t> </a:t>
+                  </a:r>
+                </a:p>
+              </p:txBody>
+            </p:sp>
+          </mc:Fallback>
+        </mc:AlternateContent>
+        <mc:AlternateContent xmlns:mc="http://schemas.openxmlformats.org/markup-compatibility/2006">
+          <mc:Choice xmlns:a14="http://schemas.microsoft.com/office/drawing/2010/main" Requires="a14">
+            <p:sp>
+              <p:nvSpPr>
+                <p:cNvPr id="226" name="TextBox 225">
+                  <a:extLst>
+                    <a:ext uri="{FF2B5EF4-FFF2-40B4-BE49-F238E27FC236}">
+                      <a16:creationId xmlns:a16="http://schemas.microsoft.com/office/drawing/2014/main" id="{28828CA4-17BB-334F-992D-DA931D3941F5}"/>
+                    </a:ext>
+                  </a:extLst>
+                </p:cNvPr>
+                <p:cNvSpPr txBox="1"/>
+                <p:nvPr/>
+              </p:nvSpPr>
+              <p:spPr>
+                <a:xfrm>
+                  <a:off x="5433636" y="3741747"/>
+                  <a:ext cx="348749" cy="261610"/>
+                </a:xfrm>
+                <a:prstGeom prst="rect">
+                  <a:avLst/>
+                </a:prstGeom>
+                <a:noFill/>
+              </p:spPr>
+              <p:txBody>
+                <a:bodyPr wrap="none" rtlCol="0">
+                  <a:spAutoFit/>
+                </a:bodyPr>
+                <a:lstStyle/>
+                <a:p>
+                  <a14:m>
+                    <m:oMathPara xmlns:m="http://schemas.openxmlformats.org/officeDocument/2006/math">
+                      <m:oMathParaPr>
+                        <m:jc m:val="centerGroup"/>
+                      </m:oMathParaPr>
+                      <m:oMath xmlns:m="http://schemas.openxmlformats.org/officeDocument/2006/math">
+                        <m:sSub>
+                          <m:sSubPr>
+                            <m:ctrlPr>
+                              <a:rPr lang="en-US" sz="1100" i="1" smtClean="0">
+                                <a:latin typeface="Cambria Math" panose="02040503050406030204" pitchFamily="18" charset="0"/>
+                              </a:rPr>
+                            </m:ctrlPr>
+                          </m:sSubPr>
+                          <m:e>
+                            <m:r>
+                              <a:rPr lang="en-US" sz="1100" b="0" i="1" smtClean="0">
+                                <a:latin typeface="Cambria Math" panose="02040503050406030204" pitchFamily="18" charset="0"/>
+                              </a:rPr>
+                              <m:t>h</m:t>
+                            </m:r>
+                          </m:e>
+                          <m:sub>
+                            <m:r>
+                              <a:rPr lang="en-US" sz="1100" b="0" i="1" smtClean="0">
+                                <a:latin typeface="Cambria Math" panose="02040503050406030204" pitchFamily="18" charset="0"/>
+                              </a:rPr>
+                              <m:t>𝑡</m:t>
+                            </m:r>
+                          </m:sub>
+                        </m:sSub>
+                      </m:oMath>
+                    </m:oMathPara>
+                  </a14:m>
+                  <a:endParaRPr lang="en-US" sz="1100" dirty="0"/>
+                </a:p>
+              </p:txBody>
+            </p:sp>
+          </mc:Choice>
+          <mc:Fallback>
+            <p:sp>
+              <p:nvSpPr>
+                <p:cNvPr id="226" name="TextBox 225">
+                  <a:extLst>
+                    <a:ext uri="{FF2B5EF4-FFF2-40B4-BE49-F238E27FC236}">
+                      <a16:creationId xmlns:a16="http://schemas.microsoft.com/office/drawing/2014/main" id="{28828CA4-17BB-334F-992D-DA931D3941F5}"/>
+                    </a:ext>
+                  </a:extLst>
+                </p:cNvPr>
+                <p:cNvSpPr txBox="1">
+                  <a:spLocks noRot="1" noChangeAspect="1" noMove="1" noResize="1" noEditPoints="1" noAdjustHandles="1" noChangeArrowheads="1" noChangeShapeType="1" noTextEdit="1"/>
+                </p:cNvSpPr>
+                <p:nvPr/>
+              </p:nvSpPr>
+              <p:spPr>
+                <a:xfrm>
+                  <a:off x="5433636" y="3741747"/>
+                  <a:ext cx="348749" cy="261610"/>
+                </a:xfrm>
+                <a:prstGeom prst="rect">
+                  <a:avLst/>
+                </a:prstGeom>
+                <a:blipFill>
+                  <a:blip r:embed="rId28"/>
+                  <a:stretch>
+                    <a:fillRect/>
+                  </a:stretch>
+                </a:blipFill>
+              </p:spPr>
+              <p:txBody>
+                <a:bodyPr/>
+                <a:lstStyle/>
+                <a:p>
+                  <a:r>
+                    <a:rPr lang="en-US">
+                      <a:noFill/>
+                    </a:rPr>
+                    <a:t> </a:t>
+                  </a:r>
+                </a:p>
+              </p:txBody>
+            </p:sp>
+          </mc:Fallback>
+        </mc:AlternateContent>
+        <mc:AlternateContent xmlns:mc="http://schemas.openxmlformats.org/markup-compatibility/2006">
+          <mc:Choice xmlns:a14="http://schemas.microsoft.com/office/drawing/2010/main" Requires="a14">
+            <p:sp>
+              <p:nvSpPr>
+                <p:cNvPr id="227" name="TextBox 226">
+                  <a:extLst>
+                    <a:ext uri="{FF2B5EF4-FFF2-40B4-BE49-F238E27FC236}">
+                      <a16:creationId xmlns:a16="http://schemas.microsoft.com/office/drawing/2014/main" id="{A8992FFE-E37D-5444-9B4F-B4735CD5C677}"/>
+                    </a:ext>
+                  </a:extLst>
+                </p:cNvPr>
+                <p:cNvSpPr txBox="1"/>
+                <p:nvPr/>
+              </p:nvSpPr>
+              <p:spPr>
+                <a:xfrm>
+                  <a:off x="1205051" y="4137254"/>
+                  <a:ext cx="344197" cy="261610"/>
+                </a:xfrm>
+                <a:prstGeom prst="rect">
+                  <a:avLst/>
+                </a:prstGeom>
+                <a:noFill/>
+              </p:spPr>
+              <p:txBody>
+                <a:bodyPr wrap="none" rtlCol="0">
+                  <a:spAutoFit/>
+                </a:bodyPr>
+                <a:lstStyle/>
+                <a:p>
+                  <a14:m>
+                    <m:oMathPara xmlns:m="http://schemas.openxmlformats.org/officeDocument/2006/math">
+                      <m:oMathParaPr>
+                        <m:jc m:val="centerGroup"/>
+                      </m:oMathParaPr>
+                      <m:oMath xmlns:m="http://schemas.openxmlformats.org/officeDocument/2006/math">
+                        <m:sSub>
+                          <m:sSubPr>
+                            <m:ctrlPr>
+                              <a:rPr lang="en-US" sz="1100" i="1" smtClean="0">
+                                <a:latin typeface="Cambria Math" panose="02040503050406030204" pitchFamily="18" charset="0"/>
+                              </a:rPr>
+                            </m:ctrlPr>
+                          </m:sSubPr>
+                          <m:e>
+                            <m:r>
+                              <a:rPr lang="en-US" sz="1100" b="0" i="1" smtClean="0">
+                                <a:latin typeface="Cambria Math" panose="02040503050406030204" pitchFamily="18" charset="0"/>
+                              </a:rPr>
+                              <m:t>𝑥</m:t>
+                            </m:r>
+                          </m:e>
+                          <m:sub>
+                            <m:r>
+                              <a:rPr lang="en-US" sz="1100" b="0" i="1" smtClean="0">
+                                <a:latin typeface="Cambria Math" panose="02040503050406030204" pitchFamily="18" charset="0"/>
+                              </a:rPr>
+                              <m:t>𝑡</m:t>
+                            </m:r>
+                          </m:sub>
+                        </m:sSub>
+                      </m:oMath>
+                    </m:oMathPara>
+                  </a14:m>
+                  <a:endParaRPr lang="en-US" sz="1100" dirty="0"/>
+                </a:p>
+              </p:txBody>
+            </p:sp>
+          </mc:Choice>
+          <mc:Fallback>
+            <p:sp>
+              <p:nvSpPr>
+                <p:cNvPr id="227" name="TextBox 226">
+                  <a:extLst>
+                    <a:ext uri="{FF2B5EF4-FFF2-40B4-BE49-F238E27FC236}">
+                      <a16:creationId xmlns:a16="http://schemas.microsoft.com/office/drawing/2014/main" id="{A8992FFE-E37D-5444-9B4F-B4735CD5C677}"/>
+                    </a:ext>
+                  </a:extLst>
+                </p:cNvPr>
+                <p:cNvSpPr txBox="1">
+                  <a:spLocks noRot="1" noChangeAspect="1" noMove="1" noResize="1" noEditPoints="1" noAdjustHandles="1" noChangeArrowheads="1" noChangeShapeType="1" noTextEdit="1"/>
+                </p:cNvSpPr>
+                <p:nvPr/>
+              </p:nvSpPr>
+              <p:spPr>
+                <a:xfrm>
+                  <a:off x="1205051" y="4137254"/>
+                  <a:ext cx="344197" cy="261610"/>
+                </a:xfrm>
+                <a:prstGeom prst="rect">
+                  <a:avLst/>
+                </a:prstGeom>
+                <a:blipFill>
+                  <a:blip r:embed="rId29"/>
+                  <a:stretch>
+                    <a:fillRect/>
+                  </a:stretch>
+                </a:blipFill>
+              </p:spPr>
+              <p:txBody>
+                <a:bodyPr/>
+                <a:lstStyle/>
+                <a:p>
+                  <a:r>
+                    <a:rPr lang="en-US">
+                      <a:noFill/>
+                    </a:rPr>
+                    <a:t> </a:t>
+                  </a:r>
+                </a:p>
+              </p:txBody>
+            </p:sp>
+          </mc:Fallback>
+        </mc:AlternateContent>
+        <p:sp>
+          <p:nvSpPr>
+            <p:cNvPr id="228" name="Arc 227">
+              <a:extLst>
+                <a:ext uri="{FF2B5EF4-FFF2-40B4-BE49-F238E27FC236}">
+                  <a16:creationId xmlns:a16="http://schemas.microsoft.com/office/drawing/2014/main" id="{FC7944CD-7FFC-D944-81B3-A31AF0729FD5}"/>
+                </a:ext>
+              </a:extLst>
+            </p:cNvPr>
+            <p:cNvSpPr/>
+            <p:nvPr/>
+          </p:nvSpPr>
+          <p:spPr>
+            <a:xfrm rot="16200000">
+              <a:off x="3517430" y="3887106"/>
+              <a:ext cx="402220" cy="386322"/>
+            </a:xfrm>
+            <a:prstGeom prst="arc">
+              <a:avLst/>
+            </a:prstGeom>
+          </p:spPr>
+          <p:style>
+            <a:lnRef idx="1">
+              <a:schemeClr val="accent1"/>
+            </a:lnRef>
+            <a:fillRef idx="0">
+              <a:schemeClr val="accent1"/>
+            </a:fillRef>
+            <a:effectRef idx="0">
+              <a:schemeClr val="accent1"/>
+            </a:effectRef>
+            <a:fontRef idx="minor">
+              <a:schemeClr val="tx1"/>
+            </a:fontRef>
+          </p:style>
+          <p:txBody>
+            <a:bodyPr rtlCol="0" anchor="ctr"/>
+            <a:lstStyle/>
+            <a:p>
+              <a:pPr algn="ctr"/>
+              <a:endParaRPr lang="en-US"/>
+            </a:p>
+          </p:txBody>
+        </p:sp>
+        <p:sp>
+          <p:nvSpPr>
+            <p:cNvPr id="229" name="Arc 228">
+              <a:extLst>
+                <a:ext uri="{FF2B5EF4-FFF2-40B4-BE49-F238E27FC236}">
+                  <a16:creationId xmlns:a16="http://schemas.microsoft.com/office/drawing/2014/main" id="{462CD7EB-1EC1-0649-9C74-554EF027C9F5}"/>
+                </a:ext>
+              </a:extLst>
+            </p:cNvPr>
+            <p:cNvSpPr/>
+            <p:nvPr/>
+          </p:nvSpPr>
+          <p:spPr>
+            <a:xfrm rot="5080787">
+              <a:off x="3133151" y="3880927"/>
+              <a:ext cx="402220" cy="386322"/>
+            </a:xfrm>
+            <a:prstGeom prst="arc">
+              <a:avLst/>
+            </a:prstGeom>
+          </p:spPr>
+          <p:style>
+            <a:lnRef idx="1">
+              <a:schemeClr val="accent1"/>
+            </a:lnRef>
+            <a:fillRef idx="0">
+              <a:schemeClr val="accent1"/>
+            </a:fillRef>
+            <a:effectRef idx="0">
+              <a:schemeClr val="accent1"/>
+            </a:effectRef>
+            <a:fontRef idx="minor">
+              <a:schemeClr val="tx1"/>
+            </a:fontRef>
+          </p:style>
+          <p:txBody>
+            <a:bodyPr rtlCol="0" anchor="ctr"/>
+            <a:lstStyle/>
+            <a:p>
+              <a:pPr algn="ctr"/>
+              <a:endParaRPr lang="en-US"/>
+            </a:p>
+          </p:txBody>
+        </p:sp>
+        <p:sp>
+          <p:nvSpPr>
+            <p:cNvPr id="230" name="Arc 229">
+              <a:extLst>
+                <a:ext uri="{FF2B5EF4-FFF2-40B4-BE49-F238E27FC236}">
+                  <a16:creationId xmlns:a16="http://schemas.microsoft.com/office/drawing/2014/main" id="{612163E0-82AC-F04C-8135-8F5F9555CF31}"/>
+                </a:ext>
+              </a:extLst>
+            </p:cNvPr>
+            <p:cNvSpPr/>
+            <p:nvPr/>
+          </p:nvSpPr>
+          <p:spPr>
+            <a:xfrm rot="5080787">
+              <a:off x="2960088" y="3894524"/>
+              <a:ext cx="402220" cy="386322"/>
+            </a:xfrm>
+            <a:prstGeom prst="arc">
+              <a:avLst/>
+            </a:prstGeom>
+          </p:spPr>
+          <p:style>
+            <a:lnRef idx="1">
+              <a:schemeClr val="accent1"/>
+            </a:lnRef>
+            <a:fillRef idx="0">
+              <a:schemeClr val="accent1"/>
+            </a:fillRef>
+            <a:effectRef idx="0">
+              <a:schemeClr val="accent1"/>
+            </a:effectRef>
+            <a:fontRef idx="minor">
+              <a:schemeClr val="tx1"/>
+            </a:fontRef>
+          </p:style>
+          <p:txBody>
+            <a:bodyPr rtlCol="0" anchor="ctr"/>
+            <a:lstStyle/>
+            <a:p>
+              <a:pPr algn="ctr"/>
+              <a:endParaRPr lang="en-US"/>
+            </a:p>
+          </p:txBody>
+        </p:sp>
+        <p:sp>
+          <p:nvSpPr>
+            <p:cNvPr id="231" name="Arc 230">
+              <a:extLst>
+                <a:ext uri="{FF2B5EF4-FFF2-40B4-BE49-F238E27FC236}">
+                  <a16:creationId xmlns:a16="http://schemas.microsoft.com/office/drawing/2014/main" id="{181DA7D7-EC50-0242-9906-787E1DA59343}"/>
+                </a:ext>
+              </a:extLst>
+            </p:cNvPr>
+            <p:cNvSpPr/>
+            <p:nvPr/>
+          </p:nvSpPr>
+          <p:spPr>
+            <a:xfrm rot="5080787">
+              <a:off x="2275471" y="3897544"/>
+              <a:ext cx="402220" cy="386322"/>
+            </a:xfrm>
+            <a:prstGeom prst="arc">
+              <a:avLst/>
+            </a:prstGeom>
+          </p:spPr>
+          <p:style>
+            <a:lnRef idx="1">
+              <a:schemeClr val="accent1"/>
+            </a:lnRef>
+            <a:fillRef idx="0">
+              <a:schemeClr val="accent1"/>
+            </a:fillRef>
+            <a:effectRef idx="0">
+              <a:schemeClr val="accent1"/>
+            </a:effectRef>
+            <a:fontRef idx="minor">
+              <a:schemeClr val="tx1"/>
+            </a:fontRef>
+          </p:style>
+          <p:txBody>
+            <a:bodyPr rtlCol="0" anchor="ctr"/>
+            <a:lstStyle/>
+            <a:p>
+              <a:pPr algn="ctr"/>
+              <a:endParaRPr lang="en-US"/>
+            </a:p>
+          </p:txBody>
+        </p:sp>
+        <p:sp>
+          <p:nvSpPr>
+            <p:cNvPr id="232" name="Arc 231">
+              <a:extLst>
+                <a:ext uri="{FF2B5EF4-FFF2-40B4-BE49-F238E27FC236}">
+                  <a16:creationId xmlns:a16="http://schemas.microsoft.com/office/drawing/2014/main" id="{B53CCAA4-2639-5044-A707-73A4588A7673}"/>
+                </a:ext>
+              </a:extLst>
+            </p:cNvPr>
+            <p:cNvSpPr/>
+            <p:nvPr/>
+          </p:nvSpPr>
+          <p:spPr>
+            <a:xfrm rot="5080787">
+              <a:off x="1586039" y="3887487"/>
+              <a:ext cx="402220" cy="386322"/>
+            </a:xfrm>
+            <a:prstGeom prst="arc">
+              <a:avLst/>
+            </a:prstGeom>
+          </p:spPr>
+          <p:style>
+            <a:lnRef idx="1">
+              <a:schemeClr val="accent1"/>
+            </a:lnRef>
+            <a:fillRef idx="0">
+              <a:schemeClr val="accent1"/>
+            </a:fillRef>
+            <a:effectRef idx="0">
+              <a:schemeClr val="accent1"/>
+            </a:effectRef>
+            <a:fontRef idx="minor">
+              <a:schemeClr val="tx1"/>
+            </a:fontRef>
+          </p:style>
+          <p:txBody>
+            <a:bodyPr rtlCol="0" anchor="ctr"/>
+            <a:lstStyle/>
+            <a:p>
+              <a:pPr algn="ctr"/>
+              <a:endParaRPr lang="en-US"/>
+            </a:p>
+          </p:txBody>
+        </p:sp>
+        <p:cxnSp>
+          <p:nvCxnSpPr>
+            <p:cNvPr id="233" name="Straight Connector 232">
+              <a:extLst>
+                <a:ext uri="{FF2B5EF4-FFF2-40B4-BE49-F238E27FC236}">
+                  <a16:creationId xmlns:a16="http://schemas.microsoft.com/office/drawing/2014/main" id="{E59A5CFB-45B7-6B45-87C6-404FA9800C8F}"/>
+                </a:ext>
+              </a:extLst>
+            </p:cNvPr>
+            <p:cNvCxnSpPr/>
+            <p:nvPr/>
+          </p:nvCxnSpPr>
+          <p:spPr>
+            <a:xfrm flipH="1">
+              <a:off x="1491095" y="4281377"/>
+              <a:ext cx="1861041" cy="0"/>
+            </a:xfrm>
+            <a:prstGeom prst="line">
+              <a:avLst/>
+            </a:prstGeom>
+          </p:spPr>
+          <p:style>
+            <a:lnRef idx="1">
+              <a:schemeClr val="accent1"/>
+            </a:lnRef>
+            <a:fillRef idx="0">
+              <a:schemeClr val="accent1"/>
+            </a:fillRef>
+            <a:effectRef idx="0">
+              <a:schemeClr val="accent1"/>
+            </a:effectRef>
+            <a:fontRef idx="minor">
+              <a:schemeClr val="tx1"/>
+            </a:fontRef>
+          </p:style>
+        </p:cxnSp>
+        <p:sp>
+          <p:nvSpPr>
+            <p:cNvPr id="234" name="Triangle 233">
+              <a:extLst>
+                <a:ext uri="{FF2B5EF4-FFF2-40B4-BE49-F238E27FC236}">
+                  <a16:creationId xmlns:a16="http://schemas.microsoft.com/office/drawing/2014/main" id="{1D1A7BED-EE31-5F41-A047-7CA6B5B80A80}"/>
+                </a:ext>
+              </a:extLst>
+            </p:cNvPr>
+            <p:cNvSpPr/>
+            <p:nvPr/>
+          </p:nvSpPr>
+          <p:spPr>
+            <a:xfrm rot="16200000" flipH="1" flipV="1">
+              <a:off x="1721918" y="4247665"/>
+              <a:ext cx="77286" cy="67423"/>
+            </a:xfrm>
+            <a:prstGeom prst="triangle">
+              <a:avLst/>
+            </a:prstGeom>
+          </p:spPr>
+          <p:style>
+            <a:lnRef idx="2">
+              <a:schemeClr val="accent1">
+                <a:shade val="50000"/>
+              </a:schemeClr>
+            </a:lnRef>
+            <a:fillRef idx="1">
+              <a:schemeClr val="accent1"/>
+            </a:fillRef>
+            <a:effectRef idx="0">
+              <a:schemeClr val="accent1"/>
+            </a:effectRef>
+            <a:fontRef idx="minor">
+              <a:schemeClr val="lt1"/>
+            </a:fontRef>
+          </p:style>
+          <p:txBody>
+            <a:bodyPr rtlCol="0" anchor="ctr"/>
+            <a:lstStyle/>
+            <a:p>
+              <a:pPr algn="ctr"/>
+              <a:endParaRPr lang="en-US"/>
+            </a:p>
+          </p:txBody>
+        </p:sp>
+        <p:sp>
+          <p:nvSpPr>
+            <p:cNvPr id="235" name="Triangle 234">
+              <a:extLst>
+                <a:ext uri="{FF2B5EF4-FFF2-40B4-BE49-F238E27FC236}">
+                  <a16:creationId xmlns:a16="http://schemas.microsoft.com/office/drawing/2014/main" id="{30D15117-5160-1D40-B60C-09F0203BE8A8}"/>
+                </a:ext>
+              </a:extLst>
+            </p:cNvPr>
+            <p:cNvSpPr/>
+            <p:nvPr/>
+          </p:nvSpPr>
+          <p:spPr>
+            <a:xfrm rot="16200000" flipH="1" flipV="1">
+              <a:off x="2430813" y="4247665"/>
+              <a:ext cx="77286" cy="67423"/>
+            </a:xfrm>
+            <a:prstGeom prst="triangle">
+              <a:avLst/>
+            </a:prstGeom>
+          </p:spPr>
+          <p:style>
+            <a:lnRef idx="2">
+              <a:schemeClr val="accent1">
+                <a:shade val="50000"/>
+              </a:schemeClr>
+            </a:lnRef>
+            <a:fillRef idx="1">
+              <a:schemeClr val="accent1"/>
+            </a:fillRef>
+            <a:effectRef idx="0">
+              <a:schemeClr val="accent1"/>
+            </a:effectRef>
+            <a:fontRef idx="minor">
+              <a:schemeClr val="lt1"/>
+            </a:fontRef>
+          </p:style>
+          <p:txBody>
+            <a:bodyPr rtlCol="0" anchor="ctr"/>
+            <a:lstStyle/>
+            <a:p>
+              <a:pPr algn="ctr"/>
+              <a:endParaRPr lang="en-US"/>
+            </a:p>
+          </p:txBody>
+        </p:sp>
+        <p:sp>
+          <p:nvSpPr>
+            <p:cNvPr id="236" name="Triangle 235">
+              <a:extLst>
+                <a:ext uri="{FF2B5EF4-FFF2-40B4-BE49-F238E27FC236}">
+                  <a16:creationId xmlns:a16="http://schemas.microsoft.com/office/drawing/2014/main" id="{AAF6AF99-533B-A343-9A0A-9BA4D79022E6}"/>
+                </a:ext>
+              </a:extLst>
+            </p:cNvPr>
+            <p:cNvSpPr/>
+            <p:nvPr/>
+          </p:nvSpPr>
+          <p:spPr>
+            <a:xfrm rot="16200000" flipH="1" flipV="1">
+              <a:off x="3127607" y="4247665"/>
+              <a:ext cx="77286" cy="67423"/>
+            </a:xfrm>
+            <a:prstGeom prst="triangle">
+              <a:avLst/>
+            </a:prstGeom>
+          </p:spPr>
+          <p:style>
+            <a:lnRef idx="2">
+              <a:schemeClr val="accent1">
+                <a:shade val="50000"/>
+              </a:schemeClr>
+            </a:lnRef>
+            <a:fillRef idx="1">
+              <a:schemeClr val="accent1"/>
+            </a:fillRef>
+            <a:effectRef idx="0">
+              <a:schemeClr val="accent1"/>
+            </a:effectRef>
+            <a:fontRef idx="minor">
+              <a:schemeClr val="lt1"/>
+            </a:fontRef>
+          </p:style>
+          <p:txBody>
+            <a:bodyPr rtlCol="0" anchor="ctr"/>
+            <a:lstStyle/>
+            <a:p>
+              <a:pPr algn="ctr"/>
+              <a:endParaRPr lang="en-US"/>
+            </a:p>
+          </p:txBody>
+        </p:sp>
+        <p:sp>
+          <p:nvSpPr>
+            <p:cNvPr id="237" name="Triangle 236">
+              <a:extLst>
+                <a:ext uri="{FF2B5EF4-FFF2-40B4-BE49-F238E27FC236}">
+                  <a16:creationId xmlns:a16="http://schemas.microsoft.com/office/drawing/2014/main" id="{8254857E-0CD1-C94F-BA30-12E3FE24E153}"/>
+                </a:ext>
+              </a:extLst>
+            </p:cNvPr>
+            <p:cNvSpPr/>
+            <p:nvPr/>
+          </p:nvSpPr>
+          <p:spPr>
+            <a:xfrm rot="16200000" flipH="1" flipV="1">
+              <a:off x="1739762" y="3848077"/>
+              <a:ext cx="77286" cy="67423"/>
+            </a:xfrm>
+            <a:prstGeom prst="triangle">
+              <a:avLst/>
+            </a:prstGeom>
+          </p:spPr>
+          <p:style>
+            <a:lnRef idx="2">
+              <a:schemeClr val="accent1">
+                <a:shade val="50000"/>
+              </a:schemeClr>
+            </a:lnRef>
+            <a:fillRef idx="1">
+              <a:schemeClr val="accent1"/>
+            </a:fillRef>
+            <a:effectRef idx="0">
+              <a:schemeClr val="accent1"/>
+            </a:effectRef>
+            <a:fontRef idx="minor">
+              <a:schemeClr val="lt1"/>
+            </a:fontRef>
+          </p:style>
+          <p:txBody>
+            <a:bodyPr rtlCol="0" anchor="ctr"/>
+            <a:lstStyle/>
+            <a:p>
+              <a:pPr algn="ctr"/>
+              <a:endParaRPr lang="en-US"/>
+            </a:p>
+          </p:txBody>
+        </p:sp>
+        <p:sp>
+          <p:nvSpPr>
+            <p:cNvPr id="238" name="Triangle 237">
+              <a:extLst>
+                <a:ext uri="{FF2B5EF4-FFF2-40B4-BE49-F238E27FC236}">
+                  <a16:creationId xmlns:a16="http://schemas.microsoft.com/office/drawing/2014/main" id="{342B716C-AE59-1F4F-8B85-2C8B74B76568}"/>
+                </a:ext>
+              </a:extLst>
+            </p:cNvPr>
+            <p:cNvSpPr/>
+            <p:nvPr/>
+          </p:nvSpPr>
+          <p:spPr>
+            <a:xfrm rot="16200000" flipH="1" flipV="1">
+              <a:off x="2434726" y="3848078"/>
+              <a:ext cx="77286" cy="67423"/>
+            </a:xfrm>
+            <a:prstGeom prst="triangle">
+              <a:avLst/>
+            </a:prstGeom>
+          </p:spPr>
+          <p:style>
+            <a:lnRef idx="2">
+              <a:schemeClr val="accent1">
+                <a:shade val="50000"/>
+              </a:schemeClr>
+            </a:lnRef>
+            <a:fillRef idx="1">
+              <a:schemeClr val="accent1"/>
+            </a:fillRef>
+            <a:effectRef idx="0">
+              <a:schemeClr val="accent1"/>
+            </a:effectRef>
+            <a:fontRef idx="minor">
+              <a:schemeClr val="lt1"/>
+            </a:fontRef>
+          </p:style>
+          <p:txBody>
+            <a:bodyPr rtlCol="0" anchor="ctr"/>
+            <a:lstStyle/>
+            <a:p>
+              <a:pPr algn="ctr"/>
+              <a:endParaRPr lang="en-US"/>
+            </a:p>
+          </p:txBody>
+        </p:sp>
+        <p:sp>
+          <p:nvSpPr>
+            <p:cNvPr id="239" name="Triangle 238">
+              <a:extLst>
+                <a:ext uri="{FF2B5EF4-FFF2-40B4-BE49-F238E27FC236}">
+                  <a16:creationId xmlns:a16="http://schemas.microsoft.com/office/drawing/2014/main" id="{BE15F975-F7A4-6749-B811-12629798FBB9}"/>
+                </a:ext>
+              </a:extLst>
+            </p:cNvPr>
+            <p:cNvSpPr/>
+            <p:nvPr/>
+          </p:nvSpPr>
+          <p:spPr>
+            <a:xfrm rot="16200000" flipH="1" flipV="1">
+              <a:off x="3116731" y="3850480"/>
+              <a:ext cx="77286" cy="67423"/>
+            </a:xfrm>
+            <a:prstGeom prst="triangle">
+              <a:avLst/>
+            </a:prstGeom>
+          </p:spPr>
+          <p:style>
+            <a:lnRef idx="2">
+              <a:schemeClr val="accent1">
+                <a:shade val="50000"/>
+              </a:schemeClr>
+            </a:lnRef>
+            <a:fillRef idx="1">
+              <a:schemeClr val="accent1"/>
+            </a:fillRef>
+            <a:effectRef idx="0">
+              <a:schemeClr val="accent1"/>
+            </a:effectRef>
+            <a:fontRef idx="minor">
+              <a:schemeClr val="lt1"/>
+            </a:fontRef>
+          </p:style>
+          <p:txBody>
+            <a:bodyPr rtlCol="0" anchor="ctr"/>
+            <a:lstStyle/>
+            <a:p>
+              <a:pPr algn="ctr"/>
+              <a:endParaRPr lang="en-US"/>
+            </a:p>
+          </p:txBody>
+        </p:sp>
+        <mc:AlternateContent xmlns:mc="http://schemas.openxmlformats.org/markup-compatibility/2006">
+          <mc:Choice xmlns:a14="http://schemas.microsoft.com/office/drawing/2010/main" Requires="a14">
+            <p:sp>
+              <p:nvSpPr>
+                <p:cNvPr id="240" name="TextBox 239">
+                  <a:extLst>
+                    <a:ext uri="{FF2B5EF4-FFF2-40B4-BE49-F238E27FC236}">
+                      <a16:creationId xmlns:a16="http://schemas.microsoft.com/office/drawing/2014/main" id="{46CFD844-CAAD-7347-8884-1F2756CF639A}"/>
+                    </a:ext>
+                  </a:extLst>
+                </p:cNvPr>
+                <p:cNvSpPr txBox="1"/>
+                <p:nvPr/>
+              </p:nvSpPr>
+              <p:spPr>
+                <a:xfrm>
+                  <a:off x="1115196" y="2031844"/>
+                  <a:ext cx="465512" cy="261610"/>
+                </a:xfrm>
+                <a:prstGeom prst="rect">
+                  <a:avLst/>
+                </a:prstGeom>
+                <a:noFill/>
+              </p:spPr>
+              <p:txBody>
+                <a:bodyPr wrap="none" rtlCol="0">
+                  <a:spAutoFit/>
+                </a:bodyPr>
+                <a:lstStyle/>
+                <a:p>
+                  <a14:m>
+                    <m:oMathPara xmlns:m="http://schemas.openxmlformats.org/officeDocument/2006/math">
+                      <m:oMathParaPr>
+                        <m:jc m:val="centerGroup"/>
+                      </m:oMathParaPr>
+                      <m:oMath xmlns:m="http://schemas.openxmlformats.org/officeDocument/2006/math">
+                        <m:sSub>
+                          <m:sSubPr>
+                            <m:ctrlPr>
+                              <a:rPr lang="en-US" sz="1100" i="1" smtClean="0">
+                                <a:latin typeface="Cambria Math" panose="02040503050406030204" pitchFamily="18" charset="0"/>
+                              </a:rPr>
+                            </m:ctrlPr>
+                          </m:sSubPr>
+                          <m:e>
+                            <m:r>
+                              <a:rPr lang="en-US" sz="1100" b="0" i="1" smtClean="0">
+                                <a:latin typeface="Cambria Math" panose="02040503050406030204" pitchFamily="18" charset="0"/>
+                              </a:rPr>
+                              <m:t>𝑐</m:t>
+                            </m:r>
+                          </m:e>
+                          <m:sub>
+                            <m:r>
+                              <a:rPr lang="en-US" sz="1100" b="0" i="1" smtClean="0">
+                                <a:latin typeface="Cambria Math" panose="02040503050406030204" pitchFamily="18" charset="0"/>
+                              </a:rPr>
+                              <m:t>𝑡</m:t>
+                            </m:r>
+                            <m:r>
+                              <a:rPr lang="en-US" sz="1100" b="0" i="1" smtClean="0">
+                                <a:latin typeface="Cambria Math" panose="02040503050406030204" pitchFamily="18" charset="0"/>
+                              </a:rPr>
+                              <m:t>−1</m:t>
+                            </m:r>
+                          </m:sub>
+                        </m:sSub>
+                      </m:oMath>
+                    </m:oMathPara>
+                  </a14:m>
+                  <a:endParaRPr lang="en-US" sz="1100" dirty="0"/>
+                </a:p>
+              </p:txBody>
+            </p:sp>
+          </mc:Choice>
+          <mc:Fallback>
+            <p:sp>
+              <p:nvSpPr>
+                <p:cNvPr id="240" name="TextBox 239">
+                  <a:extLst>
+                    <a:ext uri="{FF2B5EF4-FFF2-40B4-BE49-F238E27FC236}">
+                      <a16:creationId xmlns:a16="http://schemas.microsoft.com/office/drawing/2014/main" id="{46CFD844-CAAD-7347-8884-1F2756CF639A}"/>
+                    </a:ext>
+                  </a:extLst>
+                </p:cNvPr>
+                <p:cNvSpPr txBox="1">
+                  <a:spLocks noRot="1" noChangeAspect="1" noMove="1" noResize="1" noEditPoints="1" noAdjustHandles="1" noChangeArrowheads="1" noChangeShapeType="1" noTextEdit="1"/>
+                </p:cNvSpPr>
+                <p:nvPr/>
+              </p:nvSpPr>
+              <p:spPr>
+                <a:xfrm>
+                  <a:off x="1115196" y="2031844"/>
+                  <a:ext cx="465512" cy="261610"/>
+                </a:xfrm>
+                <a:prstGeom prst="rect">
+                  <a:avLst/>
+                </a:prstGeom>
+                <a:blipFill>
+                  <a:blip r:embed="rId30"/>
+                  <a:stretch>
+                    <a:fillRect/>
+                  </a:stretch>
+                </a:blipFill>
+              </p:spPr>
+              <p:txBody>
+                <a:bodyPr/>
+                <a:lstStyle/>
+                <a:p>
+                  <a:r>
+                    <a:rPr lang="en-US">
+                      <a:noFill/>
+                    </a:rPr>
+                    <a:t> </a:t>
+                  </a:r>
+                </a:p>
+              </p:txBody>
+            </p:sp>
+          </mc:Fallback>
+        </mc:AlternateContent>
+        <mc:AlternateContent xmlns:mc="http://schemas.openxmlformats.org/markup-compatibility/2006">
+          <mc:Choice xmlns:a14="http://schemas.microsoft.com/office/drawing/2010/main" Requires="a14">
+            <p:sp>
+              <p:nvSpPr>
+                <p:cNvPr id="241" name="TextBox 240">
+                  <a:extLst>
+                    <a:ext uri="{FF2B5EF4-FFF2-40B4-BE49-F238E27FC236}">
+                      <a16:creationId xmlns:a16="http://schemas.microsoft.com/office/drawing/2014/main" id="{D7F208FD-0934-3543-A0A1-5C1A7074EFC2}"/>
+                    </a:ext>
+                  </a:extLst>
+                </p:cNvPr>
+                <p:cNvSpPr txBox="1"/>
+                <p:nvPr/>
+              </p:nvSpPr>
+              <p:spPr>
+                <a:xfrm>
+                  <a:off x="994216" y="3694547"/>
+                  <a:ext cx="483402" cy="261610"/>
+                </a:xfrm>
+                <a:prstGeom prst="rect">
+                  <a:avLst/>
+                </a:prstGeom>
+                <a:noFill/>
+              </p:spPr>
+              <p:txBody>
+                <a:bodyPr wrap="none" rtlCol="0">
+                  <a:spAutoFit/>
+                </a:bodyPr>
+                <a:lstStyle/>
+                <a:p>
+                  <a14:m>
+                    <m:oMathPara xmlns:m="http://schemas.openxmlformats.org/officeDocument/2006/math">
+                      <m:oMathParaPr>
+                        <m:jc m:val="centerGroup"/>
+                      </m:oMathParaPr>
+                      <m:oMath xmlns:m="http://schemas.openxmlformats.org/officeDocument/2006/math">
+                        <m:sSub>
+                          <m:sSubPr>
+                            <m:ctrlPr>
+                              <a:rPr lang="en-US" sz="1100" i="1" smtClean="0">
+                                <a:latin typeface="Cambria Math" panose="02040503050406030204" pitchFamily="18" charset="0"/>
+                              </a:rPr>
+                            </m:ctrlPr>
+                          </m:sSubPr>
+                          <m:e>
+                            <m:r>
+                              <a:rPr lang="en-US" sz="1100" b="0" i="1" smtClean="0">
+                                <a:latin typeface="Cambria Math" panose="02040503050406030204" pitchFamily="18" charset="0"/>
+                              </a:rPr>
+                              <m:t>h</m:t>
+                            </m:r>
+                          </m:e>
+                          <m:sub>
+                            <m:r>
+                              <a:rPr lang="en-US" sz="1100" b="0" i="1" smtClean="0">
+                                <a:latin typeface="Cambria Math" panose="02040503050406030204" pitchFamily="18" charset="0"/>
+                              </a:rPr>
+                              <m:t>𝑡</m:t>
+                            </m:r>
+                            <m:r>
+                              <a:rPr lang="en-US" sz="1100" b="0" i="1" smtClean="0">
+                                <a:latin typeface="Cambria Math" panose="02040503050406030204" pitchFamily="18" charset="0"/>
+                              </a:rPr>
+                              <m:t>−1</m:t>
+                            </m:r>
+                          </m:sub>
+                        </m:sSub>
+                      </m:oMath>
+                    </m:oMathPara>
+                  </a14:m>
+                  <a:endParaRPr lang="en-US" sz="1100" dirty="0"/>
+                </a:p>
+              </p:txBody>
+            </p:sp>
+          </mc:Choice>
+          <mc:Fallback>
+            <p:sp>
+              <p:nvSpPr>
+                <p:cNvPr id="241" name="TextBox 240">
+                  <a:extLst>
+                    <a:ext uri="{FF2B5EF4-FFF2-40B4-BE49-F238E27FC236}">
+                      <a16:creationId xmlns:a16="http://schemas.microsoft.com/office/drawing/2014/main" id="{D7F208FD-0934-3543-A0A1-5C1A7074EFC2}"/>
+                    </a:ext>
+                  </a:extLst>
+                </p:cNvPr>
+                <p:cNvSpPr txBox="1">
+                  <a:spLocks noRot="1" noChangeAspect="1" noMove="1" noResize="1" noEditPoints="1" noAdjustHandles="1" noChangeArrowheads="1" noChangeShapeType="1" noTextEdit="1"/>
+                </p:cNvSpPr>
+                <p:nvPr/>
+              </p:nvSpPr>
+              <p:spPr>
+                <a:xfrm>
+                  <a:off x="994216" y="3694547"/>
+                  <a:ext cx="483402" cy="261610"/>
+                </a:xfrm>
+                <a:prstGeom prst="rect">
+                  <a:avLst/>
+                </a:prstGeom>
+                <a:blipFill>
+                  <a:blip r:embed="rId31"/>
+                  <a:stretch>
+                    <a:fillRect/>
+                  </a:stretch>
+                </a:blipFill>
+              </p:spPr>
+              <p:txBody>
+                <a:bodyPr/>
+                <a:lstStyle/>
+                <a:p>
+                  <a:r>
+                    <a:rPr lang="en-US">
+                      <a:noFill/>
+                    </a:rPr>
+                    <a:t> </a:t>
+                  </a:r>
+                </a:p>
+              </p:txBody>
+            </p:sp>
+          </mc:Fallback>
+        </mc:AlternateContent>
+        <p:sp>
+          <p:nvSpPr>
+            <p:cNvPr id="242" name="TextBox 241">
+              <a:extLst>
+                <a:ext uri="{FF2B5EF4-FFF2-40B4-BE49-F238E27FC236}">
+                  <a16:creationId xmlns:a16="http://schemas.microsoft.com/office/drawing/2014/main" id="{5BD6C16B-CF9C-2745-B13D-AD651068F73B}"/>
+                </a:ext>
+              </a:extLst>
+            </p:cNvPr>
+            <p:cNvSpPr txBox="1"/>
+            <p:nvPr/>
+          </p:nvSpPr>
+          <p:spPr>
+            <a:xfrm>
+              <a:off x="4021754" y="4158265"/>
+              <a:ext cx="864094" cy="246221"/>
+            </a:xfrm>
+            <a:prstGeom prst="rect">
+              <a:avLst/>
+            </a:prstGeom>
+            <a:noFill/>
+          </p:spPr>
+          <p:txBody>
+            <a:bodyPr wrap="square" rtlCol="0">
+              <a:spAutoFit/>
+            </a:bodyPr>
+            <a:lstStyle/>
+            <a:p>
+              <a:r>
+                <a:rPr lang="en-US" sz="1000" dirty="0"/>
+                <a:t>output gate</a:t>
+              </a:r>
+            </a:p>
+          </p:txBody>
+        </p:sp>
+        <p:sp>
+          <p:nvSpPr>
+            <p:cNvPr id="243" name="TextBox 242">
+              <a:extLst>
+                <a:ext uri="{FF2B5EF4-FFF2-40B4-BE49-F238E27FC236}">
+                  <a16:creationId xmlns:a16="http://schemas.microsoft.com/office/drawing/2014/main" id="{E3ECC415-6E99-2E4B-857D-A468BA1797F1}"/>
                 </a:ext>
               </a:extLst>
             </p:cNvPr>

--- a/docs/TransformersIntroFigures.pptx
+++ b/docs/TransformersIntroFigures.pptx
@@ -4,6 +4,9 @@
   <p:sldMasterIdLst>
     <p:sldMasterId id="2147483648" r:id="rId1"/>
   </p:sldMasterIdLst>
+  <p:notesMasterIdLst>
+    <p:notesMasterId r:id="rId10"/>
+  </p:notesMasterIdLst>
   <p:sldIdLst>
     <p:sldId id="256" r:id="rId2"/>
     <p:sldId id="257" r:id="rId3"/>
@@ -12,6 +15,7 @@
     <p:sldId id="261" r:id="rId6"/>
     <p:sldId id="260" r:id="rId7"/>
     <p:sldId id="262" r:id="rId8"/>
+    <p:sldId id="263" r:id="rId9"/>
   </p:sldIdLst>
   <p:sldSz cx="12192000" cy="6858000"/>
   <p:notesSz cx="6858000" cy="9144000"/>
@@ -111,6 +115,439 @@
     </a:lvl9pPr>
   </p:defaultTextStyle>
 </p:presentation>
+</file>
+
+<file path=ppt/notesMasters/notesMaster1.xml><?xml version="1.0" encoding="utf-8"?>
+<p:notesMaster xmlns:a="http://schemas.openxmlformats.org/drawingml/2006/main" xmlns:r="http://schemas.openxmlformats.org/officeDocument/2006/relationships" xmlns:p="http://schemas.openxmlformats.org/presentationml/2006/main">
+  <p:cSld>
+    <p:bg>
+      <p:bgRef idx="1001">
+        <a:schemeClr val="bg1"/>
+      </p:bgRef>
+    </p:bg>
+    <p:spTree>
+      <p:nvGrpSpPr>
+        <p:cNvPr id="1" name=""/>
+        <p:cNvGrpSpPr/>
+        <p:nvPr/>
+      </p:nvGrpSpPr>
+      <p:grpSpPr>
+        <a:xfrm>
+          <a:off x="0" y="0"/>
+          <a:ext cx="0" cy="0"/>
+          <a:chOff x="0" y="0"/>
+          <a:chExt cx="0" cy="0"/>
+        </a:xfrm>
+      </p:grpSpPr>
+      <p:sp>
+        <p:nvSpPr>
+          <p:cNvPr id="2" name="Header Placeholder 1"/>
+          <p:cNvSpPr>
+            <a:spLocks noGrp="1"/>
+          </p:cNvSpPr>
+          <p:nvPr>
+            <p:ph type="hdr" sz="quarter"/>
+          </p:nvPr>
+        </p:nvSpPr>
+        <p:spPr>
+          <a:xfrm>
+            <a:off x="0" y="0"/>
+            <a:ext cx="2971800" cy="458788"/>
+          </a:xfrm>
+          <a:prstGeom prst="rect">
+            <a:avLst/>
+          </a:prstGeom>
+        </p:spPr>
+        <p:txBody>
+          <a:bodyPr vert="horz" lIns="91440" tIns="45720" rIns="91440" bIns="45720" rtlCol="0"/>
+          <a:lstStyle>
+            <a:lvl1pPr algn="l">
+              <a:defRPr sz="1200"/>
+            </a:lvl1pPr>
+          </a:lstStyle>
+          <a:p>
+            <a:endParaRPr lang="en-US"/>
+          </a:p>
+        </p:txBody>
+      </p:sp>
+      <p:sp>
+        <p:nvSpPr>
+          <p:cNvPr id="3" name="Date Placeholder 2"/>
+          <p:cNvSpPr>
+            <a:spLocks noGrp="1"/>
+          </p:cNvSpPr>
+          <p:nvPr>
+            <p:ph type="dt" idx="1"/>
+          </p:nvPr>
+        </p:nvSpPr>
+        <p:spPr>
+          <a:xfrm>
+            <a:off x="3884613" y="0"/>
+            <a:ext cx="2971800" cy="458788"/>
+          </a:xfrm>
+          <a:prstGeom prst="rect">
+            <a:avLst/>
+          </a:prstGeom>
+        </p:spPr>
+        <p:txBody>
+          <a:bodyPr vert="horz" lIns="91440" tIns="45720" rIns="91440" bIns="45720" rtlCol="0"/>
+          <a:lstStyle>
+            <a:lvl1pPr algn="r">
+              <a:defRPr sz="1200"/>
+            </a:lvl1pPr>
+          </a:lstStyle>
+          <a:p>
+            <a:fld id="{411EBDD7-2AAA-4146-B884-0372D2E1ED83}" type="datetimeFigureOut">
+              <a:rPr lang="en-US" smtClean="0"/>
+              <a:t>7/9/22</a:t>
+            </a:fld>
+            <a:endParaRPr lang="en-US"/>
+          </a:p>
+        </p:txBody>
+      </p:sp>
+      <p:sp>
+        <p:nvSpPr>
+          <p:cNvPr id="4" name="Slide Image Placeholder 3"/>
+          <p:cNvSpPr>
+            <a:spLocks noGrp="1" noRot="1" noChangeAspect="1"/>
+          </p:cNvSpPr>
+          <p:nvPr>
+            <p:ph type="sldImg" idx="2"/>
+          </p:nvPr>
+        </p:nvSpPr>
+        <p:spPr>
+          <a:xfrm>
+            <a:off x="685800" y="1143000"/>
+            <a:ext cx="5486400" cy="3086100"/>
+          </a:xfrm>
+          <a:prstGeom prst="rect">
+            <a:avLst/>
+          </a:prstGeom>
+          <a:noFill/>
+          <a:ln w="12700">
+            <a:solidFill>
+              <a:prstClr val="black"/>
+            </a:solidFill>
+          </a:ln>
+        </p:spPr>
+        <p:txBody>
+          <a:bodyPr vert="horz" lIns="91440" tIns="45720" rIns="91440" bIns="45720" rtlCol="0" anchor="ctr"/>
+          <a:lstStyle/>
+          <a:p>
+            <a:endParaRPr lang="en-US"/>
+          </a:p>
+        </p:txBody>
+      </p:sp>
+      <p:sp>
+        <p:nvSpPr>
+          <p:cNvPr id="5" name="Notes Placeholder 4"/>
+          <p:cNvSpPr>
+            <a:spLocks noGrp="1"/>
+          </p:cNvSpPr>
+          <p:nvPr>
+            <p:ph type="body" sz="quarter" idx="3"/>
+          </p:nvPr>
+        </p:nvSpPr>
+        <p:spPr>
+          <a:xfrm>
+            <a:off x="685800" y="4400550"/>
+            <a:ext cx="5486400" cy="3600450"/>
+          </a:xfrm>
+          <a:prstGeom prst="rect">
+            <a:avLst/>
+          </a:prstGeom>
+        </p:spPr>
+        <p:txBody>
+          <a:bodyPr vert="horz" lIns="91440" tIns="45720" rIns="91440" bIns="45720" rtlCol="0"/>
+          <a:lstStyle/>
+          <a:p>
+            <a:pPr lvl="0"/>
+            <a:r>
+              <a:rPr lang="en-US"/>
+              <a:t>Click to edit Master text styles</a:t>
+            </a:r>
+          </a:p>
+          <a:p>
+            <a:pPr lvl="1"/>
+            <a:r>
+              <a:rPr lang="en-US"/>
+              <a:t>Second level</a:t>
+            </a:r>
+          </a:p>
+          <a:p>
+            <a:pPr lvl="2"/>
+            <a:r>
+              <a:rPr lang="en-US"/>
+              <a:t>Third level</a:t>
+            </a:r>
+          </a:p>
+          <a:p>
+            <a:pPr lvl="3"/>
+            <a:r>
+              <a:rPr lang="en-US"/>
+              <a:t>Fourth level</a:t>
+            </a:r>
+          </a:p>
+          <a:p>
+            <a:pPr lvl="4"/>
+            <a:r>
+              <a:rPr lang="en-US"/>
+              <a:t>Fifth level</a:t>
+            </a:r>
+          </a:p>
+        </p:txBody>
+      </p:sp>
+      <p:sp>
+        <p:nvSpPr>
+          <p:cNvPr id="6" name="Footer Placeholder 5"/>
+          <p:cNvSpPr>
+            <a:spLocks noGrp="1"/>
+          </p:cNvSpPr>
+          <p:nvPr>
+            <p:ph type="ftr" sz="quarter" idx="4"/>
+          </p:nvPr>
+        </p:nvSpPr>
+        <p:spPr>
+          <a:xfrm>
+            <a:off x="0" y="8685213"/>
+            <a:ext cx="2971800" cy="458787"/>
+          </a:xfrm>
+          <a:prstGeom prst="rect">
+            <a:avLst/>
+          </a:prstGeom>
+        </p:spPr>
+        <p:txBody>
+          <a:bodyPr vert="horz" lIns="91440" tIns="45720" rIns="91440" bIns="45720" rtlCol="0" anchor="b"/>
+          <a:lstStyle>
+            <a:lvl1pPr algn="l">
+              <a:defRPr sz="1200"/>
+            </a:lvl1pPr>
+          </a:lstStyle>
+          <a:p>
+            <a:endParaRPr lang="en-US"/>
+          </a:p>
+        </p:txBody>
+      </p:sp>
+      <p:sp>
+        <p:nvSpPr>
+          <p:cNvPr id="7" name="Slide Number Placeholder 6"/>
+          <p:cNvSpPr>
+            <a:spLocks noGrp="1"/>
+          </p:cNvSpPr>
+          <p:nvPr>
+            <p:ph type="sldNum" sz="quarter" idx="5"/>
+          </p:nvPr>
+        </p:nvSpPr>
+        <p:spPr>
+          <a:xfrm>
+            <a:off x="3884613" y="8685213"/>
+            <a:ext cx="2971800" cy="458787"/>
+          </a:xfrm>
+          <a:prstGeom prst="rect">
+            <a:avLst/>
+          </a:prstGeom>
+        </p:spPr>
+        <p:txBody>
+          <a:bodyPr vert="horz" lIns="91440" tIns="45720" rIns="91440" bIns="45720" rtlCol="0" anchor="b"/>
+          <a:lstStyle>
+            <a:lvl1pPr algn="r">
+              <a:defRPr sz="1200"/>
+            </a:lvl1pPr>
+          </a:lstStyle>
+          <a:p>
+            <a:fld id="{E5BB9F9F-20DC-964E-9CCF-43C4D42868DF}" type="slidenum">
+              <a:rPr lang="en-US" smtClean="0"/>
+              <a:t>‹#›</a:t>
+            </a:fld>
+            <a:endParaRPr lang="en-US"/>
+          </a:p>
+        </p:txBody>
+      </p:sp>
+    </p:spTree>
+    <p:extLst>
+      <p:ext uri="{BB962C8B-B14F-4D97-AF65-F5344CB8AC3E}">
+        <p14:creationId xmlns:p14="http://schemas.microsoft.com/office/powerpoint/2010/main" val="3075654954"/>
+      </p:ext>
+    </p:extLst>
+  </p:cSld>
+  <p:clrMap bg1="lt1" tx1="dk1" bg2="lt2" tx2="dk2" accent1="accent1" accent2="accent2" accent3="accent3" accent4="accent4" accent5="accent5" accent6="accent6" hlink="hlink" folHlink="folHlink"/>
+  <p:notesStyle>
+    <a:lvl1pPr marL="0" algn="l" defTabSz="914400" rtl="0" eaLnBrk="1" latinLnBrk="0" hangingPunct="1">
+      <a:defRPr sz="1200" kern="1200">
+        <a:solidFill>
+          <a:schemeClr val="tx1"/>
+        </a:solidFill>
+        <a:latin typeface="+mn-lt"/>
+        <a:ea typeface="+mn-ea"/>
+        <a:cs typeface="+mn-cs"/>
+      </a:defRPr>
+    </a:lvl1pPr>
+    <a:lvl2pPr marL="457200" algn="l" defTabSz="914400" rtl="0" eaLnBrk="1" latinLnBrk="0" hangingPunct="1">
+      <a:defRPr sz="1200" kern="1200">
+        <a:solidFill>
+          <a:schemeClr val="tx1"/>
+        </a:solidFill>
+        <a:latin typeface="+mn-lt"/>
+        <a:ea typeface="+mn-ea"/>
+        <a:cs typeface="+mn-cs"/>
+      </a:defRPr>
+    </a:lvl2pPr>
+    <a:lvl3pPr marL="914400" algn="l" defTabSz="914400" rtl="0" eaLnBrk="1" latinLnBrk="0" hangingPunct="1">
+      <a:defRPr sz="1200" kern="1200">
+        <a:solidFill>
+          <a:schemeClr val="tx1"/>
+        </a:solidFill>
+        <a:latin typeface="+mn-lt"/>
+        <a:ea typeface="+mn-ea"/>
+        <a:cs typeface="+mn-cs"/>
+      </a:defRPr>
+    </a:lvl3pPr>
+    <a:lvl4pPr marL="1371600" algn="l" defTabSz="914400" rtl="0" eaLnBrk="1" latinLnBrk="0" hangingPunct="1">
+      <a:defRPr sz="1200" kern="1200">
+        <a:solidFill>
+          <a:schemeClr val="tx1"/>
+        </a:solidFill>
+        <a:latin typeface="+mn-lt"/>
+        <a:ea typeface="+mn-ea"/>
+        <a:cs typeface="+mn-cs"/>
+      </a:defRPr>
+    </a:lvl4pPr>
+    <a:lvl5pPr marL="1828800" algn="l" defTabSz="914400" rtl="0" eaLnBrk="1" latinLnBrk="0" hangingPunct="1">
+      <a:defRPr sz="1200" kern="1200">
+        <a:solidFill>
+          <a:schemeClr val="tx1"/>
+        </a:solidFill>
+        <a:latin typeface="+mn-lt"/>
+        <a:ea typeface="+mn-ea"/>
+        <a:cs typeface="+mn-cs"/>
+      </a:defRPr>
+    </a:lvl5pPr>
+    <a:lvl6pPr marL="2286000" algn="l" defTabSz="914400" rtl="0" eaLnBrk="1" latinLnBrk="0" hangingPunct="1">
+      <a:defRPr sz="1200" kern="1200">
+        <a:solidFill>
+          <a:schemeClr val="tx1"/>
+        </a:solidFill>
+        <a:latin typeface="+mn-lt"/>
+        <a:ea typeface="+mn-ea"/>
+        <a:cs typeface="+mn-cs"/>
+      </a:defRPr>
+    </a:lvl6pPr>
+    <a:lvl7pPr marL="2743200" algn="l" defTabSz="914400" rtl="0" eaLnBrk="1" latinLnBrk="0" hangingPunct="1">
+      <a:defRPr sz="1200" kern="1200">
+        <a:solidFill>
+          <a:schemeClr val="tx1"/>
+        </a:solidFill>
+        <a:latin typeface="+mn-lt"/>
+        <a:ea typeface="+mn-ea"/>
+        <a:cs typeface="+mn-cs"/>
+      </a:defRPr>
+    </a:lvl7pPr>
+    <a:lvl8pPr marL="3200400" algn="l" defTabSz="914400" rtl="0" eaLnBrk="1" latinLnBrk="0" hangingPunct="1">
+      <a:defRPr sz="1200" kern="1200">
+        <a:solidFill>
+          <a:schemeClr val="tx1"/>
+        </a:solidFill>
+        <a:latin typeface="+mn-lt"/>
+        <a:ea typeface="+mn-ea"/>
+        <a:cs typeface="+mn-cs"/>
+      </a:defRPr>
+    </a:lvl8pPr>
+    <a:lvl9pPr marL="3657600" algn="l" defTabSz="914400" rtl="0" eaLnBrk="1" latinLnBrk="0" hangingPunct="1">
+      <a:defRPr sz="1200" kern="1200">
+        <a:solidFill>
+          <a:schemeClr val="tx1"/>
+        </a:solidFill>
+        <a:latin typeface="+mn-lt"/>
+        <a:ea typeface="+mn-ea"/>
+        <a:cs typeface="+mn-cs"/>
+      </a:defRPr>
+    </a:lvl9pPr>
+  </p:notesStyle>
+</p:notesMaster>
+</file>
+
+<file path=ppt/notesSlides/notesSlide1.xml><?xml version="1.0" encoding="utf-8"?>
+<p:notes xmlns:a="http://schemas.openxmlformats.org/drawingml/2006/main" xmlns:r="http://schemas.openxmlformats.org/officeDocument/2006/relationships" xmlns:p="http://schemas.openxmlformats.org/presentationml/2006/main">
+  <p:cSld>
+    <p:spTree>
+      <p:nvGrpSpPr>
+        <p:cNvPr id="1" name=""/>
+        <p:cNvGrpSpPr/>
+        <p:nvPr/>
+      </p:nvGrpSpPr>
+      <p:grpSpPr>
+        <a:xfrm>
+          <a:off x="0" y="0"/>
+          <a:ext cx="0" cy="0"/>
+          <a:chOff x="0" y="0"/>
+          <a:chExt cx="0" cy="0"/>
+        </a:xfrm>
+      </p:grpSpPr>
+      <p:sp>
+        <p:nvSpPr>
+          <p:cNvPr id="2" name="Slide Image Placeholder 1"/>
+          <p:cNvSpPr>
+            <a:spLocks noGrp="1" noRot="1" noChangeAspect="1"/>
+          </p:cNvSpPr>
+          <p:nvPr>
+            <p:ph type="sldImg"/>
+          </p:nvPr>
+        </p:nvSpPr>
+        <p:spPr/>
+      </p:sp>
+      <p:sp>
+        <p:nvSpPr>
+          <p:cNvPr id="3" name="Notes Placeholder 2"/>
+          <p:cNvSpPr>
+            <a:spLocks noGrp="1"/>
+          </p:cNvSpPr>
+          <p:nvPr>
+            <p:ph type="body" idx="1"/>
+          </p:nvPr>
+        </p:nvSpPr>
+        <p:spPr/>
+        <p:txBody>
+          <a:bodyPr/>
+          <a:lstStyle/>
+          <a:p>
+            <a:endParaRPr lang="en-US" dirty="0"/>
+          </a:p>
+        </p:txBody>
+      </p:sp>
+      <p:sp>
+        <p:nvSpPr>
+          <p:cNvPr id="4" name="Slide Number Placeholder 3"/>
+          <p:cNvSpPr>
+            <a:spLocks noGrp="1"/>
+          </p:cNvSpPr>
+          <p:nvPr>
+            <p:ph type="sldNum" sz="quarter" idx="5"/>
+          </p:nvPr>
+        </p:nvSpPr>
+        <p:spPr/>
+        <p:txBody>
+          <a:bodyPr/>
+          <a:lstStyle/>
+          <a:p>
+            <a:fld id="{E5BB9F9F-20DC-964E-9CCF-43C4D42868DF}" type="slidenum">
+              <a:rPr lang="en-US" smtClean="0"/>
+              <a:t>7</a:t>
+            </a:fld>
+            <a:endParaRPr lang="en-US"/>
+          </a:p>
+        </p:txBody>
+      </p:sp>
+    </p:spTree>
+    <p:extLst>
+      <p:ext uri="{BB962C8B-B14F-4D97-AF65-F5344CB8AC3E}">
+        <p14:creationId xmlns:p14="http://schemas.microsoft.com/office/powerpoint/2010/main" val="1275388580"/>
+      </p:ext>
+    </p:extLst>
+  </p:cSld>
+  <p:clrMapOvr>
+    <a:masterClrMapping/>
+  </p:clrMapOvr>
+</p:notes>
 </file>
 
 <file path=ppt/slideLayouts/slideLayout1.xml><?xml version="1.0" encoding="utf-8"?>
@@ -31423,7 +31860,7 @@
                   <a:avLst/>
                 </a:prstGeom>
                 <a:blipFill>
-                  <a:blip r:embed="rId2"/>
+                  <a:blip r:embed="rId3"/>
                   <a:stretch>
                     <a:fillRect/>
                   </a:stretch>
@@ -31872,7 +32309,7 @@
                     <a:avLst/>
                   </a:prstGeom>
                   <a:blipFill>
-                    <a:blip r:embed="rId3"/>
+                    <a:blip r:embed="rId4"/>
                     <a:stretch>
                       <a:fillRect/>
                     </a:stretch>
@@ -32036,7 +32473,7 @@
                     <a:avLst/>
                   </a:prstGeom>
                   <a:blipFill>
-                    <a:blip r:embed="rId4"/>
+                    <a:blip r:embed="rId5"/>
                     <a:stretch>
                       <a:fillRect/>
                     </a:stretch>
@@ -32200,7 +32637,7 @@
                     <a:avLst/>
                   </a:prstGeom>
                   <a:blipFill>
-                    <a:blip r:embed="rId5"/>
+                    <a:blip r:embed="rId6"/>
                     <a:stretch>
                       <a:fillRect/>
                     </a:stretch>
@@ -32364,7 +32801,7 @@
                     <a:avLst/>
                   </a:prstGeom>
                   <a:blipFill>
-                    <a:blip r:embed="rId6"/>
+                    <a:blip r:embed="rId7"/>
                     <a:stretch>
                       <a:fillRect/>
                     </a:stretch>
@@ -32528,7 +32965,7 @@
                     <a:avLst/>
                   </a:prstGeom>
                   <a:blipFill>
-                    <a:blip r:embed="rId7"/>
+                    <a:blip r:embed="rId8"/>
                     <a:stretch>
                       <a:fillRect/>
                     </a:stretch>
@@ -32694,7 +33131,7 @@
                     <a:avLst/>
                   </a:prstGeom>
                   <a:blipFill>
-                    <a:blip r:embed="rId8"/>
+                    <a:blip r:embed="rId9"/>
                     <a:stretch>
                       <a:fillRect/>
                     </a:stretch>
@@ -32858,7 +33295,7 @@
                     <a:avLst/>
                   </a:prstGeom>
                   <a:blipFill>
-                    <a:blip r:embed="rId9"/>
+                    <a:blip r:embed="rId10"/>
                     <a:stretch>
                       <a:fillRect/>
                     </a:stretch>
@@ -33022,7 +33459,7 @@
                     <a:avLst/>
                   </a:prstGeom>
                   <a:blipFill>
-                    <a:blip r:embed="rId10"/>
+                    <a:blip r:embed="rId11"/>
                     <a:stretch>
                       <a:fillRect/>
                     </a:stretch>
@@ -33188,7 +33625,7 @@
                     <a:avLst/>
                   </a:prstGeom>
                   <a:blipFill>
-                    <a:blip r:embed="rId11"/>
+                    <a:blip r:embed="rId12"/>
                     <a:stretch>
                       <a:fillRect/>
                     </a:stretch>
@@ -34825,7 +35262,7 @@
                   <a:avLst/>
                 </a:prstGeom>
                 <a:blipFill>
-                  <a:blip r:embed="rId12"/>
+                  <a:blip r:embed="rId13"/>
                   <a:stretch>
                     <a:fillRect/>
                   </a:stretch>
@@ -34939,7 +35376,7 @@
                   <a:avLst/>
                 </a:prstGeom>
                 <a:blipFill>
-                  <a:blip r:embed="rId13"/>
+                  <a:blip r:embed="rId14"/>
                   <a:stretch>
                     <a:fillRect/>
                   </a:stretch>
@@ -35053,7 +35490,7 @@
                   <a:avLst/>
                 </a:prstGeom>
                 <a:blipFill>
-                  <a:blip r:embed="rId14"/>
+                  <a:blip r:embed="rId15"/>
                   <a:stretch>
                     <a:fillRect/>
                   </a:stretch>
@@ -35705,7 +36142,7 @@
                   <a:avLst/>
                 </a:prstGeom>
                 <a:blipFill>
-                  <a:blip r:embed="rId15"/>
+                  <a:blip r:embed="rId16"/>
                   <a:stretch>
                     <a:fillRect/>
                   </a:stretch>
@@ -35825,7 +36262,7 @@
                   <a:avLst/>
                 </a:prstGeom>
                 <a:blipFill>
-                  <a:blip r:embed="rId16"/>
+                  <a:blip r:embed="rId17"/>
                   <a:stretch>
                     <a:fillRect/>
                   </a:stretch>
@@ -36059,7 +36496,7 @@
                   <a:avLst/>
                 </a:prstGeom>
                 <a:blipFill>
-                  <a:blip r:embed="rId17"/>
+                  <a:blip r:embed="rId18"/>
                   <a:stretch>
                     <a:fillRect/>
                   </a:stretch>
@@ -36225,7 +36662,7 @@
                   <a:avLst/>
                 </a:prstGeom>
                 <a:blipFill>
-                  <a:blip r:embed="rId18"/>
+                  <a:blip r:embed="rId19"/>
                   <a:stretch>
                     <a:fillRect/>
                   </a:stretch>
@@ -36389,7 +36826,7 @@
                   <a:avLst/>
                 </a:prstGeom>
                 <a:blipFill>
-                  <a:blip r:embed="rId19"/>
+                  <a:blip r:embed="rId20"/>
                   <a:stretch>
                     <a:fillRect/>
                   </a:stretch>
@@ -36553,7 +36990,7 @@
                   <a:avLst/>
                 </a:prstGeom>
                 <a:blipFill>
-                  <a:blip r:embed="rId20"/>
+                  <a:blip r:embed="rId21"/>
                   <a:stretch>
                     <a:fillRect/>
                   </a:stretch>
@@ -36577,10 +37014,10 @@
       </p:grpSp>
       <p:grpSp>
         <p:nvGrpSpPr>
-          <p:cNvPr id="178" name="Group 177">
+          <p:cNvPr id="278" name="Group 277">
             <a:extLst>
               <a:ext uri="{FF2B5EF4-FFF2-40B4-BE49-F238E27FC236}">
-                <a16:creationId xmlns:a16="http://schemas.microsoft.com/office/drawing/2014/main" id="{E5506564-05AF-9C4E-8854-3B134E64B337}"/>
+                <a16:creationId xmlns:a16="http://schemas.microsoft.com/office/drawing/2014/main" id="{5768B6DE-FC5E-124C-A765-E7F5C23456A7}"/>
               </a:ext>
             </a:extLst>
           </p:cNvPr>
@@ -36591,10 +37028,64 @@
           <a:xfrm>
             <a:off x="6366022" y="1589880"/>
             <a:ext cx="4788169" cy="3096473"/>
-            <a:chOff x="994216" y="1624060"/>
+            <a:chOff x="6366022" y="1589880"/>
             <a:chExt cx="4788169" cy="3096473"/>
           </a:xfrm>
         </p:grpSpPr>
+        <p:sp>
+          <p:nvSpPr>
+            <p:cNvPr id="182" name="Rounded Rectangle 181">
+              <a:extLst>
+                <a:ext uri="{FF2B5EF4-FFF2-40B4-BE49-F238E27FC236}">
+                  <a16:creationId xmlns:a16="http://schemas.microsoft.com/office/drawing/2014/main" id="{4442AA02-0DE1-4B4D-B6C6-8BC4F023C259}"/>
+                </a:ext>
+              </a:extLst>
+            </p:cNvPr>
+            <p:cNvSpPr/>
+            <p:nvPr/>
+          </p:nvSpPr>
+          <p:spPr>
+            <a:xfrm>
+              <a:off x="6899351" y="2521784"/>
+              <a:ext cx="785497" cy="1880624"/>
+            </a:xfrm>
+            <a:prstGeom prst="roundRect">
+              <a:avLst/>
+            </a:prstGeom>
+            <a:solidFill>
+              <a:schemeClr val="accent1">
+                <a:alpha val="17000"/>
+              </a:schemeClr>
+            </a:solidFill>
+            <a:ln w="6350">
+              <a:prstDash val="dash"/>
+            </a:ln>
+          </p:spPr>
+          <p:style>
+            <a:lnRef idx="2">
+              <a:schemeClr val="accent1">
+                <a:shade val="50000"/>
+              </a:schemeClr>
+            </a:lnRef>
+            <a:fillRef idx="1">
+              <a:schemeClr val="accent1"/>
+            </a:fillRef>
+            <a:effectRef idx="0">
+              <a:schemeClr val="accent1"/>
+            </a:effectRef>
+            <a:fontRef idx="minor">
+              <a:schemeClr val="lt1"/>
+            </a:fontRef>
+          </p:style>
+          <p:txBody>
+            <a:bodyPr rtlCol="0" anchor="ctr"/>
+            <a:lstStyle/>
+            <a:p>
+              <a:pPr algn="ctr"/>
+              <a:endParaRPr lang="en-US"/>
+            </a:p>
+          </p:txBody>
+        </p:sp>
         <mc:AlternateContent xmlns:mc="http://schemas.openxmlformats.org/markup-compatibility/2006">
           <mc:Choice xmlns:a14="http://schemas.microsoft.com/office/drawing/2010/main" Requires="a14">
             <p:sp>
@@ -36611,7 +37102,7 @@
               </p:nvSpPr>
               <p:spPr>
                 <a:xfrm>
-                  <a:off x="5036509" y="1624060"/>
+                  <a:off x="10408315" y="1589880"/>
                   <a:ext cx="348749" cy="261610"/>
                 </a:xfrm>
                 <a:prstGeom prst="rect">
@@ -36681,14 +37172,14 @@
               </p:nvSpPr>
               <p:spPr>
                 <a:xfrm>
-                  <a:off x="5036509" y="1624060"/>
+                  <a:off x="10408315" y="1589880"/>
                   <a:ext cx="348749" cy="261610"/>
                 </a:xfrm>
                 <a:prstGeom prst="rect">
                   <a:avLst/>
                 </a:prstGeom>
                 <a:blipFill>
-                  <a:blip r:embed="rId21"/>
+                  <a:blip r:embed="rId22"/>
                   <a:stretch>
                     <a:fillRect/>
                   </a:stretch>
@@ -36723,7 +37214,7 @@
           </p:nvSpPr>
           <p:spPr>
             <a:xfrm>
-              <a:off x="1529163" y="4474312"/>
+              <a:off x="6900969" y="4440132"/>
               <a:ext cx="785497" cy="246221"/>
             </a:xfrm>
             <a:prstGeom prst="rect">
@@ -36758,7 +37249,7 @@
           </p:nvSpPr>
           <p:spPr>
             <a:xfrm>
-              <a:off x="2590003" y="4471324"/>
+              <a:off x="7961809" y="4437144"/>
               <a:ext cx="785497" cy="246221"/>
             </a:xfrm>
             <a:prstGeom prst="rect">
@@ -36779,222 +37270,6 @@
             </a:p>
           </p:txBody>
         </p:sp>
-        <p:sp>
-          <p:nvSpPr>
-            <p:cNvPr id="182" name="Rounded Rectangle 181">
-              <a:extLst>
-                <a:ext uri="{FF2B5EF4-FFF2-40B4-BE49-F238E27FC236}">
-                  <a16:creationId xmlns:a16="http://schemas.microsoft.com/office/drawing/2014/main" id="{4442AA02-0DE1-4B4D-B6C6-8BC4F023C259}"/>
-                </a:ext>
-              </a:extLst>
-            </p:cNvPr>
-            <p:cNvSpPr/>
-            <p:nvPr/>
-          </p:nvSpPr>
-          <p:spPr>
-            <a:xfrm>
-              <a:off x="1549248" y="2593405"/>
-              <a:ext cx="785497" cy="1880624"/>
-            </a:xfrm>
-            <a:prstGeom prst="roundRect">
-              <a:avLst/>
-            </a:prstGeom>
-            <a:solidFill>
-              <a:schemeClr val="accent1">
-                <a:alpha val="17000"/>
-              </a:schemeClr>
-            </a:solidFill>
-            <a:ln w="6350">
-              <a:prstDash val="dash"/>
-            </a:ln>
-          </p:spPr>
-          <p:style>
-            <a:lnRef idx="2">
-              <a:schemeClr val="accent1">
-                <a:shade val="50000"/>
-              </a:schemeClr>
-            </a:lnRef>
-            <a:fillRef idx="1">
-              <a:schemeClr val="accent1"/>
-            </a:fillRef>
-            <a:effectRef idx="0">
-              <a:schemeClr val="accent1"/>
-            </a:effectRef>
-            <a:fontRef idx="minor">
-              <a:schemeClr val="lt1"/>
-            </a:fontRef>
-          </p:style>
-          <p:txBody>
-            <a:bodyPr rtlCol="0" anchor="ctr"/>
-            <a:lstStyle/>
-            <a:p>
-              <a:pPr algn="ctr"/>
-              <a:endParaRPr lang="en-US"/>
-            </a:p>
-          </p:txBody>
-        </p:sp>
-        <p:sp>
-          <p:nvSpPr>
-            <p:cNvPr id="183" name="Rounded Rectangle 182">
-              <a:extLst>
-                <a:ext uri="{FF2B5EF4-FFF2-40B4-BE49-F238E27FC236}">
-                  <a16:creationId xmlns:a16="http://schemas.microsoft.com/office/drawing/2014/main" id="{C8C506E5-38F6-284A-A3D4-B19BF94774E3}"/>
-                </a:ext>
-              </a:extLst>
-            </p:cNvPr>
-            <p:cNvSpPr/>
-            <p:nvPr/>
-          </p:nvSpPr>
-          <p:spPr>
-            <a:xfrm>
-              <a:off x="2421615" y="2421360"/>
-              <a:ext cx="1169429" cy="2052669"/>
-            </a:xfrm>
-            <a:prstGeom prst="roundRect">
-              <a:avLst/>
-            </a:prstGeom>
-            <a:solidFill>
-              <a:srgbClr val="FF0000">
-                <a:alpha val="16000"/>
-              </a:srgbClr>
-            </a:solidFill>
-            <a:ln w="6350">
-              <a:prstDash val="dash"/>
-            </a:ln>
-          </p:spPr>
-          <p:style>
-            <a:lnRef idx="2">
-              <a:schemeClr val="accent1">
-                <a:shade val="50000"/>
-              </a:schemeClr>
-            </a:lnRef>
-            <a:fillRef idx="1">
-              <a:schemeClr val="accent1"/>
-            </a:fillRef>
-            <a:effectRef idx="0">
-              <a:schemeClr val="accent1"/>
-            </a:effectRef>
-            <a:fontRef idx="minor">
-              <a:schemeClr val="lt1"/>
-            </a:fontRef>
-          </p:style>
-          <p:txBody>
-            <a:bodyPr rtlCol="0" anchor="ctr"/>
-            <a:lstStyle/>
-            <a:p>
-              <a:pPr algn="ctr"/>
-              <a:endParaRPr lang="en-US"/>
-            </a:p>
-          </p:txBody>
-        </p:sp>
-        <p:sp>
-          <p:nvSpPr>
-            <p:cNvPr id="184" name="Rounded Rectangle 183">
-              <a:extLst>
-                <a:ext uri="{FF2B5EF4-FFF2-40B4-BE49-F238E27FC236}">
-                  <a16:creationId xmlns:a16="http://schemas.microsoft.com/office/drawing/2014/main" id="{9D7BD44F-EF98-394C-8918-863DC1277AB9}"/>
-                </a:ext>
-              </a:extLst>
-            </p:cNvPr>
-            <p:cNvSpPr/>
-            <p:nvPr/>
-          </p:nvSpPr>
-          <p:spPr>
-            <a:xfrm>
-              <a:off x="3775166" y="2031559"/>
-              <a:ext cx="1239924" cy="2105695"/>
-            </a:xfrm>
-            <a:prstGeom prst="roundRect">
-              <a:avLst/>
-            </a:prstGeom>
-            <a:solidFill>
-              <a:schemeClr val="accent6">
-                <a:alpha val="19000"/>
-              </a:schemeClr>
-            </a:solidFill>
-            <a:ln w="6350">
-              <a:prstDash val="dash"/>
-            </a:ln>
-          </p:spPr>
-          <p:style>
-            <a:lnRef idx="2">
-              <a:schemeClr val="accent1">
-                <a:shade val="50000"/>
-              </a:schemeClr>
-            </a:lnRef>
-            <a:fillRef idx="1">
-              <a:schemeClr val="accent1"/>
-            </a:fillRef>
-            <a:effectRef idx="0">
-              <a:schemeClr val="accent1"/>
-            </a:effectRef>
-            <a:fontRef idx="minor">
-              <a:schemeClr val="lt1"/>
-            </a:fontRef>
-          </p:style>
-          <p:txBody>
-            <a:bodyPr rtlCol="0" anchor="ctr"/>
-            <a:lstStyle/>
-            <a:p>
-              <a:pPr algn="ctr"/>
-              <a:endParaRPr lang="en-US"/>
-            </a:p>
-          </p:txBody>
-        </p:sp>
-        <p:sp>
-          <p:nvSpPr>
-            <p:cNvPr id="185" name="Rounded Rectangle 184">
-              <a:extLst>
-                <a:ext uri="{FF2B5EF4-FFF2-40B4-BE49-F238E27FC236}">
-                  <a16:creationId xmlns:a16="http://schemas.microsoft.com/office/drawing/2014/main" id="{73C2FADB-0514-1146-AD6D-E6D027A15FA6}"/>
-                </a:ext>
-              </a:extLst>
-            </p:cNvPr>
-            <p:cNvSpPr/>
-            <p:nvPr/>
-          </p:nvSpPr>
-          <p:spPr>
-            <a:xfrm>
-              <a:off x="1652513" y="1995342"/>
-              <a:ext cx="2004059" cy="382363"/>
-            </a:xfrm>
-            <a:prstGeom prst="roundRect">
-              <a:avLst/>
-            </a:prstGeom>
-            <a:solidFill>
-              <a:schemeClr val="bg2">
-                <a:alpha val="19000"/>
-              </a:schemeClr>
-            </a:solidFill>
-            <a:ln w="6350">
-              <a:prstDash val="dash"/>
-            </a:ln>
-          </p:spPr>
-          <p:style>
-            <a:lnRef idx="2">
-              <a:schemeClr val="accent1">
-                <a:shade val="50000"/>
-              </a:schemeClr>
-            </a:lnRef>
-            <a:fillRef idx="1">
-              <a:schemeClr val="accent1"/>
-            </a:fillRef>
-            <a:effectRef idx="0">
-              <a:schemeClr val="accent1"/>
-            </a:effectRef>
-            <a:fontRef idx="minor">
-              <a:schemeClr val="lt1"/>
-            </a:fontRef>
-          </p:style>
-          <p:txBody>
-            <a:bodyPr rtlCol="0" anchor="ctr"/>
-            <a:lstStyle/>
-            <a:p>
-              <a:pPr algn="ctr"/>
-              <a:endParaRPr lang="en-US"/>
-            </a:p>
-          </p:txBody>
-        </p:sp>
         <p:grpSp>
           <p:nvGrpSpPr>
             <p:cNvPr id="186" name="Group 185">
@@ -37009,7 +37284,7 @@
           </p:nvGrpSpPr>
           <p:grpSpPr>
             <a:xfrm>
-              <a:off x="1813932" y="2031559"/>
+              <a:off x="7185738" y="1997379"/>
               <a:ext cx="317715" cy="301255"/>
               <a:chOff x="1701234" y="2146852"/>
               <a:chExt cx="317715" cy="301255"/>
@@ -37137,7 +37412,7 @@
                     <a:avLst/>
                   </a:prstGeom>
                   <a:blipFill>
-                    <a:blip r:embed="rId19"/>
+                    <a:blip r:embed="rId20"/>
                     <a:stretch>
                       <a:fillRect/>
                     </a:stretch>
@@ -37159,170 +37434,154 @@
             </mc:Fallback>
           </mc:AlternateContent>
         </p:grpSp>
-        <p:grpSp>
-          <p:nvGrpSpPr>
-            <p:cNvPr id="187" name="Group 186">
+        <p:sp>
+          <p:nvSpPr>
+            <p:cNvPr id="266" name="Rectangle 265">
               <a:extLst>
                 <a:ext uri="{FF2B5EF4-FFF2-40B4-BE49-F238E27FC236}">
-                  <a16:creationId xmlns:a16="http://schemas.microsoft.com/office/drawing/2014/main" id="{1511B834-B8CB-3340-A58C-2CAE52141BB6}"/>
+                  <a16:creationId xmlns:a16="http://schemas.microsoft.com/office/drawing/2014/main" id="{137B9D69-6D1A-8048-8D77-F71D037EF60F}"/>
                 </a:ext>
               </a:extLst>
             </p:cNvPr>
-            <p:cNvGrpSpPr/>
+            <p:cNvSpPr/>
             <p:nvPr/>
-          </p:nvGrpSpPr>
-          <p:grpSpPr>
+          </p:nvSpPr>
+          <p:spPr>
             <a:xfrm>
-              <a:off x="1794273" y="3118296"/>
+              <a:off x="7166079" y="3084116"/>
               <a:ext cx="372806" cy="301255"/>
-              <a:chOff x="1794273" y="3118296"/>
-              <a:chExt cx="372806" cy="301255"/>
             </a:xfrm>
-          </p:grpSpPr>
-          <p:sp>
-            <p:nvSpPr>
-              <p:cNvPr id="266" name="Rectangle 265">
-                <a:extLst>
-                  <a:ext uri="{FF2B5EF4-FFF2-40B4-BE49-F238E27FC236}">
-                    <a16:creationId xmlns:a16="http://schemas.microsoft.com/office/drawing/2014/main" id="{137B9D69-6D1A-8048-8D77-F71D037EF60F}"/>
-                  </a:ext>
-                </a:extLst>
-              </p:cNvPr>
-              <p:cNvSpPr/>
-              <p:nvPr/>
-            </p:nvSpPr>
-            <p:spPr>
-              <a:xfrm>
-                <a:off x="1794273" y="3118296"/>
-                <a:ext cx="372806" cy="301255"/>
-              </a:xfrm>
-              <a:prstGeom prst="rect">
-                <a:avLst/>
-              </a:prstGeom>
-              <a:noFill/>
-            </p:spPr>
-            <p:style>
-              <a:lnRef idx="2">
-                <a:schemeClr val="accent1">
-                  <a:shade val="50000"/>
-                </a:schemeClr>
-              </a:lnRef>
-              <a:fillRef idx="1">
-                <a:schemeClr val="accent1"/>
-              </a:fillRef>
-              <a:effectRef idx="0">
-                <a:schemeClr val="accent1"/>
-              </a:effectRef>
-              <a:fontRef idx="minor">
-                <a:schemeClr val="lt1"/>
-              </a:fontRef>
-            </p:style>
-            <p:txBody>
-              <a:bodyPr rtlCol="0" anchor="ctr"/>
-              <a:lstStyle/>
-              <a:p>
-                <a:pPr algn="ctr"/>
-                <a:endParaRPr lang="en-US"/>
-              </a:p>
-            </p:txBody>
-          </p:sp>
-          <mc:AlternateContent xmlns:mc="http://schemas.openxmlformats.org/markup-compatibility/2006">
-            <mc:Choice xmlns:a14="http://schemas.microsoft.com/office/drawing/2010/main" Requires="a14">
-              <p:sp>
-                <p:nvSpPr>
-                  <p:cNvPr id="267" name="TextBox 266">
-                    <a:extLst>
-                      <a:ext uri="{FF2B5EF4-FFF2-40B4-BE49-F238E27FC236}">
-                        <a16:creationId xmlns:a16="http://schemas.microsoft.com/office/drawing/2014/main" id="{95FFA1AF-68C4-1943-BD70-58FDF802890D}"/>
-                      </a:ext>
-                    </a:extLst>
-                  </p:cNvPr>
-                  <p:cNvSpPr txBox="1"/>
-                  <p:nvPr/>
-                </p:nvSpPr>
-                <p:spPr>
-                  <a:xfrm>
-                    <a:off x="1829705" y="3118296"/>
-                    <a:ext cx="301942" cy="261610"/>
-                  </a:xfrm>
-                  <a:prstGeom prst="rect">
-                    <a:avLst/>
-                  </a:prstGeom>
-                  <a:noFill/>
-                </p:spPr>
-                <p:txBody>
-                  <a:bodyPr wrap="none" rtlCol="0">
-                    <a:spAutoFit/>
-                  </a:bodyPr>
-                  <a:lstStyle/>
-                  <a:p>
-                    <a14:m>
-                      <m:oMathPara xmlns:m="http://schemas.openxmlformats.org/officeDocument/2006/math">
-                        <m:oMathParaPr>
-                          <m:jc m:val="centerGroup"/>
-                        </m:oMathParaPr>
-                        <m:oMath xmlns:m="http://schemas.openxmlformats.org/officeDocument/2006/math">
-                          <m:r>
-                            <a:rPr lang="en-US" sz="1100" i="1" smtClean="0">
-                              <a:latin typeface="Cambria Math" panose="02040503050406030204" pitchFamily="18" charset="0"/>
-                              <a:ea typeface="Cambria Math" panose="02040503050406030204" pitchFamily="18" charset="0"/>
-                            </a:rPr>
-                            <m:t>𝜎</m:t>
-                          </m:r>
-                        </m:oMath>
-                      </m:oMathPara>
-                    </a14:m>
-                    <a:endParaRPr lang="en-US" sz="1100" dirty="0"/>
-                  </a:p>
-                </p:txBody>
-              </p:sp>
-            </mc:Choice>
-            <mc:Fallback>
-              <p:sp>
-                <p:nvSpPr>
-                  <p:cNvPr id="267" name="TextBox 266">
-                    <a:extLst>
-                      <a:ext uri="{FF2B5EF4-FFF2-40B4-BE49-F238E27FC236}">
-                        <a16:creationId xmlns:a16="http://schemas.microsoft.com/office/drawing/2014/main" id="{95FFA1AF-68C4-1943-BD70-58FDF802890D}"/>
-                      </a:ext>
-                    </a:extLst>
-                  </p:cNvPr>
-                  <p:cNvSpPr txBox="1">
-                    <a:spLocks noRot="1" noChangeAspect="1" noMove="1" noResize="1" noEditPoints="1" noAdjustHandles="1" noChangeArrowheads="1" noChangeShapeType="1" noTextEdit="1"/>
-                  </p:cNvSpPr>
-                  <p:nvPr/>
-                </p:nvSpPr>
-                <p:spPr>
-                  <a:xfrm>
-                    <a:off x="1829705" y="3118296"/>
-                    <a:ext cx="301942" cy="261610"/>
-                  </a:xfrm>
-                  <a:prstGeom prst="rect">
-                    <a:avLst/>
-                  </a:prstGeom>
-                  <a:blipFill>
-                    <a:blip r:embed="rId22"/>
-                    <a:stretch>
-                      <a:fillRect/>
-                    </a:stretch>
-                  </a:blipFill>
-                </p:spPr>
-                <p:txBody>
-                  <a:bodyPr/>
-                  <a:lstStyle/>
-                  <a:p>
-                    <a:r>
-                      <a:rPr lang="en-US">
-                        <a:noFill/>
-                      </a:rPr>
-                      <a:t> </a:t>
-                    </a:r>
-                  </a:p>
-                </p:txBody>
-              </p:sp>
-            </mc:Fallback>
-          </mc:AlternateContent>
-        </p:grpSp>
+            <a:prstGeom prst="rect">
+              <a:avLst/>
+            </a:prstGeom>
+            <a:noFill/>
+            <a:ln w="15875">
+              <a:solidFill>
+                <a:srgbClr val="FF0000"/>
+              </a:solidFill>
+            </a:ln>
+          </p:spPr>
+          <p:style>
+            <a:lnRef idx="2">
+              <a:schemeClr val="accent1">
+                <a:shade val="50000"/>
+              </a:schemeClr>
+            </a:lnRef>
+            <a:fillRef idx="1">
+              <a:schemeClr val="accent1"/>
+            </a:fillRef>
+            <a:effectRef idx="0">
+              <a:schemeClr val="accent1"/>
+            </a:effectRef>
+            <a:fontRef idx="minor">
+              <a:schemeClr val="lt1"/>
+            </a:fontRef>
+          </p:style>
+          <p:txBody>
+            <a:bodyPr rtlCol="0" anchor="ctr"/>
+            <a:lstStyle/>
+            <a:p>
+              <a:pPr algn="ctr"/>
+              <a:endParaRPr lang="en-US"/>
+            </a:p>
+          </p:txBody>
+        </p:sp>
+        <mc:AlternateContent xmlns:mc="http://schemas.openxmlformats.org/markup-compatibility/2006">
+          <mc:Choice xmlns:a14="http://schemas.microsoft.com/office/drawing/2010/main" Requires="a14">
+            <p:sp>
+              <p:nvSpPr>
+                <p:cNvPr id="267" name="TextBox 266">
+                  <a:extLst>
+                    <a:ext uri="{FF2B5EF4-FFF2-40B4-BE49-F238E27FC236}">
+                      <a16:creationId xmlns:a16="http://schemas.microsoft.com/office/drawing/2014/main" id="{95FFA1AF-68C4-1943-BD70-58FDF802890D}"/>
+                    </a:ext>
+                  </a:extLst>
+                </p:cNvPr>
+                <p:cNvSpPr txBox="1"/>
+                <p:nvPr/>
+              </p:nvSpPr>
+              <p:spPr>
+                <a:xfrm>
+                  <a:off x="7201511" y="3084116"/>
+                  <a:ext cx="301942" cy="261610"/>
+                </a:xfrm>
+                <a:prstGeom prst="rect">
+                  <a:avLst/>
+                </a:prstGeom>
+                <a:noFill/>
+              </p:spPr>
+              <p:txBody>
+                <a:bodyPr wrap="none" rtlCol="0">
+                  <a:spAutoFit/>
+                </a:bodyPr>
+                <a:lstStyle/>
+                <a:p>
+                  <a14:m>
+                    <m:oMathPara xmlns:m="http://schemas.openxmlformats.org/officeDocument/2006/math">
+                      <m:oMathParaPr>
+                        <m:jc m:val="centerGroup"/>
+                      </m:oMathParaPr>
+                      <m:oMath xmlns:m="http://schemas.openxmlformats.org/officeDocument/2006/math">
+                        <m:r>
+                          <a:rPr lang="en-US" sz="1100" i="1" smtClean="0">
+                            <a:latin typeface="Cambria Math" panose="02040503050406030204" pitchFamily="18" charset="0"/>
+                            <a:ea typeface="Cambria Math" panose="02040503050406030204" pitchFamily="18" charset="0"/>
+                          </a:rPr>
+                          <m:t>𝜎</m:t>
+                        </m:r>
+                      </m:oMath>
+                    </m:oMathPara>
+                  </a14:m>
+                  <a:endParaRPr lang="en-US" sz="1100" dirty="0"/>
+                </a:p>
+              </p:txBody>
+            </p:sp>
+          </mc:Choice>
+          <mc:Fallback>
+            <p:sp>
+              <p:nvSpPr>
+                <p:cNvPr id="267" name="TextBox 266">
+                  <a:extLst>
+                    <a:ext uri="{FF2B5EF4-FFF2-40B4-BE49-F238E27FC236}">
+                      <a16:creationId xmlns:a16="http://schemas.microsoft.com/office/drawing/2014/main" id="{95FFA1AF-68C4-1943-BD70-58FDF802890D}"/>
+                    </a:ext>
+                  </a:extLst>
+                </p:cNvPr>
+                <p:cNvSpPr txBox="1">
+                  <a:spLocks noRot="1" noChangeAspect="1" noMove="1" noResize="1" noEditPoints="1" noAdjustHandles="1" noChangeArrowheads="1" noChangeShapeType="1" noTextEdit="1"/>
+                </p:cNvSpPr>
+                <p:nvPr/>
+              </p:nvSpPr>
+              <p:spPr>
+                <a:xfrm>
+                  <a:off x="7201511" y="3084116"/>
+                  <a:ext cx="301942" cy="261610"/>
+                </a:xfrm>
+                <a:prstGeom prst="rect">
+                  <a:avLst/>
+                </a:prstGeom>
+                <a:blipFill>
+                  <a:blip r:embed="rId23"/>
+                  <a:stretch>
+                    <a:fillRect/>
+                  </a:stretch>
+                </a:blipFill>
+              </p:spPr>
+              <p:txBody>
+                <a:bodyPr/>
+                <a:lstStyle/>
+                <a:p>
+                  <a:r>
+                    <a:rPr lang="en-US">
+                      <a:noFill/>
+                    </a:rPr>
+                    <a:t> </a:t>
+                  </a:r>
+                </a:p>
+              </p:txBody>
+            </p:sp>
+          </mc:Fallback>
+        </mc:AlternateContent>
         <p:grpSp>
           <p:nvGrpSpPr>
             <p:cNvPr id="188" name="Group 187">
@@ -37337,7 +37596,7 @@
           </p:nvGrpSpPr>
           <p:grpSpPr>
             <a:xfrm>
-              <a:off x="2478222" y="3113291"/>
+              <a:off x="7850028" y="3079111"/>
               <a:ext cx="372806" cy="301255"/>
               <a:chOff x="1794273" y="3118296"/>
               <a:chExt cx="372806" cy="301255"/>
@@ -37465,7 +37724,7 @@
                     <a:avLst/>
                   </a:prstGeom>
                   <a:blipFill>
-                    <a:blip r:embed="rId23"/>
+                    <a:blip r:embed="rId24"/>
                     <a:stretch>
                       <a:fillRect/>
                     </a:stretch>
@@ -37501,7 +37760,7 @@
           </p:nvGrpSpPr>
           <p:grpSpPr>
             <a:xfrm>
-              <a:off x="3197603" y="2031559"/>
+              <a:off x="8569409" y="1997379"/>
               <a:ext cx="322524" cy="301255"/>
               <a:chOff x="1701234" y="2146852"/>
               <a:chExt cx="322524" cy="301255"/>
@@ -37629,7 +37888,7 @@
                     <a:avLst/>
                   </a:prstGeom>
                   <a:blipFill>
-                    <a:blip r:embed="rId24"/>
+                    <a:blip r:embed="rId25"/>
                     <a:stretch>
                       <a:fillRect/>
                     </a:stretch>
@@ -37665,7 +37924,7 @@
           </p:nvGrpSpPr>
           <p:grpSpPr>
             <a:xfrm>
-              <a:off x="3202412" y="2490084"/>
+              <a:off x="8574218" y="2455904"/>
               <a:ext cx="317715" cy="301255"/>
               <a:chOff x="1701234" y="2146852"/>
               <a:chExt cx="317715" cy="301255"/>
@@ -37793,7 +38052,7 @@
                     <a:avLst/>
                   </a:prstGeom>
                   <a:blipFill>
-                    <a:blip r:embed="rId25"/>
+                    <a:blip r:embed="rId26"/>
                     <a:stretch>
                       <a:fillRect/>
                     </a:stretch>
@@ -37829,7 +38088,7 @@
           </p:nvGrpSpPr>
           <p:grpSpPr>
             <a:xfrm>
-              <a:off x="3100204" y="3127745"/>
+              <a:off x="8472010" y="3093565"/>
               <a:ext cx="490840" cy="301255"/>
               <a:chOff x="1724419" y="3118296"/>
               <a:chExt cx="490840" cy="301255"/>
@@ -37959,7 +38218,7 @@
                     <a:avLst/>
                   </a:prstGeom>
                   <a:blipFill>
-                    <a:blip r:embed="rId8"/>
+                    <a:blip r:embed="rId9"/>
                     <a:stretch>
                       <a:fillRect/>
                     </a:stretch>
@@ -37995,7 +38254,7 @@
           </p:nvGrpSpPr>
           <p:grpSpPr>
             <a:xfrm>
-              <a:off x="3898632" y="3730489"/>
+              <a:off x="9270438" y="3696309"/>
               <a:ext cx="372806" cy="301255"/>
               <a:chOff x="1794273" y="3118296"/>
               <a:chExt cx="372806" cy="301255"/>
@@ -38123,7 +38382,7 @@
                     <a:avLst/>
                   </a:prstGeom>
                   <a:blipFill>
-                    <a:blip r:embed="rId26"/>
+                    <a:blip r:embed="rId27"/>
                     <a:stretch>
                       <a:fillRect/>
                     </a:stretch>
@@ -38159,7 +38418,7 @@
           </p:nvGrpSpPr>
           <p:grpSpPr>
             <a:xfrm>
-              <a:off x="4554032" y="3735411"/>
+              <a:off x="9925838" y="3701231"/>
               <a:ext cx="317715" cy="301255"/>
               <a:chOff x="1701234" y="2146852"/>
               <a:chExt cx="317715" cy="301255"/>
@@ -38287,7 +38546,7 @@
                     <a:avLst/>
                   </a:prstGeom>
                   <a:blipFill>
-                    <a:blip r:embed="rId10"/>
+                    <a:blip r:embed="rId11"/>
                     <a:stretch>
                       <a:fillRect/>
                     </a:stretch>
@@ -38323,7 +38582,7 @@
           </p:nvGrpSpPr>
           <p:grpSpPr>
             <a:xfrm>
-              <a:off x="4443188" y="2490084"/>
+              <a:off x="9814994" y="2455904"/>
               <a:ext cx="490840" cy="301255"/>
               <a:chOff x="1724419" y="3118296"/>
               <a:chExt cx="490840" cy="301255"/>
@@ -38453,7 +38712,7 @@
                     <a:avLst/>
                   </a:prstGeom>
                   <a:blipFill>
-                    <a:blip r:embed="rId27"/>
+                    <a:blip r:embed="rId28"/>
                     <a:stretch>
                       <a:fillRect/>
                     </a:stretch>
@@ -38492,13 +38751,16 @@
           </p:nvCxnSpPr>
           <p:spPr>
             <a:xfrm flipH="1" flipV="1">
-              <a:off x="1972790" y="2332814"/>
+              <a:off x="7344596" y="2298634"/>
               <a:ext cx="7886" cy="785482"/>
             </a:xfrm>
             <a:prstGeom prst="straightConnector1">
               <a:avLst/>
             </a:prstGeom>
-            <a:ln>
+            <a:ln w="12700">
+              <a:solidFill>
+                <a:srgbClr val="FF0000"/>
+              </a:solidFill>
               <a:tailEnd type="triangle"/>
             </a:ln>
           </p:spPr>
@@ -38533,7 +38795,7 @@
           </p:nvCxnSpPr>
           <p:spPr>
             <a:xfrm>
-              <a:off x="1491095" y="2182186"/>
+              <a:off x="6862901" y="2148006"/>
               <a:ext cx="322837" cy="0"/>
             </a:xfrm>
             <a:prstGeom prst="straightConnector1">
@@ -38576,7 +38838,7 @@
           </p:nvCxnSpPr>
           <p:spPr>
             <a:xfrm>
-              <a:off x="2131647" y="2182186"/>
+              <a:off x="7503453" y="2148006"/>
               <a:ext cx="1065956" cy="0"/>
             </a:xfrm>
             <a:prstGeom prst="straightConnector1">
@@ -38619,7 +38881,7 @@
           </p:nvCxnSpPr>
           <p:spPr>
             <a:xfrm flipH="1" flipV="1">
-              <a:off x="3356461" y="2332814"/>
+              <a:off x="8728267" y="2298634"/>
               <a:ext cx="4809" cy="177092"/>
             </a:xfrm>
             <a:prstGeom prst="straightConnector1">
@@ -38662,7 +38924,7 @@
           </p:nvCxnSpPr>
           <p:spPr>
             <a:xfrm>
-              <a:off x="4271438" y="3881117"/>
+              <a:off x="9643244" y="3846937"/>
               <a:ext cx="282594" cy="4921"/>
             </a:xfrm>
             <a:prstGeom prst="straightConnector1">
@@ -38701,7 +38963,7 @@
           </p:nvGrpSpPr>
           <p:grpSpPr>
             <a:xfrm rot="21317275">
-              <a:off x="1942910" y="3809293"/>
+              <a:off x="7314716" y="3775113"/>
               <a:ext cx="107365" cy="145213"/>
               <a:chOff x="2601257" y="4031743"/>
               <a:chExt cx="192526" cy="192527"/>
@@ -38810,7 +39072,7 @@
           </p:nvGrpSpPr>
           <p:grpSpPr>
             <a:xfrm rot="21317275">
-              <a:off x="2628947" y="3815250"/>
+              <a:off x="8000753" y="3781070"/>
               <a:ext cx="107365" cy="145213"/>
               <a:chOff x="2601257" y="4031743"/>
               <a:chExt cx="192526" cy="192527"/>
@@ -38919,7 +39181,7 @@
           </p:nvGrpSpPr>
           <p:grpSpPr>
             <a:xfrm rot="21317275">
-              <a:off x="3314388" y="3808509"/>
+              <a:off x="8686194" y="3774329"/>
               <a:ext cx="107365" cy="145213"/>
               <a:chOff x="2601257" y="4031743"/>
               <a:chExt cx="192526" cy="192527"/>
@@ -39032,7 +39294,7 @@
           </p:nvCxnSpPr>
           <p:spPr>
             <a:xfrm>
-              <a:off x="2041069" y="3878234"/>
+              <a:off x="7412875" y="3844054"/>
               <a:ext cx="587353" cy="5469"/>
             </a:xfrm>
             <a:prstGeom prst="line">
@@ -39071,7 +39333,7 @@
           </p:nvCxnSpPr>
           <p:spPr>
             <a:xfrm flipV="1">
-              <a:off x="2727106" y="3879157"/>
+              <a:off x="8098912" y="3844977"/>
               <a:ext cx="581498" cy="5034"/>
             </a:xfrm>
             <a:prstGeom prst="line">
@@ -39110,7 +39372,7 @@
           </p:nvCxnSpPr>
           <p:spPr>
             <a:xfrm>
-              <a:off x="3414512" y="3879157"/>
+              <a:off x="8786318" y="3844977"/>
               <a:ext cx="484120" cy="1960"/>
             </a:xfrm>
             <a:prstGeom prst="line">
@@ -39152,7 +39414,7 @@
           </p:nvCxnSpPr>
           <p:spPr>
             <a:xfrm>
-              <a:off x="1368132" y="3879157"/>
+              <a:off x="6739938" y="3844977"/>
               <a:ext cx="576227" cy="1707"/>
             </a:xfrm>
             <a:prstGeom prst="line">
@@ -39192,13 +39454,16 @@
           </p:nvCxnSpPr>
           <p:spPr>
             <a:xfrm flipH="1">
-              <a:off x="1979478" y="3419551"/>
+              <a:off x="7351284" y="3385371"/>
               <a:ext cx="1198" cy="643187"/>
             </a:xfrm>
             <a:prstGeom prst="line">
               <a:avLst/>
             </a:prstGeom>
-            <a:ln>
+            <a:ln w="12700">
+              <a:solidFill>
+                <a:srgbClr val="FF0000"/>
+              </a:solidFill>
               <a:headEnd type="triangle"/>
             </a:ln>
           </p:spPr>
@@ -39235,7 +39500,7 @@
           </p:nvCxnSpPr>
           <p:spPr>
             <a:xfrm>
-              <a:off x="2664625" y="3414546"/>
+              <a:off x="8036431" y="3380366"/>
               <a:ext cx="4285" cy="658249"/>
             </a:xfrm>
             <a:prstGeom prst="line">
@@ -39276,7 +39541,7 @@
           </p:nvCxnSpPr>
           <p:spPr>
             <a:xfrm flipH="1">
-              <a:off x="3352136" y="3429000"/>
+              <a:off x="8723942" y="3394820"/>
               <a:ext cx="3653" cy="651267"/>
             </a:xfrm>
             <a:prstGeom prst="line">
@@ -39315,12 +39580,17 @@
           </p:nvSpPr>
           <p:spPr>
             <a:xfrm rot="4952950">
-              <a:off x="1583143" y="3486157"/>
+              <a:off x="6954949" y="3451977"/>
               <a:ext cx="402220" cy="386322"/>
             </a:xfrm>
             <a:prstGeom prst="arc">
               <a:avLst/>
             </a:prstGeom>
+            <a:ln w="12700">
+              <a:solidFill>
+                <a:srgbClr val="FF0000"/>
+              </a:solidFill>
+            </a:ln>
           </p:spPr>
           <p:style>
             <a:lnRef idx="1">
@@ -39359,7 +39629,7 @@
           </p:nvSpPr>
           <p:spPr>
             <a:xfrm rot="4952950">
-              <a:off x="2271098" y="3488635"/>
+              <a:off x="7642904" y="3454455"/>
               <a:ext cx="402220" cy="386322"/>
             </a:xfrm>
             <a:prstGeom prst="arc">
@@ -39403,7 +39673,7 @@
           </p:nvSpPr>
           <p:spPr>
             <a:xfrm rot="4952950">
-              <a:off x="2961216" y="3486159"/>
+              <a:off x="8333022" y="3451979"/>
               <a:ext cx="402220" cy="386322"/>
             </a:xfrm>
             <a:prstGeom prst="arc">
@@ -39449,7 +39719,7 @@
           </p:nvCxnSpPr>
           <p:spPr>
             <a:xfrm flipV="1">
-              <a:off x="3365377" y="2783075"/>
+              <a:off x="8737183" y="2748895"/>
               <a:ext cx="0" cy="344670"/>
             </a:xfrm>
             <a:prstGeom prst="straightConnector1">
@@ -39491,7 +39761,7 @@
           </p:nvCxnSpPr>
           <p:spPr>
             <a:xfrm flipV="1">
-              <a:off x="2664625" y="2640711"/>
+              <a:off x="8036431" y="2606531"/>
               <a:ext cx="0" cy="472580"/>
             </a:xfrm>
             <a:prstGeom prst="line">
@@ -39530,7 +39800,7 @@
           </p:nvCxnSpPr>
           <p:spPr>
             <a:xfrm>
-              <a:off x="2664625" y="2640711"/>
+              <a:off x="8036431" y="2606531"/>
               <a:ext cx="537787" cy="0"/>
             </a:xfrm>
             <a:prstGeom prst="straightConnector1">
@@ -39571,7 +39841,7 @@
           </p:nvCxnSpPr>
           <p:spPr>
             <a:xfrm>
-              <a:off x="3502177" y="2182313"/>
+              <a:off x="8873983" y="2148133"/>
               <a:ext cx="1984223" cy="0"/>
             </a:xfrm>
             <a:prstGeom prst="straightConnector1">
@@ -39610,7 +39880,7 @@
           </p:nvSpPr>
           <p:spPr>
             <a:xfrm rot="21190350">
-              <a:off x="4294206" y="2184544"/>
+              <a:off x="9666012" y="2150364"/>
               <a:ext cx="402220" cy="386322"/>
             </a:xfrm>
             <a:prstGeom prst="arc">
@@ -39656,7 +39926,7 @@
           </p:nvCxnSpPr>
           <p:spPr>
             <a:xfrm>
-              <a:off x="4697256" y="2342725"/>
+              <a:off x="10069062" y="2308545"/>
               <a:ext cx="0" cy="157270"/>
             </a:xfrm>
             <a:prstGeom prst="straightConnector1">
@@ -39699,7 +39969,7 @@
           </p:nvCxnSpPr>
           <p:spPr>
             <a:xfrm>
-              <a:off x="4699445" y="2791339"/>
+              <a:off x="10071251" y="2757159"/>
               <a:ext cx="13445" cy="944072"/>
             </a:xfrm>
             <a:prstGeom prst="straightConnector1">
@@ -39740,7 +40010,7 @@
           </p:nvCxnSpPr>
           <p:spPr>
             <a:xfrm>
-              <a:off x="4871747" y="3886038"/>
+              <a:off x="10243553" y="3851858"/>
               <a:ext cx="614653" cy="0"/>
             </a:xfrm>
             <a:prstGeom prst="straightConnector1">
@@ -39779,7 +40049,7 @@
           </p:nvSpPr>
           <p:spPr>
             <a:xfrm rot="4952950">
-              <a:off x="4813980" y="3491279"/>
+              <a:off x="10185786" y="3457099"/>
               <a:ext cx="402220" cy="386322"/>
             </a:xfrm>
             <a:prstGeom prst="arc">
@@ -39823,7 +40093,7 @@
           </p:nvGrpSpPr>
           <p:grpSpPr>
             <a:xfrm rot="5013920">
-              <a:off x="5151097" y="2109579"/>
+              <a:off x="10522903" y="2075399"/>
               <a:ext cx="107365" cy="145213"/>
               <a:chOff x="2601257" y="4031743"/>
               <a:chExt cx="192526" cy="192527"/>
@@ -39934,7 +40204,7 @@
           </p:nvCxnSpPr>
           <p:spPr>
             <a:xfrm flipH="1" flipV="1">
-              <a:off x="5209780" y="2226531"/>
+              <a:off x="10581586" y="2192351"/>
               <a:ext cx="3537" cy="1452787"/>
             </a:xfrm>
             <a:prstGeom prst="line">
@@ -39972,7 +40242,7 @@
           </p:nvCxnSpPr>
           <p:spPr>
             <a:xfrm flipV="1">
-              <a:off x="5207301" y="1862807"/>
+              <a:off x="10579107" y="1828627"/>
               <a:ext cx="4247" cy="265071"/>
             </a:xfrm>
             <a:prstGeom prst="straightConnector1">
@@ -40013,7 +40283,7 @@
               </p:nvSpPr>
               <p:spPr>
                 <a:xfrm>
-                  <a:off x="5440968" y="1997073"/>
+                  <a:off x="10812774" y="1962893"/>
                   <a:ext cx="330860" cy="261610"/>
                 </a:xfrm>
                 <a:prstGeom prst="rect">
@@ -40083,14 +40353,14 @@
               </p:nvSpPr>
               <p:spPr>
                 <a:xfrm>
-                  <a:off x="5440968" y="1997073"/>
+                  <a:off x="10812774" y="1962893"/>
                   <a:ext cx="330860" cy="261610"/>
                 </a:xfrm>
                 <a:prstGeom prst="rect">
                   <a:avLst/>
                 </a:prstGeom>
                 <a:blipFill>
-                  <a:blip r:embed="rId12"/>
+                  <a:blip r:embed="rId13"/>
                   <a:stretch>
                     <a:fillRect/>
                   </a:stretch>
@@ -40127,7 +40397,7 @@
               </p:nvSpPr>
               <p:spPr>
                 <a:xfrm>
-                  <a:off x="5433636" y="3741747"/>
+                  <a:off x="10805442" y="3707567"/>
                   <a:ext cx="348749" cy="261610"/>
                 </a:xfrm>
                 <a:prstGeom prst="rect">
@@ -40197,14 +40467,14 @@
               </p:nvSpPr>
               <p:spPr>
                 <a:xfrm>
-                  <a:off x="5433636" y="3741747"/>
+                  <a:off x="10805442" y="3707567"/>
                   <a:ext cx="348749" cy="261610"/>
                 </a:xfrm>
                 <a:prstGeom prst="rect">
                   <a:avLst/>
                 </a:prstGeom>
                 <a:blipFill>
-                  <a:blip r:embed="rId28"/>
+                  <a:blip r:embed="rId29"/>
                   <a:stretch>
                     <a:fillRect/>
                   </a:stretch>
@@ -40241,7 +40511,7 @@
               </p:nvSpPr>
               <p:spPr>
                 <a:xfrm>
-                  <a:off x="1205051" y="4137254"/>
+                  <a:off x="6576857" y="4103074"/>
                   <a:ext cx="344197" cy="261610"/>
                 </a:xfrm>
                 <a:prstGeom prst="rect">
@@ -40311,14 +40581,14 @@
               </p:nvSpPr>
               <p:spPr>
                 <a:xfrm>
-                  <a:off x="1205051" y="4137254"/>
+                  <a:off x="6576857" y="4103074"/>
                   <a:ext cx="344197" cy="261610"/>
                 </a:xfrm>
                 <a:prstGeom prst="rect">
                   <a:avLst/>
                 </a:prstGeom>
                 <a:blipFill>
-                  <a:blip r:embed="rId29"/>
+                  <a:blip r:embed="rId30"/>
                   <a:stretch>
                     <a:fillRect/>
                   </a:stretch>
@@ -40353,7 +40623,7 @@
           </p:nvSpPr>
           <p:spPr>
             <a:xfrm rot="16200000">
-              <a:off x="3517430" y="3887106"/>
+              <a:off x="8889236" y="3852926"/>
               <a:ext cx="402220" cy="386322"/>
             </a:xfrm>
             <a:prstGeom prst="arc">
@@ -40397,7 +40667,7 @@
           </p:nvSpPr>
           <p:spPr>
             <a:xfrm rot="5080787">
-              <a:off x="3133151" y="3880927"/>
+              <a:off x="8504957" y="3846747"/>
               <a:ext cx="402220" cy="386322"/>
             </a:xfrm>
             <a:prstGeom prst="arc">
@@ -40441,7 +40711,7 @@
           </p:nvSpPr>
           <p:spPr>
             <a:xfrm rot="5080787">
-              <a:off x="2960088" y="3894524"/>
+              <a:off x="8331894" y="3860344"/>
               <a:ext cx="402220" cy="386322"/>
             </a:xfrm>
             <a:prstGeom prst="arc">
@@ -40485,7 +40755,7 @@
           </p:nvSpPr>
           <p:spPr>
             <a:xfrm rot="5080787">
-              <a:off x="2275471" y="3897544"/>
+              <a:off x="7647277" y="3863364"/>
               <a:ext cx="402220" cy="386322"/>
             </a:xfrm>
             <a:prstGeom prst="arc">
@@ -40529,12 +40799,17 @@
           </p:nvSpPr>
           <p:spPr>
             <a:xfrm rot="5080787">
-              <a:off x="1586039" y="3887487"/>
+              <a:off x="6957845" y="3853307"/>
               <a:ext cx="402220" cy="386322"/>
             </a:xfrm>
             <a:prstGeom prst="arc">
               <a:avLst/>
             </a:prstGeom>
+            <a:ln w="12700">
+              <a:solidFill>
+                <a:srgbClr val="FF0000"/>
+              </a:solidFill>
+            </a:ln>
           </p:spPr>
           <p:style>
             <a:lnRef idx="1">
@@ -40573,7 +40848,7 @@
           </p:nvCxnSpPr>
           <p:spPr>
             <a:xfrm flipH="1">
-              <a:off x="1491095" y="4281377"/>
+              <a:off x="6862901" y="4247197"/>
               <a:ext cx="1861041" cy="0"/>
             </a:xfrm>
             <a:prstGeom prst="line">
@@ -40609,12 +40884,20 @@
           </p:nvSpPr>
           <p:spPr>
             <a:xfrm rot="16200000" flipH="1" flipV="1">
-              <a:off x="1721918" y="4247665"/>
+              <a:off x="7093724" y="4213485"/>
               <a:ext cx="77286" cy="67423"/>
             </a:xfrm>
             <a:prstGeom prst="triangle">
               <a:avLst/>
             </a:prstGeom>
+            <a:solidFill>
+              <a:srgbClr val="FF0000"/>
+            </a:solidFill>
+            <a:ln>
+              <a:solidFill>
+                <a:srgbClr val="FF0000"/>
+              </a:solidFill>
+            </a:ln>
           </p:spPr>
           <p:style>
             <a:lnRef idx="2">
@@ -40655,7 +40938,7 @@
           </p:nvSpPr>
           <p:spPr>
             <a:xfrm rot="16200000" flipH="1" flipV="1">
-              <a:off x="2430813" y="4247665"/>
+              <a:off x="7802619" y="4213485"/>
               <a:ext cx="77286" cy="67423"/>
             </a:xfrm>
             <a:prstGeom prst="triangle">
@@ -40701,7 +40984,7 @@
           </p:nvSpPr>
           <p:spPr>
             <a:xfrm rot="16200000" flipH="1" flipV="1">
-              <a:off x="3127607" y="4247665"/>
+              <a:off x="8499413" y="4213485"/>
               <a:ext cx="77286" cy="67423"/>
             </a:xfrm>
             <a:prstGeom prst="triangle">
@@ -40747,12 +41030,20 @@
           </p:nvSpPr>
           <p:spPr>
             <a:xfrm rot="16200000" flipH="1" flipV="1">
-              <a:off x="1739762" y="3848077"/>
+              <a:off x="7111568" y="3813897"/>
               <a:ext cx="77286" cy="67423"/>
             </a:xfrm>
             <a:prstGeom prst="triangle">
               <a:avLst/>
             </a:prstGeom>
+            <a:solidFill>
+              <a:srgbClr val="FF0000"/>
+            </a:solidFill>
+            <a:ln>
+              <a:solidFill>
+                <a:srgbClr val="FF0000"/>
+              </a:solidFill>
+            </a:ln>
           </p:spPr>
           <p:style>
             <a:lnRef idx="2">
@@ -40793,7 +41084,7 @@
           </p:nvSpPr>
           <p:spPr>
             <a:xfrm rot="16200000" flipH="1" flipV="1">
-              <a:off x="2434726" y="3848078"/>
+              <a:off x="7806532" y="3813898"/>
               <a:ext cx="77286" cy="67423"/>
             </a:xfrm>
             <a:prstGeom prst="triangle">
@@ -40839,7 +41130,7 @@
           </p:nvSpPr>
           <p:spPr>
             <a:xfrm rot="16200000" flipH="1" flipV="1">
-              <a:off x="3116731" y="3850480"/>
+              <a:off x="8488537" y="3816300"/>
               <a:ext cx="77286" cy="67423"/>
             </a:xfrm>
             <a:prstGeom prst="triangle">
@@ -40887,7 +41178,7 @@
               </p:nvSpPr>
               <p:spPr>
                 <a:xfrm>
-                  <a:off x="1115196" y="2031844"/>
+                  <a:off x="6487002" y="1997664"/>
                   <a:ext cx="465512" cy="261610"/>
                 </a:xfrm>
                 <a:prstGeom prst="rect">
@@ -40963,14 +41254,14 @@
               </p:nvSpPr>
               <p:spPr>
                 <a:xfrm>
-                  <a:off x="1115196" y="2031844"/>
+                  <a:off x="6487002" y="1997664"/>
                   <a:ext cx="465512" cy="261610"/>
                 </a:xfrm>
                 <a:prstGeom prst="rect">
                   <a:avLst/>
                 </a:prstGeom>
                 <a:blipFill>
-                  <a:blip r:embed="rId30"/>
+                  <a:blip r:embed="rId31"/>
                   <a:stretch>
                     <a:fillRect/>
                   </a:stretch>
@@ -41007,7 +41298,7 @@
               </p:nvSpPr>
               <p:spPr>
                 <a:xfrm>
-                  <a:off x="994216" y="3694547"/>
+                  <a:off x="6366022" y="3660367"/>
                   <a:ext cx="483402" cy="261610"/>
                 </a:xfrm>
                 <a:prstGeom prst="rect">
@@ -41083,14 +41374,14 @@
               </p:nvSpPr>
               <p:spPr>
                 <a:xfrm>
-                  <a:off x="994216" y="3694547"/>
+                  <a:off x="6366022" y="3660367"/>
                   <a:ext cx="483402" cy="261610"/>
                 </a:xfrm>
                 <a:prstGeom prst="rect">
                   <a:avLst/>
                 </a:prstGeom>
                 <a:blipFill>
-                  <a:blip r:embed="rId31"/>
+                  <a:blip r:embed="rId32"/>
                   <a:stretch>
                     <a:fillRect/>
                   </a:stretch>
@@ -41125,7 +41416,7 @@
           </p:nvSpPr>
           <p:spPr>
             <a:xfrm>
-              <a:off x="4021754" y="4158265"/>
+              <a:off x="9393560" y="4124085"/>
               <a:ext cx="864094" cy="246221"/>
             </a:xfrm>
             <a:prstGeom prst="rect">
@@ -41160,7 +41451,7 @@
           </p:nvSpPr>
           <p:spPr>
             <a:xfrm>
-              <a:off x="2232578" y="1751826"/>
+              <a:off x="7604384" y="1717646"/>
               <a:ext cx="673915" cy="246221"/>
             </a:xfrm>
             <a:prstGeom prst="rect">
@@ -41181,11 +41472,4697 @@
             </a:p>
           </p:txBody>
         </p:sp>
+        <p:cxnSp>
+          <p:nvCxnSpPr>
+            <p:cNvPr id="271" name="Straight Connector 270">
+              <a:extLst>
+                <a:ext uri="{FF2B5EF4-FFF2-40B4-BE49-F238E27FC236}">
+                  <a16:creationId xmlns:a16="http://schemas.microsoft.com/office/drawing/2014/main" id="{C0E458AE-276D-044F-B2B6-CB0082A478C8}"/>
+                </a:ext>
+              </a:extLst>
+            </p:cNvPr>
+            <p:cNvCxnSpPr>
+              <a:cxnSpLocks/>
+            </p:cNvCxnSpPr>
+            <p:nvPr/>
+          </p:nvCxnSpPr>
+          <p:spPr>
+            <a:xfrm>
+              <a:off x="6731605" y="3845222"/>
+              <a:ext cx="378897" cy="0"/>
+            </a:xfrm>
+            <a:prstGeom prst="line">
+              <a:avLst/>
+            </a:prstGeom>
+            <a:ln w="12700">
+              <a:solidFill>
+                <a:srgbClr val="FF0000"/>
+              </a:solidFill>
+            </a:ln>
+          </p:spPr>
+          <p:style>
+            <a:lnRef idx="1">
+              <a:schemeClr val="accent1"/>
+            </a:lnRef>
+            <a:fillRef idx="0">
+              <a:schemeClr val="accent1"/>
+            </a:fillRef>
+            <a:effectRef idx="0">
+              <a:schemeClr val="accent1"/>
+            </a:effectRef>
+            <a:fontRef idx="minor">
+              <a:schemeClr val="tx1"/>
+            </a:fontRef>
+          </p:style>
+        </p:cxnSp>
+        <p:cxnSp>
+          <p:nvCxnSpPr>
+            <p:cNvPr id="275" name="Straight Connector 274">
+              <a:extLst>
+                <a:ext uri="{FF2B5EF4-FFF2-40B4-BE49-F238E27FC236}">
+                  <a16:creationId xmlns:a16="http://schemas.microsoft.com/office/drawing/2014/main" id="{E07B3E3A-BA36-8548-9C77-089D7A71E28C}"/>
+                </a:ext>
+              </a:extLst>
+            </p:cNvPr>
+            <p:cNvCxnSpPr>
+              <a:cxnSpLocks/>
+            </p:cNvCxnSpPr>
+            <p:nvPr/>
+          </p:nvCxnSpPr>
+          <p:spPr>
+            <a:xfrm>
+              <a:off x="6826039" y="4247195"/>
+              <a:ext cx="272616" cy="0"/>
+            </a:xfrm>
+            <a:prstGeom prst="line">
+              <a:avLst/>
+            </a:prstGeom>
+            <a:ln w="12700">
+              <a:solidFill>
+                <a:srgbClr val="FF0000"/>
+              </a:solidFill>
+            </a:ln>
+          </p:spPr>
+          <p:style>
+            <a:lnRef idx="1">
+              <a:schemeClr val="accent1"/>
+            </a:lnRef>
+            <a:fillRef idx="0">
+              <a:schemeClr val="accent1"/>
+            </a:fillRef>
+            <a:effectRef idx="0">
+              <a:schemeClr val="accent1"/>
+            </a:effectRef>
+            <a:fontRef idx="minor">
+              <a:schemeClr val="tx1"/>
+            </a:fontRef>
+          </p:style>
+        </p:cxnSp>
       </p:grpSp>
     </p:spTree>
     <p:extLst>
       <p:ext uri="{BB962C8B-B14F-4D97-AF65-F5344CB8AC3E}">
         <p14:creationId xmlns:p14="http://schemas.microsoft.com/office/powerpoint/2010/main" val="4088485601"/>
+      </p:ext>
+    </p:extLst>
+  </p:cSld>
+  <p:clrMapOvr>
+    <a:masterClrMapping/>
+  </p:clrMapOvr>
+</p:sld>
+</file>
+
+<file path=ppt/slides/slide8.xml><?xml version="1.0" encoding="utf-8"?>
+<p:sld xmlns:a="http://schemas.openxmlformats.org/drawingml/2006/main" xmlns:r="http://schemas.openxmlformats.org/officeDocument/2006/relationships" xmlns:p="http://schemas.openxmlformats.org/presentationml/2006/main">
+  <p:cSld>
+    <p:spTree>
+      <p:nvGrpSpPr>
+        <p:cNvPr id="1" name=""/>
+        <p:cNvGrpSpPr/>
+        <p:nvPr/>
+      </p:nvGrpSpPr>
+      <p:grpSpPr>
+        <a:xfrm>
+          <a:off x="0" y="0"/>
+          <a:ext cx="0" cy="0"/>
+          <a:chOff x="0" y="0"/>
+          <a:chExt cx="0" cy="0"/>
+        </a:xfrm>
+      </p:grpSpPr>
+      <mc:AlternateContent xmlns:mc="http://schemas.openxmlformats.org/markup-compatibility/2006">
+        <mc:Choice xmlns:a14="http://schemas.microsoft.com/office/drawing/2010/main" Requires="a14">
+          <p:sp>
+            <p:nvSpPr>
+              <p:cNvPr id="3" name="TextBox 2">
+                <a:extLst>
+                  <a:ext uri="{FF2B5EF4-FFF2-40B4-BE49-F238E27FC236}">
+                    <a16:creationId xmlns:a16="http://schemas.microsoft.com/office/drawing/2014/main" id="{00F25878-0A7C-ED4A-A6A5-98D99F4EE447}"/>
+                  </a:ext>
+                </a:extLst>
+              </p:cNvPr>
+              <p:cNvSpPr txBox="1"/>
+              <p:nvPr/>
+            </p:nvSpPr>
+            <p:spPr>
+              <a:xfrm>
+                <a:off x="5036509" y="1624060"/>
+                <a:ext cx="348749" cy="261610"/>
+              </a:xfrm>
+              <a:prstGeom prst="rect">
+                <a:avLst/>
+              </a:prstGeom>
+              <a:noFill/>
+            </p:spPr>
+            <p:txBody>
+              <a:bodyPr wrap="none" rtlCol="0">
+                <a:spAutoFit/>
+              </a:bodyPr>
+              <a:lstStyle/>
+              <a:p>
+                <a14:m>
+                  <m:oMathPara xmlns:m="http://schemas.openxmlformats.org/officeDocument/2006/math">
+                    <m:oMathParaPr>
+                      <m:jc m:val="centerGroup"/>
+                    </m:oMathParaPr>
+                    <m:oMath xmlns:m="http://schemas.openxmlformats.org/officeDocument/2006/math">
+                      <m:sSub>
+                        <m:sSubPr>
+                          <m:ctrlPr>
+                            <a:rPr lang="en-US" sz="1100" i="1" smtClean="0">
+                              <a:latin typeface="Cambria Math" panose="02040503050406030204" pitchFamily="18" charset="0"/>
+                            </a:rPr>
+                          </m:ctrlPr>
+                        </m:sSubPr>
+                        <m:e>
+                          <m:r>
+                            <a:rPr lang="en-US" sz="1100" b="0" i="1" smtClean="0">
+                              <a:latin typeface="Cambria Math" panose="02040503050406030204" pitchFamily="18" charset="0"/>
+                            </a:rPr>
+                            <m:t>h</m:t>
+                          </m:r>
+                        </m:e>
+                        <m:sub>
+                          <m:r>
+                            <a:rPr lang="en-US" sz="1100" b="0" i="1" smtClean="0">
+                              <a:latin typeface="Cambria Math" panose="02040503050406030204" pitchFamily="18" charset="0"/>
+                            </a:rPr>
+                            <m:t>𝑡</m:t>
+                          </m:r>
+                        </m:sub>
+                      </m:sSub>
+                    </m:oMath>
+                  </m:oMathPara>
+                </a14:m>
+                <a:endParaRPr lang="en-US" sz="1100" dirty="0"/>
+              </a:p>
+            </p:txBody>
+          </p:sp>
+        </mc:Choice>
+        <mc:Fallback>
+          <p:sp>
+            <p:nvSpPr>
+              <p:cNvPr id="3" name="TextBox 2">
+                <a:extLst>
+                  <a:ext uri="{FF2B5EF4-FFF2-40B4-BE49-F238E27FC236}">
+                    <a16:creationId xmlns:a16="http://schemas.microsoft.com/office/drawing/2014/main" id="{00F25878-0A7C-ED4A-A6A5-98D99F4EE447}"/>
+                  </a:ext>
+                </a:extLst>
+              </p:cNvPr>
+              <p:cNvSpPr txBox="1">
+                <a:spLocks noRot="1" noChangeAspect="1" noMove="1" noResize="1" noEditPoints="1" noAdjustHandles="1" noChangeArrowheads="1" noChangeShapeType="1" noTextEdit="1"/>
+              </p:cNvSpPr>
+              <p:nvPr/>
+            </p:nvSpPr>
+            <p:spPr>
+              <a:xfrm>
+                <a:off x="5036509" y="1624060"/>
+                <a:ext cx="348749" cy="261610"/>
+              </a:xfrm>
+              <a:prstGeom prst="rect">
+                <a:avLst/>
+              </a:prstGeom>
+              <a:blipFill>
+                <a:blip r:embed="rId2"/>
+                <a:stretch>
+                  <a:fillRect/>
+                </a:stretch>
+              </a:blipFill>
+            </p:spPr>
+            <p:txBody>
+              <a:bodyPr/>
+              <a:lstStyle/>
+              <a:p>
+                <a:r>
+                  <a:rPr lang="en-US">
+                    <a:noFill/>
+                  </a:rPr>
+                  <a:t> </a:t>
+                </a:r>
+              </a:p>
+            </p:txBody>
+          </p:sp>
+        </mc:Fallback>
+      </mc:AlternateContent>
+      <p:sp>
+        <p:nvSpPr>
+          <p:cNvPr id="4" name="TextBox 3">
+            <a:extLst>
+              <a:ext uri="{FF2B5EF4-FFF2-40B4-BE49-F238E27FC236}">
+                <a16:creationId xmlns:a16="http://schemas.microsoft.com/office/drawing/2014/main" id="{6669FFF1-DF1A-0649-ACD3-50612D58C8FD}"/>
+              </a:ext>
+            </a:extLst>
+          </p:cNvPr>
+          <p:cNvSpPr txBox="1"/>
+          <p:nvPr/>
+        </p:nvSpPr>
+        <p:spPr>
+          <a:xfrm>
+            <a:off x="1529163" y="4474312"/>
+            <a:ext cx="785497" cy="246221"/>
+          </a:xfrm>
+          <a:prstGeom prst="rect">
+            <a:avLst/>
+          </a:prstGeom>
+          <a:noFill/>
+        </p:spPr>
+        <p:txBody>
+          <a:bodyPr wrap="square" rtlCol="0">
+            <a:spAutoFit/>
+          </a:bodyPr>
+          <a:lstStyle/>
+          <a:p>
+            <a:r>
+              <a:rPr lang="en-US" sz="1000" dirty="0"/>
+              <a:t>forget gate</a:t>
+            </a:r>
+          </a:p>
+        </p:txBody>
+      </p:sp>
+      <p:sp>
+        <p:nvSpPr>
+          <p:cNvPr id="5" name="TextBox 4">
+            <a:extLst>
+              <a:ext uri="{FF2B5EF4-FFF2-40B4-BE49-F238E27FC236}">
+                <a16:creationId xmlns:a16="http://schemas.microsoft.com/office/drawing/2014/main" id="{3B75EB60-9D58-B748-BFB3-27CB4ACC704C}"/>
+              </a:ext>
+            </a:extLst>
+          </p:cNvPr>
+          <p:cNvSpPr txBox="1"/>
+          <p:nvPr/>
+        </p:nvSpPr>
+        <p:spPr>
+          <a:xfrm>
+            <a:off x="2590003" y="4471324"/>
+            <a:ext cx="785497" cy="246221"/>
+          </a:xfrm>
+          <a:prstGeom prst="rect">
+            <a:avLst/>
+          </a:prstGeom>
+          <a:noFill/>
+        </p:spPr>
+        <p:txBody>
+          <a:bodyPr wrap="square" rtlCol="0">
+            <a:spAutoFit/>
+          </a:bodyPr>
+          <a:lstStyle/>
+          <a:p>
+            <a:r>
+              <a:rPr lang="en-US" sz="1000" dirty="0"/>
+              <a:t>input gate</a:t>
+            </a:r>
+          </a:p>
+        </p:txBody>
+      </p:sp>
+      <p:sp>
+        <p:nvSpPr>
+          <p:cNvPr id="7" name="Rounded Rectangle 6">
+            <a:extLst>
+              <a:ext uri="{FF2B5EF4-FFF2-40B4-BE49-F238E27FC236}">
+                <a16:creationId xmlns:a16="http://schemas.microsoft.com/office/drawing/2014/main" id="{739A0BD2-5BA4-324B-BF36-255FC36A2332}"/>
+              </a:ext>
+            </a:extLst>
+          </p:cNvPr>
+          <p:cNvSpPr/>
+          <p:nvPr/>
+        </p:nvSpPr>
+        <p:spPr>
+          <a:xfrm>
+            <a:off x="5857474" y="1135670"/>
+            <a:ext cx="1169429" cy="2052669"/>
+          </a:xfrm>
+          <a:prstGeom prst="roundRect">
+            <a:avLst/>
+          </a:prstGeom>
+          <a:solidFill>
+            <a:srgbClr val="FF0000">
+              <a:alpha val="16000"/>
+            </a:srgbClr>
+          </a:solidFill>
+          <a:ln w="6350">
+            <a:prstDash val="dash"/>
+          </a:ln>
+        </p:spPr>
+        <p:style>
+          <a:lnRef idx="2">
+            <a:schemeClr val="accent1">
+              <a:shade val="50000"/>
+            </a:schemeClr>
+          </a:lnRef>
+          <a:fillRef idx="1">
+            <a:schemeClr val="accent1"/>
+          </a:fillRef>
+          <a:effectRef idx="0">
+            <a:schemeClr val="accent1"/>
+          </a:effectRef>
+          <a:fontRef idx="minor">
+            <a:schemeClr val="lt1"/>
+          </a:fontRef>
+        </p:style>
+        <p:txBody>
+          <a:bodyPr rtlCol="0" anchor="ctr"/>
+          <a:lstStyle/>
+          <a:p>
+            <a:pPr algn="ctr"/>
+            <a:endParaRPr lang="en-US"/>
+          </a:p>
+        </p:txBody>
+      </p:sp>
+      <p:grpSp>
+        <p:nvGrpSpPr>
+          <p:cNvPr id="10" name="Group 9">
+            <a:extLst>
+              <a:ext uri="{FF2B5EF4-FFF2-40B4-BE49-F238E27FC236}">
+                <a16:creationId xmlns:a16="http://schemas.microsoft.com/office/drawing/2014/main" id="{030A4B4D-3869-5141-BE33-8B0436214BC8}"/>
+              </a:ext>
+            </a:extLst>
+          </p:cNvPr>
+          <p:cNvGrpSpPr/>
+          <p:nvPr/>
+        </p:nvGrpSpPr>
+        <p:grpSpPr>
+          <a:xfrm>
+            <a:off x="1813932" y="2031559"/>
+            <a:ext cx="317715" cy="301255"/>
+            <a:chOff x="1701234" y="2146852"/>
+            <a:chExt cx="317715" cy="301255"/>
+          </a:xfrm>
+        </p:grpSpPr>
+        <p:sp>
+          <p:nvSpPr>
+            <p:cNvPr id="92" name="Oval 91">
+              <a:extLst>
+                <a:ext uri="{FF2B5EF4-FFF2-40B4-BE49-F238E27FC236}">
+                  <a16:creationId xmlns:a16="http://schemas.microsoft.com/office/drawing/2014/main" id="{82C5658E-C07E-854B-93BB-DB3D4BB76338}"/>
+                </a:ext>
+              </a:extLst>
+            </p:cNvPr>
+            <p:cNvSpPr/>
+            <p:nvPr/>
+          </p:nvSpPr>
+          <p:spPr>
+            <a:xfrm>
+              <a:off x="1716455" y="2146852"/>
+              <a:ext cx="287274" cy="301255"/>
+            </a:xfrm>
+            <a:prstGeom prst="ellipse">
+              <a:avLst/>
+            </a:prstGeom>
+            <a:noFill/>
+          </p:spPr>
+          <p:style>
+            <a:lnRef idx="2">
+              <a:schemeClr val="accent1">
+                <a:shade val="50000"/>
+              </a:schemeClr>
+            </a:lnRef>
+            <a:fillRef idx="1">
+              <a:schemeClr val="accent1"/>
+            </a:fillRef>
+            <a:effectRef idx="0">
+              <a:schemeClr val="accent1"/>
+            </a:effectRef>
+            <a:fontRef idx="minor">
+              <a:schemeClr val="lt1"/>
+            </a:fontRef>
+          </p:style>
+          <p:txBody>
+            <a:bodyPr rtlCol="0" anchor="ctr"/>
+            <a:lstStyle/>
+            <a:p>
+              <a:pPr algn="ctr"/>
+              <a:endParaRPr lang="en-US"/>
+            </a:p>
+          </p:txBody>
+        </p:sp>
+        <mc:AlternateContent xmlns:mc="http://schemas.openxmlformats.org/markup-compatibility/2006">
+          <mc:Choice xmlns:a14="http://schemas.microsoft.com/office/drawing/2010/main" Requires="a14">
+            <p:sp>
+              <p:nvSpPr>
+                <p:cNvPr id="93" name="TextBox 92">
+                  <a:extLst>
+                    <a:ext uri="{FF2B5EF4-FFF2-40B4-BE49-F238E27FC236}">
+                      <a16:creationId xmlns:a16="http://schemas.microsoft.com/office/drawing/2014/main" id="{E78EF14E-0647-7F41-85EB-716616CDB6B4}"/>
+                    </a:ext>
+                  </a:extLst>
+                </p:cNvPr>
+                <p:cNvSpPr txBox="1"/>
+                <p:nvPr/>
+              </p:nvSpPr>
+              <p:spPr>
+                <a:xfrm>
+                  <a:off x="1701234" y="2166674"/>
+                  <a:ext cx="317715" cy="261610"/>
+                </a:xfrm>
+                <a:prstGeom prst="rect">
+                  <a:avLst/>
+                </a:prstGeom>
+                <a:noFill/>
+              </p:spPr>
+              <p:txBody>
+                <a:bodyPr wrap="none" rtlCol="0">
+                  <a:spAutoFit/>
+                </a:bodyPr>
+                <a:lstStyle/>
+                <a:p>
+                  <a14:m>
+                    <m:oMathPara xmlns:m="http://schemas.openxmlformats.org/officeDocument/2006/math">
+                      <m:oMathParaPr>
+                        <m:jc m:val="centerGroup"/>
+                      </m:oMathParaPr>
+                      <m:oMath xmlns:m="http://schemas.openxmlformats.org/officeDocument/2006/math">
+                        <m:r>
+                          <a:rPr lang="en-US" sz="1100" i="1" smtClean="0">
+                            <a:latin typeface="Cambria Math" panose="02040503050406030204" pitchFamily="18" charset="0"/>
+                            <a:ea typeface="Cambria Math" panose="02040503050406030204" pitchFamily="18" charset="0"/>
+                          </a:rPr>
+                          <m:t>×</m:t>
+                        </m:r>
+                      </m:oMath>
+                    </m:oMathPara>
+                  </a14:m>
+                  <a:endParaRPr lang="en-US" sz="1100" dirty="0"/>
+                </a:p>
+              </p:txBody>
+            </p:sp>
+          </mc:Choice>
+          <mc:Fallback>
+            <p:sp>
+              <p:nvSpPr>
+                <p:cNvPr id="93" name="TextBox 92">
+                  <a:extLst>
+                    <a:ext uri="{FF2B5EF4-FFF2-40B4-BE49-F238E27FC236}">
+                      <a16:creationId xmlns:a16="http://schemas.microsoft.com/office/drawing/2014/main" id="{E78EF14E-0647-7F41-85EB-716616CDB6B4}"/>
+                    </a:ext>
+                  </a:extLst>
+                </p:cNvPr>
+                <p:cNvSpPr txBox="1">
+                  <a:spLocks noRot="1" noChangeAspect="1" noMove="1" noResize="1" noEditPoints="1" noAdjustHandles="1" noChangeArrowheads="1" noChangeShapeType="1" noTextEdit="1"/>
+                </p:cNvSpPr>
+                <p:nvPr/>
+              </p:nvSpPr>
+              <p:spPr>
+                <a:xfrm>
+                  <a:off x="1701234" y="2166674"/>
+                  <a:ext cx="317715" cy="261610"/>
+                </a:xfrm>
+                <a:prstGeom prst="rect">
+                  <a:avLst/>
+                </a:prstGeom>
+                <a:blipFill>
+                  <a:blip r:embed="rId3"/>
+                  <a:stretch>
+                    <a:fillRect/>
+                  </a:stretch>
+                </a:blipFill>
+              </p:spPr>
+              <p:txBody>
+                <a:bodyPr/>
+                <a:lstStyle/>
+                <a:p>
+                  <a:r>
+                    <a:rPr lang="en-US">
+                      <a:noFill/>
+                    </a:rPr>
+                    <a:t> </a:t>
+                  </a:r>
+                </a:p>
+              </p:txBody>
+            </p:sp>
+          </mc:Fallback>
+        </mc:AlternateContent>
+      </p:grpSp>
+      <p:grpSp>
+        <p:nvGrpSpPr>
+          <p:cNvPr id="11" name="Group 10">
+            <a:extLst>
+              <a:ext uri="{FF2B5EF4-FFF2-40B4-BE49-F238E27FC236}">
+                <a16:creationId xmlns:a16="http://schemas.microsoft.com/office/drawing/2014/main" id="{B99B162E-3555-254B-A7E4-7E7BE0BEB3A2}"/>
+              </a:ext>
+            </a:extLst>
+          </p:cNvPr>
+          <p:cNvGrpSpPr/>
+          <p:nvPr/>
+        </p:nvGrpSpPr>
+        <p:grpSpPr>
+          <a:xfrm>
+            <a:off x="1794273" y="3118296"/>
+            <a:ext cx="372806" cy="301255"/>
+            <a:chOff x="1794273" y="3118296"/>
+            <a:chExt cx="372806" cy="301255"/>
+          </a:xfrm>
+        </p:grpSpPr>
+        <p:sp>
+          <p:nvSpPr>
+            <p:cNvPr id="90" name="Rectangle 89">
+              <a:extLst>
+                <a:ext uri="{FF2B5EF4-FFF2-40B4-BE49-F238E27FC236}">
+                  <a16:creationId xmlns:a16="http://schemas.microsoft.com/office/drawing/2014/main" id="{A0CCE116-89BA-AA43-B531-36137A34A323}"/>
+                </a:ext>
+              </a:extLst>
+            </p:cNvPr>
+            <p:cNvSpPr/>
+            <p:nvPr/>
+          </p:nvSpPr>
+          <p:spPr>
+            <a:xfrm>
+              <a:off x="1794273" y="3118296"/>
+              <a:ext cx="372806" cy="301255"/>
+            </a:xfrm>
+            <a:prstGeom prst="rect">
+              <a:avLst/>
+            </a:prstGeom>
+            <a:noFill/>
+          </p:spPr>
+          <p:style>
+            <a:lnRef idx="2">
+              <a:schemeClr val="accent1">
+                <a:shade val="50000"/>
+              </a:schemeClr>
+            </a:lnRef>
+            <a:fillRef idx="1">
+              <a:schemeClr val="accent1"/>
+            </a:fillRef>
+            <a:effectRef idx="0">
+              <a:schemeClr val="accent1"/>
+            </a:effectRef>
+            <a:fontRef idx="minor">
+              <a:schemeClr val="lt1"/>
+            </a:fontRef>
+          </p:style>
+          <p:txBody>
+            <a:bodyPr rtlCol="0" anchor="ctr"/>
+            <a:lstStyle/>
+            <a:p>
+              <a:pPr algn="ctr"/>
+              <a:endParaRPr lang="en-US"/>
+            </a:p>
+          </p:txBody>
+        </p:sp>
+        <mc:AlternateContent xmlns:mc="http://schemas.openxmlformats.org/markup-compatibility/2006">
+          <mc:Choice xmlns:a14="http://schemas.microsoft.com/office/drawing/2010/main" Requires="a14">
+            <p:sp>
+              <p:nvSpPr>
+                <p:cNvPr id="91" name="TextBox 90">
+                  <a:extLst>
+                    <a:ext uri="{FF2B5EF4-FFF2-40B4-BE49-F238E27FC236}">
+                      <a16:creationId xmlns:a16="http://schemas.microsoft.com/office/drawing/2014/main" id="{761FAF60-9A86-9942-9121-0699C988682D}"/>
+                    </a:ext>
+                  </a:extLst>
+                </p:cNvPr>
+                <p:cNvSpPr txBox="1"/>
+                <p:nvPr/>
+              </p:nvSpPr>
+              <p:spPr>
+                <a:xfrm>
+                  <a:off x="1829705" y="3118296"/>
+                  <a:ext cx="301942" cy="261610"/>
+                </a:xfrm>
+                <a:prstGeom prst="rect">
+                  <a:avLst/>
+                </a:prstGeom>
+                <a:noFill/>
+              </p:spPr>
+              <p:txBody>
+                <a:bodyPr wrap="none" rtlCol="0">
+                  <a:spAutoFit/>
+                </a:bodyPr>
+                <a:lstStyle/>
+                <a:p>
+                  <a14:m>
+                    <m:oMathPara xmlns:m="http://schemas.openxmlformats.org/officeDocument/2006/math">
+                      <m:oMathParaPr>
+                        <m:jc m:val="centerGroup"/>
+                      </m:oMathParaPr>
+                      <m:oMath xmlns:m="http://schemas.openxmlformats.org/officeDocument/2006/math">
+                        <m:r>
+                          <a:rPr lang="en-US" sz="1100" i="1" smtClean="0">
+                            <a:latin typeface="Cambria Math" panose="02040503050406030204" pitchFamily="18" charset="0"/>
+                            <a:ea typeface="Cambria Math" panose="02040503050406030204" pitchFamily="18" charset="0"/>
+                          </a:rPr>
+                          <m:t>𝜎</m:t>
+                        </m:r>
+                      </m:oMath>
+                    </m:oMathPara>
+                  </a14:m>
+                  <a:endParaRPr lang="en-US" sz="1100" dirty="0"/>
+                </a:p>
+              </p:txBody>
+            </p:sp>
+          </mc:Choice>
+          <mc:Fallback>
+            <p:sp>
+              <p:nvSpPr>
+                <p:cNvPr id="91" name="TextBox 90">
+                  <a:extLst>
+                    <a:ext uri="{FF2B5EF4-FFF2-40B4-BE49-F238E27FC236}">
+                      <a16:creationId xmlns:a16="http://schemas.microsoft.com/office/drawing/2014/main" id="{761FAF60-9A86-9942-9121-0699C988682D}"/>
+                    </a:ext>
+                  </a:extLst>
+                </p:cNvPr>
+                <p:cNvSpPr txBox="1">
+                  <a:spLocks noRot="1" noChangeAspect="1" noMove="1" noResize="1" noEditPoints="1" noAdjustHandles="1" noChangeArrowheads="1" noChangeShapeType="1" noTextEdit="1"/>
+                </p:cNvSpPr>
+                <p:nvPr/>
+              </p:nvSpPr>
+              <p:spPr>
+                <a:xfrm>
+                  <a:off x="1829705" y="3118296"/>
+                  <a:ext cx="301942" cy="261610"/>
+                </a:xfrm>
+                <a:prstGeom prst="rect">
+                  <a:avLst/>
+                </a:prstGeom>
+                <a:blipFill>
+                  <a:blip r:embed="rId4"/>
+                  <a:stretch>
+                    <a:fillRect/>
+                  </a:stretch>
+                </a:blipFill>
+              </p:spPr>
+              <p:txBody>
+                <a:bodyPr/>
+                <a:lstStyle/>
+                <a:p>
+                  <a:r>
+                    <a:rPr lang="en-US">
+                      <a:noFill/>
+                    </a:rPr>
+                    <a:t> </a:t>
+                  </a:r>
+                </a:p>
+              </p:txBody>
+            </p:sp>
+          </mc:Fallback>
+        </mc:AlternateContent>
+      </p:grpSp>
+      <p:grpSp>
+        <p:nvGrpSpPr>
+          <p:cNvPr id="12" name="Group 11">
+            <a:extLst>
+              <a:ext uri="{FF2B5EF4-FFF2-40B4-BE49-F238E27FC236}">
+                <a16:creationId xmlns:a16="http://schemas.microsoft.com/office/drawing/2014/main" id="{49ECC6A8-AFA2-EA47-9910-53AA51966FBF}"/>
+              </a:ext>
+            </a:extLst>
+          </p:cNvPr>
+          <p:cNvGrpSpPr/>
+          <p:nvPr/>
+        </p:nvGrpSpPr>
+        <p:grpSpPr>
+          <a:xfrm>
+            <a:off x="2478222" y="3113291"/>
+            <a:ext cx="372806" cy="301255"/>
+            <a:chOff x="1794273" y="3118296"/>
+            <a:chExt cx="372806" cy="301255"/>
+          </a:xfrm>
+        </p:grpSpPr>
+        <p:sp>
+          <p:nvSpPr>
+            <p:cNvPr id="88" name="Rectangle 87">
+              <a:extLst>
+                <a:ext uri="{FF2B5EF4-FFF2-40B4-BE49-F238E27FC236}">
+                  <a16:creationId xmlns:a16="http://schemas.microsoft.com/office/drawing/2014/main" id="{848D55A4-0100-774C-9BBB-A66C1A6A36D5}"/>
+                </a:ext>
+              </a:extLst>
+            </p:cNvPr>
+            <p:cNvSpPr/>
+            <p:nvPr/>
+          </p:nvSpPr>
+          <p:spPr>
+            <a:xfrm>
+              <a:off x="1794273" y="3118296"/>
+              <a:ext cx="372806" cy="301255"/>
+            </a:xfrm>
+            <a:prstGeom prst="rect">
+              <a:avLst/>
+            </a:prstGeom>
+            <a:noFill/>
+          </p:spPr>
+          <p:style>
+            <a:lnRef idx="2">
+              <a:schemeClr val="accent1">
+                <a:shade val="50000"/>
+              </a:schemeClr>
+            </a:lnRef>
+            <a:fillRef idx="1">
+              <a:schemeClr val="accent1"/>
+            </a:fillRef>
+            <a:effectRef idx="0">
+              <a:schemeClr val="accent1"/>
+            </a:effectRef>
+            <a:fontRef idx="minor">
+              <a:schemeClr val="lt1"/>
+            </a:fontRef>
+          </p:style>
+          <p:txBody>
+            <a:bodyPr rtlCol="0" anchor="ctr"/>
+            <a:lstStyle/>
+            <a:p>
+              <a:pPr algn="ctr"/>
+              <a:endParaRPr lang="en-US"/>
+            </a:p>
+          </p:txBody>
+        </p:sp>
+        <mc:AlternateContent xmlns:mc="http://schemas.openxmlformats.org/markup-compatibility/2006">
+          <mc:Choice xmlns:a14="http://schemas.microsoft.com/office/drawing/2010/main" Requires="a14">
+            <p:sp>
+              <p:nvSpPr>
+                <p:cNvPr id="89" name="TextBox 88">
+                  <a:extLst>
+                    <a:ext uri="{FF2B5EF4-FFF2-40B4-BE49-F238E27FC236}">
+                      <a16:creationId xmlns:a16="http://schemas.microsoft.com/office/drawing/2014/main" id="{EA838415-C418-F740-9389-E43B415545D2}"/>
+                    </a:ext>
+                  </a:extLst>
+                </p:cNvPr>
+                <p:cNvSpPr txBox="1"/>
+                <p:nvPr/>
+              </p:nvSpPr>
+              <p:spPr>
+                <a:xfrm>
+                  <a:off x="1829705" y="3118296"/>
+                  <a:ext cx="301942" cy="261610"/>
+                </a:xfrm>
+                <a:prstGeom prst="rect">
+                  <a:avLst/>
+                </a:prstGeom>
+                <a:noFill/>
+              </p:spPr>
+              <p:txBody>
+                <a:bodyPr wrap="none" rtlCol="0">
+                  <a:spAutoFit/>
+                </a:bodyPr>
+                <a:lstStyle/>
+                <a:p>
+                  <a14:m>
+                    <m:oMathPara xmlns:m="http://schemas.openxmlformats.org/officeDocument/2006/math">
+                      <m:oMathParaPr>
+                        <m:jc m:val="centerGroup"/>
+                      </m:oMathParaPr>
+                      <m:oMath xmlns:m="http://schemas.openxmlformats.org/officeDocument/2006/math">
+                        <m:r>
+                          <a:rPr lang="en-US" sz="1100" i="1" smtClean="0">
+                            <a:latin typeface="Cambria Math" panose="02040503050406030204" pitchFamily="18" charset="0"/>
+                            <a:ea typeface="Cambria Math" panose="02040503050406030204" pitchFamily="18" charset="0"/>
+                          </a:rPr>
+                          <m:t>𝜎</m:t>
+                        </m:r>
+                      </m:oMath>
+                    </m:oMathPara>
+                  </a14:m>
+                  <a:endParaRPr lang="en-US" sz="1100" dirty="0"/>
+                </a:p>
+              </p:txBody>
+            </p:sp>
+          </mc:Choice>
+          <mc:Fallback>
+            <p:sp>
+              <p:nvSpPr>
+                <p:cNvPr id="89" name="TextBox 88">
+                  <a:extLst>
+                    <a:ext uri="{FF2B5EF4-FFF2-40B4-BE49-F238E27FC236}">
+                      <a16:creationId xmlns:a16="http://schemas.microsoft.com/office/drawing/2014/main" id="{EA838415-C418-F740-9389-E43B415545D2}"/>
+                    </a:ext>
+                  </a:extLst>
+                </p:cNvPr>
+                <p:cNvSpPr txBox="1">
+                  <a:spLocks noRot="1" noChangeAspect="1" noMove="1" noResize="1" noEditPoints="1" noAdjustHandles="1" noChangeArrowheads="1" noChangeShapeType="1" noTextEdit="1"/>
+                </p:cNvSpPr>
+                <p:nvPr/>
+              </p:nvSpPr>
+              <p:spPr>
+                <a:xfrm>
+                  <a:off x="1829705" y="3118296"/>
+                  <a:ext cx="301942" cy="261610"/>
+                </a:xfrm>
+                <a:prstGeom prst="rect">
+                  <a:avLst/>
+                </a:prstGeom>
+                <a:blipFill>
+                  <a:blip r:embed="rId5"/>
+                  <a:stretch>
+                    <a:fillRect/>
+                  </a:stretch>
+                </a:blipFill>
+              </p:spPr>
+              <p:txBody>
+                <a:bodyPr/>
+                <a:lstStyle/>
+                <a:p>
+                  <a:r>
+                    <a:rPr lang="en-US">
+                      <a:noFill/>
+                    </a:rPr>
+                    <a:t> </a:t>
+                  </a:r>
+                </a:p>
+              </p:txBody>
+            </p:sp>
+          </mc:Fallback>
+        </mc:AlternateContent>
+      </p:grpSp>
+      <p:grpSp>
+        <p:nvGrpSpPr>
+          <p:cNvPr id="13" name="Group 12">
+            <a:extLst>
+              <a:ext uri="{FF2B5EF4-FFF2-40B4-BE49-F238E27FC236}">
+                <a16:creationId xmlns:a16="http://schemas.microsoft.com/office/drawing/2014/main" id="{AAAF6DCE-952B-5E42-A48B-40FEF69A2951}"/>
+              </a:ext>
+            </a:extLst>
+          </p:cNvPr>
+          <p:cNvGrpSpPr/>
+          <p:nvPr/>
+        </p:nvGrpSpPr>
+        <p:grpSpPr>
+          <a:xfrm>
+            <a:off x="3197603" y="2031559"/>
+            <a:ext cx="322524" cy="301255"/>
+            <a:chOff x="1701234" y="2146852"/>
+            <a:chExt cx="322524" cy="301255"/>
+          </a:xfrm>
+        </p:grpSpPr>
+        <p:sp>
+          <p:nvSpPr>
+            <p:cNvPr id="86" name="Oval 85">
+              <a:extLst>
+                <a:ext uri="{FF2B5EF4-FFF2-40B4-BE49-F238E27FC236}">
+                  <a16:creationId xmlns:a16="http://schemas.microsoft.com/office/drawing/2014/main" id="{4FE8D82A-C615-F74D-BBAF-93BC57C3F1E5}"/>
+                </a:ext>
+              </a:extLst>
+            </p:cNvPr>
+            <p:cNvSpPr/>
+            <p:nvPr/>
+          </p:nvSpPr>
+          <p:spPr>
+            <a:xfrm>
+              <a:off x="1716455" y="2146852"/>
+              <a:ext cx="287274" cy="301255"/>
+            </a:xfrm>
+            <a:prstGeom prst="ellipse">
+              <a:avLst/>
+            </a:prstGeom>
+            <a:noFill/>
+          </p:spPr>
+          <p:style>
+            <a:lnRef idx="2">
+              <a:schemeClr val="accent1">
+                <a:shade val="50000"/>
+              </a:schemeClr>
+            </a:lnRef>
+            <a:fillRef idx="1">
+              <a:schemeClr val="accent1"/>
+            </a:fillRef>
+            <a:effectRef idx="0">
+              <a:schemeClr val="accent1"/>
+            </a:effectRef>
+            <a:fontRef idx="minor">
+              <a:schemeClr val="lt1"/>
+            </a:fontRef>
+          </p:style>
+          <p:txBody>
+            <a:bodyPr rtlCol="0" anchor="ctr"/>
+            <a:lstStyle/>
+            <a:p>
+              <a:pPr algn="ctr"/>
+              <a:endParaRPr lang="en-US"/>
+            </a:p>
+          </p:txBody>
+        </p:sp>
+        <mc:AlternateContent xmlns:mc="http://schemas.openxmlformats.org/markup-compatibility/2006">
+          <mc:Choice xmlns:a14="http://schemas.microsoft.com/office/drawing/2010/main" Requires="a14">
+            <p:sp>
+              <p:nvSpPr>
+                <p:cNvPr id="87" name="TextBox 86">
+                  <a:extLst>
+                    <a:ext uri="{FF2B5EF4-FFF2-40B4-BE49-F238E27FC236}">
+                      <a16:creationId xmlns:a16="http://schemas.microsoft.com/office/drawing/2014/main" id="{30D007DC-7D4C-7242-BD1A-65AB58018C12}"/>
+                    </a:ext>
+                  </a:extLst>
+                </p:cNvPr>
+                <p:cNvSpPr txBox="1"/>
+                <p:nvPr/>
+              </p:nvSpPr>
+              <p:spPr>
+                <a:xfrm>
+                  <a:off x="1701234" y="2166674"/>
+                  <a:ext cx="322524" cy="261610"/>
+                </a:xfrm>
+                <a:prstGeom prst="rect">
+                  <a:avLst/>
+                </a:prstGeom>
+                <a:noFill/>
+              </p:spPr>
+              <p:txBody>
+                <a:bodyPr wrap="none" rtlCol="0">
+                  <a:spAutoFit/>
+                </a:bodyPr>
+                <a:lstStyle/>
+                <a:p>
+                  <a14:m>
+                    <m:oMathPara xmlns:m="http://schemas.openxmlformats.org/officeDocument/2006/math">
+                      <m:oMathParaPr>
+                        <m:jc m:val="centerGroup"/>
+                      </m:oMathParaPr>
+                      <m:oMath xmlns:m="http://schemas.openxmlformats.org/officeDocument/2006/math">
+                        <m:r>
+                          <a:rPr lang="en-US" sz="1100" b="0" i="1" smtClean="0">
+                            <a:latin typeface="Cambria Math" panose="02040503050406030204" pitchFamily="18" charset="0"/>
+                            <a:ea typeface="Cambria Math" panose="02040503050406030204" pitchFamily="18" charset="0"/>
+                          </a:rPr>
+                          <m:t>+</m:t>
+                        </m:r>
+                      </m:oMath>
+                    </m:oMathPara>
+                  </a14:m>
+                  <a:endParaRPr lang="en-US" sz="1100" dirty="0"/>
+                </a:p>
+              </p:txBody>
+            </p:sp>
+          </mc:Choice>
+          <mc:Fallback>
+            <p:sp>
+              <p:nvSpPr>
+                <p:cNvPr id="87" name="TextBox 86">
+                  <a:extLst>
+                    <a:ext uri="{FF2B5EF4-FFF2-40B4-BE49-F238E27FC236}">
+                      <a16:creationId xmlns:a16="http://schemas.microsoft.com/office/drawing/2014/main" id="{30D007DC-7D4C-7242-BD1A-65AB58018C12}"/>
+                    </a:ext>
+                  </a:extLst>
+                </p:cNvPr>
+                <p:cNvSpPr txBox="1">
+                  <a:spLocks noRot="1" noChangeAspect="1" noMove="1" noResize="1" noEditPoints="1" noAdjustHandles="1" noChangeArrowheads="1" noChangeShapeType="1" noTextEdit="1"/>
+                </p:cNvSpPr>
+                <p:nvPr/>
+              </p:nvSpPr>
+              <p:spPr>
+                <a:xfrm>
+                  <a:off x="1701234" y="2166674"/>
+                  <a:ext cx="322524" cy="261610"/>
+                </a:xfrm>
+                <a:prstGeom prst="rect">
+                  <a:avLst/>
+                </a:prstGeom>
+                <a:blipFill>
+                  <a:blip r:embed="rId6"/>
+                  <a:stretch>
+                    <a:fillRect/>
+                  </a:stretch>
+                </a:blipFill>
+              </p:spPr>
+              <p:txBody>
+                <a:bodyPr/>
+                <a:lstStyle/>
+                <a:p>
+                  <a:r>
+                    <a:rPr lang="en-US">
+                      <a:noFill/>
+                    </a:rPr>
+                    <a:t> </a:t>
+                  </a:r>
+                </a:p>
+              </p:txBody>
+            </p:sp>
+          </mc:Fallback>
+        </mc:AlternateContent>
+      </p:grpSp>
+      <p:grpSp>
+        <p:nvGrpSpPr>
+          <p:cNvPr id="14" name="Group 13">
+            <a:extLst>
+              <a:ext uri="{FF2B5EF4-FFF2-40B4-BE49-F238E27FC236}">
+                <a16:creationId xmlns:a16="http://schemas.microsoft.com/office/drawing/2014/main" id="{F19F630C-77D5-DB4C-BF6F-7F2BFD39C678}"/>
+              </a:ext>
+            </a:extLst>
+          </p:cNvPr>
+          <p:cNvGrpSpPr/>
+          <p:nvPr/>
+        </p:nvGrpSpPr>
+        <p:grpSpPr>
+          <a:xfrm>
+            <a:off x="3202412" y="2490084"/>
+            <a:ext cx="317715" cy="301255"/>
+            <a:chOff x="1701234" y="2146852"/>
+            <a:chExt cx="317715" cy="301255"/>
+          </a:xfrm>
+        </p:grpSpPr>
+        <p:sp>
+          <p:nvSpPr>
+            <p:cNvPr id="84" name="Oval 83">
+              <a:extLst>
+                <a:ext uri="{FF2B5EF4-FFF2-40B4-BE49-F238E27FC236}">
+                  <a16:creationId xmlns:a16="http://schemas.microsoft.com/office/drawing/2014/main" id="{7B585A5B-4797-DA45-AF87-C77EB5B6A1A4}"/>
+                </a:ext>
+              </a:extLst>
+            </p:cNvPr>
+            <p:cNvSpPr/>
+            <p:nvPr/>
+          </p:nvSpPr>
+          <p:spPr>
+            <a:xfrm>
+              <a:off x="1716455" y="2146852"/>
+              <a:ext cx="287274" cy="301255"/>
+            </a:xfrm>
+            <a:prstGeom prst="ellipse">
+              <a:avLst/>
+            </a:prstGeom>
+            <a:noFill/>
+          </p:spPr>
+          <p:style>
+            <a:lnRef idx="2">
+              <a:schemeClr val="accent1">
+                <a:shade val="50000"/>
+              </a:schemeClr>
+            </a:lnRef>
+            <a:fillRef idx="1">
+              <a:schemeClr val="accent1"/>
+            </a:fillRef>
+            <a:effectRef idx="0">
+              <a:schemeClr val="accent1"/>
+            </a:effectRef>
+            <a:fontRef idx="minor">
+              <a:schemeClr val="lt1"/>
+            </a:fontRef>
+          </p:style>
+          <p:txBody>
+            <a:bodyPr rtlCol="0" anchor="ctr"/>
+            <a:lstStyle/>
+            <a:p>
+              <a:pPr algn="ctr"/>
+              <a:endParaRPr lang="en-US"/>
+            </a:p>
+          </p:txBody>
+        </p:sp>
+        <mc:AlternateContent xmlns:mc="http://schemas.openxmlformats.org/markup-compatibility/2006">
+          <mc:Choice xmlns:a14="http://schemas.microsoft.com/office/drawing/2010/main" Requires="a14">
+            <p:sp>
+              <p:nvSpPr>
+                <p:cNvPr id="85" name="TextBox 84">
+                  <a:extLst>
+                    <a:ext uri="{FF2B5EF4-FFF2-40B4-BE49-F238E27FC236}">
+                      <a16:creationId xmlns:a16="http://schemas.microsoft.com/office/drawing/2014/main" id="{0989F92F-1A1A-F64A-B13A-DDE140C1ADAE}"/>
+                    </a:ext>
+                  </a:extLst>
+                </p:cNvPr>
+                <p:cNvSpPr txBox="1"/>
+                <p:nvPr/>
+              </p:nvSpPr>
+              <p:spPr>
+                <a:xfrm>
+                  <a:off x="1701234" y="2166674"/>
+                  <a:ext cx="317715" cy="261610"/>
+                </a:xfrm>
+                <a:prstGeom prst="rect">
+                  <a:avLst/>
+                </a:prstGeom>
+                <a:noFill/>
+              </p:spPr>
+              <p:txBody>
+                <a:bodyPr wrap="none" rtlCol="0">
+                  <a:spAutoFit/>
+                </a:bodyPr>
+                <a:lstStyle/>
+                <a:p>
+                  <a14:m>
+                    <m:oMathPara xmlns:m="http://schemas.openxmlformats.org/officeDocument/2006/math">
+                      <m:oMathParaPr>
+                        <m:jc m:val="centerGroup"/>
+                      </m:oMathParaPr>
+                      <m:oMath xmlns:m="http://schemas.openxmlformats.org/officeDocument/2006/math">
+                        <m:r>
+                          <a:rPr lang="en-US" sz="1100" i="1" smtClean="0">
+                            <a:latin typeface="Cambria Math" panose="02040503050406030204" pitchFamily="18" charset="0"/>
+                            <a:ea typeface="Cambria Math" panose="02040503050406030204" pitchFamily="18" charset="0"/>
+                          </a:rPr>
+                          <m:t>×</m:t>
+                        </m:r>
+                      </m:oMath>
+                    </m:oMathPara>
+                  </a14:m>
+                  <a:endParaRPr lang="en-US" sz="1100" dirty="0"/>
+                </a:p>
+              </p:txBody>
+            </p:sp>
+          </mc:Choice>
+          <mc:Fallback>
+            <p:sp>
+              <p:nvSpPr>
+                <p:cNvPr id="85" name="TextBox 84">
+                  <a:extLst>
+                    <a:ext uri="{FF2B5EF4-FFF2-40B4-BE49-F238E27FC236}">
+                      <a16:creationId xmlns:a16="http://schemas.microsoft.com/office/drawing/2014/main" id="{0989F92F-1A1A-F64A-B13A-DDE140C1ADAE}"/>
+                    </a:ext>
+                  </a:extLst>
+                </p:cNvPr>
+                <p:cNvSpPr txBox="1">
+                  <a:spLocks noRot="1" noChangeAspect="1" noMove="1" noResize="1" noEditPoints="1" noAdjustHandles="1" noChangeArrowheads="1" noChangeShapeType="1" noTextEdit="1"/>
+                </p:cNvSpPr>
+                <p:nvPr/>
+              </p:nvSpPr>
+              <p:spPr>
+                <a:xfrm>
+                  <a:off x="1701234" y="2166674"/>
+                  <a:ext cx="317715" cy="261610"/>
+                </a:xfrm>
+                <a:prstGeom prst="rect">
+                  <a:avLst/>
+                </a:prstGeom>
+                <a:blipFill>
+                  <a:blip r:embed="rId7"/>
+                  <a:stretch>
+                    <a:fillRect/>
+                  </a:stretch>
+                </a:blipFill>
+              </p:spPr>
+              <p:txBody>
+                <a:bodyPr/>
+                <a:lstStyle/>
+                <a:p>
+                  <a:r>
+                    <a:rPr lang="en-US">
+                      <a:noFill/>
+                    </a:rPr>
+                    <a:t> </a:t>
+                  </a:r>
+                </a:p>
+              </p:txBody>
+            </p:sp>
+          </mc:Fallback>
+        </mc:AlternateContent>
+      </p:grpSp>
+      <p:grpSp>
+        <p:nvGrpSpPr>
+          <p:cNvPr id="15" name="Group 14">
+            <a:extLst>
+              <a:ext uri="{FF2B5EF4-FFF2-40B4-BE49-F238E27FC236}">
+                <a16:creationId xmlns:a16="http://schemas.microsoft.com/office/drawing/2014/main" id="{1ACD90C7-C01B-344D-B770-FD132EF11BEE}"/>
+              </a:ext>
+            </a:extLst>
+          </p:cNvPr>
+          <p:cNvGrpSpPr/>
+          <p:nvPr/>
+        </p:nvGrpSpPr>
+        <p:grpSpPr>
+          <a:xfrm>
+            <a:off x="3100204" y="3127745"/>
+            <a:ext cx="490840" cy="301255"/>
+            <a:chOff x="1724419" y="3118296"/>
+            <a:chExt cx="490840" cy="301255"/>
+          </a:xfrm>
+        </p:grpSpPr>
+        <p:sp>
+          <p:nvSpPr>
+            <p:cNvPr id="82" name="Rectangle 81">
+              <a:extLst>
+                <a:ext uri="{FF2B5EF4-FFF2-40B4-BE49-F238E27FC236}">
+                  <a16:creationId xmlns:a16="http://schemas.microsoft.com/office/drawing/2014/main" id="{93E2BE12-76D7-3246-BD4E-3E6DF2007DBB}"/>
+                </a:ext>
+              </a:extLst>
+            </p:cNvPr>
+            <p:cNvSpPr/>
+            <p:nvPr/>
+          </p:nvSpPr>
+          <p:spPr>
+            <a:xfrm>
+              <a:off x="1794273" y="3118296"/>
+              <a:ext cx="372806" cy="301255"/>
+            </a:xfrm>
+            <a:prstGeom prst="rect">
+              <a:avLst/>
+            </a:prstGeom>
+            <a:noFill/>
+          </p:spPr>
+          <p:style>
+            <a:lnRef idx="2">
+              <a:schemeClr val="accent1">
+                <a:shade val="50000"/>
+              </a:schemeClr>
+            </a:lnRef>
+            <a:fillRef idx="1">
+              <a:schemeClr val="accent1"/>
+            </a:fillRef>
+            <a:effectRef idx="0">
+              <a:schemeClr val="accent1"/>
+            </a:effectRef>
+            <a:fontRef idx="minor">
+              <a:schemeClr val="lt1"/>
+            </a:fontRef>
+          </p:style>
+          <p:txBody>
+            <a:bodyPr rtlCol="0" anchor="ctr"/>
+            <a:lstStyle/>
+            <a:p>
+              <a:pPr algn="ctr"/>
+              <a:endParaRPr lang="en-US"/>
+            </a:p>
+          </p:txBody>
+        </p:sp>
+        <mc:AlternateContent xmlns:mc="http://schemas.openxmlformats.org/markup-compatibility/2006">
+          <mc:Choice xmlns:a14="http://schemas.microsoft.com/office/drawing/2010/main" Requires="a14">
+            <p:sp>
+              <p:nvSpPr>
+                <p:cNvPr id="83" name="TextBox 82">
+                  <a:extLst>
+                    <a:ext uri="{FF2B5EF4-FFF2-40B4-BE49-F238E27FC236}">
+                      <a16:creationId xmlns:a16="http://schemas.microsoft.com/office/drawing/2014/main" id="{AC96AD42-8326-1A42-9D74-D6D535B45103}"/>
+                    </a:ext>
+                  </a:extLst>
+                </p:cNvPr>
+                <p:cNvSpPr txBox="1"/>
+                <p:nvPr/>
+              </p:nvSpPr>
+              <p:spPr>
+                <a:xfrm>
+                  <a:off x="1724419" y="3128668"/>
+                  <a:ext cx="490840" cy="261610"/>
+                </a:xfrm>
+                <a:prstGeom prst="rect">
+                  <a:avLst/>
+                </a:prstGeom>
+                <a:noFill/>
+              </p:spPr>
+              <p:txBody>
+                <a:bodyPr wrap="none" rtlCol="0">
+                  <a:spAutoFit/>
+                </a:bodyPr>
+                <a:lstStyle/>
+                <a:p>
+                  <a14:m>
+                    <m:oMathPara xmlns:m="http://schemas.openxmlformats.org/officeDocument/2006/math">
+                      <m:oMathParaPr>
+                        <m:jc m:val="centerGroup"/>
+                      </m:oMathParaPr>
+                      <m:oMath xmlns:m="http://schemas.openxmlformats.org/officeDocument/2006/math">
+                        <m:r>
+                          <m:rPr>
+                            <m:sty m:val="p"/>
+                          </m:rPr>
+                          <a:rPr lang="en-US" sz="1100" b="0" i="0" smtClean="0">
+                            <a:latin typeface="Cambria Math" panose="02040503050406030204" pitchFamily="18" charset="0"/>
+                          </a:rPr>
+                          <m:t>tanh</m:t>
+                        </m:r>
+                      </m:oMath>
+                    </m:oMathPara>
+                  </a14:m>
+                  <a:endParaRPr lang="en-US" sz="1100" dirty="0"/>
+                </a:p>
+              </p:txBody>
+            </p:sp>
+          </mc:Choice>
+          <mc:Fallback>
+            <p:sp>
+              <p:nvSpPr>
+                <p:cNvPr id="83" name="TextBox 82">
+                  <a:extLst>
+                    <a:ext uri="{FF2B5EF4-FFF2-40B4-BE49-F238E27FC236}">
+                      <a16:creationId xmlns:a16="http://schemas.microsoft.com/office/drawing/2014/main" id="{AC96AD42-8326-1A42-9D74-D6D535B45103}"/>
+                    </a:ext>
+                  </a:extLst>
+                </p:cNvPr>
+                <p:cNvSpPr txBox="1">
+                  <a:spLocks noRot="1" noChangeAspect="1" noMove="1" noResize="1" noEditPoints="1" noAdjustHandles="1" noChangeArrowheads="1" noChangeShapeType="1" noTextEdit="1"/>
+                </p:cNvSpPr>
+                <p:nvPr/>
+              </p:nvSpPr>
+              <p:spPr>
+                <a:xfrm>
+                  <a:off x="1724419" y="3128668"/>
+                  <a:ext cx="490840" cy="261610"/>
+                </a:xfrm>
+                <a:prstGeom prst="rect">
+                  <a:avLst/>
+                </a:prstGeom>
+                <a:blipFill>
+                  <a:blip r:embed="rId8"/>
+                  <a:stretch>
+                    <a:fillRect/>
+                  </a:stretch>
+                </a:blipFill>
+              </p:spPr>
+              <p:txBody>
+                <a:bodyPr/>
+                <a:lstStyle/>
+                <a:p>
+                  <a:r>
+                    <a:rPr lang="en-US">
+                      <a:noFill/>
+                    </a:rPr>
+                    <a:t> </a:t>
+                  </a:r>
+                </a:p>
+              </p:txBody>
+            </p:sp>
+          </mc:Fallback>
+        </mc:AlternateContent>
+      </p:grpSp>
+      <p:grpSp>
+        <p:nvGrpSpPr>
+          <p:cNvPr id="16" name="Group 15">
+            <a:extLst>
+              <a:ext uri="{FF2B5EF4-FFF2-40B4-BE49-F238E27FC236}">
+                <a16:creationId xmlns:a16="http://schemas.microsoft.com/office/drawing/2014/main" id="{D9936ACB-64EC-4C44-9AFA-533D9376F9D0}"/>
+              </a:ext>
+            </a:extLst>
+          </p:cNvPr>
+          <p:cNvGrpSpPr/>
+          <p:nvPr/>
+        </p:nvGrpSpPr>
+        <p:grpSpPr>
+          <a:xfrm>
+            <a:off x="3898632" y="3730489"/>
+            <a:ext cx="372806" cy="301255"/>
+            <a:chOff x="1794273" y="3118296"/>
+            <a:chExt cx="372806" cy="301255"/>
+          </a:xfrm>
+        </p:grpSpPr>
+        <p:sp>
+          <p:nvSpPr>
+            <p:cNvPr id="80" name="Rectangle 79">
+              <a:extLst>
+                <a:ext uri="{FF2B5EF4-FFF2-40B4-BE49-F238E27FC236}">
+                  <a16:creationId xmlns:a16="http://schemas.microsoft.com/office/drawing/2014/main" id="{A4CEE7C1-BF6C-0849-9D88-492D87DB184F}"/>
+                </a:ext>
+              </a:extLst>
+            </p:cNvPr>
+            <p:cNvSpPr/>
+            <p:nvPr/>
+          </p:nvSpPr>
+          <p:spPr>
+            <a:xfrm>
+              <a:off x="1794273" y="3118296"/>
+              <a:ext cx="372806" cy="301255"/>
+            </a:xfrm>
+            <a:prstGeom prst="rect">
+              <a:avLst/>
+            </a:prstGeom>
+            <a:noFill/>
+          </p:spPr>
+          <p:style>
+            <a:lnRef idx="2">
+              <a:schemeClr val="accent1">
+                <a:shade val="50000"/>
+              </a:schemeClr>
+            </a:lnRef>
+            <a:fillRef idx="1">
+              <a:schemeClr val="accent1"/>
+            </a:fillRef>
+            <a:effectRef idx="0">
+              <a:schemeClr val="accent1"/>
+            </a:effectRef>
+            <a:fontRef idx="minor">
+              <a:schemeClr val="lt1"/>
+            </a:fontRef>
+          </p:style>
+          <p:txBody>
+            <a:bodyPr rtlCol="0" anchor="ctr"/>
+            <a:lstStyle/>
+            <a:p>
+              <a:pPr algn="ctr"/>
+              <a:endParaRPr lang="en-US"/>
+            </a:p>
+          </p:txBody>
+        </p:sp>
+        <mc:AlternateContent xmlns:mc="http://schemas.openxmlformats.org/markup-compatibility/2006">
+          <mc:Choice xmlns:a14="http://schemas.microsoft.com/office/drawing/2010/main" Requires="a14">
+            <p:sp>
+              <p:nvSpPr>
+                <p:cNvPr id="81" name="TextBox 80">
+                  <a:extLst>
+                    <a:ext uri="{FF2B5EF4-FFF2-40B4-BE49-F238E27FC236}">
+                      <a16:creationId xmlns:a16="http://schemas.microsoft.com/office/drawing/2014/main" id="{53B950B8-4569-8C48-914B-CEA1E30CC8FC}"/>
+                    </a:ext>
+                  </a:extLst>
+                </p:cNvPr>
+                <p:cNvSpPr txBox="1"/>
+                <p:nvPr/>
+              </p:nvSpPr>
+              <p:spPr>
+                <a:xfrm>
+                  <a:off x="1829705" y="3118296"/>
+                  <a:ext cx="301942" cy="261610"/>
+                </a:xfrm>
+                <a:prstGeom prst="rect">
+                  <a:avLst/>
+                </a:prstGeom>
+                <a:noFill/>
+              </p:spPr>
+              <p:txBody>
+                <a:bodyPr wrap="none" rtlCol="0">
+                  <a:spAutoFit/>
+                </a:bodyPr>
+                <a:lstStyle/>
+                <a:p>
+                  <a14:m>
+                    <m:oMathPara xmlns:m="http://schemas.openxmlformats.org/officeDocument/2006/math">
+                      <m:oMathParaPr>
+                        <m:jc m:val="centerGroup"/>
+                      </m:oMathParaPr>
+                      <m:oMath xmlns:m="http://schemas.openxmlformats.org/officeDocument/2006/math">
+                        <m:r>
+                          <a:rPr lang="en-US" sz="1100" i="1" smtClean="0">
+                            <a:latin typeface="Cambria Math" panose="02040503050406030204" pitchFamily="18" charset="0"/>
+                            <a:ea typeface="Cambria Math" panose="02040503050406030204" pitchFamily="18" charset="0"/>
+                          </a:rPr>
+                          <m:t>𝜎</m:t>
+                        </m:r>
+                      </m:oMath>
+                    </m:oMathPara>
+                  </a14:m>
+                  <a:endParaRPr lang="en-US" sz="1100" dirty="0"/>
+                </a:p>
+              </p:txBody>
+            </p:sp>
+          </mc:Choice>
+          <mc:Fallback>
+            <p:sp>
+              <p:nvSpPr>
+                <p:cNvPr id="81" name="TextBox 80">
+                  <a:extLst>
+                    <a:ext uri="{FF2B5EF4-FFF2-40B4-BE49-F238E27FC236}">
+                      <a16:creationId xmlns:a16="http://schemas.microsoft.com/office/drawing/2014/main" id="{53B950B8-4569-8C48-914B-CEA1E30CC8FC}"/>
+                    </a:ext>
+                  </a:extLst>
+                </p:cNvPr>
+                <p:cNvSpPr txBox="1">
+                  <a:spLocks noRot="1" noChangeAspect="1" noMove="1" noResize="1" noEditPoints="1" noAdjustHandles="1" noChangeArrowheads="1" noChangeShapeType="1" noTextEdit="1"/>
+                </p:cNvSpPr>
+                <p:nvPr/>
+              </p:nvSpPr>
+              <p:spPr>
+                <a:xfrm>
+                  <a:off x="1829705" y="3118296"/>
+                  <a:ext cx="301942" cy="261610"/>
+                </a:xfrm>
+                <a:prstGeom prst="rect">
+                  <a:avLst/>
+                </a:prstGeom>
+                <a:blipFill>
+                  <a:blip r:embed="rId9"/>
+                  <a:stretch>
+                    <a:fillRect/>
+                  </a:stretch>
+                </a:blipFill>
+              </p:spPr>
+              <p:txBody>
+                <a:bodyPr/>
+                <a:lstStyle/>
+                <a:p>
+                  <a:r>
+                    <a:rPr lang="en-US">
+                      <a:noFill/>
+                    </a:rPr>
+                    <a:t> </a:t>
+                  </a:r>
+                </a:p>
+              </p:txBody>
+            </p:sp>
+          </mc:Fallback>
+        </mc:AlternateContent>
+      </p:grpSp>
+      <p:grpSp>
+        <p:nvGrpSpPr>
+          <p:cNvPr id="17" name="Group 16">
+            <a:extLst>
+              <a:ext uri="{FF2B5EF4-FFF2-40B4-BE49-F238E27FC236}">
+                <a16:creationId xmlns:a16="http://schemas.microsoft.com/office/drawing/2014/main" id="{82213A87-8107-9B43-8BC2-800032CF6201}"/>
+              </a:ext>
+            </a:extLst>
+          </p:cNvPr>
+          <p:cNvGrpSpPr/>
+          <p:nvPr/>
+        </p:nvGrpSpPr>
+        <p:grpSpPr>
+          <a:xfrm>
+            <a:off x="4554032" y="3735411"/>
+            <a:ext cx="317715" cy="301255"/>
+            <a:chOff x="1701234" y="2146852"/>
+            <a:chExt cx="317715" cy="301255"/>
+          </a:xfrm>
+        </p:grpSpPr>
+        <p:sp>
+          <p:nvSpPr>
+            <p:cNvPr id="78" name="Oval 77">
+              <a:extLst>
+                <a:ext uri="{FF2B5EF4-FFF2-40B4-BE49-F238E27FC236}">
+                  <a16:creationId xmlns:a16="http://schemas.microsoft.com/office/drawing/2014/main" id="{5B743616-BF93-7040-9BD9-E7B15FF2D9DD}"/>
+                </a:ext>
+              </a:extLst>
+            </p:cNvPr>
+            <p:cNvSpPr/>
+            <p:nvPr/>
+          </p:nvSpPr>
+          <p:spPr>
+            <a:xfrm>
+              <a:off x="1716455" y="2146852"/>
+              <a:ext cx="287274" cy="301255"/>
+            </a:xfrm>
+            <a:prstGeom prst="ellipse">
+              <a:avLst/>
+            </a:prstGeom>
+            <a:noFill/>
+          </p:spPr>
+          <p:style>
+            <a:lnRef idx="2">
+              <a:schemeClr val="accent1">
+                <a:shade val="50000"/>
+              </a:schemeClr>
+            </a:lnRef>
+            <a:fillRef idx="1">
+              <a:schemeClr val="accent1"/>
+            </a:fillRef>
+            <a:effectRef idx="0">
+              <a:schemeClr val="accent1"/>
+            </a:effectRef>
+            <a:fontRef idx="minor">
+              <a:schemeClr val="lt1"/>
+            </a:fontRef>
+          </p:style>
+          <p:txBody>
+            <a:bodyPr rtlCol="0" anchor="ctr"/>
+            <a:lstStyle/>
+            <a:p>
+              <a:pPr algn="ctr"/>
+              <a:endParaRPr lang="en-US"/>
+            </a:p>
+          </p:txBody>
+        </p:sp>
+        <mc:AlternateContent xmlns:mc="http://schemas.openxmlformats.org/markup-compatibility/2006">
+          <mc:Choice xmlns:a14="http://schemas.microsoft.com/office/drawing/2010/main" Requires="a14">
+            <p:sp>
+              <p:nvSpPr>
+                <p:cNvPr id="79" name="TextBox 78">
+                  <a:extLst>
+                    <a:ext uri="{FF2B5EF4-FFF2-40B4-BE49-F238E27FC236}">
+                      <a16:creationId xmlns:a16="http://schemas.microsoft.com/office/drawing/2014/main" id="{565F490A-9BD3-7D45-8A0D-73785C99DFDD}"/>
+                    </a:ext>
+                  </a:extLst>
+                </p:cNvPr>
+                <p:cNvSpPr txBox="1"/>
+                <p:nvPr/>
+              </p:nvSpPr>
+              <p:spPr>
+                <a:xfrm>
+                  <a:off x="1701234" y="2166674"/>
+                  <a:ext cx="317715" cy="261610"/>
+                </a:xfrm>
+                <a:prstGeom prst="rect">
+                  <a:avLst/>
+                </a:prstGeom>
+                <a:noFill/>
+              </p:spPr>
+              <p:txBody>
+                <a:bodyPr wrap="none" rtlCol="0">
+                  <a:spAutoFit/>
+                </a:bodyPr>
+                <a:lstStyle/>
+                <a:p>
+                  <a14:m>
+                    <m:oMathPara xmlns:m="http://schemas.openxmlformats.org/officeDocument/2006/math">
+                      <m:oMathParaPr>
+                        <m:jc m:val="centerGroup"/>
+                      </m:oMathParaPr>
+                      <m:oMath xmlns:m="http://schemas.openxmlformats.org/officeDocument/2006/math">
+                        <m:r>
+                          <a:rPr lang="en-US" sz="1100" i="1" smtClean="0">
+                            <a:latin typeface="Cambria Math" panose="02040503050406030204" pitchFamily="18" charset="0"/>
+                            <a:ea typeface="Cambria Math" panose="02040503050406030204" pitchFamily="18" charset="0"/>
+                          </a:rPr>
+                          <m:t>×</m:t>
+                        </m:r>
+                      </m:oMath>
+                    </m:oMathPara>
+                  </a14:m>
+                  <a:endParaRPr lang="en-US" sz="1100" dirty="0"/>
+                </a:p>
+              </p:txBody>
+            </p:sp>
+          </mc:Choice>
+          <mc:Fallback>
+            <p:sp>
+              <p:nvSpPr>
+                <p:cNvPr id="79" name="TextBox 78">
+                  <a:extLst>
+                    <a:ext uri="{FF2B5EF4-FFF2-40B4-BE49-F238E27FC236}">
+                      <a16:creationId xmlns:a16="http://schemas.microsoft.com/office/drawing/2014/main" id="{565F490A-9BD3-7D45-8A0D-73785C99DFDD}"/>
+                    </a:ext>
+                  </a:extLst>
+                </p:cNvPr>
+                <p:cNvSpPr txBox="1">
+                  <a:spLocks noRot="1" noChangeAspect="1" noMove="1" noResize="1" noEditPoints="1" noAdjustHandles="1" noChangeArrowheads="1" noChangeShapeType="1" noTextEdit="1"/>
+                </p:cNvSpPr>
+                <p:nvPr/>
+              </p:nvSpPr>
+              <p:spPr>
+                <a:xfrm>
+                  <a:off x="1701234" y="2166674"/>
+                  <a:ext cx="317715" cy="261610"/>
+                </a:xfrm>
+                <a:prstGeom prst="rect">
+                  <a:avLst/>
+                </a:prstGeom>
+                <a:blipFill>
+                  <a:blip r:embed="rId10"/>
+                  <a:stretch>
+                    <a:fillRect/>
+                  </a:stretch>
+                </a:blipFill>
+              </p:spPr>
+              <p:txBody>
+                <a:bodyPr/>
+                <a:lstStyle/>
+                <a:p>
+                  <a:r>
+                    <a:rPr lang="en-US">
+                      <a:noFill/>
+                    </a:rPr>
+                    <a:t> </a:t>
+                  </a:r>
+                </a:p>
+              </p:txBody>
+            </p:sp>
+          </mc:Fallback>
+        </mc:AlternateContent>
+      </p:grpSp>
+      <p:grpSp>
+        <p:nvGrpSpPr>
+          <p:cNvPr id="18" name="Group 17">
+            <a:extLst>
+              <a:ext uri="{FF2B5EF4-FFF2-40B4-BE49-F238E27FC236}">
+                <a16:creationId xmlns:a16="http://schemas.microsoft.com/office/drawing/2014/main" id="{03940BB7-49E3-8348-BAA5-744B2830F7CD}"/>
+              </a:ext>
+            </a:extLst>
+          </p:cNvPr>
+          <p:cNvGrpSpPr/>
+          <p:nvPr/>
+        </p:nvGrpSpPr>
+        <p:grpSpPr>
+          <a:xfrm>
+            <a:off x="4443188" y="2490084"/>
+            <a:ext cx="490840" cy="301255"/>
+            <a:chOff x="1724419" y="3118296"/>
+            <a:chExt cx="490840" cy="301255"/>
+          </a:xfrm>
+        </p:grpSpPr>
+        <p:sp>
+          <p:nvSpPr>
+            <p:cNvPr id="76" name="Rectangle 75">
+              <a:extLst>
+                <a:ext uri="{FF2B5EF4-FFF2-40B4-BE49-F238E27FC236}">
+                  <a16:creationId xmlns:a16="http://schemas.microsoft.com/office/drawing/2014/main" id="{B7FBE03E-426D-4D4B-A08E-EF354864E7E3}"/>
+                </a:ext>
+              </a:extLst>
+            </p:cNvPr>
+            <p:cNvSpPr/>
+            <p:nvPr/>
+          </p:nvSpPr>
+          <p:spPr>
+            <a:xfrm>
+              <a:off x="1794273" y="3118296"/>
+              <a:ext cx="372806" cy="301255"/>
+            </a:xfrm>
+            <a:prstGeom prst="rect">
+              <a:avLst/>
+            </a:prstGeom>
+            <a:noFill/>
+          </p:spPr>
+          <p:style>
+            <a:lnRef idx="2">
+              <a:schemeClr val="accent1">
+                <a:shade val="50000"/>
+              </a:schemeClr>
+            </a:lnRef>
+            <a:fillRef idx="1">
+              <a:schemeClr val="accent1"/>
+            </a:fillRef>
+            <a:effectRef idx="0">
+              <a:schemeClr val="accent1"/>
+            </a:effectRef>
+            <a:fontRef idx="minor">
+              <a:schemeClr val="lt1"/>
+            </a:fontRef>
+          </p:style>
+          <p:txBody>
+            <a:bodyPr rtlCol="0" anchor="ctr"/>
+            <a:lstStyle/>
+            <a:p>
+              <a:pPr algn="ctr"/>
+              <a:endParaRPr lang="en-US"/>
+            </a:p>
+          </p:txBody>
+        </p:sp>
+        <mc:AlternateContent xmlns:mc="http://schemas.openxmlformats.org/markup-compatibility/2006">
+          <mc:Choice xmlns:a14="http://schemas.microsoft.com/office/drawing/2010/main" Requires="a14">
+            <p:sp>
+              <p:nvSpPr>
+                <p:cNvPr id="77" name="TextBox 76">
+                  <a:extLst>
+                    <a:ext uri="{FF2B5EF4-FFF2-40B4-BE49-F238E27FC236}">
+                      <a16:creationId xmlns:a16="http://schemas.microsoft.com/office/drawing/2014/main" id="{92E80C71-B007-E247-8155-36BEF7C281FF}"/>
+                    </a:ext>
+                  </a:extLst>
+                </p:cNvPr>
+                <p:cNvSpPr txBox="1"/>
+                <p:nvPr/>
+              </p:nvSpPr>
+              <p:spPr>
+                <a:xfrm>
+                  <a:off x="1724419" y="3128668"/>
+                  <a:ext cx="490840" cy="261610"/>
+                </a:xfrm>
+                <a:prstGeom prst="rect">
+                  <a:avLst/>
+                </a:prstGeom>
+                <a:noFill/>
+              </p:spPr>
+              <p:txBody>
+                <a:bodyPr wrap="none" rtlCol="0">
+                  <a:spAutoFit/>
+                </a:bodyPr>
+                <a:lstStyle/>
+                <a:p>
+                  <a14:m>
+                    <m:oMathPara xmlns:m="http://schemas.openxmlformats.org/officeDocument/2006/math">
+                      <m:oMathParaPr>
+                        <m:jc m:val="centerGroup"/>
+                      </m:oMathParaPr>
+                      <m:oMath xmlns:m="http://schemas.openxmlformats.org/officeDocument/2006/math">
+                        <m:r>
+                          <m:rPr>
+                            <m:sty m:val="p"/>
+                          </m:rPr>
+                          <a:rPr lang="en-US" sz="1100" b="0" i="0" smtClean="0">
+                            <a:latin typeface="Cambria Math" panose="02040503050406030204" pitchFamily="18" charset="0"/>
+                          </a:rPr>
+                          <m:t>tanh</m:t>
+                        </m:r>
+                      </m:oMath>
+                    </m:oMathPara>
+                  </a14:m>
+                  <a:endParaRPr lang="en-US" sz="1100" dirty="0"/>
+                </a:p>
+              </p:txBody>
+            </p:sp>
+          </mc:Choice>
+          <mc:Fallback>
+            <p:sp>
+              <p:nvSpPr>
+                <p:cNvPr id="77" name="TextBox 76">
+                  <a:extLst>
+                    <a:ext uri="{FF2B5EF4-FFF2-40B4-BE49-F238E27FC236}">
+                      <a16:creationId xmlns:a16="http://schemas.microsoft.com/office/drawing/2014/main" id="{92E80C71-B007-E247-8155-36BEF7C281FF}"/>
+                    </a:ext>
+                  </a:extLst>
+                </p:cNvPr>
+                <p:cNvSpPr txBox="1">
+                  <a:spLocks noRot="1" noChangeAspect="1" noMove="1" noResize="1" noEditPoints="1" noAdjustHandles="1" noChangeArrowheads="1" noChangeShapeType="1" noTextEdit="1"/>
+                </p:cNvSpPr>
+                <p:nvPr/>
+              </p:nvSpPr>
+              <p:spPr>
+                <a:xfrm>
+                  <a:off x="1724419" y="3128668"/>
+                  <a:ext cx="490840" cy="261610"/>
+                </a:xfrm>
+                <a:prstGeom prst="rect">
+                  <a:avLst/>
+                </a:prstGeom>
+                <a:blipFill>
+                  <a:blip r:embed="rId11"/>
+                  <a:stretch>
+                    <a:fillRect/>
+                  </a:stretch>
+                </a:blipFill>
+              </p:spPr>
+              <p:txBody>
+                <a:bodyPr/>
+                <a:lstStyle/>
+                <a:p>
+                  <a:r>
+                    <a:rPr lang="en-US">
+                      <a:noFill/>
+                    </a:rPr>
+                    <a:t> </a:t>
+                  </a:r>
+                </a:p>
+              </p:txBody>
+            </p:sp>
+          </mc:Fallback>
+        </mc:AlternateContent>
+      </p:grpSp>
+      <p:cxnSp>
+        <p:nvCxnSpPr>
+          <p:cNvPr id="19" name="Straight Arrow Connector 18">
+            <a:extLst>
+              <a:ext uri="{FF2B5EF4-FFF2-40B4-BE49-F238E27FC236}">
+                <a16:creationId xmlns:a16="http://schemas.microsoft.com/office/drawing/2014/main" id="{2AA39B70-60F7-0344-ACBB-B956AD4C651F}"/>
+              </a:ext>
+            </a:extLst>
+          </p:cNvPr>
+          <p:cNvCxnSpPr>
+            <a:stCxn id="91" idx="0"/>
+            <a:endCxn id="92" idx="4"/>
+          </p:cNvCxnSpPr>
+          <p:nvPr/>
+        </p:nvCxnSpPr>
+        <p:spPr>
+          <a:xfrm flipH="1" flipV="1">
+            <a:off x="1972790" y="2332814"/>
+            <a:ext cx="7886" cy="785482"/>
+          </a:xfrm>
+          <a:prstGeom prst="straightConnector1">
+            <a:avLst/>
+          </a:prstGeom>
+          <a:ln>
+            <a:tailEnd type="triangle"/>
+          </a:ln>
+        </p:spPr>
+        <p:style>
+          <a:lnRef idx="1">
+            <a:schemeClr val="accent1"/>
+          </a:lnRef>
+          <a:fillRef idx="0">
+            <a:schemeClr val="accent1"/>
+          </a:fillRef>
+          <a:effectRef idx="0">
+            <a:schemeClr val="accent1"/>
+          </a:effectRef>
+          <a:fontRef idx="minor">
+            <a:schemeClr val="tx1"/>
+          </a:fontRef>
+        </p:style>
+      </p:cxnSp>
+      <p:cxnSp>
+        <p:nvCxnSpPr>
+          <p:cNvPr id="20" name="Straight Arrow Connector 19">
+            <a:extLst>
+              <a:ext uri="{FF2B5EF4-FFF2-40B4-BE49-F238E27FC236}">
+                <a16:creationId xmlns:a16="http://schemas.microsoft.com/office/drawing/2014/main" id="{DB7254D7-65CA-C741-BDA3-396A8F20A86B}"/>
+              </a:ext>
+            </a:extLst>
+          </p:cNvPr>
+          <p:cNvCxnSpPr>
+            <a:endCxn id="93" idx="1"/>
+          </p:cNvCxnSpPr>
+          <p:nvPr/>
+        </p:nvCxnSpPr>
+        <p:spPr>
+          <a:xfrm>
+            <a:off x="1491095" y="2182186"/>
+            <a:ext cx="322837" cy="0"/>
+          </a:xfrm>
+          <a:prstGeom prst="straightConnector1">
+            <a:avLst/>
+          </a:prstGeom>
+          <a:ln>
+            <a:tailEnd type="triangle"/>
+          </a:ln>
+        </p:spPr>
+        <p:style>
+          <a:lnRef idx="1">
+            <a:schemeClr val="accent1"/>
+          </a:lnRef>
+          <a:fillRef idx="0">
+            <a:schemeClr val="accent1"/>
+          </a:fillRef>
+          <a:effectRef idx="0">
+            <a:schemeClr val="accent1"/>
+          </a:effectRef>
+          <a:fontRef idx="minor">
+            <a:schemeClr val="tx1"/>
+          </a:fontRef>
+        </p:style>
+      </p:cxnSp>
+      <p:cxnSp>
+        <p:nvCxnSpPr>
+          <p:cNvPr id="21" name="Straight Arrow Connector 20">
+            <a:extLst>
+              <a:ext uri="{FF2B5EF4-FFF2-40B4-BE49-F238E27FC236}">
+                <a16:creationId xmlns:a16="http://schemas.microsoft.com/office/drawing/2014/main" id="{5075BF35-6F39-5B49-802D-603F45329FCF}"/>
+              </a:ext>
+            </a:extLst>
+          </p:cNvPr>
+          <p:cNvCxnSpPr>
+            <a:cxnSpLocks/>
+            <a:stCxn id="93" idx="3"/>
+            <a:endCxn id="87" idx="1"/>
+          </p:cNvCxnSpPr>
+          <p:nvPr/>
+        </p:nvCxnSpPr>
+        <p:spPr>
+          <a:xfrm>
+            <a:off x="2131647" y="2182186"/>
+            <a:ext cx="1065956" cy="0"/>
+          </a:xfrm>
+          <a:prstGeom prst="straightConnector1">
+            <a:avLst/>
+          </a:prstGeom>
+          <a:ln>
+            <a:tailEnd type="triangle"/>
+          </a:ln>
+        </p:spPr>
+        <p:style>
+          <a:lnRef idx="1">
+            <a:schemeClr val="accent1"/>
+          </a:lnRef>
+          <a:fillRef idx="0">
+            <a:schemeClr val="accent1"/>
+          </a:fillRef>
+          <a:effectRef idx="0">
+            <a:schemeClr val="accent1"/>
+          </a:effectRef>
+          <a:fontRef idx="minor">
+            <a:schemeClr val="tx1"/>
+          </a:fontRef>
+        </p:style>
+      </p:cxnSp>
+      <p:cxnSp>
+        <p:nvCxnSpPr>
+          <p:cNvPr id="22" name="Straight Arrow Connector 21">
+            <a:extLst>
+              <a:ext uri="{FF2B5EF4-FFF2-40B4-BE49-F238E27FC236}">
+                <a16:creationId xmlns:a16="http://schemas.microsoft.com/office/drawing/2014/main" id="{7E2E7DFE-FCD9-AF40-B91E-5D6BAB7C3EAD}"/>
+              </a:ext>
+            </a:extLst>
+          </p:cNvPr>
+          <p:cNvCxnSpPr>
+            <a:cxnSpLocks/>
+            <a:stCxn id="85" idx="0"/>
+            <a:endCxn id="86" idx="4"/>
+          </p:cNvCxnSpPr>
+          <p:nvPr/>
+        </p:nvCxnSpPr>
+        <p:spPr>
+          <a:xfrm flipH="1" flipV="1">
+            <a:off x="3356461" y="2332814"/>
+            <a:ext cx="4809" cy="177092"/>
+          </a:xfrm>
+          <a:prstGeom prst="straightConnector1">
+            <a:avLst/>
+          </a:prstGeom>
+          <a:ln>
+            <a:tailEnd type="triangle"/>
+          </a:ln>
+        </p:spPr>
+        <p:style>
+          <a:lnRef idx="1">
+            <a:schemeClr val="accent1"/>
+          </a:lnRef>
+          <a:fillRef idx="0">
+            <a:schemeClr val="accent1"/>
+          </a:fillRef>
+          <a:effectRef idx="0">
+            <a:schemeClr val="accent1"/>
+          </a:effectRef>
+          <a:fontRef idx="minor">
+            <a:schemeClr val="tx1"/>
+          </a:fontRef>
+        </p:style>
+      </p:cxnSp>
+      <p:cxnSp>
+        <p:nvCxnSpPr>
+          <p:cNvPr id="23" name="Straight Arrow Connector 22">
+            <a:extLst>
+              <a:ext uri="{FF2B5EF4-FFF2-40B4-BE49-F238E27FC236}">
+                <a16:creationId xmlns:a16="http://schemas.microsoft.com/office/drawing/2014/main" id="{4AFF316F-B264-ED42-8966-185AFEF7707E}"/>
+              </a:ext>
+            </a:extLst>
+          </p:cNvPr>
+          <p:cNvCxnSpPr>
+            <a:cxnSpLocks/>
+            <a:stCxn id="80" idx="3"/>
+            <a:endCxn id="79" idx="1"/>
+          </p:cNvCxnSpPr>
+          <p:nvPr/>
+        </p:nvCxnSpPr>
+        <p:spPr>
+          <a:xfrm>
+            <a:off x="4271438" y="3881117"/>
+            <a:ext cx="282594" cy="4921"/>
+          </a:xfrm>
+          <a:prstGeom prst="straightConnector1">
+            <a:avLst/>
+          </a:prstGeom>
+          <a:ln w="9525">
+            <a:tailEnd type="triangle"/>
+          </a:ln>
+        </p:spPr>
+        <p:style>
+          <a:lnRef idx="1">
+            <a:schemeClr val="accent1"/>
+          </a:lnRef>
+          <a:fillRef idx="0">
+            <a:schemeClr val="accent1"/>
+          </a:fillRef>
+          <a:effectRef idx="0">
+            <a:schemeClr val="accent1"/>
+          </a:effectRef>
+          <a:fontRef idx="minor">
+            <a:schemeClr val="tx1"/>
+          </a:fontRef>
+        </p:style>
+      </p:cxnSp>
+      <p:grpSp>
+        <p:nvGrpSpPr>
+          <p:cNvPr id="24" name="Group 23">
+            <a:extLst>
+              <a:ext uri="{FF2B5EF4-FFF2-40B4-BE49-F238E27FC236}">
+                <a16:creationId xmlns:a16="http://schemas.microsoft.com/office/drawing/2014/main" id="{34A88E14-EF31-F441-BAEE-19687236CF6E}"/>
+              </a:ext>
+            </a:extLst>
+          </p:cNvPr>
+          <p:cNvGrpSpPr/>
+          <p:nvPr/>
+        </p:nvGrpSpPr>
+        <p:grpSpPr>
+          <a:xfrm rot="21317275">
+            <a:off x="1942910" y="3809293"/>
+            <a:ext cx="107365" cy="145213"/>
+            <a:chOff x="2601257" y="4031743"/>
+            <a:chExt cx="192526" cy="192527"/>
+          </a:xfrm>
+        </p:grpSpPr>
+        <p:sp>
+          <p:nvSpPr>
+            <p:cNvPr id="74" name="Arc 73">
+              <a:extLst>
+                <a:ext uri="{FF2B5EF4-FFF2-40B4-BE49-F238E27FC236}">
+                  <a16:creationId xmlns:a16="http://schemas.microsoft.com/office/drawing/2014/main" id="{3C0D4A02-1EE0-0749-B002-E9137076368C}"/>
+                </a:ext>
+              </a:extLst>
+            </p:cNvPr>
+            <p:cNvSpPr/>
+            <p:nvPr/>
+          </p:nvSpPr>
+          <p:spPr>
+            <a:xfrm>
+              <a:off x="2607801" y="4031744"/>
+              <a:ext cx="169743" cy="192526"/>
+            </a:xfrm>
+            <a:prstGeom prst="arc">
+              <a:avLst/>
+            </a:prstGeom>
+            <a:ln w="12700">
+              <a:solidFill>
+                <a:srgbClr val="FF0000"/>
+              </a:solidFill>
+            </a:ln>
+          </p:spPr>
+          <p:style>
+            <a:lnRef idx="1">
+              <a:schemeClr val="accent1"/>
+            </a:lnRef>
+            <a:fillRef idx="0">
+              <a:schemeClr val="accent1"/>
+            </a:fillRef>
+            <a:effectRef idx="0">
+              <a:schemeClr val="accent1"/>
+            </a:effectRef>
+            <a:fontRef idx="minor">
+              <a:schemeClr val="tx1"/>
+            </a:fontRef>
+          </p:style>
+          <p:txBody>
+            <a:bodyPr rtlCol="0" anchor="ctr"/>
+            <a:lstStyle/>
+            <a:p>
+              <a:pPr algn="ctr"/>
+              <a:endParaRPr lang="en-US"/>
+            </a:p>
+          </p:txBody>
+        </p:sp>
+        <p:sp>
+          <p:nvSpPr>
+            <p:cNvPr id="75" name="Arc 74">
+              <a:extLst>
+                <a:ext uri="{FF2B5EF4-FFF2-40B4-BE49-F238E27FC236}">
+                  <a16:creationId xmlns:a16="http://schemas.microsoft.com/office/drawing/2014/main" id="{2C172C37-A7F6-3641-950A-15C9F74A4205}"/>
+                </a:ext>
+              </a:extLst>
+            </p:cNvPr>
+            <p:cNvSpPr/>
+            <p:nvPr/>
+          </p:nvSpPr>
+          <p:spPr>
+            <a:xfrm rot="16200000">
+              <a:off x="2612648" y="4020352"/>
+              <a:ext cx="169743" cy="192526"/>
+            </a:xfrm>
+            <a:prstGeom prst="arc">
+              <a:avLst/>
+            </a:prstGeom>
+            <a:ln w="12700">
+              <a:solidFill>
+                <a:srgbClr val="FF0000"/>
+              </a:solidFill>
+            </a:ln>
+          </p:spPr>
+          <p:style>
+            <a:lnRef idx="1">
+              <a:schemeClr val="accent1"/>
+            </a:lnRef>
+            <a:fillRef idx="0">
+              <a:schemeClr val="accent1"/>
+            </a:fillRef>
+            <a:effectRef idx="0">
+              <a:schemeClr val="accent1"/>
+            </a:effectRef>
+            <a:fontRef idx="minor">
+              <a:schemeClr val="tx1"/>
+            </a:fontRef>
+          </p:style>
+          <p:txBody>
+            <a:bodyPr rtlCol="0" anchor="ctr"/>
+            <a:lstStyle/>
+            <a:p>
+              <a:pPr algn="ctr"/>
+              <a:endParaRPr lang="en-US"/>
+            </a:p>
+          </p:txBody>
+        </p:sp>
+      </p:grpSp>
+      <p:grpSp>
+        <p:nvGrpSpPr>
+          <p:cNvPr id="25" name="Group 24">
+            <a:extLst>
+              <a:ext uri="{FF2B5EF4-FFF2-40B4-BE49-F238E27FC236}">
+                <a16:creationId xmlns:a16="http://schemas.microsoft.com/office/drawing/2014/main" id="{EA258A04-65C6-4545-9EF5-45AB364B8EA2}"/>
+              </a:ext>
+            </a:extLst>
+          </p:cNvPr>
+          <p:cNvGrpSpPr/>
+          <p:nvPr/>
+        </p:nvGrpSpPr>
+        <p:grpSpPr>
+          <a:xfrm rot="21317275">
+            <a:off x="2628947" y="3815250"/>
+            <a:ext cx="107365" cy="145213"/>
+            <a:chOff x="2601257" y="4031743"/>
+            <a:chExt cx="192526" cy="192527"/>
+          </a:xfrm>
+        </p:grpSpPr>
+        <p:sp>
+          <p:nvSpPr>
+            <p:cNvPr id="72" name="Arc 71">
+              <a:extLst>
+                <a:ext uri="{FF2B5EF4-FFF2-40B4-BE49-F238E27FC236}">
+                  <a16:creationId xmlns:a16="http://schemas.microsoft.com/office/drawing/2014/main" id="{6F960626-4C0C-8C41-9CBE-5CB3CC88031D}"/>
+                </a:ext>
+              </a:extLst>
+            </p:cNvPr>
+            <p:cNvSpPr/>
+            <p:nvPr/>
+          </p:nvSpPr>
+          <p:spPr>
+            <a:xfrm>
+              <a:off x="2607801" y="4031744"/>
+              <a:ext cx="169743" cy="192526"/>
+            </a:xfrm>
+            <a:prstGeom prst="arc">
+              <a:avLst/>
+            </a:prstGeom>
+          </p:spPr>
+          <p:style>
+            <a:lnRef idx="1">
+              <a:schemeClr val="accent1"/>
+            </a:lnRef>
+            <a:fillRef idx="0">
+              <a:schemeClr val="accent1"/>
+            </a:fillRef>
+            <a:effectRef idx="0">
+              <a:schemeClr val="accent1"/>
+            </a:effectRef>
+            <a:fontRef idx="minor">
+              <a:schemeClr val="tx1"/>
+            </a:fontRef>
+          </p:style>
+          <p:txBody>
+            <a:bodyPr rtlCol="0" anchor="ctr"/>
+            <a:lstStyle/>
+            <a:p>
+              <a:pPr algn="ctr"/>
+              <a:endParaRPr lang="en-US"/>
+            </a:p>
+          </p:txBody>
+        </p:sp>
+        <p:sp>
+          <p:nvSpPr>
+            <p:cNvPr id="73" name="Arc 72">
+              <a:extLst>
+                <a:ext uri="{FF2B5EF4-FFF2-40B4-BE49-F238E27FC236}">
+                  <a16:creationId xmlns:a16="http://schemas.microsoft.com/office/drawing/2014/main" id="{C0AE3DDD-F8B8-7F45-8687-33C5C9D762A9}"/>
+                </a:ext>
+              </a:extLst>
+            </p:cNvPr>
+            <p:cNvSpPr/>
+            <p:nvPr/>
+          </p:nvSpPr>
+          <p:spPr>
+            <a:xfrm rot="16200000">
+              <a:off x="2612648" y="4020352"/>
+              <a:ext cx="169743" cy="192526"/>
+            </a:xfrm>
+            <a:prstGeom prst="arc">
+              <a:avLst/>
+            </a:prstGeom>
+          </p:spPr>
+          <p:style>
+            <a:lnRef idx="1">
+              <a:schemeClr val="accent1"/>
+            </a:lnRef>
+            <a:fillRef idx="0">
+              <a:schemeClr val="accent1"/>
+            </a:fillRef>
+            <a:effectRef idx="0">
+              <a:schemeClr val="accent1"/>
+            </a:effectRef>
+            <a:fontRef idx="minor">
+              <a:schemeClr val="tx1"/>
+            </a:fontRef>
+          </p:style>
+          <p:txBody>
+            <a:bodyPr rtlCol="0" anchor="ctr"/>
+            <a:lstStyle/>
+            <a:p>
+              <a:pPr algn="ctr"/>
+              <a:endParaRPr lang="en-US"/>
+            </a:p>
+          </p:txBody>
+        </p:sp>
+      </p:grpSp>
+      <p:grpSp>
+        <p:nvGrpSpPr>
+          <p:cNvPr id="26" name="Group 25">
+            <a:extLst>
+              <a:ext uri="{FF2B5EF4-FFF2-40B4-BE49-F238E27FC236}">
+                <a16:creationId xmlns:a16="http://schemas.microsoft.com/office/drawing/2014/main" id="{13DE445F-AEB1-644A-B289-335067A3929A}"/>
+              </a:ext>
+            </a:extLst>
+          </p:cNvPr>
+          <p:cNvGrpSpPr/>
+          <p:nvPr/>
+        </p:nvGrpSpPr>
+        <p:grpSpPr>
+          <a:xfrm rot="21317275">
+            <a:off x="3314388" y="3808509"/>
+            <a:ext cx="107365" cy="145213"/>
+            <a:chOff x="2601257" y="4031743"/>
+            <a:chExt cx="192526" cy="192527"/>
+          </a:xfrm>
+        </p:grpSpPr>
+        <p:sp>
+          <p:nvSpPr>
+            <p:cNvPr id="70" name="Arc 69">
+              <a:extLst>
+                <a:ext uri="{FF2B5EF4-FFF2-40B4-BE49-F238E27FC236}">
+                  <a16:creationId xmlns:a16="http://schemas.microsoft.com/office/drawing/2014/main" id="{234A6ACF-C874-7F41-9F6B-E6D0AA4A4171}"/>
+                </a:ext>
+              </a:extLst>
+            </p:cNvPr>
+            <p:cNvSpPr/>
+            <p:nvPr/>
+          </p:nvSpPr>
+          <p:spPr>
+            <a:xfrm>
+              <a:off x="2607801" y="4031744"/>
+              <a:ext cx="169743" cy="192526"/>
+            </a:xfrm>
+            <a:prstGeom prst="arc">
+              <a:avLst/>
+            </a:prstGeom>
+          </p:spPr>
+          <p:style>
+            <a:lnRef idx="1">
+              <a:schemeClr val="accent1"/>
+            </a:lnRef>
+            <a:fillRef idx="0">
+              <a:schemeClr val="accent1"/>
+            </a:fillRef>
+            <a:effectRef idx="0">
+              <a:schemeClr val="accent1"/>
+            </a:effectRef>
+            <a:fontRef idx="minor">
+              <a:schemeClr val="tx1"/>
+            </a:fontRef>
+          </p:style>
+          <p:txBody>
+            <a:bodyPr rtlCol="0" anchor="ctr"/>
+            <a:lstStyle/>
+            <a:p>
+              <a:pPr algn="ctr"/>
+              <a:endParaRPr lang="en-US"/>
+            </a:p>
+          </p:txBody>
+        </p:sp>
+        <p:sp>
+          <p:nvSpPr>
+            <p:cNvPr id="71" name="Arc 70">
+              <a:extLst>
+                <a:ext uri="{FF2B5EF4-FFF2-40B4-BE49-F238E27FC236}">
+                  <a16:creationId xmlns:a16="http://schemas.microsoft.com/office/drawing/2014/main" id="{CE9A5600-A10E-FB42-A79D-2FCB02DFAA9D}"/>
+                </a:ext>
+              </a:extLst>
+            </p:cNvPr>
+            <p:cNvSpPr/>
+            <p:nvPr/>
+          </p:nvSpPr>
+          <p:spPr>
+            <a:xfrm rot="16200000">
+              <a:off x="2612648" y="4020352"/>
+              <a:ext cx="169743" cy="192526"/>
+            </a:xfrm>
+            <a:prstGeom prst="arc">
+              <a:avLst/>
+            </a:prstGeom>
+          </p:spPr>
+          <p:style>
+            <a:lnRef idx="1">
+              <a:schemeClr val="accent1"/>
+            </a:lnRef>
+            <a:fillRef idx="0">
+              <a:schemeClr val="accent1"/>
+            </a:fillRef>
+            <a:effectRef idx="0">
+              <a:schemeClr val="accent1"/>
+            </a:effectRef>
+            <a:fontRef idx="minor">
+              <a:schemeClr val="tx1"/>
+            </a:fontRef>
+          </p:style>
+          <p:txBody>
+            <a:bodyPr rtlCol="0" anchor="ctr"/>
+            <a:lstStyle/>
+            <a:p>
+              <a:pPr algn="ctr"/>
+              <a:endParaRPr lang="en-US"/>
+            </a:p>
+          </p:txBody>
+        </p:sp>
+      </p:grpSp>
+      <p:cxnSp>
+        <p:nvCxnSpPr>
+          <p:cNvPr id="27" name="Straight Connector 26">
+            <a:extLst>
+              <a:ext uri="{FF2B5EF4-FFF2-40B4-BE49-F238E27FC236}">
+                <a16:creationId xmlns:a16="http://schemas.microsoft.com/office/drawing/2014/main" id="{B193D158-0E87-BD47-B1B9-4EA3B554EA15}"/>
+              </a:ext>
+            </a:extLst>
+          </p:cNvPr>
+          <p:cNvCxnSpPr>
+            <a:cxnSpLocks/>
+            <a:stCxn id="74" idx="2"/>
+            <a:endCxn id="73" idx="0"/>
+          </p:cNvCxnSpPr>
+          <p:nvPr/>
+        </p:nvCxnSpPr>
+        <p:spPr>
+          <a:xfrm>
+            <a:off x="2041069" y="3878234"/>
+            <a:ext cx="587353" cy="5469"/>
+          </a:xfrm>
+          <a:prstGeom prst="line">
+            <a:avLst/>
+          </a:prstGeom>
+        </p:spPr>
+        <p:style>
+          <a:lnRef idx="1">
+            <a:schemeClr val="accent1"/>
+          </a:lnRef>
+          <a:fillRef idx="0">
+            <a:schemeClr val="accent1"/>
+          </a:fillRef>
+          <a:effectRef idx="0">
+            <a:schemeClr val="accent1"/>
+          </a:effectRef>
+          <a:fontRef idx="minor">
+            <a:schemeClr val="tx1"/>
+          </a:fontRef>
+        </p:style>
+      </p:cxnSp>
+      <p:cxnSp>
+        <p:nvCxnSpPr>
+          <p:cNvPr id="28" name="Straight Connector 27">
+            <a:extLst>
+              <a:ext uri="{FF2B5EF4-FFF2-40B4-BE49-F238E27FC236}">
+                <a16:creationId xmlns:a16="http://schemas.microsoft.com/office/drawing/2014/main" id="{84DB52CD-E381-B84A-82C0-9312F93DCD99}"/>
+              </a:ext>
+            </a:extLst>
+          </p:cNvPr>
+          <p:cNvCxnSpPr>
+            <a:cxnSpLocks/>
+            <a:stCxn id="72" idx="2"/>
+          </p:cNvCxnSpPr>
+          <p:nvPr/>
+        </p:nvCxnSpPr>
+        <p:spPr>
+          <a:xfrm flipV="1">
+            <a:off x="2727106" y="3879157"/>
+            <a:ext cx="581498" cy="5034"/>
+          </a:xfrm>
+          <a:prstGeom prst="line">
+            <a:avLst/>
+          </a:prstGeom>
+        </p:spPr>
+        <p:style>
+          <a:lnRef idx="1">
+            <a:schemeClr val="accent1"/>
+          </a:lnRef>
+          <a:fillRef idx="0">
+            <a:schemeClr val="accent1"/>
+          </a:fillRef>
+          <a:effectRef idx="0">
+            <a:schemeClr val="accent1"/>
+          </a:effectRef>
+          <a:fontRef idx="minor">
+            <a:schemeClr val="tx1"/>
+          </a:fontRef>
+        </p:style>
+      </p:cxnSp>
+      <p:cxnSp>
+        <p:nvCxnSpPr>
+          <p:cNvPr id="29" name="Straight Connector 28">
+            <a:extLst>
+              <a:ext uri="{FF2B5EF4-FFF2-40B4-BE49-F238E27FC236}">
+                <a16:creationId xmlns:a16="http://schemas.microsoft.com/office/drawing/2014/main" id="{F80FF0C0-94D8-E944-A291-DA6CBCE5C92D}"/>
+              </a:ext>
+            </a:extLst>
+          </p:cNvPr>
+          <p:cNvCxnSpPr>
+            <a:cxnSpLocks/>
+            <a:endCxn id="80" idx="1"/>
+          </p:cNvCxnSpPr>
+          <p:nvPr/>
+        </p:nvCxnSpPr>
+        <p:spPr>
+          <a:xfrm>
+            <a:off x="3414512" y="3879157"/>
+            <a:ext cx="484120" cy="1960"/>
+          </a:xfrm>
+          <a:prstGeom prst="line">
+            <a:avLst/>
+          </a:prstGeom>
+          <a:ln>
+            <a:headEnd type="none"/>
+            <a:tailEnd type="triangle"/>
+          </a:ln>
+        </p:spPr>
+        <p:style>
+          <a:lnRef idx="1">
+            <a:schemeClr val="accent1"/>
+          </a:lnRef>
+          <a:fillRef idx="0">
+            <a:schemeClr val="accent1"/>
+          </a:fillRef>
+          <a:effectRef idx="0">
+            <a:schemeClr val="accent1"/>
+          </a:effectRef>
+          <a:fontRef idx="minor">
+            <a:schemeClr val="tx1"/>
+          </a:fontRef>
+        </p:style>
+      </p:cxnSp>
+      <p:cxnSp>
+        <p:nvCxnSpPr>
+          <p:cNvPr id="30" name="Straight Connector 29">
+            <a:extLst>
+              <a:ext uri="{FF2B5EF4-FFF2-40B4-BE49-F238E27FC236}">
+                <a16:creationId xmlns:a16="http://schemas.microsoft.com/office/drawing/2014/main" id="{1AFF87B2-1068-7547-BD5E-6B1CD3F2151B}"/>
+              </a:ext>
+            </a:extLst>
+          </p:cNvPr>
+          <p:cNvCxnSpPr>
+            <a:cxnSpLocks/>
+          </p:cNvCxnSpPr>
+          <p:nvPr/>
+        </p:nvCxnSpPr>
+        <p:spPr>
+          <a:xfrm>
+            <a:off x="1368132" y="3879157"/>
+            <a:ext cx="576227" cy="1707"/>
+          </a:xfrm>
+          <a:prstGeom prst="line">
+            <a:avLst/>
+          </a:prstGeom>
+          <a:ln w="12700">
+            <a:solidFill>
+              <a:srgbClr val="FF0000"/>
+            </a:solidFill>
+          </a:ln>
+        </p:spPr>
+        <p:style>
+          <a:lnRef idx="1">
+            <a:schemeClr val="accent1"/>
+          </a:lnRef>
+          <a:fillRef idx="0">
+            <a:schemeClr val="accent1"/>
+          </a:fillRef>
+          <a:effectRef idx="0">
+            <a:schemeClr val="accent1"/>
+          </a:effectRef>
+          <a:fontRef idx="minor">
+            <a:schemeClr val="tx1"/>
+          </a:fontRef>
+        </p:style>
+      </p:cxnSp>
+      <p:cxnSp>
+        <p:nvCxnSpPr>
+          <p:cNvPr id="31" name="Straight Connector 30">
+            <a:extLst>
+              <a:ext uri="{FF2B5EF4-FFF2-40B4-BE49-F238E27FC236}">
+                <a16:creationId xmlns:a16="http://schemas.microsoft.com/office/drawing/2014/main" id="{A9515035-2E39-8A4A-8F4F-C8B11DE89BE7}"/>
+              </a:ext>
+            </a:extLst>
+          </p:cNvPr>
+          <p:cNvCxnSpPr>
+            <a:cxnSpLocks/>
+            <a:stCxn id="90" idx="2"/>
+            <a:endCxn id="56" idx="0"/>
+          </p:cNvCxnSpPr>
+          <p:nvPr/>
+        </p:nvCxnSpPr>
+        <p:spPr>
+          <a:xfrm flipH="1">
+            <a:off x="1979478" y="3419551"/>
+            <a:ext cx="1198" cy="643187"/>
+          </a:xfrm>
+          <a:prstGeom prst="line">
+            <a:avLst/>
+          </a:prstGeom>
+          <a:ln>
+            <a:headEnd type="triangle"/>
+          </a:ln>
+        </p:spPr>
+        <p:style>
+          <a:lnRef idx="1">
+            <a:schemeClr val="accent1"/>
+          </a:lnRef>
+          <a:fillRef idx="0">
+            <a:schemeClr val="accent1"/>
+          </a:fillRef>
+          <a:effectRef idx="0">
+            <a:schemeClr val="accent1"/>
+          </a:effectRef>
+          <a:fontRef idx="minor">
+            <a:schemeClr val="tx1"/>
+          </a:fontRef>
+        </p:style>
+      </p:cxnSp>
+      <p:cxnSp>
+        <p:nvCxnSpPr>
+          <p:cNvPr id="32" name="Straight Connector 31">
+            <a:extLst>
+              <a:ext uri="{FF2B5EF4-FFF2-40B4-BE49-F238E27FC236}">
+                <a16:creationId xmlns:a16="http://schemas.microsoft.com/office/drawing/2014/main" id="{3DD96F02-A48D-4C43-ABF7-A3EE2A9FCB17}"/>
+              </a:ext>
+            </a:extLst>
+          </p:cNvPr>
+          <p:cNvCxnSpPr>
+            <a:cxnSpLocks/>
+            <a:stCxn id="88" idx="2"/>
+            <a:endCxn id="55" idx="0"/>
+          </p:cNvCxnSpPr>
+          <p:nvPr/>
+        </p:nvCxnSpPr>
+        <p:spPr>
+          <a:xfrm>
+            <a:off x="2664625" y="3414546"/>
+            <a:ext cx="4285" cy="658249"/>
+          </a:xfrm>
+          <a:prstGeom prst="line">
+            <a:avLst/>
+          </a:prstGeom>
+          <a:ln w="12700">
+            <a:solidFill>
+              <a:srgbClr val="FF0000"/>
+            </a:solidFill>
+            <a:headEnd type="triangle"/>
+          </a:ln>
+        </p:spPr>
+        <p:style>
+          <a:lnRef idx="1">
+            <a:schemeClr val="accent1"/>
+          </a:lnRef>
+          <a:fillRef idx="0">
+            <a:schemeClr val="accent1"/>
+          </a:fillRef>
+          <a:effectRef idx="0">
+            <a:schemeClr val="accent1"/>
+          </a:effectRef>
+          <a:fontRef idx="minor">
+            <a:schemeClr val="tx1"/>
+          </a:fontRef>
+        </p:style>
+      </p:cxnSp>
+      <p:cxnSp>
+        <p:nvCxnSpPr>
+          <p:cNvPr id="33" name="Straight Connector 32">
+            <a:extLst>
+              <a:ext uri="{FF2B5EF4-FFF2-40B4-BE49-F238E27FC236}">
+                <a16:creationId xmlns:a16="http://schemas.microsoft.com/office/drawing/2014/main" id="{6AA50778-2AC6-C64A-899F-69DBDD4C0C35}"/>
+              </a:ext>
+            </a:extLst>
+          </p:cNvPr>
+          <p:cNvCxnSpPr>
+            <a:cxnSpLocks/>
+          </p:cNvCxnSpPr>
+          <p:nvPr/>
+        </p:nvCxnSpPr>
+        <p:spPr>
+          <a:xfrm flipH="1">
+            <a:off x="3352136" y="3429000"/>
+            <a:ext cx="3653" cy="651267"/>
+          </a:xfrm>
+          <a:prstGeom prst="line">
+            <a:avLst/>
+          </a:prstGeom>
+          <a:ln>
+            <a:headEnd type="triangle"/>
+          </a:ln>
+        </p:spPr>
+        <p:style>
+          <a:lnRef idx="1">
+            <a:schemeClr val="accent1"/>
+          </a:lnRef>
+          <a:fillRef idx="0">
+            <a:schemeClr val="accent1"/>
+          </a:fillRef>
+          <a:effectRef idx="0">
+            <a:schemeClr val="accent1"/>
+          </a:effectRef>
+          <a:fontRef idx="minor">
+            <a:schemeClr val="tx1"/>
+          </a:fontRef>
+        </p:style>
+      </p:cxnSp>
+      <p:sp>
+        <p:nvSpPr>
+          <p:cNvPr id="34" name="Arc 33">
+            <a:extLst>
+              <a:ext uri="{FF2B5EF4-FFF2-40B4-BE49-F238E27FC236}">
+                <a16:creationId xmlns:a16="http://schemas.microsoft.com/office/drawing/2014/main" id="{EFBF9557-14B0-3042-908E-4518E0CDA252}"/>
+              </a:ext>
+            </a:extLst>
+          </p:cNvPr>
+          <p:cNvSpPr/>
+          <p:nvPr/>
+        </p:nvSpPr>
+        <p:spPr>
+          <a:xfrm rot="4952950">
+            <a:off x="1583143" y="3486157"/>
+            <a:ext cx="402220" cy="386322"/>
+          </a:xfrm>
+          <a:prstGeom prst="arc">
+            <a:avLst/>
+          </a:prstGeom>
+        </p:spPr>
+        <p:style>
+          <a:lnRef idx="1">
+            <a:schemeClr val="accent1"/>
+          </a:lnRef>
+          <a:fillRef idx="0">
+            <a:schemeClr val="accent1"/>
+          </a:fillRef>
+          <a:effectRef idx="0">
+            <a:schemeClr val="accent1"/>
+          </a:effectRef>
+          <a:fontRef idx="minor">
+            <a:schemeClr val="tx1"/>
+          </a:fontRef>
+        </p:style>
+        <p:txBody>
+          <a:bodyPr rtlCol="0" anchor="ctr"/>
+          <a:lstStyle/>
+          <a:p>
+            <a:pPr algn="ctr"/>
+            <a:endParaRPr lang="en-US"/>
+      